--- a/Powerpoint v3.pptx
+++ b/Powerpoint v3.pptx
@@ -5,7 +5,7 @@
     <p:sldMasterId id="2147483648" r:id="rId1"/>
   </p:sldMasterIdLst>
   <p:notesMasterIdLst>
-    <p:notesMasterId r:id="rId39"/>
+    <p:notesMasterId r:id="rId40"/>
   </p:notesMasterIdLst>
   <p:sldIdLst>
     <p:sldId id="256" r:id="rId2"/>
@@ -35,16 +35,17 @@
     <p:sldId id="291" r:id="rId26"/>
     <p:sldId id="267" r:id="rId27"/>
     <p:sldId id="282" r:id="rId28"/>
-    <p:sldId id="281" r:id="rId29"/>
-    <p:sldId id="292" r:id="rId30"/>
-    <p:sldId id="269" r:id="rId31"/>
-    <p:sldId id="284" r:id="rId32"/>
-    <p:sldId id="285" r:id="rId33"/>
-    <p:sldId id="293" r:id="rId34"/>
-    <p:sldId id="271" r:id="rId35"/>
-    <p:sldId id="294" r:id="rId36"/>
-    <p:sldId id="283" r:id="rId37"/>
-    <p:sldId id="286" r:id="rId38"/>
+    <p:sldId id="304" r:id="rId29"/>
+    <p:sldId id="281" r:id="rId30"/>
+    <p:sldId id="292" r:id="rId31"/>
+    <p:sldId id="269" r:id="rId32"/>
+    <p:sldId id="284" r:id="rId33"/>
+    <p:sldId id="285" r:id="rId34"/>
+    <p:sldId id="293" r:id="rId35"/>
+    <p:sldId id="271" r:id="rId36"/>
+    <p:sldId id="294" r:id="rId37"/>
+    <p:sldId id="283" r:id="rId38"/>
+    <p:sldId id="286" r:id="rId39"/>
   </p:sldIdLst>
   <p:sldSz cx="12192000" cy="6858000"/>
   <p:notesSz cx="6858000" cy="9144000"/>
@@ -199,6 +200,7 @@
             <p14:sldId id="291"/>
             <p14:sldId id="267"/>
             <p14:sldId id="282"/>
+            <p14:sldId id="304"/>
             <p14:sldId id="281"/>
           </p14:sldIdLst>
         </p14:section>
@@ -318,7 +320,7 @@
           <a:p>
             <a:fld id="{6653C7EC-378C-496A-9946-B9D0B56795BD}" type="datetimeFigureOut">
               <a:rPr lang="en-CH" smtClean="0"/>
-              <a:t>07/01/2022</a:t>
+              <a:t>21/01/2022</a:t>
             </a:fld>
             <a:endParaRPr lang="en-CH"/>
           </a:p>
@@ -735,7 +737,7 @@
           <a:p>
             <a:fld id="{D71E13D6-B070-45C8-AC42-90F25AD4976F}" type="datetime8">
               <a:rPr lang="en-CH" smtClean="0"/>
-              <a:t>07/01/2022 09:12</a:t>
+              <a:t>21/01/2022 16:32</a:t>
             </a:fld>
             <a:endParaRPr lang="en-CH"/>
           </a:p>
@@ -935,7 +937,7 @@
           <a:p>
             <a:fld id="{34C1AEE4-2DCF-4A66-9927-6F783BB52BE0}" type="datetime8">
               <a:rPr lang="en-CH" smtClean="0"/>
-              <a:t>07/01/2022 09:12</a:t>
+              <a:t>21/01/2022 16:32</a:t>
             </a:fld>
             <a:endParaRPr lang="en-CH"/>
           </a:p>
@@ -1145,7 +1147,7 @@
           <a:p>
             <a:fld id="{C4C13A0D-7035-4256-BB1C-652F6CDC1D82}" type="datetime8">
               <a:rPr lang="en-CH" smtClean="0"/>
-              <a:t>07/01/2022 09:12</a:t>
+              <a:t>21/01/2022 16:32</a:t>
             </a:fld>
             <a:endParaRPr lang="en-CH"/>
           </a:p>
@@ -1345,7 +1347,7 @@
           <a:p>
             <a:fld id="{A720F8AA-53F4-4181-BD2C-7354613DB587}" type="datetime8">
               <a:rPr lang="en-CH" smtClean="0"/>
-              <a:t>07/01/2022 09:12</a:t>
+              <a:t>21/01/2022 16:32</a:t>
             </a:fld>
             <a:endParaRPr lang="en-CH"/>
           </a:p>
@@ -1621,7 +1623,7 @@
           <a:p>
             <a:fld id="{18ED5C57-181E-4E8A-8032-E5587C441532}" type="datetime8">
               <a:rPr lang="en-CH" smtClean="0"/>
-              <a:t>07/01/2022 09:12</a:t>
+              <a:t>21/01/2022 16:32</a:t>
             </a:fld>
             <a:endParaRPr lang="en-CH"/>
           </a:p>
@@ -1889,7 +1891,7 @@
           <a:p>
             <a:fld id="{2711B6E1-EBCF-4960-9E94-A2CE4CEDA9CF}" type="datetime8">
               <a:rPr lang="en-CH" smtClean="0"/>
-              <a:t>07/01/2022 09:12</a:t>
+              <a:t>21/01/2022 16:32</a:t>
             </a:fld>
             <a:endParaRPr lang="en-CH"/>
           </a:p>
@@ -2304,7 +2306,7 @@
           <a:p>
             <a:fld id="{60888D22-8975-4143-BBCD-F78A0E3504A0}" type="datetime8">
               <a:rPr lang="en-CH" smtClean="0"/>
-              <a:t>07/01/2022 09:12</a:t>
+              <a:t>21/01/2022 16:32</a:t>
             </a:fld>
             <a:endParaRPr lang="en-CH"/>
           </a:p>
@@ -2446,7 +2448,7 @@
           <a:p>
             <a:fld id="{CB62F5ED-9834-4FF8-A8E6-FE85BE4A88B6}" type="datetime8">
               <a:rPr lang="en-CH" smtClean="0"/>
-              <a:t>07/01/2022 09:12</a:t>
+              <a:t>21/01/2022 16:32</a:t>
             </a:fld>
             <a:endParaRPr lang="en-CH"/>
           </a:p>
@@ -2559,7 +2561,7 @@
           <a:p>
             <a:fld id="{91C4E595-669A-4DA7-8755-75BCB1DD65E9}" type="datetime8">
               <a:rPr lang="en-CH" smtClean="0"/>
-              <a:t>07/01/2022 09:12</a:t>
+              <a:t>21/01/2022 16:32</a:t>
             </a:fld>
             <a:endParaRPr lang="en-CH"/>
           </a:p>
@@ -2872,7 +2874,7 @@
           <a:p>
             <a:fld id="{1D3E9293-092D-4F3B-852B-B7B73C73F1F9}" type="datetime8">
               <a:rPr lang="en-CH" smtClean="0"/>
-              <a:t>07/01/2022 09:12</a:t>
+              <a:t>21/01/2022 16:32</a:t>
             </a:fld>
             <a:endParaRPr lang="en-CH"/>
           </a:p>
@@ -3161,7 +3163,7 @@
           <a:p>
             <a:fld id="{72DA9548-12AA-4712-AB6D-8087536C3BD4}" type="datetime8">
               <a:rPr lang="en-CH" smtClean="0"/>
-              <a:t>07/01/2022 09:12</a:t>
+              <a:t>21/01/2022 16:32</a:t>
             </a:fld>
             <a:endParaRPr lang="en-CH"/>
           </a:p>
@@ -3404,7 +3406,7 @@
           <a:p>
             <a:fld id="{361E5043-500B-4A06-A6BE-2D713F12E4A2}" type="datetime8">
               <a:rPr lang="en-CH" smtClean="0"/>
-              <a:t>07/01/2022 09:12</a:t>
+              <a:t>21/01/2022 16:32</a:t>
             </a:fld>
             <a:endParaRPr lang="en-CH"/>
           </a:p>
@@ -4600,9 +4602,10 @@
           <a:p>
             <a:pPr lvl="1"/>
             <a:r>
-              <a:rPr lang="en-US" dirty="0"/>
-              <a:t>Images</a:t>
-            </a:r>
+              <a:rPr lang="en-US" dirty="0" err="1"/>
+              <a:t>Bilder</a:t>
+            </a:r>
+            <a:endParaRPr lang="en-US" dirty="0"/>
           </a:p>
           <a:p>
             <a:pPr lvl="1"/>
@@ -5699,7 +5702,7 @@
             </a:r>
             <a:r>
               <a:rPr lang="en-US" dirty="0" err="1"/>
-              <a:t>bibliothek</a:t>
+              <a:t>Bibliothek</a:t>
             </a:r>
             <a:r>
               <a:rPr lang="en-US" dirty="0"/>
@@ -5963,7 +5966,7 @@
             </a:r>
             <a:r>
               <a:rPr lang="en-US" dirty="0" err="1"/>
-              <a:t>bibliothek</a:t>
+              <a:t>Bibliothek</a:t>
             </a:r>
             <a:endParaRPr lang="en-US" dirty="0"/>
           </a:p>
@@ -6011,8 +6014,12 @@
           <a:p>
             <a:pPr lvl="1"/>
             <a:r>
+              <a:rPr lang="en-US" dirty="0" err="1"/>
+              <a:t>Daten</a:t>
+            </a:r>
+            <a:r>
               <a:rPr lang="en-US" dirty="0"/>
-              <a:t>Data in DB </a:t>
+              <a:t> in DB </a:t>
             </a:r>
             <a:r>
               <a:rPr lang="en-US" dirty="0" err="1"/>
@@ -6023,8 +6030,12 @@
           <a:p>
             <a:pPr lvl="1"/>
             <a:r>
+              <a:rPr lang="en-US" dirty="0" err="1"/>
+              <a:t>Daten</a:t>
+            </a:r>
+            <a:r>
               <a:rPr lang="en-US" dirty="0"/>
-              <a:t>Data von DB </a:t>
+              <a:t> von DB </a:t>
             </a:r>
             <a:r>
               <a:rPr lang="en-US" dirty="0" err="1"/>
@@ -6035,16 +6046,19 @@
           <a:p>
             <a:pPr lvl="1"/>
             <a:r>
+              <a:rPr lang="en-US" dirty="0"/>
+              <a:t>Plots</a:t>
+            </a:r>
+          </a:p>
+          <a:p>
+            <a:pPr lvl="1"/>
+            <a:r>
               <a:rPr lang="en-US" dirty="0" err="1"/>
-              <a:t>Graphen</a:t>
-            </a:r>
-            <a:endParaRPr lang="en-US" dirty="0"/>
-          </a:p>
-          <a:p>
-            <a:pPr lvl="1"/>
+              <a:t>Vorhersagen</a:t>
+            </a:r>
             <a:r>
               <a:rPr lang="en-US" dirty="0"/>
-              <a:t>Prediction (Nearest </a:t>
+              <a:t> (Nearest </a:t>
             </a:r>
             <a:r>
               <a:rPr lang="en-US" dirty="0" err="1"/>
@@ -6746,7 +6760,7 @@
           <a:p>
             <a:r>
               <a:rPr lang="en-US" dirty="0" err="1"/>
-              <a:t>Komplett</a:t>
+              <a:t>Selbst</a:t>
             </a:r>
             <a:r>
               <a:rPr lang="en-US" dirty="0"/>
@@ -6754,14 +6768,6 @@
             </a:r>
             <a:r>
               <a:rPr lang="en-US" dirty="0" err="1"/>
-              <a:t>selbst</a:t>
-            </a:r>
-            <a:r>
-              <a:rPr lang="en-US" dirty="0"/>
-              <a:t> </a:t>
-            </a:r>
-            <a:r>
-              <a:rPr lang="en-US" dirty="0" err="1"/>
               <a:t>entwickelt</a:t>
             </a:r>
             <a:endParaRPr lang="en-US" dirty="0"/>
@@ -6773,7 +6779,7 @@
             </a:r>
             <a:r>
               <a:rPr lang="en-US" dirty="0" err="1"/>
-              <a:t>Neighour</a:t>
+              <a:t>Neigbhour</a:t>
             </a:r>
             <a:endParaRPr lang="en-US" dirty="0"/>
           </a:p>
@@ -13101,7 +13107,7 @@
                 <a:latin typeface="Arial" panose="020B0604020202020204" pitchFamily="34" charset="0"/>
                 <a:cs typeface="Arial" panose="020B0604020202020204" pitchFamily="34" charset="0"/>
               </a:rPr>
-              <a:t>logging</a:t>
+              <a:t>Logging</a:t>
             </a:r>
             <a:endParaRPr lang="en-CH" dirty="0"/>
           </a:p>
@@ -13138,7 +13144,15 @@
             </a:r>
             <a:r>
               <a:rPr lang="en-US" dirty="0"/>
-              <a:t> warden diverse </a:t>
+              <a:t> </a:t>
+            </a:r>
+            <a:r>
+              <a:rPr lang="en-US" dirty="0" err="1"/>
+              <a:t>werden</a:t>
+            </a:r>
+            <a:r>
+              <a:rPr lang="en-US" dirty="0"/>
+              <a:t> diverse </a:t>
             </a:r>
             <a:r>
               <a:rPr lang="en-US" dirty="0" err="1"/>
@@ -13435,7 +13449,7 @@
                 <a:latin typeface="Arial" panose="020B0604020202020204" pitchFamily="34" charset="0"/>
                 <a:cs typeface="Arial" panose="020B0604020202020204" pitchFamily="34" charset="0"/>
               </a:rPr>
-              <a:t>threading</a:t>
+              <a:t>Threading</a:t>
             </a:r>
             <a:endParaRPr lang="en-CH" dirty="0"/>
           </a:p>
@@ -13464,7 +13478,7 @@
           <a:p>
             <a:r>
               <a:rPr lang="en-US" dirty="0"/>
-              <a:t>Main thread für Plots</a:t>
+              <a:t>Main Thread für Plots</a:t>
             </a:r>
           </a:p>
           <a:p>
@@ -13476,8 +13490,29 @@
           <a:p>
             <a:r>
               <a:rPr lang="en-US" dirty="0"/>
-              <a:t>Thread für Date List</a:t>
-            </a:r>
+              <a:t>Thread um </a:t>
+            </a:r>
+            <a:r>
+              <a:rPr lang="en-US" dirty="0" err="1"/>
+              <a:t>Wetterdaten</a:t>
+            </a:r>
+            <a:r>
+              <a:rPr lang="en-US" dirty="0"/>
+              <a:t> </a:t>
+            </a:r>
+            <a:r>
+              <a:rPr lang="en-US" dirty="0" err="1"/>
+              <a:t>zu</a:t>
+            </a:r>
+            <a:r>
+              <a:rPr lang="en-US" dirty="0"/>
+              <a:t> </a:t>
+            </a:r>
+            <a:r>
+              <a:rPr lang="en-US" dirty="0" err="1"/>
+              <a:t>aktualisieren</a:t>
+            </a:r>
+            <a:endParaRPr lang="en-US" dirty="0"/>
           </a:p>
           <a:p>
             <a:endParaRPr lang="en-CH" dirty="0"/>
@@ -13752,11 +13787,11 @@
               </a:rPr>
             </a:br>
             <a:r>
-              <a:rPr lang="en-US" sz="3600" i="1" dirty="0">
-                <a:latin typeface="Arial" panose="020B0604020202020204" pitchFamily="34" charset="0"/>
-                <a:cs typeface="Arial" panose="020B0604020202020204" pitchFamily="34" charset="0"/>
-              </a:rPr>
-              <a:t>Graphs</a:t>
+              <a:rPr lang="en-US" sz="3600" i="1" dirty="0" err="1">
+                <a:latin typeface="Arial" panose="020B0604020202020204" pitchFamily="34" charset="0"/>
+                <a:cs typeface="Arial" panose="020B0604020202020204" pitchFamily="34" charset="0"/>
+              </a:rPr>
+              <a:t>Grafiken</a:t>
             </a:r>
             <a:endParaRPr lang="en-CH" dirty="0"/>
           </a:p>
@@ -14715,15 +14750,7 @@
           <a:p>
             <a:r>
               <a:rPr lang="en-US" dirty="0"/>
-              <a:t>Flask </a:t>
-            </a:r>
-            <a:r>
-              <a:rPr lang="en-US" dirty="0" err="1"/>
-              <a:t>pyhton</a:t>
-            </a:r>
-            <a:r>
-              <a:rPr lang="en-US" dirty="0"/>
-              <a:t> Package</a:t>
+              <a:t>Flask Python Package</a:t>
             </a:r>
           </a:p>
           <a:p>
@@ -15814,6 +15841,430 @@
                 <a:latin typeface="Arial" panose="020B0604020202020204" pitchFamily="34" charset="0"/>
                 <a:cs typeface="Arial" panose="020B0604020202020204" pitchFamily="34" charset="0"/>
               </a:rPr>
+              <a:t>routing in main.py</a:t>
+            </a:r>
+            <a:endParaRPr lang="en-CH" dirty="0"/>
+          </a:p>
+        </p:txBody>
+      </p:sp>
+      <p:sp>
+        <p:nvSpPr>
+          <p:cNvPr id="4" name="Slide Number Placeholder 3">
+            <a:extLst>
+              <a:ext uri="{FF2B5EF4-FFF2-40B4-BE49-F238E27FC236}">
+                <a16:creationId xmlns:a16="http://schemas.microsoft.com/office/drawing/2014/main" id="{25E7D99B-055F-46C1-9ED3-2255A4486B53}"/>
+              </a:ext>
+            </a:extLst>
+          </p:cNvPr>
+          <p:cNvSpPr>
+            <a:spLocks noGrp="1"/>
+          </p:cNvSpPr>
+          <p:nvPr>
+            <p:ph type="sldNum" sz="quarter" idx="12"/>
+          </p:nvPr>
+        </p:nvSpPr>
+        <p:spPr/>
+        <p:txBody>
+          <a:bodyPr/>
+          <a:lstStyle/>
+          <a:p>
+            <a:fld id="{0F00D740-55B1-4DC8-A3B5-4535950A93D0}" type="slidenum">
+              <a:rPr lang="en-CH" smtClean="0"/>
+              <a:t>28</a:t>
+            </a:fld>
+            <a:endParaRPr lang="en-CH"/>
+          </a:p>
+        </p:txBody>
+      </p:sp>
+      <p:grpSp>
+        <p:nvGrpSpPr>
+          <p:cNvPr id="5" name="Group 4">
+            <a:extLst>
+              <a:ext uri="{FF2B5EF4-FFF2-40B4-BE49-F238E27FC236}">
+                <a16:creationId xmlns:a16="http://schemas.microsoft.com/office/drawing/2014/main" id="{4EC58CAD-48B2-4835-9E3B-91425F5E9895}"/>
+              </a:ext>
+            </a:extLst>
+          </p:cNvPr>
+          <p:cNvGrpSpPr/>
+          <p:nvPr/>
+        </p:nvGrpSpPr>
+        <p:grpSpPr>
+          <a:xfrm>
+            <a:off x="8990330" y="5808980"/>
+            <a:ext cx="3774440" cy="764540"/>
+            <a:chOff x="8990330" y="5808980"/>
+            <a:chExt cx="3774440" cy="764540"/>
+          </a:xfrm>
+        </p:grpSpPr>
+        <p:pic>
+          <p:nvPicPr>
+            <p:cNvPr id="6" name="Picture 5">
+              <a:extLst>
+                <a:ext uri="{FF2B5EF4-FFF2-40B4-BE49-F238E27FC236}">
+                  <a16:creationId xmlns:a16="http://schemas.microsoft.com/office/drawing/2014/main" id="{022721ED-DE7C-4BE7-8FB8-448D5A1D2FA3}"/>
+                </a:ext>
+              </a:extLst>
+            </p:cNvPr>
+            <p:cNvPicPr>
+              <a:picLocks noChangeAspect="1"/>
+            </p:cNvPicPr>
+            <p:nvPr/>
+          </p:nvPicPr>
+          <p:blipFill>
+            <a:blip r:embed="rId2" cstate="print">
+              <a:extLst>
+                <a:ext uri="{28A0092B-C50C-407E-A947-70E740481C1C}">
+                  <a14:useLocalDpi xmlns:a14="http://schemas.microsoft.com/office/drawing/2010/main" val="0"/>
+                </a:ext>
+              </a:extLst>
+            </a:blip>
+            <a:srcRect/>
+            <a:stretch>
+              <a:fillRect/>
+            </a:stretch>
+          </p:blipFill>
+          <p:spPr bwMode="auto">
+            <a:xfrm>
+              <a:off x="8990330" y="5808980"/>
+              <a:ext cx="942340" cy="558800"/>
+            </a:xfrm>
+            <a:prstGeom prst="rect">
+              <a:avLst/>
+            </a:prstGeom>
+            <a:noFill/>
+            <a:ln>
+              <a:noFill/>
+            </a:ln>
+          </p:spPr>
+        </p:pic>
+        <p:sp>
+          <p:nvSpPr>
+            <p:cNvPr id="7" name="Text Box 11">
+              <a:extLst>
+                <a:ext uri="{FF2B5EF4-FFF2-40B4-BE49-F238E27FC236}">
+                  <a16:creationId xmlns:a16="http://schemas.microsoft.com/office/drawing/2014/main" id="{D3B6ED79-9CCE-4997-8EDA-DFDF7934B22B}"/>
+                </a:ext>
+              </a:extLst>
+            </p:cNvPr>
+            <p:cNvSpPr txBox="1"/>
+            <p:nvPr/>
+          </p:nvSpPr>
+          <p:spPr>
+            <a:xfrm>
+              <a:off x="9999980" y="5923280"/>
+              <a:ext cx="2764790" cy="650240"/>
+            </a:xfrm>
+            <a:prstGeom prst="rect">
+              <a:avLst/>
+            </a:prstGeom>
+            <a:noFill/>
+            <a:ln w="6350">
+              <a:noFill/>
+            </a:ln>
+          </p:spPr>
+          <p:txBody>
+            <a:bodyPr rot="0" spcFirstLastPara="0" vert="horz" wrap="square" lIns="91440" tIns="45720" rIns="91440" bIns="45720" numCol="1" spcCol="0" rtlCol="0" fromWordArt="0" anchor="t" anchorCtr="0" forceAA="0" compatLnSpc="1">
+              <a:prstTxWarp prst="textNoShape">
+                <a:avLst/>
+              </a:prstTxWarp>
+              <a:noAutofit/>
+            </a:bodyPr>
+            <a:lstStyle/>
+            <a:p>
+              <a:pPr>
+                <a:lnSpc>
+                  <a:spcPct val="115000"/>
+                </a:lnSpc>
+              </a:pPr>
+              <a:r>
+                <a:rPr lang="en-US" sz="900" b="1">
+                  <a:solidFill>
+                    <a:srgbClr val="44546A"/>
+                  </a:solidFill>
+                  <a:effectLst/>
+                  <a:latin typeface="Calibri" panose="020F0502020204030204" pitchFamily="34" charset="0"/>
+                  <a:ea typeface="Times New Roman" panose="02020603050405020304" pitchFamily="18" charset="0"/>
+                  <a:cs typeface="Times New Roman" panose="02020603050405020304" pitchFamily="18" charset="0"/>
+                </a:rPr>
+                <a:t>Fachhochschule Nordwestschweiz</a:t>
+              </a:r>
+              <a:endParaRPr lang="en-CH" sz="1400" b="1">
+                <a:solidFill>
+                  <a:srgbClr val="44546A"/>
+                </a:solidFill>
+                <a:effectLst/>
+                <a:latin typeface="Calibri" panose="020F0502020204030204" pitchFamily="34" charset="0"/>
+                <a:ea typeface="Times New Roman" panose="02020603050405020304" pitchFamily="18" charset="0"/>
+                <a:cs typeface="Times New Roman" panose="02020603050405020304" pitchFamily="18" charset="0"/>
+              </a:endParaRPr>
+            </a:p>
+            <a:p>
+              <a:pPr>
+                <a:lnSpc>
+                  <a:spcPct val="115000"/>
+                </a:lnSpc>
+              </a:pPr>
+              <a:r>
+                <a:rPr lang="en-US" sz="900" b="1">
+                  <a:solidFill>
+                    <a:srgbClr val="44546A"/>
+                  </a:solidFill>
+                  <a:effectLst/>
+                  <a:latin typeface="Calibri" panose="020F0502020204030204" pitchFamily="34" charset="0"/>
+                  <a:ea typeface="Times New Roman" panose="02020603050405020304" pitchFamily="18" charset="0"/>
+                  <a:cs typeface="Times New Roman" panose="02020603050405020304" pitchFamily="18" charset="0"/>
+                </a:rPr>
+                <a:t>Hochschule für Technik</a:t>
+              </a:r>
+              <a:endParaRPr lang="en-CH" sz="1400" b="1">
+                <a:solidFill>
+                  <a:srgbClr val="44546A"/>
+                </a:solidFill>
+                <a:effectLst/>
+                <a:latin typeface="Calibri" panose="020F0502020204030204" pitchFamily="34" charset="0"/>
+                <a:ea typeface="Times New Roman" panose="02020603050405020304" pitchFamily="18" charset="0"/>
+                <a:cs typeface="Times New Roman" panose="02020603050405020304" pitchFamily="18" charset="0"/>
+              </a:endParaRPr>
+            </a:p>
+          </p:txBody>
+        </p:sp>
+      </p:grpSp>
+      <p:sp>
+        <p:nvSpPr>
+          <p:cNvPr id="23" name="Content Placeholder 2">
+            <a:extLst>
+              <a:ext uri="{FF2B5EF4-FFF2-40B4-BE49-F238E27FC236}">
+                <a16:creationId xmlns:a16="http://schemas.microsoft.com/office/drawing/2014/main" id="{075865A9-A72A-4315-A8EE-F069188AD505}"/>
+              </a:ext>
+            </a:extLst>
+          </p:cNvPr>
+          <p:cNvSpPr>
+            <a:spLocks noGrp="1"/>
+          </p:cNvSpPr>
+          <p:nvPr>
+            <p:ph idx="1"/>
+          </p:nvPr>
+        </p:nvSpPr>
+        <p:spPr>
+          <a:xfrm>
+            <a:off x="838200" y="1825625"/>
+            <a:ext cx="10515600" cy="4351338"/>
+          </a:xfrm>
+        </p:spPr>
+        <p:txBody>
+          <a:bodyPr/>
+          <a:lstStyle/>
+          <a:p>
+            <a:r>
+              <a:rPr lang="en-US" dirty="0"/>
+              <a:t>/</a:t>
+            </a:r>
+          </a:p>
+          <a:p>
+            <a:pPr lvl="1"/>
+            <a:r>
+              <a:rPr lang="en-US" dirty="0"/>
+              <a:t>Redirect to /</a:t>
+            </a:r>
+            <a:r>
+              <a:rPr lang="en-US" dirty="0" err="1"/>
+              <a:t>wetterstation</a:t>
+            </a:r>
+            <a:r>
+              <a:rPr lang="en-US" dirty="0"/>
+              <a:t>/</a:t>
+            </a:r>
+            <a:r>
+              <a:rPr lang="en-US" dirty="0" err="1"/>
+              <a:t>tiefenbrunnen</a:t>
+            </a:r>
+            <a:endParaRPr lang="en-US" dirty="0"/>
+          </a:p>
+          <a:p>
+            <a:r>
+              <a:rPr lang="en-US" dirty="0"/>
+              <a:t>/</a:t>
+            </a:r>
+            <a:r>
+              <a:rPr lang="en-US" dirty="0" err="1"/>
+              <a:t>wetterstation</a:t>
+            </a:r>
+            <a:r>
+              <a:rPr lang="en-US" dirty="0"/>
+              <a:t>/&lt;station&gt;</a:t>
+            </a:r>
+          </a:p>
+          <a:p>
+            <a:pPr lvl="1"/>
+            <a:r>
+              <a:rPr lang="en-US" dirty="0" err="1"/>
+              <a:t>Übersichtsseite</a:t>
+            </a:r>
+            <a:r>
+              <a:rPr lang="en-US" dirty="0"/>
+              <a:t> </a:t>
+            </a:r>
+            <a:r>
+              <a:rPr lang="en-US" dirty="0" err="1"/>
+              <a:t>Messstation</a:t>
+            </a:r>
+            <a:endParaRPr lang="en-US" dirty="0"/>
+          </a:p>
+          <a:p>
+            <a:endParaRPr lang="en-US" dirty="0"/>
+          </a:p>
+          <a:p>
+            <a:r>
+              <a:rPr lang="en-US" dirty="0"/>
+              <a:t>/</a:t>
+            </a:r>
+            <a:r>
+              <a:rPr lang="en-US" dirty="0" err="1"/>
+              <a:t>wetterstation</a:t>
+            </a:r>
+            <a:r>
+              <a:rPr lang="en-US" dirty="0"/>
+              <a:t>/&lt;station&gt;/&lt;category&gt;</a:t>
+            </a:r>
+          </a:p>
+          <a:p>
+            <a:pPr lvl="1"/>
+            <a:r>
+              <a:rPr lang="en-US" dirty="0" err="1"/>
+              <a:t>Leitet</a:t>
+            </a:r>
+            <a:r>
+              <a:rPr lang="en-US" dirty="0"/>
+              <a:t> </a:t>
+            </a:r>
+            <a:r>
+              <a:rPr lang="en-US" dirty="0" err="1"/>
+              <a:t>weiter</a:t>
+            </a:r>
+            <a:r>
+              <a:rPr lang="en-US" dirty="0"/>
+              <a:t> auf /</a:t>
+            </a:r>
+            <a:r>
+              <a:rPr lang="en-US" dirty="0" err="1"/>
+              <a:t>wetterstation</a:t>
+            </a:r>
+            <a:r>
+              <a:rPr lang="en-US" dirty="0"/>
+              <a:t>/&lt;station&gt;/&lt;category&gt;/history</a:t>
+            </a:r>
+          </a:p>
+          <a:p>
+            <a:r>
+              <a:rPr lang="en-US" dirty="0"/>
+              <a:t>/</a:t>
+            </a:r>
+            <a:r>
+              <a:rPr lang="en-US" dirty="0" err="1"/>
+              <a:t>wetterstation</a:t>
+            </a:r>
+            <a:r>
+              <a:rPr lang="en-US" dirty="0"/>
+              <a:t>/&lt;station&gt;/&lt;category&gt;/&lt;type&gt;</a:t>
+            </a:r>
+          </a:p>
+          <a:p>
+            <a:pPr lvl="1"/>
+            <a:r>
+              <a:rPr lang="en-US" dirty="0" err="1"/>
+              <a:t>Grafik</a:t>
+            </a:r>
+            <a:endParaRPr lang="en-US" dirty="0"/>
+          </a:p>
+          <a:p>
+            <a:pPr lvl="1"/>
+            <a:endParaRPr lang="en-CH" dirty="0"/>
+          </a:p>
+        </p:txBody>
+      </p:sp>
+    </p:spTree>
+    <p:extLst>
+      <p:ext uri="{BB962C8B-B14F-4D97-AF65-F5344CB8AC3E}">
+        <p14:creationId xmlns:p14="http://schemas.microsoft.com/office/powerpoint/2010/main" val="2477391125"/>
+      </p:ext>
+    </p:extLst>
+  </p:cSld>
+  <p:clrMapOvr>
+    <a:masterClrMapping/>
+  </p:clrMapOvr>
+  <mc:AlternateContent xmlns:mc="http://schemas.openxmlformats.org/markup-compatibility/2006" xmlns:p14="http://schemas.microsoft.com/office/powerpoint/2010/main">
+    <mc:Choice Requires="p14">
+      <p:transition spd="med" p14:dur="700">
+        <p:fade/>
+      </p:transition>
+    </mc:Choice>
+    <mc:Fallback xmlns="">
+      <p:transition spd="med">
+        <p:fade/>
+      </p:transition>
+    </mc:Fallback>
+  </mc:AlternateContent>
+</p:sld>
+</file>
+
+<file path=ppt/slides/slide29.xml><?xml version="1.0" encoding="utf-8"?>
+<p:sld xmlns:a="http://schemas.openxmlformats.org/drawingml/2006/main" xmlns:r="http://schemas.openxmlformats.org/officeDocument/2006/relationships" xmlns:p="http://schemas.openxmlformats.org/presentationml/2006/main">
+  <p:cSld>
+    <p:spTree>
+      <p:nvGrpSpPr>
+        <p:cNvPr id="1" name=""/>
+        <p:cNvGrpSpPr/>
+        <p:nvPr/>
+      </p:nvGrpSpPr>
+      <p:grpSpPr>
+        <a:xfrm>
+          <a:off x="0" y="0"/>
+          <a:ext cx="0" cy="0"/>
+          <a:chOff x="0" y="0"/>
+          <a:chExt cx="0" cy="0"/>
+        </a:xfrm>
+      </p:grpSpPr>
+      <p:sp>
+        <p:nvSpPr>
+          <p:cNvPr id="2" name="Title 1">
+            <a:extLst>
+              <a:ext uri="{FF2B5EF4-FFF2-40B4-BE49-F238E27FC236}">
+                <a16:creationId xmlns:a16="http://schemas.microsoft.com/office/drawing/2014/main" id="{4808087A-40EC-41E6-A246-BC46343A4BFC}"/>
+              </a:ext>
+            </a:extLst>
+          </p:cNvPr>
+          <p:cNvSpPr>
+            <a:spLocks noGrp="1"/>
+          </p:cNvSpPr>
+          <p:nvPr>
+            <p:ph type="title"/>
+          </p:nvPr>
+        </p:nvSpPr>
+        <p:spPr/>
+        <p:txBody>
+          <a:bodyPr>
+            <a:normAutofit/>
+          </a:bodyPr>
+          <a:lstStyle/>
+          <a:p>
+            <a:r>
+              <a:rPr lang="en-US" b="1" dirty="0">
+                <a:latin typeface="Arial" panose="020B0604020202020204" pitchFamily="34" charset="0"/>
+                <a:cs typeface="Arial" panose="020B0604020202020204" pitchFamily="34" charset="0"/>
+              </a:rPr>
+              <a:t>Flask Webserver</a:t>
+            </a:r>
+            <a:br>
+              <a:rPr lang="en-US" b="1" dirty="0">
+                <a:latin typeface="Arial" panose="020B0604020202020204" pitchFamily="34" charset="0"/>
+                <a:cs typeface="Arial" panose="020B0604020202020204" pitchFamily="34" charset="0"/>
+              </a:rPr>
+            </a:br>
+            <a:r>
+              <a:rPr lang="en-US" sz="3600" i="1" dirty="0">
+                <a:latin typeface="Arial" panose="020B0604020202020204" pitchFamily="34" charset="0"/>
+                <a:cs typeface="Arial" panose="020B0604020202020204" pitchFamily="34" charset="0"/>
+              </a:rPr>
               <a:t>html files</a:t>
             </a:r>
             <a:endParaRPr lang="en-CH" dirty="0"/>
@@ -16066,7 +16517,7 @@
           <a:p>
             <a:fld id="{0F00D740-55B1-4DC8-A3B5-4535950A93D0}" type="slidenum">
               <a:rPr lang="en-CH" smtClean="0"/>
-              <a:t>28</a:t>
+              <a:t>29</a:t>
             </a:fld>
             <a:endParaRPr lang="en-CH"/>
           </a:p>
@@ -16250,228 +16701,6 @@
 </p:sld>
 </file>
 
-<file path=ppt/slides/slide29.xml><?xml version="1.0" encoding="utf-8"?>
-<p:sld xmlns:a="http://schemas.openxmlformats.org/drawingml/2006/main" xmlns:r="http://schemas.openxmlformats.org/officeDocument/2006/relationships" xmlns:p="http://schemas.openxmlformats.org/presentationml/2006/main">
-  <p:cSld>
-    <p:spTree>
-      <p:nvGrpSpPr>
-        <p:cNvPr id="1" name=""/>
-        <p:cNvGrpSpPr/>
-        <p:nvPr/>
-      </p:nvGrpSpPr>
-      <p:grpSpPr>
-        <a:xfrm>
-          <a:off x="0" y="0"/>
-          <a:ext cx="0" cy="0"/>
-          <a:chOff x="0" y="0"/>
-          <a:chExt cx="0" cy="0"/>
-        </a:xfrm>
-      </p:grpSpPr>
-      <p:sp>
-        <p:nvSpPr>
-          <p:cNvPr id="2" name="Title 1">
-            <a:extLst>
-              <a:ext uri="{FF2B5EF4-FFF2-40B4-BE49-F238E27FC236}">
-                <a16:creationId xmlns:a16="http://schemas.microsoft.com/office/drawing/2014/main" id="{F1AE8F4F-038B-4ABA-A89F-CA33847A9E12}"/>
-              </a:ext>
-            </a:extLst>
-          </p:cNvPr>
-          <p:cNvSpPr>
-            <a:spLocks noGrp="1"/>
-          </p:cNvSpPr>
-          <p:nvPr>
-            <p:ph type="title"/>
-          </p:nvPr>
-        </p:nvSpPr>
-        <p:spPr>
-          <a:xfrm>
-            <a:off x="838200" y="365125"/>
-            <a:ext cx="10515600" cy="5702300"/>
-          </a:xfrm>
-        </p:spPr>
-        <p:txBody>
-          <a:bodyPr>
-            <a:normAutofit fontScale="90000"/>
-          </a:bodyPr>
-          <a:lstStyle/>
-          <a:p>
-            <a:pPr algn="ctr">
-              <a:lnSpc>
-                <a:spcPct val="125000"/>
-              </a:lnSpc>
-              <a:spcBef>
-                <a:spcPts val="0"/>
-              </a:spcBef>
-            </a:pPr>
-            <a:r>
-              <a:rPr lang="en-US" b="1" dirty="0" err="1">
-                <a:latin typeface="Arial" panose="020B0604020202020204" pitchFamily="34" charset="0"/>
-                <a:cs typeface="Arial" panose="020B0604020202020204" pitchFamily="34" charset="0"/>
-              </a:rPr>
-              <a:t>Auftrag</a:t>
-            </a:r>
-            <a:br>
-              <a:rPr lang="en-US" b="1" dirty="0">
-                <a:latin typeface="Arial" panose="020B0604020202020204" pitchFamily="34" charset="0"/>
-                <a:cs typeface="Arial" panose="020B0604020202020204" pitchFamily="34" charset="0"/>
-              </a:rPr>
-            </a:br>
-            <a:r>
-              <a:rPr lang="en-US" b="1" dirty="0">
-                <a:latin typeface="Arial" panose="020B0604020202020204" pitchFamily="34" charset="0"/>
-                <a:cs typeface="Arial" panose="020B0604020202020204" pitchFamily="34" charset="0"/>
-              </a:rPr>
-              <a:t>Hardware</a:t>
-            </a:r>
-            <a:br>
-              <a:rPr lang="en-US" b="1" dirty="0">
-                <a:latin typeface="Arial" panose="020B0604020202020204" pitchFamily="34" charset="0"/>
-                <a:cs typeface="Arial" panose="020B0604020202020204" pitchFamily="34" charset="0"/>
-              </a:rPr>
-            </a:br>
-            <a:r>
-              <a:rPr lang="en-US" b="1" dirty="0" err="1">
-                <a:latin typeface="Arial" panose="020B0604020202020204" pitchFamily="34" charset="0"/>
-                <a:cs typeface="Arial" panose="020B0604020202020204" pitchFamily="34" charset="0"/>
-              </a:rPr>
-              <a:t>InfluxDB</a:t>
-            </a:r>
-            <a:br>
-              <a:rPr lang="en-US" b="1" dirty="0">
-                <a:latin typeface="Arial" panose="020B0604020202020204" pitchFamily="34" charset="0"/>
-                <a:cs typeface="Arial" panose="020B0604020202020204" pitchFamily="34" charset="0"/>
-              </a:rPr>
-            </a:br>
-            <a:r>
-              <a:rPr lang="en-US" b="1" dirty="0">
-                <a:latin typeface="Arial" panose="020B0604020202020204" pitchFamily="34" charset="0"/>
-                <a:cs typeface="Arial" panose="020B0604020202020204" pitchFamily="34" charset="0"/>
-              </a:rPr>
-              <a:t>Python </a:t>
-            </a:r>
-            <a:r>
-              <a:rPr lang="en-US" b="1" dirty="0" err="1">
-                <a:latin typeface="Arial" panose="020B0604020202020204" pitchFamily="34" charset="0"/>
-                <a:cs typeface="Arial" panose="020B0604020202020204" pitchFamily="34" charset="0"/>
-              </a:rPr>
-              <a:t>Programm</a:t>
-            </a:r>
-            <a:br>
-              <a:rPr lang="en-US" b="1" dirty="0">
-                <a:latin typeface="Arial" panose="020B0604020202020204" pitchFamily="34" charset="0"/>
-                <a:cs typeface="Arial" panose="020B0604020202020204" pitchFamily="34" charset="0"/>
-              </a:rPr>
-            </a:br>
-            <a:r>
-              <a:rPr lang="en-US" b="1" dirty="0">
-                <a:latin typeface="Arial" panose="020B0604020202020204" pitchFamily="34" charset="0"/>
-                <a:cs typeface="Arial" panose="020B0604020202020204" pitchFamily="34" charset="0"/>
-              </a:rPr>
-              <a:t>Flask Webserver</a:t>
-            </a:r>
-            <a:br>
-              <a:rPr lang="en-US" b="1" dirty="0">
-                <a:latin typeface="Arial" panose="020B0604020202020204" pitchFamily="34" charset="0"/>
-                <a:cs typeface="Arial" panose="020B0604020202020204" pitchFamily="34" charset="0"/>
-              </a:rPr>
-            </a:br>
-            <a:r>
-              <a:rPr lang="en-US" b="1" dirty="0">
-                <a:highlight>
-                  <a:srgbClr val="FAE800"/>
-                </a:highlight>
-                <a:latin typeface="Arial" panose="020B0604020202020204" pitchFamily="34" charset="0"/>
-                <a:cs typeface="Arial" panose="020B0604020202020204" pitchFamily="34" charset="0"/>
-              </a:rPr>
-              <a:t>GUI Sketch</a:t>
-            </a:r>
-            <a:br>
-              <a:rPr lang="en-US" b="1" dirty="0">
-                <a:latin typeface="Arial" panose="020B0604020202020204" pitchFamily="34" charset="0"/>
-                <a:cs typeface="Arial" panose="020B0604020202020204" pitchFamily="34" charset="0"/>
-              </a:rPr>
-            </a:br>
-            <a:r>
-              <a:rPr lang="en-US" b="1" dirty="0" err="1">
-                <a:latin typeface="Arial" panose="020B0604020202020204" pitchFamily="34" charset="0"/>
-                <a:cs typeface="Arial" panose="020B0604020202020204" pitchFamily="34" charset="0"/>
-              </a:rPr>
-              <a:t>Endresultat</a:t>
-            </a:r>
-            <a:br>
-              <a:rPr lang="en-US" b="1" dirty="0">
-                <a:latin typeface="Arial" panose="020B0604020202020204" pitchFamily="34" charset="0"/>
-                <a:cs typeface="Arial" panose="020B0604020202020204" pitchFamily="34" charset="0"/>
-              </a:rPr>
-            </a:br>
-            <a:r>
-              <a:rPr lang="en-US" b="1" dirty="0" err="1">
-                <a:latin typeface="Arial" panose="020B0604020202020204" pitchFamily="34" charset="0"/>
-                <a:cs typeface="Arial" panose="020B0604020202020204" pitchFamily="34" charset="0"/>
-              </a:rPr>
-              <a:t>Weiterentwicklung</a:t>
-            </a:r>
-            <a:endParaRPr lang="en-CH" b="1" dirty="0">
-              <a:latin typeface="Arial" panose="020B0604020202020204" pitchFamily="34" charset="0"/>
-              <a:cs typeface="Arial" panose="020B0604020202020204" pitchFamily="34" charset="0"/>
-            </a:endParaRPr>
-          </a:p>
-        </p:txBody>
-      </p:sp>
-      <p:sp>
-        <p:nvSpPr>
-          <p:cNvPr id="8" name="Slide Number Placeholder 7">
-            <a:extLst>
-              <a:ext uri="{FF2B5EF4-FFF2-40B4-BE49-F238E27FC236}">
-                <a16:creationId xmlns:a16="http://schemas.microsoft.com/office/drawing/2014/main" id="{E5E3E861-4688-44FC-A05E-E446522B24DD}"/>
-              </a:ext>
-            </a:extLst>
-          </p:cNvPr>
-          <p:cNvSpPr>
-            <a:spLocks noGrp="1"/>
-          </p:cNvSpPr>
-          <p:nvPr>
-            <p:ph type="sldNum" sz="quarter" idx="12"/>
-          </p:nvPr>
-        </p:nvSpPr>
-        <p:spPr/>
-        <p:txBody>
-          <a:bodyPr/>
-          <a:lstStyle/>
-          <a:p>
-            <a:fld id="{0F00D740-55B1-4DC8-A3B5-4535950A93D0}" type="slidenum">
-              <a:rPr lang="en-CH" smtClean="0"/>
-              <a:t>29</a:t>
-            </a:fld>
-            <a:endParaRPr lang="en-CH"/>
-          </a:p>
-        </p:txBody>
-      </p:sp>
-    </p:spTree>
-    <p:extLst>
-      <p:ext uri="{BB962C8B-B14F-4D97-AF65-F5344CB8AC3E}">
-        <p14:creationId xmlns:p14="http://schemas.microsoft.com/office/powerpoint/2010/main" val="2421134764"/>
-      </p:ext>
-    </p:extLst>
-  </p:cSld>
-  <p:clrMapOvr>
-    <a:masterClrMapping/>
-  </p:clrMapOvr>
-  <mc:AlternateContent xmlns:mc="http://schemas.openxmlformats.org/markup-compatibility/2006" xmlns:p14="http://schemas.microsoft.com/office/powerpoint/2010/main">
-    <mc:Choice Requires="p14">
-      <p:transition spd="med" p14:dur="700">
-        <p:fade/>
-      </p:transition>
-    </mc:Choice>
-    <mc:Fallback xmlns="">
-      <p:transition spd="med">
-        <p:fade/>
-      </p:transition>
-    </mc:Fallback>
-  </mc:AlternateContent>
-</p:sld>
-</file>
-
 <file path=ppt/slides/slide3.xml><?xml version="1.0" encoding="utf-8"?>
 <p:sld xmlns:a="http://schemas.openxmlformats.org/drawingml/2006/main" xmlns:r="http://schemas.openxmlformats.org/officeDocument/2006/relationships" xmlns:p="http://schemas.openxmlformats.org/presentationml/2006/main">
   <p:cSld>
@@ -16716,6 +16945,228 @@
           <p:cNvPr id="2" name="Title 1">
             <a:extLst>
               <a:ext uri="{FF2B5EF4-FFF2-40B4-BE49-F238E27FC236}">
+                <a16:creationId xmlns:a16="http://schemas.microsoft.com/office/drawing/2014/main" id="{F1AE8F4F-038B-4ABA-A89F-CA33847A9E12}"/>
+              </a:ext>
+            </a:extLst>
+          </p:cNvPr>
+          <p:cNvSpPr>
+            <a:spLocks noGrp="1"/>
+          </p:cNvSpPr>
+          <p:nvPr>
+            <p:ph type="title"/>
+          </p:nvPr>
+        </p:nvSpPr>
+        <p:spPr>
+          <a:xfrm>
+            <a:off x="838200" y="365125"/>
+            <a:ext cx="10515600" cy="5702300"/>
+          </a:xfrm>
+        </p:spPr>
+        <p:txBody>
+          <a:bodyPr>
+            <a:normAutofit fontScale="90000"/>
+          </a:bodyPr>
+          <a:lstStyle/>
+          <a:p>
+            <a:pPr algn="ctr">
+              <a:lnSpc>
+                <a:spcPct val="125000"/>
+              </a:lnSpc>
+              <a:spcBef>
+                <a:spcPts val="0"/>
+              </a:spcBef>
+            </a:pPr>
+            <a:r>
+              <a:rPr lang="en-US" b="1" dirty="0" err="1">
+                <a:latin typeface="Arial" panose="020B0604020202020204" pitchFamily="34" charset="0"/>
+                <a:cs typeface="Arial" panose="020B0604020202020204" pitchFamily="34" charset="0"/>
+              </a:rPr>
+              <a:t>Auftrag</a:t>
+            </a:r>
+            <a:br>
+              <a:rPr lang="en-US" b="1" dirty="0">
+                <a:latin typeface="Arial" panose="020B0604020202020204" pitchFamily="34" charset="0"/>
+                <a:cs typeface="Arial" panose="020B0604020202020204" pitchFamily="34" charset="0"/>
+              </a:rPr>
+            </a:br>
+            <a:r>
+              <a:rPr lang="en-US" b="1" dirty="0">
+                <a:latin typeface="Arial" panose="020B0604020202020204" pitchFamily="34" charset="0"/>
+                <a:cs typeface="Arial" panose="020B0604020202020204" pitchFamily="34" charset="0"/>
+              </a:rPr>
+              <a:t>Hardware</a:t>
+            </a:r>
+            <a:br>
+              <a:rPr lang="en-US" b="1" dirty="0">
+                <a:latin typeface="Arial" panose="020B0604020202020204" pitchFamily="34" charset="0"/>
+                <a:cs typeface="Arial" panose="020B0604020202020204" pitchFamily="34" charset="0"/>
+              </a:rPr>
+            </a:br>
+            <a:r>
+              <a:rPr lang="en-US" b="1" dirty="0" err="1">
+                <a:latin typeface="Arial" panose="020B0604020202020204" pitchFamily="34" charset="0"/>
+                <a:cs typeface="Arial" panose="020B0604020202020204" pitchFamily="34" charset="0"/>
+              </a:rPr>
+              <a:t>InfluxDB</a:t>
+            </a:r>
+            <a:br>
+              <a:rPr lang="en-US" b="1" dirty="0">
+                <a:latin typeface="Arial" panose="020B0604020202020204" pitchFamily="34" charset="0"/>
+                <a:cs typeface="Arial" panose="020B0604020202020204" pitchFamily="34" charset="0"/>
+              </a:rPr>
+            </a:br>
+            <a:r>
+              <a:rPr lang="en-US" b="1" dirty="0">
+                <a:latin typeface="Arial" panose="020B0604020202020204" pitchFamily="34" charset="0"/>
+                <a:cs typeface="Arial" panose="020B0604020202020204" pitchFamily="34" charset="0"/>
+              </a:rPr>
+              <a:t>Python </a:t>
+            </a:r>
+            <a:r>
+              <a:rPr lang="en-US" b="1" dirty="0" err="1">
+                <a:latin typeface="Arial" panose="020B0604020202020204" pitchFamily="34" charset="0"/>
+                <a:cs typeface="Arial" panose="020B0604020202020204" pitchFamily="34" charset="0"/>
+              </a:rPr>
+              <a:t>Programm</a:t>
+            </a:r>
+            <a:br>
+              <a:rPr lang="en-US" b="1" dirty="0">
+                <a:latin typeface="Arial" panose="020B0604020202020204" pitchFamily="34" charset="0"/>
+                <a:cs typeface="Arial" panose="020B0604020202020204" pitchFamily="34" charset="0"/>
+              </a:rPr>
+            </a:br>
+            <a:r>
+              <a:rPr lang="en-US" b="1" dirty="0">
+                <a:latin typeface="Arial" panose="020B0604020202020204" pitchFamily="34" charset="0"/>
+                <a:cs typeface="Arial" panose="020B0604020202020204" pitchFamily="34" charset="0"/>
+              </a:rPr>
+              <a:t>Flask Webserver</a:t>
+            </a:r>
+            <a:br>
+              <a:rPr lang="en-US" b="1" dirty="0">
+                <a:latin typeface="Arial" panose="020B0604020202020204" pitchFamily="34" charset="0"/>
+                <a:cs typeface="Arial" panose="020B0604020202020204" pitchFamily="34" charset="0"/>
+              </a:rPr>
+            </a:br>
+            <a:r>
+              <a:rPr lang="en-US" b="1" dirty="0">
+                <a:highlight>
+                  <a:srgbClr val="FAE800"/>
+                </a:highlight>
+                <a:latin typeface="Arial" panose="020B0604020202020204" pitchFamily="34" charset="0"/>
+                <a:cs typeface="Arial" panose="020B0604020202020204" pitchFamily="34" charset="0"/>
+              </a:rPr>
+              <a:t>GUI Sketch</a:t>
+            </a:r>
+            <a:br>
+              <a:rPr lang="en-US" b="1" dirty="0">
+                <a:latin typeface="Arial" panose="020B0604020202020204" pitchFamily="34" charset="0"/>
+                <a:cs typeface="Arial" panose="020B0604020202020204" pitchFamily="34" charset="0"/>
+              </a:rPr>
+            </a:br>
+            <a:r>
+              <a:rPr lang="en-US" b="1" dirty="0" err="1">
+                <a:latin typeface="Arial" panose="020B0604020202020204" pitchFamily="34" charset="0"/>
+                <a:cs typeface="Arial" panose="020B0604020202020204" pitchFamily="34" charset="0"/>
+              </a:rPr>
+              <a:t>Endresultat</a:t>
+            </a:r>
+            <a:br>
+              <a:rPr lang="en-US" b="1" dirty="0">
+                <a:latin typeface="Arial" panose="020B0604020202020204" pitchFamily="34" charset="0"/>
+                <a:cs typeface="Arial" panose="020B0604020202020204" pitchFamily="34" charset="0"/>
+              </a:rPr>
+            </a:br>
+            <a:r>
+              <a:rPr lang="en-US" b="1" dirty="0" err="1">
+                <a:latin typeface="Arial" panose="020B0604020202020204" pitchFamily="34" charset="0"/>
+                <a:cs typeface="Arial" panose="020B0604020202020204" pitchFamily="34" charset="0"/>
+              </a:rPr>
+              <a:t>Weiterentwicklung</a:t>
+            </a:r>
+            <a:endParaRPr lang="en-CH" b="1" dirty="0">
+              <a:latin typeface="Arial" panose="020B0604020202020204" pitchFamily="34" charset="0"/>
+              <a:cs typeface="Arial" panose="020B0604020202020204" pitchFamily="34" charset="0"/>
+            </a:endParaRPr>
+          </a:p>
+        </p:txBody>
+      </p:sp>
+      <p:sp>
+        <p:nvSpPr>
+          <p:cNvPr id="8" name="Slide Number Placeholder 7">
+            <a:extLst>
+              <a:ext uri="{FF2B5EF4-FFF2-40B4-BE49-F238E27FC236}">
+                <a16:creationId xmlns:a16="http://schemas.microsoft.com/office/drawing/2014/main" id="{E5E3E861-4688-44FC-A05E-E446522B24DD}"/>
+              </a:ext>
+            </a:extLst>
+          </p:cNvPr>
+          <p:cNvSpPr>
+            <a:spLocks noGrp="1"/>
+          </p:cNvSpPr>
+          <p:nvPr>
+            <p:ph type="sldNum" sz="quarter" idx="12"/>
+          </p:nvPr>
+        </p:nvSpPr>
+        <p:spPr/>
+        <p:txBody>
+          <a:bodyPr/>
+          <a:lstStyle/>
+          <a:p>
+            <a:fld id="{0F00D740-55B1-4DC8-A3B5-4535950A93D0}" type="slidenum">
+              <a:rPr lang="en-CH" smtClean="0"/>
+              <a:t>30</a:t>
+            </a:fld>
+            <a:endParaRPr lang="en-CH"/>
+          </a:p>
+        </p:txBody>
+      </p:sp>
+    </p:spTree>
+    <p:extLst>
+      <p:ext uri="{BB962C8B-B14F-4D97-AF65-F5344CB8AC3E}">
+        <p14:creationId xmlns:p14="http://schemas.microsoft.com/office/powerpoint/2010/main" val="2421134764"/>
+      </p:ext>
+    </p:extLst>
+  </p:cSld>
+  <p:clrMapOvr>
+    <a:masterClrMapping/>
+  </p:clrMapOvr>
+  <mc:AlternateContent xmlns:mc="http://schemas.openxmlformats.org/markup-compatibility/2006" xmlns:p14="http://schemas.microsoft.com/office/powerpoint/2010/main">
+    <mc:Choice Requires="p14">
+      <p:transition spd="med" p14:dur="700">
+        <p:fade/>
+      </p:transition>
+    </mc:Choice>
+    <mc:Fallback xmlns="">
+      <p:transition spd="med">
+        <p:fade/>
+      </p:transition>
+    </mc:Fallback>
+  </mc:AlternateContent>
+</p:sld>
+</file>
+
+<file path=ppt/slides/slide31.xml><?xml version="1.0" encoding="utf-8"?>
+<p:sld xmlns:a="http://schemas.openxmlformats.org/drawingml/2006/main" xmlns:r="http://schemas.openxmlformats.org/officeDocument/2006/relationships" xmlns:p="http://schemas.openxmlformats.org/presentationml/2006/main">
+  <p:cSld>
+    <p:spTree>
+      <p:nvGrpSpPr>
+        <p:cNvPr id="1" name=""/>
+        <p:cNvGrpSpPr/>
+        <p:nvPr/>
+      </p:nvGrpSpPr>
+      <p:grpSpPr>
+        <a:xfrm>
+          <a:off x="0" y="0"/>
+          <a:ext cx="0" cy="0"/>
+          <a:chOff x="0" y="0"/>
+          <a:chExt cx="0" cy="0"/>
+        </a:xfrm>
+      </p:grpSpPr>
+      <p:sp>
+        <p:nvSpPr>
+          <p:cNvPr id="2" name="Title 1">
+            <a:extLst>
+              <a:ext uri="{FF2B5EF4-FFF2-40B4-BE49-F238E27FC236}">
                 <a16:creationId xmlns:a16="http://schemas.microsoft.com/office/drawing/2014/main" id="{4808087A-40EC-41E6-A246-BC46343A4BFC}"/>
               </a:ext>
             </a:extLst>
@@ -16823,7 +17274,7 @@
           <a:p>
             <a:fld id="{0F00D740-55B1-4DC8-A3B5-4535950A93D0}" type="slidenum">
               <a:rPr lang="en-CH" smtClean="0"/>
-              <a:t>30</a:t>
+              <a:t>31</a:t>
             </a:fld>
             <a:endParaRPr lang="en-CH"/>
           </a:p>
@@ -17007,7 +17458,7 @@
 </p:sld>
 </file>
 
-<file path=ppt/slides/slide31.xml><?xml version="1.0" encoding="utf-8"?>
+<file path=ppt/slides/slide32.xml><?xml version="1.0" encoding="utf-8"?>
 <p:sld xmlns:a="http://schemas.openxmlformats.org/drawingml/2006/main" xmlns:r="http://schemas.openxmlformats.org/officeDocument/2006/relationships" xmlns:p="http://schemas.openxmlformats.org/presentationml/2006/main">
   <p:cSld>
     <p:spTree>
@@ -17136,7 +17587,7 @@
           <a:p>
             <a:fld id="{0F00D740-55B1-4DC8-A3B5-4535950A93D0}" type="slidenum">
               <a:rPr lang="en-CH" smtClean="0"/>
-              <a:t>31</a:t>
+              <a:t>32</a:t>
             </a:fld>
             <a:endParaRPr lang="en-CH"/>
           </a:p>
@@ -17320,7 +17771,7 @@
 </p:sld>
 </file>
 
-<file path=ppt/slides/slide32.xml><?xml version="1.0" encoding="utf-8"?>
+<file path=ppt/slides/slide33.xml><?xml version="1.0" encoding="utf-8"?>
 <p:sld xmlns:a="http://schemas.openxmlformats.org/drawingml/2006/main" xmlns:r="http://schemas.openxmlformats.org/officeDocument/2006/relationships" xmlns:p="http://schemas.openxmlformats.org/presentationml/2006/main">
   <p:cSld>
     <p:spTree>
@@ -17449,7 +17900,7 @@
           <a:p>
             <a:fld id="{0F00D740-55B1-4DC8-A3B5-4535950A93D0}" type="slidenum">
               <a:rPr lang="en-CH" smtClean="0"/>
-              <a:t>32</a:t>
+              <a:t>33</a:t>
             </a:fld>
             <a:endParaRPr lang="en-CH"/>
           </a:p>
@@ -17633,7 +18084,7 @@
 </p:sld>
 </file>
 
-<file path=ppt/slides/slide33.xml><?xml version="1.0" encoding="utf-8"?>
+<file path=ppt/slides/slide34.xml><?xml version="1.0" encoding="utf-8"?>
 <p:sld xmlns:a="http://schemas.openxmlformats.org/drawingml/2006/main" xmlns:r="http://schemas.openxmlformats.org/officeDocument/2006/relationships" xmlns:p="http://schemas.openxmlformats.org/presentationml/2006/main">
   <p:cSld>
     <p:spTree>
@@ -17824,7 +18275,7 @@
           <a:p>
             <a:fld id="{0F00D740-55B1-4DC8-A3B5-4535950A93D0}" type="slidenum">
               <a:rPr lang="en-CH" smtClean="0"/>
-              <a:t>33</a:t>
+              <a:t>34</a:t>
             </a:fld>
             <a:endParaRPr lang="en-CH"/>
           </a:p>
@@ -17855,7 +18306,7 @@
 </p:sld>
 </file>
 
-<file path=ppt/slides/slide34.xml><?xml version="1.0" encoding="utf-8"?>
+<file path=ppt/slides/slide35.xml><?xml version="1.0" encoding="utf-8"?>
 <p:sld xmlns:a="http://schemas.openxmlformats.org/drawingml/2006/main" xmlns:r="http://schemas.openxmlformats.org/officeDocument/2006/relationships" xmlns:p="http://schemas.openxmlformats.org/presentationml/2006/main">
   <p:cSld>
     <p:spTree>
@@ -17942,7 +18393,7 @@
           <a:p>
             <a:fld id="{0F00D740-55B1-4DC8-A3B5-4535950A93D0}" type="slidenum">
               <a:rPr lang="en-CH" smtClean="0"/>
-              <a:t>34</a:t>
+              <a:t>35</a:t>
             </a:fld>
             <a:endParaRPr lang="en-CH"/>
           </a:p>
@@ -18452,7 +18903,7 @@
 </p:sld>
 </file>
 
-<file path=ppt/slides/slide35.xml><?xml version="1.0" encoding="utf-8"?>
+<file path=ppt/slides/slide36.xml><?xml version="1.0" encoding="utf-8"?>
 <p:sld xmlns:a="http://schemas.openxmlformats.org/drawingml/2006/main" xmlns:r="http://schemas.openxmlformats.org/officeDocument/2006/relationships" xmlns:p="http://schemas.openxmlformats.org/presentationml/2006/main">
   <p:cSld>
     <p:spTree>
@@ -18646,7 +19097,7 @@
           <a:p>
             <a:fld id="{0F00D740-55B1-4DC8-A3B5-4535950A93D0}" type="slidenum">
               <a:rPr lang="en-CH" smtClean="0"/>
-              <a:t>35</a:t>
+              <a:t>36</a:t>
             </a:fld>
             <a:endParaRPr lang="en-CH"/>
           </a:p>
@@ -18677,7 +19128,7 @@
 </p:sld>
 </file>
 
-<file path=ppt/slides/slide36.xml><?xml version="1.0" encoding="utf-8"?>
+<file path=ppt/slides/slide37.xml><?xml version="1.0" encoding="utf-8"?>
 <p:sld xmlns:a="http://schemas.openxmlformats.org/drawingml/2006/main" xmlns:r="http://schemas.openxmlformats.org/officeDocument/2006/relationships" xmlns:p="http://schemas.openxmlformats.org/presentationml/2006/main">
   <p:cSld>
     <p:spTree>
@@ -18890,7 +19341,7 @@
           <a:p>
             <a:fld id="{0F00D740-55B1-4DC8-A3B5-4535950A93D0}" type="slidenum">
               <a:rPr lang="en-CH" smtClean="0"/>
-              <a:t>36</a:t>
+              <a:t>37</a:t>
             </a:fld>
             <a:endParaRPr lang="en-CH"/>
           </a:p>
@@ -19074,7 +19525,7 @@
 </p:sld>
 </file>
 
-<file path=ppt/slides/slide37.xml><?xml version="1.0" encoding="utf-8"?>
+<file path=ppt/slides/slide38.xml><?xml version="1.0" encoding="utf-8"?>
 <p:sld xmlns:a="http://schemas.openxmlformats.org/drawingml/2006/main" xmlns:r="http://schemas.openxmlformats.org/officeDocument/2006/relationships" xmlns:p="http://schemas.openxmlformats.org/presentationml/2006/main">
   <p:cSld>
     <p:spTree>
@@ -19387,7 +19838,7 @@
               <a:t>			Sean Corrigan 		</a:t>
             </a:r>
             <a:r>
-              <a:rPr lang="en-US" sz="1600" dirty="0">
+              <a:rPr lang="en-US" dirty="0">
                 <a:latin typeface="Arial" panose="020B0604020202020204" pitchFamily="34" charset="0"/>
                 <a:cs typeface="Arial" panose="020B0604020202020204" pitchFamily="34" charset="0"/>
               </a:rPr>
@@ -19750,7 +20201,7 @@
             </a:r>
             <a:r>
               <a:rPr lang="en-US" dirty="0" err="1"/>
-              <a:t>Seegeclub</a:t>
+              <a:t>Seegelclub</a:t>
             </a:r>
             <a:r>
               <a:rPr lang="en-US" dirty="0"/>

--- a/Powerpoint v3.pptx
+++ b/Powerpoint v3.pptx
@@ -5,7 +5,7 @@
     <p:sldMasterId id="2147483648" r:id="rId1"/>
   </p:sldMasterIdLst>
   <p:notesMasterIdLst>
-    <p:notesMasterId r:id="rId40"/>
+    <p:notesMasterId r:id="rId41"/>
   </p:notesMasterIdLst>
   <p:sldIdLst>
     <p:sldId id="256" r:id="rId2"/>
@@ -24,28 +24,29 @@
     <p:sldId id="275" r:id="rId15"/>
     <p:sldId id="277" r:id="rId16"/>
     <p:sldId id="296" r:id="rId17"/>
-    <p:sldId id="295" r:id="rId18"/>
-    <p:sldId id="301" r:id="rId19"/>
-    <p:sldId id="298" r:id="rId20"/>
-    <p:sldId id="299" r:id="rId21"/>
-    <p:sldId id="300" r:id="rId22"/>
-    <p:sldId id="278" r:id="rId23"/>
-    <p:sldId id="279" r:id="rId24"/>
-    <p:sldId id="302" r:id="rId25"/>
-    <p:sldId id="291" r:id="rId26"/>
-    <p:sldId id="267" r:id="rId27"/>
-    <p:sldId id="282" r:id="rId28"/>
-    <p:sldId id="304" r:id="rId29"/>
-    <p:sldId id="281" r:id="rId30"/>
-    <p:sldId id="292" r:id="rId31"/>
-    <p:sldId id="269" r:id="rId32"/>
-    <p:sldId id="284" r:id="rId33"/>
-    <p:sldId id="285" r:id="rId34"/>
-    <p:sldId id="293" r:id="rId35"/>
-    <p:sldId id="271" r:id="rId36"/>
-    <p:sldId id="294" r:id="rId37"/>
-    <p:sldId id="283" r:id="rId38"/>
-    <p:sldId id="286" r:id="rId39"/>
+    <p:sldId id="305" r:id="rId18"/>
+    <p:sldId id="306" r:id="rId19"/>
+    <p:sldId id="295" r:id="rId20"/>
+    <p:sldId id="301" r:id="rId21"/>
+    <p:sldId id="299" r:id="rId22"/>
+    <p:sldId id="300" r:id="rId23"/>
+    <p:sldId id="278" r:id="rId24"/>
+    <p:sldId id="279" r:id="rId25"/>
+    <p:sldId id="302" r:id="rId26"/>
+    <p:sldId id="291" r:id="rId27"/>
+    <p:sldId id="267" r:id="rId28"/>
+    <p:sldId id="282" r:id="rId29"/>
+    <p:sldId id="304" r:id="rId30"/>
+    <p:sldId id="281" r:id="rId31"/>
+    <p:sldId id="292" r:id="rId32"/>
+    <p:sldId id="269" r:id="rId33"/>
+    <p:sldId id="284" r:id="rId34"/>
+    <p:sldId id="285" r:id="rId35"/>
+    <p:sldId id="293" r:id="rId36"/>
+    <p:sldId id="271" r:id="rId37"/>
+    <p:sldId id="294" r:id="rId38"/>
+    <p:sldId id="283" r:id="rId39"/>
+    <p:sldId id="286" r:id="rId40"/>
   </p:sldIdLst>
   <p:sldSz cx="12192000" cy="6858000"/>
   <p:notesSz cx="6858000" cy="9144000"/>
@@ -185,9 +186,10 @@
             <p14:sldId id="275"/>
             <p14:sldId id="277"/>
             <p14:sldId id="296"/>
+            <p14:sldId id="305"/>
+            <p14:sldId id="306"/>
             <p14:sldId id="295"/>
             <p14:sldId id="301"/>
-            <p14:sldId id="298"/>
             <p14:sldId id="299"/>
             <p14:sldId id="300"/>
             <p14:sldId id="278"/>
@@ -238,6 +240,320 @@
 </p:presentation>
 </file>
 
+<file path=ppt/revisionInfo.xml><?xml version="1.0" encoding="utf-8"?>
+<p1510:revInfo xmlns:a="http://schemas.openxmlformats.org/drawingml/2006/main" xmlns:r="http://schemas.openxmlformats.org/officeDocument/2006/relationships" xmlns:p1510="http://schemas.microsoft.com/office/powerpoint/2015/10/main">
+  <p1510:revLst>
+    <p1510:client id="{9AE01457-99D3-4140-A578-0F990212DAA1}" v="194" dt="2022-01-23T09:23:09.922"/>
+  </p1510:revLst>
+</p1510:revInfo>
+</file>
+
+<file path=ppt/changesInfos/changesInfo1.xml><?xml version="1.0" encoding="utf-8"?>
+<pc:chgInfo xmlns:a="http://schemas.openxmlformats.org/drawingml/2006/main" xmlns:r="http://schemas.openxmlformats.org/officeDocument/2006/relationships" xmlns:ac="http://schemas.microsoft.com/office/drawing/2013/main/command" xmlns:pc="http://schemas.microsoft.com/office/powerpoint/2013/main/command">
+  <pc:docChgLst>
+    <pc:chgData name="Tobias Buess" userId="578e02158c832d3f" providerId="LiveId" clId="{9AE01457-99D3-4140-A578-0F990212DAA1}"/>
+    <pc:docChg chg="undo custSel addSld delSld modSld sldOrd modSection">
+      <pc:chgData name="Tobias Buess" userId="578e02158c832d3f" providerId="LiveId" clId="{9AE01457-99D3-4140-A578-0F990212DAA1}" dt="2022-01-23T09:42:25.842" v="418" actId="47"/>
+      <pc:docMkLst>
+        <pc:docMk/>
+      </pc:docMkLst>
+      <pc:sldChg chg="ord">
+        <pc:chgData name="Tobias Buess" userId="578e02158c832d3f" providerId="LiveId" clId="{9AE01457-99D3-4140-A578-0F990212DAA1}" dt="2022-01-23T09:17:49.818" v="312"/>
+        <pc:sldMkLst>
+          <pc:docMk/>
+          <pc:sldMk cId="1867764610" sldId="295"/>
+        </pc:sldMkLst>
+      </pc:sldChg>
+      <pc:sldChg chg="del">
+        <pc:chgData name="Tobias Buess" userId="578e02158c832d3f" providerId="LiveId" clId="{9AE01457-99D3-4140-A578-0F990212DAA1}" dt="2022-01-23T09:42:25.842" v="418" actId="47"/>
+        <pc:sldMkLst>
+          <pc:docMk/>
+          <pc:sldMk cId="101364151" sldId="298"/>
+        </pc:sldMkLst>
+      </pc:sldChg>
+      <pc:sldChg chg="addSp delSp modSp new mod ord modTransition modAnim">
+        <pc:chgData name="Tobias Buess" userId="578e02158c832d3f" providerId="LiveId" clId="{9AE01457-99D3-4140-A578-0F990212DAA1}" dt="2022-01-23T09:15:20.162" v="245" actId="1076"/>
+        <pc:sldMkLst>
+          <pc:docMk/>
+          <pc:sldMk cId="1822674774" sldId="305"/>
+        </pc:sldMkLst>
+        <pc:spChg chg="mod">
+          <ac:chgData name="Tobias Buess" userId="578e02158c832d3f" providerId="LiveId" clId="{9AE01457-99D3-4140-A578-0F990212DAA1}" dt="2022-01-23T08:44:07.918" v="1"/>
+          <ac:spMkLst>
+            <pc:docMk/>
+            <pc:sldMk cId="1822674774" sldId="305"/>
+            <ac:spMk id="2" creationId="{E0F773A2-165D-4E44-8CD5-7E2278CBB092}"/>
+          </ac:spMkLst>
+        </pc:spChg>
+        <pc:spChg chg="del">
+          <ac:chgData name="Tobias Buess" userId="578e02158c832d3f" providerId="LiveId" clId="{9AE01457-99D3-4140-A578-0F990212DAA1}" dt="2022-01-23T08:44:10.814" v="2" actId="478"/>
+          <ac:spMkLst>
+            <pc:docMk/>
+            <pc:sldMk cId="1822674774" sldId="305"/>
+            <ac:spMk id="3" creationId="{0A0EF977-54BB-42A5-AE11-408540CD358D}"/>
+          </ac:spMkLst>
+        </pc:spChg>
+        <pc:spChg chg="add mod">
+          <ac:chgData name="Tobias Buess" userId="578e02158c832d3f" providerId="LiveId" clId="{9AE01457-99D3-4140-A578-0F990212DAA1}" dt="2022-01-23T08:48:46.239" v="75" actId="1076"/>
+          <ac:spMkLst>
+            <pc:docMk/>
+            <pc:sldMk cId="1822674774" sldId="305"/>
+            <ac:spMk id="32" creationId="{64384D5A-520A-4D20-A7B4-618E92EAFA90}"/>
+          </ac:spMkLst>
+        </pc:spChg>
+        <pc:spChg chg="add mod">
+          <ac:chgData name="Tobias Buess" userId="578e02158c832d3f" providerId="LiveId" clId="{9AE01457-99D3-4140-A578-0F990212DAA1}" dt="2022-01-23T08:52:32.096" v="108" actId="1076"/>
+          <ac:spMkLst>
+            <pc:docMk/>
+            <pc:sldMk cId="1822674774" sldId="305"/>
+            <ac:spMk id="33" creationId="{C0183E0E-367A-43AE-8D0F-7935B2D0CA17}"/>
+          </ac:spMkLst>
+        </pc:spChg>
+        <pc:spChg chg="add mod">
+          <ac:chgData name="Tobias Buess" userId="578e02158c832d3f" providerId="LiveId" clId="{9AE01457-99D3-4140-A578-0F990212DAA1}" dt="2022-01-23T08:52:46.008" v="114" actId="1076"/>
+          <ac:spMkLst>
+            <pc:docMk/>
+            <pc:sldMk cId="1822674774" sldId="305"/>
+            <ac:spMk id="34" creationId="{958335B7-CB2B-41D7-BF70-0E51203D74B0}"/>
+          </ac:spMkLst>
+        </pc:spChg>
+        <pc:spChg chg="add mod">
+          <ac:chgData name="Tobias Buess" userId="578e02158c832d3f" providerId="LiveId" clId="{9AE01457-99D3-4140-A578-0F990212DAA1}" dt="2022-01-23T08:53:16.908" v="131" actId="1076"/>
+          <ac:spMkLst>
+            <pc:docMk/>
+            <pc:sldMk cId="1822674774" sldId="305"/>
+            <ac:spMk id="35" creationId="{E4BBF98D-ECEC-4877-B5DD-F11CD09582E5}"/>
+          </ac:spMkLst>
+        </pc:spChg>
+        <pc:spChg chg="add mod">
+          <ac:chgData name="Tobias Buess" userId="578e02158c832d3f" providerId="LiveId" clId="{9AE01457-99D3-4140-A578-0F990212DAA1}" dt="2022-01-23T09:15:20.162" v="245" actId="1076"/>
+          <ac:spMkLst>
+            <pc:docMk/>
+            <pc:sldMk cId="1822674774" sldId="305"/>
+            <ac:spMk id="36" creationId="{8685CCFF-A7D1-42FE-A3AB-62306730AA1E}"/>
+          </ac:spMkLst>
+        </pc:spChg>
+        <pc:spChg chg="add mod">
+          <ac:chgData name="Tobias Buess" userId="578e02158c832d3f" providerId="LiveId" clId="{9AE01457-99D3-4140-A578-0F990212DAA1}" dt="2022-01-23T08:53:39.981" v="152" actId="1076"/>
+          <ac:spMkLst>
+            <pc:docMk/>
+            <pc:sldMk cId="1822674774" sldId="305"/>
+            <ac:spMk id="37" creationId="{935147AE-2C86-41B3-9D97-B10ADEE445DF}"/>
+          </ac:spMkLst>
+        </pc:spChg>
+        <pc:spChg chg="add mod">
+          <ac:chgData name="Tobias Buess" userId="578e02158c832d3f" providerId="LiveId" clId="{9AE01457-99D3-4140-A578-0F990212DAA1}" dt="2022-01-23T08:53:47.947" v="154" actId="1076"/>
+          <ac:spMkLst>
+            <pc:docMk/>
+            <pc:sldMk cId="1822674774" sldId="305"/>
+            <ac:spMk id="38" creationId="{4C09696C-ECCB-4CC2-ACF1-79ACEA2A6252}"/>
+          </ac:spMkLst>
+        </pc:spChg>
+        <pc:spChg chg="add mod">
+          <ac:chgData name="Tobias Buess" userId="578e02158c832d3f" providerId="LiveId" clId="{9AE01457-99D3-4140-A578-0F990212DAA1}" dt="2022-01-23T08:53:52.650" v="156" actId="1076"/>
+          <ac:spMkLst>
+            <pc:docMk/>
+            <pc:sldMk cId="1822674774" sldId="305"/>
+            <ac:spMk id="39" creationId="{6B824A82-43DF-4429-9BE1-A9442F5C82E9}"/>
+          </ac:spMkLst>
+        </pc:spChg>
+        <pc:spChg chg="add mod">
+          <ac:chgData name="Tobias Buess" userId="578e02158c832d3f" providerId="LiveId" clId="{9AE01457-99D3-4140-A578-0F990212DAA1}" dt="2022-01-23T08:55:10.484" v="173" actId="571"/>
+          <ac:spMkLst>
+            <pc:docMk/>
+            <pc:sldMk cId="1822674774" sldId="305"/>
+            <ac:spMk id="41" creationId="{F61B263C-6E62-477D-BB51-EF43A3215ACD}"/>
+          </ac:spMkLst>
+        </pc:spChg>
+        <pc:spChg chg="add mod">
+          <ac:chgData name="Tobias Buess" userId="578e02158c832d3f" providerId="LiveId" clId="{9AE01457-99D3-4140-A578-0F990212DAA1}" dt="2022-01-23T08:55:10.484" v="173" actId="571"/>
+          <ac:spMkLst>
+            <pc:docMk/>
+            <pc:sldMk cId="1822674774" sldId="305"/>
+            <ac:spMk id="42" creationId="{F2CAB14A-8B14-4FAF-8BD8-3D5238A142C6}"/>
+          </ac:spMkLst>
+        </pc:spChg>
+        <pc:cxnChg chg="add mod">
+          <ac:chgData name="Tobias Buess" userId="578e02158c832d3f" providerId="LiveId" clId="{9AE01457-99D3-4140-A578-0F990212DAA1}" dt="2022-01-23T08:48:02.459" v="49" actId="1076"/>
+          <ac:cxnSpMkLst>
+            <pc:docMk/>
+            <pc:sldMk cId="1822674774" sldId="305"/>
+            <ac:cxnSpMk id="5" creationId="{2326E808-27EC-4843-829F-40D1DC75455E}"/>
+          </ac:cxnSpMkLst>
+        </pc:cxnChg>
+        <pc:cxnChg chg="add mod">
+          <ac:chgData name="Tobias Buess" userId="578e02158c832d3f" providerId="LiveId" clId="{9AE01457-99D3-4140-A578-0F990212DAA1}" dt="2022-01-23T08:48:02.459" v="49" actId="1076"/>
+          <ac:cxnSpMkLst>
+            <pc:docMk/>
+            <pc:sldMk cId="1822674774" sldId="305"/>
+            <ac:cxnSpMk id="8" creationId="{72F650A8-870B-4EE2-B16A-82686B48444F}"/>
+          </ac:cxnSpMkLst>
+        </pc:cxnChg>
+        <pc:cxnChg chg="add mod">
+          <ac:chgData name="Tobias Buess" userId="578e02158c832d3f" providerId="LiveId" clId="{9AE01457-99D3-4140-A578-0F990212DAA1}" dt="2022-01-23T08:48:02.459" v="49" actId="1076"/>
+          <ac:cxnSpMkLst>
+            <pc:docMk/>
+            <pc:sldMk cId="1822674774" sldId="305"/>
+            <ac:cxnSpMk id="12" creationId="{0DF2AFEE-B1FA-4292-BB0F-A5B94CFA833A}"/>
+          </ac:cxnSpMkLst>
+        </pc:cxnChg>
+        <pc:cxnChg chg="add mod">
+          <ac:chgData name="Tobias Buess" userId="578e02158c832d3f" providerId="LiveId" clId="{9AE01457-99D3-4140-A578-0F990212DAA1}" dt="2022-01-23T08:48:11.238" v="50" actId="1076"/>
+          <ac:cxnSpMkLst>
+            <pc:docMk/>
+            <pc:sldMk cId="1822674774" sldId="305"/>
+            <ac:cxnSpMk id="15" creationId="{9490CBCB-621E-4265-985A-8B2A343439F2}"/>
+          </ac:cxnSpMkLst>
+        </pc:cxnChg>
+        <pc:cxnChg chg="add mod">
+          <ac:chgData name="Tobias Buess" userId="578e02158c832d3f" providerId="LiveId" clId="{9AE01457-99D3-4140-A578-0F990212DAA1}" dt="2022-01-23T08:48:11.238" v="50" actId="1076"/>
+          <ac:cxnSpMkLst>
+            <pc:docMk/>
+            <pc:sldMk cId="1822674774" sldId="305"/>
+            <ac:cxnSpMk id="16" creationId="{690803BF-4524-49FF-A329-23242B0B5D16}"/>
+          </ac:cxnSpMkLst>
+        </pc:cxnChg>
+        <pc:cxnChg chg="add mod">
+          <ac:chgData name="Tobias Buess" userId="578e02158c832d3f" providerId="LiveId" clId="{9AE01457-99D3-4140-A578-0F990212DAA1}" dt="2022-01-23T08:48:11.238" v="50" actId="1076"/>
+          <ac:cxnSpMkLst>
+            <pc:docMk/>
+            <pc:sldMk cId="1822674774" sldId="305"/>
+            <ac:cxnSpMk id="19" creationId="{874756B5-AE5C-403C-A6F0-CEBED75D3A8D}"/>
+          </ac:cxnSpMkLst>
+        </pc:cxnChg>
+        <pc:cxnChg chg="add mod">
+          <ac:chgData name="Tobias Buess" userId="578e02158c832d3f" providerId="LiveId" clId="{9AE01457-99D3-4140-A578-0F990212DAA1}" dt="2022-01-23T08:55:10.484" v="173" actId="571"/>
+          <ac:cxnSpMkLst>
+            <pc:docMk/>
+            <pc:sldMk cId="1822674774" sldId="305"/>
+            <ac:cxnSpMk id="40" creationId="{0AD6CBF0-9EFC-4E3F-8DDA-962554FAF092}"/>
+          </ac:cxnSpMkLst>
+        </pc:cxnChg>
+      </pc:sldChg>
+      <pc:sldChg chg="addSp delSp modSp add mod delAnim modAnim">
+        <pc:chgData name="Tobias Buess" userId="578e02158c832d3f" providerId="LiveId" clId="{9AE01457-99D3-4140-A578-0F990212DAA1}" dt="2022-01-23T09:23:12.643" v="417" actId="1076"/>
+        <pc:sldMkLst>
+          <pc:docMk/>
+          <pc:sldMk cId="2292122082" sldId="306"/>
+        </pc:sldMkLst>
+        <pc:spChg chg="del mod">
+          <ac:chgData name="Tobias Buess" userId="578e02158c832d3f" providerId="LiveId" clId="{9AE01457-99D3-4140-A578-0F990212DAA1}" dt="2022-01-23T08:54:06.748" v="160" actId="478"/>
+          <ac:spMkLst>
+            <pc:docMk/>
+            <pc:sldMk cId="2292122082" sldId="306"/>
+            <ac:spMk id="32" creationId="{64384D5A-520A-4D20-A7B4-618E92EAFA90}"/>
+          </ac:spMkLst>
+        </pc:spChg>
+        <pc:spChg chg="del">
+          <ac:chgData name="Tobias Buess" userId="578e02158c832d3f" providerId="LiveId" clId="{9AE01457-99D3-4140-A578-0F990212DAA1}" dt="2022-01-23T08:54:09.268" v="162" actId="478"/>
+          <ac:spMkLst>
+            <pc:docMk/>
+            <pc:sldMk cId="2292122082" sldId="306"/>
+            <ac:spMk id="33" creationId="{C0183E0E-367A-43AE-8D0F-7935B2D0CA17}"/>
+          </ac:spMkLst>
+        </pc:spChg>
+        <pc:spChg chg="del">
+          <ac:chgData name="Tobias Buess" userId="578e02158c832d3f" providerId="LiveId" clId="{9AE01457-99D3-4140-A578-0F990212DAA1}" dt="2022-01-23T08:54:07.964" v="161" actId="478"/>
+          <ac:spMkLst>
+            <pc:docMk/>
+            <pc:sldMk cId="2292122082" sldId="306"/>
+            <ac:spMk id="34" creationId="{958335B7-CB2B-41D7-BF70-0E51203D74B0}"/>
+          </ac:spMkLst>
+        </pc:spChg>
+        <pc:spChg chg="mod">
+          <ac:chgData name="Tobias Buess" userId="578e02158c832d3f" providerId="LiveId" clId="{9AE01457-99D3-4140-A578-0F990212DAA1}" dt="2022-01-23T09:15:30.044" v="246" actId="1076"/>
+          <ac:spMkLst>
+            <pc:docMk/>
+            <pc:sldMk cId="2292122082" sldId="306"/>
+            <ac:spMk id="36" creationId="{8685CCFF-A7D1-42FE-A3AB-62306730AA1E}"/>
+          </ac:spMkLst>
+        </pc:spChg>
+        <pc:spChg chg="del">
+          <ac:chgData name="Tobias Buess" userId="578e02158c832d3f" providerId="LiveId" clId="{9AE01457-99D3-4140-A578-0F990212DAA1}" dt="2022-01-23T08:54:18.337" v="169" actId="478"/>
+          <ac:spMkLst>
+            <pc:docMk/>
+            <pc:sldMk cId="2292122082" sldId="306"/>
+            <ac:spMk id="37" creationId="{935147AE-2C86-41B3-9D97-B10ADEE445DF}"/>
+          </ac:spMkLst>
+        </pc:spChg>
+        <pc:spChg chg="del">
+          <ac:chgData name="Tobias Buess" userId="578e02158c832d3f" providerId="LiveId" clId="{9AE01457-99D3-4140-A578-0F990212DAA1}" dt="2022-01-23T08:54:14.412" v="168" actId="478"/>
+          <ac:spMkLst>
+            <pc:docMk/>
+            <pc:sldMk cId="2292122082" sldId="306"/>
+            <ac:spMk id="38" creationId="{4C09696C-ECCB-4CC2-ACF1-79ACEA2A6252}"/>
+          </ac:spMkLst>
+        </pc:spChg>
+        <pc:spChg chg="del mod">
+          <ac:chgData name="Tobias Buess" userId="578e02158c832d3f" providerId="LiveId" clId="{9AE01457-99D3-4140-A578-0F990212DAA1}" dt="2022-01-23T08:54:13.376" v="167" actId="478"/>
+          <ac:spMkLst>
+            <pc:docMk/>
+            <pc:sldMk cId="2292122082" sldId="306"/>
+            <ac:spMk id="39" creationId="{6B824A82-43DF-4429-9BE1-A9442F5C82E9}"/>
+          </ac:spMkLst>
+        </pc:spChg>
+        <pc:spChg chg="add mod">
+          <ac:chgData name="Tobias Buess" userId="578e02158c832d3f" providerId="LiveId" clId="{9AE01457-99D3-4140-A578-0F990212DAA1}" dt="2022-01-23T09:16:25.890" v="260" actId="1076"/>
+          <ac:spMkLst>
+            <pc:docMk/>
+            <pc:sldMk cId="2292122082" sldId="306"/>
+            <ac:spMk id="77" creationId="{0169A794-BAF0-4116-A7A8-08640AE70368}"/>
+          </ac:spMkLst>
+        </pc:spChg>
+        <pc:spChg chg="add mod">
+          <ac:chgData name="Tobias Buess" userId="578e02158c832d3f" providerId="LiveId" clId="{9AE01457-99D3-4140-A578-0F990212DAA1}" dt="2022-01-23T09:23:12.643" v="417" actId="1076"/>
+          <ac:spMkLst>
+            <pc:docMk/>
+            <pc:sldMk cId="2292122082" sldId="306"/>
+            <ac:spMk id="78" creationId="{005AF12A-2B76-4242-BB1F-C48442E34566}"/>
+          </ac:spMkLst>
+        </pc:spChg>
+        <pc:cxnChg chg="del">
+          <ac:chgData name="Tobias Buess" userId="578e02158c832d3f" providerId="LiveId" clId="{9AE01457-99D3-4140-A578-0F990212DAA1}" dt="2022-01-23T08:54:05.655" v="159" actId="478"/>
+          <ac:cxnSpMkLst>
+            <pc:docMk/>
+            <pc:sldMk cId="2292122082" sldId="306"/>
+            <ac:cxnSpMk id="5" creationId="{2326E808-27EC-4843-829F-40D1DC75455E}"/>
+          </ac:cxnSpMkLst>
+        </pc:cxnChg>
+        <pc:cxnChg chg="del">
+          <ac:chgData name="Tobias Buess" userId="578e02158c832d3f" providerId="LiveId" clId="{9AE01457-99D3-4140-A578-0F990212DAA1}" dt="2022-01-23T08:54:09.893" v="163" actId="478"/>
+          <ac:cxnSpMkLst>
+            <pc:docMk/>
+            <pc:sldMk cId="2292122082" sldId="306"/>
+            <ac:cxnSpMk id="8" creationId="{72F650A8-870B-4EE2-B16A-82686B48444F}"/>
+          </ac:cxnSpMkLst>
+        </pc:cxnChg>
+        <pc:cxnChg chg="del">
+          <ac:chgData name="Tobias Buess" userId="578e02158c832d3f" providerId="LiveId" clId="{9AE01457-99D3-4140-A578-0F990212DAA1}" dt="2022-01-23T08:54:11.500" v="165" actId="478"/>
+          <ac:cxnSpMkLst>
+            <pc:docMk/>
+            <pc:sldMk cId="2292122082" sldId="306"/>
+            <ac:cxnSpMk id="15" creationId="{9490CBCB-621E-4265-985A-8B2A343439F2}"/>
+          </ac:cxnSpMkLst>
+        </pc:cxnChg>
+        <pc:cxnChg chg="del">
+          <ac:chgData name="Tobias Buess" userId="578e02158c832d3f" providerId="LiveId" clId="{9AE01457-99D3-4140-A578-0F990212DAA1}" dt="2022-01-23T08:54:10.787" v="164" actId="478"/>
+          <ac:cxnSpMkLst>
+            <pc:docMk/>
+            <pc:sldMk cId="2292122082" sldId="306"/>
+            <ac:cxnSpMk id="16" creationId="{690803BF-4524-49FF-A329-23242B0B5D16}"/>
+          </ac:cxnSpMkLst>
+        </pc:cxnChg>
+        <pc:cxnChg chg="add mod">
+          <ac:chgData name="Tobias Buess" userId="578e02158c832d3f" providerId="LiveId" clId="{9AE01457-99D3-4140-A578-0F990212DAA1}" dt="2022-01-23T09:07:56.644" v="240" actId="14100"/>
+          <ac:cxnSpMkLst>
+            <pc:docMk/>
+            <pc:sldMk cId="2292122082" sldId="306"/>
+            <ac:cxnSpMk id="75" creationId="{C42EC2AA-D4B5-44C6-90C0-3B0E32DC17FE}"/>
+          </ac:cxnSpMkLst>
+        </pc:cxnChg>
+      </pc:sldChg>
+    </pc:docChg>
+  </pc:docChgLst>
+</pc:chgInfo>
+</file>
+
 <file path=ppt/notesMasters/notesMaster1.xml><?xml version="1.0" encoding="utf-8"?>
 <p:notesMaster xmlns:a="http://schemas.openxmlformats.org/drawingml/2006/main" xmlns:r="http://schemas.openxmlformats.org/officeDocument/2006/relationships" xmlns:p="http://schemas.openxmlformats.org/presentationml/2006/main">
   <p:cSld>
@@ -320,7 +636,7 @@
           <a:p>
             <a:fld id="{6653C7EC-378C-496A-9946-B9D0B56795BD}" type="datetimeFigureOut">
               <a:rPr lang="en-CH" smtClean="0"/>
-              <a:t>21/01/2022</a:t>
+              <a:t>01/23/2022</a:t>
             </a:fld>
             <a:endParaRPr lang="en-CH"/>
           </a:p>
@@ -479,7 +795,7 @@
           <a:p>
             <a:fld id="{D4CE1BAB-7B68-4C87-8549-54F078DDFB49}" type="slidenum">
               <a:rPr lang="en-CH" smtClean="0"/>
-              <a:t>‹#›</a:t>
+              <a:t>‹Nr.›</a:t>
             </a:fld>
             <a:endParaRPr lang="en-CH"/>
           </a:p>
@@ -737,7 +1053,7 @@
           <a:p>
             <a:fld id="{D71E13D6-B070-45C8-AC42-90F25AD4976F}" type="datetime8">
               <a:rPr lang="en-CH" smtClean="0"/>
-              <a:t>21/01/2022 16:32</a:t>
+              <a:t>01/23/2022 09:43</a:t>
             </a:fld>
             <a:endParaRPr lang="en-CH"/>
           </a:p>
@@ -791,7 +1107,7 @@
           <a:p>
             <a:fld id="{0F00D740-55B1-4DC8-A3B5-4535950A93D0}" type="slidenum">
               <a:rPr lang="en-CH" smtClean="0"/>
-              <a:t>‹#›</a:t>
+              <a:t>‹Nr.›</a:t>
             </a:fld>
             <a:endParaRPr lang="en-CH"/>
           </a:p>
@@ -937,7 +1253,7 @@
           <a:p>
             <a:fld id="{34C1AEE4-2DCF-4A66-9927-6F783BB52BE0}" type="datetime8">
               <a:rPr lang="en-CH" smtClean="0"/>
-              <a:t>21/01/2022 16:32</a:t>
+              <a:t>01/23/2022 09:43</a:t>
             </a:fld>
             <a:endParaRPr lang="en-CH"/>
           </a:p>
@@ -991,7 +1307,7 @@
           <a:p>
             <a:fld id="{0F00D740-55B1-4DC8-A3B5-4535950A93D0}" type="slidenum">
               <a:rPr lang="en-CH" smtClean="0"/>
-              <a:t>‹#›</a:t>
+              <a:t>‹Nr.›</a:t>
             </a:fld>
             <a:endParaRPr lang="en-CH"/>
           </a:p>
@@ -1147,7 +1463,7 @@
           <a:p>
             <a:fld id="{C4C13A0D-7035-4256-BB1C-652F6CDC1D82}" type="datetime8">
               <a:rPr lang="en-CH" smtClean="0"/>
-              <a:t>21/01/2022 16:32</a:t>
+              <a:t>01/23/2022 09:43</a:t>
             </a:fld>
             <a:endParaRPr lang="en-CH"/>
           </a:p>
@@ -1201,7 +1517,7 @@
           <a:p>
             <a:fld id="{0F00D740-55B1-4DC8-A3B5-4535950A93D0}" type="slidenum">
               <a:rPr lang="en-CH" smtClean="0"/>
-              <a:t>‹#›</a:t>
+              <a:t>‹Nr.›</a:t>
             </a:fld>
             <a:endParaRPr lang="en-CH"/>
           </a:p>
@@ -1347,7 +1663,7 @@
           <a:p>
             <a:fld id="{A720F8AA-53F4-4181-BD2C-7354613DB587}" type="datetime8">
               <a:rPr lang="en-CH" smtClean="0"/>
-              <a:t>21/01/2022 16:32</a:t>
+              <a:t>01/23/2022 09:43</a:t>
             </a:fld>
             <a:endParaRPr lang="en-CH"/>
           </a:p>
@@ -1401,7 +1717,7 @@
           <a:p>
             <a:fld id="{0F00D740-55B1-4DC8-A3B5-4535950A93D0}" type="slidenum">
               <a:rPr lang="en-CH" smtClean="0"/>
-              <a:t>‹#›</a:t>
+              <a:t>‹Nr.›</a:t>
             </a:fld>
             <a:endParaRPr lang="en-CH"/>
           </a:p>
@@ -1623,7 +1939,7 @@
           <a:p>
             <a:fld id="{18ED5C57-181E-4E8A-8032-E5587C441532}" type="datetime8">
               <a:rPr lang="en-CH" smtClean="0"/>
-              <a:t>21/01/2022 16:32</a:t>
+              <a:t>01/23/2022 09:43</a:t>
             </a:fld>
             <a:endParaRPr lang="en-CH"/>
           </a:p>
@@ -1677,7 +1993,7 @@
           <a:p>
             <a:fld id="{0F00D740-55B1-4DC8-A3B5-4535950A93D0}" type="slidenum">
               <a:rPr lang="en-CH" smtClean="0"/>
-              <a:t>‹#›</a:t>
+              <a:t>‹Nr.›</a:t>
             </a:fld>
             <a:endParaRPr lang="en-CH"/>
           </a:p>
@@ -1891,7 +2207,7 @@
           <a:p>
             <a:fld id="{2711B6E1-EBCF-4960-9E94-A2CE4CEDA9CF}" type="datetime8">
               <a:rPr lang="en-CH" smtClean="0"/>
-              <a:t>21/01/2022 16:32</a:t>
+              <a:t>01/23/2022 09:43</a:t>
             </a:fld>
             <a:endParaRPr lang="en-CH"/>
           </a:p>
@@ -1945,7 +2261,7 @@
           <a:p>
             <a:fld id="{0F00D740-55B1-4DC8-A3B5-4535950A93D0}" type="slidenum">
               <a:rPr lang="en-CH" smtClean="0"/>
-              <a:t>‹#›</a:t>
+              <a:t>‹Nr.›</a:t>
             </a:fld>
             <a:endParaRPr lang="en-CH"/>
           </a:p>
@@ -2306,7 +2622,7 @@
           <a:p>
             <a:fld id="{60888D22-8975-4143-BBCD-F78A0E3504A0}" type="datetime8">
               <a:rPr lang="en-CH" smtClean="0"/>
-              <a:t>21/01/2022 16:32</a:t>
+              <a:t>01/23/2022 09:43</a:t>
             </a:fld>
             <a:endParaRPr lang="en-CH"/>
           </a:p>
@@ -2360,7 +2676,7 @@
           <a:p>
             <a:fld id="{0F00D740-55B1-4DC8-A3B5-4535950A93D0}" type="slidenum">
               <a:rPr lang="en-CH" smtClean="0"/>
-              <a:t>‹#›</a:t>
+              <a:t>‹Nr.›</a:t>
             </a:fld>
             <a:endParaRPr lang="en-CH"/>
           </a:p>
@@ -2448,7 +2764,7 @@
           <a:p>
             <a:fld id="{CB62F5ED-9834-4FF8-A8E6-FE85BE4A88B6}" type="datetime8">
               <a:rPr lang="en-CH" smtClean="0"/>
-              <a:t>21/01/2022 16:32</a:t>
+              <a:t>01/23/2022 09:43</a:t>
             </a:fld>
             <a:endParaRPr lang="en-CH"/>
           </a:p>
@@ -2502,7 +2818,7 @@
           <a:p>
             <a:fld id="{0F00D740-55B1-4DC8-A3B5-4535950A93D0}" type="slidenum">
               <a:rPr lang="en-CH" smtClean="0"/>
-              <a:t>‹#›</a:t>
+              <a:t>‹Nr.›</a:t>
             </a:fld>
             <a:endParaRPr lang="en-CH"/>
           </a:p>
@@ -2561,7 +2877,7 @@
           <a:p>
             <a:fld id="{91C4E595-669A-4DA7-8755-75BCB1DD65E9}" type="datetime8">
               <a:rPr lang="en-CH" smtClean="0"/>
-              <a:t>21/01/2022 16:32</a:t>
+              <a:t>01/23/2022 09:43</a:t>
             </a:fld>
             <a:endParaRPr lang="en-CH"/>
           </a:p>
@@ -2615,7 +2931,7 @@
           <a:p>
             <a:fld id="{0F00D740-55B1-4DC8-A3B5-4535950A93D0}" type="slidenum">
               <a:rPr lang="en-CH" smtClean="0"/>
-              <a:t>‹#›</a:t>
+              <a:t>‹Nr.›</a:t>
             </a:fld>
             <a:endParaRPr lang="en-CH"/>
           </a:p>
@@ -2874,7 +3190,7 @@
           <a:p>
             <a:fld id="{1D3E9293-092D-4F3B-852B-B7B73C73F1F9}" type="datetime8">
               <a:rPr lang="en-CH" smtClean="0"/>
-              <a:t>21/01/2022 16:32</a:t>
+              <a:t>01/23/2022 09:43</a:t>
             </a:fld>
             <a:endParaRPr lang="en-CH"/>
           </a:p>
@@ -2928,7 +3244,7 @@
           <a:p>
             <a:fld id="{0F00D740-55B1-4DC8-A3B5-4535950A93D0}" type="slidenum">
               <a:rPr lang="en-CH" smtClean="0"/>
-              <a:t>‹#›</a:t>
+              <a:t>‹Nr.›</a:t>
             </a:fld>
             <a:endParaRPr lang="en-CH"/>
           </a:p>
@@ -3163,7 +3479,7 @@
           <a:p>
             <a:fld id="{72DA9548-12AA-4712-AB6D-8087536C3BD4}" type="datetime8">
               <a:rPr lang="en-CH" smtClean="0"/>
-              <a:t>21/01/2022 16:32</a:t>
+              <a:t>01/23/2022 09:43</a:t>
             </a:fld>
             <a:endParaRPr lang="en-CH"/>
           </a:p>
@@ -3217,7 +3533,7 @@
           <a:p>
             <a:fld id="{0F00D740-55B1-4DC8-A3B5-4535950A93D0}" type="slidenum">
               <a:rPr lang="en-CH" smtClean="0"/>
-              <a:t>‹#›</a:t>
+              <a:t>‹Nr.›</a:t>
             </a:fld>
             <a:endParaRPr lang="en-CH"/>
           </a:p>
@@ -3406,7 +3722,7 @@
           <a:p>
             <a:fld id="{361E5043-500B-4A06-A6BE-2D713F12E4A2}" type="datetime8">
               <a:rPr lang="en-CH" smtClean="0"/>
-              <a:t>21/01/2022 16:32</a:t>
+              <a:t>01/23/2022 09:43</a:t>
             </a:fld>
             <a:endParaRPr lang="en-CH"/>
           </a:p>
@@ -3496,7 +3812,7 @@
           <a:p>
             <a:fld id="{0F00D740-55B1-4DC8-A3B5-4535950A93D0}" type="slidenum">
               <a:rPr lang="en-CH" smtClean="0"/>
-              <a:t>‹#›</a:t>
+              <a:t>‹Nr.›</a:t>
             </a:fld>
             <a:endParaRPr lang="en-CH"/>
           </a:p>
@@ -7181,10 +7497,10 @@
       </p:grpSpPr>
       <p:sp>
         <p:nvSpPr>
-          <p:cNvPr id="2" name="Title 1">
-            <a:extLst>
-              <a:ext uri="{FF2B5EF4-FFF2-40B4-BE49-F238E27FC236}">
-                <a16:creationId xmlns:a16="http://schemas.microsoft.com/office/drawing/2014/main" id="{017DC302-A1DE-464B-AAC3-355C0710275D}"/>
+          <p:cNvPr id="2" name="Titel 1">
+            <a:extLst>
+              <a:ext uri="{FF2B5EF4-FFF2-40B4-BE49-F238E27FC236}">
+                <a16:creationId xmlns:a16="http://schemas.microsoft.com/office/drawing/2014/main" id="{E0F773A2-165D-4E44-8CD5-7E2278CBB092}"/>
               </a:ext>
             </a:extLst>
           </p:cNvPr>
@@ -7227,16 +7543,16 @@
               </a:rPr>
               <a:t>Vorhersage</a:t>
             </a:r>
-            <a:endParaRPr lang="en-CH" dirty="0"/>
+            <a:endParaRPr lang="de-CH" dirty="0"/>
           </a:p>
         </p:txBody>
       </p:sp>
       <p:sp>
         <p:nvSpPr>
-          <p:cNvPr id="4" name="Slide Number Placeholder 3">
-            <a:extLst>
-              <a:ext uri="{FF2B5EF4-FFF2-40B4-BE49-F238E27FC236}">
-                <a16:creationId xmlns:a16="http://schemas.microsoft.com/office/drawing/2014/main" id="{6CE61BDF-795F-4AD2-9A32-1D1BDC0BA7F2}"/>
+          <p:cNvPr id="4" name="Foliennummernplatzhalter 3">
+            <a:extLst>
+              <a:ext uri="{FF2B5EF4-FFF2-40B4-BE49-F238E27FC236}">
+                <a16:creationId xmlns:a16="http://schemas.microsoft.com/office/drawing/2014/main" id="{A9FD322E-3A19-4945-9846-B0D48A759D8E}"/>
               </a:ext>
             </a:extLst>
           </p:cNvPr>
@@ -7255,6 +7571,1705 @@
             <a:fld id="{0F00D740-55B1-4DC8-A3B5-4535950A93D0}" type="slidenum">
               <a:rPr lang="en-CH" smtClean="0"/>
               <a:t>17</a:t>
+            </a:fld>
+            <a:endParaRPr lang="en-CH"/>
+          </a:p>
+        </p:txBody>
+      </p:sp>
+      <p:cxnSp>
+        <p:nvCxnSpPr>
+          <p:cNvPr id="5" name="Straight Arrow Connector 8">
+            <a:extLst>
+              <a:ext uri="{FF2B5EF4-FFF2-40B4-BE49-F238E27FC236}">
+                <a16:creationId xmlns:a16="http://schemas.microsoft.com/office/drawing/2014/main" id="{2326E808-27EC-4843-829F-40D1DC75455E}"/>
+              </a:ext>
+            </a:extLst>
+          </p:cNvPr>
+          <p:cNvCxnSpPr>
+            <a:cxnSpLocks/>
+          </p:cNvCxnSpPr>
+          <p:nvPr/>
+        </p:nvCxnSpPr>
+        <p:spPr>
+          <a:xfrm flipV="1">
+            <a:off x="4332876" y="3163636"/>
+            <a:ext cx="0" cy="1719765"/>
+          </a:xfrm>
+          <a:prstGeom prst="straightConnector1">
+            <a:avLst/>
+          </a:prstGeom>
+          <a:ln w="19050">
+            <a:solidFill>
+              <a:srgbClr val="FF0000"/>
+            </a:solidFill>
+            <a:tailEnd type="triangle"/>
+          </a:ln>
+        </p:spPr>
+        <p:style>
+          <a:lnRef idx="1">
+            <a:schemeClr val="accent1"/>
+          </a:lnRef>
+          <a:fillRef idx="0">
+            <a:schemeClr val="accent1"/>
+          </a:fillRef>
+          <a:effectRef idx="0">
+            <a:schemeClr val="accent1"/>
+          </a:effectRef>
+          <a:fontRef idx="minor">
+            <a:schemeClr val="tx1"/>
+          </a:fontRef>
+        </p:style>
+      </p:cxnSp>
+      <p:cxnSp>
+        <p:nvCxnSpPr>
+          <p:cNvPr id="8" name="Straight Arrow Connector 8">
+            <a:extLst>
+              <a:ext uri="{FF2B5EF4-FFF2-40B4-BE49-F238E27FC236}">
+                <a16:creationId xmlns:a16="http://schemas.microsoft.com/office/drawing/2014/main" id="{72F650A8-870B-4EE2-B16A-82686B48444F}"/>
+              </a:ext>
+            </a:extLst>
+          </p:cNvPr>
+          <p:cNvCxnSpPr>
+            <a:cxnSpLocks/>
+          </p:cNvCxnSpPr>
+          <p:nvPr/>
+        </p:nvCxnSpPr>
+        <p:spPr>
+          <a:xfrm flipV="1">
+            <a:off x="3035769" y="4883400"/>
+            <a:ext cx="1297107" cy="1"/>
+          </a:xfrm>
+          <a:prstGeom prst="straightConnector1">
+            <a:avLst/>
+          </a:prstGeom>
+          <a:ln w="19050">
+            <a:solidFill>
+              <a:srgbClr val="FF0000"/>
+            </a:solidFill>
+            <a:tailEnd type="triangle"/>
+          </a:ln>
+        </p:spPr>
+        <p:style>
+          <a:lnRef idx="1">
+            <a:schemeClr val="accent1"/>
+          </a:lnRef>
+          <a:fillRef idx="0">
+            <a:schemeClr val="accent1"/>
+          </a:fillRef>
+          <a:effectRef idx="0">
+            <a:schemeClr val="accent1"/>
+          </a:effectRef>
+          <a:fontRef idx="minor">
+            <a:schemeClr val="tx1"/>
+          </a:fontRef>
+        </p:style>
+      </p:cxnSp>
+      <p:cxnSp>
+        <p:nvCxnSpPr>
+          <p:cNvPr id="12" name="Straight Arrow Connector 8">
+            <a:extLst>
+              <a:ext uri="{FF2B5EF4-FFF2-40B4-BE49-F238E27FC236}">
+                <a16:creationId xmlns:a16="http://schemas.microsoft.com/office/drawing/2014/main" id="{0DF2AFEE-B1FA-4292-BB0F-A5B94CFA833A}"/>
+              </a:ext>
+            </a:extLst>
+          </p:cNvPr>
+          <p:cNvCxnSpPr>
+            <a:cxnSpLocks/>
+          </p:cNvCxnSpPr>
+          <p:nvPr/>
+        </p:nvCxnSpPr>
+        <p:spPr>
+          <a:xfrm flipV="1">
+            <a:off x="3035770" y="3163636"/>
+            <a:ext cx="1297105" cy="1719766"/>
+          </a:xfrm>
+          <a:prstGeom prst="straightConnector1">
+            <a:avLst/>
+          </a:prstGeom>
+          <a:ln w="19050">
+            <a:solidFill>
+              <a:srgbClr val="00B0F0"/>
+            </a:solidFill>
+            <a:tailEnd type="triangle"/>
+          </a:ln>
+        </p:spPr>
+        <p:style>
+          <a:lnRef idx="1">
+            <a:schemeClr val="accent1"/>
+          </a:lnRef>
+          <a:fillRef idx="0">
+            <a:schemeClr val="accent1"/>
+          </a:fillRef>
+          <a:effectRef idx="0">
+            <a:schemeClr val="accent1"/>
+          </a:effectRef>
+          <a:fontRef idx="minor">
+            <a:schemeClr val="tx1"/>
+          </a:fontRef>
+        </p:style>
+      </p:cxnSp>
+      <p:cxnSp>
+        <p:nvCxnSpPr>
+          <p:cNvPr id="15" name="Straight Arrow Connector 8">
+            <a:extLst>
+              <a:ext uri="{FF2B5EF4-FFF2-40B4-BE49-F238E27FC236}">
+                <a16:creationId xmlns:a16="http://schemas.microsoft.com/office/drawing/2014/main" id="{9490CBCB-621E-4265-985A-8B2A343439F2}"/>
+              </a:ext>
+            </a:extLst>
+          </p:cNvPr>
+          <p:cNvCxnSpPr>
+            <a:cxnSpLocks/>
+          </p:cNvCxnSpPr>
+          <p:nvPr/>
+        </p:nvCxnSpPr>
+        <p:spPr>
+          <a:xfrm flipV="1">
+            <a:off x="9156231" y="3876867"/>
+            <a:ext cx="0" cy="1006532"/>
+          </a:xfrm>
+          <a:prstGeom prst="straightConnector1">
+            <a:avLst/>
+          </a:prstGeom>
+          <a:ln w="19050">
+            <a:solidFill>
+              <a:srgbClr val="FF0000"/>
+            </a:solidFill>
+            <a:tailEnd type="triangle"/>
+          </a:ln>
+        </p:spPr>
+        <p:style>
+          <a:lnRef idx="1">
+            <a:schemeClr val="accent1"/>
+          </a:lnRef>
+          <a:fillRef idx="0">
+            <a:schemeClr val="accent1"/>
+          </a:fillRef>
+          <a:effectRef idx="0">
+            <a:schemeClr val="accent1"/>
+          </a:effectRef>
+          <a:fontRef idx="minor">
+            <a:schemeClr val="tx1"/>
+          </a:fontRef>
+        </p:style>
+      </p:cxnSp>
+      <p:cxnSp>
+        <p:nvCxnSpPr>
+          <p:cNvPr id="16" name="Straight Arrow Connector 8">
+            <a:extLst>
+              <a:ext uri="{FF2B5EF4-FFF2-40B4-BE49-F238E27FC236}">
+                <a16:creationId xmlns:a16="http://schemas.microsoft.com/office/drawing/2014/main" id="{690803BF-4524-49FF-A329-23242B0B5D16}"/>
+              </a:ext>
+            </a:extLst>
+          </p:cNvPr>
+          <p:cNvCxnSpPr>
+            <a:cxnSpLocks/>
+          </p:cNvCxnSpPr>
+          <p:nvPr/>
+        </p:nvCxnSpPr>
+        <p:spPr>
+          <a:xfrm>
+            <a:off x="6312408" y="4883401"/>
+            <a:ext cx="2843823" cy="0"/>
+          </a:xfrm>
+          <a:prstGeom prst="straightConnector1">
+            <a:avLst/>
+          </a:prstGeom>
+          <a:ln w="19050">
+            <a:solidFill>
+              <a:srgbClr val="FF0000"/>
+            </a:solidFill>
+            <a:tailEnd type="triangle"/>
+          </a:ln>
+        </p:spPr>
+        <p:style>
+          <a:lnRef idx="1">
+            <a:schemeClr val="accent1"/>
+          </a:lnRef>
+          <a:fillRef idx="0">
+            <a:schemeClr val="accent1"/>
+          </a:fillRef>
+          <a:effectRef idx="0">
+            <a:schemeClr val="accent1"/>
+          </a:effectRef>
+          <a:fontRef idx="minor">
+            <a:schemeClr val="tx1"/>
+          </a:fontRef>
+        </p:style>
+      </p:cxnSp>
+      <p:cxnSp>
+        <p:nvCxnSpPr>
+          <p:cNvPr id="19" name="Straight Arrow Connector 8">
+            <a:extLst>
+              <a:ext uri="{FF2B5EF4-FFF2-40B4-BE49-F238E27FC236}">
+                <a16:creationId xmlns:a16="http://schemas.microsoft.com/office/drawing/2014/main" id="{874756B5-AE5C-403C-A6F0-CEBED75D3A8D}"/>
+              </a:ext>
+            </a:extLst>
+          </p:cNvPr>
+          <p:cNvCxnSpPr>
+            <a:cxnSpLocks/>
+          </p:cNvCxnSpPr>
+          <p:nvPr/>
+        </p:nvCxnSpPr>
+        <p:spPr>
+          <a:xfrm flipV="1">
+            <a:off x="6312408" y="3876867"/>
+            <a:ext cx="2843822" cy="1006533"/>
+          </a:xfrm>
+          <a:prstGeom prst="straightConnector1">
+            <a:avLst/>
+          </a:prstGeom>
+          <a:ln w="19050">
+            <a:solidFill>
+              <a:srgbClr val="00B0F0"/>
+            </a:solidFill>
+            <a:tailEnd type="triangle"/>
+          </a:ln>
+        </p:spPr>
+        <p:style>
+          <a:lnRef idx="1">
+            <a:schemeClr val="accent1"/>
+          </a:lnRef>
+          <a:fillRef idx="0">
+            <a:schemeClr val="accent1"/>
+          </a:fillRef>
+          <a:effectRef idx="0">
+            <a:schemeClr val="accent1"/>
+          </a:effectRef>
+          <a:fontRef idx="minor">
+            <a:schemeClr val="tx1"/>
+          </a:fontRef>
+        </p:style>
+      </p:cxnSp>
+      <p:sp>
+        <p:nvSpPr>
+          <p:cNvPr id="32" name="Textfeld 31">
+            <a:extLst>
+              <a:ext uri="{FF2B5EF4-FFF2-40B4-BE49-F238E27FC236}">
+                <a16:creationId xmlns:a16="http://schemas.microsoft.com/office/drawing/2014/main" id="{64384D5A-520A-4D20-A7B4-618E92EAFA90}"/>
+              </a:ext>
+            </a:extLst>
+          </p:cNvPr>
+          <p:cNvSpPr txBox="1"/>
+          <p:nvPr/>
+        </p:nvSpPr>
+        <p:spPr>
+          <a:xfrm rot="18491603">
+            <a:off x="2382821" y="3708002"/>
+            <a:ext cx="2230611" cy="369332"/>
+          </a:xfrm>
+          <a:prstGeom prst="rect">
+            <a:avLst/>
+          </a:prstGeom>
+          <a:noFill/>
+        </p:spPr>
+        <p:txBody>
+          <a:bodyPr wrap="none" rtlCol="0">
+            <a:spAutoFit/>
+          </a:bodyPr>
+          <a:lstStyle/>
+          <a:p>
+            <a:r>
+              <a:rPr lang="de-CH" dirty="0"/>
+              <a:t>Resultierender Vektor</a:t>
+            </a:r>
+          </a:p>
+        </p:txBody>
+      </p:sp>
+      <p:sp>
+        <p:nvSpPr>
+          <p:cNvPr id="33" name="Textfeld 32">
+            <a:extLst>
+              <a:ext uri="{FF2B5EF4-FFF2-40B4-BE49-F238E27FC236}">
+                <a16:creationId xmlns:a16="http://schemas.microsoft.com/office/drawing/2014/main" id="{C0183E0E-367A-43AE-8D0F-7935B2D0CA17}"/>
+              </a:ext>
+            </a:extLst>
+          </p:cNvPr>
+          <p:cNvSpPr txBox="1"/>
+          <p:nvPr/>
+        </p:nvSpPr>
+        <p:spPr>
+          <a:xfrm>
+            <a:off x="2832854" y="5024870"/>
+            <a:ext cx="1845377" cy="369332"/>
+          </a:xfrm>
+          <a:prstGeom prst="rect">
+            <a:avLst/>
+          </a:prstGeom>
+          <a:noFill/>
+        </p:spPr>
+        <p:txBody>
+          <a:bodyPr wrap="none" rtlCol="0">
+            <a:spAutoFit/>
+          </a:bodyPr>
+          <a:lstStyle/>
+          <a:p>
+            <a:r>
+              <a:rPr lang="de-CH" dirty="0"/>
+              <a:t>Messung 1 Norm.</a:t>
+            </a:r>
+          </a:p>
+        </p:txBody>
+      </p:sp>
+      <p:sp>
+        <p:nvSpPr>
+          <p:cNvPr id="34" name="Textfeld 33">
+            <a:extLst>
+              <a:ext uri="{FF2B5EF4-FFF2-40B4-BE49-F238E27FC236}">
+                <a16:creationId xmlns:a16="http://schemas.microsoft.com/office/drawing/2014/main" id="{958335B7-CB2B-41D7-BF70-0E51203D74B0}"/>
+              </a:ext>
+            </a:extLst>
+          </p:cNvPr>
+          <p:cNvSpPr txBox="1"/>
+          <p:nvPr/>
+        </p:nvSpPr>
+        <p:spPr>
+          <a:xfrm rot="16200000">
+            <a:off x="3755543" y="3801518"/>
+            <a:ext cx="1845377" cy="369332"/>
+          </a:xfrm>
+          <a:prstGeom prst="rect">
+            <a:avLst/>
+          </a:prstGeom>
+          <a:noFill/>
+        </p:spPr>
+        <p:txBody>
+          <a:bodyPr wrap="none" rtlCol="0">
+            <a:spAutoFit/>
+          </a:bodyPr>
+          <a:lstStyle/>
+          <a:p>
+            <a:r>
+              <a:rPr lang="de-CH" dirty="0"/>
+              <a:t>Messung 2 Norm.</a:t>
+            </a:r>
+          </a:p>
+        </p:txBody>
+      </p:sp>
+      <p:sp>
+        <p:nvSpPr>
+          <p:cNvPr id="35" name="Textfeld 34">
+            <a:extLst>
+              <a:ext uri="{FF2B5EF4-FFF2-40B4-BE49-F238E27FC236}">
+                <a16:creationId xmlns:a16="http://schemas.microsoft.com/office/drawing/2014/main" id="{E4BBF98D-ECEC-4877-B5DD-F11CD09582E5}"/>
+              </a:ext>
+            </a:extLst>
+          </p:cNvPr>
+          <p:cNvSpPr txBox="1"/>
+          <p:nvPr/>
+        </p:nvSpPr>
+        <p:spPr>
+          <a:xfrm>
+            <a:off x="2663379" y="2228475"/>
+            <a:ext cx="2208361" cy="584775"/>
+          </a:xfrm>
+          <a:prstGeom prst="rect">
+            <a:avLst/>
+          </a:prstGeom>
+          <a:noFill/>
+        </p:spPr>
+        <p:txBody>
+          <a:bodyPr wrap="none" rtlCol="0">
+            <a:spAutoFit/>
+          </a:bodyPr>
+          <a:lstStyle/>
+          <a:p>
+            <a:r>
+              <a:rPr lang="de-CH" sz="3200" b="1" dirty="0"/>
+              <a:t>Referenztag</a:t>
+            </a:r>
+          </a:p>
+        </p:txBody>
+      </p:sp>
+      <p:sp>
+        <p:nvSpPr>
+          <p:cNvPr id="36" name="Textfeld 35">
+            <a:extLst>
+              <a:ext uri="{FF2B5EF4-FFF2-40B4-BE49-F238E27FC236}">
+                <a16:creationId xmlns:a16="http://schemas.microsoft.com/office/drawing/2014/main" id="{8685CCFF-A7D1-42FE-A3AB-62306730AA1E}"/>
+              </a:ext>
+            </a:extLst>
+          </p:cNvPr>
+          <p:cNvSpPr txBox="1"/>
+          <p:nvPr/>
+        </p:nvSpPr>
+        <p:spPr>
+          <a:xfrm>
+            <a:off x="6991879" y="2226934"/>
+            <a:ext cx="2440861" cy="584775"/>
+          </a:xfrm>
+          <a:prstGeom prst="rect">
+            <a:avLst/>
+          </a:prstGeom>
+          <a:noFill/>
+        </p:spPr>
+        <p:txBody>
+          <a:bodyPr wrap="none" rtlCol="0">
+            <a:spAutoFit/>
+          </a:bodyPr>
+          <a:lstStyle/>
+          <a:p>
+            <a:r>
+              <a:rPr lang="de-CH" sz="3200" b="1" dirty="0"/>
+              <a:t>Vergleichstag</a:t>
+            </a:r>
+          </a:p>
+        </p:txBody>
+      </p:sp>
+      <p:sp>
+        <p:nvSpPr>
+          <p:cNvPr id="37" name="Textfeld 36">
+            <a:extLst>
+              <a:ext uri="{FF2B5EF4-FFF2-40B4-BE49-F238E27FC236}">
+                <a16:creationId xmlns:a16="http://schemas.microsoft.com/office/drawing/2014/main" id="{935147AE-2C86-41B3-9D97-B10ADEE445DF}"/>
+              </a:ext>
+            </a:extLst>
+          </p:cNvPr>
+          <p:cNvSpPr txBox="1"/>
+          <p:nvPr/>
+        </p:nvSpPr>
+        <p:spPr>
+          <a:xfrm rot="20451599">
+            <a:off x="6440391" y="3851588"/>
+            <a:ext cx="2230611" cy="369332"/>
+          </a:xfrm>
+          <a:prstGeom prst="rect">
+            <a:avLst/>
+          </a:prstGeom>
+          <a:noFill/>
+        </p:spPr>
+        <p:txBody>
+          <a:bodyPr wrap="square" rtlCol="0">
+            <a:spAutoFit/>
+          </a:bodyPr>
+          <a:lstStyle/>
+          <a:p>
+            <a:r>
+              <a:rPr lang="de-CH" dirty="0"/>
+              <a:t>Resultierender Vektor</a:t>
+            </a:r>
+          </a:p>
+        </p:txBody>
+      </p:sp>
+      <p:sp>
+        <p:nvSpPr>
+          <p:cNvPr id="38" name="Textfeld 37">
+            <a:extLst>
+              <a:ext uri="{FF2B5EF4-FFF2-40B4-BE49-F238E27FC236}">
+                <a16:creationId xmlns:a16="http://schemas.microsoft.com/office/drawing/2014/main" id="{4C09696C-ECCB-4CC2-ACF1-79ACEA2A6252}"/>
+              </a:ext>
+            </a:extLst>
+          </p:cNvPr>
+          <p:cNvSpPr txBox="1"/>
+          <p:nvPr/>
+        </p:nvSpPr>
+        <p:spPr>
+          <a:xfrm>
+            <a:off x="6926318" y="5031470"/>
+            <a:ext cx="1845377" cy="369332"/>
+          </a:xfrm>
+          <a:prstGeom prst="rect">
+            <a:avLst/>
+          </a:prstGeom>
+          <a:noFill/>
+        </p:spPr>
+        <p:txBody>
+          <a:bodyPr wrap="none" rtlCol="0">
+            <a:spAutoFit/>
+          </a:bodyPr>
+          <a:lstStyle/>
+          <a:p>
+            <a:r>
+              <a:rPr lang="de-CH" dirty="0"/>
+              <a:t>Messung 1 Norm.</a:t>
+            </a:r>
+          </a:p>
+        </p:txBody>
+      </p:sp>
+      <p:sp>
+        <p:nvSpPr>
+          <p:cNvPr id="39" name="Textfeld 38">
+            <a:extLst>
+              <a:ext uri="{FF2B5EF4-FFF2-40B4-BE49-F238E27FC236}">
+                <a16:creationId xmlns:a16="http://schemas.microsoft.com/office/drawing/2014/main" id="{6B824A82-43DF-4429-9BE1-A9442F5C82E9}"/>
+              </a:ext>
+            </a:extLst>
+          </p:cNvPr>
+          <p:cNvSpPr txBox="1"/>
+          <p:nvPr/>
+        </p:nvSpPr>
+        <p:spPr>
+          <a:xfrm rot="16200000">
+            <a:off x="8510052" y="4195467"/>
+            <a:ext cx="1845377" cy="369332"/>
+          </a:xfrm>
+          <a:prstGeom prst="rect">
+            <a:avLst/>
+          </a:prstGeom>
+          <a:noFill/>
+        </p:spPr>
+        <p:txBody>
+          <a:bodyPr wrap="none" rtlCol="0">
+            <a:spAutoFit/>
+          </a:bodyPr>
+          <a:lstStyle/>
+          <a:p>
+            <a:r>
+              <a:rPr lang="de-CH" dirty="0"/>
+              <a:t>Messung 2 Norm.</a:t>
+            </a:r>
+          </a:p>
+        </p:txBody>
+      </p:sp>
+    </p:spTree>
+    <p:extLst>
+      <p:ext uri="{BB962C8B-B14F-4D97-AF65-F5344CB8AC3E}">
+        <p14:creationId xmlns:p14="http://schemas.microsoft.com/office/powerpoint/2010/main" val="1822674774"/>
+      </p:ext>
+    </p:extLst>
+  </p:cSld>
+  <p:clrMapOvr>
+    <a:masterClrMapping/>
+  </p:clrMapOvr>
+  <mc:AlternateContent xmlns:mc="http://schemas.openxmlformats.org/markup-compatibility/2006">
+    <mc:Choice xmlns:p14="http://schemas.microsoft.com/office/powerpoint/2010/main" Requires="p14">
+      <p:transition spd="med" p14:dur="700">
+        <p:fade/>
+      </p:transition>
+    </mc:Choice>
+    <mc:Fallback>
+      <p:transition spd="med">
+        <p:fade/>
+      </p:transition>
+    </mc:Fallback>
+  </mc:AlternateContent>
+  <p:timing>
+    <p:tnLst>
+      <p:par>
+        <p:cTn id="1" dur="indefinite" restart="never" nodeType="tmRoot">
+          <p:childTnLst>
+            <p:seq concurrent="1" nextAc="seek">
+              <p:cTn id="2" dur="indefinite" nodeType="mainSeq">
+                <p:childTnLst>
+                  <p:par>
+                    <p:cTn id="3" fill="hold">
+                      <p:stCondLst>
+                        <p:cond delay="indefinite"/>
+                      </p:stCondLst>
+                      <p:childTnLst>
+                        <p:par>
+                          <p:cTn id="4" fill="hold">
+                            <p:stCondLst>
+                              <p:cond delay="0"/>
+                            </p:stCondLst>
+                            <p:childTnLst>
+                              <p:par>
+                                <p:cTn id="5" presetID="10" presetClass="entr" presetSubtype="0" fill="hold" nodeType="clickEffect">
+                                  <p:stCondLst>
+                                    <p:cond delay="0"/>
+                                  </p:stCondLst>
+                                  <p:childTnLst>
+                                    <p:set>
+                                      <p:cBhvr>
+                                        <p:cTn id="6" dur="1" fill="hold">
+                                          <p:stCondLst>
+                                            <p:cond delay="0"/>
+                                          </p:stCondLst>
+                                        </p:cTn>
+                                        <p:tgtEl>
+                                          <p:spTgt spid="12"/>
+                                        </p:tgtEl>
+                                        <p:attrNameLst>
+                                          <p:attrName>style.visibility</p:attrName>
+                                        </p:attrNameLst>
+                                      </p:cBhvr>
+                                      <p:to>
+                                        <p:strVal val="visible"/>
+                                      </p:to>
+                                    </p:set>
+                                    <p:animEffect transition="in" filter="fade">
+                                      <p:cBhvr>
+                                        <p:cTn id="7" dur="500"/>
+                                        <p:tgtEl>
+                                          <p:spTgt spid="12"/>
+                                        </p:tgtEl>
+                                      </p:cBhvr>
+                                    </p:animEffect>
+                                  </p:childTnLst>
+                                </p:cTn>
+                              </p:par>
+                              <p:par>
+                                <p:cTn id="8" presetID="10" presetClass="entr" presetSubtype="0" fill="hold" grpId="0" nodeType="withEffect">
+                                  <p:stCondLst>
+                                    <p:cond delay="0"/>
+                                  </p:stCondLst>
+                                  <p:childTnLst>
+                                    <p:set>
+                                      <p:cBhvr>
+                                        <p:cTn id="9" dur="1" fill="hold">
+                                          <p:stCondLst>
+                                            <p:cond delay="0"/>
+                                          </p:stCondLst>
+                                        </p:cTn>
+                                        <p:tgtEl>
+                                          <p:spTgt spid="32"/>
+                                        </p:tgtEl>
+                                        <p:attrNameLst>
+                                          <p:attrName>style.visibility</p:attrName>
+                                        </p:attrNameLst>
+                                      </p:cBhvr>
+                                      <p:to>
+                                        <p:strVal val="visible"/>
+                                      </p:to>
+                                    </p:set>
+                                    <p:animEffect transition="in" filter="fade">
+                                      <p:cBhvr>
+                                        <p:cTn id="10" dur="500"/>
+                                        <p:tgtEl>
+                                          <p:spTgt spid="32"/>
+                                        </p:tgtEl>
+                                      </p:cBhvr>
+                                    </p:animEffect>
+                                  </p:childTnLst>
+                                </p:cTn>
+                              </p:par>
+                            </p:childTnLst>
+                          </p:cTn>
+                        </p:par>
+                      </p:childTnLst>
+                    </p:cTn>
+                  </p:par>
+                  <p:par>
+                    <p:cTn id="11" fill="hold">
+                      <p:stCondLst>
+                        <p:cond delay="indefinite"/>
+                      </p:stCondLst>
+                      <p:childTnLst>
+                        <p:par>
+                          <p:cTn id="12" fill="hold">
+                            <p:stCondLst>
+                              <p:cond delay="0"/>
+                            </p:stCondLst>
+                            <p:childTnLst>
+                              <p:par>
+                                <p:cTn id="13" presetID="10" presetClass="entr" presetSubtype="0" fill="hold" grpId="0" nodeType="clickEffect">
+                                  <p:stCondLst>
+                                    <p:cond delay="0"/>
+                                  </p:stCondLst>
+                                  <p:childTnLst>
+                                    <p:set>
+                                      <p:cBhvr>
+                                        <p:cTn id="14" dur="1" fill="hold">
+                                          <p:stCondLst>
+                                            <p:cond delay="0"/>
+                                          </p:stCondLst>
+                                        </p:cTn>
+                                        <p:tgtEl>
+                                          <p:spTgt spid="36"/>
+                                        </p:tgtEl>
+                                        <p:attrNameLst>
+                                          <p:attrName>style.visibility</p:attrName>
+                                        </p:attrNameLst>
+                                      </p:cBhvr>
+                                      <p:to>
+                                        <p:strVal val="visible"/>
+                                      </p:to>
+                                    </p:set>
+                                    <p:animEffect transition="in" filter="fade">
+                                      <p:cBhvr>
+                                        <p:cTn id="15" dur="500"/>
+                                        <p:tgtEl>
+                                          <p:spTgt spid="36"/>
+                                        </p:tgtEl>
+                                      </p:cBhvr>
+                                    </p:animEffect>
+                                  </p:childTnLst>
+                                </p:cTn>
+                              </p:par>
+                              <p:par>
+                                <p:cTn id="16" presetID="10" presetClass="entr" presetSubtype="0" fill="hold" nodeType="withEffect">
+                                  <p:stCondLst>
+                                    <p:cond delay="0"/>
+                                  </p:stCondLst>
+                                  <p:childTnLst>
+                                    <p:set>
+                                      <p:cBhvr>
+                                        <p:cTn id="17" dur="1" fill="hold">
+                                          <p:stCondLst>
+                                            <p:cond delay="0"/>
+                                          </p:stCondLst>
+                                        </p:cTn>
+                                        <p:tgtEl>
+                                          <p:spTgt spid="16"/>
+                                        </p:tgtEl>
+                                        <p:attrNameLst>
+                                          <p:attrName>style.visibility</p:attrName>
+                                        </p:attrNameLst>
+                                      </p:cBhvr>
+                                      <p:to>
+                                        <p:strVal val="visible"/>
+                                      </p:to>
+                                    </p:set>
+                                    <p:animEffect transition="in" filter="fade">
+                                      <p:cBhvr>
+                                        <p:cTn id="18" dur="500"/>
+                                        <p:tgtEl>
+                                          <p:spTgt spid="16"/>
+                                        </p:tgtEl>
+                                      </p:cBhvr>
+                                    </p:animEffect>
+                                  </p:childTnLst>
+                                </p:cTn>
+                              </p:par>
+                              <p:par>
+                                <p:cTn id="19" presetID="10" presetClass="entr" presetSubtype="0" fill="hold" grpId="0" nodeType="withEffect">
+                                  <p:stCondLst>
+                                    <p:cond delay="0"/>
+                                  </p:stCondLst>
+                                  <p:childTnLst>
+                                    <p:set>
+                                      <p:cBhvr>
+                                        <p:cTn id="20" dur="1" fill="hold">
+                                          <p:stCondLst>
+                                            <p:cond delay="0"/>
+                                          </p:stCondLst>
+                                        </p:cTn>
+                                        <p:tgtEl>
+                                          <p:spTgt spid="38"/>
+                                        </p:tgtEl>
+                                        <p:attrNameLst>
+                                          <p:attrName>style.visibility</p:attrName>
+                                        </p:attrNameLst>
+                                      </p:cBhvr>
+                                      <p:to>
+                                        <p:strVal val="visible"/>
+                                      </p:to>
+                                    </p:set>
+                                    <p:animEffect transition="in" filter="fade">
+                                      <p:cBhvr>
+                                        <p:cTn id="21" dur="500"/>
+                                        <p:tgtEl>
+                                          <p:spTgt spid="38"/>
+                                        </p:tgtEl>
+                                      </p:cBhvr>
+                                    </p:animEffect>
+                                  </p:childTnLst>
+                                </p:cTn>
+                              </p:par>
+                              <p:par>
+                                <p:cTn id="22" presetID="10" presetClass="entr" presetSubtype="0" fill="hold" grpId="0" nodeType="withEffect">
+                                  <p:stCondLst>
+                                    <p:cond delay="0"/>
+                                  </p:stCondLst>
+                                  <p:childTnLst>
+                                    <p:set>
+                                      <p:cBhvr>
+                                        <p:cTn id="23" dur="1" fill="hold">
+                                          <p:stCondLst>
+                                            <p:cond delay="0"/>
+                                          </p:stCondLst>
+                                        </p:cTn>
+                                        <p:tgtEl>
+                                          <p:spTgt spid="39"/>
+                                        </p:tgtEl>
+                                        <p:attrNameLst>
+                                          <p:attrName>style.visibility</p:attrName>
+                                        </p:attrNameLst>
+                                      </p:cBhvr>
+                                      <p:to>
+                                        <p:strVal val="visible"/>
+                                      </p:to>
+                                    </p:set>
+                                    <p:animEffect transition="in" filter="fade">
+                                      <p:cBhvr>
+                                        <p:cTn id="24" dur="500"/>
+                                        <p:tgtEl>
+                                          <p:spTgt spid="39"/>
+                                        </p:tgtEl>
+                                      </p:cBhvr>
+                                    </p:animEffect>
+                                  </p:childTnLst>
+                                </p:cTn>
+                              </p:par>
+                              <p:par>
+                                <p:cTn id="25" presetID="10" presetClass="entr" presetSubtype="0" fill="hold" nodeType="withEffect">
+                                  <p:stCondLst>
+                                    <p:cond delay="0"/>
+                                  </p:stCondLst>
+                                  <p:childTnLst>
+                                    <p:set>
+                                      <p:cBhvr>
+                                        <p:cTn id="26" dur="1" fill="hold">
+                                          <p:stCondLst>
+                                            <p:cond delay="0"/>
+                                          </p:stCondLst>
+                                        </p:cTn>
+                                        <p:tgtEl>
+                                          <p:spTgt spid="15"/>
+                                        </p:tgtEl>
+                                        <p:attrNameLst>
+                                          <p:attrName>style.visibility</p:attrName>
+                                        </p:attrNameLst>
+                                      </p:cBhvr>
+                                      <p:to>
+                                        <p:strVal val="visible"/>
+                                      </p:to>
+                                    </p:set>
+                                    <p:animEffect transition="in" filter="fade">
+                                      <p:cBhvr>
+                                        <p:cTn id="27" dur="500"/>
+                                        <p:tgtEl>
+                                          <p:spTgt spid="15"/>
+                                        </p:tgtEl>
+                                      </p:cBhvr>
+                                    </p:animEffect>
+                                  </p:childTnLst>
+                                </p:cTn>
+                              </p:par>
+                            </p:childTnLst>
+                          </p:cTn>
+                        </p:par>
+                      </p:childTnLst>
+                    </p:cTn>
+                  </p:par>
+                  <p:par>
+                    <p:cTn id="28" fill="hold">
+                      <p:stCondLst>
+                        <p:cond delay="indefinite"/>
+                      </p:stCondLst>
+                      <p:childTnLst>
+                        <p:par>
+                          <p:cTn id="29" fill="hold">
+                            <p:stCondLst>
+                              <p:cond delay="0"/>
+                            </p:stCondLst>
+                            <p:childTnLst>
+                              <p:par>
+                                <p:cTn id="30" presetID="10" presetClass="entr" presetSubtype="0" fill="hold" nodeType="clickEffect">
+                                  <p:stCondLst>
+                                    <p:cond delay="0"/>
+                                  </p:stCondLst>
+                                  <p:childTnLst>
+                                    <p:set>
+                                      <p:cBhvr>
+                                        <p:cTn id="31" dur="1" fill="hold">
+                                          <p:stCondLst>
+                                            <p:cond delay="0"/>
+                                          </p:stCondLst>
+                                        </p:cTn>
+                                        <p:tgtEl>
+                                          <p:spTgt spid="19"/>
+                                        </p:tgtEl>
+                                        <p:attrNameLst>
+                                          <p:attrName>style.visibility</p:attrName>
+                                        </p:attrNameLst>
+                                      </p:cBhvr>
+                                      <p:to>
+                                        <p:strVal val="visible"/>
+                                      </p:to>
+                                    </p:set>
+                                    <p:animEffect transition="in" filter="fade">
+                                      <p:cBhvr>
+                                        <p:cTn id="32" dur="500"/>
+                                        <p:tgtEl>
+                                          <p:spTgt spid="19"/>
+                                        </p:tgtEl>
+                                      </p:cBhvr>
+                                    </p:animEffect>
+                                  </p:childTnLst>
+                                </p:cTn>
+                              </p:par>
+                              <p:par>
+                                <p:cTn id="33" presetID="10" presetClass="entr" presetSubtype="0" fill="hold" grpId="0" nodeType="withEffect">
+                                  <p:stCondLst>
+                                    <p:cond delay="0"/>
+                                  </p:stCondLst>
+                                  <p:childTnLst>
+                                    <p:set>
+                                      <p:cBhvr>
+                                        <p:cTn id="34" dur="1" fill="hold">
+                                          <p:stCondLst>
+                                            <p:cond delay="0"/>
+                                          </p:stCondLst>
+                                        </p:cTn>
+                                        <p:tgtEl>
+                                          <p:spTgt spid="37"/>
+                                        </p:tgtEl>
+                                        <p:attrNameLst>
+                                          <p:attrName>style.visibility</p:attrName>
+                                        </p:attrNameLst>
+                                      </p:cBhvr>
+                                      <p:to>
+                                        <p:strVal val="visible"/>
+                                      </p:to>
+                                    </p:set>
+                                    <p:animEffect transition="in" filter="fade">
+                                      <p:cBhvr>
+                                        <p:cTn id="35" dur="500"/>
+                                        <p:tgtEl>
+                                          <p:spTgt spid="37"/>
+                                        </p:tgtEl>
+                                      </p:cBhvr>
+                                    </p:animEffect>
+                                  </p:childTnLst>
+                                </p:cTn>
+                              </p:par>
+                            </p:childTnLst>
+                          </p:cTn>
+                        </p:par>
+                      </p:childTnLst>
+                    </p:cTn>
+                  </p:par>
+                </p:childTnLst>
+              </p:cTn>
+              <p:prevCondLst>
+                <p:cond evt="onPrev" delay="0">
+                  <p:tgtEl>
+                    <p:sldTgt/>
+                  </p:tgtEl>
+                </p:cond>
+              </p:prevCondLst>
+              <p:nextCondLst>
+                <p:cond evt="onNext" delay="0">
+                  <p:tgtEl>
+                    <p:sldTgt/>
+                  </p:tgtEl>
+                </p:cond>
+              </p:nextCondLst>
+            </p:seq>
+          </p:childTnLst>
+        </p:cTn>
+      </p:par>
+    </p:tnLst>
+    <p:bldLst>
+      <p:bldP spid="32" grpId="0"/>
+      <p:bldP spid="36" grpId="0"/>
+      <p:bldP spid="37" grpId="0"/>
+      <p:bldP spid="38" grpId="0"/>
+      <p:bldP spid="39" grpId="0"/>
+    </p:bldLst>
+  </p:timing>
+</p:sld>
+</file>
+
+<file path=ppt/slides/slide18.xml><?xml version="1.0" encoding="utf-8"?>
+<p:sld xmlns:a="http://schemas.openxmlformats.org/drawingml/2006/main" xmlns:r="http://schemas.openxmlformats.org/officeDocument/2006/relationships" xmlns:p="http://schemas.openxmlformats.org/presentationml/2006/main">
+  <p:cSld>
+    <p:spTree>
+      <p:nvGrpSpPr>
+        <p:cNvPr id="1" name=""/>
+        <p:cNvGrpSpPr/>
+        <p:nvPr/>
+      </p:nvGrpSpPr>
+      <p:grpSpPr>
+        <a:xfrm>
+          <a:off x="0" y="0"/>
+          <a:ext cx="0" cy="0"/>
+          <a:chOff x="0" y="0"/>
+          <a:chExt cx="0" cy="0"/>
+        </a:xfrm>
+      </p:grpSpPr>
+      <p:sp>
+        <p:nvSpPr>
+          <p:cNvPr id="2" name="Titel 1">
+            <a:extLst>
+              <a:ext uri="{FF2B5EF4-FFF2-40B4-BE49-F238E27FC236}">
+                <a16:creationId xmlns:a16="http://schemas.microsoft.com/office/drawing/2014/main" id="{E0F773A2-165D-4E44-8CD5-7E2278CBB092}"/>
+              </a:ext>
+            </a:extLst>
+          </p:cNvPr>
+          <p:cNvSpPr>
+            <a:spLocks noGrp="1"/>
+          </p:cNvSpPr>
+          <p:nvPr>
+            <p:ph type="title"/>
+          </p:nvPr>
+        </p:nvSpPr>
+        <p:spPr/>
+        <p:txBody>
+          <a:bodyPr/>
+          <a:lstStyle/>
+          <a:p>
+            <a:r>
+              <a:rPr lang="en-US" b="1" dirty="0">
+                <a:latin typeface="Arial" panose="020B0604020202020204" pitchFamily="34" charset="0"/>
+                <a:cs typeface="Arial" panose="020B0604020202020204" pitchFamily="34" charset="0"/>
+              </a:rPr>
+              <a:t>Python </a:t>
+            </a:r>
+            <a:r>
+              <a:rPr lang="en-US" b="1" dirty="0" err="1">
+                <a:latin typeface="Arial" panose="020B0604020202020204" pitchFamily="34" charset="0"/>
+                <a:cs typeface="Arial" panose="020B0604020202020204" pitchFamily="34" charset="0"/>
+              </a:rPr>
+              <a:t>Programm</a:t>
+            </a:r>
+            <a:br>
+              <a:rPr lang="en-US" b="1" dirty="0">
+                <a:latin typeface="Arial" panose="020B0604020202020204" pitchFamily="34" charset="0"/>
+                <a:cs typeface="Arial" panose="020B0604020202020204" pitchFamily="34" charset="0"/>
+              </a:rPr>
+            </a:br>
+            <a:r>
+              <a:rPr lang="en-US" sz="3600" i="1" dirty="0" err="1">
+                <a:latin typeface="Arial" panose="020B0604020202020204" pitchFamily="34" charset="0"/>
+                <a:cs typeface="Arial" panose="020B0604020202020204" pitchFamily="34" charset="0"/>
+              </a:rPr>
+              <a:t>Vorhersage</a:t>
+            </a:r>
+            <a:endParaRPr lang="de-CH" dirty="0"/>
+          </a:p>
+        </p:txBody>
+      </p:sp>
+      <p:sp>
+        <p:nvSpPr>
+          <p:cNvPr id="4" name="Foliennummernplatzhalter 3">
+            <a:extLst>
+              <a:ext uri="{FF2B5EF4-FFF2-40B4-BE49-F238E27FC236}">
+                <a16:creationId xmlns:a16="http://schemas.microsoft.com/office/drawing/2014/main" id="{A9FD322E-3A19-4945-9846-B0D48A759D8E}"/>
+              </a:ext>
+            </a:extLst>
+          </p:cNvPr>
+          <p:cNvSpPr>
+            <a:spLocks noGrp="1"/>
+          </p:cNvSpPr>
+          <p:nvPr>
+            <p:ph type="sldNum" sz="quarter" idx="12"/>
+          </p:nvPr>
+        </p:nvSpPr>
+        <p:spPr/>
+        <p:txBody>
+          <a:bodyPr/>
+          <a:lstStyle/>
+          <a:p>
+            <a:fld id="{0F00D740-55B1-4DC8-A3B5-4535950A93D0}" type="slidenum">
+              <a:rPr lang="en-CH" smtClean="0"/>
+              <a:t>18</a:t>
+            </a:fld>
+            <a:endParaRPr lang="en-CH"/>
+          </a:p>
+        </p:txBody>
+      </p:sp>
+      <p:cxnSp>
+        <p:nvCxnSpPr>
+          <p:cNvPr id="12" name="Straight Arrow Connector 8">
+            <a:extLst>
+              <a:ext uri="{FF2B5EF4-FFF2-40B4-BE49-F238E27FC236}">
+                <a16:creationId xmlns:a16="http://schemas.microsoft.com/office/drawing/2014/main" id="{0DF2AFEE-B1FA-4292-BB0F-A5B94CFA833A}"/>
+              </a:ext>
+            </a:extLst>
+          </p:cNvPr>
+          <p:cNvCxnSpPr>
+            <a:cxnSpLocks/>
+          </p:cNvCxnSpPr>
+          <p:nvPr/>
+        </p:nvCxnSpPr>
+        <p:spPr>
+          <a:xfrm flipV="1">
+            <a:off x="3035770" y="3163636"/>
+            <a:ext cx="1297105" cy="1719766"/>
+          </a:xfrm>
+          <a:prstGeom prst="straightConnector1">
+            <a:avLst/>
+          </a:prstGeom>
+          <a:ln w="19050">
+            <a:solidFill>
+              <a:srgbClr val="00B0F0"/>
+            </a:solidFill>
+            <a:tailEnd type="triangle"/>
+          </a:ln>
+        </p:spPr>
+        <p:style>
+          <a:lnRef idx="1">
+            <a:schemeClr val="accent1"/>
+          </a:lnRef>
+          <a:fillRef idx="0">
+            <a:schemeClr val="accent1"/>
+          </a:fillRef>
+          <a:effectRef idx="0">
+            <a:schemeClr val="accent1"/>
+          </a:effectRef>
+          <a:fontRef idx="minor">
+            <a:schemeClr val="tx1"/>
+          </a:fontRef>
+        </p:style>
+      </p:cxnSp>
+      <p:cxnSp>
+        <p:nvCxnSpPr>
+          <p:cNvPr id="19" name="Straight Arrow Connector 8">
+            <a:extLst>
+              <a:ext uri="{FF2B5EF4-FFF2-40B4-BE49-F238E27FC236}">
+                <a16:creationId xmlns:a16="http://schemas.microsoft.com/office/drawing/2014/main" id="{874756B5-AE5C-403C-A6F0-CEBED75D3A8D}"/>
+              </a:ext>
+            </a:extLst>
+          </p:cNvPr>
+          <p:cNvCxnSpPr>
+            <a:cxnSpLocks/>
+          </p:cNvCxnSpPr>
+          <p:nvPr/>
+        </p:nvCxnSpPr>
+        <p:spPr>
+          <a:xfrm flipV="1">
+            <a:off x="6312408" y="3876867"/>
+            <a:ext cx="2843822" cy="1006533"/>
+          </a:xfrm>
+          <a:prstGeom prst="straightConnector1">
+            <a:avLst/>
+          </a:prstGeom>
+          <a:ln w="19050">
+            <a:solidFill>
+              <a:srgbClr val="00B0F0"/>
+            </a:solidFill>
+            <a:tailEnd type="triangle"/>
+          </a:ln>
+        </p:spPr>
+        <p:style>
+          <a:lnRef idx="1">
+            <a:schemeClr val="accent1"/>
+          </a:lnRef>
+          <a:fillRef idx="0">
+            <a:schemeClr val="accent1"/>
+          </a:fillRef>
+          <a:effectRef idx="0">
+            <a:schemeClr val="accent1"/>
+          </a:effectRef>
+          <a:fontRef idx="minor">
+            <a:schemeClr val="tx1"/>
+          </a:fontRef>
+        </p:style>
+      </p:cxnSp>
+      <p:sp>
+        <p:nvSpPr>
+          <p:cNvPr id="35" name="Textfeld 34">
+            <a:extLst>
+              <a:ext uri="{FF2B5EF4-FFF2-40B4-BE49-F238E27FC236}">
+                <a16:creationId xmlns:a16="http://schemas.microsoft.com/office/drawing/2014/main" id="{E4BBF98D-ECEC-4877-B5DD-F11CD09582E5}"/>
+              </a:ext>
+            </a:extLst>
+          </p:cNvPr>
+          <p:cNvSpPr txBox="1"/>
+          <p:nvPr/>
+        </p:nvSpPr>
+        <p:spPr>
+          <a:xfrm>
+            <a:off x="2663379" y="2228475"/>
+            <a:ext cx="2208361" cy="584775"/>
+          </a:xfrm>
+          <a:prstGeom prst="rect">
+            <a:avLst/>
+          </a:prstGeom>
+          <a:noFill/>
+        </p:spPr>
+        <p:txBody>
+          <a:bodyPr wrap="none" rtlCol="0">
+            <a:spAutoFit/>
+          </a:bodyPr>
+          <a:lstStyle/>
+          <a:p>
+            <a:r>
+              <a:rPr lang="de-CH" sz="3200" b="1" dirty="0"/>
+              <a:t>Referenztag</a:t>
+            </a:r>
+          </a:p>
+        </p:txBody>
+      </p:sp>
+      <p:sp>
+        <p:nvSpPr>
+          <p:cNvPr id="36" name="Textfeld 35">
+            <a:extLst>
+              <a:ext uri="{FF2B5EF4-FFF2-40B4-BE49-F238E27FC236}">
+                <a16:creationId xmlns:a16="http://schemas.microsoft.com/office/drawing/2014/main" id="{8685CCFF-A7D1-42FE-A3AB-62306730AA1E}"/>
+              </a:ext>
+            </a:extLst>
+          </p:cNvPr>
+          <p:cNvSpPr txBox="1"/>
+          <p:nvPr/>
+        </p:nvSpPr>
+        <p:spPr>
+          <a:xfrm>
+            <a:off x="6991879" y="2228475"/>
+            <a:ext cx="2440861" cy="584775"/>
+          </a:xfrm>
+          <a:prstGeom prst="rect">
+            <a:avLst/>
+          </a:prstGeom>
+          <a:noFill/>
+        </p:spPr>
+        <p:txBody>
+          <a:bodyPr wrap="none" rtlCol="0">
+            <a:spAutoFit/>
+          </a:bodyPr>
+          <a:lstStyle/>
+          <a:p>
+            <a:r>
+              <a:rPr lang="de-CH" sz="3200" b="1" dirty="0"/>
+              <a:t>Vergleichstag</a:t>
+            </a:r>
+          </a:p>
+        </p:txBody>
+      </p:sp>
+      <p:cxnSp>
+        <p:nvCxnSpPr>
+          <p:cNvPr id="75" name="Gerade Verbindung mit Pfeil 74">
+            <a:extLst>
+              <a:ext uri="{FF2B5EF4-FFF2-40B4-BE49-F238E27FC236}">
+                <a16:creationId xmlns:a16="http://schemas.microsoft.com/office/drawing/2014/main" id="{C42EC2AA-D4B5-44C6-90C0-3B0E32DC17FE}"/>
+              </a:ext>
+            </a:extLst>
+          </p:cNvPr>
+          <p:cNvCxnSpPr>
+            <a:cxnSpLocks/>
+          </p:cNvCxnSpPr>
+          <p:nvPr/>
+        </p:nvCxnSpPr>
+        <p:spPr>
+          <a:xfrm flipH="1">
+            <a:off x="8360229" y="3876867"/>
+            <a:ext cx="796001" cy="284828"/>
+          </a:xfrm>
+          <a:prstGeom prst="straightConnector1">
+            <a:avLst/>
+          </a:prstGeom>
+          <a:ln>
+            <a:solidFill>
+              <a:srgbClr val="FF0000"/>
+            </a:solidFill>
+            <a:headEnd type="triangle"/>
+            <a:tailEnd type="triangle"/>
+          </a:ln>
+        </p:spPr>
+        <p:style>
+          <a:lnRef idx="1">
+            <a:schemeClr val="accent1"/>
+          </a:lnRef>
+          <a:fillRef idx="0">
+            <a:schemeClr val="accent1"/>
+          </a:fillRef>
+          <a:effectRef idx="0">
+            <a:schemeClr val="accent1"/>
+          </a:effectRef>
+          <a:fontRef idx="minor">
+            <a:schemeClr val="tx1"/>
+          </a:fontRef>
+        </p:style>
+      </p:cxnSp>
+      <p:sp>
+        <p:nvSpPr>
+          <p:cNvPr id="77" name="Textfeld 76">
+            <a:extLst>
+              <a:ext uri="{FF2B5EF4-FFF2-40B4-BE49-F238E27FC236}">
+                <a16:creationId xmlns:a16="http://schemas.microsoft.com/office/drawing/2014/main" id="{0169A794-BAF0-4116-A7A8-08640AE70368}"/>
+              </a:ext>
+            </a:extLst>
+          </p:cNvPr>
+          <p:cNvSpPr txBox="1"/>
+          <p:nvPr/>
+        </p:nvSpPr>
+        <p:spPr>
+          <a:xfrm>
+            <a:off x="8758229" y="4018651"/>
+            <a:ext cx="1034450" cy="369332"/>
+          </a:xfrm>
+          <a:prstGeom prst="rect">
+            <a:avLst/>
+          </a:prstGeom>
+          <a:noFill/>
+        </p:spPr>
+        <p:txBody>
+          <a:bodyPr wrap="none" rtlCol="0">
+            <a:spAutoFit/>
+          </a:bodyPr>
+          <a:lstStyle/>
+          <a:p>
+            <a:r>
+              <a:rPr lang="de-CH" dirty="0"/>
+              <a:t>Differenz</a:t>
+            </a:r>
+          </a:p>
+        </p:txBody>
+      </p:sp>
+      <p:sp>
+        <p:nvSpPr>
+          <p:cNvPr id="78" name="Textfeld 77">
+            <a:extLst>
+              <a:ext uri="{FF2B5EF4-FFF2-40B4-BE49-F238E27FC236}">
+                <a16:creationId xmlns:a16="http://schemas.microsoft.com/office/drawing/2014/main" id="{005AF12A-2B76-4242-BB1F-C48442E34566}"/>
+              </a:ext>
+            </a:extLst>
+          </p:cNvPr>
+          <p:cNvSpPr txBox="1"/>
+          <p:nvPr/>
+        </p:nvSpPr>
+        <p:spPr>
+          <a:xfrm>
+            <a:off x="1630831" y="6130062"/>
+            <a:ext cx="9145132" cy="369332"/>
+          </a:xfrm>
+          <a:prstGeom prst="rect">
+            <a:avLst/>
+          </a:prstGeom>
+          <a:noFill/>
+        </p:spPr>
+        <p:txBody>
+          <a:bodyPr wrap="none" rtlCol="0">
+            <a:spAutoFit/>
+          </a:bodyPr>
+          <a:lstStyle/>
+          <a:p>
+            <a:pPr marL="285750" indent="-285750">
+              <a:buFont typeface="Arial" panose="020B0604020202020204" pitchFamily="34" charset="0"/>
+              <a:buChar char="•"/>
+            </a:pPr>
+            <a:r>
+              <a:rPr lang="de-CH" dirty="0"/>
+              <a:t>Vergleichstage deren Differenz kleiner als 10% der Differenzrange betragen werden behalten</a:t>
+            </a:r>
+          </a:p>
+        </p:txBody>
+      </p:sp>
+    </p:spTree>
+    <p:extLst>
+      <p:ext uri="{BB962C8B-B14F-4D97-AF65-F5344CB8AC3E}">
+        <p14:creationId xmlns:p14="http://schemas.microsoft.com/office/powerpoint/2010/main" val="2292122082"/>
+      </p:ext>
+    </p:extLst>
+  </p:cSld>
+  <p:clrMapOvr>
+    <a:masterClrMapping/>
+  </p:clrMapOvr>
+  <mc:AlternateContent xmlns:mc="http://schemas.openxmlformats.org/markup-compatibility/2006">
+    <mc:Choice xmlns:p14="http://schemas.microsoft.com/office/powerpoint/2010/main" Requires="p14">
+      <p:transition spd="med" p14:dur="700">
+        <p:fade/>
+      </p:transition>
+    </mc:Choice>
+    <mc:Fallback>
+      <p:transition spd="med">
+        <p:fade/>
+      </p:transition>
+    </mc:Fallback>
+  </mc:AlternateContent>
+  <p:timing>
+    <p:tnLst>
+      <p:par>
+        <p:cTn id="1" dur="indefinite" restart="never" nodeType="tmRoot">
+          <p:childTnLst>
+            <p:seq concurrent="1" nextAc="seek">
+              <p:cTn id="2" dur="indefinite" nodeType="mainSeq">
+                <p:childTnLst>
+                  <p:par>
+                    <p:cTn id="3" fill="hold">
+                      <p:stCondLst>
+                        <p:cond delay="indefinite"/>
+                      </p:stCondLst>
+                      <p:childTnLst>
+                        <p:par>
+                          <p:cTn id="4" fill="hold">
+                            <p:stCondLst>
+                              <p:cond delay="0"/>
+                            </p:stCondLst>
+                            <p:childTnLst>
+                              <p:par>
+                                <p:cTn id="5" presetID="42" presetClass="path" presetSubtype="0" accel="50000" decel="50000" fill="hold" nodeType="clickEffect">
+                                  <p:stCondLst>
+                                    <p:cond delay="0"/>
+                                  </p:stCondLst>
+                                  <p:childTnLst>
+                                    <p:animMotion origin="layout" path="M -3.33333E-6 -4.07407E-6 L 0.30078 0.07639 " pathEditMode="relative" rAng="0" ptsTypes="AA">
+                                      <p:cBhvr>
+                                        <p:cTn id="6" dur="2000" fill="hold"/>
+                                        <p:tgtEl>
+                                          <p:spTgt spid="12"/>
+                                        </p:tgtEl>
+                                        <p:attrNameLst>
+                                          <p:attrName>ppt_x</p:attrName>
+                                          <p:attrName>ppt_y</p:attrName>
+                                        </p:attrNameLst>
+                                      </p:cBhvr>
+                                      <p:rCtr x="15039" y="3819"/>
+                                    </p:animMotion>
+                                  </p:childTnLst>
+                                </p:cTn>
+                              </p:par>
+                              <p:par>
+                                <p:cTn id="7" presetID="8" presetClass="emph" presetSubtype="0" fill="hold" nodeType="withEffect">
+                                  <p:stCondLst>
+                                    <p:cond delay="0"/>
+                                  </p:stCondLst>
+                                  <p:childTnLst>
+                                    <p:animRot by="1980000">
+                                      <p:cBhvr>
+                                        <p:cTn id="8" dur="2000" fill="hold"/>
+                                        <p:tgtEl>
+                                          <p:spTgt spid="12"/>
+                                        </p:tgtEl>
+                                        <p:attrNameLst>
+                                          <p:attrName>r</p:attrName>
+                                        </p:attrNameLst>
+                                      </p:cBhvr>
+                                    </p:animRot>
+                                  </p:childTnLst>
+                                </p:cTn>
+                              </p:par>
+                            </p:childTnLst>
+                          </p:cTn>
+                        </p:par>
+                        <p:par>
+                          <p:cTn id="9" fill="hold">
+                            <p:stCondLst>
+                              <p:cond delay="2000"/>
+                            </p:stCondLst>
+                            <p:childTnLst>
+                              <p:par>
+                                <p:cTn id="10" presetID="10" presetClass="entr" presetSubtype="0" fill="hold" nodeType="afterEffect">
+                                  <p:stCondLst>
+                                    <p:cond delay="0"/>
+                                  </p:stCondLst>
+                                  <p:childTnLst>
+                                    <p:set>
+                                      <p:cBhvr>
+                                        <p:cTn id="11" dur="1" fill="hold">
+                                          <p:stCondLst>
+                                            <p:cond delay="0"/>
+                                          </p:stCondLst>
+                                        </p:cTn>
+                                        <p:tgtEl>
+                                          <p:spTgt spid="75"/>
+                                        </p:tgtEl>
+                                        <p:attrNameLst>
+                                          <p:attrName>style.visibility</p:attrName>
+                                        </p:attrNameLst>
+                                      </p:cBhvr>
+                                      <p:to>
+                                        <p:strVal val="visible"/>
+                                      </p:to>
+                                    </p:set>
+                                    <p:animEffect transition="in" filter="fade">
+                                      <p:cBhvr>
+                                        <p:cTn id="12" dur="500"/>
+                                        <p:tgtEl>
+                                          <p:spTgt spid="75"/>
+                                        </p:tgtEl>
+                                      </p:cBhvr>
+                                    </p:animEffect>
+                                  </p:childTnLst>
+                                </p:cTn>
+                              </p:par>
+                              <p:par>
+                                <p:cTn id="13" presetID="10" presetClass="entr" presetSubtype="0" fill="hold" grpId="0" nodeType="withEffect">
+                                  <p:stCondLst>
+                                    <p:cond delay="0"/>
+                                  </p:stCondLst>
+                                  <p:childTnLst>
+                                    <p:set>
+                                      <p:cBhvr>
+                                        <p:cTn id="14" dur="1" fill="hold">
+                                          <p:stCondLst>
+                                            <p:cond delay="0"/>
+                                          </p:stCondLst>
+                                        </p:cTn>
+                                        <p:tgtEl>
+                                          <p:spTgt spid="77"/>
+                                        </p:tgtEl>
+                                        <p:attrNameLst>
+                                          <p:attrName>style.visibility</p:attrName>
+                                        </p:attrNameLst>
+                                      </p:cBhvr>
+                                      <p:to>
+                                        <p:strVal val="visible"/>
+                                      </p:to>
+                                    </p:set>
+                                    <p:animEffect transition="in" filter="fade">
+                                      <p:cBhvr>
+                                        <p:cTn id="15" dur="500"/>
+                                        <p:tgtEl>
+                                          <p:spTgt spid="77"/>
+                                        </p:tgtEl>
+                                      </p:cBhvr>
+                                    </p:animEffect>
+                                  </p:childTnLst>
+                                </p:cTn>
+                              </p:par>
+                            </p:childTnLst>
+                          </p:cTn>
+                        </p:par>
+                      </p:childTnLst>
+                    </p:cTn>
+                  </p:par>
+                  <p:par>
+                    <p:cTn id="16" fill="hold">
+                      <p:stCondLst>
+                        <p:cond delay="indefinite"/>
+                      </p:stCondLst>
+                      <p:childTnLst>
+                        <p:par>
+                          <p:cTn id="17" fill="hold">
+                            <p:stCondLst>
+                              <p:cond delay="0"/>
+                            </p:stCondLst>
+                            <p:childTnLst>
+                              <p:par>
+                                <p:cTn id="18" presetID="10" presetClass="entr" presetSubtype="0" fill="hold" grpId="0" nodeType="clickEffect">
+                                  <p:stCondLst>
+                                    <p:cond delay="0"/>
+                                  </p:stCondLst>
+                                  <p:childTnLst>
+                                    <p:set>
+                                      <p:cBhvr>
+                                        <p:cTn id="19" dur="1" fill="hold">
+                                          <p:stCondLst>
+                                            <p:cond delay="0"/>
+                                          </p:stCondLst>
+                                        </p:cTn>
+                                        <p:tgtEl>
+                                          <p:spTgt spid="78"/>
+                                        </p:tgtEl>
+                                        <p:attrNameLst>
+                                          <p:attrName>style.visibility</p:attrName>
+                                        </p:attrNameLst>
+                                      </p:cBhvr>
+                                      <p:to>
+                                        <p:strVal val="visible"/>
+                                      </p:to>
+                                    </p:set>
+                                    <p:animEffect transition="in" filter="fade">
+                                      <p:cBhvr>
+                                        <p:cTn id="20" dur="500"/>
+                                        <p:tgtEl>
+                                          <p:spTgt spid="78"/>
+                                        </p:tgtEl>
+                                      </p:cBhvr>
+                                    </p:animEffect>
+                                  </p:childTnLst>
+                                </p:cTn>
+                              </p:par>
+                            </p:childTnLst>
+                          </p:cTn>
+                        </p:par>
+                      </p:childTnLst>
+                    </p:cTn>
+                  </p:par>
+                </p:childTnLst>
+              </p:cTn>
+              <p:prevCondLst>
+                <p:cond evt="onPrev" delay="0">
+                  <p:tgtEl>
+                    <p:sldTgt/>
+                  </p:tgtEl>
+                </p:cond>
+              </p:prevCondLst>
+              <p:nextCondLst>
+                <p:cond evt="onNext" delay="0">
+                  <p:tgtEl>
+                    <p:sldTgt/>
+                  </p:tgtEl>
+                </p:cond>
+              </p:nextCondLst>
+            </p:seq>
+          </p:childTnLst>
+        </p:cTn>
+      </p:par>
+    </p:tnLst>
+    <p:bldLst>
+      <p:bldP spid="77" grpId="0"/>
+      <p:bldP spid="78" grpId="0"/>
+    </p:bldLst>
+  </p:timing>
+</p:sld>
+</file>
+
+<file path=ppt/slides/slide19.xml><?xml version="1.0" encoding="utf-8"?>
+<p:sld xmlns:a="http://schemas.openxmlformats.org/drawingml/2006/main" xmlns:r="http://schemas.openxmlformats.org/officeDocument/2006/relationships" xmlns:p="http://schemas.openxmlformats.org/presentationml/2006/main">
+  <p:cSld>
+    <p:spTree>
+      <p:nvGrpSpPr>
+        <p:cNvPr id="1" name=""/>
+        <p:cNvGrpSpPr/>
+        <p:nvPr/>
+      </p:nvGrpSpPr>
+      <p:grpSpPr>
+        <a:xfrm>
+          <a:off x="0" y="0"/>
+          <a:ext cx="0" cy="0"/>
+          <a:chOff x="0" y="0"/>
+          <a:chExt cx="0" cy="0"/>
+        </a:xfrm>
+      </p:grpSpPr>
+      <p:sp>
+        <p:nvSpPr>
+          <p:cNvPr id="2" name="Title 1">
+            <a:extLst>
+              <a:ext uri="{FF2B5EF4-FFF2-40B4-BE49-F238E27FC236}">
+                <a16:creationId xmlns:a16="http://schemas.microsoft.com/office/drawing/2014/main" id="{017DC302-A1DE-464B-AAC3-355C0710275D}"/>
+              </a:ext>
+            </a:extLst>
+          </p:cNvPr>
+          <p:cNvSpPr>
+            <a:spLocks noGrp="1"/>
+          </p:cNvSpPr>
+          <p:nvPr>
+            <p:ph type="title"/>
+          </p:nvPr>
+        </p:nvSpPr>
+        <p:spPr/>
+        <p:txBody>
+          <a:bodyPr/>
+          <a:lstStyle/>
+          <a:p>
+            <a:r>
+              <a:rPr lang="en-US" b="1" dirty="0">
+                <a:latin typeface="Arial" panose="020B0604020202020204" pitchFamily="34" charset="0"/>
+                <a:cs typeface="Arial" panose="020B0604020202020204" pitchFamily="34" charset="0"/>
+              </a:rPr>
+              <a:t>Python </a:t>
+            </a:r>
+            <a:r>
+              <a:rPr lang="en-US" b="1" dirty="0" err="1">
+                <a:latin typeface="Arial" panose="020B0604020202020204" pitchFamily="34" charset="0"/>
+                <a:cs typeface="Arial" panose="020B0604020202020204" pitchFamily="34" charset="0"/>
+              </a:rPr>
+              <a:t>Programm</a:t>
+            </a:r>
+            <a:br>
+              <a:rPr lang="en-US" b="1" dirty="0">
+                <a:latin typeface="Arial" panose="020B0604020202020204" pitchFamily="34" charset="0"/>
+                <a:cs typeface="Arial" panose="020B0604020202020204" pitchFamily="34" charset="0"/>
+              </a:rPr>
+            </a:br>
+            <a:r>
+              <a:rPr lang="en-US" sz="3600" i="1" dirty="0" err="1">
+                <a:latin typeface="Arial" panose="020B0604020202020204" pitchFamily="34" charset="0"/>
+                <a:cs typeface="Arial" panose="020B0604020202020204" pitchFamily="34" charset="0"/>
+              </a:rPr>
+              <a:t>Vorhersage</a:t>
+            </a:r>
+            <a:endParaRPr lang="en-CH" dirty="0"/>
+          </a:p>
+        </p:txBody>
+      </p:sp>
+      <p:sp>
+        <p:nvSpPr>
+          <p:cNvPr id="4" name="Slide Number Placeholder 3">
+            <a:extLst>
+              <a:ext uri="{FF2B5EF4-FFF2-40B4-BE49-F238E27FC236}">
+                <a16:creationId xmlns:a16="http://schemas.microsoft.com/office/drawing/2014/main" id="{6CE61BDF-795F-4AD2-9A32-1D1BDC0BA7F2}"/>
+              </a:ext>
+            </a:extLst>
+          </p:cNvPr>
+          <p:cNvSpPr>
+            <a:spLocks noGrp="1"/>
+          </p:cNvSpPr>
+          <p:nvPr>
+            <p:ph type="sldNum" sz="quarter" idx="12"/>
+          </p:nvPr>
+        </p:nvSpPr>
+        <p:spPr/>
+        <p:txBody>
+          <a:bodyPr/>
+          <a:lstStyle/>
+          <a:p>
+            <a:fld id="{0F00D740-55B1-4DC8-A3B5-4535950A93D0}" type="slidenum">
+              <a:rPr lang="en-CH" smtClean="0"/>
+              <a:t>19</a:t>
             </a:fld>
             <a:endParaRPr lang="en-CH"/>
           </a:p>
@@ -7559,7 +9574,7 @@
 </p:sld>
 </file>
 
-<file path=ppt/slides/slide18.xml><?xml version="1.0" encoding="utf-8"?>
+<file path=ppt/slides/slide2.xml><?xml version="1.0" encoding="utf-8"?>
 <p:sld xmlns:a="http://schemas.openxmlformats.org/drawingml/2006/main" xmlns:r="http://schemas.openxmlformats.org/officeDocument/2006/relationships" xmlns:p="http://schemas.openxmlformats.org/presentationml/2006/main">
   <p:cSld>
     <p:spTree>
@@ -7581,6 +9596,225 @@
           <p:cNvPr id="2" name="Title 1">
             <a:extLst>
               <a:ext uri="{FF2B5EF4-FFF2-40B4-BE49-F238E27FC236}">
+                <a16:creationId xmlns:a16="http://schemas.microsoft.com/office/drawing/2014/main" id="{F1AE8F4F-038B-4ABA-A89F-CA33847A9E12}"/>
+              </a:ext>
+            </a:extLst>
+          </p:cNvPr>
+          <p:cNvSpPr>
+            <a:spLocks noGrp="1"/>
+          </p:cNvSpPr>
+          <p:nvPr>
+            <p:ph type="title"/>
+          </p:nvPr>
+        </p:nvSpPr>
+        <p:spPr>
+          <a:xfrm>
+            <a:off x="838200" y="365125"/>
+            <a:ext cx="10515600" cy="5702300"/>
+          </a:xfrm>
+        </p:spPr>
+        <p:txBody>
+          <a:bodyPr>
+            <a:normAutofit fontScale="90000"/>
+          </a:bodyPr>
+          <a:lstStyle/>
+          <a:p>
+            <a:pPr algn="ctr">
+              <a:lnSpc>
+                <a:spcPct val="125000"/>
+              </a:lnSpc>
+              <a:spcBef>
+                <a:spcPts val="0"/>
+              </a:spcBef>
+            </a:pPr>
+            <a:r>
+              <a:rPr lang="en-US" b="1" dirty="0" err="1">
+                <a:latin typeface="Arial" panose="020B0604020202020204" pitchFamily="34" charset="0"/>
+                <a:cs typeface="Arial" panose="020B0604020202020204" pitchFamily="34" charset="0"/>
+              </a:rPr>
+              <a:t>Auftrag</a:t>
+            </a:r>
+            <a:br>
+              <a:rPr lang="en-US" b="1" dirty="0">
+                <a:latin typeface="Arial" panose="020B0604020202020204" pitchFamily="34" charset="0"/>
+                <a:cs typeface="Arial" panose="020B0604020202020204" pitchFamily="34" charset="0"/>
+              </a:rPr>
+            </a:br>
+            <a:r>
+              <a:rPr lang="en-US" b="1" dirty="0">
+                <a:latin typeface="Arial" panose="020B0604020202020204" pitchFamily="34" charset="0"/>
+                <a:cs typeface="Arial" panose="020B0604020202020204" pitchFamily="34" charset="0"/>
+              </a:rPr>
+              <a:t>Hardware</a:t>
+            </a:r>
+            <a:br>
+              <a:rPr lang="en-US" b="1" dirty="0">
+                <a:latin typeface="Arial" panose="020B0604020202020204" pitchFamily="34" charset="0"/>
+                <a:cs typeface="Arial" panose="020B0604020202020204" pitchFamily="34" charset="0"/>
+              </a:rPr>
+            </a:br>
+            <a:r>
+              <a:rPr lang="en-US" b="1" dirty="0" err="1">
+                <a:latin typeface="Arial" panose="020B0604020202020204" pitchFamily="34" charset="0"/>
+                <a:cs typeface="Arial" panose="020B0604020202020204" pitchFamily="34" charset="0"/>
+              </a:rPr>
+              <a:t>InfluxDB</a:t>
+            </a:r>
+            <a:br>
+              <a:rPr lang="en-US" b="1" dirty="0">
+                <a:latin typeface="Arial" panose="020B0604020202020204" pitchFamily="34" charset="0"/>
+                <a:cs typeface="Arial" panose="020B0604020202020204" pitchFamily="34" charset="0"/>
+              </a:rPr>
+            </a:br>
+            <a:r>
+              <a:rPr lang="en-US" b="1" dirty="0">
+                <a:latin typeface="Arial" panose="020B0604020202020204" pitchFamily="34" charset="0"/>
+                <a:cs typeface="Arial" panose="020B0604020202020204" pitchFamily="34" charset="0"/>
+              </a:rPr>
+              <a:t>Python </a:t>
+            </a:r>
+            <a:r>
+              <a:rPr lang="en-US" b="1" dirty="0" err="1">
+                <a:latin typeface="Arial" panose="020B0604020202020204" pitchFamily="34" charset="0"/>
+                <a:cs typeface="Arial" panose="020B0604020202020204" pitchFamily="34" charset="0"/>
+              </a:rPr>
+              <a:t>Programm</a:t>
+            </a:r>
+            <a:br>
+              <a:rPr lang="en-US" b="1" dirty="0">
+                <a:latin typeface="Arial" panose="020B0604020202020204" pitchFamily="34" charset="0"/>
+                <a:cs typeface="Arial" panose="020B0604020202020204" pitchFamily="34" charset="0"/>
+              </a:rPr>
+            </a:br>
+            <a:r>
+              <a:rPr lang="en-US" b="1" dirty="0">
+                <a:latin typeface="Arial" panose="020B0604020202020204" pitchFamily="34" charset="0"/>
+                <a:cs typeface="Arial" panose="020B0604020202020204" pitchFamily="34" charset="0"/>
+              </a:rPr>
+              <a:t>Flask Webserver</a:t>
+            </a:r>
+            <a:br>
+              <a:rPr lang="en-US" b="1" dirty="0">
+                <a:latin typeface="Arial" panose="020B0604020202020204" pitchFamily="34" charset="0"/>
+                <a:cs typeface="Arial" panose="020B0604020202020204" pitchFamily="34" charset="0"/>
+              </a:rPr>
+            </a:br>
+            <a:r>
+              <a:rPr lang="en-US" b="1" dirty="0">
+                <a:latin typeface="Arial" panose="020B0604020202020204" pitchFamily="34" charset="0"/>
+                <a:cs typeface="Arial" panose="020B0604020202020204" pitchFamily="34" charset="0"/>
+              </a:rPr>
+              <a:t>GUI Sketch</a:t>
+            </a:r>
+            <a:br>
+              <a:rPr lang="en-US" b="1" dirty="0">
+                <a:latin typeface="Arial" panose="020B0604020202020204" pitchFamily="34" charset="0"/>
+                <a:cs typeface="Arial" panose="020B0604020202020204" pitchFamily="34" charset="0"/>
+              </a:rPr>
+            </a:br>
+            <a:r>
+              <a:rPr lang="en-US" b="1" dirty="0" err="1">
+                <a:latin typeface="Arial" panose="020B0604020202020204" pitchFamily="34" charset="0"/>
+                <a:cs typeface="Arial" panose="020B0604020202020204" pitchFamily="34" charset="0"/>
+              </a:rPr>
+              <a:t>Endresultat</a:t>
+            </a:r>
+            <a:br>
+              <a:rPr lang="en-US" b="1" dirty="0">
+                <a:latin typeface="Arial" panose="020B0604020202020204" pitchFamily="34" charset="0"/>
+                <a:cs typeface="Arial" panose="020B0604020202020204" pitchFamily="34" charset="0"/>
+              </a:rPr>
+            </a:br>
+            <a:r>
+              <a:rPr lang="en-US" b="1" dirty="0" err="1">
+                <a:latin typeface="Arial" panose="020B0604020202020204" pitchFamily="34" charset="0"/>
+                <a:cs typeface="Arial" panose="020B0604020202020204" pitchFamily="34" charset="0"/>
+              </a:rPr>
+              <a:t>Weiterentwicklung</a:t>
+            </a:r>
+            <a:endParaRPr lang="en-CH" b="1" dirty="0">
+              <a:latin typeface="Arial" panose="020B0604020202020204" pitchFamily="34" charset="0"/>
+              <a:cs typeface="Arial" panose="020B0604020202020204" pitchFamily="34" charset="0"/>
+            </a:endParaRPr>
+          </a:p>
+        </p:txBody>
+      </p:sp>
+      <p:sp>
+        <p:nvSpPr>
+          <p:cNvPr id="8" name="Slide Number Placeholder 7">
+            <a:extLst>
+              <a:ext uri="{FF2B5EF4-FFF2-40B4-BE49-F238E27FC236}">
+                <a16:creationId xmlns:a16="http://schemas.microsoft.com/office/drawing/2014/main" id="{E5E3E861-4688-44FC-A05E-E446522B24DD}"/>
+              </a:ext>
+            </a:extLst>
+          </p:cNvPr>
+          <p:cNvSpPr>
+            <a:spLocks noGrp="1"/>
+          </p:cNvSpPr>
+          <p:nvPr>
+            <p:ph type="sldNum" sz="quarter" idx="12"/>
+          </p:nvPr>
+        </p:nvSpPr>
+        <p:spPr/>
+        <p:txBody>
+          <a:bodyPr/>
+          <a:lstStyle/>
+          <a:p>
+            <a:fld id="{0F00D740-55B1-4DC8-A3B5-4535950A93D0}" type="slidenum">
+              <a:rPr lang="en-CH" smtClean="0"/>
+              <a:t>2</a:t>
+            </a:fld>
+            <a:endParaRPr lang="en-CH"/>
+          </a:p>
+        </p:txBody>
+      </p:sp>
+    </p:spTree>
+    <p:extLst>
+      <p:ext uri="{BB962C8B-B14F-4D97-AF65-F5344CB8AC3E}">
+        <p14:creationId xmlns:p14="http://schemas.microsoft.com/office/powerpoint/2010/main" val="4214096268"/>
+      </p:ext>
+    </p:extLst>
+  </p:cSld>
+  <p:clrMapOvr>
+    <a:masterClrMapping/>
+  </p:clrMapOvr>
+  <mc:AlternateContent xmlns:mc="http://schemas.openxmlformats.org/markup-compatibility/2006" xmlns:p14="http://schemas.microsoft.com/office/powerpoint/2010/main">
+    <mc:Choice Requires="p14">
+      <p:transition spd="med" p14:dur="700">
+        <p:fade/>
+      </p:transition>
+    </mc:Choice>
+    <mc:Fallback xmlns="">
+      <p:transition spd="med">
+        <p:fade/>
+      </p:transition>
+    </mc:Fallback>
+  </mc:AlternateContent>
+</p:sld>
+</file>
+
+<file path=ppt/slides/slide20.xml><?xml version="1.0" encoding="utf-8"?>
+<p:sld xmlns:a="http://schemas.openxmlformats.org/drawingml/2006/main" xmlns:r="http://schemas.openxmlformats.org/officeDocument/2006/relationships" xmlns:p="http://schemas.openxmlformats.org/presentationml/2006/main">
+  <p:cSld>
+    <p:spTree>
+      <p:nvGrpSpPr>
+        <p:cNvPr id="1" name=""/>
+        <p:cNvGrpSpPr/>
+        <p:nvPr/>
+      </p:nvGrpSpPr>
+      <p:grpSpPr>
+        <a:xfrm>
+          <a:off x="0" y="0"/>
+          <a:ext cx="0" cy="0"/>
+          <a:chOff x="0" y="0"/>
+          <a:chExt cx="0" cy="0"/>
+        </a:xfrm>
+      </p:grpSpPr>
+      <p:sp>
+        <p:nvSpPr>
+          <p:cNvPr id="2" name="Title 1">
+            <a:extLst>
+              <a:ext uri="{FF2B5EF4-FFF2-40B4-BE49-F238E27FC236}">
                 <a16:creationId xmlns:a16="http://schemas.microsoft.com/office/drawing/2014/main" id="{017DC302-A1DE-464B-AAC3-355C0710275D}"/>
               </a:ext>
             </a:extLst>
@@ -7651,7 +9885,7 @@
           <a:p>
             <a:fld id="{0F00D740-55B1-4DC8-A3B5-4535950A93D0}" type="slidenum">
               <a:rPr lang="en-CH" smtClean="0"/>
-              <a:t>18</a:t>
+              <a:t>20</a:t>
             </a:fld>
             <a:endParaRPr lang="en-CH"/>
           </a:p>
@@ -9308,7 +11542,7 @@
 </p:sld>
 </file>
 
-<file path=ppt/slides/slide19.xml><?xml version="1.0" encoding="utf-8"?>
+<file path=ppt/slides/slide21.xml><?xml version="1.0" encoding="utf-8"?>
 <p:sld xmlns:a="http://schemas.openxmlformats.org/drawingml/2006/main" xmlns:r="http://schemas.openxmlformats.org/officeDocument/2006/relationships" xmlns:p="http://schemas.openxmlformats.org/presentationml/2006/main">
   <p:cSld>
     <p:spTree>
@@ -9400,1225 +11634,7 @@
           <a:p>
             <a:fld id="{0F00D740-55B1-4DC8-A3B5-4535950A93D0}" type="slidenum">
               <a:rPr lang="en-CH" smtClean="0"/>
-              <a:t>19</a:t>
-            </a:fld>
-            <a:endParaRPr lang="en-CH"/>
-          </a:p>
-        </p:txBody>
-      </p:sp>
-      <p:cxnSp>
-        <p:nvCxnSpPr>
-          <p:cNvPr id="8" name="Straight Arrow Connector 7">
-            <a:extLst>
-              <a:ext uri="{FF2B5EF4-FFF2-40B4-BE49-F238E27FC236}">
-                <a16:creationId xmlns:a16="http://schemas.microsoft.com/office/drawing/2014/main" id="{60925068-7A84-4CC1-9E97-DBF122FB9013}"/>
-              </a:ext>
-            </a:extLst>
-          </p:cNvPr>
-          <p:cNvCxnSpPr/>
-          <p:nvPr/>
-        </p:nvCxnSpPr>
-        <p:spPr>
-          <a:xfrm flipV="1">
-            <a:off x="2629870" y="1831345"/>
-            <a:ext cx="517113" cy="175618"/>
-          </a:xfrm>
-          <a:prstGeom prst="straightConnector1">
-            <a:avLst/>
-          </a:prstGeom>
-          <a:ln w="19050">
-            <a:solidFill>
-              <a:srgbClr val="FF0000"/>
-            </a:solidFill>
-            <a:tailEnd type="triangle"/>
-          </a:ln>
-        </p:spPr>
-        <p:style>
-          <a:lnRef idx="1">
-            <a:schemeClr val="accent1"/>
-          </a:lnRef>
-          <a:fillRef idx="0">
-            <a:schemeClr val="accent1"/>
-          </a:fillRef>
-          <a:effectRef idx="0">
-            <a:schemeClr val="accent1"/>
-          </a:effectRef>
-          <a:fontRef idx="minor">
-            <a:schemeClr val="tx1"/>
-          </a:fontRef>
-        </p:style>
-      </p:cxnSp>
-      <p:cxnSp>
-        <p:nvCxnSpPr>
-          <p:cNvPr id="9" name="Straight Arrow Connector 8">
-            <a:extLst>
-              <a:ext uri="{FF2B5EF4-FFF2-40B4-BE49-F238E27FC236}">
-                <a16:creationId xmlns:a16="http://schemas.microsoft.com/office/drawing/2014/main" id="{9CAA9F40-3D18-407B-973E-026D2559DAC2}"/>
-              </a:ext>
-            </a:extLst>
-          </p:cNvPr>
-          <p:cNvCxnSpPr>
-            <a:cxnSpLocks/>
-          </p:cNvCxnSpPr>
-          <p:nvPr/>
-        </p:nvCxnSpPr>
-        <p:spPr>
-          <a:xfrm>
-            <a:off x="3146983" y="1831345"/>
-            <a:ext cx="774793" cy="685890"/>
-          </a:xfrm>
-          <a:prstGeom prst="straightConnector1">
-            <a:avLst/>
-          </a:prstGeom>
-          <a:ln w="19050">
-            <a:solidFill>
-              <a:srgbClr val="FF0000"/>
-            </a:solidFill>
-            <a:tailEnd type="triangle"/>
-          </a:ln>
-        </p:spPr>
-        <p:style>
-          <a:lnRef idx="1">
-            <a:schemeClr val="accent1"/>
-          </a:lnRef>
-          <a:fillRef idx="0">
-            <a:schemeClr val="accent1"/>
-          </a:fillRef>
-          <a:effectRef idx="0">
-            <a:schemeClr val="accent1"/>
-          </a:effectRef>
-          <a:fontRef idx="minor">
-            <a:schemeClr val="tx1"/>
-          </a:fontRef>
-        </p:style>
-      </p:cxnSp>
-      <p:cxnSp>
-        <p:nvCxnSpPr>
-          <p:cNvPr id="10" name="Straight Arrow Connector 9">
-            <a:extLst>
-              <a:ext uri="{FF2B5EF4-FFF2-40B4-BE49-F238E27FC236}">
-                <a16:creationId xmlns:a16="http://schemas.microsoft.com/office/drawing/2014/main" id="{378E8A10-D6F6-46F1-A759-167EFDAB213D}"/>
-              </a:ext>
-            </a:extLst>
-          </p:cNvPr>
-          <p:cNvCxnSpPr>
-            <a:cxnSpLocks/>
-          </p:cNvCxnSpPr>
-          <p:nvPr/>
-        </p:nvCxnSpPr>
-        <p:spPr>
-          <a:xfrm>
-            <a:off x="3921776" y="2517235"/>
-            <a:ext cx="768262" cy="277590"/>
-          </a:xfrm>
-          <a:prstGeom prst="straightConnector1">
-            <a:avLst/>
-          </a:prstGeom>
-          <a:ln w="19050">
-            <a:solidFill>
-              <a:srgbClr val="FF0000"/>
-            </a:solidFill>
-            <a:tailEnd type="triangle"/>
-          </a:ln>
-        </p:spPr>
-        <p:style>
-          <a:lnRef idx="1">
-            <a:schemeClr val="accent1"/>
-          </a:lnRef>
-          <a:fillRef idx="0">
-            <a:schemeClr val="accent1"/>
-          </a:fillRef>
-          <a:effectRef idx="0">
-            <a:schemeClr val="accent1"/>
-          </a:effectRef>
-          <a:fontRef idx="minor">
-            <a:schemeClr val="tx1"/>
-          </a:fontRef>
-        </p:style>
-      </p:cxnSp>
-      <p:cxnSp>
-        <p:nvCxnSpPr>
-          <p:cNvPr id="11" name="Straight Arrow Connector 10">
-            <a:extLst>
-              <a:ext uri="{FF2B5EF4-FFF2-40B4-BE49-F238E27FC236}">
-                <a16:creationId xmlns:a16="http://schemas.microsoft.com/office/drawing/2014/main" id="{D9769E0B-3376-436A-807F-24AC5EB1191B}"/>
-              </a:ext>
-            </a:extLst>
-          </p:cNvPr>
-          <p:cNvCxnSpPr>
-            <a:cxnSpLocks/>
-          </p:cNvCxnSpPr>
-          <p:nvPr/>
-        </p:nvCxnSpPr>
-        <p:spPr>
-          <a:xfrm flipV="1">
-            <a:off x="4690038" y="2546942"/>
-            <a:ext cx="774793" cy="247882"/>
-          </a:xfrm>
-          <a:prstGeom prst="straightConnector1">
-            <a:avLst/>
-          </a:prstGeom>
-          <a:ln w="19050">
-            <a:solidFill>
-              <a:srgbClr val="FF0000"/>
-            </a:solidFill>
-            <a:tailEnd type="triangle"/>
-          </a:ln>
-        </p:spPr>
-        <p:style>
-          <a:lnRef idx="1">
-            <a:schemeClr val="accent1"/>
-          </a:lnRef>
-          <a:fillRef idx="0">
-            <a:schemeClr val="accent1"/>
-          </a:fillRef>
-          <a:effectRef idx="0">
-            <a:schemeClr val="accent1"/>
-          </a:effectRef>
-          <a:fontRef idx="minor">
-            <a:schemeClr val="tx1"/>
-          </a:fontRef>
-        </p:style>
-      </p:cxnSp>
-      <p:cxnSp>
-        <p:nvCxnSpPr>
-          <p:cNvPr id="12" name="Straight Arrow Connector 11">
-            <a:extLst>
-              <a:ext uri="{FF2B5EF4-FFF2-40B4-BE49-F238E27FC236}">
-                <a16:creationId xmlns:a16="http://schemas.microsoft.com/office/drawing/2014/main" id="{225FB99D-9B01-47E5-8551-9A49DE2ADB91}"/>
-              </a:ext>
-            </a:extLst>
-          </p:cNvPr>
-          <p:cNvCxnSpPr>
-            <a:cxnSpLocks/>
-          </p:cNvCxnSpPr>
-          <p:nvPr/>
-        </p:nvCxnSpPr>
-        <p:spPr>
-          <a:xfrm flipV="1">
-            <a:off x="5464831" y="2422563"/>
-            <a:ext cx="788597" cy="124379"/>
-          </a:xfrm>
-          <a:prstGeom prst="straightConnector1">
-            <a:avLst/>
-          </a:prstGeom>
-          <a:ln w="19050">
-            <a:solidFill>
-              <a:srgbClr val="FF0000"/>
-            </a:solidFill>
-            <a:tailEnd type="triangle"/>
-          </a:ln>
-        </p:spPr>
-        <p:style>
-          <a:lnRef idx="1">
-            <a:schemeClr val="accent1"/>
-          </a:lnRef>
-          <a:fillRef idx="0">
-            <a:schemeClr val="accent1"/>
-          </a:fillRef>
-          <a:effectRef idx="0">
-            <a:schemeClr val="accent1"/>
-          </a:effectRef>
-          <a:fontRef idx="minor">
-            <a:schemeClr val="tx1"/>
-          </a:fontRef>
-        </p:style>
-      </p:cxnSp>
-      <p:cxnSp>
-        <p:nvCxnSpPr>
-          <p:cNvPr id="13" name="Straight Arrow Connector 12">
-            <a:extLst>
-              <a:ext uri="{FF2B5EF4-FFF2-40B4-BE49-F238E27FC236}">
-                <a16:creationId xmlns:a16="http://schemas.microsoft.com/office/drawing/2014/main" id="{2CE89EB0-DC2E-4996-B016-ADAB58320745}"/>
-              </a:ext>
-            </a:extLst>
-          </p:cNvPr>
-          <p:cNvCxnSpPr>
-            <a:cxnSpLocks/>
-          </p:cNvCxnSpPr>
-          <p:nvPr/>
-        </p:nvCxnSpPr>
-        <p:spPr>
-          <a:xfrm>
-            <a:off x="6253427" y="2431315"/>
-            <a:ext cx="774793" cy="0"/>
-          </a:xfrm>
-          <a:prstGeom prst="straightConnector1">
-            <a:avLst/>
-          </a:prstGeom>
-          <a:ln w="19050">
-            <a:solidFill>
-              <a:srgbClr val="FF0000"/>
-            </a:solidFill>
-            <a:tailEnd type="triangle"/>
-          </a:ln>
-        </p:spPr>
-        <p:style>
-          <a:lnRef idx="1">
-            <a:schemeClr val="accent1"/>
-          </a:lnRef>
-          <a:fillRef idx="0">
-            <a:schemeClr val="accent1"/>
-          </a:fillRef>
-          <a:effectRef idx="0">
-            <a:schemeClr val="accent1"/>
-          </a:effectRef>
-          <a:fontRef idx="minor">
-            <a:schemeClr val="tx1"/>
-          </a:fontRef>
-        </p:style>
-      </p:cxnSp>
-      <p:cxnSp>
-        <p:nvCxnSpPr>
-          <p:cNvPr id="14" name="Straight Arrow Connector 13">
-            <a:extLst>
-              <a:ext uri="{FF2B5EF4-FFF2-40B4-BE49-F238E27FC236}">
-                <a16:creationId xmlns:a16="http://schemas.microsoft.com/office/drawing/2014/main" id="{EFAC3B82-DCF2-43EF-B932-F2BF4ED18CB3}"/>
-              </a:ext>
-            </a:extLst>
-          </p:cNvPr>
-          <p:cNvCxnSpPr>
-            <a:cxnSpLocks/>
-          </p:cNvCxnSpPr>
-          <p:nvPr/>
-        </p:nvCxnSpPr>
-        <p:spPr>
-          <a:xfrm>
-            <a:off x="7028220" y="2431315"/>
-            <a:ext cx="788597" cy="1259604"/>
-          </a:xfrm>
-          <a:prstGeom prst="straightConnector1">
-            <a:avLst/>
-          </a:prstGeom>
-          <a:ln w="19050">
-            <a:solidFill>
-              <a:srgbClr val="FF0000"/>
-            </a:solidFill>
-            <a:tailEnd type="triangle"/>
-          </a:ln>
-        </p:spPr>
-        <p:style>
-          <a:lnRef idx="1">
-            <a:schemeClr val="accent1"/>
-          </a:lnRef>
-          <a:fillRef idx="0">
-            <a:schemeClr val="accent1"/>
-          </a:fillRef>
-          <a:effectRef idx="0">
-            <a:schemeClr val="accent1"/>
-          </a:effectRef>
-          <a:fontRef idx="minor">
-            <a:schemeClr val="tx1"/>
-          </a:fontRef>
-        </p:style>
-      </p:cxnSp>
-      <p:cxnSp>
-        <p:nvCxnSpPr>
-          <p:cNvPr id="15" name="Straight Arrow Connector 14">
-            <a:extLst>
-              <a:ext uri="{FF2B5EF4-FFF2-40B4-BE49-F238E27FC236}">
-                <a16:creationId xmlns:a16="http://schemas.microsoft.com/office/drawing/2014/main" id="{E581449B-4376-47BF-8D1D-CA464FF67E8E}"/>
-              </a:ext>
-            </a:extLst>
-          </p:cNvPr>
-          <p:cNvCxnSpPr>
-            <a:cxnSpLocks/>
-          </p:cNvCxnSpPr>
-          <p:nvPr/>
-        </p:nvCxnSpPr>
-        <p:spPr>
-          <a:xfrm flipV="1">
-            <a:off x="7816817" y="3464014"/>
-            <a:ext cx="282324" cy="226904"/>
-          </a:xfrm>
-          <a:prstGeom prst="straightConnector1">
-            <a:avLst/>
-          </a:prstGeom>
-          <a:ln w="19050">
-            <a:solidFill>
-              <a:srgbClr val="FF0000"/>
-            </a:solidFill>
-            <a:tailEnd type="triangle"/>
-          </a:ln>
-        </p:spPr>
-        <p:style>
-          <a:lnRef idx="1">
-            <a:schemeClr val="accent1"/>
-          </a:lnRef>
-          <a:fillRef idx="0">
-            <a:schemeClr val="accent1"/>
-          </a:fillRef>
-          <a:effectRef idx="0">
-            <a:schemeClr val="accent1"/>
-          </a:effectRef>
-          <a:fontRef idx="minor">
-            <a:schemeClr val="tx1"/>
-          </a:fontRef>
-        </p:style>
-      </p:cxnSp>
-      <p:grpSp>
-        <p:nvGrpSpPr>
-          <p:cNvPr id="32" name="Group 31">
-            <a:extLst>
-              <a:ext uri="{FF2B5EF4-FFF2-40B4-BE49-F238E27FC236}">
-                <a16:creationId xmlns:a16="http://schemas.microsoft.com/office/drawing/2014/main" id="{621B9504-E613-49BD-A655-1C86F635BA1B}"/>
-              </a:ext>
-            </a:extLst>
-          </p:cNvPr>
-          <p:cNvGrpSpPr/>
-          <p:nvPr/>
-        </p:nvGrpSpPr>
-        <p:grpSpPr>
-          <a:xfrm>
-            <a:off x="2629870" y="4561471"/>
-            <a:ext cx="5469271" cy="1635365"/>
-            <a:chOff x="2120265" y="3742162"/>
-            <a:chExt cx="7368540" cy="2513937"/>
-          </a:xfrm>
-        </p:grpSpPr>
-        <p:cxnSp>
-          <p:nvCxnSpPr>
-            <p:cNvPr id="16" name="Straight Arrow Connector 15">
-              <a:extLst>
-                <a:ext uri="{FF2B5EF4-FFF2-40B4-BE49-F238E27FC236}">
-                  <a16:creationId xmlns:a16="http://schemas.microsoft.com/office/drawing/2014/main" id="{6C80A4FF-1702-4194-A5A7-1681536A4F45}"/>
-                </a:ext>
-              </a:extLst>
-            </p:cNvPr>
-            <p:cNvCxnSpPr>
-              <a:cxnSpLocks/>
-            </p:cNvCxnSpPr>
-            <p:nvPr/>
-          </p:nvCxnSpPr>
-          <p:spPr>
-            <a:xfrm flipV="1">
-              <a:off x="2120265" y="4554168"/>
-              <a:ext cx="696686" cy="214282"/>
-            </a:xfrm>
-            <a:prstGeom prst="straightConnector1">
-              <a:avLst/>
-            </a:prstGeom>
-            <a:ln w="19050">
-              <a:solidFill>
-                <a:srgbClr val="FF0000"/>
-              </a:solidFill>
-              <a:tailEnd type="triangle"/>
-            </a:ln>
-          </p:spPr>
-          <p:style>
-            <a:lnRef idx="1">
-              <a:schemeClr val="accent1"/>
-            </a:lnRef>
-            <a:fillRef idx="0">
-              <a:schemeClr val="accent1"/>
-            </a:fillRef>
-            <a:effectRef idx="0">
-              <a:schemeClr val="accent1"/>
-            </a:effectRef>
-            <a:fontRef idx="minor">
-              <a:schemeClr val="tx1"/>
-            </a:fontRef>
-          </p:style>
-        </p:cxnSp>
-        <p:cxnSp>
-          <p:nvCxnSpPr>
-            <p:cNvPr id="17" name="Straight Arrow Connector 16">
-              <a:extLst>
-                <a:ext uri="{FF2B5EF4-FFF2-40B4-BE49-F238E27FC236}">
-                  <a16:creationId xmlns:a16="http://schemas.microsoft.com/office/drawing/2014/main" id="{63C86B6B-4465-4AE6-AD65-E0B3D15C914E}"/>
-                </a:ext>
-              </a:extLst>
-            </p:cNvPr>
-            <p:cNvCxnSpPr>
-              <a:cxnSpLocks/>
-            </p:cNvCxnSpPr>
-            <p:nvPr/>
-          </p:nvCxnSpPr>
-          <p:spPr>
-            <a:xfrm>
-              <a:off x="2816951" y="4549148"/>
-              <a:ext cx="1043849" cy="878939"/>
-            </a:xfrm>
-            <a:prstGeom prst="straightConnector1">
-              <a:avLst/>
-            </a:prstGeom>
-            <a:ln w="19050">
-              <a:solidFill>
-                <a:srgbClr val="FF0000"/>
-              </a:solidFill>
-              <a:tailEnd type="triangle"/>
-            </a:ln>
-          </p:spPr>
-          <p:style>
-            <a:lnRef idx="1">
-              <a:schemeClr val="accent1"/>
-            </a:lnRef>
-            <a:fillRef idx="0">
-              <a:schemeClr val="accent1"/>
-            </a:fillRef>
-            <a:effectRef idx="0">
-              <a:schemeClr val="accent1"/>
-            </a:effectRef>
-            <a:fontRef idx="minor">
-              <a:schemeClr val="tx1"/>
-            </a:fontRef>
-          </p:style>
-        </p:cxnSp>
-        <p:cxnSp>
-          <p:nvCxnSpPr>
-            <p:cNvPr id="18" name="Straight Arrow Connector 17">
-              <a:extLst>
-                <a:ext uri="{FF2B5EF4-FFF2-40B4-BE49-F238E27FC236}">
-                  <a16:creationId xmlns:a16="http://schemas.microsoft.com/office/drawing/2014/main" id="{58A08ABC-722B-4187-9C95-082FCE4E0AAA}"/>
-                </a:ext>
-              </a:extLst>
-            </p:cNvPr>
-            <p:cNvCxnSpPr>
-              <a:cxnSpLocks/>
-            </p:cNvCxnSpPr>
-            <p:nvPr/>
-          </p:nvCxnSpPr>
-          <p:spPr>
-            <a:xfrm>
-              <a:off x="3860800" y="5422032"/>
-              <a:ext cx="1062446" cy="377530"/>
-            </a:xfrm>
-            <a:prstGeom prst="straightConnector1">
-              <a:avLst/>
-            </a:prstGeom>
-            <a:ln w="19050">
-              <a:solidFill>
-                <a:srgbClr val="FF0000"/>
-              </a:solidFill>
-              <a:tailEnd type="triangle"/>
-            </a:ln>
-          </p:spPr>
-          <p:style>
-            <a:lnRef idx="1">
-              <a:schemeClr val="accent1"/>
-            </a:lnRef>
-            <a:fillRef idx="0">
-              <a:schemeClr val="accent1"/>
-            </a:fillRef>
-            <a:effectRef idx="0">
-              <a:schemeClr val="accent1"/>
-            </a:effectRef>
-            <a:fontRef idx="minor">
-              <a:schemeClr val="tx1"/>
-            </a:fontRef>
-          </p:style>
-        </p:cxnSp>
-        <p:cxnSp>
-          <p:nvCxnSpPr>
-            <p:cNvPr id="19" name="Straight Arrow Connector 18">
-              <a:extLst>
-                <a:ext uri="{FF2B5EF4-FFF2-40B4-BE49-F238E27FC236}">
-                  <a16:creationId xmlns:a16="http://schemas.microsoft.com/office/drawing/2014/main" id="{CB79FDAD-0E38-4D36-85CF-7181242B986B}"/>
-                </a:ext>
-              </a:extLst>
-            </p:cNvPr>
-            <p:cNvCxnSpPr>
-              <a:cxnSpLocks/>
-            </p:cNvCxnSpPr>
-            <p:nvPr/>
-          </p:nvCxnSpPr>
-          <p:spPr>
-            <a:xfrm flipV="1">
-              <a:off x="4923246" y="3742162"/>
-              <a:ext cx="1043849" cy="2057400"/>
-            </a:xfrm>
-            <a:prstGeom prst="straightConnector1">
-              <a:avLst/>
-            </a:prstGeom>
-            <a:ln w="19050">
-              <a:solidFill>
-                <a:srgbClr val="FF0000"/>
-              </a:solidFill>
-              <a:tailEnd type="triangle"/>
-            </a:ln>
-          </p:spPr>
-          <p:style>
-            <a:lnRef idx="1">
-              <a:schemeClr val="accent1"/>
-            </a:lnRef>
-            <a:fillRef idx="0">
-              <a:schemeClr val="accent1"/>
-            </a:fillRef>
-            <a:effectRef idx="0">
-              <a:schemeClr val="accent1"/>
-            </a:effectRef>
-            <a:fontRef idx="minor">
-              <a:schemeClr val="tx1"/>
-            </a:fontRef>
-          </p:style>
-        </p:cxnSp>
-        <p:cxnSp>
-          <p:nvCxnSpPr>
-            <p:cNvPr id="20" name="Straight Arrow Connector 19">
-              <a:extLst>
-                <a:ext uri="{FF2B5EF4-FFF2-40B4-BE49-F238E27FC236}">
-                  <a16:creationId xmlns:a16="http://schemas.microsoft.com/office/drawing/2014/main" id="{D8A26E95-CF1B-4B5E-AA5D-EAE954861749}"/>
-                </a:ext>
-              </a:extLst>
-            </p:cNvPr>
-            <p:cNvCxnSpPr>
-              <a:cxnSpLocks/>
-            </p:cNvCxnSpPr>
-            <p:nvPr/>
-          </p:nvCxnSpPr>
-          <p:spPr>
-            <a:xfrm>
-              <a:off x="5967095" y="3742162"/>
-              <a:ext cx="1035050" cy="667098"/>
-            </a:xfrm>
-            <a:prstGeom prst="straightConnector1">
-              <a:avLst/>
-            </a:prstGeom>
-            <a:ln w="19050">
-              <a:solidFill>
-                <a:srgbClr val="FF0000"/>
-              </a:solidFill>
-              <a:tailEnd type="triangle"/>
-            </a:ln>
-          </p:spPr>
-          <p:style>
-            <a:lnRef idx="1">
-              <a:schemeClr val="accent1"/>
-            </a:lnRef>
-            <a:fillRef idx="0">
-              <a:schemeClr val="accent1"/>
-            </a:fillRef>
-            <a:effectRef idx="0">
-              <a:schemeClr val="accent1"/>
-            </a:effectRef>
-            <a:fontRef idx="minor">
-              <a:schemeClr val="tx1"/>
-            </a:fontRef>
-          </p:style>
-        </p:cxnSp>
-        <p:cxnSp>
-          <p:nvCxnSpPr>
-            <p:cNvPr id="21" name="Straight Arrow Connector 20">
-              <a:extLst>
-                <a:ext uri="{FF2B5EF4-FFF2-40B4-BE49-F238E27FC236}">
-                  <a16:creationId xmlns:a16="http://schemas.microsoft.com/office/drawing/2014/main" id="{94FD6C78-4DB6-473E-A526-DEFCFD467D81}"/>
-                </a:ext>
-              </a:extLst>
-            </p:cNvPr>
-            <p:cNvCxnSpPr>
-              <a:cxnSpLocks/>
-            </p:cNvCxnSpPr>
-            <p:nvPr/>
-          </p:nvCxnSpPr>
-          <p:spPr>
-            <a:xfrm>
-              <a:off x="7010944" y="4409259"/>
-              <a:ext cx="1035050" cy="740222"/>
-            </a:xfrm>
-            <a:prstGeom prst="straightConnector1">
-              <a:avLst/>
-            </a:prstGeom>
-            <a:ln w="19050">
-              <a:solidFill>
-                <a:srgbClr val="FF0000"/>
-              </a:solidFill>
-              <a:tailEnd type="triangle"/>
-            </a:ln>
-          </p:spPr>
-          <p:style>
-            <a:lnRef idx="1">
-              <a:schemeClr val="accent1"/>
-            </a:lnRef>
-            <a:fillRef idx="0">
-              <a:schemeClr val="accent1"/>
-            </a:fillRef>
-            <a:effectRef idx="0">
-              <a:schemeClr val="accent1"/>
-            </a:effectRef>
-            <a:fontRef idx="minor">
-              <a:schemeClr val="tx1"/>
-            </a:fontRef>
-          </p:style>
-        </p:cxnSp>
-        <p:cxnSp>
-          <p:nvCxnSpPr>
-            <p:cNvPr id="22" name="Straight Arrow Connector 21">
-              <a:extLst>
-                <a:ext uri="{FF2B5EF4-FFF2-40B4-BE49-F238E27FC236}">
-                  <a16:creationId xmlns:a16="http://schemas.microsoft.com/office/drawing/2014/main" id="{C3C2257D-17B8-4349-A78C-14D666F3946E}"/>
-                </a:ext>
-              </a:extLst>
-            </p:cNvPr>
-            <p:cNvCxnSpPr>
-              <a:cxnSpLocks/>
-            </p:cNvCxnSpPr>
-            <p:nvPr/>
-          </p:nvCxnSpPr>
-          <p:spPr>
-            <a:xfrm>
-              <a:off x="8054793" y="5149481"/>
-              <a:ext cx="1053647" cy="957262"/>
-            </a:xfrm>
-            <a:prstGeom prst="straightConnector1">
-              <a:avLst/>
-            </a:prstGeom>
-            <a:ln w="19050">
-              <a:solidFill>
-                <a:srgbClr val="FF0000"/>
-              </a:solidFill>
-              <a:tailEnd type="triangle"/>
-            </a:ln>
-          </p:spPr>
-          <p:style>
-            <a:lnRef idx="1">
-              <a:schemeClr val="accent1"/>
-            </a:lnRef>
-            <a:fillRef idx="0">
-              <a:schemeClr val="accent1"/>
-            </a:fillRef>
-            <a:effectRef idx="0">
-              <a:schemeClr val="accent1"/>
-            </a:effectRef>
-            <a:fontRef idx="minor">
-              <a:schemeClr val="tx1"/>
-            </a:fontRef>
-          </p:style>
-        </p:cxnSp>
-        <p:cxnSp>
-          <p:nvCxnSpPr>
-            <p:cNvPr id="23" name="Straight Arrow Connector 22">
-              <a:extLst>
-                <a:ext uri="{FF2B5EF4-FFF2-40B4-BE49-F238E27FC236}">
-                  <a16:creationId xmlns:a16="http://schemas.microsoft.com/office/drawing/2014/main" id="{0885CFA5-72BA-461A-A578-7FD3C3F5FB19}"/>
-                </a:ext>
-              </a:extLst>
-            </p:cNvPr>
-            <p:cNvCxnSpPr>
-              <a:cxnSpLocks/>
-            </p:cNvCxnSpPr>
-            <p:nvPr/>
-          </p:nvCxnSpPr>
-          <p:spPr>
-            <a:xfrm>
-              <a:off x="9117239" y="6106743"/>
-              <a:ext cx="371566" cy="149356"/>
-            </a:xfrm>
-            <a:prstGeom prst="straightConnector1">
-              <a:avLst/>
-            </a:prstGeom>
-            <a:ln w="19050">
-              <a:solidFill>
-                <a:srgbClr val="FF0000"/>
-              </a:solidFill>
-              <a:tailEnd type="triangle"/>
-            </a:ln>
-          </p:spPr>
-          <p:style>
-            <a:lnRef idx="1">
-              <a:schemeClr val="accent1"/>
-            </a:lnRef>
-            <a:fillRef idx="0">
-              <a:schemeClr val="accent1"/>
-            </a:fillRef>
-            <a:effectRef idx="0">
-              <a:schemeClr val="accent1"/>
-            </a:effectRef>
-            <a:fontRef idx="minor">
-              <a:schemeClr val="tx1"/>
-            </a:fontRef>
-          </p:style>
-        </p:cxnSp>
-      </p:grpSp>
-      <p:grpSp>
-        <p:nvGrpSpPr>
-          <p:cNvPr id="24" name="Group 23">
-            <a:extLst>
-              <a:ext uri="{FF2B5EF4-FFF2-40B4-BE49-F238E27FC236}">
-                <a16:creationId xmlns:a16="http://schemas.microsoft.com/office/drawing/2014/main" id="{82883E0B-4239-4369-B8FC-CEF26010B51F}"/>
-              </a:ext>
-            </a:extLst>
-          </p:cNvPr>
-          <p:cNvGrpSpPr/>
-          <p:nvPr/>
-        </p:nvGrpSpPr>
-        <p:grpSpPr>
-          <a:xfrm>
-            <a:off x="8990330" y="5808980"/>
-            <a:ext cx="3774440" cy="764540"/>
-            <a:chOff x="8990330" y="5808980"/>
-            <a:chExt cx="3774440" cy="764540"/>
-          </a:xfrm>
-        </p:grpSpPr>
-        <p:pic>
-          <p:nvPicPr>
-            <p:cNvPr id="25" name="Picture 24">
-              <a:extLst>
-                <a:ext uri="{FF2B5EF4-FFF2-40B4-BE49-F238E27FC236}">
-                  <a16:creationId xmlns:a16="http://schemas.microsoft.com/office/drawing/2014/main" id="{21DEEF2E-2EC7-4222-A3DD-0F8FC394A648}"/>
-                </a:ext>
-              </a:extLst>
-            </p:cNvPr>
-            <p:cNvPicPr>
-              <a:picLocks noChangeAspect="1"/>
-            </p:cNvPicPr>
-            <p:nvPr/>
-          </p:nvPicPr>
-          <p:blipFill>
-            <a:blip r:embed="rId2" cstate="print">
-              <a:extLst>
-                <a:ext uri="{28A0092B-C50C-407E-A947-70E740481C1C}">
-                  <a14:useLocalDpi xmlns:a14="http://schemas.microsoft.com/office/drawing/2010/main" val="0"/>
-                </a:ext>
-              </a:extLst>
-            </a:blip>
-            <a:srcRect/>
-            <a:stretch>
-              <a:fillRect/>
-            </a:stretch>
-          </p:blipFill>
-          <p:spPr bwMode="auto">
-            <a:xfrm>
-              <a:off x="8990330" y="5808980"/>
-              <a:ext cx="942340" cy="558800"/>
-            </a:xfrm>
-            <a:prstGeom prst="rect">
-              <a:avLst/>
-            </a:prstGeom>
-            <a:noFill/>
-            <a:ln>
-              <a:noFill/>
-            </a:ln>
-          </p:spPr>
-        </p:pic>
-        <p:sp>
-          <p:nvSpPr>
-            <p:cNvPr id="26" name="Text Box 11">
-              <a:extLst>
-                <a:ext uri="{FF2B5EF4-FFF2-40B4-BE49-F238E27FC236}">
-                  <a16:creationId xmlns:a16="http://schemas.microsoft.com/office/drawing/2014/main" id="{67AF6B3A-AD2A-446E-A0F9-C03AA7293E05}"/>
-                </a:ext>
-              </a:extLst>
-            </p:cNvPr>
-            <p:cNvSpPr txBox="1"/>
-            <p:nvPr/>
-          </p:nvSpPr>
-          <p:spPr>
-            <a:xfrm>
-              <a:off x="9999980" y="5923280"/>
-              <a:ext cx="2764790" cy="650240"/>
-            </a:xfrm>
-            <a:prstGeom prst="rect">
-              <a:avLst/>
-            </a:prstGeom>
-            <a:noFill/>
-            <a:ln w="6350">
-              <a:noFill/>
-            </a:ln>
-          </p:spPr>
-          <p:txBody>
-            <a:bodyPr rot="0" spcFirstLastPara="0" vert="horz" wrap="square" lIns="91440" tIns="45720" rIns="91440" bIns="45720" numCol="1" spcCol="0" rtlCol="0" fromWordArt="0" anchor="t" anchorCtr="0" forceAA="0" compatLnSpc="1">
-              <a:prstTxWarp prst="textNoShape">
-                <a:avLst/>
-              </a:prstTxWarp>
-              <a:noAutofit/>
-            </a:bodyPr>
-            <a:lstStyle/>
-            <a:p>
-              <a:pPr>
-                <a:lnSpc>
-                  <a:spcPct val="115000"/>
-                </a:lnSpc>
-              </a:pPr>
-              <a:r>
-                <a:rPr lang="en-US" sz="900" b="1">
-                  <a:solidFill>
-                    <a:srgbClr val="44546A"/>
-                  </a:solidFill>
-                  <a:effectLst/>
-                  <a:latin typeface="Calibri" panose="020F0502020204030204" pitchFamily="34" charset="0"/>
-                  <a:ea typeface="Times New Roman" panose="02020603050405020304" pitchFamily="18" charset="0"/>
-                  <a:cs typeface="Times New Roman" panose="02020603050405020304" pitchFamily="18" charset="0"/>
-                </a:rPr>
-                <a:t>Fachhochschule Nordwestschweiz</a:t>
-              </a:r>
-              <a:endParaRPr lang="en-CH" sz="1400" b="1">
-                <a:solidFill>
-                  <a:srgbClr val="44546A"/>
-                </a:solidFill>
-                <a:effectLst/>
-                <a:latin typeface="Calibri" panose="020F0502020204030204" pitchFamily="34" charset="0"/>
-                <a:ea typeface="Times New Roman" panose="02020603050405020304" pitchFamily="18" charset="0"/>
-                <a:cs typeface="Times New Roman" panose="02020603050405020304" pitchFamily="18" charset="0"/>
-              </a:endParaRPr>
-            </a:p>
-            <a:p>
-              <a:pPr>
-                <a:lnSpc>
-                  <a:spcPct val="115000"/>
-                </a:lnSpc>
-              </a:pPr>
-              <a:r>
-                <a:rPr lang="en-US" sz="900" b="1">
-                  <a:solidFill>
-                    <a:srgbClr val="44546A"/>
-                  </a:solidFill>
-                  <a:effectLst/>
-                  <a:latin typeface="Calibri" panose="020F0502020204030204" pitchFamily="34" charset="0"/>
-                  <a:ea typeface="Times New Roman" panose="02020603050405020304" pitchFamily="18" charset="0"/>
-                  <a:cs typeface="Times New Roman" panose="02020603050405020304" pitchFamily="18" charset="0"/>
-                </a:rPr>
-                <a:t>Hochschule für Technik</a:t>
-              </a:r>
-              <a:endParaRPr lang="en-CH" sz="1400" b="1">
-                <a:solidFill>
-                  <a:srgbClr val="44546A"/>
-                </a:solidFill>
-                <a:effectLst/>
-                <a:latin typeface="Calibri" panose="020F0502020204030204" pitchFamily="34" charset="0"/>
-                <a:ea typeface="Times New Roman" panose="02020603050405020304" pitchFamily="18" charset="0"/>
-                <a:cs typeface="Times New Roman" panose="02020603050405020304" pitchFamily="18" charset="0"/>
-              </a:endParaRPr>
-            </a:p>
-          </p:txBody>
-        </p:sp>
-      </p:grpSp>
-    </p:spTree>
-    <p:extLst>
-      <p:ext uri="{BB962C8B-B14F-4D97-AF65-F5344CB8AC3E}">
-        <p14:creationId xmlns:p14="http://schemas.microsoft.com/office/powerpoint/2010/main" val="101364151"/>
-      </p:ext>
-    </p:extLst>
-  </p:cSld>
-  <p:clrMapOvr>
-    <a:masterClrMapping/>
-  </p:clrMapOvr>
-  <mc:AlternateContent xmlns:mc="http://schemas.openxmlformats.org/markup-compatibility/2006" xmlns:p14="http://schemas.microsoft.com/office/powerpoint/2010/main">
-    <mc:Choice Requires="p14">
-      <p:transition spd="med" p14:dur="700" advClick="0" advTm="0">
-        <p:fade/>
-      </p:transition>
-    </mc:Choice>
-    <mc:Fallback xmlns="">
-      <p:transition spd="med" advClick="0" advTm="0">
-        <p:fade/>
-      </p:transition>
-    </mc:Fallback>
-  </mc:AlternateContent>
-</p:sld>
-</file>
-
-<file path=ppt/slides/slide2.xml><?xml version="1.0" encoding="utf-8"?>
-<p:sld xmlns:a="http://schemas.openxmlformats.org/drawingml/2006/main" xmlns:r="http://schemas.openxmlformats.org/officeDocument/2006/relationships" xmlns:p="http://schemas.openxmlformats.org/presentationml/2006/main">
-  <p:cSld>
-    <p:spTree>
-      <p:nvGrpSpPr>
-        <p:cNvPr id="1" name=""/>
-        <p:cNvGrpSpPr/>
-        <p:nvPr/>
-      </p:nvGrpSpPr>
-      <p:grpSpPr>
-        <a:xfrm>
-          <a:off x="0" y="0"/>
-          <a:ext cx="0" cy="0"/>
-          <a:chOff x="0" y="0"/>
-          <a:chExt cx="0" cy="0"/>
-        </a:xfrm>
-      </p:grpSpPr>
-      <p:sp>
-        <p:nvSpPr>
-          <p:cNvPr id="2" name="Title 1">
-            <a:extLst>
-              <a:ext uri="{FF2B5EF4-FFF2-40B4-BE49-F238E27FC236}">
-                <a16:creationId xmlns:a16="http://schemas.microsoft.com/office/drawing/2014/main" id="{F1AE8F4F-038B-4ABA-A89F-CA33847A9E12}"/>
-              </a:ext>
-            </a:extLst>
-          </p:cNvPr>
-          <p:cNvSpPr>
-            <a:spLocks noGrp="1"/>
-          </p:cNvSpPr>
-          <p:nvPr>
-            <p:ph type="title"/>
-          </p:nvPr>
-        </p:nvSpPr>
-        <p:spPr>
-          <a:xfrm>
-            <a:off x="838200" y="365125"/>
-            <a:ext cx="10515600" cy="5702300"/>
-          </a:xfrm>
-        </p:spPr>
-        <p:txBody>
-          <a:bodyPr>
-            <a:normAutofit fontScale="90000"/>
-          </a:bodyPr>
-          <a:lstStyle/>
-          <a:p>
-            <a:pPr algn="ctr">
-              <a:lnSpc>
-                <a:spcPct val="125000"/>
-              </a:lnSpc>
-              <a:spcBef>
-                <a:spcPts val="0"/>
-              </a:spcBef>
-            </a:pPr>
-            <a:r>
-              <a:rPr lang="en-US" b="1" dirty="0" err="1">
-                <a:latin typeface="Arial" panose="020B0604020202020204" pitchFamily="34" charset="0"/>
-                <a:cs typeface="Arial" panose="020B0604020202020204" pitchFamily="34" charset="0"/>
-              </a:rPr>
-              <a:t>Auftrag</a:t>
-            </a:r>
-            <a:br>
-              <a:rPr lang="en-US" b="1" dirty="0">
-                <a:latin typeface="Arial" panose="020B0604020202020204" pitchFamily="34" charset="0"/>
-                <a:cs typeface="Arial" panose="020B0604020202020204" pitchFamily="34" charset="0"/>
-              </a:rPr>
-            </a:br>
-            <a:r>
-              <a:rPr lang="en-US" b="1" dirty="0">
-                <a:latin typeface="Arial" panose="020B0604020202020204" pitchFamily="34" charset="0"/>
-                <a:cs typeface="Arial" panose="020B0604020202020204" pitchFamily="34" charset="0"/>
-              </a:rPr>
-              <a:t>Hardware</a:t>
-            </a:r>
-            <a:br>
-              <a:rPr lang="en-US" b="1" dirty="0">
-                <a:latin typeface="Arial" panose="020B0604020202020204" pitchFamily="34" charset="0"/>
-                <a:cs typeface="Arial" panose="020B0604020202020204" pitchFamily="34" charset="0"/>
-              </a:rPr>
-            </a:br>
-            <a:r>
-              <a:rPr lang="en-US" b="1" dirty="0" err="1">
-                <a:latin typeface="Arial" panose="020B0604020202020204" pitchFamily="34" charset="0"/>
-                <a:cs typeface="Arial" panose="020B0604020202020204" pitchFamily="34" charset="0"/>
-              </a:rPr>
-              <a:t>InfluxDB</a:t>
-            </a:r>
-            <a:br>
-              <a:rPr lang="en-US" b="1" dirty="0">
-                <a:latin typeface="Arial" panose="020B0604020202020204" pitchFamily="34" charset="0"/>
-                <a:cs typeface="Arial" panose="020B0604020202020204" pitchFamily="34" charset="0"/>
-              </a:rPr>
-            </a:br>
-            <a:r>
-              <a:rPr lang="en-US" b="1" dirty="0">
-                <a:latin typeface="Arial" panose="020B0604020202020204" pitchFamily="34" charset="0"/>
-                <a:cs typeface="Arial" panose="020B0604020202020204" pitchFamily="34" charset="0"/>
-              </a:rPr>
-              <a:t>Python </a:t>
-            </a:r>
-            <a:r>
-              <a:rPr lang="en-US" b="1" dirty="0" err="1">
-                <a:latin typeface="Arial" panose="020B0604020202020204" pitchFamily="34" charset="0"/>
-                <a:cs typeface="Arial" panose="020B0604020202020204" pitchFamily="34" charset="0"/>
-              </a:rPr>
-              <a:t>Programm</a:t>
-            </a:r>
-            <a:br>
-              <a:rPr lang="en-US" b="1" dirty="0">
-                <a:latin typeface="Arial" panose="020B0604020202020204" pitchFamily="34" charset="0"/>
-                <a:cs typeface="Arial" panose="020B0604020202020204" pitchFamily="34" charset="0"/>
-              </a:rPr>
-            </a:br>
-            <a:r>
-              <a:rPr lang="en-US" b="1" dirty="0">
-                <a:latin typeface="Arial" panose="020B0604020202020204" pitchFamily="34" charset="0"/>
-                <a:cs typeface="Arial" panose="020B0604020202020204" pitchFamily="34" charset="0"/>
-              </a:rPr>
-              <a:t>Flask Webserver</a:t>
-            </a:r>
-            <a:br>
-              <a:rPr lang="en-US" b="1" dirty="0">
-                <a:latin typeface="Arial" panose="020B0604020202020204" pitchFamily="34" charset="0"/>
-                <a:cs typeface="Arial" panose="020B0604020202020204" pitchFamily="34" charset="0"/>
-              </a:rPr>
-            </a:br>
-            <a:r>
-              <a:rPr lang="en-US" b="1" dirty="0">
-                <a:latin typeface="Arial" panose="020B0604020202020204" pitchFamily="34" charset="0"/>
-                <a:cs typeface="Arial" panose="020B0604020202020204" pitchFamily="34" charset="0"/>
-              </a:rPr>
-              <a:t>GUI Sketch</a:t>
-            </a:r>
-            <a:br>
-              <a:rPr lang="en-US" b="1" dirty="0">
-                <a:latin typeface="Arial" panose="020B0604020202020204" pitchFamily="34" charset="0"/>
-                <a:cs typeface="Arial" panose="020B0604020202020204" pitchFamily="34" charset="0"/>
-              </a:rPr>
-            </a:br>
-            <a:r>
-              <a:rPr lang="en-US" b="1" dirty="0" err="1">
-                <a:latin typeface="Arial" panose="020B0604020202020204" pitchFamily="34" charset="0"/>
-                <a:cs typeface="Arial" panose="020B0604020202020204" pitchFamily="34" charset="0"/>
-              </a:rPr>
-              <a:t>Endresultat</a:t>
-            </a:r>
-            <a:br>
-              <a:rPr lang="en-US" b="1" dirty="0">
-                <a:latin typeface="Arial" panose="020B0604020202020204" pitchFamily="34" charset="0"/>
-                <a:cs typeface="Arial" panose="020B0604020202020204" pitchFamily="34" charset="0"/>
-              </a:rPr>
-            </a:br>
-            <a:r>
-              <a:rPr lang="en-US" b="1" dirty="0" err="1">
-                <a:latin typeface="Arial" panose="020B0604020202020204" pitchFamily="34" charset="0"/>
-                <a:cs typeface="Arial" panose="020B0604020202020204" pitchFamily="34" charset="0"/>
-              </a:rPr>
-              <a:t>Weiterentwicklung</a:t>
-            </a:r>
-            <a:endParaRPr lang="en-CH" b="1" dirty="0">
-              <a:latin typeface="Arial" panose="020B0604020202020204" pitchFamily="34" charset="0"/>
-              <a:cs typeface="Arial" panose="020B0604020202020204" pitchFamily="34" charset="0"/>
-            </a:endParaRPr>
-          </a:p>
-        </p:txBody>
-      </p:sp>
-      <p:sp>
-        <p:nvSpPr>
-          <p:cNvPr id="8" name="Slide Number Placeholder 7">
-            <a:extLst>
-              <a:ext uri="{FF2B5EF4-FFF2-40B4-BE49-F238E27FC236}">
-                <a16:creationId xmlns:a16="http://schemas.microsoft.com/office/drawing/2014/main" id="{E5E3E861-4688-44FC-A05E-E446522B24DD}"/>
-              </a:ext>
-            </a:extLst>
-          </p:cNvPr>
-          <p:cNvSpPr>
-            <a:spLocks noGrp="1"/>
-          </p:cNvSpPr>
-          <p:nvPr>
-            <p:ph type="sldNum" sz="quarter" idx="12"/>
-          </p:nvPr>
-        </p:nvSpPr>
-        <p:spPr/>
-        <p:txBody>
-          <a:bodyPr/>
-          <a:lstStyle/>
-          <a:p>
-            <a:fld id="{0F00D740-55B1-4DC8-A3B5-4535950A93D0}" type="slidenum">
-              <a:rPr lang="en-CH" smtClean="0"/>
-              <a:t>2</a:t>
-            </a:fld>
-            <a:endParaRPr lang="en-CH"/>
-          </a:p>
-        </p:txBody>
-      </p:sp>
-    </p:spTree>
-    <p:extLst>
-      <p:ext uri="{BB962C8B-B14F-4D97-AF65-F5344CB8AC3E}">
-        <p14:creationId xmlns:p14="http://schemas.microsoft.com/office/powerpoint/2010/main" val="4214096268"/>
-      </p:ext>
-    </p:extLst>
-  </p:cSld>
-  <p:clrMapOvr>
-    <a:masterClrMapping/>
-  </p:clrMapOvr>
-  <mc:AlternateContent xmlns:mc="http://schemas.openxmlformats.org/markup-compatibility/2006" xmlns:p14="http://schemas.microsoft.com/office/powerpoint/2010/main">
-    <mc:Choice Requires="p14">
-      <p:transition spd="med" p14:dur="700">
-        <p:fade/>
-      </p:transition>
-    </mc:Choice>
-    <mc:Fallback xmlns="">
-      <p:transition spd="med">
-        <p:fade/>
-      </p:transition>
-    </mc:Fallback>
-  </mc:AlternateContent>
-</p:sld>
-</file>
-
-<file path=ppt/slides/slide20.xml><?xml version="1.0" encoding="utf-8"?>
-<p:sld xmlns:a="http://schemas.openxmlformats.org/drawingml/2006/main" xmlns:r="http://schemas.openxmlformats.org/officeDocument/2006/relationships" xmlns:p="http://schemas.openxmlformats.org/presentationml/2006/main">
-  <p:cSld>
-    <p:spTree>
-      <p:nvGrpSpPr>
-        <p:cNvPr id="1" name=""/>
-        <p:cNvGrpSpPr/>
-        <p:nvPr/>
-      </p:nvGrpSpPr>
-      <p:grpSpPr>
-        <a:xfrm>
-          <a:off x="0" y="0"/>
-          <a:ext cx="0" cy="0"/>
-          <a:chOff x="0" y="0"/>
-          <a:chExt cx="0" cy="0"/>
-        </a:xfrm>
-      </p:grpSpPr>
-      <p:sp>
-        <p:nvSpPr>
-          <p:cNvPr id="2" name="Title 1">
-            <a:extLst>
-              <a:ext uri="{FF2B5EF4-FFF2-40B4-BE49-F238E27FC236}">
-                <a16:creationId xmlns:a16="http://schemas.microsoft.com/office/drawing/2014/main" id="{017DC302-A1DE-464B-AAC3-355C0710275D}"/>
-              </a:ext>
-            </a:extLst>
-          </p:cNvPr>
-          <p:cNvSpPr>
-            <a:spLocks noGrp="1"/>
-          </p:cNvSpPr>
-          <p:nvPr>
-            <p:ph type="title"/>
-          </p:nvPr>
-        </p:nvSpPr>
-        <p:spPr/>
-        <p:txBody>
-          <a:bodyPr/>
-          <a:lstStyle/>
-          <a:p>
-            <a:r>
-              <a:rPr lang="en-US" b="1" dirty="0">
-                <a:latin typeface="Arial" panose="020B0604020202020204" pitchFamily="34" charset="0"/>
-                <a:cs typeface="Arial" panose="020B0604020202020204" pitchFamily="34" charset="0"/>
-              </a:rPr>
-              <a:t>Python </a:t>
-            </a:r>
-            <a:r>
-              <a:rPr lang="en-US" b="1" dirty="0" err="1">
-                <a:latin typeface="Arial" panose="020B0604020202020204" pitchFamily="34" charset="0"/>
-                <a:cs typeface="Arial" panose="020B0604020202020204" pitchFamily="34" charset="0"/>
-              </a:rPr>
-              <a:t>Programm</a:t>
-            </a:r>
-            <a:br>
-              <a:rPr lang="en-US" b="1" dirty="0">
-                <a:latin typeface="Arial" panose="020B0604020202020204" pitchFamily="34" charset="0"/>
-                <a:cs typeface="Arial" panose="020B0604020202020204" pitchFamily="34" charset="0"/>
-              </a:rPr>
-            </a:br>
-            <a:r>
-              <a:rPr lang="en-US" sz="3600" i="1" dirty="0" err="1">
-                <a:latin typeface="Arial" panose="020B0604020202020204" pitchFamily="34" charset="0"/>
-                <a:cs typeface="Arial" panose="020B0604020202020204" pitchFamily="34" charset="0"/>
-              </a:rPr>
-              <a:t>Vorhersage</a:t>
-            </a:r>
-            <a:endParaRPr lang="en-CH" dirty="0"/>
-          </a:p>
-        </p:txBody>
-      </p:sp>
-      <p:sp>
-        <p:nvSpPr>
-          <p:cNvPr id="4" name="Slide Number Placeholder 3">
-            <a:extLst>
-              <a:ext uri="{FF2B5EF4-FFF2-40B4-BE49-F238E27FC236}">
-                <a16:creationId xmlns:a16="http://schemas.microsoft.com/office/drawing/2014/main" id="{6CE61BDF-795F-4AD2-9A32-1D1BDC0BA7F2}"/>
-              </a:ext>
-            </a:extLst>
-          </p:cNvPr>
-          <p:cNvSpPr>
-            <a:spLocks noGrp="1"/>
-          </p:cNvSpPr>
-          <p:nvPr>
-            <p:ph type="sldNum" sz="quarter" idx="12"/>
-          </p:nvPr>
-        </p:nvSpPr>
-        <p:spPr/>
-        <p:txBody>
-          <a:bodyPr/>
-          <a:lstStyle/>
-          <a:p>
-            <a:fld id="{0F00D740-55B1-4DC8-A3B5-4535950A93D0}" type="slidenum">
-              <a:rPr lang="en-CH" smtClean="0"/>
-              <a:t>20</a:t>
+              <a:t>21</a:t>
             </a:fld>
             <a:endParaRPr lang="en-CH"/>
           </a:p>
@@ -11749,7 +12765,7 @@
 </p:sld>
 </file>
 
-<file path=ppt/slides/slide21.xml><?xml version="1.0" encoding="utf-8"?>
+<file path=ppt/slides/slide22.xml><?xml version="1.0" encoding="utf-8"?>
 <p:sld xmlns:a="http://schemas.openxmlformats.org/drawingml/2006/main" xmlns:r="http://schemas.openxmlformats.org/officeDocument/2006/relationships" xmlns:p="http://schemas.openxmlformats.org/presentationml/2006/main">
   <p:cSld>
     <p:spTree>
@@ -11841,7 +12857,7 @@
           <a:p>
             <a:fld id="{0F00D740-55B1-4DC8-A3B5-4535950A93D0}" type="slidenum">
               <a:rPr lang="en-CH" smtClean="0"/>
-              <a:t>21</a:t>
+              <a:t>22</a:t>
             </a:fld>
             <a:endParaRPr lang="en-CH"/>
           </a:p>
@@ -13042,7 +14058,7 @@
 </p:sld>
 </file>
 
-<file path=ppt/slides/slide22.xml><?xml version="1.0" encoding="utf-8"?>
+<file path=ppt/slides/slide23.xml><?xml version="1.0" encoding="utf-8"?>
 <p:sld xmlns:a="http://schemas.openxmlformats.org/drawingml/2006/main" xmlns:r="http://schemas.openxmlformats.org/officeDocument/2006/relationships" xmlns:p="http://schemas.openxmlformats.org/presentationml/2006/main">
   <p:cSld>
     <p:spTree>
@@ -13200,7 +14216,7 @@
           <a:p>
             <a:fld id="{0F00D740-55B1-4DC8-A3B5-4535950A93D0}" type="slidenum">
               <a:rPr lang="en-CH" smtClean="0"/>
-              <a:t>22</a:t>
+              <a:t>23</a:t>
             </a:fld>
             <a:endParaRPr lang="en-CH"/>
           </a:p>
@@ -13384,7 +14400,7 @@
 </p:sld>
 </file>
 
-<file path=ppt/slides/slide23.xml><?xml version="1.0" encoding="utf-8"?>
+<file path=ppt/slides/slide24.xml><?xml version="1.0" encoding="utf-8"?>
 <p:sld xmlns:a="http://schemas.openxmlformats.org/drawingml/2006/main" xmlns:r="http://schemas.openxmlformats.org/officeDocument/2006/relationships" xmlns:p="http://schemas.openxmlformats.org/presentationml/2006/main">
   <p:cSld>
     <p:spTree>
@@ -13542,7 +14558,7 @@
           <a:p>
             <a:fld id="{0F00D740-55B1-4DC8-A3B5-4535950A93D0}" type="slidenum">
               <a:rPr lang="en-CH" smtClean="0"/>
-              <a:t>23</a:t>
+              <a:t>24</a:t>
             </a:fld>
             <a:endParaRPr lang="en-CH"/>
           </a:p>
@@ -13726,7 +14742,7 @@
 </p:sld>
 </file>
 
-<file path=ppt/slides/slide24.xml><?xml version="1.0" encoding="utf-8"?>
+<file path=ppt/slides/slide25.xml><?xml version="1.0" encoding="utf-8"?>
 <p:sld xmlns:a="http://schemas.openxmlformats.org/drawingml/2006/main" xmlns:r="http://schemas.openxmlformats.org/officeDocument/2006/relationships" xmlns:p="http://schemas.openxmlformats.org/presentationml/2006/main">
   <p:cSld>
     <p:spTree>
@@ -13854,7 +14870,7 @@
           <a:p>
             <a:fld id="{0F00D740-55B1-4DC8-A3B5-4535950A93D0}" type="slidenum">
               <a:rPr lang="en-CH" smtClean="0"/>
-              <a:t>24</a:t>
+              <a:t>25</a:t>
             </a:fld>
             <a:endParaRPr lang="en-CH"/>
           </a:p>
@@ -14436,7 +15452,7 @@
 </p:sld>
 </file>
 
-<file path=ppt/slides/slide25.xml><?xml version="1.0" encoding="utf-8"?>
+<file path=ppt/slides/slide26.xml><?xml version="1.0" encoding="utf-8"?>
 <p:sld xmlns:a="http://schemas.openxmlformats.org/drawingml/2006/main" xmlns:r="http://schemas.openxmlformats.org/officeDocument/2006/relationships" xmlns:p="http://schemas.openxmlformats.org/presentationml/2006/main">
   <p:cSld>
     <p:spTree>
@@ -14627,7 +15643,7 @@
           <a:p>
             <a:fld id="{0F00D740-55B1-4DC8-A3B5-4535950A93D0}" type="slidenum">
               <a:rPr lang="en-CH" smtClean="0"/>
-              <a:t>25</a:t>
+              <a:t>26</a:t>
             </a:fld>
             <a:endParaRPr lang="en-CH"/>
           </a:p>
@@ -14658,7 +15674,7 @@
 </p:sld>
 </file>
 
-<file path=ppt/slides/slide26.xml><?xml version="1.0" encoding="utf-8"?>
+<file path=ppt/slides/slide27.xml><?xml version="1.0" encoding="utf-8"?>
 <p:sld xmlns:a="http://schemas.openxmlformats.org/drawingml/2006/main" xmlns:r="http://schemas.openxmlformats.org/officeDocument/2006/relationships" xmlns:p="http://schemas.openxmlformats.org/presentationml/2006/main">
   <p:cSld>
     <p:spTree>
@@ -14842,7 +15858,7 @@
           <a:p>
             <a:fld id="{0F00D740-55B1-4DC8-A3B5-4535950A93D0}" type="slidenum">
               <a:rPr lang="en-CH" smtClean="0"/>
-              <a:t>26</a:t>
+              <a:t>27</a:t>
             </a:fld>
             <a:endParaRPr lang="en-CH" dirty="0"/>
           </a:p>
@@ -15062,7 +16078,7 @@
 </p:sld>
 </file>
 
-<file path=ppt/slides/slide27.xml><?xml version="1.0" encoding="utf-8"?>
+<file path=ppt/slides/slide28.xml><?xml version="1.0" encoding="utf-8"?>
 <p:sld xmlns:a="http://schemas.openxmlformats.org/drawingml/2006/main" xmlns:r="http://schemas.openxmlformats.org/officeDocument/2006/relationships" xmlns:p="http://schemas.openxmlformats.org/presentationml/2006/main">
   <p:cSld>
     <p:spTree>
@@ -15149,7 +16165,7 @@
           <a:p>
             <a:fld id="{0F00D740-55B1-4DC8-A3B5-4535950A93D0}" type="slidenum">
               <a:rPr lang="en-CH" smtClean="0"/>
-              <a:t>27</a:t>
+              <a:t>28</a:t>
             </a:fld>
             <a:endParaRPr lang="en-CH"/>
           </a:p>
@@ -15783,7 +16799,7 @@
 </p:sld>
 </file>
 
-<file path=ppt/slides/slide28.xml><?xml version="1.0" encoding="utf-8"?>
+<file path=ppt/slides/slide29.xml><?xml version="1.0" encoding="utf-8"?>
 <p:sld xmlns:a="http://schemas.openxmlformats.org/drawingml/2006/main" xmlns:r="http://schemas.openxmlformats.org/officeDocument/2006/relationships" xmlns:p="http://schemas.openxmlformats.org/presentationml/2006/main">
   <p:cSld>
     <p:spTree>
@@ -15870,7 +16886,7 @@
           <a:p>
             <a:fld id="{0F00D740-55B1-4DC8-A3B5-4535950A93D0}" type="slidenum">
               <a:rPr lang="en-CH" smtClean="0"/>
-              <a:t>28</a:t>
+              <a:t>29</a:t>
             </a:fld>
             <a:endParaRPr lang="en-CH"/>
           </a:p>
@@ -16207,7 +17223,7 @@
 </p:sld>
 </file>
 
-<file path=ppt/slides/slide29.xml><?xml version="1.0" encoding="utf-8"?>
+<file path=ppt/slides/slide3.xml><?xml version="1.0" encoding="utf-8"?>
 <p:sld xmlns:a="http://schemas.openxmlformats.org/drawingml/2006/main" xmlns:r="http://schemas.openxmlformats.org/officeDocument/2006/relationships" xmlns:p="http://schemas.openxmlformats.org/presentationml/2006/main">
   <p:cSld>
     <p:spTree>
@@ -16229,6 +17245,228 @@
           <p:cNvPr id="2" name="Title 1">
             <a:extLst>
               <a:ext uri="{FF2B5EF4-FFF2-40B4-BE49-F238E27FC236}">
+                <a16:creationId xmlns:a16="http://schemas.microsoft.com/office/drawing/2014/main" id="{F1AE8F4F-038B-4ABA-A89F-CA33847A9E12}"/>
+              </a:ext>
+            </a:extLst>
+          </p:cNvPr>
+          <p:cNvSpPr>
+            <a:spLocks noGrp="1"/>
+          </p:cNvSpPr>
+          <p:nvPr>
+            <p:ph type="title"/>
+          </p:nvPr>
+        </p:nvSpPr>
+        <p:spPr>
+          <a:xfrm>
+            <a:off x="838200" y="365125"/>
+            <a:ext cx="10515600" cy="5702300"/>
+          </a:xfrm>
+        </p:spPr>
+        <p:txBody>
+          <a:bodyPr>
+            <a:normAutofit fontScale="90000"/>
+          </a:bodyPr>
+          <a:lstStyle/>
+          <a:p>
+            <a:pPr algn="ctr">
+              <a:lnSpc>
+                <a:spcPct val="125000"/>
+              </a:lnSpc>
+              <a:spcBef>
+                <a:spcPts val="0"/>
+              </a:spcBef>
+            </a:pPr>
+            <a:r>
+              <a:rPr lang="en-US" b="1" dirty="0" err="1">
+                <a:highlight>
+                  <a:srgbClr val="FAE800"/>
+                </a:highlight>
+                <a:latin typeface="Arial" panose="020B0604020202020204" pitchFamily="34" charset="0"/>
+                <a:cs typeface="Arial" panose="020B0604020202020204" pitchFamily="34" charset="0"/>
+              </a:rPr>
+              <a:t>Auftrag</a:t>
+            </a:r>
+            <a:br>
+              <a:rPr lang="en-US" b="1" dirty="0">
+                <a:latin typeface="Arial" panose="020B0604020202020204" pitchFamily="34" charset="0"/>
+                <a:cs typeface="Arial" panose="020B0604020202020204" pitchFamily="34" charset="0"/>
+              </a:rPr>
+            </a:br>
+            <a:r>
+              <a:rPr lang="en-US" b="1" dirty="0">
+                <a:latin typeface="Arial" panose="020B0604020202020204" pitchFamily="34" charset="0"/>
+                <a:cs typeface="Arial" panose="020B0604020202020204" pitchFamily="34" charset="0"/>
+              </a:rPr>
+              <a:t>Hardware</a:t>
+            </a:r>
+            <a:br>
+              <a:rPr lang="en-US" b="1" dirty="0">
+                <a:latin typeface="Arial" panose="020B0604020202020204" pitchFamily="34" charset="0"/>
+                <a:cs typeface="Arial" panose="020B0604020202020204" pitchFamily="34" charset="0"/>
+              </a:rPr>
+            </a:br>
+            <a:r>
+              <a:rPr lang="en-US" b="1" dirty="0" err="1">
+                <a:latin typeface="Arial" panose="020B0604020202020204" pitchFamily="34" charset="0"/>
+                <a:cs typeface="Arial" panose="020B0604020202020204" pitchFamily="34" charset="0"/>
+              </a:rPr>
+              <a:t>InfluxDB</a:t>
+            </a:r>
+            <a:br>
+              <a:rPr lang="en-US" b="1" dirty="0">
+                <a:latin typeface="Arial" panose="020B0604020202020204" pitchFamily="34" charset="0"/>
+                <a:cs typeface="Arial" panose="020B0604020202020204" pitchFamily="34" charset="0"/>
+              </a:rPr>
+            </a:br>
+            <a:r>
+              <a:rPr lang="en-US" b="1" dirty="0">
+                <a:latin typeface="Arial" panose="020B0604020202020204" pitchFamily="34" charset="0"/>
+                <a:cs typeface="Arial" panose="020B0604020202020204" pitchFamily="34" charset="0"/>
+              </a:rPr>
+              <a:t>Python </a:t>
+            </a:r>
+            <a:r>
+              <a:rPr lang="en-US" b="1" dirty="0" err="1">
+                <a:latin typeface="Arial" panose="020B0604020202020204" pitchFamily="34" charset="0"/>
+                <a:cs typeface="Arial" panose="020B0604020202020204" pitchFamily="34" charset="0"/>
+              </a:rPr>
+              <a:t>Programm</a:t>
+            </a:r>
+            <a:br>
+              <a:rPr lang="en-US" b="1" dirty="0">
+                <a:latin typeface="Arial" panose="020B0604020202020204" pitchFamily="34" charset="0"/>
+                <a:cs typeface="Arial" panose="020B0604020202020204" pitchFamily="34" charset="0"/>
+              </a:rPr>
+            </a:br>
+            <a:r>
+              <a:rPr lang="en-US" b="1" dirty="0">
+                <a:latin typeface="Arial" panose="020B0604020202020204" pitchFamily="34" charset="0"/>
+                <a:cs typeface="Arial" panose="020B0604020202020204" pitchFamily="34" charset="0"/>
+              </a:rPr>
+              <a:t>Flask Webserver</a:t>
+            </a:r>
+            <a:br>
+              <a:rPr lang="en-US" b="1" dirty="0">
+                <a:latin typeface="Arial" panose="020B0604020202020204" pitchFamily="34" charset="0"/>
+                <a:cs typeface="Arial" panose="020B0604020202020204" pitchFamily="34" charset="0"/>
+              </a:rPr>
+            </a:br>
+            <a:r>
+              <a:rPr lang="en-US" b="1" dirty="0">
+                <a:latin typeface="Arial" panose="020B0604020202020204" pitchFamily="34" charset="0"/>
+                <a:cs typeface="Arial" panose="020B0604020202020204" pitchFamily="34" charset="0"/>
+              </a:rPr>
+              <a:t>GUI Sketch</a:t>
+            </a:r>
+            <a:br>
+              <a:rPr lang="en-US" b="1" dirty="0">
+                <a:latin typeface="Arial" panose="020B0604020202020204" pitchFamily="34" charset="0"/>
+                <a:cs typeface="Arial" panose="020B0604020202020204" pitchFamily="34" charset="0"/>
+              </a:rPr>
+            </a:br>
+            <a:r>
+              <a:rPr lang="en-US" b="1" dirty="0" err="1">
+                <a:latin typeface="Arial" panose="020B0604020202020204" pitchFamily="34" charset="0"/>
+                <a:cs typeface="Arial" panose="020B0604020202020204" pitchFamily="34" charset="0"/>
+              </a:rPr>
+              <a:t>Endresultat</a:t>
+            </a:r>
+            <a:br>
+              <a:rPr lang="en-US" b="1" dirty="0">
+                <a:latin typeface="Arial" panose="020B0604020202020204" pitchFamily="34" charset="0"/>
+                <a:cs typeface="Arial" panose="020B0604020202020204" pitchFamily="34" charset="0"/>
+              </a:rPr>
+            </a:br>
+            <a:r>
+              <a:rPr lang="en-US" b="1" dirty="0" err="1">
+                <a:latin typeface="Arial" panose="020B0604020202020204" pitchFamily="34" charset="0"/>
+                <a:cs typeface="Arial" panose="020B0604020202020204" pitchFamily="34" charset="0"/>
+              </a:rPr>
+              <a:t>Weiterentwicklung</a:t>
+            </a:r>
+            <a:endParaRPr lang="en-CH" b="1" dirty="0">
+              <a:latin typeface="Arial" panose="020B0604020202020204" pitchFamily="34" charset="0"/>
+              <a:cs typeface="Arial" panose="020B0604020202020204" pitchFamily="34" charset="0"/>
+            </a:endParaRPr>
+          </a:p>
+        </p:txBody>
+      </p:sp>
+      <p:sp>
+        <p:nvSpPr>
+          <p:cNvPr id="8" name="Slide Number Placeholder 7">
+            <a:extLst>
+              <a:ext uri="{FF2B5EF4-FFF2-40B4-BE49-F238E27FC236}">
+                <a16:creationId xmlns:a16="http://schemas.microsoft.com/office/drawing/2014/main" id="{E5E3E861-4688-44FC-A05E-E446522B24DD}"/>
+              </a:ext>
+            </a:extLst>
+          </p:cNvPr>
+          <p:cNvSpPr>
+            <a:spLocks noGrp="1"/>
+          </p:cNvSpPr>
+          <p:nvPr>
+            <p:ph type="sldNum" sz="quarter" idx="12"/>
+          </p:nvPr>
+        </p:nvSpPr>
+        <p:spPr/>
+        <p:txBody>
+          <a:bodyPr/>
+          <a:lstStyle/>
+          <a:p>
+            <a:fld id="{0F00D740-55B1-4DC8-A3B5-4535950A93D0}" type="slidenum">
+              <a:rPr lang="en-CH" smtClean="0"/>
+              <a:t>3</a:t>
+            </a:fld>
+            <a:endParaRPr lang="en-CH"/>
+          </a:p>
+        </p:txBody>
+      </p:sp>
+    </p:spTree>
+    <p:extLst>
+      <p:ext uri="{BB962C8B-B14F-4D97-AF65-F5344CB8AC3E}">
+        <p14:creationId xmlns:p14="http://schemas.microsoft.com/office/powerpoint/2010/main" val="3155126413"/>
+      </p:ext>
+    </p:extLst>
+  </p:cSld>
+  <p:clrMapOvr>
+    <a:masterClrMapping/>
+  </p:clrMapOvr>
+  <mc:AlternateContent xmlns:mc="http://schemas.openxmlformats.org/markup-compatibility/2006" xmlns:p14="http://schemas.microsoft.com/office/powerpoint/2010/main">
+    <mc:Choice Requires="p14">
+      <p:transition spd="med" p14:dur="700">
+        <p:fade/>
+      </p:transition>
+    </mc:Choice>
+    <mc:Fallback xmlns="">
+      <p:transition spd="med">
+        <p:fade/>
+      </p:transition>
+    </mc:Fallback>
+  </mc:AlternateContent>
+</p:sld>
+</file>
+
+<file path=ppt/slides/slide30.xml><?xml version="1.0" encoding="utf-8"?>
+<p:sld xmlns:a="http://schemas.openxmlformats.org/drawingml/2006/main" xmlns:r="http://schemas.openxmlformats.org/officeDocument/2006/relationships" xmlns:p="http://schemas.openxmlformats.org/presentationml/2006/main">
+  <p:cSld>
+    <p:spTree>
+      <p:nvGrpSpPr>
+        <p:cNvPr id="1" name=""/>
+        <p:cNvGrpSpPr/>
+        <p:nvPr/>
+      </p:nvGrpSpPr>
+      <p:grpSpPr>
+        <a:xfrm>
+          <a:off x="0" y="0"/>
+          <a:ext cx="0" cy="0"/>
+          <a:chOff x="0" y="0"/>
+          <a:chExt cx="0" cy="0"/>
+        </a:xfrm>
+      </p:grpSpPr>
+      <p:sp>
+        <p:nvSpPr>
+          <p:cNvPr id="2" name="Title 1">
+            <a:extLst>
+              <a:ext uri="{FF2B5EF4-FFF2-40B4-BE49-F238E27FC236}">
                 <a16:creationId xmlns:a16="http://schemas.microsoft.com/office/drawing/2014/main" id="{4808087A-40EC-41E6-A246-BC46343A4BFC}"/>
               </a:ext>
             </a:extLst>
@@ -16517,7 +17755,7 @@
           <a:p>
             <a:fld id="{0F00D740-55B1-4DC8-A3B5-4535950A93D0}" type="slidenum">
               <a:rPr lang="en-CH" smtClean="0"/>
-              <a:t>29</a:t>
+              <a:t>30</a:t>
             </a:fld>
             <a:endParaRPr lang="en-CH"/>
           </a:p>
@@ -16701,7 +17939,7 @@
 </p:sld>
 </file>
 
-<file path=ppt/slides/slide3.xml><?xml version="1.0" encoding="utf-8"?>
+<file path=ppt/slides/slide31.xml><?xml version="1.0" encoding="utf-8"?>
 <p:sld xmlns:a="http://schemas.openxmlformats.org/drawingml/2006/main" xmlns:r="http://schemas.openxmlformats.org/officeDocument/2006/relationships" xmlns:p="http://schemas.openxmlformats.org/presentationml/2006/main">
   <p:cSld>
     <p:spTree>
@@ -16756,81 +17994,81 @@
             </a:pPr>
             <a:r>
               <a:rPr lang="en-US" b="1" dirty="0" err="1">
+                <a:latin typeface="Arial" panose="020B0604020202020204" pitchFamily="34" charset="0"/>
+                <a:cs typeface="Arial" panose="020B0604020202020204" pitchFamily="34" charset="0"/>
+              </a:rPr>
+              <a:t>Auftrag</a:t>
+            </a:r>
+            <a:br>
+              <a:rPr lang="en-US" b="1" dirty="0">
+                <a:latin typeface="Arial" panose="020B0604020202020204" pitchFamily="34" charset="0"/>
+                <a:cs typeface="Arial" panose="020B0604020202020204" pitchFamily="34" charset="0"/>
+              </a:rPr>
+            </a:br>
+            <a:r>
+              <a:rPr lang="en-US" b="1" dirty="0">
+                <a:latin typeface="Arial" panose="020B0604020202020204" pitchFamily="34" charset="0"/>
+                <a:cs typeface="Arial" panose="020B0604020202020204" pitchFamily="34" charset="0"/>
+              </a:rPr>
+              <a:t>Hardware</a:t>
+            </a:r>
+            <a:br>
+              <a:rPr lang="en-US" b="1" dirty="0">
+                <a:latin typeface="Arial" panose="020B0604020202020204" pitchFamily="34" charset="0"/>
+                <a:cs typeface="Arial" panose="020B0604020202020204" pitchFamily="34" charset="0"/>
+              </a:rPr>
+            </a:br>
+            <a:r>
+              <a:rPr lang="en-US" b="1" dirty="0" err="1">
+                <a:latin typeface="Arial" panose="020B0604020202020204" pitchFamily="34" charset="0"/>
+                <a:cs typeface="Arial" panose="020B0604020202020204" pitchFamily="34" charset="0"/>
+              </a:rPr>
+              <a:t>InfluxDB</a:t>
+            </a:r>
+            <a:br>
+              <a:rPr lang="en-US" b="1" dirty="0">
+                <a:latin typeface="Arial" panose="020B0604020202020204" pitchFamily="34" charset="0"/>
+                <a:cs typeface="Arial" panose="020B0604020202020204" pitchFamily="34" charset="0"/>
+              </a:rPr>
+            </a:br>
+            <a:r>
+              <a:rPr lang="en-US" b="1" dirty="0">
+                <a:latin typeface="Arial" panose="020B0604020202020204" pitchFamily="34" charset="0"/>
+                <a:cs typeface="Arial" panose="020B0604020202020204" pitchFamily="34" charset="0"/>
+              </a:rPr>
+              <a:t>Python </a:t>
+            </a:r>
+            <a:r>
+              <a:rPr lang="en-US" b="1" dirty="0" err="1">
+                <a:latin typeface="Arial" panose="020B0604020202020204" pitchFamily="34" charset="0"/>
+                <a:cs typeface="Arial" panose="020B0604020202020204" pitchFamily="34" charset="0"/>
+              </a:rPr>
+              <a:t>Programm</a:t>
+            </a:r>
+            <a:br>
+              <a:rPr lang="en-US" b="1" dirty="0">
+                <a:latin typeface="Arial" panose="020B0604020202020204" pitchFamily="34" charset="0"/>
+                <a:cs typeface="Arial" panose="020B0604020202020204" pitchFamily="34" charset="0"/>
+              </a:rPr>
+            </a:br>
+            <a:r>
+              <a:rPr lang="en-US" b="1" dirty="0">
+                <a:latin typeface="Arial" panose="020B0604020202020204" pitchFamily="34" charset="0"/>
+                <a:cs typeface="Arial" panose="020B0604020202020204" pitchFamily="34" charset="0"/>
+              </a:rPr>
+              <a:t>Flask Webserver</a:t>
+            </a:r>
+            <a:br>
+              <a:rPr lang="en-US" b="1" dirty="0">
+                <a:latin typeface="Arial" panose="020B0604020202020204" pitchFamily="34" charset="0"/>
+                <a:cs typeface="Arial" panose="020B0604020202020204" pitchFamily="34" charset="0"/>
+              </a:rPr>
+            </a:br>
+            <a:r>
+              <a:rPr lang="en-US" b="1" dirty="0">
                 <a:highlight>
                   <a:srgbClr val="FAE800"/>
                 </a:highlight>
-                <a:latin typeface="Arial" panose="020B0604020202020204" pitchFamily="34" charset="0"/>
-                <a:cs typeface="Arial" panose="020B0604020202020204" pitchFamily="34" charset="0"/>
-              </a:rPr>
-              <a:t>Auftrag</a:t>
-            </a:r>
-            <a:br>
-              <a:rPr lang="en-US" b="1" dirty="0">
-                <a:latin typeface="Arial" panose="020B0604020202020204" pitchFamily="34" charset="0"/>
-                <a:cs typeface="Arial" panose="020B0604020202020204" pitchFamily="34" charset="0"/>
-              </a:rPr>
-            </a:br>
-            <a:r>
-              <a:rPr lang="en-US" b="1" dirty="0">
-                <a:latin typeface="Arial" panose="020B0604020202020204" pitchFamily="34" charset="0"/>
-                <a:cs typeface="Arial" panose="020B0604020202020204" pitchFamily="34" charset="0"/>
-              </a:rPr>
-              <a:t>Hardware</a:t>
-            </a:r>
-            <a:br>
-              <a:rPr lang="en-US" b="1" dirty="0">
-                <a:latin typeface="Arial" panose="020B0604020202020204" pitchFamily="34" charset="0"/>
-                <a:cs typeface="Arial" panose="020B0604020202020204" pitchFamily="34" charset="0"/>
-              </a:rPr>
-            </a:br>
-            <a:r>
-              <a:rPr lang="en-US" b="1" dirty="0" err="1">
-                <a:latin typeface="Arial" panose="020B0604020202020204" pitchFamily="34" charset="0"/>
-                <a:cs typeface="Arial" panose="020B0604020202020204" pitchFamily="34" charset="0"/>
-              </a:rPr>
-              <a:t>InfluxDB</a:t>
-            </a:r>
-            <a:br>
-              <a:rPr lang="en-US" b="1" dirty="0">
-                <a:latin typeface="Arial" panose="020B0604020202020204" pitchFamily="34" charset="0"/>
-                <a:cs typeface="Arial" panose="020B0604020202020204" pitchFamily="34" charset="0"/>
-              </a:rPr>
-            </a:br>
-            <a:r>
-              <a:rPr lang="en-US" b="1" dirty="0">
-                <a:latin typeface="Arial" panose="020B0604020202020204" pitchFamily="34" charset="0"/>
-                <a:cs typeface="Arial" panose="020B0604020202020204" pitchFamily="34" charset="0"/>
-              </a:rPr>
-              <a:t>Python </a:t>
-            </a:r>
-            <a:r>
-              <a:rPr lang="en-US" b="1" dirty="0" err="1">
-                <a:latin typeface="Arial" panose="020B0604020202020204" pitchFamily="34" charset="0"/>
-                <a:cs typeface="Arial" panose="020B0604020202020204" pitchFamily="34" charset="0"/>
-              </a:rPr>
-              <a:t>Programm</a:t>
-            </a:r>
-            <a:br>
-              <a:rPr lang="en-US" b="1" dirty="0">
-                <a:latin typeface="Arial" panose="020B0604020202020204" pitchFamily="34" charset="0"/>
-                <a:cs typeface="Arial" panose="020B0604020202020204" pitchFamily="34" charset="0"/>
-              </a:rPr>
-            </a:br>
-            <a:r>
-              <a:rPr lang="en-US" b="1" dirty="0">
-                <a:latin typeface="Arial" panose="020B0604020202020204" pitchFamily="34" charset="0"/>
-                <a:cs typeface="Arial" panose="020B0604020202020204" pitchFamily="34" charset="0"/>
-              </a:rPr>
-              <a:t>Flask Webserver</a:t>
-            </a:r>
-            <a:br>
-              <a:rPr lang="en-US" b="1" dirty="0">
-                <a:latin typeface="Arial" panose="020B0604020202020204" pitchFamily="34" charset="0"/>
-                <a:cs typeface="Arial" panose="020B0604020202020204" pitchFamily="34" charset="0"/>
-              </a:rPr>
-            </a:br>
-            <a:r>
-              <a:rPr lang="en-US" b="1" dirty="0">
                 <a:latin typeface="Arial" panose="020B0604020202020204" pitchFamily="34" charset="0"/>
                 <a:cs typeface="Arial" panose="020B0604020202020204" pitchFamily="34" charset="0"/>
               </a:rPr>
@@ -16892,229 +18130,7 @@
           <a:p>
             <a:fld id="{0F00D740-55B1-4DC8-A3B5-4535950A93D0}" type="slidenum">
               <a:rPr lang="en-CH" smtClean="0"/>
-              <a:t>3</a:t>
-            </a:fld>
-            <a:endParaRPr lang="en-CH"/>
-          </a:p>
-        </p:txBody>
-      </p:sp>
-    </p:spTree>
-    <p:extLst>
-      <p:ext uri="{BB962C8B-B14F-4D97-AF65-F5344CB8AC3E}">
-        <p14:creationId xmlns:p14="http://schemas.microsoft.com/office/powerpoint/2010/main" val="3155126413"/>
-      </p:ext>
-    </p:extLst>
-  </p:cSld>
-  <p:clrMapOvr>
-    <a:masterClrMapping/>
-  </p:clrMapOvr>
-  <mc:AlternateContent xmlns:mc="http://schemas.openxmlformats.org/markup-compatibility/2006" xmlns:p14="http://schemas.microsoft.com/office/powerpoint/2010/main">
-    <mc:Choice Requires="p14">
-      <p:transition spd="med" p14:dur="700">
-        <p:fade/>
-      </p:transition>
-    </mc:Choice>
-    <mc:Fallback xmlns="">
-      <p:transition spd="med">
-        <p:fade/>
-      </p:transition>
-    </mc:Fallback>
-  </mc:AlternateContent>
-</p:sld>
-</file>
-
-<file path=ppt/slides/slide30.xml><?xml version="1.0" encoding="utf-8"?>
-<p:sld xmlns:a="http://schemas.openxmlformats.org/drawingml/2006/main" xmlns:r="http://schemas.openxmlformats.org/officeDocument/2006/relationships" xmlns:p="http://schemas.openxmlformats.org/presentationml/2006/main">
-  <p:cSld>
-    <p:spTree>
-      <p:nvGrpSpPr>
-        <p:cNvPr id="1" name=""/>
-        <p:cNvGrpSpPr/>
-        <p:nvPr/>
-      </p:nvGrpSpPr>
-      <p:grpSpPr>
-        <a:xfrm>
-          <a:off x="0" y="0"/>
-          <a:ext cx="0" cy="0"/>
-          <a:chOff x="0" y="0"/>
-          <a:chExt cx="0" cy="0"/>
-        </a:xfrm>
-      </p:grpSpPr>
-      <p:sp>
-        <p:nvSpPr>
-          <p:cNvPr id="2" name="Title 1">
-            <a:extLst>
-              <a:ext uri="{FF2B5EF4-FFF2-40B4-BE49-F238E27FC236}">
-                <a16:creationId xmlns:a16="http://schemas.microsoft.com/office/drawing/2014/main" id="{F1AE8F4F-038B-4ABA-A89F-CA33847A9E12}"/>
-              </a:ext>
-            </a:extLst>
-          </p:cNvPr>
-          <p:cNvSpPr>
-            <a:spLocks noGrp="1"/>
-          </p:cNvSpPr>
-          <p:nvPr>
-            <p:ph type="title"/>
-          </p:nvPr>
-        </p:nvSpPr>
-        <p:spPr>
-          <a:xfrm>
-            <a:off x="838200" y="365125"/>
-            <a:ext cx="10515600" cy="5702300"/>
-          </a:xfrm>
-        </p:spPr>
-        <p:txBody>
-          <a:bodyPr>
-            <a:normAutofit fontScale="90000"/>
-          </a:bodyPr>
-          <a:lstStyle/>
-          <a:p>
-            <a:pPr algn="ctr">
-              <a:lnSpc>
-                <a:spcPct val="125000"/>
-              </a:lnSpc>
-              <a:spcBef>
-                <a:spcPts val="0"/>
-              </a:spcBef>
-            </a:pPr>
-            <a:r>
-              <a:rPr lang="en-US" b="1" dirty="0" err="1">
-                <a:latin typeface="Arial" panose="020B0604020202020204" pitchFamily="34" charset="0"/>
-                <a:cs typeface="Arial" panose="020B0604020202020204" pitchFamily="34" charset="0"/>
-              </a:rPr>
-              <a:t>Auftrag</a:t>
-            </a:r>
-            <a:br>
-              <a:rPr lang="en-US" b="1" dirty="0">
-                <a:latin typeface="Arial" panose="020B0604020202020204" pitchFamily="34" charset="0"/>
-                <a:cs typeface="Arial" panose="020B0604020202020204" pitchFamily="34" charset="0"/>
-              </a:rPr>
-            </a:br>
-            <a:r>
-              <a:rPr lang="en-US" b="1" dirty="0">
-                <a:latin typeface="Arial" panose="020B0604020202020204" pitchFamily="34" charset="0"/>
-                <a:cs typeface="Arial" panose="020B0604020202020204" pitchFamily="34" charset="0"/>
-              </a:rPr>
-              <a:t>Hardware</a:t>
-            </a:r>
-            <a:br>
-              <a:rPr lang="en-US" b="1" dirty="0">
-                <a:latin typeface="Arial" panose="020B0604020202020204" pitchFamily="34" charset="0"/>
-                <a:cs typeface="Arial" panose="020B0604020202020204" pitchFamily="34" charset="0"/>
-              </a:rPr>
-            </a:br>
-            <a:r>
-              <a:rPr lang="en-US" b="1" dirty="0" err="1">
-                <a:latin typeface="Arial" panose="020B0604020202020204" pitchFamily="34" charset="0"/>
-                <a:cs typeface="Arial" panose="020B0604020202020204" pitchFamily="34" charset="0"/>
-              </a:rPr>
-              <a:t>InfluxDB</a:t>
-            </a:r>
-            <a:br>
-              <a:rPr lang="en-US" b="1" dirty="0">
-                <a:latin typeface="Arial" panose="020B0604020202020204" pitchFamily="34" charset="0"/>
-                <a:cs typeface="Arial" panose="020B0604020202020204" pitchFamily="34" charset="0"/>
-              </a:rPr>
-            </a:br>
-            <a:r>
-              <a:rPr lang="en-US" b="1" dirty="0">
-                <a:latin typeface="Arial" panose="020B0604020202020204" pitchFamily="34" charset="0"/>
-                <a:cs typeface="Arial" panose="020B0604020202020204" pitchFamily="34" charset="0"/>
-              </a:rPr>
-              <a:t>Python </a:t>
-            </a:r>
-            <a:r>
-              <a:rPr lang="en-US" b="1" dirty="0" err="1">
-                <a:latin typeface="Arial" panose="020B0604020202020204" pitchFamily="34" charset="0"/>
-                <a:cs typeface="Arial" panose="020B0604020202020204" pitchFamily="34" charset="0"/>
-              </a:rPr>
-              <a:t>Programm</a:t>
-            </a:r>
-            <a:br>
-              <a:rPr lang="en-US" b="1" dirty="0">
-                <a:latin typeface="Arial" panose="020B0604020202020204" pitchFamily="34" charset="0"/>
-                <a:cs typeface="Arial" panose="020B0604020202020204" pitchFamily="34" charset="0"/>
-              </a:rPr>
-            </a:br>
-            <a:r>
-              <a:rPr lang="en-US" b="1" dirty="0">
-                <a:latin typeface="Arial" panose="020B0604020202020204" pitchFamily="34" charset="0"/>
-                <a:cs typeface="Arial" panose="020B0604020202020204" pitchFamily="34" charset="0"/>
-              </a:rPr>
-              <a:t>Flask Webserver</a:t>
-            </a:r>
-            <a:br>
-              <a:rPr lang="en-US" b="1" dirty="0">
-                <a:latin typeface="Arial" panose="020B0604020202020204" pitchFamily="34" charset="0"/>
-                <a:cs typeface="Arial" panose="020B0604020202020204" pitchFamily="34" charset="0"/>
-              </a:rPr>
-            </a:br>
-            <a:r>
-              <a:rPr lang="en-US" b="1" dirty="0">
-                <a:highlight>
-                  <a:srgbClr val="FAE800"/>
-                </a:highlight>
-                <a:latin typeface="Arial" panose="020B0604020202020204" pitchFamily="34" charset="0"/>
-                <a:cs typeface="Arial" panose="020B0604020202020204" pitchFamily="34" charset="0"/>
-              </a:rPr>
-              <a:t>GUI Sketch</a:t>
-            </a:r>
-            <a:br>
-              <a:rPr lang="en-US" b="1" dirty="0">
-                <a:latin typeface="Arial" panose="020B0604020202020204" pitchFamily="34" charset="0"/>
-                <a:cs typeface="Arial" panose="020B0604020202020204" pitchFamily="34" charset="0"/>
-              </a:rPr>
-            </a:br>
-            <a:r>
-              <a:rPr lang="en-US" b="1" dirty="0" err="1">
-                <a:latin typeface="Arial" panose="020B0604020202020204" pitchFamily="34" charset="0"/>
-                <a:cs typeface="Arial" panose="020B0604020202020204" pitchFamily="34" charset="0"/>
-              </a:rPr>
-              <a:t>Endresultat</a:t>
-            </a:r>
-            <a:br>
-              <a:rPr lang="en-US" b="1" dirty="0">
-                <a:latin typeface="Arial" panose="020B0604020202020204" pitchFamily="34" charset="0"/>
-                <a:cs typeface="Arial" panose="020B0604020202020204" pitchFamily="34" charset="0"/>
-              </a:rPr>
-            </a:br>
-            <a:r>
-              <a:rPr lang="en-US" b="1" dirty="0" err="1">
-                <a:latin typeface="Arial" panose="020B0604020202020204" pitchFamily="34" charset="0"/>
-                <a:cs typeface="Arial" panose="020B0604020202020204" pitchFamily="34" charset="0"/>
-              </a:rPr>
-              <a:t>Weiterentwicklung</a:t>
-            </a:r>
-            <a:endParaRPr lang="en-CH" b="1" dirty="0">
-              <a:latin typeface="Arial" panose="020B0604020202020204" pitchFamily="34" charset="0"/>
-              <a:cs typeface="Arial" panose="020B0604020202020204" pitchFamily="34" charset="0"/>
-            </a:endParaRPr>
-          </a:p>
-        </p:txBody>
-      </p:sp>
-      <p:sp>
-        <p:nvSpPr>
-          <p:cNvPr id="8" name="Slide Number Placeholder 7">
-            <a:extLst>
-              <a:ext uri="{FF2B5EF4-FFF2-40B4-BE49-F238E27FC236}">
-                <a16:creationId xmlns:a16="http://schemas.microsoft.com/office/drawing/2014/main" id="{E5E3E861-4688-44FC-A05E-E446522B24DD}"/>
-              </a:ext>
-            </a:extLst>
-          </p:cNvPr>
-          <p:cNvSpPr>
-            <a:spLocks noGrp="1"/>
-          </p:cNvSpPr>
-          <p:nvPr>
-            <p:ph type="sldNum" sz="quarter" idx="12"/>
-          </p:nvPr>
-        </p:nvSpPr>
-        <p:spPr/>
-        <p:txBody>
-          <a:bodyPr/>
-          <a:lstStyle/>
-          <a:p>
-            <a:fld id="{0F00D740-55B1-4DC8-A3B5-4535950A93D0}" type="slidenum">
-              <a:rPr lang="en-CH" smtClean="0"/>
-              <a:t>30</a:t>
+              <a:t>31</a:t>
             </a:fld>
             <a:endParaRPr lang="en-CH"/>
           </a:p>
@@ -17145,7 +18161,7 @@
 </p:sld>
 </file>
 
-<file path=ppt/slides/slide31.xml><?xml version="1.0" encoding="utf-8"?>
+<file path=ppt/slides/slide32.xml><?xml version="1.0" encoding="utf-8"?>
 <p:sld xmlns:a="http://schemas.openxmlformats.org/drawingml/2006/main" xmlns:r="http://schemas.openxmlformats.org/officeDocument/2006/relationships" xmlns:p="http://schemas.openxmlformats.org/presentationml/2006/main">
   <p:cSld>
     <p:spTree>
@@ -17274,7 +18290,7 @@
           <a:p>
             <a:fld id="{0F00D740-55B1-4DC8-A3B5-4535950A93D0}" type="slidenum">
               <a:rPr lang="en-CH" smtClean="0"/>
-              <a:t>31</a:t>
+              <a:t>32</a:t>
             </a:fld>
             <a:endParaRPr lang="en-CH"/>
           </a:p>
@@ -17458,7 +18474,7 @@
 </p:sld>
 </file>
 
-<file path=ppt/slides/slide32.xml><?xml version="1.0" encoding="utf-8"?>
+<file path=ppt/slides/slide33.xml><?xml version="1.0" encoding="utf-8"?>
 <p:sld xmlns:a="http://schemas.openxmlformats.org/drawingml/2006/main" xmlns:r="http://schemas.openxmlformats.org/officeDocument/2006/relationships" xmlns:p="http://schemas.openxmlformats.org/presentationml/2006/main">
   <p:cSld>
     <p:spTree>
@@ -17587,7 +18603,7 @@
           <a:p>
             <a:fld id="{0F00D740-55B1-4DC8-A3B5-4535950A93D0}" type="slidenum">
               <a:rPr lang="en-CH" smtClean="0"/>
-              <a:t>32</a:t>
+              <a:t>33</a:t>
             </a:fld>
             <a:endParaRPr lang="en-CH"/>
           </a:p>
@@ -17771,7 +18787,7 @@
 </p:sld>
 </file>
 
-<file path=ppt/slides/slide33.xml><?xml version="1.0" encoding="utf-8"?>
+<file path=ppt/slides/slide34.xml><?xml version="1.0" encoding="utf-8"?>
 <p:sld xmlns:a="http://schemas.openxmlformats.org/drawingml/2006/main" xmlns:r="http://schemas.openxmlformats.org/officeDocument/2006/relationships" xmlns:p="http://schemas.openxmlformats.org/presentationml/2006/main">
   <p:cSld>
     <p:spTree>
@@ -17900,7 +18916,7 @@
           <a:p>
             <a:fld id="{0F00D740-55B1-4DC8-A3B5-4535950A93D0}" type="slidenum">
               <a:rPr lang="en-CH" smtClean="0"/>
-              <a:t>33</a:t>
+              <a:t>34</a:t>
             </a:fld>
             <a:endParaRPr lang="en-CH"/>
           </a:p>
@@ -18084,7 +19100,7 @@
 </p:sld>
 </file>
 
-<file path=ppt/slides/slide34.xml><?xml version="1.0" encoding="utf-8"?>
+<file path=ppt/slides/slide35.xml><?xml version="1.0" encoding="utf-8"?>
 <p:sld xmlns:a="http://schemas.openxmlformats.org/drawingml/2006/main" xmlns:r="http://schemas.openxmlformats.org/officeDocument/2006/relationships" xmlns:p="http://schemas.openxmlformats.org/presentationml/2006/main">
   <p:cSld>
     <p:spTree>
@@ -18275,7 +19291,7 @@
           <a:p>
             <a:fld id="{0F00D740-55B1-4DC8-A3B5-4535950A93D0}" type="slidenum">
               <a:rPr lang="en-CH" smtClean="0"/>
-              <a:t>34</a:t>
+              <a:t>35</a:t>
             </a:fld>
             <a:endParaRPr lang="en-CH"/>
           </a:p>
@@ -18306,7 +19322,7 @@
 </p:sld>
 </file>
 
-<file path=ppt/slides/slide35.xml><?xml version="1.0" encoding="utf-8"?>
+<file path=ppt/slides/slide36.xml><?xml version="1.0" encoding="utf-8"?>
 <p:sld xmlns:a="http://schemas.openxmlformats.org/drawingml/2006/main" xmlns:r="http://schemas.openxmlformats.org/officeDocument/2006/relationships" xmlns:p="http://schemas.openxmlformats.org/presentationml/2006/main">
   <p:cSld>
     <p:spTree>
@@ -18393,7 +19409,7 @@
           <a:p>
             <a:fld id="{0F00D740-55B1-4DC8-A3B5-4535950A93D0}" type="slidenum">
               <a:rPr lang="en-CH" smtClean="0"/>
-              <a:t>35</a:t>
+              <a:t>36</a:t>
             </a:fld>
             <a:endParaRPr lang="en-CH"/>
           </a:p>
@@ -18903,7 +19919,7 @@
 </p:sld>
 </file>
 
-<file path=ppt/slides/slide36.xml><?xml version="1.0" encoding="utf-8"?>
+<file path=ppt/slides/slide37.xml><?xml version="1.0" encoding="utf-8"?>
 <p:sld xmlns:a="http://schemas.openxmlformats.org/drawingml/2006/main" xmlns:r="http://schemas.openxmlformats.org/officeDocument/2006/relationships" xmlns:p="http://schemas.openxmlformats.org/presentationml/2006/main">
   <p:cSld>
     <p:spTree>
@@ -19097,7 +20113,7 @@
           <a:p>
             <a:fld id="{0F00D740-55B1-4DC8-A3B5-4535950A93D0}" type="slidenum">
               <a:rPr lang="en-CH" smtClean="0"/>
-              <a:t>36</a:t>
+              <a:t>37</a:t>
             </a:fld>
             <a:endParaRPr lang="en-CH"/>
           </a:p>
@@ -19128,7 +20144,7 @@
 </p:sld>
 </file>
 
-<file path=ppt/slides/slide37.xml><?xml version="1.0" encoding="utf-8"?>
+<file path=ppt/slides/slide38.xml><?xml version="1.0" encoding="utf-8"?>
 <p:sld xmlns:a="http://schemas.openxmlformats.org/drawingml/2006/main" xmlns:r="http://schemas.openxmlformats.org/officeDocument/2006/relationships" xmlns:p="http://schemas.openxmlformats.org/presentationml/2006/main">
   <p:cSld>
     <p:spTree>
@@ -19341,7 +20357,7 @@
           <a:p>
             <a:fld id="{0F00D740-55B1-4DC8-A3B5-4535950A93D0}" type="slidenum">
               <a:rPr lang="en-CH" smtClean="0"/>
-              <a:t>37</a:t>
+              <a:t>38</a:t>
             </a:fld>
             <a:endParaRPr lang="en-CH"/>
           </a:p>
@@ -19525,7 +20541,7 @@
 </p:sld>
 </file>
 
-<file path=ppt/slides/slide38.xml><?xml version="1.0" encoding="utf-8"?>
+<file path=ppt/slides/slide39.xml><?xml version="1.0" encoding="utf-8"?>
 <p:sld xmlns:a="http://schemas.openxmlformats.org/drawingml/2006/main" xmlns:r="http://schemas.openxmlformats.org/officeDocument/2006/relationships" xmlns:p="http://schemas.openxmlformats.org/presentationml/2006/main">
   <p:cSld>
     <p:spTree>

--- a/Powerpoint v3.pptx
+++ b/Powerpoint v3.pptx
@@ -5,7 +5,7 @@
     <p:sldMasterId id="2147483648" r:id="rId1"/>
   </p:sldMasterIdLst>
   <p:notesMasterIdLst>
-    <p:notesMasterId r:id="rId41"/>
+    <p:notesMasterId r:id="rId42"/>
   </p:notesMasterIdLst>
   <p:sldIdLst>
     <p:sldId id="256" r:id="rId2"/>
@@ -32,21 +32,22 @@
     <p:sldId id="300" r:id="rId23"/>
     <p:sldId id="278" r:id="rId24"/>
     <p:sldId id="279" r:id="rId25"/>
-    <p:sldId id="302" r:id="rId26"/>
-    <p:sldId id="291" r:id="rId27"/>
-    <p:sldId id="267" r:id="rId28"/>
-    <p:sldId id="282" r:id="rId29"/>
-    <p:sldId id="304" r:id="rId30"/>
-    <p:sldId id="281" r:id="rId31"/>
-    <p:sldId id="292" r:id="rId32"/>
-    <p:sldId id="269" r:id="rId33"/>
-    <p:sldId id="284" r:id="rId34"/>
-    <p:sldId id="285" r:id="rId35"/>
-    <p:sldId id="293" r:id="rId36"/>
-    <p:sldId id="271" r:id="rId37"/>
-    <p:sldId id="294" r:id="rId38"/>
-    <p:sldId id="283" r:id="rId39"/>
-    <p:sldId id="286" r:id="rId40"/>
+    <p:sldId id="307" r:id="rId26"/>
+    <p:sldId id="302" r:id="rId27"/>
+    <p:sldId id="291" r:id="rId28"/>
+    <p:sldId id="267" r:id="rId29"/>
+    <p:sldId id="282" r:id="rId30"/>
+    <p:sldId id="304" r:id="rId31"/>
+    <p:sldId id="281" r:id="rId32"/>
+    <p:sldId id="292" r:id="rId33"/>
+    <p:sldId id="269" r:id="rId34"/>
+    <p:sldId id="284" r:id="rId35"/>
+    <p:sldId id="285" r:id="rId36"/>
+    <p:sldId id="293" r:id="rId37"/>
+    <p:sldId id="271" r:id="rId38"/>
+    <p:sldId id="294" r:id="rId39"/>
+    <p:sldId id="283" r:id="rId40"/>
+    <p:sldId id="286" r:id="rId41"/>
   </p:sldIdLst>
   <p:sldSz cx="12192000" cy="6858000"/>
   <p:notesSz cx="6858000" cy="9144000"/>
@@ -194,6 +195,7 @@
             <p14:sldId id="300"/>
             <p14:sldId id="278"/>
             <p14:sldId id="279"/>
+            <p14:sldId id="307"/>
             <p14:sldId id="302"/>
           </p14:sldIdLst>
         </p14:section>
@@ -636,7 +638,7 @@
           <a:p>
             <a:fld id="{6653C7EC-378C-496A-9946-B9D0B56795BD}" type="datetimeFigureOut">
               <a:rPr lang="en-CH" smtClean="0"/>
-              <a:t>01/23/2022</a:t>
+              <a:t>01/24/2022</a:t>
             </a:fld>
             <a:endParaRPr lang="en-CH"/>
           </a:p>
@@ -904,6 +906,107 @@
 </p:notesMaster>
 </file>
 
+<file path=ppt/notesSlides/notesSlide1.xml><?xml version="1.0" encoding="utf-8"?>
+<p:notes xmlns:a="http://schemas.openxmlformats.org/drawingml/2006/main" xmlns:r="http://schemas.openxmlformats.org/officeDocument/2006/relationships" xmlns:p="http://schemas.openxmlformats.org/presentationml/2006/main">
+  <p:cSld>
+    <p:spTree>
+      <p:nvGrpSpPr>
+        <p:cNvPr id="1" name=""/>
+        <p:cNvGrpSpPr/>
+        <p:nvPr/>
+      </p:nvGrpSpPr>
+      <p:grpSpPr>
+        <a:xfrm>
+          <a:off x="0" y="0"/>
+          <a:ext cx="0" cy="0"/>
+          <a:chOff x="0" y="0"/>
+          <a:chExt cx="0" cy="0"/>
+        </a:xfrm>
+      </p:grpSpPr>
+      <p:sp>
+        <p:nvSpPr>
+          <p:cNvPr id="2" name="Folienbildplatzhalter 1"/>
+          <p:cNvSpPr>
+            <a:spLocks noGrp="1" noRot="1" noChangeAspect="1"/>
+          </p:cNvSpPr>
+          <p:nvPr>
+            <p:ph type="sldImg"/>
+          </p:nvPr>
+        </p:nvSpPr>
+        <p:spPr/>
+      </p:sp>
+      <p:sp>
+        <p:nvSpPr>
+          <p:cNvPr id="3" name="Notizenplatzhalter 2"/>
+          <p:cNvSpPr>
+            <a:spLocks noGrp="1"/>
+          </p:cNvSpPr>
+          <p:nvPr>
+            <p:ph type="body" idx="1"/>
+          </p:nvPr>
+        </p:nvSpPr>
+        <p:spPr/>
+        <p:txBody>
+          <a:bodyPr/>
+          <a:lstStyle/>
+          <a:p>
+            <a:pPr marL="0" marR="0" lvl="0" indent="0" algn="l" defTabSz="914400" rtl="0" eaLnBrk="1" fontAlgn="auto" latinLnBrk="0" hangingPunct="1">
+              <a:lnSpc>
+                <a:spcPct val="100000"/>
+              </a:lnSpc>
+              <a:spcBef>
+                <a:spcPts val="0"/>
+              </a:spcBef>
+              <a:spcAft>
+                <a:spcPts val="0"/>
+              </a:spcAft>
+              <a:buClrTx/>
+              <a:buSzTx/>
+              <a:buFontTx/>
+              <a:buNone/>
+              <a:tabLst/>
+              <a:defRPr/>
+            </a:pPr>
+            <a:endParaRPr lang="en-US" dirty="0"/>
+          </a:p>
+        </p:txBody>
+      </p:sp>
+      <p:sp>
+        <p:nvSpPr>
+          <p:cNvPr id="4" name="Foliennummernplatzhalter 3"/>
+          <p:cNvSpPr>
+            <a:spLocks noGrp="1"/>
+          </p:cNvSpPr>
+          <p:nvPr>
+            <p:ph type="sldNum" sz="quarter" idx="5"/>
+          </p:nvPr>
+        </p:nvSpPr>
+        <p:spPr/>
+        <p:txBody>
+          <a:bodyPr/>
+          <a:lstStyle/>
+          <a:p>
+            <a:fld id="{D4CE1BAB-7B68-4C87-8549-54F078DDFB49}" type="slidenum">
+              <a:rPr lang="en-CH" smtClean="0"/>
+              <a:t>25</a:t>
+            </a:fld>
+            <a:endParaRPr lang="en-CH"/>
+          </a:p>
+        </p:txBody>
+      </p:sp>
+    </p:spTree>
+    <p:extLst>
+      <p:ext uri="{BB962C8B-B14F-4D97-AF65-F5344CB8AC3E}">
+        <p14:creationId xmlns:p14="http://schemas.microsoft.com/office/powerpoint/2010/main" val="3464812281"/>
+      </p:ext>
+    </p:extLst>
+  </p:cSld>
+  <p:clrMapOvr>
+    <a:masterClrMapping/>
+  </p:clrMapOvr>
+</p:notes>
+</file>
+
 <file path=ppt/slideLayouts/slideLayout1.xml><?xml version="1.0" encoding="utf-8"?>
 <p:sldLayout xmlns:a="http://schemas.openxmlformats.org/drawingml/2006/main" xmlns:r="http://schemas.openxmlformats.org/officeDocument/2006/relationships" xmlns:p="http://schemas.openxmlformats.org/presentationml/2006/main" type="title" preserve="1">
   <p:cSld name="Title Slide">
@@ -1053,7 +1156,7 @@
           <a:p>
             <a:fld id="{D71E13D6-B070-45C8-AC42-90F25AD4976F}" type="datetime8">
               <a:rPr lang="en-CH" smtClean="0"/>
-              <a:t>01/23/2022 09:43</a:t>
+              <a:t>01/24/2022 11:16</a:t>
             </a:fld>
             <a:endParaRPr lang="en-CH"/>
           </a:p>
@@ -1253,7 +1356,7 @@
           <a:p>
             <a:fld id="{34C1AEE4-2DCF-4A66-9927-6F783BB52BE0}" type="datetime8">
               <a:rPr lang="en-CH" smtClean="0"/>
-              <a:t>01/23/2022 09:43</a:t>
+              <a:t>01/24/2022 11:16</a:t>
             </a:fld>
             <a:endParaRPr lang="en-CH"/>
           </a:p>
@@ -1463,7 +1566,7 @@
           <a:p>
             <a:fld id="{C4C13A0D-7035-4256-BB1C-652F6CDC1D82}" type="datetime8">
               <a:rPr lang="en-CH" smtClean="0"/>
-              <a:t>01/23/2022 09:43</a:t>
+              <a:t>01/24/2022 11:16</a:t>
             </a:fld>
             <a:endParaRPr lang="en-CH"/>
           </a:p>
@@ -1663,7 +1766,7 @@
           <a:p>
             <a:fld id="{A720F8AA-53F4-4181-BD2C-7354613DB587}" type="datetime8">
               <a:rPr lang="en-CH" smtClean="0"/>
-              <a:t>01/23/2022 09:43</a:t>
+              <a:t>01/24/2022 11:16</a:t>
             </a:fld>
             <a:endParaRPr lang="en-CH"/>
           </a:p>
@@ -1939,7 +2042,7 @@
           <a:p>
             <a:fld id="{18ED5C57-181E-4E8A-8032-E5587C441532}" type="datetime8">
               <a:rPr lang="en-CH" smtClean="0"/>
-              <a:t>01/23/2022 09:43</a:t>
+              <a:t>01/24/2022 11:16</a:t>
             </a:fld>
             <a:endParaRPr lang="en-CH"/>
           </a:p>
@@ -2207,7 +2310,7 @@
           <a:p>
             <a:fld id="{2711B6E1-EBCF-4960-9E94-A2CE4CEDA9CF}" type="datetime8">
               <a:rPr lang="en-CH" smtClean="0"/>
-              <a:t>01/23/2022 09:43</a:t>
+              <a:t>01/24/2022 11:16</a:t>
             </a:fld>
             <a:endParaRPr lang="en-CH"/>
           </a:p>
@@ -2622,7 +2725,7 @@
           <a:p>
             <a:fld id="{60888D22-8975-4143-BBCD-F78A0E3504A0}" type="datetime8">
               <a:rPr lang="en-CH" smtClean="0"/>
-              <a:t>01/23/2022 09:43</a:t>
+              <a:t>01/24/2022 11:16</a:t>
             </a:fld>
             <a:endParaRPr lang="en-CH"/>
           </a:p>
@@ -2764,7 +2867,7 @@
           <a:p>
             <a:fld id="{CB62F5ED-9834-4FF8-A8E6-FE85BE4A88B6}" type="datetime8">
               <a:rPr lang="en-CH" smtClean="0"/>
-              <a:t>01/23/2022 09:43</a:t>
+              <a:t>01/24/2022 11:16</a:t>
             </a:fld>
             <a:endParaRPr lang="en-CH"/>
           </a:p>
@@ -2877,7 +2980,7 @@
           <a:p>
             <a:fld id="{91C4E595-669A-4DA7-8755-75BCB1DD65E9}" type="datetime8">
               <a:rPr lang="en-CH" smtClean="0"/>
-              <a:t>01/23/2022 09:43</a:t>
+              <a:t>01/24/2022 11:16</a:t>
             </a:fld>
             <a:endParaRPr lang="en-CH"/>
           </a:p>
@@ -3190,7 +3293,7 @@
           <a:p>
             <a:fld id="{1D3E9293-092D-4F3B-852B-B7B73C73F1F9}" type="datetime8">
               <a:rPr lang="en-CH" smtClean="0"/>
-              <a:t>01/23/2022 09:43</a:t>
+              <a:t>01/24/2022 11:16</a:t>
             </a:fld>
             <a:endParaRPr lang="en-CH"/>
           </a:p>
@@ -3479,7 +3582,7 @@
           <a:p>
             <a:fld id="{72DA9548-12AA-4712-AB6D-8087536C3BD4}" type="datetime8">
               <a:rPr lang="en-CH" smtClean="0"/>
-              <a:t>01/23/2022 09:43</a:t>
+              <a:t>01/24/2022 11:16</a:t>
             </a:fld>
             <a:endParaRPr lang="en-CH"/>
           </a:p>
@@ -3722,7 +3825,7 @@
           <a:p>
             <a:fld id="{361E5043-500B-4A06-A6BE-2D713F12E4A2}" type="datetime8">
               <a:rPr lang="en-CH" smtClean="0"/>
-              <a:t>01/23/2022 09:43</a:t>
+              <a:t>01/24/2022 11:16</a:t>
             </a:fld>
             <a:endParaRPr lang="en-CH"/>
           </a:p>
@@ -4340,7 +4443,7 @@
                 </a:lnSpc>
               </a:pPr>
               <a:r>
-                <a:rPr lang="en-US" sz="900" b="1">
+                <a:rPr lang="en-US" sz="900" b="1" dirty="0" err="1">
                   <a:solidFill>
                     <a:srgbClr val="44546A"/>
                   </a:solidFill>
@@ -4349,9 +4452,33 @@
                   <a:ea typeface="Times New Roman" panose="02020603050405020304" pitchFamily="18" charset="0"/>
                   <a:cs typeface="Times New Roman" panose="02020603050405020304" pitchFamily="18" charset="0"/>
                 </a:rPr>
-                <a:t>Fachhochschule Nordwestschweiz</a:t>
+                <a:t>Fachhochschule</a:t>
               </a:r>
-              <a:endParaRPr lang="en-CH" sz="1400" b="1">
+              <a:r>
+                <a:rPr lang="en-US" sz="900" b="1" dirty="0">
+                  <a:solidFill>
+                    <a:srgbClr val="44546A"/>
+                  </a:solidFill>
+                  <a:effectLst/>
+                  <a:latin typeface="Calibri" panose="020F0502020204030204" pitchFamily="34" charset="0"/>
+                  <a:ea typeface="Times New Roman" panose="02020603050405020304" pitchFamily="18" charset="0"/>
+                  <a:cs typeface="Times New Roman" panose="02020603050405020304" pitchFamily="18" charset="0"/>
+                </a:rPr>
+                <a:t> </a:t>
+              </a:r>
+              <a:r>
+                <a:rPr lang="en-US" sz="900" b="1" dirty="0" err="1">
+                  <a:solidFill>
+                    <a:srgbClr val="44546A"/>
+                  </a:solidFill>
+                  <a:effectLst/>
+                  <a:latin typeface="Calibri" panose="020F0502020204030204" pitchFamily="34" charset="0"/>
+                  <a:ea typeface="Times New Roman" panose="02020603050405020304" pitchFamily="18" charset="0"/>
+                  <a:cs typeface="Times New Roman" panose="02020603050405020304" pitchFamily="18" charset="0"/>
+                </a:rPr>
+                <a:t>Nordwestschweiz</a:t>
+              </a:r>
+              <a:endParaRPr lang="en-CH" sz="1400" b="1" dirty="0">
                 <a:solidFill>
                   <a:srgbClr val="44546A"/>
                 </a:solidFill>
@@ -4368,7 +4495,7 @@
                 </a:lnSpc>
               </a:pPr>
               <a:r>
-                <a:rPr lang="en-US" sz="900" b="1">
+                <a:rPr lang="en-US" sz="900" b="1" dirty="0">
                   <a:solidFill>
                     <a:srgbClr val="44546A"/>
                   </a:solidFill>
@@ -4379,7 +4506,7 @@
                 </a:rPr>
                 <a:t>Hochschule für Technik</a:t>
               </a:r>
-              <a:endParaRPr lang="en-CH" sz="1400" b="1">
+              <a:endParaRPr lang="en-CH" sz="1400" b="1" dirty="0">
                 <a:solidFill>
                   <a:srgbClr val="44546A"/>
                 </a:solidFill>
@@ -5258,15 +5385,7 @@
           <a:p>
             <a:r>
               <a:rPr lang="en-US" dirty="0"/>
-              <a:t>Routing </a:t>
-            </a:r>
-            <a:r>
-              <a:rPr lang="en-US" dirty="0" err="1"/>
-              <a:t>vom</a:t>
-            </a:r>
-            <a:r>
-              <a:rPr lang="en-US" dirty="0"/>
-              <a:t> Webserver</a:t>
+              <a:t>Routing des Webservers</a:t>
             </a:r>
           </a:p>
           <a:p>
@@ -6266,15 +6385,7 @@
             </a:r>
             <a:r>
               <a:rPr lang="en-US" dirty="0" err="1"/>
-              <a:t>ist</a:t>
-            </a:r>
-            <a:r>
-              <a:rPr lang="en-US" dirty="0"/>
-              <a:t> </a:t>
-            </a:r>
-            <a:r>
-              <a:rPr lang="en-US" dirty="0" err="1"/>
-              <a:t>eine</a:t>
+              <a:t>Hilfsfunktionen</a:t>
             </a:r>
             <a:r>
               <a:rPr lang="en-US" dirty="0"/>
@@ -8130,13 +8241,13 @@
   <p:clrMapOvr>
     <a:masterClrMapping/>
   </p:clrMapOvr>
-  <mc:AlternateContent xmlns:mc="http://schemas.openxmlformats.org/markup-compatibility/2006">
-    <mc:Choice xmlns:p14="http://schemas.microsoft.com/office/powerpoint/2010/main" Requires="p14">
+  <mc:AlternateContent xmlns:mc="http://schemas.openxmlformats.org/markup-compatibility/2006" xmlns:p14="http://schemas.microsoft.com/office/powerpoint/2010/main">
+    <mc:Choice Requires="p14">
       <p:transition spd="med" p14:dur="700">
         <p:fade/>
       </p:transition>
     </mc:Choice>
-    <mc:Fallback>
+    <mc:Fallback xmlns="">
       <p:transition spd="med">
         <p:fade/>
       </p:transition>
@@ -8936,13 +9047,13 @@
   <p:clrMapOvr>
     <a:masterClrMapping/>
   </p:clrMapOvr>
-  <mc:AlternateContent xmlns:mc="http://schemas.openxmlformats.org/markup-compatibility/2006">
-    <mc:Choice xmlns:p14="http://schemas.microsoft.com/office/powerpoint/2010/main" Requires="p14">
+  <mc:AlternateContent xmlns:mc="http://schemas.openxmlformats.org/markup-compatibility/2006" xmlns:p14="http://schemas.microsoft.com/office/powerpoint/2010/main">
+    <mc:Choice Requires="p14">
       <p:transition spd="med" p14:dur="700">
         <p:fade/>
       </p:transition>
     </mc:Choice>
-    <mc:Fallback>
+    <mc:Fallback xmlns="">
       <p:transition spd="med">
         <p:fade/>
       </p:transition>
@@ -14803,6 +14914,314 @@
               </a:rPr>
             </a:br>
             <a:r>
+              <a:rPr lang="en-US" sz="3600" i="1" dirty="0">
+                <a:latin typeface="Arial" panose="020B0604020202020204" pitchFamily="34" charset="0"/>
+                <a:cs typeface="Arial" panose="020B0604020202020204" pitchFamily="34" charset="0"/>
+              </a:rPr>
+              <a:t>Config File</a:t>
+            </a:r>
+            <a:endParaRPr lang="en-CH" dirty="0"/>
+          </a:p>
+        </p:txBody>
+      </p:sp>
+      <p:sp>
+        <p:nvSpPr>
+          <p:cNvPr id="4" name="Slide Number Placeholder 3">
+            <a:extLst>
+              <a:ext uri="{FF2B5EF4-FFF2-40B4-BE49-F238E27FC236}">
+                <a16:creationId xmlns:a16="http://schemas.microsoft.com/office/drawing/2014/main" id="{25E7D99B-055F-46C1-9ED3-2255A4486B53}"/>
+              </a:ext>
+            </a:extLst>
+          </p:cNvPr>
+          <p:cNvSpPr>
+            <a:spLocks noGrp="1"/>
+          </p:cNvSpPr>
+          <p:nvPr>
+            <p:ph type="sldNum" sz="quarter" idx="12"/>
+          </p:nvPr>
+        </p:nvSpPr>
+        <p:spPr/>
+        <p:txBody>
+          <a:bodyPr/>
+          <a:lstStyle/>
+          <a:p>
+            <a:fld id="{0F00D740-55B1-4DC8-A3B5-4535950A93D0}" type="slidenum">
+              <a:rPr lang="en-CH" smtClean="0"/>
+              <a:t>25</a:t>
+            </a:fld>
+            <a:endParaRPr lang="en-CH"/>
+          </a:p>
+        </p:txBody>
+      </p:sp>
+      <p:grpSp>
+        <p:nvGrpSpPr>
+          <p:cNvPr id="5" name="Group 4">
+            <a:extLst>
+              <a:ext uri="{FF2B5EF4-FFF2-40B4-BE49-F238E27FC236}">
+                <a16:creationId xmlns:a16="http://schemas.microsoft.com/office/drawing/2014/main" id="{4EC58CAD-48B2-4835-9E3B-91425F5E9895}"/>
+              </a:ext>
+            </a:extLst>
+          </p:cNvPr>
+          <p:cNvGrpSpPr/>
+          <p:nvPr/>
+        </p:nvGrpSpPr>
+        <p:grpSpPr>
+          <a:xfrm>
+            <a:off x="8990330" y="5808980"/>
+            <a:ext cx="3774440" cy="764540"/>
+            <a:chOff x="8990330" y="5808980"/>
+            <a:chExt cx="3774440" cy="764540"/>
+          </a:xfrm>
+        </p:grpSpPr>
+        <p:pic>
+          <p:nvPicPr>
+            <p:cNvPr id="6" name="Picture 5">
+              <a:extLst>
+                <a:ext uri="{FF2B5EF4-FFF2-40B4-BE49-F238E27FC236}">
+                  <a16:creationId xmlns:a16="http://schemas.microsoft.com/office/drawing/2014/main" id="{022721ED-DE7C-4BE7-8FB8-448D5A1D2FA3}"/>
+                </a:ext>
+              </a:extLst>
+            </p:cNvPr>
+            <p:cNvPicPr>
+              <a:picLocks noChangeAspect="1"/>
+            </p:cNvPicPr>
+            <p:nvPr/>
+          </p:nvPicPr>
+          <p:blipFill>
+            <a:blip r:embed="rId3" cstate="print">
+              <a:extLst>
+                <a:ext uri="{28A0092B-C50C-407E-A947-70E740481C1C}">
+                  <a14:useLocalDpi xmlns:a14="http://schemas.microsoft.com/office/drawing/2010/main" val="0"/>
+                </a:ext>
+              </a:extLst>
+            </a:blip>
+            <a:srcRect/>
+            <a:stretch>
+              <a:fillRect/>
+            </a:stretch>
+          </p:blipFill>
+          <p:spPr bwMode="auto">
+            <a:xfrm>
+              <a:off x="8990330" y="5808980"/>
+              <a:ext cx="942340" cy="558800"/>
+            </a:xfrm>
+            <a:prstGeom prst="rect">
+              <a:avLst/>
+            </a:prstGeom>
+            <a:noFill/>
+            <a:ln>
+              <a:noFill/>
+            </a:ln>
+          </p:spPr>
+        </p:pic>
+        <p:sp>
+          <p:nvSpPr>
+            <p:cNvPr id="7" name="Text Box 11">
+              <a:extLst>
+                <a:ext uri="{FF2B5EF4-FFF2-40B4-BE49-F238E27FC236}">
+                  <a16:creationId xmlns:a16="http://schemas.microsoft.com/office/drawing/2014/main" id="{D3B6ED79-9CCE-4997-8EDA-DFDF7934B22B}"/>
+                </a:ext>
+              </a:extLst>
+            </p:cNvPr>
+            <p:cNvSpPr txBox="1"/>
+            <p:nvPr/>
+          </p:nvSpPr>
+          <p:spPr>
+            <a:xfrm>
+              <a:off x="9999980" y="5923280"/>
+              <a:ext cx="2764790" cy="650240"/>
+            </a:xfrm>
+            <a:prstGeom prst="rect">
+              <a:avLst/>
+            </a:prstGeom>
+            <a:noFill/>
+            <a:ln w="6350">
+              <a:noFill/>
+            </a:ln>
+          </p:spPr>
+          <p:txBody>
+            <a:bodyPr rot="0" spcFirstLastPara="0" vert="horz" wrap="square" lIns="91440" tIns="45720" rIns="91440" bIns="45720" numCol="1" spcCol="0" rtlCol="0" fromWordArt="0" anchor="t" anchorCtr="0" forceAA="0" compatLnSpc="1">
+              <a:prstTxWarp prst="textNoShape">
+                <a:avLst/>
+              </a:prstTxWarp>
+              <a:noAutofit/>
+            </a:bodyPr>
+            <a:lstStyle/>
+            <a:p>
+              <a:pPr>
+                <a:lnSpc>
+                  <a:spcPct val="115000"/>
+                </a:lnSpc>
+              </a:pPr>
+              <a:r>
+                <a:rPr lang="en-US" sz="900" b="1">
+                  <a:solidFill>
+                    <a:srgbClr val="44546A"/>
+                  </a:solidFill>
+                  <a:effectLst/>
+                  <a:latin typeface="Calibri" panose="020F0502020204030204" pitchFamily="34" charset="0"/>
+                  <a:ea typeface="Times New Roman" panose="02020603050405020304" pitchFamily="18" charset="0"/>
+                  <a:cs typeface="Times New Roman" panose="02020603050405020304" pitchFamily="18" charset="0"/>
+                </a:rPr>
+                <a:t>Fachhochschule Nordwestschweiz</a:t>
+              </a:r>
+              <a:endParaRPr lang="en-CH" sz="1400" b="1">
+                <a:solidFill>
+                  <a:srgbClr val="44546A"/>
+                </a:solidFill>
+                <a:effectLst/>
+                <a:latin typeface="Calibri" panose="020F0502020204030204" pitchFamily="34" charset="0"/>
+                <a:ea typeface="Times New Roman" panose="02020603050405020304" pitchFamily="18" charset="0"/>
+                <a:cs typeface="Times New Roman" panose="02020603050405020304" pitchFamily="18" charset="0"/>
+              </a:endParaRPr>
+            </a:p>
+            <a:p>
+              <a:pPr>
+                <a:lnSpc>
+                  <a:spcPct val="115000"/>
+                </a:lnSpc>
+              </a:pPr>
+              <a:r>
+                <a:rPr lang="en-US" sz="900" b="1">
+                  <a:solidFill>
+                    <a:srgbClr val="44546A"/>
+                  </a:solidFill>
+                  <a:effectLst/>
+                  <a:latin typeface="Calibri" panose="020F0502020204030204" pitchFamily="34" charset="0"/>
+                  <a:ea typeface="Times New Roman" panose="02020603050405020304" pitchFamily="18" charset="0"/>
+                  <a:cs typeface="Times New Roman" panose="02020603050405020304" pitchFamily="18" charset="0"/>
+                </a:rPr>
+                <a:t>Hochschule für Technik</a:t>
+              </a:r>
+              <a:endParaRPr lang="en-CH" sz="1400" b="1">
+                <a:solidFill>
+                  <a:srgbClr val="44546A"/>
+                </a:solidFill>
+                <a:effectLst/>
+                <a:latin typeface="Calibri" panose="020F0502020204030204" pitchFamily="34" charset="0"/>
+                <a:ea typeface="Times New Roman" panose="02020603050405020304" pitchFamily="18" charset="0"/>
+                <a:cs typeface="Times New Roman" panose="02020603050405020304" pitchFamily="18" charset="0"/>
+              </a:endParaRPr>
+            </a:p>
+          </p:txBody>
+        </p:sp>
+      </p:grpSp>
+      <p:pic>
+        <p:nvPicPr>
+          <p:cNvPr id="23" name="Grafik 22">
+            <a:extLst>
+              <a:ext uri="{FF2B5EF4-FFF2-40B4-BE49-F238E27FC236}">
+                <a16:creationId xmlns:a16="http://schemas.microsoft.com/office/drawing/2014/main" id="{2DFEB5A6-4297-4994-911A-231A175D8191}"/>
+              </a:ext>
+            </a:extLst>
+          </p:cNvPr>
+          <p:cNvPicPr>
+            <a:picLocks noChangeAspect="1"/>
+          </p:cNvPicPr>
+          <p:nvPr/>
+        </p:nvPicPr>
+        <p:blipFill>
+          <a:blip r:embed="rId4"/>
+          <a:stretch>
+            <a:fillRect/>
+          </a:stretch>
+        </p:blipFill>
+        <p:spPr>
+          <a:xfrm>
+            <a:off x="983593" y="1528252"/>
+            <a:ext cx="7492562" cy="4560128"/>
+          </a:xfrm>
+          <a:prstGeom prst="rect">
+            <a:avLst/>
+          </a:prstGeom>
+        </p:spPr>
+      </p:pic>
+    </p:spTree>
+    <p:extLst>
+      <p:ext uri="{BB962C8B-B14F-4D97-AF65-F5344CB8AC3E}">
+        <p14:creationId xmlns:p14="http://schemas.microsoft.com/office/powerpoint/2010/main" val="1367616595"/>
+      </p:ext>
+    </p:extLst>
+  </p:cSld>
+  <p:clrMapOvr>
+    <a:masterClrMapping/>
+  </p:clrMapOvr>
+  <mc:AlternateContent xmlns:mc="http://schemas.openxmlformats.org/markup-compatibility/2006">
+    <mc:Choice xmlns:p14="http://schemas.microsoft.com/office/powerpoint/2010/main" Requires="p14">
+      <p:transition spd="med" p14:dur="700">
+        <p:fade/>
+      </p:transition>
+    </mc:Choice>
+    <mc:Fallback>
+      <p:transition spd="med">
+        <p:fade/>
+      </p:transition>
+    </mc:Fallback>
+  </mc:AlternateContent>
+</p:sld>
+</file>
+
+<file path=ppt/slides/slide26.xml><?xml version="1.0" encoding="utf-8"?>
+<p:sld xmlns:a="http://schemas.openxmlformats.org/drawingml/2006/main" xmlns:r="http://schemas.openxmlformats.org/officeDocument/2006/relationships" xmlns:p="http://schemas.openxmlformats.org/presentationml/2006/main">
+  <p:cSld>
+    <p:spTree>
+      <p:nvGrpSpPr>
+        <p:cNvPr id="1" name=""/>
+        <p:cNvGrpSpPr/>
+        <p:nvPr/>
+      </p:nvGrpSpPr>
+      <p:grpSpPr>
+        <a:xfrm>
+          <a:off x="0" y="0"/>
+          <a:ext cx="0" cy="0"/>
+          <a:chOff x="0" y="0"/>
+          <a:chExt cx="0" cy="0"/>
+        </a:xfrm>
+      </p:grpSpPr>
+      <p:sp>
+        <p:nvSpPr>
+          <p:cNvPr id="2" name="Title 1">
+            <a:extLst>
+              <a:ext uri="{FF2B5EF4-FFF2-40B4-BE49-F238E27FC236}">
+                <a16:creationId xmlns:a16="http://schemas.microsoft.com/office/drawing/2014/main" id="{4808087A-40EC-41E6-A246-BC46343A4BFC}"/>
+              </a:ext>
+            </a:extLst>
+          </p:cNvPr>
+          <p:cNvSpPr>
+            <a:spLocks noGrp="1"/>
+          </p:cNvSpPr>
+          <p:nvPr>
+            <p:ph type="title"/>
+          </p:nvPr>
+        </p:nvSpPr>
+        <p:spPr/>
+        <p:txBody>
+          <a:bodyPr>
+            <a:normAutofit/>
+          </a:bodyPr>
+          <a:lstStyle/>
+          <a:p>
+            <a:r>
+              <a:rPr lang="en-US" b="1" dirty="0">
+                <a:latin typeface="Arial" panose="020B0604020202020204" pitchFamily="34" charset="0"/>
+                <a:cs typeface="Arial" panose="020B0604020202020204" pitchFamily="34" charset="0"/>
+              </a:rPr>
+              <a:t>Python </a:t>
+            </a:r>
+            <a:r>
+              <a:rPr lang="en-US" b="1" dirty="0" err="1">
+                <a:latin typeface="Arial" panose="020B0604020202020204" pitchFamily="34" charset="0"/>
+                <a:cs typeface="Arial" panose="020B0604020202020204" pitchFamily="34" charset="0"/>
+              </a:rPr>
+              <a:t>Programm</a:t>
+            </a:r>
+            <a:br>
+              <a:rPr lang="en-US" b="1" dirty="0">
+                <a:latin typeface="Arial" panose="020B0604020202020204" pitchFamily="34" charset="0"/>
+                <a:cs typeface="Arial" panose="020B0604020202020204" pitchFamily="34" charset="0"/>
+              </a:rPr>
+            </a:br>
+            <a:r>
               <a:rPr lang="en-US" sz="3600" i="1" dirty="0" err="1">
                 <a:latin typeface="Arial" panose="020B0604020202020204" pitchFamily="34" charset="0"/>
                 <a:cs typeface="Arial" panose="020B0604020202020204" pitchFamily="34" charset="0"/>
@@ -14870,7 +15289,7 @@
           <a:p>
             <a:fld id="{0F00D740-55B1-4DC8-A3B5-4535950A93D0}" type="slidenum">
               <a:rPr lang="en-CH" smtClean="0"/>
-              <a:t>25</a:t>
+              <a:t>26</a:t>
             </a:fld>
             <a:endParaRPr lang="en-CH"/>
           </a:p>
@@ -15452,7 +15871,7 @@
 </p:sld>
 </file>
 
-<file path=ppt/slides/slide26.xml><?xml version="1.0" encoding="utf-8"?>
+<file path=ppt/slides/slide27.xml><?xml version="1.0" encoding="utf-8"?>
 <p:sld xmlns:a="http://schemas.openxmlformats.org/drawingml/2006/main" xmlns:r="http://schemas.openxmlformats.org/officeDocument/2006/relationships" xmlns:p="http://schemas.openxmlformats.org/presentationml/2006/main">
   <p:cSld>
     <p:spTree>
@@ -15643,7 +16062,7 @@
           <a:p>
             <a:fld id="{0F00D740-55B1-4DC8-A3B5-4535950A93D0}" type="slidenum">
               <a:rPr lang="en-CH" smtClean="0"/>
-              <a:t>26</a:t>
+              <a:t>27</a:t>
             </a:fld>
             <a:endParaRPr lang="en-CH"/>
           </a:p>
@@ -15674,7 +16093,7 @@
 </p:sld>
 </file>
 
-<file path=ppt/slides/slide27.xml><?xml version="1.0" encoding="utf-8"?>
+<file path=ppt/slides/slide28.xml><?xml version="1.0" encoding="utf-8"?>
 <p:sld xmlns:a="http://schemas.openxmlformats.org/drawingml/2006/main" xmlns:r="http://schemas.openxmlformats.org/officeDocument/2006/relationships" xmlns:p="http://schemas.openxmlformats.org/presentationml/2006/main">
   <p:cSld>
     <p:spTree>
@@ -15715,26 +16134,33 @@
           <a:lstStyle/>
           <a:p>
             <a:r>
-              <a:rPr lang="en-US" b="1" dirty="0">
-                <a:latin typeface="Arial" panose="020B0604020202020204" pitchFamily="34" charset="0"/>
-                <a:cs typeface="Arial" panose="020B0604020202020204" pitchFamily="34" charset="0"/>
-              </a:rPr>
-              <a:t>Flask Webserver</a:t>
+              <a:rPr lang="de-CH" b="1" dirty="0" err="1">
+                <a:latin typeface="Arial" panose="020B0604020202020204" pitchFamily="34" charset="0"/>
+                <a:cs typeface="Arial" panose="020B0604020202020204" pitchFamily="34" charset="0"/>
+              </a:rPr>
+              <a:t>Flask</a:t>
+            </a:r>
+            <a:r>
+              <a:rPr lang="de-CH" b="1" dirty="0">
+                <a:latin typeface="Arial" panose="020B0604020202020204" pitchFamily="34" charset="0"/>
+                <a:cs typeface="Arial" panose="020B0604020202020204" pitchFamily="34" charset="0"/>
+              </a:rPr>
+              <a:t> Webserver</a:t>
             </a:r>
             <a:br>
-              <a:rPr lang="en-US" b="1" dirty="0">
+              <a:rPr lang="de-CH" b="1" dirty="0">
                 <a:latin typeface="Arial" panose="020B0604020202020204" pitchFamily="34" charset="0"/>
                 <a:cs typeface="Arial" panose="020B0604020202020204" pitchFamily="34" charset="0"/>
               </a:rPr>
             </a:br>
             <a:r>
-              <a:rPr lang="en-US" sz="3600" i="1" dirty="0" err="1">
+              <a:rPr lang="de-CH" sz="3600" i="1" dirty="0">
                 <a:latin typeface="Arial" panose="020B0604020202020204" pitchFamily="34" charset="0"/>
                 <a:cs typeface="Arial" panose="020B0604020202020204" pitchFamily="34" charset="0"/>
               </a:rPr>
               <a:t>Übersicht</a:t>
             </a:r>
-            <a:endParaRPr lang="en-CH" dirty="0"/>
+            <a:endParaRPr lang="de-CH" dirty="0"/>
           </a:p>
         </p:txBody>
       </p:sp>
@@ -15858,7 +16284,7 @@
           <a:p>
             <a:fld id="{0F00D740-55B1-4DC8-A3B5-4535950A93D0}" type="slidenum">
               <a:rPr lang="en-CH" smtClean="0"/>
-              <a:t>27</a:t>
+              <a:t>28</a:t>
             </a:fld>
             <a:endParaRPr lang="en-CH" dirty="0"/>
           </a:p>
@@ -16078,7 +16504,7 @@
 </p:sld>
 </file>
 
-<file path=ppt/slides/slide28.xml><?xml version="1.0" encoding="utf-8"?>
+<file path=ppt/slides/slide29.xml><?xml version="1.0" encoding="utf-8"?>
 <p:sld xmlns:a="http://schemas.openxmlformats.org/drawingml/2006/main" xmlns:r="http://schemas.openxmlformats.org/officeDocument/2006/relationships" xmlns:p="http://schemas.openxmlformats.org/presentationml/2006/main">
   <p:cSld>
     <p:spTree>
@@ -16165,7 +16591,7 @@
           <a:p>
             <a:fld id="{0F00D740-55B1-4DC8-A3B5-4535950A93D0}" type="slidenum">
               <a:rPr lang="en-CH" smtClean="0"/>
-              <a:t>28</a:t>
+              <a:t>29</a:t>
             </a:fld>
             <a:endParaRPr lang="en-CH"/>
           </a:p>
@@ -16799,7 +17225,7 @@
 </p:sld>
 </file>
 
-<file path=ppt/slides/slide29.xml><?xml version="1.0" encoding="utf-8"?>
+<file path=ppt/slides/slide3.xml><?xml version="1.0" encoding="utf-8"?>
 <p:sld xmlns:a="http://schemas.openxmlformats.org/drawingml/2006/main" xmlns:r="http://schemas.openxmlformats.org/officeDocument/2006/relationships" xmlns:p="http://schemas.openxmlformats.org/presentationml/2006/main">
   <p:cSld>
     <p:spTree>
@@ -16821,6 +17247,228 @@
           <p:cNvPr id="2" name="Title 1">
             <a:extLst>
               <a:ext uri="{FF2B5EF4-FFF2-40B4-BE49-F238E27FC236}">
+                <a16:creationId xmlns:a16="http://schemas.microsoft.com/office/drawing/2014/main" id="{F1AE8F4F-038B-4ABA-A89F-CA33847A9E12}"/>
+              </a:ext>
+            </a:extLst>
+          </p:cNvPr>
+          <p:cNvSpPr>
+            <a:spLocks noGrp="1"/>
+          </p:cNvSpPr>
+          <p:nvPr>
+            <p:ph type="title"/>
+          </p:nvPr>
+        </p:nvSpPr>
+        <p:spPr>
+          <a:xfrm>
+            <a:off x="838200" y="365125"/>
+            <a:ext cx="10515600" cy="5702300"/>
+          </a:xfrm>
+        </p:spPr>
+        <p:txBody>
+          <a:bodyPr>
+            <a:normAutofit fontScale="90000"/>
+          </a:bodyPr>
+          <a:lstStyle/>
+          <a:p>
+            <a:pPr algn="ctr">
+              <a:lnSpc>
+                <a:spcPct val="125000"/>
+              </a:lnSpc>
+              <a:spcBef>
+                <a:spcPts val="0"/>
+              </a:spcBef>
+            </a:pPr>
+            <a:r>
+              <a:rPr lang="en-US" b="1" dirty="0" err="1">
+                <a:highlight>
+                  <a:srgbClr val="FAE800"/>
+                </a:highlight>
+                <a:latin typeface="Arial" panose="020B0604020202020204" pitchFamily="34" charset="0"/>
+                <a:cs typeface="Arial" panose="020B0604020202020204" pitchFamily="34" charset="0"/>
+              </a:rPr>
+              <a:t>Auftrag</a:t>
+            </a:r>
+            <a:br>
+              <a:rPr lang="en-US" b="1" dirty="0">
+                <a:latin typeface="Arial" panose="020B0604020202020204" pitchFamily="34" charset="0"/>
+                <a:cs typeface="Arial" panose="020B0604020202020204" pitchFamily="34" charset="0"/>
+              </a:rPr>
+            </a:br>
+            <a:r>
+              <a:rPr lang="en-US" b="1" dirty="0">
+                <a:latin typeface="Arial" panose="020B0604020202020204" pitchFamily="34" charset="0"/>
+                <a:cs typeface="Arial" panose="020B0604020202020204" pitchFamily="34" charset="0"/>
+              </a:rPr>
+              <a:t>Hardware</a:t>
+            </a:r>
+            <a:br>
+              <a:rPr lang="en-US" b="1" dirty="0">
+                <a:latin typeface="Arial" panose="020B0604020202020204" pitchFamily="34" charset="0"/>
+                <a:cs typeface="Arial" panose="020B0604020202020204" pitchFamily="34" charset="0"/>
+              </a:rPr>
+            </a:br>
+            <a:r>
+              <a:rPr lang="en-US" b="1" dirty="0" err="1">
+                <a:latin typeface="Arial" panose="020B0604020202020204" pitchFamily="34" charset="0"/>
+                <a:cs typeface="Arial" panose="020B0604020202020204" pitchFamily="34" charset="0"/>
+              </a:rPr>
+              <a:t>InfluxDB</a:t>
+            </a:r>
+            <a:br>
+              <a:rPr lang="en-US" b="1" dirty="0">
+                <a:latin typeface="Arial" panose="020B0604020202020204" pitchFamily="34" charset="0"/>
+                <a:cs typeface="Arial" panose="020B0604020202020204" pitchFamily="34" charset="0"/>
+              </a:rPr>
+            </a:br>
+            <a:r>
+              <a:rPr lang="en-US" b="1" dirty="0">
+                <a:latin typeface="Arial" panose="020B0604020202020204" pitchFamily="34" charset="0"/>
+                <a:cs typeface="Arial" panose="020B0604020202020204" pitchFamily="34" charset="0"/>
+              </a:rPr>
+              <a:t>Python </a:t>
+            </a:r>
+            <a:r>
+              <a:rPr lang="en-US" b="1" dirty="0" err="1">
+                <a:latin typeface="Arial" panose="020B0604020202020204" pitchFamily="34" charset="0"/>
+                <a:cs typeface="Arial" panose="020B0604020202020204" pitchFamily="34" charset="0"/>
+              </a:rPr>
+              <a:t>Programm</a:t>
+            </a:r>
+            <a:br>
+              <a:rPr lang="en-US" b="1" dirty="0">
+                <a:latin typeface="Arial" panose="020B0604020202020204" pitchFamily="34" charset="0"/>
+                <a:cs typeface="Arial" panose="020B0604020202020204" pitchFamily="34" charset="0"/>
+              </a:rPr>
+            </a:br>
+            <a:r>
+              <a:rPr lang="en-US" b="1" dirty="0">
+                <a:latin typeface="Arial" panose="020B0604020202020204" pitchFamily="34" charset="0"/>
+                <a:cs typeface="Arial" panose="020B0604020202020204" pitchFamily="34" charset="0"/>
+              </a:rPr>
+              <a:t>Flask Webserver</a:t>
+            </a:r>
+            <a:br>
+              <a:rPr lang="en-US" b="1" dirty="0">
+                <a:latin typeface="Arial" panose="020B0604020202020204" pitchFamily="34" charset="0"/>
+                <a:cs typeface="Arial" panose="020B0604020202020204" pitchFamily="34" charset="0"/>
+              </a:rPr>
+            </a:br>
+            <a:r>
+              <a:rPr lang="en-US" b="1" dirty="0">
+                <a:latin typeface="Arial" panose="020B0604020202020204" pitchFamily="34" charset="0"/>
+                <a:cs typeface="Arial" panose="020B0604020202020204" pitchFamily="34" charset="0"/>
+              </a:rPr>
+              <a:t>GUI Sketch</a:t>
+            </a:r>
+            <a:br>
+              <a:rPr lang="en-US" b="1" dirty="0">
+                <a:latin typeface="Arial" panose="020B0604020202020204" pitchFamily="34" charset="0"/>
+                <a:cs typeface="Arial" panose="020B0604020202020204" pitchFamily="34" charset="0"/>
+              </a:rPr>
+            </a:br>
+            <a:r>
+              <a:rPr lang="en-US" b="1" dirty="0" err="1">
+                <a:latin typeface="Arial" panose="020B0604020202020204" pitchFamily="34" charset="0"/>
+                <a:cs typeface="Arial" panose="020B0604020202020204" pitchFamily="34" charset="0"/>
+              </a:rPr>
+              <a:t>Endresultat</a:t>
+            </a:r>
+            <a:br>
+              <a:rPr lang="en-US" b="1" dirty="0">
+                <a:latin typeface="Arial" panose="020B0604020202020204" pitchFamily="34" charset="0"/>
+                <a:cs typeface="Arial" panose="020B0604020202020204" pitchFamily="34" charset="0"/>
+              </a:rPr>
+            </a:br>
+            <a:r>
+              <a:rPr lang="en-US" b="1" dirty="0" err="1">
+                <a:latin typeface="Arial" panose="020B0604020202020204" pitchFamily="34" charset="0"/>
+                <a:cs typeface="Arial" panose="020B0604020202020204" pitchFamily="34" charset="0"/>
+              </a:rPr>
+              <a:t>Weiterentwicklung</a:t>
+            </a:r>
+            <a:endParaRPr lang="en-CH" b="1" dirty="0">
+              <a:latin typeface="Arial" panose="020B0604020202020204" pitchFamily="34" charset="0"/>
+              <a:cs typeface="Arial" panose="020B0604020202020204" pitchFamily="34" charset="0"/>
+            </a:endParaRPr>
+          </a:p>
+        </p:txBody>
+      </p:sp>
+      <p:sp>
+        <p:nvSpPr>
+          <p:cNvPr id="8" name="Slide Number Placeholder 7">
+            <a:extLst>
+              <a:ext uri="{FF2B5EF4-FFF2-40B4-BE49-F238E27FC236}">
+                <a16:creationId xmlns:a16="http://schemas.microsoft.com/office/drawing/2014/main" id="{E5E3E861-4688-44FC-A05E-E446522B24DD}"/>
+              </a:ext>
+            </a:extLst>
+          </p:cNvPr>
+          <p:cNvSpPr>
+            <a:spLocks noGrp="1"/>
+          </p:cNvSpPr>
+          <p:nvPr>
+            <p:ph type="sldNum" sz="quarter" idx="12"/>
+          </p:nvPr>
+        </p:nvSpPr>
+        <p:spPr/>
+        <p:txBody>
+          <a:bodyPr/>
+          <a:lstStyle/>
+          <a:p>
+            <a:fld id="{0F00D740-55B1-4DC8-A3B5-4535950A93D0}" type="slidenum">
+              <a:rPr lang="en-CH" smtClean="0"/>
+              <a:t>3</a:t>
+            </a:fld>
+            <a:endParaRPr lang="en-CH"/>
+          </a:p>
+        </p:txBody>
+      </p:sp>
+    </p:spTree>
+    <p:extLst>
+      <p:ext uri="{BB962C8B-B14F-4D97-AF65-F5344CB8AC3E}">
+        <p14:creationId xmlns:p14="http://schemas.microsoft.com/office/powerpoint/2010/main" val="3155126413"/>
+      </p:ext>
+    </p:extLst>
+  </p:cSld>
+  <p:clrMapOvr>
+    <a:masterClrMapping/>
+  </p:clrMapOvr>
+  <mc:AlternateContent xmlns:mc="http://schemas.openxmlformats.org/markup-compatibility/2006" xmlns:p14="http://schemas.microsoft.com/office/powerpoint/2010/main">
+    <mc:Choice Requires="p14">
+      <p:transition spd="med" p14:dur="700">
+        <p:fade/>
+      </p:transition>
+    </mc:Choice>
+    <mc:Fallback xmlns="">
+      <p:transition spd="med">
+        <p:fade/>
+      </p:transition>
+    </mc:Fallback>
+  </mc:AlternateContent>
+</p:sld>
+</file>
+
+<file path=ppt/slides/slide30.xml><?xml version="1.0" encoding="utf-8"?>
+<p:sld xmlns:a="http://schemas.openxmlformats.org/drawingml/2006/main" xmlns:r="http://schemas.openxmlformats.org/officeDocument/2006/relationships" xmlns:p="http://schemas.openxmlformats.org/presentationml/2006/main">
+  <p:cSld>
+    <p:spTree>
+      <p:nvGrpSpPr>
+        <p:cNvPr id="1" name=""/>
+        <p:cNvGrpSpPr/>
+        <p:nvPr/>
+      </p:nvGrpSpPr>
+      <p:grpSpPr>
+        <a:xfrm>
+          <a:off x="0" y="0"/>
+          <a:ext cx="0" cy="0"/>
+          <a:chOff x="0" y="0"/>
+          <a:chExt cx="0" cy="0"/>
+        </a:xfrm>
+      </p:grpSpPr>
+      <p:sp>
+        <p:nvSpPr>
+          <p:cNvPr id="2" name="Title 1">
+            <a:extLst>
+              <a:ext uri="{FF2B5EF4-FFF2-40B4-BE49-F238E27FC236}">
                 <a16:creationId xmlns:a16="http://schemas.microsoft.com/office/drawing/2014/main" id="{4808087A-40EC-41E6-A246-BC46343A4BFC}"/>
               </a:ext>
             </a:extLst>
@@ -16886,7 +17534,7 @@
           <a:p>
             <a:fld id="{0F00D740-55B1-4DC8-A3B5-4535950A93D0}" type="slidenum">
               <a:rPr lang="en-CH" smtClean="0"/>
-              <a:t>29</a:t>
+              <a:t>30</a:t>
             </a:fld>
             <a:endParaRPr lang="en-CH"/>
           </a:p>
@@ -17223,7 +17871,7 @@
 </p:sld>
 </file>
 
-<file path=ppt/slides/slide3.xml><?xml version="1.0" encoding="utf-8"?>
+<file path=ppt/slides/slide31.xml><?xml version="1.0" encoding="utf-8"?>
 <p:sld xmlns:a="http://schemas.openxmlformats.org/drawingml/2006/main" xmlns:r="http://schemas.openxmlformats.org/officeDocument/2006/relationships" xmlns:p="http://schemas.openxmlformats.org/presentationml/2006/main">
   <p:cSld>
     <p:spTree>
@@ -17245,228 +17893,6 @@
           <p:cNvPr id="2" name="Title 1">
             <a:extLst>
               <a:ext uri="{FF2B5EF4-FFF2-40B4-BE49-F238E27FC236}">
-                <a16:creationId xmlns:a16="http://schemas.microsoft.com/office/drawing/2014/main" id="{F1AE8F4F-038B-4ABA-A89F-CA33847A9E12}"/>
-              </a:ext>
-            </a:extLst>
-          </p:cNvPr>
-          <p:cNvSpPr>
-            <a:spLocks noGrp="1"/>
-          </p:cNvSpPr>
-          <p:nvPr>
-            <p:ph type="title"/>
-          </p:nvPr>
-        </p:nvSpPr>
-        <p:spPr>
-          <a:xfrm>
-            <a:off x="838200" y="365125"/>
-            <a:ext cx="10515600" cy="5702300"/>
-          </a:xfrm>
-        </p:spPr>
-        <p:txBody>
-          <a:bodyPr>
-            <a:normAutofit fontScale="90000"/>
-          </a:bodyPr>
-          <a:lstStyle/>
-          <a:p>
-            <a:pPr algn="ctr">
-              <a:lnSpc>
-                <a:spcPct val="125000"/>
-              </a:lnSpc>
-              <a:spcBef>
-                <a:spcPts val="0"/>
-              </a:spcBef>
-            </a:pPr>
-            <a:r>
-              <a:rPr lang="en-US" b="1" dirty="0" err="1">
-                <a:highlight>
-                  <a:srgbClr val="FAE800"/>
-                </a:highlight>
-                <a:latin typeface="Arial" panose="020B0604020202020204" pitchFamily="34" charset="0"/>
-                <a:cs typeface="Arial" panose="020B0604020202020204" pitchFamily="34" charset="0"/>
-              </a:rPr>
-              <a:t>Auftrag</a:t>
-            </a:r>
-            <a:br>
-              <a:rPr lang="en-US" b="1" dirty="0">
-                <a:latin typeface="Arial" panose="020B0604020202020204" pitchFamily="34" charset="0"/>
-                <a:cs typeface="Arial" panose="020B0604020202020204" pitchFamily="34" charset="0"/>
-              </a:rPr>
-            </a:br>
-            <a:r>
-              <a:rPr lang="en-US" b="1" dirty="0">
-                <a:latin typeface="Arial" panose="020B0604020202020204" pitchFamily="34" charset="0"/>
-                <a:cs typeface="Arial" panose="020B0604020202020204" pitchFamily="34" charset="0"/>
-              </a:rPr>
-              <a:t>Hardware</a:t>
-            </a:r>
-            <a:br>
-              <a:rPr lang="en-US" b="1" dirty="0">
-                <a:latin typeface="Arial" panose="020B0604020202020204" pitchFamily="34" charset="0"/>
-                <a:cs typeface="Arial" panose="020B0604020202020204" pitchFamily="34" charset="0"/>
-              </a:rPr>
-            </a:br>
-            <a:r>
-              <a:rPr lang="en-US" b="1" dirty="0" err="1">
-                <a:latin typeface="Arial" panose="020B0604020202020204" pitchFamily="34" charset="0"/>
-                <a:cs typeface="Arial" panose="020B0604020202020204" pitchFamily="34" charset="0"/>
-              </a:rPr>
-              <a:t>InfluxDB</a:t>
-            </a:r>
-            <a:br>
-              <a:rPr lang="en-US" b="1" dirty="0">
-                <a:latin typeface="Arial" panose="020B0604020202020204" pitchFamily="34" charset="0"/>
-                <a:cs typeface="Arial" panose="020B0604020202020204" pitchFamily="34" charset="0"/>
-              </a:rPr>
-            </a:br>
-            <a:r>
-              <a:rPr lang="en-US" b="1" dirty="0">
-                <a:latin typeface="Arial" panose="020B0604020202020204" pitchFamily="34" charset="0"/>
-                <a:cs typeface="Arial" panose="020B0604020202020204" pitchFamily="34" charset="0"/>
-              </a:rPr>
-              <a:t>Python </a:t>
-            </a:r>
-            <a:r>
-              <a:rPr lang="en-US" b="1" dirty="0" err="1">
-                <a:latin typeface="Arial" panose="020B0604020202020204" pitchFamily="34" charset="0"/>
-                <a:cs typeface="Arial" panose="020B0604020202020204" pitchFamily="34" charset="0"/>
-              </a:rPr>
-              <a:t>Programm</a:t>
-            </a:r>
-            <a:br>
-              <a:rPr lang="en-US" b="1" dirty="0">
-                <a:latin typeface="Arial" panose="020B0604020202020204" pitchFamily="34" charset="0"/>
-                <a:cs typeface="Arial" panose="020B0604020202020204" pitchFamily="34" charset="0"/>
-              </a:rPr>
-            </a:br>
-            <a:r>
-              <a:rPr lang="en-US" b="1" dirty="0">
-                <a:latin typeface="Arial" panose="020B0604020202020204" pitchFamily="34" charset="0"/>
-                <a:cs typeface="Arial" panose="020B0604020202020204" pitchFamily="34" charset="0"/>
-              </a:rPr>
-              <a:t>Flask Webserver</a:t>
-            </a:r>
-            <a:br>
-              <a:rPr lang="en-US" b="1" dirty="0">
-                <a:latin typeface="Arial" panose="020B0604020202020204" pitchFamily="34" charset="0"/>
-                <a:cs typeface="Arial" panose="020B0604020202020204" pitchFamily="34" charset="0"/>
-              </a:rPr>
-            </a:br>
-            <a:r>
-              <a:rPr lang="en-US" b="1" dirty="0">
-                <a:latin typeface="Arial" panose="020B0604020202020204" pitchFamily="34" charset="0"/>
-                <a:cs typeface="Arial" panose="020B0604020202020204" pitchFamily="34" charset="0"/>
-              </a:rPr>
-              <a:t>GUI Sketch</a:t>
-            </a:r>
-            <a:br>
-              <a:rPr lang="en-US" b="1" dirty="0">
-                <a:latin typeface="Arial" panose="020B0604020202020204" pitchFamily="34" charset="0"/>
-                <a:cs typeface="Arial" panose="020B0604020202020204" pitchFamily="34" charset="0"/>
-              </a:rPr>
-            </a:br>
-            <a:r>
-              <a:rPr lang="en-US" b="1" dirty="0" err="1">
-                <a:latin typeface="Arial" panose="020B0604020202020204" pitchFamily="34" charset="0"/>
-                <a:cs typeface="Arial" panose="020B0604020202020204" pitchFamily="34" charset="0"/>
-              </a:rPr>
-              <a:t>Endresultat</a:t>
-            </a:r>
-            <a:br>
-              <a:rPr lang="en-US" b="1" dirty="0">
-                <a:latin typeface="Arial" panose="020B0604020202020204" pitchFamily="34" charset="0"/>
-                <a:cs typeface="Arial" panose="020B0604020202020204" pitchFamily="34" charset="0"/>
-              </a:rPr>
-            </a:br>
-            <a:r>
-              <a:rPr lang="en-US" b="1" dirty="0" err="1">
-                <a:latin typeface="Arial" panose="020B0604020202020204" pitchFamily="34" charset="0"/>
-                <a:cs typeface="Arial" panose="020B0604020202020204" pitchFamily="34" charset="0"/>
-              </a:rPr>
-              <a:t>Weiterentwicklung</a:t>
-            </a:r>
-            <a:endParaRPr lang="en-CH" b="1" dirty="0">
-              <a:latin typeface="Arial" panose="020B0604020202020204" pitchFamily="34" charset="0"/>
-              <a:cs typeface="Arial" panose="020B0604020202020204" pitchFamily="34" charset="0"/>
-            </a:endParaRPr>
-          </a:p>
-        </p:txBody>
-      </p:sp>
-      <p:sp>
-        <p:nvSpPr>
-          <p:cNvPr id="8" name="Slide Number Placeholder 7">
-            <a:extLst>
-              <a:ext uri="{FF2B5EF4-FFF2-40B4-BE49-F238E27FC236}">
-                <a16:creationId xmlns:a16="http://schemas.microsoft.com/office/drawing/2014/main" id="{E5E3E861-4688-44FC-A05E-E446522B24DD}"/>
-              </a:ext>
-            </a:extLst>
-          </p:cNvPr>
-          <p:cNvSpPr>
-            <a:spLocks noGrp="1"/>
-          </p:cNvSpPr>
-          <p:nvPr>
-            <p:ph type="sldNum" sz="quarter" idx="12"/>
-          </p:nvPr>
-        </p:nvSpPr>
-        <p:spPr/>
-        <p:txBody>
-          <a:bodyPr/>
-          <a:lstStyle/>
-          <a:p>
-            <a:fld id="{0F00D740-55B1-4DC8-A3B5-4535950A93D0}" type="slidenum">
-              <a:rPr lang="en-CH" smtClean="0"/>
-              <a:t>3</a:t>
-            </a:fld>
-            <a:endParaRPr lang="en-CH"/>
-          </a:p>
-        </p:txBody>
-      </p:sp>
-    </p:spTree>
-    <p:extLst>
-      <p:ext uri="{BB962C8B-B14F-4D97-AF65-F5344CB8AC3E}">
-        <p14:creationId xmlns:p14="http://schemas.microsoft.com/office/powerpoint/2010/main" val="3155126413"/>
-      </p:ext>
-    </p:extLst>
-  </p:cSld>
-  <p:clrMapOvr>
-    <a:masterClrMapping/>
-  </p:clrMapOvr>
-  <mc:AlternateContent xmlns:mc="http://schemas.openxmlformats.org/markup-compatibility/2006" xmlns:p14="http://schemas.microsoft.com/office/powerpoint/2010/main">
-    <mc:Choice Requires="p14">
-      <p:transition spd="med" p14:dur="700">
-        <p:fade/>
-      </p:transition>
-    </mc:Choice>
-    <mc:Fallback xmlns="">
-      <p:transition spd="med">
-        <p:fade/>
-      </p:transition>
-    </mc:Fallback>
-  </mc:AlternateContent>
-</p:sld>
-</file>
-
-<file path=ppt/slides/slide30.xml><?xml version="1.0" encoding="utf-8"?>
-<p:sld xmlns:a="http://schemas.openxmlformats.org/drawingml/2006/main" xmlns:r="http://schemas.openxmlformats.org/officeDocument/2006/relationships" xmlns:p="http://schemas.openxmlformats.org/presentationml/2006/main">
-  <p:cSld>
-    <p:spTree>
-      <p:nvGrpSpPr>
-        <p:cNvPr id="1" name=""/>
-        <p:cNvGrpSpPr/>
-        <p:nvPr/>
-      </p:nvGrpSpPr>
-      <p:grpSpPr>
-        <a:xfrm>
-          <a:off x="0" y="0"/>
-          <a:ext cx="0" cy="0"/>
-          <a:chOff x="0" y="0"/>
-          <a:chExt cx="0" cy="0"/>
-        </a:xfrm>
-      </p:grpSpPr>
-      <p:sp>
-        <p:nvSpPr>
-          <p:cNvPr id="2" name="Title 1">
-            <a:extLst>
-              <a:ext uri="{FF2B5EF4-FFF2-40B4-BE49-F238E27FC236}">
                 <a16:creationId xmlns:a16="http://schemas.microsoft.com/office/drawing/2014/main" id="{4808087A-40EC-41E6-A246-BC46343A4BFC}"/>
               </a:ext>
             </a:extLst>
@@ -17755,7 +18181,7 @@
           <a:p>
             <a:fld id="{0F00D740-55B1-4DC8-A3B5-4535950A93D0}" type="slidenum">
               <a:rPr lang="en-CH" smtClean="0"/>
-              <a:t>30</a:t>
+              <a:t>31</a:t>
             </a:fld>
             <a:endParaRPr lang="en-CH"/>
           </a:p>
@@ -17939,7 +18365,7 @@
 </p:sld>
 </file>
 
-<file path=ppt/slides/slide31.xml><?xml version="1.0" encoding="utf-8"?>
+<file path=ppt/slides/slide32.xml><?xml version="1.0" encoding="utf-8"?>
 <p:sld xmlns:a="http://schemas.openxmlformats.org/drawingml/2006/main" xmlns:r="http://schemas.openxmlformats.org/officeDocument/2006/relationships" xmlns:p="http://schemas.openxmlformats.org/presentationml/2006/main">
   <p:cSld>
     <p:spTree>
@@ -18130,7 +18556,7 @@
           <a:p>
             <a:fld id="{0F00D740-55B1-4DC8-A3B5-4535950A93D0}" type="slidenum">
               <a:rPr lang="en-CH" smtClean="0"/>
-              <a:t>31</a:t>
+              <a:t>32</a:t>
             </a:fld>
             <a:endParaRPr lang="en-CH"/>
           </a:p>
@@ -18161,7 +18587,7 @@
 </p:sld>
 </file>
 
-<file path=ppt/slides/slide32.xml><?xml version="1.0" encoding="utf-8"?>
+<file path=ppt/slides/slide33.xml><?xml version="1.0" encoding="utf-8"?>
 <p:sld xmlns:a="http://schemas.openxmlformats.org/drawingml/2006/main" xmlns:r="http://schemas.openxmlformats.org/officeDocument/2006/relationships" xmlns:p="http://schemas.openxmlformats.org/presentationml/2006/main">
   <p:cSld>
     <p:spTree>
@@ -18290,7 +18716,7 @@
           <a:p>
             <a:fld id="{0F00D740-55B1-4DC8-A3B5-4535950A93D0}" type="slidenum">
               <a:rPr lang="en-CH" smtClean="0"/>
-              <a:t>32</a:t>
+              <a:t>33</a:t>
             </a:fld>
             <a:endParaRPr lang="en-CH"/>
           </a:p>
@@ -18474,7 +18900,7 @@
 </p:sld>
 </file>
 
-<file path=ppt/slides/slide33.xml><?xml version="1.0" encoding="utf-8"?>
+<file path=ppt/slides/slide34.xml><?xml version="1.0" encoding="utf-8"?>
 <p:sld xmlns:a="http://schemas.openxmlformats.org/drawingml/2006/main" xmlns:r="http://schemas.openxmlformats.org/officeDocument/2006/relationships" xmlns:p="http://schemas.openxmlformats.org/presentationml/2006/main">
   <p:cSld>
     <p:spTree>
@@ -18603,7 +19029,7 @@
           <a:p>
             <a:fld id="{0F00D740-55B1-4DC8-A3B5-4535950A93D0}" type="slidenum">
               <a:rPr lang="en-CH" smtClean="0"/>
-              <a:t>33</a:t>
+              <a:t>34</a:t>
             </a:fld>
             <a:endParaRPr lang="en-CH"/>
           </a:p>
@@ -18787,7 +19213,7 @@
 </p:sld>
 </file>
 
-<file path=ppt/slides/slide34.xml><?xml version="1.0" encoding="utf-8"?>
+<file path=ppt/slides/slide35.xml><?xml version="1.0" encoding="utf-8"?>
 <p:sld xmlns:a="http://schemas.openxmlformats.org/drawingml/2006/main" xmlns:r="http://schemas.openxmlformats.org/officeDocument/2006/relationships" xmlns:p="http://schemas.openxmlformats.org/presentationml/2006/main">
   <p:cSld>
     <p:spTree>
@@ -18916,7 +19342,7 @@
           <a:p>
             <a:fld id="{0F00D740-55B1-4DC8-A3B5-4535950A93D0}" type="slidenum">
               <a:rPr lang="en-CH" smtClean="0"/>
-              <a:t>34</a:t>
+              <a:t>35</a:t>
             </a:fld>
             <a:endParaRPr lang="en-CH"/>
           </a:p>
@@ -19100,7 +19526,7 @@
 </p:sld>
 </file>
 
-<file path=ppt/slides/slide35.xml><?xml version="1.0" encoding="utf-8"?>
+<file path=ppt/slides/slide36.xml><?xml version="1.0" encoding="utf-8"?>
 <p:sld xmlns:a="http://schemas.openxmlformats.org/drawingml/2006/main" xmlns:r="http://schemas.openxmlformats.org/officeDocument/2006/relationships" xmlns:p="http://schemas.openxmlformats.org/presentationml/2006/main">
   <p:cSld>
     <p:spTree>
@@ -19291,7 +19717,7 @@
           <a:p>
             <a:fld id="{0F00D740-55B1-4DC8-A3B5-4535950A93D0}" type="slidenum">
               <a:rPr lang="en-CH" smtClean="0"/>
-              <a:t>35</a:t>
+              <a:t>36</a:t>
             </a:fld>
             <a:endParaRPr lang="en-CH"/>
           </a:p>
@@ -19322,7 +19748,7 @@
 </p:sld>
 </file>
 
-<file path=ppt/slides/slide36.xml><?xml version="1.0" encoding="utf-8"?>
+<file path=ppt/slides/slide37.xml><?xml version="1.0" encoding="utf-8"?>
 <p:sld xmlns:a="http://schemas.openxmlformats.org/drawingml/2006/main" xmlns:r="http://schemas.openxmlformats.org/officeDocument/2006/relationships" xmlns:p="http://schemas.openxmlformats.org/presentationml/2006/main">
   <p:cSld>
     <p:spTree>
@@ -19409,7 +19835,7 @@
           <a:p>
             <a:fld id="{0F00D740-55B1-4DC8-A3B5-4535950A93D0}" type="slidenum">
               <a:rPr lang="en-CH" smtClean="0"/>
-              <a:t>36</a:t>
+              <a:t>37</a:t>
             </a:fld>
             <a:endParaRPr lang="en-CH"/>
           </a:p>
@@ -19919,7 +20345,7 @@
 </p:sld>
 </file>
 
-<file path=ppt/slides/slide37.xml><?xml version="1.0" encoding="utf-8"?>
+<file path=ppt/slides/slide38.xml><?xml version="1.0" encoding="utf-8"?>
 <p:sld xmlns:a="http://schemas.openxmlformats.org/drawingml/2006/main" xmlns:r="http://schemas.openxmlformats.org/officeDocument/2006/relationships" xmlns:p="http://schemas.openxmlformats.org/presentationml/2006/main">
   <p:cSld>
     <p:spTree>
@@ -20113,7 +20539,7 @@
           <a:p>
             <a:fld id="{0F00D740-55B1-4DC8-A3B5-4535950A93D0}" type="slidenum">
               <a:rPr lang="en-CH" smtClean="0"/>
-              <a:t>37</a:t>
+              <a:t>38</a:t>
             </a:fld>
             <a:endParaRPr lang="en-CH"/>
           </a:p>
@@ -20144,7 +20570,7 @@
 </p:sld>
 </file>
 
-<file path=ppt/slides/slide38.xml><?xml version="1.0" encoding="utf-8"?>
+<file path=ppt/slides/slide39.xml><?xml version="1.0" encoding="utf-8"?>
 <p:sld xmlns:a="http://schemas.openxmlformats.org/drawingml/2006/main" xmlns:r="http://schemas.openxmlformats.org/officeDocument/2006/relationships" xmlns:p="http://schemas.openxmlformats.org/presentationml/2006/main">
   <p:cSld>
     <p:spTree>
@@ -20357,7 +20783,7 @@
           <a:p>
             <a:fld id="{0F00D740-55B1-4DC8-A3B5-4535950A93D0}" type="slidenum">
               <a:rPr lang="en-CH" smtClean="0"/>
-              <a:t>38</a:t>
+              <a:t>39</a:t>
             </a:fld>
             <a:endParaRPr lang="en-CH"/>
           </a:p>
@@ -20541,7 +20967,418 @@
 </p:sld>
 </file>
 
-<file path=ppt/slides/slide39.xml><?xml version="1.0" encoding="utf-8"?>
+<file path=ppt/slides/slide4.xml><?xml version="1.0" encoding="utf-8"?>
+<p:sld xmlns:a="http://schemas.openxmlformats.org/drawingml/2006/main" xmlns:r="http://schemas.openxmlformats.org/officeDocument/2006/relationships" xmlns:p="http://schemas.openxmlformats.org/presentationml/2006/main">
+  <p:cSld>
+    <p:spTree>
+      <p:nvGrpSpPr>
+        <p:cNvPr id="1" name=""/>
+        <p:cNvGrpSpPr/>
+        <p:nvPr/>
+      </p:nvGrpSpPr>
+      <p:grpSpPr>
+        <a:xfrm>
+          <a:off x="0" y="0"/>
+          <a:ext cx="0" cy="0"/>
+          <a:chOff x="0" y="0"/>
+          <a:chExt cx="0" cy="0"/>
+        </a:xfrm>
+      </p:grpSpPr>
+      <p:sp>
+        <p:nvSpPr>
+          <p:cNvPr id="2" name="Title 1">
+            <a:extLst>
+              <a:ext uri="{FF2B5EF4-FFF2-40B4-BE49-F238E27FC236}">
+                <a16:creationId xmlns:a16="http://schemas.microsoft.com/office/drawing/2014/main" id="{4808087A-40EC-41E6-A246-BC46343A4BFC}"/>
+              </a:ext>
+            </a:extLst>
+          </p:cNvPr>
+          <p:cNvSpPr>
+            <a:spLocks noGrp="1"/>
+          </p:cNvSpPr>
+          <p:nvPr>
+            <p:ph type="title"/>
+          </p:nvPr>
+        </p:nvSpPr>
+        <p:spPr/>
+        <p:txBody>
+          <a:bodyPr>
+            <a:normAutofit/>
+          </a:bodyPr>
+          <a:lstStyle/>
+          <a:p>
+            <a:r>
+              <a:rPr lang="en-US" b="1" dirty="0" err="1">
+                <a:latin typeface="Arial" panose="020B0604020202020204" pitchFamily="34" charset="0"/>
+                <a:cs typeface="Arial" panose="020B0604020202020204" pitchFamily="34" charset="0"/>
+              </a:rPr>
+              <a:t>Auftrag</a:t>
+            </a:r>
+            <a:br>
+              <a:rPr lang="en-US" b="1" dirty="0">
+                <a:latin typeface="Arial" panose="020B0604020202020204" pitchFamily="34" charset="0"/>
+                <a:cs typeface="Arial" panose="020B0604020202020204" pitchFamily="34" charset="0"/>
+              </a:rPr>
+            </a:br>
+            <a:r>
+              <a:rPr lang="en-US" sz="3600" i="1" dirty="0">
+                <a:latin typeface="Arial" panose="020B0604020202020204" pitchFamily="34" charset="0"/>
+                <a:cs typeface="Arial" panose="020B0604020202020204" pitchFamily="34" charset="0"/>
+              </a:rPr>
+              <a:t>Challenge </a:t>
+            </a:r>
+            <a:r>
+              <a:rPr lang="en-US" sz="3600" i="1" dirty="0" err="1">
+                <a:latin typeface="Arial" panose="020B0604020202020204" pitchFamily="34" charset="0"/>
+                <a:cs typeface="Arial" panose="020B0604020202020204" pitchFamily="34" charset="0"/>
+              </a:rPr>
+              <a:t>Wettermonitor</a:t>
+            </a:r>
+            <a:endParaRPr lang="en-CH" dirty="0"/>
+          </a:p>
+        </p:txBody>
+      </p:sp>
+      <p:sp>
+        <p:nvSpPr>
+          <p:cNvPr id="3" name="Content Placeholder 2">
+            <a:extLst>
+              <a:ext uri="{FF2B5EF4-FFF2-40B4-BE49-F238E27FC236}">
+                <a16:creationId xmlns:a16="http://schemas.microsoft.com/office/drawing/2014/main" id="{F99C80A8-FCE8-4022-B4EC-046CA3785167}"/>
+              </a:ext>
+            </a:extLst>
+          </p:cNvPr>
+          <p:cNvSpPr>
+            <a:spLocks noGrp="1"/>
+          </p:cNvSpPr>
+          <p:nvPr>
+            <p:ph idx="1"/>
+          </p:nvPr>
+        </p:nvSpPr>
+        <p:spPr/>
+        <p:txBody>
+          <a:bodyPr>
+            <a:normAutofit/>
+          </a:bodyPr>
+          <a:lstStyle/>
+          <a:p>
+            <a:r>
+              <a:rPr lang="en-US" dirty="0" err="1"/>
+              <a:t>Wettermonitor</a:t>
+            </a:r>
+            <a:r>
+              <a:rPr lang="en-US" dirty="0"/>
+              <a:t> </a:t>
+            </a:r>
+            <a:r>
+              <a:rPr lang="en-US" dirty="0" err="1"/>
+              <a:t>Seegelclub</a:t>
+            </a:r>
+            <a:r>
+              <a:rPr lang="en-US" dirty="0"/>
+              <a:t> </a:t>
+            </a:r>
+            <a:r>
+              <a:rPr lang="en-US" dirty="0" err="1"/>
+              <a:t>Zürichsee</a:t>
+            </a:r>
+            <a:r>
+              <a:rPr lang="en-US" dirty="0"/>
+              <a:t> </a:t>
+            </a:r>
+          </a:p>
+          <a:p>
+            <a:r>
+              <a:rPr lang="en-US" dirty="0" err="1"/>
+              <a:t>Segeltörns</a:t>
+            </a:r>
+            <a:r>
+              <a:rPr lang="en-US" dirty="0"/>
+              <a:t> </a:t>
+            </a:r>
+            <a:r>
+              <a:rPr lang="en-US" dirty="0" err="1"/>
+              <a:t>sollen</a:t>
+            </a:r>
+            <a:r>
+              <a:rPr lang="en-US" dirty="0"/>
+              <a:t> </a:t>
+            </a:r>
+            <a:r>
+              <a:rPr lang="en-US" dirty="0" err="1"/>
+              <a:t>geplant</a:t>
+            </a:r>
+            <a:r>
+              <a:rPr lang="en-US" dirty="0"/>
+              <a:t> </a:t>
+            </a:r>
+            <a:r>
+              <a:rPr lang="en-US" dirty="0" err="1"/>
+              <a:t>werden</a:t>
+            </a:r>
+            <a:r>
+              <a:rPr lang="en-US" dirty="0"/>
+              <a:t> </a:t>
+            </a:r>
+            <a:r>
+              <a:rPr lang="en-US" dirty="0" err="1"/>
+              <a:t>können</a:t>
+            </a:r>
+            <a:endParaRPr lang="en-US" dirty="0"/>
+          </a:p>
+          <a:p>
+            <a:r>
+              <a:rPr lang="en-US" dirty="0" err="1"/>
+              <a:t>Wettervorhersage</a:t>
+            </a:r>
+            <a:endParaRPr lang="en-US" dirty="0"/>
+          </a:p>
+          <a:p>
+            <a:r>
+              <a:rPr lang="en-US" dirty="0"/>
+              <a:t>Hardware: Raspberry Pi &amp; HMI</a:t>
+            </a:r>
+          </a:p>
+          <a:p>
+            <a:r>
+              <a:rPr lang="en-US" dirty="0"/>
+              <a:t>API </a:t>
+            </a:r>
+            <a:r>
+              <a:rPr lang="en-US" dirty="0" err="1"/>
+              <a:t>Seepolizei</a:t>
+            </a:r>
+            <a:r>
+              <a:rPr lang="en-US" dirty="0"/>
+              <a:t> Zürich</a:t>
+            </a:r>
+          </a:p>
+          <a:p>
+            <a:r>
+              <a:rPr lang="en-US" dirty="0" err="1"/>
+              <a:t>Programmierung</a:t>
+            </a:r>
+            <a:r>
+              <a:rPr lang="en-US" dirty="0"/>
+              <a:t> in Python</a:t>
+            </a:r>
+          </a:p>
+          <a:p>
+            <a:r>
+              <a:rPr lang="en-US" dirty="0" err="1"/>
+              <a:t>Dokumentation</a:t>
+            </a:r>
+            <a:endParaRPr lang="en-CH" dirty="0"/>
+          </a:p>
+        </p:txBody>
+      </p:sp>
+      <p:sp>
+        <p:nvSpPr>
+          <p:cNvPr id="4" name="Slide Number Placeholder 3">
+            <a:extLst>
+              <a:ext uri="{FF2B5EF4-FFF2-40B4-BE49-F238E27FC236}">
+                <a16:creationId xmlns:a16="http://schemas.microsoft.com/office/drawing/2014/main" id="{25E7D99B-055F-46C1-9ED3-2255A4486B53}"/>
+              </a:ext>
+            </a:extLst>
+          </p:cNvPr>
+          <p:cNvSpPr>
+            <a:spLocks noGrp="1"/>
+          </p:cNvSpPr>
+          <p:nvPr>
+            <p:ph type="sldNum" sz="quarter" idx="12"/>
+          </p:nvPr>
+        </p:nvSpPr>
+        <p:spPr/>
+        <p:txBody>
+          <a:bodyPr/>
+          <a:lstStyle/>
+          <a:p>
+            <a:fld id="{0F00D740-55B1-4DC8-A3B5-4535950A93D0}" type="slidenum">
+              <a:rPr lang="en-CH" smtClean="0"/>
+              <a:t>4</a:t>
+            </a:fld>
+            <a:endParaRPr lang="en-CH"/>
+          </a:p>
+        </p:txBody>
+      </p:sp>
+      <p:grpSp>
+        <p:nvGrpSpPr>
+          <p:cNvPr id="5" name="Group 4">
+            <a:extLst>
+              <a:ext uri="{FF2B5EF4-FFF2-40B4-BE49-F238E27FC236}">
+                <a16:creationId xmlns:a16="http://schemas.microsoft.com/office/drawing/2014/main" id="{4EC58CAD-48B2-4835-9E3B-91425F5E9895}"/>
+              </a:ext>
+            </a:extLst>
+          </p:cNvPr>
+          <p:cNvGrpSpPr/>
+          <p:nvPr/>
+        </p:nvGrpSpPr>
+        <p:grpSpPr>
+          <a:xfrm>
+            <a:off x="8990330" y="5808980"/>
+            <a:ext cx="3774440" cy="764540"/>
+            <a:chOff x="8990330" y="5808980"/>
+            <a:chExt cx="3774440" cy="764540"/>
+          </a:xfrm>
+        </p:grpSpPr>
+        <p:pic>
+          <p:nvPicPr>
+            <p:cNvPr id="6" name="Picture 5">
+              <a:extLst>
+                <a:ext uri="{FF2B5EF4-FFF2-40B4-BE49-F238E27FC236}">
+                  <a16:creationId xmlns:a16="http://schemas.microsoft.com/office/drawing/2014/main" id="{022721ED-DE7C-4BE7-8FB8-448D5A1D2FA3}"/>
+                </a:ext>
+              </a:extLst>
+            </p:cNvPr>
+            <p:cNvPicPr>
+              <a:picLocks noChangeAspect="1"/>
+            </p:cNvPicPr>
+            <p:nvPr/>
+          </p:nvPicPr>
+          <p:blipFill>
+            <a:blip r:embed="rId2" cstate="print">
+              <a:extLst>
+                <a:ext uri="{28A0092B-C50C-407E-A947-70E740481C1C}">
+                  <a14:useLocalDpi xmlns:a14="http://schemas.microsoft.com/office/drawing/2010/main" val="0"/>
+                </a:ext>
+              </a:extLst>
+            </a:blip>
+            <a:srcRect/>
+            <a:stretch>
+              <a:fillRect/>
+            </a:stretch>
+          </p:blipFill>
+          <p:spPr bwMode="auto">
+            <a:xfrm>
+              <a:off x="8990330" y="5808980"/>
+              <a:ext cx="942340" cy="558800"/>
+            </a:xfrm>
+            <a:prstGeom prst="rect">
+              <a:avLst/>
+            </a:prstGeom>
+            <a:noFill/>
+            <a:ln>
+              <a:noFill/>
+            </a:ln>
+          </p:spPr>
+        </p:pic>
+        <p:sp>
+          <p:nvSpPr>
+            <p:cNvPr id="7" name="Text Box 11">
+              <a:extLst>
+                <a:ext uri="{FF2B5EF4-FFF2-40B4-BE49-F238E27FC236}">
+                  <a16:creationId xmlns:a16="http://schemas.microsoft.com/office/drawing/2014/main" id="{D3B6ED79-9CCE-4997-8EDA-DFDF7934B22B}"/>
+                </a:ext>
+              </a:extLst>
+            </p:cNvPr>
+            <p:cNvSpPr txBox="1"/>
+            <p:nvPr/>
+          </p:nvSpPr>
+          <p:spPr>
+            <a:xfrm>
+              <a:off x="9999980" y="5923280"/>
+              <a:ext cx="2764790" cy="650240"/>
+            </a:xfrm>
+            <a:prstGeom prst="rect">
+              <a:avLst/>
+            </a:prstGeom>
+            <a:noFill/>
+            <a:ln w="6350">
+              <a:noFill/>
+            </a:ln>
+          </p:spPr>
+          <p:txBody>
+            <a:bodyPr rot="0" spcFirstLastPara="0" vert="horz" wrap="square" lIns="91440" tIns="45720" rIns="91440" bIns="45720" numCol="1" spcCol="0" rtlCol="0" fromWordArt="0" anchor="t" anchorCtr="0" forceAA="0" compatLnSpc="1">
+              <a:prstTxWarp prst="textNoShape">
+                <a:avLst/>
+              </a:prstTxWarp>
+              <a:noAutofit/>
+            </a:bodyPr>
+            <a:lstStyle/>
+            <a:p>
+              <a:pPr>
+                <a:lnSpc>
+                  <a:spcPct val="115000"/>
+                </a:lnSpc>
+              </a:pPr>
+              <a:r>
+                <a:rPr lang="en-US" sz="900" b="1">
+                  <a:solidFill>
+                    <a:srgbClr val="44546A"/>
+                  </a:solidFill>
+                  <a:effectLst/>
+                  <a:latin typeface="Calibri" panose="020F0502020204030204" pitchFamily="34" charset="0"/>
+                  <a:ea typeface="Times New Roman" panose="02020603050405020304" pitchFamily="18" charset="0"/>
+                  <a:cs typeface="Times New Roman" panose="02020603050405020304" pitchFamily="18" charset="0"/>
+                </a:rPr>
+                <a:t>Fachhochschule Nordwestschweiz</a:t>
+              </a:r>
+              <a:endParaRPr lang="en-CH" sz="1400" b="1">
+                <a:solidFill>
+                  <a:srgbClr val="44546A"/>
+                </a:solidFill>
+                <a:effectLst/>
+                <a:latin typeface="Calibri" panose="020F0502020204030204" pitchFamily="34" charset="0"/>
+                <a:ea typeface="Times New Roman" panose="02020603050405020304" pitchFamily="18" charset="0"/>
+                <a:cs typeface="Times New Roman" panose="02020603050405020304" pitchFamily="18" charset="0"/>
+              </a:endParaRPr>
+            </a:p>
+            <a:p>
+              <a:pPr>
+                <a:lnSpc>
+                  <a:spcPct val="115000"/>
+                </a:lnSpc>
+              </a:pPr>
+              <a:r>
+                <a:rPr lang="en-US" sz="900" b="1">
+                  <a:solidFill>
+                    <a:srgbClr val="44546A"/>
+                  </a:solidFill>
+                  <a:effectLst/>
+                  <a:latin typeface="Calibri" panose="020F0502020204030204" pitchFamily="34" charset="0"/>
+                  <a:ea typeface="Times New Roman" panose="02020603050405020304" pitchFamily="18" charset="0"/>
+                  <a:cs typeface="Times New Roman" panose="02020603050405020304" pitchFamily="18" charset="0"/>
+                </a:rPr>
+                <a:t>Hochschule für Technik</a:t>
+              </a:r>
+              <a:endParaRPr lang="en-CH" sz="1400" b="1">
+                <a:solidFill>
+                  <a:srgbClr val="44546A"/>
+                </a:solidFill>
+                <a:effectLst/>
+                <a:latin typeface="Calibri" panose="020F0502020204030204" pitchFamily="34" charset="0"/>
+                <a:ea typeface="Times New Roman" panose="02020603050405020304" pitchFamily="18" charset="0"/>
+                <a:cs typeface="Times New Roman" panose="02020603050405020304" pitchFamily="18" charset="0"/>
+              </a:endParaRPr>
+            </a:p>
+          </p:txBody>
+        </p:sp>
+      </p:grpSp>
+    </p:spTree>
+    <p:extLst>
+      <p:ext uri="{BB962C8B-B14F-4D97-AF65-F5344CB8AC3E}">
+        <p14:creationId xmlns:p14="http://schemas.microsoft.com/office/powerpoint/2010/main" val="1677253772"/>
+      </p:ext>
+    </p:extLst>
+  </p:cSld>
+  <p:clrMapOvr>
+    <a:masterClrMapping/>
+  </p:clrMapOvr>
+  <mc:AlternateContent xmlns:mc="http://schemas.openxmlformats.org/markup-compatibility/2006" xmlns:p14="http://schemas.microsoft.com/office/powerpoint/2010/main">
+    <mc:Choice Requires="p14">
+      <p:transition spd="med" p14:dur="700">
+        <p:fade/>
+      </p:transition>
+    </mc:Choice>
+    <mc:Fallback xmlns="">
+      <p:transition spd="med">
+        <p:fade/>
+      </p:transition>
+    </mc:Fallback>
+  </mc:AlternateContent>
+</p:sld>
+</file>
+
+<file path=ppt/slides/slide40.xml><?xml version="1.0" encoding="utf-8"?>
 <p:sld xmlns:a="http://schemas.openxmlformats.org/drawingml/2006/main" xmlns:r="http://schemas.openxmlformats.org/officeDocument/2006/relationships" xmlns:p="http://schemas.openxmlformats.org/presentationml/2006/main">
   <p:cSld>
     <p:spTree>
@@ -21092,417 +21929,6 @@
     <p:extLst>
       <p:ext uri="{BB962C8B-B14F-4D97-AF65-F5344CB8AC3E}">
         <p14:creationId xmlns:p14="http://schemas.microsoft.com/office/powerpoint/2010/main" val="1058363306"/>
-      </p:ext>
-    </p:extLst>
-  </p:cSld>
-  <p:clrMapOvr>
-    <a:masterClrMapping/>
-  </p:clrMapOvr>
-  <mc:AlternateContent xmlns:mc="http://schemas.openxmlformats.org/markup-compatibility/2006" xmlns:p14="http://schemas.microsoft.com/office/powerpoint/2010/main">
-    <mc:Choice Requires="p14">
-      <p:transition spd="med" p14:dur="700">
-        <p:fade/>
-      </p:transition>
-    </mc:Choice>
-    <mc:Fallback xmlns="">
-      <p:transition spd="med">
-        <p:fade/>
-      </p:transition>
-    </mc:Fallback>
-  </mc:AlternateContent>
-</p:sld>
-</file>
-
-<file path=ppt/slides/slide4.xml><?xml version="1.0" encoding="utf-8"?>
-<p:sld xmlns:a="http://schemas.openxmlformats.org/drawingml/2006/main" xmlns:r="http://schemas.openxmlformats.org/officeDocument/2006/relationships" xmlns:p="http://schemas.openxmlformats.org/presentationml/2006/main">
-  <p:cSld>
-    <p:spTree>
-      <p:nvGrpSpPr>
-        <p:cNvPr id="1" name=""/>
-        <p:cNvGrpSpPr/>
-        <p:nvPr/>
-      </p:nvGrpSpPr>
-      <p:grpSpPr>
-        <a:xfrm>
-          <a:off x="0" y="0"/>
-          <a:ext cx="0" cy="0"/>
-          <a:chOff x="0" y="0"/>
-          <a:chExt cx="0" cy="0"/>
-        </a:xfrm>
-      </p:grpSpPr>
-      <p:sp>
-        <p:nvSpPr>
-          <p:cNvPr id="2" name="Title 1">
-            <a:extLst>
-              <a:ext uri="{FF2B5EF4-FFF2-40B4-BE49-F238E27FC236}">
-                <a16:creationId xmlns:a16="http://schemas.microsoft.com/office/drawing/2014/main" id="{4808087A-40EC-41E6-A246-BC46343A4BFC}"/>
-              </a:ext>
-            </a:extLst>
-          </p:cNvPr>
-          <p:cNvSpPr>
-            <a:spLocks noGrp="1"/>
-          </p:cNvSpPr>
-          <p:nvPr>
-            <p:ph type="title"/>
-          </p:nvPr>
-        </p:nvSpPr>
-        <p:spPr/>
-        <p:txBody>
-          <a:bodyPr>
-            <a:normAutofit/>
-          </a:bodyPr>
-          <a:lstStyle/>
-          <a:p>
-            <a:r>
-              <a:rPr lang="en-US" b="1" dirty="0" err="1">
-                <a:latin typeface="Arial" panose="020B0604020202020204" pitchFamily="34" charset="0"/>
-                <a:cs typeface="Arial" panose="020B0604020202020204" pitchFamily="34" charset="0"/>
-              </a:rPr>
-              <a:t>Auftrag</a:t>
-            </a:r>
-            <a:br>
-              <a:rPr lang="en-US" b="1" dirty="0">
-                <a:latin typeface="Arial" panose="020B0604020202020204" pitchFamily="34" charset="0"/>
-                <a:cs typeface="Arial" panose="020B0604020202020204" pitchFamily="34" charset="0"/>
-              </a:rPr>
-            </a:br>
-            <a:r>
-              <a:rPr lang="en-US" sz="3600" i="1" dirty="0">
-                <a:latin typeface="Arial" panose="020B0604020202020204" pitchFamily="34" charset="0"/>
-                <a:cs typeface="Arial" panose="020B0604020202020204" pitchFamily="34" charset="0"/>
-              </a:rPr>
-              <a:t>Challenge </a:t>
-            </a:r>
-            <a:r>
-              <a:rPr lang="en-US" sz="3600" i="1" dirty="0" err="1">
-                <a:latin typeface="Arial" panose="020B0604020202020204" pitchFamily="34" charset="0"/>
-                <a:cs typeface="Arial" panose="020B0604020202020204" pitchFamily="34" charset="0"/>
-              </a:rPr>
-              <a:t>Wettermonitor</a:t>
-            </a:r>
-            <a:endParaRPr lang="en-CH" dirty="0"/>
-          </a:p>
-        </p:txBody>
-      </p:sp>
-      <p:sp>
-        <p:nvSpPr>
-          <p:cNvPr id="3" name="Content Placeholder 2">
-            <a:extLst>
-              <a:ext uri="{FF2B5EF4-FFF2-40B4-BE49-F238E27FC236}">
-                <a16:creationId xmlns:a16="http://schemas.microsoft.com/office/drawing/2014/main" id="{F99C80A8-FCE8-4022-B4EC-046CA3785167}"/>
-              </a:ext>
-            </a:extLst>
-          </p:cNvPr>
-          <p:cNvSpPr>
-            <a:spLocks noGrp="1"/>
-          </p:cNvSpPr>
-          <p:nvPr>
-            <p:ph idx="1"/>
-          </p:nvPr>
-        </p:nvSpPr>
-        <p:spPr/>
-        <p:txBody>
-          <a:bodyPr>
-            <a:normAutofit/>
-          </a:bodyPr>
-          <a:lstStyle/>
-          <a:p>
-            <a:r>
-              <a:rPr lang="en-US" dirty="0" err="1"/>
-              <a:t>Wettermonitor</a:t>
-            </a:r>
-            <a:r>
-              <a:rPr lang="en-US" dirty="0"/>
-              <a:t> </a:t>
-            </a:r>
-            <a:r>
-              <a:rPr lang="en-US" dirty="0" err="1"/>
-              <a:t>Seegelclub</a:t>
-            </a:r>
-            <a:r>
-              <a:rPr lang="en-US" dirty="0"/>
-              <a:t> </a:t>
-            </a:r>
-            <a:r>
-              <a:rPr lang="en-US" dirty="0" err="1"/>
-              <a:t>Zürichsee</a:t>
-            </a:r>
-            <a:r>
-              <a:rPr lang="en-US" dirty="0"/>
-              <a:t> </a:t>
-            </a:r>
-          </a:p>
-          <a:p>
-            <a:r>
-              <a:rPr lang="en-US" dirty="0" err="1"/>
-              <a:t>Segeltörns</a:t>
-            </a:r>
-            <a:r>
-              <a:rPr lang="en-US" dirty="0"/>
-              <a:t> </a:t>
-            </a:r>
-            <a:r>
-              <a:rPr lang="en-US" dirty="0" err="1"/>
-              <a:t>sollen</a:t>
-            </a:r>
-            <a:r>
-              <a:rPr lang="en-US" dirty="0"/>
-              <a:t> </a:t>
-            </a:r>
-            <a:r>
-              <a:rPr lang="en-US" dirty="0" err="1"/>
-              <a:t>geplant</a:t>
-            </a:r>
-            <a:r>
-              <a:rPr lang="en-US" dirty="0"/>
-              <a:t> </a:t>
-            </a:r>
-            <a:r>
-              <a:rPr lang="en-US" dirty="0" err="1"/>
-              <a:t>werden</a:t>
-            </a:r>
-            <a:r>
-              <a:rPr lang="en-US" dirty="0"/>
-              <a:t> </a:t>
-            </a:r>
-            <a:r>
-              <a:rPr lang="en-US" dirty="0" err="1"/>
-              <a:t>können</a:t>
-            </a:r>
-            <a:endParaRPr lang="en-US" dirty="0"/>
-          </a:p>
-          <a:p>
-            <a:r>
-              <a:rPr lang="en-US" dirty="0" err="1"/>
-              <a:t>Wettervorhersage</a:t>
-            </a:r>
-            <a:endParaRPr lang="en-US" dirty="0"/>
-          </a:p>
-          <a:p>
-            <a:r>
-              <a:rPr lang="en-US" dirty="0"/>
-              <a:t>Hardware: Raspberry Pi &amp; HMI</a:t>
-            </a:r>
-          </a:p>
-          <a:p>
-            <a:r>
-              <a:rPr lang="en-US" dirty="0"/>
-              <a:t>API </a:t>
-            </a:r>
-            <a:r>
-              <a:rPr lang="en-US" dirty="0" err="1"/>
-              <a:t>Seepolizei</a:t>
-            </a:r>
-            <a:r>
-              <a:rPr lang="en-US" dirty="0"/>
-              <a:t> Zürich</a:t>
-            </a:r>
-          </a:p>
-          <a:p>
-            <a:r>
-              <a:rPr lang="en-US" dirty="0" err="1"/>
-              <a:t>Programmierung</a:t>
-            </a:r>
-            <a:r>
-              <a:rPr lang="en-US" dirty="0"/>
-              <a:t> in Python</a:t>
-            </a:r>
-          </a:p>
-          <a:p>
-            <a:r>
-              <a:rPr lang="en-US" dirty="0" err="1"/>
-              <a:t>Dokumentation</a:t>
-            </a:r>
-            <a:endParaRPr lang="en-CH" dirty="0"/>
-          </a:p>
-        </p:txBody>
-      </p:sp>
-      <p:sp>
-        <p:nvSpPr>
-          <p:cNvPr id="4" name="Slide Number Placeholder 3">
-            <a:extLst>
-              <a:ext uri="{FF2B5EF4-FFF2-40B4-BE49-F238E27FC236}">
-                <a16:creationId xmlns:a16="http://schemas.microsoft.com/office/drawing/2014/main" id="{25E7D99B-055F-46C1-9ED3-2255A4486B53}"/>
-              </a:ext>
-            </a:extLst>
-          </p:cNvPr>
-          <p:cNvSpPr>
-            <a:spLocks noGrp="1"/>
-          </p:cNvSpPr>
-          <p:nvPr>
-            <p:ph type="sldNum" sz="quarter" idx="12"/>
-          </p:nvPr>
-        </p:nvSpPr>
-        <p:spPr/>
-        <p:txBody>
-          <a:bodyPr/>
-          <a:lstStyle/>
-          <a:p>
-            <a:fld id="{0F00D740-55B1-4DC8-A3B5-4535950A93D0}" type="slidenum">
-              <a:rPr lang="en-CH" smtClean="0"/>
-              <a:t>4</a:t>
-            </a:fld>
-            <a:endParaRPr lang="en-CH"/>
-          </a:p>
-        </p:txBody>
-      </p:sp>
-      <p:grpSp>
-        <p:nvGrpSpPr>
-          <p:cNvPr id="5" name="Group 4">
-            <a:extLst>
-              <a:ext uri="{FF2B5EF4-FFF2-40B4-BE49-F238E27FC236}">
-                <a16:creationId xmlns:a16="http://schemas.microsoft.com/office/drawing/2014/main" id="{4EC58CAD-48B2-4835-9E3B-91425F5E9895}"/>
-              </a:ext>
-            </a:extLst>
-          </p:cNvPr>
-          <p:cNvGrpSpPr/>
-          <p:nvPr/>
-        </p:nvGrpSpPr>
-        <p:grpSpPr>
-          <a:xfrm>
-            <a:off x="8990330" y="5808980"/>
-            <a:ext cx="3774440" cy="764540"/>
-            <a:chOff x="8990330" y="5808980"/>
-            <a:chExt cx="3774440" cy="764540"/>
-          </a:xfrm>
-        </p:grpSpPr>
-        <p:pic>
-          <p:nvPicPr>
-            <p:cNvPr id="6" name="Picture 5">
-              <a:extLst>
-                <a:ext uri="{FF2B5EF4-FFF2-40B4-BE49-F238E27FC236}">
-                  <a16:creationId xmlns:a16="http://schemas.microsoft.com/office/drawing/2014/main" id="{022721ED-DE7C-4BE7-8FB8-448D5A1D2FA3}"/>
-                </a:ext>
-              </a:extLst>
-            </p:cNvPr>
-            <p:cNvPicPr>
-              <a:picLocks noChangeAspect="1"/>
-            </p:cNvPicPr>
-            <p:nvPr/>
-          </p:nvPicPr>
-          <p:blipFill>
-            <a:blip r:embed="rId2" cstate="print">
-              <a:extLst>
-                <a:ext uri="{28A0092B-C50C-407E-A947-70E740481C1C}">
-                  <a14:useLocalDpi xmlns:a14="http://schemas.microsoft.com/office/drawing/2010/main" val="0"/>
-                </a:ext>
-              </a:extLst>
-            </a:blip>
-            <a:srcRect/>
-            <a:stretch>
-              <a:fillRect/>
-            </a:stretch>
-          </p:blipFill>
-          <p:spPr bwMode="auto">
-            <a:xfrm>
-              <a:off x="8990330" y="5808980"/>
-              <a:ext cx="942340" cy="558800"/>
-            </a:xfrm>
-            <a:prstGeom prst="rect">
-              <a:avLst/>
-            </a:prstGeom>
-            <a:noFill/>
-            <a:ln>
-              <a:noFill/>
-            </a:ln>
-          </p:spPr>
-        </p:pic>
-        <p:sp>
-          <p:nvSpPr>
-            <p:cNvPr id="7" name="Text Box 11">
-              <a:extLst>
-                <a:ext uri="{FF2B5EF4-FFF2-40B4-BE49-F238E27FC236}">
-                  <a16:creationId xmlns:a16="http://schemas.microsoft.com/office/drawing/2014/main" id="{D3B6ED79-9CCE-4997-8EDA-DFDF7934B22B}"/>
-                </a:ext>
-              </a:extLst>
-            </p:cNvPr>
-            <p:cNvSpPr txBox="1"/>
-            <p:nvPr/>
-          </p:nvSpPr>
-          <p:spPr>
-            <a:xfrm>
-              <a:off x="9999980" y="5923280"/>
-              <a:ext cx="2764790" cy="650240"/>
-            </a:xfrm>
-            <a:prstGeom prst="rect">
-              <a:avLst/>
-            </a:prstGeom>
-            <a:noFill/>
-            <a:ln w="6350">
-              <a:noFill/>
-            </a:ln>
-          </p:spPr>
-          <p:txBody>
-            <a:bodyPr rot="0" spcFirstLastPara="0" vert="horz" wrap="square" lIns="91440" tIns="45720" rIns="91440" bIns="45720" numCol="1" spcCol="0" rtlCol="0" fromWordArt="0" anchor="t" anchorCtr="0" forceAA="0" compatLnSpc="1">
-              <a:prstTxWarp prst="textNoShape">
-                <a:avLst/>
-              </a:prstTxWarp>
-              <a:noAutofit/>
-            </a:bodyPr>
-            <a:lstStyle/>
-            <a:p>
-              <a:pPr>
-                <a:lnSpc>
-                  <a:spcPct val="115000"/>
-                </a:lnSpc>
-              </a:pPr>
-              <a:r>
-                <a:rPr lang="en-US" sz="900" b="1">
-                  <a:solidFill>
-                    <a:srgbClr val="44546A"/>
-                  </a:solidFill>
-                  <a:effectLst/>
-                  <a:latin typeface="Calibri" panose="020F0502020204030204" pitchFamily="34" charset="0"/>
-                  <a:ea typeface="Times New Roman" panose="02020603050405020304" pitchFamily="18" charset="0"/>
-                  <a:cs typeface="Times New Roman" panose="02020603050405020304" pitchFamily="18" charset="0"/>
-                </a:rPr>
-                <a:t>Fachhochschule Nordwestschweiz</a:t>
-              </a:r>
-              <a:endParaRPr lang="en-CH" sz="1400" b="1">
-                <a:solidFill>
-                  <a:srgbClr val="44546A"/>
-                </a:solidFill>
-                <a:effectLst/>
-                <a:latin typeface="Calibri" panose="020F0502020204030204" pitchFamily="34" charset="0"/>
-                <a:ea typeface="Times New Roman" panose="02020603050405020304" pitchFamily="18" charset="0"/>
-                <a:cs typeface="Times New Roman" panose="02020603050405020304" pitchFamily="18" charset="0"/>
-              </a:endParaRPr>
-            </a:p>
-            <a:p>
-              <a:pPr>
-                <a:lnSpc>
-                  <a:spcPct val="115000"/>
-                </a:lnSpc>
-              </a:pPr>
-              <a:r>
-                <a:rPr lang="en-US" sz="900" b="1">
-                  <a:solidFill>
-                    <a:srgbClr val="44546A"/>
-                  </a:solidFill>
-                  <a:effectLst/>
-                  <a:latin typeface="Calibri" panose="020F0502020204030204" pitchFamily="34" charset="0"/>
-                  <a:ea typeface="Times New Roman" panose="02020603050405020304" pitchFamily="18" charset="0"/>
-                  <a:cs typeface="Times New Roman" panose="02020603050405020304" pitchFamily="18" charset="0"/>
-                </a:rPr>
-                <a:t>Hochschule für Technik</a:t>
-              </a:r>
-              <a:endParaRPr lang="en-CH" sz="1400" b="1">
-                <a:solidFill>
-                  <a:srgbClr val="44546A"/>
-                </a:solidFill>
-                <a:effectLst/>
-                <a:latin typeface="Calibri" panose="020F0502020204030204" pitchFamily="34" charset="0"/>
-                <a:ea typeface="Times New Roman" panose="02020603050405020304" pitchFamily="18" charset="0"/>
-                <a:cs typeface="Times New Roman" panose="02020603050405020304" pitchFamily="18" charset="0"/>
-              </a:endParaRPr>
-            </a:p>
-          </p:txBody>
-        </p:sp>
-      </p:grpSp>
-    </p:spTree>
-    <p:extLst>
-      <p:ext uri="{BB962C8B-B14F-4D97-AF65-F5344CB8AC3E}">
-        <p14:creationId xmlns:p14="http://schemas.microsoft.com/office/powerpoint/2010/main" val="1677253772"/>
       </p:ext>
     </p:extLst>
   </p:cSld>

--- a/Powerpoint v3.pptx
+++ b/Powerpoint v3.pptx
@@ -5,7 +5,7 @@
     <p:sldMasterId id="2147483648" r:id="rId1"/>
   </p:sldMasterIdLst>
   <p:notesMasterIdLst>
-    <p:notesMasterId r:id="rId42"/>
+    <p:notesMasterId r:id="rId43"/>
   </p:notesMasterIdLst>
   <p:sldIdLst>
     <p:sldId id="256" r:id="rId2"/>
@@ -45,9 +45,10 @@
     <p:sldId id="285" r:id="rId36"/>
     <p:sldId id="293" r:id="rId37"/>
     <p:sldId id="271" r:id="rId38"/>
-    <p:sldId id="294" r:id="rId39"/>
-    <p:sldId id="283" r:id="rId40"/>
-    <p:sldId id="286" r:id="rId41"/>
+    <p:sldId id="308" r:id="rId39"/>
+    <p:sldId id="294" r:id="rId40"/>
+    <p:sldId id="283" r:id="rId41"/>
+    <p:sldId id="286" r:id="rId42"/>
   </p:sldIdLst>
   <p:sldSz cx="12192000" cy="6858000"/>
   <p:notesSz cx="6858000" cy="9144000"/>
@@ -220,6 +221,7 @@
           <p14:sldIdLst>
             <p14:sldId id="293"/>
             <p14:sldId id="271"/>
+            <p14:sldId id="308"/>
           </p14:sldIdLst>
         </p14:section>
         <p14:section name="Weiterentwicklung" id="{EE8E4629-1559-4CA7-B565-B1B44D98D62E}">
@@ -638,7 +640,7 @@
           <a:p>
             <a:fld id="{6653C7EC-378C-496A-9946-B9D0B56795BD}" type="datetimeFigureOut">
               <a:rPr lang="en-CH" smtClean="0"/>
-              <a:t>01/24/2022</a:t>
+              <a:t>01/25/2022</a:t>
             </a:fld>
             <a:endParaRPr lang="en-CH"/>
           </a:p>
@@ -950,6 +952,1485 @@
           <a:bodyPr/>
           <a:lstStyle/>
           <a:p>
+            <a:r>
+              <a:rPr lang="en-US" dirty="0"/>
+              <a:t>Etienne:</a:t>
+            </a:r>
+          </a:p>
+        </p:txBody>
+      </p:sp>
+      <p:sp>
+        <p:nvSpPr>
+          <p:cNvPr id="4" name="Foliennummernplatzhalter 3"/>
+          <p:cNvSpPr>
+            <a:spLocks noGrp="1"/>
+          </p:cNvSpPr>
+          <p:nvPr>
+            <p:ph type="sldNum" sz="quarter" idx="5"/>
+          </p:nvPr>
+        </p:nvSpPr>
+        <p:spPr/>
+        <p:txBody>
+          <a:bodyPr/>
+          <a:lstStyle/>
+          <a:p>
+            <a:fld id="{D4CE1BAB-7B68-4C87-8549-54F078DDFB49}" type="slidenum">
+              <a:rPr lang="en-CH" smtClean="0"/>
+              <a:t>1</a:t>
+            </a:fld>
+            <a:endParaRPr lang="en-CH"/>
+          </a:p>
+        </p:txBody>
+      </p:sp>
+    </p:spTree>
+    <p:extLst>
+      <p:ext uri="{BB962C8B-B14F-4D97-AF65-F5344CB8AC3E}">
+        <p14:creationId xmlns:p14="http://schemas.microsoft.com/office/powerpoint/2010/main" val="1704950304"/>
+      </p:ext>
+    </p:extLst>
+  </p:cSld>
+  <p:clrMapOvr>
+    <a:masterClrMapping/>
+  </p:clrMapOvr>
+</p:notes>
+</file>
+
+<file path=ppt/notesSlides/notesSlide10.xml><?xml version="1.0" encoding="utf-8"?>
+<p:notes xmlns:a="http://schemas.openxmlformats.org/drawingml/2006/main" xmlns:r="http://schemas.openxmlformats.org/officeDocument/2006/relationships" xmlns:p="http://schemas.openxmlformats.org/presentationml/2006/main">
+  <p:cSld>
+    <p:spTree>
+      <p:nvGrpSpPr>
+        <p:cNvPr id="1" name=""/>
+        <p:cNvGrpSpPr/>
+        <p:nvPr/>
+      </p:nvGrpSpPr>
+      <p:grpSpPr>
+        <a:xfrm>
+          <a:off x="0" y="0"/>
+          <a:ext cx="0" cy="0"/>
+          <a:chOff x="0" y="0"/>
+          <a:chExt cx="0" cy="0"/>
+        </a:xfrm>
+      </p:grpSpPr>
+      <p:sp>
+        <p:nvSpPr>
+          <p:cNvPr id="2" name="Folienbildplatzhalter 1"/>
+          <p:cNvSpPr>
+            <a:spLocks noGrp="1" noRot="1" noChangeAspect="1"/>
+          </p:cNvSpPr>
+          <p:nvPr>
+            <p:ph type="sldImg"/>
+          </p:nvPr>
+        </p:nvSpPr>
+        <p:spPr/>
+      </p:sp>
+      <p:sp>
+        <p:nvSpPr>
+          <p:cNvPr id="3" name="Notizenplatzhalter 2"/>
+          <p:cNvSpPr>
+            <a:spLocks noGrp="1"/>
+          </p:cNvSpPr>
+          <p:nvPr>
+            <p:ph type="body" idx="1"/>
+          </p:nvPr>
+        </p:nvSpPr>
+        <p:spPr/>
+        <p:txBody>
+          <a:bodyPr/>
+          <a:lstStyle/>
+          <a:p>
+            <a:r>
+              <a:rPr lang="en-US" dirty="0"/>
+              <a:t>Sean:</a:t>
+            </a:r>
+          </a:p>
+        </p:txBody>
+      </p:sp>
+      <p:sp>
+        <p:nvSpPr>
+          <p:cNvPr id="4" name="Foliennummernplatzhalter 3"/>
+          <p:cNvSpPr>
+            <a:spLocks noGrp="1"/>
+          </p:cNvSpPr>
+          <p:nvPr>
+            <p:ph type="sldNum" sz="quarter" idx="5"/>
+          </p:nvPr>
+        </p:nvSpPr>
+        <p:spPr/>
+        <p:txBody>
+          <a:bodyPr/>
+          <a:lstStyle/>
+          <a:p>
+            <a:fld id="{D4CE1BAB-7B68-4C87-8549-54F078DDFB49}" type="slidenum">
+              <a:rPr lang="en-CH" smtClean="0"/>
+              <a:t>10</a:t>
+            </a:fld>
+            <a:endParaRPr lang="en-CH"/>
+          </a:p>
+        </p:txBody>
+      </p:sp>
+    </p:spTree>
+    <p:extLst>
+      <p:ext uri="{BB962C8B-B14F-4D97-AF65-F5344CB8AC3E}">
+        <p14:creationId xmlns:p14="http://schemas.microsoft.com/office/powerpoint/2010/main" val="40447722"/>
+      </p:ext>
+    </p:extLst>
+  </p:cSld>
+  <p:clrMapOvr>
+    <a:masterClrMapping/>
+  </p:clrMapOvr>
+</p:notes>
+</file>
+
+<file path=ppt/notesSlides/notesSlide11.xml><?xml version="1.0" encoding="utf-8"?>
+<p:notes xmlns:a="http://schemas.openxmlformats.org/drawingml/2006/main" xmlns:r="http://schemas.openxmlformats.org/officeDocument/2006/relationships" xmlns:p="http://schemas.openxmlformats.org/presentationml/2006/main">
+  <p:cSld>
+    <p:spTree>
+      <p:nvGrpSpPr>
+        <p:cNvPr id="1" name=""/>
+        <p:cNvGrpSpPr/>
+        <p:nvPr/>
+      </p:nvGrpSpPr>
+      <p:grpSpPr>
+        <a:xfrm>
+          <a:off x="0" y="0"/>
+          <a:ext cx="0" cy="0"/>
+          <a:chOff x="0" y="0"/>
+          <a:chExt cx="0" cy="0"/>
+        </a:xfrm>
+      </p:grpSpPr>
+      <p:sp>
+        <p:nvSpPr>
+          <p:cNvPr id="2" name="Folienbildplatzhalter 1"/>
+          <p:cNvSpPr>
+            <a:spLocks noGrp="1" noRot="1" noChangeAspect="1"/>
+          </p:cNvSpPr>
+          <p:nvPr>
+            <p:ph type="sldImg"/>
+          </p:nvPr>
+        </p:nvSpPr>
+        <p:spPr/>
+      </p:sp>
+      <p:sp>
+        <p:nvSpPr>
+          <p:cNvPr id="3" name="Notizenplatzhalter 2"/>
+          <p:cNvSpPr>
+            <a:spLocks noGrp="1"/>
+          </p:cNvSpPr>
+          <p:nvPr>
+            <p:ph type="body" idx="1"/>
+          </p:nvPr>
+        </p:nvSpPr>
+        <p:spPr/>
+        <p:txBody>
+          <a:bodyPr/>
+          <a:lstStyle/>
+          <a:p>
+            <a:r>
+              <a:rPr lang="en-US" dirty="0"/>
+              <a:t>Sean:</a:t>
+            </a:r>
+          </a:p>
+        </p:txBody>
+      </p:sp>
+      <p:sp>
+        <p:nvSpPr>
+          <p:cNvPr id="4" name="Foliennummernplatzhalter 3"/>
+          <p:cNvSpPr>
+            <a:spLocks noGrp="1"/>
+          </p:cNvSpPr>
+          <p:nvPr>
+            <p:ph type="sldNum" sz="quarter" idx="5"/>
+          </p:nvPr>
+        </p:nvSpPr>
+        <p:spPr/>
+        <p:txBody>
+          <a:bodyPr/>
+          <a:lstStyle/>
+          <a:p>
+            <a:fld id="{D4CE1BAB-7B68-4C87-8549-54F078DDFB49}" type="slidenum">
+              <a:rPr lang="en-CH" smtClean="0"/>
+              <a:t>11</a:t>
+            </a:fld>
+            <a:endParaRPr lang="en-CH"/>
+          </a:p>
+        </p:txBody>
+      </p:sp>
+    </p:spTree>
+    <p:extLst>
+      <p:ext uri="{BB962C8B-B14F-4D97-AF65-F5344CB8AC3E}">
+        <p14:creationId xmlns:p14="http://schemas.microsoft.com/office/powerpoint/2010/main" val="346020164"/>
+      </p:ext>
+    </p:extLst>
+  </p:cSld>
+  <p:clrMapOvr>
+    <a:masterClrMapping/>
+  </p:clrMapOvr>
+</p:notes>
+</file>
+
+<file path=ppt/notesSlides/notesSlide12.xml><?xml version="1.0" encoding="utf-8"?>
+<p:notes xmlns:a="http://schemas.openxmlformats.org/drawingml/2006/main" xmlns:r="http://schemas.openxmlformats.org/officeDocument/2006/relationships" xmlns:p="http://schemas.openxmlformats.org/presentationml/2006/main">
+  <p:cSld>
+    <p:spTree>
+      <p:nvGrpSpPr>
+        <p:cNvPr id="1" name=""/>
+        <p:cNvGrpSpPr/>
+        <p:nvPr/>
+      </p:nvGrpSpPr>
+      <p:grpSpPr>
+        <a:xfrm>
+          <a:off x="0" y="0"/>
+          <a:ext cx="0" cy="0"/>
+          <a:chOff x="0" y="0"/>
+          <a:chExt cx="0" cy="0"/>
+        </a:xfrm>
+      </p:grpSpPr>
+      <p:sp>
+        <p:nvSpPr>
+          <p:cNvPr id="2" name="Folienbildplatzhalter 1"/>
+          <p:cNvSpPr>
+            <a:spLocks noGrp="1" noRot="1" noChangeAspect="1"/>
+          </p:cNvSpPr>
+          <p:nvPr>
+            <p:ph type="sldImg"/>
+          </p:nvPr>
+        </p:nvSpPr>
+        <p:spPr/>
+      </p:sp>
+      <p:sp>
+        <p:nvSpPr>
+          <p:cNvPr id="3" name="Notizenplatzhalter 2"/>
+          <p:cNvSpPr>
+            <a:spLocks noGrp="1"/>
+          </p:cNvSpPr>
+          <p:nvPr>
+            <p:ph type="body" idx="1"/>
+          </p:nvPr>
+        </p:nvSpPr>
+        <p:spPr/>
+        <p:txBody>
+          <a:bodyPr/>
+          <a:lstStyle/>
+          <a:p>
+            <a:r>
+              <a:rPr lang="en-US" dirty="0"/>
+              <a:t>Sean:</a:t>
+            </a:r>
+          </a:p>
+        </p:txBody>
+      </p:sp>
+      <p:sp>
+        <p:nvSpPr>
+          <p:cNvPr id="4" name="Foliennummernplatzhalter 3"/>
+          <p:cNvSpPr>
+            <a:spLocks noGrp="1"/>
+          </p:cNvSpPr>
+          <p:nvPr>
+            <p:ph type="sldNum" sz="quarter" idx="5"/>
+          </p:nvPr>
+        </p:nvSpPr>
+        <p:spPr/>
+        <p:txBody>
+          <a:bodyPr/>
+          <a:lstStyle/>
+          <a:p>
+            <a:fld id="{D4CE1BAB-7B68-4C87-8549-54F078DDFB49}" type="slidenum">
+              <a:rPr lang="en-CH" smtClean="0"/>
+              <a:t>12</a:t>
+            </a:fld>
+            <a:endParaRPr lang="en-CH"/>
+          </a:p>
+        </p:txBody>
+      </p:sp>
+    </p:spTree>
+    <p:extLst>
+      <p:ext uri="{BB962C8B-B14F-4D97-AF65-F5344CB8AC3E}">
+        <p14:creationId xmlns:p14="http://schemas.microsoft.com/office/powerpoint/2010/main" val="2344397250"/>
+      </p:ext>
+    </p:extLst>
+  </p:cSld>
+  <p:clrMapOvr>
+    <a:masterClrMapping/>
+  </p:clrMapOvr>
+</p:notes>
+</file>
+
+<file path=ppt/notesSlides/notesSlide13.xml><?xml version="1.0" encoding="utf-8"?>
+<p:notes xmlns:a="http://schemas.openxmlformats.org/drawingml/2006/main" xmlns:r="http://schemas.openxmlformats.org/officeDocument/2006/relationships" xmlns:p="http://schemas.openxmlformats.org/presentationml/2006/main">
+  <p:cSld>
+    <p:spTree>
+      <p:nvGrpSpPr>
+        <p:cNvPr id="1" name=""/>
+        <p:cNvGrpSpPr/>
+        <p:nvPr/>
+      </p:nvGrpSpPr>
+      <p:grpSpPr>
+        <a:xfrm>
+          <a:off x="0" y="0"/>
+          <a:ext cx="0" cy="0"/>
+          <a:chOff x="0" y="0"/>
+          <a:chExt cx="0" cy="0"/>
+        </a:xfrm>
+      </p:grpSpPr>
+      <p:sp>
+        <p:nvSpPr>
+          <p:cNvPr id="2" name="Folienbildplatzhalter 1"/>
+          <p:cNvSpPr>
+            <a:spLocks noGrp="1" noRot="1" noChangeAspect="1"/>
+          </p:cNvSpPr>
+          <p:nvPr>
+            <p:ph type="sldImg"/>
+          </p:nvPr>
+        </p:nvSpPr>
+        <p:spPr/>
+      </p:sp>
+      <p:sp>
+        <p:nvSpPr>
+          <p:cNvPr id="3" name="Notizenplatzhalter 2"/>
+          <p:cNvSpPr>
+            <a:spLocks noGrp="1"/>
+          </p:cNvSpPr>
+          <p:nvPr>
+            <p:ph type="body" idx="1"/>
+          </p:nvPr>
+        </p:nvSpPr>
+        <p:spPr/>
+        <p:txBody>
+          <a:bodyPr/>
+          <a:lstStyle/>
+          <a:p>
+            <a:r>
+              <a:rPr lang="en-US" dirty="0"/>
+              <a:t>Sean:</a:t>
+            </a:r>
+          </a:p>
+        </p:txBody>
+      </p:sp>
+      <p:sp>
+        <p:nvSpPr>
+          <p:cNvPr id="4" name="Foliennummernplatzhalter 3"/>
+          <p:cNvSpPr>
+            <a:spLocks noGrp="1"/>
+          </p:cNvSpPr>
+          <p:nvPr>
+            <p:ph type="sldNum" sz="quarter" idx="5"/>
+          </p:nvPr>
+        </p:nvSpPr>
+        <p:spPr/>
+        <p:txBody>
+          <a:bodyPr/>
+          <a:lstStyle/>
+          <a:p>
+            <a:fld id="{D4CE1BAB-7B68-4C87-8549-54F078DDFB49}" type="slidenum">
+              <a:rPr lang="en-CH" smtClean="0"/>
+              <a:t>13</a:t>
+            </a:fld>
+            <a:endParaRPr lang="en-CH"/>
+          </a:p>
+        </p:txBody>
+      </p:sp>
+    </p:spTree>
+    <p:extLst>
+      <p:ext uri="{BB962C8B-B14F-4D97-AF65-F5344CB8AC3E}">
+        <p14:creationId xmlns:p14="http://schemas.microsoft.com/office/powerpoint/2010/main" val="340093343"/>
+      </p:ext>
+    </p:extLst>
+  </p:cSld>
+  <p:clrMapOvr>
+    <a:masterClrMapping/>
+  </p:clrMapOvr>
+</p:notes>
+</file>
+
+<file path=ppt/notesSlides/notesSlide14.xml><?xml version="1.0" encoding="utf-8"?>
+<p:notes xmlns:a="http://schemas.openxmlformats.org/drawingml/2006/main" xmlns:r="http://schemas.openxmlformats.org/officeDocument/2006/relationships" xmlns:p="http://schemas.openxmlformats.org/presentationml/2006/main">
+  <p:cSld>
+    <p:spTree>
+      <p:nvGrpSpPr>
+        <p:cNvPr id="1" name=""/>
+        <p:cNvGrpSpPr/>
+        <p:nvPr/>
+      </p:nvGrpSpPr>
+      <p:grpSpPr>
+        <a:xfrm>
+          <a:off x="0" y="0"/>
+          <a:ext cx="0" cy="0"/>
+          <a:chOff x="0" y="0"/>
+          <a:chExt cx="0" cy="0"/>
+        </a:xfrm>
+      </p:grpSpPr>
+      <p:sp>
+        <p:nvSpPr>
+          <p:cNvPr id="2" name="Folienbildplatzhalter 1"/>
+          <p:cNvSpPr>
+            <a:spLocks noGrp="1" noRot="1" noChangeAspect="1"/>
+          </p:cNvSpPr>
+          <p:nvPr>
+            <p:ph type="sldImg"/>
+          </p:nvPr>
+        </p:nvSpPr>
+        <p:spPr/>
+      </p:sp>
+      <p:sp>
+        <p:nvSpPr>
+          <p:cNvPr id="3" name="Notizenplatzhalter 2"/>
+          <p:cNvSpPr>
+            <a:spLocks noGrp="1"/>
+          </p:cNvSpPr>
+          <p:nvPr>
+            <p:ph type="body" idx="1"/>
+          </p:nvPr>
+        </p:nvSpPr>
+        <p:spPr/>
+        <p:txBody>
+          <a:bodyPr/>
+          <a:lstStyle/>
+          <a:p>
+            <a:r>
+              <a:rPr lang="en-US" dirty="0"/>
+              <a:t>Sean:</a:t>
+            </a:r>
+          </a:p>
+        </p:txBody>
+      </p:sp>
+      <p:sp>
+        <p:nvSpPr>
+          <p:cNvPr id="4" name="Foliennummernplatzhalter 3"/>
+          <p:cNvSpPr>
+            <a:spLocks noGrp="1"/>
+          </p:cNvSpPr>
+          <p:nvPr>
+            <p:ph type="sldNum" sz="quarter" idx="5"/>
+          </p:nvPr>
+        </p:nvSpPr>
+        <p:spPr/>
+        <p:txBody>
+          <a:bodyPr/>
+          <a:lstStyle/>
+          <a:p>
+            <a:fld id="{D4CE1BAB-7B68-4C87-8549-54F078DDFB49}" type="slidenum">
+              <a:rPr lang="en-CH" smtClean="0"/>
+              <a:t>14</a:t>
+            </a:fld>
+            <a:endParaRPr lang="en-CH"/>
+          </a:p>
+        </p:txBody>
+      </p:sp>
+    </p:spTree>
+    <p:extLst>
+      <p:ext uri="{BB962C8B-B14F-4D97-AF65-F5344CB8AC3E}">
+        <p14:creationId xmlns:p14="http://schemas.microsoft.com/office/powerpoint/2010/main" val="2872509299"/>
+      </p:ext>
+    </p:extLst>
+  </p:cSld>
+  <p:clrMapOvr>
+    <a:masterClrMapping/>
+  </p:clrMapOvr>
+</p:notes>
+</file>
+
+<file path=ppt/notesSlides/notesSlide15.xml><?xml version="1.0" encoding="utf-8"?>
+<p:notes xmlns:a="http://schemas.openxmlformats.org/drawingml/2006/main" xmlns:r="http://schemas.openxmlformats.org/officeDocument/2006/relationships" xmlns:p="http://schemas.openxmlformats.org/presentationml/2006/main">
+  <p:cSld>
+    <p:spTree>
+      <p:nvGrpSpPr>
+        <p:cNvPr id="1" name=""/>
+        <p:cNvGrpSpPr/>
+        <p:nvPr/>
+      </p:nvGrpSpPr>
+      <p:grpSpPr>
+        <a:xfrm>
+          <a:off x="0" y="0"/>
+          <a:ext cx="0" cy="0"/>
+          <a:chOff x="0" y="0"/>
+          <a:chExt cx="0" cy="0"/>
+        </a:xfrm>
+      </p:grpSpPr>
+      <p:sp>
+        <p:nvSpPr>
+          <p:cNvPr id="2" name="Folienbildplatzhalter 1"/>
+          <p:cNvSpPr>
+            <a:spLocks noGrp="1" noRot="1" noChangeAspect="1"/>
+          </p:cNvSpPr>
+          <p:nvPr>
+            <p:ph type="sldImg"/>
+          </p:nvPr>
+        </p:nvSpPr>
+        <p:spPr/>
+      </p:sp>
+      <p:sp>
+        <p:nvSpPr>
+          <p:cNvPr id="3" name="Notizenplatzhalter 2"/>
+          <p:cNvSpPr>
+            <a:spLocks noGrp="1"/>
+          </p:cNvSpPr>
+          <p:nvPr>
+            <p:ph type="body" idx="1"/>
+          </p:nvPr>
+        </p:nvSpPr>
+        <p:spPr/>
+        <p:txBody>
+          <a:bodyPr/>
+          <a:lstStyle/>
+          <a:p>
+            <a:r>
+              <a:rPr lang="en-US" dirty="0"/>
+              <a:t>Tobias:</a:t>
+            </a:r>
+          </a:p>
+        </p:txBody>
+      </p:sp>
+      <p:sp>
+        <p:nvSpPr>
+          <p:cNvPr id="4" name="Foliennummernplatzhalter 3"/>
+          <p:cNvSpPr>
+            <a:spLocks noGrp="1"/>
+          </p:cNvSpPr>
+          <p:nvPr>
+            <p:ph type="sldNum" sz="quarter" idx="5"/>
+          </p:nvPr>
+        </p:nvSpPr>
+        <p:spPr/>
+        <p:txBody>
+          <a:bodyPr/>
+          <a:lstStyle/>
+          <a:p>
+            <a:fld id="{D4CE1BAB-7B68-4C87-8549-54F078DDFB49}" type="slidenum">
+              <a:rPr lang="en-CH" smtClean="0"/>
+              <a:t>15</a:t>
+            </a:fld>
+            <a:endParaRPr lang="en-CH"/>
+          </a:p>
+        </p:txBody>
+      </p:sp>
+    </p:spTree>
+    <p:extLst>
+      <p:ext uri="{BB962C8B-B14F-4D97-AF65-F5344CB8AC3E}">
+        <p14:creationId xmlns:p14="http://schemas.microsoft.com/office/powerpoint/2010/main" val="116094608"/>
+      </p:ext>
+    </p:extLst>
+  </p:cSld>
+  <p:clrMapOvr>
+    <a:masterClrMapping/>
+  </p:clrMapOvr>
+</p:notes>
+</file>
+
+<file path=ppt/notesSlides/notesSlide16.xml><?xml version="1.0" encoding="utf-8"?>
+<p:notes xmlns:a="http://schemas.openxmlformats.org/drawingml/2006/main" xmlns:r="http://schemas.openxmlformats.org/officeDocument/2006/relationships" xmlns:p="http://schemas.openxmlformats.org/presentationml/2006/main">
+  <p:cSld>
+    <p:spTree>
+      <p:nvGrpSpPr>
+        <p:cNvPr id="1" name=""/>
+        <p:cNvGrpSpPr/>
+        <p:nvPr/>
+      </p:nvGrpSpPr>
+      <p:grpSpPr>
+        <a:xfrm>
+          <a:off x="0" y="0"/>
+          <a:ext cx="0" cy="0"/>
+          <a:chOff x="0" y="0"/>
+          <a:chExt cx="0" cy="0"/>
+        </a:xfrm>
+      </p:grpSpPr>
+      <p:sp>
+        <p:nvSpPr>
+          <p:cNvPr id="2" name="Folienbildplatzhalter 1"/>
+          <p:cNvSpPr>
+            <a:spLocks noGrp="1" noRot="1" noChangeAspect="1"/>
+          </p:cNvSpPr>
+          <p:nvPr>
+            <p:ph type="sldImg"/>
+          </p:nvPr>
+        </p:nvSpPr>
+        <p:spPr/>
+      </p:sp>
+      <p:sp>
+        <p:nvSpPr>
+          <p:cNvPr id="3" name="Notizenplatzhalter 2"/>
+          <p:cNvSpPr>
+            <a:spLocks noGrp="1"/>
+          </p:cNvSpPr>
+          <p:nvPr>
+            <p:ph type="body" idx="1"/>
+          </p:nvPr>
+        </p:nvSpPr>
+        <p:spPr/>
+        <p:txBody>
+          <a:bodyPr/>
+          <a:lstStyle/>
+          <a:p>
+            <a:r>
+              <a:rPr lang="en-US" dirty="0"/>
+              <a:t>Tobias:</a:t>
+            </a:r>
+          </a:p>
+        </p:txBody>
+      </p:sp>
+      <p:sp>
+        <p:nvSpPr>
+          <p:cNvPr id="4" name="Foliennummernplatzhalter 3"/>
+          <p:cNvSpPr>
+            <a:spLocks noGrp="1"/>
+          </p:cNvSpPr>
+          <p:nvPr>
+            <p:ph type="sldNum" sz="quarter" idx="5"/>
+          </p:nvPr>
+        </p:nvSpPr>
+        <p:spPr/>
+        <p:txBody>
+          <a:bodyPr/>
+          <a:lstStyle/>
+          <a:p>
+            <a:fld id="{D4CE1BAB-7B68-4C87-8549-54F078DDFB49}" type="slidenum">
+              <a:rPr lang="en-CH" smtClean="0"/>
+              <a:t>16</a:t>
+            </a:fld>
+            <a:endParaRPr lang="en-CH"/>
+          </a:p>
+        </p:txBody>
+      </p:sp>
+    </p:spTree>
+    <p:extLst>
+      <p:ext uri="{BB962C8B-B14F-4D97-AF65-F5344CB8AC3E}">
+        <p14:creationId xmlns:p14="http://schemas.microsoft.com/office/powerpoint/2010/main" val="656804415"/>
+      </p:ext>
+    </p:extLst>
+  </p:cSld>
+  <p:clrMapOvr>
+    <a:masterClrMapping/>
+  </p:clrMapOvr>
+</p:notes>
+</file>
+
+<file path=ppt/notesSlides/notesSlide17.xml><?xml version="1.0" encoding="utf-8"?>
+<p:notes xmlns:a="http://schemas.openxmlformats.org/drawingml/2006/main" xmlns:r="http://schemas.openxmlformats.org/officeDocument/2006/relationships" xmlns:p="http://schemas.openxmlformats.org/presentationml/2006/main">
+  <p:cSld>
+    <p:spTree>
+      <p:nvGrpSpPr>
+        <p:cNvPr id="1" name=""/>
+        <p:cNvGrpSpPr/>
+        <p:nvPr/>
+      </p:nvGrpSpPr>
+      <p:grpSpPr>
+        <a:xfrm>
+          <a:off x="0" y="0"/>
+          <a:ext cx="0" cy="0"/>
+          <a:chOff x="0" y="0"/>
+          <a:chExt cx="0" cy="0"/>
+        </a:xfrm>
+      </p:grpSpPr>
+      <p:sp>
+        <p:nvSpPr>
+          <p:cNvPr id="2" name="Folienbildplatzhalter 1"/>
+          <p:cNvSpPr>
+            <a:spLocks noGrp="1" noRot="1" noChangeAspect="1"/>
+          </p:cNvSpPr>
+          <p:nvPr>
+            <p:ph type="sldImg"/>
+          </p:nvPr>
+        </p:nvSpPr>
+        <p:spPr/>
+      </p:sp>
+      <p:sp>
+        <p:nvSpPr>
+          <p:cNvPr id="3" name="Notizenplatzhalter 2"/>
+          <p:cNvSpPr>
+            <a:spLocks noGrp="1"/>
+          </p:cNvSpPr>
+          <p:nvPr>
+            <p:ph type="body" idx="1"/>
+          </p:nvPr>
+        </p:nvSpPr>
+        <p:spPr/>
+        <p:txBody>
+          <a:bodyPr/>
+          <a:lstStyle/>
+          <a:p>
+            <a:r>
+              <a:rPr lang="en-US" dirty="0"/>
+              <a:t>Tobias:</a:t>
+            </a:r>
+          </a:p>
+        </p:txBody>
+      </p:sp>
+      <p:sp>
+        <p:nvSpPr>
+          <p:cNvPr id="4" name="Foliennummernplatzhalter 3"/>
+          <p:cNvSpPr>
+            <a:spLocks noGrp="1"/>
+          </p:cNvSpPr>
+          <p:nvPr>
+            <p:ph type="sldNum" sz="quarter" idx="5"/>
+          </p:nvPr>
+        </p:nvSpPr>
+        <p:spPr/>
+        <p:txBody>
+          <a:bodyPr/>
+          <a:lstStyle/>
+          <a:p>
+            <a:fld id="{D4CE1BAB-7B68-4C87-8549-54F078DDFB49}" type="slidenum">
+              <a:rPr lang="en-CH" smtClean="0"/>
+              <a:t>17</a:t>
+            </a:fld>
+            <a:endParaRPr lang="en-CH"/>
+          </a:p>
+        </p:txBody>
+      </p:sp>
+    </p:spTree>
+    <p:extLst>
+      <p:ext uri="{BB962C8B-B14F-4D97-AF65-F5344CB8AC3E}">
+        <p14:creationId xmlns:p14="http://schemas.microsoft.com/office/powerpoint/2010/main" val="4240131280"/>
+      </p:ext>
+    </p:extLst>
+  </p:cSld>
+  <p:clrMapOvr>
+    <a:masterClrMapping/>
+  </p:clrMapOvr>
+</p:notes>
+</file>
+
+<file path=ppt/notesSlides/notesSlide18.xml><?xml version="1.0" encoding="utf-8"?>
+<p:notes xmlns:a="http://schemas.openxmlformats.org/drawingml/2006/main" xmlns:r="http://schemas.openxmlformats.org/officeDocument/2006/relationships" xmlns:p="http://schemas.openxmlformats.org/presentationml/2006/main">
+  <p:cSld>
+    <p:spTree>
+      <p:nvGrpSpPr>
+        <p:cNvPr id="1" name=""/>
+        <p:cNvGrpSpPr/>
+        <p:nvPr/>
+      </p:nvGrpSpPr>
+      <p:grpSpPr>
+        <a:xfrm>
+          <a:off x="0" y="0"/>
+          <a:ext cx="0" cy="0"/>
+          <a:chOff x="0" y="0"/>
+          <a:chExt cx="0" cy="0"/>
+        </a:xfrm>
+      </p:grpSpPr>
+      <p:sp>
+        <p:nvSpPr>
+          <p:cNvPr id="2" name="Folienbildplatzhalter 1"/>
+          <p:cNvSpPr>
+            <a:spLocks noGrp="1" noRot="1" noChangeAspect="1"/>
+          </p:cNvSpPr>
+          <p:nvPr>
+            <p:ph type="sldImg"/>
+          </p:nvPr>
+        </p:nvSpPr>
+        <p:spPr/>
+      </p:sp>
+      <p:sp>
+        <p:nvSpPr>
+          <p:cNvPr id="3" name="Notizenplatzhalter 2"/>
+          <p:cNvSpPr>
+            <a:spLocks noGrp="1"/>
+          </p:cNvSpPr>
+          <p:nvPr>
+            <p:ph type="body" idx="1"/>
+          </p:nvPr>
+        </p:nvSpPr>
+        <p:spPr/>
+        <p:txBody>
+          <a:bodyPr/>
+          <a:lstStyle/>
+          <a:p>
+            <a:r>
+              <a:rPr lang="en-US" dirty="0"/>
+              <a:t>Tobias:</a:t>
+            </a:r>
+          </a:p>
+        </p:txBody>
+      </p:sp>
+      <p:sp>
+        <p:nvSpPr>
+          <p:cNvPr id="4" name="Foliennummernplatzhalter 3"/>
+          <p:cNvSpPr>
+            <a:spLocks noGrp="1"/>
+          </p:cNvSpPr>
+          <p:nvPr>
+            <p:ph type="sldNum" sz="quarter" idx="5"/>
+          </p:nvPr>
+        </p:nvSpPr>
+        <p:spPr/>
+        <p:txBody>
+          <a:bodyPr/>
+          <a:lstStyle/>
+          <a:p>
+            <a:fld id="{D4CE1BAB-7B68-4C87-8549-54F078DDFB49}" type="slidenum">
+              <a:rPr lang="en-CH" smtClean="0"/>
+              <a:t>18</a:t>
+            </a:fld>
+            <a:endParaRPr lang="en-CH"/>
+          </a:p>
+        </p:txBody>
+      </p:sp>
+    </p:spTree>
+    <p:extLst>
+      <p:ext uri="{BB962C8B-B14F-4D97-AF65-F5344CB8AC3E}">
+        <p14:creationId xmlns:p14="http://schemas.microsoft.com/office/powerpoint/2010/main" val="3854453495"/>
+      </p:ext>
+    </p:extLst>
+  </p:cSld>
+  <p:clrMapOvr>
+    <a:masterClrMapping/>
+  </p:clrMapOvr>
+</p:notes>
+</file>
+
+<file path=ppt/notesSlides/notesSlide19.xml><?xml version="1.0" encoding="utf-8"?>
+<p:notes xmlns:a="http://schemas.openxmlformats.org/drawingml/2006/main" xmlns:r="http://schemas.openxmlformats.org/officeDocument/2006/relationships" xmlns:p="http://schemas.openxmlformats.org/presentationml/2006/main">
+  <p:cSld>
+    <p:spTree>
+      <p:nvGrpSpPr>
+        <p:cNvPr id="1" name=""/>
+        <p:cNvGrpSpPr/>
+        <p:nvPr/>
+      </p:nvGrpSpPr>
+      <p:grpSpPr>
+        <a:xfrm>
+          <a:off x="0" y="0"/>
+          <a:ext cx="0" cy="0"/>
+          <a:chOff x="0" y="0"/>
+          <a:chExt cx="0" cy="0"/>
+        </a:xfrm>
+      </p:grpSpPr>
+      <p:sp>
+        <p:nvSpPr>
+          <p:cNvPr id="2" name="Folienbildplatzhalter 1"/>
+          <p:cNvSpPr>
+            <a:spLocks noGrp="1" noRot="1" noChangeAspect="1"/>
+          </p:cNvSpPr>
+          <p:nvPr>
+            <p:ph type="sldImg"/>
+          </p:nvPr>
+        </p:nvSpPr>
+        <p:spPr/>
+      </p:sp>
+      <p:sp>
+        <p:nvSpPr>
+          <p:cNvPr id="3" name="Notizenplatzhalter 2"/>
+          <p:cNvSpPr>
+            <a:spLocks noGrp="1"/>
+          </p:cNvSpPr>
+          <p:nvPr>
+            <p:ph type="body" idx="1"/>
+          </p:nvPr>
+        </p:nvSpPr>
+        <p:spPr/>
+        <p:txBody>
+          <a:bodyPr/>
+          <a:lstStyle/>
+          <a:p>
+            <a:r>
+              <a:rPr lang="en-US" dirty="0"/>
+              <a:t>Tobias:</a:t>
+            </a:r>
+          </a:p>
+        </p:txBody>
+      </p:sp>
+      <p:sp>
+        <p:nvSpPr>
+          <p:cNvPr id="4" name="Foliennummernplatzhalter 3"/>
+          <p:cNvSpPr>
+            <a:spLocks noGrp="1"/>
+          </p:cNvSpPr>
+          <p:nvPr>
+            <p:ph type="sldNum" sz="quarter" idx="5"/>
+          </p:nvPr>
+        </p:nvSpPr>
+        <p:spPr/>
+        <p:txBody>
+          <a:bodyPr/>
+          <a:lstStyle/>
+          <a:p>
+            <a:fld id="{D4CE1BAB-7B68-4C87-8549-54F078DDFB49}" type="slidenum">
+              <a:rPr lang="en-CH" smtClean="0"/>
+              <a:t>19</a:t>
+            </a:fld>
+            <a:endParaRPr lang="en-CH"/>
+          </a:p>
+        </p:txBody>
+      </p:sp>
+    </p:spTree>
+    <p:extLst>
+      <p:ext uri="{BB962C8B-B14F-4D97-AF65-F5344CB8AC3E}">
+        <p14:creationId xmlns:p14="http://schemas.microsoft.com/office/powerpoint/2010/main" val="1147775586"/>
+      </p:ext>
+    </p:extLst>
+  </p:cSld>
+  <p:clrMapOvr>
+    <a:masterClrMapping/>
+  </p:clrMapOvr>
+</p:notes>
+</file>
+
+<file path=ppt/notesSlides/notesSlide2.xml><?xml version="1.0" encoding="utf-8"?>
+<p:notes xmlns:a="http://schemas.openxmlformats.org/drawingml/2006/main" xmlns:r="http://schemas.openxmlformats.org/officeDocument/2006/relationships" xmlns:p="http://schemas.openxmlformats.org/presentationml/2006/main">
+  <p:cSld>
+    <p:spTree>
+      <p:nvGrpSpPr>
+        <p:cNvPr id="1" name=""/>
+        <p:cNvGrpSpPr/>
+        <p:nvPr/>
+      </p:nvGrpSpPr>
+      <p:grpSpPr>
+        <a:xfrm>
+          <a:off x="0" y="0"/>
+          <a:ext cx="0" cy="0"/>
+          <a:chOff x="0" y="0"/>
+          <a:chExt cx="0" cy="0"/>
+        </a:xfrm>
+      </p:grpSpPr>
+      <p:sp>
+        <p:nvSpPr>
+          <p:cNvPr id="2" name="Folienbildplatzhalter 1"/>
+          <p:cNvSpPr>
+            <a:spLocks noGrp="1" noRot="1" noChangeAspect="1"/>
+          </p:cNvSpPr>
+          <p:nvPr>
+            <p:ph type="sldImg"/>
+          </p:nvPr>
+        </p:nvSpPr>
+        <p:spPr/>
+      </p:sp>
+      <p:sp>
+        <p:nvSpPr>
+          <p:cNvPr id="3" name="Notizenplatzhalter 2"/>
+          <p:cNvSpPr>
+            <a:spLocks noGrp="1"/>
+          </p:cNvSpPr>
+          <p:nvPr>
+            <p:ph type="body" idx="1"/>
+          </p:nvPr>
+        </p:nvSpPr>
+        <p:spPr/>
+        <p:txBody>
+          <a:bodyPr/>
+          <a:lstStyle/>
+          <a:p>
+            <a:r>
+              <a:rPr lang="en-US" dirty="0"/>
+              <a:t>Etienne:</a:t>
+            </a:r>
+          </a:p>
+        </p:txBody>
+      </p:sp>
+      <p:sp>
+        <p:nvSpPr>
+          <p:cNvPr id="4" name="Foliennummernplatzhalter 3"/>
+          <p:cNvSpPr>
+            <a:spLocks noGrp="1"/>
+          </p:cNvSpPr>
+          <p:nvPr>
+            <p:ph type="sldNum" sz="quarter" idx="5"/>
+          </p:nvPr>
+        </p:nvSpPr>
+        <p:spPr/>
+        <p:txBody>
+          <a:bodyPr/>
+          <a:lstStyle/>
+          <a:p>
+            <a:fld id="{D4CE1BAB-7B68-4C87-8549-54F078DDFB49}" type="slidenum">
+              <a:rPr lang="en-CH" smtClean="0"/>
+              <a:t>2</a:t>
+            </a:fld>
+            <a:endParaRPr lang="en-CH"/>
+          </a:p>
+        </p:txBody>
+      </p:sp>
+    </p:spTree>
+    <p:extLst>
+      <p:ext uri="{BB962C8B-B14F-4D97-AF65-F5344CB8AC3E}">
+        <p14:creationId xmlns:p14="http://schemas.microsoft.com/office/powerpoint/2010/main" val="2501508275"/>
+      </p:ext>
+    </p:extLst>
+  </p:cSld>
+  <p:clrMapOvr>
+    <a:masterClrMapping/>
+  </p:clrMapOvr>
+</p:notes>
+</file>
+
+<file path=ppt/notesSlides/notesSlide20.xml><?xml version="1.0" encoding="utf-8"?>
+<p:notes xmlns:a="http://schemas.openxmlformats.org/drawingml/2006/main" xmlns:r="http://schemas.openxmlformats.org/officeDocument/2006/relationships" xmlns:p="http://schemas.openxmlformats.org/presentationml/2006/main">
+  <p:cSld>
+    <p:spTree>
+      <p:nvGrpSpPr>
+        <p:cNvPr id="1" name=""/>
+        <p:cNvGrpSpPr/>
+        <p:nvPr/>
+      </p:nvGrpSpPr>
+      <p:grpSpPr>
+        <a:xfrm>
+          <a:off x="0" y="0"/>
+          <a:ext cx="0" cy="0"/>
+          <a:chOff x="0" y="0"/>
+          <a:chExt cx="0" cy="0"/>
+        </a:xfrm>
+      </p:grpSpPr>
+      <p:sp>
+        <p:nvSpPr>
+          <p:cNvPr id="2" name="Folienbildplatzhalter 1"/>
+          <p:cNvSpPr>
+            <a:spLocks noGrp="1" noRot="1" noChangeAspect="1"/>
+          </p:cNvSpPr>
+          <p:nvPr>
+            <p:ph type="sldImg"/>
+          </p:nvPr>
+        </p:nvSpPr>
+        <p:spPr/>
+      </p:sp>
+      <p:sp>
+        <p:nvSpPr>
+          <p:cNvPr id="3" name="Notizenplatzhalter 2"/>
+          <p:cNvSpPr>
+            <a:spLocks noGrp="1"/>
+          </p:cNvSpPr>
+          <p:nvPr>
+            <p:ph type="body" idx="1"/>
+          </p:nvPr>
+        </p:nvSpPr>
+        <p:spPr/>
+        <p:txBody>
+          <a:bodyPr/>
+          <a:lstStyle/>
+          <a:p>
+            <a:r>
+              <a:rPr lang="en-US" dirty="0"/>
+              <a:t>Tobias:</a:t>
+            </a:r>
+          </a:p>
+        </p:txBody>
+      </p:sp>
+      <p:sp>
+        <p:nvSpPr>
+          <p:cNvPr id="4" name="Foliennummernplatzhalter 3"/>
+          <p:cNvSpPr>
+            <a:spLocks noGrp="1"/>
+          </p:cNvSpPr>
+          <p:nvPr>
+            <p:ph type="sldNum" sz="quarter" idx="5"/>
+          </p:nvPr>
+        </p:nvSpPr>
+        <p:spPr/>
+        <p:txBody>
+          <a:bodyPr/>
+          <a:lstStyle/>
+          <a:p>
+            <a:fld id="{D4CE1BAB-7B68-4C87-8549-54F078DDFB49}" type="slidenum">
+              <a:rPr lang="en-CH" smtClean="0"/>
+              <a:t>20</a:t>
+            </a:fld>
+            <a:endParaRPr lang="en-CH"/>
+          </a:p>
+        </p:txBody>
+      </p:sp>
+    </p:spTree>
+    <p:extLst>
+      <p:ext uri="{BB962C8B-B14F-4D97-AF65-F5344CB8AC3E}">
+        <p14:creationId xmlns:p14="http://schemas.microsoft.com/office/powerpoint/2010/main" val="1221105323"/>
+      </p:ext>
+    </p:extLst>
+  </p:cSld>
+  <p:clrMapOvr>
+    <a:masterClrMapping/>
+  </p:clrMapOvr>
+</p:notes>
+</file>
+
+<file path=ppt/notesSlides/notesSlide21.xml><?xml version="1.0" encoding="utf-8"?>
+<p:notes xmlns:a="http://schemas.openxmlformats.org/drawingml/2006/main" xmlns:r="http://schemas.openxmlformats.org/officeDocument/2006/relationships" xmlns:p="http://schemas.openxmlformats.org/presentationml/2006/main">
+  <p:cSld>
+    <p:spTree>
+      <p:nvGrpSpPr>
+        <p:cNvPr id="1" name=""/>
+        <p:cNvGrpSpPr/>
+        <p:nvPr/>
+      </p:nvGrpSpPr>
+      <p:grpSpPr>
+        <a:xfrm>
+          <a:off x="0" y="0"/>
+          <a:ext cx="0" cy="0"/>
+          <a:chOff x="0" y="0"/>
+          <a:chExt cx="0" cy="0"/>
+        </a:xfrm>
+      </p:grpSpPr>
+      <p:sp>
+        <p:nvSpPr>
+          <p:cNvPr id="2" name="Folienbildplatzhalter 1"/>
+          <p:cNvSpPr>
+            <a:spLocks noGrp="1" noRot="1" noChangeAspect="1"/>
+          </p:cNvSpPr>
+          <p:nvPr>
+            <p:ph type="sldImg"/>
+          </p:nvPr>
+        </p:nvSpPr>
+        <p:spPr/>
+      </p:sp>
+      <p:sp>
+        <p:nvSpPr>
+          <p:cNvPr id="3" name="Notizenplatzhalter 2"/>
+          <p:cNvSpPr>
+            <a:spLocks noGrp="1"/>
+          </p:cNvSpPr>
+          <p:nvPr>
+            <p:ph type="body" idx="1"/>
+          </p:nvPr>
+        </p:nvSpPr>
+        <p:spPr/>
+        <p:txBody>
+          <a:bodyPr/>
+          <a:lstStyle/>
+          <a:p>
+            <a:r>
+              <a:rPr lang="en-US" dirty="0"/>
+              <a:t>Tobias:</a:t>
+            </a:r>
+          </a:p>
+        </p:txBody>
+      </p:sp>
+      <p:sp>
+        <p:nvSpPr>
+          <p:cNvPr id="4" name="Foliennummernplatzhalter 3"/>
+          <p:cNvSpPr>
+            <a:spLocks noGrp="1"/>
+          </p:cNvSpPr>
+          <p:nvPr>
+            <p:ph type="sldNum" sz="quarter" idx="5"/>
+          </p:nvPr>
+        </p:nvSpPr>
+        <p:spPr/>
+        <p:txBody>
+          <a:bodyPr/>
+          <a:lstStyle/>
+          <a:p>
+            <a:fld id="{D4CE1BAB-7B68-4C87-8549-54F078DDFB49}" type="slidenum">
+              <a:rPr lang="en-CH" smtClean="0"/>
+              <a:t>21</a:t>
+            </a:fld>
+            <a:endParaRPr lang="en-CH"/>
+          </a:p>
+        </p:txBody>
+      </p:sp>
+    </p:spTree>
+    <p:extLst>
+      <p:ext uri="{BB962C8B-B14F-4D97-AF65-F5344CB8AC3E}">
+        <p14:creationId xmlns:p14="http://schemas.microsoft.com/office/powerpoint/2010/main" val="4054701370"/>
+      </p:ext>
+    </p:extLst>
+  </p:cSld>
+  <p:clrMapOvr>
+    <a:masterClrMapping/>
+  </p:clrMapOvr>
+</p:notes>
+</file>
+
+<file path=ppt/notesSlides/notesSlide22.xml><?xml version="1.0" encoding="utf-8"?>
+<p:notes xmlns:a="http://schemas.openxmlformats.org/drawingml/2006/main" xmlns:r="http://schemas.openxmlformats.org/officeDocument/2006/relationships" xmlns:p="http://schemas.openxmlformats.org/presentationml/2006/main">
+  <p:cSld>
+    <p:spTree>
+      <p:nvGrpSpPr>
+        <p:cNvPr id="1" name=""/>
+        <p:cNvGrpSpPr/>
+        <p:nvPr/>
+      </p:nvGrpSpPr>
+      <p:grpSpPr>
+        <a:xfrm>
+          <a:off x="0" y="0"/>
+          <a:ext cx="0" cy="0"/>
+          <a:chOff x="0" y="0"/>
+          <a:chExt cx="0" cy="0"/>
+        </a:xfrm>
+      </p:grpSpPr>
+      <p:sp>
+        <p:nvSpPr>
+          <p:cNvPr id="2" name="Folienbildplatzhalter 1"/>
+          <p:cNvSpPr>
+            <a:spLocks noGrp="1" noRot="1" noChangeAspect="1"/>
+          </p:cNvSpPr>
+          <p:nvPr>
+            <p:ph type="sldImg"/>
+          </p:nvPr>
+        </p:nvSpPr>
+        <p:spPr/>
+      </p:sp>
+      <p:sp>
+        <p:nvSpPr>
+          <p:cNvPr id="3" name="Notizenplatzhalter 2"/>
+          <p:cNvSpPr>
+            <a:spLocks noGrp="1"/>
+          </p:cNvSpPr>
+          <p:nvPr>
+            <p:ph type="body" idx="1"/>
+          </p:nvPr>
+        </p:nvSpPr>
+        <p:spPr/>
+        <p:txBody>
+          <a:bodyPr/>
+          <a:lstStyle/>
+          <a:p>
+            <a:r>
+              <a:rPr lang="en-US" dirty="0"/>
+              <a:t>Tobias:</a:t>
+            </a:r>
+          </a:p>
+        </p:txBody>
+      </p:sp>
+      <p:sp>
+        <p:nvSpPr>
+          <p:cNvPr id="4" name="Foliennummernplatzhalter 3"/>
+          <p:cNvSpPr>
+            <a:spLocks noGrp="1"/>
+          </p:cNvSpPr>
+          <p:nvPr>
+            <p:ph type="sldNum" sz="quarter" idx="5"/>
+          </p:nvPr>
+        </p:nvSpPr>
+        <p:spPr/>
+        <p:txBody>
+          <a:bodyPr/>
+          <a:lstStyle/>
+          <a:p>
+            <a:fld id="{D4CE1BAB-7B68-4C87-8549-54F078DDFB49}" type="slidenum">
+              <a:rPr lang="en-CH" smtClean="0"/>
+              <a:t>22</a:t>
+            </a:fld>
+            <a:endParaRPr lang="en-CH"/>
+          </a:p>
+        </p:txBody>
+      </p:sp>
+    </p:spTree>
+    <p:extLst>
+      <p:ext uri="{BB962C8B-B14F-4D97-AF65-F5344CB8AC3E}">
+        <p14:creationId xmlns:p14="http://schemas.microsoft.com/office/powerpoint/2010/main" val="1846594033"/>
+      </p:ext>
+    </p:extLst>
+  </p:cSld>
+  <p:clrMapOvr>
+    <a:masterClrMapping/>
+  </p:clrMapOvr>
+</p:notes>
+</file>
+
+<file path=ppt/notesSlides/notesSlide23.xml><?xml version="1.0" encoding="utf-8"?>
+<p:notes xmlns:a="http://schemas.openxmlformats.org/drawingml/2006/main" xmlns:r="http://schemas.openxmlformats.org/officeDocument/2006/relationships" xmlns:p="http://schemas.openxmlformats.org/presentationml/2006/main">
+  <p:cSld>
+    <p:spTree>
+      <p:nvGrpSpPr>
+        <p:cNvPr id="1" name=""/>
+        <p:cNvGrpSpPr/>
+        <p:nvPr/>
+      </p:nvGrpSpPr>
+      <p:grpSpPr>
+        <a:xfrm>
+          <a:off x="0" y="0"/>
+          <a:ext cx="0" cy="0"/>
+          <a:chOff x="0" y="0"/>
+          <a:chExt cx="0" cy="0"/>
+        </a:xfrm>
+      </p:grpSpPr>
+      <p:sp>
+        <p:nvSpPr>
+          <p:cNvPr id="2" name="Folienbildplatzhalter 1"/>
+          <p:cNvSpPr>
+            <a:spLocks noGrp="1" noRot="1" noChangeAspect="1"/>
+          </p:cNvSpPr>
+          <p:nvPr>
+            <p:ph type="sldImg"/>
+          </p:nvPr>
+        </p:nvSpPr>
+        <p:spPr/>
+      </p:sp>
+      <p:sp>
+        <p:nvSpPr>
+          <p:cNvPr id="3" name="Notizenplatzhalter 2"/>
+          <p:cNvSpPr>
+            <a:spLocks noGrp="1"/>
+          </p:cNvSpPr>
+          <p:nvPr>
+            <p:ph type="body" idx="1"/>
+          </p:nvPr>
+        </p:nvSpPr>
+        <p:spPr/>
+        <p:txBody>
+          <a:bodyPr/>
+          <a:lstStyle/>
+          <a:p>
+            <a:r>
+              <a:rPr lang="en-US" dirty="0"/>
+              <a:t>Florin:</a:t>
+            </a:r>
+          </a:p>
+        </p:txBody>
+      </p:sp>
+      <p:sp>
+        <p:nvSpPr>
+          <p:cNvPr id="4" name="Foliennummernplatzhalter 3"/>
+          <p:cNvSpPr>
+            <a:spLocks noGrp="1"/>
+          </p:cNvSpPr>
+          <p:nvPr>
+            <p:ph type="sldNum" sz="quarter" idx="5"/>
+          </p:nvPr>
+        </p:nvSpPr>
+        <p:spPr/>
+        <p:txBody>
+          <a:bodyPr/>
+          <a:lstStyle/>
+          <a:p>
+            <a:fld id="{D4CE1BAB-7B68-4C87-8549-54F078DDFB49}" type="slidenum">
+              <a:rPr lang="en-CH" smtClean="0"/>
+              <a:t>23</a:t>
+            </a:fld>
+            <a:endParaRPr lang="en-CH"/>
+          </a:p>
+        </p:txBody>
+      </p:sp>
+    </p:spTree>
+    <p:extLst>
+      <p:ext uri="{BB962C8B-B14F-4D97-AF65-F5344CB8AC3E}">
+        <p14:creationId xmlns:p14="http://schemas.microsoft.com/office/powerpoint/2010/main" val="2233419740"/>
+      </p:ext>
+    </p:extLst>
+  </p:cSld>
+  <p:clrMapOvr>
+    <a:masterClrMapping/>
+  </p:clrMapOvr>
+</p:notes>
+</file>
+
+<file path=ppt/notesSlides/notesSlide24.xml><?xml version="1.0" encoding="utf-8"?>
+<p:notes xmlns:a="http://schemas.openxmlformats.org/drawingml/2006/main" xmlns:r="http://schemas.openxmlformats.org/officeDocument/2006/relationships" xmlns:p="http://schemas.openxmlformats.org/presentationml/2006/main">
+  <p:cSld>
+    <p:spTree>
+      <p:nvGrpSpPr>
+        <p:cNvPr id="1" name=""/>
+        <p:cNvGrpSpPr/>
+        <p:nvPr/>
+      </p:nvGrpSpPr>
+      <p:grpSpPr>
+        <a:xfrm>
+          <a:off x="0" y="0"/>
+          <a:ext cx="0" cy="0"/>
+          <a:chOff x="0" y="0"/>
+          <a:chExt cx="0" cy="0"/>
+        </a:xfrm>
+      </p:grpSpPr>
+      <p:sp>
+        <p:nvSpPr>
+          <p:cNvPr id="2" name="Folienbildplatzhalter 1"/>
+          <p:cNvSpPr>
+            <a:spLocks noGrp="1" noRot="1" noChangeAspect="1"/>
+          </p:cNvSpPr>
+          <p:nvPr>
+            <p:ph type="sldImg"/>
+          </p:nvPr>
+        </p:nvSpPr>
+        <p:spPr/>
+      </p:sp>
+      <p:sp>
+        <p:nvSpPr>
+          <p:cNvPr id="3" name="Notizenplatzhalter 2"/>
+          <p:cNvSpPr>
+            <a:spLocks noGrp="1"/>
+          </p:cNvSpPr>
+          <p:nvPr>
+            <p:ph type="body" idx="1"/>
+          </p:nvPr>
+        </p:nvSpPr>
+        <p:spPr/>
+        <p:txBody>
+          <a:bodyPr/>
+          <a:lstStyle/>
+          <a:p>
+            <a:r>
+              <a:rPr lang="en-US" dirty="0"/>
+              <a:t>Florin:</a:t>
+            </a:r>
+          </a:p>
+        </p:txBody>
+      </p:sp>
+      <p:sp>
+        <p:nvSpPr>
+          <p:cNvPr id="4" name="Foliennummernplatzhalter 3"/>
+          <p:cNvSpPr>
+            <a:spLocks noGrp="1"/>
+          </p:cNvSpPr>
+          <p:nvPr>
+            <p:ph type="sldNum" sz="quarter" idx="5"/>
+          </p:nvPr>
+        </p:nvSpPr>
+        <p:spPr/>
+        <p:txBody>
+          <a:bodyPr/>
+          <a:lstStyle/>
+          <a:p>
+            <a:fld id="{D4CE1BAB-7B68-4C87-8549-54F078DDFB49}" type="slidenum">
+              <a:rPr lang="en-CH" smtClean="0"/>
+              <a:t>24</a:t>
+            </a:fld>
+            <a:endParaRPr lang="en-CH"/>
+          </a:p>
+        </p:txBody>
+      </p:sp>
+    </p:spTree>
+    <p:extLst>
+      <p:ext uri="{BB962C8B-B14F-4D97-AF65-F5344CB8AC3E}">
+        <p14:creationId xmlns:p14="http://schemas.microsoft.com/office/powerpoint/2010/main" val="510546255"/>
+      </p:ext>
+    </p:extLst>
+  </p:cSld>
+  <p:clrMapOvr>
+    <a:masterClrMapping/>
+  </p:clrMapOvr>
+</p:notes>
+</file>
+
+<file path=ppt/notesSlides/notesSlide25.xml><?xml version="1.0" encoding="utf-8"?>
+<p:notes xmlns:a="http://schemas.openxmlformats.org/drawingml/2006/main" xmlns:r="http://schemas.openxmlformats.org/officeDocument/2006/relationships" xmlns:p="http://schemas.openxmlformats.org/presentationml/2006/main">
+  <p:cSld>
+    <p:spTree>
+      <p:nvGrpSpPr>
+        <p:cNvPr id="1" name=""/>
+        <p:cNvGrpSpPr/>
+        <p:nvPr/>
+      </p:nvGrpSpPr>
+      <p:grpSpPr>
+        <a:xfrm>
+          <a:off x="0" y="0"/>
+          <a:ext cx="0" cy="0"/>
+          <a:chOff x="0" y="0"/>
+          <a:chExt cx="0" cy="0"/>
+        </a:xfrm>
+      </p:grpSpPr>
+      <p:sp>
+        <p:nvSpPr>
+          <p:cNvPr id="2" name="Folienbildplatzhalter 1"/>
+          <p:cNvSpPr>
+            <a:spLocks noGrp="1" noRot="1" noChangeAspect="1"/>
+          </p:cNvSpPr>
+          <p:nvPr>
+            <p:ph type="sldImg"/>
+          </p:nvPr>
+        </p:nvSpPr>
+        <p:spPr/>
+      </p:sp>
+      <p:sp>
+        <p:nvSpPr>
+          <p:cNvPr id="3" name="Notizenplatzhalter 2"/>
+          <p:cNvSpPr>
+            <a:spLocks noGrp="1"/>
+          </p:cNvSpPr>
+          <p:nvPr>
+            <p:ph type="body" idx="1"/>
+          </p:nvPr>
+        </p:nvSpPr>
+        <p:spPr/>
+        <p:txBody>
+          <a:bodyPr/>
+          <a:lstStyle/>
+          <a:p>
             <a:pPr marL="0" marR="0" lvl="0" indent="0" algn="l" defTabSz="914400" rtl="0" eaLnBrk="1" fontAlgn="auto" latinLnBrk="0" hangingPunct="1">
               <a:lnSpc>
                 <a:spcPct val="100000"/>
@@ -967,7 +2448,10 @@
               <a:tabLst/>
               <a:defRPr/>
             </a:pPr>
-            <a:endParaRPr lang="en-US" dirty="0"/>
+            <a:r>
+              <a:rPr lang="en-US" dirty="0"/>
+              <a:t>Florin:</a:t>
+            </a:r>
           </a:p>
         </p:txBody>
       </p:sp>
@@ -998,6 +2482,2007 @@
     <p:extLst>
       <p:ext uri="{BB962C8B-B14F-4D97-AF65-F5344CB8AC3E}">
         <p14:creationId xmlns:p14="http://schemas.microsoft.com/office/powerpoint/2010/main" val="3464812281"/>
+      </p:ext>
+    </p:extLst>
+  </p:cSld>
+  <p:clrMapOvr>
+    <a:masterClrMapping/>
+  </p:clrMapOvr>
+</p:notes>
+</file>
+
+<file path=ppt/notesSlides/notesSlide26.xml><?xml version="1.0" encoding="utf-8"?>
+<p:notes xmlns:a="http://schemas.openxmlformats.org/drawingml/2006/main" xmlns:r="http://schemas.openxmlformats.org/officeDocument/2006/relationships" xmlns:p="http://schemas.openxmlformats.org/presentationml/2006/main">
+  <p:cSld>
+    <p:spTree>
+      <p:nvGrpSpPr>
+        <p:cNvPr id="1" name=""/>
+        <p:cNvGrpSpPr/>
+        <p:nvPr/>
+      </p:nvGrpSpPr>
+      <p:grpSpPr>
+        <a:xfrm>
+          <a:off x="0" y="0"/>
+          <a:ext cx="0" cy="0"/>
+          <a:chOff x="0" y="0"/>
+          <a:chExt cx="0" cy="0"/>
+        </a:xfrm>
+      </p:grpSpPr>
+      <p:sp>
+        <p:nvSpPr>
+          <p:cNvPr id="2" name="Folienbildplatzhalter 1"/>
+          <p:cNvSpPr>
+            <a:spLocks noGrp="1" noRot="1" noChangeAspect="1"/>
+          </p:cNvSpPr>
+          <p:nvPr>
+            <p:ph type="sldImg"/>
+          </p:nvPr>
+        </p:nvSpPr>
+        <p:spPr/>
+      </p:sp>
+      <p:sp>
+        <p:nvSpPr>
+          <p:cNvPr id="3" name="Notizenplatzhalter 2"/>
+          <p:cNvSpPr>
+            <a:spLocks noGrp="1"/>
+          </p:cNvSpPr>
+          <p:nvPr>
+            <p:ph type="body" idx="1"/>
+          </p:nvPr>
+        </p:nvSpPr>
+        <p:spPr/>
+        <p:txBody>
+          <a:bodyPr/>
+          <a:lstStyle/>
+          <a:p>
+            <a:r>
+              <a:rPr lang="en-US" dirty="0"/>
+              <a:t>Sean:</a:t>
+            </a:r>
+          </a:p>
+        </p:txBody>
+      </p:sp>
+      <p:sp>
+        <p:nvSpPr>
+          <p:cNvPr id="4" name="Foliennummernplatzhalter 3"/>
+          <p:cNvSpPr>
+            <a:spLocks noGrp="1"/>
+          </p:cNvSpPr>
+          <p:nvPr>
+            <p:ph type="sldNum" sz="quarter" idx="5"/>
+          </p:nvPr>
+        </p:nvSpPr>
+        <p:spPr/>
+        <p:txBody>
+          <a:bodyPr/>
+          <a:lstStyle/>
+          <a:p>
+            <a:fld id="{D4CE1BAB-7B68-4C87-8549-54F078DDFB49}" type="slidenum">
+              <a:rPr lang="en-CH" smtClean="0"/>
+              <a:t>26</a:t>
+            </a:fld>
+            <a:endParaRPr lang="en-CH"/>
+          </a:p>
+        </p:txBody>
+      </p:sp>
+    </p:spTree>
+    <p:extLst>
+      <p:ext uri="{BB962C8B-B14F-4D97-AF65-F5344CB8AC3E}">
+        <p14:creationId xmlns:p14="http://schemas.microsoft.com/office/powerpoint/2010/main" val="3101912960"/>
+      </p:ext>
+    </p:extLst>
+  </p:cSld>
+  <p:clrMapOvr>
+    <a:masterClrMapping/>
+  </p:clrMapOvr>
+</p:notes>
+</file>
+
+<file path=ppt/notesSlides/notesSlide27.xml><?xml version="1.0" encoding="utf-8"?>
+<p:notes xmlns:a="http://schemas.openxmlformats.org/drawingml/2006/main" xmlns:r="http://schemas.openxmlformats.org/officeDocument/2006/relationships" xmlns:p="http://schemas.openxmlformats.org/presentationml/2006/main">
+  <p:cSld>
+    <p:spTree>
+      <p:nvGrpSpPr>
+        <p:cNvPr id="1" name=""/>
+        <p:cNvGrpSpPr/>
+        <p:nvPr/>
+      </p:nvGrpSpPr>
+      <p:grpSpPr>
+        <a:xfrm>
+          <a:off x="0" y="0"/>
+          <a:ext cx="0" cy="0"/>
+          <a:chOff x="0" y="0"/>
+          <a:chExt cx="0" cy="0"/>
+        </a:xfrm>
+      </p:grpSpPr>
+      <p:sp>
+        <p:nvSpPr>
+          <p:cNvPr id="2" name="Folienbildplatzhalter 1"/>
+          <p:cNvSpPr>
+            <a:spLocks noGrp="1" noRot="1" noChangeAspect="1"/>
+          </p:cNvSpPr>
+          <p:nvPr>
+            <p:ph type="sldImg"/>
+          </p:nvPr>
+        </p:nvSpPr>
+        <p:spPr/>
+      </p:sp>
+      <p:sp>
+        <p:nvSpPr>
+          <p:cNvPr id="3" name="Notizenplatzhalter 2"/>
+          <p:cNvSpPr>
+            <a:spLocks noGrp="1"/>
+          </p:cNvSpPr>
+          <p:nvPr>
+            <p:ph type="body" idx="1"/>
+          </p:nvPr>
+        </p:nvSpPr>
+        <p:spPr/>
+        <p:txBody>
+          <a:bodyPr/>
+          <a:lstStyle/>
+          <a:p>
+            <a:r>
+              <a:rPr lang="en-US" dirty="0"/>
+              <a:t>Etienne:</a:t>
+            </a:r>
+          </a:p>
+        </p:txBody>
+      </p:sp>
+      <p:sp>
+        <p:nvSpPr>
+          <p:cNvPr id="4" name="Foliennummernplatzhalter 3"/>
+          <p:cNvSpPr>
+            <a:spLocks noGrp="1"/>
+          </p:cNvSpPr>
+          <p:nvPr>
+            <p:ph type="sldNum" sz="quarter" idx="5"/>
+          </p:nvPr>
+        </p:nvSpPr>
+        <p:spPr/>
+        <p:txBody>
+          <a:bodyPr/>
+          <a:lstStyle/>
+          <a:p>
+            <a:fld id="{D4CE1BAB-7B68-4C87-8549-54F078DDFB49}" type="slidenum">
+              <a:rPr lang="en-CH" smtClean="0"/>
+              <a:t>27</a:t>
+            </a:fld>
+            <a:endParaRPr lang="en-CH"/>
+          </a:p>
+        </p:txBody>
+      </p:sp>
+    </p:spTree>
+    <p:extLst>
+      <p:ext uri="{BB962C8B-B14F-4D97-AF65-F5344CB8AC3E}">
+        <p14:creationId xmlns:p14="http://schemas.microsoft.com/office/powerpoint/2010/main" val="1938111001"/>
+      </p:ext>
+    </p:extLst>
+  </p:cSld>
+  <p:clrMapOvr>
+    <a:masterClrMapping/>
+  </p:clrMapOvr>
+</p:notes>
+</file>
+
+<file path=ppt/notesSlides/notesSlide28.xml><?xml version="1.0" encoding="utf-8"?>
+<p:notes xmlns:a="http://schemas.openxmlformats.org/drawingml/2006/main" xmlns:r="http://schemas.openxmlformats.org/officeDocument/2006/relationships" xmlns:p="http://schemas.openxmlformats.org/presentationml/2006/main">
+  <p:cSld>
+    <p:spTree>
+      <p:nvGrpSpPr>
+        <p:cNvPr id="1" name=""/>
+        <p:cNvGrpSpPr/>
+        <p:nvPr/>
+      </p:nvGrpSpPr>
+      <p:grpSpPr>
+        <a:xfrm>
+          <a:off x="0" y="0"/>
+          <a:ext cx="0" cy="0"/>
+          <a:chOff x="0" y="0"/>
+          <a:chExt cx="0" cy="0"/>
+        </a:xfrm>
+      </p:grpSpPr>
+      <p:sp>
+        <p:nvSpPr>
+          <p:cNvPr id="2" name="Folienbildplatzhalter 1"/>
+          <p:cNvSpPr>
+            <a:spLocks noGrp="1" noRot="1" noChangeAspect="1"/>
+          </p:cNvSpPr>
+          <p:nvPr>
+            <p:ph type="sldImg"/>
+          </p:nvPr>
+        </p:nvSpPr>
+        <p:spPr/>
+      </p:sp>
+      <p:sp>
+        <p:nvSpPr>
+          <p:cNvPr id="3" name="Notizenplatzhalter 2"/>
+          <p:cNvSpPr>
+            <a:spLocks noGrp="1"/>
+          </p:cNvSpPr>
+          <p:nvPr>
+            <p:ph type="body" idx="1"/>
+          </p:nvPr>
+        </p:nvSpPr>
+        <p:spPr/>
+        <p:txBody>
+          <a:bodyPr/>
+          <a:lstStyle/>
+          <a:p>
+            <a:r>
+              <a:rPr lang="en-US" dirty="0"/>
+              <a:t>Etienne:</a:t>
+            </a:r>
+          </a:p>
+        </p:txBody>
+      </p:sp>
+      <p:sp>
+        <p:nvSpPr>
+          <p:cNvPr id="4" name="Foliennummernplatzhalter 3"/>
+          <p:cNvSpPr>
+            <a:spLocks noGrp="1"/>
+          </p:cNvSpPr>
+          <p:nvPr>
+            <p:ph type="sldNum" sz="quarter" idx="5"/>
+          </p:nvPr>
+        </p:nvSpPr>
+        <p:spPr/>
+        <p:txBody>
+          <a:bodyPr/>
+          <a:lstStyle/>
+          <a:p>
+            <a:fld id="{D4CE1BAB-7B68-4C87-8549-54F078DDFB49}" type="slidenum">
+              <a:rPr lang="en-CH" smtClean="0"/>
+              <a:t>28</a:t>
+            </a:fld>
+            <a:endParaRPr lang="en-CH"/>
+          </a:p>
+        </p:txBody>
+      </p:sp>
+    </p:spTree>
+    <p:extLst>
+      <p:ext uri="{BB962C8B-B14F-4D97-AF65-F5344CB8AC3E}">
+        <p14:creationId xmlns:p14="http://schemas.microsoft.com/office/powerpoint/2010/main" val="102183800"/>
+      </p:ext>
+    </p:extLst>
+  </p:cSld>
+  <p:clrMapOvr>
+    <a:masterClrMapping/>
+  </p:clrMapOvr>
+</p:notes>
+</file>
+
+<file path=ppt/notesSlides/notesSlide29.xml><?xml version="1.0" encoding="utf-8"?>
+<p:notes xmlns:a="http://schemas.openxmlformats.org/drawingml/2006/main" xmlns:r="http://schemas.openxmlformats.org/officeDocument/2006/relationships" xmlns:p="http://schemas.openxmlformats.org/presentationml/2006/main">
+  <p:cSld>
+    <p:spTree>
+      <p:nvGrpSpPr>
+        <p:cNvPr id="1" name=""/>
+        <p:cNvGrpSpPr/>
+        <p:nvPr/>
+      </p:nvGrpSpPr>
+      <p:grpSpPr>
+        <a:xfrm>
+          <a:off x="0" y="0"/>
+          <a:ext cx="0" cy="0"/>
+          <a:chOff x="0" y="0"/>
+          <a:chExt cx="0" cy="0"/>
+        </a:xfrm>
+      </p:grpSpPr>
+      <p:sp>
+        <p:nvSpPr>
+          <p:cNvPr id="2" name="Folienbildplatzhalter 1"/>
+          <p:cNvSpPr>
+            <a:spLocks noGrp="1" noRot="1" noChangeAspect="1"/>
+          </p:cNvSpPr>
+          <p:nvPr>
+            <p:ph type="sldImg"/>
+          </p:nvPr>
+        </p:nvSpPr>
+        <p:spPr/>
+      </p:sp>
+      <p:sp>
+        <p:nvSpPr>
+          <p:cNvPr id="3" name="Notizenplatzhalter 2"/>
+          <p:cNvSpPr>
+            <a:spLocks noGrp="1"/>
+          </p:cNvSpPr>
+          <p:nvPr>
+            <p:ph type="body" idx="1"/>
+          </p:nvPr>
+        </p:nvSpPr>
+        <p:spPr/>
+        <p:txBody>
+          <a:bodyPr/>
+          <a:lstStyle/>
+          <a:p>
+            <a:r>
+              <a:rPr lang="en-US" dirty="0"/>
+              <a:t>Etienne:</a:t>
+            </a:r>
+          </a:p>
+        </p:txBody>
+      </p:sp>
+      <p:sp>
+        <p:nvSpPr>
+          <p:cNvPr id="4" name="Foliennummernplatzhalter 3"/>
+          <p:cNvSpPr>
+            <a:spLocks noGrp="1"/>
+          </p:cNvSpPr>
+          <p:nvPr>
+            <p:ph type="sldNum" sz="quarter" idx="5"/>
+          </p:nvPr>
+        </p:nvSpPr>
+        <p:spPr/>
+        <p:txBody>
+          <a:bodyPr/>
+          <a:lstStyle/>
+          <a:p>
+            <a:fld id="{D4CE1BAB-7B68-4C87-8549-54F078DDFB49}" type="slidenum">
+              <a:rPr lang="en-CH" smtClean="0"/>
+              <a:t>29</a:t>
+            </a:fld>
+            <a:endParaRPr lang="en-CH"/>
+          </a:p>
+        </p:txBody>
+      </p:sp>
+    </p:spTree>
+    <p:extLst>
+      <p:ext uri="{BB962C8B-B14F-4D97-AF65-F5344CB8AC3E}">
+        <p14:creationId xmlns:p14="http://schemas.microsoft.com/office/powerpoint/2010/main" val="1204525051"/>
+      </p:ext>
+    </p:extLst>
+  </p:cSld>
+  <p:clrMapOvr>
+    <a:masterClrMapping/>
+  </p:clrMapOvr>
+</p:notes>
+</file>
+
+<file path=ppt/notesSlides/notesSlide3.xml><?xml version="1.0" encoding="utf-8"?>
+<p:notes xmlns:a="http://schemas.openxmlformats.org/drawingml/2006/main" xmlns:r="http://schemas.openxmlformats.org/officeDocument/2006/relationships" xmlns:p="http://schemas.openxmlformats.org/presentationml/2006/main">
+  <p:cSld>
+    <p:spTree>
+      <p:nvGrpSpPr>
+        <p:cNvPr id="1" name=""/>
+        <p:cNvGrpSpPr/>
+        <p:nvPr/>
+      </p:nvGrpSpPr>
+      <p:grpSpPr>
+        <a:xfrm>
+          <a:off x="0" y="0"/>
+          <a:ext cx="0" cy="0"/>
+          <a:chOff x="0" y="0"/>
+          <a:chExt cx="0" cy="0"/>
+        </a:xfrm>
+      </p:grpSpPr>
+      <p:sp>
+        <p:nvSpPr>
+          <p:cNvPr id="2" name="Folienbildplatzhalter 1"/>
+          <p:cNvSpPr>
+            <a:spLocks noGrp="1" noRot="1" noChangeAspect="1"/>
+          </p:cNvSpPr>
+          <p:nvPr>
+            <p:ph type="sldImg"/>
+          </p:nvPr>
+        </p:nvSpPr>
+        <p:spPr/>
+      </p:sp>
+      <p:sp>
+        <p:nvSpPr>
+          <p:cNvPr id="3" name="Notizenplatzhalter 2"/>
+          <p:cNvSpPr>
+            <a:spLocks noGrp="1"/>
+          </p:cNvSpPr>
+          <p:nvPr>
+            <p:ph type="body" idx="1"/>
+          </p:nvPr>
+        </p:nvSpPr>
+        <p:spPr/>
+        <p:txBody>
+          <a:bodyPr/>
+          <a:lstStyle/>
+          <a:p>
+            <a:r>
+              <a:rPr lang="en-US" dirty="0"/>
+              <a:t>Etienne:</a:t>
+            </a:r>
+          </a:p>
+        </p:txBody>
+      </p:sp>
+      <p:sp>
+        <p:nvSpPr>
+          <p:cNvPr id="4" name="Foliennummernplatzhalter 3"/>
+          <p:cNvSpPr>
+            <a:spLocks noGrp="1"/>
+          </p:cNvSpPr>
+          <p:nvPr>
+            <p:ph type="sldNum" sz="quarter" idx="5"/>
+          </p:nvPr>
+        </p:nvSpPr>
+        <p:spPr/>
+        <p:txBody>
+          <a:bodyPr/>
+          <a:lstStyle/>
+          <a:p>
+            <a:fld id="{D4CE1BAB-7B68-4C87-8549-54F078DDFB49}" type="slidenum">
+              <a:rPr lang="en-CH" smtClean="0"/>
+              <a:t>3</a:t>
+            </a:fld>
+            <a:endParaRPr lang="en-CH"/>
+          </a:p>
+        </p:txBody>
+      </p:sp>
+    </p:spTree>
+    <p:extLst>
+      <p:ext uri="{BB962C8B-B14F-4D97-AF65-F5344CB8AC3E}">
+        <p14:creationId xmlns:p14="http://schemas.microsoft.com/office/powerpoint/2010/main" val="1883519343"/>
+      </p:ext>
+    </p:extLst>
+  </p:cSld>
+  <p:clrMapOvr>
+    <a:masterClrMapping/>
+  </p:clrMapOvr>
+</p:notes>
+</file>
+
+<file path=ppt/notesSlides/notesSlide30.xml><?xml version="1.0" encoding="utf-8"?>
+<p:notes xmlns:a="http://schemas.openxmlformats.org/drawingml/2006/main" xmlns:r="http://schemas.openxmlformats.org/officeDocument/2006/relationships" xmlns:p="http://schemas.openxmlformats.org/presentationml/2006/main">
+  <p:cSld>
+    <p:spTree>
+      <p:nvGrpSpPr>
+        <p:cNvPr id="1" name=""/>
+        <p:cNvGrpSpPr/>
+        <p:nvPr/>
+      </p:nvGrpSpPr>
+      <p:grpSpPr>
+        <a:xfrm>
+          <a:off x="0" y="0"/>
+          <a:ext cx="0" cy="0"/>
+          <a:chOff x="0" y="0"/>
+          <a:chExt cx="0" cy="0"/>
+        </a:xfrm>
+      </p:grpSpPr>
+      <p:sp>
+        <p:nvSpPr>
+          <p:cNvPr id="2" name="Folienbildplatzhalter 1"/>
+          <p:cNvSpPr>
+            <a:spLocks noGrp="1" noRot="1" noChangeAspect="1"/>
+          </p:cNvSpPr>
+          <p:nvPr>
+            <p:ph type="sldImg"/>
+          </p:nvPr>
+        </p:nvSpPr>
+        <p:spPr/>
+      </p:sp>
+      <p:sp>
+        <p:nvSpPr>
+          <p:cNvPr id="3" name="Notizenplatzhalter 2"/>
+          <p:cNvSpPr>
+            <a:spLocks noGrp="1"/>
+          </p:cNvSpPr>
+          <p:nvPr>
+            <p:ph type="body" idx="1"/>
+          </p:nvPr>
+        </p:nvSpPr>
+        <p:spPr/>
+        <p:txBody>
+          <a:bodyPr/>
+          <a:lstStyle/>
+          <a:p>
+            <a:r>
+              <a:rPr lang="en-US" dirty="0"/>
+              <a:t>Etienne:</a:t>
+            </a:r>
+          </a:p>
+        </p:txBody>
+      </p:sp>
+      <p:sp>
+        <p:nvSpPr>
+          <p:cNvPr id="4" name="Foliennummernplatzhalter 3"/>
+          <p:cNvSpPr>
+            <a:spLocks noGrp="1"/>
+          </p:cNvSpPr>
+          <p:nvPr>
+            <p:ph type="sldNum" sz="quarter" idx="5"/>
+          </p:nvPr>
+        </p:nvSpPr>
+        <p:spPr/>
+        <p:txBody>
+          <a:bodyPr/>
+          <a:lstStyle/>
+          <a:p>
+            <a:fld id="{D4CE1BAB-7B68-4C87-8549-54F078DDFB49}" type="slidenum">
+              <a:rPr lang="en-CH" smtClean="0"/>
+              <a:t>30</a:t>
+            </a:fld>
+            <a:endParaRPr lang="en-CH"/>
+          </a:p>
+        </p:txBody>
+      </p:sp>
+    </p:spTree>
+    <p:extLst>
+      <p:ext uri="{BB962C8B-B14F-4D97-AF65-F5344CB8AC3E}">
+        <p14:creationId xmlns:p14="http://schemas.microsoft.com/office/powerpoint/2010/main" val="3552269098"/>
+      </p:ext>
+    </p:extLst>
+  </p:cSld>
+  <p:clrMapOvr>
+    <a:masterClrMapping/>
+  </p:clrMapOvr>
+</p:notes>
+</file>
+
+<file path=ppt/notesSlides/notesSlide31.xml><?xml version="1.0" encoding="utf-8"?>
+<p:notes xmlns:a="http://schemas.openxmlformats.org/drawingml/2006/main" xmlns:r="http://schemas.openxmlformats.org/officeDocument/2006/relationships" xmlns:p="http://schemas.openxmlformats.org/presentationml/2006/main">
+  <p:cSld>
+    <p:spTree>
+      <p:nvGrpSpPr>
+        <p:cNvPr id="1" name=""/>
+        <p:cNvGrpSpPr/>
+        <p:nvPr/>
+      </p:nvGrpSpPr>
+      <p:grpSpPr>
+        <a:xfrm>
+          <a:off x="0" y="0"/>
+          <a:ext cx="0" cy="0"/>
+          <a:chOff x="0" y="0"/>
+          <a:chExt cx="0" cy="0"/>
+        </a:xfrm>
+      </p:grpSpPr>
+      <p:sp>
+        <p:nvSpPr>
+          <p:cNvPr id="2" name="Folienbildplatzhalter 1"/>
+          <p:cNvSpPr>
+            <a:spLocks noGrp="1" noRot="1" noChangeAspect="1"/>
+          </p:cNvSpPr>
+          <p:nvPr>
+            <p:ph type="sldImg"/>
+          </p:nvPr>
+        </p:nvSpPr>
+        <p:spPr/>
+      </p:sp>
+      <p:sp>
+        <p:nvSpPr>
+          <p:cNvPr id="3" name="Notizenplatzhalter 2"/>
+          <p:cNvSpPr>
+            <a:spLocks noGrp="1"/>
+          </p:cNvSpPr>
+          <p:nvPr>
+            <p:ph type="body" idx="1"/>
+          </p:nvPr>
+        </p:nvSpPr>
+        <p:spPr/>
+        <p:txBody>
+          <a:bodyPr/>
+          <a:lstStyle/>
+          <a:p>
+            <a:r>
+              <a:rPr lang="en-US" dirty="0"/>
+              <a:t>Etienne:</a:t>
+            </a:r>
+          </a:p>
+        </p:txBody>
+      </p:sp>
+      <p:sp>
+        <p:nvSpPr>
+          <p:cNvPr id="4" name="Foliennummernplatzhalter 3"/>
+          <p:cNvSpPr>
+            <a:spLocks noGrp="1"/>
+          </p:cNvSpPr>
+          <p:nvPr>
+            <p:ph type="sldNum" sz="quarter" idx="5"/>
+          </p:nvPr>
+        </p:nvSpPr>
+        <p:spPr/>
+        <p:txBody>
+          <a:bodyPr/>
+          <a:lstStyle/>
+          <a:p>
+            <a:fld id="{D4CE1BAB-7B68-4C87-8549-54F078DDFB49}" type="slidenum">
+              <a:rPr lang="en-CH" smtClean="0"/>
+              <a:t>31</a:t>
+            </a:fld>
+            <a:endParaRPr lang="en-CH"/>
+          </a:p>
+        </p:txBody>
+      </p:sp>
+    </p:spTree>
+    <p:extLst>
+      <p:ext uri="{BB962C8B-B14F-4D97-AF65-F5344CB8AC3E}">
+        <p14:creationId xmlns:p14="http://schemas.microsoft.com/office/powerpoint/2010/main" val="3865265295"/>
+      </p:ext>
+    </p:extLst>
+  </p:cSld>
+  <p:clrMapOvr>
+    <a:masterClrMapping/>
+  </p:clrMapOvr>
+</p:notes>
+</file>
+
+<file path=ppt/notesSlides/notesSlide32.xml><?xml version="1.0" encoding="utf-8"?>
+<p:notes xmlns:a="http://schemas.openxmlformats.org/drawingml/2006/main" xmlns:r="http://schemas.openxmlformats.org/officeDocument/2006/relationships" xmlns:p="http://schemas.openxmlformats.org/presentationml/2006/main">
+  <p:cSld>
+    <p:spTree>
+      <p:nvGrpSpPr>
+        <p:cNvPr id="1" name=""/>
+        <p:cNvGrpSpPr/>
+        <p:nvPr/>
+      </p:nvGrpSpPr>
+      <p:grpSpPr>
+        <a:xfrm>
+          <a:off x="0" y="0"/>
+          <a:ext cx="0" cy="0"/>
+          <a:chOff x="0" y="0"/>
+          <a:chExt cx="0" cy="0"/>
+        </a:xfrm>
+      </p:grpSpPr>
+      <p:sp>
+        <p:nvSpPr>
+          <p:cNvPr id="2" name="Folienbildplatzhalter 1"/>
+          <p:cNvSpPr>
+            <a:spLocks noGrp="1" noRot="1" noChangeAspect="1"/>
+          </p:cNvSpPr>
+          <p:nvPr>
+            <p:ph type="sldImg"/>
+          </p:nvPr>
+        </p:nvSpPr>
+        <p:spPr/>
+      </p:sp>
+      <p:sp>
+        <p:nvSpPr>
+          <p:cNvPr id="3" name="Notizenplatzhalter 2"/>
+          <p:cNvSpPr>
+            <a:spLocks noGrp="1"/>
+          </p:cNvSpPr>
+          <p:nvPr>
+            <p:ph type="body" idx="1"/>
+          </p:nvPr>
+        </p:nvSpPr>
+        <p:spPr/>
+        <p:txBody>
+          <a:bodyPr/>
+          <a:lstStyle/>
+          <a:p>
+            <a:r>
+              <a:rPr lang="en-US" dirty="0"/>
+              <a:t>Florin:</a:t>
+            </a:r>
+          </a:p>
+        </p:txBody>
+      </p:sp>
+      <p:sp>
+        <p:nvSpPr>
+          <p:cNvPr id="4" name="Foliennummernplatzhalter 3"/>
+          <p:cNvSpPr>
+            <a:spLocks noGrp="1"/>
+          </p:cNvSpPr>
+          <p:nvPr>
+            <p:ph type="sldNum" sz="quarter" idx="5"/>
+          </p:nvPr>
+        </p:nvSpPr>
+        <p:spPr/>
+        <p:txBody>
+          <a:bodyPr/>
+          <a:lstStyle/>
+          <a:p>
+            <a:fld id="{D4CE1BAB-7B68-4C87-8549-54F078DDFB49}" type="slidenum">
+              <a:rPr lang="en-CH" smtClean="0"/>
+              <a:t>32</a:t>
+            </a:fld>
+            <a:endParaRPr lang="en-CH"/>
+          </a:p>
+        </p:txBody>
+      </p:sp>
+    </p:spTree>
+    <p:extLst>
+      <p:ext uri="{BB962C8B-B14F-4D97-AF65-F5344CB8AC3E}">
+        <p14:creationId xmlns:p14="http://schemas.microsoft.com/office/powerpoint/2010/main" val="2214953838"/>
+      </p:ext>
+    </p:extLst>
+  </p:cSld>
+  <p:clrMapOvr>
+    <a:masterClrMapping/>
+  </p:clrMapOvr>
+</p:notes>
+</file>
+
+<file path=ppt/notesSlides/notesSlide33.xml><?xml version="1.0" encoding="utf-8"?>
+<p:notes xmlns:a="http://schemas.openxmlformats.org/drawingml/2006/main" xmlns:r="http://schemas.openxmlformats.org/officeDocument/2006/relationships" xmlns:p="http://schemas.openxmlformats.org/presentationml/2006/main">
+  <p:cSld>
+    <p:spTree>
+      <p:nvGrpSpPr>
+        <p:cNvPr id="1" name=""/>
+        <p:cNvGrpSpPr/>
+        <p:nvPr/>
+      </p:nvGrpSpPr>
+      <p:grpSpPr>
+        <a:xfrm>
+          <a:off x="0" y="0"/>
+          <a:ext cx="0" cy="0"/>
+          <a:chOff x="0" y="0"/>
+          <a:chExt cx="0" cy="0"/>
+        </a:xfrm>
+      </p:grpSpPr>
+      <p:sp>
+        <p:nvSpPr>
+          <p:cNvPr id="2" name="Folienbildplatzhalter 1"/>
+          <p:cNvSpPr>
+            <a:spLocks noGrp="1" noRot="1" noChangeAspect="1"/>
+          </p:cNvSpPr>
+          <p:nvPr>
+            <p:ph type="sldImg"/>
+          </p:nvPr>
+        </p:nvSpPr>
+        <p:spPr/>
+      </p:sp>
+      <p:sp>
+        <p:nvSpPr>
+          <p:cNvPr id="3" name="Notizenplatzhalter 2"/>
+          <p:cNvSpPr>
+            <a:spLocks noGrp="1"/>
+          </p:cNvSpPr>
+          <p:nvPr>
+            <p:ph type="body" idx="1"/>
+          </p:nvPr>
+        </p:nvSpPr>
+        <p:spPr/>
+        <p:txBody>
+          <a:bodyPr/>
+          <a:lstStyle/>
+          <a:p>
+            <a:r>
+              <a:rPr lang="en-US" dirty="0"/>
+              <a:t>Florin:</a:t>
+            </a:r>
+          </a:p>
+        </p:txBody>
+      </p:sp>
+      <p:sp>
+        <p:nvSpPr>
+          <p:cNvPr id="4" name="Foliennummernplatzhalter 3"/>
+          <p:cNvSpPr>
+            <a:spLocks noGrp="1"/>
+          </p:cNvSpPr>
+          <p:nvPr>
+            <p:ph type="sldNum" sz="quarter" idx="5"/>
+          </p:nvPr>
+        </p:nvSpPr>
+        <p:spPr/>
+        <p:txBody>
+          <a:bodyPr/>
+          <a:lstStyle/>
+          <a:p>
+            <a:fld id="{D4CE1BAB-7B68-4C87-8549-54F078DDFB49}" type="slidenum">
+              <a:rPr lang="en-CH" smtClean="0"/>
+              <a:t>33</a:t>
+            </a:fld>
+            <a:endParaRPr lang="en-CH"/>
+          </a:p>
+        </p:txBody>
+      </p:sp>
+    </p:spTree>
+    <p:extLst>
+      <p:ext uri="{BB962C8B-B14F-4D97-AF65-F5344CB8AC3E}">
+        <p14:creationId xmlns:p14="http://schemas.microsoft.com/office/powerpoint/2010/main" val="1192728714"/>
+      </p:ext>
+    </p:extLst>
+  </p:cSld>
+  <p:clrMapOvr>
+    <a:masterClrMapping/>
+  </p:clrMapOvr>
+</p:notes>
+</file>
+
+<file path=ppt/notesSlides/notesSlide34.xml><?xml version="1.0" encoding="utf-8"?>
+<p:notes xmlns:a="http://schemas.openxmlformats.org/drawingml/2006/main" xmlns:r="http://schemas.openxmlformats.org/officeDocument/2006/relationships" xmlns:p="http://schemas.openxmlformats.org/presentationml/2006/main">
+  <p:cSld>
+    <p:spTree>
+      <p:nvGrpSpPr>
+        <p:cNvPr id="1" name=""/>
+        <p:cNvGrpSpPr/>
+        <p:nvPr/>
+      </p:nvGrpSpPr>
+      <p:grpSpPr>
+        <a:xfrm>
+          <a:off x="0" y="0"/>
+          <a:ext cx="0" cy="0"/>
+          <a:chOff x="0" y="0"/>
+          <a:chExt cx="0" cy="0"/>
+        </a:xfrm>
+      </p:grpSpPr>
+      <p:sp>
+        <p:nvSpPr>
+          <p:cNvPr id="2" name="Folienbildplatzhalter 1"/>
+          <p:cNvSpPr>
+            <a:spLocks noGrp="1" noRot="1" noChangeAspect="1"/>
+          </p:cNvSpPr>
+          <p:nvPr>
+            <p:ph type="sldImg"/>
+          </p:nvPr>
+        </p:nvSpPr>
+        <p:spPr/>
+      </p:sp>
+      <p:sp>
+        <p:nvSpPr>
+          <p:cNvPr id="3" name="Notizenplatzhalter 2"/>
+          <p:cNvSpPr>
+            <a:spLocks noGrp="1"/>
+          </p:cNvSpPr>
+          <p:nvPr>
+            <p:ph type="body" idx="1"/>
+          </p:nvPr>
+        </p:nvSpPr>
+        <p:spPr/>
+        <p:txBody>
+          <a:bodyPr/>
+          <a:lstStyle/>
+          <a:p>
+            <a:r>
+              <a:rPr lang="en-US" dirty="0"/>
+              <a:t>Florin:</a:t>
+            </a:r>
+          </a:p>
+        </p:txBody>
+      </p:sp>
+      <p:sp>
+        <p:nvSpPr>
+          <p:cNvPr id="4" name="Foliennummernplatzhalter 3"/>
+          <p:cNvSpPr>
+            <a:spLocks noGrp="1"/>
+          </p:cNvSpPr>
+          <p:nvPr>
+            <p:ph type="sldNum" sz="quarter" idx="5"/>
+          </p:nvPr>
+        </p:nvSpPr>
+        <p:spPr/>
+        <p:txBody>
+          <a:bodyPr/>
+          <a:lstStyle/>
+          <a:p>
+            <a:fld id="{D4CE1BAB-7B68-4C87-8549-54F078DDFB49}" type="slidenum">
+              <a:rPr lang="en-CH" smtClean="0"/>
+              <a:t>34</a:t>
+            </a:fld>
+            <a:endParaRPr lang="en-CH"/>
+          </a:p>
+        </p:txBody>
+      </p:sp>
+    </p:spTree>
+    <p:extLst>
+      <p:ext uri="{BB962C8B-B14F-4D97-AF65-F5344CB8AC3E}">
+        <p14:creationId xmlns:p14="http://schemas.microsoft.com/office/powerpoint/2010/main" val="1563682470"/>
+      </p:ext>
+    </p:extLst>
+  </p:cSld>
+  <p:clrMapOvr>
+    <a:masterClrMapping/>
+  </p:clrMapOvr>
+</p:notes>
+</file>
+
+<file path=ppt/notesSlides/notesSlide35.xml><?xml version="1.0" encoding="utf-8"?>
+<p:notes xmlns:a="http://schemas.openxmlformats.org/drawingml/2006/main" xmlns:r="http://schemas.openxmlformats.org/officeDocument/2006/relationships" xmlns:p="http://schemas.openxmlformats.org/presentationml/2006/main">
+  <p:cSld>
+    <p:spTree>
+      <p:nvGrpSpPr>
+        <p:cNvPr id="1" name=""/>
+        <p:cNvGrpSpPr/>
+        <p:nvPr/>
+      </p:nvGrpSpPr>
+      <p:grpSpPr>
+        <a:xfrm>
+          <a:off x="0" y="0"/>
+          <a:ext cx="0" cy="0"/>
+          <a:chOff x="0" y="0"/>
+          <a:chExt cx="0" cy="0"/>
+        </a:xfrm>
+      </p:grpSpPr>
+      <p:sp>
+        <p:nvSpPr>
+          <p:cNvPr id="2" name="Folienbildplatzhalter 1"/>
+          <p:cNvSpPr>
+            <a:spLocks noGrp="1" noRot="1" noChangeAspect="1"/>
+          </p:cNvSpPr>
+          <p:nvPr>
+            <p:ph type="sldImg"/>
+          </p:nvPr>
+        </p:nvSpPr>
+        <p:spPr/>
+      </p:sp>
+      <p:sp>
+        <p:nvSpPr>
+          <p:cNvPr id="3" name="Notizenplatzhalter 2"/>
+          <p:cNvSpPr>
+            <a:spLocks noGrp="1"/>
+          </p:cNvSpPr>
+          <p:nvPr>
+            <p:ph type="body" idx="1"/>
+          </p:nvPr>
+        </p:nvSpPr>
+        <p:spPr/>
+        <p:txBody>
+          <a:bodyPr/>
+          <a:lstStyle/>
+          <a:p>
+            <a:r>
+              <a:rPr lang="en-US" dirty="0"/>
+              <a:t>Florin:</a:t>
+            </a:r>
+          </a:p>
+        </p:txBody>
+      </p:sp>
+      <p:sp>
+        <p:nvSpPr>
+          <p:cNvPr id="4" name="Foliennummernplatzhalter 3"/>
+          <p:cNvSpPr>
+            <a:spLocks noGrp="1"/>
+          </p:cNvSpPr>
+          <p:nvPr>
+            <p:ph type="sldNum" sz="quarter" idx="5"/>
+          </p:nvPr>
+        </p:nvSpPr>
+        <p:spPr/>
+        <p:txBody>
+          <a:bodyPr/>
+          <a:lstStyle/>
+          <a:p>
+            <a:fld id="{D4CE1BAB-7B68-4C87-8549-54F078DDFB49}" type="slidenum">
+              <a:rPr lang="en-CH" smtClean="0"/>
+              <a:t>35</a:t>
+            </a:fld>
+            <a:endParaRPr lang="en-CH"/>
+          </a:p>
+        </p:txBody>
+      </p:sp>
+    </p:spTree>
+    <p:extLst>
+      <p:ext uri="{BB962C8B-B14F-4D97-AF65-F5344CB8AC3E}">
+        <p14:creationId xmlns:p14="http://schemas.microsoft.com/office/powerpoint/2010/main" val="3838138806"/>
+      </p:ext>
+    </p:extLst>
+  </p:cSld>
+  <p:clrMapOvr>
+    <a:masterClrMapping/>
+  </p:clrMapOvr>
+</p:notes>
+</file>
+
+<file path=ppt/notesSlides/notesSlide36.xml><?xml version="1.0" encoding="utf-8"?>
+<p:notes xmlns:a="http://schemas.openxmlformats.org/drawingml/2006/main" xmlns:r="http://schemas.openxmlformats.org/officeDocument/2006/relationships" xmlns:p="http://schemas.openxmlformats.org/presentationml/2006/main">
+  <p:cSld>
+    <p:spTree>
+      <p:nvGrpSpPr>
+        <p:cNvPr id="1" name=""/>
+        <p:cNvGrpSpPr/>
+        <p:nvPr/>
+      </p:nvGrpSpPr>
+      <p:grpSpPr>
+        <a:xfrm>
+          <a:off x="0" y="0"/>
+          <a:ext cx="0" cy="0"/>
+          <a:chOff x="0" y="0"/>
+          <a:chExt cx="0" cy="0"/>
+        </a:xfrm>
+      </p:grpSpPr>
+      <p:sp>
+        <p:nvSpPr>
+          <p:cNvPr id="2" name="Folienbildplatzhalter 1"/>
+          <p:cNvSpPr>
+            <a:spLocks noGrp="1" noRot="1" noChangeAspect="1"/>
+          </p:cNvSpPr>
+          <p:nvPr>
+            <p:ph type="sldImg"/>
+          </p:nvPr>
+        </p:nvSpPr>
+        <p:spPr/>
+      </p:sp>
+      <p:sp>
+        <p:nvSpPr>
+          <p:cNvPr id="3" name="Notizenplatzhalter 2"/>
+          <p:cNvSpPr>
+            <a:spLocks noGrp="1"/>
+          </p:cNvSpPr>
+          <p:nvPr>
+            <p:ph type="body" idx="1"/>
+          </p:nvPr>
+        </p:nvSpPr>
+        <p:spPr/>
+        <p:txBody>
+          <a:bodyPr/>
+          <a:lstStyle/>
+          <a:p>
+            <a:r>
+              <a:rPr lang="en-US" dirty="0"/>
+              <a:t>Florin:</a:t>
+            </a:r>
+          </a:p>
+        </p:txBody>
+      </p:sp>
+      <p:sp>
+        <p:nvSpPr>
+          <p:cNvPr id="4" name="Foliennummernplatzhalter 3"/>
+          <p:cNvSpPr>
+            <a:spLocks noGrp="1"/>
+          </p:cNvSpPr>
+          <p:nvPr>
+            <p:ph type="sldNum" sz="quarter" idx="5"/>
+          </p:nvPr>
+        </p:nvSpPr>
+        <p:spPr/>
+        <p:txBody>
+          <a:bodyPr/>
+          <a:lstStyle/>
+          <a:p>
+            <a:fld id="{D4CE1BAB-7B68-4C87-8549-54F078DDFB49}" type="slidenum">
+              <a:rPr lang="en-CH" smtClean="0"/>
+              <a:t>36</a:t>
+            </a:fld>
+            <a:endParaRPr lang="en-CH"/>
+          </a:p>
+        </p:txBody>
+      </p:sp>
+    </p:spTree>
+    <p:extLst>
+      <p:ext uri="{BB962C8B-B14F-4D97-AF65-F5344CB8AC3E}">
+        <p14:creationId xmlns:p14="http://schemas.microsoft.com/office/powerpoint/2010/main" val="2860594885"/>
+      </p:ext>
+    </p:extLst>
+  </p:cSld>
+  <p:clrMapOvr>
+    <a:masterClrMapping/>
+  </p:clrMapOvr>
+</p:notes>
+</file>
+
+<file path=ppt/notesSlides/notesSlide37.xml><?xml version="1.0" encoding="utf-8"?>
+<p:notes xmlns:a="http://schemas.openxmlformats.org/drawingml/2006/main" xmlns:r="http://schemas.openxmlformats.org/officeDocument/2006/relationships" xmlns:p="http://schemas.openxmlformats.org/presentationml/2006/main">
+  <p:cSld>
+    <p:spTree>
+      <p:nvGrpSpPr>
+        <p:cNvPr id="1" name=""/>
+        <p:cNvGrpSpPr/>
+        <p:nvPr/>
+      </p:nvGrpSpPr>
+      <p:grpSpPr>
+        <a:xfrm>
+          <a:off x="0" y="0"/>
+          <a:ext cx="0" cy="0"/>
+          <a:chOff x="0" y="0"/>
+          <a:chExt cx="0" cy="0"/>
+        </a:xfrm>
+      </p:grpSpPr>
+      <p:sp>
+        <p:nvSpPr>
+          <p:cNvPr id="2" name="Folienbildplatzhalter 1"/>
+          <p:cNvSpPr>
+            <a:spLocks noGrp="1" noRot="1" noChangeAspect="1"/>
+          </p:cNvSpPr>
+          <p:nvPr>
+            <p:ph type="sldImg"/>
+          </p:nvPr>
+        </p:nvSpPr>
+        <p:spPr/>
+      </p:sp>
+      <p:sp>
+        <p:nvSpPr>
+          <p:cNvPr id="3" name="Notizenplatzhalter 2"/>
+          <p:cNvSpPr>
+            <a:spLocks noGrp="1"/>
+          </p:cNvSpPr>
+          <p:nvPr>
+            <p:ph type="body" idx="1"/>
+          </p:nvPr>
+        </p:nvSpPr>
+        <p:spPr/>
+        <p:txBody>
+          <a:bodyPr/>
+          <a:lstStyle/>
+          <a:p>
+            <a:r>
+              <a:rPr lang="en-US" dirty="0"/>
+              <a:t>Florin:</a:t>
+            </a:r>
+          </a:p>
+        </p:txBody>
+      </p:sp>
+      <p:sp>
+        <p:nvSpPr>
+          <p:cNvPr id="4" name="Foliennummernplatzhalter 3"/>
+          <p:cNvSpPr>
+            <a:spLocks noGrp="1"/>
+          </p:cNvSpPr>
+          <p:nvPr>
+            <p:ph type="sldNum" sz="quarter" idx="5"/>
+          </p:nvPr>
+        </p:nvSpPr>
+        <p:spPr/>
+        <p:txBody>
+          <a:bodyPr/>
+          <a:lstStyle/>
+          <a:p>
+            <a:fld id="{D4CE1BAB-7B68-4C87-8549-54F078DDFB49}" type="slidenum">
+              <a:rPr lang="en-CH" smtClean="0"/>
+              <a:t>37</a:t>
+            </a:fld>
+            <a:endParaRPr lang="en-CH"/>
+          </a:p>
+        </p:txBody>
+      </p:sp>
+    </p:spTree>
+    <p:extLst>
+      <p:ext uri="{BB962C8B-B14F-4D97-AF65-F5344CB8AC3E}">
+        <p14:creationId xmlns:p14="http://schemas.microsoft.com/office/powerpoint/2010/main" val="2329928541"/>
+      </p:ext>
+    </p:extLst>
+  </p:cSld>
+  <p:clrMapOvr>
+    <a:masterClrMapping/>
+  </p:clrMapOvr>
+</p:notes>
+</file>
+
+<file path=ppt/notesSlides/notesSlide38.xml><?xml version="1.0" encoding="utf-8"?>
+<p:notes xmlns:a="http://schemas.openxmlformats.org/drawingml/2006/main" xmlns:r="http://schemas.openxmlformats.org/officeDocument/2006/relationships" xmlns:p="http://schemas.openxmlformats.org/presentationml/2006/main">
+  <p:cSld>
+    <p:spTree>
+      <p:nvGrpSpPr>
+        <p:cNvPr id="1" name=""/>
+        <p:cNvGrpSpPr/>
+        <p:nvPr/>
+      </p:nvGrpSpPr>
+      <p:grpSpPr>
+        <a:xfrm>
+          <a:off x="0" y="0"/>
+          <a:ext cx="0" cy="0"/>
+          <a:chOff x="0" y="0"/>
+          <a:chExt cx="0" cy="0"/>
+        </a:xfrm>
+      </p:grpSpPr>
+      <p:sp>
+        <p:nvSpPr>
+          <p:cNvPr id="2" name="Folienbildplatzhalter 1"/>
+          <p:cNvSpPr>
+            <a:spLocks noGrp="1" noRot="1" noChangeAspect="1"/>
+          </p:cNvSpPr>
+          <p:nvPr>
+            <p:ph type="sldImg"/>
+          </p:nvPr>
+        </p:nvSpPr>
+        <p:spPr/>
+      </p:sp>
+      <p:sp>
+        <p:nvSpPr>
+          <p:cNvPr id="3" name="Notizenplatzhalter 2"/>
+          <p:cNvSpPr>
+            <a:spLocks noGrp="1"/>
+          </p:cNvSpPr>
+          <p:nvPr>
+            <p:ph type="body" idx="1"/>
+          </p:nvPr>
+        </p:nvSpPr>
+        <p:spPr/>
+        <p:txBody>
+          <a:bodyPr/>
+          <a:lstStyle/>
+          <a:p>
+            <a:r>
+              <a:rPr lang="en-US" dirty="0"/>
+              <a:t>Florin:</a:t>
+            </a:r>
+          </a:p>
+        </p:txBody>
+      </p:sp>
+      <p:sp>
+        <p:nvSpPr>
+          <p:cNvPr id="4" name="Foliennummernplatzhalter 3"/>
+          <p:cNvSpPr>
+            <a:spLocks noGrp="1"/>
+          </p:cNvSpPr>
+          <p:nvPr>
+            <p:ph type="sldNum" sz="quarter" idx="5"/>
+          </p:nvPr>
+        </p:nvSpPr>
+        <p:spPr/>
+        <p:txBody>
+          <a:bodyPr/>
+          <a:lstStyle/>
+          <a:p>
+            <a:fld id="{D4CE1BAB-7B68-4C87-8549-54F078DDFB49}" type="slidenum">
+              <a:rPr lang="en-CH" smtClean="0"/>
+              <a:t>38</a:t>
+            </a:fld>
+            <a:endParaRPr lang="en-CH"/>
+          </a:p>
+        </p:txBody>
+      </p:sp>
+    </p:spTree>
+    <p:extLst>
+      <p:ext uri="{BB962C8B-B14F-4D97-AF65-F5344CB8AC3E}">
+        <p14:creationId xmlns:p14="http://schemas.microsoft.com/office/powerpoint/2010/main" val="1349685214"/>
+      </p:ext>
+    </p:extLst>
+  </p:cSld>
+  <p:clrMapOvr>
+    <a:masterClrMapping/>
+  </p:clrMapOvr>
+</p:notes>
+</file>
+
+<file path=ppt/notesSlides/notesSlide39.xml><?xml version="1.0" encoding="utf-8"?>
+<p:notes xmlns:a="http://schemas.openxmlformats.org/drawingml/2006/main" xmlns:r="http://schemas.openxmlformats.org/officeDocument/2006/relationships" xmlns:p="http://schemas.openxmlformats.org/presentationml/2006/main">
+  <p:cSld>
+    <p:spTree>
+      <p:nvGrpSpPr>
+        <p:cNvPr id="1" name=""/>
+        <p:cNvGrpSpPr/>
+        <p:nvPr/>
+      </p:nvGrpSpPr>
+      <p:grpSpPr>
+        <a:xfrm>
+          <a:off x="0" y="0"/>
+          <a:ext cx="0" cy="0"/>
+          <a:chOff x="0" y="0"/>
+          <a:chExt cx="0" cy="0"/>
+        </a:xfrm>
+      </p:grpSpPr>
+      <p:sp>
+        <p:nvSpPr>
+          <p:cNvPr id="2" name="Folienbildplatzhalter 1"/>
+          <p:cNvSpPr>
+            <a:spLocks noGrp="1" noRot="1" noChangeAspect="1"/>
+          </p:cNvSpPr>
+          <p:nvPr>
+            <p:ph type="sldImg"/>
+          </p:nvPr>
+        </p:nvSpPr>
+        <p:spPr/>
+      </p:sp>
+      <p:sp>
+        <p:nvSpPr>
+          <p:cNvPr id="3" name="Notizenplatzhalter 2"/>
+          <p:cNvSpPr>
+            <a:spLocks noGrp="1"/>
+          </p:cNvSpPr>
+          <p:nvPr>
+            <p:ph type="body" idx="1"/>
+          </p:nvPr>
+        </p:nvSpPr>
+        <p:spPr/>
+        <p:txBody>
+          <a:bodyPr/>
+          <a:lstStyle/>
+          <a:p>
+            <a:r>
+              <a:rPr lang="en-US" dirty="0"/>
+              <a:t>Florin:</a:t>
+            </a:r>
+          </a:p>
+        </p:txBody>
+      </p:sp>
+      <p:sp>
+        <p:nvSpPr>
+          <p:cNvPr id="4" name="Foliennummernplatzhalter 3"/>
+          <p:cNvSpPr>
+            <a:spLocks noGrp="1"/>
+          </p:cNvSpPr>
+          <p:nvPr>
+            <p:ph type="sldNum" sz="quarter" idx="5"/>
+          </p:nvPr>
+        </p:nvSpPr>
+        <p:spPr/>
+        <p:txBody>
+          <a:bodyPr/>
+          <a:lstStyle/>
+          <a:p>
+            <a:fld id="{D4CE1BAB-7B68-4C87-8549-54F078DDFB49}" type="slidenum">
+              <a:rPr lang="en-CH" smtClean="0"/>
+              <a:t>39</a:t>
+            </a:fld>
+            <a:endParaRPr lang="en-CH"/>
+          </a:p>
+        </p:txBody>
+      </p:sp>
+    </p:spTree>
+    <p:extLst>
+      <p:ext uri="{BB962C8B-B14F-4D97-AF65-F5344CB8AC3E}">
+        <p14:creationId xmlns:p14="http://schemas.microsoft.com/office/powerpoint/2010/main" val="1078218927"/>
+      </p:ext>
+    </p:extLst>
+  </p:cSld>
+  <p:clrMapOvr>
+    <a:masterClrMapping/>
+  </p:clrMapOvr>
+</p:notes>
+</file>
+
+<file path=ppt/notesSlides/notesSlide4.xml><?xml version="1.0" encoding="utf-8"?>
+<p:notes xmlns:a="http://schemas.openxmlformats.org/drawingml/2006/main" xmlns:r="http://schemas.openxmlformats.org/officeDocument/2006/relationships" xmlns:p="http://schemas.openxmlformats.org/presentationml/2006/main">
+  <p:cSld>
+    <p:spTree>
+      <p:nvGrpSpPr>
+        <p:cNvPr id="1" name=""/>
+        <p:cNvGrpSpPr/>
+        <p:nvPr/>
+      </p:nvGrpSpPr>
+      <p:grpSpPr>
+        <a:xfrm>
+          <a:off x="0" y="0"/>
+          <a:ext cx="0" cy="0"/>
+          <a:chOff x="0" y="0"/>
+          <a:chExt cx="0" cy="0"/>
+        </a:xfrm>
+      </p:grpSpPr>
+      <p:sp>
+        <p:nvSpPr>
+          <p:cNvPr id="2" name="Folienbildplatzhalter 1"/>
+          <p:cNvSpPr>
+            <a:spLocks noGrp="1" noRot="1" noChangeAspect="1"/>
+          </p:cNvSpPr>
+          <p:nvPr>
+            <p:ph type="sldImg"/>
+          </p:nvPr>
+        </p:nvSpPr>
+        <p:spPr/>
+      </p:sp>
+      <p:sp>
+        <p:nvSpPr>
+          <p:cNvPr id="3" name="Notizenplatzhalter 2"/>
+          <p:cNvSpPr>
+            <a:spLocks noGrp="1"/>
+          </p:cNvSpPr>
+          <p:nvPr>
+            <p:ph type="body" idx="1"/>
+          </p:nvPr>
+        </p:nvSpPr>
+        <p:spPr/>
+        <p:txBody>
+          <a:bodyPr/>
+          <a:lstStyle/>
+          <a:p>
+            <a:r>
+              <a:rPr lang="en-US" dirty="0"/>
+              <a:t>Etienne:</a:t>
+            </a:r>
+          </a:p>
+        </p:txBody>
+      </p:sp>
+      <p:sp>
+        <p:nvSpPr>
+          <p:cNvPr id="4" name="Foliennummernplatzhalter 3"/>
+          <p:cNvSpPr>
+            <a:spLocks noGrp="1"/>
+          </p:cNvSpPr>
+          <p:nvPr>
+            <p:ph type="sldNum" sz="quarter" idx="5"/>
+          </p:nvPr>
+        </p:nvSpPr>
+        <p:spPr/>
+        <p:txBody>
+          <a:bodyPr/>
+          <a:lstStyle/>
+          <a:p>
+            <a:fld id="{D4CE1BAB-7B68-4C87-8549-54F078DDFB49}" type="slidenum">
+              <a:rPr lang="en-CH" smtClean="0"/>
+              <a:t>4</a:t>
+            </a:fld>
+            <a:endParaRPr lang="en-CH"/>
+          </a:p>
+        </p:txBody>
+      </p:sp>
+    </p:spTree>
+    <p:extLst>
+      <p:ext uri="{BB962C8B-B14F-4D97-AF65-F5344CB8AC3E}">
+        <p14:creationId xmlns:p14="http://schemas.microsoft.com/office/powerpoint/2010/main" val="2426727986"/>
+      </p:ext>
+    </p:extLst>
+  </p:cSld>
+  <p:clrMapOvr>
+    <a:masterClrMapping/>
+  </p:clrMapOvr>
+</p:notes>
+</file>
+
+<file path=ppt/notesSlides/notesSlide40.xml><?xml version="1.0" encoding="utf-8"?>
+<p:notes xmlns:a="http://schemas.openxmlformats.org/drawingml/2006/main" xmlns:r="http://schemas.openxmlformats.org/officeDocument/2006/relationships" xmlns:p="http://schemas.openxmlformats.org/presentationml/2006/main">
+  <p:cSld>
+    <p:spTree>
+      <p:nvGrpSpPr>
+        <p:cNvPr id="1" name=""/>
+        <p:cNvGrpSpPr/>
+        <p:nvPr/>
+      </p:nvGrpSpPr>
+      <p:grpSpPr>
+        <a:xfrm>
+          <a:off x="0" y="0"/>
+          <a:ext cx="0" cy="0"/>
+          <a:chOff x="0" y="0"/>
+          <a:chExt cx="0" cy="0"/>
+        </a:xfrm>
+      </p:grpSpPr>
+      <p:sp>
+        <p:nvSpPr>
+          <p:cNvPr id="2" name="Folienbildplatzhalter 1"/>
+          <p:cNvSpPr>
+            <a:spLocks noGrp="1" noRot="1" noChangeAspect="1"/>
+          </p:cNvSpPr>
+          <p:nvPr>
+            <p:ph type="sldImg"/>
+          </p:nvPr>
+        </p:nvSpPr>
+        <p:spPr/>
+      </p:sp>
+      <p:sp>
+        <p:nvSpPr>
+          <p:cNvPr id="3" name="Notizenplatzhalter 2"/>
+          <p:cNvSpPr>
+            <a:spLocks noGrp="1"/>
+          </p:cNvSpPr>
+          <p:nvPr>
+            <p:ph type="body" idx="1"/>
+          </p:nvPr>
+        </p:nvSpPr>
+        <p:spPr/>
+        <p:txBody>
+          <a:bodyPr/>
+          <a:lstStyle/>
+          <a:p>
+            <a:r>
+              <a:rPr lang="en-US" dirty="0"/>
+              <a:t>Florin:</a:t>
+            </a:r>
+          </a:p>
+        </p:txBody>
+      </p:sp>
+      <p:sp>
+        <p:nvSpPr>
+          <p:cNvPr id="4" name="Foliennummernplatzhalter 3"/>
+          <p:cNvSpPr>
+            <a:spLocks noGrp="1"/>
+          </p:cNvSpPr>
+          <p:nvPr>
+            <p:ph type="sldNum" sz="quarter" idx="5"/>
+          </p:nvPr>
+        </p:nvSpPr>
+        <p:spPr/>
+        <p:txBody>
+          <a:bodyPr/>
+          <a:lstStyle/>
+          <a:p>
+            <a:fld id="{D4CE1BAB-7B68-4C87-8549-54F078DDFB49}" type="slidenum">
+              <a:rPr lang="en-CH" smtClean="0"/>
+              <a:t>40</a:t>
+            </a:fld>
+            <a:endParaRPr lang="en-CH"/>
+          </a:p>
+        </p:txBody>
+      </p:sp>
+    </p:spTree>
+    <p:extLst>
+      <p:ext uri="{BB962C8B-B14F-4D97-AF65-F5344CB8AC3E}">
+        <p14:creationId xmlns:p14="http://schemas.microsoft.com/office/powerpoint/2010/main" val="612389631"/>
+      </p:ext>
+    </p:extLst>
+  </p:cSld>
+  <p:clrMapOvr>
+    <a:masterClrMapping/>
+  </p:clrMapOvr>
+</p:notes>
+</file>
+
+<file path=ppt/notesSlides/notesSlide41.xml><?xml version="1.0" encoding="utf-8"?>
+<p:notes xmlns:a="http://schemas.openxmlformats.org/drawingml/2006/main" xmlns:r="http://schemas.openxmlformats.org/officeDocument/2006/relationships" xmlns:p="http://schemas.openxmlformats.org/presentationml/2006/main">
+  <p:cSld>
+    <p:spTree>
+      <p:nvGrpSpPr>
+        <p:cNvPr id="1" name=""/>
+        <p:cNvGrpSpPr/>
+        <p:nvPr/>
+      </p:nvGrpSpPr>
+      <p:grpSpPr>
+        <a:xfrm>
+          <a:off x="0" y="0"/>
+          <a:ext cx="0" cy="0"/>
+          <a:chOff x="0" y="0"/>
+          <a:chExt cx="0" cy="0"/>
+        </a:xfrm>
+      </p:grpSpPr>
+      <p:sp>
+        <p:nvSpPr>
+          <p:cNvPr id="2" name="Folienbildplatzhalter 1"/>
+          <p:cNvSpPr>
+            <a:spLocks noGrp="1" noRot="1" noChangeAspect="1"/>
+          </p:cNvSpPr>
+          <p:nvPr>
+            <p:ph type="sldImg"/>
+          </p:nvPr>
+        </p:nvSpPr>
+        <p:spPr/>
+      </p:sp>
+      <p:sp>
+        <p:nvSpPr>
+          <p:cNvPr id="3" name="Notizenplatzhalter 2"/>
+          <p:cNvSpPr>
+            <a:spLocks noGrp="1"/>
+          </p:cNvSpPr>
+          <p:nvPr>
+            <p:ph type="body" idx="1"/>
+          </p:nvPr>
+        </p:nvSpPr>
+        <p:spPr/>
+        <p:txBody>
+          <a:bodyPr/>
+          <a:lstStyle/>
+          <a:p>
+            <a:r>
+              <a:rPr lang="en-US" dirty="0"/>
+              <a:t>Florin:</a:t>
+            </a:r>
+          </a:p>
+        </p:txBody>
+      </p:sp>
+      <p:sp>
+        <p:nvSpPr>
+          <p:cNvPr id="4" name="Foliennummernplatzhalter 3"/>
+          <p:cNvSpPr>
+            <a:spLocks noGrp="1"/>
+          </p:cNvSpPr>
+          <p:nvPr>
+            <p:ph type="sldNum" sz="quarter" idx="5"/>
+          </p:nvPr>
+        </p:nvSpPr>
+        <p:spPr/>
+        <p:txBody>
+          <a:bodyPr/>
+          <a:lstStyle/>
+          <a:p>
+            <a:fld id="{D4CE1BAB-7B68-4C87-8549-54F078DDFB49}" type="slidenum">
+              <a:rPr lang="en-CH" smtClean="0"/>
+              <a:t>41</a:t>
+            </a:fld>
+            <a:endParaRPr lang="en-CH"/>
+          </a:p>
+        </p:txBody>
+      </p:sp>
+    </p:spTree>
+    <p:extLst>
+      <p:ext uri="{BB962C8B-B14F-4D97-AF65-F5344CB8AC3E}">
+        <p14:creationId xmlns:p14="http://schemas.microsoft.com/office/powerpoint/2010/main" val="1975393429"/>
+      </p:ext>
+    </p:extLst>
+  </p:cSld>
+  <p:clrMapOvr>
+    <a:masterClrMapping/>
+  </p:clrMapOvr>
+</p:notes>
+</file>
+
+<file path=ppt/notesSlides/notesSlide5.xml><?xml version="1.0" encoding="utf-8"?>
+<p:notes xmlns:a="http://schemas.openxmlformats.org/drawingml/2006/main" xmlns:r="http://schemas.openxmlformats.org/officeDocument/2006/relationships" xmlns:p="http://schemas.openxmlformats.org/presentationml/2006/main">
+  <p:cSld>
+    <p:spTree>
+      <p:nvGrpSpPr>
+        <p:cNvPr id="1" name=""/>
+        <p:cNvGrpSpPr/>
+        <p:nvPr/>
+      </p:nvGrpSpPr>
+      <p:grpSpPr>
+        <a:xfrm>
+          <a:off x="0" y="0"/>
+          <a:ext cx="0" cy="0"/>
+          <a:chOff x="0" y="0"/>
+          <a:chExt cx="0" cy="0"/>
+        </a:xfrm>
+      </p:grpSpPr>
+      <p:sp>
+        <p:nvSpPr>
+          <p:cNvPr id="2" name="Folienbildplatzhalter 1"/>
+          <p:cNvSpPr>
+            <a:spLocks noGrp="1" noRot="1" noChangeAspect="1"/>
+          </p:cNvSpPr>
+          <p:nvPr>
+            <p:ph type="sldImg"/>
+          </p:nvPr>
+        </p:nvSpPr>
+        <p:spPr/>
+      </p:sp>
+      <p:sp>
+        <p:nvSpPr>
+          <p:cNvPr id="3" name="Notizenplatzhalter 2"/>
+          <p:cNvSpPr>
+            <a:spLocks noGrp="1"/>
+          </p:cNvSpPr>
+          <p:nvPr>
+            <p:ph type="body" idx="1"/>
+          </p:nvPr>
+        </p:nvSpPr>
+        <p:spPr/>
+        <p:txBody>
+          <a:bodyPr/>
+          <a:lstStyle/>
+          <a:p>
+            <a:r>
+              <a:rPr lang="en-US" dirty="0"/>
+              <a:t>Tobias:</a:t>
+            </a:r>
+          </a:p>
+        </p:txBody>
+      </p:sp>
+      <p:sp>
+        <p:nvSpPr>
+          <p:cNvPr id="4" name="Foliennummernplatzhalter 3"/>
+          <p:cNvSpPr>
+            <a:spLocks noGrp="1"/>
+          </p:cNvSpPr>
+          <p:nvPr>
+            <p:ph type="sldNum" sz="quarter" idx="5"/>
+          </p:nvPr>
+        </p:nvSpPr>
+        <p:spPr/>
+        <p:txBody>
+          <a:bodyPr/>
+          <a:lstStyle/>
+          <a:p>
+            <a:fld id="{D4CE1BAB-7B68-4C87-8549-54F078DDFB49}" type="slidenum">
+              <a:rPr lang="en-CH" smtClean="0"/>
+              <a:t>5</a:t>
+            </a:fld>
+            <a:endParaRPr lang="en-CH"/>
+          </a:p>
+        </p:txBody>
+      </p:sp>
+    </p:spTree>
+    <p:extLst>
+      <p:ext uri="{BB962C8B-B14F-4D97-AF65-F5344CB8AC3E}">
+        <p14:creationId xmlns:p14="http://schemas.microsoft.com/office/powerpoint/2010/main" val="958623151"/>
+      </p:ext>
+    </p:extLst>
+  </p:cSld>
+  <p:clrMapOvr>
+    <a:masterClrMapping/>
+  </p:clrMapOvr>
+</p:notes>
+</file>
+
+<file path=ppt/notesSlides/notesSlide6.xml><?xml version="1.0" encoding="utf-8"?>
+<p:notes xmlns:a="http://schemas.openxmlformats.org/drawingml/2006/main" xmlns:r="http://schemas.openxmlformats.org/officeDocument/2006/relationships" xmlns:p="http://schemas.openxmlformats.org/presentationml/2006/main">
+  <p:cSld>
+    <p:spTree>
+      <p:nvGrpSpPr>
+        <p:cNvPr id="1" name=""/>
+        <p:cNvGrpSpPr/>
+        <p:nvPr/>
+      </p:nvGrpSpPr>
+      <p:grpSpPr>
+        <a:xfrm>
+          <a:off x="0" y="0"/>
+          <a:ext cx="0" cy="0"/>
+          <a:chOff x="0" y="0"/>
+          <a:chExt cx="0" cy="0"/>
+        </a:xfrm>
+      </p:grpSpPr>
+      <p:sp>
+        <p:nvSpPr>
+          <p:cNvPr id="2" name="Folienbildplatzhalter 1"/>
+          <p:cNvSpPr>
+            <a:spLocks noGrp="1" noRot="1" noChangeAspect="1"/>
+          </p:cNvSpPr>
+          <p:nvPr>
+            <p:ph type="sldImg"/>
+          </p:nvPr>
+        </p:nvSpPr>
+        <p:spPr/>
+      </p:sp>
+      <p:sp>
+        <p:nvSpPr>
+          <p:cNvPr id="3" name="Notizenplatzhalter 2"/>
+          <p:cNvSpPr>
+            <a:spLocks noGrp="1"/>
+          </p:cNvSpPr>
+          <p:nvPr>
+            <p:ph type="body" idx="1"/>
+          </p:nvPr>
+        </p:nvSpPr>
+        <p:spPr/>
+        <p:txBody>
+          <a:bodyPr/>
+          <a:lstStyle/>
+          <a:p>
+            <a:r>
+              <a:rPr lang="en-US" dirty="0"/>
+              <a:t>Tobias:</a:t>
+            </a:r>
+          </a:p>
+        </p:txBody>
+      </p:sp>
+      <p:sp>
+        <p:nvSpPr>
+          <p:cNvPr id="4" name="Foliennummernplatzhalter 3"/>
+          <p:cNvSpPr>
+            <a:spLocks noGrp="1"/>
+          </p:cNvSpPr>
+          <p:nvPr>
+            <p:ph type="sldNum" sz="quarter" idx="5"/>
+          </p:nvPr>
+        </p:nvSpPr>
+        <p:spPr/>
+        <p:txBody>
+          <a:bodyPr/>
+          <a:lstStyle/>
+          <a:p>
+            <a:fld id="{D4CE1BAB-7B68-4C87-8549-54F078DDFB49}" type="slidenum">
+              <a:rPr lang="en-CH" smtClean="0"/>
+              <a:t>6</a:t>
+            </a:fld>
+            <a:endParaRPr lang="en-CH"/>
+          </a:p>
+        </p:txBody>
+      </p:sp>
+    </p:spTree>
+    <p:extLst>
+      <p:ext uri="{BB962C8B-B14F-4D97-AF65-F5344CB8AC3E}">
+        <p14:creationId xmlns:p14="http://schemas.microsoft.com/office/powerpoint/2010/main" val="613408483"/>
+      </p:ext>
+    </p:extLst>
+  </p:cSld>
+  <p:clrMapOvr>
+    <a:masterClrMapping/>
+  </p:clrMapOvr>
+</p:notes>
+</file>
+
+<file path=ppt/notesSlides/notesSlide7.xml><?xml version="1.0" encoding="utf-8"?>
+<p:notes xmlns:a="http://schemas.openxmlformats.org/drawingml/2006/main" xmlns:r="http://schemas.openxmlformats.org/officeDocument/2006/relationships" xmlns:p="http://schemas.openxmlformats.org/presentationml/2006/main">
+  <p:cSld>
+    <p:spTree>
+      <p:nvGrpSpPr>
+        <p:cNvPr id="1" name=""/>
+        <p:cNvGrpSpPr/>
+        <p:nvPr/>
+      </p:nvGrpSpPr>
+      <p:grpSpPr>
+        <a:xfrm>
+          <a:off x="0" y="0"/>
+          <a:ext cx="0" cy="0"/>
+          <a:chOff x="0" y="0"/>
+          <a:chExt cx="0" cy="0"/>
+        </a:xfrm>
+      </p:grpSpPr>
+      <p:sp>
+        <p:nvSpPr>
+          <p:cNvPr id="2" name="Folienbildplatzhalter 1"/>
+          <p:cNvSpPr>
+            <a:spLocks noGrp="1" noRot="1" noChangeAspect="1"/>
+          </p:cNvSpPr>
+          <p:nvPr>
+            <p:ph type="sldImg"/>
+          </p:nvPr>
+        </p:nvSpPr>
+        <p:spPr/>
+      </p:sp>
+      <p:sp>
+        <p:nvSpPr>
+          <p:cNvPr id="3" name="Notizenplatzhalter 2"/>
+          <p:cNvSpPr>
+            <a:spLocks noGrp="1"/>
+          </p:cNvSpPr>
+          <p:nvPr>
+            <p:ph type="body" idx="1"/>
+          </p:nvPr>
+        </p:nvSpPr>
+        <p:spPr/>
+        <p:txBody>
+          <a:bodyPr/>
+          <a:lstStyle/>
+          <a:p>
+            <a:r>
+              <a:rPr lang="en-US" dirty="0"/>
+              <a:t>Tobias:</a:t>
+            </a:r>
+          </a:p>
+        </p:txBody>
+      </p:sp>
+      <p:sp>
+        <p:nvSpPr>
+          <p:cNvPr id="4" name="Foliennummernplatzhalter 3"/>
+          <p:cNvSpPr>
+            <a:spLocks noGrp="1"/>
+          </p:cNvSpPr>
+          <p:nvPr>
+            <p:ph type="sldNum" sz="quarter" idx="5"/>
+          </p:nvPr>
+        </p:nvSpPr>
+        <p:spPr/>
+        <p:txBody>
+          <a:bodyPr/>
+          <a:lstStyle/>
+          <a:p>
+            <a:fld id="{D4CE1BAB-7B68-4C87-8549-54F078DDFB49}" type="slidenum">
+              <a:rPr lang="en-CH" smtClean="0"/>
+              <a:t>7</a:t>
+            </a:fld>
+            <a:endParaRPr lang="en-CH"/>
+          </a:p>
+        </p:txBody>
+      </p:sp>
+    </p:spTree>
+    <p:extLst>
+      <p:ext uri="{BB962C8B-B14F-4D97-AF65-F5344CB8AC3E}">
+        <p14:creationId xmlns:p14="http://schemas.microsoft.com/office/powerpoint/2010/main" val="3448059013"/>
+      </p:ext>
+    </p:extLst>
+  </p:cSld>
+  <p:clrMapOvr>
+    <a:masterClrMapping/>
+  </p:clrMapOvr>
+</p:notes>
+</file>
+
+<file path=ppt/notesSlides/notesSlide8.xml><?xml version="1.0" encoding="utf-8"?>
+<p:notes xmlns:a="http://schemas.openxmlformats.org/drawingml/2006/main" xmlns:r="http://schemas.openxmlformats.org/officeDocument/2006/relationships" xmlns:p="http://schemas.openxmlformats.org/presentationml/2006/main">
+  <p:cSld>
+    <p:spTree>
+      <p:nvGrpSpPr>
+        <p:cNvPr id="1" name=""/>
+        <p:cNvGrpSpPr/>
+        <p:nvPr/>
+      </p:nvGrpSpPr>
+      <p:grpSpPr>
+        <a:xfrm>
+          <a:off x="0" y="0"/>
+          <a:ext cx="0" cy="0"/>
+          <a:chOff x="0" y="0"/>
+          <a:chExt cx="0" cy="0"/>
+        </a:xfrm>
+      </p:grpSpPr>
+      <p:sp>
+        <p:nvSpPr>
+          <p:cNvPr id="2" name="Folienbildplatzhalter 1"/>
+          <p:cNvSpPr>
+            <a:spLocks noGrp="1" noRot="1" noChangeAspect="1"/>
+          </p:cNvSpPr>
+          <p:nvPr>
+            <p:ph type="sldImg"/>
+          </p:nvPr>
+        </p:nvSpPr>
+        <p:spPr/>
+      </p:sp>
+      <p:sp>
+        <p:nvSpPr>
+          <p:cNvPr id="3" name="Notizenplatzhalter 2"/>
+          <p:cNvSpPr>
+            <a:spLocks noGrp="1"/>
+          </p:cNvSpPr>
+          <p:nvPr>
+            <p:ph type="body" idx="1"/>
+          </p:nvPr>
+        </p:nvSpPr>
+        <p:spPr/>
+        <p:txBody>
+          <a:bodyPr/>
+          <a:lstStyle/>
+          <a:p>
+            <a:r>
+              <a:rPr lang="en-US" dirty="0"/>
+              <a:t>Tobias:</a:t>
+            </a:r>
+          </a:p>
+        </p:txBody>
+      </p:sp>
+      <p:sp>
+        <p:nvSpPr>
+          <p:cNvPr id="4" name="Foliennummernplatzhalter 3"/>
+          <p:cNvSpPr>
+            <a:spLocks noGrp="1"/>
+          </p:cNvSpPr>
+          <p:nvPr>
+            <p:ph type="sldNum" sz="quarter" idx="5"/>
+          </p:nvPr>
+        </p:nvSpPr>
+        <p:spPr/>
+        <p:txBody>
+          <a:bodyPr/>
+          <a:lstStyle/>
+          <a:p>
+            <a:fld id="{D4CE1BAB-7B68-4C87-8549-54F078DDFB49}" type="slidenum">
+              <a:rPr lang="en-CH" smtClean="0"/>
+              <a:t>8</a:t>
+            </a:fld>
+            <a:endParaRPr lang="en-CH"/>
+          </a:p>
+        </p:txBody>
+      </p:sp>
+    </p:spTree>
+    <p:extLst>
+      <p:ext uri="{BB962C8B-B14F-4D97-AF65-F5344CB8AC3E}">
+        <p14:creationId xmlns:p14="http://schemas.microsoft.com/office/powerpoint/2010/main" val="2537307636"/>
+      </p:ext>
+    </p:extLst>
+  </p:cSld>
+  <p:clrMapOvr>
+    <a:masterClrMapping/>
+  </p:clrMapOvr>
+</p:notes>
+</file>
+
+<file path=ppt/notesSlides/notesSlide9.xml><?xml version="1.0" encoding="utf-8"?>
+<p:notes xmlns:a="http://schemas.openxmlformats.org/drawingml/2006/main" xmlns:r="http://schemas.openxmlformats.org/officeDocument/2006/relationships" xmlns:p="http://schemas.openxmlformats.org/presentationml/2006/main">
+  <p:cSld>
+    <p:spTree>
+      <p:nvGrpSpPr>
+        <p:cNvPr id="1" name=""/>
+        <p:cNvGrpSpPr/>
+        <p:nvPr/>
+      </p:nvGrpSpPr>
+      <p:grpSpPr>
+        <a:xfrm>
+          <a:off x="0" y="0"/>
+          <a:ext cx="0" cy="0"/>
+          <a:chOff x="0" y="0"/>
+          <a:chExt cx="0" cy="0"/>
+        </a:xfrm>
+      </p:grpSpPr>
+      <p:sp>
+        <p:nvSpPr>
+          <p:cNvPr id="2" name="Folienbildplatzhalter 1"/>
+          <p:cNvSpPr>
+            <a:spLocks noGrp="1" noRot="1" noChangeAspect="1"/>
+          </p:cNvSpPr>
+          <p:nvPr>
+            <p:ph type="sldImg"/>
+          </p:nvPr>
+        </p:nvSpPr>
+        <p:spPr/>
+      </p:sp>
+      <p:sp>
+        <p:nvSpPr>
+          <p:cNvPr id="3" name="Notizenplatzhalter 2"/>
+          <p:cNvSpPr>
+            <a:spLocks noGrp="1"/>
+          </p:cNvSpPr>
+          <p:nvPr>
+            <p:ph type="body" idx="1"/>
+          </p:nvPr>
+        </p:nvSpPr>
+        <p:spPr/>
+        <p:txBody>
+          <a:bodyPr/>
+          <a:lstStyle/>
+          <a:p>
+            <a:r>
+              <a:rPr lang="en-US" dirty="0"/>
+              <a:t>Sean:</a:t>
+            </a:r>
+          </a:p>
+        </p:txBody>
+      </p:sp>
+      <p:sp>
+        <p:nvSpPr>
+          <p:cNvPr id="4" name="Foliennummernplatzhalter 3"/>
+          <p:cNvSpPr>
+            <a:spLocks noGrp="1"/>
+          </p:cNvSpPr>
+          <p:nvPr>
+            <p:ph type="sldNum" sz="quarter" idx="5"/>
+          </p:nvPr>
+        </p:nvSpPr>
+        <p:spPr/>
+        <p:txBody>
+          <a:bodyPr/>
+          <a:lstStyle/>
+          <a:p>
+            <a:fld id="{D4CE1BAB-7B68-4C87-8549-54F078DDFB49}" type="slidenum">
+              <a:rPr lang="en-CH" smtClean="0"/>
+              <a:t>9</a:t>
+            </a:fld>
+            <a:endParaRPr lang="en-CH"/>
+          </a:p>
+        </p:txBody>
+      </p:sp>
+    </p:spTree>
+    <p:extLst>
+      <p:ext uri="{BB962C8B-B14F-4D97-AF65-F5344CB8AC3E}">
+        <p14:creationId xmlns:p14="http://schemas.microsoft.com/office/powerpoint/2010/main" val="3651869859"/>
       </p:ext>
     </p:extLst>
   </p:cSld>
@@ -1156,7 +4641,7 @@
           <a:p>
             <a:fld id="{D71E13D6-B070-45C8-AC42-90F25AD4976F}" type="datetime8">
               <a:rPr lang="en-CH" smtClean="0"/>
-              <a:t>01/24/2022 11:16</a:t>
+              <a:t>01/25/2022 12:02</a:t>
             </a:fld>
             <a:endParaRPr lang="en-CH"/>
           </a:p>
@@ -1356,7 +4841,7 @@
           <a:p>
             <a:fld id="{34C1AEE4-2DCF-4A66-9927-6F783BB52BE0}" type="datetime8">
               <a:rPr lang="en-CH" smtClean="0"/>
-              <a:t>01/24/2022 11:16</a:t>
+              <a:t>01/25/2022 12:02</a:t>
             </a:fld>
             <a:endParaRPr lang="en-CH"/>
           </a:p>
@@ -1566,7 +5051,7 @@
           <a:p>
             <a:fld id="{C4C13A0D-7035-4256-BB1C-652F6CDC1D82}" type="datetime8">
               <a:rPr lang="en-CH" smtClean="0"/>
-              <a:t>01/24/2022 11:16</a:t>
+              <a:t>01/25/2022 12:02</a:t>
             </a:fld>
             <a:endParaRPr lang="en-CH"/>
           </a:p>
@@ -1766,7 +5251,7 @@
           <a:p>
             <a:fld id="{A720F8AA-53F4-4181-BD2C-7354613DB587}" type="datetime8">
               <a:rPr lang="en-CH" smtClean="0"/>
-              <a:t>01/24/2022 11:16</a:t>
+              <a:t>01/25/2022 12:02</a:t>
             </a:fld>
             <a:endParaRPr lang="en-CH"/>
           </a:p>
@@ -2042,7 +5527,7 @@
           <a:p>
             <a:fld id="{18ED5C57-181E-4E8A-8032-E5587C441532}" type="datetime8">
               <a:rPr lang="en-CH" smtClean="0"/>
-              <a:t>01/24/2022 11:16</a:t>
+              <a:t>01/25/2022 12:02</a:t>
             </a:fld>
             <a:endParaRPr lang="en-CH"/>
           </a:p>
@@ -2310,7 +5795,7 @@
           <a:p>
             <a:fld id="{2711B6E1-EBCF-4960-9E94-A2CE4CEDA9CF}" type="datetime8">
               <a:rPr lang="en-CH" smtClean="0"/>
-              <a:t>01/24/2022 11:16</a:t>
+              <a:t>01/25/2022 12:02</a:t>
             </a:fld>
             <a:endParaRPr lang="en-CH"/>
           </a:p>
@@ -2725,7 +6210,7 @@
           <a:p>
             <a:fld id="{60888D22-8975-4143-BBCD-F78A0E3504A0}" type="datetime8">
               <a:rPr lang="en-CH" smtClean="0"/>
-              <a:t>01/24/2022 11:16</a:t>
+              <a:t>01/25/2022 12:02</a:t>
             </a:fld>
             <a:endParaRPr lang="en-CH"/>
           </a:p>
@@ -2867,7 +6352,7 @@
           <a:p>
             <a:fld id="{CB62F5ED-9834-4FF8-A8E6-FE85BE4A88B6}" type="datetime8">
               <a:rPr lang="en-CH" smtClean="0"/>
-              <a:t>01/24/2022 11:16</a:t>
+              <a:t>01/25/2022 12:02</a:t>
             </a:fld>
             <a:endParaRPr lang="en-CH"/>
           </a:p>
@@ -2980,7 +6465,7 @@
           <a:p>
             <a:fld id="{91C4E595-669A-4DA7-8755-75BCB1DD65E9}" type="datetime8">
               <a:rPr lang="en-CH" smtClean="0"/>
-              <a:t>01/24/2022 11:16</a:t>
+              <a:t>01/25/2022 12:02</a:t>
             </a:fld>
             <a:endParaRPr lang="en-CH"/>
           </a:p>
@@ -3293,7 +6778,7 @@
           <a:p>
             <a:fld id="{1D3E9293-092D-4F3B-852B-B7B73C73F1F9}" type="datetime8">
               <a:rPr lang="en-CH" smtClean="0"/>
-              <a:t>01/24/2022 11:16</a:t>
+              <a:t>01/25/2022 12:02</a:t>
             </a:fld>
             <a:endParaRPr lang="en-CH"/>
           </a:p>
@@ -3582,7 +7067,7 @@
           <a:p>
             <a:fld id="{72DA9548-12AA-4712-AB6D-8087536C3BD4}" type="datetime8">
               <a:rPr lang="en-CH" smtClean="0"/>
-              <a:t>01/24/2022 11:16</a:t>
+              <a:t>01/25/2022 12:02</a:t>
             </a:fld>
             <a:endParaRPr lang="en-CH"/>
           </a:p>
@@ -3825,7 +7310,7 @@
           <a:p>
             <a:fld id="{361E5043-500B-4A06-A6BE-2D713F12E4A2}" type="datetime8">
               <a:rPr lang="en-CH" smtClean="0"/>
-              <a:t>01/24/2022 11:16</a:t>
+              <a:t>01/25/2022 12:02</a:t>
             </a:fld>
             <a:endParaRPr lang="en-CH"/>
           </a:p>
@@ -4258,7 +7743,7 @@
           <p:nvPr/>
         </p:nvPicPr>
         <p:blipFill>
-          <a:blip r:embed="rId2">
+          <a:blip r:embed="rId3">
             <a:extLst>
               <a:ext uri="{28A0092B-C50C-407E-A947-70E740481C1C}">
                 <a14:useLocalDpi xmlns:a14="http://schemas.microsoft.com/office/drawing/2010/main" val="0"/>
@@ -4377,7 +7862,7 @@
             <p:nvPr/>
           </p:nvPicPr>
           <p:blipFill>
-            <a:blip r:embed="rId3" cstate="print">
+            <a:blip r:embed="rId4" cstate="print">
               <a:extLst>
                 <a:ext uri="{28A0092B-C50C-407E-A947-70E740481C1C}">
                   <a14:useLocalDpi xmlns:a14="http://schemas.microsoft.com/office/drawing/2010/main" val="0"/>
@@ -5120,7 +8605,7 @@
             <p:nvPr/>
           </p:nvPicPr>
           <p:blipFill>
-            <a:blip r:embed="rId2" cstate="print">
+            <a:blip r:embed="rId3" cstate="print">
               <a:extLst>
                 <a:ext uri="{28A0092B-C50C-407E-A947-70E740481C1C}">
                   <a14:useLocalDpi xmlns:a14="http://schemas.microsoft.com/office/drawing/2010/main" val="0"/>
@@ -5499,7 +8984,7 @@
             <p:nvPr/>
           </p:nvPicPr>
           <p:blipFill>
-            <a:blip r:embed="rId2" cstate="print">
+            <a:blip r:embed="rId3" cstate="print">
               <a:extLst>
                 <a:ext uri="{28A0092B-C50C-407E-A947-70E740481C1C}">
                   <a14:useLocalDpi xmlns:a14="http://schemas.microsoft.com/office/drawing/2010/main" val="0"/>
@@ -5805,7 +9290,7 @@
             <p:nvPr/>
           </p:nvPicPr>
           <p:blipFill>
-            <a:blip r:embed="rId2" cstate="print">
+            <a:blip r:embed="rId3" cstate="print">
               <a:extLst>
                 <a:ext uri="{28A0092B-C50C-407E-A947-70E740481C1C}">
                   <a14:useLocalDpi xmlns:a14="http://schemas.microsoft.com/office/drawing/2010/main" val="0"/>
@@ -6566,7 +10051,7 @@
             <p:nvPr/>
           </p:nvPicPr>
           <p:blipFill>
-            <a:blip r:embed="rId2" cstate="print">
+            <a:blip r:embed="rId3" cstate="print">
               <a:extLst>
                 <a:ext uri="{28A0092B-C50C-407E-A947-70E740481C1C}">
                   <a14:useLocalDpi xmlns:a14="http://schemas.microsoft.com/office/drawing/2010/main" val="0"/>
@@ -6844,7 +10329,7 @@
             <p:nvPr/>
           </p:nvPicPr>
           <p:blipFill>
-            <a:blip r:embed="rId2" cstate="print">
+            <a:blip r:embed="rId3" cstate="print">
               <a:extLst>
                 <a:ext uri="{28A0092B-C50C-407E-A947-70E740481C1C}">
                   <a14:useLocalDpi xmlns:a14="http://schemas.microsoft.com/office/drawing/2010/main" val="0"/>
@@ -7354,7 +10839,7 @@
           <p:nvPr/>
         </p:nvPicPr>
         <p:blipFill>
-          <a:blip r:embed="rId2">
+          <a:blip r:embed="rId3">
             <a:extLst>
               <a:ext uri="{28A0092B-C50C-407E-A947-70E740481C1C}">
                 <a14:useLocalDpi xmlns:a14="http://schemas.microsoft.com/office/drawing/2010/main" val="0"/>
@@ -7390,7 +10875,7 @@
           <p:nvPr/>
         </p:nvPicPr>
         <p:blipFill>
-          <a:blip r:embed="rId3">
+          <a:blip r:embed="rId4">
             <a:extLst>
               <a:ext uri="{28A0092B-C50C-407E-A947-70E740481C1C}">
                 <a14:useLocalDpi xmlns:a14="http://schemas.microsoft.com/office/drawing/2010/main" val="0"/>
@@ -7446,7 +10931,7 @@
             <p:nvPr/>
           </p:nvPicPr>
           <p:blipFill>
-            <a:blip r:embed="rId4" cstate="print">
+            <a:blip r:embed="rId5" cstate="print">
               <a:extLst>
                 <a:ext uri="{28A0092B-C50C-407E-A947-70E740481C1C}">
                   <a14:useLocalDpi xmlns:a14="http://schemas.microsoft.com/office/drawing/2010/main" val="0"/>
@@ -9421,11 +12906,11 @@
             <p:nvPr/>
           </p:nvPicPr>
           <p:blipFill>
-            <a:blip r:embed="rId2">
+            <a:blip r:embed="rId3">
               <a:extLst>
                 <a:ext uri="{BEBA8EAE-BF5A-486C-A8C5-ECC9F3942E4B}">
                   <a14:imgProps xmlns:a14="http://schemas.microsoft.com/office/drawing/2010/main">
-                    <a14:imgLayer r:embed="rId3">
+                    <a14:imgLayer r:embed="rId4">
                       <a14:imgEffect>
                         <a14:saturation sat="0"/>
                       </a14:imgEffect>
@@ -9471,11 +12956,11 @@
             <p:nvPr/>
           </p:nvPicPr>
           <p:blipFill>
-            <a:blip r:embed="rId4">
+            <a:blip r:embed="rId5">
               <a:extLst>
                 <a:ext uri="{BEBA8EAE-BF5A-486C-A8C5-ECC9F3942E4B}">
                   <a14:imgProps xmlns:a14="http://schemas.microsoft.com/office/drawing/2010/main">
-                    <a14:imgLayer r:embed="rId5">
+                    <a14:imgLayer r:embed="rId6">
                       <a14:imgEffect>
                         <a14:saturation sat="0"/>
                       </a14:imgEffect>
@@ -9542,7 +13027,7 @@
             <p:nvPr/>
           </p:nvPicPr>
           <p:blipFill>
-            <a:blip r:embed="rId6" cstate="print">
+            <a:blip r:embed="rId7" cstate="print">
               <a:extLst>
                 <a:ext uri="{28A0092B-C50C-407E-A947-70E740481C1C}">
                   <a14:useLocalDpi xmlns:a14="http://schemas.microsoft.com/office/drawing/2010/main" val="0"/>
@@ -10017,11 +13502,11 @@
           <p:nvPr/>
         </p:nvPicPr>
         <p:blipFill>
-          <a:blip r:embed="rId2">
+          <a:blip r:embed="rId3">
             <a:extLst>
               <a:ext uri="{BEBA8EAE-BF5A-486C-A8C5-ECC9F3942E4B}">
                 <a14:imgProps xmlns:a14="http://schemas.microsoft.com/office/drawing/2010/main">
-                  <a14:imgLayer r:embed="rId3">
+                  <a14:imgLayer r:embed="rId4">
                     <a14:imgEffect>
                       <a14:saturation sat="0"/>
                     </a14:imgEffect>
@@ -10417,11 +13902,11 @@
           <p:nvPr/>
         </p:nvPicPr>
         <p:blipFill>
-          <a:blip r:embed="rId4">
+          <a:blip r:embed="rId5">
             <a:extLst>
               <a:ext uri="{BEBA8EAE-BF5A-486C-A8C5-ECC9F3942E4B}">
                 <a14:imgProps xmlns:a14="http://schemas.microsoft.com/office/drawing/2010/main">
-                  <a14:imgLayer r:embed="rId5">
+                  <a14:imgLayer r:embed="rId6">
                     <a14:imgEffect>
                       <a14:saturation sat="0"/>
                     </a14:imgEffect>
@@ -10839,7 +14324,7 @@
             <p:nvPr/>
           </p:nvPicPr>
           <p:blipFill>
-            <a:blip r:embed="rId6" cstate="print">
+            <a:blip r:embed="rId7" cstate="print">
               <a:extLst>
                 <a:ext uri="{28A0092B-C50C-407E-A947-70E740481C1C}">
                   <a14:useLocalDpi xmlns:a14="http://schemas.microsoft.com/office/drawing/2010/main" val="0"/>
@@ -12509,7 +15994,7 @@
             <p:nvPr/>
           </p:nvPicPr>
           <p:blipFill>
-            <a:blip r:embed="rId2" cstate="print">
+            <a:blip r:embed="rId3" cstate="print">
               <a:extLst>
                 <a:ext uri="{28A0092B-C50C-407E-A947-70E740481C1C}">
                   <a14:useLocalDpi xmlns:a14="http://schemas.microsoft.com/office/drawing/2010/main" val="0"/>
@@ -12989,11 +16474,11 @@
           <p:nvPr/>
         </p:nvPicPr>
         <p:blipFill>
-          <a:blip r:embed="rId2">
+          <a:blip r:embed="rId3">
             <a:extLst>
               <a:ext uri="{BEBA8EAE-BF5A-486C-A8C5-ECC9F3942E4B}">
                 <a14:imgProps xmlns:a14="http://schemas.microsoft.com/office/drawing/2010/main">
-                  <a14:imgLayer r:embed="rId3">
+                  <a14:imgLayer r:embed="rId4">
                     <a14:imgEffect>
                       <a14:saturation sat="0"/>
                     </a14:imgEffect>
@@ -13450,7 +16935,7 @@
           <p:nvPr/>
         </p:nvPicPr>
         <p:blipFill>
-          <a:blip r:embed="rId4">
+          <a:blip r:embed="rId5">
             <a:extLst>
               <a:ext uri="{28A0092B-C50C-407E-A947-70E740481C1C}">
                 <a14:useLocalDpi xmlns:a14="http://schemas.microsoft.com/office/drawing/2010/main" val="0"/>
@@ -13506,7 +16991,7 @@
             <p:nvPr/>
           </p:nvPicPr>
           <p:blipFill>
-            <a:blip r:embed="rId5" cstate="print">
+            <a:blip r:embed="rId6" cstate="print">
               <a:extLst>
                 <a:ext uri="{28A0092B-C50C-407E-A947-70E740481C1C}">
                   <a14:useLocalDpi xmlns:a14="http://schemas.microsoft.com/office/drawing/2010/main" val="0"/>
@@ -14368,7 +17853,7 @@
             <p:nvPr/>
           </p:nvPicPr>
           <p:blipFill>
-            <a:blip r:embed="rId2" cstate="print">
+            <a:blip r:embed="rId3" cstate="print">
               <a:extLst>
                 <a:ext uri="{28A0092B-C50C-407E-A947-70E740481C1C}">
                   <a14:useLocalDpi xmlns:a14="http://schemas.microsoft.com/office/drawing/2010/main" val="0"/>
@@ -14710,7 +18195,7 @@
             <p:nvPr/>
           </p:nvPicPr>
           <p:blipFill>
-            <a:blip r:embed="rId2" cstate="print">
+            <a:blip r:embed="rId3" cstate="print">
               <a:extLst>
                 <a:ext uri="{28A0092B-C50C-407E-A947-70E740481C1C}">
                   <a14:useLocalDpi xmlns:a14="http://schemas.microsoft.com/office/drawing/2010/main" val="0"/>
@@ -15146,13 +18631,13 @@
   <p:clrMapOvr>
     <a:masterClrMapping/>
   </p:clrMapOvr>
-  <mc:AlternateContent xmlns:mc="http://schemas.openxmlformats.org/markup-compatibility/2006">
-    <mc:Choice xmlns:p14="http://schemas.microsoft.com/office/powerpoint/2010/main" Requires="p14">
+  <mc:AlternateContent xmlns:mc="http://schemas.openxmlformats.org/markup-compatibility/2006" xmlns:p14="http://schemas.microsoft.com/office/powerpoint/2010/main">
+    <mc:Choice Requires="p14">
       <p:transition spd="med" p14:dur="700">
         <p:fade/>
       </p:transition>
     </mc:Choice>
-    <mc:Fallback>
+    <mc:Fallback xmlns="">
       <p:transition spd="med">
         <p:fade/>
       </p:transition>
@@ -15249,7 +18734,7 @@
           </p:nvPr>
         </p:nvPicPr>
         <p:blipFill rotWithShape="1">
-          <a:blip r:embed="rId2">
+          <a:blip r:embed="rId3">
             <a:extLst>
               <a:ext uri="{28A0092B-C50C-407E-A947-70E740481C1C}">
                 <a14:useLocalDpi xmlns:a14="http://schemas.microsoft.com/office/drawing/2010/main" val="0"/>
@@ -15330,7 +18815,7 @@
             <p:nvPr/>
           </p:nvPicPr>
           <p:blipFill>
-            <a:blip r:embed="rId3" cstate="print">
+            <a:blip r:embed="rId4" cstate="print">
               <a:extLst>
                 <a:ext uri="{28A0092B-C50C-407E-A947-70E740481C1C}">
                   <a14:useLocalDpi xmlns:a14="http://schemas.microsoft.com/office/drawing/2010/main" val="0"/>
@@ -15463,7 +18948,7 @@
           <p:nvPr/>
         </p:nvPicPr>
         <p:blipFill rotWithShape="1">
-          <a:blip r:embed="rId4">
+          <a:blip r:embed="rId5">
             <a:extLst>
               <a:ext uri="{28A0092B-C50C-407E-A947-70E740481C1C}">
                 <a14:useLocalDpi xmlns:a14="http://schemas.microsoft.com/office/drawing/2010/main" val="0"/>
@@ -16325,7 +19810,7 @@
             <p:nvPr/>
           </p:nvPicPr>
           <p:blipFill>
-            <a:blip r:embed="rId2" cstate="print">
+            <a:blip r:embed="rId3" cstate="print">
               <a:extLst>
                 <a:ext uri="{28A0092B-C50C-407E-A947-70E740481C1C}">
                   <a14:useLocalDpi xmlns:a14="http://schemas.microsoft.com/office/drawing/2010/main" val="0"/>
@@ -16458,7 +19943,7 @@
           <p:nvPr/>
         </p:nvPicPr>
         <p:blipFill>
-          <a:blip r:embed="rId3">
+          <a:blip r:embed="rId4">
             <a:extLst>
               <a:ext uri="{28A0092B-C50C-407E-A947-70E740481C1C}">
                 <a14:useLocalDpi xmlns:a14="http://schemas.microsoft.com/office/drawing/2010/main" val="0"/>
@@ -16632,7 +20117,7 @@
             <p:nvPr/>
           </p:nvPicPr>
           <p:blipFill>
-            <a:blip r:embed="rId2" cstate="print">
+            <a:blip r:embed="rId3" cstate="print">
               <a:extLst>
                 <a:ext uri="{28A0092B-C50C-407E-A947-70E740481C1C}">
                   <a14:useLocalDpi xmlns:a14="http://schemas.microsoft.com/office/drawing/2010/main" val="0"/>
@@ -16785,7 +20270,7 @@
             <p:nvPr/>
           </p:nvPicPr>
           <p:blipFill>
-            <a:blip r:embed="rId3">
+            <a:blip r:embed="rId4">
               <a:extLst>
                 <a:ext uri="{28A0092B-C50C-407E-A947-70E740481C1C}">
                   <a14:useLocalDpi xmlns:a14="http://schemas.microsoft.com/office/drawing/2010/main" val="0"/>
@@ -16894,7 +20379,7 @@
             <p:nvPr/>
           </p:nvPicPr>
           <p:blipFill>
-            <a:blip r:embed="rId4">
+            <a:blip r:embed="rId5">
               <a:extLst>
                 <a:ext uri="{28A0092B-C50C-407E-A947-70E740481C1C}">
                   <a14:useLocalDpi xmlns:a14="http://schemas.microsoft.com/office/drawing/2010/main" val="0"/>
@@ -17126,7 +20611,7 @@
             <p:nvPr/>
           </p:nvPicPr>
           <p:blipFill>
-            <a:blip r:embed="rId3">
+            <a:blip r:embed="rId4">
               <a:extLst>
                 <a:ext uri="{28A0092B-C50C-407E-A947-70E740481C1C}">
                   <a14:useLocalDpi xmlns:a14="http://schemas.microsoft.com/office/drawing/2010/main" val="0"/>
@@ -17575,7 +21060,7 @@
             <p:nvPr/>
           </p:nvPicPr>
           <p:blipFill>
-            <a:blip r:embed="rId2" cstate="print">
+            <a:blip r:embed="rId3" cstate="print">
               <a:extLst>
                 <a:ext uri="{28A0092B-C50C-407E-A947-70E740481C1C}">
                   <a14:useLocalDpi xmlns:a14="http://schemas.microsoft.com/office/drawing/2010/main" val="0"/>
@@ -18222,7 +21707,7 @@
             <p:nvPr/>
           </p:nvPicPr>
           <p:blipFill>
-            <a:blip r:embed="rId2" cstate="print">
+            <a:blip r:embed="rId3" cstate="print">
               <a:extLst>
                 <a:ext uri="{28A0092B-C50C-407E-A947-70E740481C1C}">
                   <a14:useLocalDpi xmlns:a14="http://schemas.microsoft.com/office/drawing/2010/main" val="0"/>
@@ -18675,7 +22160,7 @@
           </p:nvPr>
         </p:nvPicPr>
         <p:blipFill>
-          <a:blip r:embed="rId2">
+          <a:blip r:embed="rId3">
             <a:extLst>
               <a:ext uri="{28A0092B-C50C-407E-A947-70E740481C1C}">
                 <a14:useLocalDpi xmlns:a14="http://schemas.microsoft.com/office/drawing/2010/main" val="0"/>
@@ -18757,7 +22242,7 @@
             <p:nvPr/>
           </p:nvPicPr>
           <p:blipFill>
-            <a:blip r:embed="rId3" cstate="print">
+            <a:blip r:embed="rId4" cstate="print">
               <a:extLst>
                 <a:ext uri="{28A0092B-C50C-407E-A947-70E740481C1C}">
                   <a14:useLocalDpi xmlns:a14="http://schemas.microsoft.com/office/drawing/2010/main" val="0"/>
@@ -18988,7 +22473,7 @@
           </p:nvPr>
         </p:nvPicPr>
         <p:blipFill>
-          <a:blip r:embed="rId2">
+          <a:blip r:embed="rId3">
             <a:extLst>
               <a:ext uri="{28A0092B-C50C-407E-A947-70E740481C1C}">
                 <a14:useLocalDpi xmlns:a14="http://schemas.microsoft.com/office/drawing/2010/main" val="0"/>
@@ -19070,7 +22555,7 @@
             <p:nvPr/>
           </p:nvPicPr>
           <p:blipFill>
-            <a:blip r:embed="rId3" cstate="print">
+            <a:blip r:embed="rId4" cstate="print">
               <a:extLst>
                 <a:ext uri="{28A0092B-C50C-407E-A947-70E740481C1C}">
                   <a14:useLocalDpi xmlns:a14="http://schemas.microsoft.com/office/drawing/2010/main" val="0"/>
@@ -19301,7 +22786,7 @@
           </p:nvPr>
         </p:nvPicPr>
         <p:blipFill>
-          <a:blip r:embed="rId2">
+          <a:blip r:embed="rId3">
             <a:extLst>
               <a:ext uri="{28A0092B-C50C-407E-A947-70E740481C1C}">
                 <a14:useLocalDpi xmlns:a14="http://schemas.microsoft.com/office/drawing/2010/main" val="0"/>
@@ -19383,7 +22868,7 @@
             <p:nvPr/>
           </p:nvPicPr>
           <p:blipFill>
-            <a:blip r:embed="rId3" cstate="print">
+            <a:blip r:embed="rId4" cstate="print">
               <a:extLst>
                 <a:ext uri="{28A0092B-C50C-407E-A947-70E740481C1C}">
                   <a14:useLocalDpi xmlns:a14="http://schemas.microsoft.com/office/drawing/2010/main" val="0"/>
@@ -19876,7 +23361,7 @@
             <p:nvPr/>
           </p:nvPicPr>
           <p:blipFill>
-            <a:blip r:embed="rId2" cstate="print">
+            <a:blip r:embed="rId3" cstate="print">
               <a:extLst>
                 <a:ext uri="{28A0092B-C50C-407E-A947-70E740481C1C}">
                   <a14:useLocalDpi xmlns:a14="http://schemas.microsoft.com/office/drawing/2010/main" val="0"/>
@@ -20029,7 +23514,7 @@
             <p:nvPr/>
           </p:nvPicPr>
           <p:blipFill>
-            <a:blip r:embed="rId3">
+            <a:blip r:embed="rId4">
               <a:extLst>
                 <a:ext uri="{28A0092B-C50C-407E-A947-70E740481C1C}">
                   <a14:useLocalDpi xmlns:a14="http://schemas.microsoft.com/office/drawing/2010/main" val="0"/>
@@ -20138,7 +23623,7 @@
             <p:nvPr/>
           </p:nvPicPr>
           <p:blipFill>
-            <a:blip r:embed="rId4">
+            <a:blip r:embed="rId5">
               <a:extLst>
                 <a:ext uri="{28A0092B-C50C-407E-A947-70E740481C1C}">
                   <a14:useLocalDpi xmlns:a14="http://schemas.microsoft.com/office/drawing/2010/main" val="0"/>
@@ -20247,7 +23732,7 @@
             <p:nvPr/>
           </p:nvPicPr>
           <p:blipFill rotWithShape="1">
-            <a:blip r:embed="rId5">
+            <a:blip r:embed="rId6">
               <a:extLst>
                 <a:ext uri="{28A0092B-C50C-407E-A947-70E740481C1C}">
                   <a14:useLocalDpi xmlns:a14="http://schemas.microsoft.com/office/drawing/2010/main" val="0"/>
@@ -20367,231 +23852,6 @@
           <p:cNvPr id="2" name="Title 1">
             <a:extLst>
               <a:ext uri="{FF2B5EF4-FFF2-40B4-BE49-F238E27FC236}">
-                <a16:creationId xmlns:a16="http://schemas.microsoft.com/office/drawing/2014/main" id="{F1AE8F4F-038B-4ABA-A89F-CA33847A9E12}"/>
-              </a:ext>
-            </a:extLst>
-          </p:cNvPr>
-          <p:cNvSpPr>
-            <a:spLocks noGrp="1"/>
-          </p:cNvSpPr>
-          <p:nvPr>
-            <p:ph type="title"/>
-          </p:nvPr>
-        </p:nvSpPr>
-        <p:spPr>
-          <a:xfrm>
-            <a:off x="838200" y="365125"/>
-            <a:ext cx="10515600" cy="5702300"/>
-          </a:xfrm>
-        </p:spPr>
-        <p:txBody>
-          <a:bodyPr>
-            <a:normAutofit fontScale="90000"/>
-          </a:bodyPr>
-          <a:lstStyle/>
-          <a:p>
-            <a:pPr algn="ctr">
-              <a:lnSpc>
-                <a:spcPct val="125000"/>
-              </a:lnSpc>
-              <a:spcBef>
-                <a:spcPts val="0"/>
-              </a:spcBef>
-            </a:pPr>
-            <a:r>
-              <a:rPr lang="en-US" b="1" dirty="0" err="1">
-                <a:latin typeface="Arial" panose="020B0604020202020204" pitchFamily="34" charset="0"/>
-                <a:cs typeface="Arial" panose="020B0604020202020204" pitchFamily="34" charset="0"/>
-              </a:rPr>
-              <a:t>Auftrag</a:t>
-            </a:r>
-            <a:br>
-              <a:rPr lang="en-US" b="1" dirty="0">
-                <a:latin typeface="Arial" panose="020B0604020202020204" pitchFamily="34" charset="0"/>
-                <a:cs typeface="Arial" panose="020B0604020202020204" pitchFamily="34" charset="0"/>
-              </a:rPr>
-            </a:br>
-            <a:r>
-              <a:rPr lang="en-US" b="1" dirty="0">
-                <a:latin typeface="Arial" panose="020B0604020202020204" pitchFamily="34" charset="0"/>
-                <a:cs typeface="Arial" panose="020B0604020202020204" pitchFamily="34" charset="0"/>
-              </a:rPr>
-              <a:t>Hardware</a:t>
-            </a:r>
-            <a:br>
-              <a:rPr lang="en-US" b="1" dirty="0">
-                <a:latin typeface="Arial" panose="020B0604020202020204" pitchFamily="34" charset="0"/>
-                <a:cs typeface="Arial" panose="020B0604020202020204" pitchFamily="34" charset="0"/>
-              </a:rPr>
-            </a:br>
-            <a:r>
-              <a:rPr lang="en-US" b="1" dirty="0" err="1">
-                <a:latin typeface="Arial" panose="020B0604020202020204" pitchFamily="34" charset="0"/>
-                <a:cs typeface="Arial" panose="020B0604020202020204" pitchFamily="34" charset="0"/>
-              </a:rPr>
-              <a:t>InfluxDB</a:t>
-            </a:r>
-            <a:br>
-              <a:rPr lang="en-US" b="1" dirty="0">
-                <a:latin typeface="Arial" panose="020B0604020202020204" pitchFamily="34" charset="0"/>
-                <a:cs typeface="Arial" panose="020B0604020202020204" pitchFamily="34" charset="0"/>
-              </a:rPr>
-            </a:br>
-            <a:r>
-              <a:rPr lang="en-US" b="1" dirty="0">
-                <a:latin typeface="Arial" panose="020B0604020202020204" pitchFamily="34" charset="0"/>
-                <a:cs typeface="Arial" panose="020B0604020202020204" pitchFamily="34" charset="0"/>
-              </a:rPr>
-              <a:t>Python </a:t>
-            </a:r>
-            <a:r>
-              <a:rPr lang="en-US" b="1" dirty="0" err="1">
-                <a:latin typeface="Arial" panose="020B0604020202020204" pitchFamily="34" charset="0"/>
-                <a:cs typeface="Arial" panose="020B0604020202020204" pitchFamily="34" charset="0"/>
-              </a:rPr>
-              <a:t>Programm</a:t>
-            </a:r>
-            <a:br>
-              <a:rPr lang="en-US" b="1" dirty="0">
-                <a:latin typeface="Arial" panose="020B0604020202020204" pitchFamily="34" charset="0"/>
-                <a:cs typeface="Arial" panose="020B0604020202020204" pitchFamily="34" charset="0"/>
-              </a:rPr>
-            </a:br>
-            <a:r>
-              <a:rPr lang="en-US" b="1" dirty="0">
-                <a:latin typeface="Arial" panose="020B0604020202020204" pitchFamily="34" charset="0"/>
-                <a:cs typeface="Arial" panose="020B0604020202020204" pitchFamily="34" charset="0"/>
-              </a:rPr>
-              <a:t>Flask Webserver</a:t>
-            </a:r>
-            <a:br>
-              <a:rPr lang="en-US" b="1" dirty="0">
-                <a:latin typeface="Arial" panose="020B0604020202020204" pitchFamily="34" charset="0"/>
-                <a:cs typeface="Arial" panose="020B0604020202020204" pitchFamily="34" charset="0"/>
-              </a:rPr>
-            </a:br>
-            <a:r>
-              <a:rPr lang="en-US" b="1" dirty="0">
-                <a:latin typeface="Arial" panose="020B0604020202020204" pitchFamily="34" charset="0"/>
-                <a:cs typeface="Arial" panose="020B0604020202020204" pitchFamily="34" charset="0"/>
-              </a:rPr>
-              <a:t>GUI Sketch</a:t>
-            </a:r>
-            <a:br>
-              <a:rPr lang="en-US" b="1" dirty="0">
-                <a:latin typeface="Arial" panose="020B0604020202020204" pitchFamily="34" charset="0"/>
-                <a:cs typeface="Arial" panose="020B0604020202020204" pitchFamily="34" charset="0"/>
-              </a:rPr>
-            </a:br>
-            <a:r>
-              <a:rPr lang="en-US" b="1" dirty="0" err="1">
-                <a:latin typeface="Arial" panose="020B0604020202020204" pitchFamily="34" charset="0"/>
-                <a:cs typeface="Arial" panose="020B0604020202020204" pitchFamily="34" charset="0"/>
-              </a:rPr>
-              <a:t>Endresultat</a:t>
-            </a:r>
-            <a:br>
-              <a:rPr lang="en-US" b="1" dirty="0">
-                <a:latin typeface="Arial" panose="020B0604020202020204" pitchFamily="34" charset="0"/>
-                <a:cs typeface="Arial" panose="020B0604020202020204" pitchFamily="34" charset="0"/>
-              </a:rPr>
-            </a:br>
-            <a:r>
-              <a:rPr lang="en-US" b="1" dirty="0" err="1">
-                <a:highlight>
-                  <a:srgbClr val="FAE800"/>
-                </a:highlight>
-                <a:latin typeface="Arial" panose="020B0604020202020204" pitchFamily="34" charset="0"/>
-                <a:cs typeface="Arial" panose="020B0604020202020204" pitchFamily="34" charset="0"/>
-              </a:rPr>
-              <a:t>Weiterentwicklung</a:t>
-            </a:r>
-            <a:endParaRPr lang="en-CH" b="1" dirty="0">
-              <a:highlight>
-                <a:srgbClr val="FAE800"/>
-              </a:highlight>
-              <a:latin typeface="Arial" panose="020B0604020202020204" pitchFamily="34" charset="0"/>
-              <a:cs typeface="Arial" panose="020B0604020202020204" pitchFamily="34" charset="0"/>
-            </a:endParaRPr>
-          </a:p>
-        </p:txBody>
-      </p:sp>
-      <p:sp>
-        <p:nvSpPr>
-          <p:cNvPr id="8" name="Slide Number Placeholder 7">
-            <a:extLst>
-              <a:ext uri="{FF2B5EF4-FFF2-40B4-BE49-F238E27FC236}">
-                <a16:creationId xmlns:a16="http://schemas.microsoft.com/office/drawing/2014/main" id="{E5E3E861-4688-44FC-A05E-E446522B24DD}"/>
-              </a:ext>
-            </a:extLst>
-          </p:cNvPr>
-          <p:cNvSpPr>
-            <a:spLocks noGrp="1"/>
-          </p:cNvSpPr>
-          <p:nvPr>
-            <p:ph type="sldNum" sz="quarter" idx="12"/>
-          </p:nvPr>
-        </p:nvSpPr>
-        <p:spPr/>
-        <p:txBody>
-          <a:bodyPr/>
-          <a:lstStyle/>
-          <a:p>
-            <a:fld id="{0F00D740-55B1-4DC8-A3B5-4535950A93D0}" type="slidenum">
-              <a:rPr lang="en-CH" smtClean="0"/>
-              <a:t>38</a:t>
-            </a:fld>
-            <a:endParaRPr lang="en-CH"/>
-          </a:p>
-        </p:txBody>
-      </p:sp>
-    </p:spTree>
-    <p:extLst>
-      <p:ext uri="{BB962C8B-B14F-4D97-AF65-F5344CB8AC3E}">
-        <p14:creationId xmlns:p14="http://schemas.microsoft.com/office/powerpoint/2010/main" val="1432282549"/>
-      </p:ext>
-    </p:extLst>
-  </p:cSld>
-  <p:clrMapOvr>
-    <a:masterClrMapping/>
-  </p:clrMapOvr>
-  <mc:AlternateContent xmlns:mc="http://schemas.openxmlformats.org/markup-compatibility/2006" xmlns:p14="http://schemas.microsoft.com/office/powerpoint/2010/main">
-    <mc:Choice Requires="p14">
-      <p:transition spd="med" p14:dur="700">
-        <p:fade/>
-      </p:transition>
-    </mc:Choice>
-    <mc:Fallback xmlns="">
-      <p:transition spd="med">
-        <p:fade/>
-      </p:transition>
-    </mc:Fallback>
-  </mc:AlternateContent>
-</p:sld>
-</file>
-
-<file path=ppt/slides/slide39.xml><?xml version="1.0" encoding="utf-8"?>
-<p:sld xmlns:a="http://schemas.openxmlformats.org/drawingml/2006/main" xmlns:r="http://schemas.openxmlformats.org/officeDocument/2006/relationships" xmlns:p="http://schemas.openxmlformats.org/presentationml/2006/main">
-  <p:cSld>
-    <p:spTree>
-      <p:nvGrpSpPr>
-        <p:cNvPr id="1" name=""/>
-        <p:cNvGrpSpPr/>
-        <p:nvPr/>
-      </p:nvGrpSpPr>
-      <p:grpSpPr>
-        <a:xfrm>
-          <a:off x="0" y="0"/>
-          <a:ext cx="0" cy="0"/>
-          <a:chOff x="0" y="0"/>
-          <a:chExt cx="0" cy="0"/>
-        </a:xfrm>
-      </p:grpSpPr>
-      <p:sp>
-        <p:nvSpPr>
-          <p:cNvPr id="2" name="Title 1">
-            <a:extLst>
-              <a:ext uri="{FF2B5EF4-FFF2-40B4-BE49-F238E27FC236}">
                 <a16:creationId xmlns:a16="http://schemas.microsoft.com/office/drawing/2014/main" id="{4808087A-40EC-41E6-A246-BC46343A4BFC}"/>
               </a:ext>
             </a:extLst>
@@ -20615,7 +23875,7 @@
                 <a:latin typeface="Arial" panose="020B0604020202020204" pitchFamily="34" charset="0"/>
                 <a:cs typeface="Arial" panose="020B0604020202020204" pitchFamily="34" charset="0"/>
               </a:rPr>
-              <a:t>Weiterentwicklung</a:t>
+              <a:t>Endresultat</a:t>
             </a:r>
             <a:br>
               <a:rPr lang="en-US" b="1" dirty="0">
@@ -20624,11 +23884,18 @@
               </a:rPr>
             </a:br>
             <a:r>
-              <a:rPr lang="en-US" sz="3600" i="1" dirty="0" err="1">
-                <a:latin typeface="Arial" panose="020B0604020202020204" pitchFamily="34" charset="0"/>
-                <a:cs typeface="Arial" panose="020B0604020202020204" pitchFamily="34" charset="0"/>
-              </a:rPr>
-              <a:t>Weiterentwicklungsmöglichkeiten</a:t>
+              <a:rPr lang="en-US" i="1" dirty="0" err="1">
+                <a:latin typeface="Arial" panose="020B0604020202020204" pitchFamily="34" charset="0"/>
+                <a:cs typeface="Arial" panose="020B0604020202020204" pitchFamily="34" charset="0"/>
+              </a:rPr>
+              <a:t>Wettermonitor</a:t>
+            </a:r>
+            <a:r>
+              <a:rPr lang="en-US" i="1" dirty="0">
+                <a:latin typeface="Arial" panose="020B0604020202020204" pitchFamily="34" charset="0"/>
+                <a:cs typeface="Arial" panose="020B0604020202020204" pitchFamily="34" charset="0"/>
+              </a:rPr>
+              <a:t> Setup</a:t>
             </a:r>
             <a:endParaRPr lang="en-CH" dirty="0"/>
           </a:p>
@@ -20636,10 +23903,10 @@
       </p:sp>
       <p:sp>
         <p:nvSpPr>
-          <p:cNvPr id="3" name="Content Placeholder 2">
+          <p:cNvPr id="4" name="Slide Number Placeholder 3">
             <a:extLst>
               <a:ext uri="{FF2B5EF4-FFF2-40B4-BE49-F238E27FC236}">
-                <a16:creationId xmlns:a16="http://schemas.microsoft.com/office/drawing/2014/main" id="{F99C80A8-FCE8-4022-B4EC-046CA3785167}"/>
+                <a16:creationId xmlns:a16="http://schemas.microsoft.com/office/drawing/2014/main" id="{25E7D99B-055F-46C1-9ED3-2255A4486B53}"/>
               </a:ext>
             </a:extLst>
           </p:cNvPr>
@@ -20647,7 +23914,7 @@
             <a:spLocks noGrp="1"/>
           </p:cNvSpPr>
           <p:nvPr>
-            <p:ph idx="1"/>
+            <p:ph type="sldNum" sz="quarter" idx="12"/>
           </p:nvPr>
         </p:nvSpPr>
         <p:spPr/>
@@ -20655,135 +23922,9 @@
           <a:bodyPr/>
           <a:lstStyle/>
           <a:p>
-            <a:r>
-              <a:rPr lang="en-US" dirty="0" err="1"/>
-              <a:t>Zusätzliche</a:t>
-            </a:r>
-            <a:r>
-              <a:rPr lang="en-US" dirty="0"/>
-              <a:t> </a:t>
-            </a:r>
-            <a:r>
-              <a:rPr lang="en-US" dirty="0" err="1"/>
-              <a:t>Messungen</a:t>
-            </a:r>
-            <a:r>
-              <a:rPr lang="en-US" dirty="0"/>
-              <a:t> für </a:t>
-            </a:r>
-            <a:r>
-              <a:rPr lang="en-US" dirty="0" err="1"/>
-              <a:t>Mythenquai</a:t>
-            </a:r>
-            <a:endParaRPr lang="en-US" dirty="0"/>
-          </a:p>
-          <a:p>
-            <a:r>
-              <a:rPr lang="en-US" dirty="0" err="1"/>
-              <a:t>Meteomeldungen</a:t>
-            </a:r>
-            <a:r>
-              <a:rPr lang="en-US" dirty="0"/>
-              <a:t> </a:t>
-            </a:r>
-            <a:r>
-              <a:rPr lang="en-US" dirty="0" err="1"/>
-              <a:t>miteinbingen</a:t>
-            </a:r>
-            <a:endParaRPr lang="en-US" dirty="0"/>
-          </a:p>
-          <a:p>
-            <a:r>
-              <a:rPr lang="en-US" dirty="0"/>
-              <a:t>SMS/Email </a:t>
-            </a:r>
-            <a:r>
-              <a:rPr lang="en-US" dirty="0" err="1"/>
-              <a:t>Benachrichtigungen</a:t>
-            </a:r>
-            <a:r>
-              <a:rPr lang="en-US" dirty="0"/>
-              <a:t> für </a:t>
-            </a:r>
-            <a:r>
-              <a:rPr lang="en-US" dirty="0" err="1"/>
-              <a:t>Segler</a:t>
-            </a:r>
-            <a:endParaRPr lang="en-US" dirty="0"/>
-          </a:p>
-          <a:p>
-            <a:r>
-              <a:rPr lang="en-US" dirty="0" err="1"/>
-              <a:t>Satelitenkarte</a:t>
-            </a:r>
-            <a:r>
-              <a:rPr lang="en-US" dirty="0"/>
-              <a:t> </a:t>
-            </a:r>
-            <a:r>
-              <a:rPr lang="en-US" dirty="0" err="1"/>
-              <a:t>mit</a:t>
-            </a:r>
-            <a:r>
-              <a:rPr lang="en-US" dirty="0"/>
-              <a:t> Wind / Wetter</a:t>
-            </a:r>
-          </a:p>
-          <a:p>
-            <a:r>
-              <a:rPr lang="en-US" dirty="0" err="1"/>
-              <a:t>Graphen</a:t>
-            </a:r>
-            <a:r>
-              <a:rPr lang="en-US" dirty="0"/>
-              <a:t> </a:t>
-            </a:r>
-            <a:r>
-              <a:rPr lang="en-US" dirty="0" err="1"/>
-              <a:t>vereinheitlichen</a:t>
-            </a:r>
-            <a:r>
-              <a:rPr lang="en-US" dirty="0"/>
-              <a:t> </a:t>
-            </a:r>
-            <a:r>
-              <a:rPr lang="en-US" dirty="0" err="1"/>
-              <a:t>vom</a:t>
-            </a:r>
-            <a:r>
-              <a:rPr lang="en-US" dirty="0"/>
-              <a:t> Layout</a:t>
-            </a:r>
-          </a:p>
-          <a:p>
-            <a:endParaRPr lang="en-CH" dirty="0"/>
-          </a:p>
-        </p:txBody>
-      </p:sp>
-      <p:sp>
-        <p:nvSpPr>
-          <p:cNvPr id="4" name="Slide Number Placeholder 3">
-            <a:extLst>
-              <a:ext uri="{FF2B5EF4-FFF2-40B4-BE49-F238E27FC236}">
-                <a16:creationId xmlns:a16="http://schemas.microsoft.com/office/drawing/2014/main" id="{25E7D99B-055F-46C1-9ED3-2255A4486B53}"/>
-              </a:ext>
-            </a:extLst>
-          </p:cNvPr>
-          <p:cNvSpPr>
-            <a:spLocks noGrp="1"/>
-          </p:cNvSpPr>
-          <p:nvPr>
-            <p:ph type="sldNum" sz="quarter" idx="12"/>
-          </p:nvPr>
-        </p:nvSpPr>
-        <p:spPr/>
-        <p:txBody>
-          <a:bodyPr/>
-          <a:lstStyle/>
-          <a:p>
             <a:fld id="{0F00D740-55B1-4DC8-A3B5-4535950A93D0}" type="slidenum">
               <a:rPr lang="en-CH" smtClean="0"/>
-              <a:t>39</a:t>
+              <a:t>38</a:t>
             </a:fld>
             <a:endParaRPr lang="en-CH"/>
           </a:p>
@@ -20824,7 +23965,7 @@
             <p:nvPr/>
           </p:nvPicPr>
           <p:blipFill>
-            <a:blip r:embed="rId2" cstate="print">
+            <a:blip r:embed="rId3" cstate="print">
               <a:extLst>
                 <a:ext uri="{28A0092B-C50C-407E-A947-70E740481C1C}">
                   <a14:useLocalDpi xmlns:a14="http://schemas.microsoft.com/office/drawing/2010/main" val="0"/>
@@ -20942,10 +24083,484 @@
           </p:txBody>
         </p:sp>
       </p:grpSp>
+      <p:pic>
+        <p:nvPicPr>
+          <p:cNvPr id="1026" name="Picture 2" descr="Script free icon">
+            <a:extLst>
+              <a:ext uri="{FF2B5EF4-FFF2-40B4-BE49-F238E27FC236}">
+                <a16:creationId xmlns:a16="http://schemas.microsoft.com/office/drawing/2014/main" id="{FEB24AA8-B371-4949-A0A9-0F73B2119230}"/>
+              </a:ext>
+            </a:extLst>
+          </p:cNvPr>
+          <p:cNvPicPr>
+            <a:picLocks noChangeAspect="1" noChangeArrowheads="1"/>
+          </p:cNvPicPr>
+          <p:nvPr/>
+        </p:nvPicPr>
+        <p:blipFill>
+          <a:blip r:embed="rId4">
+            <a:extLst>
+              <a:ext uri="{28A0092B-C50C-407E-A947-70E740481C1C}">
+                <a14:useLocalDpi xmlns:a14="http://schemas.microsoft.com/office/drawing/2010/main" val="0"/>
+              </a:ext>
+            </a:extLst>
+          </a:blip>
+          <a:srcRect/>
+          <a:stretch>
+            <a:fillRect/>
+          </a:stretch>
+        </p:blipFill>
+        <p:spPr bwMode="auto">
+          <a:xfrm>
+            <a:off x="2230821" y="3023137"/>
+            <a:ext cx="843455" cy="843455"/>
+          </a:xfrm>
+          <a:prstGeom prst="rect">
+            <a:avLst/>
+          </a:prstGeom>
+          <a:noFill/>
+          <a:extLst>
+            <a:ext uri="{909E8E84-426E-40DD-AFC4-6F175D3DCCD1}">
+              <a14:hiddenFill xmlns:a14="http://schemas.microsoft.com/office/drawing/2010/main">
+                <a:solidFill>
+                  <a:srgbClr val="FFFFFF"/>
+                </a:solidFill>
+              </a14:hiddenFill>
+            </a:ext>
+          </a:extLst>
+        </p:spPr>
+      </p:pic>
+      <p:sp>
+        <p:nvSpPr>
+          <p:cNvPr id="3" name="Textfeld 2">
+            <a:extLst>
+              <a:ext uri="{FF2B5EF4-FFF2-40B4-BE49-F238E27FC236}">
+                <a16:creationId xmlns:a16="http://schemas.microsoft.com/office/drawing/2014/main" id="{E925F671-A74C-4193-8758-C984C754ECB4}"/>
+              </a:ext>
+            </a:extLst>
+          </p:cNvPr>
+          <p:cNvSpPr txBox="1"/>
+          <p:nvPr/>
+        </p:nvSpPr>
+        <p:spPr>
+          <a:xfrm>
+            <a:off x="1686910" y="4103654"/>
+            <a:ext cx="1931276" cy="369332"/>
+          </a:xfrm>
+          <a:prstGeom prst="rect">
+            <a:avLst/>
+          </a:prstGeom>
+          <a:noFill/>
+        </p:spPr>
+        <p:txBody>
+          <a:bodyPr wrap="square" rtlCol="0">
+            <a:spAutoFit/>
+          </a:bodyPr>
+          <a:lstStyle/>
+          <a:p>
+            <a:pPr algn="ctr"/>
+            <a:r>
+              <a:rPr lang="en-US" dirty="0"/>
+              <a:t>install.sh</a:t>
+            </a:r>
+          </a:p>
+        </p:txBody>
+      </p:sp>
+      <p:sp>
+        <p:nvSpPr>
+          <p:cNvPr id="48" name="Textfeld 47">
+            <a:extLst>
+              <a:ext uri="{FF2B5EF4-FFF2-40B4-BE49-F238E27FC236}">
+                <a16:creationId xmlns:a16="http://schemas.microsoft.com/office/drawing/2014/main" id="{4136C29D-9C7C-4D41-B805-FAA4E5FAA5B4}"/>
+              </a:ext>
+            </a:extLst>
+          </p:cNvPr>
+          <p:cNvSpPr txBox="1"/>
+          <p:nvPr/>
+        </p:nvSpPr>
+        <p:spPr>
+          <a:xfrm>
+            <a:off x="4558861" y="4056258"/>
+            <a:ext cx="1931276" cy="369332"/>
+          </a:xfrm>
+          <a:prstGeom prst="rect">
+            <a:avLst/>
+          </a:prstGeom>
+          <a:noFill/>
+        </p:spPr>
+        <p:txBody>
+          <a:bodyPr wrap="square" rtlCol="0">
+            <a:spAutoFit/>
+          </a:bodyPr>
+          <a:lstStyle/>
+          <a:p>
+            <a:pPr algn="ctr"/>
+            <a:r>
+              <a:rPr lang="en-US" dirty="0"/>
+              <a:t>Kiosk Service</a:t>
+            </a:r>
+          </a:p>
+        </p:txBody>
+      </p:sp>
+      <p:sp>
+        <p:nvSpPr>
+          <p:cNvPr id="50" name="Textfeld 49">
+            <a:extLst>
+              <a:ext uri="{FF2B5EF4-FFF2-40B4-BE49-F238E27FC236}">
+                <a16:creationId xmlns:a16="http://schemas.microsoft.com/office/drawing/2014/main" id="{4181F4DE-E427-4482-9204-53F274E5B0C4}"/>
+              </a:ext>
+            </a:extLst>
+          </p:cNvPr>
+          <p:cNvSpPr txBox="1"/>
+          <p:nvPr/>
+        </p:nvSpPr>
+        <p:spPr>
+          <a:xfrm>
+            <a:off x="7223234" y="4087789"/>
+            <a:ext cx="1931276" cy="369332"/>
+          </a:xfrm>
+          <a:prstGeom prst="rect">
+            <a:avLst/>
+          </a:prstGeom>
+          <a:noFill/>
+        </p:spPr>
+        <p:txBody>
+          <a:bodyPr wrap="square" rtlCol="0">
+            <a:spAutoFit/>
+          </a:bodyPr>
+          <a:lstStyle/>
+          <a:p>
+            <a:pPr algn="ctr"/>
+            <a:r>
+              <a:rPr lang="en-US" dirty="0"/>
+              <a:t>kiosk.sh</a:t>
+            </a:r>
+          </a:p>
+        </p:txBody>
+      </p:sp>
+      <p:pic>
+        <p:nvPicPr>
+          <p:cNvPr id="1028" name="Picture 4" descr="Customer service free icon">
+            <a:extLst>
+              <a:ext uri="{FF2B5EF4-FFF2-40B4-BE49-F238E27FC236}">
+                <a16:creationId xmlns:a16="http://schemas.microsoft.com/office/drawing/2014/main" id="{895CCA92-D26C-4478-8D2E-5C07D7DDC50B}"/>
+              </a:ext>
+            </a:extLst>
+          </p:cNvPr>
+          <p:cNvPicPr>
+            <a:picLocks noChangeAspect="1" noChangeArrowheads="1"/>
+          </p:cNvPicPr>
+          <p:nvPr/>
+        </p:nvPicPr>
+        <p:blipFill>
+          <a:blip r:embed="rId5">
+            <a:extLst>
+              <a:ext uri="{28A0092B-C50C-407E-A947-70E740481C1C}">
+                <a14:useLocalDpi xmlns:a14="http://schemas.microsoft.com/office/drawing/2010/main" val="0"/>
+              </a:ext>
+            </a:extLst>
+          </a:blip>
+          <a:srcRect/>
+          <a:stretch>
+            <a:fillRect/>
+          </a:stretch>
+        </p:blipFill>
+        <p:spPr bwMode="auto">
+          <a:xfrm>
+            <a:off x="5013491" y="3007272"/>
+            <a:ext cx="864419" cy="864419"/>
+          </a:xfrm>
+          <a:prstGeom prst="rect">
+            <a:avLst/>
+          </a:prstGeom>
+          <a:noFill/>
+          <a:extLst>
+            <a:ext uri="{909E8E84-426E-40DD-AFC4-6F175D3DCCD1}">
+              <a14:hiddenFill xmlns:a14="http://schemas.microsoft.com/office/drawing/2010/main">
+                <a:solidFill>
+                  <a:srgbClr val="FFFFFF"/>
+                </a:solidFill>
+              </a14:hiddenFill>
+            </a:ext>
+          </a:extLst>
+        </p:spPr>
+      </p:pic>
+      <p:pic>
+        <p:nvPicPr>
+          <p:cNvPr id="1030" name="Picture 6" descr="Setup free icon">
+            <a:extLst>
+              <a:ext uri="{FF2B5EF4-FFF2-40B4-BE49-F238E27FC236}">
+                <a16:creationId xmlns:a16="http://schemas.microsoft.com/office/drawing/2014/main" id="{344491B9-878A-4FAC-B8F7-8F51A73D95B5}"/>
+              </a:ext>
+            </a:extLst>
+          </p:cNvPr>
+          <p:cNvPicPr>
+            <a:picLocks noChangeAspect="1" noChangeArrowheads="1"/>
+          </p:cNvPicPr>
+          <p:nvPr/>
+        </p:nvPicPr>
+        <p:blipFill>
+          <a:blip r:embed="rId6">
+            <a:extLst>
+              <a:ext uri="{28A0092B-C50C-407E-A947-70E740481C1C}">
+                <a14:useLocalDpi xmlns:a14="http://schemas.microsoft.com/office/drawing/2010/main" val="0"/>
+              </a:ext>
+            </a:extLst>
+          </a:blip>
+          <a:srcRect/>
+          <a:stretch>
+            <a:fillRect/>
+          </a:stretch>
+        </p:blipFill>
+        <p:spPr bwMode="auto">
+          <a:xfrm>
+            <a:off x="7810499" y="3109847"/>
+            <a:ext cx="756745" cy="756745"/>
+          </a:xfrm>
+          <a:prstGeom prst="rect">
+            <a:avLst/>
+          </a:prstGeom>
+          <a:noFill/>
+          <a:extLst>
+            <a:ext uri="{909E8E84-426E-40DD-AFC4-6F175D3DCCD1}">
+              <a14:hiddenFill xmlns:a14="http://schemas.microsoft.com/office/drawing/2010/main">
+                <a:solidFill>
+                  <a:srgbClr val="FFFFFF"/>
+                </a:solidFill>
+              </a14:hiddenFill>
+            </a:ext>
+          </a:extLst>
+        </p:spPr>
+      </p:pic>
     </p:spTree>
     <p:extLst>
       <p:ext uri="{BB962C8B-B14F-4D97-AF65-F5344CB8AC3E}">
-        <p14:creationId xmlns:p14="http://schemas.microsoft.com/office/powerpoint/2010/main" val="2059050790"/>
+        <p14:creationId xmlns:p14="http://schemas.microsoft.com/office/powerpoint/2010/main" val="344647664"/>
+      </p:ext>
+    </p:extLst>
+  </p:cSld>
+  <p:clrMapOvr>
+    <a:masterClrMapping/>
+  </p:clrMapOvr>
+  <mc:AlternateContent xmlns:mc="http://schemas.openxmlformats.org/markup-compatibility/2006">
+    <mc:Choice xmlns:p14="http://schemas.microsoft.com/office/powerpoint/2010/main" Requires="p14">
+      <p:transition spd="med" p14:dur="700">
+        <p:fade/>
+      </p:transition>
+    </mc:Choice>
+    <mc:Fallback>
+      <p:transition spd="med">
+        <p:fade/>
+      </p:transition>
+    </mc:Fallback>
+  </mc:AlternateContent>
+</p:sld>
+</file>
+
+<file path=ppt/slides/slide39.xml><?xml version="1.0" encoding="utf-8"?>
+<p:sld xmlns:a="http://schemas.openxmlformats.org/drawingml/2006/main" xmlns:r="http://schemas.openxmlformats.org/officeDocument/2006/relationships" xmlns:p="http://schemas.openxmlformats.org/presentationml/2006/main">
+  <p:cSld>
+    <p:spTree>
+      <p:nvGrpSpPr>
+        <p:cNvPr id="1" name=""/>
+        <p:cNvGrpSpPr/>
+        <p:nvPr/>
+      </p:nvGrpSpPr>
+      <p:grpSpPr>
+        <a:xfrm>
+          <a:off x="0" y="0"/>
+          <a:ext cx="0" cy="0"/>
+          <a:chOff x="0" y="0"/>
+          <a:chExt cx="0" cy="0"/>
+        </a:xfrm>
+      </p:grpSpPr>
+      <p:sp>
+        <p:nvSpPr>
+          <p:cNvPr id="2" name="Title 1">
+            <a:extLst>
+              <a:ext uri="{FF2B5EF4-FFF2-40B4-BE49-F238E27FC236}">
+                <a16:creationId xmlns:a16="http://schemas.microsoft.com/office/drawing/2014/main" id="{F1AE8F4F-038B-4ABA-A89F-CA33847A9E12}"/>
+              </a:ext>
+            </a:extLst>
+          </p:cNvPr>
+          <p:cNvSpPr>
+            <a:spLocks noGrp="1"/>
+          </p:cNvSpPr>
+          <p:nvPr>
+            <p:ph type="title"/>
+          </p:nvPr>
+        </p:nvSpPr>
+        <p:spPr>
+          <a:xfrm>
+            <a:off x="838200" y="365125"/>
+            <a:ext cx="10515600" cy="5702300"/>
+          </a:xfrm>
+        </p:spPr>
+        <p:txBody>
+          <a:bodyPr>
+            <a:normAutofit fontScale="90000"/>
+          </a:bodyPr>
+          <a:lstStyle/>
+          <a:p>
+            <a:pPr algn="ctr">
+              <a:lnSpc>
+                <a:spcPct val="125000"/>
+              </a:lnSpc>
+              <a:spcBef>
+                <a:spcPts val="0"/>
+              </a:spcBef>
+            </a:pPr>
+            <a:r>
+              <a:rPr lang="en-US" b="1" dirty="0" err="1">
+                <a:latin typeface="Arial" panose="020B0604020202020204" pitchFamily="34" charset="0"/>
+                <a:cs typeface="Arial" panose="020B0604020202020204" pitchFamily="34" charset="0"/>
+              </a:rPr>
+              <a:t>Auftrag</a:t>
+            </a:r>
+            <a:br>
+              <a:rPr lang="en-US" b="1" dirty="0">
+                <a:latin typeface="Arial" panose="020B0604020202020204" pitchFamily="34" charset="0"/>
+                <a:cs typeface="Arial" panose="020B0604020202020204" pitchFamily="34" charset="0"/>
+              </a:rPr>
+            </a:br>
+            <a:r>
+              <a:rPr lang="en-US" b="1" dirty="0">
+                <a:latin typeface="Arial" panose="020B0604020202020204" pitchFamily="34" charset="0"/>
+                <a:cs typeface="Arial" panose="020B0604020202020204" pitchFamily="34" charset="0"/>
+              </a:rPr>
+              <a:t>Hardware</a:t>
+            </a:r>
+            <a:br>
+              <a:rPr lang="en-US" b="1" dirty="0">
+                <a:latin typeface="Arial" panose="020B0604020202020204" pitchFamily="34" charset="0"/>
+                <a:cs typeface="Arial" panose="020B0604020202020204" pitchFamily="34" charset="0"/>
+              </a:rPr>
+            </a:br>
+            <a:r>
+              <a:rPr lang="en-US" b="1" dirty="0" err="1">
+                <a:latin typeface="Arial" panose="020B0604020202020204" pitchFamily="34" charset="0"/>
+                <a:cs typeface="Arial" panose="020B0604020202020204" pitchFamily="34" charset="0"/>
+              </a:rPr>
+              <a:t>InfluxDB</a:t>
+            </a:r>
+            <a:br>
+              <a:rPr lang="en-US" b="1" dirty="0">
+                <a:latin typeface="Arial" panose="020B0604020202020204" pitchFamily="34" charset="0"/>
+                <a:cs typeface="Arial" panose="020B0604020202020204" pitchFamily="34" charset="0"/>
+              </a:rPr>
+            </a:br>
+            <a:r>
+              <a:rPr lang="en-US" b="1" dirty="0">
+                <a:latin typeface="Arial" panose="020B0604020202020204" pitchFamily="34" charset="0"/>
+                <a:cs typeface="Arial" panose="020B0604020202020204" pitchFamily="34" charset="0"/>
+              </a:rPr>
+              <a:t>Python </a:t>
+            </a:r>
+            <a:r>
+              <a:rPr lang="en-US" b="1" dirty="0" err="1">
+                <a:latin typeface="Arial" panose="020B0604020202020204" pitchFamily="34" charset="0"/>
+                <a:cs typeface="Arial" panose="020B0604020202020204" pitchFamily="34" charset="0"/>
+              </a:rPr>
+              <a:t>Programm</a:t>
+            </a:r>
+            <a:br>
+              <a:rPr lang="en-US" b="1" dirty="0">
+                <a:latin typeface="Arial" panose="020B0604020202020204" pitchFamily="34" charset="0"/>
+                <a:cs typeface="Arial" panose="020B0604020202020204" pitchFamily="34" charset="0"/>
+              </a:rPr>
+            </a:br>
+            <a:r>
+              <a:rPr lang="en-US" b="1" dirty="0">
+                <a:latin typeface="Arial" panose="020B0604020202020204" pitchFamily="34" charset="0"/>
+                <a:cs typeface="Arial" panose="020B0604020202020204" pitchFamily="34" charset="0"/>
+              </a:rPr>
+              <a:t>Flask Webserver</a:t>
+            </a:r>
+            <a:br>
+              <a:rPr lang="en-US" b="1" dirty="0">
+                <a:latin typeface="Arial" panose="020B0604020202020204" pitchFamily="34" charset="0"/>
+                <a:cs typeface="Arial" panose="020B0604020202020204" pitchFamily="34" charset="0"/>
+              </a:rPr>
+            </a:br>
+            <a:r>
+              <a:rPr lang="en-US" b="1" dirty="0">
+                <a:latin typeface="Arial" panose="020B0604020202020204" pitchFamily="34" charset="0"/>
+                <a:cs typeface="Arial" panose="020B0604020202020204" pitchFamily="34" charset="0"/>
+              </a:rPr>
+              <a:t>GUI Sketch</a:t>
+            </a:r>
+            <a:br>
+              <a:rPr lang="en-US" b="1" dirty="0">
+                <a:latin typeface="Arial" panose="020B0604020202020204" pitchFamily="34" charset="0"/>
+                <a:cs typeface="Arial" panose="020B0604020202020204" pitchFamily="34" charset="0"/>
+              </a:rPr>
+            </a:br>
+            <a:r>
+              <a:rPr lang="en-US" b="1" dirty="0" err="1">
+                <a:latin typeface="Arial" panose="020B0604020202020204" pitchFamily="34" charset="0"/>
+                <a:cs typeface="Arial" panose="020B0604020202020204" pitchFamily="34" charset="0"/>
+              </a:rPr>
+              <a:t>Endresultat</a:t>
+            </a:r>
+            <a:br>
+              <a:rPr lang="en-US" b="1" dirty="0">
+                <a:latin typeface="Arial" panose="020B0604020202020204" pitchFamily="34" charset="0"/>
+                <a:cs typeface="Arial" panose="020B0604020202020204" pitchFamily="34" charset="0"/>
+              </a:rPr>
+            </a:br>
+            <a:r>
+              <a:rPr lang="en-US" b="1" dirty="0" err="1">
+                <a:highlight>
+                  <a:srgbClr val="FAE800"/>
+                </a:highlight>
+                <a:latin typeface="Arial" panose="020B0604020202020204" pitchFamily="34" charset="0"/>
+                <a:cs typeface="Arial" panose="020B0604020202020204" pitchFamily="34" charset="0"/>
+              </a:rPr>
+              <a:t>Weiterentwicklung</a:t>
+            </a:r>
+            <a:endParaRPr lang="en-CH" b="1" dirty="0">
+              <a:highlight>
+                <a:srgbClr val="FAE800"/>
+              </a:highlight>
+              <a:latin typeface="Arial" panose="020B0604020202020204" pitchFamily="34" charset="0"/>
+              <a:cs typeface="Arial" panose="020B0604020202020204" pitchFamily="34" charset="0"/>
+            </a:endParaRPr>
+          </a:p>
+        </p:txBody>
+      </p:sp>
+      <p:sp>
+        <p:nvSpPr>
+          <p:cNvPr id="8" name="Slide Number Placeholder 7">
+            <a:extLst>
+              <a:ext uri="{FF2B5EF4-FFF2-40B4-BE49-F238E27FC236}">
+                <a16:creationId xmlns:a16="http://schemas.microsoft.com/office/drawing/2014/main" id="{E5E3E861-4688-44FC-A05E-E446522B24DD}"/>
+              </a:ext>
+            </a:extLst>
+          </p:cNvPr>
+          <p:cNvSpPr>
+            <a:spLocks noGrp="1"/>
+          </p:cNvSpPr>
+          <p:nvPr>
+            <p:ph type="sldNum" sz="quarter" idx="12"/>
+          </p:nvPr>
+        </p:nvSpPr>
+        <p:spPr/>
+        <p:txBody>
+          <a:bodyPr/>
+          <a:lstStyle/>
+          <a:p>
+            <a:fld id="{0F00D740-55B1-4DC8-A3B5-4535950A93D0}" type="slidenum">
+              <a:rPr lang="en-CH" smtClean="0"/>
+              <a:t>39</a:t>
+            </a:fld>
+            <a:endParaRPr lang="en-CH"/>
+          </a:p>
+        </p:txBody>
+      </p:sp>
+    </p:spTree>
+    <p:extLst>
+      <p:ext uri="{BB962C8B-B14F-4D97-AF65-F5344CB8AC3E}">
+        <p14:creationId xmlns:p14="http://schemas.microsoft.com/office/powerpoint/2010/main" val="1432282549"/>
       </p:ext>
     </p:extLst>
   </p:cSld>
@@ -21235,7 +24850,7 @@
             <p:nvPr/>
           </p:nvPicPr>
           <p:blipFill>
-            <a:blip r:embed="rId2" cstate="print">
+            <a:blip r:embed="rId3" cstate="print">
               <a:extLst>
                 <a:ext uri="{28A0092B-C50C-407E-A947-70E740481C1C}">
                   <a14:useLocalDpi xmlns:a14="http://schemas.microsoft.com/office/drawing/2010/main" val="0"/>
@@ -21397,6 +25012,403 @@
       </p:grpSpPr>
       <p:sp>
         <p:nvSpPr>
+          <p:cNvPr id="2" name="Title 1">
+            <a:extLst>
+              <a:ext uri="{FF2B5EF4-FFF2-40B4-BE49-F238E27FC236}">
+                <a16:creationId xmlns:a16="http://schemas.microsoft.com/office/drawing/2014/main" id="{4808087A-40EC-41E6-A246-BC46343A4BFC}"/>
+              </a:ext>
+            </a:extLst>
+          </p:cNvPr>
+          <p:cNvSpPr>
+            <a:spLocks noGrp="1"/>
+          </p:cNvSpPr>
+          <p:nvPr>
+            <p:ph type="title"/>
+          </p:nvPr>
+        </p:nvSpPr>
+        <p:spPr/>
+        <p:txBody>
+          <a:bodyPr>
+            <a:normAutofit/>
+          </a:bodyPr>
+          <a:lstStyle/>
+          <a:p>
+            <a:r>
+              <a:rPr lang="en-US" b="1" dirty="0" err="1">
+                <a:latin typeface="Arial" panose="020B0604020202020204" pitchFamily="34" charset="0"/>
+                <a:cs typeface="Arial" panose="020B0604020202020204" pitchFamily="34" charset="0"/>
+              </a:rPr>
+              <a:t>Weiterentwicklung</a:t>
+            </a:r>
+            <a:br>
+              <a:rPr lang="en-US" b="1" dirty="0">
+                <a:latin typeface="Arial" panose="020B0604020202020204" pitchFamily="34" charset="0"/>
+                <a:cs typeface="Arial" panose="020B0604020202020204" pitchFamily="34" charset="0"/>
+              </a:rPr>
+            </a:br>
+            <a:r>
+              <a:rPr lang="en-US" sz="3600" i="1" dirty="0" err="1">
+                <a:latin typeface="Arial" panose="020B0604020202020204" pitchFamily="34" charset="0"/>
+                <a:cs typeface="Arial" panose="020B0604020202020204" pitchFamily="34" charset="0"/>
+              </a:rPr>
+              <a:t>Weiterentwicklungsmöglichkeiten</a:t>
+            </a:r>
+            <a:endParaRPr lang="en-CH" dirty="0"/>
+          </a:p>
+        </p:txBody>
+      </p:sp>
+      <p:sp>
+        <p:nvSpPr>
+          <p:cNvPr id="3" name="Content Placeholder 2">
+            <a:extLst>
+              <a:ext uri="{FF2B5EF4-FFF2-40B4-BE49-F238E27FC236}">
+                <a16:creationId xmlns:a16="http://schemas.microsoft.com/office/drawing/2014/main" id="{F99C80A8-FCE8-4022-B4EC-046CA3785167}"/>
+              </a:ext>
+            </a:extLst>
+          </p:cNvPr>
+          <p:cNvSpPr>
+            <a:spLocks noGrp="1"/>
+          </p:cNvSpPr>
+          <p:nvPr>
+            <p:ph idx="1"/>
+          </p:nvPr>
+        </p:nvSpPr>
+        <p:spPr/>
+        <p:txBody>
+          <a:bodyPr/>
+          <a:lstStyle/>
+          <a:p>
+            <a:r>
+              <a:rPr lang="en-US" dirty="0" err="1"/>
+              <a:t>Zusätzliche</a:t>
+            </a:r>
+            <a:r>
+              <a:rPr lang="en-US" dirty="0"/>
+              <a:t> </a:t>
+            </a:r>
+            <a:r>
+              <a:rPr lang="en-US" dirty="0" err="1"/>
+              <a:t>Messungen</a:t>
+            </a:r>
+            <a:r>
+              <a:rPr lang="en-US" dirty="0"/>
+              <a:t> für </a:t>
+            </a:r>
+            <a:r>
+              <a:rPr lang="en-US" dirty="0" err="1"/>
+              <a:t>Mythenquai</a:t>
+            </a:r>
+            <a:endParaRPr lang="en-US" dirty="0"/>
+          </a:p>
+          <a:p>
+            <a:r>
+              <a:rPr lang="en-US" dirty="0" err="1"/>
+              <a:t>Meteomeldungen</a:t>
+            </a:r>
+            <a:r>
+              <a:rPr lang="en-US" dirty="0"/>
+              <a:t> </a:t>
+            </a:r>
+            <a:r>
+              <a:rPr lang="en-US" dirty="0" err="1"/>
+              <a:t>miteinbingen</a:t>
+            </a:r>
+            <a:endParaRPr lang="en-US" dirty="0"/>
+          </a:p>
+          <a:p>
+            <a:r>
+              <a:rPr lang="en-US" dirty="0"/>
+              <a:t>SMS/Email </a:t>
+            </a:r>
+            <a:r>
+              <a:rPr lang="en-US" dirty="0" err="1"/>
+              <a:t>Benachrichtigungen</a:t>
+            </a:r>
+            <a:r>
+              <a:rPr lang="en-US" dirty="0"/>
+              <a:t> für </a:t>
+            </a:r>
+            <a:r>
+              <a:rPr lang="en-US" dirty="0" err="1"/>
+              <a:t>Segler</a:t>
+            </a:r>
+            <a:endParaRPr lang="en-US" dirty="0"/>
+          </a:p>
+          <a:p>
+            <a:r>
+              <a:rPr lang="en-US" dirty="0" err="1"/>
+              <a:t>Satelitenkarte</a:t>
+            </a:r>
+            <a:r>
+              <a:rPr lang="en-US" dirty="0"/>
+              <a:t> </a:t>
+            </a:r>
+            <a:r>
+              <a:rPr lang="en-US" dirty="0" err="1"/>
+              <a:t>mit</a:t>
+            </a:r>
+            <a:r>
+              <a:rPr lang="en-US" dirty="0"/>
+              <a:t> Wind / Wetter</a:t>
+            </a:r>
+          </a:p>
+          <a:p>
+            <a:r>
+              <a:rPr lang="en-US" dirty="0" err="1"/>
+              <a:t>Graphen</a:t>
+            </a:r>
+            <a:r>
+              <a:rPr lang="en-US" dirty="0"/>
+              <a:t> </a:t>
+            </a:r>
+            <a:r>
+              <a:rPr lang="en-US" dirty="0" err="1"/>
+              <a:t>vereinheitlichen</a:t>
+            </a:r>
+            <a:r>
+              <a:rPr lang="en-US" dirty="0"/>
+              <a:t> </a:t>
+            </a:r>
+            <a:r>
+              <a:rPr lang="en-US" dirty="0" err="1"/>
+              <a:t>vom</a:t>
+            </a:r>
+            <a:r>
+              <a:rPr lang="en-US" dirty="0"/>
+              <a:t> Layout</a:t>
+            </a:r>
+          </a:p>
+          <a:p>
+            <a:endParaRPr lang="en-CH" dirty="0"/>
+          </a:p>
+        </p:txBody>
+      </p:sp>
+      <p:sp>
+        <p:nvSpPr>
+          <p:cNvPr id="4" name="Slide Number Placeholder 3">
+            <a:extLst>
+              <a:ext uri="{FF2B5EF4-FFF2-40B4-BE49-F238E27FC236}">
+                <a16:creationId xmlns:a16="http://schemas.microsoft.com/office/drawing/2014/main" id="{25E7D99B-055F-46C1-9ED3-2255A4486B53}"/>
+              </a:ext>
+            </a:extLst>
+          </p:cNvPr>
+          <p:cNvSpPr>
+            <a:spLocks noGrp="1"/>
+          </p:cNvSpPr>
+          <p:nvPr>
+            <p:ph type="sldNum" sz="quarter" idx="12"/>
+          </p:nvPr>
+        </p:nvSpPr>
+        <p:spPr/>
+        <p:txBody>
+          <a:bodyPr/>
+          <a:lstStyle/>
+          <a:p>
+            <a:fld id="{0F00D740-55B1-4DC8-A3B5-4535950A93D0}" type="slidenum">
+              <a:rPr lang="en-CH" smtClean="0"/>
+              <a:t>40</a:t>
+            </a:fld>
+            <a:endParaRPr lang="en-CH"/>
+          </a:p>
+        </p:txBody>
+      </p:sp>
+      <p:grpSp>
+        <p:nvGrpSpPr>
+          <p:cNvPr id="5" name="Group 4">
+            <a:extLst>
+              <a:ext uri="{FF2B5EF4-FFF2-40B4-BE49-F238E27FC236}">
+                <a16:creationId xmlns:a16="http://schemas.microsoft.com/office/drawing/2014/main" id="{4EC58CAD-48B2-4835-9E3B-91425F5E9895}"/>
+              </a:ext>
+            </a:extLst>
+          </p:cNvPr>
+          <p:cNvGrpSpPr/>
+          <p:nvPr/>
+        </p:nvGrpSpPr>
+        <p:grpSpPr>
+          <a:xfrm>
+            <a:off x="8990330" y="5808980"/>
+            <a:ext cx="3774440" cy="764540"/>
+            <a:chOff x="8990330" y="5808980"/>
+            <a:chExt cx="3774440" cy="764540"/>
+          </a:xfrm>
+        </p:grpSpPr>
+        <p:pic>
+          <p:nvPicPr>
+            <p:cNvPr id="6" name="Picture 5">
+              <a:extLst>
+                <a:ext uri="{FF2B5EF4-FFF2-40B4-BE49-F238E27FC236}">
+                  <a16:creationId xmlns:a16="http://schemas.microsoft.com/office/drawing/2014/main" id="{022721ED-DE7C-4BE7-8FB8-448D5A1D2FA3}"/>
+                </a:ext>
+              </a:extLst>
+            </p:cNvPr>
+            <p:cNvPicPr>
+              <a:picLocks noChangeAspect="1"/>
+            </p:cNvPicPr>
+            <p:nvPr/>
+          </p:nvPicPr>
+          <p:blipFill>
+            <a:blip r:embed="rId3" cstate="print">
+              <a:extLst>
+                <a:ext uri="{28A0092B-C50C-407E-A947-70E740481C1C}">
+                  <a14:useLocalDpi xmlns:a14="http://schemas.microsoft.com/office/drawing/2010/main" val="0"/>
+                </a:ext>
+              </a:extLst>
+            </a:blip>
+            <a:srcRect/>
+            <a:stretch>
+              <a:fillRect/>
+            </a:stretch>
+          </p:blipFill>
+          <p:spPr bwMode="auto">
+            <a:xfrm>
+              <a:off x="8990330" y="5808980"/>
+              <a:ext cx="942340" cy="558800"/>
+            </a:xfrm>
+            <a:prstGeom prst="rect">
+              <a:avLst/>
+            </a:prstGeom>
+            <a:noFill/>
+            <a:ln>
+              <a:noFill/>
+            </a:ln>
+          </p:spPr>
+        </p:pic>
+        <p:sp>
+          <p:nvSpPr>
+            <p:cNvPr id="7" name="Text Box 11">
+              <a:extLst>
+                <a:ext uri="{FF2B5EF4-FFF2-40B4-BE49-F238E27FC236}">
+                  <a16:creationId xmlns:a16="http://schemas.microsoft.com/office/drawing/2014/main" id="{D3B6ED79-9CCE-4997-8EDA-DFDF7934B22B}"/>
+                </a:ext>
+              </a:extLst>
+            </p:cNvPr>
+            <p:cNvSpPr txBox="1"/>
+            <p:nvPr/>
+          </p:nvSpPr>
+          <p:spPr>
+            <a:xfrm>
+              <a:off x="9999980" y="5923280"/>
+              <a:ext cx="2764790" cy="650240"/>
+            </a:xfrm>
+            <a:prstGeom prst="rect">
+              <a:avLst/>
+            </a:prstGeom>
+            <a:noFill/>
+            <a:ln w="6350">
+              <a:noFill/>
+            </a:ln>
+          </p:spPr>
+          <p:txBody>
+            <a:bodyPr rot="0" spcFirstLastPara="0" vert="horz" wrap="square" lIns="91440" tIns="45720" rIns="91440" bIns="45720" numCol="1" spcCol="0" rtlCol="0" fromWordArt="0" anchor="t" anchorCtr="0" forceAA="0" compatLnSpc="1">
+              <a:prstTxWarp prst="textNoShape">
+                <a:avLst/>
+              </a:prstTxWarp>
+              <a:noAutofit/>
+            </a:bodyPr>
+            <a:lstStyle/>
+            <a:p>
+              <a:pPr>
+                <a:lnSpc>
+                  <a:spcPct val="115000"/>
+                </a:lnSpc>
+              </a:pPr>
+              <a:r>
+                <a:rPr lang="en-US" sz="900" b="1">
+                  <a:solidFill>
+                    <a:srgbClr val="44546A"/>
+                  </a:solidFill>
+                  <a:effectLst/>
+                  <a:latin typeface="Calibri" panose="020F0502020204030204" pitchFamily="34" charset="0"/>
+                  <a:ea typeface="Times New Roman" panose="02020603050405020304" pitchFamily="18" charset="0"/>
+                  <a:cs typeface="Times New Roman" panose="02020603050405020304" pitchFamily="18" charset="0"/>
+                </a:rPr>
+                <a:t>Fachhochschule Nordwestschweiz</a:t>
+              </a:r>
+              <a:endParaRPr lang="en-CH" sz="1400" b="1">
+                <a:solidFill>
+                  <a:srgbClr val="44546A"/>
+                </a:solidFill>
+                <a:effectLst/>
+                <a:latin typeface="Calibri" panose="020F0502020204030204" pitchFamily="34" charset="0"/>
+                <a:ea typeface="Times New Roman" panose="02020603050405020304" pitchFamily="18" charset="0"/>
+                <a:cs typeface="Times New Roman" panose="02020603050405020304" pitchFamily="18" charset="0"/>
+              </a:endParaRPr>
+            </a:p>
+            <a:p>
+              <a:pPr>
+                <a:lnSpc>
+                  <a:spcPct val="115000"/>
+                </a:lnSpc>
+              </a:pPr>
+              <a:r>
+                <a:rPr lang="en-US" sz="900" b="1">
+                  <a:solidFill>
+                    <a:srgbClr val="44546A"/>
+                  </a:solidFill>
+                  <a:effectLst/>
+                  <a:latin typeface="Calibri" panose="020F0502020204030204" pitchFamily="34" charset="0"/>
+                  <a:ea typeface="Times New Roman" panose="02020603050405020304" pitchFamily="18" charset="0"/>
+                  <a:cs typeface="Times New Roman" panose="02020603050405020304" pitchFamily="18" charset="0"/>
+                </a:rPr>
+                <a:t>Hochschule für Technik</a:t>
+              </a:r>
+              <a:endParaRPr lang="en-CH" sz="1400" b="1">
+                <a:solidFill>
+                  <a:srgbClr val="44546A"/>
+                </a:solidFill>
+                <a:effectLst/>
+                <a:latin typeface="Calibri" panose="020F0502020204030204" pitchFamily="34" charset="0"/>
+                <a:ea typeface="Times New Roman" panose="02020603050405020304" pitchFamily="18" charset="0"/>
+                <a:cs typeface="Times New Roman" panose="02020603050405020304" pitchFamily="18" charset="0"/>
+              </a:endParaRPr>
+            </a:p>
+          </p:txBody>
+        </p:sp>
+      </p:grpSp>
+    </p:spTree>
+    <p:extLst>
+      <p:ext uri="{BB962C8B-B14F-4D97-AF65-F5344CB8AC3E}">
+        <p14:creationId xmlns:p14="http://schemas.microsoft.com/office/powerpoint/2010/main" val="2059050790"/>
+      </p:ext>
+    </p:extLst>
+  </p:cSld>
+  <p:clrMapOvr>
+    <a:masterClrMapping/>
+  </p:clrMapOvr>
+  <mc:AlternateContent xmlns:mc="http://schemas.openxmlformats.org/markup-compatibility/2006" xmlns:p14="http://schemas.microsoft.com/office/powerpoint/2010/main">
+    <mc:Choice Requires="p14">
+      <p:transition spd="med" p14:dur="700">
+        <p:fade/>
+      </p:transition>
+    </mc:Choice>
+    <mc:Fallback xmlns="">
+      <p:transition spd="med">
+        <p:fade/>
+      </p:transition>
+    </mc:Fallback>
+  </mc:AlternateContent>
+</p:sld>
+</file>
+
+<file path=ppt/slides/slide41.xml><?xml version="1.0" encoding="utf-8"?>
+<p:sld xmlns:a="http://schemas.openxmlformats.org/drawingml/2006/main" xmlns:r="http://schemas.openxmlformats.org/officeDocument/2006/relationships" xmlns:p="http://schemas.openxmlformats.org/presentationml/2006/main">
+  <p:cSld>
+    <p:spTree>
+      <p:nvGrpSpPr>
+        <p:cNvPr id="1" name=""/>
+        <p:cNvGrpSpPr/>
+        <p:nvPr/>
+      </p:nvGrpSpPr>
+      <p:grpSpPr>
+        <a:xfrm>
+          <a:off x="0" y="0"/>
+          <a:ext cx="0" cy="0"/>
+          <a:chOff x="0" y="0"/>
+          <a:chExt cx="0" cy="0"/>
+        </a:xfrm>
+      </p:grpSpPr>
+      <p:sp>
+        <p:nvSpPr>
           <p:cNvPr id="2" name="TextBox 1">
             <a:extLst>
               <a:ext uri="{FF2B5EF4-FFF2-40B4-BE49-F238E27FC236}">
@@ -21807,7 +25819,7 @@
             <p:nvPr/>
           </p:nvPicPr>
           <p:blipFill>
-            <a:blip r:embed="rId2" cstate="print">
+            <a:blip r:embed="rId3" cstate="print">
               <a:extLst>
                 <a:ext uri="{28A0092B-C50C-407E-A947-70E740481C1C}">
                   <a14:useLocalDpi xmlns:a14="http://schemas.microsoft.com/office/drawing/2010/main" val="0"/>
@@ -22300,7 +26312,7 @@
             <p:nvPr/>
           </p:nvPicPr>
           <p:blipFill>
-            <a:blip r:embed="rId2" cstate="print">
+            <a:blip r:embed="rId3" cstate="print">
               <a:extLst>
                 <a:ext uri="{28A0092B-C50C-407E-A947-70E740481C1C}">
                   <a14:useLocalDpi xmlns:a14="http://schemas.microsoft.com/office/drawing/2010/main" val="0"/>
@@ -22433,7 +26445,7 @@
           <p:nvPr/>
         </p:nvPicPr>
         <p:blipFill>
-          <a:blip r:embed="rId3">
+          <a:blip r:embed="rId4">
             <a:extLst>
               <a:ext uri="{28A0092B-C50C-407E-A947-70E740481C1C}">
                 <a14:useLocalDpi xmlns:a14="http://schemas.microsoft.com/office/drawing/2010/main" val="0"/>
@@ -22469,7 +26481,7 @@
           <p:nvPr/>
         </p:nvPicPr>
         <p:blipFill>
-          <a:blip r:embed="rId4">
+          <a:blip r:embed="rId5">
             <a:extLst>
               <a:ext uri="{28A0092B-C50C-407E-A947-70E740481C1C}">
                 <a14:useLocalDpi xmlns:a14="http://schemas.microsoft.com/office/drawing/2010/main" val="0"/>
@@ -22505,7 +26517,7 @@
           <p:nvPr/>
         </p:nvPicPr>
         <p:blipFill>
-          <a:blip r:embed="rId5">
+          <a:blip r:embed="rId6">
             <a:extLst>
               <a:ext uri="{28A0092B-C50C-407E-A947-70E740481C1C}">
                 <a14:useLocalDpi xmlns:a14="http://schemas.microsoft.com/office/drawing/2010/main" val="0"/>
@@ -22679,7 +26691,7 @@
             <p:nvPr/>
           </p:nvPicPr>
           <p:blipFill>
-            <a:blip r:embed="rId2" cstate="print">
+            <a:blip r:embed="rId3" cstate="print">
               <a:extLst>
                 <a:ext uri="{28A0092B-C50C-407E-A947-70E740481C1C}">
                   <a14:useLocalDpi xmlns:a14="http://schemas.microsoft.com/office/drawing/2010/main" val="0"/>
@@ -22812,7 +26824,7 @@
           <p:nvPr/>
         </p:nvPicPr>
         <p:blipFill>
-          <a:blip r:embed="rId3">
+          <a:blip r:embed="rId4">
             <a:extLst>
               <a:ext uri="{28A0092B-C50C-407E-A947-70E740481C1C}">
                 <a14:useLocalDpi xmlns:a14="http://schemas.microsoft.com/office/drawing/2010/main" val="0"/>
@@ -22848,7 +26860,7 @@
           <p:nvPr/>
         </p:nvPicPr>
         <p:blipFill>
-          <a:blip r:embed="rId4">
+          <a:blip r:embed="rId5">
             <a:extLst>
               <a:ext uri="{28A0092B-C50C-407E-A947-70E740481C1C}">
                 <a14:useLocalDpi xmlns:a14="http://schemas.microsoft.com/office/drawing/2010/main" val="0"/>
@@ -23327,7 +27339,7 @@
             <p:nvPr/>
           </p:nvPicPr>
           <p:blipFill>
-            <a:blip r:embed="rId2" cstate="print">
+            <a:blip r:embed="rId3" cstate="print">
               <a:extLst>
                 <a:ext uri="{28A0092B-C50C-407E-A947-70E740481C1C}">
                   <a14:useLocalDpi xmlns:a14="http://schemas.microsoft.com/office/drawing/2010/main" val="0"/>
@@ -23460,7 +27472,7 @@
           <p:nvPr/>
         </p:nvPicPr>
         <p:blipFill>
-          <a:blip r:embed="rId3">
+          <a:blip r:embed="rId4">
             <a:extLst>
               <a:ext uri="{28A0092B-C50C-407E-A947-70E740481C1C}">
                 <a14:useLocalDpi xmlns:a14="http://schemas.microsoft.com/office/drawing/2010/main" val="0"/>
@@ -23496,7 +27508,7 @@
           <p:nvPr/>
         </p:nvPicPr>
         <p:blipFill>
-          <a:blip r:embed="rId4">
+          <a:blip r:embed="rId5">
             <a:extLst>
               <a:ext uri="{28A0092B-C50C-407E-A947-70E740481C1C}">
                 <a14:useLocalDpi xmlns:a14="http://schemas.microsoft.com/office/drawing/2010/main" val="0"/>

--- a/Powerpoint v3.pptx
+++ b/Powerpoint v3.pptx
@@ -5,7 +5,7 @@
     <p:sldMasterId id="2147483648" r:id="rId1"/>
   </p:sldMasterIdLst>
   <p:notesMasterIdLst>
-    <p:notesMasterId r:id="rId43"/>
+    <p:notesMasterId r:id="rId45"/>
   </p:notesMasterIdLst>
   <p:sldIdLst>
     <p:sldId id="256" r:id="rId2"/>
@@ -32,23 +32,25 @@
     <p:sldId id="300" r:id="rId23"/>
     <p:sldId id="278" r:id="rId24"/>
     <p:sldId id="279" r:id="rId25"/>
-    <p:sldId id="307" r:id="rId26"/>
-    <p:sldId id="302" r:id="rId27"/>
-    <p:sldId id="291" r:id="rId28"/>
-    <p:sldId id="267" r:id="rId29"/>
-    <p:sldId id="282" r:id="rId30"/>
-    <p:sldId id="304" r:id="rId31"/>
-    <p:sldId id="281" r:id="rId32"/>
-    <p:sldId id="292" r:id="rId33"/>
-    <p:sldId id="269" r:id="rId34"/>
-    <p:sldId id="284" r:id="rId35"/>
-    <p:sldId id="285" r:id="rId36"/>
-    <p:sldId id="293" r:id="rId37"/>
-    <p:sldId id="271" r:id="rId38"/>
-    <p:sldId id="308" r:id="rId39"/>
-    <p:sldId id="294" r:id="rId40"/>
-    <p:sldId id="283" r:id="rId41"/>
-    <p:sldId id="286" r:id="rId42"/>
+    <p:sldId id="309" r:id="rId26"/>
+    <p:sldId id="311" r:id="rId27"/>
+    <p:sldId id="307" r:id="rId28"/>
+    <p:sldId id="302" r:id="rId29"/>
+    <p:sldId id="291" r:id="rId30"/>
+    <p:sldId id="267" r:id="rId31"/>
+    <p:sldId id="282" r:id="rId32"/>
+    <p:sldId id="304" r:id="rId33"/>
+    <p:sldId id="281" r:id="rId34"/>
+    <p:sldId id="292" r:id="rId35"/>
+    <p:sldId id="269" r:id="rId36"/>
+    <p:sldId id="284" r:id="rId37"/>
+    <p:sldId id="285" r:id="rId38"/>
+    <p:sldId id="293" r:id="rId39"/>
+    <p:sldId id="271" r:id="rId40"/>
+    <p:sldId id="308" r:id="rId41"/>
+    <p:sldId id="294" r:id="rId42"/>
+    <p:sldId id="283" r:id="rId43"/>
+    <p:sldId id="286" r:id="rId44"/>
   </p:sldIdLst>
   <p:sldSz cx="12192000" cy="6858000"/>
   <p:notesSz cx="6858000" cy="9144000"/>
@@ -196,6 +198,8 @@
             <p14:sldId id="300"/>
             <p14:sldId id="278"/>
             <p14:sldId id="279"/>
+            <p14:sldId id="309"/>
+            <p14:sldId id="311"/>
             <p14:sldId id="307"/>
             <p14:sldId id="302"/>
           </p14:sldIdLst>
@@ -640,7 +644,7 @@
           <a:p>
             <a:fld id="{6653C7EC-378C-496A-9946-B9D0B56795BD}" type="datetimeFigureOut">
               <a:rPr lang="en-CH" smtClean="0"/>
-              <a:t>01/25/2022</a:t>
+              <a:t>25/01/2022</a:t>
             </a:fld>
             <a:endParaRPr lang="en-CH"/>
           </a:p>
@@ -799,7 +803,7 @@
           <a:p>
             <a:fld id="{D4CE1BAB-7B68-4C87-8549-54F078DDFB49}" type="slidenum">
               <a:rPr lang="en-CH" smtClean="0"/>
-              <a:t>‹Nr.›</a:t>
+              <a:t>‹#›</a:t>
             </a:fld>
             <a:endParaRPr lang="en-CH"/>
           </a:p>
@@ -2257,9 +2261,107 @@
           <a:bodyPr/>
           <a:lstStyle/>
           <a:p>
-            <a:r>
-              <a:rPr lang="en-US" dirty="0"/>
+            <a:pPr marL="0" marR="0" lvl="0" indent="0" algn="l" defTabSz="914400" rtl="0" eaLnBrk="1" fontAlgn="auto" latinLnBrk="0" hangingPunct="1">
+              <a:lnSpc>
+                <a:spcPct val="100000"/>
+              </a:lnSpc>
+              <a:spcBef>
+                <a:spcPts val="0"/>
+              </a:spcBef>
+              <a:spcAft>
+                <a:spcPts val="0"/>
+              </a:spcAft>
+              <a:buClrTx/>
+              <a:buSzTx/>
+              <a:buFontTx/>
+              <a:buNone/>
+              <a:tabLst/>
+              <a:defRPr/>
+            </a:pPr>
+            <a:r>
+              <a:rPr lang="de-CH" noProof="0" dirty="0"/>
               <a:t>Florin:</a:t>
+            </a:r>
+          </a:p>
+          <a:p>
+            <a:endParaRPr lang="de-CH" noProof="0" dirty="0"/>
+          </a:p>
+          <a:p>
+            <a:r>
+              <a:rPr lang="de-CH" noProof="0" dirty="0"/>
+              <a:t>Wir wechseln nun das Thema. </a:t>
+            </a:r>
+          </a:p>
+          <a:p>
+            <a:r>
+              <a:rPr lang="de-CH" noProof="0" dirty="0"/>
+              <a:t>Es kann (oder könnte) vorkommen, dass sich das Programm nicht so benimmt wie von uns geplant. In solchen Fällen ist für Entwickler hilfreich, wenn das Verhalten des Wettermonitors nachvollzogen werden kann.</a:t>
+            </a:r>
+          </a:p>
+          <a:p>
+            <a:r>
+              <a:rPr lang="de-CH" noProof="0" dirty="0"/>
+              <a:t>Deshalb loggen wir diverse Aktionen im Programm. Z. B. </a:t>
+            </a:r>
+            <a:r>
+              <a:rPr lang="de-CH" noProof="0" dirty="0" err="1"/>
+              <a:t>jedesmal</a:t>
+            </a:r>
+            <a:r>
+              <a:rPr lang="de-CH" noProof="0" dirty="0"/>
+              <a:t>, wenn die Daten aktualisiert werden, wenn sich die Webseite aktualisiert oder wenn eine neue Vorhersagen berechnet wird.</a:t>
+            </a:r>
+          </a:p>
+          <a:p>
+            <a:endParaRPr lang="de-CH" noProof="0" dirty="0"/>
+          </a:p>
+          <a:p>
+            <a:r>
+              <a:rPr lang="de-CH" noProof="0" dirty="0"/>
+              <a:t>Das ist zwar super um alles nachvollziehen zu können. Aber der Log wird schnell gross. Nicht zuletzt weil pro Stunde über 650 Zeilen geloggt werden.</a:t>
+            </a:r>
+          </a:p>
+          <a:p>
+            <a:r>
+              <a:rPr lang="de-CH" noProof="0" dirty="0"/>
+              <a:t>Deshalb wird dieser Log jeweils nur in die Konsole geschrieben. </a:t>
+            </a:r>
+          </a:p>
+          <a:p>
+            <a:r>
+              <a:rPr lang="de-CH" noProof="0" dirty="0"/>
+              <a:t>Da das Programm bei uns als Service läuft, kann dieser Log mithilfe des Command “</a:t>
+            </a:r>
+            <a:r>
+              <a:rPr lang="de-CH" noProof="0" dirty="0" err="1"/>
+              <a:t>journalctl</a:t>
+            </a:r>
+            <a:r>
+              <a:rPr lang="de-CH" noProof="0" dirty="0"/>
+              <a:t>” angesehen werden.</a:t>
+            </a:r>
+          </a:p>
+          <a:p>
+            <a:endParaRPr lang="de-CH" noProof="0" dirty="0"/>
+          </a:p>
+          <a:p>
+            <a:r>
+              <a:rPr lang="de-CH" noProof="0" dirty="0"/>
+              <a:t>Wir haben keine Kontrolle, wie lange dieser Log aufbewahrt wird. Da das Cap mit allen anderen Services geteilt wird.</a:t>
+            </a:r>
+          </a:p>
+          <a:p>
+            <a:r>
+              <a:rPr lang="de-CH" noProof="0" dirty="0"/>
+              <a:t>Deshalb loggen wir zusätzlich alle </a:t>
+            </a:r>
+            <a:r>
+              <a:rPr lang="de-CH" noProof="0" dirty="0" err="1"/>
+              <a:t>Warnings</a:t>
+            </a:r>
+            <a:r>
+              <a:rPr lang="de-CH" noProof="0" dirty="0"/>
+              <a:t> und Errors in eine separate Datei. Dies ermöglicht auch eine schneller suche nach Fehlern.</a:t>
             </a:r>
           </a:p>
         </p:txBody>
@@ -2345,8 +2447,67 @@
           <a:lstStyle/>
           <a:p>
             <a:r>
-              <a:rPr lang="en-US" dirty="0"/>
+              <a:rPr lang="de-CH" noProof="0" dirty="0"/>
               <a:t>Florin:</a:t>
+            </a:r>
+          </a:p>
+          <a:p>
+            <a:r>
+              <a:rPr lang="de-CH" noProof="0" dirty="0"/>
+              <a:t>Unser Programm muss gleichzeitig mehrere Sachen erledigen können. Zum Beispiel möchte der Benutzer eine Grafik anzeigen und genau in diesem Moment ruft das Programm neue Daten ab. Das Programm reagiert deshalb für ein paar Sekunden nicht.</a:t>
+            </a:r>
+          </a:p>
+          <a:p>
+            <a:r>
+              <a:rPr lang="de-CH" noProof="0" dirty="0"/>
+              <a:t>Diese Prozesse müssen unabhängig voneinander ausgeführt werden können. Die Antwort darauf sind Threads. </a:t>
+            </a:r>
+          </a:p>
+          <a:p>
+            <a:r>
+              <a:rPr lang="de-CH" noProof="0" dirty="0"/>
+              <a:t>Threads ermöglichen es uns gleichzeitig die Daten abzufragen und der Benutzer kann immer noch frei in der Applikation navigieren.</a:t>
+            </a:r>
+          </a:p>
+          <a:p>
+            <a:endParaRPr lang="de-CH" noProof="0" dirty="0"/>
+          </a:p>
+          <a:p>
+            <a:r>
+              <a:rPr lang="de-CH" noProof="0" dirty="0"/>
+              <a:t>Wir brauchen konkret drei Threads.</a:t>
+            </a:r>
+          </a:p>
+          <a:p>
+            <a:r>
+              <a:rPr lang="de-CH" noProof="0" dirty="0"/>
+              <a:t>In einem Thread generieren wir die Plots und Vorhersagen. Weil </a:t>
+            </a:r>
+            <a:r>
+              <a:rPr lang="de-CH" noProof="0" dirty="0" err="1"/>
+              <a:t>matplotlib</a:t>
+            </a:r>
+            <a:r>
+              <a:rPr lang="de-CH" noProof="0" dirty="0"/>
+              <a:t> jedes mal eine Warnung ausgibt, wenn es Plots ausserhalb des Main-Threads generiert, haben wir dazu den Main Thread gebraucht.</a:t>
+            </a:r>
+          </a:p>
+          <a:p>
+            <a:endParaRPr lang="de-CH" noProof="0" dirty="0"/>
+          </a:p>
+          <a:p>
+            <a:r>
+              <a:rPr lang="de-CH" noProof="0" dirty="0"/>
+              <a:t>Des Weiteren müssen die Anfragen der Webseite behandelt werden. Deshalb läuft der Webserver auch in einem eigenen Thread.</a:t>
+            </a:r>
+          </a:p>
+          <a:p>
+            <a:endParaRPr lang="de-CH" noProof="0" dirty="0"/>
+          </a:p>
+          <a:p>
+            <a:r>
+              <a:rPr lang="de-CH" noProof="0" dirty="0"/>
+              <a:t>Und zu guter Letzt werden die Wetterdaten noch in einem separaten Thread aktualisiert. </a:t>
             </a:r>
           </a:p>
         </p:txBody>
@@ -2431,6 +2592,718 @@
           <a:bodyPr/>
           <a:lstStyle/>
           <a:p>
+            <a:r>
+              <a:rPr lang="en-US" dirty="0"/>
+              <a:t>Florin:</a:t>
+            </a:r>
+          </a:p>
+          <a:p>
+            <a:r>
+              <a:rPr lang="en-US" dirty="0"/>
+              <a:t>Unser </a:t>
+            </a:r>
+            <a:r>
+              <a:rPr lang="en-US" dirty="0" err="1"/>
+              <a:t>Programm</a:t>
+            </a:r>
+            <a:r>
+              <a:rPr lang="en-US" dirty="0"/>
+              <a:t> </a:t>
+            </a:r>
+            <a:r>
+              <a:rPr lang="en-US" dirty="0" err="1"/>
+              <a:t>soll</a:t>
+            </a:r>
+            <a:r>
+              <a:rPr lang="en-US" dirty="0"/>
+              <a:t> auf dem Raspberry Pi </a:t>
+            </a:r>
+            <a:r>
+              <a:rPr lang="en-US" dirty="0" err="1"/>
+              <a:t>laufen</a:t>
+            </a:r>
+            <a:r>
+              <a:rPr lang="en-US" dirty="0"/>
+              <a:t> </a:t>
+            </a:r>
+            <a:r>
+              <a:rPr lang="en-US" dirty="0" err="1"/>
+              <a:t>können</a:t>
+            </a:r>
+            <a:r>
+              <a:rPr lang="en-US" dirty="0"/>
+              <a:t>. Dazu muss das </a:t>
+            </a:r>
+            <a:r>
+              <a:rPr lang="en-US" dirty="0" err="1"/>
+              <a:t>Programm</a:t>
+            </a:r>
+            <a:r>
+              <a:rPr lang="en-US" dirty="0"/>
+              <a:t> </a:t>
+            </a:r>
+            <a:r>
+              <a:rPr lang="en-US" dirty="0" err="1"/>
+              <a:t>richtig</a:t>
+            </a:r>
+            <a:r>
+              <a:rPr lang="en-US" dirty="0"/>
+              <a:t> </a:t>
+            </a:r>
+            <a:r>
+              <a:rPr lang="en-US" dirty="0" err="1"/>
+              <a:t>eingebetet</a:t>
+            </a:r>
+            <a:r>
+              <a:rPr lang="en-US" dirty="0"/>
+              <a:t> </a:t>
+            </a:r>
+            <a:r>
+              <a:rPr lang="en-US" dirty="0" err="1"/>
+              <a:t>werden</a:t>
+            </a:r>
+            <a:r>
+              <a:rPr lang="en-US" dirty="0"/>
+              <a:t>.</a:t>
+            </a:r>
+          </a:p>
+          <a:p>
+            <a:endParaRPr lang="en-US" dirty="0"/>
+          </a:p>
+          <a:p>
+            <a:r>
+              <a:rPr lang="en-US" dirty="0" err="1"/>
+              <a:t>Zuerst</a:t>
+            </a:r>
+            <a:r>
+              <a:rPr lang="en-US" dirty="0"/>
+              <a:t> </a:t>
+            </a:r>
+            <a:r>
+              <a:rPr lang="en-US" dirty="0" err="1"/>
+              <a:t>müssen</a:t>
+            </a:r>
+            <a:r>
+              <a:rPr lang="en-US" dirty="0"/>
+              <a:t> </a:t>
+            </a:r>
+            <a:r>
+              <a:rPr lang="en-US" dirty="0" err="1"/>
+              <a:t>wir</a:t>
+            </a:r>
+            <a:r>
+              <a:rPr lang="en-US" dirty="0"/>
+              <a:t> den Code des </a:t>
+            </a:r>
+            <a:r>
+              <a:rPr lang="en-US" dirty="0" err="1"/>
+              <a:t>Programms</a:t>
+            </a:r>
+            <a:r>
+              <a:rPr lang="en-US" dirty="0"/>
+              <a:t> </a:t>
+            </a:r>
+            <a:r>
+              <a:rPr lang="en-US" dirty="0" err="1"/>
+              <a:t>irgendwie</a:t>
+            </a:r>
+            <a:r>
+              <a:rPr lang="en-US" dirty="0"/>
+              <a:t> auf den Raspberry Pi </a:t>
+            </a:r>
+            <a:r>
+              <a:rPr lang="en-US" dirty="0" err="1"/>
+              <a:t>bringen</a:t>
+            </a:r>
+            <a:r>
+              <a:rPr lang="en-US" dirty="0"/>
+              <a:t>. Für </a:t>
+            </a:r>
+            <a:r>
+              <a:rPr lang="en-US" dirty="0" err="1"/>
+              <a:t>unseren</a:t>
+            </a:r>
+            <a:r>
+              <a:rPr lang="en-US" dirty="0"/>
+              <a:t> </a:t>
+            </a:r>
+            <a:r>
+              <a:rPr lang="en-US" dirty="0" err="1"/>
+              <a:t>Prototyp</a:t>
+            </a:r>
+            <a:r>
+              <a:rPr lang="en-US" dirty="0"/>
+              <a:t> </a:t>
+            </a:r>
+            <a:r>
+              <a:rPr lang="en-US" dirty="0" err="1"/>
+              <a:t>reicht</a:t>
+            </a:r>
+            <a:r>
+              <a:rPr lang="en-US" dirty="0"/>
+              <a:t> es, </a:t>
+            </a:r>
+            <a:r>
+              <a:rPr lang="en-US" dirty="0" err="1"/>
+              <a:t>wenn</a:t>
+            </a:r>
+            <a:r>
+              <a:rPr lang="en-US" dirty="0"/>
+              <a:t> </a:t>
+            </a:r>
+            <a:r>
+              <a:rPr lang="en-US" dirty="0" err="1"/>
+              <a:t>wir</a:t>
+            </a:r>
+            <a:r>
+              <a:rPr lang="en-US" dirty="0"/>
+              <a:t> </a:t>
+            </a:r>
+            <a:r>
+              <a:rPr lang="en-US" dirty="0" err="1"/>
+              <a:t>ein</a:t>
+            </a:r>
+            <a:r>
+              <a:rPr lang="en-US" dirty="0"/>
+              <a:t> git clone des GitHub-Repositories </a:t>
+            </a:r>
+            <a:r>
+              <a:rPr lang="en-US" dirty="0" err="1"/>
+              <a:t>machen</a:t>
+            </a:r>
+            <a:r>
+              <a:rPr lang="en-US" dirty="0"/>
+              <a:t>.</a:t>
+            </a:r>
+          </a:p>
+          <a:p>
+            <a:r>
+              <a:rPr lang="en-US" dirty="0"/>
+              <a:t>Um das Ding </a:t>
+            </a:r>
+            <a:r>
+              <a:rPr lang="en-US" dirty="0" err="1"/>
+              <a:t>zum</a:t>
+            </a:r>
+            <a:r>
+              <a:rPr lang="en-US" dirty="0"/>
+              <a:t> </a:t>
+            </a:r>
+            <a:r>
+              <a:rPr lang="en-US" dirty="0" err="1"/>
+              <a:t>Laufen</a:t>
+            </a:r>
+            <a:r>
+              <a:rPr lang="en-US" dirty="0"/>
+              <a:t> </a:t>
+            </a:r>
+            <a:r>
+              <a:rPr lang="en-US" dirty="0" err="1"/>
+              <a:t>zu</a:t>
+            </a:r>
+            <a:r>
+              <a:rPr lang="en-US" dirty="0"/>
+              <a:t> </a:t>
+            </a:r>
+            <a:r>
+              <a:rPr lang="en-US" dirty="0" err="1"/>
+              <a:t>bringen</a:t>
+            </a:r>
+            <a:r>
+              <a:rPr lang="en-US" dirty="0"/>
+              <a:t> </a:t>
+            </a:r>
+            <a:r>
+              <a:rPr lang="en-US" dirty="0" err="1"/>
+              <a:t>brauchen</a:t>
+            </a:r>
+            <a:r>
+              <a:rPr lang="en-US" dirty="0"/>
+              <a:t> </a:t>
+            </a:r>
+            <a:r>
+              <a:rPr lang="en-US" dirty="0" err="1"/>
+              <a:t>wir</a:t>
+            </a:r>
+            <a:r>
+              <a:rPr lang="en-US" dirty="0"/>
+              <a:t> </a:t>
+            </a:r>
+            <a:r>
+              <a:rPr lang="en-US" dirty="0" err="1"/>
+              <a:t>noch</a:t>
+            </a:r>
+            <a:r>
+              <a:rPr lang="en-US" dirty="0"/>
+              <a:t> </a:t>
+            </a:r>
+            <a:r>
+              <a:rPr lang="en-US" dirty="0" err="1"/>
+              <a:t>eine</a:t>
+            </a:r>
+            <a:r>
+              <a:rPr lang="en-US" dirty="0"/>
+              <a:t> </a:t>
+            </a:r>
+            <a:r>
+              <a:rPr lang="en-US" dirty="0" err="1"/>
+              <a:t>neuere</a:t>
+            </a:r>
+            <a:r>
+              <a:rPr lang="en-US" dirty="0"/>
+              <a:t> Version von Python und </a:t>
+            </a:r>
+            <a:r>
+              <a:rPr lang="en-US" dirty="0" err="1"/>
+              <a:t>müssen</a:t>
+            </a:r>
+            <a:r>
+              <a:rPr lang="en-US" dirty="0"/>
+              <a:t> die Dependencies </a:t>
+            </a:r>
+            <a:r>
+              <a:rPr lang="en-US" dirty="0" err="1"/>
+              <a:t>installieren</a:t>
+            </a:r>
+            <a:r>
+              <a:rPr lang="en-US" dirty="0"/>
+              <a:t>.</a:t>
+            </a:r>
+          </a:p>
+          <a:p>
+            <a:endParaRPr lang="en-US" dirty="0"/>
+          </a:p>
+          <a:p>
+            <a:r>
+              <a:rPr lang="en-US" dirty="0"/>
+              <a:t>So </a:t>
+            </a:r>
+            <a:r>
+              <a:rPr lang="en-US" dirty="0" err="1"/>
+              <a:t>jetzt</a:t>
+            </a:r>
+            <a:r>
+              <a:rPr lang="en-US" dirty="0"/>
+              <a:t> </a:t>
+            </a:r>
+            <a:r>
+              <a:rPr lang="en-US" dirty="0" err="1"/>
+              <a:t>können</a:t>
+            </a:r>
+            <a:r>
+              <a:rPr lang="en-US" dirty="0"/>
+              <a:t> </a:t>
+            </a:r>
+            <a:r>
+              <a:rPr lang="en-US" dirty="0" err="1"/>
+              <a:t>wir</a:t>
+            </a:r>
+            <a:r>
+              <a:rPr lang="en-US" dirty="0"/>
+              <a:t> das </a:t>
+            </a:r>
+            <a:r>
+              <a:rPr lang="en-US" dirty="0" err="1"/>
+              <a:t>Programm</a:t>
+            </a:r>
+            <a:r>
+              <a:rPr lang="en-US" dirty="0"/>
+              <a:t> </a:t>
+            </a:r>
+            <a:r>
+              <a:rPr lang="en-US" dirty="0" err="1"/>
+              <a:t>starten</a:t>
+            </a:r>
+            <a:r>
+              <a:rPr lang="en-US" dirty="0"/>
+              <a:t>. Aber </a:t>
+            </a:r>
+            <a:r>
+              <a:rPr lang="en-US" dirty="0" err="1"/>
+              <a:t>wir</a:t>
+            </a:r>
+            <a:r>
+              <a:rPr lang="en-US" dirty="0"/>
+              <a:t> </a:t>
+            </a:r>
+            <a:r>
+              <a:rPr lang="en-US" dirty="0" err="1"/>
+              <a:t>wollen</a:t>
+            </a:r>
+            <a:r>
+              <a:rPr lang="en-US" dirty="0"/>
+              <a:t>, </a:t>
+            </a:r>
+            <a:r>
+              <a:rPr lang="en-US" dirty="0" err="1"/>
+              <a:t>dass</a:t>
+            </a:r>
+            <a:r>
+              <a:rPr lang="en-US" dirty="0"/>
+              <a:t> das </a:t>
+            </a:r>
+            <a:r>
+              <a:rPr lang="en-US" dirty="0" err="1"/>
+              <a:t>Programm</a:t>
+            </a:r>
+            <a:r>
+              <a:rPr lang="en-US" dirty="0"/>
+              <a:t> </a:t>
+            </a:r>
+            <a:r>
+              <a:rPr lang="en-US" dirty="0" err="1"/>
+              <a:t>automatisch</a:t>
+            </a:r>
+            <a:r>
+              <a:rPr lang="en-US" dirty="0"/>
+              <a:t> </a:t>
+            </a:r>
+            <a:r>
+              <a:rPr lang="en-US" dirty="0" err="1"/>
+              <a:t>startet</a:t>
+            </a:r>
+            <a:r>
+              <a:rPr lang="en-US" dirty="0"/>
+              <a:t>, </a:t>
+            </a:r>
+            <a:r>
+              <a:rPr lang="en-US" dirty="0" err="1"/>
+              <a:t>wenn</a:t>
+            </a:r>
+            <a:r>
+              <a:rPr lang="en-US" dirty="0"/>
+              <a:t> der Raspberry </a:t>
+            </a:r>
+            <a:r>
+              <a:rPr lang="en-US" dirty="0" err="1"/>
+              <a:t>startet</a:t>
+            </a:r>
+            <a:r>
+              <a:rPr lang="en-US" dirty="0"/>
+              <a:t>.</a:t>
+            </a:r>
+          </a:p>
+          <a:p>
+            <a:r>
+              <a:rPr lang="en-US" dirty="0" err="1"/>
+              <a:t>Deshalb</a:t>
+            </a:r>
+            <a:r>
+              <a:rPr lang="en-US" dirty="0"/>
+              <a:t> </a:t>
+            </a:r>
+            <a:r>
+              <a:rPr lang="en-US" dirty="0" err="1"/>
+              <a:t>haben</a:t>
+            </a:r>
+            <a:r>
+              <a:rPr lang="en-US" dirty="0"/>
+              <a:t> </a:t>
+            </a:r>
+            <a:r>
+              <a:rPr lang="en-US" dirty="0" err="1"/>
+              <a:t>wir</a:t>
+            </a:r>
+            <a:r>
+              <a:rPr lang="en-US" dirty="0"/>
+              <a:t> das </a:t>
+            </a:r>
+            <a:r>
+              <a:rPr lang="en-US" dirty="0" err="1"/>
+              <a:t>Programm</a:t>
+            </a:r>
+            <a:r>
+              <a:rPr lang="en-US" dirty="0"/>
+              <a:t> </a:t>
+            </a:r>
+            <a:r>
+              <a:rPr lang="en-US" dirty="0" err="1"/>
+              <a:t>als</a:t>
+            </a:r>
+            <a:r>
+              <a:rPr lang="en-US" dirty="0"/>
+              <a:t> Service </a:t>
+            </a:r>
+            <a:r>
+              <a:rPr lang="en-US" dirty="0" err="1"/>
+              <a:t>installiert</a:t>
+            </a:r>
+            <a:r>
+              <a:rPr lang="en-US" dirty="0"/>
+              <a:t>. Da dies </a:t>
+            </a:r>
+            <a:r>
+              <a:rPr lang="en-US" dirty="0" err="1"/>
+              <a:t>einige</a:t>
+            </a:r>
+            <a:r>
+              <a:rPr lang="en-US" dirty="0"/>
+              <a:t> </a:t>
+            </a:r>
+            <a:r>
+              <a:rPr lang="en-US" dirty="0" err="1"/>
+              <a:t>Befehle</a:t>
+            </a:r>
+            <a:r>
+              <a:rPr lang="en-US" dirty="0"/>
+              <a:t> </a:t>
+            </a:r>
+            <a:r>
+              <a:rPr lang="en-US" dirty="0" err="1"/>
+              <a:t>sind</a:t>
+            </a:r>
+            <a:r>
+              <a:rPr lang="en-US" dirty="0"/>
+              <a:t>, </a:t>
+            </a:r>
+            <a:r>
+              <a:rPr lang="en-US" dirty="0" err="1"/>
+              <a:t>welche</a:t>
+            </a:r>
+            <a:r>
+              <a:rPr lang="en-US" dirty="0"/>
+              <a:t> </a:t>
+            </a:r>
+            <a:r>
+              <a:rPr lang="en-US" dirty="0" err="1"/>
+              <a:t>bei</a:t>
+            </a:r>
+            <a:r>
+              <a:rPr lang="en-US" dirty="0"/>
+              <a:t> </a:t>
+            </a:r>
+            <a:r>
+              <a:rPr lang="en-US" dirty="0" err="1"/>
+              <a:t>einer</a:t>
+            </a:r>
+            <a:r>
+              <a:rPr lang="en-US" dirty="0"/>
+              <a:t> Installation </a:t>
+            </a:r>
+            <a:r>
+              <a:rPr lang="en-US" dirty="0" err="1"/>
+              <a:t>eingetippt</a:t>
+            </a:r>
+            <a:r>
+              <a:rPr lang="en-US" dirty="0"/>
+              <a:t> </a:t>
+            </a:r>
+            <a:r>
+              <a:rPr lang="en-US" dirty="0" err="1"/>
+              <a:t>werden</a:t>
+            </a:r>
+            <a:r>
+              <a:rPr lang="en-US" dirty="0"/>
+              <a:t> </a:t>
+            </a:r>
+            <a:r>
+              <a:rPr lang="en-US" dirty="0" err="1"/>
+              <a:t>müssen</a:t>
+            </a:r>
+            <a:r>
+              <a:rPr lang="en-US" dirty="0"/>
+              <a:t>, </a:t>
+            </a:r>
+            <a:r>
+              <a:rPr lang="en-US" dirty="0" err="1"/>
+              <a:t>haben</a:t>
+            </a:r>
+            <a:r>
+              <a:rPr lang="en-US" dirty="0"/>
+              <a:t> </a:t>
+            </a:r>
+            <a:r>
+              <a:rPr lang="en-US" dirty="0" err="1"/>
+              <a:t>wir</a:t>
+            </a:r>
+            <a:r>
+              <a:rPr lang="en-US" dirty="0"/>
+              <a:t> </a:t>
+            </a:r>
+            <a:r>
+              <a:rPr lang="en-US" dirty="0" err="1"/>
+              <a:t>ein</a:t>
+            </a:r>
+            <a:r>
+              <a:rPr lang="en-US" dirty="0"/>
+              <a:t> </a:t>
+            </a:r>
+            <a:r>
+              <a:rPr lang="en-US" dirty="0" err="1"/>
+              <a:t>Skript</a:t>
+            </a:r>
+            <a:r>
+              <a:rPr lang="en-US" dirty="0"/>
+              <a:t> </a:t>
+            </a:r>
+            <a:r>
+              <a:rPr lang="en-US" dirty="0" err="1"/>
+              <a:t>erstellt</a:t>
+            </a:r>
+            <a:r>
+              <a:rPr lang="en-US" dirty="0"/>
+              <a:t>. </a:t>
+            </a:r>
+          </a:p>
+          <a:p>
+            <a:endParaRPr lang="en-US" dirty="0"/>
+          </a:p>
+          <a:p>
+            <a:r>
+              <a:rPr lang="en-US" dirty="0"/>
+              <a:t>Das </a:t>
+            </a:r>
+            <a:r>
+              <a:rPr lang="en-US" dirty="0" err="1"/>
+              <a:t>Skript</a:t>
+            </a:r>
+            <a:r>
+              <a:rPr lang="en-US" dirty="0"/>
+              <a:t> </a:t>
+            </a:r>
+            <a:r>
+              <a:rPr lang="en-US" dirty="0" err="1"/>
+              <a:t>kann</a:t>
+            </a:r>
+            <a:r>
+              <a:rPr lang="en-US" dirty="0"/>
+              <a:t> </a:t>
+            </a:r>
+            <a:r>
+              <a:rPr lang="en-US" dirty="0" err="1"/>
+              <a:t>über</a:t>
+            </a:r>
+            <a:r>
+              <a:rPr lang="en-US" dirty="0"/>
+              <a:t> </a:t>
+            </a:r>
+            <a:r>
+              <a:rPr lang="en-US" dirty="0" err="1"/>
+              <a:t>einen</a:t>
+            </a:r>
+            <a:r>
+              <a:rPr lang="en-US" dirty="0"/>
+              <a:t> </a:t>
+            </a:r>
+            <a:r>
+              <a:rPr lang="en-US" dirty="0" err="1"/>
+              <a:t>Einzeiler</a:t>
+            </a:r>
+            <a:r>
+              <a:rPr lang="en-US" dirty="0"/>
+              <a:t> </a:t>
+            </a:r>
+            <a:r>
+              <a:rPr lang="en-US" dirty="0" err="1"/>
+              <a:t>einfach</a:t>
+            </a:r>
+            <a:r>
+              <a:rPr lang="en-US" dirty="0"/>
+              <a:t> </a:t>
+            </a:r>
+            <a:r>
+              <a:rPr lang="en-US" dirty="0" err="1"/>
+              <a:t>aufgerufen</a:t>
+            </a:r>
+            <a:r>
+              <a:rPr lang="en-US" dirty="0"/>
+              <a:t> </a:t>
+            </a:r>
+            <a:r>
+              <a:rPr lang="en-US" dirty="0" err="1"/>
+              <a:t>werden</a:t>
+            </a:r>
+            <a:r>
+              <a:rPr lang="en-US" dirty="0"/>
+              <a:t> und die Installation </a:t>
+            </a:r>
+            <a:r>
+              <a:rPr lang="en-US" dirty="0" err="1"/>
+              <a:t>erfolgt</a:t>
+            </a:r>
+            <a:r>
+              <a:rPr lang="en-US" dirty="0"/>
+              <a:t> </a:t>
+            </a:r>
+            <a:r>
+              <a:rPr lang="en-US" dirty="0" err="1"/>
+              <a:t>automatisch</a:t>
+            </a:r>
+            <a:r>
+              <a:rPr lang="en-US" dirty="0"/>
+              <a:t>. </a:t>
+            </a:r>
+          </a:p>
+          <a:p>
+            <a:endParaRPr lang="en-US" dirty="0"/>
+          </a:p>
+          <a:p>
+            <a:r>
+              <a:rPr lang="en-US" dirty="0" err="1"/>
+              <a:t>Beim</a:t>
+            </a:r>
+            <a:r>
+              <a:rPr lang="en-US" dirty="0"/>
+              <a:t> </a:t>
+            </a:r>
+            <a:r>
+              <a:rPr lang="en-US" dirty="0" err="1"/>
+              <a:t>entwickeln</a:t>
+            </a:r>
+            <a:r>
+              <a:rPr lang="en-US" dirty="0"/>
+              <a:t> des </a:t>
+            </a:r>
+            <a:r>
+              <a:rPr lang="en-US" dirty="0" err="1"/>
+              <a:t>Autostart</a:t>
+            </a:r>
+            <a:r>
+              <a:rPr lang="en-US" dirty="0"/>
+              <a:t> </a:t>
+            </a:r>
+            <a:r>
+              <a:rPr lang="en-US" dirty="0" err="1"/>
+              <a:t>haben</a:t>
+            </a:r>
+            <a:r>
+              <a:rPr lang="en-US" dirty="0"/>
+              <a:t> </a:t>
+            </a:r>
+            <a:r>
+              <a:rPr lang="en-US" dirty="0" err="1"/>
+              <a:t>sich</a:t>
+            </a:r>
+            <a:r>
+              <a:rPr lang="en-US" dirty="0"/>
+              <a:t> </a:t>
+            </a:r>
+            <a:r>
+              <a:rPr lang="en-US" dirty="0" err="1"/>
+              <a:t>zwei</a:t>
+            </a:r>
+            <a:r>
+              <a:rPr lang="en-US" dirty="0"/>
+              <a:t> </a:t>
+            </a:r>
+            <a:r>
+              <a:rPr lang="en-US" dirty="0" err="1"/>
+              <a:t>Probleme</a:t>
+            </a:r>
+            <a:r>
+              <a:rPr lang="en-US" dirty="0"/>
+              <a:t> </a:t>
+            </a:r>
+            <a:r>
+              <a:rPr lang="en-US" dirty="0" err="1"/>
+              <a:t>gestellt</a:t>
+            </a:r>
+            <a:r>
+              <a:rPr lang="en-US" dirty="0"/>
+              <a:t>.</a:t>
+            </a:r>
+          </a:p>
+          <a:p>
             <a:pPr marL="0" marR="0" lvl="0" indent="0" algn="l" defTabSz="914400" rtl="0" eaLnBrk="1" fontAlgn="auto" latinLnBrk="0" hangingPunct="1">
               <a:lnSpc>
                 <a:spcPct val="100000"/>
@@ -2449,8 +3322,747 @@
               <a:defRPr/>
             </a:pPr>
             <a:r>
-              <a:rPr lang="en-US" dirty="0"/>
-              <a:t>Florin:</a:t>
+              <a:rPr lang="en-US" dirty="0" err="1"/>
+              <a:t>Erstens</a:t>
+            </a:r>
+            <a:r>
+              <a:rPr lang="en-US" dirty="0"/>
+              <a:t>, der Service muss Wissen auf </a:t>
+            </a:r>
+            <a:r>
+              <a:rPr lang="en-US" dirty="0" err="1"/>
+              <a:t>welchem</a:t>
+            </a:r>
+            <a:r>
+              <a:rPr lang="en-US" dirty="0"/>
+              <a:t> Desktop er die </a:t>
+            </a:r>
+            <a:r>
+              <a:rPr lang="en-US" dirty="0" err="1"/>
+              <a:t>Applikation</a:t>
+            </a:r>
+            <a:r>
+              <a:rPr lang="en-US" dirty="0"/>
+              <a:t> </a:t>
+            </a:r>
+            <a:r>
+              <a:rPr lang="en-US" dirty="0" err="1"/>
+              <a:t>öffnet</a:t>
+            </a:r>
+            <a:r>
+              <a:rPr lang="en-US" dirty="0"/>
+              <a:t>.</a:t>
+            </a:r>
+          </a:p>
+          <a:p>
+            <a:pPr marL="0" marR="0" lvl="0" indent="0" algn="l" defTabSz="914400" rtl="0" eaLnBrk="1" fontAlgn="auto" latinLnBrk="0" hangingPunct="1">
+              <a:lnSpc>
+                <a:spcPct val="100000"/>
+              </a:lnSpc>
+              <a:spcBef>
+                <a:spcPts val="0"/>
+              </a:spcBef>
+              <a:spcAft>
+                <a:spcPts val="0"/>
+              </a:spcAft>
+              <a:buClrTx/>
+              <a:buSzTx/>
+              <a:buFontTx/>
+              <a:buNone/>
+              <a:tabLst/>
+              <a:defRPr/>
+            </a:pPr>
+            <a:r>
+              <a:rPr lang="en-US" dirty="0" err="1"/>
+              <a:t>Zweitzens</a:t>
+            </a:r>
+            <a:r>
+              <a:rPr lang="en-US" dirty="0"/>
+              <a:t>, der Service </a:t>
+            </a:r>
+            <a:r>
+              <a:rPr lang="en-US" dirty="0" err="1"/>
+              <a:t>darf</a:t>
+            </a:r>
+            <a:r>
+              <a:rPr lang="en-US" dirty="0"/>
+              <a:t> erst </a:t>
+            </a:r>
+            <a:r>
+              <a:rPr lang="en-US" dirty="0" err="1"/>
+              <a:t>starten</a:t>
+            </a:r>
+            <a:r>
+              <a:rPr lang="en-US" dirty="0"/>
+              <a:t>, </a:t>
+            </a:r>
+            <a:r>
+              <a:rPr lang="en-US" dirty="0" err="1"/>
+              <a:t>wenn</a:t>
+            </a:r>
+            <a:r>
+              <a:rPr lang="en-US" dirty="0"/>
+              <a:t> die Influx </a:t>
+            </a:r>
+            <a:r>
+              <a:rPr lang="en-US" dirty="0" err="1"/>
+              <a:t>Datenbank</a:t>
+            </a:r>
+            <a:r>
+              <a:rPr lang="en-US" dirty="0"/>
+              <a:t> </a:t>
+            </a:r>
+            <a:r>
+              <a:rPr lang="en-US" dirty="0" err="1"/>
+              <a:t>läuft</a:t>
+            </a:r>
+            <a:r>
+              <a:rPr lang="en-US" dirty="0"/>
+              <a:t>.</a:t>
+            </a:r>
+          </a:p>
+          <a:p>
+            <a:pPr marL="0" marR="0" lvl="0" indent="0" algn="l" defTabSz="914400" rtl="0" eaLnBrk="1" fontAlgn="auto" latinLnBrk="0" hangingPunct="1">
+              <a:lnSpc>
+                <a:spcPct val="100000"/>
+              </a:lnSpc>
+              <a:spcBef>
+                <a:spcPts val="0"/>
+              </a:spcBef>
+              <a:spcAft>
+                <a:spcPts val="0"/>
+              </a:spcAft>
+              <a:buClrTx/>
+              <a:buSzTx/>
+              <a:buFontTx/>
+              <a:buNone/>
+              <a:tabLst/>
+              <a:defRPr/>
+            </a:pPr>
+            <a:r>
+              <a:rPr lang="en-US" dirty="0"/>
+              <a:t>Das </a:t>
+            </a:r>
+            <a:r>
+              <a:rPr lang="en-US" dirty="0" err="1"/>
+              <a:t>erste</a:t>
+            </a:r>
+            <a:r>
+              <a:rPr lang="en-US" dirty="0"/>
+              <a:t> Problem </a:t>
+            </a:r>
+            <a:r>
+              <a:rPr lang="en-US" dirty="0" err="1"/>
+              <a:t>ist</a:t>
+            </a:r>
+            <a:r>
+              <a:rPr lang="en-US" dirty="0"/>
+              <a:t> </a:t>
+            </a:r>
+            <a:r>
+              <a:rPr lang="en-US" dirty="0" err="1"/>
+              <a:t>einfach</a:t>
+            </a:r>
+            <a:r>
+              <a:rPr lang="en-US" dirty="0"/>
+              <a:t> </a:t>
+            </a:r>
+            <a:r>
+              <a:rPr lang="en-US" dirty="0" err="1"/>
+              <a:t>gelöst</a:t>
+            </a:r>
+            <a:r>
+              <a:rPr lang="en-US" dirty="0"/>
+              <a:t>. </a:t>
+            </a:r>
+            <a:r>
+              <a:rPr lang="en-US" dirty="0" err="1"/>
+              <a:t>Im</a:t>
+            </a:r>
+            <a:r>
+              <a:rPr lang="en-US" dirty="0"/>
+              <a:t> Service </a:t>
+            </a:r>
+            <a:r>
+              <a:rPr lang="en-US" dirty="0" err="1"/>
+              <a:t>kann</a:t>
+            </a:r>
+            <a:r>
+              <a:rPr lang="en-US" dirty="0"/>
+              <a:t> der Desktop des </a:t>
+            </a:r>
+            <a:r>
+              <a:rPr lang="en-US" dirty="0" err="1"/>
+              <a:t>Benutzers</a:t>
+            </a:r>
+            <a:r>
+              <a:rPr lang="en-US" dirty="0"/>
+              <a:t> </a:t>
+            </a:r>
+            <a:r>
+              <a:rPr lang="en-US" dirty="0" err="1"/>
+              <a:t>mitgegeben</a:t>
+            </a:r>
+            <a:r>
+              <a:rPr lang="en-US" dirty="0"/>
+              <a:t> </a:t>
+            </a:r>
+            <a:r>
+              <a:rPr lang="en-US" dirty="0" err="1"/>
+              <a:t>werden</a:t>
+            </a:r>
+            <a:r>
+              <a:rPr lang="en-US" dirty="0"/>
+              <a:t> und </a:t>
+            </a:r>
+            <a:r>
+              <a:rPr lang="en-US" dirty="0" err="1"/>
+              <a:t>wir</a:t>
+            </a:r>
+            <a:r>
+              <a:rPr lang="en-US" dirty="0"/>
+              <a:t> </a:t>
+            </a:r>
+            <a:r>
+              <a:rPr lang="en-US" dirty="0" err="1"/>
+              <a:t>können</a:t>
+            </a:r>
+            <a:r>
+              <a:rPr lang="en-US" dirty="0"/>
+              <a:t> den Service so </a:t>
+            </a:r>
+            <a:r>
+              <a:rPr lang="en-US" dirty="0" err="1"/>
+              <a:t>konfigurieren</a:t>
+            </a:r>
+            <a:r>
+              <a:rPr lang="en-US" dirty="0"/>
+              <a:t>, </a:t>
+            </a:r>
+            <a:r>
+              <a:rPr lang="en-US" dirty="0" err="1"/>
+              <a:t>dass</a:t>
+            </a:r>
+            <a:r>
+              <a:rPr lang="en-US" dirty="0"/>
+              <a:t> </a:t>
+            </a:r>
+            <a:r>
+              <a:rPr lang="en-US" dirty="0" err="1"/>
+              <a:t>dieser</a:t>
+            </a:r>
+            <a:r>
+              <a:rPr lang="en-US" dirty="0"/>
+              <a:t> erst </a:t>
+            </a:r>
+            <a:r>
+              <a:rPr lang="en-US" dirty="0" err="1"/>
+              <a:t>bei</a:t>
+            </a:r>
+            <a:r>
+              <a:rPr lang="en-US" dirty="0"/>
+              <a:t> </a:t>
+            </a:r>
+            <a:r>
+              <a:rPr lang="en-US" dirty="0" err="1"/>
+              <a:t>Anmeldung</a:t>
+            </a:r>
+            <a:r>
+              <a:rPr lang="en-US" dirty="0"/>
+              <a:t> der </a:t>
+            </a:r>
+            <a:r>
+              <a:rPr lang="en-US" dirty="0" err="1"/>
+              <a:t>Benutzer</a:t>
+            </a:r>
+            <a:r>
+              <a:rPr lang="en-US" dirty="0"/>
+              <a:t> </a:t>
+            </a:r>
+            <a:r>
+              <a:rPr lang="en-US" dirty="0" err="1"/>
+              <a:t>startet</a:t>
+            </a:r>
+            <a:r>
+              <a:rPr lang="en-US" dirty="0"/>
+              <a:t>.</a:t>
+            </a:r>
+          </a:p>
+          <a:p>
+            <a:pPr marL="0" marR="0" lvl="0" indent="0" algn="l" defTabSz="914400" rtl="0" eaLnBrk="1" fontAlgn="auto" latinLnBrk="0" hangingPunct="1">
+              <a:lnSpc>
+                <a:spcPct val="100000"/>
+              </a:lnSpc>
+              <a:spcBef>
+                <a:spcPts val="0"/>
+              </a:spcBef>
+              <a:spcAft>
+                <a:spcPts val="0"/>
+              </a:spcAft>
+              <a:buClrTx/>
+              <a:buSzTx/>
+              <a:buFontTx/>
+              <a:buNone/>
+              <a:tabLst/>
+              <a:defRPr/>
+            </a:pPr>
+            <a:endParaRPr lang="en-US" dirty="0"/>
+          </a:p>
+          <a:p>
+            <a:pPr marL="0" marR="0" lvl="0" indent="0" algn="l" defTabSz="914400" rtl="0" eaLnBrk="1" fontAlgn="auto" latinLnBrk="0" hangingPunct="1">
+              <a:lnSpc>
+                <a:spcPct val="100000"/>
+              </a:lnSpc>
+              <a:spcBef>
+                <a:spcPts val="0"/>
+              </a:spcBef>
+              <a:spcAft>
+                <a:spcPts val="0"/>
+              </a:spcAft>
+              <a:buClrTx/>
+              <a:buSzTx/>
+              <a:buFontTx/>
+              <a:buNone/>
+              <a:tabLst/>
+              <a:defRPr/>
+            </a:pPr>
+            <a:r>
+              <a:rPr lang="en-US" dirty="0"/>
+              <a:t>Das </a:t>
+            </a:r>
+            <a:r>
+              <a:rPr lang="en-US" dirty="0" err="1"/>
+              <a:t>zweite</a:t>
+            </a:r>
+            <a:r>
+              <a:rPr lang="en-US" dirty="0"/>
+              <a:t> Problem </a:t>
+            </a:r>
+            <a:r>
+              <a:rPr lang="en-US" dirty="0" err="1"/>
+              <a:t>ist</a:t>
+            </a:r>
+            <a:r>
+              <a:rPr lang="en-US" dirty="0"/>
+              <a:t> </a:t>
+            </a:r>
+            <a:r>
+              <a:rPr lang="en-US" dirty="0" err="1"/>
+              <a:t>theoretisch</a:t>
+            </a:r>
+            <a:r>
+              <a:rPr lang="en-US" dirty="0"/>
+              <a:t> </a:t>
+            </a:r>
+            <a:r>
+              <a:rPr lang="en-US" dirty="0" err="1"/>
+              <a:t>auch</a:t>
+            </a:r>
+            <a:r>
+              <a:rPr lang="en-US" dirty="0"/>
+              <a:t> </a:t>
+            </a:r>
+            <a:r>
+              <a:rPr lang="en-US" dirty="0" err="1"/>
+              <a:t>einfach</a:t>
+            </a:r>
+            <a:r>
+              <a:rPr lang="en-US" dirty="0"/>
+              <a:t> </a:t>
+            </a:r>
+            <a:r>
+              <a:rPr lang="en-US" dirty="0" err="1"/>
+              <a:t>zu</a:t>
+            </a:r>
+            <a:r>
+              <a:rPr lang="en-US" dirty="0"/>
+              <a:t> </a:t>
+            </a:r>
+            <a:r>
+              <a:rPr lang="en-US" dirty="0" err="1"/>
+              <a:t>lösen</a:t>
+            </a:r>
+            <a:r>
+              <a:rPr lang="en-US" dirty="0"/>
+              <a:t>. </a:t>
+            </a:r>
+            <a:r>
+              <a:rPr lang="en-US" dirty="0" err="1"/>
+              <a:t>Wir</a:t>
+            </a:r>
+            <a:r>
+              <a:rPr lang="en-US" dirty="0"/>
+              <a:t> </a:t>
+            </a:r>
+            <a:r>
+              <a:rPr lang="en-US" dirty="0" err="1"/>
+              <a:t>konfigurieren</a:t>
+            </a:r>
+            <a:r>
+              <a:rPr lang="en-US" dirty="0"/>
+              <a:t> den Service so, </a:t>
+            </a:r>
+            <a:r>
+              <a:rPr lang="en-US" dirty="0" err="1"/>
+              <a:t>dass</a:t>
+            </a:r>
+            <a:r>
+              <a:rPr lang="en-US" dirty="0"/>
+              <a:t> </a:t>
+            </a:r>
+            <a:r>
+              <a:rPr lang="en-US" dirty="0" err="1"/>
+              <a:t>dieser</a:t>
+            </a:r>
+            <a:r>
+              <a:rPr lang="en-US" dirty="0"/>
+              <a:t> </a:t>
+            </a:r>
+            <a:r>
+              <a:rPr lang="en-US" dirty="0" err="1"/>
+              <a:t>wartet</a:t>
+            </a:r>
+            <a:r>
+              <a:rPr lang="en-US" dirty="0"/>
+              <a:t> bis Influx </a:t>
+            </a:r>
+            <a:r>
+              <a:rPr lang="en-US" dirty="0" err="1"/>
+              <a:t>gestartet</a:t>
+            </a:r>
+            <a:r>
+              <a:rPr lang="en-US" dirty="0"/>
+              <a:t> </a:t>
+            </a:r>
+            <a:r>
+              <a:rPr lang="en-US" dirty="0" err="1"/>
+              <a:t>ist</a:t>
+            </a:r>
+            <a:r>
+              <a:rPr lang="en-US" dirty="0"/>
+              <a:t> und </a:t>
+            </a:r>
+            <a:r>
+              <a:rPr lang="en-US" dirty="0" err="1"/>
+              <a:t>parat</a:t>
+            </a:r>
+            <a:r>
+              <a:rPr lang="en-US" dirty="0"/>
+              <a:t> </a:t>
+            </a:r>
+            <a:r>
+              <a:rPr lang="en-US" dirty="0" err="1"/>
+              <a:t>ist</a:t>
+            </a:r>
+            <a:r>
+              <a:rPr lang="en-US" dirty="0"/>
+              <a:t>.</a:t>
+            </a:r>
+          </a:p>
+          <a:p>
+            <a:pPr marL="0" marR="0" lvl="0" indent="0" algn="l" defTabSz="914400" rtl="0" eaLnBrk="1" fontAlgn="auto" latinLnBrk="0" hangingPunct="1">
+              <a:lnSpc>
+                <a:spcPct val="100000"/>
+              </a:lnSpc>
+              <a:spcBef>
+                <a:spcPts val="0"/>
+              </a:spcBef>
+              <a:spcAft>
+                <a:spcPts val="0"/>
+              </a:spcAft>
+              <a:buClrTx/>
+              <a:buSzTx/>
+              <a:buFontTx/>
+              <a:buNone/>
+              <a:tabLst/>
+              <a:defRPr/>
+            </a:pPr>
+            <a:endParaRPr lang="en-US" dirty="0"/>
+          </a:p>
+          <a:p>
+            <a:pPr marL="0" marR="0" lvl="0" indent="0" algn="l" defTabSz="914400" rtl="0" eaLnBrk="1" fontAlgn="auto" latinLnBrk="0" hangingPunct="1">
+              <a:lnSpc>
+                <a:spcPct val="100000"/>
+              </a:lnSpc>
+              <a:spcBef>
+                <a:spcPts val="0"/>
+              </a:spcBef>
+              <a:spcAft>
+                <a:spcPts val="0"/>
+              </a:spcAft>
+              <a:buClrTx/>
+              <a:buSzTx/>
+              <a:buFontTx/>
+              <a:buNone/>
+              <a:tabLst/>
+              <a:defRPr/>
+            </a:pPr>
+            <a:r>
+              <a:rPr lang="en-US" dirty="0" err="1"/>
+              <a:t>Leider</a:t>
+            </a:r>
+            <a:r>
+              <a:rPr lang="en-US" dirty="0"/>
+              <a:t> </a:t>
+            </a:r>
+            <a:r>
+              <a:rPr lang="en-US" dirty="0" err="1"/>
+              <a:t>gibt</a:t>
+            </a:r>
+            <a:r>
+              <a:rPr lang="en-US" dirty="0"/>
+              <a:t> Influx </a:t>
+            </a:r>
+            <a:r>
+              <a:rPr lang="en-US" dirty="0" err="1"/>
+              <a:t>schon</a:t>
+            </a:r>
+            <a:r>
+              <a:rPr lang="en-US" dirty="0"/>
+              <a:t> </a:t>
+            </a:r>
+            <a:r>
+              <a:rPr lang="en-US" dirty="0" err="1"/>
+              <a:t>kurz</a:t>
+            </a:r>
+            <a:r>
+              <a:rPr lang="en-US" dirty="0"/>
+              <a:t> </a:t>
+            </a:r>
+            <a:r>
+              <a:rPr lang="en-US" dirty="0" err="1"/>
+              <a:t>nach</a:t>
+            </a:r>
+            <a:r>
+              <a:rPr lang="en-US" dirty="0"/>
+              <a:t> dem </a:t>
+            </a:r>
+            <a:r>
+              <a:rPr lang="en-US" dirty="0" err="1"/>
+              <a:t>Startanstoss</a:t>
+            </a:r>
+            <a:r>
+              <a:rPr lang="en-US" dirty="0"/>
+              <a:t> das Signal “Ready” </a:t>
+            </a:r>
+            <a:r>
+              <a:rPr lang="en-US" dirty="0" err="1"/>
+              <a:t>zurück</a:t>
+            </a:r>
+            <a:r>
+              <a:rPr lang="en-US" dirty="0"/>
+              <a:t>. </a:t>
+            </a:r>
+            <a:r>
+              <a:rPr lang="en-US" dirty="0" err="1"/>
+              <a:t>Doch</a:t>
+            </a:r>
+            <a:r>
+              <a:rPr lang="en-US" dirty="0"/>
+              <a:t> </a:t>
+            </a:r>
+            <a:r>
+              <a:rPr lang="en-US" dirty="0" err="1"/>
+              <a:t>im</a:t>
+            </a:r>
+            <a:r>
+              <a:rPr lang="en-US" dirty="0"/>
+              <a:t> </a:t>
+            </a:r>
+            <a:r>
+              <a:rPr lang="en-US" dirty="0" err="1"/>
+              <a:t>Hintergrund</a:t>
+            </a:r>
+            <a:r>
+              <a:rPr lang="en-US" dirty="0"/>
+              <a:t> </a:t>
+            </a:r>
+            <a:r>
+              <a:rPr lang="en-US" dirty="0" err="1"/>
+              <a:t>öffnet</a:t>
+            </a:r>
+            <a:r>
+              <a:rPr lang="en-US" dirty="0"/>
+              <a:t> Influx </a:t>
+            </a:r>
+            <a:r>
+              <a:rPr lang="en-US" dirty="0" err="1"/>
+              <a:t>noch</a:t>
+            </a:r>
+            <a:r>
+              <a:rPr lang="en-US" dirty="0"/>
+              <a:t> die </a:t>
+            </a:r>
+            <a:r>
+              <a:rPr lang="en-US" dirty="0" err="1"/>
+              <a:t>Datenbank</a:t>
+            </a:r>
+            <a:r>
+              <a:rPr lang="en-US" dirty="0"/>
+              <a:t> und </a:t>
+            </a:r>
+            <a:r>
+              <a:rPr lang="en-US" dirty="0" err="1"/>
+              <a:t>unser</a:t>
+            </a:r>
+            <a:r>
+              <a:rPr lang="en-US" dirty="0"/>
+              <a:t> </a:t>
+            </a:r>
+            <a:r>
+              <a:rPr lang="en-US" dirty="0" err="1"/>
+              <a:t>Programm</a:t>
+            </a:r>
+            <a:r>
+              <a:rPr lang="en-US" dirty="0"/>
+              <a:t> </a:t>
+            </a:r>
+            <a:r>
+              <a:rPr lang="en-US" dirty="0" err="1"/>
+              <a:t>stürzt</a:t>
+            </a:r>
+            <a:r>
+              <a:rPr lang="en-US" dirty="0"/>
+              <a:t> ab </a:t>
+            </a:r>
+            <a:r>
+              <a:rPr lang="en-US" dirty="0" err="1"/>
+              <a:t>weil</a:t>
+            </a:r>
+            <a:r>
+              <a:rPr lang="en-US" dirty="0"/>
+              <a:t> es Influx </a:t>
+            </a:r>
+            <a:r>
+              <a:rPr lang="en-US" dirty="0" err="1"/>
+              <a:t>noch</a:t>
+            </a:r>
+            <a:r>
+              <a:rPr lang="en-US" dirty="0"/>
+              <a:t> </a:t>
+            </a:r>
+            <a:r>
+              <a:rPr lang="en-US" dirty="0" err="1"/>
+              <a:t>nicht</a:t>
+            </a:r>
+            <a:r>
+              <a:rPr lang="en-US" dirty="0"/>
+              <a:t> </a:t>
+            </a:r>
+            <a:r>
+              <a:rPr lang="en-US" dirty="0" err="1"/>
+              <a:t>erreicht</a:t>
+            </a:r>
+            <a:r>
+              <a:rPr lang="en-US" dirty="0"/>
+              <a:t>.</a:t>
+            </a:r>
+          </a:p>
+          <a:p>
+            <a:pPr marL="0" marR="0" lvl="0" indent="0" algn="l" defTabSz="914400" rtl="0" eaLnBrk="1" fontAlgn="auto" latinLnBrk="0" hangingPunct="1">
+              <a:lnSpc>
+                <a:spcPct val="100000"/>
+              </a:lnSpc>
+              <a:spcBef>
+                <a:spcPts val="0"/>
+              </a:spcBef>
+              <a:spcAft>
+                <a:spcPts val="0"/>
+              </a:spcAft>
+              <a:buClrTx/>
+              <a:buSzTx/>
+              <a:buFontTx/>
+              <a:buNone/>
+              <a:tabLst/>
+              <a:defRPr/>
+            </a:pPr>
+            <a:r>
+              <a:rPr lang="en-US" dirty="0" err="1"/>
+              <a:t>Wir</a:t>
+            </a:r>
+            <a:r>
+              <a:rPr lang="en-US" dirty="0"/>
+              <a:t> </a:t>
+            </a:r>
+            <a:r>
+              <a:rPr lang="en-US" dirty="0" err="1"/>
+              <a:t>haben</a:t>
+            </a:r>
+            <a:r>
+              <a:rPr lang="en-US" dirty="0"/>
+              <a:t> </a:t>
+            </a:r>
+            <a:r>
+              <a:rPr lang="en-US" dirty="0" err="1"/>
+              <a:t>deshalb</a:t>
+            </a:r>
+            <a:r>
+              <a:rPr lang="en-US" dirty="0"/>
+              <a:t> </a:t>
+            </a:r>
+            <a:r>
+              <a:rPr lang="en-US" dirty="0" err="1"/>
+              <a:t>unser</a:t>
+            </a:r>
+            <a:r>
+              <a:rPr lang="en-US" dirty="0"/>
+              <a:t> </a:t>
+            </a:r>
+            <a:r>
+              <a:rPr lang="en-US" dirty="0" err="1"/>
+              <a:t>Programm</a:t>
+            </a:r>
+            <a:r>
+              <a:rPr lang="en-US" dirty="0"/>
+              <a:t> so </a:t>
+            </a:r>
+            <a:r>
+              <a:rPr lang="en-US" dirty="0" err="1"/>
+              <a:t>programmiert</a:t>
+            </a:r>
+            <a:r>
+              <a:rPr lang="en-US" dirty="0"/>
+              <a:t>, </a:t>
+            </a:r>
+            <a:r>
+              <a:rPr lang="en-US" dirty="0" err="1"/>
+              <a:t>dass</a:t>
+            </a:r>
+            <a:r>
+              <a:rPr lang="en-US" dirty="0"/>
+              <a:t> es </a:t>
+            </a:r>
+            <a:r>
+              <a:rPr lang="en-US" dirty="0" err="1"/>
+              <a:t>warten</a:t>
+            </a:r>
+            <a:r>
+              <a:rPr lang="en-US" dirty="0"/>
+              <a:t> </a:t>
+            </a:r>
+            <a:r>
+              <a:rPr lang="en-US" dirty="0" err="1"/>
+              <a:t>kann</a:t>
+            </a:r>
+            <a:r>
+              <a:rPr lang="en-US" dirty="0"/>
+              <a:t> bis Influx </a:t>
+            </a:r>
+            <a:r>
+              <a:rPr lang="en-US" dirty="0" err="1"/>
+              <a:t>gestartet</a:t>
+            </a:r>
+            <a:r>
+              <a:rPr lang="en-US" dirty="0"/>
+              <a:t> </a:t>
+            </a:r>
+            <a:r>
+              <a:rPr lang="en-US" dirty="0" err="1"/>
+              <a:t>ist</a:t>
+            </a:r>
+            <a:r>
+              <a:rPr lang="en-US" dirty="0"/>
+              <a:t>.</a:t>
             </a:r>
           </a:p>
         </p:txBody>
@@ -2481,7 +4093,7 @@
     </p:spTree>
     <p:extLst>
       <p:ext uri="{BB962C8B-B14F-4D97-AF65-F5344CB8AC3E}">
-        <p14:creationId xmlns:p14="http://schemas.microsoft.com/office/powerpoint/2010/main" val="3464812281"/>
+        <p14:creationId xmlns:p14="http://schemas.microsoft.com/office/powerpoint/2010/main" val="1503600029"/>
       </p:ext>
     </p:extLst>
   </p:cSld>
@@ -2537,7 +4149,7 @@
           <a:p>
             <a:r>
               <a:rPr lang="en-US" dirty="0"/>
-              <a:t>Sean:</a:t>
+              <a:t>Florin:</a:t>
             </a:r>
           </a:p>
         </p:txBody>
@@ -2568,7 +4180,7 @@
     </p:spTree>
     <p:extLst>
       <p:ext uri="{BB962C8B-B14F-4D97-AF65-F5344CB8AC3E}">
-        <p14:creationId xmlns:p14="http://schemas.microsoft.com/office/powerpoint/2010/main" val="3101912960"/>
+        <p14:creationId xmlns:p14="http://schemas.microsoft.com/office/powerpoint/2010/main" val="2088518910"/>
       </p:ext>
     </p:extLst>
   </p:cSld>
@@ -2622,9 +4234,26 @@
           <a:bodyPr/>
           <a:lstStyle/>
           <a:p>
-            <a:r>
-              <a:rPr lang="en-US" dirty="0"/>
-              <a:t>Etienne:</a:t>
+            <a:pPr marL="0" marR="0" lvl="0" indent="0" algn="l" defTabSz="914400" rtl="0" eaLnBrk="1" fontAlgn="auto" latinLnBrk="0" hangingPunct="1">
+              <a:lnSpc>
+                <a:spcPct val="100000"/>
+              </a:lnSpc>
+              <a:spcBef>
+                <a:spcPts val="0"/>
+              </a:spcBef>
+              <a:spcAft>
+                <a:spcPts val="0"/>
+              </a:spcAft>
+              <a:buClrTx/>
+              <a:buSzTx/>
+              <a:buFontTx/>
+              <a:buNone/>
+              <a:tabLst/>
+              <a:defRPr/>
+            </a:pPr>
+            <a:r>
+              <a:rPr lang="en-US" dirty="0"/>
+              <a:t>Florin:</a:t>
             </a:r>
           </a:p>
         </p:txBody>
@@ -2655,7 +4284,7 @@
     </p:spTree>
     <p:extLst>
       <p:ext uri="{BB962C8B-B14F-4D97-AF65-F5344CB8AC3E}">
-        <p14:creationId xmlns:p14="http://schemas.microsoft.com/office/powerpoint/2010/main" val="1938111001"/>
+        <p14:creationId xmlns:p14="http://schemas.microsoft.com/office/powerpoint/2010/main" val="3464812281"/>
       </p:ext>
     </p:extLst>
   </p:cSld>
@@ -2711,7 +4340,7 @@
           <a:p>
             <a:r>
               <a:rPr lang="en-US" dirty="0"/>
-              <a:t>Etienne:</a:t>
+              <a:t>Sean:</a:t>
             </a:r>
           </a:p>
         </p:txBody>
@@ -2742,7 +4371,7 @@
     </p:spTree>
     <p:extLst>
       <p:ext uri="{BB962C8B-B14F-4D97-AF65-F5344CB8AC3E}">
-        <p14:creationId xmlns:p14="http://schemas.microsoft.com/office/powerpoint/2010/main" val="102183800"/>
+        <p14:creationId xmlns:p14="http://schemas.microsoft.com/office/powerpoint/2010/main" val="3101912960"/>
       </p:ext>
     </p:extLst>
   </p:cSld>
@@ -2829,7 +4458,7 @@
     </p:spTree>
     <p:extLst>
       <p:ext uri="{BB962C8B-B14F-4D97-AF65-F5344CB8AC3E}">
-        <p14:creationId xmlns:p14="http://schemas.microsoft.com/office/powerpoint/2010/main" val="1204525051"/>
+        <p14:creationId xmlns:p14="http://schemas.microsoft.com/office/powerpoint/2010/main" val="1938111001"/>
       </p:ext>
     </p:extLst>
   </p:cSld>
@@ -3003,7 +4632,7 @@
     </p:spTree>
     <p:extLst>
       <p:ext uri="{BB962C8B-B14F-4D97-AF65-F5344CB8AC3E}">
-        <p14:creationId xmlns:p14="http://schemas.microsoft.com/office/powerpoint/2010/main" val="3552269098"/>
+        <p14:creationId xmlns:p14="http://schemas.microsoft.com/office/powerpoint/2010/main" val="102183800"/>
       </p:ext>
     </p:extLst>
   </p:cSld>
@@ -3090,7 +4719,7 @@
     </p:spTree>
     <p:extLst>
       <p:ext uri="{BB962C8B-B14F-4D97-AF65-F5344CB8AC3E}">
-        <p14:creationId xmlns:p14="http://schemas.microsoft.com/office/powerpoint/2010/main" val="3865265295"/>
+        <p14:creationId xmlns:p14="http://schemas.microsoft.com/office/powerpoint/2010/main" val="1204525051"/>
       </p:ext>
     </p:extLst>
   </p:cSld>
@@ -3146,7 +4775,7 @@
           <a:p>
             <a:r>
               <a:rPr lang="en-US" dirty="0"/>
-              <a:t>Florin:</a:t>
+              <a:t>Etienne:</a:t>
             </a:r>
           </a:p>
         </p:txBody>
@@ -3177,7 +4806,7 @@
     </p:spTree>
     <p:extLst>
       <p:ext uri="{BB962C8B-B14F-4D97-AF65-F5344CB8AC3E}">
-        <p14:creationId xmlns:p14="http://schemas.microsoft.com/office/powerpoint/2010/main" val="2214953838"/>
+        <p14:creationId xmlns:p14="http://schemas.microsoft.com/office/powerpoint/2010/main" val="3552269098"/>
       </p:ext>
     </p:extLst>
   </p:cSld>
@@ -3233,7 +4862,7 @@
           <a:p>
             <a:r>
               <a:rPr lang="en-US" dirty="0"/>
-              <a:t>Florin:</a:t>
+              <a:t>Etienne:</a:t>
             </a:r>
           </a:p>
         </p:txBody>
@@ -3264,7 +4893,7 @@
     </p:spTree>
     <p:extLst>
       <p:ext uri="{BB962C8B-B14F-4D97-AF65-F5344CB8AC3E}">
-        <p14:creationId xmlns:p14="http://schemas.microsoft.com/office/powerpoint/2010/main" val="1192728714"/>
+        <p14:creationId xmlns:p14="http://schemas.microsoft.com/office/powerpoint/2010/main" val="3865265295"/>
       </p:ext>
     </p:extLst>
   </p:cSld>
@@ -3351,7 +4980,7 @@
     </p:spTree>
     <p:extLst>
       <p:ext uri="{BB962C8B-B14F-4D97-AF65-F5344CB8AC3E}">
-        <p14:creationId xmlns:p14="http://schemas.microsoft.com/office/powerpoint/2010/main" val="1563682470"/>
+        <p14:creationId xmlns:p14="http://schemas.microsoft.com/office/powerpoint/2010/main" val="2214953838"/>
       </p:ext>
     </p:extLst>
   </p:cSld>
@@ -3410,6 +5039,55 @@
               <a:t>Florin:</a:t>
             </a:r>
           </a:p>
+          <a:p>
+            <a:endParaRPr lang="en-US" dirty="0"/>
+          </a:p>
+          <a:p>
+            <a:r>
+              <a:rPr lang="en-US" dirty="0"/>
+              <a:t>Schon </a:t>
+            </a:r>
+            <a:r>
+              <a:rPr lang="en-US" dirty="0" err="1"/>
+              <a:t>viel</a:t>
+            </a:r>
+            <a:r>
+              <a:rPr lang="en-US" dirty="0"/>
+              <a:t> </a:t>
+            </a:r>
+            <a:r>
+              <a:rPr lang="en-US" dirty="0" err="1"/>
+              <a:t>danach</a:t>
+            </a:r>
+            <a:r>
+              <a:rPr lang="en-US" dirty="0"/>
+              <a:t> </a:t>
+            </a:r>
+            <a:r>
+              <a:rPr lang="en-US" dirty="0" err="1"/>
+              <a:t>umgesetzt</a:t>
+            </a:r>
+            <a:r>
+              <a:rPr lang="en-US" dirty="0"/>
+              <a:t>, </a:t>
+            </a:r>
+            <a:r>
+              <a:rPr lang="en-US" dirty="0" err="1"/>
+              <a:t>weitere</a:t>
+            </a:r>
+            <a:r>
+              <a:rPr lang="en-US" dirty="0"/>
+              <a:t> Features und </a:t>
+            </a:r>
+            <a:r>
+              <a:rPr lang="en-US" dirty="0" err="1"/>
+              <a:t>wieso</a:t>
+            </a:r>
+            <a:r>
+              <a:rPr lang="en-US" dirty="0"/>
+              <a:t>.</a:t>
+            </a:r>
+          </a:p>
         </p:txBody>
       </p:sp>
       <p:sp>
@@ -3438,7 +5116,7 @@
     </p:spTree>
     <p:extLst>
       <p:ext uri="{BB962C8B-B14F-4D97-AF65-F5344CB8AC3E}">
-        <p14:creationId xmlns:p14="http://schemas.microsoft.com/office/powerpoint/2010/main" val="3838138806"/>
+        <p14:creationId xmlns:p14="http://schemas.microsoft.com/office/powerpoint/2010/main" val="1192728714"/>
       </p:ext>
     </p:extLst>
   </p:cSld>
@@ -3525,7 +5203,7 @@
     </p:spTree>
     <p:extLst>
       <p:ext uri="{BB962C8B-B14F-4D97-AF65-F5344CB8AC3E}">
-        <p14:creationId xmlns:p14="http://schemas.microsoft.com/office/powerpoint/2010/main" val="2860594885"/>
+        <p14:creationId xmlns:p14="http://schemas.microsoft.com/office/powerpoint/2010/main" val="1563682470"/>
       </p:ext>
     </p:extLst>
   </p:cSld>
@@ -3612,7 +5290,7 @@
     </p:spTree>
     <p:extLst>
       <p:ext uri="{BB962C8B-B14F-4D97-AF65-F5344CB8AC3E}">
-        <p14:creationId xmlns:p14="http://schemas.microsoft.com/office/powerpoint/2010/main" val="2329928541"/>
+        <p14:creationId xmlns:p14="http://schemas.microsoft.com/office/powerpoint/2010/main" val="3838138806"/>
       </p:ext>
     </p:extLst>
   </p:cSld>
@@ -3699,7 +5377,7 @@
     </p:spTree>
     <p:extLst>
       <p:ext uri="{BB962C8B-B14F-4D97-AF65-F5344CB8AC3E}">
-        <p14:creationId xmlns:p14="http://schemas.microsoft.com/office/powerpoint/2010/main" val="1349685214"/>
+        <p14:creationId xmlns:p14="http://schemas.microsoft.com/office/powerpoint/2010/main" val="2860594885"/>
       </p:ext>
     </p:extLst>
   </p:cSld>
@@ -3786,7 +5464,7 @@
     </p:spTree>
     <p:extLst>
       <p:ext uri="{BB962C8B-B14F-4D97-AF65-F5344CB8AC3E}">
-        <p14:creationId xmlns:p14="http://schemas.microsoft.com/office/powerpoint/2010/main" val="1078218927"/>
+        <p14:creationId xmlns:p14="http://schemas.microsoft.com/office/powerpoint/2010/main" val="2329928541"/>
       </p:ext>
     </p:extLst>
   </p:cSld>
@@ -3960,7 +5638,7 @@
     </p:spTree>
     <p:extLst>
       <p:ext uri="{BB962C8B-B14F-4D97-AF65-F5344CB8AC3E}">
-        <p14:creationId xmlns:p14="http://schemas.microsoft.com/office/powerpoint/2010/main" val="612389631"/>
+        <p14:creationId xmlns:p14="http://schemas.microsoft.com/office/powerpoint/2010/main" val="1349685214"/>
       </p:ext>
     </p:extLst>
   </p:cSld>
@@ -4039,6 +5717,180 @@
             <a:fld id="{D4CE1BAB-7B68-4C87-8549-54F078DDFB49}" type="slidenum">
               <a:rPr lang="en-CH" smtClean="0"/>
               <a:t>41</a:t>
+            </a:fld>
+            <a:endParaRPr lang="en-CH"/>
+          </a:p>
+        </p:txBody>
+      </p:sp>
+    </p:spTree>
+    <p:extLst>
+      <p:ext uri="{BB962C8B-B14F-4D97-AF65-F5344CB8AC3E}">
+        <p14:creationId xmlns:p14="http://schemas.microsoft.com/office/powerpoint/2010/main" val="1078218927"/>
+      </p:ext>
+    </p:extLst>
+  </p:cSld>
+  <p:clrMapOvr>
+    <a:masterClrMapping/>
+  </p:clrMapOvr>
+</p:notes>
+</file>
+
+<file path=ppt/notesSlides/notesSlide42.xml><?xml version="1.0" encoding="utf-8"?>
+<p:notes xmlns:a="http://schemas.openxmlformats.org/drawingml/2006/main" xmlns:r="http://schemas.openxmlformats.org/officeDocument/2006/relationships" xmlns:p="http://schemas.openxmlformats.org/presentationml/2006/main">
+  <p:cSld>
+    <p:spTree>
+      <p:nvGrpSpPr>
+        <p:cNvPr id="1" name=""/>
+        <p:cNvGrpSpPr/>
+        <p:nvPr/>
+      </p:nvGrpSpPr>
+      <p:grpSpPr>
+        <a:xfrm>
+          <a:off x="0" y="0"/>
+          <a:ext cx="0" cy="0"/>
+          <a:chOff x="0" y="0"/>
+          <a:chExt cx="0" cy="0"/>
+        </a:xfrm>
+      </p:grpSpPr>
+      <p:sp>
+        <p:nvSpPr>
+          <p:cNvPr id="2" name="Folienbildplatzhalter 1"/>
+          <p:cNvSpPr>
+            <a:spLocks noGrp="1" noRot="1" noChangeAspect="1"/>
+          </p:cNvSpPr>
+          <p:nvPr>
+            <p:ph type="sldImg"/>
+          </p:nvPr>
+        </p:nvSpPr>
+        <p:spPr/>
+      </p:sp>
+      <p:sp>
+        <p:nvSpPr>
+          <p:cNvPr id="3" name="Notizenplatzhalter 2"/>
+          <p:cNvSpPr>
+            <a:spLocks noGrp="1"/>
+          </p:cNvSpPr>
+          <p:nvPr>
+            <p:ph type="body" idx="1"/>
+          </p:nvPr>
+        </p:nvSpPr>
+        <p:spPr/>
+        <p:txBody>
+          <a:bodyPr/>
+          <a:lstStyle/>
+          <a:p>
+            <a:r>
+              <a:rPr lang="en-US" dirty="0"/>
+              <a:t>Florin:</a:t>
+            </a:r>
+          </a:p>
+        </p:txBody>
+      </p:sp>
+      <p:sp>
+        <p:nvSpPr>
+          <p:cNvPr id="4" name="Foliennummernplatzhalter 3"/>
+          <p:cNvSpPr>
+            <a:spLocks noGrp="1"/>
+          </p:cNvSpPr>
+          <p:nvPr>
+            <p:ph type="sldNum" sz="quarter" idx="5"/>
+          </p:nvPr>
+        </p:nvSpPr>
+        <p:spPr/>
+        <p:txBody>
+          <a:bodyPr/>
+          <a:lstStyle/>
+          <a:p>
+            <a:fld id="{D4CE1BAB-7B68-4C87-8549-54F078DDFB49}" type="slidenum">
+              <a:rPr lang="en-CH" smtClean="0"/>
+              <a:t>42</a:t>
+            </a:fld>
+            <a:endParaRPr lang="en-CH"/>
+          </a:p>
+        </p:txBody>
+      </p:sp>
+    </p:spTree>
+    <p:extLst>
+      <p:ext uri="{BB962C8B-B14F-4D97-AF65-F5344CB8AC3E}">
+        <p14:creationId xmlns:p14="http://schemas.microsoft.com/office/powerpoint/2010/main" val="612389631"/>
+      </p:ext>
+    </p:extLst>
+  </p:cSld>
+  <p:clrMapOvr>
+    <a:masterClrMapping/>
+  </p:clrMapOvr>
+</p:notes>
+</file>
+
+<file path=ppt/notesSlides/notesSlide43.xml><?xml version="1.0" encoding="utf-8"?>
+<p:notes xmlns:a="http://schemas.openxmlformats.org/drawingml/2006/main" xmlns:r="http://schemas.openxmlformats.org/officeDocument/2006/relationships" xmlns:p="http://schemas.openxmlformats.org/presentationml/2006/main">
+  <p:cSld>
+    <p:spTree>
+      <p:nvGrpSpPr>
+        <p:cNvPr id="1" name=""/>
+        <p:cNvGrpSpPr/>
+        <p:nvPr/>
+      </p:nvGrpSpPr>
+      <p:grpSpPr>
+        <a:xfrm>
+          <a:off x="0" y="0"/>
+          <a:ext cx="0" cy="0"/>
+          <a:chOff x="0" y="0"/>
+          <a:chExt cx="0" cy="0"/>
+        </a:xfrm>
+      </p:grpSpPr>
+      <p:sp>
+        <p:nvSpPr>
+          <p:cNvPr id="2" name="Folienbildplatzhalter 1"/>
+          <p:cNvSpPr>
+            <a:spLocks noGrp="1" noRot="1" noChangeAspect="1"/>
+          </p:cNvSpPr>
+          <p:nvPr>
+            <p:ph type="sldImg"/>
+          </p:nvPr>
+        </p:nvSpPr>
+        <p:spPr/>
+      </p:sp>
+      <p:sp>
+        <p:nvSpPr>
+          <p:cNvPr id="3" name="Notizenplatzhalter 2"/>
+          <p:cNvSpPr>
+            <a:spLocks noGrp="1"/>
+          </p:cNvSpPr>
+          <p:nvPr>
+            <p:ph type="body" idx="1"/>
+          </p:nvPr>
+        </p:nvSpPr>
+        <p:spPr/>
+        <p:txBody>
+          <a:bodyPr/>
+          <a:lstStyle/>
+          <a:p>
+            <a:r>
+              <a:rPr lang="en-US" dirty="0"/>
+              <a:t>Florin:</a:t>
+            </a:r>
+          </a:p>
+        </p:txBody>
+      </p:sp>
+      <p:sp>
+        <p:nvSpPr>
+          <p:cNvPr id="4" name="Foliennummernplatzhalter 3"/>
+          <p:cNvSpPr>
+            <a:spLocks noGrp="1"/>
+          </p:cNvSpPr>
+          <p:nvPr>
+            <p:ph type="sldNum" sz="quarter" idx="5"/>
+          </p:nvPr>
+        </p:nvSpPr>
+        <p:spPr/>
+        <p:txBody>
+          <a:bodyPr/>
+          <a:lstStyle/>
+          <a:p>
+            <a:fld id="{D4CE1BAB-7B68-4C87-8549-54F078DDFB49}" type="slidenum">
+              <a:rPr lang="en-CH" smtClean="0"/>
+              <a:t>43</a:t>
             </a:fld>
             <a:endParaRPr lang="en-CH"/>
           </a:p>
@@ -4641,7 +6493,7 @@
           <a:p>
             <a:fld id="{D71E13D6-B070-45C8-AC42-90F25AD4976F}" type="datetime8">
               <a:rPr lang="en-CH" smtClean="0"/>
-              <a:t>01/25/2022 12:02</a:t>
+              <a:t>25/01/2022 17:27</a:t>
             </a:fld>
             <a:endParaRPr lang="en-CH"/>
           </a:p>
@@ -4695,7 +6547,7 @@
           <a:p>
             <a:fld id="{0F00D740-55B1-4DC8-A3B5-4535950A93D0}" type="slidenum">
               <a:rPr lang="en-CH" smtClean="0"/>
-              <a:t>‹Nr.›</a:t>
+              <a:t>‹#›</a:t>
             </a:fld>
             <a:endParaRPr lang="en-CH"/>
           </a:p>
@@ -4841,7 +6693,7 @@
           <a:p>
             <a:fld id="{34C1AEE4-2DCF-4A66-9927-6F783BB52BE0}" type="datetime8">
               <a:rPr lang="en-CH" smtClean="0"/>
-              <a:t>01/25/2022 12:02</a:t>
+              <a:t>25/01/2022 17:27</a:t>
             </a:fld>
             <a:endParaRPr lang="en-CH"/>
           </a:p>
@@ -4895,7 +6747,7 @@
           <a:p>
             <a:fld id="{0F00D740-55B1-4DC8-A3B5-4535950A93D0}" type="slidenum">
               <a:rPr lang="en-CH" smtClean="0"/>
-              <a:t>‹Nr.›</a:t>
+              <a:t>‹#›</a:t>
             </a:fld>
             <a:endParaRPr lang="en-CH"/>
           </a:p>
@@ -5051,7 +6903,7 @@
           <a:p>
             <a:fld id="{C4C13A0D-7035-4256-BB1C-652F6CDC1D82}" type="datetime8">
               <a:rPr lang="en-CH" smtClean="0"/>
-              <a:t>01/25/2022 12:02</a:t>
+              <a:t>25/01/2022 17:27</a:t>
             </a:fld>
             <a:endParaRPr lang="en-CH"/>
           </a:p>
@@ -5105,7 +6957,7 @@
           <a:p>
             <a:fld id="{0F00D740-55B1-4DC8-A3B5-4535950A93D0}" type="slidenum">
               <a:rPr lang="en-CH" smtClean="0"/>
-              <a:t>‹Nr.›</a:t>
+              <a:t>‹#›</a:t>
             </a:fld>
             <a:endParaRPr lang="en-CH"/>
           </a:p>
@@ -5251,7 +7103,7 @@
           <a:p>
             <a:fld id="{A720F8AA-53F4-4181-BD2C-7354613DB587}" type="datetime8">
               <a:rPr lang="en-CH" smtClean="0"/>
-              <a:t>01/25/2022 12:02</a:t>
+              <a:t>25/01/2022 17:27</a:t>
             </a:fld>
             <a:endParaRPr lang="en-CH"/>
           </a:p>
@@ -5305,7 +7157,7 @@
           <a:p>
             <a:fld id="{0F00D740-55B1-4DC8-A3B5-4535950A93D0}" type="slidenum">
               <a:rPr lang="en-CH" smtClean="0"/>
-              <a:t>‹Nr.›</a:t>
+              <a:t>‹#›</a:t>
             </a:fld>
             <a:endParaRPr lang="en-CH"/>
           </a:p>
@@ -5527,7 +7379,7 @@
           <a:p>
             <a:fld id="{18ED5C57-181E-4E8A-8032-E5587C441532}" type="datetime8">
               <a:rPr lang="en-CH" smtClean="0"/>
-              <a:t>01/25/2022 12:02</a:t>
+              <a:t>25/01/2022 17:27</a:t>
             </a:fld>
             <a:endParaRPr lang="en-CH"/>
           </a:p>
@@ -5581,7 +7433,7 @@
           <a:p>
             <a:fld id="{0F00D740-55B1-4DC8-A3B5-4535950A93D0}" type="slidenum">
               <a:rPr lang="en-CH" smtClean="0"/>
-              <a:t>‹Nr.›</a:t>
+              <a:t>‹#›</a:t>
             </a:fld>
             <a:endParaRPr lang="en-CH"/>
           </a:p>
@@ -5795,7 +7647,7 @@
           <a:p>
             <a:fld id="{2711B6E1-EBCF-4960-9E94-A2CE4CEDA9CF}" type="datetime8">
               <a:rPr lang="en-CH" smtClean="0"/>
-              <a:t>01/25/2022 12:02</a:t>
+              <a:t>25/01/2022 17:27</a:t>
             </a:fld>
             <a:endParaRPr lang="en-CH"/>
           </a:p>
@@ -5849,7 +7701,7 @@
           <a:p>
             <a:fld id="{0F00D740-55B1-4DC8-A3B5-4535950A93D0}" type="slidenum">
               <a:rPr lang="en-CH" smtClean="0"/>
-              <a:t>‹Nr.›</a:t>
+              <a:t>‹#›</a:t>
             </a:fld>
             <a:endParaRPr lang="en-CH"/>
           </a:p>
@@ -6210,7 +8062,7 @@
           <a:p>
             <a:fld id="{60888D22-8975-4143-BBCD-F78A0E3504A0}" type="datetime8">
               <a:rPr lang="en-CH" smtClean="0"/>
-              <a:t>01/25/2022 12:02</a:t>
+              <a:t>25/01/2022 17:27</a:t>
             </a:fld>
             <a:endParaRPr lang="en-CH"/>
           </a:p>
@@ -6264,7 +8116,7 @@
           <a:p>
             <a:fld id="{0F00D740-55B1-4DC8-A3B5-4535950A93D0}" type="slidenum">
               <a:rPr lang="en-CH" smtClean="0"/>
-              <a:t>‹Nr.›</a:t>
+              <a:t>‹#›</a:t>
             </a:fld>
             <a:endParaRPr lang="en-CH"/>
           </a:p>
@@ -6352,7 +8204,7 @@
           <a:p>
             <a:fld id="{CB62F5ED-9834-4FF8-A8E6-FE85BE4A88B6}" type="datetime8">
               <a:rPr lang="en-CH" smtClean="0"/>
-              <a:t>01/25/2022 12:02</a:t>
+              <a:t>25/01/2022 17:27</a:t>
             </a:fld>
             <a:endParaRPr lang="en-CH"/>
           </a:p>
@@ -6406,7 +8258,7 @@
           <a:p>
             <a:fld id="{0F00D740-55B1-4DC8-A3B5-4535950A93D0}" type="slidenum">
               <a:rPr lang="en-CH" smtClean="0"/>
-              <a:t>‹Nr.›</a:t>
+              <a:t>‹#›</a:t>
             </a:fld>
             <a:endParaRPr lang="en-CH"/>
           </a:p>
@@ -6465,7 +8317,7 @@
           <a:p>
             <a:fld id="{91C4E595-669A-4DA7-8755-75BCB1DD65E9}" type="datetime8">
               <a:rPr lang="en-CH" smtClean="0"/>
-              <a:t>01/25/2022 12:02</a:t>
+              <a:t>25/01/2022 17:27</a:t>
             </a:fld>
             <a:endParaRPr lang="en-CH"/>
           </a:p>
@@ -6519,7 +8371,7 @@
           <a:p>
             <a:fld id="{0F00D740-55B1-4DC8-A3B5-4535950A93D0}" type="slidenum">
               <a:rPr lang="en-CH" smtClean="0"/>
-              <a:t>‹Nr.›</a:t>
+              <a:t>‹#›</a:t>
             </a:fld>
             <a:endParaRPr lang="en-CH"/>
           </a:p>
@@ -6778,7 +8630,7 @@
           <a:p>
             <a:fld id="{1D3E9293-092D-4F3B-852B-B7B73C73F1F9}" type="datetime8">
               <a:rPr lang="en-CH" smtClean="0"/>
-              <a:t>01/25/2022 12:02</a:t>
+              <a:t>25/01/2022 17:27</a:t>
             </a:fld>
             <a:endParaRPr lang="en-CH"/>
           </a:p>
@@ -6832,7 +8684,7 @@
           <a:p>
             <a:fld id="{0F00D740-55B1-4DC8-A3B5-4535950A93D0}" type="slidenum">
               <a:rPr lang="en-CH" smtClean="0"/>
-              <a:t>‹Nr.›</a:t>
+              <a:t>‹#›</a:t>
             </a:fld>
             <a:endParaRPr lang="en-CH"/>
           </a:p>
@@ -7067,7 +8919,7 @@
           <a:p>
             <a:fld id="{72DA9548-12AA-4712-AB6D-8087536C3BD4}" type="datetime8">
               <a:rPr lang="en-CH" smtClean="0"/>
-              <a:t>01/25/2022 12:02</a:t>
+              <a:t>25/01/2022 17:27</a:t>
             </a:fld>
             <a:endParaRPr lang="en-CH"/>
           </a:p>
@@ -7121,7 +8973,7 @@
           <a:p>
             <a:fld id="{0F00D740-55B1-4DC8-A3B5-4535950A93D0}" type="slidenum">
               <a:rPr lang="en-CH" smtClean="0"/>
-              <a:t>‹Nr.›</a:t>
+              <a:t>‹#›</a:t>
             </a:fld>
             <a:endParaRPr lang="en-CH"/>
           </a:p>
@@ -7310,7 +9162,7 @@
           <a:p>
             <a:fld id="{361E5043-500B-4A06-A6BE-2D713F12E4A2}" type="datetime8">
               <a:rPr lang="en-CH" smtClean="0"/>
-              <a:t>01/25/2022 12:02</a:t>
+              <a:t>25/01/2022 17:27</a:t>
             </a:fld>
             <a:endParaRPr lang="en-CH"/>
           </a:p>
@@ -7400,7 +9252,7 @@
           <a:p>
             <a:fld id="{0F00D740-55B1-4DC8-A3B5-4535950A93D0}" type="slidenum">
               <a:rPr lang="en-CH" smtClean="0"/>
-              <a:t>‹Nr.›</a:t>
+              <a:t>‹#›</a:t>
             </a:fld>
             <a:endParaRPr lang="en-CH"/>
           </a:p>
@@ -17778,12 +19630,27 @@
               <a:rPr lang="en-US" dirty="0" err="1"/>
               <a:t>geloggt</a:t>
             </a:r>
-            <a:endParaRPr lang="en-US" dirty="0"/>
-          </a:p>
-          <a:p>
-            <a:r>
-              <a:rPr lang="en-US" dirty="0"/>
-              <a:t>Logfile für Warnings und Errors</a:t>
+            <a:r>
+              <a:rPr lang="en-US" dirty="0"/>
+              <a:t> “</a:t>
+            </a:r>
+            <a:r>
+              <a:rPr lang="en-US" dirty="0" err="1"/>
+              <a:t>journalctl</a:t>
+            </a:r>
+            <a:r>
+              <a:rPr lang="en-US" dirty="0"/>
+              <a:t>”</a:t>
+            </a:r>
+          </a:p>
+          <a:p>
+            <a:r>
+              <a:rPr lang="en-US" dirty="0" err="1"/>
+              <a:t>Logdatei</a:t>
+            </a:r>
+            <a:r>
+              <a:rPr lang="en-US" dirty="0"/>
+              <a:t> für Warnings und Errors</a:t>
             </a:r>
             <a:endParaRPr lang="en-CH" dirty="0"/>
           </a:p>
@@ -18101,30 +19968,9 @@
           </a:p>
           <a:p>
             <a:r>
-              <a:rPr lang="en-US" dirty="0"/>
-              <a:t>Thread um </a:t>
-            </a:r>
-            <a:r>
-              <a:rPr lang="en-US" dirty="0" err="1"/>
-              <a:t>Wetterdaten</a:t>
-            </a:r>
-            <a:r>
-              <a:rPr lang="en-US" dirty="0"/>
-              <a:t> </a:t>
-            </a:r>
-            <a:r>
-              <a:rPr lang="en-US" dirty="0" err="1"/>
-              <a:t>zu</a:t>
-            </a:r>
-            <a:r>
-              <a:rPr lang="en-US" dirty="0"/>
-              <a:t> </a:t>
-            </a:r>
-            <a:r>
-              <a:rPr lang="en-US" dirty="0" err="1"/>
-              <a:t>aktualisieren</a:t>
-            </a:r>
-            <a:endParaRPr lang="en-US" dirty="0"/>
+              <a:rPr lang="de-CH" dirty="0"/>
+              <a:t>Thread um Wetterdaten zu aktualisieren</a:t>
+            </a:r>
           </a:p>
           <a:p>
             <a:endParaRPr lang="en-CH" dirty="0"/>
@@ -18399,12 +20245,201 @@
               </a:rPr>
             </a:br>
             <a:r>
+              <a:rPr lang="en-US" sz="3600" i="1" dirty="0" err="1">
+                <a:latin typeface="Arial" panose="020B0604020202020204" pitchFamily="34" charset="0"/>
+                <a:cs typeface="Arial" panose="020B0604020202020204" pitchFamily="34" charset="0"/>
+              </a:rPr>
+              <a:t>Einbettung</a:t>
+            </a:r>
+            <a:r>
               <a:rPr lang="en-US" sz="3600" i="1" dirty="0">
                 <a:latin typeface="Arial" panose="020B0604020202020204" pitchFamily="34" charset="0"/>
                 <a:cs typeface="Arial" panose="020B0604020202020204" pitchFamily="34" charset="0"/>
               </a:rPr>
-              <a:t>Config File</a:t>
-            </a:r>
+              <a:t> in Linux</a:t>
+            </a:r>
+            <a:endParaRPr lang="en-CH" dirty="0"/>
+          </a:p>
+        </p:txBody>
+      </p:sp>
+      <p:sp>
+        <p:nvSpPr>
+          <p:cNvPr id="3" name="Content Placeholder 2">
+            <a:extLst>
+              <a:ext uri="{FF2B5EF4-FFF2-40B4-BE49-F238E27FC236}">
+                <a16:creationId xmlns:a16="http://schemas.microsoft.com/office/drawing/2014/main" id="{F99C80A8-FCE8-4022-B4EC-046CA3785167}"/>
+              </a:ext>
+            </a:extLst>
+          </p:cNvPr>
+          <p:cNvSpPr>
+            <a:spLocks noGrp="1"/>
+          </p:cNvSpPr>
+          <p:nvPr>
+            <p:ph idx="1"/>
+          </p:nvPr>
+        </p:nvSpPr>
+        <p:spPr/>
+        <p:txBody>
+          <a:bodyPr/>
+          <a:lstStyle/>
+          <a:p>
+            <a:r>
+              <a:rPr lang="en-US" dirty="0"/>
+              <a:t>Install script</a:t>
+            </a:r>
+          </a:p>
+          <a:p>
+            <a:r>
+              <a:rPr lang="en-US" dirty="0"/>
+              <a:t>Service</a:t>
+            </a:r>
+          </a:p>
+          <a:p>
+            <a:r>
+              <a:rPr lang="en-US" dirty="0" err="1"/>
+              <a:t>Wartet</a:t>
+            </a:r>
+            <a:r>
+              <a:rPr lang="en-US" dirty="0"/>
+              <a:t> </a:t>
+            </a:r>
+            <a:r>
+              <a:rPr lang="en-US" dirty="0" err="1"/>
+              <a:t>nicht</a:t>
+            </a:r>
+            <a:r>
+              <a:rPr lang="en-US" dirty="0"/>
+              <a:t> auf Influx service, da </a:t>
+            </a:r>
+            <a:r>
+              <a:rPr lang="en-US" dirty="0" err="1"/>
+              <a:t>dieser</a:t>
+            </a:r>
+            <a:r>
+              <a:rPr lang="en-US" dirty="0"/>
+              <a:t> </a:t>
+            </a:r>
+            <a:r>
+              <a:rPr lang="en-US" dirty="0" err="1"/>
+              <a:t>zu</a:t>
+            </a:r>
+            <a:r>
+              <a:rPr lang="en-US" dirty="0"/>
+              <a:t> </a:t>
+            </a:r>
+            <a:r>
+              <a:rPr lang="en-US" dirty="0" err="1"/>
+              <a:t>früh</a:t>
+            </a:r>
+            <a:r>
+              <a:rPr lang="en-US" dirty="0"/>
+              <a:t> </a:t>
+            </a:r>
+            <a:r>
+              <a:rPr lang="en-US" dirty="0" err="1"/>
+              <a:t>bescheid</a:t>
+            </a:r>
+            <a:r>
+              <a:rPr lang="en-US" dirty="0"/>
+              <a:t> </a:t>
+            </a:r>
+            <a:r>
+              <a:rPr lang="en-US" dirty="0" err="1"/>
+              <a:t>gibt</a:t>
+            </a:r>
+            <a:r>
+              <a:rPr lang="en-US" dirty="0"/>
+              <a:t>. </a:t>
+            </a:r>
+            <a:r>
+              <a:rPr lang="en-US" dirty="0" err="1"/>
+              <a:t>Macht</a:t>
+            </a:r>
+            <a:r>
+              <a:rPr lang="en-US" dirty="0"/>
+              <a:t> Python</a:t>
+            </a:r>
+          </a:p>
+          <a:p>
+            <a:r>
+              <a:rPr lang="en-US" dirty="0"/>
+              <a:t>Service </a:t>
+            </a:r>
+            <a:r>
+              <a:rPr lang="en-US" dirty="0" err="1"/>
+              <a:t>startet</a:t>
+            </a:r>
+            <a:r>
+              <a:rPr lang="en-US" dirty="0"/>
+              <a:t> </a:t>
+            </a:r>
+            <a:r>
+              <a:rPr lang="en-US" dirty="0" err="1"/>
+              <a:t>sobald</a:t>
+            </a:r>
+            <a:r>
+              <a:rPr lang="en-US" dirty="0"/>
+              <a:t> </a:t>
+            </a:r>
+            <a:r>
+              <a:rPr lang="en-US" dirty="0" err="1"/>
+              <a:t>dieser</a:t>
+            </a:r>
+            <a:r>
+              <a:rPr lang="en-US" dirty="0"/>
+              <a:t> user context hat, </a:t>
+            </a:r>
+            <a:r>
+              <a:rPr lang="en-US" dirty="0" err="1"/>
+              <a:t>dazu</a:t>
+            </a:r>
+            <a:r>
+              <a:rPr lang="en-US" dirty="0"/>
+              <a:t> muss der </a:t>
+            </a:r>
+            <a:r>
+              <a:rPr lang="en-US" dirty="0" err="1"/>
+              <a:t>Benutzer</a:t>
+            </a:r>
+            <a:r>
+              <a:rPr lang="en-US" dirty="0"/>
+              <a:t> </a:t>
+            </a:r>
+            <a:r>
+              <a:rPr lang="en-US" dirty="0" err="1"/>
+              <a:t>beim</a:t>
+            </a:r>
+            <a:r>
+              <a:rPr lang="en-US" dirty="0"/>
+              <a:t> start </a:t>
+            </a:r>
+            <a:r>
+              <a:rPr lang="en-US" dirty="0" err="1"/>
+              <a:t>automatisch</a:t>
+            </a:r>
+            <a:r>
+              <a:rPr lang="en-US" dirty="0"/>
+              <a:t> </a:t>
+            </a:r>
+            <a:r>
+              <a:rPr lang="en-US" dirty="0" err="1"/>
+              <a:t>angemeldet</a:t>
+            </a:r>
+            <a:r>
+              <a:rPr lang="en-US" dirty="0"/>
+              <a:t> </a:t>
+            </a:r>
+            <a:r>
+              <a:rPr lang="en-US" dirty="0" err="1"/>
+              <a:t>werden</a:t>
+            </a:r>
+            <a:r>
+              <a:rPr lang="en-US" dirty="0"/>
+              <a:t>.</a:t>
+            </a:r>
+            <a:endParaRPr lang="de-CH" dirty="0"/>
+          </a:p>
+          <a:p>
             <a:endParaRPr lang="en-CH" dirty="0"/>
           </a:p>
         </p:txBody>
@@ -18433,6 +20468,604 @@
             <a:fld id="{0F00D740-55B1-4DC8-A3B5-4535950A93D0}" type="slidenum">
               <a:rPr lang="en-CH" smtClean="0"/>
               <a:t>25</a:t>
+            </a:fld>
+            <a:endParaRPr lang="en-CH"/>
+          </a:p>
+        </p:txBody>
+      </p:sp>
+      <p:grpSp>
+        <p:nvGrpSpPr>
+          <p:cNvPr id="5" name="Group 4">
+            <a:extLst>
+              <a:ext uri="{FF2B5EF4-FFF2-40B4-BE49-F238E27FC236}">
+                <a16:creationId xmlns:a16="http://schemas.microsoft.com/office/drawing/2014/main" id="{4EC58CAD-48B2-4835-9E3B-91425F5E9895}"/>
+              </a:ext>
+            </a:extLst>
+          </p:cNvPr>
+          <p:cNvGrpSpPr/>
+          <p:nvPr/>
+        </p:nvGrpSpPr>
+        <p:grpSpPr>
+          <a:xfrm>
+            <a:off x="8990330" y="5808980"/>
+            <a:ext cx="3774440" cy="764540"/>
+            <a:chOff x="8990330" y="5808980"/>
+            <a:chExt cx="3774440" cy="764540"/>
+          </a:xfrm>
+        </p:grpSpPr>
+        <p:pic>
+          <p:nvPicPr>
+            <p:cNvPr id="6" name="Picture 5">
+              <a:extLst>
+                <a:ext uri="{FF2B5EF4-FFF2-40B4-BE49-F238E27FC236}">
+                  <a16:creationId xmlns:a16="http://schemas.microsoft.com/office/drawing/2014/main" id="{022721ED-DE7C-4BE7-8FB8-448D5A1D2FA3}"/>
+                </a:ext>
+              </a:extLst>
+            </p:cNvPr>
+            <p:cNvPicPr>
+              <a:picLocks noChangeAspect="1"/>
+            </p:cNvPicPr>
+            <p:nvPr/>
+          </p:nvPicPr>
+          <p:blipFill>
+            <a:blip r:embed="rId3" cstate="print">
+              <a:extLst>
+                <a:ext uri="{28A0092B-C50C-407E-A947-70E740481C1C}">
+                  <a14:useLocalDpi xmlns:a14="http://schemas.microsoft.com/office/drawing/2010/main" val="0"/>
+                </a:ext>
+              </a:extLst>
+            </a:blip>
+            <a:srcRect/>
+            <a:stretch>
+              <a:fillRect/>
+            </a:stretch>
+          </p:blipFill>
+          <p:spPr bwMode="auto">
+            <a:xfrm>
+              <a:off x="8990330" y="5808980"/>
+              <a:ext cx="942340" cy="558800"/>
+            </a:xfrm>
+            <a:prstGeom prst="rect">
+              <a:avLst/>
+            </a:prstGeom>
+            <a:noFill/>
+            <a:ln>
+              <a:noFill/>
+            </a:ln>
+          </p:spPr>
+        </p:pic>
+        <p:sp>
+          <p:nvSpPr>
+            <p:cNvPr id="7" name="Text Box 11">
+              <a:extLst>
+                <a:ext uri="{FF2B5EF4-FFF2-40B4-BE49-F238E27FC236}">
+                  <a16:creationId xmlns:a16="http://schemas.microsoft.com/office/drawing/2014/main" id="{D3B6ED79-9CCE-4997-8EDA-DFDF7934B22B}"/>
+                </a:ext>
+              </a:extLst>
+            </p:cNvPr>
+            <p:cNvSpPr txBox="1"/>
+            <p:nvPr/>
+          </p:nvSpPr>
+          <p:spPr>
+            <a:xfrm>
+              <a:off x="9999980" y="5923280"/>
+              <a:ext cx="2764790" cy="650240"/>
+            </a:xfrm>
+            <a:prstGeom prst="rect">
+              <a:avLst/>
+            </a:prstGeom>
+            <a:noFill/>
+            <a:ln w="6350">
+              <a:noFill/>
+            </a:ln>
+          </p:spPr>
+          <p:txBody>
+            <a:bodyPr rot="0" spcFirstLastPara="0" vert="horz" wrap="square" lIns="91440" tIns="45720" rIns="91440" bIns="45720" numCol="1" spcCol="0" rtlCol="0" fromWordArt="0" anchor="t" anchorCtr="0" forceAA="0" compatLnSpc="1">
+              <a:prstTxWarp prst="textNoShape">
+                <a:avLst/>
+              </a:prstTxWarp>
+              <a:noAutofit/>
+            </a:bodyPr>
+            <a:lstStyle/>
+            <a:p>
+              <a:pPr>
+                <a:lnSpc>
+                  <a:spcPct val="115000"/>
+                </a:lnSpc>
+              </a:pPr>
+              <a:r>
+                <a:rPr lang="en-US" sz="900" b="1">
+                  <a:solidFill>
+                    <a:srgbClr val="44546A"/>
+                  </a:solidFill>
+                  <a:effectLst/>
+                  <a:latin typeface="Calibri" panose="020F0502020204030204" pitchFamily="34" charset="0"/>
+                  <a:ea typeface="Times New Roman" panose="02020603050405020304" pitchFamily="18" charset="0"/>
+                  <a:cs typeface="Times New Roman" panose="02020603050405020304" pitchFamily="18" charset="0"/>
+                </a:rPr>
+                <a:t>Fachhochschule Nordwestschweiz</a:t>
+              </a:r>
+              <a:endParaRPr lang="en-CH" sz="1400" b="1">
+                <a:solidFill>
+                  <a:srgbClr val="44546A"/>
+                </a:solidFill>
+                <a:effectLst/>
+                <a:latin typeface="Calibri" panose="020F0502020204030204" pitchFamily="34" charset="0"/>
+                <a:ea typeface="Times New Roman" panose="02020603050405020304" pitchFamily="18" charset="0"/>
+                <a:cs typeface="Times New Roman" panose="02020603050405020304" pitchFamily="18" charset="0"/>
+              </a:endParaRPr>
+            </a:p>
+            <a:p>
+              <a:pPr>
+                <a:lnSpc>
+                  <a:spcPct val="115000"/>
+                </a:lnSpc>
+              </a:pPr>
+              <a:r>
+                <a:rPr lang="en-US" sz="900" b="1">
+                  <a:solidFill>
+                    <a:srgbClr val="44546A"/>
+                  </a:solidFill>
+                  <a:effectLst/>
+                  <a:latin typeface="Calibri" panose="020F0502020204030204" pitchFamily="34" charset="0"/>
+                  <a:ea typeface="Times New Roman" panose="02020603050405020304" pitchFamily="18" charset="0"/>
+                  <a:cs typeface="Times New Roman" panose="02020603050405020304" pitchFamily="18" charset="0"/>
+                </a:rPr>
+                <a:t>Hochschule für Technik</a:t>
+              </a:r>
+              <a:endParaRPr lang="en-CH" sz="1400" b="1">
+                <a:solidFill>
+                  <a:srgbClr val="44546A"/>
+                </a:solidFill>
+                <a:effectLst/>
+                <a:latin typeface="Calibri" panose="020F0502020204030204" pitchFamily="34" charset="0"/>
+                <a:ea typeface="Times New Roman" panose="02020603050405020304" pitchFamily="18" charset="0"/>
+                <a:cs typeface="Times New Roman" panose="02020603050405020304" pitchFamily="18" charset="0"/>
+              </a:endParaRPr>
+            </a:p>
+          </p:txBody>
+        </p:sp>
+      </p:grpSp>
+    </p:spTree>
+    <p:extLst>
+      <p:ext uri="{BB962C8B-B14F-4D97-AF65-F5344CB8AC3E}">
+        <p14:creationId xmlns:p14="http://schemas.microsoft.com/office/powerpoint/2010/main" val="624307501"/>
+      </p:ext>
+    </p:extLst>
+  </p:cSld>
+  <p:clrMapOvr>
+    <a:masterClrMapping/>
+  </p:clrMapOvr>
+  <mc:AlternateContent xmlns:mc="http://schemas.openxmlformats.org/markup-compatibility/2006">
+    <mc:Choice xmlns:p14="http://schemas.microsoft.com/office/powerpoint/2010/main" Requires="p14">
+      <p:transition spd="med" p14:dur="700">
+        <p:fade/>
+      </p:transition>
+    </mc:Choice>
+    <mc:Fallback>
+      <p:transition spd="med">
+        <p:fade/>
+      </p:transition>
+    </mc:Fallback>
+  </mc:AlternateContent>
+</p:sld>
+</file>
+
+<file path=ppt/slides/slide26.xml><?xml version="1.0" encoding="utf-8"?>
+<p:sld xmlns:a="http://schemas.openxmlformats.org/drawingml/2006/main" xmlns:r="http://schemas.openxmlformats.org/officeDocument/2006/relationships" xmlns:p="http://schemas.openxmlformats.org/presentationml/2006/main">
+  <p:cSld>
+    <p:spTree>
+      <p:nvGrpSpPr>
+        <p:cNvPr id="1" name=""/>
+        <p:cNvGrpSpPr/>
+        <p:nvPr/>
+      </p:nvGrpSpPr>
+      <p:grpSpPr>
+        <a:xfrm>
+          <a:off x="0" y="0"/>
+          <a:ext cx="0" cy="0"/>
+          <a:chOff x="0" y="0"/>
+          <a:chExt cx="0" cy="0"/>
+        </a:xfrm>
+      </p:grpSpPr>
+      <p:sp>
+        <p:nvSpPr>
+          <p:cNvPr id="2" name="Title 1">
+            <a:extLst>
+              <a:ext uri="{FF2B5EF4-FFF2-40B4-BE49-F238E27FC236}">
+                <a16:creationId xmlns:a16="http://schemas.microsoft.com/office/drawing/2014/main" id="{4808087A-40EC-41E6-A246-BC46343A4BFC}"/>
+              </a:ext>
+            </a:extLst>
+          </p:cNvPr>
+          <p:cNvSpPr>
+            <a:spLocks noGrp="1"/>
+          </p:cNvSpPr>
+          <p:nvPr>
+            <p:ph type="title"/>
+          </p:nvPr>
+        </p:nvSpPr>
+        <p:spPr/>
+        <p:txBody>
+          <a:bodyPr>
+            <a:normAutofit/>
+          </a:bodyPr>
+          <a:lstStyle/>
+          <a:p>
+            <a:r>
+              <a:rPr lang="en-US" b="1" dirty="0">
+                <a:latin typeface="Arial" panose="020B0604020202020204" pitchFamily="34" charset="0"/>
+                <a:cs typeface="Arial" panose="020B0604020202020204" pitchFamily="34" charset="0"/>
+              </a:rPr>
+              <a:t>Python </a:t>
+            </a:r>
+            <a:r>
+              <a:rPr lang="en-US" b="1" dirty="0" err="1">
+                <a:latin typeface="Arial" panose="020B0604020202020204" pitchFamily="34" charset="0"/>
+                <a:cs typeface="Arial" panose="020B0604020202020204" pitchFamily="34" charset="0"/>
+              </a:rPr>
+              <a:t>Programm</a:t>
+            </a:r>
+            <a:br>
+              <a:rPr lang="en-US" b="1" dirty="0">
+                <a:latin typeface="Arial" panose="020B0604020202020204" pitchFamily="34" charset="0"/>
+                <a:cs typeface="Arial" panose="020B0604020202020204" pitchFamily="34" charset="0"/>
+              </a:rPr>
+            </a:br>
+            <a:r>
+              <a:rPr lang="en-US" sz="3600" i="1" dirty="0" err="1">
+                <a:latin typeface="Arial" panose="020B0604020202020204" pitchFamily="34" charset="0"/>
+                <a:cs typeface="Arial" panose="020B0604020202020204" pitchFamily="34" charset="0"/>
+              </a:rPr>
+              <a:t>Abfrage</a:t>
+            </a:r>
+            <a:r>
+              <a:rPr lang="en-US" sz="3600" i="1" dirty="0">
+                <a:latin typeface="Arial" panose="020B0604020202020204" pitchFamily="34" charset="0"/>
+                <a:cs typeface="Arial" panose="020B0604020202020204" pitchFamily="34" charset="0"/>
+              </a:rPr>
+              <a:t>, timing</a:t>
+            </a:r>
+            <a:endParaRPr lang="en-CH" dirty="0"/>
+          </a:p>
+        </p:txBody>
+      </p:sp>
+      <p:sp>
+        <p:nvSpPr>
+          <p:cNvPr id="3" name="Content Placeholder 2">
+            <a:extLst>
+              <a:ext uri="{FF2B5EF4-FFF2-40B4-BE49-F238E27FC236}">
+                <a16:creationId xmlns:a16="http://schemas.microsoft.com/office/drawing/2014/main" id="{F99C80A8-FCE8-4022-B4EC-046CA3785167}"/>
+              </a:ext>
+            </a:extLst>
+          </p:cNvPr>
+          <p:cNvSpPr>
+            <a:spLocks noGrp="1"/>
+          </p:cNvSpPr>
+          <p:nvPr>
+            <p:ph idx="1"/>
+          </p:nvPr>
+        </p:nvSpPr>
+        <p:spPr/>
+        <p:txBody>
+          <a:bodyPr/>
+          <a:lstStyle/>
+          <a:p>
+            <a:r>
+              <a:rPr lang="en-US" dirty="0"/>
+              <a:t>Install script</a:t>
+            </a:r>
+          </a:p>
+          <a:p>
+            <a:r>
+              <a:rPr lang="en-US" dirty="0"/>
+              <a:t>One command =&gt; GO</a:t>
+            </a:r>
+            <a:endParaRPr lang="en-CH" dirty="0"/>
+          </a:p>
+        </p:txBody>
+      </p:sp>
+      <p:sp>
+        <p:nvSpPr>
+          <p:cNvPr id="4" name="Slide Number Placeholder 3">
+            <a:extLst>
+              <a:ext uri="{FF2B5EF4-FFF2-40B4-BE49-F238E27FC236}">
+                <a16:creationId xmlns:a16="http://schemas.microsoft.com/office/drawing/2014/main" id="{25E7D99B-055F-46C1-9ED3-2255A4486B53}"/>
+              </a:ext>
+            </a:extLst>
+          </p:cNvPr>
+          <p:cNvSpPr>
+            <a:spLocks noGrp="1"/>
+          </p:cNvSpPr>
+          <p:nvPr>
+            <p:ph type="sldNum" sz="quarter" idx="12"/>
+          </p:nvPr>
+        </p:nvSpPr>
+        <p:spPr/>
+        <p:txBody>
+          <a:bodyPr/>
+          <a:lstStyle/>
+          <a:p>
+            <a:fld id="{0F00D740-55B1-4DC8-A3B5-4535950A93D0}" type="slidenum">
+              <a:rPr lang="en-CH" smtClean="0"/>
+              <a:t>26</a:t>
+            </a:fld>
+            <a:endParaRPr lang="en-CH"/>
+          </a:p>
+        </p:txBody>
+      </p:sp>
+      <p:grpSp>
+        <p:nvGrpSpPr>
+          <p:cNvPr id="5" name="Group 4">
+            <a:extLst>
+              <a:ext uri="{FF2B5EF4-FFF2-40B4-BE49-F238E27FC236}">
+                <a16:creationId xmlns:a16="http://schemas.microsoft.com/office/drawing/2014/main" id="{4EC58CAD-48B2-4835-9E3B-91425F5E9895}"/>
+              </a:ext>
+            </a:extLst>
+          </p:cNvPr>
+          <p:cNvGrpSpPr/>
+          <p:nvPr/>
+        </p:nvGrpSpPr>
+        <p:grpSpPr>
+          <a:xfrm>
+            <a:off x="8990330" y="5808980"/>
+            <a:ext cx="3774440" cy="764540"/>
+            <a:chOff x="8990330" y="5808980"/>
+            <a:chExt cx="3774440" cy="764540"/>
+          </a:xfrm>
+        </p:grpSpPr>
+        <p:pic>
+          <p:nvPicPr>
+            <p:cNvPr id="6" name="Picture 5">
+              <a:extLst>
+                <a:ext uri="{FF2B5EF4-FFF2-40B4-BE49-F238E27FC236}">
+                  <a16:creationId xmlns:a16="http://schemas.microsoft.com/office/drawing/2014/main" id="{022721ED-DE7C-4BE7-8FB8-448D5A1D2FA3}"/>
+                </a:ext>
+              </a:extLst>
+            </p:cNvPr>
+            <p:cNvPicPr>
+              <a:picLocks noChangeAspect="1"/>
+            </p:cNvPicPr>
+            <p:nvPr/>
+          </p:nvPicPr>
+          <p:blipFill>
+            <a:blip r:embed="rId3" cstate="print">
+              <a:extLst>
+                <a:ext uri="{28A0092B-C50C-407E-A947-70E740481C1C}">
+                  <a14:useLocalDpi xmlns:a14="http://schemas.microsoft.com/office/drawing/2010/main" val="0"/>
+                </a:ext>
+              </a:extLst>
+            </a:blip>
+            <a:srcRect/>
+            <a:stretch>
+              <a:fillRect/>
+            </a:stretch>
+          </p:blipFill>
+          <p:spPr bwMode="auto">
+            <a:xfrm>
+              <a:off x="8990330" y="5808980"/>
+              <a:ext cx="942340" cy="558800"/>
+            </a:xfrm>
+            <a:prstGeom prst="rect">
+              <a:avLst/>
+            </a:prstGeom>
+            <a:noFill/>
+            <a:ln>
+              <a:noFill/>
+            </a:ln>
+          </p:spPr>
+        </p:pic>
+        <p:sp>
+          <p:nvSpPr>
+            <p:cNvPr id="7" name="Text Box 11">
+              <a:extLst>
+                <a:ext uri="{FF2B5EF4-FFF2-40B4-BE49-F238E27FC236}">
+                  <a16:creationId xmlns:a16="http://schemas.microsoft.com/office/drawing/2014/main" id="{D3B6ED79-9CCE-4997-8EDA-DFDF7934B22B}"/>
+                </a:ext>
+              </a:extLst>
+            </p:cNvPr>
+            <p:cNvSpPr txBox="1"/>
+            <p:nvPr/>
+          </p:nvSpPr>
+          <p:spPr>
+            <a:xfrm>
+              <a:off x="9999980" y="5923280"/>
+              <a:ext cx="2764790" cy="650240"/>
+            </a:xfrm>
+            <a:prstGeom prst="rect">
+              <a:avLst/>
+            </a:prstGeom>
+            <a:noFill/>
+            <a:ln w="6350">
+              <a:noFill/>
+            </a:ln>
+          </p:spPr>
+          <p:txBody>
+            <a:bodyPr rot="0" spcFirstLastPara="0" vert="horz" wrap="square" lIns="91440" tIns="45720" rIns="91440" bIns="45720" numCol="1" spcCol="0" rtlCol="0" fromWordArt="0" anchor="t" anchorCtr="0" forceAA="0" compatLnSpc="1">
+              <a:prstTxWarp prst="textNoShape">
+                <a:avLst/>
+              </a:prstTxWarp>
+              <a:noAutofit/>
+            </a:bodyPr>
+            <a:lstStyle/>
+            <a:p>
+              <a:pPr>
+                <a:lnSpc>
+                  <a:spcPct val="115000"/>
+                </a:lnSpc>
+              </a:pPr>
+              <a:r>
+                <a:rPr lang="en-US" sz="900" b="1">
+                  <a:solidFill>
+                    <a:srgbClr val="44546A"/>
+                  </a:solidFill>
+                  <a:effectLst/>
+                  <a:latin typeface="Calibri" panose="020F0502020204030204" pitchFamily="34" charset="0"/>
+                  <a:ea typeface="Times New Roman" panose="02020603050405020304" pitchFamily="18" charset="0"/>
+                  <a:cs typeface="Times New Roman" panose="02020603050405020304" pitchFamily="18" charset="0"/>
+                </a:rPr>
+                <a:t>Fachhochschule Nordwestschweiz</a:t>
+              </a:r>
+              <a:endParaRPr lang="en-CH" sz="1400" b="1">
+                <a:solidFill>
+                  <a:srgbClr val="44546A"/>
+                </a:solidFill>
+                <a:effectLst/>
+                <a:latin typeface="Calibri" panose="020F0502020204030204" pitchFamily="34" charset="0"/>
+                <a:ea typeface="Times New Roman" panose="02020603050405020304" pitchFamily="18" charset="0"/>
+                <a:cs typeface="Times New Roman" panose="02020603050405020304" pitchFamily="18" charset="0"/>
+              </a:endParaRPr>
+            </a:p>
+            <a:p>
+              <a:pPr>
+                <a:lnSpc>
+                  <a:spcPct val="115000"/>
+                </a:lnSpc>
+              </a:pPr>
+              <a:r>
+                <a:rPr lang="en-US" sz="900" b="1">
+                  <a:solidFill>
+                    <a:srgbClr val="44546A"/>
+                  </a:solidFill>
+                  <a:effectLst/>
+                  <a:latin typeface="Calibri" panose="020F0502020204030204" pitchFamily="34" charset="0"/>
+                  <a:ea typeface="Times New Roman" panose="02020603050405020304" pitchFamily="18" charset="0"/>
+                  <a:cs typeface="Times New Roman" panose="02020603050405020304" pitchFamily="18" charset="0"/>
+                </a:rPr>
+                <a:t>Hochschule für Technik</a:t>
+              </a:r>
+              <a:endParaRPr lang="en-CH" sz="1400" b="1">
+                <a:solidFill>
+                  <a:srgbClr val="44546A"/>
+                </a:solidFill>
+                <a:effectLst/>
+                <a:latin typeface="Calibri" panose="020F0502020204030204" pitchFamily="34" charset="0"/>
+                <a:ea typeface="Times New Roman" panose="02020603050405020304" pitchFamily="18" charset="0"/>
+                <a:cs typeface="Times New Roman" panose="02020603050405020304" pitchFamily="18" charset="0"/>
+              </a:endParaRPr>
+            </a:p>
+          </p:txBody>
+        </p:sp>
+      </p:grpSp>
+    </p:spTree>
+    <p:extLst>
+      <p:ext uri="{BB962C8B-B14F-4D97-AF65-F5344CB8AC3E}">
+        <p14:creationId xmlns:p14="http://schemas.microsoft.com/office/powerpoint/2010/main" val="1760642750"/>
+      </p:ext>
+    </p:extLst>
+  </p:cSld>
+  <p:clrMapOvr>
+    <a:masterClrMapping/>
+  </p:clrMapOvr>
+  <mc:AlternateContent xmlns:mc="http://schemas.openxmlformats.org/markup-compatibility/2006">
+    <mc:Choice xmlns:p14="http://schemas.microsoft.com/office/powerpoint/2010/main" Requires="p14">
+      <p:transition spd="med" p14:dur="700">
+        <p:fade/>
+      </p:transition>
+    </mc:Choice>
+    <mc:Fallback>
+      <p:transition spd="med">
+        <p:fade/>
+      </p:transition>
+    </mc:Fallback>
+  </mc:AlternateContent>
+</p:sld>
+</file>
+
+<file path=ppt/slides/slide27.xml><?xml version="1.0" encoding="utf-8"?>
+<p:sld xmlns:a="http://schemas.openxmlformats.org/drawingml/2006/main" xmlns:r="http://schemas.openxmlformats.org/officeDocument/2006/relationships" xmlns:p="http://schemas.openxmlformats.org/presentationml/2006/main">
+  <p:cSld>
+    <p:spTree>
+      <p:nvGrpSpPr>
+        <p:cNvPr id="1" name=""/>
+        <p:cNvGrpSpPr/>
+        <p:nvPr/>
+      </p:nvGrpSpPr>
+      <p:grpSpPr>
+        <a:xfrm>
+          <a:off x="0" y="0"/>
+          <a:ext cx="0" cy="0"/>
+          <a:chOff x="0" y="0"/>
+          <a:chExt cx="0" cy="0"/>
+        </a:xfrm>
+      </p:grpSpPr>
+      <p:sp>
+        <p:nvSpPr>
+          <p:cNvPr id="2" name="Title 1">
+            <a:extLst>
+              <a:ext uri="{FF2B5EF4-FFF2-40B4-BE49-F238E27FC236}">
+                <a16:creationId xmlns:a16="http://schemas.microsoft.com/office/drawing/2014/main" id="{4808087A-40EC-41E6-A246-BC46343A4BFC}"/>
+              </a:ext>
+            </a:extLst>
+          </p:cNvPr>
+          <p:cNvSpPr>
+            <a:spLocks noGrp="1"/>
+          </p:cNvSpPr>
+          <p:nvPr>
+            <p:ph type="title"/>
+          </p:nvPr>
+        </p:nvSpPr>
+        <p:spPr/>
+        <p:txBody>
+          <a:bodyPr>
+            <a:normAutofit/>
+          </a:bodyPr>
+          <a:lstStyle/>
+          <a:p>
+            <a:r>
+              <a:rPr lang="en-US" b="1" dirty="0">
+                <a:latin typeface="Arial" panose="020B0604020202020204" pitchFamily="34" charset="0"/>
+                <a:cs typeface="Arial" panose="020B0604020202020204" pitchFamily="34" charset="0"/>
+              </a:rPr>
+              <a:t>Python </a:t>
+            </a:r>
+            <a:r>
+              <a:rPr lang="en-US" b="1" dirty="0" err="1">
+                <a:latin typeface="Arial" panose="020B0604020202020204" pitchFamily="34" charset="0"/>
+                <a:cs typeface="Arial" panose="020B0604020202020204" pitchFamily="34" charset="0"/>
+              </a:rPr>
+              <a:t>Programm</a:t>
+            </a:r>
+            <a:br>
+              <a:rPr lang="en-US" b="1" dirty="0">
+                <a:latin typeface="Arial" panose="020B0604020202020204" pitchFamily="34" charset="0"/>
+                <a:cs typeface="Arial" panose="020B0604020202020204" pitchFamily="34" charset="0"/>
+              </a:rPr>
+            </a:br>
+            <a:r>
+              <a:rPr lang="en-US" sz="3600" i="1" dirty="0">
+                <a:latin typeface="Arial" panose="020B0604020202020204" pitchFamily="34" charset="0"/>
+                <a:cs typeface="Arial" panose="020B0604020202020204" pitchFamily="34" charset="0"/>
+              </a:rPr>
+              <a:t>Config File</a:t>
+            </a:r>
+            <a:endParaRPr lang="en-CH" dirty="0"/>
+          </a:p>
+        </p:txBody>
+      </p:sp>
+      <p:sp>
+        <p:nvSpPr>
+          <p:cNvPr id="4" name="Slide Number Placeholder 3">
+            <a:extLst>
+              <a:ext uri="{FF2B5EF4-FFF2-40B4-BE49-F238E27FC236}">
+                <a16:creationId xmlns:a16="http://schemas.microsoft.com/office/drawing/2014/main" id="{25E7D99B-055F-46C1-9ED3-2255A4486B53}"/>
+              </a:ext>
+            </a:extLst>
+          </p:cNvPr>
+          <p:cNvSpPr>
+            <a:spLocks noGrp="1"/>
+          </p:cNvSpPr>
+          <p:nvPr>
+            <p:ph type="sldNum" sz="quarter" idx="12"/>
+          </p:nvPr>
+        </p:nvSpPr>
+        <p:spPr/>
+        <p:txBody>
+          <a:bodyPr/>
+          <a:lstStyle/>
+          <a:p>
+            <a:fld id="{0F00D740-55B1-4DC8-A3B5-4535950A93D0}" type="slidenum">
+              <a:rPr lang="en-CH" smtClean="0"/>
+              <a:t>27</a:t>
             </a:fld>
             <a:endParaRPr lang="en-CH"/>
           </a:p>
@@ -18646,7 +21279,7 @@
 </p:sld>
 </file>
 
-<file path=ppt/slides/slide26.xml><?xml version="1.0" encoding="utf-8"?>
+<file path=ppt/slides/slide28.xml><?xml version="1.0" encoding="utf-8"?>
 <p:sld xmlns:a="http://schemas.openxmlformats.org/drawingml/2006/main" xmlns:r="http://schemas.openxmlformats.org/officeDocument/2006/relationships" xmlns:p="http://schemas.openxmlformats.org/presentationml/2006/main">
   <p:cSld>
     <p:spTree>
@@ -18774,7 +21407,7 @@
           <a:p>
             <a:fld id="{0F00D740-55B1-4DC8-A3B5-4535950A93D0}" type="slidenum">
               <a:rPr lang="en-CH" smtClean="0"/>
-              <a:t>26</a:t>
+              <a:t>28</a:t>
             </a:fld>
             <a:endParaRPr lang="en-CH"/>
           </a:p>
@@ -19356,7 +21989,7 @@
 </p:sld>
 </file>
 
-<file path=ppt/slides/slide27.xml><?xml version="1.0" encoding="utf-8"?>
+<file path=ppt/slides/slide29.xml><?xml version="1.0" encoding="utf-8"?>
 <p:sld xmlns:a="http://schemas.openxmlformats.org/drawingml/2006/main" xmlns:r="http://schemas.openxmlformats.org/officeDocument/2006/relationships" xmlns:p="http://schemas.openxmlformats.org/presentationml/2006/main">
   <p:cSld>
     <p:spTree>
@@ -19547,7 +22180,7 @@
           <a:p>
             <a:fld id="{0F00D740-55B1-4DC8-A3B5-4535950A93D0}" type="slidenum">
               <a:rPr lang="en-CH" smtClean="0"/>
-              <a:t>27</a:t>
+              <a:t>29</a:t>
             </a:fld>
             <a:endParaRPr lang="en-CH"/>
           </a:p>
@@ -19578,7 +22211,7 @@
 </p:sld>
 </file>
 
-<file path=ppt/slides/slide28.xml><?xml version="1.0" encoding="utf-8"?>
+<file path=ppt/slides/slide3.xml><?xml version="1.0" encoding="utf-8"?>
 <p:sld xmlns:a="http://schemas.openxmlformats.org/drawingml/2006/main" xmlns:r="http://schemas.openxmlformats.org/officeDocument/2006/relationships" xmlns:p="http://schemas.openxmlformats.org/presentationml/2006/main">
   <p:cSld>
     <p:spTree>
@@ -19600,6 +22233,228 @@
           <p:cNvPr id="2" name="Title 1">
             <a:extLst>
               <a:ext uri="{FF2B5EF4-FFF2-40B4-BE49-F238E27FC236}">
+                <a16:creationId xmlns:a16="http://schemas.microsoft.com/office/drawing/2014/main" id="{F1AE8F4F-038B-4ABA-A89F-CA33847A9E12}"/>
+              </a:ext>
+            </a:extLst>
+          </p:cNvPr>
+          <p:cNvSpPr>
+            <a:spLocks noGrp="1"/>
+          </p:cNvSpPr>
+          <p:nvPr>
+            <p:ph type="title"/>
+          </p:nvPr>
+        </p:nvSpPr>
+        <p:spPr>
+          <a:xfrm>
+            <a:off x="838200" y="365125"/>
+            <a:ext cx="10515600" cy="5702300"/>
+          </a:xfrm>
+        </p:spPr>
+        <p:txBody>
+          <a:bodyPr>
+            <a:normAutofit fontScale="90000"/>
+          </a:bodyPr>
+          <a:lstStyle/>
+          <a:p>
+            <a:pPr algn="ctr">
+              <a:lnSpc>
+                <a:spcPct val="125000"/>
+              </a:lnSpc>
+              <a:spcBef>
+                <a:spcPts val="0"/>
+              </a:spcBef>
+            </a:pPr>
+            <a:r>
+              <a:rPr lang="en-US" b="1" dirty="0" err="1">
+                <a:highlight>
+                  <a:srgbClr val="FAE800"/>
+                </a:highlight>
+                <a:latin typeface="Arial" panose="020B0604020202020204" pitchFamily="34" charset="0"/>
+                <a:cs typeface="Arial" panose="020B0604020202020204" pitchFamily="34" charset="0"/>
+              </a:rPr>
+              <a:t>Auftrag</a:t>
+            </a:r>
+            <a:br>
+              <a:rPr lang="en-US" b="1" dirty="0">
+                <a:latin typeface="Arial" panose="020B0604020202020204" pitchFamily="34" charset="0"/>
+                <a:cs typeface="Arial" panose="020B0604020202020204" pitchFamily="34" charset="0"/>
+              </a:rPr>
+            </a:br>
+            <a:r>
+              <a:rPr lang="en-US" b="1" dirty="0">
+                <a:latin typeface="Arial" panose="020B0604020202020204" pitchFamily="34" charset="0"/>
+                <a:cs typeface="Arial" panose="020B0604020202020204" pitchFamily="34" charset="0"/>
+              </a:rPr>
+              <a:t>Hardware</a:t>
+            </a:r>
+            <a:br>
+              <a:rPr lang="en-US" b="1" dirty="0">
+                <a:latin typeface="Arial" panose="020B0604020202020204" pitchFamily="34" charset="0"/>
+                <a:cs typeface="Arial" panose="020B0604020202020204" pitchFamily="34" charset="0"/>
+              </a:rPr>
+            </a:br>
+            <a:r>
+              <a:rPr lang="en-US" b="1" dirty="0" err="1">
+                <a:latin typeface="Arial" panose="020B0604020202020204" pitchFamily="34" charset="0"/>
+                <a:cs typeface="Arial" panose="020B0604020202020204" pitchFamily="34" charset="0"/>
+              </a:rPr>
+              <a:t>InfluxDB</a:t>
+            </a:r>
+            <a:br>
+              <a:rPr lang="en-US" b="1" dirty="0">
+                <a:latin typeface="Arial" panose="020B0604020202020204" pitchFamily="34" charset="0"/>
+                <a:cs typeface="Arial" panose="020B0604020202020204" pitchFamily="34" charset="0"/>
+              </a:rPr>
+            </a:br>
+            <a:r>
+              <a:rPr lang="en-US" b="1" dirty="0">
+                <a:latin typeface="Arial" panose="020B0604020202020204" pitchFamily="34" charset="0"/>
+                <a:cs typeface="Arial" panose="020B0604020202020204" pitchFamily="34" charset="0"/>
+              </a:rPr>
+              <a:t>Python </a:t>
+            </a:r>
+            <a:r>
+              <a:rPr lang="en-US" b="1" dirty="0" err="1">
+                <a:latin typeface="Arial" panose="020B0604020202020204" pitchFamily="34" charset="0"/>
+                <a:cs typeface="Arial" panose="020B0604020202020204" pitchFamily="34" charset="0"/>
+              </a:rPr>
+              <a:t>Programm</a:t>
+            </a:r>
+            <a:br>
+              <a:rPr lang="en-US" b="1" dirty="0">
+                <a:latin typeface="Arial" panose="020B0604020202020204" pitchFamily="34" charset="0"/>
+                <a:cs typeface="Arial" panose="020B0604020202020204" pitchFamily="34" charset="0"/>
+              </a:rPr>
+            </a:br>
+            <a:r>
+              <a:rPr lang="en-US" b="1" dirty="0">
+                <a:latin typeface="Arial" panose="020B0604020202020204" pitchFamily="34" charset="0"/>
+                <a:cs typeface="Arial" panose="020B0604020202020204" pitchFamily="34" charset="0"/>
+              </a:rPr>
+              <a:t>Flask Webserver</a:t>
+            </a:r>
+            <a:br>
+              <a:rPr lang="en-US" b="1" dirty="0">
+                <a:latin typeface="Arial" panose="020B0604020202020204" pitchFamily="34" charset="0"/>
+                <a:cs typeface="Arial" panose="020B0604020202020204" pitchFamily="34" charset="0"/>
+              </a:rPr>
+            </a:br>
+            <a:r>
+              <a:rPr lang="en-US" b="1" dirty="0">
+                <a:latin typeface="Arial" panose="020B0604020202020204" pitchFamily="34" charset="0"/>
+                <a:cs typeface="Arial" panose="020B0604020202020204" pitchFamily="34" charset="0"/>
+              </a:rPr>
+              <a:t>GUI Sketch</a:t>
+            </a:r>
+            <a:br>
+              <a:rPr lang="en-US" b="1" dirty="0">
+                <a:latin typeface="Arial" panose="020B0604020202020204" pitchFamily="34" charset="0"/>
+                <a:cs typeface="Arial" panose="020B0604020202020204" pitchFamily="34" charset="0"/>
+              </a:rPr>
+            </a:br>
+            <a:r>
+              <a:rPr lang="en-US" b="1" dirty="0" err="1">
+                <a:latin typeface="Arial" panose="020B0604020202020204" pitchFamily="34" charset="0"/>
+                <a:cs typeface="Arial" panose="020B0604020202020204" pitchFamily="34" charset="0"/>
+              </a:rPr>
+              <a:t>Endresultat</a:t>
+            </a:r>
+            <a:br>
+              <a:rPr lang="en-US" b="1" dirty="0">
+                <a:latin typeface="Arial" panose="020B0604020202020204" pitchFamily="34" charset="0"/>
+                <a:cs typeface="Arial" panose="020B0604020202020204" pitchFamily="34" charset="0"/>
+              </a:rPr>
+            </a:br>
+            <a:r>
+              <a:rPr lang="en-US" b="1" dirty="0" err="1">
+                <a:latin typeface="Arial" panose="020B0604020202020204" pitchFamily="34" charset="0"/>
+                <a:cs typeface="Arial" panose="020B0604020202020204" pitchFamily="34" charset="0"/>
+              </a:rPr>
+              <a:t>Weiterentwicklung</a:t>
+            </a:r>
+            <a:endParaRPr lang="en-CH" b="1" dirty="0">
+              <a:latin typeface="Arial" panose="020B0604020202020204" pitchFamily="34" charset="0"/>
+              <a:cs typeface="Arial" panose="020B0604020202020204" pitchFamily="34" charset="0"/>
+            </a:endParaRPr>
+          </a:p>
+        </p:txBody>
+      </p:sp>
+      <p:sp>
+        <p:nvSpPr>
+          <p:cNvPr id="8" name="Slide Number Placeholder 7">
+            <a:extLst>
+              <a:ext uri="{FF2B5EF4-FFF2-40B4-BE49-F238E27FC236}">
+                <a16:creationId xmlns:a16="http://schemas.microsoft.com/office/drawing/2014/main" id="{E5E3E861-4688-44FC-A05E-E446522B24DD}"/>
+              </a:ext>
+            </a:extLst>
+          </p:cNvPr>
+          <p:cNvSpPr>
+            <a:spLocks noGrp="1"/>
+          </p:cNvSpPr>
+          <p:nvPr>
+            <p:ph type="sldNum" sz="quarter" idx="12"/>
+          </p:nvPr>
+        </p:nvSpPr>
+        <p:spPr/>
+        <p:txBody>
+          <a:bodyPr/>
+          <a:lstStyle/>
+          <a:p>
+            <a:fld id="{0F00D740-55B1-4DC8-A3B5-4535950A93D0}" type="slidenum">
+              <a:rPr lang="en-CH" smtClean="0"/>
+              <a:t>3</a:t>
+            </a:fld>
+            <a:endParaRPr lang="en-CH"/>
+          </a:p>
+        </p:txBody>
+      </p:sp>
+    </p:spTree>
+    <p:extLst>
+      <p:ext uri="{BB962C8B-B14F-4D97-AF65-F5344CB8AC3E}">
+        <p14:creationId xmlns:p14="http://schemas.microsoft.com/office/powerpoint/2010/main" val="3155126413"/>
+      </p:ext>
+    </p:extLst>
+  </p:cSld>
+  <p:clrMapOvr>
+    <a:masterClrMapping/>
+  </p:clrMapOvr>
+  <mc:AlternateContent xmlns:mc="http://schemas.openxmlformats.org/markup-compatibility/2006" xmlns:p14="http://schemas.microsoft.com/office/powerpoint/2010/main">
+    <mc:Choice Requires="p14">
+      <p:transition spd="med" p14:dur="700">
+        <p:fade/>
+      </p:transition>
+    </mc:Choice>
+    <mc:Fallback xmlns="">
+      <p:transition spd="med">
+        <p:fade/>
+      </p:transition>
+    </mc:Fallback>
+  </mc:AlternateContent>
+</p:sld>
+</file>
+
+<file path=ppt/slides/slide30.xml><?xml version="1.0" encoding="utf-8"?>
+<p:sld xmlns:a="http://schemas.openxmlformats.org/drawingml/2006/main" xmlns:r="http://schemas.openxmlformats.org/officeDocument/2006/relationships" xmlns:p="http://schemas.openxmlformats.org/presentationml/2006/main">
+  <p:cSld>
+    <p:spTree>
+      <p:nvGrpSpPr>
+        <p:cNvPr id="1" name=""/>
+        <p:cNvGrpSpPr/>
+        <p:nvPr/>
+      </p:nvGrpSpPr>
+      <p:grpSpPr>
+        <a:xfrm>
+          <a:off x="0" y="0"/>
+          <a:ext cx="0" cy="0"/>
+          <a:chOff x="0" y="0"/>
+          <a:chExt cx="0" cy="0"/>
+        </a:xfrm>
+      </p:grpSpPr>
+      <p:sp>
+        <p:nvSpPr>
+          <p:cNvPr id="2" name="Title 1">
+            <a:extLst>
+              <a:ext uri="{FF2B5EF4-FFF2-40B4-BE49-F238E27FC236}">
                 <a16:creationId xmlns:a16="http://schemas.microsoft.com/office/drawing/2014/main" id="{4808087A-40EC-41E6-A246-BC46343A4BFC}"/>
               </a:ext>
             </a:extLst>
@@ -19769,7 +22624,7 @@
           <a:p>
             <a:fld id="{0F00D740-55B1-4DC8-A3B5-4535950A93D0}" type="slidenum">
               <a:rPr lang="en-CH" smtClean="0"/>
-              <a:t>28</a:t>
+              <a:t>30</a:t>
             </a:fld>
             <a:endParaRPr lang="en-CH" dirty="0"/>
           </a:p>
@@ -19989,7 +22844,7 @@
 </p:sld>
 </file>
 
-<file path=ppt/slides/slide29.xml><?xml version="1.0" encoding="utf-8"?>
+<file path=ppt/slides/slide31.xml><?xml version="1.0" encoding="utf-8"?>
 <p:sld xmlns:a="http://schemas.openxmlformats.org/drawingml/2006/main" xmlns:r="http://schemas.openxmlformats.org/officeDocument/2006/relationships" xmlns:p="http://schemas.openxmlformats.org/presentationml/2006/main">
   <p:cSld>
     <p:spTree>
@@ -20076,7 +22931,7 @@
           <a:p>
             <a:fld id="{0F00D740-55B1-4DC8-A3B5-4535950A93D0}" type="slidenum">
               <a:rPr lang="en-CH" smtClean="0"/>
-              <a:t>29</a:t>
+              <a:t>31</a:t>
             </a:fld>
             <a:endParaRPr lang="en-CH"/>
           </a:p>
@@ -20710,7 +23565,7 @@
 </p:sld>
 </file>
 
-<file path=ppt/slides/slide3.xml><?xml version="1.0" encoding="utf-8"?>
+<file path=ppt/slides/slide32.xml><?xml version="1.0" encoding="utf-8"?>
 <p:sld xmlns:a="http://schemas.openxmlformats.org/drawingml/2006/main" xmlns:r="http://schemas.openxmlformats.org/officeDocument/2006/relationships" xmlns:p="http://schemas.openxmlformats.org/presentationml/2006/main">
   <p:cSld>
     <p:spTree>
@@ -20732,7 +23587,7 @@
           <p:cNvPr id="2" name="Title 1">
             <a:extLst>
               <a:ext uri="{FF2B5EF4-FFF2-40B4-BE49-F238E27FC236}">
-                <a16:creationId xmlns:a16="http://schemas.microsoft.com/office/drawing/2014/main" id="{F1AE8F4F-038B-4ABA-A89F-CA33847A9E12}"/>
+                <a16:creationId xmlns:a16="http://schemas.microsoft.com/office/drawing/2014/main" id="{4808087A-40EC-41E6-A246-BC46343A4BFC}"/>
               </a:ext>
             </a:extLst>
           </p:cNvPr>
@@ -20743,35 +23598,19 @@
             <p:ph type="title"/>
           </p:nvPr>
         </p:nvSpPr>
-        <p:spPr>
-          <a:xfrm>
-            <a:off x="838200" y="365125"/>
-            <a:ext cx="10515600" cy="5702300"/>
-          </a:xfrm>
-        </p:spPr>
+        <p:spPr/>
         <p:txBody>
           <a:bodyPr>
-            <a:normAutofit fontScale="90000"/>
+            <a:normAutofit/>
           </a:bodyPr>
           <a:lstStyle/>
           <a:p>
-            <a:pPr algn="ctr">
-              <a:lnSpc>
-                <a:spcPct val="125000"/>
-              </a:lnSpc>
-              <a:spcBef>
-                <a:spcPts val="0"/>
-              </a:spcBef>
-            </a:pPr>
-            <a:r>
-              <a:rPr lang="en-US" b="1" dirty="0" err="1">
-                <a:highlight>
-                  <a:srgbClr val="FAE800"/>
-                </a:highlight>
+            <a:r>
+              <a:rPr lang="en-US" b="1" dirty="0">
                 <a:latin typeface="Arial" panose="020B0604020202020204" pitchFamily="34" charset="0"/>
                 <a:cs typeface="Arial" panose="020B0604020202020204" pitchFamily="34" charset="0"/>
               </a:rPr>
-              <a:t>Auftrag</a:t>
+              <a:t>Flask Webserver</a:t>
             </a:r>
             <a:br>
               <a:rPr lang="en-US" b="1" dirty="0">
@@ -20780,110 +23619,22 @@
               </a:rPr>
             </a:br>
             <a:r>
-              <a:rPr lang="en-US" b="1" dirty="0">
+              <a:rPr lang="en-US" sz="3600" i="1" dirty="0">
                 <a:latin typeface="Arial" panose="020B0604020202020204" pitchFamily="34" charset="0"/>
                 <a:cs typeface="Arial" panose="020B0604020202020204" pitchFamily="34" charset="0"/>
               </a:rPr>
-              <a:t>Hardware</a:t>
-            </a:r>
-            <a:br>
-              <a:rPr lang="en-US" b="1" dirty="0">
-                <a:latin typeface="Arial" panose="020B0604020202020204" pitchFamily="34" charset="0"/>
-                <a:cs typeface="Arial" panose="020B0604020202020204" pitchFamily="34" charset="0"/>
-              </a:rPr>
-            </a:br>
-            <a:r>
-              <a:rPr lang="en-US" b="1" dirty="0" err="1">
-                <a:latin typeface="Arial" panose="020B0604020202020204" pitchFamily="34" charset="0"/>
-                <a:cs typeface="Arial" panose="020B0604020202020204" pitchFamily="34" charset="0"/>
-              </a:rPr>
-              <a:t>InfluxDB</a:t>
-            </a:r>
-            <a:br>
-              <a:rPr lang="en-US" b="1" dirty="0">
-                <a:latin typeface="Arial" panose="020B0604020202020204" pitchFamily="34" charset="0"/>
-                <a:cs typeface="Arial" panose="020B0604020202020204" pitchFamily="34" charset="0"/>
-              </a:rPr>
-            </a:br>
-            <a:r>
-              <a:rPr lang="en-US" b="1" dirty="0">
-                <a:latin typeface="Arial" panose="020B0604020202020204" pitchFamily="34" charset="0"/>
-                <a:cs typeface="Arial" panose="020B0604020202020204" pitchFamily="34" charset="0"/>
-              </a:rPr>
-              <a:t>Python </a:t>
-            </a:r>
-            <a:r>
-              <a:rPr lang="en-US" b="1" dirty="0" err="1">
-                <a:latin typeface="Arial" panose="020B0604020202020204" pitchFamily="34" charset="0"/>
-                <a:cs typeface="Arial" panose="020B0604020202020204" pitchFamily="34" charset="0"/>
-              </a:rPr>
-              <a:t>Programm</a:t>
-            </a:r>
-            <a:br>
-              <a:rPr lang="en-US" b="1" dirty="0">
-                <a:latin typeface="Arial" panose="020B0604020202020204" pitchFamily="34" charset="0"/>
-                <a:cs typeface="Arial" panose="020B0604020202020204" pitchFamily="34" charset="0"/>
-              </a:rPr>
-            </a:br>
-            <a:r>
-              <a:rPr lang="en-US" b="1" dirty="0">
-                <a:latin typeface="Arial" panose="020B0604020202020204" pitchFamily="34" charset="0"/>
-                <a:cs typeface="Arial" panose="020B0604020202020204" pitchFamily="34" charset="0"/>
-              </a:rPr>
-              <a:t>Flask Webserver</a:t>
-            </a:r>
-            <a:br>
-              <a:rPr lang="en-US" b="1" dirty="0">
-                <a:latin typeface="Arial" panose="020B0604020202020204" pitchFamily="34" charset="0"/>
-                <a:cs typeface="Arial" panose="020B0604020202020204" pitchFamily="34" charset="0"/>
-              </a:rPr>
-            </a:br>
-            <a:r>
-              <a:rPr lang="en-US" b="1" dirty="0">
-                <a:latin typeface="Arial" panose="020B0604020202020204" pitchFamily="34" charset="0"/>
-                <a:cs typeface="Arial" panose="020B0604020202020204" pitchFamily="34" charset="0"/>
-              </a:rPr>
-              <a:t>GUI Sketch</a:t>
-            </a:r>
-            <a:br>
-              <a:rPr lang="en-US" b="1" dirty="0">
-                <a:latin typeface="Arial" panose="020B0604020202020204" pitchFamily="34" charset="0"/>
-                <a:cs typeface="Arial" panose="020B0604020202020204" pitchFamily="34" charset="0"/>
-              </a:rPr>
-            </a:br>
-            <a:r>
-              <a:rPr lang="en-US" b="1" dirty="0" err="1">
-                <a:latin typeface="Arial" panose="020B0604020202020204" pitchFamily="34" charset="0"/>
-                <a:cs typeface="Arial" panose="020B0604020202020204" pitchFamily="34" charset="0"/>
-              </a:rPr>
-              <a:t>Endresultat</a:t>
-            </a:r>
-            <a:br>
-              <a:rPr lang="en-US" b="1" dirty="0">
-                <a:latin typeface="Arial" panose="020B0604020202020204" pitchFamily="34" charset="0"/>
-                <a:cs typeface="Arial" panose="020B0604020202020204" pitchFamily="34" charset="0"/>
-              </a:rPr>
-            </a:br>
-            <a:r>
-              <a:rPr lang="en-US" b="1" dirty="0" err="1">
-                <a:latin typeface="Arial" panose="020B0604020202020204" pitchFamily="34" charset="0"/>
-                <a:cs typeface="Arial" panose="020B0604020202020204" pitchFamily="34" charset="0"/>
-              </a:rPr>
-              <a:t>Weiterentwicklung</a:t>
-            </a:r>
-            <a:endParaRPr lang="en-CH" b="1" dirty="0">
-              <a:latin typeface="Arial" panose="020B0604020202020204" pitchFamily="34" charset="0"/>
-              <a:cs typeface="Arial" panose="020B0604020202020204" pitchFamily="34" charset="0"/>
-            </a:endParaRPr>
+              <a:t>routing in main.py</a:t>
+            </a:r>
+            <a:endParaRPr lang="en-CH" dirty="0"/>
           </a:p>
         </p:txBody>
       </p:sp>
       <p:sp>
         <p:nvSpPr>
-          <p:cNvPr id="8" name="Slide Number Placeholder 7">
+          <p:cNvPr id="4" name="Slide Number Placeholder 3">
             <a:extLst>
               <a:ext uri="{FF2B5EF4-FFF2-40B4-BE49-F238E27FC236}">
-                <a16:creationId xmlns:a16="http://schemas.microsoft.com/office/drawing/2014/main" id="{E5E3E861-4688-44FC-A05E-E446522B24DD}"/>
+                <a16:creationId xmlns:a16="http://schemas.microsoft.com/office/drawing/2014/main" id="{25E7D99B-055F-46C1-9ED3-2255A4486B53}"/>
               </a:ext>
             </a:extLst>
           </p:cNvPr>
@@ -20901,125 +23652,7 @@
           <a:p>
             <a:fld id="{0F00D740-55B1-4DC8-A3B5-4535950A93D0}" type="slidenum">
               <a:rPr lang="en-CH" smtClean="0"/>
-              <a:t>3</a:t>
-            </a:fld>
-            <a:endParaRPr lang="en-CH"/>
-          </a:p>
-        </p:txBody>
-      </p:sp>
-    </p:spTree>
-    <p:extLst>
-      <p:ext uri="{BB962C8B-B14F-4D97-AF65-F5344CB8AC3E}">
-        <p14:creationId xmlns:p14="http://schemas.microsoft.com/office/powerpoint/2010/main" val="3155126413"/>
-      </p:ext>
-    </p:extLst>
-  </p:cSld>
-  <p:clrMapOvr>
-    <a:masterClrMapping/>
-  </p:clrMapOvr>
-  <mc:AlternateContent xmlns:mc="http://schemas.openxmlformats.org/markup-compatibility/2006" xmlns:p14="http://schemas.microsoft.com/office/powerpoint/2010/main">
-    <mc:Choice Requires="p14">
-      <p:transition spd="med" p14:dur="700">
-        <p:fade/>
-      </p:transition>
-    </mc:Choice>
-    <mc:Fallback xmlns="">
-      <p:transition spd="med">
-        <p:fade/>
-      </p:transition>
-    </mc:Fallback>
-  </mc:AlternateContent>
-</p:sld>
-</file>
-
-<file path=ppt/slides/slide30.xml><?xml version="1.0" encoding="utf-8"?>
-<p:sld xmlns:a="http://schemas.openxmlformats.org/drawingml/2006/main" xmlns:r="http://schemas.openxmlformats.org/officeDocument/2006/relationships" xmlns:p="http://schemas.openxmlformats.org/presentationml/2006/main">
-  <p:cSld>
-    <p:spTree>
-      <p:nvGrpSpPr>
-        <p:cNvPr id="1" name=""/>
-        <p:cNvGrpSpPr/>
-        <p:nvPr/>
-      </p:nvGrpSpPr>
-      <p:grpSpPr>
-        <a:xfrm>
-          <a:off x="0" y="0"/>
-          <a:ext cx="0" cy="0"/>
-          <a:chOff x="0" y="0"/>
-          <a:chExt cx="0" cy="0"/>
-        </a:xfrm>
-      </p:grpSpPr>
-      <p:sp>
-        <p:nvSpPr>
-          <p:cNvPr id="2" name="Title 1">
-            <a:extLst>
-              <a:ext uri="{FF2B5EF4-FFF2-40B4-BE49-F238E27FC236}">
-                <a16:creationId xmlns:a16="http://schemas.microsoft.com/office/drawing/2014/main" id="{4808087A-40EC-41E6-A246-BC46343A4BFC}"/>
-              </a:ext>
-            </a:extLst>
-          </p:cNvPr>
-          <p:cNvSpPr>
-            <a:spLocks noGrp="1"/>
-          </p:cNvSpPr>
-          <p:nvPr>
-            <p:ph type="title"/>
-          </p:nvPr>
-        </p:nvSpPr>
-        <p:spPr/>
-        <p:txBody>
-          <a:bodyPr>
-            <a:normAutofit/>
-          </a:bodyPr>
-          <a:lstStyle/>
-          <a:p>
-            <a:r>
-              <a:rPr lang="en-US" b="1" dirty="0">
-                <a:latin typeface="Arial" panose="020B0604020202020204" pitchFamily="34" charset="0"/>
-                <a:cs typeface="Arial" panose="020B0604020202020204" pitchFamily="34" charset="0"/>
-              </a:rPr>
-              <a:t>Flask Webserver</a:t>
-            </a:r>
-            <a:br>
-              <a:rPr lang="en-US" b="1" dirty="0">
-                <a:latin typeface="Arial" panose="020B0604020202020204" pitchFamily="34" charset="0"/>
-                <a:cs typeface="Arial" panose="020B0604020202020204" pitchFamily="34" charset="0"/>
-              </a:rPr>
-            </a:br>
-            <a:r>
-              <a:rPr lang="en-US" sz="3600" i="1" dirty="0">
-                <a:latin typeface="Arial" panose="020B0604020202020204" pitchFamily="34" charset="0"/>
-                <a:cs typeface="Arial" panose="020B0604020202020204" pitchFamily="34" charset="0"/>
-              </a:rPr>
-              <a:t>routing in main.py</a:t>
-            </a:r>
-            <a:endParaRPr lang="en-CH" dirty="0"/>
-          </a:p>
-        </p:txBody>
-      </p:sp>
-      <p:sp>
-        <p:nvSpPr>
-          <p:cNvPr id="4" name="Slide Number Placeholder 3">
-            <a:extLst>
-              <a:ext uri="{FF2B5EF4-FFF2-40B4-BE49-F238E27FC236}">
-                <a16:creationId xmlns:a16="http://schemas.microsoft.com/office/drawing/2014/main" id="{25E7D99B-055F-46C1-9ED3-2255A4486B53}"/>
-              </a:ext>
-            </a:extLst>
-          </p:cNvPr>
-          <p:cNvSpPr>
-            <a:spLocks noGrp="1"/>
-          </p:cNvSpPr>
-          <p:nvPr>
-            <p:ph type="sldNum" sz="quarter" idx="12"/>
-          </p:nvPr>
-        </p:nvSpPr>
-        <p:spPr/>
-        <p:txBody>
-          <a:bodyPr/>
-          <a:lstStyle/>
-          <a:p>
-            <a:fld id="{0F00D740-55B1-4DC8-A3B5-4535950A93D0}" type="slidenum">
-              <a:rPr lang="en-CH" smtClean="0"/>
-              <a:t>30</a:t>
+              <a:t>32</a:t>
             </a:fld>
             <a:endParaRPr lang="en-CH"/>
           </a:p>
@@ -21356,7 +23989,7 @@
 </p:sld>
 </file>
 
-<file path=ppt/slides/slide31.xml><?xml version="1.0" encoding="utf-8"?>
+<file path=ppt/slides/slide33.xml><?xml version="1.0" encoding="utf-8"?>
 <p:sld xmlns:a="http://schemas.openxmlformats.org/drawingml/2006/main" xmlns:r="http://schemas.openxmlformats.org/officeDocument/2006/relationships" xmlns:p="http://schemas.openxmlformats.org/presentationml/2006/main">
   <p:cSld>
     <p:spTree>
@@ -21666,7 +24299,7 @@
           <a:p>
             <a:fld id="{0F00D740-55B1-4DC8-A3B5-4535950A93D0}" type="slidenum">
               <a:rPr lang="en-CH" smtClean="0"/>
-              <a:t>31</a:t>
+              <a:t>33</a:t>
             </a:fld>
             <a:endParaRPr lang="en-CH"/>
           </a:p>
@@ -21850,7 +24483,7 @@
 </p:sld>
 </file>
 
-<file path=ppt/slides/slide32.xml><?xml version="1.0" encoding="utf-8"?>
+<file path=ppt/slides/slide34.xml><?xml version="1.0" encoding="utf-8"?>
 <p:sld xmlns:a="http://schemas.openxmlformats.org/drawingml/2006/main" xmlns:r="http://schemas.openxmlformats.org/officeDocument/2006/relationships" xmlns:p="http://schemas.openxmlformats.org/presentationml/2006/main">
   <p:cSld>
     <p:spTree>
@@ -22041,7 +24674,7 @@
           <a:p>
             <a:fld id="{0F00D740-55B1-4DC8-A3B5-4535950A93D0}" type="slidenum">
               <a:rPr lang="en-CH" smtClean="0"/>
-              <a:t>32</a:t>
+              <a:t>34</a:t>
             </a:fld>
             <a:endParaRPr lang="en-CH"/>
           </a:p>
@@ -22072,7 +24705,7 @@
 </p:sld>
 </file>
 
-<file path=ppt/slides/slide33.xml><?xml version="1.0" encoding="utf-8"?>
+<file path=ppt/slides/slide35.xml><?xml version="1.0" encoding="utf-8"?>
 <p:sld xmlns:a="http://schemas.openxmlformats.org/drawingml/2006/main" xmlns:r="http://schemas.openxmlformats.org/officeDocument/2006/relationships" xmlns:p="http://schemas.openxmlformats.org/presentationml/2006/main">
   <p:cSld>
     <p:spTree>
@@ -22201,7 +24834,7 @@
           <a:p>
             <a:fld id="{0F00D740-55B1-4DC8-A3B5-4535950A93D0}" type="slidenum">
               <a:rPr lang="en-CH" smtClean="0"/>
-              <a:t>33</a:t>
+              <a:t>35</a:t>
             </a:fld>
             <a:endParaRPr lang="en-CH"/>
           </a:p>
@@ -22385,7 +25018,7 @@
 </p:sld>
 </file>
 
-<file path=ppt/slides/slide34.xml><?xml version="1.0" encoding="utf-8"?>
+<file path=ppt/slides/slide36.xml><?xml version="1.0" encoding="utf-8"?>
 <p:sld xmlns:a="http://schemas.openxmlformats.org/drawingml/2006/main" xmlns:r="http://schemas.openxmlformats.org/officeDocument/2006/relationships" xmlns:p="http://schemas.openxmlformats.org/presentationml/2006/main">
   <p:cSld>
     <p:spTree>
@@ -22514,7 +25147,7 @@
           <a:p>
             <a:fld id="{0F00D740-55B1-4DC8-A3B5-4535950A93D0}" type="slidenum">
               <a:rPr lang="en-CH" smtClean="0"/>
-              <a:t>34</a:t>
+              <a:t>36</a:t>
             </a:fld>
             <a:endParaRPr lang="en-CH"/>
           </a:p>
@@ -22698,7 +25331,7 @@
 </p:sld>
 </file>
 
-<file path=ppt/slides/slide35.xml><?xml version="1.0" encoding="utf-8"?>
+<file path=ppt/slides/slide37.xml><?xml version="1.0" encoding="utf-8"?>
 <p:sld xmlns:a="http://schemas.openxmlformats.org/drawingml/2006/main" xmlns:r="http://schemas.openxmlformats.org/officeDocument/2006/relationships" xmlns:p="http://schemas.openxmlformats.org/presentationml/2006/main">
   <p:cSld>
     <p:spTree>
@@ -22827,7 +25460,7 @@
           <a:p>
             <a:fld id="{0F00D740-55B1-4DC8-A3B5-4535950A93D0}" type="slidenum">
               <a:rPr lang="en-CH" smtClean="0"/>
-              <a:t>35</a:t>
+              <a:t>37</a:t>
             </a:fld>
             <a:endParaRPr lang="en-CH"/>
           </a:p>
@@ -23011,7 +25644,7 @@
 </p:sld>
 </file>
 
-<file path=ppt/slides/slide36.xml><?xml version="1.0" encoding="utf-8"?>
+<file path=ppt/slides/slide38.xml><?xml version="1.0" encoding="utf-8"?>
 <p:sld xmlns:a="http://schemas.openxmlformats.org/drawingml/2006/main" xmlns:r="http://schemas.openxmlformats.org/officeDocument/2006/relationships" xmlns:p="http://schemas.openxmlformats.org/presentationml/2006/main">
   <p:cSld>
     <p:spTree>
@@ -23202,7 +25835,7 @@
           <a:p>
             <a:fld id="{0F00D740-55B1-4DC8-A3B5-4535950A93D0}" type="slidenum">
               <a:rPr lang="en-CH" smtClean="0"/>
-              <a:t>36</a:t>
+              <a:t>38</a:t>
             </a:fld>
             <a:endParaRPr lang="en-CH"/>
           </a:p>
@@ -23233,7 +25866,7 @@
 </p:sld>
 </file>
 
-<file path=ppt/slides/slide37.xml><?xml version="1.0" encoding="utf-8"?>
+<file path=ppt/slides/slide39.xml><?xml version="1.0" encoding="utf-8"?>
 <p:sld xmlns:a="http://schemas.openxmlformats.org/drawingml/2006/main" xmlns:r="http://schemas.openxmlformats.org/officeDocument/2006/relationships" xmlns:p="http://schemas.openxmlformats.org/presentationml/2006/main">
   <p:cSld>
     <p:spTree>
@@ -23320,7 +25953,7 @@
           <a:p>
             <a:fld id="{0F00D740-55B1-4DC8-A3B5-4535950A93D0}" type="slidenum">
               <a:rPr lang="en-CH" smtClean="0"/>
-              <a:t>37</a:t>
+              <a:t>39</a:t>
             </a:fld>
             <a:endParaRPr lang="en-CH"/>
           </a:p>
@@ -23809,758 +26442,6 @@
     <p:extLst>
       <p:ext uri="{BB962C8B-B14F-4D97-AF65-F5344CB8AC3E}">
         <p14:creationId xmlns:p14="http://schemas.microsoft.com/office/powerpoint/2010/main" val="546909766"/>
-      </p:ext>
-    </p:extLst>
-  </p:cSld>
-  <p:clrMapOvr>
-    <a:masterClrMapping/>
-  </p:clrMapOvr>
-  <mc:AlternateContent xmlns:mc="http://schemas.openxmlformats.org/markup-compatibility/2006" xmlns:p14="http://schemas.microsoft.com/office/powerpoint/2010/main">
-    <mc:Choice Requires="p14">
-      <p:transition spd="med" p14:dur="700">
-        <p:fade/>
-      </p:transition>
-    </mc:Choice>
-    <mc:Fallback xmlns="">
-      <p:transition spd="med">
-        <p:fade/>
-      </p:transition>
-    </mc:Fallback>
-  </mc:AlternateContent>
-</p:sld>
-</file>
-
-<file path=ppt/slides/slide38.xml><?xml version="1.0" encoding="utf-8"?>
-<p:sld xmlns:a="http://schemas.openxmlformats.org/drawingml/2006/main" xmlns:r="http://schemas.openxmlformats.org/officeDocument/2006/relationships" xmlns:p="http://schemas.openxmlformats.org/presentationml/2006/main">
-  <p:cSld>
-    <p:spTree>
-      <p:nvGrpSpPr>
-        <p:cNvPr id="1" name=""/>
-        <p:cNvGrpSpPr/>
-        <p:nvPr/>
-      </p:nvGrpSpPr>
-      <p:grpSpPr>
-        <a:xfrm>
-          <a:off x="0" y="0"/>
-          <a:ext cx="0" cy="0"/>
-          <a:chOff x="0" y="0"/>
-          <a:chExt cx="0" cy="0"/>
-        </a:xfrm>
-      </p:grpSpPr>
-      <p:sp>
-        <p:nvSpPr>
-          <p:cNvPr id="2" name="Title 1">
-            <a:extLst>
-              <a:ext uri="{FF2B5EF4-FFF2-40B4-BE49-F238E27FC236}">
-                <a16:creationId xmlns:a16="http://schemas.microsoft.com/office/drawing/2014/main" id="{4808087A-40EC-41E6-A246-BC46343A4BFC}"/>
-              </a:ext>
-            </a:extLst>
-          </p:cNvPr>
-          <p:cNvSpPr>
-            <a:spLocks noGrp="1"/>
-          </p:cNvSpPr>
-          <p:nvPr>
-            <p:ph type="title"/>
-          </p:nvPr>
-        </p:nvSpPr>
-        <p:spPr/>
-        <p:txBody>
-          <a:bodyPr>
-            <a:normAutofit/>
-          </a:bodyPr>
-          <a:lstStyle/>
-          <a:p>
-            <a:r>
-              <a:rPr lang="en-US" b="1" dirty="0" err="1">
-                <a:latin typeface="Arial" panose="020B0604020202020204" pitchFamily="34" charset="0"/>
-                <a:cs typeface="Arial" panose="020B0604020202020204" pitchFamily="34" charset="0"/>
-              </a:rPr>
-              <a:t>Endresultat</a:t>
-            </a:r>
-            <a:br>
-              <a:rPr lang="en-US" b="1" dirty="0">
-                <a:latin typeface="Arial" panose="020B0604020202020204" pitchFamily="34" charset="0"/>
-                <a:cs typeface="Arial" panose="020B0604020202020204" pitchFamily="34" charset="0"/>
-              </a:rPr>
-            </a:br>
-            <a:r>
-              <a:rPr lang="en-US" i="1" dirty="0" err="1">
-                <a:latin typeface="Arial" panose="020B0604020202020204" pitchFamily="34" charset="0"/>
-                <a:cs typeface="Arial" panose="020B0604020202020204" pitchFamily="34" charset="0"/>
-              </a:rPr>
-              <a:t>Wettermonitor</a:t>
-            </a:r>
-            <a:r>
-              <a:rPr lang="en-US" i="1" dirty="0">
-                <a:latin typeface="Arial" panose="020B0604020202020204" pitchFamily="34" charset="0"/>
-                <a:cs typeface="Arial" panose="020B0604020202020204" pitchFamily="34" charset="0"/>
-              </a:rPr>
-              <a:t> Setup</a:t>
-            </a:r>
-            <a:endParaRPr lang="en-CH" dirty="0"/>
-          </a:p>
-        </p:txBody>
-      </p:sp>
-      <p:sp>
-        <p:nvSpPr>
-          <p:cNvPr id="4" name="Slide Number Placeholder 3">
-            <a:extLst>
-              <a:ext uri="{FF2B5EF4-FFF2-40B4-BE49-F238E27FC236}">
-                <a16:creationId xmlns:a16="http://schemas.microsoft.com/office/drawing/2014/main" id="{25E7D99B-055F-46C1-9ED3-2255A4486B53}"/>
-              </a:ext>
-            </a:extLst>
-          </p:cNvPr>
-          <p:cNvSpPr>
-            <a:spLocks noGrp="1"/>
-          </p:cNvSpPr>
-          <p:nvPr>
-            <p:ph type="sldNum" sz="quarter" idx="12"/>
-          </p:nvPr>
-        </p:nvSpPr>
-        <p:spPr/>
-        <p:txBody>
-          <a:bodyPr/>
-          <a:lstStyle/>
-          <a:p>
-            <a:fld id="{0F00D740-55B1-4DC8-A3B5-4535950A93D0}" type="slidenum">
-              <a:rPr lang="en-CH" smtClean="0"/>
-              <a:t>38</a:t>
-            </a:fld>
-            <a:endParaRPr lang="en-CH"/>
-          </a:p>
-        </p:txBody>
-      </p:sp>
-      <p:grpSp>
-        <p:nvGrpSpPr>
-          <p:cNvPr id="5" name="Group 4">
-            <a:extLst>
-              <a:ext uri="{FF2B5EF4-FFF2-40B4-BE49-F238E27FC236}">
-                <a16:creationId xmlns:a16="http://schemas.microsoft.com/office/drawing/2014/main" id="{4EC58CAD-48B2-4835-9E3B-91425F5E9895}"/>
-              </a:ext>
-            </a:extLst>
-          </p:cNvPr>
-          <p:cNvGrpSpPr/>
-          <p:nvPr/>
-        </p:nvGrpSpPr>
-        <p:grpSpPr>
-          <a:xfrm>
-            <a:off x="8990330" y="5808980"/>
-            <a:ext cx="3774440" cy="764540"/>
-            <a:chOff x="8990330" y="5808980"/>
-            <a:chExt cx="3774440" cy="764540"/>
-          </a:xfrm>
-        </p:grpSpPr>
-        <p:pic>
-          <p:nvPicPr>
-            <p:cNvPr id="6" name="Picture 5">
-              <a:extLst>
-                <a:ext uri="{FF2B5EF4-FFF2-40B4-BE49-F238E27FC236}">
-                  <a16:creationId xmlns:a16="http://schemas.microsoft.com/office/drawing/2014/main" id="{022721ED-DE7C-4BE7-8FB8-448D5A1D2FA3}"/>
-                </a:ext>
-              </a:extLst>
-            </p:cNvPr>
-            <p:cNvPicPr>
-              <a:picLocks noChangeAspect="1"/>
-            </p:cNvPicPr>
-            <p:nvPr/>
-          </p:nvPicPr>
-          <p:blipFill>
-            <a:blip r:embed="rId3" cstate="print">
-              <a:extLst>
-                <a:ext uri="{28A0092B-C50C-407E-A947-70E740481C1C}">
-                  <a14:useLocalDpi xmlns:a14="http://schemas.microsoft.com/office/drawing/2010/main" val="0"/>
-                </a:ext>
-              </a:extLst>
-            </a:blip>
-            <a:srcRect/>
-            <a:stretch>
-              <a:fillRect/>
-            </a:stretch>
-          </p:blipFill>
-          <p:spPr bwMode="auto">
-            <a:xfrm>
-              <a:off x="8990330" y="5808980"/>
-              <a:ext cx="942340" cy="558800"/>
-            </a:xfrm>
-            <a:prstGeom prst="rect">
-              <a:avLst/>
-            </a:prstGeom>
-            <a:noFill/>
-            <a:ln>
-              <a:noFill/>
-            </a:ln>
-          </p:spPr>
-        </p:pic>
-        <p:sp>
-          <p:nvSpPr>
-            <p:cNvPr id="7" name="Text Box 11">
-              <a:extLst>
-                <a:ext uri="{FF2B5EF4-FFF2-40B4-BE49-F238E27FC236}">
-                  <a16:creationId xmlns:a16="http://schemas.microsoft.com/office/drawing/2014/main" id="{D3B6ED79-9CCE-4997-8EDA-DFDF7934B22B}"/>
-                </a:ext>
-              </a:extLst>
-            </p:cNvPr>
-            <p:cNvSpPr txBox="1"/>
-            <p:nvPr/>
-          </p:nvSpPr>
-          <p:spPr>
-            <a:xfrm>
-              <a:off x="9999980" y="5923280"/>
-              <a:ext cx="2764790" cy="650240"/>
-            </a:xfrm>
-            <a:prstGeom prst="rect">
-              <a:avLst/>
-            </a:prstGeom>
-            <a:noFill/>
-            <a:ln w="6350">
-              <a:noFill/>
-            </a:ln>
-          </p:spPr>
-          <p:txBody>
-            <a:bodyPr rot="0" spcFirstLastPara="0" vert="horz" wrap="square" lIns="91440" tIns="45720" rIns="91440" bIns="45720" numCol="1" spcCol="0" rtlCol="0" fromWordArt="0" anchor="t" anchorCtr="0" forceAA="0" compatLnSpc="1">
-              <a:prstTxWarp prst="textNoShape">
-                <a:avLst/>
-              </a:prstTxWarp>
-              <a:noAutofit/>
-            </a:bodyPr>
-            <a:lstStyle/>
-            <a:p>
-              <a:pPr>
-                <a:lnSpc>
-                  <a:spcPct val="115000"/>
-                </a:lnSpc>
-              </a:pPr>
-              <a:r>
-                <a:rPr lang="en-US" sz="900" b="1">
-                  <a:solidFill>
-                    <a:srgbClr val="44546A"/>
-                  </a:solidFill>
-                  <a:effectLst/>
-                  <a:latin typeface="Calibri" panose="020F0502020204030204" pitchFamily="34" charset="0"/>
-                  <a:ea typeface="Times New Roman" panose="02020603050405020304" pitchFamily="18" charset="0"/>
-                  <a:cs typeface="Times New Roman" panose="02020603050405020304" pitchFamily="18" charset="0"/>
-                </a:rPr>
-                <a:t>Fachhochschule Nordwestschweiz</a:t>
-              </a:r>
-              <a:endParaRPr lang="en-CH" sz="1400" b="1">
-                <a:solidFill>
-                  <a:srgbClr val="44546A"/>
-                </a:solidFill>
-                <a:effectLst/>
-                <a:latin typeface="Calibri" panose="020F0502020204030204" pitchFamily="34" charset="0"/>
-                <a:ea typeface="Times New Roman" panose="02020603050405020304" pitchFamily="18" charset="0"/>
-                <a:cs typeface="Times New Roman" panose="02020603050405020304" pitchFamily="18" charset="0"/>
-              </a:endParaRPr>
-            </a:p>
-            <a:p>
-              <a:pPr>
-                <a:lnSpc>
-                  <a:spcPct val="115000"/>
-                </a:lnSpc>
-              </a:pPr>
-              <a:r>
-                <a:rPr lang="en-US" sz="900" b="1">
-                  <a:solidFill>
-                    <a:srgbClr val="44546A"/>
-                  </a:solidFill>
-                  <a:effectLst/>
-                  <a:latin typeface="Calibri" panose="020F0502020204030204" pitchFamily="34" charset="0"/>
-                  <a:ea typeface="Times New Roman" panose="02020603050405020304" pitchFamily="18" charset="0"/>
-                  <a:cs typeface="Times New Roman" panose="02020603050405020304" pitchFamily="18" charset="0"/>
-                </a:rPr>
-                <a:t>Hochschule für Technik</a:t>
-              </a:r>
-              <a:endParaRPr lang="en-CH" sz="1400" b="1">
-                <a:solidFill>
-                  <a:srgbClr val="44546A"/>
-                </a:solidFill>
-                <a:effectLst/>
-                <a:latin typeface="Calibri" panose="020F0502020204030204" pitchFamily="34" charset="0"/>
-                <a:ea typeface="Times New Roman" panose="02020603050405020304" pitchFamily="18" charset="0"/>
-                <a:cs typeface="Times New Roman" panose="02020603050405020304" pitchFamily="18" charset="0"/>
-              </a:endParaRPr>
-            </a:p>
-          </p:txBody>
-        </p:sp>
-      </p:grpSp>
-      <p:pic>
-        <p:nvPicPr>
-          <p:cNvPr id="1026" name="Picture 2" descr="Script free icon">
-            <a:extLst>
-              <a:ext uri="{FF2B5EF4-FFF2-40B4-BE49-F238E27FC236}">
-                <a16:creationId xmlns:a16="http://schemas.microsoft.com/office/drawing/2014/main" id="{FEB24AA8-B371-4949-A0A9-0F73B2119230}"/>
-              </a:ext>
-            </a:extLst>
-          </p:cNvPr>
-          <p:cNvPicPr>
-            <a:picLocks noChangeAspect="1" noChangeArrowheads="1"/>
-          </p:cNvPicPr>
-          <p:nvPr/>
-        </p:nvPicPr>
-        <p:blipFill>
-          <a:blip r:embed="rId4">
-            <a:extLst>
-              <a:ext uri="{28A0092B-C50C-407E-A947-70E740481C1C}">
-                <a14:useLocalDpi xmlns:a14="http://schemas.microsoft.com/office/drawing/2010/main" val="0"/>
-              </a:ext>
-            </a:extLst>
-          </a:blip>
-          <a:srcRect/>
-          <a:stretch>
-            <a:fillRect/>
-          </a:stretch>
-        </p:blipFill>
-        <p:spPr bwMode="auto">
-          <a:xfrm>
-            <a:off x="2230821" y="3023137"/>
-            <a:ext cx="843455" cy="843455"/>
-          </a:xfrm>
-          <a:prstGeom prst="rect">
-            <a:avLst/>
-          </a:prstGeom>
-          <a:noFill/>
-          <a:extLst>
-            <a:ext uri="{909E8E84-426E-40DD-AFC4-6F175D3DCCD1}">
-              <a14:hiddenFill xmlns:a14="http://schemas.microsoft.com/office/drawing/2010/main">
-                <a:solidFill>
-                  <a:srgbClr val="FFFFFF"/>
-                </a:solidFill>
-              </a14:hiddenFill>
-            </a:ext>
-          </a:extLst>
-        </p:spPr>
-      </p:pic>
-      <p:sp>
-        <p:nvSpPr>
-          <p:cNvPr id="3" name="Textfeld 2">
-            <a:extLst>
-              <a:ext uri="{FF2B5EF4-FFF2-40B4-BE49-F238E27FC236}">
-                <a16:creationId xmlns:a16="http://schemas.microsoft.com/office/drawing/2014/main" id="{E925F671-A74C-4193-8758-C984C754ECB4}"/>
-              </a:ext>
-            </a:extLst>
-          </p:cNvPr>
-          <p:cNvSpPr txBox="1"/>
-          <p:nvPr/>
-        </p:nvSpPr>
-        <p:spPr>
-          <a:xfrm>
-            <a:off x="1686910" y="4103654"/>
-            <a:ext cx="1931276" cy="369332"/>
-          </a:xfrm>
-          <a:prstGeom prst="rect">
-            <a:avLst/>
-          </a:prstGeom>
-          <a:noFill/>
-        </p:spPr>
-        <p:txBody>
-          <a:bodyPr wrap="square" rtlCol="0">
-            <a:spAutoFit/>
-          </a:bodyPr>
-          <a:lstStyle/>
-          <a:p>
-            <a:pPr algn="ctr"/>
-            <a:r>
-              <a:rPr lang="en-US" dirty="0"/>
-              <a:t>install.sh</a:t>
-            </a:r>
-          </a:p>
-        </p:txBody>
-      </p:sp>
-      <p:sp>
-        <p:nvSpPr>
-          <p:cNvPr id="48" name="Textfeld 47">
-            <a:extLst>
-              <a:ext uri="{FF2B5EF4-FFF2-40B4-BE49-F238E27FC236}">
-                <a16:creationId xmlns:a16="http://schemas.microsoft.com/office/drawing/2014/main" id="{4136C29D-9C7C-4D41-B805-FAA4E5FAA5B4}"/>
-              </a:ext>
-            </a:extLst>
-          </p:cNvPr>
-          <p:cNvSpPr txBox="1"/>
-          <p:nvPr/>
-        </p:nvSpPr>
-        <p:spPr>
-          <a:xfrm>
-            <a:off x="4558861" y="4056258"/>
-            <a:ext cx="1931276" cy="369332"/>
-          </a:xfrm>
-          <a:prstGeom prst="rect">
-            <a:avLst/>
-          </a:prstGeom>
-          <a:noFill/>
-        </p:spPr>
-        <p:txBody>
-          <a:bodyPr wrap="square" rtlCol="0">
-            <a:spAutoFit/>
-          </a:bodyPr>
-          <a:lstStyle/>
-          <a:p>
-            <a:pPr algn="ctr"/>
-            <a:r>
-              <a:rPr lang="en-US" dirty="0"/>
-              <a:t>Kiosk Service</a:t>
-            </a:r>
-          </a:p>
-        </p:txBody>
-      </p:sp>
-      <p:sp>
-        <p:nvSpPr>
-          <p:cNvPr id="50" name="Textfeld 49">
-            <a:extLst>
-              <a:ext uri="{FF2B5EF4-FFF2-40B4-BE49-F238E27FC236}">
-                <a16:creationId xmlns:a16="http://schemas.microsoft.com/office/drawing/2014/main" id="{4181F4DE-E427-4482-9204-53F274E5B0C4}"/>
-              </a:ext>
-            </a:extLst>
-          </p:cNvPr>
-          <p:cNvSpPr txBox="1"/>
-          <p:nvPr/>
-        </p:nvSpPr>
-        <p:spPr>
-          <a:xfrm>
-            <a:off x="7223234" y="4087789"/>
-            <a:ext cx="1931276" cy="369332"/>
-          </a:xfrm>
-          <a:prstGeom prst="rect">
-            <a:avLst/>
-          </a:prstGeom>
-          <a:noFill/>
-        </p:spPr>
-        <p:txBody>
-          <a:bodyPr wrap="square" rtlCol="0">
-            <a:spAutoFit/>
-          </a:bodyPr>
-          <a:lstStyle/>
-          <a:p>
-            <a:pPr algn="ctr"/>
-            <a:r>
-              <a:rPr lang="en-US" dirty="0"/>
-              <a:t>kiosk.sh</a:t>
-            </a:r>
-          </a:p>
-        </p:txBody>
-      </p:sp>
-      <p:pic>
-        <p:nvPicPr>
-          <p:cNvPr id="1028" name="Picture 4" descr="Customer service free icon">
-            <a:extLst>
-              <a:ext uri="{FF2B5EF4-FFF2-40B4-BE49-F238E27FC236}">
-                <a16:creationId xmlns:a16="http://schemas.microsoft.com/office/drawing/2014/main" id="{895CCA92-D26C-4478-8D2E-5C07D7DDC50B}"/>
-              </a:ext>
-            </a:extLst>
-          </p:cNvPr>
-          <p:cNvPicPr>
-            <a:picLocks noChangeAspect="1" noChangeArrowheads="1"/>
-          </p:cNvPicPr>
-          <p:nvPr/>
-        </p:nvPicPr>
-        <p:blipFill>
-          <a:blip r:embed="rId5">
-            <a:extLst>
-              <a:ext uri="{28A0092B-C50C-407E-A947-70E740481C1C}">
-                <a14:useLocalDpi xmlns:a14="http://schemas.microsoft.com/office/drawing/2010/main" val="0"/>
-              </a:ext>
-            </a:extLst>
-          </a:blip>
-          <a:srcRect/>
-          <a:stretch>
-            <a:fillRect/>
-          </a:stretch>
-        </p:blipFill>
-        <p:spPr bwMode="auto">
-          <a:xfrm>
-            <a:off x="5013491" y="3007272"/>
-            <a:ext cx="864419" cy="864419"/>
-          </a:xfrm>
-          <a:prstGeom prst="rect">
-            <a:avLst/>
-          </a:prstGeom>
-          <a:noFill/>
-          <a:extLst>
-            <a:ext uri="{909E8E84-426E-40DD-AFC4-6F175D3DCCD1}">
-              <a14:hiddenFill xmlns:a14="http://schemas.microsoft.com/office/drawing/2010/main">
-                <a:solidFill>
-                  <a:srgbClr val="FFFFFF"/>
-                </a:solidFill>
-              </a14:hiddenFill>
-            </a:ext>
-          </a:extLst>
-        </p:spPr>
-      </p:pic>
-      <p:pic>
-        <p:nvPicPr>
-          <p:cNvPr id="1030" name="Picture 6" descr="Setup free icon">
-            <a:extLst>
-              <a:ext uri="{FF2B5EF4-FFF2-40B4-BE49-F238E27FC236}">
-                <a16:creationId xmlns:a16="http://schemas.microsoft.com/office/drawing/2014/main" id="{344491B9-878A-4FAC-B8F7-8F51A73D95B5}"/>
-              </a:ext>
-            </a:extLst>
-          </p:cNvPr>
-          <p:cNvPicPr>
-            <a:picLocks noChangeAspect="1" noChangeArrowheads="1"/>
-          </p:cNvPicPr>
-          <p:nvPr/>
-        </p:nvPicPr>
-        <p:blipFill>
-          <a:blip r:embed="rId6">
-            <a:extLst>
-              <a:ext uri="{28A0092B-C50C-407E-A947-70E740481C1C}">
-                <a14:useLocalDpi xmlns:a14="http://schemas.microsoft.com/office/drawing/2010/main" val="0"/>
-              </a:ext>
-            </a:extLst>
-          </a:blip>
-          <a:srcRect/>
-          <a:stretch>
-            <a:fillRect/>
-          </a:stretch>
-        </p:blipFill>
-        <p:spPr bwMode="auto">
-          <a:xfrm>
-            <a:off x="7810499" y="3109847"/>
-            <a:ext cx="756745" cy="756745"/>
-          </a:xfrm>
-          <a:prstGeom prst="rect">
-            <a:avLst/>
-          </a:prstGeom>
-          <a:noFill/>
-          <a:extLst>
-            <a:ext uri="{909E8E84-426E-40DD-AFC4-6F175D3DCCD1}">
-              <a14:hiddenFill xmlns:a14="http://schemas.microsoft.com/office/drawing/2010/main">
-                <a:solidFill>
-                  <a:srgbClr val="FFFFFF"/>
-                </a:solidFill>
-              </a14:hiddenFill>
-            </a:ext>
-          </a:extLst>
-        </p:spPr>
-      </p:pic>
-    </p:spTree>
-    <p:extLst>
-      <p:ext uri="{BB962C8B-B14F-4D97-AF65-F5344CB8AC3E}">
-        <p14:creationId xmlns:p14="http://schemas.microsoft.com/office/powerpoint/2010/main" val="344647664"/>
-      </p:ext>
-    </p:extLst>
-  </p:cSld>
-  <p:clrMapOvr>
-    <a:masterClrMapping/>
-  </p:clrMapOvr>
-  <mc:AlternateContent xmlns:mc="http://schemas.openxmlformats.org/markup-compatibility/2006">
-    <mc:Choice xmlns:p14="http://schemas.microsoft.com/office/powerpoint/2010/main" Requires="p14">
-      <p:transition spd="med" p14:dur="700">
-        <p:fade/>
-      </p:transition>
-    </mc:Choice>
-    <mc:Fallback>
-      <p:transition spd="med">
-        <p:fade/>
-      </p:transition>
-    </mc:Fallback>
-  </mc:AlternateContent>
-</p:sld>
-</file>
-
-<file path=ppt/slides/slide39.xml><?xml version="1.0" encoding="utf-8"?>
-<p:sld xmlns:a="http://schemas.openxmlformats.org/drawingml/2006/main" xmlns:r="http://schemas.openxmlformats.org/officeDocument/2006/relationships" xmlns:p="http://schemas.openxmlformats.org/presentationml/2006/main">
-  <p:cSld>
-    <p:spTree>
-      <p:nvGrpSpPr>
-        <p:cNvPr id="1" name=""/>
-        <p:cNvGrpSpPr/>
-        <p:nvPr/>
-      </p:nvGrpSpPr>
-      <p:grpSpPr>
-        <a:xfrm>
-          <a:off x="0" y="0"/>
-          <a:ext cx="0" cy="0"/>
-          <a:chOff x="0" y="0"/>
-          <a:chExt cx="0" cy="0"/>
-        </a:xfrm>
-      </p:grpSpPr>
-      <p:sp>
-        <p:nvSpPr>
-          <p:cNvPr id="2" name="Title 1">
-            <a:extLst>
-              <a:ext uri="{FF2B5EF4-FFF2-40B4-BE49-F238E27FC236}">
-                <a16:creationId xmlns:a16="http://schemas.microsoft.com/office/drawing/2014/main" id="{F1AE8F4F-038B-4ABA-A89F-CA33847A9E12}"/>
-              </a:ext>
-            </a:extLst>
-          </p:cNvPr>
-          <p:cNvSpPr>
-            <a:spLocks noGrp="1"/>
-          </p:cNvSpPr>
-          <p:nvPr>
-            <p:ph type="title"/>
-          </p:nvPr>
-        </p:nvSpPr>
-        <p:spPr>
-          <a:xfrm>
-            <a:off x="838200" y="365125"/>
-            <a:ext cx="10515600" cy="5702300"/>
-          </a:xfrm>
-        </p:spPr>
-        <p:txBody>
-          <a:bodyPr>
-            <a:normAutofit fontScale="90000"/>
-          </a:bodyPr>
-          <a:lstStyle/>
-          <a:p>
-            <a:pPr algn="ctr">
-              <a:lnSpc>
-                <a:spcPct val="125000"/>
-              </a:lnSpc>
-              <a:spcBef>
-                <a:spcPts val="0"/>
-              </a:spcBef>
-            </a:pPr>
-            <a:r>
-              <a:rPr lang="en-US" b="1" dirty="0" err="1">
-                <a:latin typeface="Arial" panose="020B0604020202020204" pitchFamily="34" charset="0"/>
-                <a:cs typeface="Arial" panose="020B0604020202020204" pitchFamily="34" charset="0"/>
-              </a:rPr>
-              <a:t>Auftrag</a:t>
-            </a:r>
-            <a:br>
-              <a:rPr lang="en-US" b="1" dirty="0">
-                <a:latin typeface="Arial" panose="020B0604020202020204" pitchFamily="34" charset="0"/>
-                <a:cs typeface="Arial" panose="020B0604020202020204" pitchFamily="34" charset="0"/>
-              </a:rPr>
-            </a:br>
-            <a:r>
-              <a:rPr lang="en-US" b="1" dirty="0">
-                <a:latin typeface="Arial" panose="020B0604020202020204" pitchFamily="34" charset="0"/>
-                <a:cs typeface="Arial" panose="020B0604020202020204" pitchFamily="34" charset="0"/>
-              </a:rPr>
-              <a:t>Hardware</a:t>
-            </a:r>
-            <a:br>
-              <a:rPr lang="en-US" b="1" dirty="0">
-                <a:latin typeface="Arial" panose="020B0604020202020204" pitchFamily="34" charset="0"/>
-                <a:cs typeface="Arial" panose="020B0604020202020204" pitchFamily="34" charset="0"/>
-              </a:rPr>
-            </a:br>
-            <a:r>
-              <a:rPr lang="en-US" b="1" dirty="0" err="1">
-                <a:latin typeface="Arial" panose="020B0604020202020204" pitchFamily="34" charset="0"/>
-                <a:cs typeface="Arial" panose="020B0604020202020204" pitchFamily="34" charset="0"/>
-              </a:rPr>
-              <a:t>InfluxDB</a:t>
-            </a:r>
-            <a:br>
-              <a:rPr lang="en-US" b="1" dirty="0">
-                <a:latin typeface="Arial" panose="020B0604020202020204" pitchFamily="34" charset="0"/>
-                <a:cs typeface="Arial" panose="020B0604020202020204" pitchFamily="34" charset="0"/>
-              </a:rPr>
-            </a:br>
-            <a:r>
-              <a:rPr lang="en-US" b="1" dirty="0">
-                <a:latin typeface="Arial" panose="020B0604020202020204" pitchFamily="34" charset="0"/>
-                <a:cs typeface="Arial" panose="020B0604020202020204" pitchFamily="34" charset="0"/>
-              </a:rPr>
-              <a:t>Python </a:t>
-            </a:r>
-            <a:r>
-              <a:rPr lang="en-US" b="1" dirty="0" err="1">
-                <a:latin typeface="Arial" panose="020B0604020202020204" pitchFamily="34" charset="0"/>
-                <a:cs typeface="Arial" panose="020B0604020202020204" pitchFamily="34" charset="0"/>
-              </a:rPr>
-              <a:t>Programm</a:t>
-            </a:r>
-            <a:br>
-              <a:rPr lang="en-US" b="1" dirty="0">
-                <a:latin typeface="Arial" panose="020B0604020202020204" pitchFamily="34" charset="0"/>
-                <a:cs typeface="Arial" panose="020B0604020202020204" pitchFamily="34" charset="0"/>
-              </a:rPr>
-            </a:br>
-            <a:r>
-              <a:rPr lang="en-US" b="1" dirty="0">
-                <a:latin typeface="Arial" panose="020B0604020202020204" pitchFamily="34" charset="0"/>
-                <a:cs typeface="Arial" panose="020B0604020202020204" pitchFamily="34" charset="0"/>
-              </a:rPr>
-              <a:t>Flask Webserver</a:t>
-            </a:r>
-            <a:br>
-              <a:rPr lang="en-US" b="1" dirty="0">
-                <a:latin typeface="Arial" panose="020B0604020202020204" pitchFamily="34" charset="0"/>
-                <a:cs typeface="Arial" panose="020B0604020202020204" pitchFamily="34" charset="0"/>
-              </a:rPr>
-            </a:br>
-            <a:r>
-              <a:rPr lang="en-US" b="1" dirty="0">
-                <a:latin typeface="Arial" panose="020B0604020202020204" pitchFamily="34" charset="0"/>
-                <a:cs typeface="Arial" panose="020B0604020202020204" pitchFamily="34" charset="0"/>
-              </a:rPr>
-              <a:t>GUI Sketch</a:t>
-            </a:r>
-            <a:br>
-              <a:rPr lang="en-US" b="1" dirty="0">
-                <a:latin typeface="Arial" panose="020B0604020202020204" pitchFamily="34" charset="0"/>
-                <a:cs typeface="Arial" panose="020B0604020202020204" pitchFamily="34" charset="0"/>
-              </a:rPr>
-            </a:br>
-            <a:r>
-              <a:rPr lang="en-US" b="1" dirty="0" err="1">
-                <a:latin typeface="Arial" panose="020B0604020202020204" pitchFamily="34" charset="0"/>
-                <a:cs typeface="Arial" panose="020B0604020202020204" pitchFamily="34" charset="0"/>
-              </a:rPr>
-              <a:t>Endresultat</a:t>
-            </a:r>
-            <a:br>
-              <a:rPr lang="en-US" b="1" dirty="0">
-                <a:latin typeface="Arial" panose="020B0604020202020204" pitchFamily="34" charset="0"/>
-                <a:cs typeface="Arial" panose="020B0604020202020204" pitchFamily="34" charset="0"/>
-              </a:rPr>
-            </a:br>
-            <a:r>
-              <a:rPr lang="en-US" b="1" dirty="0" err="1">
-                <a:highlight>
-                  <a:srgbClr val="FAE800"/>
-                </a:highlight>
-                <a:latin typeface="Arial" panose="020B0604020202020204" pitchFamily="34" charset="0"/>
-                <a:cs typeface="Arial" panose="020B0604020202020204" pitchFamily="34" charset="0"/>
-              </a:rPr>
-              <a:t>Weiterentwicklung</a:t>
-            </a:r>
-            <a:endParaRPr lang="en-CH" b="1" dirty="0">
-              <a:highlight>
-                <a:srgbClr val="FAE800"/>
-              </a:highlight>
-              <a:latin typeface="Arial" panose="020B0604020202020204" pitchFamily="34" charset="0"/>
-              <a:cs typeface="Arial" panose="020B0604020202020204" pitchFamily="34" charset="0"/>
-            </a:endParaRPr>
-          </a:p>
-        </p:txBody>
-      </p:sp>
-      <p:sp>
-        <p:nvSpPr>
-          <p:cNvPr id="8" name="Slide Number Placeholder 7">
-            <a:extLst>
-              <a:ext uri="{FF2B5EF4-FFF2-40B4-BE49-F238E27FC236}">
-                <a16:creationId xmlns:a16="http://schemas.microsoft.com/office/drawing/2014/main" id="{E5E3E861-4688-44FC-A05E-E446522B24DD}"/>
-              </a:ext>
-            </a:extLst>
-          </p:cNvPr>
-          <p:cNvSpPr>
-            <a:spLocks noGrp="1"/>
-          </p:cNvSpPr>
-          <p:nvPr>
-            <p:ph type="sldNum" sz="quarter" idx="12"/>
-          </p:nvPr>
-        </p:nvSpPr>
-        <p:spPr/>
-        <p:txBody>
-          <a:bodyPr/>
-          <a:lstStyle/>
-          <a:p>
-            <a:fld id="{0F00D740-55B1-4DC8-A3B5-4535950A93D0}" type="slidenum">
-              <a:rPr lang="en-CH" smtClean="0"/>
-              <a:t>39</a:t>
-            </a:fld>
-            <a:endParaRPr lang="en-CH"/>
-          </a:p>
-        </p:txBody>
-      </p:sp>
-    </p:spTree>
-    <p:extLst>
-      <p:ext uri="{BB962C8B-B14F-4D97-AF65-F5344CB8AC3E}">
-        <p14:creationId xmlns:p14="http://schemas.microsoft.com/office/powerpoint/2010/main" val="1432282549"/>
       </p:ext>
     </p:extLst>
   </p:cSld>
@@ -25038,6 +26919,758 @@
                 <a:latin typeface="Arial" panose="020B0604020202020204" pitchFamily="34" charset="0"/>
                 <a:cs typeface="Arial" panose="020B0604020202020204" pitchFamily="34" charset="0"/>
               </a:rPr>
+              <a:t>Endresultat</a:t>
+            </a:r>
+            <a:br>
+              <a:rPr lang="en-US" b="1" dirty="0">
+                <a:latin typeface="Arial" panose="020B0604020202020204" pitchFamily="34" charset="0"/>
+                <a:cs typeface="Arial" panose="020B0604020202020204" pitchFamily="34" charset="0"/>
+              </a:rPr>
+            </a:br>
+            <a:r>
+              <a:rPr lang="en-US" i="1" dirty="0" err="1">
+                <a:latin typeface="Arial" panose="020B0604020202020204" pitchFamily="34" charset="0"/>
+                <a:cs typeface="Arial" panose="020B0604020202020204" pitchFamily="34" charset="0"/>
+              </a:rPr>
+              <a:t>Wettermonitor</a:t>
+            </a:r>
+            <a:r>
+              <a:rPr lang="en-US" i="1" dirty="0">
+                <a:latin typeface="Arial" panose="020B0604020202020204" pitchFamily="34" charset="0"/>
+                <a:cs typeface="Arial" panose="020B0604020202020204" pitchFamily="34" charset="0"/>
+              </a:rPr>
+              <a:t> Setup</a:t>
+            </a:r>
+            <a:endParaRPr lang="en-CH" dirty="0"/>
+          </a:p>
+        </p:txBody>
+      </p:sp>
+      <p:sp>
+        <p:nvSpPr>
+          <p:cNvPr id="4" name="Slide Number Placeholder 3">
+            <a:extLst>
+              <a:ext uri="{FF2B5EF4-FFF2-40B4-BE49-F238E27FC236}">
+                <a16:creationId xmlns:a16="http://schemas.microsoft.com/office/drawing/2014/main" id="{25E7D99B-055F-46C1-9ED3-2255A4486B53}"/>
+              </a:ext>
+            </a:extLst>
+          </p:cNvPr>
+          <p:cNvSpPr>
+            <a:spLocks noGrp="1"/>
+          </p:cNvSpPr>
+          <p:nvPr>
+            <p:ph type="sldNum" sz="quarter" idx="12"/>
+          </p:nvPr>
+        </p:nvSpPr>
+        <p:spPr/>
+        <p:txBody>
+          <a:bodyPr/>
+          <a:lstStyle/>
+          <a:p>
+            <a:fld id="{0F00D740-55B1-4DC8-A3B5-4535950A93D0}" type="slidenum">
+              <a:rPr lang="en-CH" smtClean="0"/>
+              <a:t>40</a:t>
+            </a:fld>
+            <a:endParaRPr lang="en-CH"/>
+          </a:p>
+        </p:txBody>
+      </p:sp>
+      <p:grpSp>
+        <p:nvGrpSpPr>
+          <p:cNvPr id="5" name="Group 4">
+            <a:extLst>
+              <a:ext uri="{FF2B5EF4-FFF2-40B4-BE49-F238E27FC236}">
+                <a16:creationId xmlns:a16="http://schemas.microsoft.com/office/drawing/2014/main" id="{4EC58CAD-48B2-4835-9E3B-91425F5E9895}"/>
+              </a:ext>
+            </a:extLst>
+          </p:cNvPr>
+          <p:cNvGrpSpPr/>
+          <p:nvPr/>
+        </p:nvGrpSpPr>
+        <p:grpSpPr>
+          <a:xfrm>
+            <a:off x="8990330" y="5808980"/>
+            <a:ext cx="3774440" cy="764540"/>
+            <a:chOff x="8990330" y="5808980"/>
+            <a:chExt cx="3774440" cy="764540"/>
+          </a:xfrm>
+        </p:grpSpPr>
+        <p:pic>
+          <p:nvPicPr>
+            <p:cNvPr id="6" name="Picture 5">
+              <a:extLst>
+                <a:ext uri="{FF2B5EF4-FFF2-40B4-BE49-F238E27FC236}">
+                  <a16:creationId xmlns:a16="http://schemas.microsoft.com/office/drawing/2014/main" id="{022721ED-DE7C-4BE7-8FB8-448D5A1D2FA3}"/>
+                </a:ext>
+              </a:extLst>
+            </p:cNvPr>
+            <p:cNvPicPr>
+              <a:picLocks noChangeAspect="1"/>
+            </p:cNvPicPr>
+            <p:nvPr/>
+          </p:nvPicPr>
+          <p:blipFill>
+            <a:blip r:embed="rId3" cstate="print">
+              <a:extLst>
+                <a:ext uri="{28A0092B-C50C-407E-A947-70E740481C1C}">
+                  <a14:useLocalDpi xmlns:a14="http://schemas.microsoft.com/office/drawing/2010/main" val="0"/>
+                </a:ext>
+              </a:extLst>
+            </a:blip>
+            <a:srcRect/>
+            <a:stretch>
+              <a:fillRect/>
+            </a:stretch>
+          </p:blipFill>
+          <p:spPr bwMode="auto">
+            <a:xfrm>
+              <a:off x="8990330" y="5808980"/>
+              <a:ext cx="942340" cy="558800"/>
+            </a:xfrm>
+            <a:prstGeom prst="rect">
+              <a:avLst/>
+            </a:prstGeom>
+            <a:noFill/>
+            <a:ln>
+              <a:noFill/>
+            </a:ln>
+          </p:spPr>
+        </p:pic>
+        <p:sp>
+          <p:nvSpPr>
+            <p:cNvPr id="7" name="Text Box 11">
+              <a:extLst>
+                <a:ext uri="{FF2B5EF4-FFF2-40B4-BE49-F238E27FC236}">
+                  <a16:creationId xmlns:a16="http://schemas.microsoft.com/office/drawing/2014/main" id="{D3B6ED79-9CCE-4997-8EDA-DFDF7934B22B}"/>
+                </a:ext>
+              </a:extLst>
+            </p:cNvPr>
+            <p:cNvSpPr txBox="1"/>
+            <p:nvPr/>
+          </p:nvSpPr>
+          <p:spPr>
+            <a:xfrm>
+              <a:off x="9999980" y="5923280"/>
+              <a:ext cx="2764790" cy="650240"/>
+            </a:xfrm>
+            <a:prstGeom prst="rect">
+              <a:avLst/>
+            </a:prstGeom>
+            <a:noFill/>
+            <a:ln w="6350">
+              <a:noFill/>
+            </a:ln>
+          </p:spPr>
+          <p:txBody>
+            <a:bodyPr rot="0" spcFirstLastPara="0" vert="horz" wrap="square" lIns="91440" tIns="45720" rIns="91440" bIns="45720" numCol="1" spcCol="0" rtlCol="0" fromWordArt="0" anchor="t" anchorCtr="0" forceAA="0" compatLnSpc="1">
+              <a:prstTxWarp prst="textNoShape">
+                <a:avLst/>
+              </a:prstTxWarp>
+              <a:noAutofit/>
+            </a:bodyPr>
+            <a:lstStyle/>
+            <a:p>
+              <a:pPr>
+                <a:lnSpc>
+                  <a:spcPct val="115000"/>
+                </a:lnSpc>
+              </a:pPr>
+              <a:r>
+                <a:rPr lang="en-US" sz="900" b="1">
+                  <a:solidFill>
+                    <a:srgbClr val="44546A"/>
+                  </a:solidFill>
+                  <a:effectLst/>
+                  <a:latin typeface="Calibri" panose="020F0502020204030204" pitchFamily="34" charset="0"/>
+                  <a:ea typeface="Times New Roman" panose="02020603050405020304" pitchFamily="18" charset="0"/>
+                  <a:cs typeface="Times New Roman" panose="02020603050405020304" pitchFamily="18" charset="0"/>
+                </a:rPr>
+                <a:t>Fachhochschule Nordwestschweiz</a:t>
+              </a:r>
+              <a:endParaRPr lang="en-CH" sz="1400" b="1">
+                <a:solidFill>
+                  <a:srgbClr val="44546A"/>
+                </a:solidFill>
+                <a:effectLst/>
+                <a:latin typeface="Calibri" panose="020F0502020204030204" pitchFamily="34" charset="0"/>
+                <a:ea typeface="Times New Roman" panose="02020603050405020304" pitchFamily="18" charset="0"/>
+                <a:cs typeface="Times New Roman" panose="02020603050405020304" pitchFamily="18" charset="0"/>
+              </a:endParaRPr>
+            </a:p>
+            <a:p>
+              <a:pPr>
+                <a:lnSpc>
+                  <a:spcPct val="115000"/>
+                </a:lnSpc>
+              </a:pPr>
+              <a:r>
+                <a:rPr lang="en-US" sz="900" b="1">
+                  <a:solidFill>
+                    <a:srgbClr val="44546A"/>
+                  </a:solidFill>
+                  <a:effectLst/>
+                  <a:latin typeface="Calibri" panose="020F0502020204030204" pitchFamily="34" charset="0"/>
+                  <a:ea typeface="Times New Roman" panose="02020603050405020304" pitchFamily="18" charset="0"/>
+                  <a:cs typeface="Times New Roman" panose="02020603050405020304" pitchFamily="18" charset="0"/>
+                </a:rPr>
+                <a:t>Hochschule für Technik</a:t>
+              </a:r>
+              <a:endParaRPr lang="en-CH" sz="1400" b="1">
+                <a:solidFill>
+                  <a:srgbClr val="44546A"/>
+                </a:solidFill>
+                <a:effectLst/>
+                <a:latin typeface="Calibri" panose="020F0502020204030204" pitchFamily="34" charset="0"/>
+                <a:ea typeface="Times New Roman" panose="02020603050405020304" pitchFamily="18" charset="0"/>
+                <a:cs typeface="Times New Roman" panose="02020603050405020304" pitchFamily="18" charset="0"/>
+              </a:endParaRPr>
+            </a:p>
+          </p:txBody>
+        </p:sp>
+      </p:grpSp>
+      <p:pic>
+        <p:nvPicPr>
+          <p:cNvPr id="1026" name="Picture 2" descr="Script free icon">
+            <a:extLst>
+              <a:ext uri="{FF2B5EF4-FFF2-40B4-BE49-F238E27FC236}">
+                <a16:creationId xmlns:a16="http://schemas.microsoft.com/office/drawing/2014/main" id="{FEB24AA8-B371-4949-A0A9-0F73B2119230}"/>
+              </a:ext>
+            </a:extLst>
+          </p:cNvPr>
+          <p:cNvPicPr>
+            <a:picLocks noChangeAspect="1" noChangeArrowheads="1"/>
+          </p:cNvPicPr>
+          <p:nvPr/>
+        </p:nvPicPr>
+        <p:blipFill>
+          <a:blip r:embed="rId4">
+            <a:extLst>
+              <a:ext uri="{28A0092B-C50C-407E-A947-70E740481C1C}">
+                <a14:useLocalDpi xmlns:a14="http://schemas.microsoft.com/office/drawing/2010/main" val="0"/>
+              </a:ext>
+            </a:extLst>
+          </a:blip>
+          <a:srcRect/>
+          <a:stretch>
+            <a:fillRect/>
+          </a:stretch>
+        </p:blipFill>
+        <p:spPr bwMode="auto">
+          <a:xfrm>
+            <a:off x="2230821" y="3023137"/>
+            <a:ext cx="843455" cy="843455"/>
+          </a:xfrm>
+          <a:prstGeom prst="rect">
+            <a:avLst/>
+          </a:prstGeom>
+          <a:noFill/>
+          <a:extLst>
+            <a:ext uri="{909E8E84-426E-40DD-AFC4-6F175D3DCCD1}">
+              <a14:hiddenFill xmlns:a14="http://schemas.microsoft.com/office/drawing/2010/main">
+                <a:solidFill>
+                  <a:srgbClr val="FFFFFF"/>
+                </a:solidFill>
+              </a14:hiddenFill>
+            </a:ext>
+          </a:extLst>
+        </p:spPr>
+      </p:pic>
+      <p:sp>
+        <p:nvSpPr>
+          <p:cNvPr id="3" name="Textfeld 2">
+            <a:extLst>
+              <a:ext uri="{FF2B5EF4-FFF2-40B4-BE49-F238E27FC236}">
+                <a16:creationId xmlns:a16="http://schemas.microsoft.com/office/drawing/2014/main" id="{E925F671-A74C-4193-8758-C984C754ECB4}"/>
+              </a:ext>
+            </a:extLst>
+          </p:cNvPr>
+          <p:cNvSpPr txBox="1"/>
+          <p:nvPr/>
+        </p:nvSpPr>
+        <p:spPr>
+          <a:xfrm>
+            <a:off x="1686910" y="4103654"/>
+            <a:ext cx="1931276" cy="369332"/>
+          </a:xfrm>
+          <a:prstGeom prst="rect">
+            <a:avLst/>
+          </a:prstGeom>
+          <a:noFill/>
+        </p:spPr>
+        <p:txBody>
+          <a:bodyPr wrap="square" rtlCol="0">
+            <a:spAutoFit/>
+          </a:bodyPr>
+          <a:lstStyle/>
+          <a:p>
+            <a:pPr algn="ctr"/>
+            <a:r>
+              <a:rPr lang="en-US" dirty="0"/>
+              <a:t>install.sh</a:t>
+            </a:r>
+          </a:p>
+        </p:txBody>
+      </p:sp>
+      <p:sp>
+        <p:nvSpPr>
+          <p:cNvPr id="48" name="Textfeld 47">
+            <a:extLst>
+              <a:ext uri="{FF2B5EF4-FFF2-40B4-BE49-F238E27FC236}">
+                <a16:creationId xmlns:a16="http://schemas.microsoft.com/office/drawing/2014/main" id="{4136C29D-9C7C-4D41-B805-FAA4E5FAA5B4}"/>
+              </a:ext>
+            </a:extLst>
+          </p:cNvPr>
+          <p:cNvSpPr txBox="1"/>
+          <p:nvPr/>
+        </p:nvSpPr>
+        <p:spPr>
+          <a:xfrm>
+            <a:off x="4558861" y="4056258"/>
+            <a:ext cx="1931276" cy="369332"/>
+          </a:xfrm>
+          <a:prstGeom prst="rect">
+            <a:avLst/>
+          </a:prstGeom>
+          <a:noFill/>
+        </p:spPr>
+        <p:txBody>
+          <a:bodyPr wrap="square" rtlCol="0">
+            <a:spAutoFit/>
+          </a:bodyPr>
+          <a:lstStyle/>
+          <a:p>
+            <a:pPr algn="ctr"/>
+            <a:r>
+              <a:rPr lang="en-US" dirty="0"/>
+              <a:t>Kiosk Service</a:t>
+            </a:r>
+          </a:p>
+        </p:txBody>
+      </p:sp>
+      <p:sp>
+        <p:nvSpPr>
+          <p:cNvPr id="50" name="Textfeld 49">
+            <a:extLst>
+              <a:ext uri="{FF2B5EF4-FFF2-40B4-BE49-F238E27FC236}">
+                <a16:creationId xmlns:a16="http://schemas.microsoft.com/office/drawing/2014/main" id="{4181F4DE-E427-4482-9204-53F274E5B0C4}"/>
+              </a:ext>
+            </a:extLst>
+          </p:cNvPr>
+          <p:cNvSpPr txBox="1"/>
+          <p:nvPr/>
+        </p:nvSpPr>
+        <p:spPr>
+          <a:xfrm>
+            <a:off x="7223234" y="4087789"/>
+            <a:ext cx="1931276" cy="369332"/>
+          </a:xfrm>
+          <a:prstGeom prst="rect">
+            <a:avLst/>
+          </a:prstGeom>
+          <a:noFill/>
+        </p:spPr>
+        <p:txBody>
+          <a:bodyPr wrap="square" rtlCol="0">
+            <a:spAutoFit/>
+          </a:bodyPr>
+          <a:lstStyle/>
+          <a:p>
+            <a:pPr algn="ctr"/>
+            <a:r>
+              <a:rPr lang="en-US" dirty="0"/>
+              <a:t>kiosk.sh</a:t>
+            </a:r>
+          </a:p>
+        </p:txBody>
+      </p:sp>
+      <p:pic>
+        <p:nvPicPr>
+          <p:cNvPr id="1028" name="Picture 4" descr="Customer service free icon">
+            <a:extLst>
+              <a:ext uri="{FF2B5EF4-FFF2-40B4-BE49-F238E27FC236}">
+                <a16:creationId xmlns:a16="http://schemas.microsoft.com/office/drawing/2014/main" id="{895CCA92-D26C-4478-8D2E-5C07D7DDC50B}"/>
+              </a:ext>
+            </a:extLst>
+          </p:cNvPr>
+          <p:cNvPicPr>
+            <a:picLocks noChangeAspect="1" noChangeArrowheads="1"/>
+          </p:cNvPicPr>
+          <p:nvPr/>
+        </p:nvPicPr>
+        <p:blipFill>
+          <a:blip r:embed="rId5">
+            <a:extLst>
+              <a:ext uri="{28A0092B-C50C-407E-A947-70E740481C1C}">
+                <a14:useLocalDpi xmlns:a14="http://schemas.microsoft.com/office/drawing/2010/main" val="0"/>
+              </a:ext>
+            </a:extLst>
+          </a:blip>
+          <a:srcRect/>
+          <a:stretch>
+            <a:fillRect/>
+          </a:stretch>
+        </p:blipFill>
+        <p:spPr bwMode="auto">
+          <a:xfrm>
+            <a:off x="5013491" y="3007272"/>
+            <a:ext cx="864419" cy="864419"/>
+          </a:xfrm>
+          <a:prstGeom prst="rect">
+            <a:avLst/>
+          </a:prstGeom>
+          <a:noFill/>
+          <a:extLst>
+            <a:ext uri="{909E8E84-426E-40DD-AFC4-6F175D3DCCD1}">
+              <a14:hiddenFill xmlns:a14="http://schemas.microsoft.com/office/drawing/2010/main">
+                <a:solidFill>
+                  <a:srgbClr val="FFFFFF"/>
+                </a:solidFill>
+              </a14:hiddenFill>
+            </a:ext>
+          </a:extLst>
+        </p:spPr>
+      </p:pic>
+      <p:pic>
+        <p:nvPicPr>
+          <p:cNvPr id="1030" name="Picture 6" descr="Setup free icon">
+            <a:extLst>
+              <a:ext uri="{FF2B5EF4-FFF2-40B4-BE49-F238E27FC236}">
+                <a16:creationId xmlns:a16="http://schemas.microsoft.com/office/drawing/2014/main" id="{344491B9-878A-4FAC-B8F7-8F51A73D95B5}"/>
+              </a:ext>
+            </a:extLst>
+          </p:cNvPr>
+          <p:cNvPicPr>
+            <a:picLocks noChangeAspect="1" noChangeArrowheads="1"/>
+          </p:cNvPicPr>
+          <p:nvPr/>
+        </p:nvPicPr>
+        <p:blipFill>
+          <a:blip r:embed="rId6">
+            <a:extLst>
+              <a:ext uri="{28A0092B-C50C-407E-A947-70E740481C1C}">
+                <a14:useLocalDpi xmlns:a14="http://schemas.microsoft.com/office/drawing/2010/main" val="0"/>
+              </a:ext>
+            </a:extLst>
+          </a:blip>
+          <a:srcRect/>
+          <a:stretch>
+            <a:fillRect/>
+          </a:stretch>
+        </p:blipFill>
+        <p:spPr bwMode="auto">
+          <a:xfrm>
+            <a:off x="7810499" y="3109847"/>
+            <a:ext cx="756745" cy="756745"/>
+          </a:xfrm>
+          <a:prstGeom prst="rect">
+            <a:avLst/>
+          </a:prstGeom>
+          <a:noFill/>
+          <a:extLst>
+            <a:ext uri="{909E8E84-426E-40DD-AFC4-6F175D3DCCD1}">
+              <a14:hiddenFill xmlns:a14="http://schemas.microsoft.com/office/drawing/2010/main">
+                <a:solidFill>
+                  <a:srgbClr val="FFFFFF"/>
+                </a:solidFill>
+              </a14:hiddenFill>
+            </a:ext>
+          </a:extLst>
+        </p:spPr>
+      </p:pic>
+    </p:spTree>
+    <p:extLst>
+      <p:ext uri="{BB962C8B-B14F-4D97-AF65-F5344CB8AC3E}">
+        <p14:creationId xmlns:p14="http://schemas.microsoft.com/office/powerpoint/2010/main" val="344647664"/>
+      </p:ext>
+    </p:extLst>
+  </p:cSld>
+  <p:clrMapOvr>
+    <a:masterClrMapping/>
+  </p:clrMapOvr>
+  <mc:AlternateContent xmlns:mc="http://schemas.openxmlformats.org/markup-compatibility/2006" xmlns:p14="http://schemas.microsoft.com/office/powerpoint/2010/main">
+    <mc:Choice Requires="p14">
+      <p:transition spd="med" p14:dur="700">
+        <p:fade/>
+      </p:transition>
+    </mc:Choice>
+    <mc:Fallback xmlns="">
+      <p:transition spd="med">
+        <p:fade/>
+      </p:transition>
+    </mc:Fallback>
+  </mc:AlternateContent>
+</p:sld>
+</file>
+
+<file path=ppt/slides/slide41.xml><?xml version="1.0" encoding="utf-8"?>
+<p:sld xmlns:a="http://schemas.openxmlformats.org/drawingml/2006/main" xmlns:r="http://schemas.openxmlformats.org/officeDocument/2006/relationships" xmlns:p="http://schemas.openxmlformats.org/presentationml/2006/main">
+  <p:cSld>
+    <p:spTree>
+      <p:nvGrpSpPr>
+        <p:cNvPr id="1" name=""/>
+        <p:cNvGrpSpPr/>
+        <p:nvPr/>
+      </p:nvGrpSpPr>
+      <p:grpSpPr>
+        <a:xfrm>
+          <a:off x="0" y="0"/>
+          <a:ext cx="0" cy="0"/>
+          <a:chOff x="0" y="0"/>
+          <a:chExt cx="0" cy="0"/>
+        </a:xfrm>
+      </p:grpSpPr>
+      <p:sp>
+        <p:nvSpPr>
+          <p:cNvPr id="2" name="Title 1">
+            <a:extLst>
+              <a:ext uri="{FF2B5EF4-FFF2-40B4-BE49-F238E27FC236}">
+                <a16:creationId xmlns:a16="http://schemas.microsoft.com/office/drawing/2014/main" id="{F1AE8F4F-038B-4ABA-A89F-CA33847A9E12}"/>
+              </a:ext>
+            </a:extLst>
+          </p:cNvPr>
+          <p:cNvSpPr>
+            <a:spLocks noGrp="1"/>
+          </p:cNvSpPr>
+          <p:nvPr>
+            <p:ph type="title"/>
+          </p:nvPr>
+        </p:nvSpPr>
+        <p:spPr>
+          <a:xfrm>
+            <a:off x="838200" y="365125"/>
+            <a:ext cx="10515600" cy="5702300"/>
+          </a:xfrm>
+        </p:spPr>
+        <p:txBody>
+          <a:bodyPr>
+            <a:normAutofit fontScale="90000"/>
+          </a:bodyPr>
+          <a:lstStyle/>
+          <a:p>
+            <a:pPr algn="ctr">
+              <a:lnSpc>
+                <a:spcPct val="125000"/>
+              </a:lnSpc>
+              <a:spcBef>
+                <a:spcPts val="0"/>
+              </a:spcBef>
+            </a:pPr>
+            <a:r>
+              <a:rPr lang="en-US" b="1" dirty="0" err="1">
+                <a:latin typeface="Arial" panose="020B0604020202020204" pitchFamily="34" charset="0"/>
+                <a:cs typeface="Arial" panose="020B0604020202020204" pitchFamily="34" charset="0"/>
+              </a:rPr>
+              <a:t>Auftrag</a:t>
+            </a:r>
+            <a:br>
+              <a:rPr lang="en-US" b="1" dirty="0">
+                <a:latin typeface="Arial" panose="020B0604020202020204" pitchFamily="34" charset="0"/>
+                <a:cs typeface="Arial" panose="020B0604020202020204" pitchFamily="34" charset="0"/>
+              </a:rPr>
+            </a:br>
+            <a:r>
+              <a:rPr lang="en-US" b="1" dirty="0">
+                <a:latin typeface="Arial" panose="020B0604020202020204" pitchFamily="34" charset="0"/>
+                <a:cs typeface="Arial" panose="020B0604020202020204" pitchFamily="34" charset="0"/>
+              </a:rPr>
+              <a:t>Hardware</a:t>
+            </a:r>
+            <a:br>
+              <a:rPr lang="en-US" b="1" dirty="0">
+                <a:latin typeface="Arial" panose="020B0604020202020204" pitchFamily="34" charset="0"/>
+                <a:cs typeface="Arial" panose="020B0604020202020204" pitchFamily="34" charset="0"/>
+              </a:rPr>
+            </a:br>
+            <a:r>
+              <a:rPr lang="en-US" b="1" dirty="0" err="1">
+                <a:latin typeface="Arial" panose="020B0604020202020204" pitchFamily="34" charset="0"/>
+                <a:cs typeface="Arial" panose="020B0604020202020204" pitchFamily="34" charset="0"/>
+              </a:rPr>
+              <a:t>InfluxDB</a:t>
+            </a:r>
+            <a:br>
+              <a:rPr lang="en-US" b="1" dirty="0">
+                <a:latin typeface="Arial" panose="020B0604020202020204" pitchFamily="34" charset="0"/>
+                <a:cs typeface="Arial" panose="020B0604020202020204" pitchFamily="34" charset="0"/>
+              </a:rPr>
+            </a:br>
+            <a:r>
+              <a:rPr lang="en-US" b="1" dirty="0">
+                <a:latin typeface="Arial" panose="020B0604020202020204" pitchFamily="34" charset="0"/>
+                <a:cs typeface="Arial" panose="020B0604020202020204" pitchFamily="34" charset="0"/>
+              </a:rPr>
+              <a:t>Python </a:t>
+            </a:r>
+            <a:r>
+              <a:rPr lang="en-US" b="1" dirty="0" err="1">
+                <a:latin typeface="Arial" panose="020B0604020202020204" pitchFamily="34" charset="0"/>
+                <a:cs typeface="Arial" panose="020B0604020202020204" pitchFamily="34" charset="0"/>
+              </a:rPr>
+              <a:t>Programm</a:t>
+            </a:r>
+            <a:br>
+              <a:rPr lang="en-US" b="1" dirty="0">
+                <a:latin typeface="Arial" panose="020B0604020202020204" pitchFamily="34" charset="0"/>
+                <a:cs typeface="Arial" panose="020B0604020202020204" pitchFamily="34" charset="0"/>
+              </a:rPr>
+            </a:br>
+            <a:r>
+              <a:rPr lang="en-US" b="1" dirty="0">
+                <a:latin typeface="Arial" panose="020B0604020202020204" pitchFamily="34" charset="0"/>
+                <a:cs typeface="Arial" panose="020B0604020202020204" pitchFamily="34" charset="0"/>
+              </a:rPr>
+              <a:t>Flask Webserver</a:t>
+            </a:r>
+            <a:br>
+              <a:rPr lang="en-US" b="1" dirty="0">
+                <a:latin typeface="Arial" panose="020B0604020202020204" pitchFamily="34" charset="0"/>
+                <a:cs typeface="Arial" panose="020B0604020202020204" pitchFamily="34" charset="0"/>
+              </a:rPr>
+            </a:br>
+            <a:r>
+              <a:rPr lang="en-US" b="1" dirty="0">
+                <a:latin typeface="Arial" panose="020B0604020202020204" pitchFamily="34" charset="0"/>
+                <a:cs typeface="Arial" panose="020B0604020202020204" pitchFamily="34" charset="0"/>
+              </a:rPr>
+              <a:t>GUI Sketch</a:t>
+            </a:r>
+            <a:br>
+              <a:rPr lang="en-US" b="1" dirty="0">
+                <a:latin typeface="Arial" panose="020B0604020202020204" pitchFamily="34" charset="0"/>
+                <a:cs typeface="Arial" panose="020B0604020202020204" pitchFamily="34" charset="0"/>
+              </a:rPr>
+            </a:br>
+            <a:r>
+              <a:rPr lang="en-US" b="1" dirty="0" err="1">
+                <a:latin typeface="Arial" panose="020B0604020202020204" pitchFamily="34" charset="0"/>
+                <a:cs typeface="Arial" panose="020B0604020202020204" pitchFamily="34" charset="0"/>
+              </a:rPr>
+              <a:t>Endresultat</a:t>
+            </a:r>
+            <a:br>
+              <a:rPr lang="en-US" b="1" dirty="0">
+                <a:latin typeface="Arial" panose="020B0604020202020204" pitchFamily="34" charset="0"/>
+                <a:cs typeface="Arial" panose="020B0604020202020204" pitchFamily="34" charset="0"/>
+              </a:rPr>
+            </a:br>
+            <a:r>
+              <a:rPr lang="en-US" b="1" dirty="0" err="1">
+                <a:highlight>
+                  <a:srgbClr val="FAE800"/>
+                </a:highlight>
+                <a:latin typeface="Arial" panose="020B0604020202020204" pitchFamily="34" charset="0"/>
+                <a:cs typeface="Arial" panose="020B0604020202020204" pitchFamily="34" charset="0"/>
+              </a:rPr>
+              <a:t>Weiterentwicklung</a:t>
+            </a:r>
+            <a:endParaRPr lang="en-CH" b="1" dirty="0">
+              <a:highlight>
+                <a:srgbClr val="FAE800"/>
+              </a:highlight>
+              <a:latin typeface="Arial" panose="020B0604020202020204" pitchFamily="34" charset="0"/>
+              <a:cs typeface="Arial" panose="020B0604020202020204" pitchFamily="34" charset="0"/>
+            </a:endParaRPr>
+          </a:p>
+        </p:txBody>
+      </p:sp>
+      <p:sp>
+        <p:nvSpPr>
+          <p:cNvPr id="8" name="Slide Number Placeholder 7">
+            <a:extLst>
+              <a:ext uri="{FF2B5EF4-FFF2-40B4-BE49-F238E27FC236}">
+                <a16:creationId xmlns:a16="http://schemas.microsoft.com/office/drawing/2014/main" id="{E5E3E861-4688-44FC-A05E-E446522B24DD}"/>
+              </a:ext>
+            </a:extLst>
+          </p:cNvPr>
+          <p:cNvSpPr>
+            <a:spLocks noGrp="1"/>
+          </p:cNvSpPr>
+          <p:nvPr>
+            <p:ph type="sldNum" sz="quarter" idx="12"/>
+          </p:nvPr>
+        </p:nvSpPr>
+        <p:spPr/>
+        <p:txBody>
+          <a:bodyPr/>
+          <a:lstStyle/>
+          <a:p>
+            <a:fld id="{0F00D740-55B1-4DC8-A3B5-4535950A93D0}" type="slidenum">
+              <a:rPr lang="en-CH" smtClean="0"/>
+              <a:t>41</a:t>
+            </a:fld>
+            <a:endParaRPr lang="en-CH"/>
+          </a:p>
+        </p:txBody>
+      </p:sp>
+    </p:spTree>
+    <p:extLst>
+      <p:ext uri="{BB962C8B-B14F-4D97-AF65-F5344CB8AC3E}">
+        <p14:creationId xmlns:p14="http://schemas.microsoft.com/office/powerpoint/2010/main" val="1432282549"/>
+      </p:ext>
+    </p:extLst>
+  </p:cSld>
+  <p:clrMapOvr>
+    <a:masterClrMapping/>
+  </p:clrMapOvr>
+  <mc:AlternateContent xmlns:mc="http://schemas.openxmlformats.org/markup-compatibility/2006" xmlns:p14="http://schemas.microsoft.com/office/powerpoint/2010/main">
+    <mc:Choice Requires="p14">
+      <p:transition spd="med" p14:dur="700">
+        <p:fade/>
+      </p:transition>
+    </mc:Choice>
+    <mc:Fallback xmlns="">
+      <p:transition spd="med">
+        <p:fade/>
+      </p:transition>
+    </mc:Fallback>
+  </mc:AlternateContent>
+</p:sld>
+</file>
+
+<file path=ppt/slides/slide42.xml><?xml version="1.0" encoding="utf-8"?>
+<p:sld xmlns:a="http://schemas.openxmlformats.org/drawingml/2006/main" xmlns:r="http://schemas.openxmlformats.org/officeDocument/2006/relationships" xmlns:p="http://schemas.openxmlformats.org/presentationml/2006/main">
+  <p:cSld>
+    <p:spTree>
+      <p:nvGrpSpPr>
+        <p:cNvPr id="1" name=""/>
+        <p:cNvGrpSpPr/>
+        <p:nvPr/>
+      </p:nvGrpSpPr>
+      <p:grpSpPr>
+        <a:xfrm>
+          <a:off x="0" y="0"/>
+          <a:ext cx="0" cy="0"/>
+          <a:chOff x="0" y="0"/>
+          <a:chExt cx="0" cy="0"/>
+        </a:xfrm>
+      </p:grpSpPr>
+      <p:sp>
+        <p:nvSpPr>
+          <p:cNvPr id="2" name="Title 1">
+            <a:extLst>
+              <a:ext uri="{FF2B5EF4-FFF2-40B4-BE49-F238E27FC236}">
+                <a16:creationId xmlns:a16="http://schemas.microsoft.com/office/drawing/2014/main" id="{4808087A-40EC-41E6-A246-BC46343A4BFC}"/>
+              </a:ext>
+            </a:extLst>
+          </p:cNvPr>
+          <p:cNvSpPr>
+            <a:spLocks noGrp="1"/>
+          </p:cNvSpPr>
+          <p:nvPr>
+            <p:ph type="title"/>
+          </p:nvPr>
+        </p:nvSpPr>
+        <p:spPr/>
+        <p:txBody>
+          <a:bodyPr>
+            <a:normAutofit/>
+          </a:bodyPr>
+          <a:lstStyle/>
+          <a:p>
+            <a:r>
+              <a:rPr lang="en-US" b="1" dirty="0" err="1">
+                <a:latin typeface="Arial" panose="020B0604020202020204" pitchFamily="34" charset="0"/>
+                <a:cs typeface="Arial" panose="020B0604020202020204" pitchFamily="34" charset="0"/>
+              </a:rPr>
               <a:t>Weiterentwicklung</a:t>
             </a:r>
             <a:br>
@@ -25206,7 +27839,7 @@
           <a:p>
             <a:fld id="{0F00D740-55B1-4DC8-A3B5-4535950A93D0}" type="slidenum">
               <a:rPr lang="en-CH" smtClean="0"/>
-              <a:t>40</a:t>
+              <a:t>42</a:t>
             </a:fld>
             <a:endParaRPr lang="en-CH"/>
           </a:p>
@@ -25390,7 +28023,7 @@
 </p:sld>
 </file>
 
-<file path=ppt/slides/slide41.xml><?xml version="1.0" encoding="utf-8"?>
+<file path=ppt/slides/slide43.xml><?xml version="1.0" encoding="utf-8"?>
 <p:sld xmlns:a="http://schemas.openxmlformats.org/drawingml/2006/main" xmlns:r="http://schemas.openxmlformats.org/officeDocument/2006/relationships" xmlns:p="http://schemas.openxmlformats.org/presentationml/2006/main">
   <p:cSld>
     <p:spTree>

--- a/Powerpoint v3.pptx
+++ b/Powerpoint v3.pptx
@@ -5,7 +5,7 @@
     <p:sldMasterId id="2147483648" r:id="rId1"/>
   </p:sldMasterIdLst>
   <p:notesMasterIdLst>
-    <p:notesMasterId r:id="rId45"/>
+    <p:notesMasterId r:id="rId44"/>
   </p:notesMasterIdLst>
   <p:sldIdLst>
     <p:sldId id="256" r:id="rId2"/>
@@ -47,10 +47,9 @@
     <p:sldId id="285" r:id="rId38"/>
     <p:sldId id="293" r:id="rId39"/>
     <p:sldId id="271" r:id="rId40"/>
-    <p:sldId id="308" r:id="rId41"/>
-    <p:sldId id="294" r:id="rId42"/>
-    <p:sldId id="283" r:id="rId43"/>
-    <p:sldId id="286" r:id="rId44"/>
+    <p:sldId id="294" r:id="rId41"/>
+    <p:sldId id="283" r:id="rId42"/>
+    <p:sldId id="286" r:id="rId43"/>
   </p:sldIdLst>
   <p:sldSz cx="12192000" cy="6858000"/>
   <p:notesSz cx="6858000" cy="9144000"/>
@@ -225,7 +224,6 @@
           <p14:sldIdLst>
             <p14:sldId id="293"/>
             <p14:sldId id="271"/>
-            <p14:sldId id="308"/>
           </p14:sldIdLst>
         </p14:section>
         <p14:section name="Weiterentwicklung" id="{EE8E4629-1559-4CA7-B565-B1B44D98D62E}">
@@ -644,7 +642,7 @@
           <a:p>
             <a:fld id="{6653C7EC-378C-496A-9946-B9D0B56795BD}" type="datetimeFigureOut">
               <a:rPr lang="en-CH" smtClean="0"/>
-              <a:t>25/01/2022</a:t>
+              <a:t>01/26/2022</a:t>
             </a:fld>
             <a:endParaRPr lang="en-CH"/>
           </a:p>
@@ -803,7 +801,7 @@
           <a:p>
             <a:fld id="{D4CE1BAB-7B68-4C87-8549-54F078DDFB49}" type="slidenum">
               <a:rPr lang="en-CH" smtClean="0"/>
-              <a:t>‹#›</a:t>
+              <a:t>‹Nr.›</a:t>
             </a:fld>
             <a:endParaRPr lang="en-CH"/>
           </a:p>
@@ -958,7 +956,205 @@
           <a:p>
             <a:r>
               <a:rPr lang="en-US" dirty="0"/>
-              <a:t>Etienne:</a:t>
+              <a:t>Etienne: </a:t>
+            </a:r>
+          </a:p>
+          <a:p>
+            <a:r>
+              <a:rPr lang="en-US" dirty="0" err="1"/>
+              <a:t>Einen</a:t>
+            </a:r>
+            <a:r>
+              <a:rPr lang="en-US" dirty="0"/>
+              <a:t> </a:t>
+            </a:r>
+            <a:r>
+              <a:rPr lang="en-US" dirty="0" err="1"/>
+              <a:t>wunderschön</a:t>
+            </a:r>
+            <a:r>
+              <a:rPr lang="en-US" dirty="0"/>
+              <a:t> </a:t>
+            </a:r>
+            <a:r>
+              <a:rPr lang="en-US" dirty="0" err="1"/>
+              <a:t>guten</a:t>
+            </a:r>
+            <a:r>
+              <a:rPr lang="en-US" dirty="0"/>
+              <a:t> Morgen und </a:t>
+            </a:r>
+            <a:r>
+              <a:rPr lang="en-US" dirty="0" err="1"/>
+              <a:t>herzlich</a:t>
+            </a:r>
+            <a:r>
+              <a:rPr lang="en-US" dirty="0"/>
+              <a:t> </a:t>
+            </a:r>
+            <a:r>
+              <a:rPr lang="en-US" dirty="0" err="1"/>
+              <a:t>Willkommen</a:t>
+            </a:r>
+            <a:r>
+              <a:rPr lang="en-US" dirty="0"/>
+              <a:t> </a:t>
+            </a:r>
+            <a:r>
+              <a:rPr lang="en-US" dirty="0" err="1"/>
+              <a:t>heute</a:t>
+            </a:r>
+            <a:r>
+              <a:rPr lang="en-US" dirty="0"/>
+              <a:t> </a:t>
+            </a:r>
+            <a:r>
+              <a:rPr lang="en-US" dirty="0" err="1"/>
+              <a:t>zu</a:t>
+            </a:r>
+            <a:r>
+              <a:rPr lang="en-US" dirty="0"/>
+              <a:t> </a:t>
+            </a:r>
+            <a:r>
+              <a:rPr lang="en-US" dirty="0" err="1"/>
+              <a:t>dieser</a:t>
+            </a:r>
+            <a:r>
+              <a:rPr lang="en-US" dirty="0"/>
+              <a:t> </a:t>
+            </a:r>
+            <a:r>
+              <a:rPr lang="en-US" dirty="0" err="1"/>
+              <a:t>Vorstellung</a:t>
+            </a:r>
+            <a:r>
+              <a:rPr lang="en-US" dirty="0"/>
+              <a:t> </a:t>
+            </a:r>
+            <a:r>
+              <a:rPr lang="en-US" dirty="0" err="1"/>
+              <a:t>unseres</a:t>
+            </a:r>
+            <a:r>
+              <a:rPr lang="en-US" dirty="0"/>
+              <a:t> CDE1 Challenge </a:t>
+            </a:r>
+            <a:r>
+              <a:rPr lang="en-US" dirty="0" err="1"/>
+              <a:t>Resultat</a:t>
+            </a:r>
+            <a:r>
+              <a:rPr lang="en-US" dirty="0"/>
+              <a:t>.</a:t>
+            </a:r>
+          </a:p>
+          <a:p>
+            <a:r>
+              <a:rPr lang="en-US" dirty="0" err="1"/>
+              <a:t>Nach</a:t>
+            </a:r>
+            <a:r>
+              <a:rPr lang="en-US" dirty="0"/>
+              <a:t> </a:t>
+            </a:r>
+            <a:r>
+              <a:rPr lang="en-US" dirty="0" err="1"/>
+              <a:t>rund</a:t>
+            </a:r>
+            <a:r>
+              <a:rPr lang="en-US" dirty="0"/>
+              <a:t> 15 </a:t>
+            </a:r>
+            <a:r>
+              <a:rPr lang="en-US" dirty="0" err="1"/>
+              <a:t>Wochen</a:t>
+            </a:r>
+            <a:r>
+              <a:rPr lang="en-US" dirty="0"/>
+              <a:t> </a:t>
+            </a:r>
+            <a:r>
+              <a:rPr lang="en-US" dirty="0" err="1"/>
+              <a:t>sind</a:t>
+            </a:r>
+            <a:r>
+              <a:rPr lang="en-US" dirty="0"/>
+              <a:t> </a:t>
+            </a:r>
+            <a:r>
+              <a:rPr lang="en-US" dirty="0" err="1"/>
+              <a:t>wir</a:t>
+            </a:r>
+            <a:r>
+              <a:rPr lang="en-US" dirty="0"/>
+              <a:t> nun </a:t>
+            </a:r>
+            <a:r>
+              <a:rPr lang="en-US" dirty="0" err="1"/>
+              <a:t>heute</a:t>
+            </a:r>
+            <a:r>
+              <a:rPr lang="en-US" dirty="0"/>
+              <a:t> </a:t>
+            </a:r>
+            <a:r>
+              <a:rPr lang="en-US" dirty="0" err="1"/>
+              <a:t>hier</a:t>
+            </a:r>
+            <a:r>
+              <a:rPr lang="en-US" dirty="0"/>
+              <a:t> </a:t>
+            </a:r>
+            <a:r>
+              <a:rPr lang="en-US" dirty="0" err="1"/>
+              <a:t>als</a:t>
+            </a:r>
+            <a:r>
+              <a:rPr lang="en-US" dirty="0"/>
+              <a:t> Team um </a:t>
+            </a:r>
+            <a:r>
+              <a:rPr lang="en-US" dirty="0" err="1"/>
+              <a:t>unseren</a:t>
+            </a:r>
+            <a:r>
+              <a:rPr lang="en-US" dirty="0"/>
+              <a:t> </a:t>
+            </a:r>
+            <a:r>
+              <a:rPr lang="en-US" dirty="0" err="1"/>
+              <a:t>Wettermonitor</a:t>
+            </a:r>
+            <a:r>
+              <a:rPr lang="en-US" dirty="0"/>
+              <a:t> </a:t>
+            </a:r>
+            <a:r>
+              <a:rPr lang="en-US" dirty="0" err="1"/>
+              <a:t>vorzustellen</a:t>
+            </a:r>
+            <a:r>
+              <a:rPr lang="en-US" dirty="0"/>
+              <a:t>.</a:t>
+            </a:r>
+          </a:p>
+          <a:p>
+            <a:r>
+              <a:rPr lang="en-US" dirty="0" err="1"/>
+              <a:t>Wollen</a:t>
+            </a:r>
+            <a:r>
+              <a:rPr lang="en-US" dirty="0"/>
+              <a:t> </a:t>
+            </a:r>
+            <a:r>
+              <a:rPr lang="en-US" dirty="0" err="1"/>
+              <a:t>wir</a:t>
+            </a:r>
+            <a:r>
+              <a:rPr lang="en-US" dirty="0"/>
+              <a:t> ?</a:t>
             </a:r>
           </a:p>
         </p:txBody>
@@ -1915,8 +2111,623 @@
           <a:p>
             <a:r>
               <a:rPr lang="en-US" dirty="0"/>
-              <a:t>Etienne:</a:t>
-            </a:r>
+              <a:t>Etienne: Der </a:t>
+            </a:r>
+            <a:r>
+              <a:rPr lang="en-US" dirty="0" err="1"/>
+              <a:t>Ablauf</a:t>
+            </a:r>
+            <a:r>
+              <a:rPr lang="en-US" dirty="0"/>
+              <a:t> </a:t>
+            </a:r>
+            <a:r>
+              <a:rPr lang="en-US" dirty="0" err="1"/>
+              <a:t>wird</a:t>
+            </a:r>
+            <a:r>
+              <a:rPr lang="en-US" dirty="0"/>
+              <a:t> </a:t>
+            </a:r>
+            <a:r>
+              <a:rPr lang="en-US" dirty="0" err="1"/>
+              <a:t>wie</a:t>
+            </a:r>
+            <a:r>
+              <a:rPr lang="en-US" dirty="0"/>
+              <a:t> </a:t>
+            </a:r>
+            <a:r>
+              <a:rPr lang="en-US" dirty="0" err="1"/>
+              <a:t>folgt</a:t>
+            </a:r>
+            <a:r>
+              <a:rPr lang="en-US" dirty="0"/>
+              <a:t> </a:t>
+            </a:r>
+            <a:r>
+              <a:rPr lang="en-US" dirty="0" err="1"/>
+              <a:t>aussehen</a:t>
+            </a:r>
+            <a:r>
+              <a:rPr lang="en-US" dirty="0"/>
+              <a:t>. </a:t>
+            </a:r>
+          </a:p>
+          <a:p>
+            <a:r>
+              <a:rPr lang="en-US" dirty="0"/>
+              <a:t>Am </a:t>
+            </a:r>
+            <a:r>
+              <a:rPr lang="en-US" dirty="0" err="1"/>
+              <a:t>anfang</a:t>
+            </a:r>
+            <a:r>
+              <a:rPr lang="en-US" dirty="0"/>
+              <a:t> warden </a:t>
+            </a:r>
+            <a:r>
+              <a:rPr lang="en-US" dirty="0" err="1"/>
+              <a:t>wir</a:t>
+            </a:r>
+            <a:r>
+              <a:rPr lang="en-US" dirty="0"/>
+              <a:t> </a:t>
+            </a:r>
+            <a:r>
+              <a:rPr lang="en-US" dirty="0" err="1"/>
+              <a:t>nochmals</a:t>
+            </a:r>
+            <a:r>
+              <a:rPr lang="en-US" dirty="0"/>
+              <a:t> </a:t>
+            </a:r>
+            <a:r>
+              <a:rPr lang="en-US" dirty="0" err="1"/>
+              <a:t>etwas</a:t>
+            </a:r>
+            <a:r>
+              <a:rPr lang="en-US" dirty="0"/>
+              <a:t> revue </a:t>
+            </a:r>
+            <a:r>
+              <a:rPr lang="en-US" dirty="0" err="1"/>
+              <a:t>passieren</a:t>
+            </a:r>
+            <a:r>
+              <a:rPr lang="en-US" dirty="0"/>
+              <a:t> </a:t>
+            </a:r>
+            <a:r>
+              <a:rPr lang="en-US" dirty="0" err="1"/>
+              <a:t>lassen</a:t>
+            </a:r>
+            <a:r>
+              <a:rPr lang="en-US" dirty="0"/>
+              <a:t> um den </a:t>
+            </a:r>
+            <a:r>
+              <a:rPr lang="en-US" dirty="0" err="1"/>
+              <a:t>Auftrag</a:t>
+            </a:r>
+            <a:r>
+              <a:rPr lang="en-US" dirty="0"/>
+              <a:t> </a:t>
+            </a:r>
+            <a:r>
+              <a:rPr lang="en-US" dirty="0" err="1"/>
+              <a:t>anzuschauen</a:t>
+            </a:r>
+            <a:r>
+              <a:rPr lang="en-US" dirty="0"/>
+              <a:t>. </a:t>
+            </a:r>
+          </a:p>
+          <a:p>
+            <a:r>
+              <a:rPr lang="en-US" dirty="0"/>
+              <a:t>Dann </a:t>
+            </a:r>
+            <a:r>
+              <a:rPr lang="en-US" dirty="0" err="1"/>
+              <a:t>wird</a:t>
+            </a:r>
+            <a:r>
+              <a:rPr lang="en-US" dirty="0"/>
+              <a:t> </a:t>
+            </a:r>
+            <a:r>
+              <a:rPr lang="en-US" dirty="0" err="1"/>
+              <a:t>uns</a:t>
+            </a:r>
+            <a:r>
+              <a:rPr lang="en-US" dirty="0"/>
+              <a:t> Tobias die Hardware </a:t>
+            </a:r>
+            <a:r>
+              <a:rPr lang="en-US" dirty="0" err="1"/>
+              <a:t>vorstellen</a:t>
+            </a:r>
+            <a:r>
+              <a:rPr lang="en-US" dirty="0"/>
+              <a:t>, auf dem </a:t>
+            </a:r>
+            <a:r>
+              <a:rPr lang="en-US" dirty="0" err="1"/>
+              <a:t>unserer</a:t>
+            </a:r>
+            <a:r>
+              <a:rPr lang="en-US" dirty="0"/>
+              <a:t> </a:t>
+            </a:r>
+            <a:r>
+              <a:rPr lang="en-US" dirty="0" err="1"/>
+              <a:t>Wettermonitor</a:t>
+            </a:r>
+            <a:r>
+              <a:rPr lang="en-US" dirty="0"/>
+              <a:t> in Zukunft </a:t>
+            </a:r>
+            <a:r>
+              <a:rPr lang="en-US" dirty="0" err="1"/>
+              <a:t>laufen</a:t>
+            </a:r>
+            <a:r>
+              <a:rPr lang="en-US" dirty="0"/>
+              <a:t> </a:t>
+            </a:r>
+            <a:r>
+              <a:rPr lang="en-US" dirty="0" err="1"/>
+              <a:t>wird</a:t>
+            </a:r>
+            <a:r>
+              <a:rPr lang="en-US" dirty="0"/>
+              <a:t>.</a:t>
+            </a:r>
+          </a:p>
+          <a:p>
+            <a:r>
+              <a:rPr lang="en-US" dirty="0" err="1"/>
+              <a:t>Nätürlich</a:t>
+            </a:r>
+            <a:r>
+              <a:rPr lang="en-US" dirty="0"/>
+              <a:t> </a:t>
+            </a:r>
+            <a:r>
+              <a:rPr lang="en-US" dirty="0" err="1"/>
+              <a:t>ist</a:t>
+            </a:r>
+            <a:r>
+              <a:rPr lang="en-US" dirty="0"/>
+              <a:t> so </a:t>
+            </a:r>
+            <a:r>
+              <a:rPr lang="en-US" dirty="0" err="1"/>
+              <a:t>eine</a:t>
+            </a:r>
+            <a:r>
+              <a:rPr lang="en-US" dirty="0"/>
+              <a:t> </a:t>
+            </a:r>
+            <a:r>
+              <a:rPr lang="en-US" dirty="0" err="1"/>
+              <a:t>Applikationschicht</a:t>
+            </a:r>
+            <a:r>
+              <a:rPr lang="en-US" dirty="0"/>
+              <a:t> </a:t>
+            </a:r>
+            <a:r>
+              <a:rPr lang="en-US" dirty="0" err="1"/>
+              <a:t>nichts</a:t>
+            </a:r>
+            <a:r>
+              <a:rPr lang="en-US" dirty="0"/>
+              <a:t> </a:t>
+            </a:r>
+            <a:r>
+              <a:rPr lang="en-US" dirty="0" err="1"/>
+              <a:t>ohne</a:t>
+            </a:r>
+            <a:r>
+              <a:rPr lang="en-US" dirty="0"/>
+              <a:t> </a:t>
+            </a:r>
+            <a:r>
+              <a:rPr lang="en-US" dirty="0" err="1"/>
+              <a:t>eine</a:t>
+            </a:r>
+            <a:r>
+              <a:rPr lang="en-US" dirty="0"/>
+              <a:t> </a:t>
+            </a:r>
+            <a:r>
+              <a:rPr lang="en-US" dirty="0" err="1"/>
+              <a:t>Vernüftige</a:t>
+            </a:r>
+            <a:r>
+              <a:rPr lang="en-US" dirty="0"/>
+              <a:t> </a:t>
+            </a:r>
+            <a:r>
+              <a:rPr lang="en-US" dirty="0" err="1"/>
+              <a:t>Persistenzebene</a:t>
+            </a:r>
+            <a:r>
+              <a:rPr lang="en-US" dirty="0"/>
+              <a:t>. </a:t>
+            </a:r>
+            <a:r>
+              <a:rPr lang="en-US" dirty="0" err="1"/>
+              <a:t>Diese</a:t>
+            </a:r>
+            <a:r>
+              <a:rPr lang="en-US" dirty="0"/>
+              <a:t> </a:t>
+            </a:r>
+            <a:r>
+              <a:rPr lang="en-US" dirty="0" err="1"/>
+              <a:t>wird</a:t>
+            </a:r>
+            <a:r>
+              <a:rPr lang="en-US" dirty="0"/>
+              <a:t> </a:t>
+            </a:r>
+            <a:r>
+              <a:rPr lang="en-US" dirty="0" err="1"/>
+              <a:t>euch</a:t>
+            </a:r>
+            <a:r>
+              <a:rPr lang="en-US" dirty="0"/>
+              <a:t> Sean </a:t>
+            </a:r>
+            <a:r>
+              <a:rPr lang="en-US" dirty="0" err="1"/>
+              <a:t>etwas</a:t>
+            </a:r>
+            <a:r>
+              <a:rPr lang="en-US" dirty="0"/>
+              <a:t> </a:t>
+            </a:r>
+            <a:r>
+              <a:rPr lang="en-US" dirty="0" err="1"/>
+              <a:t>näher</a:t>
+            </a:r>
+            <a:r>
+              <a:rPr lang="en-US" dirty="0"/>
+              <a:t> </a:t>
+            </a:r>
+            <a:r>
+              <a:rPr lang="en-US" dirty="0" err="1"/>
+              <a:t>bringen</a:t>
+            </a:r>
+            <a:r>
+              <a:rPr lang="en-US" dirty="0"/>
+              <a:t> und </a:t>
+            </a:r>
+            <a:r>
+              <a:rPr lang="en-US" dirty="0" err="1"/>
+              <a:t>warum</a:t>
+            </a:r>
+            <a:r>
+              <a:rPr lang="en-US" dirty="0"/>
+              <a:t> </a:t>
+            </a:r>
+            <a:r>
+              <a:rPr lang="en-US" dirty="0" err="1"/>
+              <a:t>sie</a:t>
+            </a:r>
+            <a:r>
+              <a:rPr lang="en-US" dirty="0"/>
+              <a:t> </a:t>
+            </a:r>
+            <a:r>
+              <a:rPr lang="en-US" dirty="0" err="1"/>
+              <a:t>genau</a:t>
+            </a:r>
+            <a:r>
+              <a:rPr lang="en-US" dirty="0"/>
+              <a:t> für </a:t>
+            </a:r>
+            <a:r>
+              <a:rPr lang="en-US" dirty="0" err="1"/>
+              <a:t>unser</a:t>
+            </a:r>
+            <a:r>
+              <a:rPr lang="en-US" dirty="0"/>
+              <a:t> </a:t>
+            </a:r>
+            <a:r>
+              <a:rPr lang="en-US" dirty="0" err="1"/>
+              <a:t>Projekt</a:t>
+            </a:r>
+            <a:r>
+              <a:rPr lang="en-US" dirty="0"/>
+              <a:t> so </a:t>
+            </a:r>
+            <a:r>
+              <a:rPr lang="en-US" dirty="0" err="1"/>
+              <a:t>wichtig</a:t>
+            </a:r>
+            <a:r>
+              <a:rPr lang="en-US" dirty="0"/>
+              <a:t> </a:t>
+            </a:r>
+            <a:r>
+              <a:rPr lang="en-US" dirty="0" err="1"/>
+              <a:t>ist</a:t>
+            </a:r>
+            <a:r>
+              <a:rPr lang="en-US" dirty="0"/>
+              <a:t>.</a:t>
+            </a:r>
+          </a:p>
+          <a:p>
+            <a:r>
+              <a:rPr lang="en-US" dirty="0" err="1"/>
+              <a:t>Anschliessend</a:t>
+            </a:r>
+            <a:r>
+              <a:rPr lang="en-US" dirty="0"/>
+              <a:t> </a:t>
+            </a:r>
+            <a:r>
+              <a:rPr lang="en-US" dirty="0" err="1"/>
+              <a:t>erzählt</a:t>
+            </a:r>
+            <a:r>
+              <a:rPr lang="en-US" dirty="0"/>
+              <a:t> </a:t>
+            </a:r>
+            <a:r>
+              <a:rPr lang="en-US" dirty="0" err="1"/>
+              <a:t>euch</a:t>
+            </a:r>
+            <a:r>
+              <a:rPr lang="en-US" dirty="0"/>
+              <a:t> Sean </a:t>
+            </a:r>
+            <a:r>
+              <a:rPr lang="en-US" dirty="0" err="1"/>
+              <a:t>etwas</a:t>
+            </a:r>
+            <a:r>
+              <a:rPr lang="en-US" dirty="0"/>
+              <a:t> </a:t>
+            </a:r>
+            <a:r>
+              <a:rPr lang="en-US" dirty="0" err="1"/>
+              <a:t>über</a:t>
+            </a:r>
+            <a:r>
+              <a:rPr lang="en-US" dirty="0"/>
+              <a:t> die </a:t>
+            </a:r>
+            <a:r>
+              <a:rPr lang="en-US" dirty="0" err="1"/>
+              <a:t>Architektur</a:t>
+            </a:r>
+            <a:r>
+              <a:rPr lang="en-US" dirty="0"/>
+              <a:t> </a:t>
+            </a:r>
+            <a:r>
+              <a:rPr lang="en-US" dirty="0" err="1"/>
+              <a:t>ansich</a:t>
+            </a:r>
+            <a:r>
+              <a:rPr lang="en-US" dirty="0"/>
+              <a:t> der </a:t>
+            </a:r>
+            <a:r>
+              <a:rPr lang="en-US" dirty="0" err="1"/>
+              <a:t>Applikation</a:t>
+            </a:r>
+            <a:r>
+              <a:rPr lang="en-US" dirty="0"/>
+              <a:t> </a:t>
+            </a:r>
+          </a:p>
+          <a:p>
+            <a:r>
+              <a:rPr lang="en-US" dirty="0"/>
+              <a:t>Um dies </a:t>
+            </a:r>
+            <a:r>
+              <a:rPr lang="en-US" dirty="0" err="1"/>
+              <a:t>zu</a:t>
+            </a:r>
+            <a:r>
+              <a:rPr lang="en-US" dirty="0"/>
+              <a:t> </a:t>
+            </a:r>
+            <a:r>
+              <a:rPr lang="en-US" dirty="0" err="1"/>
+              <a:t>ergänzen</a:t>
+            </a:r>
+            <a:r>
+              <a:rPr lang="en-US" dirty="0"/>
+              <a:t> </a:t>
+            </a:r>
+            <a:r>
+              <a:rPr lang="en-US" dirty="0" err="1"/>
+              <a:t>werde</a:t>
+            </a:r>
+            <a:r>
+              <a:rPr lang="en-US" dirty="0"/>
+              <a:t> ich </a:t>
+            </a:r>
+            <a:r>
+              <a:rPr lang="en-US" dirty="0" err="1"/>
+              <a:t>euch</a:t>
+            </a:r>
+            <a:r>
+              <a:rPr lang="en-US" dirty="0"/>
+              <a:t> </a:t>
+            </a:r>
+            <a:r>
+              <a:rPr lang="en-US" dirty="0" err="1"/>
+              <a:t>über</a:t>
+            </a:r>
+            <a:r>
+              <a:rPr lang="en-US" dirty="0"/>
+              <a:t> die Microservice </a:t>
+            </a:r>
+            <a:r>
+              <a:rPr lang="en-US" dirty="0" err="1"/>
+              <a:t>Technologie</a:t>
+            </a:r>
+            <a:r>
+              <a:rPr lang="en-US" dirty="0"/>
+              <a:t> Flask </a:t>
+            </a:r>
+            <a:r>
+              <a:rPr lang="en-US" dirty="0" err="1"/>
+              <a:t>etwas</a:t>
+            </a:r>
+            <a:r>
+              <a:rPr lang="en-US" dirty="0"/>
+              <a:t> </a:t>
+            </a:r>
+            <a:r>
+              <a:rPr lang="en-US" dirty="0" err="1"/>
+              <a:t>erzählen</a:t>
+            </a:r>
+            <a:r>
+              <a:rPr lang="en-US" dirty="0"/>
+              <a:t>.</a:t>
+            </a:r>
+          </a:p>
+          <a:p>
+            <a:r>
+              <a:rPr lang="en-US" dirty="0"/>
+              <a:t>Florin </a:t>
+            </a:r>
+            <a:r>
+              <a:rPr lang="en-US" dirty="0" err="1"/>
+              <a:t>runded</a:t>
+            </a:r>
+            <a:r>
+              <a:rPr lang="en-US" dirty="0"/>
+              <a:t> </a:t>
+            </a:r>
+            <a:r>
+              <a:rPr lang="en-US" dirty="0" err="1"/>
+              <a:t>danach</a:t>
+            </a:r>
+            <a:r>
+              <a:rPr lang="en-US" dirty="0"/>
+              <a:t> </a:t>
+            </a:r>
+            <a:r>
+              <a:rPr lang="en-US" dirty="0" err="1"/>
+              <a:t>alles</a:t>
+            </a:r>
+            <a:r>
+              <a:rPr lang="en-US" dirty="0"/>
+              <a:t>  </a:t>
+            </a:r>
+            <a:r>
+              <a:rPr lang="en-US" dirty="0" err="1"/>
+              <a:t>mit</a:t>
+            </a:r>
+            <a:r>
+              <a:rPr lang="en-US" dirty="0"/>
+              <a:t> </a:t>
+            </a:r>
+            <a:r>
+              <a:rPr lang="en-US" dirty="0" err="1"/>
+              <a:t>unserem</a:t>
+            </a:r>
+            <a:r>
+              <a:rPr lang="en-US" dirty="0"/>
+              <a:t> </a:t>
+            </a:r>
+            <a:r>
+              <a:rPr lang="en-US" dirty="0" err="1"/>
+              <a:t>Endresultat</a:t>
+            </a:r>
+            <a:r>
+              <a:rPr lang="en-US" dirty="0"/>
+              <a:t> der </a:t>
+            </a:r>
+            <a:r>
+              <a:rPr lang="en-US" dirty="0" err="1"/>
+              <a:t>umgesetzten</a:t>
+            </a:r>
+            <a:r>
+              <a:rPr lang="en-US" dirty="0"/>
+              <a:t> und </a:t>
+            </a:r>
+            <a:r>
+              <a:rPr lang="en-US" dirty="0" err="1"/>
+              <a:t>geplanten</a:t>
+            </a:r>
+            <a:r>
+              <a:rPr lang="en-US" dirty="0"/>
+              <a:t> Ui ab und </a:t>
+            </a:r>
+            <a:r>
+              <a:rPr lang="en-US" dirty="0" err="1"/>
+              <a:t>widmet</a:t>
+            </a:r>
+            <a:r>
+              <a:rPr lang="en-US" dirty="0"/>
+              <a:t> </a:t>
+            </a:r>
+            <a:r>
+              <a:rPr lang="en-US" dirty="0" err="1"/>
+              <a:t>sich</a:t>
+            </a:r>
+            <a:r>
+              <a:rPr lang="en-US" dirty="0"/>
+              <a:t> </a:t>
+            </a:r>
+            <a:r>
+              <a:rPr lang="en-US" dirty="0" err="1"/>
+              <a:t>ganz</a:t>
+            </a:r>
+            <a:r>
+              <a:rPr lang="en-US" dirty="0"/>
+              <a:t> </a:t>
+            </a:r>
+            <a:r>
+              <a:rPr lang="en-US" dirty="0" err="1"/>
+              <a:t>zu</a:t>
+            </a:r>
+            <a:r>
+              <a:rPr lang="en-US" dirty="0"/>
+              <a:t> </a:t>
+            </a:r>
+            <a:r>
+              <a:rPr lang="en-US" dirty="0" err="1"/>
+              <a:t>ende</a:t>
+            </a:r>
+            <a:r>
+              <a:rPr lang="en-US" dirty="0"/>
+              <a:t> </a:t>
+            </a:r>
+            <a:r>
+              <a:rPr lang="en-US" dirty="0" err="1"/>
+              <a:t>noch</a:t>
+            </a:r>
+            <a:r>
+              <a:rPr lang="en-US" dirty="0"/>
+              <a:t> dem Thema Roadmap und </a:t>
+            </a:r>
+            <a:r>
+              <a:rPr lang="en-US" dirty="0" err="1"/>
+              <a:t>Weiterentwicklung</a:t>
+            </a:r>
+            <a:r>
+              <a:rPr lang="en-US" dirty="0"/>
+              <a:t>.</a:t>
+            </a:r>
+          </a:p>
+          <a:p>
+            <a:endParaRPr lang="en-US" dirty="0"/>
           </a:p>
         </p:txBody>
       </p:sp>
@@ -4601,8 +5412,344 @@
           <a:p>
             <a:r>
               <a:rPr lang="en-US" dirty="0"/>
-              <a:t>Etienne:</a:t>
-            </a:r>
+              <a:t>Etienne: Flask </a:t>
+            </a:r>
+            <a:r>
+              <a:rPr lang="en-US" dirty="0" err="1"/>
+              <a:t>ist</a:t>
+            </a:r>
+            <a:r>
+              <a:rPr lang="en-US" dirty="0"/>
+              <a:t> </a:t>
+            </a:r>
+            <a:r>
+              <a:rPr lang="en-US" dirty="0" err="1"/>
+              <a:t>ein</a:t>
+            </a:r>
+            <a:r>
+              <a:rPr lang="en-US" dirty="0"/>
+              <a:t> </a:t>
+            </a:r>
+            <a:r>
+              <a:rPr lang="en-US" dirty="0" err="1"/>
+              <a:t>Mikro</a:t>
+            </a:r>
+            <a:r>
+              <a:rPr lang="en-US" dirty="0"/>
+              <a:t> </a:t>
+            </a:r>
+            <a:r>
+              <a:rPr lang="en-US" dirty="0" err="1"/>
+              <a:t>Webframework</a:t>
+            </a:r>
+            <a:r>
+              <a:rPr lang="en-US" dirty="0"/>
+              <a:t> </a:t>
+            </a:r>
+            <a:r>
+              <a:rPr lang="en-US" dirty="0" err="1"/>
+              <a:t>zum</a:t>
+            </a:r>
+            <a:r>
+              <a:rPr lang="en-US" dirty="0"/>
+              <a:t> </a:t>
+            </a:r>
+            <a:r>
+              <a:rPr lang="en-US" dirty="0" err="1"/>
+              <a:t>Programmieren</a:t>
+            </a:r>
+            <a:r>
+              <a:rPr lang="en-US" dirty="0"/>
+              <a:t> von </a:t>
+            </a:r>
+            <a:r>
+              <a:rPr lang="en-US" dirty="0" err="1"/>
+              <a:t>Webanwendungen</a:t>
+            </a:r>
+            <a:r>
+              <a:rPr lang="en-US" dirty="0"/>
+              <a:t> in der </a:t>
+            </a:r>
+            <a:r>
+              <a:rPr lang="en-US" dirty="0" err="1"/>
+              <a:t>Programmiersprache</a:t>
+            </a:r>
+            <a:r>
+              <a:rPr lang="en-US" dirty="0"/>
+              <a:t> Python. Es </a:t>
+            </a:r>
+            <a:r>
+              <a:rPr lang="en-US" dirty="0" err="1"/>
+              <a:t>ist</a:t>
+            </a:r>
+            <a:r>
+              <a:rPr lang="en-US" dirty="0"/>
+              <a:t> </a:t>
+            </a:r>
+            <a:r>
+              <a:rPr lang="en-US" dirty="0" err="1"/>
+              <a:t>ein</a:t>
+            </a:r>
+            <a:r>
+              <a:rPr lang="en-US" dirty="0"/>
+              <a:t> Open Source </a:t>
+            </a:r>
+            <a:r>
+              <a:rPr lang="en-US" dirty="0" err="1"/>
+              <a:t>Projekt</a:t>
+            </a:r>
+            <a:r>
+              <a:rPr lang="en-US" dirty="0"/>
+              <a:t> und </a:t>
+            </a:r>
+            <a:r>
+              <a:rPr lang="en-US" dirty="0" err="1"/>
+              <a:t>wurde</a:t>
+            </a:r>
+            <a:r>
+              <a:rPr lang="en-US" dirty="0"/>
+              <a:t> von </a:t>
+            </a:r>
+            <a:r>
+              <a:rPr lang="en-US" dirty="0" err="1"/>
+              <a:t>einem</a:t>
+            </a:r>
+            <a:r>
+              <a:rPr lang="en-US" dirty="0"/>
+              <a:t> </a:t>
+            </a:r>
+            <a:r>
+              <a:rPr lang="en-US" dirty="0" err="1"/>
+              <a:t>österreichischen</a:t>
+            </a:r>
+            <a:r>
+              <a:rPr lang="en-US" dirty="0"/>
+              <a:t> </a:t>
+            </a:r>
+            <a:r>
+              <a:rPr lang="en-US" dirty="0" err="1"/>
+              <a:t>Entwickler</a:t>
+            </a:r>
+            <a:r>
+              <a:rPr lang="en-US" dirty="0"/>
+              <a:t> </a:t>
+            </a:r>
+            <a:r>
+              <a:rPr lang="en-US" dirty="0" err="1"/>
+              <a:t>entwofen</a:t>
+            </a:r>
+            <a:r>
+              <a:rPr lang="en-US" dirty="0"/>
+              <a:t>. </a:t>
+            </a:r>
+            <a:r>
+              <a:rPr lang="en-US" dirty="0" err="1"/>
+              <a:t>Neben</a:t>
+            </a:r>
+            <a:r>
+              <a:rPr lang="en-US" dirty="0"/>
+              <a:t> Django </a:t>
+            </a:r>
+            <a:r>
+              <a:rPr lang="en-US" dirty="0" err="1"/>
+              <a:t>ist</a:t>
+            </a:r>
+            <a:r>
+              <a:rPr lang="en-US" dirty="0"/>
+              <a:t> Flask das </a:t>
+            </a:r>
+            <a:r>
+              <a:rPr lang="en-US" dirty="0" err="1"/>
+              <a:t>weitverbreiteste</a:t>
+            </a:r>
+            <a:r>
+              <a:rPr lang="en-US" dirty="0"/>
+              <a:t> </a:t>
+            </a:r>
+            <a:r>
+              <a:rPr lang="en-US" dirty="0" err="1"/>
+              <a:t>Webframework</a:t>
+            </a:r>
+            <a:r>
+              <a:rPr lang="en-US" dirty="0"/>
+              <a:t>.</a:t>
+            </a:r>
+          </a:p>
+          <a:p>
+            <a:r>
+              <a:rPr lang="en-US" dirty="0" err="1"/>
+              <a:t>Wir</a:t>
+            </a:r>
+            <a:r>
+              <a:rPr lang="en-US" dirty="0"/>
+              <a:t> </a:t>
+            </a:r>
+            <a:r>
+              <a:rPr lang="en-US" dirty="0" err="1"/>
+              <a:t>haben</a:t>
+            </a:r>
+            <a:r>
+              <a:rPr lang="en-US" dirty="0"/>
+              <a:t> </a:t>
+            </a:r>
+            <a:r>
+              <a:rPr lang="en-US" dirty="0" err="1"/>
+              <a:t>uns</a:t>
+            </a:r>
+            <a:r>
+              <a:rPr lang="en-US" dirty="0"/>
+              <a:t> </a:t>
+            </a:r>
+            <a:r>
+              <a:rPr lang="en-US" dirty="0" err="1"/>
+              <a:t>dazu</a:t>
+            </a:r>
+            <a:r>
+              <a:rPr lang="en-US" dirty="0"/>
+              <a:t> </a:t>
+            </a:r>
+            <a:r>
+              <a:rPr lang="en-US" dirty="0" err="1"/>
+              <a:t>entschieden</a:t>
+            </a:r>
+            <a:r>
+              <a:rPr lang="en-US" dirty="0"/>
+              <a:t>, </a:t>
+            </a:r>
+            <a:r>
+              <a:rPr lang="en-US" dirty="0" err="1"/>
+              <a:t>dass</a:t>
+            </a:r>
+            <a:r>
+              <a:rPr lang="en-US" dirty="0"/>
+              <a:t> </a:t>
+            </a:r>
+            <a:r>
+              <a:rPr lang="en-US" dirty="0" err="1"/>
+              <a:t>ganze</a:t>
+            </a:r>
+            <a:r>
+              <a:rPr lang="en-US" dirty="0"/>
+              <a:t> </a:t>
+            </a:r>
+            <a:r>
+              <a:rPr lang="en-US" dirty="0" err="1"/>
+              <a:t>mit</a:t>
+            </a:r>
+            <a:r>
+              <a:rPr lang="en-US" dirty="0"/>
+              <a:t> </a:t>
+            </a:r>
+            <a:r>
+              <a:rPr lang="en-US" dirty="0" err="1"/>
+              <a:t>Flaskwebgui</a:t>
+            </a:r>
+            <a:r>
+              <a:rPr lang="en-US" dirty="0"/>
+              <a:t> </a:t>
+            </a:r>
+            <a:r>
+              <a:rPr lang="en-US" dirty="0" err="1"/>
+              <a:t>umzusetzen</a:t>
+            </a:r>
+            <a:r>
+              <a:rPr lang="en-US" dirty="0"/>
+              <a:t> </a:t>
+            </a:r>
+            <a:r>
+              <a:rPr lang="en-US" dirty="0" err="1"/>
+              <a:t>einer</a:t>
+            </a:r>
+            <a:r>
+              <a:rPr lang="en-US" dirty="0"/>
+              <a:t> Library die es </a:t>
+            </a:r>
+            <a:r>
+              <a:rPr lang="en-US" dirty="0" err="1"/>
+              <a:t>ermöglicht</a:t>
+            </a:r>
+            <a:r>
+              <a:rPr lang="en-US" dirty="0"/>
+              <a:t> </a:t>
+            </a:r>
+            <a:r>
+              <a:rPr lang="en-US" dirty="0" err="1"/>
+              <a:t>ähnlich</a:t>
+            </a:r>
+            <a:r>
+              <a:rPr lang="en-US" dirty="0"/>
+              <a:t> </a:t>
+            </a:r>
+            <a:r>
+              <a:rPr lang="en-US" dirty="0" err="1"/>
+              <a:t>wie</a:t>
+            </a:r>
+            <a:r>
+              <a:rPr lang="en-US" dirty="0"/>
+              <a:t> </a:t>
+            </a:r>
+            <a:r>
+              <a:rPr lang="en-US" dirty="0" err="1"/>
+              <a:t>bei</a:t>
+            </a:r>
+            <a:r>
+              <a:rPr lang="en-US" dirty="0"/>
+              <a:t> Electron Apps </a:t>
+            </a:r>
+            <a:r>
+              <a:rPr lang="en-US" dirty="0" err="1"/>
+              <a:t>einen</a:t>
+            </a:r>
+            <a:r>
+              <a:rPr lang="en-US" dirty="0"/>
+              <a:t> Website </a:t>
+            </a:r>
+            <a:r>
+              <a:rPr lang="en-US" dirty="0" err="1"/>
+              <a:t>ohne</a:t>
+            </a:r>
+            <a:r>
+              <a:rPr lang="en-US" dirty="0"/>
+              <a:t> Backend </a:t>
+            </a:r>
+            <a:r>
+              <a:rPr lang="en-US" dirty="0" err="1"/>
+              <a:t>laufen</a:t>
+            </a:r>
+            <a:r>
+              <a:rPr lang="en-US" dirty="0"/>
+              <a:t> </a:t>
+            </a:r>
+            <a:r>
+              <a:rPr lang="en-US" dirty="0" err="1"/>
+              <a:t>zulaufen</a:t>
+            </a:r>
+            <a:r>
+              <a:rPr lang="en-US" dirty="0"/>
+              <a:t> direct auf dem Client </a:t>
+            </a:r>
+            <a:r>
+              <a:rPr lang="en-US" dirty="0" err="1"/>
+              <a:t>mit</a:t>
+            </a:r>
+            <a:r>
+              <a:rPr lang="en-US" dirty="0"/>
+              <a:t> </a:t>
+            </a:r>
+            <a:r>
+              <a:rPr lang="en-US" dirty="0" err="1"/>
+              <a:t>integriertem</a:t>
+            </a:r>
+            <a:r>
+              <a:rPr lang="en-US" dirty="0"/>
+              <a:t> Webserver.</a:t>
+            </a:r>
+          </a:p>
+          <a:p>
+            <a:endParaRPr lang="en-US" dirty="0"/>
+          </a:p>
+          <a:p>
+            <a:endParaRPr lang="en-US" dirty="0"/>
           </a:p>
         </p:txBody>
       </p:sp>
@@ -4687,9 +5834,532 @@
           <a:lstStyle/>
           <a:p>
             <a:r>
-              <a:rPr lang="en-US" dirty="0"/>
-              <a:t>Etienne:</a:t>
-            </a:r>
+              <a:rPr lang="en-US" dirty="0" err="1"/>
+              <a:t>Isch</a:t>
+            </a:r>
+            <a:r>
+              <a:rPr lang="en-US" dirty="0"/>
+              <a:t> die Folie </a:t>
+            </a:r>
+            <a:r>
+              <a:rPr lang="en-US" dirty="0" err="1"/>
+              <a:t>würklich</a:t>
+            </a:r>
+            <a:r>
+              <a:rPr lang="en-US" dirty="0"/>
+              <a:t> </a:t>
+            </a:r>
+            <a:r>
+              <a:rPr lang="en-US" dirty="0" err="1"/>
+              <a:t>notwendig</a:t>
+            </a:r>
+            <a:r>
+              <a:rPr lang="en-US" dirty="0"/>
+              <a:t> </a:t>
+            </a:r>
+            <a:r>
+              <a:rPr lang="en-US" dirty="0" err="1"/>
+              <a:t>wenns</a:t>
+            </a:r>
+            <a:r>
+              <a:rPr lang="en-US" dirty="0"/>
+              <a:t> de Florin eh no </a:t>
+            </a:r>
+            <a:r>
+              <a:rPr lang="en-US" dirty="0" err="1"/>
+              <a:t>vorstellt</a:t>
+            </a:r>
+            <a:r>
+              <a:rPr lang="en-US" dirty="0"/>
+              <a:t> ??????</a:t>
+            </a:r>
+          </a:p>
+          <a:p>
+            <a:endParaRPr lang="en-US" dirty="0"/>
+          </a:p>
+          <a:p>
+            <a:endParaRPr lang="en-US" dirty="0"/>
+          </a:p>
+          <a:p>
+            <a:r>
+              <a:rPr lang="en-US" dirty="0"/>
+              <a:t>Etienne: Das </a:t>
+            </a:r>
+            <a:r>
+              <a:rPr lang="en-US" dirty="0" err="1"/>
+              <a:t>Webrouting</a:t>
+            </a:r>
+            <a:r>
+              <a:rPr lang="en-US" dirty="0"/>
+              <a:t> </a:t>
+            </a:r>
+            <a:r>
+              <a:rPr lang="en-US" dirty="0" err="1"/>
+              <a:t>wurde</a:t>
+            </a:r>
+            <a:r>
+              <a:rPr lang="en-US" dirty="0"/>
+              <a:t> </a:t>
+            </a:r>
+            <a:r>
+              <a:rPr lang="en-US" dirty="0" err="1"/>
+              <a:t>wie</a:t>
+            </a:r>
+            <a:r>
+              <a:rPr lang="en-US" dirty="0"/>
+              <a:t> </a:t>
+            </a:r>
+            <a:r>
+              <a:rPr lang="en-US" dirty="0" err="1"/>
+              <a:t>folgt</a:t>
+            </a:r>
+            <a:r>
+              <a:rPr lang="en-US" dirty="0"/>
+              <a:t> auf </a:t>
+            </a:r>
+            <a:r>
+              <a:rPr lang="en-US" dirty="0" err="1"/>
+              <a:t>geteil</a:t>
+            </a:r>
+            <a:r>
+              <a:rPr lang="en-US" dirty="0"/>
+              <a:t> </a:t>
+            </a:r>
+            <a:r>
+              <a:rPr lang="en-US" dirty="0" err="1"/>
+              <a:t>wir</a:t>
+            </a:r>
+            <a:r>
+              <a:rPr lang="en-US" dirty="0"/>
+              <a:t> </a:t>
+            </a:r>
+            <a:r>
+              <a:rPr lang="en-US" dirty="0" err="1"/>
+              <a:t>haben</a:t>
+            </a:r>
+            <a:r>
+              <a:rPr lang="en-US" dirty="0"/>
+              <a:t> </a:t>
+            </a:r>
+            <a:r>
+              <a:rPr lang="en-US" dirty="0" err="1"/>
+              <a:t>einmal</a:t>
+            </a:r>
+            <a:r>
+              <a:rPr lang="en-US" dirty="0"/>
+              <a:t> den Home Screen </a:t>
+            </a:r>
+            <a:r>
+              <a:rPr lang="en-US" dirty="0" err="1"/>
+              <a:t>mit</a:t>
+            </a:r>
+            <a:r>
+              <a:rPr lang="en-US" dirty="0"/>
+              <a:t> den </a:t>
+            </a:r>
+            <a:r>
+              <a:rPr lang="en-US" dirty="0" err="1"/>
+              <a:t>zwei</a:t>
+            </a:r>
+            <a:r>
+              <a:rPr lang="en-US" dirty="0"/>
+              <a:t> </a:t>
+            </a:r>
+            <a:r>
+              <a:rPr lang="en-US" dirty="0" err="1"/>
+              <a:t>Messstationen</a:t>
+            </a:r>
+            <a:r>
+              <a:rPr lang="en-US" dirty="0"/>
+              <a:t>. Die man </a:t>
+            </a:r>
+            <a:r>
+              <a:rPr lang="en-US" dirty="0" err="1"/>
+              <a:t>mit</a:t>
+            </a:r>
+            <a:r>
+              <a:rPr lang="en-US" dirty="0"/>
+              <a:t> </a:t>
+            </a:r>
+            <a:r>
+              <a:rPr lang="en-US" dirty="0" err="1"/>
+              <a:t>nur</a:t>
+            </a:r>
+            <a:r>
+              <a:rPr lang="en-US" dirty="0"/>
+              <a:t> </a:t>
+            </a:r>
+            <a:r>
+              <a:rPr lang="en-US" dirty="0" err="1"/>
+              <a:t>einem</a:t>
+            </a:r>
+            <a:r>
+              <a:rPr lang="en-US" dirty="0"/>
+              <a:t> Touch auf den </a:t>
+            </a:r>
+            <a:r>
+              <a:rPr lang="en-US" dirty="0" err="1"/>
+              <a:t>Jeweiligen</a:t>
+            </a:r>
+            <a:r>
+              <a:rPr lang="en-US" dirty="0"/>
+              <a:t> Button </a:t>
+            </a:r>
+            <a:r>
+              <a:rPr lang="en-US" dirty="0" err="1"/>
+              <a:t>switchen</a:t>
+            </a:r>
+            <a:r>
+              <a:rPr lang="en-US" dirty="0"/>
+              <a:t> </a:t>
+            </a:r>
+            <a:r>
+              <a:rPr lang="en-US" dirty="0" err="1"/>
+              <a:t>kann</a:t>
+            </a:r>
+            <a:r>
+              <a:rPr lang="en-US" dirty="0"/>
+              <a:t>.</a:t>
+            </a:r>
+          </a:p>
+          <a:p>
+            <a:r>
+              <a:rPr lang="en-US" dirty="0" err="1"/>
+              <a:t>Dabei</a:t>
+            </a:r>
+            <a:r>
+              <a:rPr lang="en-US" dirty="0"/>
+              <a:t> </a:t>
+            </a:r>
+            <a:r>
+              <a:rPr lang="en-US" dirty="0" err="1"/>
+              <a:t>haben</a:t>
+            </a:r>
+            <a:r>
+              <a:rPr lang="en-US" dirty="0"/>
+              <a:t> </a:t>
+            </a:r>
+            <a:r>
+              <a:rPr lang="en-US" dirty="0" err="1"/>
+              <a:t>wir</a:t>
+            </a:r>
+            <a:r>
+              <a:rPr lang="en-US" dirty="0"/>
+              <a:t> </a:t>
+            </a:r>
+            <a:r>
+              <a:rPr lang="en-US" dirty="0" err="1"/>
+              <a:t>jeweils</a:t>
+            </a:r>
+            <a:r>
+              <a:rPr lang="en-US" dirty="0"/>
+              <a:t> </a:t>
+            </a:r>
+            <a:r>
+              <a:rPr lang="en-US" dirty="0" err="1"/>
+              <a:t>vier</a:t>
+            </a:r>
+            <a:r>
+              <a:rPr lang="en-US" dirty="0"/>
+              <a:t> </a:t>
+            </a:r>
+            <a:r>
+              <a:rPr lang="en-US" dirty="0" err="1"/>
+              <a:t>übersichtsseiten</a:t>
+            </a:r>
+            <a:r>
+              <a:rPr lang="en-US" dirty="0"/>
+              <a:t> der </a:t>
+            </a:r>
+            <a:r>
+              <a:rPr lang="en-US" dirty="0" err="1"/>
+              <a:t>Messtationen</a:t>
+            </a:r>
+            <a:r>
+              <a:rPr lang="en-US" dirty="0"/>
+              <a:t> </a:t>
+            </a:r>
+            <a:r>
+              <a:rPr lang="en-US" dirty="0" err="1"/>
+              <a:t>aufgeteilt</a:t>
+            </a:r>
+            <a:r>
+              <a:rPr lang="en-US" dirty="0"/>
+              <a:t> in Wind </a:t>
+            </a:r>
+            <a:r>
+              <a:rPr lang="en-US" dirty="0" err="1"/>
+              <a:t>Tempeatur</a:t>
+            </a:r>
+            <a:r>
+              <a:rPr lang="en-US" dirty="0"/>
+              <a:t> Wass und </a:t>
+            </a:r>
+            <a:r>
+              <a:rPr lang="en-US" dirty="0" err="1"/>
+              <a:t>Warnungen</a:t>
+            </a:r>
+            <a:r>
+              <a:rPr lang="en-US" dirty="0"/>
+              <a:t>. </a:t>
+            </a:r>
+            <a:r>
+              <a:rPr lang="en-US" dirty="0" err="1"/>
+              <a:t>Mit</a:t>
+            </a:r>
+            <a:r>
+              <a:rPr lang="en-US" dirty="0"/>
+              <a:t> dem Klick auf den </a:t>
+            </a:r>
+            <a:r>
+              <a:rPr lang="en-US" dirty="0" err="1"/>
+              <a:t>Jeweiligen</a:t>
+            </a:r>
+            <a:r>
+              <a:rPr lang="en-US" dirty="0"/>
+              <a:t> link </a:t>
+            </a:r>
+            <a:r>
+              <a:rPr lang="en-US" dirty="0" err="1"/>
+              <a:t>öffnet</a:t>
+            </a:r>
+            <a:r>
+              <a:rPr lang="en-US" dirty="0"/>
+              <a:t> </a:t>
+            </a:r>
+            <a:r>
+              <a:rPr lang="en-US" dirty="0" err="1"/>
+              <a:t>sich</a:t>
+            </a:r>
+            <a:r>
+              <a:rPr lang="en-US" dirty="0"/>
+              <a:t> </a:t>
+            </a:r>
+            <a:r>
+              <a:rPr lang="en-US" dirty="0" err="1"/>
+              <a:t>dann</a:t>
+            </a:r>
+            <a:r>
+              <a:rPr lang="en-US" dirty="0"/>
+              <a:t> die </a:t>
+            </a:r>
+            <a:r>
+              <a:rPr lang="en-US" dirty="0" err="1"/>
+              <a:t>jeweilige</a:t>
+            </a:r>
+            <a:r>
+              <a:rPr lang="en-US" dirty="0"/>
+              <a:t> </a:t>
+            </a:r>
+            <a:r>
+              <a:rPr lang="en-US" dirty="0" err="1"/>
+              <a:t>Seite</a:t>
+            </a:r>
+            <a:r>
+              <a:rPr lang="en-US" dirty="0"/>
+              <a:t>.</a:t>
+            </a:r>
+          </a:p>
+          <a:p>
+            <a:r>
+              <a:rPr lang="en-US" dirty="0"/>
+              <a:t>Die </a:t>
+            </a:r>
+            <a:r>
+              <a:rPr lang="en-US" dirty="0" err="1"/>
+              <a:t>dann</a:t>
+            </a:r>
+            <a:r>
+              <a:rPr lang="en-US" dirty="0"/>
+              <a:t> den </a:t>
+            </a:r>
+            <a:r>
+              <a:rPr lang="en-US" dirty="0" err="1"/>
+              <a:t>letzten</a:t>
+            </a:r>
+            <a:r>
+              <a:rPr lang="en-US" dirty="0"/>
+              <a:t> Screen </a:t>
+            </a:r>
+            <a:r>
+              <a:rPr lang="en-US" dirty="0" err="1"/>
+              <a:t>öffnet</a:t>
+            </a:r>
+            <a:r>
+              <a:rPr lang="en-US" dirty="0"/>
+              <a:t> die </a:t>
+            </a:r>
+            <a:r>
+              <a:rPr lang="en-US" dirty="0" err="1"/>
+              <a:t>Grafikten</a:t>
+            </a:r>
+            <a:r>
+              <a:rPr lang="en-US" dirty="0"/>
+              <a:t> und Plots </a:t>
+            </a:r>
+            <a:r>
+              <a:rPr lang="en-US" dirty="0" err="1"/>
+              <a:t>zu</a:t>
+            </a:r>
+            <a:r>
+              <a:rPr lang="en-US" dirty="0"/>
+              <a:t> den </a:t>
+            </a:r>
+            <a:r>
+              <a:rPr lang="en-US" dirty="0" err="1"/>
+              <a:t>jeweiligen</a:t>
+            </a:r>
+            <a:r>
+              <a:rPr lang="en-US" dirty="0"/>
+              <a:t> </a:t>
+            </a:r>
+            <a:r>
+              <a:rPr lang="en-US" dirty="0" err="1"/>
+              <a:t>Unterpunkten</a:t>
+            </a:r>
+            <a:r>
+              <a:rPr lang="en-US" dirty="0"/>
+              <a:t>:</a:t>
+            </a:r>
+          </a:p>
+          <a:p>
+            <a:r>
+              <a:rPr lang="en-US" dirty="0"/>
+              <a:t>Wind </a:t>
+            </a:r>
+            <a:r>
+              <a:rPr lang="en-US" dirty="0" err="1"/>
+              <a:t>Lufttemperutr</a:t>
+            </a:r>
+            <a:r>
+              <a:rPr lang="en-US" dirty="0"/>
+              <a:t> </a:t>
+            </a:r>
+            <a:r>
+              <a:rPr lang="en-US" dirty="0" err="1"/>
+              <a:t>Wassertemperatur</a:t>
+            </a:r>
+            <a:r>
+              <a:rPr lang="en-US" dirty="0"/>
+              <a:t> </a:t>
+            </a:r>
+            <a:r>
+              <a:rPr lang="en-US" dirty="0" err="1"/>
+              <a:t>Taupunkt</a:t>
+            </a:r>
+            <a:r>
+              <a:rPr lang="en-US" dirty="0"/>
+              <a:t> </a:t>
+            </a:r>
+            <a:r>
+              <a:rPr lang="en-US" dirty="0" err="1"/>
+              <a:t>Wasserstand</a:t>
+            </a:r>
+            <a:r>
+              <a:rPr lang="en-US" dirty="0"/>
+              <a:t> und </a:t>
+            </a:r>
+            <a:r>
+              <a:rPr lang="en-US" dirty="0" err="1"/>
+              <a:t>Druck</a:t>
+            </a:r>
+            <a:r>
+              <a:rPr lang="en-US" dirty="0"/>
+              <a:t>.</a:t>
+            </a:r>
+          </a:p>
+          <a:p>
+            <a:r>
+              <a:rPr lang="en-US" dirty="0" err="1"/>
+              <a:t>Mit</a:t>
+            </a:r>
+            <a:r>
+              <a:rPr lang="en-US" dirty="0"/>
+              <a:t> dem </a:t>
+            </a:r>
+            <a:r>
+              <a:rPr lang="en-US" dirty="0" err="1"/>
+              <a:t>jeweilgen</a:t>
+            </a:r>
+            <a:r>
+              <a:rPr lang="en-US" dirty="0"/>
+              <a:t> Button </a:t>
+            </a:r>
+            <a:r>
+              <a:rPr lang="en-US" dirty="0" err="1"/>
+              <a:t>unterhalb</a:t>
+            </a:r>
+            <a:r>
+              <a:rPr lang="en-US" dirty="0"/>
+              <a:t> </a:t>
+            </a:r>
+            <a:r>
+              <a:rPr lang="en-US" dirty="0" err="1"/>
+              <a:t>kann</a:t>
+            </a:r>
+            <a:r>
+              <a:rPr lang="en-US" dirty="0"/>
+              <a:t> </a:t>
+            </a:r>
+            <a:r>
+              <a:rPr lang="en-US" dirty="0" err="1"/>
+              <a:t>zwischen</a:t>
+            </a:r>
+            <a:r>
+              <a:rPr lang="en-US" dirty="0"/>
+              <a:t> den </a:t>
+            </a:r>
+            <a:r>
+              <a:rPr lang="en-US" dirty="0" err="1"/>
+              <a:t>Historischen</a:t>
+            </a:r>
+            <a:r>
+              <a:rPr lang="en-US" dirty="0"/>
+              <a:t> </a:t>
+            </a:r>
+            <a:r>
+              <a:rPr lang="en-US" dirty="0" err="1"/>
+              <a:t>Daten</a:t>
+            </a:r>
+            <a:r>
+              <a:rPr lang="en-US" dirty="0"/>
+              <a:t> dem </a:t>
+            </a:r>
+            <a:r>
+              <a:rPr lang="en-US" dirty="0" err="1"/>
+              <a:t>Aktuellen</a:t>
+            </a:r>
+            <a:r>
+              <a:rPr lang="en-US" dirty="0"/>
+              <a:t> </a:t>
+            </a:r>
+            <a:r>
+              <a:rPr lang="en-US" dirty="0" err="1"/>
+              <a:t>Messtaand</a:t>
+            </a:r>
+            <a:r>
+              <a:rPr lang="en-US" dirty="0"/>
+              <a:t> und der </a:t>
+            </a:r>
+            <a:r>
+              <a:rPr lang="en-US" dirty="0" err="1"/>
+              <a:t>Vorraussage</a:t>
+            </a:r>
+            <a:r>
+              <a:rPr lang="en-US" dirty="0"/>
+              <a:t> </a:t>
+            </a:r>
+            <a:r>
+              <a:rPr lang="en-US" dirty="0" err="1"/>
+              <a:t>umgeschalten</a:t>
+            </a:r>
+            <a:r>
+              <a:rPr lang="en-US" dirty="0"/>
+              <a:t> warden.</a:t>
+            </a:r>
+          </a:p>
+          <a:p>
+            <a:endParaRPr lang="en-US" dirty="0"/>
           </a:p>
         </p:txBody>
       </p:sp>
@@ -4775,7 +6445,39 @@
           <a:p>
             <a:r>
               <a:rPr lang="en-US" dirty="0"/>
-              <a:t>Etienne:</a:t>
+              <a:t>Etienne: </a:t>
+            </a:r>
+            <a:r>
+              <a:rPr lang="en-US" dirty="0" err="1"/>
+              <a:t>Hier</a:t>
+            </a:r>
+            <a:r>
+              <a:rPr lang="en-US" dirty="0"/>
+              <a:t> </a:t>
+            </a:r>
+            <a:r>
+              <a:rPr lang="en-US" dirty="0" err="1"/>
+              <a:t>nochmal</a:t>
+            </a:r>
+            <a:r>
+              <a:rPr lang="en-US" dirty="0"/>
+              <a:t> </a:t>
+            </a:r>
+            <a:r>
+              <a:rPr lang="en-US" dirty="0" err="1"/>
+              <a:t>abgelistet</a:t>
+            </a:r>
+            <a:r>
+              <a:rPr lang="en-US" dirty="0"/>
+              <a:t> die </a:t>
+            </a:r>
+            <a:r>
+              <a:rPr lang="en-US" dirty="0" err="1"/>
+              <a:t>Programmatischen</a:t>
+            </a:r>
+            <a:r>
+              <a:rPr lang="en-US" dirty="0"/>
+              <a:t> HTML endpoints </a:t>
             </a:r>
           </a:p>
         </p:txBody>
@@ -4862,7 +6564,218 @@
           <a:p>
             <a:r>
               <a:rPr lang="en-US" dirty="0"/>
-              <a:t>Etienne:</a:t>
+              <a:t>Etienne: Für </a:t>
+            </a:r>
+            <a:r>
+              <a:rPr lang="en-US" dirty="0" err="1"/>
+              <a:t>jeden</a:t>
+            </a:r>
+            <a:r>
+              <a:rPr lang="en-US" dirty="0"/>
+              <a:t> Endpoint </a:t>
+            </a:r>
+            <a:r>
+              <a:rPr lang="en-US" dirty="0" err="1"/>
+              <a:t>im</a:t>
+            </a:r>
+            <a:r>
+              <a:rPr lang="en-US" dirty="0"/>
+              <a:t> Routing </a:t>
+            </a:r>
+            <a:r>
+              <a:rPr lang="en-US" dirty="0" err="1"/>
+              <a:t>hanben</a:t>
+            </a:r>
+            <a:r>
+              <a:rPr lang="en-US" dirty="0"/>
+              <a:t> </a:t>
+            </a:r>
+            <a:r>
+              <a:rPr lang="en-US" dirty="0" err="1"/>
+              <a:t>wir</a:t>
+            </a:r>
+            <a:r>
+              <a:rPr lang="en-US" dirty="0"/>
+              <a:t> </a:t>
+            </a:r>
+            <a:r>
+              <a:rPr lang="en-US" dirty="0" err="1"/>
+              <a:t>jeweils</a:t>
+            </a:r>
+            <a:r>
+              <a:rPr lang="en-US" dirty="0"/>
+              <a:t> </a:t>
+            </a:r>
+            <a:r>
+              <a:rPr lang="en-US" dirty="0" err="1"/>
+              <a:t>ein</a:t>
+            </a:r>
+            <a:r>
+              <a:rPr lang="en-US" dirty="0"/>
+              <a:t> </a:t>
+            </a:r>
+            <a:r>
+              <a:rPr lang="en-US" dirty="0" err="1"/>
+              <a:t>statisches</a:t>
+            </a:r>
+            <a:r>
+              <a:rPr lang="en-US" dirty="0"/>
+              <a:t> HTML File das </a:t>
+            </a:r>
+            <a:r>
+              <a:rPr lang="en-US" dirty="0" err="1"/>
+              <a:t>wir</a:t>
+            </a:r>
+            <a:r>
+              <a:rPr lang="en-US" dirty="0"/>
+              <a:t> </a:t>
+            </a:r>
+            <a:r>
+              <a:rPr lang="en-US" dirty="0" err="1"/>
+              <a:t>mit</a:t>
+            </a:r>
+            <a:r>
+              <a:rPr lang="en-US" dirty="0"/>
+              <a:t> </a:t>
+            </a:r>
+            <a:r>
+              <a:rPr lang="en-US" dirty="0" err="1"/>
+              <a:t>unseren</a:t>
+            </a:r>
+            <a:r>
+              <a:rPr lang="en-US" dirty="0"/>
+              <a:t> Python </a:t>
+            </a:r>
+            <a:r>
+              <a:rPr lang="en-US" dirty="0" err="1"/>
+              <a:t>Variablen</a:t>
+            </a:r>
+            <a:r>
+              <a:rPr lang="en-US" dirty="0"/>
+              <a:t> </a:t>
+            </a:r>
+            <a:r>
+              <a:rPr lang="en-US" dirty="0" err="1"/>
+              <a:t>füllen</a:t>
+            </a:r>
+            <a:r>
+              <a:rPr lang="en-US" dirty="0"/>
+              <a:t>.</a:t>
+            </a:r>
+          </a:p>
+          <a:p>
+            <a:r>
+              <a:rPr lang="en-US" dirty="0"/>
+              <a:t>Index.html für den Home Screen und die Navigation.</a:t>
+            </a:r>
+          </a:p>
+          <a:p>
+            <a:r>
+              <a:rPr lang="en-US" dirty="0"/>
+              <a:t>Load_data.html für den </a:t>
+            </a:r>
+            <a:r>
+              <a:rPr lang="en-US" dirty="0" err="1"/>
+              <a:t>Splashscreen</a:t>
+            </a:r>
+            <a:r>
+              <a:rPr lang="en-US" dirty="0"/>
+              <a:t>.</a:t>
+            </a:r>
+          </a:p>
+          <a:p>
+            <a:r>
+              <a:rPr lang="en-US" dirty="0"/>
+              <a:t>Main.html für </a:t>
+            </a:r>
+            <a:r>
+              <a:rPr lang="en-US" dirty="0" err="1"/>
+              <a:t>Ansichten</a:t>
+            </a:r>
+            <a:r>
+              <a:rPr lang="en-US" dirty="0"/>
+              <a:t> der </a:t>
+            </a:r>
+            <a:r>
+              <a:rPr lang="en-US" dirty="0" err="1"/>
+              <a:t>Wetterstationen</a:t>
+            </a:r>
+            <a:endParaRPr lang="en-US" dirty="0"/>
+          </a:p>
+          <a:p>
+            <a:r>
+              <a:rPr lang="en-US" dirty="0"/>
+              <a:t>Und Graph.html für die Detail </a:t>
+            </a:r>
+            <a:r>
+              <a:rPr lang="en-US" dirty="0" err="1"/>
+              <a:t>ansicht</a:t>
+            </a:r>
+            <a:r>
+              <a:rPr lang="en-US" dirty="0"/>
+              <a:t> der </a:t>
+            </a:r>
+            <a:r>
+              <a:rPr lang="en-US" dirty="0" err="1"/>
+              <a:t>einzelnen</a:t>
+            </a:r>
+            <a:r>
+              <a:rPr lang="en-US" dirty="0"/>
+              <a:t> </a:t>
+            </a:r>
+            <a:r>
+              <a:rPr lang="en-US" dirty="0" err="1"/>
+              <a:t>Messwerte</a:t>
+            </a:r>
+            <a:r>
+              <a:rPr lang="en-US" dirty="0"/>
+              <a:t> und der Plots.</a:t>
+            </a:r>
+          </a:p>
+          <a:p>
+            <a:r>
+              <a:rPr lang="en-US" dirty="0"/>
+              <a:t>Ich </a:t>
+            </a:r>
+            <a:r>
+              <a:rPr lang="en-US" dirty="0" err="1"/>
+              <a:t>freue</a:t>
+            </a:r>
+            <a:r>
+              <a:rPr lang="en-US" dirty="0"/>
+              <a:t> </a:t>
+            </a:r>
+            <a:r>
+              <a:rPr lang="en-US" dirty="0" err="1"/>
+              <a:t>mich</a:t>
+            </a:r>
+            <a:r>
+              <a:rPr lang="en-US" dirty="0"/>
+              <a:t> nun </a:t>
+            </a:r>
+            <a:r>
+              <a:rPr lang="en-US" dirty="0" err="1"/>
+              <a:t>mein</a:t>
+            </a:r>
+            <a:r>
+              <a:rPr lang="en-US" dirty="0"/>
+              <a:t> Wort an Florin </a:t>
+            </a:r>
+            <a:r>
+              <a:rPr lang="en-US" dirty="0" err="1"/>
+              <a:t>weiter</a:t>
+            </a:r>
+            <a:r>
+              <a:rPr lang="en-US" dirty="0"/>
+              <a:t> </a:t>
+            </a:r>
+            <a:r>
+              <a:rPr lang="en-US" dirty="0" err="1"/>
+              <a:t>zugeben</a:t>
+            </a:r>
+            <a:r>
+              <a:rPr lang="en-US" dirty="0"/>
+              <a:t>.</a:t>
             </a:r>
           </a:p>
         </p:txBody>
@@ -5520,7 +7433,136 @@
           <a:p>
             <a:r>
               <a:rPr lang="en-US" dirty="0"/>
-              <a:t>Etienne:</a:t>
+              <a:t>Etienne: Der </a:t>
+            </a:r>
+            <a:r>
+              <a:rPr lang="en-US" dirty="0" err="1"/>
+              <a:t>Auftrag</a:t>
+            </a:r>
+            <a:r>
+              <a:rPr lang="en-US" dirty="0"/>
+              <a:t> war es </a:t>
+            </a:r>
+            <a:r>
+              <a:rPr lang="en-US" dirty="0" err="1"/>
+              <a:t>ein</a:t>
+            </a:r>
+            <a:r>
+              <a:rPr lang="en-US" dirty="0"/>
+              <a:t> </a:t>
+            </a:r>
+            <a:r>
+              <a:rPr lang="en-US" dirty="0" err="1"/>
+              <a:t>Prototypen</a:t>
+            </a:r>
+            <a:r>
+              <a:rPr lang="en-US" dirty="0"/>
+              <a:t> </a:t>
+            </a:r>
+            <a:r>
+              <a:rPr lang="en-US" dirty="0" err="1"/>
+              <a:t>eines</a:t>
+            </a:r>
+            <a:r>
+              <a:rPr lang="en-US" dirty="0"/>
+              <a:t> </a:t>
+            </a:r>
+            <a:r>
+              <a:rPr lang="en-US" dirty="0" err="1"/>
+              <a:t>Wettermonitores</a:t>
+            </a:r>
+            <a:r>
+              <a:rPr lang="en-US" dirty="0"/>
+              <a:t> </a:t>
+            </a:r>
+            <a:r>
+              <a:rPr lang="en-US" dirty="0" err="1"/>
+              <a:t>zu</a:t>
+            </a:r>
+            <a:r>
+              <a:rPr lang="en-US" dirty="0"/>
+              <a:t> </a:t>
+            </a:r>
+            <a:r>
+              <a:rPr lang="en-US" dirty="0" err="1"/>
+              <a:t>erstellen</a:t>
+            </a:r>
+            <a:r>
+              <a:rPr lang="en-US" dirty="0"/>
+              <a:t> für </a:t>
+            </a:r>
+            <a:r>
+              <a:rPr lang="en-US" dirty="0" err="1"/>
+              <a:t>einen</a:t>
+            </a:r>
+            <a:r>
+              <a:rPr lang="en-US" dirty="0"/>
+              <a:t> </a:t>
+            </a:r>
+            <a:r>
+              <a:rPr lang="en-US" dirty="0" err="1"/>
+              <a:t>Segelclub</a:t>
+            </a:r>
+            <a:r>
+              <a:rPr lang="en-US" dirty="0"/>
+              <a:t> des </a:t>
+            </a:r>
+            <a:r>
+              <a:rPr lang="en-US" dirty="0" err="1"/>
+              <a:t>Zürichsees</a:t>
+            </a:r>
+            <a:r>
+              <a:rPr lang="en-US" dirty="0"/>
+              <a:t>.</a:t>
+            </a:r>
+          </a:p>
+          <a:p>
+            <a:endParaRPr lang="en-US" dirty="0"/>
+          </a:p>
+          <a:p>
+            <a:r>
+              <a:rPr lang="en-US" dirty="0"/>
+              <a:t>Ich </a:t>
+            </a:r>
+            <a:r>
+              <a:rPr lang="en-US" dirty="0" err="1"/>
+              <a:t>würde</a:t>
+            </a:r>
+            <a:r>
+              <a:rPr lang="en-US" dirty="0"/>
+              <a:t> </a:t>
+            </a:r>
+            <a:r>
+              <a:rPr lang="en-US" dirty="0" err="1"/>
+              <a:t>jetzt</a:t>
+            </a:r>
+            <a:r>
+              <a:rPr lang="en-US" dirty="0"/>
+              <a:t> </a:t>
+            </a:r>
+            <a:r>
+              <a:rPr lang="en-US" dirty="0" err="1"/>
+              <a:t>mein</a:t>
+            </a:r>
+            <a:r>
+              <a:rPr lang="en-US" dirty="0"/>
+              <a:t> Wort an Tobias </a:t>
+            </a:r>
+            <a:r>
+              <a:rPr lang="en-US" dirty="0" err="1"/>
+              <a:t>weitergeben</a:t>
+            </a:r>
+            <a:r>
+              <a:rPr lang="en-US" dirty="0"/>
+              <a:t> für die </a:t>
+            </a:r>
+            <a:r>
+              <a:rPr lang="en-US" dirty="0" err="1"/>
+              <a:t>Vorstellung</a:t>
+            </a:r>
+            <a:r>
+              <a:rPr lang="en-US" dirty="0"/>
+              <a:t> der Hardware.</a:t>
             </a:r>
           </a:p>
         </p:txBody>
@@ -5638,7 +7680,7 @@
     </p:spTree>
     <p:extLst>
       <p:ext uri="{BB962C8B-B14F-4D97-AF65-F5344CB8AC3E}">
-        <p14:creationId xmlns:p14="http://schemas.microsoft.com/office/powerpoint/2010/main" val="1349685214"/>
+        <p14:creationId xmlns:p14="http://schemas.microsoft.com/office/powerpoint/2010/main" val="1078218927"/>
       </p:ext>
     </p:extLst>
   </p:cSld>
@@ -5725,7 +7767,7 @@
     </p:spTree>
     <p:extLst>
       <p:ext uri="{BB962C8B-B14F-4D97-AF65-F5344CB8AC3E}">
-        <p14:creationId xmlns:p14="http://schemas.microsoft.com/office/powerpoint/2010/main" val="1078218927"/>
+        <p14:creationId xmlns:p14="http://schemas.microsoft.com/office/powerpoint/2010/main" val="612389631"/>
       </p:ext>
     </p:extLst>
   </p:cSld>
@@ -5804,93 +7846,6 @@
             <a:fld id="{D4CE1BAB-7B68-4C87-8549-54F078DDFB49}" type="slidenum">
               <a:rPr lang="en-CH" smtClean="0"/>
               <a:t>42</a:t>
-            </a:fld>
-            <a:endParaRPr lang="en-CH"/>
-          </a:p>
-        </p:txBody>
-      </p:sp>
-    </p:spTree>
-    <p:extLst>
-      <p:ext uri="{BB962C8B-B14F-4D97-AF65-F5344CB8AC3E}">
-        <p14:creationId xmlns:p14="http://schemas.microsoft.com/office/powerpoint/2010/main" val="612389631"/>
-      </p:ext>
-    </p:extLst>
-  </p:cSld>
-  <p:clrMapOvr>
-    <a:masterClrMapping/>
-  </p:clrMapOvr>
-</p:notes>
-</file>
-
-<file path=ppt/notesSlides/notesSlide43.xml><?xml version="1.0" encoding="utf-8"?>
-<p:notes xmlns:a="http://schemas.openxmlformats.org/drawingml/2006/main" xmlns:r="http://schemas.openxmlformats.org/officeDocument/2006/relationships" xmlns:p="http://schemas.openxmlformats.org/presentationml/2006/main">
-  <p:cSld>
-    <p:spTree>
-      <p:nvGrpSpPr>
-        <p:cNvPr id="1" name=""/>
-        <p:cNvGrpSpPr/>
-        <p:nvPr/>
-      </p:nvGrpSpPr>
-      <p:grpSpPr>
-        <a:xfrm>
-          <a:off x="0" y="0"/>
-          <a:ext cx="0" cy="0"/>
-          <a:chOff x="0" y="0"/>
-          <a:chExt cx="0" cy="0"/>
-        </a:xfrm>
-      </p:grpSpPr>
-      <p:sp>
-        <p:nvSpPr>
-          <p:cNvPr id="2" name="Folienbildplatzhalter 1"/>
-          <p:cNvSpPr>
-            <a:spLocks noGrp="1" noRot="1" noChangeAspect="1"/>
-          </p:cNvSpPr>
-          <p:nvPr>
-            <p:ph type="sldImg"/>
-          </p:nvPr>
-        </p:nvSpPr>
-        <p:spPr/>
-      </p:sp>
-      <p:sp>
-        <p:nvSpPr>
-          <p:cNvPr id="3" name="Notizenplatzhalter 2"/>
-          <p:cNvSpPr>
-            <a:spLocks noGrp="1"/>
-          </p:cNvSpPr>
-          <p:nvPr>
-            <p:ph type="body" idx="1"/>
-          </p:nvPr>
-        </p:nvSpPr>
-        <p:spPr/>
-        <p:txBody>
-          <a:bodyPr/>
-          <a:lstStyle/>
-          <a:p>
-            <a:r>
-              <a:rPr lang="en-US" dirty="0"/>
-              <a:t>Florin:</a:t>
-            </a:r>
-          </a:p>
-        </p:txBody>
-      </p:sp>
-      <p:sp>
-        <p:nvSpPr>
-          <p:cNvPr id="4" name="Foliennummernplatzhalter 3"/>
-          <p:cNvSpPr>
-            <a:spLocks noGrp="1"/>
-          </p:cNvSpPr>
-          <p:nvPr>
-            <p:ph type="sldNum" sz="quarter" idx="5"/>
-          </p:nvPr>
-        </p:nvSpPr>
-        <p:spPr/>
-        <p:txBody>
-          <a:bodyPr/>
-          <a:lstStyle/>
-          <a:p>
-            <a:fld id="{D4CE1BAB-7B68-4C87-8549-54F078DDFB49}" type="slidenum">
-              <a:rPr lang="en-CH" smtClean="0"/>
-              <a:t>43</a:t>
             </a:fld>
             <a:endParaRPr lang="en-CH"/>
           </a:p>
@@ -6493,7 +8448,7 @@
           <a:p>
             <a:fld id="{D71E13D6-B070-45C8-AC42-90F25AD4976F}" type="datetime8">
               <a:rPr lang="en-CH" smtClean="0"/>
-              <a:t>25/01/2022 17:27</a:t>
+              <a:t>01/26/2022 20:53</a:t>
             </a:fld>
             <a:endParaRPr lang="en-CH"/>
           </a:p>
@@ -6547,7 +8502,7 @@
           <a:p>
             <a:fld id="{0F00D740-55B1-4DC8-A3B5-4535950A93D0}" type="slidenum">
               <a:rPr lang="en-CH" smtClean="0"/>
-              <a:t>‹#›</a:t>
+              <a:t>‹Nr.›</a:t>
             </a:fld>
             <a:endParaRPr lang="en-CH"/>
           </a:p>
@@ -6693,7 +8648,7 @@
           <a:p>
             <a:fld id="{34C1AEE4-2DCF-4A66-9927-6F783BB52BE0}" type="datetime8">
               <a:rPr lang="en-CH" smtClean="0"/>
-              <a:t>25/01/2022 17:27</a:t>
+              <a:t>01/26/2022 20:53</a:t>
             </a:fld>
             <a:endParaRPr lang="en-CH"/>
           </a:p>
@@ -6747,7 +8702,7 @@
           <a:p>
             <a:fld id="{0F00D740-55B1-4DC8-A3B5-4535950A93D0}" type="slidenum">
               <a:rPr lang="en-CH" smtClean="0"/>
-              <a:t>‹#›</a:t>
+              <a:t>‹Nr.›</a:t>
             </a:fld>
             <a:endParaRPr lang="en-CH"/>
           </a:p>
@@ -6903,7 +8858,7 @@
           <a:p>
             <a:fld id="{C4C13A0D-7035-4256-BB1C-652F6CDC1D82}" type="datetime8">
               <a:rPr lang="en-CH" smtClean="0"/>
-              <a:t>25/01/2022 17:27</a:t>
+              <a:t>01/26/2022 20:53</a:t>
             </a:fld>
             <a:endParaRPr lang="en-CH"/>
           </a:p>
@@ -6957,7 +8912,7 @@
           <a:p>
             <a:fld id="{0F00D740-55B1-4DC8-A3B5-4535950A93D0}" type="slidenum">
               <a:rPr lang="en-CH" smtClean="0"/>
-              <a:t>‹#›</a:t>
+              <a:t>‹Nr.›</a:t>
             </a:fld>
             <a:endParaRPr lang="en-CH"/>
           </a:p>
@@ -7103,7 +9058,7 @@
           <a:p>
             <a:fld id="{A720F8AA-53F4-4181-BD2C-7354613DB587}" type="datetime8">
               <a:rPr lang="en-CH" smtClean="0"/>
-              <a:t>25/01/2022 17:27</a:t>
+              <a:t>01/26/2022 20:53</a:t>
             </a:fld>
             <a:endParaRPr lang="en-CH"/>
           </a:p>
@@ -7157,7 +9112,7 @@
           <a:p>
             <a:fld id="{0F00D740-55B1-4DC8-A3B5-4535950A93D0}" type="slidenum">
               <a:rPr lang="en-CH" smtClean="0"/>
-              <a:t>‹#›</a:t>
+              <a:t>‹Nr.›</a:t>
             </a:fld>
             <a:endParaRPr lang="en-CH"/>
           </a:p>
@@ -7379,7 +9334,7 @@
           <a:p>
             <a:fld id="{18ED5C57-181E-4E8A-8032-E5587C441532}" type="datetime8">
               <a:rPr lang="en-CH" smtClean="0"/>
-              <a:t>25/01/2022 17:27</a:t>
+              <a:t>01/26/2022 20:53</a:t>
             </a:fld>
             <a:endParaRPr lang="en-CH"/>
           </a:p>
@@ -7433,7 +9388,7 @@
           <a:p>
             <a:fld id="{0F00D740-55B1-4DC8-A3B5-4535950A93D0}" type="slidenum">
               <a:rPr lang="en-CH" smtClean="0"/>
-              <a:t>‹#›</a:t>
+              <a:t>‹Nr.›</a:t>
             </a:fld>
             <a:endParaRPr lang="en-CH"/>
           </a:p>
@@ -7647,7 +9602,7 @@
           <a:p>
             <a:fld id="{2711B6E1-EBCF-4960-9E94-A2CE4CEDA9CF}" type="datetime8">
               <a:rPr lang="en-CH" smtClean="0"/>
-              <a:t>25/01/2022 17:27</a:t>
+              <a:t>01/26/2022 20:53</a:t>
             </a:fld>
             <a:endParaRPr lang="en-CH"/>
           </a:p>
@@ -7701,7 +9656,7 @@
           <a:p>
             <a:fld id="{0F00D740-55B1-4DC8-A3B5-4535950A93D0}" type="slidenum">
               <a:rPr lang="en-CH" smtClean="0"/>
-              <a:t>‹#›</a:t>
+              <a:t>‹Nr.›</a:t>
             </a:fld>
             <a:endParaRPr lang="en-CH"/>
           </a:p>
@@ -8062,7 +10017,7 @@
           <a:p>
             <a:fld id="{60888D22-8975-4143-BBCD-F78A0E3504A0}" type="datetime8">
               <a:rPr lang="en-CH" smtClean="0"/>
-              <a:t>25/01/2022 17:27</a:t>
+              <a:t>01/26/2022 20:53</a:t>
             </a:fld>
             <a:endParaRPr lang="en-CH"/>
           </a:p>
@@ -8116,7 +10071,7 @@
           <a:p>
             <a:fld id="{0F00D740-55B1-4DC8-A3B5-4535950A93D0}" type="slidenum">
               <a:rPr lang="en-CH" smtClean="0"/>
-              <a:t>‹#›</a:t>
+              <a:t>‹Nr.›</a:t>
             </a:fld>
             <a:endParaRPr lang="en-CH"/>
           </a:p>
@@ -8204,7 +10159,7 @@
           <a:p>
             <a:fld id="{CB62F5ED-9834-4FF8-A8E6-FE85BE4A88B6}" type="datetime8">
               <a:rPr lang="en-CH" smtClean="0"/>
-              <a:t>25/01/2022 17:27</a:t>
+              <a:t>01/26/2022 20:53</a:t>
             </a:fld>
             <a:endParaRPr lang="en-CH"/>
           </a:p>
@@ -8258,7 +10213,7 @@
           <a:p>
             <a:fld id="{0F00D740-55B1-4DC8-A3B5-4535950A93D0}" type="slidenum">
               <a:rPr lang="en-CH" smtClean="0"/>
-              <a:t>‹#›</a:t>
+              <a:t>‹Nr.›</a:t>
             </a:fld>
             <a:endParaRPr lang="en-CH"/>
           </a:p>
@@ -8317,7 +10272,7 @@
           <a:p>
             <a:fld id="{91C4E595-669A-4DA7-8755-75BCB1DD65E9}" type="datetime8">
               <a:rPr lang="en-CH" smtClean="0"/>
-              <a:t>25/01/2022 17:27</a:t>
+              <a:t>01/26/2022 20:53</a:t>
             </a:fld>
             <a:endParaRPr lang="en-CH"/>
           </a:p>
@@ -8371,7 +10326,7 @@
           <a:p>
             <a:fld id="{0F00D740-55B1-4DC8-A3B5-4535950A93D0}" type="slidenum">
               <a:rPr lang="en-CH" smtClean="0"/>
-              <a:t>‹#›</a:t>
+              <a:t>‹Nr.›</a:t>
             </a:fld>
             <a:endParaRPr lang="en-CH"/>
           </a:p>
@@ -8630,7 +10585,7 @@
           <a:p>
             <a:fld id="{1D3E9293-092D-4F3B-852B-B7B73C73F1F9}" type="datetime8">
               <a:rPr lang="en-CH" smtClean="0"/>
-              <a:t>25/01/2022 17:27</a:t>
+              <a:t>01/26/2022 20:53</a:t>
             </a:fld>
             <a:endParaRPr lang="en-CH"/>
           </a:p>
@@ -8684,7 +10639,7 @@
           <a:p>
             <a:fld id="{0F00D740-55B1-4DC8-A3B5-4535950A93D0}" type="slidenum">
               <a:rPr lang="en-CH" smtClean="0"/>
-              <a:t>‹#›</a:t>
+              <a:t>‹Nr.›</a:t>
             </a:fld>
             <a:endParaRPr lang="en-CH"/>
           </a:p>
@@ -8919,7 +10874,7 @@
           <a:p>
             <a:fld id="{72DA9548-12AA-4712-AB6D-8087536C3BD4}" type="datetime8">
               <a:rPr lang="en-CH" smtClean="0"/>
-              <a:t>25/01/2022 17:27</a:t>
+              <a:t>01/26/2022 20:53</a:t>
             </a:fld>
             <a:endParaRPr lang="en-CH"/>
           </a:p>
@@ -8973,7 +10928,7 @@
           <a:p>
             <a:fld id="{0F00D740-55B1-4DC8-A3B5-4535950A93D0}" type="slidenum">
               <a:rPr lang="en-CH" smtClean="0"/>
-              <a:t>‹#›</a:t>
+              <a:t>‹Nr.›</a:t>
             </a:fld>
             <a:endParaRPr lang="en-CH"/>
           </a:p>
@@ -9162,7 +11117,7 @@
           <a:p>
             <a:fld id="{361E5043-500B-4A06-A6BE-2D713F12E4A2}" type="datetime8">
               <a:rPr lang="en-CH" smtClean="0"/>
-              <a:t>25/01/2022 17:27</a:t>
+              <a:t>01/26/2022 20:53</a:t>
             </a:fld>
             <a:endParaRPr lang="en-CH"/>
           </a:p>
@@ -9252,7 +11207,7 @@
           <a:p>
             <a:fld id="{0F00D740-55B1-4DC8-A3B5-4535950A93D0}" type="slidenum">
               <a:rPr lang="en-CH" smtClean="0"/>
-              <a:t>‹#›</a:t>
+              <a:t>‹Nr.›</a:t>
             </a:fld>
             <a:endParaRPr lang="en-CH"/>
           </a:p>
@@ -20636,13 +22591,13 @@
   <p:clrMapOvr>
     <a:masterClrMapping/>
   </p:clrMapOvr>
-  <mc:AlternateContent xmlns:mc="http://schemas.openxmlformats.org/markup-compatibility/2006">
-    <mc:Choice xmlns:p14="http://schemas.microsoft.com/office/powerpoint/2010/main" Requires="p14">
+  <mc:AlternateContent xmlns:mc="http://schemas.openxmlformats.org/markup-compatibility/2006" xmlns:p14="http://schemas.microsoft.com/office/powerpoint/2010/main">
+    <mc:Choice Requires="p14">
       <p:transition spd="med" p14:dur="700">
         <p:fade/>
       </p:transition>
     </mc:Choice>
-    <mc:Fallback>
+    <mc:Fallback xmlns="">
       <p:transition spd="med">
         <p:fade/>
       </p:transition>
@@ -20956,13 +22911,13 @@
   <p:clrMapOvr>
     <a:masterClrMapping/>
   </p:clrMapOvr>
-  <mc:AlternateContent xmlns:mc="http://schemas.openxmlformats.org/markup-compatibility/2006">
-    <mc:Choice xmlns:p14="http://schemas.microsoft.com/office/powerpoint/2010/main" Requires="p14">
+  <mc:AlternateContent xmlns:mc="http://schemas.openxmlformats.org/markup-compatibility/2006" xmlns:p14="http://schemas.microsoft.com/office/powerpoint/2010/main">
+    <mc:Choice Requires="p14">
       <p:transition spd="med" p14:dur="700">
         <p:fade/>
       </p:transition>
     </mc:Choice>
-    <mc:Fallback>
+    <mc:Fallback xmlns="">
       <p:transition spd="med">
         <p:fade/>
       </p:transition>
@@ -23247,8 +25202,8 @@
           </p:blipFill>
           <p:spPr>
             <a:xfrm>
-              <a:off x="4519215" y="2403816"/>
-              <a:ext cx="3431779" cy="2376623"/>
+              <a:off x="4519215" y="2396835"/>
+              <a:ext cx="3441859" cy="2383604"/>
             </a:xfrm>
             <a:prstGeom prst="rect">
               <a:avLst/>
@@ -26896,7 +28851,7 @@
           <p:cNvPr id="2" name="Title 1">
             <a:extLst>
               <a:ext uri="{FF2B5EF4-FFF2-40B4-BE49-F238E27FC236}">
-                <a16:creationId xmlns:a16="http://schemas.microsoft.com/office/drawing/2014/main" id="{4808087A-40EC-41E6-A246-BC46343A4BFC}"/>
+                <a16:creationId xmlns:a16="http://schemas.microsoft.com/office/drawing/2014/main" id="{F1AE8F4F-038B-4ABA-A89F-CA33847A9E12}"/>
               </a:ext>
             </a:extLst>
           </p:cNvPr>
@@ -26907,19 +28862,32 @@
             <p:ph type="title"/>
           </p:nvPr>
         </p:nvSpPr>
-        <p:spPr/>
+        <p:spPr>
+          <a:xfrm>
+            <a:off x="838200" y="365125"/>
+            <a:ext cx="10515600" cy="5702300"/>
+          </a:xfrm>
+        </p:spPr>
         <p:txBody>
           <a:bodyPr>
-            <a:normAutofit/>
+            <a:normAutofit fontScale="90000"/>
           </a:bodyPr>
           <a:lstStyle/>
           <a:p>
+            <a:pPr algn="ctr">
+              <a:lnSpc>
+                <a:spcPct val="125000"/>
+              </a:lnSpc>
+              <a:spcBef>
+                <a:spcPts val="0"/>
+              </a:spcBef>
+            </a:pPr>
             <a:r>
               <a:rPr lang="en-US" b="1" dirty="0" err="1">
                 <a:latin typeface="Arial" panose="020B0604020202020204" pitchFamily="34" charset="0"/>
                 <a:cs typeface="Arial" panose="020B0604020202020204" pitchFamily="34" charset="0"/>
               </a:rPr>
-              <a:t>Endresultat</a:t>
+              <a:t>Auftrag</a:t>
             </a:r>
             <a:br>
               <a:rPr lang="en-US" b="1" dirty="0">
@@ -26928,29 +28896,116 @@
               </a:rPr>
             </a:br>
             <a:r>
-              <a:rPr lang="en-US" i="1" dirty="0" err="1">
+              <a:rPr lang="en-US" b="1" dirty="0">
                 <a:latin typeface="Arial" panose="020B0604020202020204" pitchFamily="34" charset="0"/>
                 <a:cs typeface="Arial" panose="020B0604020202020204" pitchFamily="34" charset="0"/>
               </a:rPr>
-              <a:t>Wettermonitor</a:t>
-            </a:r>
-            <a:r>
-              <a:rPr lang="en-US" i="1" dirty="0">
+              <a:t>Hardware</a:t>
+            </a:r>
+            <a:br>
+              <a:rPr lang="en-US" b="1" dirty="0">
                 <a:latin typeface="Arial" panose="020B0604020202020204" pitchFamily="34" charset="0"/>
                 <a:cs typeface="Arial" panose="020B0604020202020204" pitchFamily="34" charset="0"/>
               </a:rPr>
-              <a:t> Setup</a:t>
-            </a:r>
-            <a:endParaRPr lang="en-CH" dirty="0"/>
+            </a:br>
+            <a:r>
+              <a:rPr lang="en-US" b="1" dirty="0" err="1">
+                <a:latin typeface="Arial" panose="020B0604020202020204" pitchFamily="34" charset="0"/>
+                <a:cs typeface="Arial" panose="020B0604020202020204" pitchFamily="34" charset="0"/>
+              </a:rPr>
+              <a:t>InfluxDB</a:t>
+            </a:r>
+            <a:br>
+              <a:rPr lang="en-US" b="1" dirty="0">
+                <a:latin typeface="Arial" panose="020B0604020202020204" pitchFamily="34" charset="0"/>
+                <a:cs typeface="Arial" panose="020B0604020202020204" pitchFamily="34" charset="0"/>
+              </a:rPr>
+            </a:br>
+            <a:r>
+              <a:rPr lang="en-US" b="1" dirty="0">
+                <a:latin typeface="Arial" panose="020B0604020202020204" pitchFamily="34" charset="0"/>
+                <a:cs typeface="Arial" panose="020B0604020202020204" pitchFamily="34" charset="0"/>
+              </a:rPr>
+              <a:t>Python </a:t>
+            </a:r>
+            <a:r>
+              <a:rPr lang="en-US" b="1" dirty="0" err="1">
+                <a:latin typeface="Arial" panose="020B0604020202020204" pitchFamily="34" charset="0"/>
+                <a:cs typeface="Arial" panose="020B0604020202020204" pitchFamily="34" charset="0"/>
+              </a:rPr>
+              <a:t>Programm</a:t>
+            </a:r>
+            <a:br>
+              <a:rPr lang="en-US" b="1" dirty="0">
+                <a:latin typeface="Arial" panose="020B0604020202020204" pitchFamily="34" charset="0"/>
+                <a:cs typeface="Arial" panose="020B0604020202020204" pitchFamily="34" charset="0"/>
+              </a:rPr>
+            </a:br>
+            <a:r>
+              <a:rPr lang="en-US" b="1" dirty="0">
+                <a:latin typeface="Arial" panose="020B0604020202020204" pitchFamily="34" charset="0"/>
+                <a:cs typeface="Arial" panose="020B0604020202020204" pitchFamily="34" charset="0"/>
+              </a:rPr>
+              <a:t>Flask Webserver</a:t>
+            </a:r>
+            <a:br>
+              <a:rPr lang="en-US" b="1" dirty="0">
+                <a:latin typeface="Arial" panose="020B0604020202020204" pitchFamily="34" charset="0"/>
+                <a:cs typeface="Arial" panose="020B0604020202020204" pitchFamily="34" charset="0"/>
+              </a:rPr>
+            </a:br>
+            <a:r>
+              <a:rPr lang="en-US" b="1" dirty="0">
+                <a:latin typeface="Arial" panose="020B0604020202020204" pitchFamily="34" charset="0"/>
+                <a:cs typeface="Arial" panose="020B0604020202020204" pitchFamily="34" charset="0"/>
+              </a:rPr>
+              <a:t>GUI Sketch</a:t>
+            </a:r>
+            <a:br>
+              <a:rPr lang="en-US" b="1" dirty="0">
+                <a:latin typeface="Arial" panose="020B0604020202020204" pitchFamily="34" charset="0"/>
+                <a:cs typeface="Arial" panose="020B0604020202020204" pitchFamily="34" charset="0"/>
+              </a:rPr>
+            </a:br>
+            <a:r>
+              <a:rPr lang="en-US" b="1" dirty="0" err="1">
+                <a:latin typeface="Arial" panose="020B0604020202020204" pitchFamily="34" charset="0"/>
+                <a:cs typeface="Arial" panose="020B0604020202020204" pitchFamily="34" charset="0"/>
+              </a:rPr>
+              <a:t>Endresultat</a:t>
+            </a:r>
+            <a:br>
+              <a:rPr lang="en-US" b="1" dirty="0">
+                <a:latin typeface="Arial" panose="020B0604020202020204" pitchFamily="34" charset="0"/>
+                <a:cs typeface="Arial" panose="020B0604020202020204" pitchFamily="34" charset="0"/>
+              </a:rPr>
+            </a:br>
+            <a:r>
+              <a:rPr lang="en-US" b="1" dirty="0" err="1">
+                <a:highlight>
+                  <a:srgbClr val="FAE800"/>
+                </a:highlight>
+                <a:latin typeface="Arial" panose="020B0604020202020204" pitchFamily="34" charset="0"/>
+                <a:cs typeface="Arial" panose="020B0604020202020204" pitchFamily="34" charset="0"/>
+              </a:rPr>
+              <a:t>Weiterentwicklung</a:t>
+            </a:r>
+            <a:endParaRPr lang="en-CH" b="1" dirty="0">
+              <a:highlight>
+                <a:srgbClr val="FAE800"/>
+              </a:highlight>
+              <a:latin typeface="Arial" panose="020B0604020202020204" pitchFamily="34" charset="0"/>
+              <a:cs typeface="Arial" panose="020B0604020202020204" pitchFamily="34" charset="0"/>
+            </a:endParaRPr>
           </a:p>
         </p:txBody>
       </p:sp>
       <p:sp>
         <p:nvSpPr>
-          <p:cNvPr id="4" name="Slide Number Placeholder 3">
+          <p:cNvPr id="8" name="Slide Number Placeholder 7">
             <a:extLst>
               <a:ext uri="{FF2B5EF4-FFF2-40B4-BE49-F238E27FC236}">
-                <a16:creationId xmlns:a16="http://schemas.microsoft.com/office/drawing/2014/main" id="{25E7D99B-055F-46C1-9ED3-2255A4486B53}"/>
+                <a16:creationId xmlns:a16="http://schemas.microsoft.com/office/drawing/2014/main" id="{E5E3E861-4688-44FC-A05E-E446522B24DD}"/>
               </a:ext>
             </a:extLst>
           </p:cNvPr>
@@ -26974,412 +29029,10 @@
           </a:p>
         </p:txBody>
       </p:sp>
-      <p:grpSp>
-        <p:nvGrpSpPr>
-          <p:cNvPr id="5" name="Group 4">
-            <a:extLst>
-              <a:ext uri="{FF2B5EF4-FFF2-40B4-BE49-F238E27FC236}">
-                <a16:creationId xmlns:a16="http://schemas.microsoft.com/office/drawing/2014/main" id="{4EC58CAD-48B2-4835-9E3B-91425F5E9895}"/>
-              </a:ext>
-            </a:extLst>
-          </p:cNvPr>
-          <p:cNvGrpSpPr/>
-          <p:nvPr/>
-        </p:nvGrpSpPr>
-        <p:grpSpPr>
-          <a:xfrm>
-            <a:off x="8990330" y="5808980"/>
-            <a:ext cx="3774440" cy="764540"/>
-            <a:chOff x="8990330" y="5808980"/>
-            <a:chExt cx="3774440" cy="764540"/>
-          </a:xfrm>
-        </p:grpSpPr>
-        <p:pic>
-          <p:nvPicPr>
-            <p:cNvPr id="6" name="Picture 5">
-              <a:extLst>
-                <a:ext uri="{FF2B5EF4-FFF2-40B4-BE49-F238E27FC236}">
-                  <a16:creationId xmlns:a16="http://schemas.microsoft.com/office/drawing/2014/main" id="{022721ED-DE7C-4BE7-8FB8-448D5A1D2FA3}"/>
-                </a:ext>
-              </a:extLst>
-            </p:cNvPr>
-            <p:cNvPicPr>
-              <a:picLocks noChangeAspect="1"/>
-            </p:cNvPicPr>
-            <p:nvPr/>
-          </p:nvPicPr>
-          <p:blipFill>
-            <a:blip r:embed="rId3" cstate="print">
-              <a:extLst>
-                <a:ext uri="{28A0092B-C50C-407E-A947-70E740481C1C}">
-                  <a14:useLocalDpi xmlns:a14="http://schemas.microsoft.com/office/drawing/2010/main" val="0"/>
-                </a:ext>
-              </a:extLst>
-            </a:blip>
-            <a:srcRect/>
-            <a:stretch>
-              <a:fillRect/>
-            </a:stretch>
-          </p:blipFill>
-          <p:spPr bwMode="auto">
-            <a:xfrm>
-              <a:off x="8990330" y="5808980"/>
-              <a:ext cx="942340" cy="558800"/>
-            </a:xfrm>
-            <a:prstGeom prst="rect">
-              <a:avLst/>
-            </a:prstGeom>
-            <a:noFill/>
-            <a:ln>
-              <a:noFill/>
-            </a:ln>
-          </p:spPr>
-        </p:pic>
-        <p:sp>
-          <p:nvSpPr>
-            <p:cNvPr id="7" name="Text Box 11">
-              <a:extLst>
-                <a:ext uri="{FF2B5EF4-FFF2-40B4-BE49-F238E27FC236}">
-                  <a16:creationId xmlns:a16="http://schemas.microsoft.com/office/drawing/2014/main" id="{D3B6ED79-9CCE-4997-8EDA-DFDF7934B22B}"/>
-                </a:ext>
-              </a:extLst>
-            </p:cNvPr>
-            <p:cNvSpPr txBox="1"/>
-            <p:nvPr/>
-          </p:nvSpPr>
-          <p:spPr>
-            <a:xfrm>
-              <a:off x="9999980" y="5923280"/>
-              <a:ext cx="2764790" cy="650240"/>
-            </a:xfrm>
-            <a:prstGeom prst="rect">
-              <a:avLst/>
-            </a:prstGeom>
-            <a:noFill/>
-            <a:ln w="6350">
-              <a:noFill/>
-            </a:ln>
-          </p:spPr>
-          <p:txBody>
-            <a:bodyPr rot="0" spcFirstLastPara="0" vert="horz" wrap="square" lIns="91440" tIns="45720" rIns="91440" bIns="45720" numCol="1" spcCol="0" rtlCol="0" fromWordArt="0" anchor="t" anchorCtr="0" forceAA="0" compatLnSpc="1">
-              <a:prstTxWarp prst="textNoShape">
-                <a:avLst/>
-              </a:prstTxWarp>
-              <a:noAutofit/>
-            </a:bodyPr>
-            <a:lstStyle/>
-            <a:p>
-              <a:pPr>
-                <a:lnSpc>
-                  <a:spcPct val="115000"/>
-                </a:lnSpc>
-              </a:pPr>
-              <a:r>
-                <a:rPr lang="en-US" sz="900" b="1">
-                  <a:solidFill>
-                    <a:srgbClr val="44546A"/>
-                  </a:solidFill>
-                  <a:effectLst/>
-                  <a:latin typeface="Calibri" panose="020F0502020204030204" pitchFamily="34" charset="0"/>
-                  <a:ea typeface="Times New Roman" panose="02020603050405020304" pitchFamily="18" charset="0"/>
-                  <a:cs typeface="Times New Roman" panose="02020603050405020304" pitchFamily="18" charset="0"/>
-                </a:rPr>
-                <a:t>Fachhochschule Nordwestschweiz</a:t>
-              </a:r>
-              <a:endParaRPr lang="en-CH" sz="1400" b="1">
-                <a:solidFill>
-                  <a:srgbClr val="44546A"/>
-                </a:solidFill>
-                <a:effectLst/>
-                <a:latin typeface="Calibri" panose="020F0502020204030204" pitchFamily="34" charset="0"/>
-                <a:ea typeface="Times New Roman" panose="02020603050405020304" pitchFamily="18" charset="0"/>
-                <a:cs typeface="Times New Roman" panose="02020603050405020304" pitchFamily="18" charset="0"/>
-              </a:endParaRPr>
-            </a:p>
-            <a:p>
-              <a:pPr>
-                <a:lnSpc>
-                  <a:spcPct val="115000"/>
-                </a:lnSpc>
-              </a:pPr>
-              <a:r>
-                <a:rPr lang="en-US" sz="900" b="1">
-                  <a:solidFill>
-                    <a:srgbClr val="44546A"/>
-                  </a:solidFill>
-                  <a:effectLst/>
-                  <a:latin typeface="Calibri" panose="020F0502020204030204" pitchFamily="34" charset="0"/>
-                  <a:ea typeface="Times New Roman" panose="02020603050405020304" pitchFamily="18" charset="0"/>
-                  <a:cs typeface="Times New Roman" panose="02020603050405020304" pitchFamily="18" charset="0"/>
-                </a:rPr>
-                <a:t>Hochschule für Technik</a:t>
-              </a:r>
-              <a:endParaRPr lang="en-CH" sz="1400" b="1">
-                <a:solidFill>
-                  <a:srgbClr val="44546A"/>
-                </a:solidFill>
-                <a:effectLst/>
-                <a:latin typeface="Calibri" panose="020F0502020204030204" pitchFamily="34" charset="0"/>
-                <a:ea typeface="Times New Roman" panose="02020603050405020304" pitchFamily="18" charset="0"/>
-                <a:cs typeface="Times New Roman" panose="02020603050405020304" pitchFamily="18" charset="0"/>
-              </a:endParaRPr>
-            </a:p>
-          </p:txBody>
-        </p:sp>
-      </p:grpSp>
-      <p:pic>
-        <p:nvPicPr>
-          <p:cNvPr id="1026" name="Picture 2" descr="Script free icon">
-            <a:extLst>
-              <a:ext uri="{FF2B5EF4-FFF2-40B4-BE49-F238E27FC236}">
-                <a16:creationId xmlns:a16="http://schemas.microsoft.com/office/drawing/2014/main" id="{FEB24AA8-B371-4949-A0A9-0F73B2119230}"/>
-              </a:ext>
-            </a:extLst>
-          </p:cNvPr>
-          <p:cNvPicPr>
-            <a:picLocks noChangeAspect="1" noChangeArrowheads="1"/>
-          </p:cNvPicPr>
-          <p:nvPr/>
-        </p:nvPicPr>
-        <p:blipFill>
-          <a:blip r:embed="rId4">
-            <a:extLst>
-              <a:ext uri="{28A0092B-C50C-407E-A947-70E740481C1C}">
-                <a14:useLocalDpi xmlns:a14="http://schemas.microsoft.com/office/drawing/2010/main" val="0"/>
-              </a:ext>
-            </a:extLst>
-          </a:blip>
-          <a:srcRect/>
-          <a:stretch>
-            <a:fillRect/>
-          </a:stretch>
-        </p:blipFill>
-        <p:spPr bwMode="auto">
-          <a:xfrm>
-            <a:off x="2230821" y="3023137"/>
-            <a:ext cx="843455" cy="843455"/>
-          </a:xfrm>
-          <a:prstGeom prst="rect">
-            <a:avLst/>
-          </a:prstGeom>
-          <a:noFill/>
-          <a:extLst>
-            <a:ext uri="{909E8E84-426E-40DD-AFC4-6F175D3DCCD1}">
-              <a14:hiddenFill xmlns:a14="http://schemas.microsoft.com/office/drawing/2010/main">
-                <a:solidFill>
-                  <a:srgbClr val="FFFFFF"/>
-                </a:solidFill>
-              </a14:hiddenFill>
-            </a:ext>
-          </a:extLst>
-        </p:spPr>
-      </p:pic>
-      <p:sp>
-        <p:nvSpPr>
-          <p:cNvPr id="3" name="Textfeld 2">
-            <a:extLst>
-              <a:ext uri="{FF2B5EF4-FFF2-40B4-BE49-F238E27FC236}">
-                <a16:creationId xmlns:a16="http://schemas.microsoft.com/office/drawing/2014/main" id="{E925F671-A74C-4193-8758-C984C754ECB4}"/>
-              </a:ext>
-            </a:extLst>
-          </p:cNvPr>
-          <p:cNvSpPr txBox="1"/>
-          <p:nvPr/>
-        </p:nvSpPr>
-        <p:spPr>
-          <a:xfrm>
-            <a:off x="1686910" y="4103654"/>
-            <a:ext cx="1931276" cy="369332"/>
-          </a:xfrm>
-          <a:prstGeom prst="rect">
-            <a:avLst/>
-          </a:prstGeom>
-          <a:noFill/>
-        </p:spPr>
-        <p:txBody>
-          <a:bodyPr wrap="square" rtlCol="0">
-            <a:spAutoFit/>
-          </a:bodyPr>
-          <a:lstStyle/>
-          <a:p>
-            <a:pPr algn="ctr"/>
-            <a:r>
-              <a:rPr lang="en-US" dirty="0"/>
-              <a:t>install.sh</a:t>
-            </a:r>
-          </a:p>
-        </p:txBody>
-      </p:sp>
-      <p:sp>
-        <p:nvSpPr>
-          <p:cNvPr id="48" name="Textfeld 47">
-            <a:extLst>
-              <a:ext uri="{FF2B5EF4-FFF2-40B4-BE49-F238E27FC236}">
-                <a16:creationId xmlns:a16="http://schemas.microsoft.com/office/drawing/2014/main" id="{4136C29D-9C7C-4D41-B805-FAA4E5FAA5B4}"/>
-              </a:ext>
-            </a:extLst>
-          </p:cNvPr>
-          <p:cNvSpPr txBox="1"/>
-          <p:nvPr/>
-        </p:nvSpPr>
-        <p:spPr>
-          <a:xfrm>
-            <a:off x="4558861" y="4056258"/>
-            <a:ext cx="1931276" cy="369332"/>
-          </a:xfrm>
-          <a:prstGeom prst="rect">
-            <a:avLst/>
-          </a:prstGeom>
-          <a:noFill/>
-        </p:spPr>
-        <p:txBody>
-          <a:bodyPr wrap="square" rtlCol="0">
-            <a:spAutoFit/>
-          </a:bodyPr>
-          <a:lstStyle/>
-          <a:p>
-            <a:pPr algn="ctr"/>
-            <a:r>
-              <a:rPr lang="en-US" dirty="0"/>
-              <a:t>Kiosk Service</a:t>
-            </a:r>
-          </a:p>
-        </p:txBody>
-      </p:sp>
-      <p:sp>
-        <p:nvSpPr>
-          <p:cNvPr id="50" name="Textfeld 49">
-            <a:extLst>
-              <a:ext uri="{FF2B5EF4-FFF2-40B4-BE49-F238E27FC236}">
-                <a16:creationId xmlns:a16="http://schemas.microsoft.com/office/drawing/2014/main" id="{4181F4DE-E427-4482-9204-53F274E5B0C4}"/>
-              </a:ext>
-            </a:extLst>
-          </p:cNvPr>
-          <p:cNvSpPr txBox="1"/>
-          <p:nvPr/>
-        </p:nvSpPr>
-        <p:spPr>
-          <a:xfrm>
-            <a:off x="7223234" y="4087789"/>
-            <a:ext cx="1931276" cy="369332"/>
-          </a:xfrm>
-          <a:prstGeom prst="rect">
-            <a:avLst/>
-          </a:prstGeom>
-          <a:noFill/>
-        </p:spPr>
-        <p:txBody>
-          <a:bodyPr wrap="square" rtlCol="0">
-            <a:spAutoFit/>
-          </a:bodyPr>
-          <a:lstStyle/>
-          <a:p>
-            <a:pPr algn="ctr"/>
-            <a:r>
-              <a:rPr lang="en-US" dirty="0"/>
-              <a:t>kiosk.sh</a:t>
-            </a:r>
-          </a:p>
-        </p:txBody>
-      </p:sp>
-      <p:pic>
-        <p:nvPicPr>
-          <p:cNvPr id="1028" name="Picture 4" descr="Customer service free icon">
-            <a:extLst>
-              <a:ext uri="{FF2B5EF4-FFF2-40B4-BE49-F238E27FC236}">
-                <a16:creationId xmlns:a16="http://schemas.microsoft.com/office/drawing/2014/main" id="{895CCA92-D26C-4478-8D2E-5C07D7DDC50B}"/>
-              </a:ext>
-            </a:extLst>
-          </p:cNvPr>
-          <p:cNvPicPr>
-            <a:picLocks noChangeAspect="1" noChangeArrowheads="1"/>
-          </p:cNvPicPr>
-          <p:nvPr/>
-        </p:nvPicPr>
-        <p:blipFill>
-          <a:blip r:embed="rId5">
-            <a:extLst>
-              <a:ext uri="{28A0092B-C50C-407E-A947-70E740481C1C}">
-                <a14:useLocalDpi xmlns:a14="http://schemas.microsoft.com/office/drawing/2010/main" val="0"/>
-              </a:ext>
-            </a:extLst>
-          </a:blip>
-          <a:srcRect/>
-          <a:stretch>
-            <a:fillRect/>
-          </a:stretch>
-        </p:blipFill>
-        <p:spPr bwMode="auto">
-          <a:xfrm>
-            <a:off x="5013491" y="3007272"/>
-            <a:ext cx="864419" cy="864419"/>
-          </a:xfrm>
-          <a:prstGeom prst="rect">
-            <a:avLst/>
-          </a:prstGeom>
-          <a:noFill/>
-          <a:extLst>
-            <a:ext uri="{909E8E84-426E-40DD-AFC4-6F175D3DCCD1}">
-              <a14:hiddenFill xmlns:a14="http://schemas.microsoft.com/office/drawing/2010/main">
-                <a:solidFill>
-                  <a:srgbClr val="FFFFFF"/>
-                </a:solidFill>
-              </a14:hiddenFill>
-            </a:ext>
-          </a:extLst>
-        </p:spPr>
-      </p:pic>
-      <p:pic>
-        <p:nvPicPr>
-          <p:cNvPr id="1030" name="Picture 6" descr="Setup free icon">
-            <a:extLst>
-              <a:ext uri="{FF2B5EF4-FFF2-40B4-BE49-F238E27FC236}">
-                <a16:creationId xmlns:a16="http://schemas.microsoft.com/office/drawing/2014/main" id="{344491B9-878A-4FAC-B8F7-8F51A73D95B5}"/>
-              </a:ext>
-            </a:extLst>
-          </p:cNvPr>
-          <p:cNvPicPr>
-            <a:picLocks noChangeAspect="1" noChangeArrowheads="1"/>
-          </p:cNvPicPr>
-          <p:nvPr/>
-        </p:nvPicPr>
-        <p:blipFill>
-          <a:blip r:embed="rId6">
-            <a:extLst>
-              <a:ext uri="{28A0092B-C50C-407E-A947-70E740481C1C}">
-                <a14:useLocalDpi xmlns:a14="http://schemas.microsoft.com/office/drawing/2010/main" val="0"/>
-              </a:ext>
-            </a:extLst>
-          </a:blip>
-          <a:srcRect/>
-          <a:stretch>
-            <a:fillRect/>
-          </a:stretch>
-        </p:blipFill>
-        <p:spPr bwMode="auto">
-          <a:xfrm>
-            <a:off x="7810499" y="3109847"/>
-            <a:ext cx="756745" cy="756745"/>
-          </a:xfrm>
-          <a:prstGeom prst="rect">
-            <a:avLst/>
-          </a:prstGeom>
-          <a:noFill/>
-          <a:extLst>
-            <a:ext uri="{909E8E84-426E-40DD-AFC4-6F175D3DCCD1}">
-              <a14:hiddenFill xmlns:a14="http://schemas.microsoft.com/office/drawing/2010/main">
-                <a:solidFill>
-                  <a:srgbClr val="FFFFFF"/>
-                </a:solidFill>
-              </a14:hiddenFill>
-            </a:ext>
-          </a:extLst>
-        </p:spPr>
-      </p:pic>
     </p:spTree>
     <p:extLst>
       <p:ext uri="{BB962C8B-B14F-4D97-AF65-F5344CB8AC3E}">
-        <p14:creationId xmlns:p14="http://schemas.microsoft.com/office/powerpoint/2010/main" val="344647664"/>
+        <p14:creationId xmlns:p14="http://schemas.microsoft.com/office/powerpoint/2010/main" val="1432282549"/>
       </p:ext>
     </p:extLst>
   </p:cSld>
@@ -27423,231 +29076,6 @@
           <p:cNvPr id="2" name="Title 1">
             <a:extLst>
               <a:ext uri="{FF2B5EF4-FFF2-40B4-BE49-F238E27FC236}">
-                <a16:creationId xmlns:a16="http://schemas.microsoft.com/office/drawing/2014/main" id="{F1AE8F4F-038B-4ABA-A89F-CA33847A9E12}"/>
-              </a:ext>
-            </a:extLst>
-          </p:cNvPr>
-          <p:cNvSpPr>
-            <a:spLocks noGrp="1"/>
-          </p:cNvSpPr>
-          <p:nvPr>
-            <p:ph type="title"/>
-          </p:nvPr>
-        </p:nvSpPr>
-        <p:spPr>
-          <a:xfrm>
-            <a:off x="838200" y="365125"/>
-            <a:ext cx="10515600" cy="5702300"/>
-          </a:xfrm>
-        </p:spPr>
-        <p:txBody>
-          <a:bodyPr>
-            <a:normAutofit fontScale="90000"/>
-          </a:bodyPr>
-          <a:lstStyle/>
-          <a:p>
-            <a:pPr algn="ctr">
-              <a:lnSpc>
-                <a:spcPct val="125000"/>
-              </a:lnSpc>
-              <a:spcBef>
-                <a:spcPts val="0"/>
-              </a:spcBef>
-            </a:pPr>
-            <a:r>
-              <a:rPr lang="en-US" b="1" dirty="0" err="1">
-                <a:latin typeface="Arial" panose="020B0604020202020204" pitchFamily="34" charset="0"/>
-                <a:cs typeface="Arial" panose="020B0604020202020204" pitchFamily="34" charset="0"/>
-              </a:rPr>
-              <a:t>Auftrag</a:t>
-            </a:r>
-            <a:br>
-              <a:rPr lang="en-US" b="1" dirty="0">
-                <a:latin typeface="Arial" panose="020B0604020202020204" pitchFamily="34" charset="0"/>
-                <a:cs typeface="Arial" panose="020B0604020202020204" pitchFamily="34" charset="0"/>
-              </a:rPr>
-            </a:br>
-            <a:r>
-              <a:rPr lang="en-US" b="1" dirty="0">
-                <a:latin typeface="Arial" panose="020B0604020202020204" pitchFamily="34" charset="0"/>
-                <a:cs typeface="Arial" panose="020B0604020202020204" pitchFamily="34" charset="0"/>
-              </a:rPr>
-              <a:t>Hardware</a:t>
-            </a:r>
-            <a:br>
-              <a:rPr lang="en-US" b="1" dirty="0">
-                <a:latin typeface="Arial" panose="020B0604020202020204" pitchFamily="34" charset="0"/>
-                <a:cs typeface="Arial" panose="020B0604020202020204" pitchFamily="34" charset="0"/>
-              </a:rPr>
-            </a:br>
-            <a:r>
-              <a:rPr lang="en-US" b="1" dirty="0" err="1">
-                <a:latin typeface="Arial" panose="020B0604020202020204" pitchFamily="34" charset="0"/>
-                <a:cs typeface="Arial" panose="020B0604020202020204" pitchFamily="34" charset="0"/>
-              </a:rPr>
-              <a:t>InfluxDB</a:t>
-            </a:r>
-            <a:br>
-              <a:rPr lang="en-US" b="1" dirty="0">
-                <a:latin typeface="Arial" panose="020B0604020202020204" pitchFamily="34" charset="0"/>
-                <a:cs typeface="Arial" panose="020B0604020202020204" pitchFamily="34" charset="0"/>
-              </a:rPr>
-            </a:br>
-            <a:r>
-              <a:rPr lang="en-US" b="1" dirty="0">
-                <a:latin typeface="Arial" panose="020B0604020202020204" pitchFamily="34" charset="0"/>
-                <a:cs typeface="Arial" panose="020B0604020202020204" pitchFamily="34" charset="0"/>
-              </a:rPr>
-              <a:t>Python </a:t>
-            </a:r>
-            <a:r>
-              <a:rPr lang="en-US" b="1" dirty="0" err="1">
-                <a:latin typeface="Arial" panose="020B0604020202020204" pitchFamily="34" charset="0"/>
-                <a:cs typeface="Arial" panose="020B0604020202020204" pitchFamily="34" charset="0"/>
-              </a:rPr>
-              <a:t>Programm</a:t>
-            </a:r>
-            <a:br>
-              <a:rPr lang="en-US" b="1" dirty="0">
-                <a:latin typeface="Arial" panose="020B0604020202020204" pitchFamily="34" charset="0"/>
-                <a:cs typeface="Arial" panose="020B0604020202020204" pitchFamily="34" charset="0"/>
-              </a:rPr>
-            </a:br>
-            <a:r>
-              <a:rPr lang="en-US" b="1" dirty="0">
-                <a:latin typeface="Arial" panose="020B0604020202020204" pitchFamily="34" charset="0"/>
-                <a:cs typeface="Arial" panose="020B0604020202020204" pitchFamily="34" charset="0"/>
-              </a:rPr>
-              <a:t>Flask Webserver</a:t>
-            </a:r>
-            <a:br>
-              <a:rPr lang="en-US" b="1" dirty="0">
-                <a:latin typeface="Arial" panose="020B0604020202020204" pitchFamily="34" charset="0"/>
-                <a:cs typeface="Arial" panose="020B0604020202020204" pitchFamily="34" charset="0"/>
-              </a:rPr>
-            </a:br>
-            <a:r>
-              <a:rPr lang="en-US" b="1" dirty="0">
-                <a:latin typeface="Arial" panose="020B0604020202020204" pitchFamily="34" charset="0"/>
-                <a:cs typeface="Arial" panose="020B0604020202020204" pitchFamily="34" charset="0"/>
-              </a:rPr>
-              <a:t>GUI Sketch</a:t>
-            </a:r>
-            <a:br>
-              <a:rPr lang="en-US" b="1" dirty="0">
-                <a:latin typeface="Arial" panose="020B0604020202020204" pitchFamily="34" charset="0"/>
-                <a:cs typeface="Arial" panose="020B0604020202020204" pitchFamily="34" charset="0"/>
-              </a:rPr>
-            </a:br>
-            <a:r>
-              <a:rPr lang="en-US" b="1" dirty="0" err="1">
-                <a:latin typeface="Arial" panose="020B0604020202020204" pitchFamily="34" charset="0"/>
-                <a:cs typeface="Arial" panose="020B0604020202020204" pitchFamily="34" charset="0"/>
-              </a:rPr>
-              <a:t>Endresultat</a:t>
-            </a:r>
-            <a:br>
-              <a:rPr lang="en-US" b="1" dirty="0">
-                <a:latin typeface="Arial" panose="020B0604020202020204" pitchFamily="34" charset="0"/>
-                <a:cs typeface="Arial" panose="020B0604020202020204" pitchFamily="34" charset="0"/>
-              </a:rPr>
-            </a:br>
-            <a:r>
-              <a:rPr lang="en-US" b="1" dirty="0" err="1">
-                <a:highlight>
-                  <a:srgbClr val="FAE800"/>
-                </a:highlight>
-                <a:latin typeface="Arial" panose="020B0604020202020204" pitchFamily="34" charset="0"/>
-                <a:cs typeface="Arial" panose="020B0604020202020204" pitchFamily="34" charset="0"/>
-              </a:rPr>
-              <a:t>Weiterentwicklung</a:t>
-            </a:r>
-            <a:endParaRPr lang="en-CH" b="1" dirty="0">
-              <a:highlight>
-                <a:srgbClr val="FAE800"/>
-              </a:highlight>
-              <a:latin typeface="Arial" panose="020B0604020202020204" pitchFamily="34" charset="0"/>
-              <a:cs typeface="Arial" panose="020B0604020202020204" pitchFamily="34" charset="0"/>
-            </a:endParaRPr>
-          </a:p>
-        </p:txBody>
-      </p:sp>
-      <p:sp>
-        <p:nvSpPr>
-          <p:cNvPr id="8" name="Slide Number Placeholder 7">
-            <a:extLst>
-              <a:ext uri="{FF2B5EF4-FFF2-40B4-BE49-F238E27FC236}">
-                <a16:creationId xmlns:a16="http://schemas.microsoft.com/office/drawing/2014/main" id="{E5E3E861-4688-44FC-A05E-E446522B24DD}"/>
-              </a:ext>
-            </a:extLst>
-          </p:cNvPr>
-          <p:cNvSpPr>
-            <a:spLocks noGrp="1"/>
-          </p:cNvSpPr>
-          <p:nvPr>
-            <p:ph type="sldNum" sz="quarter" idx="12"/>
-          </p:nvPr>
-        </p:nvSpPr>
-        <p:spPr/>
-        <p:txBody>
-          <a:bodyPr/>
-          <a:lstStyle/>
-          <a:p>
-            <a:fld id="{0F00D740-55B1-4DC8-A3B5-4535950A93D0}" type="slidenum">
-              <a:rPr lang="en-CH" smtClean="0"/>
-              <a:t>41</a:t>
-            </a:fld>
-            <a:endParaRPr lang="en-CH"/>
-          </a:p>
-        </p:txBody>
-      </p:sp>
-    </p:spTree>
-    <p:extLst>
-      <p:ext uri="{BB962C8B-B14F-4D97-AF65-F5344CB8AC3E}">
-        <p14:creationId xmlns:p14="http://schemas.microsoft.com/office/powerpoint/2010/main" val="1432282549"/>
-      </p:ext>
-    </p:extLst>
-  </p:cSld>
-  <p:clrMapOvr>
-    <a:masterClrMapping/>
-  </p:clrMapOvr>
-  <mc:AlternateContent xmlns:mc="http://schemas.openxmlformats.org/markup-compatibility/2006" xmlns:p14="http://schemas.microsoft.com/office/powerpoint/2010/main">
-    <mc:Choice Requires="p14">
-      <p:transition spd="med" p14:dur="700">
-        <p:fade/>
-      </p:transition>
-    </mc:Choice>
-    <mc:Fallback xmlns="">
-      <p:transition spd="med">
-        <p:fade/>
-      </p:transition>
-    </mc:Fallback>
-  </mc:AlternateContent>
-</p:sld>
-</file>
-
-<file path=ppt/slides/slide42.xml><?xml version="1.0" encoding="utf-8"?>
-<p:sld xmlns:a="http://schemas.openxmlformats.org/drawingml/2006/main" xmlns:r="http://schemas.openxmlformats.org/officeDocument/2006/relationships" xmlns:p="http://schemas.openxmlformats.org/presentationml/2006/main">
-  <p:cSld>
-    <p:spTree>
-      <p:nvGrpSpPr>
-        <p:cNvPr id="1" name=""/>
-        <p:cNvGrpSpPr/>
-        <p:nvPr/>
-      </p:nvGrpSpPr>
-      <p:grpSpPr>
-        <a:xfrm>
-          <a:off x="0" y="0"/>
-          <a:ext cx="0" cy="0"/>
-          <a:chOff x="0" y="0"/>
-          <a:chExt cx="0" cy="0"/>
-        </a:xfrm>
-      </p:grpSpPr>
-      <p:sp>
-        <p:nvSpPr>
-          <p:cNvPr id="2" name="Title 1">
-            <a:extLst>
-              <a:ext uri="{FF2B5EF4-FFF2-40B4-BE49-F238E27FC236}">
                 <a16:creationId xmlns:a16="http://schemas.microsoft.com/office/drawing/2014/main" id="{4808087A-40EC-41E6-A246-BC46343A4BFC}"/>
               </a:ext>
             </a:extLst>
@@ -27839,7 +29267,7 @@
           <a:p>
             <a:fld id="{0F00D740-55B1-4DC8-A3B5-4535950A93D0}" type="slidenum">
               <a:rPr lang="en-CH" smtClean="0"/>
-              <a:t>42</a:t>
+              <a:t>41</a:t>
             </a:fld>
             <a:endParaRPr lang="en-CH"/>
           </a:p>
@@ -28023,7 +29451,7 @@
 </p:sld>
 </file>
 
-<file path=ppt/slides/slide43.xml><?xml version="1.0" encoding="utf-8"?>
+<file path=ppt/slides/slide42.xml><?xml version="1.0" encoding="utf-8"?>
 <p:sld xmlns:a="http://schemas.openxmlformats.org/drawingml/2006/main" xmlns:r="http://schemas.openxmlformats.org/officeDocument/2006/relationships" xmlns:p="http://schemas.openxmlformats.org/presentationml/2006/main">
   <p:cSld>
     <p:spTree>

--- a/Powerpoint v3.pptx
+++ b/Powerpoint v3.pptx
@@ -5,7 +5,7 @@
     <p:sldMasterId id="2147483648" r:id="rId1"/>
   </p:sldMasterIdLst>
   <p:notesMasterIdLst>
-    <p:notesMasterId r:id="rId44"/>
+    <p:notesMasterId r:id="rId45"/>
   </p:notesMasterIdLst>
   <p:sldIdLst>
     <p:sldId id="256" r:id="rId2"/>
@@ -30,26 +30,27 @@
     <p:sldId id="301" r:id="rId21"/>
     <p:sldId id="299" r:id="rId22"/>
     <p:sldId id="300" r:id="rId23"/>
-    <p:sldId id="278" r:id="rId24"/>
-    <p:sldId id="279" r:id="rId25"/>
-    <p:sldId id="309" r:id="rId26"/>
-    <p:sldId id="311" r:id="rId27"/>
-    <p:sldId id="307" r:id="rId28"/>
-    <p:sldId id="302" r:id="rId29"/>
-    <p:sldId id="291" r:id="rId30"/>
-    <p:sldId id="267" r:id="rId31"/>
-    <p:sldId id="282" r:id="rId32"/>
-    <p:sldId id="304" r:id="rId33"/>
-    <p:sldId id="281" r:id="rId34"/>
-    <p:sldId id="292" r:id="rId35"/>
-    <p:sldId id="269" r:id="rId36"/>
-    <p:sldId id="284" r:id="rId37"/>
-    <p:sldId id="285" r:id="rId38"/>
-    <p:sldId id="293" r:id="rId39"/>
-    <p:sldId id="271" r:id="rId40"/>
-    <p:sldId id="294" r:id="rId41"/>
-    <p:sldId id="283" r:id="rId42"/>
-    <p:sldId id="286" r:id="rId43"/>
+    <p:sldId id="312" r:id="rId24"/>
+    <p:sldId id="278" r:id="rId25"/>
+    <p:sldId id="279" r:id="rId26"/>
+    <p:sldId id="309" r:id="rId27"/>
+    <p:sldId id="311" r:id="rId28"/>
+    <p:sldId id="307" r:id="rId29"/>
+    <p:sldId id="302" r:id="rId30"/>
+    <p:sldId id="291" r:id="rId31"/>
+    <p:sldId id="267" r:id="rId32"/>
+    <p:sldId id="282" r:id="rId33"/>
+    <p:sldId id="304" r:id="rId34"/>
+    <p:sldId id="281" r:id="rId35"/>
+    <p:sldId id="292" r:id="rId36"/>
+    <p:sldId id="269" r:id="rId37"/>
+    <p:sldId id="284" r:id="rId38"/>
+    <p:sldId id="285" r:id="rId39"/>
+    <p:sldId id="293" r:id="rId40"/>
+    <p:sldId id="271" r:id="rId41"/>
+    <p:sldId id="294" r:id="rId42"/>
+    <p:sldId id="283" r:id="rId43"/>
+    <p:sldId id="286" r:id="rId44"/>
   </p:sldIdLst>
   <p:sldSz cx="12192000" cy="6858000"/>
   <p:notesSz cx="6858000" cy="9144000"/>
@@ -195,6 +196,7 @@
             <p14:sldId id="301"/>
             <p14:sldId id="299"/>
             <p14:sldId id="300"/>
+            <p14:sldId id="312"/>
             <p14:sldId id="278"/>
             <p14:sldId id="279"/>
             <p14:sldId id="309"/>
@@ -642,7 +644,7 @@
           <a:p>
             <a:fld id="{6653C7EC-378C-496A-9946-B9D0B56795BD}" type="datetimeFigureOut">
               <a:rPr lang="en-CH" smtClean="0"/>
-              <a:t>01/26/2022</a:t>
+              <a:t>01/27/2022</a:t>
             </a:fld>
             <a:endParaRPr lang="en-CH"/>
           </a:p>
@@ -1679,6 +1681,270 @@
               <a:t>Tobias:</a:t>
             </a:r>
           </a:p>
+          <a:p>
+            <a:endParaRPr lang="en-US" dirty="0"/>
+          </a:p>
+          <a:p>
+            <a:r>
+              <a:rPr lang="en-US" dirty="0"/>
+              <a:t>Die </a:t>
+            </a:r>
+            <a:r>
+              <a:rPr lang="en-US" dirty="0" err="1"/>
+              <a:t>Wettervorhersage</a:t>
+            </a:r>
+            <a:r>
+              <a:rPr lang="en-US" dirty="0"/>
+              <a:t> </a:t>
+            </a:r>
+            <a:r>
+              <a:rPr lang="en-US" dirty="0" err="1"/>
+              <a:t>haben</a:t>
+            </a:r>
+            <a:r>
+              <a:rPr lang="en-US" dirty="0"/>
+              <a:t> </a:t>
+            </a:r>
+            <a:r>
+              <a:rPr lang="en-US" dirty="0" err="1"/>
+              <a:t>wir</a:t>
+            </a:r>
+            <a:r>
+              <a:rPr lang="en-US" dirty="0"/>
+              <a:t> </a:t>
+            </a:r>
+            <a:r>
+              <a:rPr lang="en-US" dirty="0" err="1"/>
+              <a:t>selbst</a:t>
+            </a:r>
+            <a:r>
+              <a:rPr lang="en-US" dirty="0"/>
+              <a:t> </a:t>
+            </a:r>
+            <a:r>
+              <a:rPr lang="en-US" dirty="0" err="1"/>
+              <a:t>entwickelt</a:t>
+            </a:r>
+            <a:r>
+              <a:rPr lang="en-US" dirty="0"/>
+              <a:t>.</a:t>
+            </a:r>
+          </a:p>
+          <a:p>
+            <a:r>
+              <a:rPr lang="en-US" dirty="0"/>
+              <a:t>Der </a:t>
+            </a:r>
+            <a:r>
+              <a:rPr lang="en-US" dirty="0" err="1"/>
+              <a:t>Algorithmus</a:t>
+            </a:r>
+            <a:r>
+              <a:rPr lang="en-US" dirty="0"/>
+              <a:t> </a:t>
+            </a:r>
+            <a:r>
+              <a:rPr lang="en-US" dirty="0" err="1"/>
+              <a:t>kann</a:t>
+            </a:r>
+            <a:r>
+              <a:rPr lang="en-US" dirty="0"/>
+              <a:t> </a:t>
+            </a:r>
+            <a:r>
+              <a:rPr lang="en-US" dirty="0" err="1"/>
+              <a:t>einen</a:t>
+            </a:r>
+            <a:r>
+              <a:rPr lang="en-US" dirty="0"/>
+              <a:t> Tag </a:t>
+            </a:r>
+            <a:r>
+              <a:rPr lang="en-US" dirty="0" err="1"/>
+              <a:t>vorhersagen</a:t>
+            </a:r>
+            <a:r>
+              <a:rPr lang="en-US" dirty="0"/>
+              <a:t>.</a:t>
+            </a:r>
+            <a:br>
+              <a:rPr lang="en-US" dirty="0"/>
+            </a:br>
+            <a:r>
+              <a:rPr lang="en-US" dirty="0"/>
+              <a:t>Für die </a:t>
+            </a:r>
+            <a:r>
+              <a:rPr lang="en-US" dirty="0" err="1"/>
+              <a:t>Vorhersage</a:t>
+            </a:r>
+            <a:r>
+              <a:rPr lang="en-US" dirty="0"/>
+              <a:t> </a:t>
+            </a:r>
+            <a:r>
+              <a:rPr lang="en-US" dirty="0" err="1"/>
+              <a:t>haben</a:t>
+            </a:r>
+            <a:r>
+              <a:rPr lang="en-US" dirty="0"/>
+              <a:t> </a:t>
+            </a:r>
+            <a:r>
+              <a:rPr lang="en-US" dirty="0" err="1"/>
+              <a:t>wir</a:t>
+            </a:r>
+            <a:r>
+              <a:rPr lang="en-US" dirty="0"/>
+              <a:t> </a:t>
+            </a:r>
+            <a:r>
+              <a:rPr lang="en-US" dirty="0" err="1"/>
+              <a:t>uns</a:t>
+            </a:r>
+            <a:r>
+              <a:rPr lang="en-US" dirty="0"/>
+              <a:t> für </a:t>
+            </a:r>
+            <a:r>
+              <a:rPr lang="en-US" dirty="0" err="1"/>
+              <a:t>einen</a:t>
+            </a:r>
+            <a:r>
+              <a:rPr lang="en-US" dirty="0"/>
+              <a:t> nearest </a:t>
+            </a:r>
+            <a:r>
+              <a:rPr lang="en-US" dirty="0" err="1"/>
+              <a:t>neighbour</a:t>
+            </a:r>
+            <a:r>
+              <a:rPr lang="en-US" dirty="0"/>
+              <a:t> </a:t>
+            </a:r>
+            <a:r>
+              <a:rPr lang="en-US" dirty="0" err="1"/>
+              <a:t>Algorithmis</a:t>
+            </a:r>
+            <a:r>
+              <a:rPr lang="en-US" dirty="0"/>
+              <a:t> </a:t>
+            </a:r>
+            <a:r>
+              <a:rPr lang="en-US" dirty="0" err="1"/>
+              <a:t>entschieden</a:t>
+            </a:r>
+            <a:r>
+              <a:rPr lang="en-US" dirty="0"/>
+              <a:t>.</a:t>
+            </a:r>
+          </a:p>
+          <a:p>
+            <a:r>
+              <a:rPr lang="en-US" dirty="0" err="1"/>
+              <a:t>Mit</a:t>
+            </a:r>
+            <a:r>
+              <a:rPr lang="en-US" dirty="0"/>
+              <a:t> dem nearest </a:t>
+            </a:r>
+            <a:r>
+              <a:rPr lang="en-US" dirty="0" err="1"/>
+              <a:t>neighbour</a:t>
+            </a:r>
+            <a:r>
+              <a:rPr lang="en-US" dirty="0"/>
+              <a:t> </a:t>
+            </a:r>
+            <a:r>
+              <a:rPr lang="en-US" dirty="0" err="1"/>
+              <a:t>können</a:t>
+            </a:r>
+            <a:r>
+              <a:rPr lang="en-US" dirty="0"/>
+              <a:t> </a:t>
+            </a:r>
+            <a:r>
+              <a:rPr lang="en-US" dirty="0" err="1"/>
+              <a:t>wir</a:t>
+            </a:r>
+            <a:r>
+              <a:rPr lang="en-US" dirty="0"/>
+              <a:t> </a:t>
+            </a:r>
+            <a:r>
+              <a:rPr lang="en-US" dirty="0" err="1"/>
+              <a:t>einen</a:t>
+            </a:r>
+            <a:r>
+              <a:rPr lang="en-US" dirty="0"/>
+              <a:t> Tag in der </a:t>
+            </a:r>
+            <a:r>
+              <a:rPr lang="en-US" dirty="0" err="1"/>
+              <a:t>Vergangenheit</a:t>
+            </a:r>
+            <a:r>
+              <a:rPr lang="en-US" dirty="0"/>
+              <a:t> </a:t>
+            </a:r>
+            <a:r>
+              <a:rPr lang="en-US" dirty="0" err="1"/>
+              <a:t>finden</a:t>
+            </a:r>
+            <a:r>
+              <a:rPr lang="en-US" dirty="0"/>
+              <a:t>, </a:t>
+            </a:r>
+            <a:r>
+              <a:rPr lang="en-US" dirty="0" err="1"/>
+              <a:t>welcher</a:t>
+            </a:r>
+            <a:r>
+              <a:rPr lang="en-US" dirty="0"/>
+              <a:t> </a:t>
+            </a:r>
+            <a:r>
+              <a:rPr lang="en-US" dirty="0" err="1"/>
+              <a:t>mit</a:t>
+            </a:r>
+            <a:r>
+              <a:rPr lang="en-US" dirty="0"/>
+              <a:t> dem </a:t>
+            </a:r>
+            <a:r>
+              <a:rPr lang="en-US" dirty="0" err="1"/>
+              <a:t>Heutigen</a:t>
+            </a:r>
+            <a:r>
+              <a:rPr lang="en-US" dirty="0"/>
+              <a:t> am </a:t>
+            </a:r>
+            <a:r>
+              <a:rPr lang="en-US" dirty="0" err="1"/>
+              <a:t>meissten</a:t>
+            </a:r>
+            <a:r>
+              <a:rPr lang="en-US" dirty="0"/>
+              <a:t> </a:t>
+            </a:r>
+            <a:r>
+              <a:rPr lang="en-US" dirty="0" err="1"/>
+              <a:t>überein</a:t>
+            </a:r>
+            <a:r>
+              <a:rPr lang="en-US" dirty="0"/>
+              <a:t> </a:t>
+            </a:r>
+            <a:r>
+              <a:rPr lang="en-US" dirty="0" err="1"/>
+              <a:t>stimmt</a:t>
+            </a:r>
+            <a:r>
+              <a:rPr lang="en-US" dirty="0"/>
+              <a:t>. </a:t>
+            </a:r>
+          </a:p>
         </p:txBody>
       </p:sp>
       <p:sp>
@@ -1766,6 +2032,44 @@
               <a:t>Tobias:</a:t>
             </a:r>
           </a:p>
+          <a:p>
+            <a:endParaRPr lang="en-US" dirty="0"/>
+          </a:p>
+          <a:p>
+            <a:r>
+              <a:rPr lang="en-US" dirty="0" err="1"/>
+              <a:t>Beispiel</a:t>
+            </a:r>
+            <a:r>
+              <a:rPr lang="en-US" dirty="0"/>
+              <a:t>:</a:t>
+            </a:r>
+          </a:p>
+          <a:p>
+            <a:r>
+              <a:rPr lang="en-US" dirty="0" err="1"/>
+              <a:t>Oberer</a:t>
+            </a:r>
+            <a:r>
+              <a:rPr lang="en-US" dirty="0"/>
+              <a:t> Graph: Heute</a:t>
+            </a:r>
+          </a:p>
+          <a:p>
+            <a:r>
+              <a:rPr lang="en-US" dirty="0" err="1"/>
+              <a:t>Unterer</a:t>
+            </a:r>
+            <a:r>
+              <a:rPr lang="en-US" dirty="0"/>
+              <a:t> Graph: </a:t>
+            </a:r>
+            <a:r>
+              <a:rPr lang="en-US" dirty="0" err="1"/>
+              <a:t>Historisch</a:t>
+            </a:r>
+            <a:endParaRPr lang="en-US" dirty="0"/>
+          </a:p>
         </p:txBody>
       </p:sp>
       <p:sp>
@@ -1853,6 +2157,114 @@
               <a:t>Tobias:</a:t>
             </a:r>
           </a:p>
+          <a:p>
+            <a:endParaRPr lang="en-US" dirty="0"/>
+          </a:p>
+          <a:p>
+            <a:r>
+              <a:rPr lang="en-US" dirty="0"/>
+              <a:t>1. </a:t>
+            </a:r>
+            <a:r>
+              <a:rPr lang="en-US" dirty="0" err="1"/>
+              <a:t>Stufe</a:t>
+            </a:r>
+            <a:r>
+              <a:rPr lang="en-US" dirty="0"/>
+              <a:t>:</a:t>
+            </a:r>
+          </a:p>
+          <a:p>
+            <a:r>
+              <a:rPr lang="en-US" dirty="0" err="1"/>
+              <a:t>Einige</a:t>
+            </a:r>
+            <a:r>
+              <a:rPr lang="en-US" dirty="0"/>
+              <a:t> </a:t>
+            </a:r>
+            <a:r>
+              <a:rPr lang="en-US" dirty="0" err="1"/>
+              <a:t>Tage</a:t>
+            </a:r>
+            <a:r>
+              <a:rPr lang="en-US" dirty="0"/>
+              <a:t> warden </a:t>
+            </a:r>
+            <a:r>
+              <a:rPr lang="en-US" dirty="0" err="1"/>
+              <a:t>gesucht</a:t>
+            </a:r>
+            <a:r>
+              <a:rPr lang="en-US" dirty="0"/>
+              <a:t>, </a:t>
+            </a:r>
+            <a:r>
+              <a:rPr lang="en-US" dirty="0" err="1"/>
+              <a:t>welche</a:t>
+            </a:r>
+            <a:r>
+              <a:rPr lang="en-US" dirty="0"/>
+              <a:t> </a:t>
+            </a:r>
+            <a:r>
+              <a:rPr lang="en-US" dirty="0" err="1"/>
+              <a:t>vom</a:t>
+            </a:r>
+            <a:r>
+              <a:rPr lang="en-US" dirty="0"/>
+              <a:t> </a:t>
+            </a:r>
+            <a:r>
+              <a:rPr lang="en-US" dirty="0" err="1"/>
+              <a:t>Mittelwert</a:t>
+            </a:r>
+            <a:r>
+              <a:rPr lang="en-US" dirty="0"/>
+              <a:t> des </a:t>
+            </a:r>
+            <a:r>
+              <a:rPr lang="en-US" dirty="0" err="1"/>
+              <a:t>heutigen</a:t>
+            </a:r>
+            <a:r>
+              <a:rPr lang="en-US" dirty="0"/>
+              <a:t> Tages am </a:t>
+            </a:r>
+            <a:r>
+              <a:rPr lang="en-US" dirty="0" err="1"/>
+              <a:t>nächsten</a:t>
+            </a:r>
+            <a:r>
+              <a:rPr lang="en-US" dirty="0"/>
+              <a:t> </a:t>
+            </a:r>
+            <a:r>
+              <a:rPr lang="en-US" dirty="0" err="1"/>
+              <a:t>sind</a:t>
+            </a:r>
+            <a:r>
+              <a:rPr lang="en-US" dirty="0"/>
+              <a:t>.</a:t>
+            </a:r>
+          </a:p>
+          <a:p>
+            <a:endParaRPr lang="en-US" dirty="0"/>
+          </a:p>
+          <a:p>
+            <a:r>
+              <a:rPr lang="en-US" dirty="0"/>
+              <a:t>Graph </a:t>
+            </a:r>
+            <a:r>
+              <a:rPr lang="en-US" dirty="0" err="1"/>
+              <a:t>erklären</a:t>
+            </a:r>
+            <a:r>
+              <a:rPr lang="en-US" dirty="0"/>
+              <a:t>.</a:t>
+            </a:r>
+          </a:p>
         </p:txBody>
       </p:sp>
       <p:sp>
@@ -1940,6 +2352,20 @@
               <a:t>Tobias:</a:t>
             </a:r>
           </a:p>
+          <a:p>
+            <a:endParaRPr lang="en-US" dirty="0"/>
+          </a:p>
+          <a:p>
+            <a:r>
+              <a:rPr lang="en-US" dirty="0"/>
+              <a:t>Graph </a:t>
+            </a:r>
+            <a:r>
+              <a:rPr lang="en-US" dirty="0" err="1"/>
+              <a:t>erklären</a:t>
+            </a:r>
+            <a:endParaRPr lang="en-US" dirty="0"/>
+          </a:p>
         </p:txBody>
       </p:sp>
       <p:sp>
@@ -2027,6 +2453,138 @@
               <a:t>Tobias:</a:t>
             </a:r>
           </a:p>
+          <a:p>
+            <a:endParaRPr lang="en-US" dirty="0"/>
+          </a:p>
+          <a:p>
+            <a:r>
+              <a:rPr lang="en-US" dirty="0"/>
+              <a:t>2. </a:t>
+            </a:r>
+            <a:r>
+              <a:rPr lang="en-US" dirty="0" err="1"/>
+              <a:t>Stufe</a:t>
+            </a:r>
+            <a:r>
+              <a:rPr lang="en-US" dirty="0"/>
+              <a:t>:</a:t>
+            </a:r>
+          </a:p>
+          <a:p>
+            <a:r>
+              <a:rPr lang="en-US" dirty="0" err="1"/>
+              <a:t>Einen</a:t>
+            </a:r>
+            <a:r>
+              <a:rPr lang="en-US" dirty="0"/>
+              <a:t> Tag </a:t>
+            </a:r>
+            <a:r>
+              <a:rPr lang="en-US" dirty="0" err="1"/>
+              <a:t>aus</a:t>
+            </a:r>
+            <a:r>
+              <a:rPr lang="en-US" dirty="0"/>
+              <a:t> den </a:t>
+            </a:r>
+            <a:r>
+              <a:rPr lang="en-US" dirty="0" err="1"/>
+              <a:t>vorgefilterten</a:t>
+            </a:r>
+            <a:r>
+              <a:rPr lang="en-US" dirty="0"/>
+              <a:t> </a:t>
+            </a:r>
+            <a:r>
+              <a:rPr lang="en-US" dirty="0" err="1"/>
+              <a:t>Historischen</a:t>
+            </a:r>
+            <a:r>
+              <a:rPr lang="en-US" dirty="0"/>
+              <a:t> </a:t>
+            </a:r>
+            <a:r>
+              <a:rPr lang="en-US" dirty="0" err="1"/>
+              <a:t>Tagen</a:t>
+            </a:r>
+            <a:r>
+              <a:rPr lang="en-US" dirty="0"/>
+              <a:t> </a:t>
+            </a:r>
+            <a:r>
+              <a:rPr lang="en-US" dirty="0" err="1"/>
+              <a:t>finden</a:t>
+            </a:r>
+            <a:r>
+              <a:rPr lang="en-US" dirty="0"/>
+              <a:t>, </a:t>
+            </a:r>
+            <a:r>
+              <a:rPr lang="en-US" dirty="0" err="1"/>
+              <a:t>welcher</a:t>
+            </a:r>
+            <a:r>
+              <a:rPr lang="en-US" dirty="0"/>
+              <a:t> </a:t>
+            </a:r>
+            <a:r>
+              <a:rPr lang="en-US" dirty="0" err="1"/>
+              <a:t>vom</a:t>
+            </a:r>
+            <a:r>
+              <a:rPr lang="en-US" dirty="0"/>
+              <a:t> </a:t>
+            </a:r>
+            <a:r>
+              <a:rPr lang="en-US" dirty="0" err="1"/>
+              <a:t>Verlauf</a:t>
+            </a:r>
+            <a:r>
+              <a:rPr lang="en-US" dirty="0"/>
+              <a:t> des </a:t>
+            </a:r>
+            <a:r>
+              <a:rPr lang="en-US" dirty="0" err="1"/>
+              <a:t>heutigen</a:t>
+            </a:r>
+            <a:r>
+              <a:rPr lang="en-US" dirty="0"/>
+              <a:t> Tages am </a:t>
+            </a:r>
+            <a:r>
+              <a:rPr lang="en-US" dirty="0" err="1"/>
+              <a:t>nächsten</a:t>
+            </a:r>
+            <a:r>
+              <a:rPr lang="en-US" dirty="0"/>
+              <a:t> </a:t>
+            </a:r>
+            <a:r>
+              <a:rPr lang="en-US" dirty="0" err="1"/>
+              <a:t>ist</a:t>
+            </a:r>
+            <a:r>
+              <a:rPr lang="en-US" dirty="0"/>
+              <a:t>.</a:t>
+            </a:r>
+          </a:p>
+          <a:p>
+            <a:endParaRPr lang="en-US" dirty="0"/>
+          </a:p>
+          <a:p>
+            <a:r>
+              <a:rPr lang="en-US" dirty="0"/>
+              <a:t>Graph </a:t>
+            </a:r>
+            <a:r>
+              <a:rPr lang="en-US" dirty="0" err="1"/>
+              <a:t>erklären</a:t>
+            </a:r>
+            <a:endParaRPr lang="en-US" dirty="0"/>
+          </a:p>
+          <a:p>
+            <a:endParaRPr lang="en-US" dirty="0"/>
+          </a:p>
         </p:txBody>
       </p:sp>
       <p:sp>
@@ -2816,6 +3374,40 @@
               <a:t>Tobias:</a:t>
             </a:r>
           </a:p>
+          <a:p>
+            <a:endParaRPr lang="en-US" dirty="0"/>
+          </a:p>
+          <a:p>
+            <a:pPr marL="0" marR="0" lvl="0" indent="0" algn="l" defTabSz="914400" rtl="0" eaLnBrk="1" fontAlgn="auto" latinLnBrk="0" hangingPunct="1">
+              <a:lnSpc>
+                <a:spcPct val="100000"/>
+              </a:lnSpc>
+              <a:spcBef>
+                <a:spcPts val="0"/>
+              </a:spcBef>
+              <a:spcAft>
+                <a:spcPts val="0"/>
+              </a:spcAft>
+              <a:buClrTx/>
+              <a:buSzTx/>
+              <a:buFontTx/>
+              <a:buNone/>
+              <a:tabLst/>
+              <a:defRPr/>
+            </a:pPr>
+            <a:r>
+              <a:rPr lang="en-US" dirty="0"/>
+              <a:t>Graph </a:t>
+            </a:r>
+            <a:r>
+              <a:rPr lang="en-US" dirty="0" err="1"/>
+              <a:t>erklären</a:t>
+            </a:r>
+            <a:endParaRPr lang="en-US" dirty="0"/>
+          </a:p>
+          <a:p>
+            <a:endParaRPr lang="en-US" dirty="0"/>
+          </a:p>
         </p:txBody>
       </p:sp>
       <p:sp>
@@ -2903,6 +3495,40 @@
               <a:t>Tobias:</a:t>
             </a:r>
           </a:p>
+          <a:p>
+            <a:endParaRPr lang="en-US" dirty="0"/>
+          </a:p>
+          <a:p>
+            <a:pPr marL="0" marR="0" lvl="0" indent="0" algn="l" defTabSz="914400" rtl="0" eaLnBrk="1" fontAlgn="auto" latinLnBrk="0" hangingPunct="1">
+              <a:lnSpc>
+                <a:spcPct val="100000"/>
+              </a:lnSpc>
+              <a:spcBef>
+                <a:spcPts val="0"/>
+              </a:spcBef>
+              <a:spcAft>
+                <a:spcPts val="0"/>
+              </a:spcAft>
+              <a:buClrTx/>
+              <a:buSzTx/>
+              <a:buFontTx/>
+              <a:buNone/>
+              <a:tabLst/>
+              <a:defRPr/>
+            </a:pPr>
+            <a:r>
+              <a:rPr lang="en-US" dirty="0"/>
+              <a:t>Graph </a:t>
+            </a:r>
+            <a:r>
+              <a:rPr lang="en-US" dirty="0" err="1"/>
+              <a:t>erklären</a:t>
+            </a:r>
+            <a:endParaRPr lang="en-US" dirty="0"/>
+          </a:p>
+          <a:p>
+            <a:endParaRPr lang="en-US" dirty="0"/>
+          </a:p>
         </p:txBody>
       </p:sp>
       <p:sp>
@@ -2990,6 +3616,40 @@
               <a:t>Tobias:</a:t>
             </a:r>
           </a:p>
+          <a:p>
+            <a:endParaRPr lang="en-US" dirty="0"/>
+          </a:p>
+          <a:p>
+            <a:pPr marL="0" marR="0" lvl="0" indent="0" algn="l" defTabSz="914400" rtl="0" eaLnBrk="1" fontAlgn="auto" latinLnBrk="0" hangingPunct="1">
+              <a:lnSpc>
+                <a:spcPct val="100000"/>
+              </a:lnSpc>
+              <a:spcBef>
+                <a:spcPts val="0"/>
+              </a:spcBef>
+              <a:spcAft>
+                <a:spcPts val="0"/>
+              </a:spcAft>
+              <a:buClrTx/>
+              <a:buSzTx/>
+              <a:buFontTx/>
+              <a:buNone/>
+              <a:tabLst/>
+              <a:defRPr/>
+            </a:pPr>
+            <a:r>
+              <a:rPr lang="en-US" dirty="0"/>
+              <a:t>Graph </a:t>
+            </a:r>
+            <a:r>
+              <a:rPr lang="en-US" dirty="0" err="1"/>
+              <a:t>erklären</a:t>
+            </a:r>
+            <a:endParaRPr lang="en-US" dirty="0"/>
+          </a:p>
+          <a:p>
+            <a:endParaRPr lang="en-US" dirty="0"/>
+          </a:p>
         </p:txBody>
       </p:sp>
       <p:sp>
@@ -3072,108 +3732,70 @@
           <a:bodyPr/>
           <a:lstStyle/>
           <a:p>
-            <a:pPr marL="0" marR="0" lvl="0" indent="0" algn="l" defTabSz="914400" rtl="0" eaLnBrk="1" fontAlgn="auto" latinLnBrk="0" hangingPunct="1">
-              <a:lnSpc>
-                <a:spcPct val="100000"/>
-              </a:lnSpc>
-              <a:spcBef>
-                <a:spcPts val="0"/>
-              </a:spcBef>
-              <a:spcAft>
-                <a:spcPts val="0"/>
-              </a:spcAft>
-              <a:buClrTx/>
-              <a:buSzTx/>
-              <a:buFontTx/>
-              <a:buNone/>
-              <a:tabLst/>
-              <a:defRPr/>
-            </a:pPr>
-            <a:r>
-              <a:rPr lang="de-CH" noProof="0" dirty="0"/>
-              <a:t>Florin:</a:t>
-            </a:r>
-          </a:p>
-          <a:p>
-            <a:endParaRPr lang="de-CH" noProof="0" dirty="0"/>
-          </a:p>
-          <a:p>
-            <a:r>
-              <a:rPr lang="de-CH" noProof="0" dirty="0"/>
-              <a:t>Wir wechseln nun das Thema. </a:t>
-            </a:r>
-          </a:p>
-          <a:p>
-            <a:r>
-              <a:rPr lang="de-CH" noProof="0" dirty="0"/>
-              <a:t>Es kann (oder könnte) vorkommen, dass sich das Programm nicht so benimmt wie von uns geplant. In solchen Fällen ist für Entwickler hilfreich, wenn das Verhalten des Wettermonitors nachvollzogen werden kann.</a:t>
-            </a:r>
-          </a:p>
-          <a:p>
-            <a:r>
-              <a:rPr lang="de-CH" noProof="0" dirty="0"/>
-              <a:t>Deshalb loggen wir diverse Aktionen im Programm. Z. B. </a:t>
-            </a:r>
-            <a:r>
-              <a:rPr lang="de-CH" noProof="0" dirty="0" err="1"/>
-              <a:t>jedesmal</a:t>
-            </a:r>
-            <a:r>
-              <a:rPr lang="de-CH" noProof="0" dirty="0"/>
-              <a:t>, wenn die Daten aktualisiert werden, wenn sich die Webseite aktualisiert oder wenn eine neue Vorhersagen berechnet wird.</a:t>
-            </a:r>
-          </a:p>
-          <a:p>
-            <a:endParaRPr lang="de-CH" noProof="0" dirty="0"/>
-          </a:p>
-          <a:p>
-            <a:r>
-              <a:rPr lang="de-CH" noProof="0" dirty="0"/>
-              <a:t>Das ist zwar super um alles nachvollziehen zu können. Aber der Log wird schnell gross. Nicht zuletzt weil pro Stunde über 650 Zeilen geloggt werden.</a:t>
-            </a:r>
-          </a:p>
-          <a:p>
-            <a:r>
-              <a:rPr lang="de-CH" noProof="0" dirty="0"/>
-              <a:t>Deshalb wird dieser Log jeweils nur in die Konsole geschrieben. </a:t>
-            </a:r>
-          </a:p>
-          <a:p>
-            <a:r>
-              <a:rPr lang="de-CH" noProof="0" dirty="0"/>
-              <a:t>Da das Programm bei uns als Service läuft, kann dieser Log mithilfe des Command “</a:t>
-            </a:r>
-            <a:r>
-              <a:rPr lang="de-CH" noProof="0" dirty="0" err="1"/>
-              <a:t>journalctl</a:t>
-            </a:r>
-            <a:r>
-              <a:rPr lang="de-CH" noProof="0" dirty="0"/>
-              <a:t>” angesehen werden.</a:t>
-            </a:r>
-          </a:p>
-          <a:p>
-            <a:endParaRPr lang="de-CH" noProof="0" dirty="0"/>
-          </a:p>
-          <a:p>
-            <a:r>
-              <a:rPr lang="de-CH" noProof="0" dirty="0"/>
-              <a:t>Wir haben keine Kontrolle, wie lange dieser Log aufbewahrt wird. Da das Cap mit allen anderen Services geteilt wird.</a:t>
-            </a:r>
-          </a:p>
-          <a:p>
-            <a:r>
-              <a:rPr lang="de-CH" noProof="0" dirty="0"/>
-              <a:t>Deshalb loggen wir zusätzlich alle </a:t>
-            </a:r>
-            <a:r>
-              <a:rPr lang="de-CH" noProof="0" dirty="0" err="1"/>
-              <a:t>Warnings</a:t>
-            </a:r>
-            <a:r>
-              <a:rPr lang="de-CH" noProof="0" dirty="0"/>
-              <a:t> und Errors in eine separate Datei. Dies ermöglicht auch eine schneller suche nach Fehlern.</a:t>
-            </a:r>
+            <a:r>
+              <a:rPr lang="de-CH" dirty="0"/>
+              <a:t>Tobias:</a:t>
+            </a:r>
+          </a:p>
+          <a:p>
+            <a:endParaRPr lang="de-CH" dirty="0"/>
+          </a:p>
+          <a:p>
+            <a:r>
+              <a:rPr lang="de-CH" dirty="0"/>
+              <a:t>Vorteile:</a:t>
+            </a:r>
+          </a:p>
+          <a:p>
+            <a:r>
+              <a:rPr lang="de-CH" dirty="0"/>
+              <a:t>Algorithmus ist nachvollziehbar.</a:t>
+            </a:r>
+          </a:p>
+          <a:p>
+            <a:r>
+              <a:rPr lang="de-CH" dirty="0"/>
+              <a:t>Durchschnitt und Verlauf kann gesucht werden.</a:t>
+            </a:r>
+          </a:p>
+          <a:p>
+            <a:endParaRPr lang="de-CH" dirty="0"/>
+          </a:p>
+          <a:p>
+            <a:r>
+              <a:rPr lang="de-CH" dirty="0"/>
+              <a:t>Nachteile:</a:t>
+            </a:r>
+          </a:p>
+          <a:p>
+            <a:r>
+              <a:rPr lang="de-CH" dirty="0"/>
+              <a:t>Grosser Rechenaufwand.</a:t>
+            </a:r>
+          </a:p>
+          <a:p>
+            <a:r>
+              <a:rPr lang="de-CH" dirty="0"/>
+              <a:t>Ungenau -&gt; siehe Vergleich</a:t>
+            </a:r>
+          </a:p>
+          <a:p>
+            <a:endParaRPr lang="de-CH" dirty="0"/>
+          </a:p>
+          <a:p>
+            <a:r>
+              <a:rPr lang="de-CH" dirty="0"/>
+              <a:t>Nun Wechseln wir zum nächsten Teil. Dem </a:t>
+            </a:r>
+            <a:r>
+              <a:rPr lang="de-CH" dirty="0" err="1"/>
+              <a:t>Logging</a:t>
+            </a:r>
+            <a:r>
+              <a:rPr lang="de-CH"/>
+              <a:t>.</a:t>
+            </a:r>
+            <a:endParaRPr lang="de-CH" dirty="0"/>
           </a:p>
         </p:txBody>
       </p:sp>
@@ -3203,7 +3825,7 @@
     </p:spTree>
     <p:extLst>
       <p:ext uri="{BB962C8B-B14F-4D97-AF65-F5344CB8AC3E}">
-        <p14:creationId xmlns:p14="http://schemas.microsoft.com/office/powerpoint/2010/main" val="2233419740"/>
+        <p14:creationId xmlns:p14="http://schemas.microsoft.com/office/powerpoint/2010/main" val="477818695"/>
       </p:ext>
     </p:extLst>
   </p:cSld>
@@ -3257,27 +3879,55 @@
           <a:bodyPr/>
           <a:lstStyle/>
           <a:p>
+            <a:pPr marL="0" marR="0" lvl="0" indent="0" algn="l" defTabSz="914400" rtl="0" eaLnBrk="1" fontAlgn="auto" latinLnBrk="0" hangingPunct="1">
+              <a:lnSpc>
+                <a:spcPct val="100000"/>
+              </a:lnSpc>
+              <a:spcBef>
+                <a:spcPts val="0"/>
+              </a:spcBef>
+              <a:spcAft>
+                <a:spcPts val="0"/>
+              </a:spcAft>
+              <a:buClrTx/>
+              <a:buSzTx/>
+              <a:buFontTx/>
+              <a:buNone/>
+              <a:tabLst/>
+              <a:defRPr/>
+            </a:pPr>
             <a:r>
               <a:rPr lang="de-CH" noProof="0" dirty="0"/>
               <a:t>Florin:</a:t>
             </a:r>
           </a:p>
           <a:p>
+            <a:endParaRPr lang="de-CH" noProof="0" dirty="0"/>
+          </a:p>
+          <a:p>
             <a:r>
               <a:rPr lang="de-CH" noProof="0" dirty="0"/>
-              <a:t>Unser Programm muss gleichzeitig mehrere Sachen erledigen können. Zum Beispiel möchte der Benutzer eine Grafik anzeigen und genau in diesem Moment ruft das Programm neue Daten ab. Das Programm reagiert deshalb für ein paar Sekunden nicht.</a:t>
+              <a:t>Wir wechseln nun das Thema. </a:t>
             </a:r>
           </a:p>
           <a:p>
             <a:r>
               <a:rPr lang="de-CH" noProof="0" dirty="0"/>
-              <a:t>Diese Prozesse müssen unabhängig voneinander ausgeführt werden können. Die Antwort darauf sind Threads. </a:t>
+              <a:t>Es kann (oder könnte) vorkommen, dass sich das Programm nicht so benimmt wie von uns geplant. In solchen Fällen ist für Entwickler hilfreich, wenn das Verhalten des Wettermonitors nachvollzogen werden kann.</a:t>
             </a:r>
           </a:p>
           <a:p>
             <a:r>
               <a:rPr lang="de-CH" noProof="0" dirty="0"/>
-              <a:t>Threads ermöglichen es uns gleichzeitig die Daten abzufragen und der Benutzer kann immer noch frei in der Applikation navigieren.</a:t>
+              <a:t>Deshalb loggen wir diverse Aktionen im Programm. Z. B. </a:t>
+            </a:r>
+            <a:r>
+              <a:rPr lang="de-CH" noProof="0" dirty="0" err="1"/>
+              <a:t>jedesmal</a:t>
+            </a:r>
+            <a:r>
+              <a:rPr lang="de-CH" noProof="0" dirty="0"/>
+              <a:t>, wenn die Daten aktualisiert werden, wenn sich die Webseite aktualisiert oder wenn eine neue Vorhersagen berechnet wird.</a:t>
             </a:r>
           </a:p>
           <a:p>
@@ -3286,21 +3936,27 @@
           <a:p>
             <a:r>
               <a:rPr lang="de-CH" noProof="0" dirty="0"/>
-              <a:t>Wir brauchen konkret drei Threads.</a:t>
+              <a:t>Das ist zwar super um alles nachvollziehen zu können. Aber der Log wird schnell gross. Nicht zuletzt weil pro Stunde über 650 Zeilen geloggt werden.</a:t>
             </a:r>
           </a:p>
           <a:p>
             <a:r>
               <a:rPr lang="de-CH" noProof="0" dirty="0"/>
-              <a:t>In einem Thread generieren wir die Plots und Vorhersagen. Weil </a:t>
+              <a:t>Deshalb wird dieser Log jeweils nur in die Konsole geschrieben. </a:t>
+            </a:r>
+          </a:p>
+          <a:p>
+            <a:r>
+              <a:rPr lang="de-CH" noProof="0" dirty="0"/>
+              <a:t>Da das Programm bei uns als Service läuft, kann dieser Log mithilfe des Command “</a:t>
             </a:r>
             <a:r>
               <a:rPr lang="de-CH" noProof="0" dirty="0" err="1"/>
-              <a:t>matplotlib</a:t>
+              <a:t>journalctl</a:t>
             </a:r>
             <a:r>
               <a:rPr lang="de-CH" noProof="0" dirty="0"/>
-              <a:t> jedes mal eine Warnung ausgibt, wenn es Plots ausserhalb des Main-Threads generiert, haben wir dazu den Main Thread gebraucht.</a:t>
+              <a:t>” angesehen werden.</a:t>
             </a:r>
           </a:p>
           <a:p>
@@ -3309,16 +3965,21 @@
           <a:p>
             <a:r>
               <a:rPr lang="de-CH" noProof="0" dirty="0"/>
-              <a:t>Des Weiteren müssen die Anfragen der Webseite behandelt werden. Deshalb läuft der Webserver auch in einem eigenen Thread.</a:t>
-            </a:r>
-          </a:p>
-          <a:p>
-            <a:endParaRPr lang="de-CH" noProof="0" dirty="0"/>
+              <a:t>Wir haben keine Kontrolle, wie lange dieser Log aufbewahrt wird. Da das Cap mit allen anderen Services geteilt wird.</a:t>
+            </a:r>
           </a:p>
           <a:p>
             <a:r>
               <a:rPr lang="de-CH" noProof="0" dirty="0"/>
-              <a:t>Und zu guter Letzt werden die Wetterdaten noch in einem separaten Thread aktualisiert. </a:t>
+              <a:t>Deshalb loggen wir zusätzlich alle </a:t>
+            </a:r>
+            <a:r>
+              <a:rPr lang="de-CH" noProof="0" dirty="0" err="1"/>
+              <a:t>Warnings</a:t>
+            </a:r>
+            <a:r>
+              <a:rPr lang="de-CH" noProof="0" dirty="0"/>
+              <a:t> und Errors in eine separate Datei. Dies ermöglicht auch eine schneller suche nach Fehlern.</a:t>
             </a:r>
           </a:p>
         </p:txBody>
@@ -3349,7 +4010,7 @@
     </p:spTree>
     <p:extLst>
       <p:ext uri="{BB962C8B-B14F-4D97-AF65-F5344CB8AC3E}">
-        <p14:creationId xmlns:p14="http://schemas.microsoft.com/office/powerpoint/2010/main" val="510546255"/>
+        <p14:creationId xmlns:p14="http://schemas.microsoft.com/office/powerpoint/2010/main" val="2233419740"/>
       </p:ext>
     </p:extLst>
   </p:cSld>
@@ -3404,1476 +4065,67 @@
           <a:lstStyle/>
           <a:p>
             <a:r>
-              <a:rPr lang="en-US" dirty="0"/>
+              <a:rPr lang="de-CH" noProof="0" dirty="0"/>
               <a:t>Florin:</a:t>
             </a:r>
           </a:p>
           <a:p>
             <a:r>
-              <a:rPr lang="en-US" dirty="0"/>
-              <a:t>Unser </a:t>
-            </a:r>
-            <a:r>
-              <a:rPr lang="en-US" dirty="0" err="1"/>
-              <a:t>Programm</a:t>
-            </a:r>
-            <a:r>
-              <a:rPr lang="en-US" dirty="0"/>
-              <a:t> </a:t>
-            </a:r>
-            <a:r>
-              <a:rPr lang="en-US" dirty="0" err="1"/>
-              <a:t>soll</a:t>
-            </a:r>
-            <a:r>
-              <a:rPr lang="en-US" dirty="0"/>
-              <a:t> auf dem Raspberry Pi </a:t>
-            </a:r>
-            <a:r>
-              <a:rPr lang="en-US" dirty="0" err="1"/>
-              <a:t>laufen</a:t>
-            </a:r>
-            <a:r>
-              <a:rPr lang="en-US" dirty="0"/>
-              <a:t> </a:t>
-            </a:r>
-            <a:r>
-              <a:rPr lang="en-US" dirty="0" err="1"/>
-              <a:t>können</a:t>
-            </a:r>
-            <a:r>
-              <a:rPr lang="en-US" dirty="0"/>
-              <a:t>. Dazu muss das </a:t>
-            </a:r>
-            <a:r>
-              <a:rPr lang="en-US" dirty="0" err="1"/>
-              <a:t>Programm</a:t>
-            </a:r>
-            <a:r>
-              <a:rPr lang="en-US" dirty="0"/>
-              <a:t> </a:t>
-            </a:r>
-            <a:r>
-              <a:rPr lang="en-US" dirty="0" err="1"/>
-              <a:t>richtig</a:t>
-            </a:r>
-            <a:r>
-              <a:rPr lang="en-US" dirty="0"/>
-              <a:t> </a:t>
-            </a:r>
-            <a:r>
-              <a:rPr lang="en-US" dirty="0" err="1"/>
-              <a:t>eingebetet</a:t>
-            </a:r>
-            <a:r>
-              <a:rPr lang="en-US" dirty="0"/>
-              <a:t> </a:t>
-            </a:r>
-            <a:r>
-              <a:rPr lang="en-US" dirty="0" err="1"/>
-              <a:t>werden</a:t>
-            </a:r>
-            <a:r>
-              <a:rPr lang="en-US" dirty="0"/>
-              <a:t>.</a:t>
-            </a:r>
-          </a:p>
-          <a:p>
-            <a:endParaRPr lang="en-US" dirty="0"/>
-          </a:p>
-          <a:p>
-            <a:r>
-              <a:rPr lang="en-US" dirty="0" err="1"/>
-              <a:t>Zuerst</a:t>
-            </a:r>
-            <a:r>
-              <a:rPr lang="en-US" dirty="0"/>
-              <a:t> </a:t>
-            </a:r>
-            <a:r>
-              <a:rPr lang="en-US" dirty="0" err="1"/>
-              <a:t>müssen</a:t>
-            </a:r>
-            <a:r>
-              <a:rPr lang="en-US" dirty="0"/>
-              <a:t> </a:t>
-            </a:r>
-            <a:r>
-              <a:rPr lang="en-US" dirty="0" err="1"/>
-              <a:t>wir</a:t>
-            </a:r>
-            <a:r>
-              <a:rPr lang="en-US" dirty="0"/>
-              <a:t> den Code des </a:t>
-            </a:r>
-            <a:r>
-              <a:rPr lang="en-US" dirty="0" err="1"/>
-              <a:t>Programms</a:t>
-            </a:r>
-            <a:r>
-              <a:rPr lang="en-US" dirty="0"/>
-              <a:t> </a:t>
-            </a:r>
-            <a:r>
-              <a:rPr lang="en-US" dirty="0" err="1"/>
-              <a:t>irgendwie</a:t>
-            </a:r>
-            <a:r>
-              <a:rPr lang="en-US" dirty="0"/>
-              <a:t> auf den Raspberry Pi </a:t>
-            </a:r>
-            <a:r>
-              <a:rPr lang="en-US" dirty="0" err="1"/>
-              <a:t>bringen</a:t>
-            </a:r>
-            <a:r>
-              <a:rPr lang="en-US" dirty="0"/>
-              <a:t>. Für </a:t>
-            </a:r>
-            <a:r>
-              <a:rPr lang="en-US" dirty="0" err="1"/>
-              <a:t>unseren</a:t>
-            </a:r>
-            <a:r>
-              <a:rPr lang="en-US" dirty="0"/>
-              <a:t> </a:t>
-            </a:r>
-            <a:r>
-              <a:rPr lang="en-US" dirty="0" err="1"/>
-              <a:t>Prototyp</a:t>
-            </a:r>
-            <a:r>
-              <a:rPr lang="en-US" dirty="0"/>
-              <a:t> </a:t>
-            </a:r>
-            <a:r>
-              <a:rPr lang="en-US" dirty="0" err="1"/>
-              <a:t>reicht</a:t>
-            </a:r>
-            <a:r>
-              <a:rPr lang="en-US" dirty="0"/>
-              <a:t> es, </a:t>
-            </a:r>
-            <a:r>
-              <a:rPr lang="en-US" dirty="0" err="1"/>
-              <a:t>wenn</a:t>
-            </a:r>
-            <a:r>
-              <a:rPr lang="en-US" dirty="0"/>
-              <a:t> </a:t>
-            </a:r>
-            <a:r>
-              <a:rPr lang="en-US" dirty="0" err="1"/>
-              <a:t>wir</a:t>
-            </a:r>
-            <a:r>
-              <a:rPr lang="en-US" dirty="0"/>
-              <a:t> </a:t>
-            </a:r>
-            <a:r>
-              <a:rPr lang="en-US" dirty="0" err="1"/>
-              <a:t>ein</a:t>
-            </a:r>
-            <a:r>
-              <a:rPr lang="en-US" dirty="0"/>
-              <a:t> git clone des GitHub-Repositories </a:t>
-            </a:r>
-            <a:r>
-              <a:rPr lang="en-US" dirty="0" err="1"/>
-              <a:t>machen</a:t>
-            </a:r>
-            <a:r>
-              <a:rPr lang="en-US" dirty="0"/>
-              <a:t>.</a:t>
-            </a:r>
-          </a:p>
-          <a:p>
-            <a:r>
-              <a:rPr lang="en-US" dirty="0"/>
-              <a:t>Um das Ding </a:t>
-            </a:r>
-            <a:r>
-              <a:rPr lang="en-US" dirty="0" err="1"/>
-              <a:t>zum</a:t>
-            </a:r>
-            <a:r>
-              <a:rPr lang="en-US" dirty="0"/>
-              <a:t> </a:t>
-            </a:r>
-            <a:r>
-              <a:rPr lang="en-US" dirty="0" err="1"/>
-              <a:t>Laufen</a:t>
-            </a:r>
-            <a:r>
-              <a:rPr lang="en-US" dirty="0"/>
-              <a:t> </a:t>
-            </a:r>
-            <a:r>
-              <a:rPr lang="en-US" dirty="0" err="1"/>
-              <a:t>zu</a:t>
-            </a:r>
-            <a:r>
-              <a:rPr lang="en-US" dirty="0"/>
-              <a:t> </a:t>
-            </a:r>
-            <a:r>
-              <a:rPr lang="en-US" dirty="0" err="1"/>
-              <a:t>bringen</a:t>
-            </a:r>
-            <a:r>
-              <a:rPr lang="en-US" dirty="0"/>
-              <a:t> </a:t>
-            </a:r>
-            <a:r>
-              <a:rPr lang="en-US" dirty="0" err="1"/>
-              <a:t>brauchen</a:t>
-            </a:r>
-            <a:r>
-              <a:rPr lang="en-US" dirty="0"/>
-              <a:t> </a:t>
-            </a:r>
-            <a:r>
-              <a:rPr lang="en-US" dirty="0" err="1"/>
-              <a:t>wir</a:t>
-            </a:r>
-            <a:r>
-              <a:rPr lang="en-US" dirty="0"/>
-              <a:t> </a:t>
-            </a:r>
-            <a:r>
-              <a:rPr lang="en-US" dirty="0" err="1"/>
-              <a:t>noch</a:t>
-            </a:r>
-            <a:r>
-              <a:rPr lang="en-US" dirty="0"/>
-              <a:t> </a:t>
-            </a:r>
-            <a:r>
-              <a:rPr lang="en-US" dirty="0" err="1"/>
-              <a:t>eine</a:t>
-            </a:r>
-            <a:r>
-              <a:rPr lang="en-US" dirty="0"/>
-              <a:t> </a:t>
-            </a:r>
-            <a:r>
-              <a:rPr lang="en-US" dirty="0" err="1"/>
-              <a:t>neuere</a:t>
-            </a:r>
-            <a:r>
-              <a:rPr lang="en-US" dirty="0"/>
-              <a:t> Version von Python und </a:t>
-            </a:r>
-            <a:r>
-              <a:rPr lang="en-US" dirty="0" err="1"/>
-              <a:t>müssen</a:t>
-            </a:r>
-            <a:r>
-              <a:rPr lang="en-US" dirty="0"/>
-              <a:t> die Dependencies </a:t>
-            </a:r>
-            <a:r>
-              <a:rPr lang="en-US" dirty="0" err="1"/>
-              <a:t>installieren</a:t>
-            </a:r>
-            <a:r>
-              <a:rPr lang="en-US" dirty="0"/>
-              <a:t>.</a:t>
-            </a:r>
-          </a:p>
-          <a:p>
-            <a:endParaRPr lang="en-US" dirty="0"/>
-          </a:p>
-          <a:p>
-            <a:r>
-              <a:rPr lang="en-US" dirty="0"/>
-              <a:t>So </a:t>
-            </a:r>
-            <a:r>
-              <a:rPr lang="en-US" dirty="0" err="1"/>
-              <a:t>jetzt</a:t>
-            </a:r>
-            <a:r>
-              <a:rPr lang="en-US" dirty="0"/>
-              <a:t> </a:t>
-            </a:r>
-            <a:r>
-              <a:rPr lang="en-US" dirty="0" err="1"/>
-              <a:t>können</a:t>
-            </a:r>
-            <a:r>
-              <a:rPr lang="en-US" dirty="0"/>
-              <a:t> </a:t>
-            </a:r>
-            <a:r>
-              <a:rPr lang="en-US" dirty="0" err="1"/>
-              <a:t>wir</a:t>
-            </a:r>
-            <a:r>
-              <a:rPr lang="en-US" dirty="0"/>
-              <a:t> das </a:t>
-            </a:r>
-            <a:r>
-              <a:rPr lang="en-US" dirty="0" err="1"/>
-              <a:t>Programm</a:t>
-            </a:r>
-            <a:r>
-              <a:rPr lang="en-US" dirty="0"/>
-              <a:t> </a:t>
-            </a:r>
-            <a:r>
-              <a:rPr lang="en-US" dirty="0" err="1"/>
-              <a:t>starten</a:t>
-            </a:r>
-            <a:r>
-              <a:rPr lang="en-US" dirty="0"/>
-              <a:t>. Aber </a:t>
-            </a:r>
-            <a:r>
-              <a:rPr lang="en-US" dirty="0" err="1"/>
-              <a:t>wir</a:t>
-            </a:r>
-            <a:r>
-              <a:rPr lang="en-US" dirty="0"/>
-              <a:t> </a:t>
-            </a:r>
-            <a:r>
-              <a:rPr lang="en-US" dirty="0" err="1"/>
-              <a:t>wollen</a:t>
-            </a:r>
-            <a:r>
-              <a:rPr lang="en-US" dirty="0"/>
-              <a:t>, </a:t>
-            </a:r>
-            <a:r>
-              <a:rPr lang="en-US" dirty="0" err="1"/>
-              <a:t>dass</a:t>
-            </a:r>
-            <a:r>
-              <a:rPr lang="en-US" dirty="0"/>
-              <a:t> das </a:t>
-            </a:r>
-            <a:r>
-              <a:rPr lang="en-US" dirty="0" err="1"/>
-              <a:t>Programm</a:t>
-            </a:r>
-            <a:r>
-              <a:rPr lang="en-US" dirty="0"/>
-              <a:t> </a:t>
-            </a:r>
-            <a:r>
-              <a:rPr lang="en-US" dirty="0" err="1"/>
-              <a:t>automatisch</a:t>
-            </a:r>
-            <a:r>
-              <a:rPr lang="en-US" dirty="0"/>
-              <a:t> </a:t>
-            </a:r>
-            <a:r>
-              <a:rPr lang="en-US" dirty="0" err="1"/>
-              <a:t>startet</a:t>
-            </a:r>
-            <a:r>
-              <a:rPr lang="en-US" dirty="0"/>
-              <a:t>, </a:t>
-            </a:r>
-            <a:r>
-              <a:rPr lang="en-US" dirty="0" err="1"/>
-              <a:t>wenn</a:t>
-            </a:r>
-            <a:r>
-              <a:rPr lang="en-US" dirty="0"/>
-              <a:t> der Raspberry </a:t>
-            </a:r>
-            <a:r>
-              <a:rPr lang="en-US" dirty="0" err="1"/>
-              <a:t>startet</a:t>
-            </a:r>
-            <a:r>
-              <a:rPr lang="en-US" dirty="0"/>
-              <a:t>.</a:t>
-            </a:r>
-          </a:p>
-          <a:p>
-            <a:r>
-              <a:rPr lang="en-US" dirty="0" err="1"/>
-              <a:t>Deshalb</a:t>
-            </a:r>
-            <a:r>
-              <a:rPr lang="en-US" dirty="0"/>
-              <a:t> </a:t>
-            </a:r>
-            <a:r>
-              <a:rPr lang="en-US" dirty="0" err="1"/>
-              <a:t>haben</a:t>
-            </a:r>
-            <a:r>
-              <a:rPr lang="en-US" dirty="0"/>
-              <a:t> </a:t>
-            </a:r>
-            <a:r>
-              <a:rPr lang="en-US" dirty="0" err="1"/>
-              <a:t>wir</a:t>
-            </a:r>
-            <a:r>
-              <a:rPr lang="en-US" dirty="0"/>
-              <a:t> das </a:t>
-            </a:r>
-            <a:r>
-              <a:rPr lang="en-US" dirty="0" err="1"/>
-              <a:t>Programm</a:t>
-            </a:r>
-            <a:r>
-              <a:rPr lang="en-US" dirty="0"/>
-              <a:t> </a:t>
-            </a:r>
-            <a:r>
-              <a:rPr lang="en-US" dirty="0" err="1"/>
-              <a:t>als</a:t>
-            </a:r>
-            <a:r>
-              <a:rPr lang="en-US" dirty="0"/>
-              <a:t> Service </a:t>
-            </a:r>
-            <a:r>
-              <a:rPr lang="en-US" dirty="0" err="1"/>
-              <a:t>installiert</a:t>
-            </a:r>
-            <a:r>
-              <a:rPr lang="en-US" dirty="0"/>
-              <a:t>. Da dies </a:t>
-            </a:r>
-            <a:r>
-              <a:rPr lang="en-US" dirty="0" err="1"/>
-              <a:t>einige</a:t>
-            </a:r>
-            <a:r>
-              <a:rPr lang="en-US" dirty="0"/>
-              <a:t> </a:t>
-            </a:r>
-            <a:r>
-              <a:rPr lang="en-US" dirty="0" err="1"/>
-              <a:t>Befehle</a:t>
-            </a:r>
-            <a:r>
-              <a:rPr lang="en-US" dirty="0"/>
-              <a:t> </a:t>
-            </a:r>
-            <a:r>
-              <a:rPr lang="en-US" dirty="0" err="1"/>
-              <a:t>sind</a:t>
-            </a:r>
-            <a:r>
-              <a:rPr lang="en-US" dirty="0"/>
-              <a:t>, </a:t>
-            </a:r>
-            <a:r>
-              <a:rPr lang="en-US" dirty="0" err="1"/>
-              <a:t>welche</a:t>
-            </a:r>
-            <a:r>
-              <a:rPr lang="en-US" dirty="0"/>
-              <a:t> </a:t>
-            </a:r>
-            <a:r>
-              <a:rPr lang="en-US" dirty="0" err="1"/>
-              <a:t>bei</a:t>
-            </a:r>
-            <a:r>
-              <a:rPr lang="en-US" dirty="0"/>
-              <a:t> </a:t>
-            </a:r>
-            <a:r>
-              <a:rPr lang="en-US" dirty="0" err="1"/>
-              <a:t>einer</a:t>
-            </a:r>
-            <a:r>
-              <a:rPr lang="en-US" dirty="0"/>
-              <a:t> Installation </a:t>
-            </a:r>
-            <a:r>
-              <a:rPr lang="en-US" dirty="0" err="1"/>
-              <a:t>eingetippt</a:t>
-            </a:r>
-            <a:r>
-              <a:rPr lang="en-US" dirty="0"/>
-              <a:t> </a:t>
-            </a:r>
-            <a:r>
-              <a:rPr lang="en-US" dirty="0" err="1"/>
-              <a:t>werden</a:t>
-            </a:r>
-            <a:r>
-              <a:rPr lang="en-US" dirty="0"/>
-              <a:t> </a:t>
-            </a:r>
-            <a:r>
-              <a:rPr lang="en-US" dirty="0" err="1"/>
-              <a:t>müssen</a:t>
-            </a:r>
-            <a:r>
-              <a:rPr lang="en-US" dirty="0"/>
-              <a:t>, </a:t>
-            </a:r>
-            <a:r>
-              <a:rPr lang="en-US" dirty="0" err="1"/>
-              <a:t>haben</a:t>
-            </a:r>
-            <a:r>
-              <a:rPr lang="en-US" dirty="0"/>
-              <a:t> </a:t>
-            </a:r>
-            <a:r>
-              <a:rPr lang="en-US" dirty="0" err="1"/>
-              <a:t>wir</a:t>
-            </a:r>
-            <a:r>
-              <a:rPr lang="en-US" dirty="0"/>
-              <a:t> </a:t>
-            </a:r>
-            <a:r>
-              <a:rPr lang="en-US" dirty="0" err="1"/>
-              <a:t>ein</a:t>
-            </a:r>
-            <a:r>
-              <a:rPr lang="en-US" dirty="0"/>
-              <a:t> </a:t>
-            </a:r>
-            <a:r>
-              <a:rPr lang="en-US" dirty="0" err="1"/>
-              <a:t>Skript</a:t>
-            </a:r>
-            <a:r>
-              <a:rPr lang="en-US" dirty="0"/>
-              <a:t> </a:t>
-            </a:r>
-            <a:r>
-              <a:rPr lang="en-US" dirty="0" err="1"/>
-              <a:t>erstellt</a:t>
-            </a:r>
-            <a:r>
-              <a:rPr lang="en-US" dirty="0"/>
-              <a:t>. </a:t>
-            </a:r>
-          </a:p>
-          <a:p>
-            <a:endParaRPr lang="en-US" dirty="0"/>
-          </a:p>
-          <a:p>
-            <a:r>
-              <a:rPr lang="en-US" dirty="0"/>
-              <a:t>Das </a:t>
-            </a:r>
-            <a:r>
-              <a:rPr lang="en-US" dirty="0" err="1"/>
-              <a:t>Skript</a:t>
-            </a:r>
-            <a:r>
-              <a:rPr lang="en-US" dirty="0"/>
-              <a:t> </a:t>
-            </a:r>
-            <a:r>
-              <a:rPr lang="en-US" dirty="0" err="1"/>
-              <a:t>kann</a:t>
-            </a:r>
-            <a:r>
-              <a:rPr lang="en-US" dirty="0"/>
-              <a:t> </a:t>
-            </a:r>
-            <a:r>
-              <a:rPr lang="en-US" dirty="0" err="1"/>
-              <a:t>über</a:t>
-            </a:r>
-            <a:r>
-              <a:rPr lang="en-US" dirty="0"/>
-              <a:t> </a:t>
-            </a:r>
-            <a:r>
-              <a:rPr lang="en-US" dirty="0" err="1"/>
-              <a:t>einen</a:t>
-            </a:r>
-            <a:r>
-              <a:rPr lang="en-US" dirty="0"/>
-              <a:t> </a:t>
-            </a:r>
-            <a:r>
-              <a:rPr lang="en-US" dirty="0" err="1"/>
-              <a:t>Einzeiler</a:t>
-            </a:r>
-            <a:r>
-              <a:rPr lang="en-US" dirty="0"/>
-              <a:t> </a:t>
-            </a:r>
-            <a:r>
-              <a:rPr lang="en-US" dirty="0" err="1"/>
-              <a:t>einfach</a:t>
-            </a:r>
-            <a:r>
-              <a:rPr lang="en-US" dirty="0"/>
-              <a:t> </a:t>
-            </a:r>
-            <a:r>
-              <a:rPr lang="en-US" dirty="0" err="1"/>
-              <a:t>aufgerufen</a:t>
-            </a:r>
-            <a:r>
-              <a:rPr lang="en-US" dirty="0"/>
-              <a:t> </a:t>
-            </a:r>
-            <a:r>
-              <a:rPr lang="en-US" dirty="0" err="1"/>
-              <a:t>werden</a:t>
-            </a:r>
-            <a:r>
-              <a:rPr lang="en-US" dirty="0"/>
-              <a:t> und die Installation </a:t>
-            </a:r>
-            <a:r>
-              <a:rPr lang="en-US" dirty="0" err="1"/>
-              <a:t>erfolgt</a:t>
-            </a:r>
-            <a:r>
-              <a:rPr lang="en-US" dirty="0"/>
-              <a:t> </a:t>
-            </a:r>
-            <a:r>
-              <a:rPr lang="en-US" dirty="0" err="1"/>
-              <a:t>automatisch</a:t>
-            </a:r>
-            <a:r>
-              <a:rPr lang="en-US" dirty="0"/>
-              <a:t>. </a:t>
-            </a:r>
-          </a:p>
-          <a:p>
-            <a:endParaRPr lang="en-US" dirty="0"/>
-          </a:p>
-          <a:p>
-            <a:r>
-              <a:rPr lang="en-US" dirty="0" err="1"/>
-              <a:t>Beim</a:t>
-            </a:r>
-            <a:r>
-              <a:rPr lang="en-US" dirty="0"/>
-              <a:t> </a:t>
-            </a:r>
-            <a:r>
-              <a:rPr lang="en-US" dirty="0" err="1"/>
-              <a:t>entwickeln</a:t>
-            </a:r>
-            <a:r>
-              <a:rPr lang="en-US" dirty="0"/>
-              <a:t> des </a:t>
-            </a:r>
-            <a:r>
-              <a:rPr lang="en-US" dirty="0" err="1"/>
-              <a:t>Autostart</a:t>
-            </a:r>
-            <a:r>
-              <a:rPr lang="en-US" dirty="0"/>
-              <a:t> </a:t>
-            </a:r>
-            <a:r>
-              <a:rPr lang="en-US" dirty="0" err="1"/>
-              <a:t>haben</a:t>
-            </a:r>
-            <a:r>
-              <a:rPr lang="en-US" dirty="0"/>
-              <a:t> </a:t>
-            </a:r>
-            <a:r>
-              <a:rPr lang="en-US" dirty="0" err="1"/>
-              <a:t>sich</a:t>
-            </a:r>
-            <a:r>
-              <a:rPr lang="en-US" dirty="0"/>
-              <a:t> </a:t>
-            </a:r>
-            <a:r>
-              <a:rPr lang="en-US" dirty="0" err="1"/>
-              <a:t>zwei</a:t>
-            </a:r>
-            <a:r>
-              <a:rPr lang="en-US" dirty="0"/>
-              <a:t> </a:t>
-            </a:r>
-            <a:r>
-              <a:rPr lang="en-US" dirty="0" err="1"/>
-              <a:t>Probleme</a:t>
-            </a:r>
-            <a:r>
-              <a:rPr lang="en-US" dirty="0"/>
-              <a:t> </a:t>
-            </a:r>
-            <a:r>
-              <a:rPr lang="en-US" dirty="0" err="1"/>
-              <a:t>gestellt</a:t>
-            </a:r>
-            <a:r>
-              <a:rPr lang="en-US" dirty="0"/>
-              <a:t>.</a:t>
-            </a:r>
-          </a:p>
-          <a:p>
-            <a:pPr marL="0" marR="0" lvl="0" indent="0" algn="l" defTabSz="914400" rtl="0" eaLnBrk="1" fontAlgn="auto" latinLnBrk="0" hangingPunct="1">
-              <a:lnSpc>
-                <a:spcPct val="100000"/>
-              </a:lnSpc>
-              <a:spcBef>
-                <a:spcPts val="0"/>
-              </a:spcBef>
-              <a:spcAft>
-                <a:spcPts val="0"/>
-              </a:spcAft>
-              <a:buClrTx/>
-              <a:buSzTx/>
-              <a:buFontTx/>
-              <a:buNone/>
-              <a:tabLst/>
-              <a:defRPr/>
-            </a:pPr>
-            <a:r>
-              <a:rPr lang="en-US" dirty="0" err="1"/>
-              <a:t>Erstens</a:t>
-            </a:r>
-            <a:r>
-              <a:rPr lang="en-US" dirty="0"/>
-              <a:t>, der Service muss Wissen auf </a:t>
-            </a:r>
-            <a:r>
-              <a:rPr lang="en-US" dirty="0" err="1"/>
-              <a:t>welchem</a:t>
-            </a:r>
-            <a:r>
-              <a:rPr lang="en-US" dirty="0"/>
-              <a:t> Desktop er die </a:t>
-            </a:r>
-            <a:r>
-              <a:rPr lang="en-US" dirty="0" err="1"/>
-              <a:t>Applikation</a:t>
-            </a:r>
-            <a:r>
-              <a:rPr lang="en-US" dirty="0"/>
-              <a:t> </a:t>
-            </a:r>
-            <a:r>
-              <a:rPr lang="en-US" dirty="0" err="1"/>
-              <a:t>öffnet</a:t>
-            </a:r>
-            <a:r>
-              <a:rPr lang="en-US" dirty="0"/>
-              <a:t>.</a:t>
-            </a:r>
-          </a:p>
-          <a:p>
-            <a:pPr marL="0" marR="0" lvl="0" indent="0" algn="l" defTabSz="914400" rtl="0" eaLnBrk="1" fontAlgn="auto" latinLnBrk="0" hangingPunct="1">
-              <a:lnSpc>
-                <a:spcPct val="100000"/>
-              </a:lnSpc>
-              <a:spcBef>
-                <a:spcPts val="0"/>
-              </a:spcBef>
-              <a:spcAft>
-                <a:spcPts val="0"/>
-              </a:spcAft>
-              <a:buClrTx/>
-              <a:buSzTx/>
-              <a:buFontTx/>
-              <a:buNone/>
-              <a:tabLst/>
-              <a:defRPr/>
-            </a:pPr>
-            <a:r>
-              <a:rPr lang="en-US" dirty="0" err="1"/>
-              <a:t>Zweitzens</a:t>
-            </a:r>
-            <a:r>
-              <a:rPr lang="en-US" dirty="0"/>
-              <a:t>, der Service </a:t>
-            </a:r>
-            <a:r>
-              <a:rPr lang="en-US" dirty="0" err="1"/>
-              <a:t>darf</a:t>
-            </a:r>
-            <a:r>
-              <a:rPr lang="en-US" dirty="0"/>
-              <a:t> erst </a:t>
-            </a:r>
-            <a:r>
-              <a:rPr lang="en-US" dirty="0" err="1"/>
-              <a:t>starten</a:t>
-            </a:r>
-            <a:r>
-              <a:rPr lang="en-US" dirty="0"/>
-              <a:t>, </a:t>
-            </a:r>
-            <a:r>
-              <a:rPr lang="en-US" dirty="0" err="1"/>
-              <a:t>wenn</a:t>
-            </a:r>
-            <a:r>
-              <a:rPr lang="en-US" dirty="0"/>
-              <a:t> die Influx </a:t>
-            </a:r>
-            <a:r>
-              <a:rPr lang="en-US" dirty="0" err="1"/>
-              <a:t>Datenbank</a:t>
-            </a:r>
-            <a:r>
-              <a:rPr lang="en-US" dirty="0"/>
-              <a:t> </a:t>
-            </a:r>
-            <a:r>
-              <a:rPr lang="en-US" dirty="0" err="1"/>
-              <a:t>läuft</a:t>
-            </a:r>
-            <a:r>
-              <a:rPr lang="en-US" dirty="0"/>
-              <a:t>.</a:t>
-            </a:r>
-          </a:p>
-          <a:p>
-            <a:pPr marL="0" marR="0" lvl="0" indent="0" algn="l" defTabSz="914400" rtl="0" eaLnBrk="1" fontAlgn="auto" latinLnBrk="0" hangingPunct="1">
-              <a:lnSpc>
-                <a:spcPct val="100000"/>
-              </a:lnSpc>
-              <a:spcBef>
-                <a:spcPts val="0"/>
-              </a:spcBef>
-              <a:spcAft>
-                <a:spcPts val="0"/>
-              </a:spcAft>
-              <a:buClrTx/>
-              <a:buSzTx/>
-              <a:buFontTx/>
-              <a:buNone/>
-              <a:tabLst/>
-              <a:defRPr/>
-            </a:pPr>
-            <a:r>
-              <a:rPr lang="en-US" dirty="0"/>
-              <a:t>Das </a:t>
-            </a:r>
-            <a:r>
-              <a:rPr lang="en-US" dirty="0" err="1"/>
-              <a:t>erste</a:t>
-            </a:r>
-            <a:r>
-              <a:rPr lang="en-US" dirty="0"/>
-              <a:t> Problem </a:t>
-            </a:r>
-            <a:r>
-              <a:rPr lang="en-US" dirty="0" err="1"/>
-              <a:t>ist</a:t>
-            </a:r>
-            <a:r>
-              <a:rPr lang="en-US" dirty="0"/>
-              <a:t> </a:t>
-            </a:r>
-            <a:r>
-              <a:rPr lang="en-US" dirty="0" err="1"/>
-              <a:t>einfach</a:t>
-            </a:r>
-            <a:r>
-              <a:rPr lang="en-US" dirty="0"/>
-              <a:t> </a:t>
-            </a:r>
-            <a:r>
-              <a:rPr lang="en-US" dirty="0" err="1"/>
-              <a:t>gelöst</a:t>
-            </a:r>
-            <a:r>
-              <a:rPr lang="en-US" dirty="0"/>
-              <a:t>. </a:t>
-            </a:r>
-            <a:r>
-              <a:rPr lang="en-US" dirty="0" err="1"/>
-              <a:t>Im</a:t>
-            </a:r>
-            <a:r>
-              <a:rPr lang="en-US" dirty="0"/>
-              <a:t> Service </a:t>
-            </a:r>
-            <a:r>
-              <a:rPr lang="en-US" dirty="0" err="1"/>
-              <a:t>kann</a:t>
-            </a:r>
-            <a:r>
-              <a:rPr lang="en-US" dirty="0"/>
-              <a:t> der Desktop des </a:t>
-            </a:r>
-            <a:r>
-              <a:rPr lang="en-US" dirty="0" err="1"/>
-              <a:t>Benutzers</a:t>
-            </a:r>
-            <a:r>
-              <a:rPr lang="en-US" dirty="0"/>
-              <a:t> </a:t>
-            </a:r>
-            <a:r>
-              <a:rPr lang="en-US" dirty="0" err="1"/>
-              <a:t>mitgegeben</a:t>
-            </a:r>
-            <a:r>
-              <a:rPr lang="en-US" dirty="0"/>
-              <a:t> </a:t>
-            </a:r>
-            <a:r>
-              <a:rPr lang="en-US" dirty="0" err="1"/>
-              <a:t>werden</a:t>
-            </a:r>
-            <a:r>
-              <a:rPr lang="en-US" dirty="0"/>
-              <a:t> und </a:t>
-            </a:r>
-            <a:r>
-              <a:rPr lang="en-US" dirty="0" err="1"/>
-              <a:t>wir</a:t>
-            </a:r>
-            <a:r>
-              <a:rPr lang="en-US" dirty="0"/>
-              <a:t> </a:t>
-            </a:r>
-            <a:r>
-              <a:rPr lang="en-US" dirty="0" err="1"/>
-              <a:t>können</a:t>
-            </a:r>
-            <a:r>
-              <a:rPr lang="en-US" dirty="0"/>
-              <a:t> den Service so </a:t>
-            </a:r>
-            <a:r>
-              <a:rPr lang="en-US" dirty="0" err="1"/>
-              <a:t>konfigurieren</a:t>
-            </a:r>
-            <a:r>
-              <a:rPr lang="en-US" dirty="0"/>
-              <a:t>, </a:t>
-            </a:r>
-            <a:r>
-              <a:rPr lang="en-US" dirty="0" err="1"/>
-              <a:t>dass</a:t>
-            </a:r>
-            <a:r>
-              <a:rPr lang="en-US" dirty="0"/>
-              <a:t> </a:t>
-            </a:r>
-            <a:r>
-              <a:rPr lang="en-US" dirty="0" err="1"/>
-              <a:t>dieser</a:t>
-            </a:r>
-            <a:r>
-              <a:rPr lang="en-US" dirty="0"/>
-              <a:t> erst </a:t>
-            </a:r>
-            <a:r>
-              <a:rPr lang="en-US" dirty="0" err="1"/>
-              <a:t>bei</a:t>
-            </a:r>
-            <a:r>
-              <a:rPr lang="en-US" dirty="0"/>
-              <a:t> </a:t>
-            </a:r>
-            <a:r>
-              <a:rPr lang="en-US" dirty="0" err="1"/>
-              <a:t>Anmeldung</a:t>
-            </a:r>
-            <a:r>
-              <a:rPr lang="en-US" dirty="0"/>
-              <a:t> der </a:t>
-            </a:r>
-            <a:r>
-              <a:rPr lang="en-US" dirty="0" err="1"/>
-              <a:t>Benutzer</a:t>
-            </a:r>
-            <a:r>
-              <a:rPr lang="en-US" dirty="0"/>
-              <a:t> </a:t>
-            </a:r>
-            <a:r>
-              <a:rPr lang="en-US" dirty="0" err="1"/>
-              <a:t>startet</a:t>
-            </a:r>
-            <a:r>
-              <a:rPr lang="en-US" dirty="0"/>
-              <a:t>.</a:t>
-            </a:r>
-          </a:p>
-          <a:p>
-            <a:pPr marL="0" marR="0" lvl="0" indent="0" algn="l" defTabSz="914400" rtl="0" eaLnBrk="1" fontAlgn="auto" latinLnBrk="0" hangingPunct="1">
-              <a:lnSpc>
-                <a:spcPct val="100000"/>
-              </a:lnSpc>
-              <a:spcBef>
-                <a:spcPts val="0"/>
-              </a:spcBef>
-              <a:spcAft>
-                <a:spcPts val="0"/>
-              </a:spcAft>
-              <a:buClrTx/>
-              <a:buSzTx/>
-              <a:buFontTx/>
-              <a:buNone/>
-              <a:tabLst/>
-              <a:defRPr/>
-            </a:pPr>
-            <a:endParaRPr lang="en-US" dirty="0"/>
-          </a:p>
-          <a:p>
-            <a:pPr marL="0" marR="0" lvl="0" indent="0" algn="l" defTabSz="914400" rtl="0" eaLnBrk="1" fontAlgn="auto" latinLnBrk="0" hangingPunct="1">
-              <a:lnSpc>
-                <a:spcPct val="100000"/>
-              </a:lnSpc>
-              <a:spcBef>
-                <a:spcPts val="0"/>
-              </a:spcBef>
-              <a:spcAft>
-                <a:spcPts val="0"/>
-              </a:spcAft>
-              <a:buClrTx/>
-              <a:buSzTx/>
-              <a:buFontTx/>
-              <a:buNone/>
-              <a:tabLst/>
-              <a:defRPr/>
-            </a:pPr>
-            <a:r>
-              <a:rPr lang="en-US" dirty="0"/>
-              <a:t>Das </a:t>
-            </a:r>
-            <a:r>
-              <a:rPr lang="en-US" dirty="0" err="1"/>
-              <a:t>zweite</a:t>
-            </a:r>
-            <a:r>
-              <a:rPr lang="en-US" dirty="0"/>
-              <a:t> Problem </a:t>
-            </a:r>
-            <a:r>
-              <a:rPr lang="en-US" dirty="0" err="1"/>
-              <a:t>ist</a:t>
-            </a:r>
-            <a:r>
-              <a:rPr lang="en-US" dirty="0"/>
-              <a:t> </a:t>
-            </a:r>
-            <a:r>
-              <a:rPr lang="en-US" dirty="0" err="1"/>
-              <a:t>theoretisch</a:t>
-            </a:r>
-            <a:r>
-              <a:rPr lang="en-US" dirty="0"/>
-              <a:t> </a:t>
-            </a:r>
-            <a:r>
-              <a:rPr lang="en-US" dirty="0" err="1"/>
-              <a:t>auch</a:t>
-            </a:r>
-            <a:r>
-              <a:rPr lang="en-US" dirty="0"/>
-              <a:t> </a:t>
-            </a:r>
-            <a:r>
-              <a:rPr lang="en-US" dirty="0" err="1"/>
-              <a:t>einfach</a:t>
-            </a:r>
-            <a:r>
-              <a:rPr lang="en-US" dirty="0"/>
-              <a:t> </a:t>
-            </a:r>
-            <a:r>
-              <a:rPr lang="en-US" dirty="0" err="1"/>
-              <a:t>zu</a:t>
-            </a:r>
-            <a:r>
-              <a:rPr lang="en-US" dirty="0"/>
-              <a:t> </a:t>
-            </a:r>
-            <a:r>
-              <a:rPr lang="en-US" dirty="0" err="1"/>
-              <a:t>lösen</a:t>
-            </a:r>
-            <a:r>
-              <a:rPr lang="en-US" dirty="0"/>
-              <a:t>. </a:t>
-            </a:r>
-            <a:r>
-              <a:rPr lang="en-US" dirty="0" err="1"/>
-              <a:t>Wir</a:t>
-            </a:r>
-            <a:r>
-              <a:rPr lang="en-US" dirty="0"/>
-              <a:t> </a:t>
-            </a:r>
-            <a:r>
-              <a:rPr lang="en-US" dirty="0" err="1"/>
-              <a:t>konfigurieren</a:t>
-            </a:r>
-            <a:r>
-              <a:rPr lang="en-US" dirty="0"/>
-              <a:t> den Service so, </a:t>
-            </a:r>
-            <a:r>
-              <a:rPr lang="en-US" dirty="0" err="1"/>
-              <a:t>dass</a:t>
-            </a:r>
-            <a:r>
-              <a:rPr lang="en-US" dirty="0"/>
-              <a:t> </a:t>
-            </a:r>
-            <a:r>
-              <a:rPr lang="en-US" dirty="0" err="1"/>
-              <a:t>dieser</a:t>
-            </a:r>
-            <a:r>
-              <a:rPr lang="en-US" dirty="0"/>
-              <a:t> </a:t>
-            </a:r>
-            <a:r>
-              <a:rPr lang="en-US" dirty="0" err="1"/>
-              <a:t>wartet</a:t>
-            </a:r>
-            <a:r>
-              <a:rPr lang="en-US" dirty="0"/>
-              <a:t> bis Influx </a:t>
-            </a:r>
-            <a:r>
-              <a:rPr lang="en-US" dirty="0" err="1"/>
-              <a:t>gestartet</a:t>
-            </a:r>
-            <a:r>
-              <a:rPr lang="en-US" dirty="0"/>
-              <a:t> </a:t>
-            </a:r>
-            <a:r>
-              <a:rPr lang="en-US" dirty="0" err="1"/>
-              <a:t>ist</a:t>
-            </a:r>
-            <a:r>
-              <a:rPr lang="en-US" dirty="0"/>
-              <a:t> und </a:t>
-            </a:r>
-            <a:r>
-              <a:rPr lang="en-US" dirty="0" err="1"/>
-              <a:t>parat</a:t>
-            </a:r>
-            <a:r>
-              <a:rPr lang="en-US" dirty="0"/>
-              <a:t> </a:t>
-            </a:r>
-            <a:r>
-              <a:rPr lang="en-US" dirty="0" err="1"/>
-              <a:t>ist</a:t>
-            </a:r>
-            <a:r>
-              <a:rPr lang="en-US" dirty="0"/>
-              <a:t>.</a:t>
-            </a:r>
-          </a:p>
-          <a:p>
-            <a:pPr marL="0" marR="0" lvl="0" indent="0" algn="l" defTabSz="914400" rtl="0" eaLnBrk="1" fontAlgn="auto" latinLnBrk="0" hangingPunct="1">
-              <a:lnSpc>
-                <a:spcPct val="100000"/>
-              </a:lnSpc>
-              <a:spcBef>
-                <a:spcPts val="0"/>
-              </a:spcBef>
-              <a:spcAft>
-                <a:spcPts val="0"/>
-              </a:spcAft>
-              <a:buClrTx/>
-              <a:buSzTx/>
-              <a:buFontTx/>
-              <a:buNone/>
-              <a:tabLst/>
-              <a:defRPr/>
-            </a:pPr>
-            <a:endParaRPr lang="en-US" dirty="0"/>
-          </a:p>
-          <a:p>
-            <a:pPr marL="0" marR="0" lvl="0" indent="0" algn="l" defTabSz="914400" rtl="0" eaLnBrk="1" fontAlgn="auto" latinLnBrk="0" hangingPunct="1">
-              <a:lnSpc>
-                <a:spcPct val="100000"/>
-              </a:lnSpc>
-              <a:spcBef>
-                <a:spcPts val="0"/>
-              </a:spcBef>
-              <a:spcAft>
-                <a:spcPts val="0"/>
-              </a:spcAft>
-              <a:buClrTx/>
-              <a:buSzTx/>
-              <a:buFontTx/>
-              <a:buNone/>
-              <a:tabLst/>
-              <a:defRPr/>
-            </a:pPr>
-            <a:r>
-              <a:rPr lang="en-US" dirty="0" err="1"/>
-              <a:t>Leider</a:t>
-            </a:r>
-            <a:r>
-              <a:rPr lang="en-US" dirty="0"/>
-              <a:t> </a:t>
-            </a:r>
-            <a:r>
-              <a:rPr lang="en-US" dirty="0" err="1"/>
-              <a:t>gibt</a:t>
-            </a:r>
-            <a:r>
-              <a:rPr lang="en-US" dirty="0"/>
-              <a:t> Influx </a:t>
-            </a:r>
-            <a:r>
-              <a:rPr lang="en-US" dirty="0" err="1"/>
-              <a:t>schon</a:t>
-            </a:r>
-            <a:r>
-              <a:rPr lang="en-US" dirty="0"/>
-              <a:t> </a:t>
-            </a:r>
-            <a:r>
-              <a:rPr lang="en-US" dirty="0" err="1"/>
-              <a:t>kurz</a:t>
-            </a:r>
-            <a:r>
-              <a:rPr lang="en-US" dirty="0"/>
-              <a:t> </a:t>
-            </a:r>
-            <a:r>
-              <a:rPr lang="en-US" dirty="0" err="1"/>
-              <a:t>nach</a:t>
-            </a:r>
-            <a:r>
-              <a:rPr lang="en-US" dirty="0"/>
-              <a:t> dem </a:t>
-            </a:r>
-            <a:r>
-              <a:rPr lang="en-US" dirty="0" err="1"/>
-              <a:t>Startanstoss</a:t>
-            </a:r>
-            <a:r>
-              <a:rPr lang="en-US" dirty="0"/>
-              <a:t> das Signal “Ready” </a:t>
-            </a:r>
-            <a:r>
-              <a:rPr lang="en-US" dirty="0" err="1"/>
-              <a:t>zurück</a:t>
-            </a:r>
-            <a:r>
-              <a:rPr lang="en-US" dirty="0"/>
-              <a:t>. </a:t>
-            </a:r>
-            <a:r>
-              <a:rPr lang="en-US" dirty="0" err="1"/>
-              <a:t>Doch</a:t>
-            </a:r>
-            <a:r>
-              <a:rPr lang="en-US" dirty="0"/>
-              <a:t> </a:t>
-            </a:r>
-            <a:r>
-              <a:rPr lang="en-US" dirty="0" err="1"/>
-              <a:t>im</a:t>
-            </a:r>
-            <a:r>
-              <a:rPr lang="en-US" dirty="0"/>
-              <a:t> </a:t>
-            </a:r>
-            <a:r>
-              <a:rPr lang="en-US" dirty="0" err="1"/>
-              <a:t>Hintergrund</a:t>
-            </a:r>
-            <a:r>
-              <a:rPr lang="en-US" dirty="0"/>
-              <a:t> </a:t>
-            </a:r>
-            <a:r>
-              <a:rPr lang="en-US" dirty="0" err="1"/>
-              <a:t>öffnet</a:t>
-            </a:r>
-            <a:r>
-              <a:rPr lang="en-US" dirty="0"/>
-              <a:t> Influx </a:t>
-            </a:r>
-            <a:r>
-              <a:rPr lang="en-US" dirty="0" err="1"/>
-              <a:t>noch</a:t>
-            </a:r>
-            <a:r>
-              <a:rPr lang="en-US" dirty="0"/>
-              <a:t> die </a:t>
-            </a:r>
-            <a:r>
-              <a:rPr lang="en-US" dirty="0" err="1"/>
-              <a:t>Datenbank</a:t>
-            </a:r>
-            <a:r>
-              <a:rPr lang="en-US" dirty="0"/>
-              <a:t> und </a:t>
-            </a:r>
-            <a:r>
-              <a:rPr lang="en-US" dirty="0" err="1"/>
-              <a:t>unser</a:t>
-            </a:r>
-            <a:r>
-              <a:rPr lang="en-US" dirty="0"/>
-              <a:t> </a:t>
-            </a:r>
-            <a:r>
-              <a:rPr lang="en-US" dirty="0" err="1"/>
-              <a:t>Programm</a:t>
-            </a:r>
-            <a:r>
-              <a:rPr lang="en-US" dirty="0"/>
-              <a:t> </a:t>
-            </a:r>
-            <a:r>
-              <a:rPr lang="en-US" dirty="0" err="1"/>
-              <a:t>stürzt</a:t>
-            </a:r>
-            <a:r>
-              <a:rPr lang="en-US" dirty="0"/>
-              <a:t> ab </a:t>
-            </a:r>
-            <a:r>
-              <a:rPr lang="en-US" dirty="0" err="1"/>
-              <a:t>weil</a:t>
-            </a:r>
-            <a:r>
-              <a:rPr lang="en-US" dirty="0"/>
-              <a:t> es Influx </a:t>
-            </a:r>
-            <a:r>
-              <a:rPr lang="en-US" dirty="0" err="1"/>
-              <a:t>noch</a:t>
-            </a:r>
-            <a:r>
-              <a:rPr lang="en-US" dirty="0"/>
-              <a:t> </a:t>
-            </a:r>
-            <a:r>
-              <a:rPr lang="en-US" dirty="0" err="1"/>
-              <a:t>nicht</a:t>
-            </a:r>
-            <a:r>
-              <a:rPr lang="en-US" dirty="0"/>
-              <a:t> </a:t>
-            </a:r>
-            <a:r>
-              <a:rPr lang="en-US" dirty="0" err="1"/>
-              <a:t>erreicht</a:t>
-            </a:r>
-            <a:r>
-              <a:rPr lang="en-US" dirty="0"/>
-              <a:t>.</a:t>
-            </a:r>
-          </a:p>
-          <a:p>
-            <a:pPr marL="0" marR="0" lvl="0" indent="0" algn="l" defTabSz="914400" rtl="0" eaLnBrk="1" fontAlgn="auto" latinLnBrk="0" hangingPunct="1">
-              <a:lnSpc>
-                <a:spcPct val="100000"/>
-              </a:lnSpc>
-              <a:spcBef>
-                <a:spcPts val="0"/>
-              </a:spcBef>
-              <a:spcAft>
-                <a:spcPts val="0"/>
-              </a:spcAft>
-              <a:buClrTx/>
-              <a:buSzTx/>
-              <a:buFontTx/>
-              <a:buNone/>
-              <a:tabLst/>
-              <a:defRPr/>
-            </a:pPr>
-            <a:r>
-              <a:rPr lang="en-US" dirty="0" err="1"/>
-              <a:t>Wir</a:t>
-            </a:r>
-            <a:r>
-              <a:rPr lang="en-US" dirty="0"/>
-              <a:t> </a:t>
-            </a:r>
-            <a:r>
-              <a:rPr lang="en-US" dirty="0" err="1"/>
-              <a:t>haben</a:t>
-            </a:r>
-            <a:r>
-              <a:rPr lang="en-US" dirty="0"/>
-              <a:t> </a:t>
-            </a:r>
-            <a:r>
-              <a:rPr lang="en-US" dirty="0" err="1"/>
-              <a:t>deshalb</a:t>
-            </a:r>
-            <a:r>
-              <a:rPr lang="en-US" dirty="0"/>
-              <a:t> </a:t>
-            </a:r>
-            <a:r>
-              <a:rPr lang="en-US" dirty="0" err="1"/>
-              <a:t>unser</a:t>
-            </a:r>
-            <a:r>
-              <a:rPr lang="en-US" dirty="0"/>
-              <a:t> </a:t>
-            </a:r>
-            <a:r>
-              <a:rPr lang="en-US" dirty="0" err="1"/>
-              <a:t>Programm</a:t>
-            </a:r>
-            <a:r>
-              <a:rPr lang="en-US" dirty="0"/>
-              <a:t> so </a:t>
-            </a:r>
-            <a:r>
-              <a:rPr lang="en-US" dirty="0" err="1"/>
-              <a:t>programmiert</a:t>
-            </a:r>
-            <a:r>
-              <a:rPr lang="en-US" dirty="0"/>
-              <a:t>, </a:t>
-            </a:r>
-            <a:r>
-              <a:rPr lang="en-US" dirty="0" err="1"/>
-              <a:t>dass</a:t>
-            </a:r>
-            <a:r>
-              <a:rPr lang="en-US" dirty="0"/>
-              <a:t> es </a:t>
-            </a:r>
-            <a:r>
-              <a:rPr lang="en-US" dirty="0" err="1"/>
-              <a:t>warten</a:t>
-            </a:r>
-            <a:r>
-              <a:rPr lang="en-US" dirty="0"/>
-              <a:t> </a:t>
-            </a:r>
-            <a:r>
-              <a:rPr lang="en-US" dirty="0" err="1"/>
-              <a:t>kann</a:t>
-            </a:r>
-            <a:r>
-              <a:rPr lang="en-US" dirty="0"/>
-              <a:t> bis Influx </a:t>
-            </a:r>
-            <a:r>
-              <a:rPr lang="en-US" dirty="0" err="1"/>
-              <a:t>gestartet</a:t>
-            </a:r>
-            <a:r>
-              <a:rPr lang="en-US" dirty="0"/>
-              <a:t> </a:t>
-            </a:r>
-            <a:r>
-              <a:rPr lang="en-US" dirty="0" err="1"/>
-              <a:t>ist</a:t>
-            </a:r>
-            <a:r>
-              <a:rPr lang="en-US" dirty="0"/>
-              <a:t>.</a:t>
+              <a:rPr lang="de-CH" noProof="0" dirty="0"/>
+              <a:t>Unser Programm muss gleichzeitig mehrere Sachen erledigen können. Zum Beispiel möchte der Benutzer eine Grafik anzeigen und genau in diesem Moment ruft das Programm neue Daten ab. Das Programm reagiert deshalb für ein paar Sekunden nicht.</a:t>
+            </a:r>
+          </a:p>
+          <a:p>
+            <a:r>
+              <a:rPr lang="de-CH" noProof="0" dirty="0"/>
+              <a:t>Diese Prozesse müssen unabhängig voneinander ausgeführt werden können. Die Antwort darauf sind Threads. </a:t>
+            </a:r>
+          </a:p>
+          <a:p>
+            <a:r>
+              <a:rPr lang="de-CH" noProof="0" dirty="0"/>
+              <a:t>Threads ermöglichen es uns gleichzeitig die Daten abzufragen und der Benutzer kann immer noch frei in der Applikation navigieren.</a:t>
+            </a:r>
+          </a:p>
+          <a:p>
+            <a:endParaRPr lang="de-CH" noProof="0" dirty="0"/>
+          </a:p>
+          <a:p>
+            <a:r>
+              <a:rPr lang="de-CH" noProof="0" dirty="0"/>
+              <a:t>Wir brauchen konkret drei Threads.</a:t>
+            </a:r>
+          </a:p>
+          <a:p>
+            <a:r>
+              <a:rPr lang="de-CH" noProof="0" dirty="0"/>
+              <a:t>In einem Thread generieren wir die Plots und Vorhersagen. Weil </a:t>
+            </a:r>
+            <a:r>
+              <a:rPr lang="de-CH" noProof="0" dirty="0" err="1"/>
+              <a:t>matplotlib</a:t>
+            </a:r>
+            <a:r>
+              <a:rPr lang="de-CH" noProof="0" dirty="0"/>
+              <a:t> jedes mal eine Warnung ausgibt, wenn es Plots ausserhalb des Main-Threads generiert, haben wir dazu den Main Thread gebraucht.</a:t>
+            </a:r>
+          </a:p>
+          <a:p>
+            <a:endParaRPr lang="de-CH" noProof="0" dirty="0"/>
+          </a:p>
+          <a:p>
+            <a:r>
+              <a:rPr lang="de-CH" noProof="0" dirty="0"/>
+              <a:t>Des Weiteren müssen die Anfragen der Webseite behandelt werden. Deshalb läuft der Webserver auch in einem eigenen Thread.</a:t>
+            </a:r>
+          </a:p>
+          <a:p>
+            <a:endParaRPr lang="de-CH" noProof="0" dirty="0"/>
+          </a:p>
+          <a:p>
+            <a:r>
+              <a:rPr lang="de-CH" noProof="0" dirty="0"/>
+              <a:t>Und zu guter Letzt werden die Wetterdaten noch in einem separaten Thread aktualisiert. </a:t>
             </a:r>
           </a:p>
         </p:txBody>
@@ -4904,7 +4156,7 @@
     </p:spTree>
     <p:extLst>
       <p:ext uri="{BB962C8B-B14F-4D97-AF65-F5344CB8AC3E}">
-        <p14:creationId xmlns:p14="http://schemas.microsoft.com/office/powerpoint/2010/main" val="1503600029"/>
+        <p14:creationId xmlns:p14="http://schemas.microsoft.com/office/powerpoint/2010/main" val="510546255"/>
       </p:ext>
     </p:extLst>
   </p:cSld>
@@ -4963,6 +4215,1474 @@
               <a:t>Florin:</a:t>
             </a:r>
           </a:p>
+          <a:p>
+            <a:r>
+              <a:rPr lang="en-US" dirty="0"/>
+              <a:t>Unser </a:t>
+            </a:r>
+            <a:r>
+              <a:rPr lang="en-US" dirty="0" err="1"/>
+              <a:t>Programm</a:t>
+            </a:r>
+            <a:r>
+              <a:rPr lang="en-US" dirty="0"/>
+              <a:t> </a:t>
+            </a:r>
+            <a:r>
+              <a:rPr lang="en-US" dirty="0" err="1"/>
+              <a:t>soll</a:t>
+            </a:r>
+            <a:r>
+              <a:rPr lang="en-US" dirty="0"/>
+              <a:t> auf dem Raspberry Pi </a:t>
+            </a:r>
+            <a:r>
+              <a:rPr lang="en-US" dirty="0" err="1"/>
+              <a:t>laufen</a:t>
+            </a:r>
+            <a:r>
+              <a:rPr lang="en-US" dirty="0"/>
+              <a:t> </a:t>
+            </a:r>
+            <a:r>
+              <a:rPr lang="en-US" dirty="0" err="1"/>
+              <a:t>können</a:t>
+            </a:r>
+            <a:r>
+              <a:rPr lang="en-US" dirty="0"/>
+              <a:t>. Dazu muss das </a:t>
+            </a:r>
+            <a:r>
+              <a:rPr lang="en-US" dirty="0" err="1"/>
+              <a:t>Programm</a:t>
+            </a:r>
+            <a:r>
+              <a:rPr lang="en-US" dirty="0"/>
+              <a:t> </a:t>
+            </a:r>
+            <a:r>
+              <a:rPr lang="en-US" dirty="0" err="1"/>
+              <a:t>richtig</a:t>
+            </a:r>
+            <a:r>
+              <a:rPr lang="en-US" dirty="0"/>
+              <a:t> </a:t>
+            </a:r>
+            <a:r>
+              <a:rPr lang="en-US" dirty="0" err="1"/>
+              <a:t>eingebetet</a:t>
+            </a:r>
+            <a:r>
+              <a:rPr lang="en-US" dirty="0"/>
+              <a:t> </a:t>
+            </a:r>
+            <a:r>
+              <a:rPr lang="en-US" dirty="0" err="1"/>
+              <a:t>werden</a:t>
+            </a:r>
+            <a:r>
+              <a:rPr lang="en-US" dirty="0"/>
+              <a:t>.</a:t>
+            </a:r>
+          </a:p>
+          <a:p>
+            <a:endParaRPr lang="en-US" dirty="0"/>
+          </a:p>
+          <a:p>
+            <a:r>
+              <a:rPr lang="en-US" dirty="0" err="1"/>
+              <a:t>Zuerst</a:t>
+            </a:r>
+            <a:r>
+              <a:rPr lang="en-US" dirty="0"/>
+              <a:t> </a:t>
+            </a:r>
+            <a:r>
+              <a:rPr lang="en-US" dirty="0" err="1"/>
+              <a:t>müssen</a:t>
+            </a:r>
+            <a:r>
+              <a:rPr lang="en-US" dirty="0"/>
+              <a:t> </a:t>
+            </a:r>
+            <a:r>
+              <a:rPr lang="en-US" dirty="0" err="1"/>
+              <a:t>wir</a:t>
+            </a:r>
+            <a:r>
+              <a:rPr lang="en-US" dirty="0"/>
+              <a:t> den Code des </a:t>
+            </a:r>
+            <a:r>
+              <a:rPr lang="en-US" dirty="0" err="1"/>
+              <a:t>Programms</a:t>
+            </a:r>
+            <a:r>
+              <a:rPr lang="en-US" dirty="0"/>
+              <a:t> </a:t>
+            </a:r>
+            <a:r>
+              <a:rPr lang="en-US" dirty="0" err="1"/>
+              <a:t>irgendwie</a:t>
+            </a:r>
+            <a:r>
+              <a:rPr lang="en-US" dirty="0"/>
+              <a:t> auf den Raspberry Pi </a:t>
+            </a:r>
+            <a:r>
+              <a:rPr lang="en-US" dirty="0" err="1"/>
+              <a:t>bringen</a:t>
+            </a:r>
+            <a:r>
+              <a:rPr lang="en-US" dirty="0"/>
+              <a:t>. Für </a:t>
+            </a:r>
+            <a:r>
+              <a:rPr lang="en-US" dirty="0" err="1"/>
+              <a:t>unseren</a:t>
+            </a:r>
+            <a:r>
+              <a:rPr lang="en-US" dirty="0"/>
+              <a:t> </a:t>
+            </a:r>
+            <a:r>
+              <a:rPr lang="en-US" dirty="0" err="1"/>
+              <a:t>Prototyp</a:t>
+            </a:r>
+            <a:r>
+              <a:rPr lang="en-US" dirty="0"/>
+              <a:t> </a:t>
+            </a:r>
+            <a:r>
+              <a:rPr lang="en-US" dirty="0" err="1"/>
+              <a:t>reicht</a:t>
+            </a:r>
+            <a:r>
+              <a:rPr lang="en-US" dirty="0"/>
+              <a:t> es, </a:t>
+            </a:r>
+            <a:r>
+              <a:rPr lang="en-US" dirty="0" err="1"/>
+              <a:t>wenn</a:t>
+            </a:r>
+            <a:r>
+              <a:rPr lang="en-US" dirty="0"/>
+              <a:t> </a:t>
+            </a:r>
+            <a:r>
+              <a:rPr lang="en-US" dirty="0" err="1"/>
+              <a:t>wir</a:t>
+            </a:r>
+            <a:r>
+              <a:rPr lang="en-US" dirty="0"/>
+              <a:t> </a:t>
+            </a:r>
+            <a:r>
+              <a:rPr lang="en-US" dirty="0" err="1"/>
+              <a:t>ein</a:t>
+            </a:r>
+            <a:r>
+              <a:rPr lang="en-US" dirty="0"/>
+              <a:t> git clone des GitHub-Repositories </a:t>
+            </a:r>
+            <a:r>
+              <a:rPr lang="en-US" dirty="0" err="1"/>
+              <a:t>machen</a:t>
+            </a:r>
+            <a:r>
+              <a:rPr lang="en-US" dirty="0"/>
+              <a:t>.</a:t>
+            </a:r>
+          </a:p>
+          <a:p>
+            <a:r>
+              <a:rPr lang="en-US" dirty="0"/>
+              <a:t>Um das Ding </a:t>
+            </a:r>
+            <a:r>
+              <a:rPr lang="en-US" dirty="0" err="1"/>
+              <a:t>zum</a:t>
+            </a:r>
+            <a:r>
+              <a:rPr lang="en-US" dirty="0"/>
+              <a:t> </a:t>
+            </a:r>
+            <a:r>
+              <a:rPr lang="en-US" dirty="0" err="1"/>
+              <a:t>Laufen</a:t>
+            </a:r>
+            <a:r>
+              <a:rPr lang="en-US" dirty="0"/>
+              <a:t> </a:t>
+            </a:r>
+            <a:r>
+              <a:rPr lang="en-US" dirty="0" err="1"/>
+              <a:t>zu</a:t>
+            </a:r>
+            <a:r>
+              <a:rPr lang="en-US" dirty="0"/>
+              <a:t> </a:t>
+            </a:r>
+            <a:r>
+              <a:rPr lang="en-US" dirty="0" err="1"/>
+              <a:t>bringen</a:t>
+            </a:r>
+            <a:r>
+              <a:rPr lang="en-US" dirty="0"/>
+              <a:t> </a:t>
+            </a:r>
+            <a:r>
+              <a:rPr lang="en-US" dirty="0" err="1"/>
+              <a:t>brauchen</a:t>
+            </a:r>
+            <a:r>
+              <a:rPr lang="en-US" dirty="0"/>
+              <a:t> </a:t>
+            </a:r>
+            <a:r>
+              <a:rPr lang="en-US" dirty="0" err="1"/>
+              <a:t>wir</a:t>
+            </a:r>
+            <a:r>
+              <a:rPr lang="en-US" dirty="0"/>
+              <a:t> </a:t>
+            </a:r>
+            <a:r>
+              <a:rPr lang="en-US" dirty="0" err="1"/>
+              <a:t>noch</a:t>
+            </a:r>
+            <a:r>
+              <a:rPr lang="en-US" dirty="0"/>
+              <a:t> </a:t>
+            </a:r>
+            <a:r>
+              <a:rPr lang="en-US" dirty="0" err="1"/>
+              <a:t>eine</a:t>
+            </a:r>
+            <a:r>
+              <a:rPr lang="en-US" dirty="0"/>
+              <a:t> </a:t>
+            </a:r>
+            <a:r>
+              <a:rPr lang="en-US" dirty="0" err="1"/>
+              <a:t>neuere</a:t>
+            </a:r>
+            <a:r>
+              <a:rPr lang="en-US" dirty="0"/>
+              <a:t> Version von Python und </a:t>
+            </a:r>
+            <a:r>
+              <a:rPr lang="en-US" dirty="0" err="1"/>
+              <a:t>müssen</a:t>
+            </a:r>
+            <a:r>
+              <a:rPr lang="en-US" dirty="0"/>
+              <a:t> die Dependencies </a:t>
+            </a:r>
+            <a:r>
+              <a:rPr lang="en-US" dirty="0" err="1"/>
+              <a:t>installieren</a:t>
+            </a:r>
+            <a:r>
+              <a:rPr lang="en-US" dirty="0"/>
+              <a:t>.</a:t>
+            </a:r>
+          </a:p>
+          <a:p>
+            <a:endParaRPr lang="en-US" dirty="0"/>
+          </a:p>
+          <a:p>
+            <a:r>
+              <a:rPr lang="en-US" dirty="0"/>
+              <a:t>So </a:t>
+            </a:r>
+            <a:r>
+              <a:rPr lang="en-US" dirty="0" err="1"/>
+              <a:t>jetzt</a:t>
+            </a:r>
+            <a:r>
+              <a:rPr lang="en-US" dirty="0"/>
+              <a:t> </a:t>
+            </a:r>
+            <a:r>
+              <a:rPr lang="en-US" dirty="0" err="1"/>
+              <a:t>können</a:t>
+            </a:r>
+            <a:r>
+              <a:rPr lang="en-US" dirty="0"/>
+              <a:t> </a:t>
+            </a:r>
+            <a:r>
+              <a:rPr lang="en-US" dirty="0" err="1"/>
+              <a:t>wir</a:t>
+            </a:r>
+            <a:r>
+              <a:rPr lang="en-US" dirty="0"/>
+              <a:t> das </a:t>
+            </a:r>
+            <a:r>
+              <a:rPr lang="en-US" dirty="0" err="1"/>
+              <a:t>Programm</a:t>
+            </a:r>
+            <a:r>
+              <a:rPr lang="en-US" dirty="0"/>
+              <a:t> </a:t>
+            </a:r>
+            <a:r>
+              <a:rPr lang="en-US" dirty="0" err="1"/>
+              <a:t>starten</a:t>
+            </a:r>
+            <a:r>
+              <a:rPr lang="en-US" dirty="0"/>
+              <a:t>. Aber </a:t>
+            </a:r>
+            <a:r>
+              <a:rPr lang="en-US" dirty="0" err="1"/>
+              <a:t>wir</a:t>
+            </a:r>
+            <a:r>
+              <a:rPr lang="en-US" dirty="0"/>
+              <a:t> </a:t>
+            </a:r>
+            <a:r>
+              <a:rPr lang="en-US" dirty="0" err="1"/>
+              <a:t>wollen</a:t>
+            </a:r>
+            <a:r>
+              <a:rPr lang="en-US" dirty="0"/>
+              <a:t>, </a:t>
+            </a:r>
+            <a:r>
+              <a:rPr lang="en-US" dirty="0" err="1"/>
+              <a:t>dass</a:t>
+            </a:r>
+            <a:r>
+              <a:rPr lang="en-US" dirty="0"/>
+              <a:t> das </a:t>
+            </a:r>
+            <a:r>
+              <a:rPr lang="en-US" dirty="0" err="1"/>
+              <a:t>Programm</a:t>
+            </a:r>
+            <a:r>
+              <a:rPr lang="en-US" dirty="0"/>
+              <a:t> </a:t>
+            </a:r>
+            <a:r>
+              <a:rPr lang="en-US" dirty="0" err="1"/>
+              <a:t>automatisch</a:t>
+            </a:r>
+            <a:r>
+              <a:rPr lang="en-US" dirty="0"/>
+              <a:t> </a:t>
+            </a:r>
+            <a:r>
+              <a:rPr lang="en-US" dirty="0" err="1"/>
+              <a:t>startet</a:t>
+            </a:r>
+            <a:r>
+              <a:rPr lang="en-US" dirty="0"/>
+              <a:t>, </a:t>
+            </a:r>
+            <a:r>
+              <a:rPr lang="en-US" dirty="0" err="1"/>
+              <a:t>wenn</a:t>
+            </a:r>
+            <a:r>
+              <a:rPr lang="en-US" dirty="0"/>
+              <a:t> der Raspberry </a:t>
+            </a:r>
+            <a:r>
+              <a:rPr lang="en-US" dirty="0" err="1"/>
+              <a:t>startet</a:t>
+            </a:r>
+            <a:r>
+              <a:rPr lang="en-US" dirty="0"/>
+              <a:t>.</a:t>
+            </a:r>
+          </a:p>
+          <a:p>
+            <a:r>
+              <a:rPr lang="en-US" dirty="0" err="1"/>
+              <a:t>Deshalb</a:t>
+            </a:r>
+            <a:r>
+              <a:rPr lang="en-US" dirty="0"/>
+              <a:t> </a:t>
+            </a:r>
+            <a:r>
+              <a:rPr lang="en-US" dirty="0" err="1"/>
+              <a:t>haben</a:t>
+            </a:r>
+            <a:r>
+              <a:rPr lang="en-US" dirty="0"/>
+              <a:t> </a:t>
+            </a:r>
+            <a:r>
+              <a:rPr lang="en-US" dirty="0" err="1"/>
+              <a:t>wir</a:t>
+            </a:r>
+            <a:r>
+              <a:rPr lang="en-US" dirty="0"/>
+              <a:t> das </a:t>
+            </a:r>
+            <a:r>
+              <a:rPr lang="en-US" dirty="0" err="1"/>
+              <a:t>Programm</a:t>
+            </a:r>
+            <a:r>
+              <a:rPr lang="en-US" dirty="0"/>
+              <a:t> </a:t>
+            </a:r>
+            <a:r>
+              <a:rPr lang="en-US" dirty="0" err="1"/>
+              <a:t>als</a:t>
+            </a:r>
+            <a:r>
+              <a:rPr lang="en-US" dirty="0"/>
+              <a:t> Service </a:t>
+            </a:r>
+            <a:r>
+              <a:rPr lang="en-US" dirty="0" err="1"/>
+              <a:t>installiert</a:t>
+            </a:r>
+            <a:r>
+              <a:rPr lang="en-US" dirty="0"/>
+              <a:t>. Da dies </a:t>
+            </a:r>
+            <a:r>
+              <a:rPr lang="en-US" dirty="0" err="1"/>
+              <a:t>einige</a:t>
+            </a:r>
+            <a:r>
+              <a:rPr lang="en-US" dirty="0"/>
+              <a:t> </a:t>
+            </a:r>
+            <a:r>
+              <a:rPr lang="en-US" dirty="0" err="1"/>
+              <a:t>Befehle</a:t>
+            </a:r>
+            <a:r>
+              <a:rPr lang="en-US" dirty="0"/>
+              <a:t> </a:t>
+            </a:r>
+            <a:r>
+              <a:rPr lang="en-US" dirty="0" err="1"/>
+              <a:t>sind</a:t>
+            </a:r>
+            <a:r>
+              <a:rPr lang="en-US" dirty="0"/>
+              <a:t>, </a:t>
+            </a:r>
+            <a:r>
+              <a:rPr lang="en-US" dirty="0" err="1"/>
+              <a:t>welche</a:t>
+            </a:r>
+            <a:r>
+              <a:rPr lang="en-US" dirty="0"/>
+              <a:t> </a:t>
+            </a:r>
+            <a:r>
+              <a:rPr lang="en-US" dirty="0" err="1"/>
+              <a:t>bei</a:t>
+            </a:r>
+            <a:r>
+              <a:rPr lang="en-US" dirty="0"/>
+              <a:t> </a:t>
+            </a:r>
+            <a:r>
+              <a:rPr lang="en-US" dirty="0" err="1"/>
+              <a:t>einer</a:t>
+            </a:r>
+            <a:r>
+              <a:rPr lang="en-US" dirty="0"/>
+              <a:t> Installation </a:t>
+            </a:r>
+            <a:r>
+              <a:rPr lang="en-US" dirty="0" err="1"/>
+              <a:t>eingetippt</a:t>
+            </a:r>
+            <a:r>
+              <a:rPr lang="en-US" dirty="0"/>
+              <a:t> </a:t>
+            </a:r>
+            <a:r>
+              <a:rPr lang="en-US" dirty="0" err="1"/>
+              <a:t>werden</a:t>
+            </a:r>
+            <a:r>
+              <a:rPr lang="en-US" dirty="0"/>
+              <a:t> </a:t>
+            </a:r>
+            <a:r>
+              <a:rPr lang="en-US" dirty="0" err="1"/>
+              <a:t>müssen</a:t>
+            </a:r>
+            <a:r>
+              <a:rPr lang="en-US" dirty="0"/>
+              <a:t>, </a:t>
+            </a:r>
+            <a:r>
+              <a:rPr lang="en-US" dirty="0" err="1"/>
+              <a:t>haben</a:t>
+            </a:r>
+            <a:r>
+              <a:rPr lang="en-US" dirty="0"/>
+              <a:t> </a:t>
+            </a:r>
+            <a:r>
+              <a:rPr lang="en-US" dirty="0" err="1"/>
+              <a:t>wir</a:t>
+            </a:r>
+            <a:r>
+              <a:rPr lang="en-US" dirty="0"/>
+              <a:t> </a:t>
+            </a:r>
+            <a:r>
+              <a:rPr lang="en-US" dirty="0" err="1"/>
+              <a:t>ein</a:t>
+            </a:r>
+            <a:r>
+              <a:rPr lang="en-US" dirty="0"/>
+              <a:t> </a:t>
+            </a:r>
+            <a:r>
+              <a:rPr lang="en-US" dirty="0" err="1"/>
+              <a:t>Skript</a:t>
+            </a:r>
+            <a:r>
+              <a:rPr lang="en-US" dirty="0"/>
+              <a:t> </a:t>
+            </a:r>
+            <a:r>
+              <a:rPr lang="en-US" dirty="0" err="1"/>
+              <a:t>erstellt</a:t>
+            </a:r>
+            <a:r>
+              <a:rPr lang="en-US" dirty="0"/>
+              <a:t>. </a:t>
+            </a:r>
+          </a:p>
+          <a:p>
+            <a:endParaRPr lang="en-US" dirty="0"/>
+          </a:p>
+          <a:p>
+            <a:r>
+              <a:rPr lang="en-US" dirty="0"/>
+              <a:t>Das </a:t>
+            </a:r>
+            <a:r>
+              <a:rPr lang="en-US" dirty="0" err="1"/>
+              <a:t>Skript</a:t>
+            </a:r>
+            <a:r>
+              <a:rPr lang="en-US" dirty="0"/>
+              <a:t> </a:t>
+            </a:r>
+            <a:r>
+              <a:rPr lang="en-US" dirty="0" err="1"/>
+              <a:t>kann</a:t>
+            </a:r>
+            <a:r>
+              <a:rPr lang="en-US" dirty="0"/>
+              <a:t> </a:t>
+            </a:r>
+            <a:r>
+              <a:rPr lang="en-US" dirty="0" err="1"/>
+              <a:t>über</a:t>
+            </a:r>
+            <a:r>
+              <a:rPr lang="en-US" dirty="0"/>
+              <a:t> </a:t>
+            </a:r>
+            <a:r>
+              <a:rPr lang="en-US" dirty="0" err="1"/>
+              <a:t>einen</a:t>
+            </a:r>
+            <a:r>
+              <a:rPr lang="en-US" dirty="0"/>
+              <a:t> </a:t>
+            </a:r>
+            <a:r>
+              <a:rPr lang="en-US" dirty="0" err="1"/>
+              <a:t>Einzeiler</a:t>
+            </a:r>
+            <a:r>
+              <a:rPr lang="en-US" dirty="0"/>
+              <a:t> </a:t>
+            </a:r>
+            <a:r>
+              <a:rPr lang="en-US" dirty="0" err="1"/>
+              <a:t>einfach</a:t>
+            </a:r>
+            <a:r>
+              <a:rPr lang="en-US" dirty="0"/>
+              <a:t> </a:t>
+            </a:r>
+            <a:r>
+              <a:rPr lang="en-US" dirty="0" err="1"/>
+              <a:t>aufgerufen</a:t>
+            </a:r>
+            <a:r>
+              <a:rPr lang="en-US" dirty="0"/>
+              <a:t> </a:t>
+            </a:r>
+            <a:r>
+              <a:rPr lang="en-US" dirty="0" err="1"/>
+              <a:t>werden</a:t>
+            </a:r>
+            <a:r>
+              <a:rPr lang="en-US" dirty="0"/>
+              <a:t> und die Installation </a:t>
+            </a:r>
+            <a:r>
+              <a:rPr lang="en-US" dirty="0" err="1"/>
+              <a:t>erfolgt</a:t>
+            </a:r>
+            <a:r>
+              <a:rPr lang="en-US" dirty="0"/>
+              <a:t> </a:t>
+            </a:r>
+            <a:r>
+              <a:rPr lang="en-US" dirty="0" err="1"/>
+              <a:t>automatisch</a:t>
+            </a:r>
+            <a:r>
+              <a:rPr lang="en-US" dirty="0"/>
+              <a:t>. </a:t>
+            </a:r>
+          </a:p>
+          <a:p>
+            <a:endParaRPr lang="en-US" dirty="0"/>
+          </a:p>
+          <a:p>
+            <a:r>
+              <a:rPr lang="en-US" dirty="0" err="1"/>
+              <a:t>Beim</a:t>
+            </a:r>
+            <a:r>
+              <a:rPr lang="en-US" dirty="0"/>
+              <a:t> </a:t>
+            </a:r>
+            <a:r>
+              <a:rPr lang="en-US" dirty="0" err="1"/>
+              <a:t>entwickeln</a:t>
+            </a:r>
+            <a:r>
+              <a:rPr lang="en-US" dirty="0"/>
+              <a:t> des </a:t>
+            </a:r>
+            <a:r>
+              <a:rPr lang="en-US" dirty="0" err="1"/>
+              <a:t>Autostart</a:t>
+            </a:r>
+            <a:r>
+              <a:rPr lang="en-US" dirty="0"/>
+              <a:t> </a:t>
+            </a:r>
+            <a:r>
+              <a:rPr lang="en-US" dirty="0" err="1"/>
+              <a:t>haben</a:t>
+            </a:r>
+            <a:r>
+              <a:rPr lang="en-US" dirty="0"/>
+              <a:t> </a:t>
+            </a:r>
+            <a:r>
+              <a:rPr lang="en-US" dirty="0" err="1"/>
+              <a:t>sich</a:t>
+            </a:r>
+            <a:r>
+              <a:rPr lang="en-US" dirty="0"/>
+              <a:t> </a:t>
+            </a:r>
+            <a:r>
+              <a:rPr lang="en-US" dirty="0" err="1"/>
+              <a:t>zwei</a:t>
+            </a:r>
+            <a:r>
+              <a:rPr lang="en-US" dirty="0"/>
+              <a:t> </a:t>
+            </a:r>
+            <a:r>
+              <a:rPr lang="en-US" dirty="0" err="1"/>
+              <a:t>Probleme</a:t>
+            </a:r>
+            <a:r>
+              <a:rPr lang="en-US" dirty="0"/>
+              <a:t> </a:t>
+            </a:r>
+            <a:r>
+              <a:rPr lang="en-US" dirty="0" err="1"/>
+              <a:t>gestellt</a:t>
+            </a:r>
+            <a:r>
+              <a:rPr lang="en-US" dirty="0"/>
+              <a:t>.</a:t>
+            </a:r>
+          </a:p>
+          <a:p>
+            <a:pPr marL="0" marR="0" lvl="0" indent="0" algn="l" defTabSz="914400" rtl="0" eaLnBrk="1" fontAlgn="auto" latinLnBrk="0" hangingPunct="1">
+              <a:lnSpc>
+                <a:spcPct val="100000"/>
+              </a:lnSpc>
+              <a:spcBef>
+                <a:spcPts val="0"/>
+              </a:spcBef>
+              <a:spcAft>
+                <a:spcPts val="0"/>
+              </a:spcAft>
+              <a:buClrTx/>
+              <a:buSzTx/>
+              <a:buFontTx/>
+              <a:buNone/>
+              <a:tabLst/>
+              <a:defRPr/>
+            </a:pPr>
+            <a:r>
+              <a:rPr lang="en-US" dirty="0" err="1"/>
+              <a:t>Erstens</a:t>
+            </a:r>
+            <a:r>
+              <a:rPr lang="en-US" dirty="0"/>
+              <a:t>, der Service muss Wissen auf </a:t>
+            </a:r>
+            <a:r>
+              <a:rPr lang="en-US" dirty="0" err="1"/>
+              <a:t>welchem</a:t>
+            </a:r>
+            <a:r>
+              <a:rPr lang="en-US" dirty="0"/>
+              <a:t> Desktop er die </a:t>
+            </a:r>
+            <a:r>
+              <a:rPr lang="en-US" dirty="0" err="1"/>
+              <a:t>Applikation</a:t>
+            </a:r>
+            <a:r>
+              <a:rPr lang="en-US" dirty="0"/>
+              <a:t> </a:t>
+            </a:r>
+            <a:r>
+              <a:rPr lang="en-US" dirty="0" err="1"/>
+              <a:t>öffnet</a:t>
+            </a:r>
+            <a:r>
+              <a:rPr lang="en-US" dirty="0"/>
+              <a:t>.</a:t>
+            </a:r>
+          </a:p>
+          <a:p>
+            <a:pPr marL="0" marR="0" lvl="0" indent="0" algn="l" defTabSz="914400" rtl="0" eaLnBrk="1" fontAlgn="auto" latinLnBrk="0" hangingPunct="1">
+              <a:lnSpc>
+                <a:spcPct val="100000"/>
+              </a:lnSpc>
+              <a:spcBef>
+                <a:spcPts val="0"/>
+              </a:spcBef>
+              <a:spcAft>
+                <a:spcPts val="0"/>
+              </a:spcAft>
+              <a:buClrTx/>
+              <a:buSzTx/>
+              <a:buFontTx/>
+              <a:buNone/>
+              <a:tabLst/>
+              <a:defRPr/>
+            </a:pPr>
+            <a:r>
+              <a:rPr lang="en-US" dirty="0" err="1"/>
+              <a:t>Zweitzens</a:t>
+            </a:r>
+            <a:r>
+              <a:rPr lang="en-US" dirty="0"/>
+              <a:t>, der Service </a:t>
+            </a:r>
+            <a:r>
+              <a:rPr lang="en-US" dirty="0" err="1"/>
+              <a:t>darf</a:t>
+            </a:r>
+            <a:r>
+              <a:rPr lang="en-US" dirty="0"/>
+              <a:t> erst </a:t>
+            </a:r>
+            <a:r>
+              <a:rPr lang="en-US" dirty="0" err="1"/>
+              <a:t>starten</a:t>
+            </a:r>
+            <a:r>
+              <a:rPr lang="en-US" dirty="0"/>
+              <a:t>, </a:t>
+            </a:r>
+            <a:r>
+              <a:rPr lang="en-US" dirty="0" err="1"/>
+              <a:t>wenn</a:t>
+            </a:r>
+            <a:r>
+              <a:rPr lang="en-US" dirty="0"/>
+              <a:t> die Influx </a:t>
+            </a:r>
+            <a:r>
+              <a:rPr lang="en-US" dirty="0" err="1"/>
+              <a:t>Datenbank</a:t>
+            </a:r>
+            <a:r>
+              <a:rPr lang="en-US" dirty="0"/>
+              <a:t> </a:t>
+            </a:r>
+            <a:r>
+              <a:rPr lang="en-US" dirty="0" err="1"/>
+              <a:t>läuft</a:t>
+            </a:r>
+            <a:r>
+              <a:rPr lang="en-US" dirty="0"/>
+              <a:t>.</a:t>
+            </a:r>
+          </a:p>
+          <a:p>
+            <a:pPr marL="0" marR="0" lvl="0" indent="0" algn="l" defTabSz="914400" rtl="0" eaLnBrk="1" fontAlgn="auto" latinLnBrk="0" hangingPunct="1">
+              <a:lnSpc>
+                <a:spcPct val="100000"/>
+              </a:lnSpc>
+              <a:spcBef>
+                <a:spcPts val="0"/>
+              </a:spcBef>
+              <a:spcAft>
+                <a:spcPts val="0"/>
+              </a:spcAft>
+              <a:buClrTx/>
+              <a:buSzTx/>
+              <a:buFontTx/>
+              <a:buNone/>
+              <a:tabLst/>
+              <a:defRPr/>
+            </a:pPr>
+            <a:r>
+              <a:rPr lang="en-US" dirty="0"/>
+              <a:t>Das </a:t>
+            </a:r>
+            <a:r>
+              <a:rPr lang="en-US" dirty="0" err="1"/>
+              <a:t>erste</a:t>
+            </a:r>
+            <a:r>
+              <a:rPr lang="en-US" dirty="0"/>
+              <a:t> Problem </a:t>
+            </a:r>
+            <a:r>
+              <a:rPr lang="en-US" dirty="0" err="1"/>
+              <a:t>ist</a:t>
+            </a:r>
+            <a:r>
+              <a:rPr lang="en-US" dirty="0"/>
+              <a:t> </a:t>
+            </a:r>
+            <a:r>
+              <a:rPr lang="en-US" dirty="0" err="1"/>
+              <a:t>einfach</a:t>
+            </a:r>
+            <a:r>
+              <a:rPr lang="en-US" dirty="0"/>
+              <a:t> </a:t>
+            </a:r>
+            <a:r>
+              <a:rPr lang="en-US" dirty="0" err="1"/>
+              <a:t>gelöst</a:t>
+            </a:r>
+            <a:r>
+              <a:rPr lang="en-US" dirty="0"/>
+              <a:t>. </a:t>
+            </a:r>
+            <a:r>
+              <a:rPr lang="en-US" dirty="0" err="1"/>
+              <a:t>Im</a:t>
+            </a:r>
+            <a:r>
+              <a:rPr lang="en-US" dirty="0"/>
+              <a:t> Service </a:t>
+            </a:r>
+            <a:r>
+              <a:rPr lang="en-US" dirty="0" err="1"/>
+              <a:t>kann</a:t>
+            </a:r>
+            <a:r>
+              <a:rPr lang="en-US" dirty="0"/>
+              <a:t> der Desktop des </a:t>
+            </a:r>
+            <a:r>
+              <a:rPr lang="en-US" dirty="0" err="1"/>
+              <a:t>Benutzers</a:t>
+            </a:r>
+            <a:r>
+              <a:rPr lang="en-US" dirty="0"/>
+              <a:t> </a:t>
+            </a:r>
+            <a:r>
+              <a:rPr lang="en-US" dirty="0" err="1"/>
+              <a:t>mitgegeben</a:t>
+            </a:r>
+            <a:r>
+              <a:rPr lang="en-US" dirty="0"/>
+              <a:t> </a:t>
+            </a:r>
+            <a:r>
+              <a:rPr lang="en-US" dirty="0" err="1"/>
+              <a:t>werden</a:t>
+            </a:r>
+            <a:r>
+              <a:rPr lang="en-US" dirty="0"/>
+              <a:t> und </a:t>
+            </a:r>
+            <a:r>
+              <a:rPr lang="en-US" dirty="0" err="1"/>
+              <a:t>wir</a:t>
+            </a:r>
+            <a:r>
+              <a:rPr lang="en-US" dirty="0"/>
+              <a:t> </a:t>
+            </a:r>
+            <a:r>
+              <a:rPr lang="en-US" dirty="0" err="1"/>
+              <a:t>können</a:t>
+            </a:r>
+            <a:r>
+              <a:rPr lang="en-US" dirty="0"/>
+              <a:t> den Service so </a:t>
+            </a:r>
+            <a:r>
+              <a:rPr lang="en-US" dirty="0" err="1"/>
+              <a:t>konfigurieren</a:t>
+            </a:r>
+            <a:r>
+              <a:rPr lang="en-US" dirty="0"/>
+              <a:t>, </a:t>
+            </a:r>
+            <a:r>
+              <a:rPr lang="en-US" dirty="0" err="1"/>
+              <a:t>dass</a:t>
+            </a:r>
+            <a:r>
+              <a:rPr lang="en-US" dirty="0"/>
+              <a:t> </a:t>
+            </a:r>
+            <a:r>
+              <a:rPr lang="en-US" dirty="0" err="1"/>
+              <a:t>dieser</a:t>
+            </a:r>
+            <a:r>
+              <a:rPr lang="en-US" dirty="0"/>
+              <a:t> erst </a:t>
+            </a:r>
+            <a:r>
+              <a:rPr lang="en-US" dirty="0" err="1"/>
+              <a:t>bei</a:t>
+            </a:r>
+            <a:r>
+              <a:rPr lang="en-US" dirty="0"/>
+              <a:t> </a:t>
+            </a:r>
+            <a:r>
+              <a:rPr lang="en-US" dirty="0" err="1"/>
+              <a:t>Anmeldung</a:t>
+            </a:r>
+            <a:r>
+              <a:rPr lang="en-US" dirty="0"/>
+              <a:t> der </a:t>
+            </a:r>
+            <a:r>
+              <a:rPr lang="en-US" dirty="0" err="1"/>
+              <a:t>Benutzer</a:t>
+            </a:r>
+            <a:r>
+              <a:rPr lang="en-US" dirty="0"/>
+              <a:t> </a:t>
+            </a:r>
+            <a:r>
+              <a:rPr lang="en-US" dirty="0" err="1"/>
+              <a:t>startet</a:t>
+            </a:r>
+            <a:r>
+              <a:rPr lang="en-US" dirty="0"/>
+              <a:t>.</a:t>
+            </a:r>
+          </a:p>
+          <a:p>
+            <a:pPr marL="0" marR="0" lvl="0" indent="0" algn="l" defTabSz="914400" rtl="0" eaLnBrk="1" fontAlgn="auto" latinLnBrk="0" hangingPunct="1">
+              <a:lnSpc>
+                <a:spcPct val="100000"/>
+              </a:lnSpc>
+              <a:spcBef>
+                <a:spcPts val="0"/>
+              </a:spcBef>
+              <a:spcAft>
+                <a:spcPts val="0"/>
+              </a:spcAft>
+              <a:buClrTx/>
+              <a:buSzTx/>
+              <a:buFontTx/>
+              <a:buNone/>
+              <a:tabLst/>
+              <a:defRPr/>
+            </a:pPr>
+            <a:endParaRPr lang="en-US" dirty="0"/>
+          </a:p>
+          <a:p>
+            <a:pPr marL="0" marR="0" lvl="0" indent="0" algn="l" defTabSz="914400" rtl="0" eaLnBrk="1" fontAlgn="auto" latinLnBrk="0" hangingPunct="1">
+              <a:lnSpc>
+                <a:spcPct val="100000"/>
+              </a:lnSpc>
+              <a:spcBef>
+                <a:spcPts val="0"/>
+              </a:spcBef>
+              <a:spcAft>
+                <a:spcPts val="0"/>
+              </a:spcAft>
+              <a:buClrTx/>
+              <a:buSzTx/>
+              <a:buFontTx/>
+              <a:buNone/>
+              <a:tabLst/>
+              <a:defRPr/>
+            </a:pPr>
+            <a:r>
+              <a:rPr lang="en-US" dirty="0"/>
+              <a:t>Das </a:t>
+            </a:r>
+            <a:r>
+              <a:rPr lang="en-US" dirty="0" err="1"/>
+              <a:t>zweite</a:t>
+            </a:r>
+            <a:r>
+              <a:rPr lang="en-US" dirty="0"/>
+              <a:t> Problem </a:t>
+            </a:r>
+            <a:r>
+              <a:rPr lang="en-US" dirty="0" err="1"/>
+              <a:t>ist</a:t>
+            </a:r>
+            <a:r>
+              <a:rPr lang="en-US" dirty="0"/>
+              <a:t> </a:t>
+            </a:r>
+            <a:r>
+              <a:rPr lang="en-US" dirty="0" err="1"/>
+              <a:t>theoretisch</a:t>
+            </a:r>
+            <a:r>
+              <a:rPr lang="en-US" dirty="0"/>
+              <a:t> </a:t>
+            </a:r>
+            <a:r>
+              <a:rPr lang="en-US" dirty="0" err="1"/>
+              <a:t>auch</a:t>
+            </a:r>
+            <a:r>
+              <a:rPr lang="en-US" dirty="0"/>
+              <a:t> </a:t>
+            </a:r>
+            <a:r>
+              <a:rPr lang="en-US" dirty="0" err="1"/>
+              <a:t>einfach</a:t>
+            </a:r>
+            <a:r>
+              <a:rPr lang="en-US" dirty="0"/>
+              <a:t> </a:t>
+            </a:r>
+            <a:r>
+              <a:rPr lang="en-US" dirty="0" err="1"/>
+              <a:t>zu</a:t>
+            </a:r>
+            <a:r>
+              <a:rPr lang="en-US" dirty="0"/>
+              <a:t> </a:t>
+            </a:r>
+            <a:r>
+              <a:rPr lang="en-US" dirty="0" err="1"/>
+              <a:t>lösen</a:t>
+            </a:r>
+            <a:r>
+              <a:rPr lang="en-US" dirty="0"/>
+              <a:t>. </a:t>
+            </a:r>
+            <a:r>
+              <a:rPr lang="en-US" dirty="0" err="1"/>
+              <a:t>Wir</a:t>
+            </a:r>
+            <a:r>
+              <a:rPr lang="en-US" dirty="0"/>
+              <a:t> </a:t>
+            </a:r>
+            <a:r>
+              <a:rPr lang="en-US" dirty="0" err="1"/>
+              <a:t>konfigurieren</a:t>
+            </a:r>
+            <a:r>
+              <a:rPr lang="en-US" dirty="0"/>
+              <a:t> den Service so, </a:t>
+            </a:r>
+            <a:r>
+              <a:rPr lang="en-US" dirty="0" err="1"/>
+              <a:t>dass</a:t>
+            </a:r>
+            <a:r>
+              <a:rPr lang="en-US" dirty="0"/>
+              <a:t> </a:t>
+            </a:r>
+            <a:r>
+              <a:rPr lang="en-US" dirty="0" err="1"/>
+              <a:t>dieser</a:t>
+            </a:r>
+            <a:r>
+              <a:rPr lang="en-US" dirty="0"/>
+              <a:t> </a:t>
+            </a:r>
+            <a:r>
+              <a:rPr lang="en-US" dirty="0" err="1"/>
+              <a:t>wartet</a:t>
+            </a:r>
+            <a:r>
+              <a:rPr lang="en-US" dirty="0"/>
+              <a:t> bis Influx </a:t>
+            </a:r>
+            <a:r>
+              <a:rPr lang="en-US" dirty="0" err="1"/>
+              <a:t>gestartet</a:t>
+            </a:r>
+            <a:r>
+              <a:rPr lang="en-US" dirty="0"/>
+              <a:t> </a:t>
+            </a:r>
+            <a:r>
+              <a:rPr lang="en-US" dirty="0" err="1"/>
+              <a:t>ist</a:t>
+            </a:r>
+            <a:r>
+              <a:rPr lang="en-US" dirty="0"/>
+              <a:t> und </a:t>
+            </a:r>
+            <a:r>
+              <a:rPr lang="en-US" dirty="0" err="1"/>
+              <a:t>parat</a:t>
+            </a:r>
+            <a:r>
+              <a:rPr lang="en-US" dirty="0"/>
+              <a:t> </a:t>
+            </a:r>
+            <a:r>
+              <a:rPr lang="en-US" dirty="0" err="1"/>
+              <a:t>ist</a:t>
+            </a:r>
+            <a:r>
+              <a:rPr lang="en-US" dirty="0"/>
+              <a:t>.</a:t>
+            </a:r>
+          </a:p>
+          <a:p>
+            <a:pPr marL="0" marR="0" lvl="0" indent="0" algn="l" defTabSz="914400" rtl="0" eaLnBrk="1" fontAlgn="auto" latinLnBrk="0" hangingPunct="1">
+              <a:lnSpc>
+                <a:spcPct val="100000"/>
+              </a:lnSpc>
+              <a:spcBef>
+                <a:spcPts val="0"/>
+              </a:spcBef>
+              <a:spcAft>
+                <a:spcPts val="0"/>
+              </a:spcAft>
+              <a:buClrTx/>
+              <a:buSzTx/>
+              <a:buFontTx/>
+              <a:buNone/>
+              <a:tabLst/>
+              <a:defRPr/>
+            </a:pPr>
+            <a:endParaRPr lang="en-US" dirty="0"/>
+          </a:p>
+          <a:p>
+            <a:pPr marL="0" marR="0" lvl="0" indent="0" algn="l" defTabSz="914400" rtl="0" eaLnBrk="1" fontAlgn="auto" latinLnBrk="0" hangingPunct="1">
+              <a:lnSpc>
+                <a:spcPct val="100000"/>
+              </a:lnSpc>
+              <a:spcBef>
+                <a:spcPts val="0"/>
+              </a:spcBef>
+              <a:spcAft>
+                <a:spcPts val="0"/>
+              </a:spcAft>
+              <a:buClrTx/>
+              <a:buSzTx/>
+              <a:buFontTx/>
+              <a:buNone/>
+              <a:tabLst/>
+              <a:defRPr/>
+            </a:pPr>
+            <a:r>
+              <a:rPr lang="en-US" dirty="0" err="1"/>
+              <a:t>Leider</a:t>
+            </a:r>
+            <a:r>
+              <a:rPr lang="en-US" dirty="0"/>
+              <a:t> </a:t>
+            </a:r>
+            <a:r>
+              <a:rPr lang="en-US" dirty="0" err="1"/>
+              <a:t>gibt</a:t>
+            </a:r>
+            <a:r>
+              <a:rPr lang="en-US" dirty="0"/>
+              <a:t> Influx </a:t>
+            </a:r>
+            <a:r>
+              <a:rPr lang="en-US" dirty="0" err="1"/>
+              <a:t>schon</a:t>
+            </a:r>
+            <a:r>
+              <a:rPr lang="en-US" dirty="0"/>
+              <a:t> </a:t>
+            </a:r>
+            <a:r>
+              <a:rPr lang="en-US" dirty="0" err="1"/>
+              <a:t>kurz</a:t>
+            </a:r>
+            <a:r>
+              <a:rPr lang="en-US" dirty="0"/>
+              <a:t> </a:t>
+            </a:r>
+            <a:r>
+              <a:rPr lang="en-US" dirty="0" err="1"/>
+              <a:t>nach</a:t>
+            </a:r>
+            <a:r>
+              <a:rPr lang="en-US" dirty="0"/>
+              <a:t> dem </a:t>
+            </a:r>
+            <a:r>
+              <a:rPr lang="en-US" dirty="0" err="1"/>
+              <a:t>Startanstoss</a:t>
+            </a:r>
+            <a:r>
+              <a:rPr lang="en-US" dirty="0"/>
+              <a:t> das Signal “Ready” </a:t>
+            </a:r>
+            <a:r>
+              <a:rPr lang="en-US" dirty="0" err="1"/>
+              <a:t>zurück</a:t>
+            </a:r>
+            <a:r>
+              <a:rPr lang="en-US" dirty="0"/>
+              <a:t>. </a:t>
+            </a:r>
+            <a:r>
+              <a:rPr lang="en-US" dirty="0" err="1"/>
+              <a:t>Doch</a:t>
+            </a:r>
+            <a:r>
+              <a:rPr lang="en-US" dirty="0"/>
+              <a:t> </a:t>
+            </a:r>
+            <a:r>
+              <a:rPr lang="en-US" dirty="0" err="1"/>
+              <a:t>im</a:t>
+            </a:r>
+            <a:r>
+              <a:rPr lang="en-US" dirty="0"/>
+              <a:t> </a:t>
+            </a:r>
+            <a:r>
+              <a:rPr lang="en-US" dirty="0" err="1"/>
+              <a:t>Hintergrund</a:t>
+            </a:r>
+            <a:r>
+              <a:rPr lang="en-US" dirty="0"/>
+              <a:t> </a:t>
+            </a:r>
+            <a:r>
+              <a:rPr lang="en-US" dirty="0" err="1"/>
+              <a:t>öffnet</a:t>
+            </a:r>
+            <a:r>
+              <a:rPr lang="en-US" dirty="0"/>
+              <a:t> Influx </a:t>
+            </a:r>
+            <a:r>
+              <a:rPr lang="en-US" dirty="0" err="1"/>
+              <a:t>noch</a:t>
+            </a:r>
+            <a:r>
+              <a:rPr lang="en-US" dirty="0"/>
+              <a:t> die </a:t>
+            </a:r>
+            <a:r>
+              <a:rPr lang="en-US" dirty="0" err="1"/>
+              <a:t>Datenbank</a:t>
+            </a:r>
+            <a:r>
+              <a:rPr lang="en-US" dirty="0"/>
+              <a:t> und </a:t>
+            </a:r>
+            <a:r>
+              <a:rPr lang="en-US" dirty="0" err="1"/>
+              <a:t>unser</a:t>
+            </a:r>
+            <a:r>
+              <a:rPr lang="en-US" dirty="0"/>
+              <a:t> </a:t>
+            </a:r>
+            <a:r>
+              <a:rPr lang="en-US" dirty="0" err="1"/>
+              <a:t>Programm</a:t>
+            </a:r>
+            <a:r>
+              <a:rPr lang="en-US" dirty="0"/>
+              <a:t> </a:t>
+            </a:r>
+            <a:r>
+              <a:rPr lang="en-US" dirty="0" err="1"/>
+              <a:t>stürzt</a:t>
+            </a:r>
+            <a:r>
+              <a:rPr lang="en-US" dirty="0"/>
+              <a:t> ab </a:t>
+            </a:r>
+            <a:r>
+              <a:rPr lang="en-US" dirty="0" err="1"/>
+              <a:t>weil</a:t>
+            </a:r>
+            <a:r>
+              <a:rPr lang="en-US" dirty="0"/>
+              <a:t> es Influx </a:t>
+            </a:r>
+            <a:r>
+              <a:rPr lang="en-US" dirty="0" err="1"/>
+              <a:t>noch</a:t>
+            </a:r>
+            <a:r>
+              <a:rPr lang="en-US" dirty="0"/>
+              <a:t> </a:t>
+            </a:r>
+            <a:r>
+              <a:rPr lang="en-US" dirty="0" err="1"/>
+              <a:t>nicht</a:t>
+            </a:r>
+            <a:r>
+              <a:rPr lang="en-US" dirty="0"/>
+              <a:t> </a:t>
+            </a:r>
+            <a:r>
+              <a:rPr lang="en-US" dirty="0" err="1"/>
+              <a:t>erreicht</a:t>
+            </a:r>
+            <a:r>
+              <a:rPr lang="en-US" dirty="0"/>
+              <a:t>.</a:t>
+            </a:r>
+          </a:p>
+          <a:p>
+            <a:pPr marL="0" marR="0" lvl="0" indent="0" algn="l" defTabSz="914400" rtl="0" eaLnBrk="1" fontAlgn="auto" latinLnBrk="0" hangingPunct="1">
+              <a:lnSpc>
+                <a:spcPct val="100000"/>
+              </a:lnSpc>
+              <a:spcBef>
+                <a:spcPts val="0"/>
+              </a:spcBef>
+              <a:spcAft>
+                <a:spcPts val="0"/>
+              </a:spcAft>
+              <a:buClrTx/>
+              <a:buSzTx/>
+              <a:buFontTx/>
+              <a:buNone/>
+              <a:tabLst/>
+              <a:defRPr/>
+            </a:pPr>
+            <a:r>
+              <a:rPr lang="en-US" dirty="0" err="1"/>
+              <a:t>Wir</a:t>
+            </a:r>
+            <a:r>
+              <a:rPr lang="en-US" dirty="0"/>
+              <a:t> </a:t>
+            </a:r>
+            <a:r>
+              <a:rPr lang="en-US" dirty="0" err="1"/>
+              <a:t>haben</a:t>
+            </a:r>
+            <a:r>
+              <a:rPr lang="en-US" dirty="0"/>
+              <a:t> </a:t>
+            </a:r>
+            <a:r>
+              <a:rPr lang="en-US" dirty="0" err="1"/>
+              <a:t>deshalb</a:t>
+            </a:r>
+            <a:r>
+              <a:rPr lang="en-US" dirty="0"/>
+              <a:t> </a:t>
+            </a:r>
+            <a:r>
+              <a:rPr lang="en-US" dirty="0" err="1"/>
+              <a:t>unser</a:t>
+            </a:r>
+            <a:r>
+              <a:rPr lang="en-US" dirty="0"/>
+              <a:t> </a:t>
+            </a:r>
+            <a:r>
+              <a:rPr lang="en-US" dirty="0" err="1"/>
+              <a:t>Programm</a:t>
+            </a:r>
+            <a:r>
+              <a:rPr lang="en-US" dirty="0"/>
+              <a:t> so </a:t>
+            </a:r>
+            <a:r>
+              <a:rPr lang="en-US" dirty="0" err="1"/>
+              <a:t>programmiert</a:t>
+            </a:r>
+            <a:r>
+              <a:rPr lang="en-US" dirty="0"/>
+              <a:t>, </a:t>
+            </a:r>
+            <a:r>
+              <a:rPr lang="en-US" dirty="0" err="1"/>
+              <a:t>dass</a:t>
+            </a:r>
+            <a:r>
+              <a:rPr lang="en-US" dirty="0"/>
+              <a:t> es </a:t>
+            </a:r>
+            <a:r>
+              <a:rPr lang="en-US" dirty="0" err="1"/>
+              <a:t>warten</a:t>
+            </a:r>
+            <a:r>
+              <a:rPr lang="en-US" dirty="0"/>
+              <a:t> </a:t>
+            </a:r>
+            <a:r>
+              <a:rPr lang="en-US" dirty="0" err="1"/>
+              <a:t>kann</a:t>
+            </a:r>
+            <a:r>
+              <a:rPr lang="en-US" dirty="0"/>
+              <a:t> bis Influx </a:t>
+            </a:r>
+            <a:r>
+              <a:rPr lang="en-US" dirty="0" err="1"/>
+              <a:t>gestartet</a:t>
+            </a:r>
+            <a:r>
+              <a:rPr lang="en-US" dirty="0"/>
+              <a:t> </a:t>
+            </a:r>
+            <a:r>
+              <a:rPr lang="en-US" dirty="0" err="1"/>
+              <a:t>ist</a:t>
+            </a:r>
+            <a:r>
+              <a:rPr lang="en-US" dirty="0"/>
+              <a:t>.</a:t>
+            </a:r>
+          </a:p>
         </p:txBody>
       </p:sp>
       <p:sp>
@@ -4991,7 +5711,7 @@
     </p:spTree>
     <p:extLst>
       <p:ext uri="{BB962C8B-B14F-4D97-AF65-F5344CB8AC3E}">
-        <p14:creationId xmlns:p14="http://schemas.microsoft.com/office/powerpoint/2010/main" val="2088518910"/>
+        <p14:creationId xmlns:p14="http://schemas.microsoft.com/office/powerpoint/2010/main" val="1503600029"/>
       </p:ext>
     </p:extLst>
   </p:cSld>
@@ -5045,23 +5765,6 @@
           <a:bodyPr/>
           <a:lstStyle/>
           <a:p>
-            <a:pPr marL="0" marR="0" lvl="0" indent="0" algn="l" defTabSz="914400" rtl="0" eaLnBrk="1" fontAlgn="auto" latinLnBrk="0" hangingPunct="1">
-              <a:lnSpc>
-                <a:spcPct val="100000"/>
-              </a:lnSpc>
-              <a:spcBef>
-                <a:spcPts val="0"/>
-              </a:spcBef>
-              <a:spcAft>
-                <a:spcPts val="0"/>
-              </a:spcAft>
-              <a:buClrTx/>
-              <a:buSzTx/>
-              <a:buFontTx/>
-              <a:buNone/>
-              <a:tabLst/>
-              <a:defRPr/>
-            </a:pPr>
             <a:r>
               <a:rPr lang="en-US" dirty="0"/>
               <a:t>Florin:</a:t>
@@ -5095,7 +5798,7 @@
     </p:spTree>
     <p:extLst>
       <p:ext uri="{BB962C8B-B14F-4D97-AF65-F5344CB8AC3E}">
-        <p14:creationId xmlns:p14="http://schemas.microsoft.com/office/powerpoint/2010/main" val="3464812281"/>
+        <p14:creationId xmlns:p14="http://schemas.microsoft.com/office/powerpoint/2010/main" val="2088518910"/>
       </p:ext>
     </p:extLst>
   </p:cSld>
@@ -5149,9 +5852,26 @@
           <a:bodyPr/>
           <a:lstStyle/>
           <a:p>
-            <a:r>
-              <a:rPr lang="en-US" dirty="0"/>
-              <a:t>Sean:</a:t>
+            <a:pPr marL="0" marR="0" lvl="0" indent="0" algn="l" defTabSz="914400" rtl="0" eaLnBrk="1" fontAlgn="auto" latinLnBrk="0" hangingPunct="1">
+              <a:lnSpc>
+                <a:spcPct val="100000"/>
+              </a:lnSpc>
+              <a:spcBef>
+                <a:spcPts val="0"/>
+              </a:spcBef>
+              <a:spcAft>
+                <a:spcPts val="0"/>
+              </a:spcAft>
+              <a:buClrTx/>
+              <a:buSzTx/>
+              <a:buFontTx/>
+              <a:buNone/>
+              <a:tabLst/>
+              <a:defRPr/>
+            </a:pPr>
+            <a:r>
+              <a:rPr lang="en-US" dirty="0"/>
+              <a:t>Florin:</a:t>
             </a:r>
           </a:p>
         </p:txBody>
@@ -5182,7 +5902,7 @@
     </p:spTree>
     <p:extLst>
       <p:ext uri="{BB962C8B-B14F-4D97-AF65-F5344CB8AC3E}">
-        <p14:creationId xmlns:p14="http://schemas.microsoft.com/office/powerpoint/2010/main" val="3101912960"/>
+        <p14:creationId xmlns:p14="http://schemas.microsoft.com/office/powerpoint/2010/main" val="3464812281"/>
       </p:ext>
     </p:extLst>
   </p:cSld>
@@ -5238,7 +5958,7 @@
           <a:p>
             <a:r>
               <a:rPr lang="en-US" dirty="0"/>
-              <a:t>Etienne:</a:t>
+              <a:t>Sean:</a:t>
             </a:r>
           </a:p>
         </p:txBody>
@@ -5269,7 +5989,7 @@
     </p:spTree>
     <p:extLst>
       <p:ext uri="{BB962C8B-B14F-4D97-AF65-F5344CB8AC3E}">
-        <p14:creationId xmlns:p14="http://schemas.microsoft.com/office/powerpoint/2010/main" val="1938111001"/>
+        <p14:creationId xmlns:p14="http://schemas.microsoft.com/office/powerpoint/2010/main" val="3101912960"/>
       </p:ext>
     </p:extLst>
   </p:cSld>
@@ -5412,344 +6132,8 @@
           <a:p>
             <a:r>
               <a:rPr lang="en-US" dirty="0"/>
-              <a:t>Etienne: Flask </a:t>
-            </a:r>
-            <a:r>
-              <a:rPr lang="en-US" dirty="0" err="1"/>
-              <a:t>ist</a:t>
-            </a:r>
-            <a:r>
-              <a:rPr lang="en-US" dirty="0"/>
-              <a:t> </a:t>
-            </a:r>
-            <a:r>
-              <a:rPr lang="en-US" dirty="0" err="1"/>
-              <a:t>ein</a:t>
-            </a:r>
-            <a:r>
-              <a:rPr lang="en-US" dirty="0"/>
-              <a:t> </a:t>
-            </a:r>
-            <a:r>
-              <a:rPr lang="en-US" dirty="0" err="1"/>
-              <a:t>Mikro</a:t>
-            </a:r>
-            <a:r>
-              <a:rPr lang="en-US" dirty="0"/>
-              <a:t> </a:t>
-            </a:r>
-            <a:r>
-              <a:rPr lang="en-US" dirty="0" err="1"/>
-              <a:t>Webframework</a:t>
-            </a:r>
-            <a:r>
-              <a:rPr lang="en-US" dirty="0"/>
-              <a:t> </a:t>
-            </a:r>
-            <a:r>
-              <a:rPr lang="en-US" dirty="0" err="1"/>
-              <a:t>zum</a:t>
-            </a:r>
-            <a:r>
-              <a:rPr lang="en-US" dirty="0"/>
-              <a:t> </a:t>
-            </a:r>
-            <a:r>
-              <a:rPr lang="en-US" dirty="0" err="1"/>
-              <a:t>Programmieren</a:t>
-            </a:r>
-            <a:r>
-              <a:rPr lang="en-US" dirty="0"/>
-              <a:t> von </a:t>
-            </a:r>
-            <a:r>
-              <a:rPr lang="en-US" dirty="0" err="1"/>
-              <a:t>Webanwendungen</a:t>
-            </a:r>
-            <a:r>
-              <a:rPr lang="en-US" dirty="0"/>
-              <a:t> in der </a:t>
-            </a:r>
-            <a:r>
-              <a:rPr lang="en-US" dirty="0" err="1"/>
-              <a:t>Programmiersprache</a:t>
-            </a:r>
-            <a:r>
-              <a:rPr lang="en-US" dirty="0"/>
-              <a:t> Python. Es </a:t>
-            </a:r>
-            <a:r>
-              <a:rPr lang="en-US" dirty="0" err="1"/>
-              <a:t>ist</a:t>
-            </a:r>
-            <a:r>
-              <a:rPr lang="en-US" dirty="0"/>
-              <a:t> </a:t>
-            </a:r>
-            <a:r>
-              <a:rPr lang="en-US" dirty="0" err="1"/>
-              <a:t>ein</a:t>
-            </a:r>
-            <a:r>
-              <a:rPr lang="en-US" dirty="0"/>
-              <a:t> Open Source </a:t>
-            </a:r>
-            <a:r>
-              <a:rPr lang="en-US" dirty="0" err="1"/>
-              <a:t>Projekt</a:t>
-            </a:r>
-            <a:r>
-              <a:rPr lang="en-US" dirty="0"/>
-              <a:t> und </a:t>
-            </a:r>
-            <a:r>
-              <a:rPr lang="en-US" dirty="0" err="1"/>
-              <a:t>wurde</a:t>
-            </a:r>
-            <a:r>
-              <a:rPr lang="en-US" dirty="0"/>
-              <a:t> von </a:t>
-            </a:r>
-            <a:r>
-              <a:rPr lang="en-US" dirty="0" err="1"/>
-              <a:t>einem</a:t>
-            </a:r>
-            <a:r>
-              <a:rPr lang="en-US" dirty="0"/>
-              <a:t> </a:t>
-            </a:r>
-            <a:r>
-              <a:rPr lang="en-US" dirty="0" err="1"/>
-              <a:t>österreichischen</a:t>
-            </a:r>
-            <a:r>
-              <a:rPr lang="en-US" dirty="0"/>
-              <a:t> </a:t>
-            </a:r>
-            <a:r>
-              <a:rPr lang="en-US" dirty="0" err="1"/>
-              <a:t>Entwickler</a:t>
-            </a:r>
-            <a:r>
-              <a:rPr lang="en-US" dirty="0"/>
-              <a:t> </a:t>
-            </a:r>
-            <a:r>
-              <a:rPr lang="en-US" dirty="0" err="1"/>
-              <a:t>entwofen</a:t>
-            </a:r>
-            <a:r>
-              <a:rPr lang="en-US" dirty="0"/>
-              <a:t>. </a:t>
-            </a:r>
-            <a:r>
-              <a:rPr lang="en-US" dirty="0" err="1"/>
-              <a:t>Neben</a:t>
-            </a:r>
-            <a:r>
-              <a:rPr lang="en-US" dirty="0"/>
-              <a:t> Django </a:t>
-            </a:r>
-            <a:r>
-              <a:rPr lang="en-US" dirty="0" err="1"/>
-              <a:t>ist</a:t>
-            </a:r>
-            <a:r>
-              <a:rPr lang="en-US" dirty="0"/>
-              <a:t> Flask das </a:t>
-            </a:r>
-            <a:r>
-              <a:rPr lang="en-US" dirty="0" err="1"/>
-              <a:t>weitverbreiteste</a:t>
-            </a:r>
-            <a:r>
-              <a:rPr lang="en-US" dirty="0"/>
-              <a:t> </a:t>
-            </a:r>
-            <a:r>
-              <a:rPr lang="en-US" dirty="0" err="1"/>
-              <a:t>Webframework</a:t>
-            </a:r>
-            <a:r>
-              <a:rPr lang="en-US" dirty="0"/>
-              <a:t>.</a:t>
-            </a:r>
-          </a:p>
-          <a:p>
-            <a:r>
-              <a:rPr lang="en-US" dirty="0" err="1"/>
-              <a:t>Wir</a:t>
-            </a:r>
-            <a:r>
-              <a:rPr lang="en-US" dirty="0"/>
-              <a:t> </a:t>
-            </a:r>
-            <a:r>
-              <a:rPr lang="en-US" dirty="0" err="1"/>
-              <a:t>haben</a:t>
-            </a:r>
-            <a:r>
-              <a:rPr lang="en-US" dirty="0"/>
-              <a:t> </a:t>
-            </a:r>
-            <a:r>
-              <a:rPr lang="en-US" dirty="0" err="1"/>
-              <a:t>uns</a:t>
-            </a:r>
-            <a:r>
-              <a:rPr lang="en-US" dirty="0"/>
-              <a:t> </a:t>
-            </a:r>
-            <a:r>
-              <a:rPr lang="en-US" dirty="0" err="1"/>
-              <a:t>dazu</a:t>
-            </a:r>
-            <a:r>
-              <a:rPr lang="en-US" dirty="0"/>
-              <a:t> </a:t>
-            </a:r>
-            <a:r>
-              <a:rPr lang="en-US" dirty="0" err="1"/>
-              <a:t>entschieden</a:t>
-            </a:r>
-            <a:r>
-              <a:rPr lang="en-US" dirty="0"/>
-              <a:t>, </a:t>
-            </a:r>
-            <a:r>
-              <a:rPr lang="en-US" dirty="0" err="1"/>
-              <a:t>dass</a:t>
-            </a:r>
-            <a:r>
-              <a:rPr lang="en-US" dirty="0"/>
-              <a:t> </a:t>
-            </a:r>
-            <a:r>
-              <a:rPr lang="en-US" dirty="0" err="1"/>
-              <a:t>ganze</a:t>
-            </a:r>
-            <a:r>
-              <a:rPr lang="en-US" dirty="0"/>
-              <a:t> </a:t>
-            </a:r>
-            <a:r>
-              <a:rPr lang="en-US" dirty="0" err="1"/>
-              <a:t>mit</a:t>
-            </a:r>
-            <a:r>
-              <a:rPr lang="en-US" dirty="0"/>
-              <a:t> </a:t>
-            </a:r>
-            <a:r>
-              <a:rPr lang="en-US" dirty="0" err="1"/>
-              <a:t>Flaskwebgui</a:t>
-            </a:r>
-            <a:r>
-              <a:rPr lang="en-US" dirty="0"/>
-              <a:t> </a:t>
-            </a:r>
-            <a:r>
-              <a:rPr lang="en-US" dirty="0" err="1"/>
-              <a:t>umzusetzen</a:t>
-            </a:r>
-            <a:r>
-              <a:rPr lang="en-US" dirty="0"/>
-              <a:t> </a:t>
-            </a:r>
-            <a:r>
-              <a:rPr lang="en-US" dirty="0" err="1"/>
-              <a:t>einer</a:t>
-            </a:r>
-            <a:r>
-              <a:rPr lang="en-US" dirty="0"/>
-              <a:t> Library die es </a:t>
-            </a:r>
-            <a:r>
-              <a:rPr lang="en-US" dirty="0" err="1"/>
-              <a:t>ermöglicht</a:t>
-            </a:r>
-            <a:r>
-              <a:rPr lang="en-US" dirty="0"/>
-              <a:t> </a:t>
-            </a:r>
-            <a:r>
-              <a:rPr lang="en-US" dirty="0" err="1"/>
-              <a:t>ähnlich</a:t>
-            </a:r>
-            <a:r>
-              <a:rPr lang="en-US" dirty="0"/>
-              <a:t> </a:t>
-            </a:r>
-            <a:r>
-              <a:rPr lang="en-US" dirty="0" err="1"/>
-              <a:t>wie</a:t>
-            </a:r>
-            <a:r>
-              <a:rPr lang="en-US" dirty="0"/>
-              <a:t> </a:t>
-            </a:r>
-            <a:r>
-              <a:rPr lang="en-US" dirty="0" err="1"/>
-              <a:t>bei</a:t>
-            </a:r>
-            <a:r>
-              <a:rPr lang="en-US" dirty="0"/>
-              <a:t> Electron Apps </a:t>
-            </a:r>
-            <a:r>
-              <a:rPr lang="en-US" dirty="0" err="1"/>
-              <a:t>einen</a:t>
-            </a:r>
-            <a:r>
-              <a:rPr lang="en-US" dirty="0"/>
-              <a:t> Website </a:t>
-            </a:r>
-            <a:r>
-              <a:rPr lang="en-US" dirty="0" err="1"/>
-              <a:t>ohne</a:t>
-            </a:r>
-            <a:r>
-              <a:rPr lang="en-US" dirty="0"/>
-              <a:t> Backend </a:t>
-            </a:r>
-            <a:r>
-              <a:rPr lang="en-US" dirty="0" err="1"/>
-              <a:t>laufen</a:t>
-            </a:r>
-            <a:r>
-              <a:rPr lang="en-US" dirty="0"/>
-              <a:t> </a:t>
-            </a:r>
-            <a:r>
-              <a:rPr lang="en-US" dirty="0" err="1"/>
-              <a:t>zulaufen</a:t>
-            </a:r>
-            <a:r>
-              <a:rPr lang="en-US" dirty="0"/>
-              <a:t> direct auf dem Client </a:t>
-            </a:r>
-            <a:r>
-              <a:rPr lang="en-US" dirty="0" err="1"/>
-              <a:t>mit</a:t>
-            </a:r>
-            <a:r>
-              <a:rPr lang="en-US" dirty="0"/>
-              <a:t> </a:t>
-            </a:r>
-            <a:r>
-              <a:rPr lang="en-US" dirty="0" err="1"/>
-              <a:t>integriertem</a:t>
-            </a:r>
-            <a:r>
-              <a:rPr lang="en-US" dirty="0"/>
-              <a:t> Webserver.</a:t>
-            </a:r>
-          </a:p>
-          <a:p>
-            <a:endParaRPr lang="en-US" dirty="0"/>
-          </a:p>
-          <a:p>
-            <a:endParaRPr lang="en-US" dirty="0"/>
+              <a:t>Etienne:</a:t>
+            </a:r>
           </a:p>
         </p:txBody>
       </p:sp>
@@ -5779,7 +6163,7 @@
     </p:spTree>
     <p:extLst>
       <p:ext uri="{BB962C8B-B14F-4D97-AF65-F5344CB8AC3E}">
-        <p14:creationId xmlns:p14="http://schemas.microsoft.com/office/powerpoint/2010/main" val="102183800"/>
+        <p14:creationId xmlns:p14="http://schemas.microsoft.com/office/powerpoint/2010/main" val="1938111001"/>
       </p:ext>
     </p:extLst>
   </p:cSld>
@@ -5834,16 +6218,12 @@
           <a:lstStyle/>
           <a:p>
             <a:r>
-              <a:rPr lang="en-US" dirty="0" err="1"/>
-              <a:t>Isch</a:t>
-            </a:r>
-            <a:r>
-              <a:rPr lang="en-US" dirty="0"/>
-              <a:t> die Folie </a:t>
-            </a:r>
-            <a:r>
-              <a:rPr lang="en-US" dirty="0" err="1"/>
-              <a:t>würklich</a:t>
+              <a:rPr lang="en-US" dirty="0"/>
+              <a:t>Etienne: Flask </a:t>
+            </a:r>
+            <a:r>
+              <a:rPr lang="en-US" dirty="0" err="1"/>
+              <a:t>ist</a:t>
             </a:r>
             <a:r>
               <a:rPr lang="en-US" dirty="0"/>
@@ -5851,7 +6231,7 @@
             </a:r>
             <a:r>
               <a:rPr lang="en-US" dirty="0" err="1"/>
-              <a:t>notwendig</a:t>
+              <a:t>ein</a:t>
             </a:r>
             <a:r>
               <a:rPr lang="en-US" dirty="0"/>
@@ -5859,504 +6239,321 @@
             </a:r>
             <a:r>
               <a:rPr lang="en-US" dirty="0" err="1"/>
-              <a:t>wenns</a:t>
-            </a:r>
-            <a:r>
-              <a:rPr lang="en-US" dirty="0"/>
-              <a:t> de Florin eh no </a:t>
-            </a:r>
-            <a:r>
-              <a:rPr lang="en-US" dirty="0" err="1"/>
-              <a:t>vorstellt</a:t>
-            </a:r>
-            <a:r>
-              <a:rPr lang="en-US" dirty="0"/>
-              <a:t> ??????</a:t>
+              <a:t>Mikro</a:t>
+            </a:r>
+            <a:r>
+              <a:rPr lang="en-US" dirty="0"/>
+              <a:t> </a:t>
+            </a:r>
+            <a:r>
+              <a:rPr lang="en-US" dirty="0" err="1"/>
+              <a:t>Webframework</a:t>
+            </a:r>
+            <a:r>
+              <a:rPr lang="en-US" dirty="0"/>
+              <a:t> </a:t>
+            </a:r>
+            <a:r>
+              <a:rPr lang="en-US" dirty="0" err="1"/>
+              <a:t>zum</a:t>
+            </a:r>
+            <a:r>
+              <a:rPr lang="en-US" dirty="0"/>
+              <a:t> </a:t>
+            </a:r>
+            <a:r>
+              <a:rPr lang="en-US" dirty="0" err="1"/>
+              <a:t>Programmieren</a:t>
+            </a:r>
+            <a:r>
+              <a:rPr lang="en-US" dirty="0"/>
+              <a:t> von </a:t>
+            </a:r>
+            <a:r>
+              <a:rPr lang="en-US" dirty="0" err="1"/>
+              <a:t>Webanwendungen</a:t>
+            </a:r>
+            <a:r>
+              <a:rPr lang="en-US" dirty="0"/>
+              <a:t> in der </a:t>
+            </a:r>
+            <a:r>
+              <a:rPr lang="en-US" dirty="0" err="1"/>
+              <a:t>Programmiersprache</a:t>
+            </a:r>
+            <a:r>
+              <a:rPr lang="en-US" dirty="0"/>
+              <a:t> Python. Es </a:t>
+            </a:r>
+            <a:r>
+              <a:rPr lang="en-US" dirty="0" err="1"/>
+              <a:t>ist</a:t>
+            </a:r>
+            <a:r>
+              <a:rPr lang="en-US" dirty="0"/>
+              <a:t> </a:t>
+            </a:r>
+            <a:r>
+              <a:rPr lang="en-US" dirty="0" err="1"/>
+              <a:t>ein</a:t>
+            </a:r>
+            <a:r>
+              <a:rPr lang="en-US" dirty="0"/>
+              <a:t> Open Source </a:t>
+            </a:r>
+            <a:r>
+              <a:rPr lang="en-US" dirty="0" err="1"/>
+              <a:t>Projekt</a:t>
+            </a:r>
+            <a:r>
+              <a:rPr lang="en-US" dirty="0"/>
+              <a:t> und </a:t>
+            </a:r>
+            <a:r>
+              <a:rPr lang="en-US" dirty="0" err="1"/>
+              <a:t>wurde</a:t>
+            </a:r>
+            <a:r>
+              <a:rPr lang="en-US" dirty="0"/>
+              <a:t> von </a:t>
+            </a:r>
+            <a:r>
+              <a:rPr lang="en-US" dirty="0" err="1"/>
+              <a:t>einem</a:t>
+            </a:r>
+            <a:r>
+              <a:rPr lang="en-US" dirty="0"/>
+              <a:t> </a:t>
+            </a:r>
+            <a:r>
+              <a:rPr lang="en-US" dirty="0" err="1"/>
+              <a:t>österreichischen</a:t>
+            </a:r>
+            <a:r>
+              <a:rPr lang="en-US" dirty="0"/>
+              <a:t> </a:t>
+            </a:r>
+            <a:r>
+              <a:rPr lang="en-US" dirty="0" err="1"/>
+              <a:t>Entwickler</a:t>
+            </a:r>
+            <a:r>
+              <a:rPr lang="en-US" dirty="0"/>
+              <a:t> </a:t>
+            </a:r>
+            <a:r>
+              <a:rPr lang="en-US" dirty="0" err="1"/>
+              <a:t>entwofen</a:t>
+            </a:r>
+            <a:r>
+              <a:rPr lang="en-US" dirty="0"/>
+              <a:t>. </a:t>
+            </a:r>
+            <a:r>
+              <a:rPr lang="en-US" dirty="0" err="1"/>
+              <a:t>Neben</a:t>
+            </a:r>
+            <a:r>
+              <a:rPr lang="en-US" dirty="0"/>
+              <a:t> Django </a:t>
+            </a:r>
+            <a:r>
+              <a:rPr lang="en-US" dirty="0" err="1"/>
+              <a:t>ist</a:t>
+            </a:r>
+            <a:r>
+              <a:rPr lang="en-US" dirty="0"/>
+              <a:t> Flask das </a:t>
+            </a:r>
+            <a:r>
+              <a:rPr lang="en-US" dirty="0" err="1"/>
+              <a:t>weitverbreiteste</a:t>
+            </a:r>
+            <a:r>
+              <a:rPr lang="en-US" dirty="0"/>
+              <a:t> </a:t>
+            </a:r>
+            <a:r>
+              <a:rPr lang="en-US" dirty="0" err="1"/>
+              <a:t>Webframework</a:t>
+            </a:r>
+            <a:r>
+              <a:rPr lang="en-US" dirty="0"/>
+              <a:t>.</a:t>
+            </a:r>
+          </a:p>
+          <a:p>
+            <a:r>
+              <a:rPr lang="en-US" dirty="0" err="1"/>
+              <a:t>Wir</a:t>
+            </a:r>
+            <a:r>
+              <a:rPr lang="en-US" dirty="0"/>
+              <a:t> </a:t>
+            </a:r>
+            <a:r>
+              <a:rPr lang="en-US" dirty="0" err="1"/>
+              <a:t>haben</a:t>
+            </a:r>
+            <a:r>
+              <a:rPr lang="en-US" dirty="0"/>
+              <a:t> </a:t>
+            </a:r>
+            <a:r>
+              <a:rPr lang="en-US" dirty="0" err="1"/>
+              <a:t>uns</a:t>
+            </a:r>
+            <a:r>
+              <a:rPr lang="en-US" dirty="0"/>
+              <a:t> </a:t>
+            </a:r>
+            <a:r>
+              <a:rPr lang="en-US" dirty="0" err="1"/>
+              <a:t>dazu</a:t>
+            </a:r>
+            <a:r>
+              <a:rPr lang="en-US" dirty="0"/>
+              <a:t> </a:t>
+            </a:r>
+            <a:r>
+              <a:rPr lang="en-US" dirty="0" err="1"/>
+              <a:t>entschieden</a:t>
+            </a:r>
+            <a:r>
+              <a:rPr lang="en-US" dirty="0"/>
+              <a:t>, </a:t>
+            </a:r>
+            <a:r>
+              <a:rPr lang="en-US" dirty="0" err="1"/>
+              <a:t>dass</a:t>
+            </a:r>
+            <a:r>
+              <a:rPr lang="en-US" dirty="0"/>
+              <a:t> </a:t>
+            </a:r>
+            <a:r>
+              <a:rPr lang="en-US" dirty="0" err="1"/>
+              <a:t>ganze</a:t>
+            </a:r>
+            <a:r>
+              <a:rPr lang="en-US" dirty="0"/>
+              <a:t> </a:t>
+            </a:r>
+            <a:r>
+              <a:rPr lang="en-US" dirty="0" err="1"/>
+              <a:t>mit</a:t>
+            </a:r>
+            <a:r>
+              <a:rPr lang="en-US" dirty="0"/>
+              <a:t> </a:t>
+            </a:r>
+            <a:r>
+              <a:rPr lang="en-US" dirty="0" err="1"/>
+              <a:t>Flaskwebgui</a:t>
+            </a:r>
+            <a:r>
+              <a:rPr lang="en-US" dirty="0"/>
+              <a:t> </a:t>
+            </a:r>
+            <a:r>
+              <a:rPr lang="en-US" dirty="0" err="1"/>
+              <a:t>umzusetzen</a:t>
+            </a:r>
+            <a:r>
+              <a:rPr lang="en-US" dirty="0"/>
+              <a:t> </a:t>
+            </a:r>
+            <a:r>
+              <a:rPr lang="en-US" dirty="0" err="1"/>
+              <a:t>einer</a:t>
+            </a:r>
+            <a:r>
+              <a:rPr lang="en-US" dirty="0"/>
+              <a:t> Library die es </a:t>
+            </a:r>
+            <a:r>
+              <a:rPr lang="en-US" dirty="0" err="1"/>
+              <a:t>ermöglicht</a:t>
+            </a:r>
+            <a:r>
+              <a:rPr lang="en-US" dirty="0"/>
+              <a:t> </a:t>
+            </a:r>
+            <a:r>
+              <a:rPr lang="en-US" dirty="0" err="1"/>
+              <a:t>ähnlich</a:t>
+            </a:r>
+            <a:r>
+              <a:rPr lang="en-US" dirty="0"/>
+              <a:t> </a:t>
+            </a:r>
+            <a:r>
+              <a:rPr lang="en-US" dirty="0" err="1"/>
+              <a:t>wie</a:t>
+            </a:r>
+            <a:r>
+              <a:rPr lang="en-US" dirty="0"/>
+              <a:t> </a:t>
+            </a:r>
+            <a:r>
+              <a:rPr lang="en-US" dirty="0" err="1"/>
+              <a:t>bei</a:t>
+            </a:r>
+            <a:r>
+              <a:rPr lang="en-US" dirty="0"/>
+              <a:t> Electron Apps </a:t>
+            </a:r>
+            <a:r>
+              <a:rPr lang="en-US" dirty="0" err="1"/>
+              <a:t>einen</a:t>
+            </a:r>
+            <a:r>
+              <a:rPr lang="en-US" dirty="0"/>
+              <a:t> Website </a:t>
+            </a:r>
+            <a:r>
+              <a:rPr lang="en-US" dirty="0" err="1"/>
+              <a:t>ohne</a:t>
+            </a:r>
+            <a:r>
+              <a:rPr lang="en-US" dirty="0"/>
+              <a:t> Backend </a:t>
+            </a:r>
+            <a:r>
+              <a:rPr lang="en-US" dirty="0" err="1"/>
+              <a:t>laufen</a:t>
+            </a:r>
+            <a:r>
+              <a:rPr lang="en-US" dirty="0"/>
+              <a:t> </a:t>
+            </a:r>
+            <a:r>
+              <a:rPr lang="en-US" dirty="0" err="1"/>
+              <a:t>zulaufen</a:t>
+            </a:r>
+            <a:r>
+              <a:rPr lang="en-US" dirty="0"/>
+              <a:t> direct auf dem Client </a:t>
+            </a:r>
+            <a:r>
+              <a:rPr lang="en-US" dirty="0" err="1"/>
+              <a:t>mit</a:t>
+            </a:r>
+            <a:r>
+              <a:rPr lang="en-US" dirty="0"/>
+              <a:t> </a:t>
+            </a:r>
+            <a:r>
+              <a:rPr lang="en-US" dirty="0" err="1"/>
+              <a:t>integriertem</a:t>
+            </a:r>
+            <a:r>
+              <a:rPr lang="en-US" dirty="0"/>
+              <a:t> Webserver.</a:t>
             </a:r>
           </a:p>
           <a:p>
             <a:endParaRPr lang="en-US" dirty="0"/>
-          </a:p>
-          <a:p>
-            <a:endParaRPr lang="en-US" dirty="0"/>
-          </a:p>
-          <a:p>
-            <a:r>
-              <a:rPr lang="en-US" dirty="0"/>
-              <a:t>Etienne: Das </a:t>
-            </a:r>
-            <a:r>
-              <a:rPr lang="en-US" dirty="0" err="1"/>
-              <a:t>Webrouting</a:t>
-            </a:r>
-            <a:r>
-              <a:rPr lang="en-US" dirty="0"/>
-              <a:t> </a:t>
-            </a:r>
-            <a:r>
-              <a:rPr lang="en-US" dirty="0" err="1"/>
-              <a:t>wurde</a:t>
-            </a:r>
-            <a:r>
-              <a:rPr lang="en-US" dirty="0"/>
-              <a:t> </a:t>
-            </a:r>
-            <a:r>
-              <a:rPr lang="en-US" dirty="0" err="1"/>
-              <a:t>wie</a:t>
-            </a:r>
-            <a:r>
-              <a:rPr lang="en-US" dirty="0"/>
-              <a:t> </a:t>
-            </a:r>
-            <a:r>
-              <a:rPr lang="en-US" dirty="0" err="1"/>
-              <a:t>folgt</a:t>
-            </a:r>
-            <a:r>
-              <a:rPr lang="en-US" dirty="0"/>
-              <a:t> auf </a:t>
-            </a:r>
-            <a:r>
-              <a:rPr lang="en-US" dirty="0" err="1"/>
-              <a:t>geteil</a:t>
-            </a:r>
-            <a:r>
-              <a:rPr lang="en-US" dirty="0"/>
-              <a:t> </a:t>
-            </a:r>
-            <a:r>
-              <a:rPr lang="en-US" dirty="0" err="1"/>
-              <a:t>wir</a:t>
-            </a:r>
-            <a:r>
-              <a:rPr lang="en-US" dirty="0"/>
-              <a:t> </a:t>
-            </a:r>
-            <a:r>
-              <a:rPr lang="en-US" dirty="0" err="1"/>
-              <a:t>haben</a:t>
-            </a:r>
-            <a:r>
-              <a:rPr lang="en-US" dirty="0"/>
-              <a:t> </a:t>
-            </a:r>
-            <a:r>
-              <a:rPr lang="en-US" dirty="0" err="1"/>
-              <a:t>einmal</a:t>
-            </a:r>
-            <a:r>
-              <a:rPr lang="en-US" dirty="0"/>
-              <a:t> den Home Screen </a:t>
-            </a:r>
-            <a:r>
-              <a:rPr lang="en-US" dirty="0" err="1"/>
-              <a:t>mit</a:t>
-            </a:r>
-            <a:r>
-              <a:rPr lang="en-US" dirty="0"/>
-              <a:t> den </a:t>
-            </a:r>
-            <a:r>
-              <a:rPr lang="en-US" dirty="0" err="1"/>
-              <a:t>zwei</a:t>
-            </a:r>
-            <a:r>
-              <a:rPr lang="en-US" dirty="0"/>
-              <a:t> </a:t>
-            </a:r>
-            <a:r>
-              <a:rPr lang="en-US" dirty="0" err="1"/>
-              <a:t>Messstationen</a:t>
-            </a:r>
-            <a:r>
-              <a:rPr lang="en-US" dirty="0"/>
-              <a:t>. Die man </a:t>
-            </a:r>
-            <a:r>
-              <a:rPr lang="en-US" dirty="0" err="1"/>
-              <a:t>mit</a:t>
-            </a:r>
-            <a:r>
-              <a:rPr lang="en-US" dirty="0"/>
-              <a:t> </a:t>
-            </a:r>
-            <a:r>
-              <a:rPr lang="en-US" dirty="0" err="1"/>
-              <a:t>nur</a:t>
-            </a:r>
-            <a:r>
-              <a:rPr lang="en-US" dirty="0"/>
-              <a:t> </a:t>
-            </a:r>
-            <a:r>
-              <a:rPr lang="en-US" dirty="0" err="1"/>
-              <a:t>einem</a:t>
-            </a:r>
-            <a:r>
-              <a:rPr lang="en-US" dirty="0"/>
-              <a:t> Touch auf den </a:t>
-            </a:r>
-            <a:r>
-              <a:rPr lang="en-US" dirty="0" err="1"/>
-              <a:t>Jeweiligen</a:t>
-            </a:r>
-            <a:r>
-              <a:rPr lang="en-US" dirty="0"/>
-              <a:t> Button </a:t>
-            </a:r>
-            <a:r>
-              <a:rPr lang="en-US" dirty="0" err="1"/>
-              <a:t>switchen</a:t>
-            </a:r>
-            <a:r>
-              <a:rPr lang="en-US" dirty="0"/>
-              <a:t> </a:t>
-            </a:r>
-            <a:r>
-              <a:rPr lang="en-US" dirty="0" err="1"/>
-              <a:t>kann</a:t>
-            </a:r>
-            <a:r>
-              <a:rPr lang="en-US" dirty="0"/>
-              <a:t>.</a:t>
-            </a:r>
-          </a:p>
-          <a:p>
-            <a:r>
-              <a:rPr lang="en-US" dirty="0" err="1"/>
-              <a:t>Dabei</a:t>
-            </a:r>
-            <a:r>
-              <a:rPr lang="en-US" dirty="0"/>
-              <a:t> </a:t>
-            </a:r>
-            <a:r>
-              <a:rPr lang="en-US" dirty="0" err="1"/>
-              <a:t>haben</a:t>
-            </a:r>
-            <a:r>
-              <a:rPr lang="en-US" dirty="0"/>
-              <a:t> </a:t>
-            </a:r>
-            <a:r>
-              <a:rPr lang="en-US" dirty="0" err="1"/>
-              <a:t>wir</a:t>
-            </a:r>
-            <a:r>
-              <a:rPr lang="en-US" dirty="0"/>
-              <a:t> </a:t>
-            </a:r>
-            <a:r>
-              <a:rPr lang="en-US" dirty="0" err="1"/>
-              <a:t>jeweils</a:t>
-            </a:r>
-            <a:r>
-              <a:rPr lang="en-US" dirty="0"/>
-              <a:t> </a:t>
-            </a:r>
-            <a:r>
-              <a:rPr lang="en-US" dirty="0" err="1"/>
-              <a:t>vier</a:t>
-            </a:r>
-            <a:r>
-              <a:rPr lang="en-US" dirty="0"/>
-              <a:t> </a:t>
-            </a:r>
-            <a:r>
-              <a:rPr lang="en-US" dirty="0" err="1"/>
-              <a:t>übersichtsseiten</a:t>
-            </a:r>
-            <a:r>
-              <a:rPr lang="en-US" dirty="0"/>
-              <a:t> der </a:t>
-            </a:r>
-            <a:r>
-              <a:rPr lang="en-US" dirty="0" err="1"/>
-              <a:t>Messtationen</a:t>
-            </a:r>
-            <a:r>
-              <a:rPr lang="en-US" dirty="0"/>
-              <a:t> </a:t>
-            </a:r>
-            <a:r>
-              <a:rPr lang="en-US" dirty="0" err="1"/>
-              <a:t>aufgeteilt</a:t>
-            </a:r>
-            <a:r>
-              <a:rPr lang="en-US" dirty="0"/>
-              <a:t> in Wind </a:t>
-            </a:r>
-            <a:r>
-              <a:rPr lang="en-US" dirty="0" err="1"/>
-              <a:t>Tempeatur</a:t>
-            </a:r>
-            <a:r>
-              <a:rPr lang="en-US" dirty="0"/>
-              <a:t> Wass und </a:t>
-            </a:r>
-            <a:r>
-              <a:rPr lang="en-US" dirty="0" err="1"/>
-              <a:t>Warnungen</a:t>
-            </a:r>
-            <a:r>
-              <a:rPr lang="en-US" dirty="0"/>
-              <a:t>. </a:t>
-            </a:r>
-            <a:r>
-              <a:rPr lang="en-US" dirty="0" err="1"/>
-              <a:t>Mit</a:t>
-            </a:r>
-            <a:r>
-              <a:rPr lang="en-US" dirty="0"/>
-              <a:t> dem Klick auf den </a:t>
-            </a:r>
-            <a:r>
-              <a:rPr lang="en-US" dirty="0" err="1"/>
-              <a:t>Jeweiligen</a:t>
-            </a:r>
-            <a:r>
-              <a:rPr lang="en-US" dirty="0"/>
-              <a:t> link </a:t>
-            </a:r>
-            <a:r>
-              <a:rPr lang="en-US" dirty="0" err="1"/>
-              <a:t>öffnet</a:t>
-            </a:r>
-            <a:r>
-              <a:rPr lang="en-US" dirty="0"/>
-              <a:t> </a:t>
-            </a:r>
-            <a:r>
-              <a:rPr lang="en-US" dirty="0" err="1"/>
-              <a:t>sich</a:t>
-            </a:r>
-            <a:r>
-              <a:rPr lang="en-US" dirty="0"/>
-              <a:t> </a:t>
-            </a:r>
-            <a:r>
-              <a:rPr lang="en-US" dirty="0" err="1"/>
-              <a:t>dann</a:t>
-            </a:r>
-            <a:r>
-              <a:rPr lang="en-US" dirty="0"/>
-              <a:t> die </a:t>
-            </a:r>
-            <a:r>
-              <a:rPr lang="en-US" dirty="0" err="1"/>
-              <a:t>jeweilige</a:t>
-            </a:r>
-            <a:r>
-              <a:rPr lang="en-US" dirty="0"/>
-              <a:t> </a:t>
-            </a:r>
-            <a:r>
-              <a:rPr lang="en-US" dirty="0" err="1"/>
-              <a:t>Seite</a:t>
-            </a:r>
-            <a:r>
-              <a:rPr lang="en-US" dirty="0"/>
-              <a:t>.</a:t>
-            </a:r>
-          </a:p>
-          <a:p>
-            <a:r>
-              <a:rPr lang="en-US" dirty="0"/>
-              <a:t>Die </a:t>
-            </a:r>
-            <a:r>
-              <a:rPr lang="en-US" dirty="0" err="1"/>
-              <a:t>dann</a:t>
-            </a:r>
-            <a:r>
-              <a:rPr lang="en-US" dirty="0"/>
-              <a:t> den </a:t>
-            </a:r>
-            <a:r>
-              <a:rPr lang="en-US" dirty="0" err="1"/>
-              <a:t>letzten</a:t>
-            </a:r>
-            <a:r>
-              <a:rPr lang="en-US" dirty="0"/>
-              <a:t> Screen </a:t>
-            </a:r>
-            <a:r>
-              <a:rPr lang="en-US" dirty="0" err="1"/>
-              <a:t>öffnet</a:t>
-            </a:r>
-            <a:r>
-              <a:rPr lang="en-US" dirty="0"/>
-              <a:t> die </a:t>
-            </a:r>
-            <a:r>
-              <a:rPr lang="en-US" dirty="0" err="1"/>
-              <a:t>Grafikten</a:t>
-            </a:r>
-            <a:r>
-              <a:rPr lang="en-US" dirty="0"/>
-              <a:t> und Plots </a:t>
-            </a:r>
-            <a:r>
-              <a:rPr lang="en-US" dirty="0" err="1"/>
-              <a:t>zu</a:t>
-            </a:r>
-            <a:r>
-              <a:rPr lang="en-US" dirty="0"/>
-              <a:t> den </a:t>
-            </a:r>
-            <a:r>
-              <a:rPr lang="en-US" dirty="0" err="1"/>
-              <a:t>jeweiligen</a:t>
-            </a:r>
-            <a:r>
-              <a:rPr lang="en-US" dirty="0"/>
-              <a:t> </a:t>
-            </a:r>
-            <a:r>
-              <a:rPr lang="en-US" dirty="0" err="1"/>
-              <a:t>Unterpunkten</a:t>
-            </a:r>
-            <a:r>
-              <a:rPr lang="en-US" dirty="0"/>
-              <a:t>:</a:t>
-            </a:r>
-          </a:p>
-          <a:p>
-            <a:r>
-              <a:rPr lang="en-US" dirty="0"/>
-              <a:t>Wind </a:t>
-            </a:r>
-            <a:r>
-              <a:rPr lang="en-US" dirty="0" err="1"/>
-              <a:t>Lufttemperutr</a:t>
-            </a:r>
-            <a:r>
-              <a:rPr lang="en-US" dirty="0"/>
-              <a:t> </a:t>
-            </a:r>
-            <a:r>
-              <a:rPr lang="en-US" dirty="0" err="1"/>
-              <a:t>Wassertemperatur</a:t>
-            </a:r>
-            <a:r>
-              <a:rPr lang="en-US" dirty="0"/>
-              <a:t> </a:t>
-            </a:r>
-            <a:r>
-              <a:rPr lang="en-US" dirty="0" err="1"/>
-              <a:t>Taupunkt</a:t>
-            </a:r>
-            <a:r>
-              <a:rPr lang="en-US" dirty="0"/>
-              <a:t> </a:t>
-            </a:r>
-            <a:r>
-              <a:rPr lang="en-US" dirty="0" err="1"/>
-              <a:t>Wasserstand</a:t>
-            </a:r>
-            <a:r>
-              <a:rPr lang="en-US" dirty="0"/>
-              <a:t> und </a:t>
-            </a:r>
-            <a:r>
-              <a:rPr lang="en-US" dirty="0" err="1"/>
-              <a:t>Druck</a:t>
-            </a:r>
-            <a:r>
-              <a:rPr lang="en-US" dirty="0"/>
-              <a:t>.</a:t>
-            </a:r>
-          </a:p>
-          <a:p>
-            <a:r>
-              <a:rPr lang="en-US" dirty="0" err="1"/>
-              <a:t>Mit</a:t>
-            </a:r>
-            <a:r>
-              <a:rPr lang="en-US" dirty="0"/>
-              <a:t> dem </a:t>
-            </a:r>
-            <a:r>
-              <a:rPr lang="en-US" dirty="0" err="1"/>
-              <a:t>jeweilgen</a:t>
-            </a:r>
-            <a:r>
-              <a:rPr lang="en-US" dirty="0"/>
-              <a:t> Button </a:t>
-            </a:r>
-            <a:r>
-              <a:rPr lang="en-US" dirty="0" err="1"/>
-              <a:t>unterhalb</a:t>
-            </a:r>
-            <a:r>
-              <a:rPr lang="en-US" dirty="0"/>
-              <a:t> </a:t>
-            </a:r>
-            <a:r>
-              <a:rPr lang="en-US" dirty="0" err="1"/>
-              <a:t>kann</a:t>
-            </a:r>
-            <a:r>
-              <a:rPr lang="en-US" dirty="0"/>
-              <a:t> </a:t>
-            </a:r>
-            <a:r>
-              <a:rPr lang="en-US" dirty="0" err="1"/>
-              <a:t>zwischen</a:t>
-            </a:r>
-            <a:r>
-              <a:rPr lang="en-US" dirty="0"/>
-              <a:t> den </a:t>
-            </a:r>
-            <a:r>
-              <a:rPr lang="en-US" dirty="0" err="1"/>
-              <a:t>Historischen</a:t>
-            </a:r>
-            <a:r>
-              <a:rPr lang="en-US" dirty="0"/>
-              <a:t> </a:t>
-            </a:r>
-            <a:r>
-              <a:rPr lang="en-US" dirty="0" err="1"/>
-              <a:t>Daten</a:t>
-            </a:r>
-            <a:r>
-              <a:rPr lang="en-US" dirty="0"/>
-              <a:t> dem </a:t>
-            </a:r>
-            <a:r>
-              <a:rPr lang="en-US" dirty="0" err="1"/>
-              <a:t>Aktuellen</a:t>
-            </a:r>
-            <a:r>
-              <a:rPr lang="en-US" dirty="0"/>
-              <a:t> </a:t>
-            </a:r>
-            <a:r>
-              <a:rPr lang="en-US" dirty="0" err="1"/>
-              <a:t>Messtaand</a:t>
-            </a:r>
-            <a:r>
-              <a:rPr lang="en-US" dirty="0"/>
-              <a:t> und der </a:t>
-            </a:r>
-            <a:r>
-              <a:rPr lang="en-US" dirty="0" err="1"/>
-              <a:t>Vorraussage</a:t>
-            </a:r>
-            <a:r>
-              <a:rPr lang="en-US" dirty="0"/>
-              <a:t> </a:t>
-            </a:r>
-            <a:r>
-              <a:rPr lang="en-US" dirty="0" err="1"/>
-              <a:t>umgeschalten</a:t>
-            </a:r>
-            <a:r>
-              <a:rPr lang="en-US" dirty="0"/>
-              <a:t> warden.</a:t>
-            </a:r>
           </a:p>
           <a:p>
             <a:endParaRPr lang="en-US" dirty="0"/>
@@ -6389,7 +6586,7 @@
     </p:spTree>
     <p:extLst>
       <p:ext uri="{BB962C8B-B14F-4D97-AF65-F5344CB8AC3E}">
-        <p14:creationId xmlns:p14="http://schemas.microsoft.com/office/powerpoint/2010/main" val="1204525051"/>
+        <p14:creationId xmlns:p14="http://schemas.microsoft.com/office/powerpoint/2010/main" val="102183800"/>
       </p:ext>
     </p:extLst>
   </p:cSld>
@@ -6444,12 +6641,16 @@
           <a:lstStyle/>
           <a:p>
             <a:r>
-              <a:rPr lang="en-US" dirty="0"/>
-              <a:t>Etienne: </a:t>
-            </a:r>
-            <a:r>
-              <a:rPr lang="en-US" dirty="0" err="1"/>
-              <a:t>Hier</a:t>
+              <a:rPr lang="en-US" dirty="0" err="1"/>
+              <a:t>Isch</a:t>
+            </a:r>
+            <a:r>
+              <a:rPr lang="en-US" dirty="0"/>
+              <a:t> die Folie </a:t>
+            </a:r>
+            <a:r>
+              <a:rPr lang="en-US" dirty="0" err="1"/>
+              <a:t>würklich</a:t>
             </a:r>
             <a:r>
               <a:rPr lang="en-US" dirty="0"/>
@@ -6457,7 +6658,7 @@
             </a:r>
             <a:r>
               <a:rPr lang="en-US" dirty="0" err="1"/>
-              <a:t>nochmal</a:t>
+              <a:t>notwendig</a:t>
             </a:r>
             <a:r>
               <a:rPr lang="en-US" dirty="0"/>
@@ -6465,7 +6666,285 @@
             </a:r>
             <a:r>
               <a:rPr lang="en-US" dirty="0" err="1"/>
-              <a:t>abgelistet</a:t>
+              <a:t>wenns</a:t>
+            </a:r>
+            <a:r>
+              <a:rPr lang="en-US" dirty="0"/>
+              <a:t> de Florin eh no </a:t>
+            </a:r>
+            <a:r>
+              <a:rPr lang="en-US" dirty="0" err="1"/>
+              <a:t>vorstellt</a:t>
+            </a:r>
+            <a:r>
+              <a:rPr lang="en-US" dirty="0"/>
+              <a:t> ??????</a:t>
+            </a:r>
+          </a:p>
+          <a:p>
+            <a:endParaRPr lang="en-US" dirty="0"/>
+          </a:p>
+          <a:p>
+            <a:endParaRPr lang="en-US" dirty="0"/>
+          </a:p>
+          <a:p>
+            <a:r>
+              <a:rPr lang="en-US" dirty="0"/>
+              <a:t>Etienne: Das </a:t>
+            </a:r>
+            <a:r>
+              <a:rPr lang="en-US" dirty="0" err="1"/>
+              <a:t>Webrouting</a:t>
+            </a:r>
+            <a:r>
+              <a:rPr lang="en-US" dirty="0"/>
+              <a:t> </a:t>
+            </a:r>
+            <a:r>
+              <a:rPr lang="en-US" dirty="0" err="1"/>
+              <a:t>wurde</a:t>
+            </a:r>
+            <a:r>
+              <a:rPr lang="en-US" dirty="0"/>
+              <a:t> </a:t>
+            </a:r>
+            <a:r>
+              <a:rPr lang="en-US" dirty="0" err="1"/>
+              <a:t>wie</a:t>
+            </a:r>
+            <a:r>
+              <a:rPr lang="en-US" dirty="0"/>
+              <a:t> </a:t>
+            </a:r>
+            <a:r>
+              <a:rPr lang="en-US" dirty="0" err="1"/>
+              <a:t>folgt</a:t>
+            </a:r>
+            <a:r>
+              <a:rPr lang="en-US" dirty="0"/>
+              <a:t> auf </a:t>
+            </a:r>
+            <a:r>
+              <a:rPr lang="en-US" dirty="0" err="1"/>
+              <a:t>geteil</a:t>
+            </a:r>
+            <a:r>
+              <a:rPr lang="en-US" dirty="0"/>
+              <a:t> </a:t>
+            </a:r>
+            <a:r>
+              <a:rPr lang="en-US" dirty="0" err="1"/>
+              <a:t>wir</a:t>
+            </a:r>
+            <a:r>
+              <a:rPr lang="en-US" dirty="0"/>
+              <a:t> </a:t>
+            </a:r>
+            <a:r>
+              <a:rPr lang="en-US" dirty="0" err="1"/>
+              <a:t>haben</a:t>
+            </a:r>
+            <a:r>
+              <a:rPr lang="en-US" dirty="0"/>
+              <a:t> </a:t>
+            </a:r>
+            <a:r>
+              <a:rPr lang="en-US" dirty="0" err="1"/>
+              <a:t>einmal</a:t>
+            </a:r>
+            <a:r>
+              <a:rPr lang="en-US" dirty="0"/>
+              <a:t> den Home Screen </a:t>
+            </a:r>
+            <a:r>
+              <a:rPr lang="en-US" dirty="0" err="1"/>
+              <a:t>mit</a:t>
+            </a:r>
+            <a:r>
+              <a:rPr lang="en-US" dirty="0"/>
+              <a:t> den </a:t>
+            </a:r>
+            <a:r>
+              <a:rPr lang="en-US" dirty="0" err="1"/>
+              <a:t>zwei</a:t>
+            </a:r>
+            <a:r>
+              <a:rPr lang="en-US" dirty="0"/>
+              <a:t> </a:t>
+            </a:r>
+            <a:r>
+              <a:rPr lang="en-US" dirty="0" err="1"/>
+              <a:t>Messstationen</a:t>
+            </a:r>
+            <a:r>
+              <a:rPr lang="en-US" dirty="0"/>
+              <a:t>. Die man </a:t>
+            </a:r>
+            <a:r>
+              <a:rPr lang="en-US" dirty="0" err="1"/>
+              <a:t>mit</a:t>
+            </a:r>
+            <a:r>
+              <a:rPr lang="en-US" dirty="0"/>
+              <a:t> </a:t>
+            </a:r>
+            <a:r>
+              <a:rPr lang="en-US" dirty="0" err="1"/>
+              <a:t>nur</a:t>
+            </a:r>
+            <a:r>
+              <a:rPr lang="en-US" dirty="0"/>
+              <a:t> </a:t>
+            </a:r>
+            <a:r>
+              <a:rPr lang="en-US" dirty="0" err="1"/>
+              <a:t>einem</a:t>
+            </a:r>
+            <a:r>
+              <a:rPr lang="en-US" dirty="0"/>
+              <a:t> Touch auf den </a:t>
+            </a:r>
+            <a:r>
+              <a:rPr lang="en-US" dirty="0" err="1"/>
+              <a:t>Jeweiligen</a:t>
+            </a:r>
+            <a:r>
+              <a:rPr lang="en-US" dirty="0"/>
+              <a:t> Button </a:t>
+            </a:r>
+            <a:r>
+              <a:rPr lang="en-US" dirty="0" err="1"/>
+              <a:t>switchen</a:t>
+            </a:r>
+            <a:r>
+              <a:rPr lang="en-US" dirty="0"/>
+              <a:t> </a:t>
+            </a:r>
+            <a:r>
+              <a:rPr lang="en-US" dirty="0" err="1"/>
+              <a:t>kann</a:t>
+            </a:r>
+            <a:r>
+              <a:rPr lang="en-US" dirty="0"/>
+              <a:t>.</a:t>
+            </a:r>
+          </a:p>
+          <a:p>
+            <a:r>
+              <a:rPr lang="en-US" dirty="0" err="1"/>
+              <a:t>Dabei</a:t>
+            </a:r>
+            <a:r>
+              <a:rPr lang="en-US" dirty="0"/>
+              <a:t> </a:t>
+            </a:r>
+            <a:r>
+              <a:rPr lang="en-US" dirty="0" err="1"/>
+              <a:t>haben</a:t>
+            </a:r>
+            <a:r>
+              <a:rPr lang="en-US" dirty="0"/>
+              <a:t> </a:t>
+            </a:r>
+            <a:r>
+              <a:rPr lang="en-US" dirty="0" err="1"/>
+              <a:t>wir</a:t>
+            </a:r>
+            <a:r>
+              <a:rPr lang="en-US" dirty="0"/>
+              <a:t> </a:t>
+            </a:r>
+            <a:r>
+              <a:rPr lang="en-US" dirty="0" err="1"/>
+              <a:t>jeweils</a:t>
+            </a:r>
+            <a:r>
+              <a:rPr lang="en-US" dirty="0"/>
+              <a:t> </a:t>
+            </a:r>
+            <a:r>
+              <a:rPr lang="en-US" dirty="0" err="1"/>
+              <a:t>vier</a:t>
+            </a:r>
+            <a:r>
+              <a:rPr lang="en-US" dirty="0"/>
+              <a:t> </a:t>
+            </a:r>
+            <a:r>
+              <a:rPr lang="en-US" dirty="0" err="1"/>
+              <a:t>übersichtsseiten</a:t>
+            </a:r>
+            <a:r>
+              <a:rPr lang="en-US" dirty="0"/>
+              <a:t> der </a:t>
+            </a:r>
+            <a:r>
+              <a:rPr lang="en-US" dirty="0" err="1"/>
+              <a:t>Messtationen</a:t>
+            </a:r>
+            <a:r>
+              <a:rPr lang="en-US" dirty="0"/>
+              <a:t> </a:t>
+            </a:r>
+            <a:r>
+              <a:rPr lang="en-US" dirty="0" err="1"/>
+              <a:t>aufgeteilt</a:t>
+            </a:r>
+            <a:r>
+              <a:rPr lang="en-US" dirty="0"/>
+              <a:t> in Wind </a:t>
+            </a:r>
+            <a:r>
+              <a:rPr lang="en-US" dirty="0" err="1"/>
+              <a:t>Tempeatur</a:t>
+            </a:r>
+            <a:r>
+              <a:rPr lang="en-US" dirty="0"/>
+              <a:t> Wass und </a:t>
+            </a:r>
+            <a:r>
+              <a:rPr lang="en-US" dirty="0" err="1"/>
+              <a:t>Warnungen</a:t>
+            </a:r>
+            <a:r>
+              <a:rPr lang="en-US" dirty="0"/>
+              <a:t>. </a:t>
+            </a:r>
+            <a:r>
+              <a:rPr lang="en-US" dirty="0" err="1"/>
+              <a:t>Mit</a:t>
+            </a:r>
+            <a:r>
+              <a:rPr lang="en-US" dirty="0"/>
+              <a:t> dem Klick auf den </a:t>
+            </a:r>
+            <a:r>
+              <a:rPr lang="en-US" dirty="0" err="1"/>
+              <a:t>Jeweiligen</a:t>
+            </a:r>
+            <a:r>
+              <a:rPr lang="en-US" dirty="0"/>
+              <a:t> link </a:t>
+            </a:r>
+            <a:r>
+              <a:rPr lang="en-US" dirty="0" err="1"/>
+              <a:t>öffnet</a:t>
+            </a:r>
+            <a:r>
+              <a:rPr lang="en-US" dirty="0"/>
+              <a:t> </a:t>
+            </a:r>
+            <a:r>
+              <a:rPr lang="en-US" dirty="0" err="1"/>
+              <a:t>sich</a:t>
+            </a:r>
+            <a:r>
+              <a:rPr lang="en-US" dirty="0"/>
+              <a:t> </a:t>
+            </a:r>
+            <a:r>
+              <a:rPr lang="en-US" dirty="0" err="1"/>
+              <a:t>dann</a:t>
             </a:r>
             <a:r>
               <a:rPr lang="en-US" dirty="0"/>
@@ -6473,12 +6952,221 @@
             </a:r>
             <a:r>
               <a:rPr lang="en-US" dirty="0" err="1"/>
-              <a:t>Programmatischen</a:t>
-            </a:r>
-            <a:r>
-              <a:rPr lang="en-US" dirty="0"/>
-              <a:t> HTML endpoints </a:t>
-            </a:r>
+              <a:t>jeweilige</a:t>
+            </a:r>
+            <a:r>
+              <a:rPr lang="en-US" dirty="0"/>
+              <a:t> </a:t>
+            </a:r>
+            <a:r>
+              <a:rPr lang="en-US" dirty="0" err="1"/>
+              <a:t>Seite</a:t>
+            </a:r>
+            <a:r>
+              <a:rPr lang="en-US" dirty="0"/>
+              <a:t>.</a:t>
+            </a:r>
+          </a:p>
+          <a:p>
+            <a:r>
+              <a:rPr lang="en-US" dirty="0"/>
+              <a:t>Die </a:t>
+            </a:r>
+            <a:r>
+              <a:rPr lang="en-US" dirty="0" err="1"/>
+              <a:t>dann</a:t>
+            </a:r>
+            <a:r>
+              <a:rPr lang="en-US" dirty="0"/>
+              <a:t> den </a:t>
+            </a:r>
+            <a:r>
+              <a:rPr lang="en-US" dirty="0" err="1"/>
+              <a:t>letzten</a:t>
+            </a:r>
+            <a:r>
+              <a:rPr lang="en-US" dirty="0"/>
+              <a:t> Screen </a:t>
+            </a:r>
+            <a:r>
+              <a:rPr lang="en-US" dirty="0" err="1"/>
+              <a:t>öffnet</a:t>
+            </a:r>
+            <a:r>
+              <a:rPr lang="en-US" dirty="0"/>
+              <a:t> die </a:t>
+            </a:r>
+            <a:r>
+              <a:rPr lang="en-US" dirty="0" err="1"/>
+              <a:t>Grafikten</a:t>
+            </a:r>
+            <a:r>
+              <a:rPr lang="en-US" dirty="0"/>
+              <a:t> und Plots </a:t>
+            </a:r>
+            <a:r>
+              <a:rPr lang="en-US" dirty="0" err="1"/>
+              <a:t>zu</a:t>
+            </a:r>
+            <a:r>
+              <a:rPr lang="en-US" dirty="0"/>
+              <a:t> den </a:t>
+            </a:r>
+            <a:r>
+              <a:rPr lang="en-US" dirty="0" err="1"/>
+              <a:t>jeweiligen</a:t>
+            </a:r>
+            <a:r>
+              <a:rPr lang="en-US" dirty="0"/>
+              <a:t> </a:t>
+            </a:r>
+            <a:r>
+              <a:rPr lang="en-US" dirty="0" err="1"/>
+              <a:t>Unterpunkten</a:t>
+            </a:r>
+            <a:r>
+              <a:rPr lang="en-US" dirty="0"/>
+              <a:t>:</a:t>
+            </a:r>
+          </a:p>
+          <a:p>
+            <a:r>
+              <a:rPr lang="en-US" dirty="0"/>
+              <a:t>Wind </a:t>
+            </a:r>
+            <a:r>
+              <a:rPr lang="en-US" dirty="0" err="1"/>
+              <a:t>Lufttemperutr</a:t>
+            </a:r>
+            <a:r>
+              <a:rPr lang="en-US" dirty="0"/>
+              <a:t> </a:t>
+            </a:r>
+            <a:r>
+              <a:rPr lang="en-US" dirty="0" err="1"/>
+              <a:t>Wassertemperatur</a:t>
+            </a:r>
+            <a:r>
+              <a:rPr lang="en-US" dirty="0"/>
+              <a:t> </a:t>
+            </a:r>
+            <a:r>
+              <a:rPr lang="en-US" dirty="0" err="1"/>
+              <a:t>Taupunkt</a:t>
+            </a:r>
+            <a:r>
+              <a:rPr lang="en-US" dirty="0"/>
+              <a:t> </a:t>
+            </a:r>
+            <a:r>
+              <a:rPr lang="en-US" dirty="0" err="1"/>
+              <a:t>Wasserstand</a:t>
+            </a:r>
+            <a:r>
+              <a:rPr lang="en-US" dirty="0"/>
+              <a:t> und </a:t>
+            </a:r>
+            <a:r>
+              <a:rPr lang="en-US" dirty="0" err="1"/>
+              <a:t>Druck</a:t>
+            </a:r>
+            <a:r>
+              <a:rPr lang="en-US" dirty="0"/>
+              <a:t>.</a:t>
+            </a:r>
+          </a:p>
+          <a:p>
+            <a:r>
+              <a:rPr lang="en-US" dirty="0" err="1"/>
+              <a:t>Mit</a:t>
+            </a:r>
+            <a:r>
+              <a:rPr lang="en-US" dirty="0"/>
+              <a:t> dem </a:t>
+            </a:r>
+            <a:r>
+              <a:rPr lang="en-US" dirty="0" err="1"/>
+              <a:t>jeweilgen</a:t>
+            </a:r>
+            <a:r>
+              <a:rPr lang="en-US" dirty="0"/>
+              <a:t> Button </a:t>
+            </a:r>
+            <a:r>
+              <a:rPr lang="en-US" dirty="0" err="1"/>
+              <a:t>unterhalb</a:t>
+            </a:r>
+            <a:r>
+              <a:rPr lang="en-US" dirty="0"/>
+              <a:t> </a:t>
+            </a:r>
+            <a:r>
+              <a:rPr lang="en-US" dirty="0" err="1"/>
+              <a:t>kann</a:t>
+            </a:r>
+            <a:r>
+              <a:rPr lang="en-US" dirty="0"/>
+              <a:t> </a:t>
+            </a:r>
+            <a:r>
+              <a:rPr lang="en-US" dirty="0" err="1"/>
+              <a:t>zwischen</a:t>
+            </a:r>
+            <a:r>
+              <a:rPr lang="en-US" dirty="0"/>
+              <a:t> den </a:t>
+            </a:r>
+            <a:r>
+              <a:rPr lang="en-US" dirty="0" err="1"/>
+              <a:t>Historischen</a:t>
+            </a:r>
+            <a:r>
+              <a:rPr lang="en-US" dirty="0"/>
+              <a:t> </a:t>
+            </a:r>
+            <a:r>
+              <a:rPr lang="en-US" dirty="0" err="1"/>
+              <a:t>Daten</a:t>
+            </a:r>
+            <a:r>
+              <a:rPr lang="en-US" dirty="0"/>
+              <a:t> dem </a:t>
+            </a:r>
+            <a:r>
+              <a:rPr lang="en-US" dirty="0" err="1"/>
+              <a:t>Aktuellen</a:t>
+            </a:r>
+            <a:r>
+              <a:rPr lang="en-US" dirty="0"/>
+              <a:t> </a:t>
+            </a:r>
+            <a:r>
+              <a:rPr lang="en-US" dirty="0" err="1"/>
+              <a:t>Messtaand</a:t>
+            </a:r>
+            <a:r>
+              <a:rPr lang="en-US" dirty="0"/>
+              <a:t> und der </a:t>
+            </a:r>
+            <a:r>
+              <a:rPr lang="en-US" dirty="0" err="1"/>
+              <a:t>Vorraussage</a:t>
+            </a:r>
+            <a:r>
+              <a:rPr lang="en-US" dirty="0"/>
+              <a:t> </a:t>
+            </a:r>
+            <a:r>
+              <a:rPr lang="en-US" dirty="0" err="1"/>
+              <a:t>umgeschalten</a:t>
+            </a:r>
+            <a:r>
+              <a:rPr lang="en-US" dirty="0"/>
+              <a:t> warden.</a:t>
+            </a:r>
+          </a:p>
+          <a:p>
+            <a:endParaRPr lang="en-US" dirty="0"/>
           </a:p>
         </p:txBody>
       </p:sp>
@@ -6508,7 +7196,7 @@
     </p:spTree>
     <p:extLst>
       <p:ext uri="{BB962C8B-B14F-4D97-AF65-F5344CB8AC3E}">
-        <p14:creationId xmlns:p14="http://schemas.microsoft.com/office/powerpoint/2010/main" val="3552269098"/>
+        <p14:creationId xmlns:p14="http://schemas.microsoft.com/office/powerpoint/2010/main" val="1204525051"/>
       </p:ext>
     </p:extLst>
   </p:cSld>
@@ -6564,27 +7252,11 @@
           <a:p>
             <a:r>
               <a:rPr lang="en-US" dirty="0"/>
-              <a:t>Etienne: Für </a:t>
-            </a:r>
-            <a:r>
-              <a:rPr lang="en-US" dirty="0" err="1"/>
-              <a:t>jeden</a:t>
-            </a:r>
-            <a:r>
-              <a:rPr lang="en-US" dirty="0"/>
-              <a:t> Endpoint </a:t>
-            </a:r>
-            <a:r>
-              <a:rPr lang="en-US" dirty="0" err="1"/>
-              <a:t>im</a:t>
-            </a:r>
-            <a:r>
-              <a:rPr lang="en-US" dirty="0"/>
-              <a:t> Routing </a:t>
-            </a:r>
-            <a:r>
-              <a:rPr lang="en-US" dirty="0" err="1"/>
-              <a:t>hanben</a:t>
+              <a:t>Etienne: </a:t>
+            </a:r>
+            <a:r>
+              <a:rPr lang="en-US" dirty="0" err="1"/>
+              <a:t>Hier</a:t>
             </a:r>
             <a:r>
               <a:rPr lang="en-US" dirty="0"/>
@@ -6592,7 +7264,7 @@
             </a:r>
             <a:r>
               <a:rPr lang="en-US" dirty="0" err="1"/>
-              <a:t>wir</a:t>
+              <a:t>nochmal</a:t>
             </a:r>
             <a:r>
               <a:rPr lang="en-US" dirty="0"/>
@@ -6600,182 +7272,19 @@
             </a:r>
             <a:r>
               <a:rPr lang="en-US" dirty="0" err="1"/>
-              <a:t>jeweils</a:t>
-            </a:r>
-            <a:r>
-              <a:rPr lang="en-US" dirty="0"/>
-              <a:t> </a:t>
-            </a:r>
-            <a:r>
-              <a:rPr lang="en-US" dirty="0" err="1"/>
-              <a:t>ein</a:t>
-            </a:r>
-            <a:r>
-              <a:rPr lang="en-US" dirty="0"/>
-              <a:t> </a:t>
-            </a:r>
-            <a:r>
-              <a:rPr lang="en-US" dirty="0" err="1"/>
-              <a:t>statisches</a:t>
-            </a:r>
-            <a:r>
-              <a:rPr lang="en-US" dirty="0"/>
-              <a:t> HTML File das </a:t>
-            </a:r>
-            <a:r>
-              <a:rPr lang="en-US" dirty="0" err="1"/>
-              <a:t>wir</a:t>
-            </a:r>
-            <a:r>
-              <a:rPr lang="en-US" dirty="0"/>
-              <a:t> </a:t>
-            </a:r>
-            <a:r>
-              <a:rPr lang="en-US" dirty="0" err="1"/>
-              <a:t>mit</a:t>
-            </a:r>
-            <a:r>
-              <a:rPr lang="en-US" dirty="0"/>
-              <a:t> </a:t>
-            </a:r>
-            <a:r>
-              <a:rPr lang="en-US" dirty="0" err="1"/>
-              <a:t>unseren</a:t>
-            </a:r>
-            <a:r>
-              <a:rPr lang="en-US" dirty="0"/>
-              <a:t> Python </a:t>
-            </a:r>
-            <a:r>
-              <a:rPr lang="en-US" dirty="0" err="1"/>
-              <a:t>Variablen</a:t>
-            </a:r>
-            <a:r>
-              <a:rPr lang="en-US" dirty="0"/>
-              <a:t> </a:t>
-            </a:r>
-            <a:r>
-              <a:rPr lang="en-US" dirty="0" err="1"/>
-              <a:t>füllen</a:t>
-            </a:r>
-            <a:r>
-              <a:rPr lang="en-US" dirty="0"/>
-              <a:t>.</a:t>
-            </a:r>
-          </a:p>
-          <a:p>
-            <a:r>
-              <a:rPr lang="en-US" dirty="0"/>
-              <a:t>Index.html für den Home Screen und die Navigation.</a:t>
-            </a:r>
-          </a:p>
-          <a:p>
-            <a:r>
-              <a:rPr lang="en-US" dirty="0"/>
-              <a:t>Load_data.html für den </a:t>
-            </a:r>
-            <a:r>
-              <a:rPr lang="en-US" dirty="0" err="1"/>
-              <a:t>Splashscreen</a:t>
-            </a:r>
-            <a:r>
-              <a:rPr lang="en-US" dirty="0"/>
-              <a:t>.</a:t>
-            </a:r>
-          </a:p>
-          <a:p>
-            <a:r>
-              <a:rPr lang="en-US" dirty="0"/>
-              <a:t>Main.html für </a:t>
-            </a:r>
-            <a:r>
-              <a:rPr lang="en-US" dirty="0" err="1"/>
-              <a:t>Ansichten</a:t>
-            </a:r>
-            <a:r>
-              <a:rPr lang="en-US" dirty="0"/>
-              <a:t> der </a:t>
-            </a:r>
-            <a:r>
-              <a:rPr lang="en-US" dirty="0" err="1"/>
-              <a:t>Wetterstationen</a:t>
-            </a:r>
-            <a:endParaRPr lang="en-US" dirty="0"/>
-          </a:p>
-          <a:p>
-            <a:r>
-              <a:rPr lang="en-US" dirty="0"/>
-              <a:t>Und Graph.html für die Detail </a:t>
-            </a:r>
-            <a:r>
-              <a:rPr lang="en-US" dirty="0" err="1"/>
-              <a:t>ansicht</a:t>
-            </a:r>
-            <a:r>
-              <a:rPr lang="en-US" dirty="0"/>
-              <a:t> der </a:t>
-            </a:r>
-            <a:r>
-              <a:rPr lang="en-US" dirty="0" err="1"/>
-              <a:t>einzelnen</a:t>
-            </a:r>
-            <a:r>
-              <a:rPr lang="en-US" dirty="0"/>
-              <a:t> </a:t>
-            </a:r>
-            <a:r>
-              <a:rPr lang="en-US" dirty="0" err="1"/>
-              <a:t>Messwerte</a:t>
-            </a:r>
-            <a:r>
-              <a:rPr lang="en-US" dirty="0"/>
-              <a:t> und der Plots.</a:t>
-            </a:r>
-          </a:p>
-          <a:p>
-            <a:r>
-              <a:rPr lang="en-US" dirty="0"/>
-              <a:t>Ich </a:t>
-            </a:r>
-            <a:r>
-              <a:rPr lang="en-US" dirty="0" err="1"/>
-              <a:t>freue</a:t>
-            </a:r>
-            <a:r>
-              <a:rPr lang="en-US" dirty="0"/>
-              <a:t> </a:t>
-            </a:r>
-            <a:r>
-              <a:rPr lang="en-US" dirty="0" err="1"/>
-              <a:t>mich</a:t>
-            </a:r>
-            <a:r>
-              <a:rPr lang="en-US" dirty="0"/>
-              <a:t> nun </a:t>
-            </a:r>
-            <a:r>
-              <a:rPr lang="en-US" dirty="0" err="1"/>
-              <a:t>mein</a:t>
-            </a:r>
-            <a:r>
-              <a:rPr lang="en-US" dirty="0"/>
-              <a:t> Wort an Florin </a:t>
-            </a:r>
-            <a:r>
-              <a:rPr lang="en-US" dirty="0" err="1"/>
-              <a:t>weiter</a:t>
-            </a:r>
-            <a:r>
-              <a:rPr lang="en-US" dirty="0"/>
-              <a:t> </a:t>
-            </a:r>
-            <a:r>
-              <a:rPr lang="en-US" dirty="0" err="1"/>
-              <a:t>zugeben</a:t>
-            </a:r>
-            <a:r>
-              <a:rPr lang="en-US" dirty="0"/>
-              <a:t>.</a:t>
+              <a:t>abgelistet</a:t>
+            </a:r>
+            <a:r>
+              <a:rPr lang="en-US" dirty="0"/>
+              <a:t> die </a:t>
+            </a:r>
+            <a:r>
+              <a:rPr lang="en-US" dirty="0" err="1"/>
+              <a:t>Programmatischen</a:t>
+            </a:r>
+            <a:r>
+              <a:rPr lang="en-US" dirty="0"/>
+              <a:t> HTML endpoints </a:t>
             </a:r>
           </a:p>
         </p:txBody>
@@ -6806,7 +7315,7 @@
     </p:spTree>
     <p:extLst>
       <p:ext uri="{BB962C8B-B14F-4D97-AF65-F5344CB8AC3E}">
-        <p14:creationId xmlns:p14="http://schemas.microsoft.com/office/powerpoint/2010/main" val="3865265295"/>
+        <p14:creationId xmlns:p14="http://schemas.microsoft.com/office/powerpoint/2010/main" val="3552269098"/>
       </p:ext>
     </p:extLst>
   </p:cSld>
@@ -6862,7 +7371,218 @@
           <a:p>
             <a:r>
               <a:rPr lang="en-US" dirty="0"/>
-              <a:t>Florin:</a:t>
+              <a:t>Etienne: Für </a:t>
+            </a:r>
+            <a:r>
+              <a:rPr lang="en-US" dirty="0" err="1"/>
+              <a:t>jeden</a:t>
+            </a:r>
+            <a:r>
+              <a:rPr lang="en-US" dirty="0"/>
+              <a:t> Endpoint </a:t>
+            </a:r>
+            <a:r>
+              <a:rPr lang="en-US" dirty="0" err="1"/>
+              <a:t>im</a:t>
+            </a:r>
+            <a:r>
+              <a:rPr lang="en-US" dirty="0"/>
+              <a:t> Routing </a:t>
+            </a:r>
+            <a:r>
+              <a:rPr lang="en-US" dirty="0" err="1"/>
+              <a:t>hanben</a:t>
+            </a:r>
+            <a:r>
+              <a:rPr lang="en-US" dirty="0"/>
+              <a:t> </a:t>
+            </a:r>
+            <a:r>
+              <a:rPr lang="en-US" dirty="0" err="1"/>
+              <a:t>wir</a:t>
+            </a:r>
+            <a:r>
+              <a:rPr lang="en-US" dirty="0"/>
+              <a:t> </a:t>
+            </a:r>
+            <a:r>
+              <a:rPr lang="en-US" dirty="0" err="1"/>
+              <a:t>jeweils</a:t>
+            </a:r>
+            <a:r>
+              <a:rPr lang="en-US" dirty="0"/>
+              <a:t> </a:t>
+            </a:r>
+            <a:r>
+              <a:rPr lang="en-US" dirty="0" err="1"/>
+              <a:t>ein</a:t>
+            </a:r>
+            <a:r>
+              <a:rPr lang="en-US" dirty="0"/>
+              <a:t> </a:t>
+            </a:r>
+            <a:r>
+              <a:rPr lang="en-US" dirty="0" err="1"/>
+              <a:t>statisches</a:t>
+            </a:r>
+            <a:r>
+              <a:rPr lang="en-US" dirty="0"/>
+              <a:t> HTML File das </a:t>
+            </a:r>
+            <a:r>
+              <a:rPr lang="en-US" dirty="0" err="1"/>
+              <a:t>wir</a:t>
+            </a:r>
+            <a:r>
+              <a:rPr lang="en-US" dirty="0"/>
+              <a:t> </a:t>
+            </a:r>
+            <a:r>
+              <a:rPr lang="en-US" dirty="0" err="1"/>
+              <a:t>mit</a:t>
+            </a:r>
+            <a:r>
+              <a:rPr lang="en-US" dirty="0"/>
+              <a:t> </a:t>
+            </a:r>
+            <a:r>
+              <a:rPr lang="en-US" dirty="0" err="1"/>
+              <a:t>unseren</a:t>
+            </a:r>
+            <a:r>
+              <a:rPr lang="en-US" dirty="0"/>
+              <a:t> Python </a:t>
+            </a:r>
+            <a:r>
+              <a:rPr lang="en-US" dirty="0" err="1"/>
+              <a:t>Variablen</a:t>
+            </a:r>
+            <a:r>
+              <a:rPr lang="en-US" dirty="0"/>
+              <a:t> </a:t>
+            </a:r>
+            <a:r>
+              <a:rPr lang="en-US" dirty="0" err="1"/>
+              <a:t>füllen</a:t>
+            </a:r>
+            <a:r>
+              <a:rPr lang="en-US" dirty="0"/>
+              <a:t>.</a:t>
+            </a:r>
+          </a:p>
+          <a:p>
+            <a:r>
+              <a:rPr lang="en-US" dirty="0"/>
+              <a:t>Index.html für den Home Screen und die Navigation.</a:t>
+            </a:r>
+          </a:p>
+          <a:p>
+            <a:r>
+              <a:rPr lang="en-US" dirty="0"/>
+              <a:t>Load_data.html für den </a:t>
+            </a:r>
+            <a:r>
+              <a:rPr lang="en-US" dirty="0" err="1"/>
+              <a:t>Splashscreen</a:t>
+            </a:r>
+            <a:r>
+              <a:rPr lang="en-US" dirty="0"/>
+              <a:t>.</a:t>
+            </a:r>
+          </a:p>
+          <a:p>
+            <a:r>
+              <a:rPr lang="en-US" dirty="0"/>
+              <a:t>Main.html für </a:t>
+            </a:r>
+            <a:r>
+              <a:rPr lang="en-US" dirty="0" err="1"/>
+              <a:t>Ansichten</a:t>
+            </a:r>
+            <a:r>
+              <a:rPr lang="en-US" dirty="0"/>
+              <a:t> der </a:t>
+            </a:r>
+            <a:r>
+              <a:rPr lang="en-US" dirty="0" err="1"/>
+              <a:t>Wetterstationen</a:t>
+            </a:r>
+            <a:endParaRPr lang="en-US" dirty="0"/>
+          </a:p>
+          <a:p>
+            <a:r>
+              <a:rPr lang="en-US" dirty="0"/>
+              <a:t>Und Graph.html für die Detail </a:t>
+            </a:r>
+            <a:r>
+              <a:rPr lang="en-US" dirty="0" err="1"/>
+              <a:t>ansicht</a:t>
+            </a:r>
+            <a:r>
+              <a:rPr lang="en-US" dirty="0"/>
+              <a:t> der </a:t>
+            </a:r>
+            <a:r>
+              <a:rPr lang="en-US" dirty="0" err="1"/>
+              <a:t>einzelnen</a:t>
+            </a:r>
+            <a:r>
+              <a:rPr lang="en-US" dirty="0"/>
+              <a:t> </a:t>
+            </a:r>
+            <a:r>
+              <a:rPr lang="en-US" dirty="0" err="1"/>
+              <a:t>Messwerte</a:t>
+            </a:r>
+            <a:r>
+              <a:rPr lang="en-US" dirty="0"/>
+              <a:t> und der Plots.</a:t>
+            </a:r>
+          </a:p>
+          <a:p>
+            <a:r>
+              <a:rPr lang="en-US" dirty="0"/>
+              <a:t>Ich </a:t>
+            </a:r>
+            <a:r>
+              <a:rPr lang="en-US" dirty="0" err="1"/>
+              <a:t>freue</a:t>
+            </a:r>
+            <a:r>
+              <a:rPr lang="en-US" dirty="0"/>
+              <a:t> </a:t>
+            </a:r>
+            <a:r>
+              <a:rPr lang="en-US" dirty="0" err="1"/>
+              <a:t>mich</a:t>
+            </a:r>
+            <a:r>
+              <a:rPr lang="en-US" dirty="0"/>
+              <a:t> nun </a:t>
+            </a:r>
+            <a:r>
+              <a:rPr lang="en-US" dirty="0" err="1"/>
+              <a:t>mein</a:t>
+            </a:r>
+            <a:r>
+              <a:rPr lang="en-US" dirty="0"/>
+              <a:t> Wort an Florin </a:t>
+            </a:r>
+            <a:r>
+              <a:rPr lang="en-US" dirty="0" err="1"/>
+              <a:t>weiter</a:t>
+            </a:r>
+            <a:r>
+              <a:rPr lang="en-US" dirty="0"/>
+              <a:t> </a:t>
+            </a:r>
+            <a:r>
+              <a:rPr lang="en-US" dirty="0" err="1"/>
+              <a:t>zugeben</a:t>
+            </a:r>
+            <a:r>
+              <a:rPr lang="en-US" dirty="0"/>
+              <a:t>.</a:t>
             </a:r>
           </a:p>
         </p:txBody>
@@ -6893,7 +7613,7 @@
     </p:spTree>
     <p:extLst>
       <p:ext uri="{BB962C8B-B14F-4D97-AF65-F5344CB8AC3E}">
-        <p14:creationId xmlns:p14="http://schemas.microsoft.com/office/powerpoint/2010/main" val="2214953838"/>
+        <p14:creationId xmlns:p14="http://schemas.microsoft.com/office/powerpoint/2010/main" val="3865265295"/>
       </p:ext>
     </p:extLst>
   </p:cSld>
@@ -6952,55 +7672,6 @@
               <a:t>Florin:</a:t>
             </a:r>
           </a:p>
-          <a:p>
-            <a:endParaRPr lang="en-US" dirty="0"/>
-          </a:p>
-          <a:p>
-            <a:r>
-              <a:rPr lang="en-US" dirty="0"/>
-              <a:t>Schon </a:t>
-            </a:r>
-            <a:r>
-              <a:rPr lang="en-US" dirty="0" err="1"/>
-              <a:t>viel</a:t>
-            </a:r>
-            <a:r>
-              <a:rPr lang="en-US" dirty="0"/>
-              <a:t> </a:t>
-            </a:r>
-            <a:r>
-              <a:rPr lang="en-US" dirty="0" err="1"/>
-              <a:t>danach</a:t>
-            </a:r>
-            <a:r>
-              <a:rPr lang="en-US" dirty="0"/>
-              <a:t> </a:t>
-            </a:r>
-            <a:r>
-              <a:rPr lang="en-US" dirty="0" err="1"/>
-              <a:t>umgesetzt</a:t>
-            </a:r>
-            <a:r>
-              <a:rPr lang="en-US" dirty="0"/>
-              <a:t>, </a:t>
-            </a:r>
-            <a:r>
-              <a:rPr lang="en-US" dirty="0" err="1"/>
-              <a:t>weitere</a:t>
-            </a:r>
-            <a:r>
-              <a:rPr lang="en-US" dirty="0"/>
-              <a:t> Features und </a:t>
-            </a:r>
-            <a:r>
-              <a:rPr lang="en-US" dirty="0" err="1"/>
-              <a:t>wieso</a:t>
-            </a:r>
-            <a:r>
-              <a:rPr lang="en-US" dirty="0"/>
-              <a:t>.</a:t>
-            </a:r>
-          </a:p>
         </p:txBody>
       </p:sp>
       <p:sp>
@@ -7029,7 +7700,7 @@
     </p:spTree>
     <p:extLst>
       <p:ext uri="{BB962C8B-B14F-4D97-AF65-F5344CB8AC3E}">
-        <p14:creationId xmlns:p14="http://schemas.microsoft.com/office/powerpoint/2010/main" val="1192728714"/>
+        <p14:creationId xmlns:p14="http://schemas.microsoft.com/office/powerpoint/2010/main" val="2214953838"/>
       </p:ext>
     </p:extLst>
   </p:cSld>
@@ -7088,6 +7759,55 @@
               <a:t>Florin:</a:t>
             </a:r>
           </a:p>
+          <a:p>
+            <a:endParaRPr lang="en-US" dirty="0"/>
+          </a:p>
+          <a:p>
+            <a:r>
+              <a:rPr lang="en-US" dirty="0"/>
+              <a:t>Schon </a:t>
+            </a:r>
+            <a:r>
+              <a:rPr lang="en-US" dirty="0" err="1"/>
+              <a:t>viel</a:t>
+            </a:r>
+            <a:r>
+              <a:rPr lang="en-US" dirty="0"/>
+              <a:t> </a:t>
+            </a:r>
+            <a:r>
+              <a:rPr lang="en-US" dirty="0" err="1"/>
+              <a:t>danach</a:t>
+            </a:r>
+            <a:r>
+              <a:rPr lang="en-US" dirty="0"/>
+              <a:t> </a:t>
+            </a:r>
+            <a:r>
+              <a:rPr lang="en-US" dirty="0" err="1"/>
+              <a:t>umgesetzt</a:t>
+            </a:r>
+            <a:r>
+              <a:rPr lang="en-US" dirty="0"/>
+              <a:t>, </a:t>
+            </a:r>
+            <a:r>
+              <a:rPr lang="en-US" dirty="0" err="1"/>
+              <a:t>weitere</a:t>
+            </a:r>
+            <a:r>
+              <a:rPr lang="en-US" dirty="0"/>
+              <a:t> Features und </a:t>
+            </a:r>
+            <a:r>
+              <a:rPr lang="en-US" dirty="0" err="1"/>
+              <a:t>wieso</a:t>
+            </a:r>
+            <a:r>
+              <a:rPr lang="en-US" dirty="0"/>
+              <a:t>.</a:t>
+            </a:r>
+          </a:p>
         </p:txBody>
       </p:sp>
       <p:sp>
@@ -7116,7 +7836,7 @@
     </p:spTree>
     <p:extLst>
       <p:ext uri="{BB962C8B-B14F-4D97-AF65-F5344CB8AC3E}">
-        <p14:creationId xmlns:p14="http://schemas.microsoft.com/office/powerpoint/2010/main" val="1563682470"/>
+        <p14:creationId xmlns:p14="http://schemas.microsoft.com/office/powerpoint/2010/main" val="1192728714"/>
       </p:ext>
     </p:extLst>
   </p:cSld>
@@ -7203,7 +7923,7 @@
     </p:spTree>
     <p:extLst>
       <p:ext uri="{BB962C8B-B14F-4D97-AF65-F5344CB8AC3E}">
-        <p14:creationId xmlns:p14="http://schemas.microsoft.com/office/powerpoint/2010/main" val="3838138806"/>
+        <p14:creationId xmlns:p14="http://schemas.microsoft.com/office/powerpoint/2010/main" val="1563682470"/>
       </p:ext>
     </p:extLst>
   </p:cSld>
@@ -7290,7 +8010,7 @@
     </p:spTree>
     <p:extLst>
       <p:ext uri="{BB962C8B-B14F-4D97-AF65-F5344CB8AC3E}">
-        <p14:creationId xmlns:p14="http://schemas.microsoft.com/office/powerpoint/2010/main" val="2860594885"/>
+        <p14:creationId xmlns:p14="http://schemas.microsoft.com/office/powerpoint/2010/main" val="3838138806"/>
       </p:ext>
     </p:extLst>
   </p:cSld>
@@ -7377,7 +8097,7 @@
     </p:spTree>
     <p:extLst>
       <p:ext uri="{BB962C8B-B14F-4D97-AF65-F5344CB8AC3E}">
-        <p14:creationId xmlns:p14="http://schemas.microsoft.com/office/powerpoint/2010/main" val="2329928541"/>
+        <p14:creationId xmlns:p14="http://schemas.microsoft.com/office/powerpoint/2010/main" val="2860594885"/>
       </p:ext>
     </p:extLst>
   </p:cSld>
@@ -7680,7 +8400,7 @@
     </p:spTree>
     <p:extLst>
       <p:ext uri="{BB962C8B-B14F-4D97-AF65-F5344CB8AC3E}">
-        <p14:creationId xmlns:p14="http://schemas.microsoft.com/office/powerpoint/2010/main" val="1078218927"/>
+        <p14:creationId xmlns:p14="http://schemas.microsoft.com/office/powerpoint/2010/main" val="2329928541"/>
       </p:ext>
     </p:extLst>
   </p:cSld>
@@ -7767,7 +8487,7 @@
     </p:spTree>
     <p:extLst>
       <p:ext uri="{BB962C8B-B14F-4D97-AF65-F5344CB8AC3E}">
-        <p14:creationId xmlns:p14="http://schemas.microsoft.com/office/powerpoint/2010/main" val="612389631"/>
+        <p14:creationId xmlns:p14="http://schemas.microsoft.com/office/powerpoint/2010/main" val="1078218927"/>
       </p:ext>
     </p:extLst>
   </p:cSld>
@@ -7846,6 +8566,93 @@
             <a:fld id="{D4CE1BAB-7B68-4C87-8549-54F078DDFB49}" type="slidenum">
               <a:rPr lang="en-CH" smtClean="0"/>
               <a:t>42</a:t>
+            </a:fld>
+            <a:endParaRPr lang="en-CH"/>
+          </a:p>
+        </p:txBody>
+      </p:sp>
+    </p:spTree>
+    <p:extLst>
+      <p:ext uri="{BB962C8B-B14F-4D97-AF65-F5344CB8AC3E}">
+        <p14:creationId xmlns:p14="http://schemas.microsoft.com/office/powerpoint/2010/main" val="612389631"/>
+      </p:ext>
+    </p:extLst>
+  </p:cSld>
+  <p:clrMapOvr>
+    <a:masterClrMapping/>
+  </p:clrMapOvr>
+</p:notes>
+</file>
+
+<file path=ppt/notesSlides/notesSlide43.xml><?xml version="1.0" encoding="utf-8"?>
+<p:notes xmlns:a="http://schemas.openxmlformats.org/drawingml/2006/main" xmlns:r="http://schemas.openxmlformats.org/officeDocument/2006/relationships" xmlns:p="http://schemas.openxmlformats.org/presentationml/2006/main">
+  <p:cSld>
+    <p:spTree>
+      <p:nvGrpSpPr>
+        <p:cNvPr id="1" name=""/>
+        <p:cNvGrpSpPr/>
+        <p:nvPr/>
+      </p:nvGrpSpPr>
+      <p:grpSpPr>
+        <a:xfrm>
+          <a:off x="0" y="0"/>
+          <a:ext cx="0" cy="0"/>
+          <a:chOff x="0" y="0"/>
+          <a:chExt cx="0" cy="0"/>
+        </a:xfrm>
+      </p:grpSpPr>
+      <p:sp>
+        <p:nvSpPr>
+          <p:cNvPr id="2" name="Folienbildplatzhalter 1"/>
+          <p:cNvSpPr>
+            <a:spLocks noGrp="1" noRot="1" noChangeAspect="1"/>
+          </p:cNvSpPr>
+          <p:nvPr>
+            <p:ph type="sldImg"/>
+          </p:nvPr>
+        </p:nvSpPr>
+        <p:spPr/>
+      </p:sp>
+      <p:sp>
+        <p:nvSpPr>
+          <p:cNvPr id="3" name="Notizenplatzhalter 2"/>
+          <p:cNvSpPr>
+            <a:spLocks noGrp="1"/>
+          </p:cNvSpPr>
+          <p:nvPr>
+            <p:ph type="body" idx="1"/>
+          </p:nvPr>
+        </p:nvSpPr>
+        <p:spPr/>
+        <p:txBody>
+          <a:bodyPr/>
+          <a:lstStyle/>
+          <a:p>
+            <a:r>
+              <a:rPr lang="en-US" dirty="0"/>
+              <a:t>Florin:</a:t>
+            </a:r>
+          </a:p>
+        </p:txBody>
+      </p:sp>
+      <p:sp>
+        <p:nvSpPr>
+          <p:cNvPr id="4" name="Foliennummernplatzhalter 3"/>
+          <p:cNvSpPr>
+            <a:spLocks noGrp="1"/>
+          </p:cNvSpPr>
+          <p:nvPr>
+            <p:ph type="sldNum" sz="quarter" idx="5"/>
+          </p:nvPr>
+        </p:nvSpPr>
+        <p:spPr/>
+        <p:txBody>
+          <a:bodyPr/>
+          <a:lstStyle/>
+          <a:p>
+            <a:fld id="{D4CE1BAB-7B68-4C87-8549-54F078DDFB49}" type="slidenum">
+              <a:rPr lang="en-CH" smtClean="0"/>
+              <a:t>43</a:t>
             </a:fld>
             <a:endParaRPr lang="en-CH"/>
           </a:p>
@@ -8000,6 +8807,308 @@
               <a:t>Tobias:</a:t>
             </a:r>
           </a:p>
+          <a:p>
+            <a:endParaRPr lang="en-US" dirty="0"/>
+          </a:p>
+          <a:p>
+            <a:r>
+              <a:rPr lang="en-US" dirty="0" err="1"/>
+              <a:t>Unsere</a:t>
+            </a:r>
+            <a:r>
+              <a:rPr lang="en-US" dirty="0"/>
+              <a:t> </a:t>
+            </a:r>
+            <a:r>
+              <a:rPr lang="en-US" dirty="0" err="1"/>
+              <a:t>Plattform</a:t>
+            </a:r>
+            <a:r>
+              <a:rPr lang="en-US" dirty="0"/>
+              <a:t> </a:t>
+            </a:r>
+            <a:r>
+              <a:rPr lang="en-US" dirty="0" err="1"/>
+              <a:t>besteht</a:t>
+            </a:r>
+            <a:r>
+              <a:rPr lang="en-US" dirty="0"/>
+              <a:t> </a:t>
+            </a:r>
+            <a:r>
+              <a:rPr lang="en-US" dirty="0" err="1"/>
+              <a:t>aus</a:t>
+            </a:r>
+            <a:r>
+              <a:rPr lang="en-US" dirty="0"/>
+              <a:t> </a:t>
+            </a:r>
+            <a:r>
+              <a:rPr lang="en-US" dirty="0" err="1"/>
+              <a:t>einem</a:t>
+            </a:r>
+            <a:r>
+              <a:rPr lang="en-US" dirty="0"/>
+              <a:t> Raspberry Pi 4 auf </a:t>
+            </a:r>
+            <a:r>
+              <a:rPr lang="en-US" dirty="0" err="1"/>
+              <a:t>welchem</a:t>
+            </a:r>
+            <a:r>
+              <a:rPr lang="en-US" dirty="0"/>
+              <a:t> das </a:t>
+            </a:r>
+            <a:r>
+              <a:rPr lang="en-US" dirty="0" err="1"/>
+              <a:t>Betriebssystem</a:t>
+            </a:r>
+            <a:r>
+              <a:rPr lang="en-US" dirty="0"/>
+              <a:t> “Raspberry Pi OS” </a:t>
+            </a:r>
+            <a:r>
+              <a:rPr lang="en-US" dirty="0" err="1"/>
+              <a:t>oder</a:t>
+            </a:r>
+            <a:r>
+              <a:rPr lang="en-US" dirty="0"/>
+              <a:t> </a:t>
+            </a:r>
+            <a:r>
+              <a:rPr lang="en-US" dirty="0" err="1"/>
+              <a:t>auch</a:t>
+            </a:r>
+            <a:r>
+              <a:rPr lang="en-US" dirty="0"/>
+              <a:t> das </a:t>
+            </a:r>
+            <a:r>
+              <a:rPr lang="en-US" dirty="0" err="1"/>
+              <a:t>ehemalige</a:t>
+            </a:r>
+            <a:r>
+              <a:rPr lang="en-US" dirty="0"/>
+              <a:t> “Raspbian” </a:t>
+            </a:r>
+            <a:r>
+              <a:rPr lang="en-US" dirty="0" err="1"/>
+              <a:t>eingerichtet</a:t>
+            </a:r>
+            <a:r>
+              <a:rPr lang="en-US" dirty="0"/>
+              <a:t> </a:t>
+            </a:r>
+            <a:r>
+              <a:rPr lang="en-US" dirty="0" err="1"/>
+              <a:t>ist</a:t>
+            </a:r>
+            <a:r>
+              <a:rPr lang="en-US" dirty="0"/>
+              <a:t>.</a:t>
+            </a:r>
+          </a:p>
+          <a:p>
+            <a:endParaRPr lang="en-US" dirty="0"/>
+          </a:p>
+          <a:p>
+            <a:r>
+              <a:rPr lang="en-US" dirty="0"/>
+              <a:t>Dieses System </a:t>
+            </a:r>
+            <a:r>
+              <a:rPr lang="en-US" dirty="0" err="1"/>
+              <a:t>bietet</a:t>
+            </a:r>
+            <a:r>
+              <a:rPr lang="en-US" dirty="0"/>
+              <a:t> </a:t>
+            </a:r>
+            <a:r>
+              <a:rPr lang="en-US" dirty="0" err="1"/>
+              <a:t>mit</a:t>
+            </a:r>
+            <a:r>
+              <a:rPr lang="en-US" dirty="0"/>
+              <a:t> der 4 Kern </a:t>
+            </a:r>
+            <a:r>
+              <a:rPr lang="en-US" dirty="0" err="1"/>
+              <a:t>Cpu</a:t>
+            </a:r>
+            <a:r>
+              <a:rPr lang="en-US" dirty="0"/>
+              <a:t> </a:t>
+            </a:r>
+            <a:r>
+              <a:rPr lang="en-US" dirty="0" err="1"/>
+              <a:t>genügend</a:t>
+            </a:r>
+            <a:r>
+              <a:rPr lang="en-US" dirty="0"/>
+              <a:t> </a:t>
+            </a:r>
+            <a:r>
+              <a:rPr lang="en-US" dirty="0" err="1"/>
+              <a:t>Rechenleistung</a:t>
+            </a:r>
+            <a:r>
+              <a:rPr lang="en-US" dirty="0"/>
+              <a:t> und </a:t>
+            </a:r>
+            <a:r>
+              <a:rPr lang="en-US" dirty="0" err="1"/>
+              <a:t>läuft</a:t>
+            </a:r>
+            <a:r>
+              <a:rPr lang="en-US" dirty="0"/>
+              <a:t> </a:t>
+            </a:r>
+            <a:r>
+              <a:rPr lang="en-US" dirty="0" err="1"/>
+              <a:t>aufgrund</a:t>
+            </a:r>
+            <a:r>
+              <a:rPr lang="en-US" dirty="0"/>
+              <a:t> der Linux Distribution </a:t>
+            </a:r>
+            <a:r>
+              <a:rPr lang="en-US" dirty="0" err="1"/>
+              <a:t>sehr</a:t>
+            </a:r>
+            <a:r>
+              <a:rPr lang="en-US" dirty="0"/>
+              <a:t> </a:t>
+            </a:r>
+            <a:r>
+              <a:rPr lang="en-US" dirty="0" err="1"/>
+              <a:t>stabil</a:t>
+            </a:r>
+            <a:r>
+              <a:rPr lang="en-US" dirty="0"/>
+              <a:t>.</a:t>
+            </a:r>
+            <a:br>
+              <a:rPr lang="en-US" dirty="0"/>
+            </a:br>
+            <a:r>
+              <a:rPr lang="en-US" dirty="0"/>
+              <a:t>Der Raspberry </a:t>
+            </a:r>
+            <a:r>
+              <a:rPr lang="en-US" dirty="0" err="1"/>
+              <a:t>besitzt</a:t>
+            </a:r>
+            <a:r>
+              <a:rPr lang="en-US" dirty="0"/>
+              <a:t> 8Gb RAM, was für </a:t>
+            </a:r>
+            <a:r>
+              <a:rPr lang="en-US" dirty="0" err="1"/>
+              <a:t>unsere</a:t>
+            </a:r>
+            <a:r>
+              <a:rPr lang="en-US" dirty="0"/>
+              <a:t> Software </a:t>
+            </a:r>
+            <a:r>
+              <a:rPr lang="en-US" dirty="0" err="1"/>
+              <a:t>ausreichend</a:t>
+            </a:r>
+            <a:r>
+              <a:rPr lang="en-US" dirty="0"/>
+              <a:t> </a:t>
+            </a:r>
+            <a:r>
+              <a:rPr lang="en-US" dirty="0" err="1"/>
+              <a:t>ist</a:t>
+            </a:r>
+            <a:r>
+              <a:rPr lang="en-US" dirty="0"/>
+              <a:t>.</a:t>
+            </a:r>
+          </a:p>
+          <a:p>
+            <a:r>
+              <a:rPr lang="en-US" dirty="0" err="1"/>
+              <a:t>Ausserdem</a:t>
+            </a:r>
+            <a:r>
+              <a:rPr lang="en-US" dirty="0"/>
+              <a:t> </a:t>
+            </a:r>
+            <a:r>
+              <a:rPr lang="en-US" dirty="0" err="1"/>
+              <a:t>haben</a:t>
+            </a:r>
+            <a:r>
+              <a:rPr lang="en-US" dirty="0"/>
+              <a:t> </a:t>
+            </a:r>
+            <a:r>
+              <a:rPr lang="en-US" dirty="0" err="1"/>
+              <a:t>wir</a:t>
+            </a:r>
+            <a:r>
+              <a:rPr lang="en-US" dirty="0"/>
+              <a:t> die </a:t>
+            </a:r>
+            <a:r>
+              <a:rPr lang="en-US" dirty="0" err="1"/>
+              <a:t>Möglichkeit</a:t>
+            </a:r>
+            <a:r>
+              <a:rPr lang="en-US" dirty="0"/>
+              <a:t> den Raspberry per </a:t>
+            </a:r>
+            <a:r>
+              <a:rPr lang="en-US" dirty="0" err="1"/>
+              <a:t>Wifi</a:t>
+            </a:r>
+            <a:r>
+              <a:rPr lang="en-US" dirty="0"/>
+              <a:t> </a:t>
+            </a:r>
+            <a:r>
+              <a:rPr lang="en-US" dirty="0" err="1"/>
+              <a:t>oder</a:t>
+            </a:r>
+            <a:r>
+              <a:rPr lang="en-US" dirty="0"/>
+              <a:t> Ethernet </a:t>
+            </a:r>
+            <a:r>
+              <a:rPr lang="en-US" dirty="0" err="1"/>
+              <a:t>mit</a:t>
+            </a:r>
+            <a:r>
+              <a:rPr lang="en-US" dirty="0"/>
+              <a:t> dem Internet </a:t>
+            </a:r>
+            <a:r>
+              <a:rPr lang="en-US" dirty="0" err="1"/>
+              <a:t>zu</a:t>
+            </a:r>
+            <a:r>
+              <a:rPr lang="en-US" dirty="0"/>
+              <a:t> </a:t>
+            </a:r>
+            <a:r>
+              <a:rPr lang="en-US" dirty="0" err="1"/>
+              <a:t>verbinden</a:t>
+            </a:r>
+            <a:r>
+              <a:rPr lang="en-US" dirty="0"/>
+              <a:t>.</a:t>
+            </a:r>
+            <a:br>
+              <a:rPr lang="en-US" dirty="0"/>
+            </a:br>
+            <a:endParaRPr lang="en-US" dirty="0"/>
+          </a:p>
+          <a:p>
+            <a:endParaRPr lang="en-US" dirty="0"/>
+          </a:p>
         </p:txBody>
       </p:sp>
       <p:sp>
@@ -8085,6 +9194,352 @@
             <a:r>
               <a:rPr lang="en-US" dirty="0"/>
               <a:t>Tobias:</a:t>
+            </a:r>
+          </a:p>
+          <a:p>
+            <a:endParaRPr lang="en-US" dirty="0"/>
+          </a:p>
+          <a:p>
+            <a:r>
+              <a:rPr lang="de-CH" b="0" i="0" dirty="0">
+                <a:solidFill>
+                  <a:srgbClr val="000000"/>
+                </a:solidFill>
+                <a:effectLst/>
+                <a:latin typeface="Roboto" panose="020B0604020202020204" pitchFamily="2" charset="0"/>
+              </a:rPr>
+              <a:t>Für die Interaktion mit dem User haben wir 1280 x 800</a:t>
+            </a:r>
+            <a:r>
+              <a:rPr lang="en-US" b="0" i="0" dirty="0">
+                <a:solidFill>
+                  <a:srgbClr val="000000"/>
+                </a:solidFill>
+                <a:effectLst/>
+                <a:latin typeface="Roboto" panose="020B0604020202020204" pitchFamily="2" charset="0"/>
+              </a:rPr>
+              <a:t> touch Display.</a:t>
+            </a:r>
+          </a:p>
+          <a:p>
+            <a:r>
+              <a:rPr lang="en-US" b="0" i="0" dirty="0">
+                <a:solidFill>
+                  <a:srgbClr val="000000"/>
+                </a:solidFill>
+                <a:effectLst/>
+                <a:latin typeface="Roboto" panose="020B0604020202020204" pitchFamily="2" charset="0"/>
+              </a:rPr>
+              <a:t>Das Display </a:t>
+            </a:r>
+            <a:r>
+              <a:rPr lang="en-US" b="0" i="0" dirty="0" err="1">
+                <a:solidFill>
+                  <a:srgbClr val="000000"/>
+                </a:solidFill>
+                <a:effectLst/>
+                <a:latin typeface="Roboto" panose="020B0604020202020204" pitchFamily="2" charset="0"/>
+              </a:rPr>
+              <a:t>ist</a:t>
+            </a:r>
+            <a:r>
+              <a:rPr lang="en-US" b="0" i="0" dirty="0">
+                <a:solidFill>
+                  <a:srgbClr val="000000"/>
+                </a:solidFill>
+                <a:effectLst/>
+                <a:latin typeface="Roboto" panose="020B0604020202020204" pitchFamily="2" charset="0"/>
+              </a:rPr>
+              <a:t> </a:t>
+            </a:r>
+            <a:r>
+              <a:rPr lang="en-US" b="0" i="0" dirty="0" err="1">
+                <a:solidFill>
+                  <a:srgbClr val="000000"/>
+                </a:solidFill>
+                <a:effectLst/>
+                <a:latin typeface="Roboto" panose="020B0604020202020204" pitchFamily="2" charset="0"/>
+              </a:rPr>
+              <a:t>bereits</a:t>
+            </a:r>
+            <a:r>
+              <a:rPr lang="en-US" b="0" i="0" dirty="0">
+                <a:solidFill>
+                  <a:srgbClr val="000000"/>
+                </a:solidFill>
+                <a:effectLst/>
+                <a:latin typeface="Roboto" panose="020B0604020202020204" pitchFamily="2" charset="0"/>
+              </a:rPr>
+              <a:t> in </a:t>
+            </a:r>
+            <a:r>
+              <a:rPr lang="en-US" b="0" i="0" dirty="0" err="1">
+                <a:solidFill>
+                  <a:srgbClr val="000000"/>
+                </a:solidFill>
+                <a:effectLst/>
+                <a:latin typeface="Roboto" panose="020B0604020202020204" pitchFamily="2" charset="0"/>
+              </a:rPr>
+              <a:t>einem</a:t>
+            </a:r>
+            <a:r>
+              <a:rPr lang="en-US" b="0" i="0" dirty="0">
+                <a:solidFill>
+                  <a:srgbClr val="000000"/>
+                </a:solidFill>
+                <a:effectLst/>
+                <a:latin typeface="Roboto" panose="020B0604020202020204" pitchFamily="2" charset="0"/>
+              </a:rPr>
+              <a:t> </a:t>
+            </a:r>
+            <a:r>
+              <a:rPr lang="en-US" b="0" i="0" dirty="0" err="1">
+                <a:solidFill>
+                  <a:srgbClr val="000000"/>
+                </a:solidFill>
+                <a:effectLst/>
+                <a:latin typeface="Roboto" panose="020B0604020202020204" pitchFamily="2" charset="0"/>
+              </a:rPr>
+              <a:t>Gehäuse</a:t>
+            </a:r>
+            <a:r>
+              <a:rPr lang="en-US" b="0" i="0" dirty="0">
+                <a:solidFill>
+                  <a:srgbClr val="000000"/>
+                </a:solidFill>
+                <a:effectLst/>
+                <a:latin typeface="Roboto" panose="020B0604020202020204" pitchFamily="2" charset="0"/>
+              </a:rPr>
+              <a:t> </a:t>
+            </a:r>
+            <a:r>
+              <a:rPr lang="en-US" b="0" i="0" dirty="0" err="1">
+                <a:solidFill>
+                  <a:srgbClr val="000000"/>
+                </a:solidFill>
+                <a:effectLst/>
+                <a:latin typeface="Roboto" panose="020B0604020202020204" pitchFamily="2" charset="0"/>
+              </a:rPr>
+              <a:t>verbaut</a:t>
+            </a:r>
+            <a:r>
+              <a:rPr lang="en-US" b="0" i="0" dirty="0">
+                <a:solidFill>
+                  <a:srgbClr val="000000"/>
+                </a:solidFill>
+                <a:effectLst/>
+                <a:latin typeface="Roboto" panose="020B0604020202020204" pitchFamily="2" charset="0"/>
+              </a:rPr>
+              <a:t>.</a:t>
+            </a:r>
+            <a:br>
+              <a:rPr lang="en-US" b="0" i="0" dirty="0">
+                <a:solidFill>
+                  <a:srgbClr val="000000"/>
+                </a:solidFill>
+                <a:effectLst/>
+                <a:latin typeface="Roboto" panose="020B0604020202020204" pitchFamily="2" charset="0"/>
+              </a:rPr>
+            </a:br>
+            <a:r>
+              <a:rPr lang="en-US" b="0" i="0" dirty="0">
+                <a:solidFill>
+                  <a:srgbClr val="000000"/>
+                </a:solidFill>
+                <a:effectLst/>
+                <a:latin typeface="Roboto" panose="020B0604020202020204" pitchFamily="2" charset="0"/>
+              </a:rPr>
+              <a:t>Der Raspberry </a:t>
+            </a:r>
+            <a:r>
+              <a:rPr lang="en-US" b="0" i="0" dirty="0" err="1">
+                <a:solidFill>
+                  <a:srgbClr val="000000"/>
+                </a:solidFill>
+                <a:effectLst/>
+                <a:latin typeface="Roboto" panose="020B0604020202020204" pitchFamily="2" charset="0"/>
+              </a:rPr>
+              <a:t>kann</a:t>
+            </a:r>
+            <a:r>
+              <a:rPr lang="en-US" b="0" i="0" dirty="0">
+                <a:solidFill>
+                  <a:srgbClr val="000000"/>
+                </a:solidFill>
+                <a:effectLst/>
+                <a:latin typeface="Roboto" panose="020B0604020202020204" pitchFamily="2" charset="0"/>
+              </a:rPr>
+              <a:t> </a:t>
+            </a:r>
+            <a:r>
+              <a:rPr lang="en-US" b="0" i="0" dirty="0" err="1">
+                <a:solidFill>
+                  <a:srgbClr val="000000"/>
+                </a:solidFill>
+                <a:effectLst/>
+                <a:latin typeface="Roboto" panose="020B0604020202020204" pitchFamily="2" charset="0"/>
+              </a:rPr>
+              <a:t>anschliessend</a:t>
+            </a:r>
+            <a:r>
+              <a:rPr lang="en-US" b="0" i="0" dirty="0">
+                <a:solidFill>
+                  <a:srgbClr val="000000"/>
+                </a:solidFill>
+                <a:effectLst/>
+                <a:latin typeface="Roboto" panose="020B0604020202020204" pitchFamily="2" charset="0"/>
+              </a:rPr>
+              <a:t> am </a:t>
+            </a:r>
+            <a:r>
+              <a:rPr lang="en-US" b="0" i="0" dirty="0" err="1">
+                <a:solidFill>
+                  <a:srgbClr val="000000"/>
+                </a:solidFill>
+                <a:effectLst/>
+                <a:latin typeface="Roboto" panose="020B0604020202020204" pitchFamily="2" charset="0"/>
+              </a:rPr>
+              <a:t>Gehäuse</a:t>
+            </a:r>
+            <a:r>
+              <a:rPr lang="en-US" b="0" i="0" dirty="0">
+                <a:solidFill>
+                  <a:srgbClr val="000000"/>
+                </a:solidFill>
+                <a:effectLst/>
+                <a:latin typeface="Roboto" panose="020B0604020202020204" pitchFamily="2" charset="0"/>
+              </a:rPr>
+              <a:t> </a:t>
+            </a:r>
+            <a:r>
+              <a:rPr lang="en-US" b="0" i="0" dirty="0" err="1">
+                <a:solidFill>
+                  <a:srgbClr val="000000"/>
+                </a:solidFill>
+                <a:effectLst/>
+                <a:latin typeface="Roboto" panose="020B0604020202020204" pitchFamily="2" charset="0"/>
+              </a:rPr>
+              <a:t>befestigt</a:t>
+            </a:r>
+            <a:r>
+              <a:rPr lang="en-US" b="0" i="0" dirty="0">
+                <a:solidFill>
+                  <a:srgbClr val="000000"/>
+                </a:solidFill>
+                <a:effectLst/>
+                <a:latin typeface="Roboto" panose="020B0604020202020204" pitchFamily="2" charset="0"/>
+              </a:rPr>
+              <a:t> warden.</a:t>
+            </a:r>
+          </a:p>
+          <a:p>
+            <a:r>
+              <a:rPr lang="en-US" dirty="0"/>
+              <a:t>Das Display </a:t>
+            </a:r>
+            <a:r>
+              <a:rPr lang="en-US" dirty="0" err="1"/>
+              <a:t>wird</a:t>
+            </a:r>
+            <a:r>
+              <a:rPr lang="en-US" dirty="0"/>
+              <a:t> </a:t>
+            </a:r>
+            <a:r>
+              <a:rPr lang="en-US" dirty="0" err="1"/>
+              <a:t>über</a:t>
+            </a:r>
+            <a:r>
+              <a:rPr lang="en-US" dirty="0"/>
+              <a:t> HDMI </a:t>
+            </a:r>
+            <a:r>
+              <a:rPr lang="en-US" dirty="0" err="1"/>
+              <a:t>mit</a:t>
+            </a:r>
+            <a:r>
+              <a:rPr lang="en-US" dirty="0"/>
+              <a:t> dem Raspberry </a:t>
+            </a:r>
+            <a:r>
+              <a:rPr lang="en-US" dirty="0" err="1"/>
+              <a:t>verbunden</a:t>
+            </a:r>
+            <a:r>
+              <a:rPr lang="en-US" dirty="0"/>
+              <a:t>.</a:t>
+            </a:r>
+            <a:br>
+              <a:rPr lang="en-US" dirty="0"/>
+            </a:br>
+            <a:r>
+              <a:rPr lang="en-US" dirty="0"/>
+              <a:t>Das Touch Modul </a:t>
+            </a:r>
+            <a:r>
+              <a:rPr lang="en-US" dirty="0" err="1"/>
+              <a:t>wird</a:t>
+            </a:r>
+            <a:r>
+              <a:rPr lang="en-US" dirty="0"/>
+              <a:t> </a:t>
+            </a:r>
+            <a:r>
+              <a:rPr lang="en-US" dirty="0" err="1"/>
+              <a:t>über</a:t>
+            </a:r>
+            <a:r>
+              <a:rPr lang="en-US" dirty="0"/>
+              <a:t> USB an den Raspberry </a:t>
+            </a:r>
+            <a:r>
+              <a:rPr lang="en-US" dirty="0" err="1"/>
+              <a:t>angeschlossen</a:t>
+            </a:r>
+            <a:r>
+              <a:rPr lang="en-US" dirty="0"/>
+              <a:t>.</a:t>
+            </a:r>
+          </a:p>
+          <a:p>
+            <a:endParaRPr lang="en-US" dirty="0"/>
+          </a:p>
+          <a:p>
+            <a:r>
+              <a:rPr lang="en-US" dirty="0"/>
+              <a:t>Nun </a:t>
+            </a:r>
+            <a:r>
+              <a:rPr lang="en-US" dirty="0" err="1"/>
+              <a:t>fahren</a:t>
+            </a:r>
+            <a:r>
+              <a:rPr lang="en-US" dirty="0"/>
+              <a:t> </a:t>
+            </a:r>
+            <a:r>
+              <a:rPr lang="en-US" dirty="0" err="1"/>
+              <a:t>wir</a:t>
+            </a:r>
+            <a:r>
+              <a:rPr lang="en-US" dirty="0"/>
+              <a:t> fort </a:t>
+            </a:r>
+            <a:r>
+              <a:rPr lang="en-US" dirty="0" err="1"/>
+              <a:t>mit</a:t>
+            </a:r>
+            <a:r>
+              <a:rPr lang="en-US" dirty="0"/>
+              <a:t>  der </a:t>
+            </a:r>
+            <a:r>
+              <a:rPr lang="en-US" dirty="0" err="1"/>
+              <a:t>Datenbank</a:t>
+            </a:r>
+            <a:r>
+              <a:rPr lang="en-US" dirty="0"/>
+              <a:t>.</a:t>
             </a:r>
           </a:p>
         </p:txBody>
@@ -8448,7 +9903,7 @@
           <a:p>
             <a:fld id="{D71E13D6-B070-45C8-AC42-90F25AD4976F}" type="datetime8">
               <a:rPr lang="en-CH" smtClean="0"/>
-              <a:t>01/26/2022 20:53</a:t>
+              <a:t>01/27/2022 08:06</a:t>
             </a:fld>
             <a:endParaRPr lang="en-CH"/>
           </a:p>
@@ -8648,7 +10103,7 @@
           <a:p>
             <a:fld id="{34C1AEE4-2DCF-4A66-9927-6F783BB52BE0}" type="datetime8">
               <a:rPr lang="en-CH" smtClean="0"/>
-              <a:t>01/26/2022 20:53</a:t>
+              <a:t>01/27/2022 08:06</a:t>
             </a:fld>
             <a:endParaRPr lang="en-CH"/>
           </a:p>
@@ -8858,7 +10313,7 @@
           <a:p>
             <a:fld id="{C4C13A0D-7035-4256-BB1C-652F6CDC1D82}" type="datetime8">
               <a:rPr lang="en-CH" smtClean="0"/>
-              <a:t>01/26/2022 20:53</a:t>
+              <a:t>01/27/2022 08:06</a:t>
             </a:fld>
             <a:endParaRPr lang="en-CH"/>
           </a:p>
@@ -9058,7 +10513,7 @@
           <a:p>
             <a:fld id="{A720F8AA-53F4-4181-BD2C-7354613DB587}" type="datetime8">
               <a:rPr lang="en-CH" smtClean="0"/>
-              <a:t>01/26/2022 20:53</a:t>
+              <a:t>01/27/2022 08:06</a:t>
             </a:fld>
             <a:endParaRPr lang="en-CH"/>
           </a:p>
@@ -9334,7 +10789,7 @@
           <a:p>
             <a:fld id="{18ED5C57-181E-4E8A-8032-E5587C441532}" type="datetime8">
               <a:rPr lang="en-CH" smtClean="0"/>
-              <a:t>01/26/2022 20:53</a:t>
+              <a:t>01/27/2022 08:06</a:t>
             </a:fld>
             <a:endParaRPr lang="en-CH"/>
           </a:p>
@@ -9602,7 +11057,7 @@
           <a:p>
             <a:fld id="{2711B6E1-EBCF-4960-9E94-A2CE4CEDA9CF}" type="datetime8">
               <a:rPr lang="en-CH" smtClean="0"/>
-              <a:t>01/26/2022 20:53</a:t>
+              <a:t>01/27/2022 08:06</a:t>
             </a:fld>
             <a:endParaRPr lang="en-CH"/>
           </a:p>
@@ -10017,7 +11472,7 @@
           <a:p>
             <a:fld id="{60888D22-8975-4143-BBCD-F78A0E3504A0}" type="datetime8">
               <a:rPr lang="en-CH" smtClean="0"/>
-              <a:t>01/26/2022 20:53</a:t>
+              <a:t>01/27/2022 08:06</a:t>
             </a:fld>
             <a:endParaRPr lang="en-CH"/>
           </a:p>
@@ -10159,7 +11614,7 @@
           <a:p>
             <a:fld id="{CB62F5ED-9834-4FF8-A8E6-FE85BE4A88B6}" type="datetime8">
               <a:rPr lang="en-CH" smtClean="0"/>
-              <a:t>01/26/2022 20:53</a:t>
+              <a:t>01/27/2022 08:06</a:t>
             </a:fld>
             <a:endParaRPr lang="en-CH"/>
           </a:p>
@@ -10272,7 +11727,7 @@
           <a:p>
             <a:fld id="{91C4E595-669A-4DA7-8755-75BCB1DD65E9}" type="datetime8">
               <a:rPr lang="en-CH" smtClean="0"/>
-              <a:t>01/26/2022 20:53</a:t>
+              <a:t>01/27/2022 08:06</a:t>
             </a:fld>
             <a:endParaRPr lang="en-CH"/>
           </a:p>
@@ -10585,7 +12040,7 @@
           <a:p>
             <a:fld id="{1D3E9293-092D-4F3B-852B-B7B73C73F1F9}" type="datetime8">
               <a:rPr lang="en-CH" smtClean="0"/>
-              <a:t>01/26/2022 20:53</a:t>
+              <a:t>01/27/2022 08:06</a:t>
             </a:fld>
             <a:endParaRPr lang="en-CH"/>
           </a:p>
@@ -10874,7 +12329,7 @@
           <a:p>
             <a:fld id="{72DA9548-12AA-4712-AB6D-8087536C3BD4}" type="datetime8">
               <a:rPr lang="en-CH" smtClean="0"/>
-              <a:t>01/26/2022 20:53</a:t>
+              <a:t>01/27/2022 08:06</a:t>
             </a:fld>
             <a:endParaRPr lang="en-CH"/>
           </a:p>
@@ -11117,7 +12572,7 @@
           <a:p>
             <a:fld id="{361E5043-500B-4A06-A6BE-2D713F12E4A2}" type="datetime8">
               <a:rPr lang="en-CH" smtClean="0"/>
-              <a:t>01/26/2022 20:53</a:t>
+              <a:t>01/27/2022 08:06</a:t>
             </a:fld>
             <a:endParaRPr lang="en-CH"/>
           </a:p>
@@ -21480,6 +22935,675 @@
       </p:grpSpPr>
       <p:sp>
         <p:nvSpPr>
+          <p:cNvPr id="2" name="Titel 1">
+            <a:extLst>
+              <a:ext uri="{FF2B5EF4-FFF2-40B4-BE49-F238E27FC236}">
+                <a16:creationId xmlns:a16="http://schemas.microsoft.com/office/drawing/2014/main" id="{C42BEAD5-7CD9-475A-86A9-969E1ED99A63}"/>
+              </a:ext>
+            </a:extLst>
+          </p:cNvPr>
+          <p:cNvSpPr>
+            <a:spLocks noGrp="1"/>
+          </p:cNvSpPr>
+          <p:nvPr>
+            <p:ph type="title"/>
+          </p:nvPr>
+        </p:nvSpPr>
+        <p:spPr/>
+        <p:txBody>
+          <a:bodyPr/>
+          <a:lstStyle/>
+          <a:p>
+            <a:r>
+              <a:rPr lang="en-US" b="1" dirty="0">
+                <a:latin typeface="Arial" panose="020B0604020202020204" pitchFamily="34" charset="0"/>
+                <a:cs typeface="Arial" panose="020B0604020202020204" pitchFamily="34" charset="0"/>
+              </a:rPr>
+              <a:t>Python </a:t>
+            </a:r>
+            <a:r>
+              <a:rPr lang="en-US" b="1" dirty="0" err="1">
+                <a:latin typeface="Arial" panose="020B0604020202020204" pitchFamily="34" charset="0"/>
+                <a:cs typeface="Arial" panose="020B0604020202020204" pitchFamily="34" charset="0"/>
+              </a:rPr>
+              <a:t>Programm</a:t>
+            </a:r>
+            <a:br>
+              <a:rPr lang="en-US" b="1" dirty="0">
+                <a:latin typeface="Arial" panose="020B0604020202020204" pitchFamily="34" charset="0"/>
+                <a:cs typeface="Arial" panose="020B0604020202020204" pitchFamily="34" charset="0"/>
+              </a:rPr>
+            </a:br>
+            <a:r>
+              <a:rPr lang="en-US" sz="3600" i="1" dirty="0" err="1">
+                <a:latin typeface="Arial" panose="020B0604020202020204" pitchFamily="34" charset="0"/>
+                <a:cs typeface="Arial" panose="020B0604020202020204" pitchFamily="34" charset="0"/>
+              </a:rPr>
+              <a:t>Vorhersage</a:t>
+            </a:r>
+            <a:endParaRPr lang="de-CH" dirty="0"/>
+          </a:p>
+        </p:txBody>
+      </p:sp>
+      <p:sp>
+        <p:nvSpPr>
+          <p:cNvPr id="4" name="Foliennummernplatzhalter 3">
+            <a:extLst>
+              <a:ext uri="{FF2B5EF4-FFF2-40B4-BE49-F238E27FC236}">
+                <a16:creationId xmlns:a16="http://schemas.microsoft.com/office/drawing/2014/main" id="{1F63ED98-5731-4FB8-BE4F-43AC00A21313}"/>
+              </a:ext>
+            </a:extLst>
+          </p:cNvPr>
+          <p:cNvSpPr>
+            <a:spLocks noGrp="1"/>
+          </p:cNvSpPr>
+          <p:nvPr>
+            <p:ph type="sldNum" sz="quarter" idx="12"/>
+          </p:nvPr>
+        </p:nvSpPr>
+        <p:spPr/>
+        <p:txBody>
+          <a:bodyPr/>
+          <a:lstStyle/>
+          <a:p>
+            <a:fld id="{0F00D740-55B1-4DC8-A3B5-4535950A93D0}" type="slidenum">
+              <a:rPr lang="en-CH" smtClean="0"/>
+              <a:t>23</a:t>
+            </a:fld>
+            <a:endParaRPr lang="en-CH"/>
+          </a:p>
+        </p:txBody>
+      </p:sp>
+      <p:sp>
+        <p:nvSpPr>
+          <p:cNvPr id="5" name="Textfeld 4">
+            <a:extLst>
+              <a:ext uri="{FF2B5EF4-FFF2-40B4-BE49-F238E27FC236}">
+                <a16:creationId xmlns:a16="http://schemas.microsoft.com/office/drawing/2014/main" id="{376EFB93-026C-4F15-99A3-0D4421B7AD58}"/>
+              </a:ext>
+            </a:extLst>
+          </p:cNvPr>
+          <p:cNvSpPr txBox="1"/>
+          <p:nvPr/>
+        </p:nvSpPr>
+        <p:spPr>
+          <a:xfrm>
+            <a:off x="838200" y="2009404"/>
+            <a:ext cx="1501821" cy="830997"/>
+          </a:xfrm>
+          <a:prstGeom prst="rect">
+            <a:avLst/>
+          </a:prstGeom>
+          <a:noFill/>
+        </p:spPr>
+        <p:txBody>
+          <a:bodyPr wrap="none" rtlCol="0">
+            <a:spAutoFit/>
+          </a:bodyPr>
+          <a:lstStyle/>
+          <a:p>
+            <a:r>
+              <a:rPr lang="de-CH" sz="4800" dirty="0"/>
+              <a:t>Fazit:</a:t>
+            </a:r>
+          </a:p>
+        </p:txBody>
+      </p:sp>
+      <p:sp>
+        <p:nvSpPr>
+          <p:cNvPr id="7" name="Textfeld 6">
+            <a:extLst>
+              <a:ext uri="{FF2B5EF4-FFF2-40B4-BE49-F238E27FC236}">
+                <a16:creationId xmlns:a16="http://schemas.microsoft.com/office/drawing/2014/main" id="{F535F26F-32BD-41D1-94ED-ADAF9692FBE0}"/>
+              </a:ext>
+            </a:extLst>
+          </p:cNvPr>
+          <p:cNvSpPr txBox="1"/>
+          <p:nvPr/>
+        </p:nvSpPr>
+        <p:spPr>
+          <a:xfrm>
+            <a:off x="838200" y="3820902"/>
+            <a:ext cx="2722220" cy="646331"/>
+          </a:xfrm>
+          <a:prstGeom prst="rect">
+            <a:avLst/>
+          </a:prstGeom>
+          <a:noFill/>
+        </p:spPr>
+        <p:txBody>
+          <a:bodyPr wrap="none" rtlCol="0">
+            <a:spAutoFit/>
+          </a:bodyPr>
+          <a:lstStyle/>
+          <a:p>
+            <a:pPr marL="285750" indent="-285750">
+              <a:buFont typeface="Arial" panose="020B0604020202020204" pitchFamily="34" charset="0"/>
+              <a:buChar char="•"/>
+            </a:pPr>
+            <a:r>
+              <a:rPr lang="de-CH" dirty="0"/>
+              <a:t>grosser Rechenaufwand</a:t>
+            </a:r>
+          </a:p>
+          <a:p>
+            <a:pPr marL="285750" indent="-285750">
+              <a:buFont typeface="Arial" panose="020B0604020202020204" pitchFamily="34" charset="0"/>
+              <a:buChar char="•"/>
+            </a:pPr>
+            <a:r>
+              <a:rPr lang="de-CH" dirty="0"/>
+              <a:t>Ungenau</a:t>
+            </a:r>
+          </a:p>
+        </p:txBody>
+      </p:sp>
+      <p:sp>
+        <p:nvSpPr>
+          <p:cNvPr id="8" name="Textfeld 7">
+            <a:extLst>
+              <a:ext uri="{FF2B5EF4-FFF2-40B4-BE49-F238E27FC236}">
+                <a16:creationId xmlns:a16="http://schemas.microsoft.com/office/drawing/2014/main" id="{903459EE-855B-49CA-A0A7-7F44447C5A4D}"/>
+              </a:ext>
+            </a:extLst>
+          </p:cNvPr>
+          <p:cNvSpPr txBox="1"/>
+          <p:nvPr/>
+        </p:nvSpPr>
+        <p:spPr>
+          <a:xfrm>
+            <a:off x="838200" y="3007486"/>
+            <a:ext cx="6007991" cy="646331"/>
+          </a:xfrm>
+          <a:prstGeom prst="rect">
+            <a:avLst/>
+          </a:prstGeom>
+          <a:noFill/>
+        </p:spPr>
+        <p:txBody>
+          <a:bodyPr wrap="none" rtlCol="0">
+            <a:spAutoFit/>
+          </a:bodyPr>
+          <a:lstStyle/>
+          <a:p>
+            <a:pPr marL="285750" indent="-285750">
+              <a:buFont typeface="Arial" panose="020B0604020202020204" pitchFamily="34" charset="0"/>
+              <a:buChar char="•"/>
+            </a:pPr>
+            <a:r>
+              <a:rPr lang="de-CH" dirty="0"/>
+              <a:t>Nachvollziehbarkeit</a:t>
+            </a:r>
+          </a:p>
+          <a:p>
+            <a:pPr marL="285750" indent="-285750">
+              <a:buFont typeface="Arial" panose="020B0604020202020204" pitchFamily="34" charset="0"/>
+              <a:buChar char="•"/>
+            </a:pPr>
+            <a:r>
+              <a:rPr lang="de-CH" dirty="0"/>
+              <a:t>Sucht neben Durchschnitt auch möglichst ähnlicher Verlauf</a:t>
+            </a:r>
+          </a:p>
+        </p:txBody>
+      </p:sp>
+      <p:sp>
+        <p:nvSpPr>
+          <p:cNvPr id="9" name="Textfeld 8">
+            <a:extLst>
+              <a:ext uri="{FF2B5EF4-FFF2-40B4-BE49-F238E27FC236}">
+                <a16:creationId xmlns:a16="http://schemas.microsoft.com/office/drawing/2014/main" id="{76655E14-55F6-4370-BC8F-0D091848058B}"/>
+              </a:ext>
+            </a:extLst>
+          </p:cNvPr>
+          <p:cNvSpPr txBox="1"/>
+          <p:nvPr/>
+        </p:nvSpPr>
+        <p:spPr>
+          <a:xfrm>
+            <a:off x="3659018" y="4459020"/>
+            <a:ext cx="3382231" cy="2031325"/>
+          </a:xfrm>
+          <a:prstGeom prst="rect">
+            <a:avLst/>
+          </a:prstGeom>
+          <a:noFill/>
+          <a:ln>
+            <a:solidFill>
+              <a:schemeClr val="tx1"/>
+            </a:solidFill>
+          </a:ln>
+        </p:spPr>
+        <p:txBody>
+          <a:bodyPr wrap="square" rtlCol="0">
+            <a:spAutoFit/>
+          </a:bodyPr>
+          <a:lstStyle/>
+          <a:p>
+            <a:pPr algn="ctr"/>
+            <a:r>
+              <a:rPr lang="de-CH" dirty="0"/>
+              <a:t>Vergleich:</a:t>
+            </a:r>
+          </a:p>
+          <a:p>
+            <a:pPr algn="ctr"/>
+            <a:r>
+              <a:rPr lang="de-CH" dirty="0"/>
+              <a:t> </a:t>
+            </a:r>
+          </a:p>
+          <a:p>
+            <a:pPr algn="ctr"/>
+            <a:r>
+              <a:rPr lang="de-CH" b="1" dirty="0"/>
+              <a:t>Letztes Jahr</a:t>
+            </a:r>
+          </a:p>
+          <a:p>
+            <a:pPr algn="ctr"/>
+            <a:r>
+              <a:rPr lang="de-CH" dirty="0"/>
+              <a:t> +- 3.643206346667881  °C</a:t>
+            </a:r>
+          </a:p>
+          <a:p>
+            <a:endParaRPr lang="de-CH" dirty="0"/>
+          </a:p>
+          <a:p>
+            <a:pPr algn="ctr"/>
+            <a:r>
+              <a:rPr lang="de-CH" b="1" dirty="0" err="1"/>
+              <a:t>Nearest</a:t>
+            </a:r>
+            <a:r>
+              <a:rPr lang="de-CH" b="1" dirty="0"/>
+              <a:t> </a:t>
+            </a:r>
+            <a:r>
+              <a:rPr lang="de-CH" b="1" dirty="0" err="1"/>
+              <a:t>Neighbour</a:t>
+            </a:r>
+            <a:endParaRPr lang="de-CH" b="1" dirty="0"/>
+          </a:p>
+          <a:p>
+            <a:pPr algn="ctr"/>
+            <a:r>
+              <a:rPr lang="de-CH" dirty="0"/>
+              <a:t>+- 1.9660088095189747  °C</a:t>
+            </a:r>
+          </a:p>
+        </p:txBody>
+      </p:sp>
+      <p:sp>
+        <p:nvSpPr>
+          <p:cNvPr id="12" name="Textfeld 11">
+            <a:extLst>
+              <a:ext uri="{FF2B5EF4-FFF2-40B4-BE49-F238E27FC236}">
+                <a16:creationId xmlns:a16="http://schemas.microsoft.com/office/drawing/2014/main" id="{BFD3EE94-B3C5-440A-9B55-FDDF6C4FAEF4}"/>
+              </a:ext>
+            </a:extLst>
+          </p:cNvPr>
+          <p:cNvSpPr txBox="1"/>
+          <p:nvPr/>
+        </p:nvSpPr>
+        <p:spPr>
+          <a:xfrm>
+            <a:off x="7255498" y="4461550"/>
+            <a:ext cx="3382231" cy="2031325"/>
+          </a:xfrm>
+          <a:prstGeom prst="rect">
+            <a:avLst/>
+          </a:prstGeom>
+          <a:noFill/>
+          <a:ln>
+            <a:solidFill>
+              <a:schemeClr val="tx1"/>
+            </a:solidFill>
+          </a:ln>
+        </p:spPr>
+        <p:txBody>
+          <a:bodyPr wrap="square" rtlCol="0">
+            <a:spAutoFit/>
+          </a:bodyPr>
+          <a:lstStyle/>
+          <a:p>
+            <a:pPr algn="ctr"/>
+            <a:r>
+              <a:rPr lang="de-CH" dirty="0"/>
+              <a:t>Vergleich:</a:t>
+            </a:r>
+          </a:p>
+          <a:p>
+            <a:pPr algn="ctr"/>
+            <a:r>
+              <a:rPr lang="de-CH" dirty="0"/>
+              <a:t> </a:t>
+            </a:r>
+          </a:p>
+          <a:p>
+            <a:pPr algn="ctr"/>
+            <a:r>
+              <a:rPr lang="de-CH" b="1" dirty="0"/>
+              <a:t>Gleicher Tag</a:t>
+            </a:r>
+          </a:p>
+          <a:p>
+            <a:pPr algn="ctr"/>
+            <a:r>
+              <a:rPr lang="de-CH" dirty="0"/>
+              <a:t>+- 1.7547445324625952  °C</a:t>
+            </a:r>
+          </a:p>
+          <a:p>
+            <a:pPr algn="ctr"/>
+            <a:endParaRPr lang="de-CH" dirty="0"/>
+          </a:p>
+          <a:p>
+            <a:pPr algn="ctr"/>
+            <a:r>
+              <a:rPr lang="de-CH" b="1" dirty="0" err="1"/>
+              <a:t>Nearest</a:t>
+            </a:r>
+            <a:r>
+              <a:rPr lang="de-CH" b="1" dirty="0"/>
+              <a:t> </a:t>
+            </a:r>
+            <a:r>
+              <a:rPr lang="de-CH" b="1" dirty="0" err="1"/>
+              <a:t>Neighbour</a:t>
+            </a:r>
+            <a:endParaRPr lang="de-CH" b="1" dirty="0"/>
+          </a:p>
+          <a:p>
+            <a:pPr algn="ctr"/>
+            <a:r>
+              <a:rPr lang="de-CH" dirty="0"/>
+              <a:t>+- 2.26603814675927  °C</a:t>
+            </a:r>
+          </a:p>
+        </p:txBody>
+      </p:sp>
+    </p:spTree>
+    <p:extLst>
+      <p:ext uri="{BB962C8B-B14F-4D97-AF65-F5344CB8AC3E}">
+        <p14:creationId xmlns:p14="http://schemas.microsoft.com/office/powerpoint/2010/main" val="4242963165"/>
+      </p:ext>
+    </p:extLst>
+  </p:cSld>
+  <p:clrMapOvr>
+    <a:masterClrMapping/>
+  </p:clrMapOvr>
+  <p:timing>
+    <p:tnLst>
+      <p:par>
+        <p:cTn id="1" dur="indefinite" restart="never" nodeType="tmRoot">
+          <p:childTnLst>
+            <p:seq concurrent="1" nextAc="seek">
+              <p:cTn id="2" dur="indefinite" nodeType="mainSeq">
+                <p:childTnLst>
+                  <p:par>
+                    <p:cTn id="3" fill="hold">
+                      <p:stCondLst>
+                        <p:cond delay="indefinite"/>
+                      </p:stCondLst>
+                      <p:childTnLst>
+                        <p:par>
+                          <p:cTn id="4" fill="hold">
+                            <p:stCondLst>
+                              <p:cond delay="0"/>
+                            </p:stCondLst>
+                            <p:childTnLst>
+                              <p:par>
+                                <p:cTn id="5" presetID="10" presetClass="entr" presetSubtype="0" fill="hold" grpId="0" nodeType="clickEffect">
+                                  <p:stCondLst>
+                                    <p:cond delay="0"/>
+                                  </p:stCondLst>
+                                  <p:childTnLst>
+                                    <p:set>
+                                      <p:cBhvr>
+                                        <p:cTn id="6" dur="1" fill="hold">
+                                          <p:stCondLst>
+                                            <p:cond delay="0"/>
+                                          </p:stCondLst>
+                                        </p:cTn>
+                                        <p:tgtEl>
+                                          <p:spTgt spid="8"/>
+                                        </p:tgtEl>
+                                        <p:attrNameLst>
+                                          <p:attrName>style.visibility</p:attrName>
+                                        </p:attrNameLst>
+                                      </p:cBhvr>
+                                      <p:to>
+                                        <p:strVal val="visible"/>
+                                      </p:to>
+                                    </p:set>
+                                    <p:animEffect transition="in" filter="fade">
+                                      <p:cBhvr>
+                                        <p:cTn id="7" dur="500"/>
+                                        <p:tgtEl>
+                                          <p:spTgt spid="8"/>
+                                        </p:tgtEl>
+                                      </p:cBhvr>
+                                    </p:animEffect>
+                                  </p:childTnLst>
+                                </p:cTn>
+                              </p:par>
+                            </p:childTnLst>
+                          </p:cTn>
+                        </p:par>
+                      </p:childTnLst>
+                    </p:cTn>
+                  </p:par>
+                  <p:par>
+                    <p:cTn id="8" fill="hold">
+                      <p:stCondLst>
+                        <p:cond delay="indefinite"/>
+                      </p:stCondLst>
+                      <p:childTnLst>
+                        <p:par>
+                          <p:cTn id="9" fill="hold">
+                            <p:stCondLst>
+                              <p:cond delay="0"/>
+                            </p:stCondLst>
+                            <p:childTnLst>
+                              <p:par>
+                                <p:cTn id="10" presetID="10" presetClass="entr" presetSubtype="0" fill="hold" grpId="0" nodeType="clickEffect">
+                                  <p:stCondLst>
+                                    <p:cond delay="0"/>
+                                  </p:stCondLst>
+                                  <p:childTnLst>
+                                    <p:set>
+                                      <p:cBhvr>
+                                        <p:cTn id="11" dur="1" fill="hold">
+                                          <p:stCondLst>
+                                            <p:cond delay="0"/>
+                                          </p:stCondLst>
+                                        </p:cTn>
+                                        <p:tgtEl>
+                                          <p:spTgt spid="7"/>
+                                        </p:tgtEl>
+                                        <p:attrNameLst>
+                                          <p:attrName>style.visibility</p:attrName>
+                                        </p:attrNameLst>
+                                      </p:cBhvr>
+                                      <p:to>
+                                        <p:strVal val="visible"/>
+                                      </p:to>
+                                    </p:set>
+                                    <p:animEffect transition="in" filter="fade">
+                                      <p:cBhvr>
+                                        <p:cTn id="12" dur="500"/>
+                                        <p:tgtEl>
+                                          <p:spTgt spid="7"/>
+                                        </p:tgtEl>
+                                      </p:cBhvr>
+                                    </p:animEffect>
+                                  </p:childTnLst>
+                                </p:cTn>
+                              </p:par>
+                            </p:childTnLst>
+                          </p:cTn>
+                        </p:par>
+                      </p:childTnLst>
+                    </p:cTn>
+                  </p:par>
+                  <p:par>
+                    <p:cTn id="13" fill="hold">
+                      <p:stCondLst>
+                        <p:cond delay="indefinite"/>
+                      </p:stCondLst>
+                      <p:childTnLst>
+                        <p:par>
+                          <p:cTn id="14" fill="hold">
+                            <p:stCondLst>
+                              <p:cond delay="0"/>
+                            </p:stCondLst>
+                            <p:childTnLst>
+                              <p:par>
+                                <p:cTn id="15" presetID="10" presetClass="entr" presetSubtype="0" fill="hold" grpId="0" nodeType="clickEffect">
+                                  <p:stCondLst>
+                                    <p:cond delay="0"/>
+                                  </p:stCondLst>
+                                  <p:childTnLst>
+                                    <p:set>
+                                      <p:cBhvr>
+                                        <p:cTn id="16" dur="1" fill="hold">
+                                          <p:stCondLst>
+                                            <p:cond delay="0"/>
+                                          </p:stCondLst>
+                                        </p:cTn>
+                                        <p:tgtEl>
+                                          <p:spTgt spid="9"/>
+                                        </p:tgtEl>
+                                        <p:attrNameLst>
+                                          <p:attrName>style.visibility</p:attrName>
+                                        </p:attrNameLst>
+                                      </p:cBhvr>
+                                      <p:to>
+                                        <p:strVal val="visible"/>
+                                      </p:to>
+                                    </p:set>
+                                    <p:animEffect transition="in" filter="fade">
+                                      <p:cBhvr>
+                                        <p:cTn id="17" dur="500"/>
+                                        <p:tgtEl>
+                                          <p:spTgt spid="9"/>
+                                        </p:tgtEl>
+                                      </p:cBhvr>
+                                    </p:animEffect>
+                                  </p:childTnLst>
+                                </p:cTn>
+                              </p:par>
+                            </p:childTnLst>
+                          </p:cTn>
+                        </p:par>
+                      </p:childTnLst>
+                    </p:cTn>
+                  </p:par>
+                  <p:par>
+                    <p:cTn id="18" fill="hold">
+                      <p:stCondLst>
+                        <p:cond delay="indefinite"/>
+                      </p:stCondLst>
+                      <p:childTnLst>
+                        <p:par>
+                          <p:cTn id="19" fill="hold">
+                            <p:stCondLst>
+                              <p:cond delay="0"/>
+                            </p:stCondLst>
+                            <p:childTnLst>
+                              <p:par>
+                                <p:cTn id="20" presetID="10" presetClass="entr" presetSubtype="0" fill="hold" grpId="0" nodeType="clickEffect">
+                                  <p:stCondLst>
+                                    <p:cond delay="0"/>
+                                  </p:stCondLst>
+                                  <p:childTnLst>
+                                    <p:set>
+                                      <p:cBhvr>
+                                        <p:cTn id="21" dur="1" fill="hold">
+                                          <p:stCondLst>
+                                            <p:cond delay="0"/>
+                                          </p:stCondLst>
+                                        </p:cTn>
+                                        <p:tgtEl>
+                                          <p:spTgt spid="12"/>
+                                        </p:tgtEl>
+                                        <p:attrNameLst>
+                                          <p:attrName>style.visibility</p:attrName>
+                                        </p:attrNameLst>
+                                      </p:cBhvr>
+                                      <p:to>
+                                        <p:strVal val="visible"/>
+                                      </p:to>
+                                    </p:set>
+                                    <p:animEffect transition="in" filter="fade">
+                                      <p:cBhvr>
+                                        <p:cTn id="22" dur="500"/>
+                                        <p:tgtEl>
+                                          <p:spTgt spid="12"/>
+                                        </p:tgtEl>
+                                      </p:cBhvr>
+                                    </p:animEffect>
+                                  </p:childTnLst>
+                                </p:cTn>
+                              </p:par>
+                            </p:childTnLst>
+                          </p:cTn>
+                        </p:par>
+                      </p:childTnLst>
+                    </p:cTn>
+                  </p:par>
+                </p:childTnLst>
+              </p:cTn>
+              <p:prevCondLst>
+                <p:cond evt="onPrev" delay="0">
+                  <p:tgtEl>
+                    <p:sldTgt/>
+                  </p:tgtEl>
+                </p:cond>
+              </p:prevCondLst>
+              <p:nextCondLst>
+                <p:cond evt="onNext" delay="0">
+                  <p:tgtEl>
+                    <p:sldTgt/>
+                  </p:tgtEl>
+                </p:cond>
+              </p:nextCondLst>
+            </p:seq>
+          </p:childTnLst>
+        </p:cTn>
+      </p:par>
+    </p:tnLst>
+    <p:bldLst>
+      <p:bldP spid="7" grpId="0"/>
+      <p:bldP spid="8" grpId="0"/>
+      <p:bldP spid="9" grpId="0" animBg="1"/>
+      <p:bldP spid="12" grpId="0" animBg="1"/>
+    </p:bldLst>
+  </p:timing>
+</p:sld>
+</file>
+
+<file path=ppt/slides/slide24.xml><?xml version="1.0" encoding="utf-8"?>
+<p:sld xmlns:a="http://schemas.openxmlformats.org/drawingml/2006/main" xmlns:r="http://schemas.openxmlformats.org/officeDocument/2006/relationships" xmlns:p="http://schemas.openxmlformats.org/presentationml/2006/main">
+  <p:cSld>
+    <p:spTree>
+      <p:nvGrpSpPr>
+        <p:cNvPr id="1" name=""/>
+        <p:cNvGrpSpPr/>
+        <p:nvPr/>
+      </p:nvGrpSpPr>
+      <p:grpSpPr>
+        <a:xfrm>
+          <a:off x="0" y="0"/>
+          <a:ext cx="0" cy="0"/>
+          <a:chOff x="0" y="0"/>
+          <a:chExt cx="0" cy="0"/>
+        </a:xfrm>
+      </p:grpSpPr>
+      <p:sp>
+        <p:nvSpPr>
           <p:cNvPr id="2" name="Title 1">
             <a:extLst>
               <a:ext uri="{FF2B5EF4-FFF2-40B4-BE49-F238E27FC236}">
@@ -21634,7 +23758,7 @@
           <a:p>
             <a:fld id="{0F00D740-55B1-4DC8-A3B5-4535950A93D0}" type="slidenum">
               <a:rPr lang="en-CH" smtClean="0"/>
-              <a:t>23</a:t>
+              <a:t>24</a:t>
             </a:fld>
             <a:endParaRPr lang="en-CH"/>
           </a:p>
@@ -21818,7 +23942,7 @@
 </p:sld>
 </file>
 
-<file path=ppt/slides/slide24.xml><?xml version="1.0" encoding="utf-8"?>
+<file path=ppt/slides/slide25.xml><?xml version="1.0" encoding="utf-8"?>
 <p:sld xmlns:a="http://schemas.openxmlformats.org/drawingml/2006/main" xmlns:r="http://schemas.openxmlformats.org/officeDocument/2006/relationships" xmlns:p="http://schemas.openxmlformats.org/presentationml/2006/main">
   <p:cSld>
     <p:spTree>
@@ -21955,7 +24079,7 @@
           <a:p>
             <a:fld id="{0F00D740-55B1-4DC8-A3B5-4535950A93D0}" type="slidenum">
               <a:rPr lang="en-CH" smtClean="0"/>
-              <a:t>24</a:t>
+              <a:t>25</a:t>
             </a:fld>
             <a:endParaRPr lang="en-CH"/>
           </a:p>
@@ -22139,7 +24263,7 @@
 </p:sld>
 </file>
 
-<file path=ppt/slides/slide25.xml><?xml version="1.0" encoding="utf-8"?>
+<file path=ppt/slides/slide26.xml><?xml version="1.0" encoding="utf-8"?>
 <p:sld xmlns:a="http://schemas.openxmlformats.org/drawingml/2006/main" xmlns:r="http://schemas.openxmlformats.org/officeDocument/2006/relationships" xmlns:p="http://schemas.openxmlformats.org/presentationml/2006/main">
   <p:cSld>
     <p:spTree>
@@ -22422,7 +24546,7 @@
           <a:p>
             <a:fld id="{0F00D740-55B1-4DC8-A3B5-4535950A93D0}" type="slidenum">
               <a:rPr lang="en-CH" smtClean="0"/>
-              <a:t>25</a:t>
+              <a:t>26</a:t>
             </a:fld>
             <a:endParaRPr lang="en-CH"/>
           </a:p>
@@ -22606,7 +24730,7 @@
 </p:sld>
 </file>
 
-<file path=ppt/slides/slide26.xml><?xml version="1.0" encoding="utf-8"?>
+<file path=ppt/slides/slide27.xml><?xml version="1.0" encoding="utf-8"?>
 <p:sld xmlns:a="http://schemas.openxmlformats.org/drawingml/2006/main" xmlns:r="http://schemas.openxmlformats.org/officeDocument/2006/relationships" xmlns:p="http://schemas.openxmlformats.org/presentationml/2006/main">
   <p:cSld>
     <p:spTree>
@@ -22742,7 +24866,7 @@
           <a:p>
             <a:fld id="{0F00D740-55B1-4DC8-A3B5-4535950A93D0}" type="slidenum">
               <a:rPr lang="en-CH" smtClean="0"/>
-              <a:t>26</a:t>
+              <a:t>27</a:t>
             </a:fld>
             <a:endParaRPr lang="en-CH"/>
           </a:p>
@@ -22926,7 +25050,7 @@
 </p:sld>
 </file>
 
-<file path=ppt/slides/slide27.xml><?xml version="1.0" encoding="utf-8"?>
+<file path=ppt/slides/slide28.xml><?xml version="1.0" encoding="utf-8"?>
 <p:sld xmlns:a="http://schemas.openxmlformats.org/drawingml/2006/main" xmlns:r="http://schemas.openxmlformats.org/officeDocument/2006/relationships" xmlns:p="http://schemas.openxmlformats.org/presentationml/2006/main">
   <p:cSld>
     <p:spTree>
@@ -23020,7 +25144,7 @@
           <a:p>
             <a:fld id="{0F00D740-55B1-4DC8-A3B5-4535950A93D0}" type="slidenum">
               <a:rPr lang="en-CH" smtClean="0"/>
-              <a:t>27</a:t>
+              <a:t>28</a:t>
             </a:fld>
             <a:endParaRPr lang="en-CH"/>
           </a:p>
@@ -23234,7 +25358,7 @@
 </p:sld>
 </file>
 
-<file path=ppt/slides/slide28.xml><?xml version="1.0" encoding="utf-8"?>
+<file path=ppt/slides/slide29.xml><?xml version="1.0" encoding="utf-8"?>
 <p:sld xmlns:a="http://schemas.openxmlformats.org/drawingml/2006/main" xmlns:r="http://schemas.openxmlformats.org/officeDocument/2006/relationships" xmlns:p="http://schemas.openxmlformats.org/presentationml/2006/main">
   <p:cSld>
     <p:spTree>
@@ -23362,7 +25486,7 @@
           <a:p>
             <a:fld id="{0F00D740-55B1-4DC8-A3B5-4535950A93D0}" type="slidenum">
               <a:rPr lang="en-CH" smtClean="0"/>
-              <a:t>28</a:t>
+              <a:t>29</a:t>
             </a:fld>
             <a:endParaRPr lang="en-CH"/>
           </a:p>
@@ -23944,228 +26068,6 @@
 </p:sld>
 </file>
 
-<file path=ppt/slides/slide29.xml><?xml version="1.0" encoding="utf-8"?>
-<p:sld xmlns:a="http://schemas.openxmlformats.org/drawingml/2006/main" xmlns:r="http://schemas.openxmlformats.org/officeDocument/2006/relationships" xmlns:p="http://schemas.openxmlformats.org/presentationml/2006/main">
-  <p:cSld>
-    <p:spTree>
-      <p:nvGrpSpPr>
-        <p:cNvPr id="1" name=""/>
-        <p:cNvGrpSpPr/>
-        <p:nvPr/>
-      </p:nvGrpSpPr>
-      <p:grpSpPr>
-        <a:xfrm>
-          <a:off x="0" y="0"/>
-          <a:ext cx="0" cy="0"/>
-          <a:chOff x="0" y="0"/>
-          <a:chExt cx="0" cy="0"/>
-        </a:xfrm>
-      </p:grpSpPr>
-      <p:sp>
-        <p:nvSpPr>
-          <p:cNvPr id="2" name="Title 1">
-            <a:extLst>
-              <a:ext uri="{FF2B5EF4-FFF2-40B4-BE49-F238E27FC236}">
-                <a16:creationId xmlns:a16="http://schemas.microsoft.com/office/drawing/2014/main" id="{F1AE8F4F-038B-4ABA-A89F-CA33847A9E12}"/>
-              </a:ext>
-            </a:extLst>
-          </p:cNvPr>
-          <p:cNvSpPr>
-            <a:spLocks noGrp="1"/>
-          </p:cNvSpPr>
-          <p:nvPr>
-            <p:ph type="title"/>
-          </p:nvPr>
-        </p:nvSpPr>
-        <p:spPr>
-          <a:xfrm>
-            <a:off x="838200" y="365125"/>
-            <a:ext cx="10515600" cy="5702300"/>
-          </a:xfrm>
-        </p:spPr>
-        <p:txBody>
-          <a:bodyPr>
-            <a:normAutofit fontScale="90000"/>
-          </a:bodyPr>
-          <a:lstStyle/>
-          <a:p>
-            <a:pPr algn="ctr">
-              <a:lnSpc>
-                <a:spcPct val="125000"/>
-              </a:lnSpc>
-              <a:spcBef>
-                <a:spcPts val="0"/>
-              </a:spcBef>
-            </a:pPr>
-            <a:r>
-              <a:rPr lang="en-US" b="1" dirty="0" err="1">
-                <a:latin typeface="Arial" panose="020B0604020202020204" pitchFamily="34" charset="0"/>
-                <a:cs typeface="Arial" panose="020B0604020202020204" pitchFamily="34" charset="0"/>
-              </a:rPr>
-              <a:t>Auftrag</a:t>
-            </a:r>
-            <a:br>
-              <a:rPr lang="en-US" b="1" dirty="0">
-                <a:latin typeface="Arial" panose="020B0604020202020204" pitchFamily="34" charset="0"/>
-                <a:cs typeface="Arial" panose="020B0604020202020204" pitchFamily="34" charset="0"/>
-              </a:rPr>
-            </a:br>
-            <a:r>
-              <a:rPr lang="en-US" b="1" dirty="0">
-                <a:latin typeface="Arial" panose="020B0604020202020204" pitchFamily="34" charset="0"/>
-                <a:cs typeface="Arial" panose="020B0604020202020204" pitchFamily="34" charset="0"/>
-              </a:rPr>
-              <a:t>Hardware</a:t>
-            </a:r>
-            <a:br>
-              <a:rPr lang="en-US" b="1" dirty="0">
-                <a:latin typeface="Arial" panose="020B0604020202020204" pitchFamily="34" charset="0"/>
-                <a:cs typeface="Arial" panose="020B0604020202020204" pitchFamily="34" charset="0"/>
-              </a:rPr>
-            </a:br>
-            <a:r>
-              <a:rPr lang="en-US" b="1" dirty="0" err="1">
-                <a:latin typeface="Arial" panose="020B0604020202020204" pitchFamily="34" charset="0"/>
-                <a:cs typeface="Arial" panose="020B0604020202020204" pitchFamily="34" charset="0"/>
-              </a:rPr>
-              <a:t>InfluxDB</a:t>
-            </a:r>
-            <a:br>
-              <a:rPr lang="en-US" b="1" dirty="0">
-                <a:latin typeface="Arial" panose="020B0604020202020204" pitchFamily="34" charset="0"/>
-                <a:cs typeface="Arial" panose="020B0604020202020204" pitchFamily="34" charset="0"/>
-              </a:rPr>
-            </a:br>
-            <a:r>
-              <a:rPr lang="en-US" b="1" dirty="0">
-                <a:latin typeface="Arial" panose="020B0604020202020204" pitchFamily="34" charset="0"/>
-                <a:cs typeface="Arial" panose="020B0604020202020204" pitchFamily="34" charset="0"/>
-              </a:rPr>
-              <a:t>Python </a:t>
-            </a:r>
-            <a:r>
-              <a:rPr lang="en-US" b="1" dirty="0" err="1">
-                <a:latin typeface="Arial" panose="020B0604020202020204" pitchFamily="34" charset="0"/>
-                <a:cs typeface="Arial" panose="020B0604020202020204" pitchFamily="34" charset="0"/>
-              </a:rPr>
-              <a:t>Programm</a:t>
-            </a:r>
-            <a:br>
-              <a:rPr lang="en-US" b="1" dirty="0">
-                <a:latin typeface="Arial" panose="020B0604020202020204" pitchFamily="34" charset="0"/>
-                <a:cs typeface="Arial" panose="020B0604020202020204" pitchFamily="34" charset="0"/>
-              </a:rPr>
-            </a:br>
-            <a:r>
-              <a:rPr lang="en-US" b="1" dirty="0">
-                <a:highlight>
-                  <a:srgbClr val="FAE800"/>
-                </a:highlight>
-                <a:latin typeface="Arial" panose="020B0604020202020204" pitchFamily="34" charset="0"/>
-                <a:cs typeface="Arial" panose="020B0604020202020204" pitchFamily="34" charset="0"/>
-              </a:rPr>
-              <a:t>Flask Webserver</a:t>
-            </a:r>
-            <a:br>
-              <a:rPr lang="en-US" b="1" dirty="0">
-                <a:latin typeface="Arial" panose="020B0604020202020204" pitchFamily="34" charset="0"/>
-                <a:cs typeface="Arial" panose="020B0604020202020204" pitchFamily="34" charset="0"/>
-              </a:rPr>
-            </a:br>
-            <a:r>
-              <a:rPr lang="en-US" b="1" dirty="0">
-                <a:latin typeface="Arial" panose="020B0604020202020204" pitchFamily="34" charset="0"/>
-                <a:cs typeface="Arial" panose="020B0604020202020204" pitchFamily="34" charset="0"/>
-              </a:rPr>
-              <a:t>GUI Sketch</a:t>
-            </a:r>
-            <a:br>
-              <a:rPr lang="en-US" b="1" dirty="0">
-                <a:latin typeface="Arial" panose="020B0604020202020204" pitchFamily="34" charset="0"/>
-                <a:cs typeface="Arial" panose="020B0604020202020204" pitchFamily="34" charset="0"/>
-              </a:rPr>
-            </a:br>
-            <a:r>
-              <a:rPr lang="en-US" b="1" dirty="0" err="1">
-                <a:latin typeface="Arial" panose="020B0604020202020204" pitchFamily="34" charset="0"/>
-                <a:cs typeface="Arial" panose="020B0604020202020204" pitchFamily="34" charset="0"/>
-              </a:rPr>
-              <a:t>Endresultat</a:t>
-            </a:r>
-            <a:br>
-              <a:rPr lang="en-US" b="1" dirty="0">
-                <a:latin typeface="Arial" panose="020B0604020202020204" pitchFamily="34" charset="0"/>
-                <a:cs typeface="Arial" panose="020B0604020202020204" pitchFamily="34" charset="0"/>
-              </a:rPr>
-            </a:br>
-            <a:r>
-              <a:rPr lang="en-US" b="1" dirty="0" err="1">
-                <a:latin typeface="Arial" panose="020B0604020202020204" pitchFamily="34" charset="0"/>
-                <a:cs typeface="Arial" panose="020B0604020202020204" pitchFamily="34" charset="0"/>
-              </a:rPr>
-              <a:t>Weiterentwicklung</a:t>
-            </a:r>
-            <a:endParaRPr lang="en-CH" b="1" dirty="0">
-              <a:latin typeface="Arial" panose="020B0604020202020204" pitchFamily="34" charset="0"/>
-              <a:cs typeface="Arial" panose="020B0604020202020204" pitchFamily="34" charset="0"/>
-            </a:endParaRPr>
-          </a:p>
-        </p:txBody>
-      </p:sp>
-      <p:sp>
-        <p:nvSpPr>
-          <p:cNvPr id="8" name="Slide Number Placeholder 7">
-            <a:extLst>
-              <a:ext uri="{FF2B5EF4-FFF2-40B4-BE49-F238E27FC236}">
-                <a16:creationId xmlns:a16="http://schemas.microsoft.com/office/drawing/2014/main" id="{E5E3E861-4688-44FC-A05E-E446522B24DD}"/>
-              </a:ext>
-            </a:extLst>
-          </p:cNvPr>
-          <p:cNvSpPr>
-            <a:spLocks noGrp="1"/>
-          </p:cNvSpPr>
-          <p:nvPr>
-            <p:ph type="sldNum" sz="quarter" idx="12"/>
-          </p:nvPr>
-        </p:nvSpPr>
-        <p:spPr/>
-        <p:txBody>
-          <a:bodyPr/>
-          <a:lstStyle/>
-          <a:p>
-            <a:fld id="{0F00D740-55B1-4DC8-A3B5-4535950A93D0}" type="slidenum">
-              <a:rPr lang="en-CH" smtClean="0"/>
-              <a:t>29</a:t>
-            </a:fld>
-            <a:endParaRPr lang="en-CH"/>
-          </a:p>
-        </p:txBody>
-      </p:sp>
-    </p:spTree>
-    <p:extLst>
-      <p:ext uri="{BB962C8B-B14F-4D97-AF65-F5344CB8AC3E}">
-        <p14:creationId xmlns:p14="http://schemas.microsoft.com/office/powerpoint/2010/main" val="3427134860"/>
-      </p:ext>
-    </p:extLst>
-  </p:cSld>
-  <p:clrMapOvr>
-    <a:masterClrMapping/>
-  </p:clrMapOvr>
-  <mc:AlternateContent xmlns:mc="http://schemas.openxmlformats.org/markup-compatibility/2006" xmlns:p14="http://schemas.microsoft.com/office/powerpoint/2010/main">
-    <mc:Choice Requires="p14">
-      <p:transition spd="med" p14:dur="700">
-        <p:fade/>
-      </p:transition>
-    </mc:Choice>
-    <mc:Fallback xmlns="">
-      <p:transition spd="med">
-        <p:fade/>
-      </p:transition>
-    </mc:Fallback>
-  </mc:AlternateContent>
-</p:sld>
-</file>
-
 <file path=ppt/slides/slide3.xml><?xml version="1.0" encoding="utf-8"?>
 <p:sld xmlns:a="http://schemas.openxmlformats.org/drawingml/2006/main" xmlns:r="http://schemas.openxmlformats.org/officeDocument/2006/relationships" xmlns:p="http://schemas.openxmlformats.org/presentationml/2006/main">
   <p:cSld>
@@ -24410,6 +26312,228 @@
           <p:cNvPr id="2" name="Title 1">
             <a:extLst>
               <a:ext uri="{FF2B5EF4-FFF2-40B4-BE49-F238E27FC236}">
+                <a16:creationId xmlns:a16="http://schemas.microsoft.com/office/drawing/2014/main" id="{F1AE8F4F-038B-4ABA-A89F-CA33847A9E12}"/>
+              </a:ext>
+            </a:extLst>
+          </p:cNvPr>
+          <p:cNvSpPr>
+            <a:spLocks noGrp="1"/>
+          </p:cNvSpPr>
+          <p:nvPr>
+            <p:ph type="title"/>
+          </p:nvPr>
+        </p:nvSpPr>
+        <p:spPr>
+          <a:xfrm>
+            <a:off x="838200" y="365125"/>
+            <a:ext cx="10515600" cy="5702300"/>
+          </a:xfrm>
+        </p:spPr>
+        <p:txBody>
+          <a:bodyPr>
+            <a:normAutofit fontScale="90000"/>
+          </a:bodyPr>
+          <a:lstStyle/>
+          <a:p>
+            <a:pPr algn="ctr">
+              <a:lnSpc>
+                <a:spcPct val="125000"/>
+              </a:lnSpc>
+              <a:spcBef>
+                <a:spcPts val="0"/>
+              </a:spcBef>
+            </a:pPr>
+            <a:r>
+              <a:rPr lang="en-US" b="1" dirty="0" err="1">
+                <a:latin typeface="Arial" panose="020B0604020202020204" pitchFamily="34" charset="0"/>
+                <a:cs typeface="Arial" panose="020B0604020202020204" pitchFamily="34" charset="0"/>
+              </a:rPr>
+              <a:t>Auftrag</a:t>
+            </a:r>
+            <a:br>
+              <a:rPr lang="en-US" b="1" dirty="0">
+                <a:latin typeface="Arial" panose="020B0604020202020204" pitchFamily="34" charset="0"/>
+                <a:cs typeface="Arial" panose="020B0604020202020204" pitchFamily="34" charset="0"/>
+              </a:rPr>
+            </a:br>
+            <a:r>
+              <a:rPr lang="en-US" b="1" dirty="0">
+                <a:latin typeface="Arial" panose="020B0604020202020204" pitchFamily="34" charset="0"/>
+                <a:cs typeface="Arial" panose="020B0604020202020204" pitchFamily="34" charset="0"/>
+              </a:rPr>
+              <a:t>Hardware</a:t>
+            </a:r>
+            <a:br>
+              <a:rPr lang="en-US" b="1" dirty="0">
+                <a:latin typeface="Arial" panose="020B0604020202020204" pitchFamily="34" charset="0"/>
+                <a:cs typeface="Arial" panose="020B0604020202020204" pitchFamily="34" charset="0"/>
+              </a:rPr>
+            </a:br>
+            <a:r>
+              <a:rPr lang="en-US" b="1" dirty="0" err="1">
+                <a:latin typeface="Arial" panose="020B0604020202020204" pitchFamily="34" charset="0"/>
+                <a:cs typeface="Arial" panose="020B0604020202020204" pitchFamily="34" charset="0"/>
+              </a:rPr>
+              <a:t>InfluxDB</a:t>
+            </a:r>
+            <a:br>
+              <a:rPr lang="en-US" b="1" dirty="0">
+                <a:latin typeface="Arial" panose="020B0604020202020204" pitchFamily="34" charset="0"/>
+                <a:cs typeface="Arial" panose="020B0604020202020204" pitchFamily="34" charset="0"/>
+              </a:rPr>
+            </a:br>
+            <a:r>
+              <a:rPr lang="en-US" b="1" dirty="0">
+                <a:latin typeface="Arial" panose="020B0604020202020204" pitchFamily="34" charset="0"/>
+                <a:cs typeface="Arial" panose="020B0604020202020204" pitchFamily="34" charset="0"/>
+              </a:rPr>
+              <a:t>Python </a:t>
+            </a:r>
+            <a:r>
+              <a:rPr lang="en-US" b="1" dirty="0" err="1">
+                <a:latin typeface="Arial" panose="020B0604020202020204" pitchFamily="34" charset="0"/>
+                <a:cs typeface="Arial" panose="020B0604020202020204" pitchFamily="34" charset="0"/>
+              </a:rPr>
+              <a:t>Programm</a:t>
+            </a:r>
+            <a:br>
+              <a:rPr lang="en-US" b="1" dirty="0">
+                <a:latin typeface="Arial" panose="020B0604020202020204" pitchFamily="34" charset="0"/>
+                <a:cs typeface="Arial" panose="020B0604020202020204" pitchFamily="34" charset="0"/>
+              </a:rPr>
+            </a:br>
+            <a:r>
+              <a:rPr lang="en-US" b="1" dirty="0">
+                <a:highlight>
+                  <a:srgbClr val="FAE800"/>
+                </a:highlight>
+                <a:latin typeface="Arial" panose="020B0604020202020204" pitchFamily="34" charset="0"/>
+                <a:cs typeface="Arial" panose="020B0604020202020204" pitchFamily="34" charset="0"/>
+              </a:rPr>
+              <a:t>Flask Webserver</a:t>
+            </a:r>
+            <a:br>
+              <a:rPr lang="en-US" b="1" dirty="0">
+                <a:latin typeface="Arial" panose="020B0604020202020204" pitchFamily="34" charset="0"/>
+                <a:cs typeface="Arial" panose="020B0604020202020204" pitchFamily="34" charset="0"/>
+              </a:rPr>
+            </a:br>
+            <a:r>
+              <a:rPr lang="en-US" b="1" dirty="0">
+                <a:latin typeface="Arial" panose="020B0604020202020204" pitchFamily="34" charset="0"/>
+                <a:cs typeface="Arial" panose="020B0604020202020204" pitchFamily="34" charset="0"/>
+              </a:rPr>
+              <a:t>GUI Sketch</a:t>
+            </a:r>
+            <a:br>
+              <a:rPr lang="en-US" b="1" dirty="0">
+                <a:latin typeface="Arial" panose="020B0604020202020204" pitchFamily="34" charset="0"/>
+                <a:cs typeface="Arial" panose="020B0604020202020204" pitchFamily="34" charset="0"/>
+              </a:rPr>
+            </a:br>
+            <a:r>
+              <a:rPr lang="en-US" b="1" dirty="0" err="1">
+                <a:latin typeface="Arial" panose="020B0604020202020204" pitchFamily="34" charset="0"/>
+                <a:cs typeface="Arial" panose="020B0604020202020204" pitchFamily="34" charset="0"/>
+              </a:rPr>
+              <a:t>Endresultat</a:t>
+            </a:r>
+            <a:br>
+              <a:rPr lang="en-US" b="1" dirty="0">
+                <a:latin typeface="Arial" panose="020B0604020202020204" pitchFamily="34" charset="0"/>
+                <a:cs typeface="Arial" panose="020B0604020202020204" pitchFamily="34" charset="0"/>
+              </a:rPr>
+            </a:br>
+            <a:r>
+              <a:rPr lang="en-US" b="1" dirty="0" err="1">
+                <a:latin typeface="Arial" panose="020B0604020202020204" pitchFamily="34" charset="0"/>
+                <a:cs typeface="Arial" panose="020B0604020202020204" pitchFamily="34" charset="0"/>
+              </a:rPr>
+              <a:t>Weiterentwicklung</a:t>
+            </a:r>
+            <a:endParaRPr lang="en-CH" b="1" dirty="0">
+              <a:latin typeface="Arial" panose="020B0604020202020204" pitchFamily="34" charset="0"/>
+              <a:cs typeface="Arial" panose="020B0604020202020204" pitchFamily="34" charset="0"/>
+            </a:endParaRPr>
+          </a:p>
+        </p:txBody>
+      </p:sp>
+      <p:sp>
+        <p:nvSpPr>
+          <p:cNvPr id="8" name="Slide Number Placeholder 7">
+            <a:extLst>
+              <a:ext uri="{FF2B5EF4-FFF2-40B4-BE49-F238E27FC236}">
+                <a16:creationId xmlns:a16="http://schemas.microsoft.com/office/drawing/2014/main" id="{E5E3E861-4688-44FC-A05E-E446522B24DD}"/>
+              </a:ext>
+            </a:extLst>
+          </p:cNvPr>
+          <p:cNvSpPr>
+            <a:spLocks noGrp="1"/>
+          </p:cNvSpPr>
+          <p:nvPr>
+            <p:ph type="sldNum" sz="quarter" idx="12"/>
+          </p:nvPr>
+        </p:nvSpPr>
+        <p:spPr/>
+        <p:txBody>
+          <a:bodyPr/>
+          <a:lstStyle/>
+          <a:p>
+            <a:fld id="{0F00D740-55B1-4DC8-A3B5-4535950A93D0}" type="slidenum">
+              <a:rPr lang="en-CH" smtClean="0"/>
+              <a:t>30</a:t>
+            </a:fld>
+            <a:endParaRPr lang="en-CH"/>
+          </a:p>
+        </p:txBody>
+      </p:sp>
+    </p:spTree>
+    <p:extLst>
+      <p:ext uri="{BB962C8B-B14F-4D97-AF65-F5344CB8AC3E}">
+        <p14:creationId xmlns:p14="http://schemas.microsoft.com/office/powerpoint/2010/main" val="3427134860"/>
+      </p:ext>
+    </p:extLst>
+  </p:cSld>
+  <p:clrMapOvr>
+    <a:masterClrMapping/>
+  </p:clrMapOvr>
+  <mc:AlternateContent xmlns:mc="http://schemas.openxmlformats.org/markup-compatibility/2006" xmlns:p14="http://schemas.microsoft.com/office/powerpoint/2010/main">
+    <mc:Choice Requires="p14">
+      <p:transition spd="med" p14:dur="700">
+        <p:fade/>
+      </p:transition>
+    </mc:Choice>
+    <mc:Fallback xmlns="">
+      <p:transition spd="med">
+        <p:fade/>
+      </p:transition>
+    </mc:Fallback>
+  </mc:AlternateContent>
+</p:sld>
+</file>
+
+<file path=ppt/slides/slide31.xml><?xml version="1.0" encoding="utf-8"?>
+<p:sld xmlns:a="http://schemas.openxmlformats.org/drawingml/2006/main" xmlns:r="http://schemas.openxmlformats.org/officeDocument/2006/relationships" xmlns:p="http://schemas.openxmlformats.org/presentationml/2006/main">
+  <p:cSld>
+    <p:spTree>
+      <p:nvGrpSpPr>
+        <p:cNvPr id="1" name=""/>
+        <p:cNvGrpSpPr/>
+        <p:nvPr/>
+      </p:nvGrpSpPr>
+      <p:grpSpPr>
+        <a:xfrm>
+          <a:off x="0" y="0"/>
+          <a:ext cx="0" cy="0"/>
+          <a:chOff x="0" y="0"/>
+          <a:chExt cx="0" cy="0"/>
+        </a:xfrm>
+      </p:grpSpPr>
+      <p:sp>
+        <p:nvSpPr>
+          <p:cNvPr id="2" name="Title 1">
+            <a:extLst>
+              <a:ext uri="{FF2B5EF4-FFF2-40B4-BE49-F238E27FC236}">
                 <a16:creationId xmlns:a16="http://schemas.microsoft.com/office/drawing/2014/main" id="{4808087A-40EC-41E6-A246-BC46343A4BFC}"/>
               </a:ext>
             </a:extLst>
@@ -24579,7 +26703,7 @@
           <a:p>
             <a:fld id="{0F00D740-55B1-4DC8-A3B5-4535950A93D0}" type="slidenum">
               <a:rPr lang="en-CH" smtClean="0"/>
-              <a:t>30</a:t>
+              <a:t>31</a:t>
             </a:fld>
             <a:endParaRPr lang="en-CH" dirty="0"/>
           </a:p>
@@ -24799,7 +26923,7 @@
 </p:sld>
 </file>
 
-<file path=ppt/slides/slide31.xml><?xml version="1.0" encoding="utf-8"?>
+<file path=ppt/slides/slide32.xml><?xml version="1.0" encoding="utf-8"?>
 <p:sld xmlns:a="http://schemas.openxmlformats.org/drawingml/2006/main" xmlns:r="http://schemas.openxmlformats.org/officeDocument/2006/relationships" xmlns:p="http://schemas.openxmlformats.org/presentationml/2006/main">
   <p:cSld>
     <p:spTree>
@@ -24886,7 +27010,7 @@
           <a:p>
             <a:fld id="{0F00D740-55B1-4DC8-A3B5-4535950A93D0}" type="slidenum">
               <a:rPr lang="en-CH" smtClean="0"/>
-              <a:t>31</a:t>
+              <a:t>32</a:t>
             </a:fld>
             <a:endParaRPr lang="en-CH"/>
           </a:p>
@@ -25520,7 +27644,7 @@
 </p:sld>
 </file>
 
-<file path=ppt/slides/slide32.xml><?xml version="1.0" encoding="utf-8"?>
+<file path=ppt/slides/slide33.xml><?xml version="1.0" encoding="utf-8"?>
 <p:sld xmlns:a="http://schemas.openxmlformats.org/drawingml/2006/main" xmlns:r="http://schemas.openxmlformats.org/officeDocument/2006/relationships" xmlns:p="http://schemas.openxmlformats.org/presentationml/2006/main">
   <p:cSld>
     <p:spTree>
@@ -25607,7 +27731,7 @@
           <a:p>
             <a:fld id="{0F00D740-55B1-4DC8-A3B5-4535950A93D0}" type="slidenum">
               <a:rPr lang="en-CH" smtClean="0"/>
-              <a:t>32</a:t>
+              <a:t>33</a:t>
             </a:fld>
             <a:endParaRPr lang="en-CH"/>
           </a:p>
@@ -25944,7 +28068,7 @@
 </p:sld>
 </file>
 
-<file path=ppt/slides/slide33.xml><?xml version="1.0" encoding="utf-8"?>
+<file path=ppt/slides/slide34.xml><?xml version="1.0" encoding="utf-8"?>
 <p:sld xmlns:a="http://schemas.openxmlformats.org/drawingml/2006/main" xmlns:r="http://schemas.openxmlformats.org/officeDocument/2006/relationships" xmlns:p="http://schemas.openxmlformats.org/presentationml/2006/main">
   <p:cSld>
     <p:spTree>
@@ -26254,7 +28378,7 @@
           <a:p>
             <a:fld id="{0F00D740-55B1-4DC8-A3B5-4535950A93D0}" type="slidenum">
               <a:rPr lang="en-CH" smtClean="0"/>
-              <a:t>33</a:t>
+              <a:t>34</a:t>
             </a:fld>
             <a:endParaRPr lang="en-CH"/>
           </a:p>
@@ -26438,7 +28562,7 @@
 </p:sld>
 </file>
 
-<file path=ppt/slides/slide34.xml><?xml version="1.0" encoding="utf-8"?>
+<file path=ppt/slides/slide35.xml><?xml version="1.0" encoding="utf-8"?>
 <p:sld xmlns:a="http://schemas.openxmlformats.org/drawingml/2006/main" xmlns:r="http://schemas.openxmlformats.org/officeDocument/2006/relationships" xmlns:p="http://schemas.openxmlformats.org/presentationml/2006/main">
   <p:cSld>
     <p:spTree>
@@ -26629,7 +28753,7 @@
           <a:p>
             <a:fld id="{0F00D740-55B1-4DC8-A3B5-4535950A93D0}" type="slidenum">
               <a:rPr lang="en-CH" smtClean="0"/>
-              <a:t>34</a:t>
+              <a:t>35</a:t>
             </a:fld>
             <a:endParaRPr lang="en-CH"/>
           </a:p>
@@ -26660,7 +28784,7 @@
 </p:sld>
 </file>
 
-<file path=ppt/slides/slide35.xml><?xml version="1.0" encoding="utf-8"?>
+<file path=ppt/slides/slide36.xml><?xml version="1.0" encoding="utf-8"?>
 <p:sld xmlns:a="http://schemas.openxmlformats.org/drawingml/2006/main" xmlns:r="http://schemas.openxmlformats.org/officeDocument/2006/relationships" xmlns:p="http://schemas.openxmlformats.org/presentationml/2006/main">
   <p:cSld>
     <p:spTree>
@@ -26789,7 +28913,7 @@
           <a:p>
             <a:fld id="{0F00D740-55B1-4DC8-A3B5-4535950A93D0}" type="slidenum">
               <a:rPr lang="en-CH" smtClean="0"/>
-              <a:t>35</a:t>
+              <a:t>36</a:t>
             </a:fld>
             <a:endParaRPr lang="en-CH"/>
           </a:p>
@@ -26973,7 +29097,7 @@
 </p:sld>
 </file>
 
-<file path=ppt/slides/slide36.xml><?xml version="1.0" encoding="utf-8"?>
+<file path=ppt/slides/slide37.xml><?xml version="1.0" encoding="utf-8"?>
 <p:sld xmlns:a="http://schemas.openxmlformats.org/drawingml/2006/main" xmlns:r="http://schemas.openxmlformats.org/officeDocument/2006/relationships" xmlns:p="http://schemas.openxmlformats.org/presentationml/2006/main">
   <p:cSld>
     <p:spTree>
@@ -27102,7 +29226,7 @@
           <a:p>
             <a:fld id="{0F00D740-55B1-4DC8-A3B5-4535950A93D0}" type="slidenum">
               <a:rPr lang="en-CH" smtClean="0"/>
-              <a:t>36</a:t>
+              <a:t>37</a:t>
             </a:fld>
             <a:endParaRPr lang="en-CH"/>
           </a:p>
@@ -27286,7 +29410,7 @@
 </p:sld>
 </file>
 
-<file path=ppt/slides/slide37.xml><?xml version="1.0" encoding="utf-8"?>
+<file path=ppt/slides/slide38.xml><?xml version="1.0" encoding="utf-8"?>
 <p:sld xmlns:a="http://schemas.openxmlformats.org/drawingml/2006/main" xmlns:r="http://schemas.openxmlformats.org/officeDocument/2006/relationships" xmlns:p="http://schemas.openxmlformats.org/presentationml/2006/main">
   <p:cSld>
     <p:spTree>
@@ -27415,7 +29539,7 @@
           <a:p>
             <a:fld id="{0F00D740-55B1-4DC8-A3B5-4535950A93D0}" type="slidenum">
               <a:rPr lang="en-CH" smtClean="0"/>
-              <a:t>37</a:t>
+              <a:t>38</a:t>
             </a:fld>
             <a:endParaRPr lang="en-CH"/>
           </a:p>
@@ -27599,7 +29723,7 @@
 </p:sld>
 </file>
 
-<file path=ppt/slides/slide38.xml><?xml version="1.0" encoding="utf-8"?>
+<file path=ppt/slides/slide39.xml><?xml version="1.0" encoding="utf-8"?>
 <p:sld xmlns:a="http://schemas.openxmlformats.org/drawingml/2006/main" xmlns:r="http://schemas.openxmlformats.org/officeDocument/2006/relationships" xmlns:p="http://schemas.openxmlformats.org/presentationml/2006/main">
   <p:cSld>
     <p:spTree>
@@ -27790,7 +29914,7 @@
           <a:p>
             <a:fld id="{0F00D740-55B1-4DC8-A3B5-4535950A93D0}" type="slidenum">
               <a:rPr lang="en-CH" smtClean="0"/>
-              <a:t>38</a:t>
+              <a:t>39</a:t>
             </a:fld>
             <a:endParaRPr lang="en-CH"/>
           </a:p>
@@ -27821,7 +29945,7 @@
 </p:sld>
 </file>
 
-<file path=ppt/slides/slide39.xml><?xml version="1.0" encoding="utf-8"?>
+<file path=ppt/slides/slide4.xml><?xml version="1.0" encoding="utf-8"?>
 <p:sld xmlns:a="http://schemas.openxmlformats.org/drawingml/2006/main" xmlns:r="http://schemas.openxmlformats.org/officeDocument/2006/relationships" xmlns:p="http://schemas.openxmlformats.org/presentationml/2006/main">
   <p:cSld>
     <p:spTree>
@@ -27866,7 +29990,7 @@
                 <a:latin typeface="Arial" panose="020B0604020202020204" pitchFamily="34" charset="0"/>
                 <a:cs typeface="Arial" panose="020B0604020202020204" pitchFamily="34" charset="0"/>
               </a:rPr>
-              <a:t>Endresultat</a:t>
+              <a:t>Auftrag</a:t>
             </a:r>
             <a:br>
               <a:rPr lang="en-US" b="1" dirty="0">
@@ -27879,7 +30003,147 @@
                 <a:latin typeface="Arial" panose="020B0604020202020204" pitchFamily="34" charset="0"/>
                 <a:cs typeface="Arial" panose="020B0604020202020204" pitchFamily="34" charset="0"/>
               </a:rPr>
-              <a:t>Life am HMI</a:t>
+              <a:t>Challenge </a:t>
+            </a:r>
+            <a:r>
+              <a:rPr lang="en-US" sz="3600" i="1" dirty="0" err="1">
+                <a:latin typeface="Arial" panose="020B0604020202020204" pitchFamily="34" charset="0"/>
+                <a:cs typeface="Arial" panose="020B0604020202020204" pitchFamily="34" charset="0"/>
+              </a:rPr>
+              <a:t>Wettermonitor</a:t>
+            </a:r>
+            <a:endParaRPr lang="en-CH" dirty="0"/>
+          </a:p>
+        </p:txBody>
+      </p:sp>
+      <p:sp>
+        <p:nvSpPr>
+          <p:cNvPr id="3" name="Content Placeholder 2">
+            <a:extLst>
+              <a:ext uri="{FF2B5EF4-FFF2-40B4-BE49-F238E27FC236}">
+                <a16:creationId xmlns:a16="http://schemas.microsoft.com/office/drawing/2014/main" id="{F99C80A8-FCE8-4022-B4EC-046CA3785167}"/>
+              </a:ext>
+            </a:extLst>
+          </p:cNvPr>
+          <p:cNvSpPr>
+            <a:spLocks noGrp="1"/>
+          </p:cNvSpPr>
+          <p:nvPr>
+            <p:ph idx="1"/>
+          </p:nvPr>
+        </p:nvSpPr>
+        <p:spPr/>
+        <p:txBody>
+          <a:bodyPr>
+            <a:normAutofit/>
+          </a:bodyPr>
+          <a:lstStyle/>
+          <a:p>
+            <a:r>
+              <a:rPr lang="en-US" dirty="0" err="1"/>
+              <a:t>Wettermonitor</a:t>
+            </a:r>
+            <a:r>
+              <a:rPr lang="en-US" dirty="0"/>
+              <a:t> </a:t>
+            </a:r>
+            <a:r>
+              <a:rPr lang="en-US" dirty="0" err="1"/>
+              <a:t>Seegelclub</a:t>
+            </a:r>
+            <a:r>
+              <a:rPr lang="en-US" dirty="0"/>
+              <a:t> </a:t>
+            </a:r>
+            <a:r>
+              <a:rPr lang="en-US" dirty="0" err="1"/>
+              <a:t>Zürichsee</a:t>
+            </a:r>
+            <a:r>
+              <a:rPr lang="en-US" dirty="0"/>
+              <a:t> </a:t>
+            </a:r>
+          </a:p>
+          <a:p>
+            <a:r>
+              <a:rPr lang="en-US" dirty="0" err="1"/>
+              <a:t>Segeltörns</a:t>
+            </a:r>
+            <a:r>
+              <a:rPr lang="en-US" dirty="0"/>
+              <a:t> </a:t>
+            </a:r>
+            <a:r>
+              <a:rPr lang="en-US" dirty="0" err="1"/>
+              <a:t>sollen</a:t>
+            </a:r>
+            <a:r>
+              <a:rPr lang="en-US" dirty="0"/>
+              <a:t> </a:t>
+            </a:r>
+            <a:r>
+              <a:rPr lang="en-US" dirty="0" err="1"/>
+              <a:t>geplant</a:t>
+            </a:r>
+            <a:r>
+              <a:rPr lang="en-US" dirty="0"/>
+              <a:t> </a:t>
+            </a:r>
+            <a:r>
+              <a:rPr lang="en-US" dirty="0" err="1"/>
+              <a:t>werden</a:t>
+            </a:r>
+            <a:r>
+              <a:rPr lang="en-US" dirty="0"/>
+              <a:t> </a:t>
+            </a:r>
+            <a:r>
+              <a:rPr lang="en-US" dirty="0" err="1"/>
+              <a:t>können</a:t>
+            </a:r>
+            <a:endParaRPr lang="en-US" dirty="0"/>
+          </a:p>
+          <a:p>
+            <a:r>
+              <a:rPr lang="en-US" dirty="0" err="1"/>
+              <a:t>Wettervorhersage</a:t>
+            </a:r>
+            <a:endParaRPr lang="en-US" dirty="0"/>
+          </a:p>
+          <a:p>
+            <a:r>
+              <a:rPr lang="en-US" dirty="0"/>
+              <a:t>Hardware: Raspberry Pi &amp; HMI</a:t>
+            </a:r>
+          </a:p>
+          <a:p>
+            <a:r>
+              <a:rPr lang="en-US" dirty="0"/>
+              <a:t>API </a:t>
+            </a:r>
+            <a:r>
+              <a:rPr lang="en-US" dirty="0" err="1"/>
+              <a:t>Seepolizei</a:t>
+            </a:r>
+            <a:r>
+              <a:rPr lang="en-US" dirty="0"/>
+              <a:t> Zürich</a:t>
+            </a:r>
+          </a:p>
+          <a:p>
+            <a:r>
+              <a:rPr lang="en-US" dirty="0" err="1"/>
+              <a:t>Programmierung</a:t>
+            </a:r>
+            <a:r>
+              <a:rPr lang="en-US" dirty="0"/>
+              <a:t> in Python</a:t>
+            </a:r>
+          </a:p>
+          <a:p>
+            <a:r>
+              <a:rPr lang="en-US" dirty="0" err="1"/>
+              <a:t>Dokumentation</a:t>
             </a:r>
             <a:endParaRPr lang="en-CH" dirty="0"/>
           </a:p>
@@ -27908,7 +30172,278 @@
           <a:p>
             <a:fld id="{0F00D740-55B1-4DC8-A3B5-4535950A93D0}" type="slidenum">
               <a:rPr lang="en-CH" smtClean="0"/>
-              <a:t>39</a:t>
+              <a:t>4</a:t>
+            </a:fld>
+            <a:endParaRPr lang="en-CH"/>
+          </a:p>
+        </p:txBody>
+      </p:sp>
+      <p:grpSp>
+        <p:nvGrpSpPr>
+          <p:cNvPr id="5" name="Group 4">
+            <a:extLst>
+              <a:ext uri="{FF2B5EF4-FFF2-40B4-BE49-F238E27FC236}">
+                <a16:creationId xmlns:a16="http://schemas.microsoft.com/office/drawing/2014/main" id="{4EC58CAD-48B2-4835-9E3B-91425F5E9895}"/>
+              </a:ext>
+            </a:extLst>
+          </p:cNvPr>
+          <p:cNvGrpSpPr/>
+          <p:nvPr/>
+        </p:nvGrpSpPr>
+        <p:grpSpPr>
+          <a:xfrm>
+            <a:off x="8990330" y="5808980"/>
+            <a:ext cx="3774440" cy="764540"/>
+            <a:chOff x="8990330" y="5808980"/>
+            <a:chExt cx="3774440" cy="764540"/>
+          </a:xfrm>
+        </p:grpSpPr>
+        <p:pic>
+          <p:nvPicPr>
+            <p:cNvPr id="6" name="Picture 5">
+              <a:extLst>
+                <a:ext uri="{FF2B5EF4-FFF2-40B4-BE49-F238E27FC236}">
+                  <a16:creationId xmlns:a16="http://schemas.microsoft.com/office/drawing/2014/main" id="{022721ED-DE7C-4BE7-8FB8-448D5A1D2FA3}"/>
+                </a:ext>
+              </a:extLst>
+            </p:cNvPr>
+            <p:cNvPicPr>
+              <a:picLocks noChangeAspect="1"/>
+            </p:cNvPicPr>
+            <p:nvPr/>
+          </p:nvPicPr>
+          <p:blipFill>
+            <a:blip r:embed="rId3" cstate="print">
+              <a:extLst>
+                <a:ext uri="{28A0092B-C50C-407E-A947-70E740481C1C}">
+                  <a14:useLocalDpi xmlns:a14="http://schemas.microsoft.com/office/drawing/2010/main" val="0"/>
+                </a:ext>
+              </a:extLst>
+            </a:blip>
+            <a:srcRect/>
+            <a:stretch>
+              <a:fillRect/>
+            </a:stretch>
+          </p:blipFill>
+          <p:spPr bwMode="auto">
+            <a:xfrm>
+              <a:off x="8990330" y="5808980"/>
+              <a:ext cx="942340" cy="558800"/>
+            </a:xfrm>
+            <a:prstGeom prst="rect">
+              <a:avLst/>
+            </a:prstGeom>
+            <a:noFill/>
+            <a:ln>
+              <a:noFill/>
+            </a:ln>
+          </p:spPr>
+        </p:pic>
+        <p:sp>
+          <p:nvSpPr>
+            <p:cNvPr id="7" name="Text Box 11">
+              <a:extLst>
+                <a:ext uri="{FF2B5EF4-FFF2-40B4-BE49-F238E27FC236}">
+                  <a16:creationId xmlns:a16="http://schemas.microsoft.com/office/drawing/2014/main" id="{D3B6ED79-9CCE-4997-8EDA-DFDF7934B22B}"/>
+                </a:ext>
+              </a:extLst>
+            </p:cNvPr>
+            <p:cNvSpPr txBox="1"/>
+            <p:nvPr/>
+          </p:nvSpPr>
+          <p:spPr>
+            <a:xfrm>
+              <a:off x="9999980" y="5923280"/>
+              <a:ext cx="2764790" cy="650240"/>
+            </a:xfrm>
+            <a:prstGeom prst="rect">
+              <a:avLst/>
+            </a:prstGeom>
+            <a:noFill/>
+            <a:ln w="6350">
+              <a:noFill/>
+            </a:ln>
+          </p:spPr>
+          <p:txBody>
+            <a:bodyPr rot="0" spcFirstLastPara="0" vert="horz" wrap="square" lIns="91440" tIns="45720" rIns="91440" bIns="45720" numCol="1" spcCol="0" rtlCol="0" fromWordArt="0" anchor="t" anchorCtr="0" forceAA="0" compatLnSpc="1">
+              <a:prstTxWarp prst="textNoShape">
+                <a:avLst/>
+              </a:prstTxWarp>
+              <a:noAutofit/>
+            </a:bodyPr>
+            <a:lstStyle/>
+            <a:p>
+              <a:pPr>
+                <a:lnSpc>
+                  <a:spcPct val="115000"/>
+                </a:lnSpc>
+              </a:pPr>
+              <a:r>
+                <a:rPr lang="en-US" sz="900" b="1">
+                  <a:solidFill>
+                    <a:srgbClr val="44546A"/>
+                  </a:solidFill>
+                  <a:effectLst/>
+                  <a:latin typeface="Calibri" panose="020F0502020204030204" pitchFamily="34" charset="0"/>
+                  <a:ea typeface="Times New Roman" panose="02020603050405020304" pitchFamily="18" charset="0"/>
+                  <a:cs typeface="Times New Roman" panose="02020603050405020304" pitchFamily="18" charset="0"/>
+                </a:rPr>
+                <a:t>Fachhochschule Nordwestschweiz</a:t>
+              </a:r>
+              <a:endParaRPr lang="en-CH" sz="1400" b="1">
+                <a:solidFill>
+                  <a:srgbClr val="44546A"/>
+                </a:solidFill>
+                <a:effectLst/>
+                <a:latin typeface="Calibri" panose="020F0502020204030204" pitchFamily="34" charset="0"/>
+                <a:ea typeface="Times New Roman" panose="02020603050405020304" pitchFamily="18" charset="0"/>
+                <a:cs typeface="Times New Roman" panose="02020603050405020304" pitchFamily="18" charset="0"/>
+              </a:endParaRPr>
+            </a:p>
+            <a:p>
+              <a:pPr>
+                <a:lnSpc>
+                  <a:spcPct val="115000"/>
+                </a:lnSpc>
+              </a:pPr>
+              <a:r>
+                <a:rPr lang="en-US" sz="900" b="1">
+                  <a:solidFill>
+                    <a:srgbClr val="44546A"/>
+                  </a:solidFill>
+                  <a:effectLst/>
+                  <a:latin typeface="Calibri" panose="020F0502020204030204" pitchFamily="34" charset="0"/>
+                  <a:ea typeface="Times New Roman" panose="02020603050405020304" pitchFamily="18" charset="0"/>
+                  <a:cs typeface="Times New Roman" panose="02020603050405020304" pitchFamily="18" charset="0"/>
+                </a:rPr>
+                <a:t>Hochschule für Technik</a:t>
+              </a:r>
+              <a:endParaRPr lang="en-CH" sz="1400" b="1">
+                <a:solidFill>
+                  <a:srgbClr val="44546A"/>
+                </a:solidFill>
+                <a:effectLst/>
+                <a:latin typeface="Calibri" panose="020F0502020204030204" pitchFamily="34" charset="0"/>
+                <a:ea typeface="Times New Roman" panose="02020603050405020304" pitchFamily="18" charset="0"/>
+                <a:cs typeface="Times New Roman" panose="02020603050405020304" pitchFamily="18" charset="0"/>
+              </a:endParaRPr>
+            </a:p>
+          </p:txBody>
+        </p:sp>
+      </p:grpSp>
+    </p:spTree>
+    <p:extLst>
+      <p:ext uri="{BB962C8B-B14F-4D97-AF65-F5344CB8AC3E}">
+        <p14:creationId xmlns:p14="http://schemas.microsoft.com/office/powerpoint/2010/main" val="1677253772"/>
+      </p:ext>
+    </p:extLst>
+  </p:cSld>
+  <p:clrMapOvr>
+    <a:masterClrMapping/>
+  </p:clrMapOvr>
+  <mc:AlternateContent xmlns:mc="http://schemas.openxmlformats.org/markup-compatibility/2006" xmlns:p14="http://schemas.microsoft.com/office/powerpoint/2010/main">
+    <mc:Choice Requires="p14">
+      <p:transition spd="med" p14:dur="700">
+        <p:fade/>
+      </p:transition>
+    </mc:Choice>
+    <mc:Fallback xmlns="">
+      <p:transition spd="med">
+        <p:fade/>
+      </p:transition>
+    </mc:Fallback>
+  </mc:AlternateContent>
+</p:sld>
+</file>
+
+<file path=ppt/slides/slide40.xml><?xml version="1.0" encoding="utf-8"?>
+<p:sld xmlns:a="http://schemas.openxmlformats.org/drawingml/2006/main" xmlns:r="http://schemas.openxmlformats.org/officeDocument/2006/relationships" xmlns:p="http://schemas.openxmlformats.org/presentationml/2006/main">
+  <p:cSld>
+    <p:spTree>
+      <p:nvGrpSpPr>
+        <p:cNvPr id="1" name=""/>
+        <p:cNvGrpSpPr/>
+        <p:nvPr/>
+      </p:nvGrpSpPr>
+      <p:grpSpPr>
+        <a:xfrm>
+          <a:off x="0" y="0"/>
+          <a:ext cx="0" cy="0"/>
+          <a:chOff x="0" y="0"/>
+          <a:chExt cx="0" cy="0"/>
+        </a:xfrm>
+      </p:grpSpPr>
+      <p:sp>
+        <p:nvSpPr>
+          <p:cNvPr id="2" name="Title 1">
+            <a:extLst>
+              <a:ext uri="{FF2B5EF4-FFF2-40B4-BE49-F238E27FC236}">
+                <a16:creationId xmlns:a16="http://schemas.microsoft.com/office/drawing/2014/main" id="{4808087A-40EC-41E6-A246-BC46343A4BFC}"/>
+              </a:ext>
+            </a:extLst>
+          </p:cNvPr>
+          <p:cNvSpPr>
+            <a:spLocks noGrp="1"/>
+          </p:cNvSpPr>
+          <p:nvPr>
+            <p:ph type="title"/>
+          </p:nvPr>
+        </p:nvSpPr>
+        <p:spPr/>
+        <p:txBody>
+          <a:bodyPr>
+            <a:normAutofit/>
+          </a:bodyPr>
+          <a:lstStyle/>
+          <a:p>
+            <a:r>
+              <a:rPr lang="en-US" b="1" dirty="0" err="1">
+                <a:latin typeface="Arial" panose="020B0604020202020204" pitchFamily="34" charset="0"/>
+                <a:cs typeface="Arial" panose="020B0604020202020204" pitchFamily="34" charset="0"/>
+              </a:rPr>
+              <a:t>Endresultat</a:t>
+            </a:r>
+            <a:br>
+              <a:rPr lang="en-US" b="1" dirty="0">
+                <a:latin typeface="Arial" panose="020B0604020202020204" pitchFamily="34" charset="0"/>
+                <a:cs typeface="Arial" panose="020B0604020202020204" pitchFamily="34" charset="0"/>
+              </a:rPr>
+            </a:br>
+            <a:r>
+              <a:rPr lang="en-US" sz="3600" i="1" dirty="0">
+                <a:latin typeface="Arial" panose="020B0604020202020204" pitchFamily="34" charset="0"/>
+                <a:cs typeface="Arial" panose="020B0604020202020204" pitchFamily="34" charset="0"/>
+              </a:rPr>
+              <a:t>Life am HMI</a:t>
+            </a:r>
+            <a:endParaRPr lang="en-CH" dirty="0"/>
+          </a:p>
+        </p:txBody>
+      </p:sp>
+      <p:sp>
+        <p:nvSpPr>
+          <p:cNvPr id="4" name="Slide Number Placeholder 3">
+            <a:extLst>
+              <a:ext uri="{FF2B5EF4-FFF2-40B4-BE49-F238E27FC236}">
+                <a16:creationId xmlns:a16="http://schemas.microsoft.com/office/drawing/2014/main" id="{25E7D99B-055F-46C1-9ED3-2255A4486B53}"/>
+              </a:ext>
+            </a:extLst>
+          </p:cNvPr>
+          <p:cNvSpPr>
+            <a:spLocks noGrp="1"/>
+          </p:cNvSpPr>
+          <p:nvPr>
+            <p:ph type="sldNum" sz="quarter" idx="12"/>
+          </p:nvPr>
+        </p:nvSpPr>
+        <p:spPr/>
+        <p:txBody>
+          <a:bodyPr/>
+          <a:lstStyle/>
+          <a:p>
+            <a:fld id="{0F00D740-55B1-4DC8-A3B5-4535950A93D0}" type="slidenum">
+              <a:rPr lang="en-CH" smtClean="0"/>
+              <a:t>40</a:t>
             </a:fld>
             <a:endParaRPr lang="en-CH"/>
           </a:p>
@@ -28418,418 +30953,7 @@
 </p:sld>
 </file>
 
-<file path=ppt/slides/slide4.xml><?xml version="1.0" encoding="utf-8"?>
-<p:sld xmlns:a="http://schemas.openxmlformats.org/drawingml/2006/main" xmlns:r="http://schemas.openxmlformats.org/officeDocument/2006/relationships" xmlns:p="http://schemas.openxmlformats.org/presentationml/2006/main">
-  <p:cSld>
-    <p:spTree>
-      <p:nvGrpSpPr>
-        <p:cNvPr id="1" name=""/>
-        <p:cNvGrpSpPr/>
-        <p:nvPr/>
-      </p:nvGrpSpPr>
-      <p:grpSpPr>
-        <a:xfrm>
-          <a:off x="0" y="0"/>
-          <a:ext cx="0" cy="0"/>
-          <a:chOff x="0" y="0"/>
-          <a:chExt cx="0" cy="0"/>
-        </a:xfrm>
-      </p:grpSpPr>
-      <p:sp>
-        <p:nvSpPr>
-          <p:cNvPr id="2" name="Title 1">
-            <a:extLst>
-              <a:ext uri="{FF2B5EF4-FFF2-40B4-BE49-F238E27FC236}">
-                <a16:creationId xmlns:a16="http://schemas.microsoft.com/office/drawing/2014/main" id="{4808087A-40EC-41E6-A246-BC46343A4BFC}"/>
-              </a:ext>
-            </a:extLst>
-          </p:cNvPr>
-          <p:cNvSpPr>
-            <a:spLocks noGrp="1"/>
-          </p:cNvSpPr>
-          <p:nvPr>
-            <p:ph type="title"/>
-          </p:nvPr>
-        </p:nvSpPr>
-        <p:spPr/>
-        <p:txBody>
-          <a:bodyPr>
-            <a:normAutofit/>
-          </a:bodyPr>
-          <a:lstStyle/>
-          <a:p>
-            <a:r>
-              <a:rPr lang="en-US" b="1" dirty="0" err="1">
-                <a:latin typeface="Arial" panose="020B0604020202020204" pitchFamily="34" charset="0"/>
-                <a:cs typeface="Arial" panose="020B0604020202020204" pitchFamily="34" charset="0"/>
-              </a:rPr>
-              <a:t>Auftrag</a:t>
-            </a:r>
-            <a:br>
-              <a:rPr lang="en-US" b="1" dirty="0">
-                <a:latin typeface="Arial" panose="020B0604020202020204" pitchFamily="34" charset="0"/>
-                <a:cs typeface="Arial" panose="020B0604020202020204" pitchFamily="34" charset="0"/>
-              </a:rPr>
-            </a:br>
-            <a:r>
-              <a:rPr lang="en-US" sz="3600" i="1" dirty="0">
-                <a:latin typeface="Arial" panose="020B0604020202020204" pitchFamily="34" charset="0"/>
-                <a:cs typeface="Arial" panose="020B0604020202020204" pitchFamily="34" charset="0"/>
-              </a:rPr>
-              <a:t>Challenge </a:t>
-            </a:r>
-            <a:r>
-              <a:rPr lang="en-US" sz="3600" i="1" dirty="0" err="1">
-                <a:latin typeface="Arial" panose="020B0604020202020204" pitchFamily="34" charset="0"/>
-                <a:cs typeface="Arial" panose="020B0604020202020204" pitchFamily="34" charset="0"/>
-              </a:rPr>
-              <a:t>Wettermonitor</a:t>
-            </a:r>
-            <a:endParaRPr lang="en-CH" dirty="0"/>
-          </a:p>
-        </p:txBody>
-      </p:sp>
-      <p:sp>
-        <p:nvSpPr>
-          <p:cNvPr id="3" name="Content Placeholder 2">
-            <a:extLst>
-              <a:ext uri="{FF2B5EF4-FFF2-40B4-BE49-F238E27FC236}">
-                <a16:creationId xmlns:a16="http://schemas.microsoft.com/office/drawing/2014/main" id="{F99C80A8-FCE8-4022-B4EC-046CA3785167}"/>
-              </a:ext>
-            </a:extLst>
-          </p:cNvPr>
-          <p:cNvSpPr>
-            <a:spLocks noGrp="1"/>
-          </p:cNvSpPr>
-          <p:nvPr>
-            <p:ph idx="1"/>
-          </p:nvPr>
-        </p:nvSpPr>
-        <p:spPr/>
-        <p:txBody>
-          <a:bodyPr>
-            <a:normAutofit/>
-          </a:bodyPr>
-          <a:lstStyle/>
-          <a:p>
-            <a:r>
-              <a:rPr lang="en-US" dirty="0" err="1"/>
-              <a:t>Wettermonitor</a:t>
-            </a:r>
-            <a:r>
-              <a:rPr lang="en-US" dirty="0"/>
-              <a:t> </a:t>
-            </a:r>
-            <a:r>
-              <a:rPr lang="en-US" dirty="0" err="1"/>
-              <a:t>Seegelclub</a:t>
-            </a:r>
-            <a:r>
-              <a:rPr lang="en-US" dirty="0"/>
-              <a:t> </a:t>
-            </a:r>
-            <a:r>
-              <a:rPr lang="en-US" dirty="0" err="1"/>
-              <a:t>Zürichsee</a:t>
-            </a:r>
-            <a:r>
-              <a:rPr lang="en-US" dirty="0"/>
-              <a:t> </a:t>
-            </a:r>
-          </a:p>
-          <a:p>
-            <a:r>
-              <a:rPr lang="en-US" dirty="0" err="1"/>
-              <a:t>Segeltörns</a:t>
-            </a:r>
-            <a:r>
-              <a:rPr lang="en-US" dirty="0"/>
-              <a:t> </a:t>
-            </a:r>
-            <a:r>
-              <a:rPr lang="en-US" dirty="0" err="1"/>
-              <a:t>sollen</a:t>
-            </a:r>
-            <a:r>
-              <a:rPr lang="en-US" dirty="0"/>
-              <a:t> </a:t>
-            </a:r>
-            <a:r>
-              <a:rPr lang="en-US" dirty="0" err="1"/>
-              <a:t>geplant</a:t>
-            </a:r>
-            <a:r>
-              <a:rPr lang="en-US" dirty="0"/>
-              <a:t> </a:t>
-            </a:r>
-            <a:r>
-              <a:rPr lang="en-US" dirty="0" err="1"/>
-              <a:t>werden</a:t>
-            </a:r>
-            <a:r>
-              <a:rPr lang="en-US" dirty="0"/>
-              <a:t> </a:t>
-            </a:r>
-            <a:r>
-              <a:rPr lang="en-US" dirty="0" err="1"/>
-              <a:t>können</a:t>
-            </a:r>
-            <a:endParaRPr lang="en-US" dirty="0"/>
-          </a:p>
-          <a:p>
-            <a:r>
-              <a:rPr lang="en-US" dirty="0" err="1"/>
-              <a:t>Wettervorhersage</a:t>
-            </a:r>
-            <a:endParaRPr lang="en-US" dirty="0"/>
-          </a:p>
-          <a:p>
-            <a:r>
-              <a:rPr lang="en-US" dirty="0"/>
-              <a:t>Hardware: Raspberry Pi &amp; HMI</a:t>
-            </a:r>
-          </a:p>
-          <a:p>
-            <a:r>
-              <a:rPr lang="en-US" dirty="0"/>
-              <a:t>API </a:t>
-            </a:r>
-            <a:r>
-              <a:rPr lang="en-US" dirty="0" err="1"/>
-              <a:t>Seepolizei</a:t>
-            </a:r>
-            <a:r>
-              <a:rPr lang="en-US" dirty="0"/>
-              <a:t> Zürich</a:t>
-            </a:r>
-          </a:p>
-          <a:p>
-            <a:r>
-              <a:rPr lang="en-US" dirty="0" err="1"/>
-              <a:t>Programmierung</a:t>
-            </a:r>
-            <a:r>
-              <a:rPr lang="en-US" dirty="0"/>
-              <a:t> in Python</a:t>
-            </a:r>
-          </a:p>
-          <a:p>
-            <a:r>
-              <a:rPr lang="en-US" dirty="0" err="1"/>
-              <a:t>Dokumentation</a:t>
-            </a:r>
-            <a:endParaRPr lang="en-CH" dirty="0"/>
-          </a:p>
-        </p:txBody>
-      </p:sp>
-      <p:sp>
-        <p:nvSpPr>
-          <p:cNvPr id="4" name="Slide Number Placeholder 3">
-            <a:extLst>
-              <a:ext uri="{FF2B5EF4-FFF2-40B4-BE49-F238E27FC236}">
-                <a16:creationId xmlns:a16="http://schemas.microsoft.com/office/drawing/2014/main" id="{25E7D99B-055F-46C1-9ED3-2255A4486B53}"/>
-              </a:ext>
-            </a:extLst>
-          </p:cNvPr>
-          <p:cNvSpPr>
-            <a:spLocks noGrp="1"/>
-          </p:cNvSpPr>
-          <p:nvPr>
-            <p:ph type="sldNum" sz="quarter" idx="12"/>
-          </p:nvPr>
-        </p:nvSpPr>
-        <p:spPr/>
-        <p:txBody>
-          <a:bodyPr/>
-          <a:lstStyle/>
-          <a:p>
-            <a:fld id="{0F00D740-55B1-4DC8-A3B5-4535950A93D0}" type="slidenum">
-              <a:rPr lang="en-CH" smtClean="0"/>
-              <a:t>4</a:t>
-            </a:fld>
-            <a:endParaRPr lang="en-CH"/>
-          </a:p>
-        </p:txBody>
-      </p:sp>
-      <p:grpSp>
-        <p:nvGrpSpPr>
-          <p:cNvPr id="5" name="Group 4">
-            <a:extLst>
-              <a:ext uri="{FF2B5EF4-FFF2-40B4-BE49-F238E27FC236}">
-                <a16:creationId xmlns:a16="http://schemas.microsoft.com/office/drawing/2014/main" id="{4EC58CAD-48B2-4835-9E3B-91425F5E9895}"/>
-              </a:ext>
-            </a:extLst>
-          </p:cNvPr>
-          <p:cNvGrpSpPr/>
-          <p:nvPr/>
-        </p:nvGrpSpPr>
-        <p:grpSpPr>
-          <a:xfrm>
-            <a:off x="8990330" y="5808980"/>
-            <a:ext cx="3774440" cy="764540"/>
-            <a:chOff x="8990330" y="5808980"/>
-            <a:chExt cx="3774440" cy="764540"/>
-          </a:xfrm>
-        </p:grpSpPr>
-        <p:pic>
-          <p:nvPicPr>
-            <p:cNvPr id="6" name="Picture 5">
-              <a:extLst>
-                <a:ext uri="{FF2B5EF4-FFF2-40B4-BE49-F238E27FC236}">
-                  <a16:creationId xmlns:a16="http://schemas.microsoft.com/office/drawing/2014/main" id="{022721ED-DE7C-4BE7-8FB8-448D5A1D2FA3}"/>
-                </a:ext>
-              </a:extLst>
-            </p:cNvPr>
-            <p:cNvPicPr>
-              <a:picLocks noChangeAspect="1"/>
-            </p:cNvPicPr>
-            <p:nvPr/>
-          </p:nvPicPr>
-          <p:blipFill>
-            <a:blip r:embed="rId3" cstate="print">
-              <a:extLst>
-                <a:ext uri="{28A0092B-C50C-407E-A947-70E740481C1C}">
-                  <a14:useLocalDpi xmlns:a14="http://schemas.microsoft.com/office/drawing/2010/main" val="0"/>
-                </a:ext>
-              </a:extLst>
-            </a:blip>
-            <a:srcRect/>
-            <a:stretch>
-              <a:fillRect/>
-            </a:stretch>
-          </p:blipFill>
-          <p:spPr bwMode="auto">
-            <a:xfrm>
-              <a:off x="8990330" y="5808980"/>
-              <a:ext cx="942340" cy="558800"/>
-            </a:xfrm>
-            <a:prstGeom prst="rect">
-              <a:avLst/>
-            </a:prstGeom>
-            <a:noFill/>
-            <a:ln>
-              <a:noFill/>
-            </a:ln>
-          </p:spPr>
-        </p:pic>
-        <p:sp>
-          <p:nvSpPr>
-            <p:cNvPr id="7" name="Text Box 11">
-              <a:extLst>
-                <a:ext uri="{FF2B5EF4-FFF2-40B4-BE49-F238E27FC236}">
-                  <a16:creationId xmlns:a16="http://schemas.microsoft.com/office/drawing/2014/main" id="{D3B6ED79-9CCE-4997-8EDA-DFDF7934B22B}"/>
-                </a:ext>
-              </a:extLst>
-            </p:cNvPr>
-            <p:cNvSpPr txBox="1"/>
-            <p:nvPr/>
-          </p:nvSpPr>
-          <p:spPr>
-            <a:xfrm>
-              <a:off x="9999980" y="5923280"/>
-              <a:ext cx="2764790" cy="650240"/>
-            </a:xfrm>
-            <a:prstGeom prst="rect">
-              <a:avLst/>
-            </a:prstGeom>
-            <a:noFill/>
-            <a:ln w="6350">
-              <a:noFill/>
-            </a:ln>
-          </p:spPr>
-          <p:txBody>
-            <a:bodyPr rot="0" spcFirstLastPara="0" vert="horz" wrap="square" lIns="91440" tIns="45720" rIns="91440" bIns="45720" numCol="1" spcCol="0" rtlCol="0" fromWordArt="0" anchor="t" anchorCtr="0" forceAA="0" compatLnSpc="1">
-              <a:prstTxWarp prst="textNoShape">
-                <a:avLst/>
-              </a:prstTxWarp>
-              <a:noAutofit/>
-            </a:bodyPr>
-            <a:lstStyle/>
-            <a:p>
-              <a:pPr>
-                <a:lnSpc>
-                  <a:spcPct val="115000"/>
-                </a:lnSpc>
-              </a:pPr>
-              <a:r>
-                <a:rPr lang="en-US" sz="900" b="1">
-                  <a:solidFill>
-                    <a:srgbClr val="44546A"/>
-                  </a:solidFill>
-                  <a:effectLst/>
-                  <a:latin typeface="Calibri" panose="020F0502020204030204" pitchFamily="34" charset="0"/>
-                  <a:ea typeface="Times New Roman" panose="02020603050405020304" pitchFamily="18" charset="0"/>
-                  <a:cs typeface="Times New Roman" panose="02020603050405020304" pitchFamily="18" charset="0"/>
-                </a:rPr>
-                <a:t>Fachhochschule Nordwestschweiz</a:t>
-              </a:r>
-              <a:endParaRPr lang="en-CH" sz="1400" b="1">
-                <a:solidFill>
-                  <a:srgbClr val="44546A"/>
-                </a:solidFill>
-                <a:effectLst/>
-                <a:latin typeface="Calibri" panose="020F0502020204030204" pitchFamily="34" charset="0"/>
-                <a:ea typeface="Times New Roman" panose="02020603050405020304" pitchFamily="18" charset="0"/>
-                <a:cs typeface="Times New Roman" panose="02020603050405020304" pitchFamily="18" charset="0"/>
-              </a:endParaRPr>
-            </a:p>
-            <a:p>
-              <a:pPr>
-                <a:lnSpc>
-                  <a:spcPct val="115000"/>
-                </a:lnSpc>
-              </a:pPr>
-              <a:r>
-                <a:rPr lang="en-US" sz="900" b="1">
-                  <a:solidFill>
-                    <a:srgbClr val="44546A"/>
-                  </a:solidFill>
-                  <a:effectLst/>
-                  <a:latin typeface="Calibri" panose="020F0502020204030204" pitchFamily="34" charset="0"/>
-                  <a:ea typeface="Times New Roman" panose="02020603050405020304" pitchFamily="18" charset="0"/>
-                  <a:cs typeface="Times New Roman" panose="02020603050405020304" pitchFamily="18" charset="0"/>
-                </a:rPr>
-                <a:t>Hochschule für Technik</a:t>
-              </a:r>
-              <a:endParaRPr lang="en-CH" sz="1400" b="1">
-                <a:solidFill>
-                  <a:srgbClr val="44546A"/>
-                </a:solidFill>
-                <a:effectLst/>
-                <a:latin typeface="Calibri" panose="020F0502020204030204" pitchFamily="34" charset="0"/>
-                <a:ea typeface="Times New Roman" panose="02020603050405020304" pitchFamily="18" charset="0"/>
-                <a:cs typeface="Times New Roman" panose="02020603050405020304" pitchFamily="18" charset="0"/>
-              </a:endParaRPr>
-            </a:p>
-          </p:txBody>
-        </p:sp>
-      </p:grpSp>
-    </p:spTree>
-    <p:extLst>
-      <p:ext uri="{BB962C8B-B14F-4D97-AF65-F5344CB8AC3E}">
-        <p14:creationId xmlns:p14="http://schemas.microsoft.com/office/powerpoint/2010/main" val="1677253772"/>
-      </p:ext>
-    </p:extLst>
-  </p:cSld>
-  <p:clrMapOvr>
-    <a:masterClrMapping/>
-  </p:clrMapOvr>
-  <mc:AlternateContent xmlns:mc="http://schemas.openxmlformats.org/markup-compatibility/2006" xmlns:p14="http://schemas.microsoft.com/office/powerpoint/2010/main">
-    <mc:Choice Requires="p14">
-      <p:transition spd="med" p14:dur="700">
-        <p:fade/>
-      </p:transition>
-    </mc:Choice>
-    <mc:Fallback xmlns="">
-      <p:transition spd="med">
-        <p:fade/>
-      </p:transition>
-    </mc:Fallback>
-  </mc:AlternateContent>
-</p:sld>
-</file>
-
-<file path=ppt/slides/slide40.xml><?xml version="1.0" encoding="utf-8"?>
+<file path=ppt/slides/slide41.xml><?xml version="1.0" encoding="utf-8"?>
 <p:sld xmlns:a="http://schemas.openxmlformats.org/drawingml/2006/main" xmlns:r="http://schemas.openxmlformats.org/officeDocument/2006/relationships" xmlns:p="http://schemas.openxmlformats.org/presentationml/2006/main">
   <p:cSld>
     <p:spTree>
@@ -29023,7 +31147,7 @@
           <a:p>
             <a:fld id="{0F00D740-55B1-4DC8-A3B5-4535950A93D0}" type="slidenum">
               <a:rPr lang="en-CH" smtClean="0"/>
-              <a:t>40</a:t>
+              <a:t>41</a:t>
             </a:fld>
             <a:endParaRPr lang="en-CH"/>
           </a:p>
@@ -29054,7 +31178,7 @@
 </p:sld>
 </file>
 
-<file path=ppt/slides/slide41.xml><?xml version="1.0" encoding="utf-8"?>
+<file path=ppt/slides/slide42.xml><?xml version="1.0" encoding="utf-8"?>
 <p:sld xmlns:a="http://schemas.openxmlformats.org/drawingml/2006/main" xmlns:r="http://schemas.openxmlformats.org/officeDocument/2006/relationships" xmlns:p="http://schemas.openxmlformats.org/presentationml/2006/main">
   <p:cSld>
     <p:spTree>
@@ -29267,7 +31391,7 @@
           <a:p>
             <a:fld id="{0F00D740-55B1-4DC8-A3B5-4535950A93D0}" type="slidenum">
               <a:rPr lang="en-CH" smtClean="0"/>
-              <a:t>41</a:t>
+              <a:t>42</a:t>
             </a:fld>
             <a:endParaRPr lang="en-CH"/>
           </a:p>
@@ -29451,7 +31575,7 @@
 </p:sld>
 </file>
 
-<file path=ppt/slides/slide42.xml><?xml version="1.0" encoding="utf-8"?>
+<file path=ppt/slides/slide43.xml><?xml version="1.0" encoding="utf-8"?>
 <p:sld xmlns:a="http://schemas.openxmlformats.org/drawingml/2006/main" xmlns:r="http://schemas.openxmlformats.org/officeDocument/2006/relationships" xmlns:p="http://schemas.openxmlformats.org/presentationml/2006/main">
   <p:cSld>
     <p:spTree>

--- a/Powerpoint v3.pptx
+++ b/Powerpoint v3.pptx
@@ -5,7 +5,7 @@
     <p:sldMasterId id="2147483648" r:id="rId1"/>
   </p:sldMasterIdLst>
   <p:notesMasterIdLst>
-    <p:notesMasterId r:id="rId45"/>
+    <p:notesMasterId r:id="rId44"/>
   </p:notesMasterIdLst>
   <p:sldIdLst>
     <p:sldId id="256" r:id="rId2"/>
@@ -34,23 +34,22 @@
     <p:sldId id="278" r:id="rId25"/>
     <p:sldId id="279" r:id="rId26"/>
     <p:sldId id="309" r:id="rId27"/>
-    <p:sldId id="311" r:id="rId28"/>
-    <p:sldId id="307" r:id="rId29"/>
-    <p:sldId id="302" r:id="rId30"/>
-    <p:sldId id="291" r:id="rId31"/>
-    <p:sldId id="267" r:id="rId32"/>
-    <p:sldId id="282" r:id="rId33"/>
-    <p:sldId id="304" r:id="rId34"/>
-    <p:sldId id="281" r:id="rId35"/>
-    <p:sldId id="292" r:id="rId36"/>
-    <p:sldId id="269" r:id="rId37"/>
-    <p:sldId id="284" r:id="rId38"/>
-    <p:sldId id="285" r:id="rId39"/>
-    <p:sldId id="293" r:id="rId40"/>
-    <p:sldId id="271" r:id="rId41"/>
-    <p:sldId id="294" r:id="rId42"/>
-    <p:sldId id="283" r:id="rId43"/>
-    <p:sldId id="286" r:id="rId44"/>
+    <p:sldId id="307" r:id="rId28"/>
+    <p:sldId id="302" r:id="rId29"/>
+    <p:sldId id="291" r:id="rId30"/>
+    <p:sldId id="267" r:id="rId31"/>
+    <p:sldId id="282" r:id="rId32"/>
+    <p:sldId id="304" r:id="rId33"/>
+    <p:sldId id="281" r:id="rId34"/>
+    <p:sldId id="292" r:id="rId35"/>
+    <p:sldId id="269" r:id="rId36"/>
+    <p:sldId id="284" r:id="rId37"/>
+    <p:sldId id="285" r:id="rId38"/>
+    <p:sldId id="293" r:id="rId39"/>
+    <p:sldId id="271" r:id="rId40"/>
+    <p:sldId id="294" r:id="rId41"/>
+    <p:sldId id="283" r:id="rId42"/>
+    <p:sldId id="286" r:id="rId43"/>
   </p:sldIdLst>
   <p:sldSz cx="12192000" cy="6858000"/>
   <p:notesSz cx="6858000" cy="9144000"/>
@@ -200,7 +199,6 @@
             <p14:sldId id="278"/>
             <p14:sldId id="279"/>
             <p14:sldId id="309"/>
-            <p14:sldId id="311"/>
             <p14:sldId id="307"/>
             <p14:sldId id="302"/>
           </p14:sldIdLst>
@@ -644,7 +642,7 @@
           <a:p>
             <a:fld id="{6653C7EC-378C-496A-9946-B9D0B56795BD}" type="datetimeFigureOut">
               <a:rPr lang="en-CH" smtClean="0"/>
-              <a:t>01/27/2022</a:t>
+              <a:t>27/01/2022</a:t>
             </a:fld>
             <a:endParaRPr lang="en-CH"/>
           </a:p>
@@ -803,7 +801,7 @@
           <a:p>
             <a:fld id="{D4CE1BAB-7B68-4C87-8549-54F078DDFB49}" type="slidenum">
               <a:rPr lang="en-CH" smtClean="0"/>
-              <a:t>‹Nr.›</a:t>
+              <a:t>‹#›</a:t>
             </a:fld>
             <a:endParaRPr lang="en-CH"/>
           </a:p>
@@ -5765,9 +5763,452 @@
           <a:bodyPr/>
           <a:lstStyle/>
           <a:p>
+            <a:pPr marL="0" marR="0" lvl="0" indent="0" algn="l" defTabSz="914400" rtl="0" eaLnBrk="1" fontAlgn="auto" latinLnBrk="0" hangingPunct="1">
+              <a:lnSpc>
+                <a:spcPct val="100000"/>
+              </a:lnSpc>
+              <a:spcBef>
+                <a:spcPts val="0"/>
+              </a:spcBef>
+              <a:spcAft>
+                <a:spcPts val="0"/>
+              </a:spcAft>
+              <a:buClrTx/>
+              <a:buSzTx/>
+              <a:buFontTx/>
+              <a:buNone/>
+              <a:tabLst/>
+              <a:defRPr/>
+            </a:pPr>
             <a:r>
               <a:rPr lang="en-US" dirty="0"/>
               <a:t>Florin:</a:t>
+            </a:r>
+          </a:p>
+          <a:p>
+            <a:pPr marL="0" marR="0" lvl="0" indent="0" algn="l" defTabSz="914400" rtl="0" eaLnBrk="1" fontAlgn="auto" latinLnBrk="0" hangingPunct="1">
+              <a:lnSpc>
+                <a:spcPct val="100000"/>
+              </a:lnSpc>
+              <a:spcBef>
+                <a:spcPts val="0"/>
+              </a:spcBef>
+              <a:spcAft>
+                <a:spcPts val="0"/>
+              </a:spcAft>
+              <a:buClrTx/>
+              <a:buSzTx/>
+              <a:buFontTx/>
+              <a:buNone/>
+              <a:tabLst/>
+              <a:defRPr/>
+            </a:pPr>
+            <a:endParaRPr lang="en-US" dirty="0"/>
+          </a:p>
+          <a:p>
+            <a:pPr marL="0" marR="0" lvl="0" indent="0" algn="l" defTabSz="914400" rtl="0" eaLnBrk="1" fontAlgn="auto" latinLnBrk="0" hangingPunct="1">
+              <a:lnSpc>
+                <a:spcPct val="100000"/>
+              </a:lnSpc>
+              <a:spcBef>
+                <a:spcPts val="0"/>
+              </a:spcBef>
+              <a:spcAft>
+                <a:spcPts val="0"/>
+              </a:spcAft>
+              <a:buClrTx/>
+              <a:buSzTx/>
+              <a:buFontTx/>
+              <a:buNone/>
+              <a:tabLst/>
+              <a:defRPr/>
+            </a:pPr>
+            <a:r>
+              <a:rPr lang="en-US" dirty="0" err="1"/>
+              <a:t>Programm</a:t>
+            </a:r>
+            <a:r>
+              <a:rPr lang="en-US" dirty="0"/>
+              <a:t> </a:t>
+            </a:r>
+            <a:r>
+              <a:rPr lang="en-US" dirty="0" err="1"/>
+              <a:t>greift</a:t>
+            </a:r>
+            <a:r>
+              <a:rPr lang="en-US" dirty="0"/>
+              <a:t> </a:t>
+            </a:r>
+            <a:r>
+              <a:rPr lang="en-US" dirty="0" err="1"/>
+              <a:t>immer</a:t>
+            </a:r>
+            <a:r>
+              <a:rPr lang="en-US" dirty="0"/>
+              <a:t> auf die </a:t>
+            </a:r>
+            <a:r>
+              <a:rPr lang="en-US" dirty="0" err="1"/>
+              <a:t>Vorgegebene</a:t>
+            </a:r>
+            <a:r>
+              <a:rPr lang="en-US" dirty="0"/>
+              <a:t> DB </a:t>
+            </a:r>
+            <a:r>
+              <a:rPr lang="en-US" dirty="0" err="1"/>
+              <a:t>zu</a:t>
+            </a:r>
+            <a:r>
+              <a:rPr lang="en-US" dirty="0"/>
+              <a:t>.</a:t>
+            </a:r>
+          </a:p>
+          <a:p>
+            <a:pPr marL="0" marR="0" lvl="0" indent="0" algn="l" defTabSz="914400" rtl="0" eaLnBrk="1" fontAlgn="auto" latinLnBrk="0" hangingPunct="1">
+              <a:lnSpc>
+                <a:spcPct val="100000"/>
+              </a:lnSpc>
+              <a:spcBef>
+                <a:spcPts val="0"/>
+              </a:spcBef>
+              <a:spcAft>
+                <a:spcPts val="0"/>
+              </a:spcAft>
+              <a:buClrTx/>
+              <a:buSzTx/>
+              <a:buFontTx/>
+              <a:buNone/>
+              <a:tabLst/>
+              <a:defRPr/>
+            </a:pPr>
+            <a:r>
+              <a:rPr lang="en-US" dirty="0"/>
+              <a:t>Es </a:t>
+            </a:r>
+            <a:r>
+              <a:rPr lang="en-US" dirty="0" err="1"/>
+              <a:t>könnte</a:t>
+            </a:r>
+            <a:r>
+              <a:rPr lang="en-US" dirty="0"/>
+              <a:t> sein, </a:t>
+            </a:r>
+            <a:r>
+              <a:rPr lang="en-US" dirty="0" err="1"/>
+              <a:t>dass</a:t>
+            </a:r>
+            <a:r>
+              <a:rPr lang="en-US" dirty="0"/>
+              <a:t> </a:t>
+            </a:r>
+            <a:r>
+              <a:rPr lang="en-US" dirty="0" err="1"/>
+              <a:t>sich</a:t>
+            </a:r>
+            <a:r>
+              <a:rPr lang="en-US" dirty="0"/>
+              <a:t> URL </a:t>
+            </a:r>
+            <a:r>
+              <a:rPr lang="en-US" dirty="0" err="1"/>
+              <a:t>ändert</a:t>
+            </a:r>
+            <a:r>
+              <a:rPr lang="en-US" dirty="0"/>
+              <a:t> </a:t>
+            </a:r>
+            <a:r>
+              <a:rPr lang="en-US" dirty="0" err="1"/>
+              <a:t>oder</a:t>
+            </a:r>
+            <a:r>
+              <a:rPr lang="en-US" dirty="0"/>
+              <a:t> der DB Port </a:t>
+            </a:r>
+            <a:r>
+              <a:rPr lang="en-US" dirty="0" err="1"/>
+              <a:t>schon</a:t>
+            </a:r>
+            <a:r>
+              <a:rPr lang="en-US" dirty="0"/>
+              <a:t> </a:t>
+            </a:r>
+            <a:r>
+              <a:rPr lang="en-US" dirty="0" err="1"/>
+              <a:t>besetzt</a:t>
+            </a:r>
+            <a:r>
+              <a:rPr lang="en-US" dirty="0"/>
+              <a:t> </a:t>
+            </a:r>
+            <a:r>
+              <a:rPr lang="en-US" dirty="0" err="1"/>
+              <a:t>ist</a:t>
+            </a:r>
+            <a:r>
+              <a:rPr lang="en-US" dirty="0"/>
+              <a:t>.</a:t>
+            </a:r>
+          </a:p>
+          <a:p>
+            <a:pPr marL="0" marR="0" lvl="0" indent="0" algn="l" defTabSz="914400" rtl="0" eaLnBrk="1" fontAlgn="auto" latinLnBrk="0" hangingPunct="1">
+              <a:lnSpc>
+                <a:spcPct val="100000"/>
+              </a:lnSpc>
+              <a:spcBef>
+                <a:spcPts val="0"/>
+              </a:spcBef>
+              <a:spcAft>
+                <a:spcPts val="0"/>
+              </a:spcAft>
+              <a:buClrTx/>
+              <a:buSzTx/>
+              <a:buFontTx/>
+              <a:buNone/>
+              <a:tabLst/>
+              <a:defRPr/>
+            </a:pPr>
+            <a:r>
+              <a:rPr lang="en-US" dirty="0"/>
+              <a:t>In </a:t>
+            </a:r>
+            <a:r>
+              <a:rPr lang="en-US" dirty="0" err="1"/>
+              <a:t>diesem</a:t>
+            </a:r>
+            <a:r>
+              <a:rPr lang="en-US" dirty="0"/>
+              <a:t> Fall </a:t>
+            </a:r>
+            <a:r>
+              <a:rPr lang="en-US" dirty="0" err="1"/>
+              <a:t>ist</a:t>
+            </a:r>
+            <a:r>
+              <a:rPr lang="en-US" dirty="0"/>
+              <a:t> </a:t>
+            </a:r>
+            <a:r>
+              <a:rPr lang="en-US" dirty="0" err="1"/>
+              <a:t>eine</a:t>
+            </a:r>
+            <a:r>
+              <a:rPr lang="en-US" dirty="0"/>
+              <a:t> </a:t>
+            </a:r>
+            <a:r>
+              <a:rPr lang="en-US" dirty="0" err="1"/>
+              <a:t>Anpassung</a:t>
+            </a:r>
+            <a:r>
+              <a:rPr lang="en-US" dirty="0"/>
+              <a:t> des Codes auf dem Raspberry Pi </a:t>
+            </a:r>
+            <a:r>
+              <a:rPr lang="en-US" dirty="0" err="1"/>
+              <a:t>nicht</a:t>
+            </a:r>
+            <a:r>
+              <a:rPr lang="en-US" dirty="0"/>
+              <a:t> </a:t>
+            </a:r>
+            <a:r>
+              <a:rPr lang="en-US" dirty="0" err="1"/>
+              <a:t>schön</a:t>
+            </a:r>
+            <a:r>
+              <a:rPr lang="en-US" dirty="0"/>
+              <a:t>. </a:t>
+            </a:r>
+          </a:p>
+          <a:p>
+            <a:pPr marL="0" marR="0" lvl="0" indent="0" algn="l" defTabSz="914400" rtl="0" eaLnBrk="1" fontAlgn="auto" latinLnBrk="0" hangingPunct="1">
+              <a:lnSpc>
+                <a:spcPct val="100000"/>
+              </a:lnSpc>
+              <a:spcBef>
+                <a:spcPts val="0"/>
+              </a:spcBef>
+              <a:spcAft>
+                <a:spcPts val="0"/>
+              </a:spcAft>
+              <a:buClrTx/>
+              <a:buSzTx/>
+              <a:buFontTx/>
+              <a:buNone/>
+              <a:tabLst/>
+              <a:defRPr/>
+            </a:pPr>
+            <a:endParaRPr lang="en-US" dirty="0"/>
+          </a:p>
+          <a:p>
+            <a:pPr marL="0" marR="0" lvl="0" indent="0" algn="l" defTabSz="914400" rtl="0" eaLnBrk="1" fontAlgn="auto" latinLnBrk="0" hangingPunct="1">
+              <a:lnSpc>
+                <a:spcPct val="100000"/>
+              </a:lnSpc>
+              <a:spcBef>
+                <a:spcPts val="0"/>
+              </a:spcBef>
+              <a:spcAft>
+                <a:spcPts val="0"/>
+              </a:spcAft>
+              <a:buClrTx/>
+              <a:buSzTx/>
+              <a:buFontTx/>
+              <a:buNone/>
+              <a:tabLst/>
+              <a:defRPr/>
+            </a:pPr>
+            <a:r>
+              <a:rPr lang="en-US" dirty="0" err="1"/>
+              <a:t>Deshalb</a:t>
+            </a:r>
+            <a:r>
+              <a:rPr lang="en-US" dirty="0"/>
+              <a:t> </a:t>
+            </a:r>
+            <a:r>
+              <a:rPr lang="en-US" dirty="0" err="1"/>
+              <a:t>haben</a:t>
+            </a:r>
+            <a:r>
+              <a:rPr lang="en-US" dirty="0"/>
+              <a:t> </a:t>
+            </a:r>
+            <a:r>
+              <a:rPr lang="en-US" dirty="0" err="1"/>
+              <a:t>wir</a:t>
+            </a:r>
+            <a:r>
+              <a:rPr lang="en-US" dirty="0"/>
+              <a:t> die </a:t>
+            </a:r>
+            <a:r>
+              <a:rPr lang="en-US" dirty="0" err="1"/>
+              <a:t>Konfiguration</a:t>
+            </a:r>
+            <a:r>
+              <a:rPr lang="en-US" dirty="0"/>
+              <a:t> in </a:t>
+            </a:r>
+            <a:r>
+              <a:rPr lang="en-US" dirty="0" err="1"/>
+              <a:t>ein</a:t>
+            </a:r>
+            <a:r>
+              <a:rPr lang="en-US" dirty="0"/>
+              <a:t> config file </a:t>
+            </a:r>
+            <a:r>
+              <a:rPr lang="en-US" dirty="0" err="1"/>
+              <a:t>geschrieben</a:t>
+            </a:r>
+            <a:r>
+              <a:rPr lang="en-US" dirty="0"/>
+              <a:t>.</a:t>
+            </a:r>
+          </a:p>
+          <a:p>
+            <a:pPr marL="0" marR="0" lvl="0" indent="0" algn="l" defTabSz="914400" rtl="0" eaLnBrk="1" fontAlgn="auto" latinLnBrk="0" hangingPunct="1">
+              <a:lnSpc>
+                <a:spcPct val="100000"/>
+              </a:lnSpc>
+              <a:spcBef>
+                <a:spcPts val="0"/>
+              </a:spcBef>
+              <a:spcAft>
+                <a:spcPts val="0"/>
+              </a:spcAft>
+              <a:buClrTx/>
+              <a:buSzTx/>
+              <a:buFontTx/>
+              <a:buNone/>
+              <a:tabLst/>
+              <a:defRPr/>
+            </a:pPr>
+            <a:r>
+              <a:rPr lang="en-US" dirty="0"/>
+              <a:t>Dort </a:t>
+            </a:r>
+            <a:r>
+              <a:rPr lang="en-US" dirty="0" err="1"/>
+              <a:t>kann</a:t>
+            </a:r>
+            <a:r>
+              <a:rPr lang="en-US" dirty="0"/>
+              <a:t> die </a:t>
+            </a:r>
+            <a:r>
+              <a:rPr lang="en-US" dirty="0" err="1"/>
+              <a:t>Datenbankverbindung</a:t>
+            </a:r>
+            <a:r>
+              <a:rPr lang="en-US" dirty="0"/>
+              <a:t> </a:t>
+            </a:r>
+            <a:r>
+              <a:rPr lang="en-US" dirty="0" err="1"/>
+              <a:t>problemlos</a:t>
+            </a:r>
+            <a:r>
+              <a:rPr lang="en-US" dirty="0"/>
+              <a:t> </a:t>
+            </a:r>
+            <a:r>
+              <a:rPr lang="en-US" dirty="0" err="1"/>
+              <a:t>angepasst</a:t>
+            </a:r>
+            <a:r>
+              <a:rPr lang="en-US" dirty="0"/>
+              <a:t> warden.</a:t>
+            </a:r>
+          </a:p>
+          <a:p>
+            <a:pPr marL="0" marR="0" lvl="0" indent="0" algn="l" defTabSz="914400" rtl="0" eaLnBrk="1" fontAlgn="auto" latinLnBrk="0" hangingPunct="1">
+              <a:lnSpc>
+                <a:spcPct val="100000"/>
+              </a:lnSpc>
+              <a:spcBef>
+                <a:spcPts val="0"/>
+              </a:spcBef>
+              <a:spcAft>
+                <a:spcPts val="0"/>
+              </a:spcAft>
+              <a:buClrTx/>
+              <a:buSzTx/>
+              <a:buFontTx/>
+              <a:buNone/>
+              <a:tabLst/>
+              <a:defRPr/>
+            </a:pPr>
+            <a:r>
+              <a:rPr lang="en-US" dirty="0"/>
+              <a:t>Auch die URL für den Service </a:t>
+            </a:r>
+            <a:r>
+              <a:rPr lang="en-US" dirty="0" err="1"/>
+              <a:t>kann</a:t>
+            </a:r>
+            <a:r>
+              <a:rPr lang="en-US" dirty="0"/>
+              <a:t> </a:t>
+            </a:r>
+            <a:r>
+              <a:rPr lang="en-US" dirty="0" err="1"/>
+              <a:t>angepasst</a:t>
+            </a:r>
+            <a:r>
+              <a:rPr lang="en-US" dirty="0"/>
+              <a:t> </a:t>
+            </a:r>
+            <a:r>
+              <a:rPr lang="en-US" dirty="0" err="1"/>
+              <a:t>werden</a:t>
+            </a:r>
+            <a:r>
+              <a:rPr lang="en-US" dirty="0"/>
+              <a:t>.</a:t>
             </a:r>
           </a:p>
         </p:txBody>
@@ -5798,7 +6239,7 @@
     </p:spTree>
     <p:extLst>
       <p:ext uri="{BB962C8B-B14F-4D97-AF65-F5344CB8AC3E}">
-        <p14:creationId xmlns:p14="http://schemas.microsoft.com/office/powerpoint/2010/main" val="2088518910"/>
+        <p14:creationId xmlns:p14="http://schemas.microsoft.com/office/powerpoint/2010/main" val="3464812281"/>
       </p:ext>
     </p:extLst>
   </p:cSld>
@@ -5852,26 +6293,9 @@
           <a:bodyPr/>
           <a:lstStyle/>
           <a:p>
-            <a:pPr marL="0" marR="0" lvl="0" indent="0" algn="l" defTabSz="914400" rtl="0" eaLnBrk="1" fontAlgn="auto" latinLnBrk="0" hangingPunct="1">
-              <a:lnSpc>
-                <a:spcPct val="100000"/>
-              </a:lnSpc>
-              <a:spcBef>
-                <a:spcPts val="0"/>
-              </a:spcBef>
-              <a:spcAft>
-                <a:spcPts val="0"/>
-              </a:spcAft>
-              <a:buClrTx/>
-              <a:buSzTx/>
-              <a:buFontTx/>
-              <a:buNone/>
-              <a:tabLst/>
-              <a:defRPr/>
-            </a:pPr>
-            <a:r>
-              <a:rPr lang="en-US" dirty="0"/>
-              <a:t>Florin:</a:t>
+            <a:r>
+              <a:rPr lang="en-US" dirty="0"/>
+              <a:t>Sean:</a:t>
             </a:r>
           </a:p>
         </p:txBody>
@@ -5902,7 +6326,7 @@
     </p:spTree>
     <p:extLst>
       <p:ext uri="{BB962C8B-B14F-4D97-AF65-F5344CB8AC3E}">
-        <p14:creationId xmlns:p14="http://schemas.microsoft.com/office/powerpoint/2010/main" val="3464812281"/>
+        <p14:creationId xmlns:p14="http://schemas.microsoft.com/office/powerpoint/2010/main" val="3101912960"/>
       </p:ext>
     </p:extLst>
   </p:cSld>
@@ -5958,7 +6382,7 @@
           <a:p>
             <a:r>
               <a:rPr lang="en-US" dirty="0"/>
-              <a:t>Sean:</a:t>
+              <a:t>Etienne:</a:t>
             </a:r>
           </a:p>
         </p:txBody>
@@ -5989,7 +6413,7 @@
     </p:spTree>
     <p:extLst>
       <p:ext uri="{BB962C8B-B14F-4D97-AF65-F5344CB8AC3E}">
-        <p14:creationId xmlns:p14="http://schemas.microsoft.com/office/powerpoint/2010/main" val="3101912960"/>
+        <p14:creationId xmlns:p14="http://schemas.microsoft.com/office/powerpoint/2010/main" val="1938111001"/>
       </p:ext>
     </p:extLst>
   </p:cSld>
@@ -6132,8 +6556,344 @@
           <a:p>
             <a:r>
               <a:rPr lang="en-US" dirty="0"/>
-              <a:t>Etienne:</a:t>
-            </a:r>
+              <a:t>Etienne: Flask </a:t>
+            </a:r>
+            <a:r>
+              <a:rPr lang="en-US" dirty="0" err="1"/>
+              <a:t>ist</a:t>
+            </a:r>
+            <a:r>
+              <a:rPr lang="en-US" dirty="0"/>
+              <a:t> </a:t>
+            </a:r>
+            <a:r>
+              <a:rPr lang="en-US" dirty="0" err="1"/>
+              <a:t>ein</a:t>
+            </a:r>
+            <a:r>
+              <a:rPr lang="en-US" dirty="0"/>
+              <a:t> </a:t>
+            </a:r>
+            <a:r>
+              <a:rPr lang="en-US" dirty="0" err="1"/>
+              <a:t>Mikro</a:t>
+            </a:r>
+            <a:r>
+              <a:rPr lang="en-US" dirty="0"/>
+              <a:t> </a:t>
+            </a:r>
+            <a:r>
+              <a:rPr lang="en-US" dirty="0" err="1"/>
+              <a:t>Webframework</a:t>
+            </a:r>
+            <a:r>
+              <a:rPr lang="en-US" dirty="0"/>
+              <a:t> </a:t>
+            </a:r>
+            <a:r>
+              <a:rPr lang="en-US" dirty="0" err="1"/>
+              <a:t>zum</a:t>
+            </a:r>
+            <a:r>
+              <a:rPr lang="en-US" dirty="0"/>
+              <a:t> </a:t>
+            </a:r>
+            <a:r>
+              <a:rPr lang="en-US" dirty="0" err="1"/>
+              <a:t>Programmieren</a:t>
+            </a:r>
+            <a:r>
+              <a:rPr lang="en-US" dirty="0"/>
+              <a:t> von </a:t>
+            </a:r>
+            <a:r>
+              <a:rPr lang="en-US" dirty="0" err="1"/>
+              <a:t>Webanwendungen</a:t>
+            </a:r>
+            <a:r>
+              <a:rPr lang="en-US" dirty="0"/>
+              <a:t> in der </a:t>
+            </a:r>
+            <a:r>
+              <a:rPr lang="en-US" dirty="0" err="1"/>
+              <a:t>Programmiersprache</a:t>
+            </a:r>
+            <a:r>
+              <a:rPr lang="en-US" dirty="0"/>
+              <a:t> Python. Es </a:t>
+            </a:r>
+            <a:r>
+              <a:rPr lang="en-US" dirty="0" err="1"/>
+              <a:t>ist</a:t>
+            </a:r>
+            <a:r>
+              <a:rPr lang="en-US" dirty="0"/>
+              <a:t> </a:t>
+            </a:r>
+            <a:r>
+              <a:rPr lang="en-US" dirty="0" err="1"/>
+              <a:t>ein</a:t>
+            </a:r>
+            <a:r>
+              <a:rPr lang="en-US" dirty="0"/>
+              <a:t> Open Source </a:t>
+            </a:r>
+            <a:r>
+              <a:rPr lang="en-US" dirty="0" err="1"/>
+              <a:t>Projekt</a:t>
+            </a:r>
+            <a:r>
+              <a:rPr lang="en-US" dirty="0"/>
+              <a:t> und </a:t>
+            </a:r>
+            <a:r>
+              <a:rPr lang="en-US" dirty="0" err="1"/>
+              <a:t>wurde</a:t>
+            </a:r>
+            <a:r>
+              <a:rPr lang="en-US" dirty="0"/>
+              <a:t> von </a:t>
+            </a:r>
+            <a:r>
+              <a:rPr lang="en-US" dirty="0" err="1"/>
+              <a:t>einem</a:t>
+            </a:r>
+            <a:r>
+              <a:rPr lang="en-US" dirty="0"/>
+              <a:t> </a:t>
+            </a:r>
+            <a:r>
+              <a:rPr lang="en-US" dirty="0" err="1"/>
+              <a:t>österreichischen</a:t>
+            </a:r>
+            <a:r>
+              <a:rPr lang="en-US" dirty="0"/>
+              <a:t> </a:t>
+            </a:r>
+            <a:r>
+              <a:rPr lang="en-US" dirty="0" err="1"/>
+              <a:t>Entwickler</a:t>
+            </a:r>
+            <a:r>
+              <a:rPr lang="en-US" dirty="0"/>
+              <a:t> </a:t>
+            </a:r>
+            <a:r>
+              <a:rPr lang="en-US" dirty="0" err="1"/>
+              <a:t>entwofen</a:t>
+            </a:r>
+            <a:r>
+              <a:rPr lang="en-US" dirty="0"/>
+              <a:t>. </a:t>
+            </a:r>
+            <a:r>
+              <a:rPr lang="en-US" dirty="0" err="1"/>
+              <a:t>Neben</a:t>
+            </a:r>
+            <a:r>
+              <a:rPr lang="en-US" dirty="0"/>
+              <a:t> Django </a:t>
+            </a:r>
+            <a:r>
+              <a:rPr lang="en-US" dirty="0" err="1"/>
+              <a:t>ist</a:t>
+            </a:r>
+            <a:r>
+              <a:rPr lang="en-US" dirty="0"/>
+              <a:t> Flask das </a:t>
+            </a:r>
+            <a:r>
+              <a:rPr lang="en-US" dirty="0" err="1"/>
+              <a:t>weitverbreiteste</a:t>
+            </a:r>
+            <a:r>
+              <a:rPr lang="en-US" dirty="0"/>
+              <a:t> </a:t>
+            </a:r>
+            <a:r>
+              <a:rPr lang="en-US" dirty="0" err="1"/>
+              <a:t>Webframework</a:t>
+            </a:r>
+            <a:r>
+              <a:rPr lang="en-US" dirty="0"/>
+              <a:t>.</a:t>
+            </a:r>
+          </a:p>
+          <a:p>
+            <a:r>
+              <a:rPr lang="en-US" dirty="0" err="1"/>
+              <a:t>Wir</a:t>
+            </a:r>
+            <a:r>
+              <a:rPr lang="en-US" dirty="0"/>
+              <a:t> </a:t>
+            </a:r>
+            <a:r>
+              <a:rPr lang="en-US" dirty="0" err="1"/>
+              <a:t>haben</a:t>
+            </a:r>
+            <a:r>
+              <a:rPr lang="en-US" dirty="0"/>
+              <a:t> </a:t>
+            </a:r>
+            <a:r>
+              <a:rPr lang="en-US" dirty="0" err="1"/>
+              <a:t>uns</a:t>
+            </a:r>
+            <a:r>
+              <a:rPr lang="en-US" dirty="0"/>
+              <a:t> </a:t>
+            </a:r>
+            <a:r>
+              <a:rPr lang="en-US" dirty="0" err="1"/>
+              <a:t>dazu</a:t>
+            </a:r>
+            <a:r>
+              <a:rPr lang="en-US" dirty="0"/>
+              <a:t> </a:t>
+            </a:r>
+            <a:r>
+              <a:rPr lang="en-US" dirty="0" err="1"/>
+              <a:t>entschieden</a:t>
+            </a:r>
+            <a:r>
+              <a:rPr lang="en-US" dirty="0"/>
+              <a:t>, </a:t>
+            </a:r>
+            <a:r>
+              <a:rPr lang="en-US" dirty="0" err="1"/>
+              <a:t>dass</a:t>
+            </a:r>
+            <a:r>
+              <a:rPr lang="en-US" dirty="0"/>
+              <a:t> </a:t>
+            </a:r>
+            <a:r>
+              <a:rPr lang="en-US" dirty="0" err="1"/>
+              <a:t>ganze</a:t>
+            </a:r>
+            <a:r>
+              <a:rPr lang="en-US" dirty="0"/>
+              <a:t> </a:t>
+            </a:r>
+            <a:r>
+              <a:rPr lang="en-US" dirty="0" err="1"/>
+              <a:t>mit</a:t>
+            </a:r>
+            <a:r>
+              <a:rPr lang="en-US" dirty="0"/>
+              <a:t> </a:t>
+            </a:r>
+            <a:r>
+              <a:rPr lang="en-US" dirty="0" err="1"/>
+              <a:t>Flaskwebgui</a:t>
+            </a:r>
+            <a:r>
+              <a:rPr lang="en-US" dirty="0"/>
+              <a:t> </a:t>
+            </a:r>
+            <a:r>
+              <a:rPr lang="en-US" dirty="0" err="1"/>
+              <a:t>umzusetzen</a:t>
+            </a:r>
+            <a:r>
+              <a:rPr lang="en-US" dirty="0"/>
+              <a:t> </a:t>
+            </a:r>
+            <a:r>
+              <a:rPr lang="en-US" dirty="0" err="1"/>
+              <a:t>einer</a:t>
+            </a:r>
+            <a:r>
+              <a:rPr lang="en-US" dirty="0"/>
+              <a:t> Library die es </a:t>
+            </a:r>
+            <a:r>
+              <a:rPr lang="en-US" dirty="0" err="1"/>
+              <a:t>ermöglicht</a:t>
+            </a:r>
+            <a:r>
+              <a:rPr lang="en-US" dirty="0"/>
+              <a:t> </a:t>
+            </a:r>
+            <a:r>
+              <a:rPr lang="en-US" dirty="0" err="1"/>
+              <a:t>ähnlich</a:t>
+            </a:r>
+            <a:r>
+              <a:rPr lang="en-US" dirty="0"/>
+              <a:t> </a:t>
+            </a:r>
+            <a:r>
+              <a:rPr lang="en-US" dirty="0" err="1"/>
+              <a:t>wie</a:t>
+            </a:r>
+            <a:r>
+              <a:rPr lang="en-US" dirty="0"/>
+              <a:t> </a:t>
+            </a:r>
+            <a:r>
+              <a:rPr lang="en-US" dirty="0" err="1"/>
+              <a:t>bei</a:t>
+            </a:r>
+            <a:r>
+              <a:rPr lang="en-US" dirty="0"/>
+              <a:t> Electron Apps </a:t>
+            </a:r>
+            <a:r>
+              <a:rPr lang="en-US" dirty="0" err="1"/>
+              <a:t>einen</a:t>
+            </a:r>
+            <a:r>
+              <a:rPr lang="en-US" dirty="0"/>
+              <a:t> Website </a:t>
+            </a:r>
+            <a:r>
+              <a:rPr lang="en-US" dirty="0" err="1"/>
+              <a:t>ohne</a:t>
+            </a:r>
+            <a:r>
+              <a:rPr lang="en-US" dirty="0"/>
+              <a:t> Backend </a:t>
+            </a:r>
+            <a:r>
+              <a:rPr lang="en-US" dirty="0" err="1"/>
+              <a:t>laufen</a:t>
+            </a:r>
+            <a:r>
+              <a:rPr lang="en-US" dirty="0"/>
+              <a:t> </a:t>
+            </a:r>
+            <a:r>
+              <a:rPr lang="en-US" dirty="0" err="1"/>
+              <a:t>zulaufen</a:t>
+            </a:r>
+            <a:r>
+              <a:rPr lang="en-US" dirty="0"/>
+              <a:t> direct auf dem Client </a:t>
+            </a:r>
+            <a:r>
+              <a:rPr lang="en-US" dirty="0" err="1"/>
+              <a:t>mit</a:t>
+            </a:r>
+            <a:r>
+              <a:rPr lang="en-US" dirty="0"/>
+              <a:t> </a:t>
+            </a:r>
+            <a:r>
+              <a:rPr lang="en-US" dirty="0" err="1"/>
+              <a:t>integriertem</a:t>
+            </a:r>
+            <a:r>
+              <a:rPr lang="en-US" dirty="0"/>
+              <a:t> Webserver.</a:t>
+            </a:r>
+          </a:p>
+          <a:p>
+            <a:endParaRPr lang="en-US" dirty="0"/>
+          </a:p>
+          <a:p>
+            <a:endParaRPr lang="en-US" dirty="0"/>
           </a:p>
         </p:txBody>
       </p:sp>
@@ -6163,7 +6923,7 @@
     </p:spTree>
     <p:extLst>
       <p:ext uri="{BB962C8B-B14F-4D97-AF65-F5344CB8AC3E}">
-        <p14:creationId xmlns:p14="http://schemas.microsoft.com/office/powerpoint/2010/main" val="1938111001"/>
+        <p14:creationId xmlns:p14="http://schemas.microsoft.com/office/powerpoint/2010/main" val="102183800"/>
       </p:ext>
     </p:extLst>
   </p:cSld>
@@ -6218,92 +6978,426 @@
           <a:lstStyle/>
           <a:p>
             <a:r>
-              <a:rPr lang="en-US" dirty="0"/>
-              <a:t>Etienne: Flask </a:t>
-            </a:r>
-            <a:r>
-              <a:rPr lang="en-US" dirty="0" err="1"/>
-              <a:t>ist</a:t>
-            </a:r>
-            <a:r>
-              <a:rPr lang="en-US" dirty="0"/>
-              <a:t> </a:t>
-            </a:r>
-            <a:r>
-              <a:rPr lang="en-US" dirty="0" err="1"/>
-              <a:t>ein</a:t>
-            </a:r>
-            <a:r>
-              <a:rPr lang="en-US" dirty="0"/>
-              <a:t> </a:t>
-            </a:r>
-            <a:r>
-              <a:rPr lang="en-US" dirty="0" err="1"/>
-              <a:t>Mikro</a:t>
-            </a:r>
-            <a:r>
-              <a:rPr lang="en-US" dirty="0"/>
-              <a:t> </a:t>
-            </a:r>
-            <a:r>
-              <a:rPr lang="en-US" dirty="0" err="1"/>
-              <a:t>Webframework</a:t>
-            </a:r>
-            <a:r>
-              <a:rPr lang="en-US" dirty="0"/>
-              <a:t> </a:t>
-            </a:r>
-            <a:r>
-              <a:rPr lang="en-US" dirty="0" err="1"/>
-              <a:t>zum</a:t>
-            </a:r>
-            <a:r>
-              <a:rPr lang="en-US" dirty="0"/>
-              <a:t> </a:t>
-            </a:r>
-            <a:r>
-              <a:rPr lang="en-US" dirty="0" err="1"/>
-              <a:t>Programmieren</a:t>
-            </a:r>
-            <a:r>
-              <a:rPr lang="en-US" dirty="0"/>
-              <a:t> von </a:t>
-            </a:r>
-            <a:r>
-              <a:rPr lang="en-US" dirty="0" err="1"/>
-              <a:t>Webanwendungen</a:t>
-            </a:r>
-            <a:r>
-              <a:rPr lang="en-US" dirty="0"/>
-              <a:t> in der </a:t>
-            </a:r>
-            <a:r>
-              <a:rPr lang="en-US" dirty="0" err="1"/>
-              <a:t>Programmiersprache</a:t>
-            </a:r>
-            <a:r>
-              <a:rPr lang="en-US" dirty="0"/>
-              <a:t> Python. Es </a:t>
-            </a:r>
-            <a:r>
-              <a:rPr lang="en-US" dirty="0" err="1"/>
-              <a:t>ist</a:t>
-            </a:r>
-            <a:r>
-              <a:rPr lang="en-US" dirty="0"/>
-              <a:t> </a:t>
-            </a:r>
-            <a:r>
-              <a:rPr lang="en-US" dirty="0" err="1"/>
-              <a:t>ein</a:t>
-            </a:r>
-            <a:r>
-              <a:rPr lang="en-US" dirty="0"/>
-              <a:t> Open Source </a:t>
-            </a:r>
-            <a:r>
-              <a:rPr lang="en-US" dirty="0" err="1"/>
-              <a:t>Projekt</a:t>
+              <a:rPr lang="en-US" dirty="0" err="1"/>
+              <a:t>Isch</a:t>
+            </a:r>
+            <a:r>
+              <a:rPr lang="en-US" dirty="0"/>
+              <a:t> die Folie </a:t>
+            </a:r>
+            <a:r>
+              <a:rPr lang="en-US" dirty="0" err="1"/>
+              <a:t>würklich</a:t>
+            </a:r>
+            <a:r>
+              <a:rPr lang="en-US" dirty="0"/>
+              <a:t> </a:t>
+            </a:r>
+            <a:r>
+              <a:rPr lang="en-US" dirty="0" err="1"/>
+              <a:t>notwendig</a:t>
+            </a:r>
+            <a:r>
+              <a:rPr lang="en-US" dirty="0"/>
+              <a:t> </a:t>
+            </a:r>
+            <a:r>
+              <a:rPr lang="en-US" dirty="0" err="1"/>
+              <a:t>wenns</a:t>
+            </a:r>
+            <a:r>
+              <a:rPr lang="en-US" dirty="0"/>
+              <a:t> de Florin eh no </a:t>
+            </a:r>
+            <a:r>
+              <a:rPr lang="en-US" dirty="0" err="1"/>
+              <a:t>vorstellt</a:t>
+            </a:r>
+            <a:r>
+              <a:rPr lang="en-US" dirty="0"/>
+              <a:t> ??????</a:t>
+            </a:r>
+          </a:p>
+          <a:p>
+            <a:endParaRPr lang="en-US" dirty="0"/>
+          </a:p>
+          <a:p>
+            <a:endParaRPr lang="en-US" dirty="0"/>
+          </a:p>
+          <a:p>
+            <a:r>
+              <a:rPr lang="en-US" dirty="0"/>
+              <a:t>Etienne: Das </a:t>
+            </a:r>
+            <a:r>
+              <a:rPr lang="en-US" dirty="0" err="1"/>
+              <a:t>Webrouting</a:t>
+            </a:r>
+            <a:r>
+              <a:rPr lang="en-US" dirty="0"/>
+              <a:t> </a:t>
+            </a:r>
+            <a:r>
+              <a:rPr lang="en-US" dirty="0" err="1"/>
+              <a:t>wurde</a:t>
+            </a:r>
+            <a:r>
+              <a:rPr lang="en-US" dirty="0"/>
+              <a:t> </a:t>
+            </a:r>
+            <a:r>
+              <a:rPr lang="en-US" dirty="0" err="1"/>
+              <a:t>wie</a:t>
+            </a:r>
+            <a:r>
+              <a:rPr lang="en-US" dirty="0"/>
+              <a:t> </a:t>
+            </a:r>
+            <a:r>
+              <a:rPr lang="en-US" dirty="0" err="1"/>
+              <a:t>folgt</a:t>
+            </a:r>
+            <a:r>
+              <a:rPr lang="en-US" dirty="0"/>
+              <a:t> auf </a:t>
+            </a:r>
+            <a:r>
+              <a:rPr lang="en-US" dirty="0" err="1"/>
+              <a:t>geteil</a:t>
+            </a:r>
+            <a:r>
+              <a:rPr lang="en-US" dirty="0"/>
+              <a:t> </a:t>
+            </a:r>
+            <a:r>
+              <a:rPr lang="en-US" dirty="0" err="1"/>
+              <a:t>wir</a:t>
+            </a:r>
+            <a:r>
+              <a:rPr lang="en-US" dirty="0"/>
+              <a:t> </a:t>
+            </a:r>
+            <a:r>
+              <a:rPr lang="en-US" dirty="0" err="1"/>
+              <a:t>haben</a:t>
+            </a:r>
+            <a:r>
+              <a:rPr lang="en-US" dirty="0"/>
+              <a:t> </a:t>
+            </a:r>
+            <a:r>
+              <a:rPr lang="en-US" dirty="0" err="1"/>
+              <a:t>einmal</a:t>
+            </a:r>
+            <a:r>
+              <a:rPr lang="en-US" dirty="0"/>
+              <a:t> den Home Screen </a:t>
+            </a:r>
+            <a:r>
+              <a:rPr lang="en-US" dirty="0" err="1"/>
+              <a:t>mit</a:t>
+            </a:r>
+            <a:r>
+              <a:rPr lang="en-US" dirty="0"/>
+              <a:t> den </a:t>
+            </a:r>
+            <a:r>
+              <a:rPr lang="en-US" dirty="0" err="1"/>
+              <a:t>zwei</a:t>
+            </a:r>
+            <a:r>
+              <a:rPr lang="en-US" dirty="0"/>
+              <a:t> </a:t>
+            </a:r>
+            <a:r>
+              <a:rPr lang="en-US" dirty="0" err="1"/>
+              <a:t>Messstationen</a:t>
+            </a:r>
+            <a:r>
+              <a:rPr lang="en-US" dirty="0"/>
+              <a:t>. Die man </a:t>
+            </a:r>
+            <a:r>
+              <a:rPr lang="en-US" dirty="0" err="1"/>
+              <a:t>mit</a:t>
+            </a:r>
+            <a:r>
+              <a:rPr lang="en-US" dirty="0"/>
+              <a:t> </a:t>
+            </a:r>
+            <a:r>
+              <a:rPr lang="en-US" dirty="0" err="1"/>
+              <a:t>nur</a:t>
+            </a:r>
+            <a:r>
+              <a:rPr lang="en-US" dirty="0"/>
+              <a:t> </a:t>
+            </a:r>
+            <a:r>
+              <a:rPr lang="en-US" dirty="0" err="1"/>
+              <a:t>einem</a:t>
+            </a:r>
+            <a:r>
+              <a:rPr lang="en-US" dirty="0"/>
+              <a:t> Touch auf den </a:t>
+            </a:r>
+            <a:r>
+              <a:rPr lang="en-US" dirty="0" err="1"/>
+              <a:t>Jeweiligen</a:t>
+            </a:r>
+            <a:r>
+              <a:rPr lang="en-US" dirty="0"/>
+              <a:t> Button </a:t>
+            </a:r>
+            <a:r>
+              <a:rPr lang="en-US" dirty="0" err="1"/>
+              <a:t>switchen</a:t>
+            </a:r>
+            <a:r>
+              <a:rPr lang="en-US" dirty="0"/>
+              <a:t> </a:t>
+            </a:r>
+            <a:r>
+              <a:rPr lang="en-US" dirty="0" err="1"/>
+              <a:t>kann</a:t>
+            </a:r>
+            <a:r>
+              <a:rPr lang="en-US" dirty="0"/>
+              <a:t>.</a:t>
+            </a:r>
+          </a:p>
+          <a:p>
+            <a:r>
+              <a:rPr lang="en-US" dirty="0" err="1"/>
+              <a:t>Dabei</a:t>
+            </a:r>
+            <a:r>
+              <a:rPr lang="en-US" dirty="0"/>
+              <a:t> </a:t>
+            </a:r>
+            <a:r>
+              <a:rPr lang="en-US" dirty="0" err="1"/>
+              <a:t>haben</a:t>
+            </a:r>
+            <a:r>
+              <a:rPr lang="en-US" dirty="0"/>
+              <a:t> </a:t>
+            </a:r>
+            <a:r>
+              <a:rPr lang="en-US" dirty="0" err="1"/>
+              <a:t>wir</a:t>
+            </a:r>
+            <a:r>
+              <a:rPr lang="en-US" dirty="0"/>
+              <a:t> </a:t>
+            </a:r>
+            <a:r>
+              <a:rPr lang="en-US" dirty="0" err="1"/>
+              <a:t>jeweils</a:t>
+            </a:r>
+            <a:r>
+              <a:rPr lang="en-US" dirty="0"/>
+              <a:t> </a:t>
+            </a:r>
+            <a:r>
+              <a:rPr lang="en-US" dirty="0" err="1"/>
+              <a:t>vier</a:t>
+            </a:r>
+            <a:r>
+              <a:rPr lang="en-US" dirty="0"/>
+              <a:t> </a:t>
+            </a:r>
+            <a:r>
+              <a:rPr lang="en-US" dirty="0" err="1"/>
+              <a:t>übersichtsseiten</a:t>
+            </a:r>
+            <a:r>
+              <a:rPr lang="en-US" dirty="0"/>
+              <a:t> der </a:t>
+            </a:r>
+            <a:r>
+              <a:rPr lang="en-US" dirty="0" err="1"/>
+              <a:t>Messtationen</a:t>
+            </a:r>
+            <a:r>
+              <a:rPr lang="en-US" dirty="0"/>
+              <a:t> </a:t>
+            </a:r>
+            <a:r>
+              <a:rPr lang="en-US" dirty="0" err="1"/>
+              <a:t>aufgeteilt</a:t>
+            </a:r>
+            <a:r>
+              <a:rPr lang="en-US" dirty="0"/>
+              <a:t> in Wind </a:t>
+            </a:r>
+            <a:r>
+              <a:rPr lang="en-US" dirty="0" err="1"/>
+              <a:t>Tempeatur</a:t>
+            </a:r>
+            <a:r>
+              <a:rPr lang="en-US" dirty="0"/>
+              <a:t> Wass und </a:t>
+            </a:r>
+            <a:r>
+              <a:rPr lang="en-US" dirty="0" err="1"/>
+              <a:t>Warnungen</a:t>
+            </a:r>
+            <a:r>
+              <a:rPr lang="en-US" dirty="0"/>
+              <a:t>. </a:t>
+            </a:r>
+            <a:r>
+              <a:rPr lang="en-US" dirty="0" err="1"/>
+              <a:t>Mit</a:t>
+            </a:r>
+            <a:r>
+              <a:rPr lang="en-US" dirty="0"/>
+              <a:t> dem Klick auf den </a:t>
+            </a:r>
+            <a:r>
+              <a:rPr lang="en-US" dirty="0" err="1"/>
+              <a:t>Jeweiligen</a:t>
+            </a:r>
+            <a:r>
+              <a:rPr lang="en-US" dirty="0"/>
+              <a:t> link </a:t>
+            </a:r>
+            <a:r>
+              <a:rPr lang="en-US" dirty="0" err="1"/>
+              <a:t>öffnet</a:t>
+            </a:r>
+            <a:r>
+              <a:rPr lang="en-US" dirty="0"/>
+              <a:t> </a:t>
+            </a:r>
+            <a:r>
+              <a:rPr lang="en-US" dirty="0" err="1"/>
+              <a:t>sich</a:t>
+            </a:r>
+            <a:r>
+              <a:rPr lang="en-US" dirty="0"/>
+              <a:t> </a:t>
+            </a:r>
+            <a:r>
+              <a:rPr lang="en-US" dirty="0" err="1"/>
+              <a:t>dann</a:t>
+            </a:r>
+            <a:r>
+              <a:rPr lang="en-US" dirty="0"/>
+              <a:t> die </a:t>
+            </a:r>
+            <a:r>
+              <a:rPr lang="en-US" dirty="0" err="1"/>
+              <a:t>jeweilige</a:t>
+            </a:r>
+            <a:r>
+              <a:rPr lang="en-US" dirty="0"/>
+              <a:t> </a:t>
+            </a:r>
+            <a:r>
+              <a:rPr lang="en-US" dirty="0" err="1"/>
+              <a:t>Seite</a:t>
+            </a:r>
+            <a:r>
+              <a:rPr lang="en-US" dirty="0"/>
+              <a:t>.</a:t>
+            </a:r>
+          </a:p>
+          <a:p>
+            <a:r>
+              <a:rPr lang="en-US" dirty="0"/>
+              <a:t>Die </a:t>
+            </a:r>
+            <a:r>
+              <a:rPr lang="en-US" dirty="0" err="1"/>
+              <a:t>dann</a:t>
+            </a:r>
+            <a:r>
+              <a:rPr lang="en-US" dirty="0"/>
+              <a:t> den </a:t>
+            </a:r>
+            <a:r>
+              <a:rPr lang="en-US" dirty="0" err="1"/>
+              <a:t>letzten</a:t>
+            </a:r>
+            <a:r>
+              <a:rPr lang="en-US" dirty="0"/>
+              <a:t> Screen </a:t>
+            </a:r>
+            <a:r>
+              <a:rPr lang="en-US" dirty="0" err="1"/>
+              <a:t>öffnet</a:t>
+            </a:r>
+            <a:r>
+              <a:rPr lang="en-US" dirty="0"/>
+              <a:t> die </a:t>
+            </a:r>
+            <a:r>
+              <a:rPr lang="en-US" dirty="0" err="1"/>
+              <a:t>Grafikten</a:t>
+            </a:r>
+            <a:r>
+              <a:rPr lang="en-US" dirty="0"/>
+              <a:t> und Plots </a:t>
+            </a:r>
+            <a:r>
+              <a:rPr lang="en-US" dirty="0" err="1"/>
+              <a:t>zu</a:t>
+            </a:r>
+            <a:r>
+              <a:rPr lang="en-US" dirty="0"/>
+              <a:t> den </a:t>
+            </a:r>
+            <a:r>
+              <a:rPr lang="en-US" dirty="0" err="1"/>
+              <a:t>jeweiligen</a:t>
+            </a:r>
+            <a:r>
+              <a:rPr lang="en-US" dirty="0"/>
+              <a:t> </a:t>
+            </a:r>
+            <a:r>
+              <a:rPr lang="en-US" dirty="0" err="1"/>
+              <a:t>Unterpunkten</a:t>
+            </a:r>
+            <a:r>
+              <a:rPr lang="en-US" dirty="0"/>
+              <a:t>:</a:t>
+            </a:r>
+          </a:p>
+          <a:p>
+            <a:r>
+              <a:rPr lang="en-US" dirty="0"/>
+              <a:t>Wind </a:t>
+            </a:r>
+            <a:r>
+              <a:rPr lang="en-US" dirty="0" err="1"/>
+              <a:t>Lufttemperutr</a:t>
+            </a:r>
+            <a:r>
+              <a:rPr lang="en-US" dirty="0"/>
+              <a:t> </a:t>
+            </a:r>
+            <a:r>
+              <a:rPr lang="en-US" dirty="0" err="1"/>
+              <a:t>Wassertemperatur</a:t>
+            </a:r>
+            <a:r>
+              <a:rPr lang="en-US" dirty="0"/>
+              <a:t> </a:t>
+            </a:r>
+            <a:r>
+              <a:rPr lang="en-US" dirty="0" err="1"/>
+              <a:t>Taupunkt</a:t>
+            </a:r>
+            <a:r>
+              <a:rPr lang="en-US" dirty="0"/>
+              <a:t> </a:t>
+            </a:r>
+            <a:r>
+              <a:rPr lang="en-US" dirty="0" err="1"/>
+              <a:t>Wasserstand</a:t>
             </a:r>
             <a:r>
               <a:rPr lang="en-US" dirty="0"/>
@@ -6311,71 +7405,7 @@
             </a:r>
             <a:r>
               <a:rPr lang="en-US" dirty="0" err="1"/>
-              <a:t>wurde</a:t>
-            </a:r>
-            <a:r>
-              <a:rPr lang="en-US" dirty="0"/>
-              <a:t> von </a:t>
-            </a:r>
-            <a:r>
-              <a:rPr lang="en-US" dirty="0" err="1"/>
-              <a:t>einem</a:t>
-            </a:r>
-            <a:r>
-              <a:rPr lang="en-US" dirty="0"/>
-              <a:t> </a:t>
-            </a:r>
-            <a:r>
-              <a:rPr lang="en-US" dirty="0" err="1"/>
-              <a:t>österreichischen</a:t>
-            </a:r>
-            <a:r>
-              <a:rPr lang="en-US" dirty="0"/>
-              <a:t> </a:t>
-            </a:r>
-            <a:r>
-              <a:rPr lang="en-US" dirty="0" err="1"/>
-              <a:t>Entwickler</a:t>
-            </a:r>
-            <a:r>
-              <a:rPr lang="en-US" dirty="0"/>
-              <a:t> </a:t>
-            </a:r>
-            <a:r>
-              <a:rPr lang="en-US" dirty="0" err="1"/>
-              <a:t>entwofen</a:t>
-            </a:r>
-            <a:r>
-              <a:rPr lang="en-US" dirty="0"/>
-              <a:t>. </a:t>
-            </a:r>
-            <a:r>
-              <a:rPr lang="en-US" dirty="0" err="1"/>
-              <a:t>Neben</a:t>
-            </a:r>
-            <a:r>
-              <a:rPr lang="en-US" dirty="0"/>
-              <a:t> Django </a:t>
-            </a:r>
-            <a:r>
-              <a:rPr lang="en-US" dirty="0" err="1"/>
-              <a:t>ist</a:t>
-            </a:r>
-            <a:r>
-              <a:rPr lang="en-US" dirty="0"/>
-              <a:t> Flask das </a:t>
-            </a:r>
-            <a:r>
-              <a:rPr lang="en-US" dirty="0" err="1"/>
-              <a:t>weitverbreiteste</a:t>
-            </a:r>
-            <a:r>
-              <a:rPr lang="en-US" dirty="0"/>
-              <a:t> </a:t>
-            </a:r>
-            <a:r>
-              <a:rPr lang="en-US" dirty="0" err="1"/>
-              <a:t>Webframework</a:t>
+              <a:t>Druck</a:t>
             </a:r>
             <a:r>
               <a:rPr lang="en-US" dirty="0"/>
@@ -6385,175 +7415,92 @@
           <a:p>
             <a:r>
               <a:rPr lang="en-US" dirty="0" err="1"/>
-              <a:t>Wir</a:t>
-            </a:r>
-            <a:r>
-              <a:rPr lang="en-US" dirty="0"/>
-              <a:t> </a:t>
-            </a:r>
-            <a:r>
-              <a:rPr lang="en-US" dirty="0" err="1"/>
-              <a:t>haben</a:t>
-            </a:r>
-            <a:r>
-              <a:rPr lang="en-US" dirty="0"/>
-              <a:t> </a:t>
-            </a:r>
-            <a:r>
-              <a:rPr lang="en-US" dirty="0" err="1"/>
-              <a:t>uns</a:t>
-            </a:r>
-            <a:r>
-              <a:rPr lang="en-US" dirty="0"/>
-              <a:t> </a:t>
-            </a:r>
-            <a:r>
-              <a:rPr lang="en-US" dirty="0" err="1"/>
-              <a:t>dazu</a:t>
-            </a:r>
-            <a:r>
-              <a:rPr lang="en-US" dirty="0"/>
-              <a:t> </a:t>
-            </a:r>
-            <a:r>
-              <a:rPr lang="en-US" dirty="0" err="1"/>
-              <a:t>entschieden</a:t>
-            </a:r>
-            <a:r>
-              <a:rPr lang="en-US" dirty="0"/>
-              <a:t>, </a:t>
-            </a:r>
-            <a:r>
-              <a:rPr lang="en-US" dirty="0" err="1"/>
-              <a:t>dass</a:t>
-            </a:r>
-            <a:r>
-              <a:rPr lang="en-US" dirty="0"/>
-              <a:t> </a:t>
-            </a:r>
-            <a:r>
-              <a:rPr lang="en-US" dirty="0" err="1"/>
-              <a:t>ganze</a:t>
-            </a:r>
-            <a:r>
-              <a:rPr lang="en-US" dirty="0"/>
-              <a:t> </a:t>
-            </a:r>
-            <a:r>
-              <a:rPr lang="en-US" dirty="0" err="1"/>
-              <a:t>mit</a:t>
-            </a:r>
-            <a:r>
-              <a:rPr lang="en-US" dirty="0"/>
-              <a:t> </a:t>
-            </a:r>
-            <a:r>
-              <a:rPr lang="en-US" dirty="0" err="1"/>
-              <a:t>Flaskwebgui</a:t>
-            </a:r>
-            <a:r>
-              <a:rPr lang="en-US" dirty="0"/>
-              <a:t> </a:t>
-            </a:r>
-            <a:r>
-              <a:rPr lang="en-US" dirty="0" err="1"/>
-              <a:t>umzusetzen</a:t>
-            </a:r>
-            <a:r>
-              <a:rPr lang="en-US" dirty="0"/>
-              <a:t> </a:t>
-            </a:r>
-            <a:r>
-              <a:rPr lang="en-US" dirty="0" err="1"/>
-              <a:t>einer</a:t>
-            </a:r>
-            <a:r>
-              <a:rPr lang="en-US" dirty="0"/>
-              <a:t> Library die es </a:t>
-            </a:r>
-            <a:r>
-              <a:rPr lang="en-US" dirty="0" err="1"/>
-              <a:t>ermöglicht</a:t>
-            </a:r>
-            <a:r>
-              <a:rPr lang="en-US" dirty="0"/>
-              <a:t> </a:t>
-            </a:r>
-            <a:r>
-              <a:rPr lang="en-US" dirty="0" err="1"/>
-              <a:t>ähnlich</a:t>
-            </a:r>
-            <a:r>
-              <a:rPr lang="en-US" dirty="0"/>
-              <a:t> </a:t>
-            </a:r>
-            <a:r>
-              <a:rPr lang="en-US" dirty="0" err="1"/>
-              <a:t>wie</a:t>
-            </a:r>
-            <a:r>
-              <a:rPr lang="en-US" dirty="0"/>
-              <a:t> </a:t>
-            </a:r>
-            <a:r>
-              <a:rPr lang="en-US" dirty="0" err="1"/>
-              <a:t>bei</a:t>
-            </a:r>
-            <a:r>
-              <a:rPr lang="en-US" dirty="0"/>
-              <a:t> Electron Apps </a:t>
-            </a:r>
-            <a:r>
-              <a:rPr lang="en-US" dirty="0" err="1"/>
-              <a:t>einen</a:t>
-            </a:r>
-            <a:r>
-              <a:rPr lang="en-US" dirty="0"/>
-              <a:t> Website </a:t>
-            </a:r>
-            <a:r>
-              <a:rPr lang="en-US" dirty="0" err="1"/>
-              <a:t>ohne</a:t>
-            </a:r>
-            <a:r>
-              <a:rPr lang="en-US" dirty="0"/>
-              <a:t> Backend </a:t>
-            </a:r>
-            <a:r>
-              <a:rPr lang="en-US" dirty="0" err="1"/>
-              <a:t>laufen</a:t>
-            </a:r>
-            <a:r>
-              <a:rPr lang="en-US" dirty="0"/>
-              <a:t> </a:t>
-            </a:r>
-            <a:r>
-              <a:rPr lang="en-US" dirty="0" err="1"/>
-              <a:t>zulaufen</a:t>
-            </a:r>
-            <a:r>
-              <a:rPr lang="en-US" dirty="0"/>
-              <a:t> direct auf dem Client </a:t>
-            </a:r>
-            <a:r>
-              <a:rPr lang="en-US" dirty="0" err="1"/>
-              <a:t>mit</a:t>
-            </a:r>
-            <a:r>
-              <a:rPr lang="en-US" dirty="0"/>
-              <a:t> </a:t>
-            </a:r>
-            <a:r>
-              <a:rPr lang="en-US" dirty="0" err="1"/>
-              <a:t>integriertem</a:t>
-            </a:r>
-            <a:r>
-              <a:rPr lang="en-US" dirty="0"/>
-              <a:t> Webserver.</a:t>
-            </a:r>
-          </a:p>
-          <a:p>
-            <a:endParaRPr lang="en-US" dirty="0"/>
+              <a:t>Mit</a:t>
+            </a:r>
+            <a:r>
+              <a:rPr lang="en-US" dirty="0"/>
+              <a:t> dem </a:t>
+            </a:r>
+            <a:r>
+              <a:rPr lang="en-US" dirty="0" err="1"/>
+              <a:t>jeweilgen</a:t>
+            </a:r>
+            <a:r>
+              <a:rPr lang="en-US" dirty="0"/>
+              <a:t> Button </a:t>
+            </a:r>
+            <a:r>
+              <a:rPr lang="en-US" dirty="0" err="1"/>
+              <a:t>unterhalb</a:t>
+            </a:r>
+            <a:r>
+              <a:rPr lang="en-US" dirty="0"/>
+              <a:t> </a:t>
+            </a:r>
+            <a:r>
+              <a:rPr lang="en-US" dirty="0" err="1"/>
+              <a:t>kann</a:t>
+            </a:r>
+            <a:r>
+              <a:rPr lang="en-US" dirty="0"/>
+              <a:t> </a:t>
+            </a:r>
+            <a:r>
+              <a:rPr lang="en-US" dirty="0" err="1"/>
+              <a:t>zwischen</a:t>
+            </a:r>
+            <a:r>
+              <a:rPr lang="en-US" dirty="0"/>
+              <a:t> den </a:t>
+            </a:r>
+            <a:r>
+              <a:rPr lang="en-US" dirty="0" err="1"/>
+              <a:t>Historischen</a:t>
+            </a:r>
+            <a:r>
+              <a:rPr lang="en-US" dirty="0"/>
+              <a:t> </a:t>
+            </a:r>
+            <a:r>
+              <a:rPr lang="en-US" dirty="0" err="1"/>
+              <a:t>Daten</a:t>
+            </a:r>
+            <a:r>
+              <a:rPr lang="en-US" dirty="0"/>
+              <a:t> dem </a:t>
+            </a:r>
+            <a:r>
+              <a:rPr lang="en-US" dirty="0" err="1"/>
+              <a:t>Aktuellen</a:t>
+            </a:r>
+            <a:r>
+              <a:rPr lang="en-US" dirty="0"/>
+              <a:t> </a:t>
+            </a:r>
+            <a:r>
+              <a:rPr lang="en-US" dirty="0" err="1"/>
+              <a:t>Messtaand</a:t>
+            </a:r>
+            <a:r>
+              <a:rPr lang="en-US" dirty="0"/>
+              <a:t> und der </a:t>
+            </a:r>
+            <a:r>
+              <a:rPr lang="en-US" dirty="0" err="1"/>
+              <a:t>Vorraussage</a:t>
+            </a:r>
+            <a:r>
+              <a:rPr lang="en-US" dirty="0"/>
+              <a:t> </a:t>
+            </a:r>
+            <a:r>
+              <a:rPr lang="en-US" dirty="0" err="1"/>
+              <a:t>umgeschalten</a:t>
+            </a:r>
+            <a:r>
+              <a:rPr lang="en-US" dirty="0"/>
+              <a:t> warden.</a:t>
+            </a:r>
           </a:p>
           <a:p>
             <a:endParaRPr lang="en-US" dirty="0"/>
@@ -6586,7 +7533,7 @@
     </p:spTree>
     <p:extLst>
       <p:ext uri="{BB962C8B-B14F-4D97-AF65-F5344CB8AC3E}">
-        <p14:creationId xmlns:p14="http://schemas.microsoft.com/office/powerpoint/2010/main" val="102183800"/>
+        <p14:creationId xmlns:p14="http://schemas.microsoft.com/office/powerpoint/2010/main" val="1204525051"/>
       </p:ext>
     </p:extLst>
   </p:cSld>
@@ -6641,310 +7588,28 @@
           <a:lstStyle/>
           <a:p>
             <a:r>
-              <a:rPr lang="en-US" dirty="0" err="1"/>
-              <a:t>Isch</a:t>
-            </a:r>
-            <a:r>
-              <a:rPr lang="en-US" dirty="0"/>
-              <a:t> die Folie </a:t>
-            </a:r>
-            <a:r>
-              <a:rPr lang="en-US" dirty="0" err="1"/>
-              <a:t>würklich</a:t>
-            </a:r>
-            <a:r>
-              <a:rPr lang="en-US" dirty="0"/>
-              <a:t> </a:t>
-            </a:r>
-            <a:r>
-              <a:rPr lang="en-US" dirty="0" err="1"/>
-              <a:t>notwendig</a:t>
-            </a:r>
-            <a:r>
-              <a:rPr lang="en-US" dirty="0"/>
-              <a:t> </a:t>
-            </a:r>
-            <a:r>
-              <a:rPr lang="en-US" dirty="0" err="1"/>
-              <a:t>wenns</a:t>
-            </a:r>
-            <a:r>
-              <a:rPr lang="en-US" dirty="0"/>
-              <a:t> de Florin eh no </a:t>
-            </a:r>
-            <a:r>
-              <a:rPr lang="en-US" dirty="0" err="1"/>
-              <a:t>vorstellt</a:t>
-            </a:r>
-            <a:r>
-              <a:rPr lang="en-US" dirty="0"/>
-              <a:t> ??????</a:t>
-            </a:r>
-          </a:p>
-          <a:p>
-            <a:endParaRPr lang="en-US" dirty="0"/>
-          </a:p>
-          <a:p>
-            <a:endParaRPr lang="en-US" dirty="0"/>
-          </a:p>
-          <a:p>
-            <a:r>
-              <a:rPr lang="en-US" dirty="0"/>
-              <a:t>Etienne: Das </a:t>
-            </a:r>
-            <a:r>
-              <a:rPr lang="en-US" dirty="0" err="1"/>
-              <a:t>Webrouting</a:t>
-            </a:r>
-            <a:r>
-              <a:rPr lang="en-US" dirty="0"/>
-              <a:t> </a:t>
-            </a:r>
-            <a:r>
-              <a:rPr lang="en-US" dirty="0" err="1"/>
-              <a:t>wurde</a:t>
-            </a:r>
-            <a:r>
-              <a:rPr lang="en-US" dirty="0"/>
-              <a:t> </a:t>
-            </a:r>
-            <a:r>
-              <a:rPr lang="en-US" dirty="0" err="1"/>
-              <a:t>wie</a:t>
-            </a:r>
-            <a:r>
-              <a:rPr lang="en-US" dirty="0"/>
-              <a:t> </a:t>
-            </a:r>
-            <a:r>
-              <a:rPr lang="en-US" dirty="0" err="1"/>
-              <a:t>folgt</a:t>
-            </a:r>
-            <a:r>
-              <a:rPr lang="en-US" dirty="0"/>
-              <a:t> auf </a:t>
-            </a:r>
-            <a:r>
-              <a:rPr lang="en-US" dirty="0" err="1"/>
-              <a:t>geteil</a:t>
-            </a:r>
-            <a:r>
-              <a:rPr lang="en-US" dirty="0"/>
-              <a:t> </a:t>
-            </a:r>
-            <a:r>
-              <a:rPr lang="en-US" dirty="0" err="1"/>
-              <a:t>wir</a:t>
-            </a:r>
-            <a:r>
-              <a:rPr lang="en-US" dirty="0"/>
-              <a:t> </a:t>
-            </a:r>
-            <a:r>
-              <a:rPr lang="en-US" dirty="0" err="1"/>
-              <a:t>haben</a:t>
-            </a:r>
-            <a:r>
-              <a:rPr lang="en-US" dirty="0"/>
-              <a:t> </a:t>
-            </a:r>
-            <a:r>
-              <a:rPr lang="en-US" dirty="0" err="1"/>
-              <a:t>einmal</a:t>
-            </a:r>
-            <a:r>
-              <a:rPr lang="en-US" dirty="0"/>
-              <a:t> den Home Screen </a:t>
-            </a:r>
-            <a:r>
-              <a:rPr lang="en-US" dirty="0" err="1"/>
-              <a:t>mit</a:t>
-            </a:r>
-            <a:r>
-              <a:rPr lang="en-US" dirty="0"/>
-              <a:t> den </a:t>
-            </a:r>
-            <a:r>
-              <a:rPr lang="en-US" dirty="0" err="1"/>
-              <a:t>zwei</a:t>
-            </a:r>
-            <a:r>
-              <a:rPr lang="en-US" dirty="0"/>
-              <a:t> </a:t>
-            </a:r>
-            <a:r>
-              <a:rPr lang="en-US" dirty="0" err="1"/>
-              <a:t>Messstationen</a:t>
-            </a:r>
-            <a:r>
-              <a:rPr lang="en-US" dirty="0"/>
-              <a:t>. Die man </a:t>
-            </a:r>
-            <a:r>
-              <a:rPr lang="en-US" dirty="0" err="1"/>
-              <a:t>mit</a:t>
-            </a:r>
-            <a:r>
-              <a:rPr lang="en-US" dirty="0"/>
-              <a:t> </a:t>
-            </a:r>
-            <a:r>
-              <a:rPr lang="en-US" dirty="0" err="1"/>
-              <a:t>nur</a:t>
-            </a:r>
-            <a:r>
-              <a:rPr lang="en-US" dirty="0"/>
-              <a:t> </a:t>
-            </a:r>
-            <a:r>
-              <a:rPr lang="en-US" dirty="0" err="1"/>
-              <a:t>einem</a:t>
-            </a:r>
-            <a:r>
-              <a:rPr lang="en-US" dirty="0"/>
-              <a:t> Touch auf den </a:t>
-            </a:r>
-            <a:r>
-              <a:rPr lang="en-US" dirty="0" err="1"/>
-              <a:t>Jeweiligen</a:t>
-            </a:r>
-            <a:r>
-              <a:rPr lang="en-US" dirty="0"/>
-              <a:t> Button </a:t>
-            </a:r>
-            <a:r>
-              <a:rPr lang="en-US" dirty="0" err="1"/>
-              <a:t>switchen</a:t>
-            </a:r>
-            <a:r>
-              <a:rPr lang="en-US" dirty="0"/>
-              <a:t> </a:t>
-            </a:r>
-            <a:r>
-              <a:rPr lang="en-US" dirty="0" err="1"/>
-              <a:t>kann</a:t>
-            </a:r>
-            <a:r>
-              <a:rPr lang="en-US" dirty="0"/>
-              <a:t>.</a:t>
-            </a:r>
-          </a:p>
-          <a:p>
-            <a:r>
-              <a:rPr lang="en-US" dirty="0" err="1"/>
-              <a:t>Dabei</a:t>
-            </a:r>
-            <a:r>
-              <a:rPr lang="en-US" dirty="0"/>
-              <a:t> </a:t>
-            </a:r>
-            <a:r>
-              <a:rPr lang="en-US" dirty="0" err="1"/>
-              <a:t>haben</a:t>
-            </a:r>
-            <a:r>
-              <a:rPr lang="en-US" dirty="0"/>
-              <a:t> </a:t>
-            </a:r>
-            <a:r>
-              <a:rPr lang="en-US" dirty="0" err="1"/>
-              <a:t>wir</a:t>
-            </a:r>
-            <a:r>
-              <a:rPr lang="en-US" dirty="0"/>
-              <a:t> </a:t>
-            </a:r>
-            <a:r>
-              <a:rPr lang="en-US" dirty="0" err="1"/>
-              <a:t>jeweils</a:t>
-            </a:r>
-            <a:r>
-              <a:rPr lang="en-US" dirty="0"/>
-              <a:t> </a:t>
-            </a:r>
-            <a:r>
-              <a:rPr lang="en-US" dirty="0" err="1"/>
-              <a:t>vier</a:t>
-            </a:r>
-            <a:r>
-              <a:rPr lang="en-US" dirty="0"/>
-              <a:t> </a:t>
-            </a:r>
-            <a:r>
-              <a:rPr lang="en-US" dirty="0" err="1"/>
-              <a:t>übersichtsseiten</a:t>
-            </a:r>
-            <a:r>
-              <a:rPr lang="en-US" dirty="0"/>
-              <a:t> der </a:t>
-            </a:r>
-            <a:r>
-              <a:rPr lang="en-US" dirty="0" err="1"/>
-              <a:t>Messtationen</a:t>
-            </a:r>
-            <a:r>
-              <a:rPr lang="en-US" dirty="0"/>
-              <a:t> </a:t>
-            </a:r>
-            <a:r>
-              <a:rPr lang="en-US" dirty="0" err="1"/>
-              <a:t>aufgeteilt</a:t>
-            </a:r>
-            <a:r>
-              <a:rPr lang="en-US" dirty="0"/>
-              <a:t> in Wind </a:t>
-            </a:r>
-            <a:r>
-              <a:rPr lang="en-US" dirty="0" err="1"/>
-              <a:t>Tempeatur</a:t>
-            </a:r>
-            <a:r>
-              <a:rPr lang="en-US" dirty="0"/>
-              <a:t> Wass und </a:t>
-            </a:r>
-            <a:r>
-              <a:rPr lang="en-US" dirty="0" err="1"/>
-              <a:t>Warnungen</a:t>
-            </a:r>
-            <a:r>
-              <a:rPr lang="en-US" dirty="0"/>
-              <a:t>. </a:t>
-            </a:r>
-            <a:r>
-              <a:rPr lang="en-US" dirty="0" err="1"/>
-              <a:t>Mit</a:t>
-            </a:r>
-            <a:r>
-              <a:rPr lang="en-US" dirty="0"/>
-              <a:t> dem Klick auf den </a:t>
-            </a:r>
-            <a:r>
-              <a:rPr lang="en-US" dirty="0" err="1"/>
-              <a:t>Jeweiligen</a:t>
-            </a:r>
-            <a:r>
-              <a:rPr lang="en-US" dirty="0"/>
-              <a:t> link </a:t>
-            </a:r>
-            <a:r>
-              <a:rPr lang="en-US" dirty="0" err="1"/>
-              <a:t>öffnet</a:t>
-            </a:r>
-            <a:r>
-              <a:rPr lang="en-US" dirty="0"/>
-              <a:t> </a:t>
-            </a:r>
-            <a:r>
-              <a:rPr lang="en-US" dirty="0" err="1"/>
-              <a:t>sich</a:t>
-            </a:r>
-            <a:r>
-              <a:rPr lang="en-US" dirty="0"/>
-              <a:t> </a:t>
-            </a:r>
-            <a:r>
-              <a:rPr lang="en-US" dirty="0" err="1"/>
-              <a:t>dann</a:t>
+              <a:rPr lang="en-US" dirty="0"/>
+              <a:t>Etienne: </a:t>
+            </a:r>
+            <a:r>
+              <a:rPr lang="en-US" dirty="0" err="1"/>
+              <a:t>Hier</a:t>
+            </a:r>
+            <a:r>
+              <a:rPr lang="en-US" dirty="0"/>
+              <a:t> </a:t>
+            </a:r>
+            <a:r>
+              <a:rPr lang="en-US" dirty="0" err="1"/>
+              <a:t>nochmal</a:t>
+            </a:r>
+            <a:r>
+              <a:rPr lang="en-US" dirty="0"/>
+              <a:t> </a:t>
+            </a:r>
+            <a:r>
+              <a:rPr lang="en-US" dirty="0" err="1"/>
+              <a:t>abgelistet</a:t>
             </a:r>
             <a:r>
               <a:rPr lang="en-US" dirty="0"/>
@@ -6952,221 +7617,12 @@
             </a:r>
             <a:r>
               <a:rPr lang="en-US" dirty="0" err="1"/>
-              <a:t>jeweilige</a:t>
-            </a:r>
-            <a:r>
-              <a:rPr lang="en-US" dirty="0"/>
-              <a:t> </a:t>
-            </a:r>
-            <a:r>
-              <a:rPr lang="en-US" dirty="0" err="1"/>
-              <a:t>Seite</a:t>
-            </a:r>
-            <a:r>
-              <a:rPr lang="en-US" dirty="0"/>
-              <a:t>.</a:t>
-            </a:r>
-          </a:p>
-          <a:p>
-            <a:r>
-              <a:rPr lang="en-US" dirty="0"/>
-              <a:t>Die </a:t>
-            </a:r>
-            <a:r>
-              <a:rPr lang="en-US" dirty="0" err="1"/>
-              <a:t>dann</a:t>
-            </a:r>
-            <a:r>
-              <a:rPr lang="en-US" dirty="0"/>
-              <a:t> den </a:t>
-            </a:r>
-            <a:r>
-              <a:rPr lang="en-US" dirty="0" err="1"/>
-              <a:t>letzten</a:t>
-            </a:r>
-            <a:r>
-              <a:rPr lang="en-US" dirty="0"/>
-              <a:t> Screen </a:t>
-            </a:r>
-            <a:r>
-              <a:rPr lang="en-US" dirty="0" err="1"/>
-              <a:t>öffnet</a:t>
-            </a:r>
-            <a:r>
-              <a:rPr lang="en-US" dirty="0"/>
-              <a:t> die </a:t>
-            </a:r>
-            <a:r>
-              <a:rPr lang="en-US" dirty="0" err="1"/>
-              <a:t>Grafikten</a:t>
-            </a:r>
-            <a:r>
-              <a:rPr lang="en-US" dirty="0"/>
-              <a:t> und Plots </a:t>
-            </a:r>
-            <a:r>
-              <a:rPr lang="en-US" dirty="0" err="1"/>
-              <a:t>zu</a:t>
-            </a:r>
-            <a:r>
-              <a:rPr lang="en-US" dirty="0"/>
-              <a:t> den </a:t>
-            </a:r>
-            <a:r>
-              <a:rPr lang="en-US" dirty="0" err="1"/>
-              <a:t>jeweiligen</a:t>
-            </a:r>
-            <a:r>
-              <a:rPr lang="en-US" dirty="0"/>
-              <a:t> </a:t>
-            </a:r>
-            <a:r>
-              <a:rPr lang="en-US" dirty="0" err="1"/>
-              <a:t>Unterpunkten</a:t>
-            </a:r>
-            <a:r>
-              <a:rPr lang="en-US" dirty="0"/>
-              <a:t>:</a:t>
-            </a:r>
-          </a:p>
-          <a:p>
-            <a:r>
-              <a:rPr lang="en-US" dirty="0"/>
-              <a:t>Wind </a:t>
-            </a:r>
-            <a:r>
-              <a:rPr lang="en-US" dirty="0" err="1"/>
-              <a:t>Lufttemperutr</a:t>
-            </a:r>
-            <a:r>
-              <a:rPr lang="en-US" dirty="0"/>
-              <a:t> </a:t>
-            </a:r>
-            <a:r>
-              <a:rPr lang="en-US" dirty="0" err="1"/>
-              <a:t>Wassertemperatur</a:t>
-            </a:r>
-            <a:r>
-              <a:rPr lang="en-US" dirty="0"/>
-              <a:t> </a:t>
-            </a:r>
-            <a:r>
-              <a:rPr lang="en-US" dirty="0" err="1"/>
-              <a:t>Taupunkt</a:t>
-            </a:r>
-            <a:r>
-              <a:rPr lang="en-US" dirty="0"/>
-              <a:t> </a:t>
-            </a:r>
-            <a:r>
-              <a:rPr lang="en-US" dirty="0" err="1"/>
-              <a:t>Wasserstand</a:t>
-            </a:r>
-            <a:r>
-              <a:rPr lang="en-US" dirty="0"/>
-              <a:t> und </a:t>
-            </a:r>
-            <a:r>
-              <a:rPr lang="en-US" dirty="0" err="1"/>
-              <a:t>Druck</a:t>
-            </a:r>
-            <a:r>
-              <a:rPr lang="en-US" dirty="0"/>
-              <a:t>.</a:t>
-            </a:r>
-          </a:p>
-          <a:p>
-            <a:r>
-              <a:rPr lang="en-US" dirty="0" err="1"/>
-              <a:t>Mit</a:t>
-            </a:r>
-            <a:r>
-              <a:rPr lang="en-US" dirty="0"/>
-              <a:t> dem </a:t>
-            </a:r>
-            <a:r>
-              <a:rPr lang="en-US" dirty="0" err="1"/>
-              <a:t>jeweilgen</a:t>
-            </a:r>
-            <a:r>
-              <a:rPr lang="en-US" dirty="0"/>
-              <a:t> Button </a:t>
-            </a:r>
-            <a:r>
-              <a:rPr lang="en-US" dirty="0" err="1"/>
-              <a:t>unterhalb</a:t>
-            </a:r>
-            <a:r>
-              <a:rPr lang="en-US" dirty="0"/>
-              <a:t> </a:t>
-            </a:r>
-            <a:r>
-              <a:rPr lang="en-US" dirty="0" err="1"/>
-              <a:t>kann</a:t>
-            </a:r>
-            <a:r>
-              <a:rPr lang="en-US" dirty="0"/>
-              <a:t> </a:t>
-            </a:r>
-            <a:r>
-              <a:rPr lang="en-US" dirty="0" err="1"/>
-              <a:t>zwischen</a:t>
-            </a:r>
-            <a:r>
-              <a:rPr lang="en-US" dirty="0"/>
-              <a:t> den </a:t>
-            </a:r>
-            <a:r>
-              <a:rPr lang="en-US" dirty="0" err="1"/>
-              <a:t>Historischen</a:t>
-            </a:r>
-            <a:r>
-              <a:rPr lang="en-US" dirty="0"/>
-              <a:t> </a:t>
-            </a:r>
-            <a:r>
-              <a:rPr lang="en-US" dirty="0" err="1"/>
-              <a:t>Daten</a:t>
-            </a:r>
-            <a:r>
-              <a:rPr lang="en-US" dirty="0"/>
-              <a:t> dem </a:t>
-            </a:r>
-            <a:r>
-              <a:rPr lang="en-US" dirty="0" err="1"/>
-              <a:t>Aktuellen</a:t>
-            </a:r>
-            <a:r>
-              <a:rPr lang="en-US" dirty="0"/>
-              <a:t> </a:t>
-            </a:r>
-            <a:r>
-              <a:rPr lang="en-US" dirty="0" err="1"/>
-              <a:t>Messtaand</a:t>
-            </a:r>
-            <a:r>
-              <a:rPr lang="en-US" dirty="0"/>
-              <a:t> und der </a:t>
-            </a:r>
-            <a:r>
-              <a:rPr lang="en-US" dirty="0" err="1"/>
-              <a:t>Vorraussage</a:t>
-            </a:r>
-            <a:r>
-              <a:rPr lang="en-US" dirty="0"/>
-              <a:t> </a:t>
-            </a:r>
-            <a:r>
-              <a:rPr lang="en-US" dirty="0" err="1"/>
-              <a:t>umgeschalten</a:t>
-            </a:r>
-            <a:r>
-              <a:rPr lang="en-US" dirty="0"/>
-              <a:t> warden.</a:t>
-            </a:r>
-          </a:p>
-          <a:p>
-            <a:endParaRPr lang="en-US" dirty="0"/>
+              <a:t>Programmatischen</a:t>
+            </a:r>
+            <a:r>
+              <a:rPr lang="en-US" dirty="0"/>
+              <a:t> HTML endpoints </a:t>
+            </a:r>
           </a:p>
         </p:txBody>
       </p:sp>
@@ -7196,7 +7652,7 @@
     </p:spTree>
     <p:extLst>
       <p:ext uri="{BB962C8B-B14F-4D97-AF65-F5344CB8AC3E}">
-        <p14:creationId xmlns:p14="http://schemas.microsoft.com/office/powerpoint/2010/main" val="1204525051"/>
+        <p14:creationId xmlns:p14="http://schemas.microsoft.com/office/powerpoint/2010/main" val="3552269098"/>
       </p:ext>
     </p:extLst>
   </p:cSld>
@@ -7252,39 +7708,218 @@
           <a:p>
             <a:r>
               <a:rPr lang="en-US" dirty="0"/>
-              <a:t>Etienne: </a:t>
-            </a:r>
-            <a:r>
-              <a:rPr lang="en-US" dirty="0" err="1"/>
-              <a:t>Hier</a:t>
-            </a:r>
-            <a:r>
-              <a:rPr lang="en-US" dirty="0"/>
-              <a:t> </a:t>
-            </a:r>
-            <a:r>
-              <a:rPr lang="en-US" dirty="0" err="1"/>
-              <a:t>nochmal</a:t>
-            </a:r>
-            <a:r>
-              <a:rPr lang="en-US" dirty="0"/>
-              <a:t> </a:t>
-            </a:r>
-            <a:r>
-              <a:rPr lang="en-US" dirty="0" err="1"/>
-              <a:t>abgelistet</a:t>
-            </a:r>
-            <a:r>
-              <a:rPr lang="en-US" dirty="0"/>
-              <a:t> die </a:t>
-            </a:r>
-            <a:r>
-              <a:rPr lang="en-US" dirty="0" err="1"/>
-              <a:t>Programmatischen</a:t>
-            </a:r>
-            <a:r>
-              <a:rPr lang="en-US" dirty="0"/>
-              <a:t> HTML endpoints </a:t>
+              <a:t>Etienne: Für </a:t>
+            </a:r>
+            <a:r>
+              <a:rPr lang="en-US" dirty="0" err="1"/>
+              <a:t>jeden</a:t>
+            </a:r>
+            <a:r>
+              <a:rPr lang="en-US" dirty="0"/>
+              <a:t> Endpoint </a:t>
+            </a:r>
+            <a:r>
+              <a:rPr lang="en-US" dirty="0" err="1"/>
+              <a:t>im</a:t>
+            </a:r>
+            <a:r>
+              <a:rPr lang="en-US" dirty="0"/>
+              <a:t> Routing </a:t>
+            </a:r>
+            <a:r>
+              <a:rPr lang="en-US" dirty="0" err="1"/>
+              <a:t>hanben</a:t>
+            </a:r>
+            <a:r>
+              <a:rPr lang="en-US" dirty="0"/>
+              <a:t> </a:t>
+            </a:r>
+            <a:r>
+              <a:rPr lang="en-US" dirty="0" err="1"/>
+              <a:t>wir</a:t>
+            </a:r>
+            <a:r>
+              <a:rPr lang="en-US" dirty="0"/>
+              <a:t> </a:t>
+            </a:r>
+            <a:r>
+              <a:rPr lang="en-US" dirty="0" err="1"/>
+              <a:t>jeweils</a:t>
+            </a:r>
+            <a:r>
+              <a:rPr lang="en-US" dirty="0"/>
+              <a:t> </a:t>
+            </a:r>
+            <a:r>
+              <a:rPr lang="en-US" dirty="0" err="1"/>
+              <a:t>ein</a:t>
+            </a:r>
+            <a:r>
+              <a:rPr lang="en-US" dirty="0"/>
+              <a:t> </a:t>
+            </a:r>
+            <a:r>
+              <a:rPr lang="en-US" dirty="0" err="1"/>
+              <a:t>statisches</a:t>
+            </a:r>
+            <a:r>
+              <a:rPr lang="en-US" dirty="0"/>
+              <a:t> HTML File das </a:t>
+            </a:r>
+            <a:r>
+              <a:rPr lang="en-US" dirty="0" err="1"/>
+              <a:t>wir</a:t>
+            </a:r>
+            <a:r>
+              <a:rPr lang="en-US" dirty="0"/>
+              <a:t> </a:t>
+            </a:r>
+            <a:r>
+              <a:rPr lang="en-US" dirty="0" err="1"/>
+              <a:t>mit</a:t>
+            </a:r>
+            <a:r>
+              <a:rPr lang="en-US" dirty="0"/>
+              <a:t> </a:t>
+            </a:r>
+            <a:r>
+              <a:rPr lang="en-US" dirty="0" err="1"/>
+              <a:t>unseren</a:t>
+            </a:r>
+            <a:r>
+              <a:rPr lang="en-US" dirty="0"/>
+              <a:t> Python </a:t>
+            </a:r>
+            <a:r>
+              <a:rPr lang="en-US" dirty="0" err="1"/>
+              <a:t>Variablen</a:t>
+            </a:r>
+            <a:r>
+              <a:rPr lang="en-US" dirty="0"/>
+              <a:t> </a:t>
+            </a:r>
+            <a:r>
+              <a:rPr lang="en-US" dirty="0" err="1"/>
+              <a:t>füllen</a:t>
+            </a:r>
+            <a:r>
+              <a:rPr lang="en-US" dirty="0"/>
+              <a:t>.</a:t>
+            </a:r>
+          </a:p>
+          <a:p>
+            <a:r>
+              <a:rPr lang="en-US" dirty="0"/>
+              <a:t>Index.html für den Home Screen und die Navigation.</a:t>
+            </a:r>
+          </a:p>
+          <a:p>
+            <a:r>
+              <a:rPr lang="en-US" dirty="0"/>
+              <a:t>Load_data.html für den </a:t>
+            </a:r>
+            <a:r>
+              <a:rPr lang="en-US" dirty="0" err="1"/>
+              <a:t>Splashscreen</a:t>
+            </a:r>
+            <a:r>
+              <a:rPr lang="en-US" dirty="0"/>
+              <a:t>.</a:t>
+            </a:r>
+          </a:p>
+          <a:p>
+            <a:r>
+              <a:rPr lang="en-US" dirty="0"/>
+              <a:t>Main.html für </a:t>
+            </a:r>
+            <a:r>
+              <a:rPr lang="en-US" dirty="0" err="1"/>
+              <a:t>Ansichten</a:t>
+            </a:r>
+            <a:r>
+              <a:rPr lang="en-US" dirty="0"/>
+              <a:t> der </a:t>
+            </a:r>
+            <a:r>
+              <a:rPr lang="en-US" dirty="0" err="1"/>
+              <a:t>Wetterstationen</a:t>
+            </a:r>
+            <a:endParaRPr lang="en-US" dirty="0"/>
+          </a:p>
+          <a:p>
+            <a:r>
+              <a:rPr lang="en-US" dirty="0"/>
+              <a:t>Und Graph.html für die Detail </a:t>
+            </a:r>
+            <a:r>
+              <a:rPr lang="en-US" dirty="0" err="1"/>
+              <a:t>ansicht</a:t>
+            </a:r>
+            <a:r>
+              <a:rPr lang="en-US" dirty="0"/>
+              <a:t> der </a:t>
+            </a:r>
+            <a:r>
+              <a:rPr lang="en-US" dirty="0" err="1"/>
+              <a:t>einzelnen</a:t>
+            </a:r>
+            <a:r>
+              <a:rPr lang="en-US" dirty="0"/>
+              <a:t> </a:t>
+            </a:r>
+            <a:r>
+              <a:rPr lang="en-US" dirty="0" err="1"/>
+              <a:t>Messwerte</a:t>
+            </a:r>
+            <a:r>
+              <a:rPr lang="en-US" dirty="0"/>
+              <a:t> und der Plots.</a:t>
+            </a:r>
+          </a:p>
+          <a:p>
+            <a:r>
+              <a:rPr lang="en-US" dirty="0"/>
+              <a:t>Ich </a:t>
+            </a:r>
+            <a:r>
+              <a:rPr lang="en-US" dirty="0" err="1"/>
+              <a:t>freue</a:t>
+            </a:r>
+            <a:r>
+              <a:rPr lang="en-US" dirty="0"/>
+              <a:t> </a:t>
+            </a:r>
+            <a:r>
+              <a:rPr lang="en-US" dirty="0" err="1"/>
+              <a:t>mich</a:t>
+            </a:r>
+            <a:r>
+              <a:rPr lang="en-US" dirty="0"/>
+              <a:t> nun </a:t>
+            </a:r>
+            <a:r>
+              <a:rPr lang="en-US" dirty="0" err="1"/>
+              <a:t>mein</a:t>
+            </a:r>
+            <a:r>
+              <a:rPr lang="en-US" dirty="0"/>
+              <a:t> Wort an Florin </a:t>
+            </a:r>
+            <a:r>
+              <a:rPr lang="en-US" dirty="0" err="1"/>
+              <a:t>weiter</a:t>
+            </a:r>
+            <a:r>
+              <a:rPr lang="en-US" dirty="0"/>
+              <a:t> </a:t>
+            </a:r>
+            <a:r>
+              <a:rPr lang="en-US" dirty="0" err="1"/>
+              <a:t>zugeben</a:t>
+            </a:r>
+            <a:r>
+              <a:rPr lang="en-US" dirty="0"/>
+              <a:t>.</a:t>
             </a:r>
           </a:p>
         </p:txBody>
@@ -7315,7 +7950,7 @@
     </p:spTree>
     <p:extLst>
       <p:ext uri="{BB962C8B-B14F-4D97-AF65-F5344CB8AC3E}">
-        <p14:creationId xmlns:p14="http://schemas.microsoft.com/office/powerpoint/2010/main" val="3552269098"/>
+        <p14:creationId xmlns:p14="http://schemas.microsoft.com/office/powerpoint/2010/main" val="3865265295"/>
       </p:ext>
     </p:extLst>
   </p:cSld>
@@ -7371,218 +8006,7 @@
           <a:p>
             <a:r>
               <a:rPr lang="en-US" dirty="0"/>
-              <a:t>Etienne: Für </a:t>
-            </a:r>
-            <a:r>
-              <a:rPr lang="en-US" dirty="0" err="1"/>
-              <a:t>jeden</a:t>
-            </a:r>
-            <a:r>
-              <a:rPr lang="en-US" dirty="0"/>
-              <a:t> Endpoint </a:t>
-            </a:r>
-            <a:r>
-              <a:rPr lang="en-US" dirty="0" err="1"/>
-              <a:t>im</a:t>
-            </a:r>
-            <a:r>
-              <a:rPr lang="en-US" dirty="0"/>
-              <a:t> Routing </a:t>
-            </a:r>
-            <a:r>
-              <a:rPr lang="en-US" dirty="0" err="1"/>
-              <a:t>hanben</a:t>
-            </a:r>
-            <a:r>
-              <a:rPr lang="en-US" dirty="0"/>
-              <a:t> </a:t>
-            </a:r>
-            <a:r>
-              <a:rPr lang="en-US" dirty="0" err="1"/>
-              <a:t>wir</a:t>
-            </a:r>
-            <a:r>
-              <a:rPr lang="en-US" dirty="0"/>
-              <a:t> </a:t>
-            </a:r>
-            <a:r>
-              <a:rPr lang="en-US" dirty="0" err="1"/>
-              <a:t>jeweils</a:t>
-            </a:r>
-            <a:r>
-              <a:rPr lang="en-US" dirty="0"/>
-              <a:t> </a:t>
-            </a:r>
-            <a:r>
-              <a:rPr lang="en-US" dirty="0" err="1"/>
-              <a:t>ein</a:t>
-            </a:r>
-            <a:r>
-              <a:rPr lang="en-US" dirty="0"/>
-              <a:t> </a:t>
-            </a:r>
-            <a:r>
-              <a:rPr lang="en-US" dirty="0" err="1"/>
-              <a:t>statisches</a:t>
-            </a:r>
-            <a:r>
-              <a:rPr lang="en-US" dirty="0"/>
-              <a:t> HTML File das </a:t>
-            </a:r>
-            <a:r>
-              <a:rPr lang="en-US" dirty="0" err="1"/>
-              <a:t>wir</a:t>
-            </a:r>
-            <a:r>
-              <a:rPr lang="en-US" dirty="0"/>
-              <a:t> </a:t>
-            </a:r>
-            <a:r>
-              <a:rPr lang="en-US" dirty="0" err="1"/>
-              <a:t>mit</a:t>
-            </a:r>
-            <a:r>
-              <a:rPr lang="en-US" dirty="0"/>
-              <a:t> </a:t>
-            </a:r>
-            <a:r>
-              <a:rPr lang="en-US" dirty="0" err="1"/>
-              <a:t>unseren</a:t>
-            </a:r>
-            <a:r>
-              <a:rPr lang="en-US" dirty="0"/>
-              <a:t> Python </a:t>
-            </a:r>
-            <a:r>
-              <a:rPr lang="en-US" dirty="0" err="1"/>
-              <a:t>Variablen</a:t>
-            </a:r>
-            <a:r>
-              <a:rPr lang="en-US" dirty="0"/>
-              <a:t> </a:t>
-            </a:r>
-            <a:r>
-              <a:rPr lang="en-US" dirty="0" err="1"/>
-              <a:t>füllen</a:t>
-            </a:r>
-            <a:r>
-              <a:rPr lang="en-US" dirty="0"/>
-              <a:t>.</a:t>
-            </a:r>
-          </a:p>
-          <a:p>
-            <a:r>
-              <a:rPr lang="en-US" dirty="0"/>
-              <a:t>Index.html für den Home Screen und die Navigation.</a:t>
-            </a:r>
-          </a:p>
-          <a:p>
-            <a:r>
-              <a:rPr lang="en-US" dirty="0"/>
-              <a:t>Load_data.html für den </a:t>
-            </a:r>
-            <a:r>
-              <a:rPr lang="en-US" dirty="0" err="1"/>
-              <a:t>Splashscreen</a:t>
-            </a:r>
-            <a:r>
-              <a:rPr lang="en-US" dirty="0"/>
-              <a:t>.</a:t>
-            </a:r>
-          </a:p>
-          <a:p>
-            <a:r>
-              <a:rPr lang="en-US" dirty="0"/>
-              <a:t>Main.html für </a:t>
-            </a:r>
-            <a:r>
-              <a:rPr lang="en-US" dirty="0" err="1"/>
-              <a:t>Ansichten</a:t>
-            </a:r>
-            <a:r>
-              <a:rPr lang="en-US" dirty="0"/>
-              <a:t> der </a:t>
-            </a:r>
-            <a:r>
-              <a:rPr lang="en-US" dirty="0" err="1"/>
-              <a:t>Wetterstationen</a:t>
-            </a:r>
-            <a:endParaRPr lang="en-US" dirty="0"/>
-          </a:p>
-          <a:p>
-            <a:r>
-              <a:rPr lang="en-US" dirty="0"/>
-              <a:t>Und Graph.html für die Detail </a:t>
-            </a:r>
-            <a:r>
-              <a:rPr lang="en-US" dirty="0" err="1"/>
-              <a:t>ansicht</a:t>
-            </a:r>
-            <a:r>
-              <a:rPr lang="en-US" dirty="0"/>
-              <a:t> der </a:t>
-            </a:r>
-            <a:r>
-              <a:rPr lang="en-US" dirty="0" err="1"/>
-              <a:t>einzelnen</a:t>
-            </a:r>
-            <a:r>
-              <a:rPr lang="en-US" dirty="0"/>
-              <a:t> </a:t>
-            </a:r>
-            <a:r>
-              <a:rPr lang="en-US" dirty="0" err="1"/>
-              <a:t>Messwerte</a:t>
-            </a:r>
-            <a:r>
-              <a:rPr lang="en-US" dirty="0"/>
-              <a:t> und der Plots.</a:t>
-            </a:r>
-          </a:p>
-          <a:p>
-            <a:r>
-              <a:rPr lang="en-US" dirty="0"/>
-              <a:t>Ich </a:t>
-            </a:r>
-            <a:r>
-              <a:rPr lang="en-US" dirty="0" err="1"/>
-              <a:t>freue</a:t>
-            </a:r>
-            <a:r>
-              <a:rPr lang="en-US" dirty="0"/>
-              <a:t> </a:t>
-            </a:r>
-            <a:r>
-              <a:rPr lang="en-US" dirty="0" err="1"/>
-              <a:t>mich</a:t>
-            </a:r>
-            <a:r>
-              <a:rPr lang="en-US" dirty="0"/>
-              <a:t> nun </a:t>
-            </a:r>
-            <a:r>
-              <a:rPr lang="en-US" dirty="0" err="1"/>
-              <a:t>mein</a:t>
-            </a:r>
-            <a:r>
-              <a:rPr lang="en-US" dirty="0"/>
-              <a:t> Wort an Florin </a:t>
-            </a:r>
-            <a:r>
-              <a:rPr lang="en-US" dirty="0" err="1"/>
-              <a:t>weiter</a:t>
-            </a:r>
-            <a:r>
-              <a:rPr lang="en-US" dirty="0"/>
-              <a:t> </a:t>
-            </a:r>
-            <a:r>
-              <a:rPr lang="en-US" dirty="0" err="1"/>
-              <a:t>zugeben</a:t>
-            </a:r>
-            <a:r>
-              <a:rPr lang="en-US" dirty="0"/>
-              <a:t>.</a:t>
+              <a:t>Florin:</a:t>
             </a:r>
           </a:p>
         </p:txBody>
@@ -7613,7 +8037,7 @@
     </p:spTree>
     <p:extLst>
       <p:ext uri="{BB962C8B-B14F-4D97-AF65-F5344CB8AC3E}">
-        <p14:creationId xmlns:p14="http://schemas.microsoft.com/office/powerpoint/2010/main" val="3865265295"/>
+        <p14:creationId xmlns:p14="http://schemas.microsoft.com/office/powerpoint/2010/main" val="2214953838"/>
       </p:ext>
     </p:extLst>
   </p:cSld>
@@ -7672,6 +8096,479 @@
               <a:t>Florin:</a:t>
             </a:r>
           </a:p>
+          <a:p>
+            <a:endParaRPr lang="en-US" dirty="0"/>
+          </a:p>
+          <a:p>
+            <a:r>
+              <a:rPr lang="en-US" dirty="0" err="1"/>
+              <a:t>Hier</a:t>
+            </a:r>
+            <a:r>
+              <a:rPr lang="en-US" dirty="0"/>
+              <a:t> </a:t>
+            </a:r>
+            <a:r>
+              <a:rPr lang="en-US" dirty="0" err="1"/>
+              <a:t>ist</a:t>
+            </a:r>
+            <a:r>
+              <a:rPr lang="en-US" dirty="0"/>
+              <a:t> der </a:t>
+            </a:r>
+            <a:r>
+              <a:rPr lang="en-US" dirty="0" err="1"/>
+              <a:t>Entwurf</a:t>
+            </a:r>
+            <a:r>
+              <a:rPr lang="en-US" dirty="0"/>
+              <a:t> der </a:t>
+            </a:r>
+            <a:r>
+              <a:rPr lang="en-US" dirty="0" err="1"/>
+              <a:t>Startseite</a:t>
+            </a:r>
+            <a:r>
+              <a:rPr lang="en-US" dirty="0"/>
+              <a:t>. </a:t>
+            </a:r>
+          </a:p>
+          <a:p>
+            <a:r>
+              <a:rPr lang="en-US" dirty="0" err="1"/>
+              <a:t>Oben</a:t>
+            </a:r>
+            <a:r>
+              <a:rPr lang="en-US" dirty="0"/>
+              <a:t> </a:t>
+            </a:r>
+            <a:r>
+              <a:rPr lang="en-US" dirty="0" err="1"/>
+              <a:t>kann</a:t>
+            </a:r>
+            <a:r>
+              <a:rPr lang="en-US" dirty="0"/>
+              <a:t> </a:t>
+            </a:r>
+            <a:r>
+              <a:rPr lang="en-US" dirty="0" err="1"/>
+              <a:t>zwischen</a:t>
+            </a:r>
+            <a:r>
+              <a:rPr lang="en-US" dirty="0"/>
+              <a:t> den </a:t>
+            </a:r>
+            <a:r>
+              <a:rPr lang="en-US" dirty="0" err="1"/>
+              <a:t>beiden</a:t>
+            </a:r>
+            <a:r>
+              <a:rPr lang="en-US" dirty="0"/>
+              <a:t> </a:t>
+            </a:r>
+            <a:r>
+              <a:rPr lang="en-US" dirty="0" err="1"/>
+              <a:t>Wetterstationen</a:t>
+            </a:r>
+            <a:r>
+              <a:rPr lang="en-US" dirty="0"/>
+              <a:t> </a:t>
+            </a:r>
+            <a:r>
+              <a:rPr lang="en-US" dirty="0" err="1"/>
+              <a:t>hin</a:t>
+            </a:r>
+            <a:r>
+              <a:rPr lang="en-US" dirty="0"/>
+              <a:t> und her </a:t>
+            </a:r>
+            <a:r>
+              <a:rPr lang="en-US" dirty="0" err="1"/>
+              <a:t>gewechselt</a:t>
+            </a:r>
+            <a:r>
+              <a:rPr lang="en-US" dirty="0"/>
+              <a:t> </a:t>
+            </a:r>
+            <a:r>
+              <a:rPr lang="en-US" dirty="0" err="1"/>
+              <a:t>werden</a:t>
+            </a:r>
+            <a:r>
+              <a:rPr lang="en-US" dirty="0"/>
+              <a:t>. </a:t>
+            </a:r>
+            <a:r>
+              <a:rPr lang="en-US" dirty="0" err="1"/>
+              <a:t>Wir</a:t>
+            </a:r>
+            <a:r>
+              <a:rPr lang="en-US" dirty="0"/>
+              <a:t> </a:t>
+            </a:r>
+            <a:r>
+              <a:rPr lang="en-US" dirty="0" err="1"/>
+              <a:t>haben</a:t>
+            </a:r>
+            <a:r>
+              <a:rPr lang="en-US" dirty="0"/>
+              <a:t> die </a:t>
+            </a:r>
+            <a:r>
+              <a:rPr lang="en-US" dirty="0" err="1"/>
+              <a:t>Messungen</a:t>
+            </a:r>
+            <a:r>
+              <a:rPr lang="en-US" dirty="0"/>
+              <a:t> in 4 Gruppen </a:t>
+            </a:r>
+            <a:r>
+              <a:rPr lang="en-US" dirty="0" err="1"/>
+              <a:t>aufgeteilt</a:t>
+            </a:r>
+            <a:r>
+              <a:rPr lang="en-US" dirty="0"/>
+              <a:t>: Wind, </a:t>
+            </a:r>
+            <a:r>
+              <a:rPr lang="en-US" dirty="0" err="1"/>
+              <a:t>Temperaturen</a:t>
+            </a:r>
+            <a:r>
+              <a:rPr lang="en-US" dirty="0"/>
+              <a:t>, Wasser und </a:t>
+            </a:r>
+            <a:r>
+              <a:rPr lang="en-US" dirty="0" err="1"/>
+              <a:t>Warnungen</a:t>
+            </a:r>
+            <a:r>
+              <a:rPr lang="en-US" dirty="0"/>
+              <a:t>.</a:t>
+            </a:r>
+          </a:p>
+          <a:p>
+            <a:endParaRPr lang="en-US" dirty="0"/>
+          </a:p>
+          <a:p>
+            <a:r>
+              <a:rPr lang="en-US" dirty="0" err="1"/>
+              <a:t>Oben</a:t>
+            </a:r>
+            <a:r>
+              <a:rPr lang="en-US" dirty="0"/>
+              <a:t> </a:t>
+            </a:r>
+            <a:r>
+              <a:rPr lang="en-US" dirty="0" err="1"/>
+              <a:t>rechts</a:t>
+            </a:r>
+            <a:r>
+              <a:rPr lang="en-US" dirty="0"/>
+              <a:t> </a:t>
+            </a:r>
+            <a:r>
+              <a:rPr lang="en-US" dirty="0" err="1"/>
+              <a:t>wird</a:t>
+            </a:r>
+            <a:r>
+              <a:rPr lang="en-US" dirty="0"/>
+              <a:t> die </a:t>
+            </a:r>
+            <a:r>
+              <a:rPr lang="en-US" dirty="0" err="1"/>
+              <a:t>Windrichtung</a:t>
+            </a:r>
+            <a:r>
+              <a:rPr lang="en-US" dirty="0"/>
+              <a:t> </a:t>
+            </a:r>
+            <a:r>
+              <a:rPr lang="en-US" dirty="0" err="1"/>
+              <a:t>mithilfe</a:t>
+            </a:r>
+            <a:r>
+              <a:rPr lang="en-US" dirty="0"/>
+              <a:t> </a:t>
+            </a:r>
+            <a:r>
+              <a:rPr lang="en-US" dirty="0" err="1"/>
+              <a:t>einer</a:t>
+            </a:r>
+            <a:r>
+              <a:rPr lang="en-US" dirty="0"/>
+              <a:t> Windrose </a:t>
+            </a:r>
+            <a:r>
+              <a:rPr lang="en-US" dirty="0" err="1"/>
+              <a:t>dargestellt</a:t>
+            </a:r>
+            <a:r>
+              <a:rPr lang="en-US" dirty="0"/>
+              <a:t>. Bei den </a:t>
+            </a:r>
+            <a:r>
+              <a:rPr lang="en-US" dirty="0" err="1"/>
+              <a:t>Warnungen</a:t>
+            </a:r>
+            <a:r>
+              <a:rPr lang="en-US" dirty="0"/>
+              <a:t> </a:t>
+            </a:r>
+            <a:r>
+              <a:rPr lang="en-US" dirty="0" err="1"/>
+              <a:t>werden</a:t>
+            </a:r>
+            <a:r>
+              <a:rPr lang="en-US" dirty="0"/>
+              <a:t> </a:t>
+            </a:r>
+            <a:r>
+              <a:rPr lang="en-US" dirty="0" err="1"/>
+              <a:t>Wetterwarnungen</a:t>
+            </a:r>
+            <a:r>
+              <a:rPr lang="en-US" dirty="0"/>
+              <a:t> von </a:t>
+            </a:r>
+            <a:r>
+              <a:rPr lang="en-US" dirty="0" err="1"/>
+              <a:t>MeteoSwiss</a:t>
+            </a:r>
+            <a:r>
+              <a:rPr lang="en-US" dirty="0"/>
+              <a:t> </a:t>
+            </a:r>
+            <a:r>
+              <a:rPr lang="en-US" dirty="0" err="1"/>
+              <a:t>dargestellt</a:t>
+            </a:r>
+            <a:r>
+              <a:rPr lang="en-US" dirty="0"/>
+              <a:t>, </a:t>
+            </a:r>
+            <a:r>
+              <a:rPr lang="en-US" dirty="0" err="1"/>
+              <a:t>sowie</a:t>
+            </a:r>
+            <a:r>
+              <a:rPr lang="en-US" dirty="0"/>
+              <a:t> der </a:t>
+            </a:r>
+            <a:r>
+              <a:rPr lang="en-US" dirty="0" err="1"/>
+              <a:t>Sonnenauf</a:t>
+            </a:r>
+            <a:r>
+              <a:rPr lang="en-US" dirty="0"/>
+              <a:t>-/</a:t>
+            </a:r>
+            <a:r>
+              <a:rPr lang="en-US" dirty="0" err="1"/>
+              <a:t>untergang</a:t>
+            </a:r>
+            <a:r>
+              <a:rPr lang="en-US" dirty="0"/>
+              <a:t> und die </a:t>
+            </a:r>
+            <a:r>
+              <a:rPr lang="en-US" dirty="0" err="1"/>
+              <a:t>Strahlung</a:t>
+            </a:r>
+            <a:r>
+              <a:rPr lang="en-US" dirty="0"/>
+              <a:t>. Dazu </a:t>
+            </a:r>
+            <a:r>
+              <a:rPr lang="en-US" dirty="0" err="1"/>
+              <a:t>kommt</a:t>
+            </a:r>
+            <a:r>
+              <a:rPr lang="en-US" dirty="0"/>
+              <a:t> </a:t>
+            </a:r>
+            <a:r>
+              <a:rPr lang="en-US" dirty="0" err="1"/>
+              <a:t>noch</a:t>
+            </a:r>
+            <a:r>
+              <a:rPr lang="en-US" dirty="0"/>
+              <a:t> </a:t>
+            </a:r>
+            <a:r>
+              <a:rPr lang="en-US" dirty="0" err="1"/>
+              <a:t>ein</a:t>
+            </a:r>
+            <a:r>
+              <a:rPr lang="en-US" dirty="0"/>
+              <a:t> Online-Status, </a:t>
+            </a:r>
+            <a:r>
+              <a:rPr lang="en-US" dirty="0" err="1"/>
+              <a:t>damit</a:t>
+            </a:r>
+            <a:r>
+              <a:rPr lang="en-US" dirty="0"/>
+              <a:t> </a:t>
+            </a:r>
+            <a:r>
+              <a:rPr lang="en-US" dirty="0" err="1"/>
+              <a:t>weiss</a:t>
+            </a:r>
+            <a:r>
+              <a:rPr lang="en-US" dirty="0"/>
+              <a:t> der </a:t>
+            </a:r>
+            <a:r>
+              <a:rPr lang="en-US" dirty="0" err="1"/>
+              <a:t>Benutzer</a:t>
+            </a:r>
+            <a:r>
+              <a:rPr lang="en-US" dirty="0"/>
+              <a:t> </a:t>
+            </a:r>
+            <a:r>
+              <a:rPr lang="en-US" dirty="0" err="1"/>
+              <a:t>wie</a:t>
+            </a:r>
+            <a:r>
+              <a:rPr lang="en-US" dirty="0"/>
+              <a:t> </a:t>
+            </a:r>
+            <a:r>
+              <a:rPr lang="en-US" dirty="0" err="1"/>
+              <a:t>aktuell</a:t>
+            </a:r>
+            <a:r>
+              <a:rPr lang="en-US" dirty="0"/>
+              <a:t> die </a:t>
+            </a:r>
+            <a:r>
+              <a:rPr lang="en-US" dirty="0" err="1"/>
+              <a:t>Wetterdaten</a:t>
+            </a:r>
+            <a:r>
+              <a:rPr lang="en-US" dirty="0"/>
+              <a:t> </a:t>
+            </a:r>
+            <a:r>
+              <a:rPr lang="en-US" dirty="0" err="1"/>
+              <a:t>sind</a:t>
+            </a:r>
+            <a:r>
+              <a:rPr lang="en-US" dirty="0"/>
+              <a:t>.</a:t>
+            </a:r>
+          </a:p>
+          <a:p>
+            <a:endParaRPr lang="en-US" dirty="0"/>
+          </a:p>
+          <a:p>
+            <a:r>
+              <a:rPr lang="en-US" dirty="0" err="1"/>
+              <a:t>Wenn</a:t>
+            </a:r>
+            <a:r>
+              <a:rPr lang="en-US" dirty="0"/>
+              <a:t> man auf </a:t>
+            </a:r>
+            <a:r>
+              <a:rPr lang="en-US" dirty="0" err="1"/>
+              <a:t>eine</a:t>
+            </a:r>
+            <a:r>
+              <a:rPr lang="en-US" dirty="0"/>
+              <a:t> der </a:t>
+            </a:r>
+            <a:r>
+              <a:rPr lang="en-US" dirty="0" err="1"/>
+              <a:t>vier</a:t>
+            </a:r>
+            <a:r>
+              <a:rPr lang="en-US" dirty="0"/>
+              <a:t> </a:t>
+            </a:r>
+            <a:r>
+              <a:rPr lang="en-US" dirty="0" err="1"/>
+              <a:t>Kategorien</a:t>
+            </a:r>
+            <a:r>
+              <a:rPr lang="en-US" dirty="0"/>
+              <a:t> </a:t>
+            </a:r>
+            <a:r>
+              <a:rPr lang="en-US" dirty="0" err="1"/>
+              <a:t>klickt</a:t>
+            </a:r>
+            <a:r>
+              <a:rPr lang="en-US" dirty="0"/>
+              <a:t>, </a:t>
+            </a:r>
+            <a:r>
+              <a:rPr lang="en-US" dirty="0" err="1"/>
+              <a:t>kommt</a:t>
+            </a:r>
+            <a:r>
+              <a:rPr lang="en-US" dirty="0"/>
+              <a:t> </a:t>
+            </a:r>
+            <a:r>
+              <a:rPr lang="en-US" dirty="0" err="1"/>
+              <a:t>eine</a:t>
+            </a:r>
+            <a:r>
+              <a:rPr lang="en-US" dirty="0"/>
+              <a:t> </a:t>
+            </a:r>
+            <a:r>
+              <a:rPr lang="en-US" dirty="0" err="1"/>
+              <a:t>Detailansicht</a:t>
+            </a:r>
+            <a:r>
+              <a:rPr lang="en-US" dirty="0"/>
+              <a:t> </a:t>
+            </a:r>
+            <a:r>
+              <a:rPr lang="en-US" dirty="0" err="1"/>
+              <a:t>mit</a:t>
+            </a:r>
+            <a:r>
+              <a:rPr lang="en-US" dirty="0"/>
+              <a:t> </a:t>
+            </a:r>
+            <a:r>
+              <a:rPr lang="en-US" dirty="0" err="1"/>
+              <a:t>Visualisierungen</a:t>
+            </a:r>
+            <a:r>
+              <a:rPr lang="en-US" dirty="0"/>
+              <a:t> </a:t>
+            </a:r>
+            <a:r>
+              <a:rPr lang="en-US" dirty="0" err="1"/>
+              <a:t>zu</a:t>
+            </a:r>
+            <a:r>
+              <a:rPr lang="en-US" dirty="0"/>
+              <a:t> </a:t>
+            </a:r>
+            <a:r>
+              <a:rPr lang="en-US" dirty="0" err="1"/>
+              <a:t>diesen</a:t>
+            </a:r>
+            <a:r>
+              <a:rPr lang="en-US" dirty="0"/>
+              <a:t> </a:t>
+            </a:r>
+            <a:r>
+              <a:rPr lang="en-US" dirty="0" err="1"/>
+              <a:t>Messwerten</a:t>
+            </a:r>
+            <a:r>
+              <a:rPr lang="en-US" dirty="0"/>
+              <a:t>.</a:t>
+            </a:r>
+          </a:p>
         </p:txBody>
       </p:sp>
       <p:sp>
@@ -7700,7 +8597,7 @@
     </p:spTree>
     <p:extLst>
       <p:ext uri="{BB962C8B-B14F-4D97-AF65-F5344CB8AC3E}">
-        <p14:creationId xmlns:p14="http://schemas.microsoft.com/office/powerpoint/2010/main" val="2214953838"/>
+        <p14:creationId xmlns:p14="http://schemas.microsoft.com/office/powerpoint/2010/main" val="1192728714"/>
       </p:ext>
     </p:extLst>
   </p:cSld>
@@ -7765,27 +8662,99 @@
           <a:p>
             <a:r>
               <a:rPr lang="en-US" dirty="0"/>
-              <a:t>Schon </a:t>
-            </a:r>
-            <a:r>
-              <a:rPr lang="en-US" dirty="0" err="1"/>
-              <a:t>viel</a:t>
-            </a:r>
-            <a:r>
-              <a:rPr lang="en-US" dirty="0"/>
-              <a:t> </a:t>
-            </a:r>
-            <a:r>
-              <a:rPr lang="en-US" dirty="0" err="1"/>
-              <a:t>danach</a:t>
-            </a:r>
-            <a:r>
-              <a:rPr lang="en-US" dirty="0"/>
-              <a:t> </a:t>
-            </a:r>
-            <a:r>
-              <a:rPr lang="en-US" dirty="0" err="1"/>
-              <a:t>umgesetzt</a:t>
+              <a:t>Dies </a:t>
+            </a:r>
+            <a:r>
+              <a:rPr lang="en-US" dirty="0" err="1"/>
+              <a:t>bringt</a:t>
+            </a:r>
+            <a:r>
+              <a:rPr lang="en-US" dirty="0"/>
+              <a:t> </a:t>
+            </a:r>
+            <a:r>
+              <a:rPr lang="en-US" dirty="0" err="1"/>
+              <a:t>uns</a:t>
+            </a:r>
+            <a:r>
+              <a:rPr lang="en-US" dirty="0"/>
+              <a:t> </a:t>
+            </a:r>
+            <a:r>
+              <a:rPr lang="en-US" dirty="0" err="1"/>
+              <a:t>schon</a:t>
+            </a:r>
+            <a:r>
+              <a:rPr lang="en-US" dirty="0"/>
+              <a:t> auf die </a:t>
+            </a:r>
+            <a:r>
+              <a:rPr lang="en-US" dirty="0" err="1"/>
+              <a:t>nächste</a:t>
+            </a:r>
+            <a:r>
+              <a:rPr lang="en-US" dirty="0"/>
+              <a:t> </a:t>
+            </a:r>
+            <a:r>
+              <a:rPr lang="en-US" dirty="0" err="1"/>
+              <a:t>Seite</a:t>
+            </a:r>
+            <a:r>
+              <a:rPr lang="en-US" dirty="0"/>
+              <a:t>. </a:t>
+            </a:r>
+            <a:r>
+              <a:rPr lang="en-US" dirty="0" err="1"/>
+              <a:t>Wir</a:t>
+            </a:r>
+            <a:r>
+              <a:rPr lang="en-US" dirty="0"/>
+              <a:t> </a:t>
+            </a:r>
+            <a:r>
+              <a:rPr lang="en-US" dirty="0" err="1"/>
+              <a:t>haben</a:t>
+            </a:r>
+            <a:r>
+              <a:rPr lang="en-US" dirty="0"/>
+              <a:t> </a:t>
+            </a:r>
+            <a:r>
+              <a:rPr lang="en-US" dirty="0" err="1"/>
+              <a:t>hier</a:t>
+            </a:r>
+            <a:r>
+              <a:rPr lang="en-US" dirty="0"/>
+              <a:t> mal die </a:t>
+            </a:r>
+            <a:r>
+              <a:rPr lang="en-US" dirty="0" err="1"/>
+              <a:t>Detailansicht</a:t>
+            </a:r>
+            <a:r>
+              <a:rPr lang="en-US" dirty="0"/>
+              <a:t> für den Wind </a:t>
+            </a:r>
+            <a:r>
+              <a:rPr lang="en-US" dirty="0" err="1"/>
+              <a:t>skiziert</a:t>
+            </a:r>
+            <a:r>
+              <a:rPr lang="en-US" dirty="0"/>
+              <a:t>. Auf dem Plot </a:t>
+            </a:r>
+            <a:r>
+              <a:rPr lang="en-US" dirty="0" err="1"/>
+              <a:t>wird</a:t>
+            </a:r>
+            <a:r>
+              <a:rPr lang="en-US" dirty="0"/>
+              <a:t> die </a:t>
+            </a:r>
+            <a:r>
+              <a:rPr lang="en-US" dirty="0" err="1"/>
+              <a:t>Windrichtung</a:t>
             </a:r>
             <a:r>
               <a:rPr lang="en-US" dirty="0"/>
@@ -7793,20 +8762,243 @@
             </a:r>
             <a:r>
               <a:rPr lang="en-US" dirty="0" err="1"/>
-              <a:t>weitere</a:t>
-            </a:r>
-            <a:r>
-              <a:rPr lang="en-US" dirty="0"/>
-              <a:t> Features und </a:t>
-            </a:r>
-            <a:r>
-              <a:rPr lang="en-US" dirty="0" err="1"/>
-              <a:t>wieso</a:t>
+              <a:t>sowie</a:t>
+            </a:r>
+            <a:r>
+              <a:rPr lang="en-US" dirty="0"/>
+              <a:t> die </a:t>
+            </a:r>
+            <a:r>
+              <a:rPr lang="en-US" dirty="0" err="1"/>
+              <a:t>Windgeschwindigkeit</a:t>
+            </a:r>
+            <a:r>
+              <a:rPr lang="en-US" dirty="0"/>
+              <a:t>, </a:t>
+            </a:r>
+            <a:r>
+              <a:rPr lang="en-US" dirty="0" err="1"/>
+              <a:t>Windstärke</a:t>
+            </a:r>
+            <a:r>
+              <a:rPr lang="en-US" dirty="0"/>
+              <a:t> und </a:t>
+            </a:r>
+            <a:r>
+              <a:rPr lang="en-US" dirty="0" err="1"/>
+              <a:t>Windböen</a:t>
+            </a:r>
+            <a:r>
+              <a:rPr lang="en-US" dirty="0"/>
+              <a:t> </a:t>
+            </a:r>
+            <a:r>
+              <a:rPr lang="en-US" dirty="0" err="1"/>
+              <a:t>dargestellt</a:t>
+            </a:r>
+            <a:r>
+              <a:rPr lang="en-US" dirty="0"/>
+              <a:t>. </a:t>
+            </a:r>
+            <a:r>
+              <a:rPr lang="en-US" dirty="0" err="1"/>
+              <a:t>Durch</a:t>
+            </a:r>
+            <a:r>
+              <a:rPr lang="en-US" dirty="0"/>
+              <a:t> </a:t>
+            </a:r>
+            <a:r>
+              <a:rPr lang="en-US" dirty="0" err="1"/>
+              <a:t>einfaches</a:t>
+            </a:r>
+            <a:r>
+              <a:rPr lang="en-US" dirty="0"/>
+              <a:t> </a:t>
+            </a:r>
+            <a:r>
+              <a:rPr lang="en-US" dirty="0" err="1"/>
+              <a:t>tippen</a:t>
+            </a:r>
+            <a:r>
+              <a:rPr lang="en-US" dirty="0"/>
+              <a:t> </a:t>
+            </a:r>
+            <a:r>
+              <a:rPr lang="en-US" dirty="0" err="1"/>
+              <a:t>gelangt</a:t>
+            </a:r>
+            <a:r>
+              <a:rPr lang="en-US" dirty="0"/>
+              <a:t> man </a:t>
+            </a:r>
+            <a:r>
+              <a:rPr lang="en-US" dirty="0" err="1"/>
+              <a:t>wieder</a:t>
+            </a:r>
+            <a:r>
+              <a:rPr lang="en-US" dirty="0"/>
+              <a:t> auf die </a:t>
+            </a:r>
+            <a:r>
+              <a:rPr lang="en-US" dirty="0" err="1"/>
+              <a:t>vorherige</a:t>
+            </a:r>
+            <a:r>
+              <a:rPr lang="en-US" dirty="0"/>
+              <a:t> </a:t>
+            </a:r>
+            <a:r>
+              <a:rPr lang="en-US" dirty="0" err="1"/>
+              <a:t>Seite</a:t>
+            </a:r>
+            <a:r>
+              <a:rPr lang="en-US" dirty="0"/>
+              <a:t> </a:t>
+            </a:r>
+            <a:r>
+              <a:rPr lang="en-US" dirty="0" err="1"/>
+              <a:t>zurück</a:t>
+            </a:r>
+            <a:r>
+              <a:rPr lang="en-US" dirty="0"/>
+              <a:t>. Und </a:t>
+            </a:r>
+            <a:r>
+              <a:rPr lang="en-US" dirty="0" err="1"/>
+              <a:t>durch</a:t>
+            </a:r>
+            <a:r>
+              <a:rPr lang="en-US" dirty="0"/>
+              <a:t> </a:t>
+            </a:r>
+            <a:r>
+              <a:rPr lang="en-US" dirty="0" err="1"/>
+              <a:t>scrollen</a:t>
+            </a:r>
+            <a:r>
+              <a:rPr lang="en-US" dirty="0"/>
+              <a:t> </a:t>
+            </a:r>
+            <a:r>
+              <a:rPr lang="en-US" dirty="0" err="1"/>
+              <a:t>nach</a:t>
+            </a:r>
+            <a:r>
+              <a:rPr lang="en-US" dirty="0"/>
+              <a:t> links/</a:t>
+            </a:r>
+            <a:r>
+              <a:rPr lang="en-US" dirty="0" err="1"/>
+              <a:t>rechts</a:t>
+            </a:r>
+            <a:r>
+              <a:rPr lang="en-US" dirty="0"/>
+              <a:t> </a:t>
+            </a:r>
+            <a:r>
+              <a:rPr lang="en-US" dirty="0" err="1"/>
+              <a:t>kann</a:t>
+            </a:r>
+            <a:r>
+              <a:rPr lang="en-US" dirty="0"/>
+              <a:t> </a:t>
+            </a:r>
+            <a:r>
+              <a:rPr lang="en-US" dirty="0" err="1"/>
+              <a:t>weiter</a:t>
+            </a:r>
+            <a:r>
+              <a:rPr lang="en-US" dirty="0"/>
+              <a:t> in die </a:t>
+            </a:r>
+            <a:r>
+              <a:rPr lang="en-US" dirty="0" err="1"/>
+              <a:t>Vergangenheit</a:t>
+            </a:r>
+            <a:r>
+              <a:rPr lang="en-US" dirty="0"/>
+              <a:t> </a:t>
+            </a:r>
+            <a:r>
+              <a:rPr lang="en-US" dirty="0" err="1"/>
+              <a:t>geschaut</a:t>
+            </a:r>
+            <a:r>
+              <a:rPr lang="en-US" dirty="0"/>
+              <a:t> </a:t>
+            </a:r>
+            <a:r>
+              <a:rPr lang="en-US" dirty="0" err="1"/>
+              <a:t>werden</a:t>
+            </a:r>
+            <a:r>
+              <a:rPr lang="en-US" dirty="0"/>
+              <a:t>, </a:t>
+            </a:r>
+            <a:r>
+              <a:rPr lang="en-US" dirty="0" err="1"/>
+              <a:t>respektive</a:t>
+            </a:r>
+            <a:r>
+              <a:rPr lang="en-US" dirty="0"/>
+              <a:t> </a:t>
+            </a:r>
+            <a:r>
+              <a:rPr lang="en-US" dirty="0" err="1"/>
+              <a:t>sogar</a:t>
+            </a:r>
+            <a:r>
+              <a:rPr lang="en-US" dirty="0"/>
+              <a:t> in die Zukunft.</a:t>
+            </a:r>
+          </a:p>
+          <a:p>
+            <a:endParaRPr lang="en-US" dirty="0"/>
+          </a:p>
+          <a:p>
+            <a:r>
+              <a:rPr lang="en-US" dirty="0"/>
+              <a:t>Die Plots </a:t>
+            </a:r>
+            <a:r>
+              <a:rPr lang="en-US" dirty="0" err="1"/>
+              <a:t>sollen</a:t>
+            </a:r>
+            <a:r>
+              <a:rPr lang="en-US" dirty="0"/>
+              <a:t> </a:t>
+            </a:r>
+            <a:r>
+              <a:rPr lang="en-US" dirty="0" err="1"/>
+              <a:t>ähnlich</a:t>
+            </a:r>
+            <a:r>
+              <a:rPr lang="en-US" dirty="0"/>
+              <a:t> für Wasser und </a:t>
+            </a:r>
+            <a:r>
+              <a:rPr lang="en-US" dirty="0" err="1"/>
+              <a:t>Temperatur</a:t>
+            </a:r>
+            <a:r>
+              <a:rPr lang="en-US" dirty="0"/>
+              <a:t> </a:t>
+            </a:r>
+            <a:r>
+              <a:rPr lang="en-US" dirty="0" err="1"/>
+              <a:t>aussehen</a:t>
             </a:r>
             <a:r>
               <a:rPr lang="en-US" dirty="0"/>
               <a:t>.</a:t>
             </a:r>
+          </a:p>
+          <a:p>
+            <a:endParaRPr lang="en-US" dirty="0"/>
+          </a:p>
+          <a:p>
+            <a:endParaRPr lang="en-US" dirty="0"/>
           </a:p>
         </p:txBody>
       </p:sp>
@@ -7836,7 +9028,7 @@
     </p:spTree>
     <p:extLst>
       <p:ext uri="{BB962C8B-B14F-4D97-AF65-F5344CB8AC3E}">
-        <p14:creationId xmlns:p14="http://schemas.microsoft.com/office/powerpoint/2010/main" val="1192728714"/>
+        <p14:creationId xmlns:p14="http://schemas.microsoft.com/office/powerpoint/2010/main" val="1563682470"/>
       </p:ext>
     </p:extLst>
   </p:cSld>
@@ -7895,6 +9087,255 @@
               <a:t>Florin:</a:t>
             </a:r>
           </a:p>
+          <a:p>
+            <a:endParaRPr lang="en-US" dirty="0"/>
+          </a:p>
+          <a:p>
+            <a:r>
+              <a:rPr lang="en-US" dirty="0"/>
+              <a:t>Die </a:t>
+            </a:r>
+            <a:r>
+              <a:rPr lang="en-US" dirty="0" err="1"/>
+              <a:t>Detailansicht</a:t>
+            </a:r>
+            <a:r>
+              <a:rPr lang="en-US" dirty="0"/>
+              <a:t> für die </a:t>
+            </a:r>
+            <a:r>
+              <a:rPr lang="en-US" dirty="0" err="1"/>
+              <a:t>Warnungen</a:t>
+            </a:r>
+            <a:r>
+              <a:rPr lang="en-US" dirty="0"/>
+              <a:t> </a:t>
+            </a:r>
+            <a:r>
+              <a:rPr lang="en-US" dirty="0" err="1"/>
+              <a:t>sieht</a:t>
+            </a:r>
+            <a:r>
+              <a:rPr lang="en-US" dirty="0"/>
+              <a:t> </a:t>
+            </a:r>
+            <a:r>
+              <a:rPr lang="en-US" dirty="0" err="1"/>
+              <a:t>ein</a:t>
+            </a:r>
+            <a:r>
+              <a:rPr lang="en-US" dirty="0"/>
+              <a:t> </a:t>
+            </a:r>
+            <a:r>
+              <a:rPr lang="en-US" dirty="0" err="1"/>
+              <a:t>bisschen</a:t>
+            </a:r>
+            <a:r>
+              <a:rPr lang="en-US" dirty="0"/>
+              <a:t> </a:t>
+            </a:r>
+            <a:r>
+              <a:rPr lang="en-US" dirty="0" err="1"/>
+              <a:t>anders</a:t>
+            </a:r>
+            <a:r>
+              <a:rPr lang="en-US" dirty="0"/>
+              <a:t> </a:t>
+            </a:r>
+            <a:r>
+              <a:rPr lang="en-US" dirty="0" err="1"/>
+              <a:t>aus.</a:t>
+            </a:r>
+            <a:r>
+              <a:rPr lang="en-US" dirty="0"/>
+              <a:t> </a:t>
+            </a:r>
+            <a:r>
+              <a:rPr lang="en-US" dirty="0" err="1"/>
+              <a:t>Hier</a:t>
+            </a:r>
+            <a:r>
+              <a:rPr lang="en-US" dirty="0"/>
+              <a:t> </a:t>
+            </a:r>
+            <a:r>
+              <a:rPr lang="en-US" dirty="0" err="1"/>
+              <a:t>sollen</a:t>
+            </a:r>
+            <a:r>
+              <a:rPr lang="en-US" dirty="0"/>
+              <a:t> die </a:t>
+            </a:r>
+            <a:r>
+              <a:rPr lang="en-US" dirty="0" err="1"/>
+              <a:t>aktuellen</a:t>
+            </a:r>
+            <a:r>
+              <a:rPr lang="en-US" dirty="0"/>
+              <a:t> </a:t>
+            </a:r>
+            <a:r>
+              <a:rPr lang="en-US" dirty="0" err="1"/>
+              <a:t>Warnungen</a:t>
+            </a:r>
+            <a:r>
+              <a:rPr lang="en-US" dirty="0"/>
+              <a:t> und die der </a:t>
+            </a:r>
+            <a:r>
+              <a:rPr lang="en-US" dirty="0" err="1"/>
+              <a:t>letzten</a:t>
+            </a:r>
+            <a:r>
+              <a:rPr lang="en-US" dirty="0"/>
+              <a:t> Sieben </a:t>
+            </a:r>
+            <a:r>
+              <a:rPr lang="en-US" dirty="0" err="1"/>
+              <a:t>Tage</a:t>
+            </a:r>
+            <a:r>
+              <a:rPr lang="en-US" dirty="0"/>
+              <a:t> </a:t>
+            </a:r>
+            <a:r>
+              <a:rPr lang="en-US" dirty="0" err="1"/>
+              <a:t>dargestellt</a:t>
+            </a:r>
+            <a:r>
+              <a:rPr lang="en-US" dirty="0"/>
+              <a:t> </a:t>
+            </a:r>
+            <a:r>
+              <a:rPr lang="en-US" dirty="0" err="1"/>
+              <a:t>werden</a:t>
+            </a:r>
+            <a:r>
+              <a:rPr lang="en-US" dirty="0"/>
+              <a:t>. Auch </a:t>
+            </a:r>
+            <a:r>
+              <a:rPr lang="en-US" dirty="0" err="1"/>
+              <a:t>sind</a:t>
+            </a:r>
+            <a:r>
+              <a:rPr lang="en-US" dirty="0"/>
+              <a:t> </a:t>
+            </a:r>
+            <a:r>
+              <a:rPr lang="en-US" dirty="0" err="1"/>
+              <a:t>hier</a:t>
+            </a:r>
+            <a:r>
+              <a:rPr lang="en-US" dirty="0"/>
+              <a:t> </a:t>
+            </a:r>
+            <a:r>
+              <a:rPr lang="en-US" dirty="0" err="1"/>
+              <a:t>wieder</a:t>
+            </a:r>
+            <a:r>
+              <a:rPr lang="en-US" dirty="0"/>
+              <a:t> </a:t>
+            </a:r>
+            <a:r>
+              <a:rPr lang="en-US" dirty="0" err="1"/>
+              <a:t>Sonnenauf</a:t>
+            </a:r>
+            <a:r>
+              <a:rPr lang="en-US" dirty="0"/>
+              <a:t> und </a:t>
+            </a:r>
+            <a:r>
+              <a:rPr lang="en-US" dirty="0" err="1"/>
+              <a:t>Untergang</a:t>
+            </a:r>
+            <a:r>
+              <a:rPr lang="en-US" dirty="0"/>
+              <a:t> </a:t>
+            </a:r>
+            <a:r>
+              <a:rPr lang="en-US" dirty="0" err="1"/>
+              <a:t>sowie</a:t>
+            </a:r>
+            <a:r>
+              <a:rPr lang="en-US" dirty="0"/>
+              <a:t> der </a:t>
+            </a:r>
+            <a:r>
+              <a:rPr lang="en-US" dirty="0" err="1"/>
+              <a:t>Onlinestatus</a:t>
+            </a:r>
+            <a:r>
+              <a:rPr lang="en-US" dirty="0"/>
+              <a:t> </a:t>
+            </a:r>
+            <a:r>
+              <a:rPr lang="en-US" dirty="0" err="1"/>
+              <a:t>zu</a:t>
+            </a:r>
+            <a:r>
+              <a:rPr lang="en-US" dirty="0"/>
+              <a:t> </a:t>
+            </a:r>
+            <a:r>
+              <a:rPr lang="en-US" dirty="0" err="1"/>
+              <a:t>finden</a:t>
+            </a:r>
+            <a:r>
+              <a:rPr lang="en-US" dirty="0"/>
+              <a:t>. Bei der </a:t>
+            </a:r>
+            <a:r>
+              <a:rPr lang="en-US" dirty="0" err="1"/>
+              <a:t>Strahlung</a:t>
+            </a:r>
+            <a:r>
+              <a:rPr lang="en-US" dirty="0"/>
+              <a:t> </a:t>
+            </a:r>
+            <a:r>
+              <a:rPr lang="en-US" dirty="0" err="1"/>
+              <a:t>soll</a:t>
+            </a:r>
+            <a:r>
+              <a:rPr lang="en-US" dirty="0"/>
+              <a:t> </a:t>
+            </a:r>
+            <a:r>
+              <a:rPr lang="en-US" dirty="0" err="1"/>
+              <a:t>zusätzlich</a:t>
+            </a:r>
+            <a:r>
+              <a:rPr lang="en-US" dirty="0"/>
+              <a:t> das 7-Tage minimum </a:t>
+            </a:r>
+            <a:r>
+              <a:rPr lang="en-US" dirty="0" err="1"/>
+              <a:t>sowie</a:t>
+            </a:r>
+            <a:r>
+              <a:rPr lang="en-US" dirty="0"/>
+              <a:t> das 7-Tage maximum </a:t>
+            </a:r>
+            <a:r>
+              <a:rPr lang="en-US" dirty="0" err="1"/>
+              <a:t>dargestellt</a:t>
+            </a:r>
+            <a:r>
+              <a:rPr lang="en-US" dirty="0"/>
+              <a:t> </a:t>
+            </a:r>
+            <a:r>
+              <a:rPr lang="en-US" dirty="0" err="1"/>
+              <a:t>werden</a:t>
+            </a:r>
+            <a:r>
+              <a:rPr lang="en-US" dirty="0"/>
+              <a:t>.</a:t>
+            </a:r>
+          </a:p>
         </p:txBody>
       </p:sp>
       <p:sp>
@@ -7923,7 +9364,7 @@
     </p:spTree>
     <p:extLst>
       <p:ext uri="{BB962C8B-B14F-4D97-AF65-F5344CB8AC3E}">
-        <p14:creationId xmlns:p14="http://schemas.microsoft.com/office/powerpoint/2010/main" val="1563682470"/>
+        <p14:creationId xmlns:p14="http://schemas.microsoft.com/office/powerpoint/2010/main" val="3838138806"/>
       </p:ext>
     </p:extLst>
   </p:cSld>
@@ -8010,7 +9451,7 @@
     </p:spTree>
     <p:extLst>
       <p:ext uri="{BB962C8B-B14F-4D97-AF65-F5344CB8AC3E}">
-        <p14:creationId xmlns:p14="http://schemas.microsoft.com/office/powerpoint/2010/main" val="3838138806"/>
+        <p14:creationId xmlns:p14="http://schemas.microsoft.com/office/powerpoint/2010/main" val="2860594885"/>
       </p:ext>
     </p:extLst>
   </p:cSld>
@@ -8069,6 +9510,55 @@
               <a:t>Florin:</a:t>
             </a:r>
           </a:p>
+          <a:p>
+            <a:endParaRPr lang="en-US" dirty="0"/>
+          </a:p>
+          <a:p>
+            <a:r>
+              <a:rPr lang="en-US" dirty="0"/>
+              <a:t>Nun </a:t>
+            </a:r>
+            <a:r>
+              <a:rPr lang="en-US" dirty="0" err="1"/>
+              <a:t>werde</a:t>
+            </a:r>
+            <a:r>
+              <a:rPr lang="en-US" dirty="0"/>
+              <a:t> ich </a:t>
+            </a:r>
+            <a:r>
+              <a:rPr lang="en-US" dirty="0" err="1"/>
+              <a:t>euch</a:t>
+            </a:r>
+            <a:r>
+              <a:rPr lang="en-US" dirty="0"/>
+              <a:t> </a:t>
+            </a:r>
+            <a:r>
+              <a:rPr lang="en-US" dirty="0" err="1"/>
+              <a:t>noch</a:t>
+            </a:r>
+            <a:r>
+              <a:rPr lang="en-US" dirty="0"/>
+              <a:t> das </a:t>
+            </a:r>
+            <a:r>
+              <a:rPr lang="en-US" dirty="0" err="1"/>
+              <a:t>Endresultat</a:t>
+            </a:r>
+            <a:r>
+              <a:rPr lang="en-US" dirty="0"/>
+              <a:t> live </a:t>
+            </a:r>
+            <a:r>
+              <a:rPr lang="en-US" dirty="0" err="1"/>
+              <a:t>zeigen</a:t>
+            </a:r>
+            <a:r>
+              <a:rPr lang="en-US" dirty="0"/>
+              <a:t>.</a:t>
+            </a:r>
+          </a:p>
         </p:txBody>
       </p:sp>
       <p:sp>
@@ -8097,7 +9587,7 @@
     </p:spTree>
     <p:extLst>
       <p:ext uri="{BB962C8B-B14F-4D97-AF65-F5344CB8AC3E}">
-        <p14:creationId xmlns:p14="http://schemas.microsoft.com/office/powerpoint/2010/main" val="2860594885"/>
+        <p14:creationId xmlns:p14="http://schemas.microsoft.com/office/powerpoint/2010/main" val="2329928541"/>
       </p:ext>
     </p:extLst>
   </p:cSld>
@@ -8400,7 +9890,7 @@
     </p:spTree>
     <p:extLst>
       <p:ext uri="{BB962C8B-B14F-4D97-AF65-F5344CB8AC3E}">
-        <p14:creationId xmlns:p14="http://schemas.microsoft.com/office/powerpoint/2010/main" val="2329928541"/>
+        <p14:creationId xmlns:p14="http://schemas.microsoft.com/office/powerpoint/2010/main" val="1078218927"/>
       </p:ext>
     </p:extLst>
   </p:cSld>
@@ -8455,8 +9945,74 @@
           <a:lstStyle/>
           <a:p>
             <a:r>
-              <a:rPr lang="en-US" dirty="0"/>
+              <a:rPr lang="de-CH" noProof="0" dirty="0"/>
               <a:t>Florin:</a:t>
+            </a:r>
+          </a:p>
+          <a:p>
+            <a:endParaRPr lang="de-CH" noProof="0" dirty="0"/>
+          </a:p>
+          <a:p>
+            <a:r>
+              <a:rPr lang="de-CH" noProof="0" dirty="0"/>
+              <a:t>Wie schon in den GUI </a:t>
+            </a:r>
+            <a:r>
+              <a:rPr lang="de-CH" noProof="0" dirty="0" err="1"/>
+              <a:t>sketches</a:t>
+            </a:r>
+            <a:r>
+              <a:rPr lang="de-CH" noProof="0" dirty="0"/>
+              <a:t> erwähnt, gibt es noch Weiterentwicklungsmöglichkeiten. </a:t>
+            </a:r>
+          </a:p>
+          <a:p>
+            <a:endParaRPr lang="de-CH" noProof="0" dirty="0"/>
+          </a:p>
+          <a:p>
+            <a:r>
+              <a:rPr lang="de-CH" noProof="0" dirty="0"/>
+              <a:t>Unten links bei den Warnungen, möchten wir die Warnungen von </a:t>
+            </a:r>
+            <a:r>
+              <a:rPr lang="de-CH" noProof="0" dirty="0" err="1"/>
+              <a:t>Meteoswiss</a:t>
+            </a:r>
+            <a:r>
+              <a:rPr lang="de-CH" noProof="0" dirty="0"/>
+              <a:t> und den </a:t>
+            </a:r>
+            <a:r>
+              <a:rPr lang="de-CH" noProof="0" dirty="0" err="1"/>
+              <a:t>Sonnenauf</a:t>
+            </a:r>
+            <a:r>
+              <a:rPr lang="de-CH" noProof="0" dirty="0"/>
+              <a:t>/-untergang anzeigen.</a:t>
+            </a:r>
+          </a:p>
+          <a:p>
+            <a:r>
+              <a:rPr lang="de-CH" noProof="0" dirty="0"/>
+              <a:t>Die Warnungen sollen Segler von einem aufkommenden Gewitter warnen. Und für die Segler ist es auch gut zu Wissen, ab wann sie nicht mehr viel auf dem See sehen werden.</a:t>
+            </a:r>
+          </a:p>
+          <a:p>
+            <a:endParaRPr lang="de-CH" noProof="0" dirty="0"/>
+          </a:p>
+          <a:p>
+            <a:r>
+              <a:rPr lang="de-CH" noProof="0" dirty="0"/>
+              <a:t>Ein weiteres Feature wäre, zu im Wettermonitor anzuzeigen ob gesegelt werden soll. Diese Information sollten die Segler via SMS oder E-Mail erhalten, bevor sie das Haus verlassen. </a:t>
+            </a:r>
+          </a:p>
+          <a:p>
+            <a:endParaRPr lang="de-CH" noProof="0" dirty="0"/>
+          </a:p>
+          <a:p>
+            <a:r>
+              <a:rPr lang="de-CH" noProof="0" dirty="0"/>
+              <a:t>Wir würden gerne noch die Satellitenkarte letzten paar Stunden darstellen. Dann können die Segler die Entwicklung der Bewölkung abschätzen.</a:t>
             </a:r>
           </a:p>
         </p:txBody>
@@ -8487,7 +10043,7 @@
     </p:spTree>
     <p:extLst>
       <p:ext uri="{BB962C8B-B14F-4D97-AF65-F5344CB8AC3E}">
-        <p14:creationId xmlns:p14="http://schemas.microsoft.com/office/powerpoint/2010/main" val="1078218927"/>
+        <p14:creationId xmlns:p14="http://schemas.microsoft.com/office/powerpoint/2010/main" val="612389631"/>
       </p:ext>
     </p:extLst>
   </p:cSld>
@@ -8566,93 +10122,6 @@
             <a:fld id="{D4CE1BAB-7B68-4C87-8549-54F078DDFB49}" type="slidenum">
               <a:rPr lang="en-CH" smtClean="0"/>
               <a:t>42</a:t>
-            </a:fld>
-            <a:endParaRPr lang="en-CH"/>
-          </a:p>
-        </p:txBody>
-      </p:sp>
-    </p:spTree>
-    <p:extLst>
-      <p:ext uri="{BB962C8B-B14F-4D97-AF65-F5344CB8AC3E}">
-        <p14:creationId xmlns:p14="http://schemas.microsoft.com/office/powerpoint/2010/main" val="612389631"/>
-      </p:ext>
-    </p:extLst>
-  </p:cSld>
-  <p:clrMapOvr>
-    <a:masterClrMapping/>
-  </p:clrMapOvr>
-</p:notes>
-</file>
-
-<file path=ppt/notesSlides/notesSlide43.xml><?xml version="1.0" encoding="utf-8"?>
-<p:notes xmlns:a="http://schemas.openxmlformats.org/drawingml/2006/main" xmlns:r="http://schemas.openxmlformats.org/officeDocument/2006/relationships" xmlns:p="http://schemas.openxmlformats.org/presentationml/2006/main">
-  <p:cSld>
-    <p:spTree>
-      <p:nvGrpSpPr>
-        <p:cNvPr id="1" name=""/>
-        <p:cNvGrpSpPr/>
-        <p:nvPr/>
-      </p:nvGrpSpPr>
-      <p:grpSpPr>
-        <a:xfrm>
-          <a:off x="0" y="0"/>
-          <a:ext cx="0" cy="0"/>
-          <a:chOff x="0" y="0"/>
-          <a:chExt cx="0" cy="0"/>
-        </a:xfrm>
-      </p:grpSpPr>
-      <p:sp>
-        <p:nvSpPr>
-          <p:cNvPr id="2" name="Folienbildplatzhalter 1"/>
-          <p:cNvSpPr>
-            <a:spLocks noGrp="1" noRot="1" noChangeAspect="1"/>
-          </p:cNvSpPr>
-          <p:nvPr>
-            <p:ph type="sldImg"/>
-          </p:nvPr>
-        </p:nvSpPr>
-        <p:spPr/>
-      </p:sp>
-      <p:sp>
-        <p:nvSpPr>
-          <p:cNvPr id="3" name="Notizenplatzhalter 2"/>
-          <p:cNvSpPr>
-            <a:spLocks noGrp="1"/>
-          </p:cNvSpPr>
-          <p:nvPr>
-            <p:ph type="body" idx="1"/>
-          </p:nvPr>
-        </p:nvSpPr>
-        <p:spPr/>
-        <p:txBody>
-          <a:bodyPr/>
-          <a:lstStyle/>
-          <a:p>
-            <a:r>
-              <a:rPr lang="en-US" dirty="0"/>
-              <a:t>Florin:</a:t>
-            </a:r>
-          </a:p>
-        </p:txBody>
-      </p:sp>
-      <p:sp>
-        <p:nvSpPr>
-          <p:cNvPr id="4" name="Foliennummernplatzhalter 3"/>
-          <p:cNvSpPr>
-            <a:spLocks noGrp="1"/>
-          </p:cNvSpPr>
-          <p:nvPr>
-            <p:ph type="sldNum" sz="quarter" idx="5"/>
-          </p:nvPr>
-        </p:nvSpPr>
-        <p:spPr/>
-        <p:txBody>
-          <a:bodyPr/>
-          <a:lstStyle/>
-          <a:p>
-            <a:fld id="{D4CE1BAB-7B68-4C87-8549-54F078DDFB49}" type="slidenum">
-              <a:rPr lang="en-CH" smtClean="0"/>
-              <a:t>43</a:t>
             </a:fld>
             <a:endParaRPr lang="en-CH"/>
           </a:p>
@@ -9903,7 +11372,7 @@
           <a:p>
             <a:fld id="{D71E13D6-B070-45C8-AC42-90F25AD4976F}" type="datetime8">
               <a:rPr lang="en-CH" smtClean="0"/>
-              <a:t>01/27/2022 08:06</a:t>
+              <a:t>27/01/2022 09:39</a:t>
             </a:fld>
             <a:endParaRPr lang="en-CH"/>
           </a:p>
@@ -9957,7 +11426,7 @@
           <a:p>
             <a:fld id="{0F00D740-55B1-4DC8-A3B5-4535950A93D0}" type="slidenum">
               <a:rPr lang="en-CH" smtClean="0"/>
-              <a:t>‹Nr.›</a:t>
+              <a:t>‹#›</a:t>
             </a:fld>
             <a:endParaRPr lang="en-CH"/>
           </a:p>
@@ -10103,7 +11572,7 @@
           <a:p>
             <a:fld id="{34C1AEE4-2DCF-4A66-9927-6F783BB52BE0}" type="datetime8">
               <a:rPr lang="en-CH" smtClean="0"/>
-              <a:t>01/27/2022 08:06</a:t>
+              <a:t>27/01/2022 09:39</a:t>
             </a:fld>
             <a:endParaRPr lang="en-CH"/>
           </a:p>
@@ -10157,7 +11626,7 @@
           <a:p>
             <a:fld id="{0F00D740-55B1-4DC8-A3B5-4535950A93D0}" type="slidenum">
               <a:rPr lang="en-CH" smtClean="0"/>
-              <a:t>‹Nr.›</a:t>
+              <a:t>‹#›</a:t>
             </a:fld>
             <a:endParaRPr lang="en-CH"/>
           </a:p>
@@ -10313,7 +11782,7 @@
           <a:p>
             <a:fld id="{C4C13A0D-7035-4256-BB1C-652F6CDC1D82}" type="datetime8">
               <a:rPr lang="en-CH" smtClean="0"/>
-              <a:t>01/27/2022 08:06</a:t>
+              <a:t>27/01/2022 09:39</a:t>
             </a:fld>
             <a:endParaRPr lang="en-CH"/>
           </a:p>
@@ -10367,7 +11836,7 @@
           <a:p>
             <a:fld id="{0F00D740-55B1-4DC8-A3B5-4535950A93D0}" type="slidenum">
               <a:rPr lang="en-CH" smtClean="0"/>
-              <a:t>‹Nr.›</a:t>
+              <a:t>‹#›</a:t>
             </a:fld>
             <a:endParaRPr lang="en-CH"/>
           </a:p>
@@ -10513,7 +11982,7 @@
           <a:p>
             <a:fld id="{A720F8AA-53F4-4181-BD2C-7354613DB587}" type="datetime8">
               <a:rPr lang="en-CH" smtClean="0"/>
-              <a:t>01/27/2022 08:06</a:t>
+              <a:t>27/01/2022 09:39</a:t>
             </a:fld>
             <a:endParaRPr lang="en-CH"/>
           </a:p>
@@ -10567,7 +12036,7 @@
           <a:p>
             <a:fld id="{0F00D740-55B1-4DC8-A3B5-4535950A93D0}" type="slidenum">
               <a:rPr lang="en-CH" smtClean="0"/>
-              <a:t>‹Nr.›</a:t>
+              <a:t>‹#›</a:t>
             </a:fld>
             <a:endParaRPr lang="en-CH"/>
           </a:p>
@@ -10789,7 +12258,7 @@
           <a:p>
             <a:fld id="{18ED5C57-181E-4E8A-8032-E5587C441532}" type="datetime8">
               <a:rPr lang="en-CH" smtClean="0"/>
-              <a:t>01/27/2022 08:06</a:t>
+              <a:t>27/01/2022 09:39</a:t>
             </a:fld>
             <a:endParaRPr lang="en-CH"/>
           </a:p>
@@ -10843,7 +12312,7 @@
           <a:p>
             <a:fld id="{0F00D740-55B1-4DC8-A3B5-4535950A93D0}" type="slidenum">
               <a:rPr lang="en-CH" smtClean="0"/>
-              <a:t>‹Nr.›</a:t>
+              <a:t>‹#›</a:t>
             </a:fld>
             <a:endParaRPr lang="en-CH"/>
           </a:p>
@@ -11057,7 +12526,7 @@
           <a:p>
             <a:fld id="{2711B6E1-EBCF-4960-9E94-A2CE4CEDA9CF}" type="datetime8">
               <a:rPr lang="en-CH" smtClean="0"/>
-              <a:t>01/27/2022 08:06</a:t>
+              <a:t>27/01/2022 09:39</a:t>
             </a:fld>
             <a:endParaRPr lang="en-CH"/>
           </a:p>
@@ -11111,7 +12580,7 @@
           <a:p>
             <a:fld id="{0F00D740-55B1-4DC8-A3B5-4535950A93D0}" type="slidenum">
               <a:rPr lang="en-CH" smtClean="0"/>
-              <a:t>‹Nr.›</a:t>
+              <a:t>‹#›</a:t>
             </a:fld>
             <a:endParaRPr lang="en-CH"/>
           </a:p>
@@ -11472,7 +12941,7 @@
           <a:p>
             <a:fld id="{60888D22-8975-4143-BBCD-F78A0E3504A0}" type="datetime8">
               <a:rPr lang="en-CH" smtClean="0"/>
-              <a:t>01/27/2022 08:06</a:t>
+              <a:t>27/01/2022 09:39</a:t>
             </a:fld>
             <a:endParaRPr lang="en-CH"/>
           </a:p>
@@ -11526,7 +12995,7 @@
           <a:p>
             <a:fld id="{0F00D740-55B1-4DC8-A3B5-4535950A93D0}" type="slidenum">
               <a:rPr lang="en-CH" smtClean="0"/>
-              <a:t>‹Nr.›</a:t>
+              <a:t>‹#›</a:t>
             </a:fld>
             <a:endParaRPr lang="en-CH"/>
           </a:p>
@@ -11614,7 +13083,7 @@
           <a:p>
             <a:fld id="{CB62F5ED-9834-4FF8-A8E6-FE85BE4A88B6}" type="datetime8">
               <a:rPr lang="en-CH" smtClean="0"/>
-              <a:t>01/27/2022 08:06</a:t>
+              <a:t>27/01/2022 09:39</a:t>
             </a:fld>
             <a:endParaRPr lang="en-CH"/>
           </a:p>
@@ -11668,7 +13137,7 @@
           <a:p>
             <a:fld id="{0F00D740-55B1-4DC8-A3B5-4535950A93D0}" type="slidenum">
               <a:rPr lang="en-CH" smtClean="0"/>
-              <a:t>‹Nr.›</a:t>
+              <a:t>‹#›</a:t>
             </a:fld>
             <a:endParaRPr lang="en-CH"/>
           </a:p>
@@ -11727,7 +13196,7 @@
           <a:p>
             <a:fld id="{91C4E595-669A-4DA7-8755-75BCB1DD65E9}" type="datetime8">
               <a:rPr lang="en-CH" smtClean="0"/>
-              <a:t>01/27/2022 08:06</a:t>
+              <a:t>27/01/2022 09:39</a:t>
             </a:fld>
             <a:endParaRPr lang="en-CH"/>
           </a:p>
@@ -11781,7 +13250,7 @@
           <a:p>
             <a:fld id="{0F00D740-55B1-4DC8-A3B5-4535950A93D0}" type="slidenum">
               <a:rPr lang="en-CH" smtClean="0"/>
-              <a:t>‹Nr.›</a:t>
+              <a:t>‹#›</a:t>
             </a:fld>
             <a:endParaRPr lang="en-CH"/>
           </a:p>
@@ -12040,7 +13509,7 @@
           <a:p>
             <a:fld id="{1D3E9293-092D-4F3B-852B-B7B73C73F1F9}" type="datetime8">
               <a:rPr lang="en-CH" smtClean="0"/>
-              <a:t>01/27/2022 08:06</a:t>
+              <a:t>27/01/2022 09:39</a:t>
             </a:fld>
             <a:endParaRPr lang="en-CH"/>
           </a:p>
@@ -12094,7 +13563,7 @@
           <a:p>
             <a:fld id="{0F00D740-55B1-4DC8-A3B5-4535950A93D0}" type="slidenum">
               <a:rPr lang="en-CH" smtClean="0"/>
-              <a:t>‹Nr.›</a:t>
+              <a:t>‹#›</a:t>
             </a:fld>
             <a:endParaRPr lang="en-CH"/>
           </a:p>
@@ -12329,7 +13798,7 @@
           <a:p>
             <a:fld id="{72DA9548-12AA-4712-AB6D-8087536C3BD4}" type="datetime8">
               <a:rPr lang="en-CH" smtClean="0"/>
-              <a:t>01/27/2022 08:06</a:t>
+              <a:t>27/01/2022 09:39</a:t>
             </a:fld>
             <a:endParaRPr lang="en-CH"/>
           </a:p>
@@ -12383,7 +13852,7 @@
           <a:p>
             <a:fld id="{0F00D740-55B1-4DC8-A3B5-4535950A93D0}" type="slidenum">
               <a:rPr lang="en-CH" smtClean="0"/>
-              <a:t>‹Nr.›</a:t>
+              <a:t>‹#›</a:t>
             </a:fld>
             <a:endParaRPr lang="en-CH"/>
           </a:p>
@@ -12572,7 +14041,7 @@
           <a:p>
             <a:fld id="{361E5043-500B-4A06-A6BE-2D713F12E4A2}" type="datetime8">
               <a:rPr lang="en-CH" smtClean="0"/>
-              <a:t>01/27/2022 08:06</a:t>
+              <a:t>27/01/2022 09:39</a:t>
             </a:fld>
             <a:endParaRPr lang="en-CH"/>
           </a:p>
@@ -12662,7 +14131,7 @@
           <a:p>
             <a:fld id="{0F00D740-55B1-4DC8-A3B5-4535950A93D0}" type="slidenum">
               <a:rPr lang="en-CH" smtClean="0"/>
-              <a:t>‹Nr.›</a:t>
+              <a:t>‹#›</a:t>
             </a:fld>
             <a:endParaRPr lang="en-CH"/>
           </a:p>
@@ -24791,53 +26260,11 @@
               </a:rPr>
             </a:br>
             <a:r>
-              <a:rPr lang="en-US" sz="3600" i="1" dirty="0" err="1">
-                <a:latin typeface="Arial" panose="020B0604020202020204" pitchFamily="34" charset="0"/>
-                <a:cs typeface="Arial" panose="020B0604020202020204" pitchFamily="34" charset="0"/>
-              </a:rPr>
-              <a:t>Abfrage</a:t>
-            </a:r>
-            <a:r>
               <a:rPr lang="en-US" sz="3600" i="1" dirty="0">
                 <a:latin typeface="Arial" panose="020B0604020202020204" pitchFamily="34" charset="0"/>
                 <a:cs typeface="Arial" panose="020B0604020202020204" pitchFamily="34" charset="0"/>
               </a:rPr>
-              <a:t>, timing</a:t>
-            </a:r>
-            <a:endParaRPr lang="en-CH" dirty="0"/>
-          </a:p>
-        </p:txBody>
-      </p:sp>
-      <p:sp>
-        <p:nvSpPr>
-          <p:cNvPr id="3" name="Content Placeholder 2">
-            <a:extLst>
-              <a:ext uri="{FF2B5EF4-FFF2-40B4-BE49-F238E27FC236}">
-                <a16:creationId xmlns:a16="http://schemas.microsoft.com/office/drawing/2014/main" id="{F99C80A8-FCE8-4022-B4EC-046CA3785167}"/>
-              </a:ext>
-            </a:extLst>
-          </p:cNvPr>
-          <p:cNvSpPr>
-            <a:spLocks noGrp="1"/>
-          </p:cNvSpPr>
-          <p:nvPr>
-            <p:ph idx="1"/>
-          </p:nvPr>
-        </p:nvSpPr>
-        <p:spPr/>
-        <p:txBody>
-          <a:bodyPr/>
-          <a:lstStyle/>
-          <a:p>
-            <a:r>
-              <a:rPr lang="en-US" dirty="0"/>
-              <a:t>Install script</a:t>
-            </a:r>
-          </a:p>
-          <a:p>
-            <a:r>
-              <a:rPr lang="en-US" dirty="0"/>
-              <a:t>One command =&gt; GO</a:t>
+              <a:t>Config File</a:t>
             </a:r>
             <a:endParaRPr lang="en-CH" dirty="0"/>
           </a:p>
@@ -24867,284 +26294,6 @@
             <a:fld id="{0F00D740-55B1-4DC8-A3B5-4535950A93D0}" type="slidenum">
               <a:rPr lang="en-CH" smtClean="0"/>
               <a:t>27</a:t>
-            </a:fld>
-            <a:endParaRPr lang="en-CH"/>
-          </a:p>
-        </p:txBody>
-      </p:sp>
-      <p:grpSp>
-        <p:nvGrpSpPr>
-          <p:cNvPr id="5" name="Group 4">
-            <a:extLst>
-              <a:ext uri="{FF2B5EF4-FFF2-40B4-BE49-F238E27FC236}">
-                <a16:creationId xmlns:a16="http://schemas.microsoft.com/office/drawing/2014/main" id="{4EC58CAD-48B2-4835-9E3B-91425F5E9895}"/>
-              </a:ext>
-            </a:extLst>
-          </p:cNvPr>
-          <p:cNvGrpSpPr/>
-          <p:nvPr/>
-        </p:nvGrpSpPr>
-        <p:grpSpPr>
-          <a:xfrm>
-            <a:off x="8990330" y="5808980"/>
-            <a:ext cx="3774440" cy="764540"/>
-            <a:chOff x="8990330" y="5808980"/>
-            <a:chExt cx="3774440" cy="764540"/>
-          </a:xfrm>
-        </p:grpSpPr>
-        <p:pic>
-          <p:nvPicPr>
-            <p:cNvPr id="6" name="Picture 5">
-              <a:extLst>
-                <a:ext uri="{FF2B5EF4-FFF2-40B4-BE49-F238E27FC236}">
-                  <a16:creationId xmlns:a16="http://schemas.microsoft.com/office/drawing/2014/main" id="{022721ED-DE7C-4BE7-8FB8-448D5A1D2FA3}"/>
-                </a:ext>
-              </a:extLst>
-            </p:cNvPr>
-            <p:cNvPicPr>
-              <a:picLocks noChangeAspect="1"/>
-            </p:cNvPicPr>
-            <p:nvPr/>
-          </p:nvPicPr>
-          <p:blipFill>
-            <a:blip r:embed="rId3" cstate="print">
-              <a:extLst>
-                <a:ext uri="{28A0092B-C50C-407E-A947-70E740481C1C}">
-                  <a14:useLocalDpi xmlns:a14="http://schemas.microsoft.com/office/drawing/2010/main" val="0"/>
-                </a:ext>
-              </a:extLst>
-            </a:blip>
-            <a:srcRect/>
-            <a:stretch>
-              <a:fillRect/>
-            </a:stretch>
-          </p:blipFill>
-          <p:spPr bwMode="auto">
-            <a:xfrm>
-              <a:off x="8990330" y="5808980"/>
-              <a:ext cx="942340" cy="558800"/>
-            </a:xfrm>
-            <a:prstGeom prst="rect">
-              <a:avLst/>
-            </a:prstGeom>
-            <a:noFill/>
-            <a:ln>
-              <a:noFill/>
-            </a:ln>
-          </p:spPr>
-        </p:pic>
-        <p:sp>
-          <p:nvSpPr>
-            <p:cNvPr id="7" name="Text Box 11">
-              <a:extLst>
-                <a:ext uri="{FF2B5EF4-FFF2-40B4-BE49-F238E27FC236}">
-                  <a16:creationId xmlns:a16="http://schemas.microsoft.com/office/drawing/2014/main" id="{D3B6ED79-9CCE-4997-8EDA-DFDF7934B22B}"/>
-                </a:ext>
-              </a:extLst>
-            </p:cNvPr>
-            <p:cNvSpPr txBox="1"/>
-            <p:nvPr/>
-          </p:nvSpPr>
-          <p:spPr>
-            <a:xfrm>
-              <a:off x="9999980" y="5923280"/>
-              <a:ext cx="2764790" cy="650240"/>
-            </a:xfrm>
-            <a:prstGeom prst="rect">
-              <a:avLst/>
-            </a:prstGeom>
-            <a:noFill/>
-            <a:ln w="6350">
-              <a:noFill/>
-            </a:ln>
-          </p:spPr>
-          <p:txBody>
-            <a:bodyPr rot="0" spcFirstLastPara="0" vert="horz" wrap="square" lIns="91440" tIns="45720" rIns="91440" bIns="45720" numCol="1" spcCol="0" rtlCol="0" fromWordArt="0" anchor="t" anchorCtr="0" forceAA="0" compatLnSpc="1">
-              <a:prstTxWarp prst="textNoShape">
-                <a:avLst/>
-              </a:prstTxWarp>
-              <a:noAutofit/>
-            </a:bodyPr>
-            <a:lstStyle/>
-            <a:p>
-              <a:pPr>
-                <a:lnSpc>
-                  <a:spcPct val="115000"/>
-                </a:lnSpc>
-              </a:pPr>
-              <a:r>
-                <a:rPr lang="en-US" sz="900" b="1">
-                  <a:solidFill>
-                    <a:srgbClr val="44546A"/>
-                  </a:solidFill>
-                  <a:effectLst/>
-                  <a:latin typeface="Calibri" panose="020F0502020204030204" pitchFamily="34" charset="0"/>
-                  <a:ea typeface="Times New Roman" panose="02020603050405020304" pitchFamily="18" charset="0"/>
-                  <a:cs typeface="Times New Roman" panose="02020603050405020304" pitchFamily="18" charset="0"/>
-                </a:rPr>
-                <a:t>Fachhochschule Nordwestschweiz</a:t>
-              </a:r>
-              <a:endParaRPr lang="en-CH" sz="1400" b="1">
-                <a:solidFill>
-                  <a:srgbClr val="44546A"/>
-                </a:solidFill>
-                <a:effectLst/>
-                <a:latin typeface="Calibri" panose="020F0502020204030204" pitchFamily="34" charset="0"/>
-                <a:ea typeface="Times New Roman" panose="02020603050405020304" pitchFamily="18" charset="0"/>
-                <a:cs typeface="Times New Roman" panose="02020603050405020304" pitchFamily="18" charset="0"/>
-              </a:endParaRPr>
-            </a:p>
-            <a:p>
-              <a:pPr>
-                <a:lnSpc>
-                  <a:spcPct val="115000"/>
-                </a:lnSpc>
-              </a:pPr>
-              <a:r>
-                <a:rPr lang="en-US" sz="900" b="1">
-                  <a:solidFill>
-                    <a:srgbClr val="44546A"/>
-                  </a:solidFill>
-                  <a:effectLst/>
-                  <a:latin typeface="Calibri" panose="020F0502020204030204" pitchFamily="34" charset="0"/>
-                  <a:ea typeface="Times New Roman" panose="02020603050405020304" pitchFamily="18" charset="0"/>
-                  <a:cs typeface="Times New Roman" panose="02020603050405020304" pitchFamily="18" charset="0"/>
-                </a:rPr>
-                <a:t>Hochschule für Technik</a:t>
-              </a:r>
-              <a:endParaRPr lang="en-CH" sz="1400" b="1">
-                <a:solidFill>
-                  <a:srgbClr val="44546A"/>
-                </a:solidFill>
-                <a:effectLst/>
-                <a:latin typeface="Calibri" panose="020F0502020204030204" pitchFamily="34" charset="0"/>
-                <a:ea typeface="Times New Roman" panose="02020603050405020304" pitchFamily="18" charset="0"/>
-                <a:cs typeface="Times New Roman" panose="02020603050405020304" pitchFamily="18" charset="0"/>
-              </a:endParaRPr>
-            </a:p>
-          </p:txBody>
-        </p:sp>
-      </p:grpSp>
-    </p:spTree>
-    <p:extLst>
-      <p:ext uri="{BB962C8B-B14F-4D97-AF65-F5344CB8AC3E}">
-        <p14:creationId xmlns:p14="http://schemas.microsoft.com/office/powerpoint/2010/main" val="1760642750"/>
-      </p:ext>
-    </p:extLst>
-  </p:cSld>
-  <p:clrMapOvr>
-    <a:masterClrMapping/>
-  </p:clrMapOvr>
-  <mc:AlternateContent xmlns:mc="http://schemas.openxmlformats.org/markup-compatibility/2006" xmlns:p14="http://schemas.microsoft.com/office/powerpoint/2010/main">
-    <mc:Choice Requires="p14">
-      <p:transition spd="med" p14:dur="700">
-        <p:fade/>
-      </p:transition>
-    </mc:Choice>
-    <mc:Fallback xmlns="">
-      <p:transition spd="med">
-        <p:fade/>
-      </p:transition>
-    </mc:Fallback>
-  </mc:AlternateContent>
-</p:sld>
-</file>
-
-<file path=ppt/slides/slide28.xml><?xml version="1.0" encoding="utf-8"?>
-<p:sld xmlns:a="http://schemas.openxmlformats.org/drawingml/2006/main" xmlns:r="http://schemas.openxmlformats.org/officeDocument/2006/relationships" xmlns:p="http://schemas.openxmlformats.org/presentationml/2006/main">
-  <p:cSld>
-    <p:spTree>
-      <p:nvGrpSpPr>
-        <p:cNvPr id="1" name=""/>
-        <p:cNvGrpSpPr/>
-        <p:nvPr/>
-      </p:nvGrpSpPr>
-      <p:grpSpPr>
-        <a:xfrm>
-          <a:off x="0" y="0"/>
-          <a:ext cx="0" cy="0"/>
-          <a:chOff x="0" y="0"/>
-          <a:chExt cx="0" cy="0"/>
-        </a:xfrm>
-      </p:grpSpPr>
-      <p:sp>
-        <p:nvSpPr>
-          <p:cNvPr id="2" name="Title 1">
-            <a:extLst>
-              <a:ext uri="{FF2B5EF4-FFF2-40B4-BE49-F238E27FC236}">
-                <a16:creationId xmlns:a16="http://schemas.microsoft.com/office/drawing/2014/main" id="{4808087A-40EC-41E6-A246-BC46343A4BFC}"/>
-              </a:ext>
-            </a:extLst>
-          </p:cNvPr>
-          <p:cNvSpPr>
-            <a:spLocks noGrp="1"/>
-          </p:cNvSpPr>
-          <p:nvPr>
-            <p:ph type="title"/>
-          </p:nvPr>
-        </p:nvSpPr>
-        <p:spPr/>
-        <p:txBody>
-          <a:bodyPr>
-            <a:normAutofit/>
-          </a:bodyPr>
-          <a:lstStyle/>
-          <a:p>
-            <a:r>
-              <a:rPr lang="en-US" b="1" dirty="0">
-                <a:latin typeface="Arial" panose="020B0604020202020204" pitchFamily="34" charset="0"/>
-                <a:cs typeface="Arial" panose="020B0604020202020204" pitchFamily="34" charset="0"/>
-              </a:rPr>
-              <a:t>Python </a:t>
-            </a:r>
-            <a:r>
-              <a:rPr lang="en-US" b="1" dirty="0" err="1">
-                <a:latin typeface="Arial" panose="020B0604020202020204" pitchFamily="34" charset="0"/>
-                <a:cs typeface="Arial" panose="020B0604020202020204" pitchFamily="34" charset="0"/>
-              </a:rPr>
-              <a:t>Programm</a:t>
-            </a:r>
-            <a:br>
-              <a:rPr lang="en-US" b="1" dirty="0">
-                <a:latin typeface="Arial" panose="020B0604020202020204" pitchFamily="34" charset="0"/>
-                <a:cs typeface="Arial" panose="020B0604020202020204" pitchFamily="34" charset="0"/>
-              </a:rPr>
-            </a:br>
-            <a:r>
-              <a:rPr lang="en-US" sz="3600" i="1" dirty="0">
-                <a:latin typeface="Arial" panose="020B0604020202020204" pitchFamily="34" charset="0"/>
-                <a:cs typeface="Arial" panose="020B0604020202020204" pitchFamily="34" charset="0"/>
-              </a:rPr>
-              <a:t>Config File</a:t>
-            </a:r>
-            <a:endParaRPr lang="en-CH" dirty="0"/>
-          </a:p>
-        </p:txBody>
-      </p:sp>
-      <p:sp>
-        <p:nvSpPr>
-          <p:cNvPr id="4" name="Slide Number Placeholder 3">
-            <a:extLst>
-              <a:ext uri="{FF2B5EF4-FFF2-40B4-BE49-F238E27FC236}">
-                <a16:creationId xmlns:a16="http://schemas.microsoft.com/office/drawing/2014/main" id="{25E7D99B-055F-46C1-9ED3-2255A4486B53}"/>
-              </a:ext>
-            </a:extLst>
-          </p:cNvPr>
-          <p:cNvSpPr>
-            <a:spLocks noGrp="1"/>
-          </p:cNvSpPr>
-          <p:nvPr>
-            <p:ph type="sldNum" sz="quarter" idx="12"/>
-          </p:nvPr>
-        </p:nvSpPr>
-        <p:spPr/>
-        <p:txBody>
-          <a:bodyPr/>
-          <a:lstStyle/>
-          <a:p>
-            <a:fld id="{0F00D740-55B1-4DC8-A3B5-4535950A93D0}" type="slidenum">
-              <a:rPr lang="en-CH" smtClean="0"/>
-              <a:t>28</a:t>
             </a:fld>
             <a:endParaRPr lang="en-CH"/>
           </a:p>
@@ -25358,7 +26507,7 @@
 </p:sld>
 </file>
 
-<file path=ppt/slides/slide29.xml><?xml version="1.0" encoding="utf-8"?>
+<file path=ppt/slides/slide28.xml><?xml version="1.0" encoding="utf-8"?>
 <p:sld xmlns:a="http://schemas.openxmlformats.org/drawingml/2006/main" xmlns:r="http://schemas.openxmlformats.org/officeDocument/2006/relationships" xmlns:p="http://schemas.openxmlformats.org/presentationml/2006/main">
   <p:cSld>
     <p:spTree>
@@ -25486,7 +26635,7 @@
           <a:p>
             <a:fld id="{0F00D740-55B1-4DC8-A3B5-4535950A93D0}" type="slidenum">
               <a:rPr lang="en-CH" smtClean="0"/>
-              <a:t>29</a:t>
+              <a:t>28</a:t>
             </a:fld>
             <a:endParaRPr lang="en-CH"/>
           </a:p>
@@ -26068,6 +27217,228 @@
 </p:sld>
 </file>
 
+<file path=ppt/slides/slide29.xml><?xml version="1.0" encoding="utf-8"?>
+<p:sld xmlns:a="http://schemas.openxmlformats.org/drawingml/2006/main" xmlns:r="http://schemas.openxmlformats.org/officeDocument/2006/relationships" xmlns:p="http://schemas.openxmlformats.org/presentationml/2006/main">
+  <p:cSld>
+    <p:spTree>
+      <p:nvGrpSpPr>
+        <p:cNvPr id="1" name=""/>
+        <p:cNvGrpSpPr/>
+        <p:nvPr/>
+      </p:nvGrpSpPr>
+      <p:grpSpPr>
+        <a:xfrm>
+          <a:off x="0" y="0"/>
+          <a:ext cx="0" cy="0"/>
+          <a:chOff x="0" y="0"/>
+          <a:chExt cx="0" cy="0"/>
+        </a:xfrm>
+      </p:grpSpPr>
+      <p:sp>
+        <p:nvSpPr>
+          <p:cNvPr id="2" name="Title 1">
+            <a:extLst>
+              <a:ext uri="{FF2B5EF4-FFF2-40B4-BE49-F238E27FC236}">
+                <a16:creationId xmlns:a16="http://schemas.microsoft.com/office/drawing/2014/main" id="{F1AE8F4F-038B-4ABA-A89F-CA33847A9E12}"/>
+              </a:ext>
+            </a:extLst>
+          </p:cNvPr>
+          <p:cNvSpPr>
+            <a:spLocks noGrp="1"/>
+          </p:cNvSpPr>
+          <p:nvPr>
+            <p:ph type="title"/>
+          </p:nvPr>
+        </p:nvSpPr>
+        <p:spPr>
+          <a:xfrm>
+            <a:off x="838200" y="365125"/>
+            <a:ext cx="10515600" cy="5702300"/>
+          </a:xfrm>
+        </p:spPr>
+        <p:txBody>
+          <a:bodyPr>
+            <a:normAutofit fontScale="90000"/>
+          </a:bodyPr>
+          <a:lstStyle/>
+          <a:p>
+            <a:pPr algn="ctr">
+              <a:lnSpc>
+                <a:spcPct val="125000"/>
+              </a:lnSpc>
+              <a:spcBef>
+                <a:spcPts val="0"/>
+              </a:spcBef>
+            </a:pPr>
+            <a:r>
+              <a:rPr lang="en-US" b="1" dirty="0" err="1">
+                <a:latin typeface="Arial" panose="020B0604020202020204" pitchFamily="34" charset="0"/>
+                <a:cs typeface="Arial" panose="020B0604020202020204" pitchFamily="34" charset="0"/>
+              </a:rPr>
+              <a:t>Auftrag</a:t>
+            </a:r>
+            <a:br>
+              <a:rPr lang="en-US" b="1" dirty="0">
+                <a:latin typeface="Arial" panose="020B0604020202020204" pitchFamily="34" charset="0"/>
+                <a:cs typeface="Arial" panose="020B0604020202020204" pitchFamily="34" charset="0"/>
+              </a:rPr>
+            </a:br>
+            <a:r>
+              <a:rPr lang="en-US" b="1" dirty="0">
+                <a:latin typeface="Arial" panose="020B0604020202020204" pitchFamily="34" charset="0"/>
+                <a:cs typeface="Arial" panose="020B0604020202020204" pitchFamily="34" charset="0"/>
+              </a:rPr>
+              <a:t>Hardware</a:t>
+            </a:r>
+            <a:br>
+              <a:rPr lang="en-US" b="1" dirty="0">
+                <a:latin typeface="Arial" panose="020B0604020202020204" pitchFamily="34" charset="0"/>
+                <a:cs typeface="Arial" panose="020B0604020202020204" pitchFamily="34" charset="0"/>
+              </a:rPr>
+            </a:br>
+            <a:r>
+              <a:rPr lang="en-US" b="1" dirty="0" err="1">
+                <a:latin typeface="Arial" panose="020B0604020202020204" pitchFamily="34" charset="0"/>
+                <a:cs typeface="Arial" panose="020B0604020202020204" pitchFamily="34" charset="0"/>
+              </a:rPr>
+              <a:t>InfluxDB</a:t>
+            </a:r>
+            <a:br>
+              <a:rPr lang="en-US" b="1" dirty="0">
+                <a:latin typeface="Arial" panose="020B0604020202020204" pitchFamily="34" charset="0"/>
+                <a:cs typeface="Arial" panose="020B0604020202020204" pitchFamily="34" charset="0"/>
+              </a:rPr>
+            </a:br>
+            <a:r>
+              <a:rPr lang="en-US" b="1" dirty="0">
+                <a:latin typeface="Arial" panose="020B0604020202020204" pitchFamily="34" charset="0"/>
+                <a:cs typeface="Arial" panose="020B0604020202020204" pitchFamily="34" charset="0"/>
+              </a:rPr>
+              <a:t>Python </a:t>
+            </a:r>
+            <a:r>
+              <a:rPr lang="en-US" b="1" dirty="0" err="1">
+                <a:latin typeface="Arial" panose="020B0604020202020204" pitchFamily="34" charset="0"/>
+                <a:cs typeface="Arial" panose="020B0604020202020204" pitchFamily="34" charset="0"/>
+              </a:rPr>
+              <a:t>Programm</a:t>
+            </a:r>
+            <a:br>
+              <a:rPr lang="en-US" b="1" dirty="0">
+                <a:latin typeface="Arial" panose="020B0604020202020204" pitchFamily="34" charset="0"/>
+                <a:cs typeface="Arial" panose="020B0604020202020204" pitchFamily="34" charset="0"/>
+              </a:rPr>
+            </a:br>
+            <a:r>
+              <a:rPr lang="en-US" b="1" dirty="0">
+                <a:highlight>
+                  <a:srgbClr val="FAE800"/>
+                </a:highlight>
+                <a:latin typeface="Arial" panose="020B0604020202020204" pitchFamily="34" charset="0"/>
+                <a:cs typeface="Arial" panose="020B0604020202020204" pitchFamily="34" charset="0"/>
+              </a:rPr>
+              <a:t>Flask Webserver</a:t>
+            </a:r>
+            <a:br>
+              <a:rPr lang="en-US" b="1" dirty="0">
+                <a:latin typeface="Arial" panose="020B0604020202020204" pitchFamily="34" charset="0"/>
+                <a:cs typeface="Arial" panose="020B0604020202020204" pitchFamily="34" charset="0"/>
+              </a:rPr>
+            </a:br>
+            <a:r>
+              <a:rPr lang="en-US" b="1" dirty="0">
+                <a:latin typeface="Arial" panose="020B0604020202020204" pitchFamily="34" charset="0"/>
+                <a:cs typeface="Arial" panose="020B0604020202020204" pitchFamily="34" charset="0"/>
+              </a:rPr>
+              <a:t>GUI Sketch</a:t>
+            </a:r>
+            <a:br>
+              <a:rPr lang="en-US" b="1" dirty="0">
+                <a:latin typeface="Arial" panose="020B0604020202020204" pitchFamily="34" charset="0"/>
+                <a:cs typeface="Arial" panose="020B0604020202020204" pitchFamily="34" charset="0"/>
+              </a:rPr>
+            </a:br>
+            <a:r>
+              <a:rPr lang="en-US" b="1" dirty="0" err="1">
+                <a:latin typeface="Arial" panose="020B0604020202020204" pitchFamily="34" charset="0"/>
+                <a:cs typeface="Arial" panose="020B0604020202020204" pitchFamily="34" charset="0"/>
+              </a:rPr>
+              <a:t>Endresultat</a:t>
+            </a:r>
+            <a:br>
+              <a:rPr lang="en-US" b="1" dirty="0">
+                <a:latin typeface="Arial" panose="020B0604020202020204" pitchFamily="34" charset="0"/>
+                <a:cs typeface="Arial" panose="020B0604020202020204" pitchFamily="34" charset="0"/>
+              </a:rPr>
+            </a:br>
+            <a:r>
+              <a:rPr lang="en-US" b="1" dirty="0" err="1">
+                <a:latin typeface="Arial" panose="020B0604020202020204" pitchFamily="34" charset="0"/>
+                <a:cs typeface="Arial" panose="020B0604020202020204" pitchFamily="34" charset="0"/>
+              </a:rPr>
+              <a:t>Weiterentwicklung</a:t>
+            </a:r>
+            <a:endParaRPr lang="en-CH" b="1" dirty="0">
+              <a:latin typeface="Arial" panose="020B0604020202020204" pitchFamily="34" charset="0"/>
+              <a:cs typeface="Arial" panose="020B0604020202020204" pitchFamily="34" charset="0"/>
+            </a:endParaRPr>
+          </a:p>
+        </p:txBody>
+      </p:sp>
+      <p:sp>
+        <p:nvSpPr>
+          <p:cNvPr id="8" name="Slide Number Placeholder 7">
+            <a:extLst>
+              <a:ext uri="{FF2B5EF4-FFF2-40B4-BE49-F238E27FC236}">
+                <a16:creationId xmlns:a16="http://schemas.microsoft.com/office/drawing/2014/main" id="{E5E3E861-4688-44FC-A05E-E446522B24DD}"/>
+              </a:ext>
+            </a:extLst>
+          </p:cNvPr>
+          <p:cNvSpPr>
+            <a:spLocks noGrp="1"/>
+          </p:cNvSpPr>
+          <p:nvPr>
+            <p:ph type="sldNum" sz="quarter" idx="12"/>
+          </p:nvPr>
+        </p:nvSpPr>
+        <p:spPr/>
+        <p:txBody>
+          <a:bodyPr/>
+          <a:lstStyle/>
+          <a:p>
+            <a:fld id="{0F00D740-55B1-4DC8-A3B5-4535950A93D0}" type="slidenum">
+              <a:rPr lang="en-CH" smtClean="0"/>
+              <a:t>29</a:t>
+            </a:fld>
+            <a:endParaRPr lang="en-CH"/>
+          </a:p>
+        </p:txBody>
+      </p:sp>
+    </p:spTree>
+    <p:extLst>
+      <p:ext uri="{BB962C8B-B14F-4D97-AF65-F5344CB8AC3E}">
+        <p14:creationId xmlns:p14="http://schemas.microsoft.com/office/powerpoint/2010/main" val="3427134860"/>
+      </p:ext>
+    </p:extLst>
+  </p:cSld>
+  <p:clrMapOvr>
+    <a:masterClrMapping/>
+  </p:clrMapOvr>
+  <mc:AlternateContent xmlns:mc="http://schemas.openxmlformats.org/markup-compatibility/2006" xmlns:p14="http://schemas.microsoft.com/office/powerpoint/2010/main">
+    <mc:Choice Requires="p14">
+      <p:transition spd="med" p14:dur="700">
+        <p:fade/>
+      </p:transition>
+    </mc:Choice>
+    <mc:Fallback xmlns="">
+      <p:transition spd="med">
+        <p:fade/>
+      </p:transition>
+    </mc:Fallback>
+  </mc:AlternateContent>
+</p:sld>
+</file>
+
 <file path=ppt/slides/slide3.xml><?xml version="1.0" encoding="utf-8"?>
 <p:sld xmlns:a="http://schemas.openxmlformats.org/drawingml/2006/main" xmlns:r="http://schemas.openxmlformats.org/officeDocument/2006/relationships" xmlns:p="http://schemas.openxmlformats.org/presentationml/2006/main">
   <p:cSld>
@@ -26312,228 +27683,6 @@
           <p:cNvPr id="2" name="Title 1">
             <a:extLst>
               <a:ext uri="{FF2B5EF4-FFF2-40B4-BE49-F238E27FC236}">
-                <a16:creationId xmlns:a16="http://schemas.microsoft.com/office/drawing/2014/main" id="{F1AE8F4F-038B-4ABA-A89F-CA33847A9E12}"/>
-              </a:ext>
-            </a:extLst>
-          </p:cNvPr>
-          <p:cNvSpPr>
-            <a:spLocks noGrp="1"/>
-          </p:cNvSpPr>
-          <p:nvPr>
-            <p:ph type="title"/>
-          </p:nvPr>
-        </p:nvSpPr>
-        <p:spPr>
-          <a:xfrm>
-            <a:off x="838200" y="365125"/>
-            <a:ext cx="10515600" cy="5702300"/>
-          </a:xfrm>
-        </p:spPr>
-        <p:txBody>
-          <a:bodyPr>
-            <a:normAutofit fontScale="90000"/>
-          </a:bodyPr>
-          <a:lstStyle/>
-          <a:p>
-            <a:pPr algn="ctr">
-              <a:lnSpc>
-                <a:spcPct val="125000"/>
-              </a:lnSpc>
-              <a:spcBef>
-                <a:spcPts val="0"/>
-              </a:spcBef>
-            </a:pPr>
-            <a:r>
-              <a:rPr lang="en-US" b="1" dirty="0" err="1">
-                <a:latin typeface="Arial" panose="020B0604020202020204" pitchFamily="34" charset="0"/>
-                <a:cs typeface="Arial" panose="020B0604020202020204" pitchFamily="34" charset="0"/>
-              </a:rPr>
-              <a:t>Auftrag</a:t>
-            </a:r>
-            <a:br>
-              <a:rPr lang="en-US" b="1" dirty="0">
-                <a:latin typeface="Arial" panose="020B0604020202020204" pitchFamily="34" charset="0"/>
-                <a:cs typeface="Arial" panose="020B0604020202020204" pitchFamily="34" charset="0"/>
-              </a:rPr>
-            </a:br>
-            <a:r>
-              <a:rPr lang="en-US" b="1" dirty="0">
-                <a:latin typeface="Arial" panose="020B0604020202020204" pitchFamily="34" charset="0"/>
-                <a:cs typeface="Arial" panose="020B0604020202020204" pitchFamily="34" charset="0"/>
-              </a:rPr>
-              <a:t>Hardware</a:t>
-            </a:r>
-            <a:br>
-              <a:rPr lang="en-US" b="1" dirty="0">
-                <a:latin typeface="Arial" panose="020B0604020202020204" pitchFamily="34" charset="0"/>
-                <a:cs typeface="Arial" panose="020B0604020202020204" pitchFamily="34" charset="0"/>
-              </a:rPr>
-            </a:br>
-            <a:r>
-              <a:rPr lang="en-US" b="1" dirty="0" err="1">
-                <a:latin typeface="Arial" panose="020B0604020202020204" pitchFamily="34" charset="0"/>
-                <a:cs typeface="Arial" panose="020B0604020202020204" pitchFamily="34" charset="0"/>
-              </a:rPr>
-              <a:t>InfluxDB</a:t>
-            </a:r>
-            <a:br>
-              <a:rPr lang="en-US" b="1" dirty="0">
-                <a:latin typeface="Arial" panose="020B0604020202020204" pitchFamily="34" charset="0"/>
-                <a:cs typeface="Arial" panose="020B0604020202020204" pitchFamily="34" charset="0"/>
-              </a:rPr>
-            </a:br>
-            <a:r>
-              <a:rPr lang="en-US" b="1" dirty="0">
-                <a:latin typeface="Arial" panose="020B0604020202020204" pitchFamily="34" charset="0"/>
-                <a:cs typeface="Arial" panose="020B0604020202020204" pitchFamily="34" charset="0"/>
-              </a:rPr>
-              <a:t>Python </a:t>
-            </a:r>
-            <a:r>
-              <a:rPr lang="en-US" b="1" dirty="0" err="1">
-                <a:latin typeface="Arial" panose="020B0604020202020204" pitchFamily="34" charset="0"/>
-                <a:cs typeface="Arial" panose="020B0604020202020204" pitchFamily="34" charset="0"/>
-              </a:rPr>
-              <a:t>Programm</a:t>
-            </a:r>
-            <a:br>
-              <a:rPr lang="en-US" b="1" dirty="0">
-                <a:latin typeface="Arial" panose="020B0604020202020204" pitchFamily="34" charset="0"/>
-                <a:cs typeface="Arial" panose="020B0604020202020204" pitchFamily="34" charset="0"/>
-              </a:rPr>
-            </a:br>
-            <a:r>
-              <a:rPr lang="en-US" b="1" dirty="0">
-                <a:highlight>
-                  <a:srgbClr val="FAE800"/>
-                </a:highlight>
-                <a:latin typeface="Arial" panose="020B0604020202020204" pitchFamily="34" charset="0"/>
-                <a:cs typeface="Arial" panose="020B0604020202020204" pitchFamily="34" charset="0"/>
-              </a:rPr>
-              <a:t>Flask Webserver</a:t>
-            </a:r>
-            <a:br>
-              <a:rPr lang="en-US" b="1" dirty="0">
-                <a:latin typeface="Arial" panose="020B0604020202020204" pitchFamily="34" charset="0"/>
-                <a:cs typeface="Arial" panose="020B0604020202020204" pitchFamily="34" charset="0"/>
-              </a:rPr>
-            </a:br>
-            <a:r>
-              <a:rPr lang="en-US" b="1" dirty="0">
-                <a:latin typeface="Arial" panose="020B0604020202020204" pitchFamily="34" charset="0"/>
-                <a:cs typeface="Arial" panose="020B0604020202020204" pitchFamily="34" charset="0"/>
-              </a:rPr>
-              <a:t>GUI Sketch</a:t>
-            </a:r>
-            <a:br>
-              <a:rPr lang="en-US" b="1" dirty="0">
-                <a:latin typeface="Arial" panose="020B0604020202020204" pitchFamily="34" charset="0"/>
-                <a:cs typeface="Arial" panose="020B0604020202020204" pitchFamily="34" charset="0"/>
-              </a:rPr>
-            </a:br>
-            <a:r>
-              <a:rPr lang="en-US" b="1" dirty="0" err="1">
-                <a:latin typeface="Arial" panose="020B0604020202020204" pitchFamily="34" charset="0"/>
-                <a:cs typeface="Arial" panose="020B0604020202020204" pitchFamily="34" charset="0"/>
-              </a:rPr>
-              <a:t>Endresultat</a:t>
-            </a:r>
-            <a:br>
-              <a:rPr lang="en-US" b="1" dirty="0">
-                <a:latin typeface="Arial" panose="020B0604020202020204" pitchFamily="34" charset="0"/>
-                <a:cs typeface="Arial" panose="020B0604020202020204" pitchFamily="34" charset="0"/>
-              </a:rPr>
-            </a:br>
-            <a:r>
-              <a:rPr lang="en-US" b="1" dirty="0" err="1">
-                <a:latin typeface="Arial" panose="020B0604020202020204" pitchFamily="34" charset="0"/>
-                <a:cs typeface="Arial" panose="020B0604020202020204" pitchFamily="34" charset="0"/>
-              </a:rPr>
-              <a:t>Weiterentwicklung</a:t>
-            </a:r>
-            <a:endParaRPr lang="en-CH" b="1" dirty="0">
-              <a:latin typeface="Arial" panose="020B0604020202020204" pitchFamily="34" charset="0"/>
-              <a:cs typeface="Arial" panose="020B0604020202020204" pitchFamily="34" charset="0"/>
-            </a:endParaRPr>
-          </a:p>
-        </p:txBody>
-      </p:sp>
-      <p:sp>
-        <p:nvSpPr>
-          <p:cNvPr id="8" name="Slide Number Placeholder 7">
-            <a:extLst>
-              <a:ext uri="{FF2B5EF4-FFF2-40B4-BE49-F238E27FC236}">
-                <a16:creationId xmlns:a16="http://schemas.microsoft.com/office/drawing/2014/main" id="{E5E3E861-4688-44FC-A05E-E446522B24DD}"/>
-              </a:ext>
-            </a:extLst>
-          </p:cNvPr>
-          <p:cNvSpPr>
-            <a:spLocks noGrp="1"/>
-          </p:cNvSpPr>
-          <p:nvPr>
-            <p:ph type="sldNum" sz="quarter" idx="12"/>
-          </p:nvPr>
-        </p:nvSpPr>
-        <p:spPr/>
-        <p:txBody>
-          <a:bodyPr/>
-          <a:lstStyle/>
-          <a:p>
-            <a:fld id="{0F00D740-55B1-4DC8-A3B5-4535950A93D0}" type="slidenum">
-              <a:rPr lang="en-CH" smtClean="0"/>
-              <a:t>30</a:t>
-            </a:fld>
-            <a:endParaRPr lang="en-CH"/>
-          </a:p>
-        </p:txBody>
-      </p:sp>
-    </p:spTree>
-    <p:extLst>
-      <p:ext uri="{BB962C8B-B14F-4D97-AF65-F5344CB8AC3E}">
-        <p14:creationId xmlns:p14="http://schemas.microsoft.com/office/powerpoint/2010/main" val="3427134860"/>
-      </p:ext>
-    </p:extLst>
-  </p:cSld>
-  <p:clrMapOvr>
-    <a:masterClrMapping/>
-  </p:clrMapOvr>
-  <mc:AlternateContent xmlns:mc="http://schemas.openxmlformats.org/markup-compatibility/2006" xmlns:p14="http://schemas.microsoft.com/office/powerpoint/2010/main">
-    <mc:Choice Requires="p14">
-      <p:transition spd="med" p14:dur="700">
-        <p:fade/>
-      </p:transition>
-    </mc:Choice>
-    <mc:Fallback xmlns="">
-      <p:transition spd="med">
-        <p:fade/>
-      </p:transition>
-    </mc:Fallback>
-  </mc:AlternateContent>
-</p:sld>
-</file>
-
-<file path=ppt/slides/slide31.xml><?xml version="1.0" encoding="utf-8"?>
-<p:sld xmlns:a="http://schemas.openxmlformats.org/drawingml/2006/main" xmlns:r="http://schemas.openxmlformats.org/officeDocument/2006/relationships" xmlns:p="http://schemas.openxmlformats.org/presentationml/2006/main">
-  <p:cSld>
-    <p:spTree>
-      <p:nvGrpSpPr>
-        <p:cNvPr id="1" name=""/>
-        <p:cNvGrpSpPr/>
-        <p:nvPr/>
-      </p:nvGrpSpPr>
-      <p:grpSpPr>
-        <a:xfrm>
-          <a:off x="0" y="0"/>
-          <a:ext cx="0" cy="0"/>
-          <a:chOff x="0" y="0"/>
-          <a:chExt cx="0" cy="0"/>
-        </a:xfrm>
-      </p:grpSpPr>
-      <p:sp>
-        <p:nvSpPr>
-          <p:cNvPr id="2" name="Title 1">
-            <a:extLst>
-              <a:ext uri="{FF2B5EF4-FFF2-40B4-BE49-F238E27FC236}">
                 <a16:creationId xmlns:a16="http://schemas.microsoft.com/office/drawing/2014/main" id="{4808087A-40EC-41E6-A246-BC46343A4BFC}"/>
               </a:ext>
             </a:extLst>
@@ -26703,7 +27852,7 @@
           <a:p>
             <a:fld id="{0F00D740-55B1-4DC8-A3B5-4535950A93D0}" type="slidenum">
               <a:rPr lang="en-CH" smtClean="0"/>
-              <a:t>31</a:t>
+              <a:t>30</a:t>
             </a:fld>
             <a:endParaRPr lang="en-CH" dirty="0"/>
           </a:p>
@@ -26923,7 +28072,7 @@
 </p:sld>
 </file>
 
-<file path=ppt/slides/slide32.xml><?xml version="1.0" encoding="utf-8"?>
+<file path=ppt/slides/slide31.xml><?xml version="1.0" encoding="utf-8"?>
 <p:sld xmlns:a="http://schemas.openxmlformats.org/drawingml/2006/main" xmlns:r="http://schemas.openxmlformats.org/officeDocument/2006/relationships" xmlns:p="http://schemas.openxmlformats.org/presentationml/2006/main">
   <p:cSld>
     <p:spTree>
@@ -27010,7 +28159,7 @@
           <a:p>
             <a:fld id="{0F00D740-55B1-4DC8-A3B5-4535950A93D0}" type="slidenum">
               <a:rPr lang="en-CH" smtClean="0"/>
-              <a:t>32</a:t>
+              <a:t>31</a:t>
             </a:fld>
             <a:endParaRPr lang="en-CH"/>
           </a:p>
@@ -27644,7 +28793,7 @@
 </p:sld>
 </file>
 
-<file path=ppt/slides/slide33.xml><?xml version="1.0" encoding="utf-8"?>
+<file path=ppt/slides/slide32.xml><?xml version="1.0" encoding="utf-8"?>
 <p:sld xmlns:a="http://schemas.openxmlformats.org/drawingml/2006/main" xmlns:r="http://schemas.openxmlformats.org/officeDocument/2006/relationships" xmlns:p="http://schemas.openxmlformats.org/presentationml/2006/main">
   <p:cSld>
     <p:spTree>
@@ -27731,7 +28880,7 @@
           <a:p>
             <a:fld id="{0F00D740-55B1-4DC8-A3B5-4535950A93D0}" type="slidenum">
               <a:rPr lang="en-CH" smtClean="0"/>
-              <a:t>33</a:t>
+              <a:t>32</a:t>
             </a:fld>
             <a:endParaRPr lang="en-CH"/>
           </a:p>
@@ -28068,7 +29217,7 @@
 </p:sld>
 </file>
 
-<file path=ppt/slides/slide34.xml><?xml version="1.0" encoding="utf-8"?>
+<file path=ppt/slides/slide33.xml><?xml version="1.0" encoding="utf-8"?>
 <p:sld xmlns:a="http://schemas.openxmlformats.org/drawingml/2006/main" xmlns:r="http://schemas.openxmlformats.org/officeDocument/2006/relationships" xmlns:p="http://schemas.openxmlformats.org/presentationml/2006/main">
   <p:cSld>
     <p:spTree>
@@ -28378,7 +29527,7 @@
           <a:p>
             <a:fld id="{0F00D740-55B1-4DC8-A3B5-4535950A93D0}" type="slidenum">
               <a:rPr lang="en-CH" smtClean="0"/>
-              <a:t>34</a:t>
+              <a:t>33</a:t>
             </a:fld>
             <a:endParaRPr lang="en-CH"/>
           </a:p>
@@ -28562,7 +29711,7 @@
 </p:sld>
 </file>
 
-<file path=ppt/slides/slide35.xml><?xml version="1.0" encoding="utf-8"?>
+<file path=ppt/slides/slide34.xml><?xml version="1.0" encoding="utf-8"?>
 <p:sld xmlns:a="http://schemas.openxmlformats.org/drawingml/2006/main" xmlns:r="http://schemas.openxmlformats.org/officeDocument/2006/relationships" xmlns:p="http://schemas.openxmlformats.org/presentationml/2006/main">
   <p:cSld>
     <p:spTree>
@@ -28753,7 +29902,7 @@
           <a:p>
             <a:fld id="{0F00D740-55B1-4DC8-A3B5-4535950A93D0}" type="slidenum">
               <a:rPr lang="en-CH" smtClean="0"/>
-              <a:t>35</a:t>
+              <a:t>34</a:t>
             </a:fld>
             <a:endParaRPr lang="en-CH"/>
           </a:p>
@@ -28784,7 +29933,7 @@
 </p:sld>
 </file>
 
-<file path=ppt/slides/slide36.xml><?xml version="1.0" encoding="utf-8"?>
+<file path=ppt/slides/slide35.xml><?xml version="1.0" encoding="utf-8"?>
 <p:sld xmlns:a="http://schemas.openxmlformats.org/drawingml/2006/main" xmlns:r="http://schemas.openxmlformats.org/officeDocument/2006/relationships" xmlns:p="http://schemas.openxmlformats.org/presentationml/2006/main">
   <p:cSld>
     <p:spTree>
@@ -28829,7 +29978,7 @@
                 <a:latin typeface="Arial" panose="020B0604020202020204" pitchFamily="34" charset="0"/>
                 <a:cs typeface="Arial" panose="020B0604020202020204" pitchFamily="34" charset="0"/>
               </a:rPr>
-              <a:t>QUI </a:t>
+              <a:t>GUI </a:t>
             </a:r>
             <a:r>
               <a:rPr lang="en-US" b="1" dirty="0" err="1">
@@ -28913,7 +30062,7 @@
           <a:p>
             <a:fld id="{0F00D740-55B1-4DC8-A3B5-4535950A93D0}" type="slidenum">
               <a:rPr lang="en-CH" smtClean="0"/>
-              <a:t>36</a:t>
+              <a:t>35</a:t>
             </a:fld>
             <a:endParaRPr lang="en-CH"/>
           </a:p>
@@ -29097,7 +30246,7 @@
 </p:sld>
 </file>
 
-<file path=ppt/slides/slide37.xml><?xml version="1.0" encoding="utf-8"?>
+<file path=ppt/slides/slide36.xml><?xml version="1.0" encoding="utf-8"?>
 <p:sld xmlns:a="http://schemas.openxmlformats.org/drawingml/2006/main" xmlns:r="http://schemas.openxmlformats.org/officeDocument/2006/relationships" xmlns:p="http://schemas.openxmlformats.org/presentationml/2006/main">
   <p:cSld>
     <p:spTree>
@@ -29142,7 +30291,7 @@
                 <a:latin typeface="Arial" panose="020B0604020202020204" pitchFamily="34" charset="0"/>
                 <a:cs typeface="Arial" panose="020B0604020202020204" pitchFamily="34" charset="0"/>
               </a:rPr>
-              <a:t>QUI </a:t>
+              <a:t>GUI </a:t>
             </a:r>
             <a:r>
               <a:rPr lang="en-US" b="1" dirty="0" err="1">
@@ -29226,7 +30375,7 @@
           <a:p>
             <a:fld id="{0F00D740-55B1-4DC8-A3B5-4535950A93D0}" type="slidenum">
               <a:rPr lang="en-CH" smtClean="0"/>
-              <a:t>37</a:t>
+              <a:t>36</a:t>
             </a:fld>
             <a:endParaRPr lang="en-CH"/>
           </a:p>
@@ -29410,7 +30559,7 @@
 </p:sld>
 </file>
 
-<file path=ppt/slides/slide38.xml><?xml version="1.0" encoding="utf-8"?>
+<file path=ppt/slides/slide37.xml><?xml version="1.0" encoding="utf-8"?>
 <p:sld xmlns:a="http://schemas.openxmlformats.org/drawingml/2006/main" xmlns:r="http://schemas.openxmlformats.org/officeDocument/2006/relationships" xmlns:p="http://schemas.openxmlformats.org/presentationml/2006/main">
   <p:cSld>
     <p:spTree>
@@ -29455,7 +30604,7 @@
                 <a:latin typeface="Arial" panose="020B0604020202020204" pitchFamily="34" charset="0"/>
                 <a:cs typeface="Arial" panose="020B0604020202020204" pitchFamily="34" charset="0"/>
               </a:rPr>
-              <a:t>QUI </a:t>
+              <a:t>GUI </a:t>
             </a:r>
             <a:r>
               <a:rPr lang="en-US" b="1" dirty="0" err="1">
@@ -29539,7 +30688,7 @@
           <a:p>
             <a:fld id="{0F00D740-55B1-4DC8-A3B5-4535950A93D0}" type="slidenum">
               <a:rPr lang="en-CH" smtClean="0"/>
-              <a:t>38</a:t>
+              <a:t>37</a:t>
             </a:fld>
             <a:endParaRPr lang="en-CH"/>
           </a:p>
@@ -29723,7 +30872,7 @@
 </p:sld>
 </file>
 
-<file path=ppt/slides/slide39.xml><?xml version="1.0" encoding="utf-8"?>
+<file path=ppt/slides/slide38.xml><?xml version="1.0" encoding="utf-8"?>
 <p:sld xmlns:a="http://schemas.openxmlformats.org/drawingml/2006/main" xmlns:r="http://schemas.openxmlformats.org/officeDocument/2006/relationships" xmlns:p="http://schemas.openxmlformats.org/presentationml/2006/main">
   <p:cSld>
     <p:spTree>
@@ -29914,7 +31063,7 @@
           <a:p>
             <a:fld id="{0F00D740-55B1-4DC8-A3B5-4535950A93D0}" type="slidenum">
               <a:rPr lang="en-CH" smtClean="0"/>
-              <a:t>39</a:t>
+              <a:t>38</a:t>
             </a:fld>
             <a:endParaRPr lang="en-CH"/>
           </a:p>
@@ -29945,7 +31094,7 @@
 </p:sld>
 </file>
 
-<file path=ppt/slides/slide4.xml><?xml version="1.0" encoding="utf-8"?>
+<file path=ppt/slides/slide39.xml><?xml version="1.0" encoding="utf-8"?>
 <p:sld xmlns:a="http://schemas.openxmlformats.org/drawingml/2006/main" xmlns:r="http://schemas.openxmlformats.org/officeDocument/2006/relationships" xmlns:p="http://schemas.openxmlformats.org/presentationml/2006/main">
   <p:cSld>
     <p:spTree>
@@ -29990,7 +31139,7 @@
                 <a:latin typeface="Arial" panose="020B0604020202020204" pitchFamily="34" charset="0"/>
                 <a:cs typeface="Arial" panose="020B0604020202020204" pitchFamily="34" charset="0"/>
               </a:rPr>
-              <a:t>Auftrag</a:t>
+              <a:t>Endresultat</a:t>
             </a:r>
             <a:br>
               <a:rPr lang="en-US" b="1" dirty="0">
@@ -30003,147 +31152,7 @@
                 <a:latin typeface="Arial" panose="020B0604020202020204" pitchFamily="34" charset="0"/>
                 <a:cs typeface="Arial" panose="020B0604020202020204" pitchFamily="34" charset="0"/>
               </a:rPr>
-              <a:t>Challenge </a:t>
-            </a:r>
-            <a:r>
-              <a:rPr lang="en-US" sz="3600" i="1" dirty="0" err="1">
-                <a:latin typeface="Arial" panose="020B0604020202020204" pitchFamily="34" charset="0"/>
-                <a:cs typeface="Arial" panose="020B0604020202020204" pitchFamily="34" charset="0"/>
-              </a:rPr>
-              <a:t>Wettermonitor</a:t>
-            </a:r>
-            <a:endParaRPr lang="en-CH" dirty="0"/>
-          </a:p>
-        </p:txBody>
-      </p:sp>
-      <p:sp>
-        <p:nvSpPr>
-          <p:cNvPr id="3" name="Content Placeholder 2">
-            <a:extLst>
-              <a:ext uri="{FF2B5EF4-FFF2-40B4-BE49-F238E27FC236}">
-                <a16:creationId xmlns:a16="http://schemas.microsoft.com/office/drawing/2014/main" id="{F99C80A8-FCE8-4022-B4EC-046CA3785167}"/>
-              </a:ext>
-            </a:extLst>
-          </p:cNvPr>
-          <p:cNvSpPr>
-            <a:spLocks noGrp="1"/>
-          </p:cNvSpPr>
-          <p:nvPr>
-            <p:ph idx="1"/>
-          </p:nvPr>
-        </p:nvSpPr>
-        <p:spPr/>
-        <p:txBody>
-          <a:bodyPr>
-            <a:normAutofit/>
-          </a:bodyPr>
-          <a:lstStyle/>
-          <a:p>
-            <a:r>
-              <a:rPr lang="en-US" dirty="0" err="1"/>
-              <a:t>Wettermonitor</a:t>
-            </a:r>
-            <a:r>
-              <a:rPr lang="en-US" dirty="0"/>
-              <a:t> </a:t>
-            </a:r>
-            <a:r>
-              <a:rPr lang="en-US" dirty="0" err="1"/>
-              <a:t>Seegelclub</a:t>
-            </a:r>
-            <a:r>
-              <a:rPr lang="en-US" dirty="0"/>
-              <a:t> </a:t>
-            </a:r>
-            <a:r>
-              <a:rPr lang="en-US" dirty="0" err="1"/>
-              <a:t>Zürichsee</a:t>
-            </a:r>
-            <a:r>
-              <a:rPr lang="en-US" dirty="0"/>
-              <a:t> </a:t>
-            </a:r>
-          </a:p>
-          <a:p>
-            <a:r>
-              <a:rPr lang="en-US" dirty="0" err="1"/>
-              <a:t>Segeltörns</a:t>
-            </a:r>
-            <a:r>
-              <a:rPr lang="en-US" dirty="0"/>
-              <a:t> </a:t>
-            </a:r>
-            <a:r>
-              <a:rPr lang="en-US" dirty="0" err="1"/>
-              <a:t>sollen</a:t>
-            </a:r>
-            <a:r>
-              <a:rPr lang="en-US" dirty="0"/>
-              <a:t> </a:t>
-            </a:r>
-            <a:r>
-              <a:rPr lang="en-US" dirty="0" err="1"/>
-              <a:t>geplant</a:t>
-            </a:r>
-            <a:r>
-              <a:rPr lang="en-US" dirty="0"/>
-              <a:t> </a:t>
-            </a:r>
-            <a:r>
-              <a:rPr lang="en-US" dirty="0" err="1"/>
-              <a:t>werden</a:t>
-            </a:r>
-            <a:r>
-              <a:rPr lang="en-US" dirty="0"/>
-              <a:t> </a:t>
-            </a:r>
-            <a:r>
-              <a:rPr lang="en-US" dirty="0" err="1"/>
-              <a:t>können</a:t>
-            </a:r>
-            <a:endParaRPr lang="en-US" dirty="0"/>
-          </a:p>
-          <a:p>
-            <a:r>
-              <a:rPr lang="en-US" dirty="0" err="1"/>
-              <a:t>Wettervorhersage</a:t>
-            </a:r>
-            <a:endParaRPr lang="en-US" dirty="0"/>
-          </a:p>
-          <a:p>
-            <a:r>
-              <a:rPr lang="en-US" dirty="0"/>
-              <a:t>Hardware: Raspberry Pi &amp; HMI</a:t>
-            </a:r>
-          </a:p>
-          <a:p>
-            <a:r>
-              <a:rPr lang="en-US" dirty="0"/>
-              <a:t>API </a:t>
-            </a:r>
-            <a:r>
-              <a:rPr lang="en-US" dirty="0" err="1"/>
-              <a:t>Seepolizei</a:t>
-            </a:r>
-            <a:r>
-              <a:rPr lang="en-US" dirty="0"/>
-              <a:t> Zürich</a:t>
-            </a:r>
-          </a:p>
-          <a:p>
-            <a:r>
-              <a:rPr lang="en-US" dirty="0" err="1"/>
-              <a:t>Programmierung</a:t>
-            </a:r>
-            <a:r>
-              <a:rPr lang="en-US" dirty="0"/>
-              <a:t> in Python</a:t>
-            </a:r>
-          </a:p>
-          <a:p>
-            <a:r>
-              <a:rPr lang="en-US" dirty="0" err="1"/>
-              <a:t>Dokumentation</a:t>
+              <a:t>Life am HMI</a:t>
             </a:r>
             <a:endParaRPr lang="en-CH" dirty="0"/>
           </a:p>
@@ -30172,278 +31181,7 @@
           <a:p>
             <a:fld id="{0F00D740-55B1-4DC8-A3B5-4535950A93D0}" type="slidenum">
               <a:rPr lang="en-CH" smtClean="0"/>
-              <a:t>4</a:t>
-            </a:fld>
-            <a:endParaRPr lang="en-CH"/>
-          </a:p>
-        </p:txBody>
-      </p:sp>
-      <p:grpSp>
-        <p:nvGrpSpPr>
-          <p:cNvPr id="5" name="Group 4">
-            <a:extLst>
-              <a:ext uri="{FF2B5EF4-FFF2-40B4-BE49-F238E27FC236}">
-                <a16:creationId xmlns:a16="http://schemas.microsoft.com/office/drawing/2014/main" id="{4EC58CAD-48B2-4835-9E3B-91425F5E9895}"/>
-              </a:ext>
-            </a:extLst>
-          </p:cNvPr>
-          <p:cNvGrpSpPr/>
-          <p:nvPr/>
-        </p:nvGrpSpPr>
-        <p:grpSpPr>
-          <a:xfrm>
-            <a:off x="8990330" y="5808980"/>
-            <a:ext cx="3774440" cy="764540"/>
-            <a:chOff x="8990330" y="5808980"/>
-            <a:chExt cx="3774440" cy="764540"/>
-          </a:xfrm>
-        </p:grpSpPr>
-        <p:pic>
-          <p:nvPicPr>
-            <p:cNvPr id="6" name="Picture 5">
-              <a:extLst>
-                <a:ext uri="{FF2B5EF4-FFF2-40B4-BE49-F238E27FC236}">
-                  <a16:creationId xmlns:a16="http://schemas.microsoft.com/office/drawing/2014/main" id="{022721ED-DE7C-4BE7-8FB8-448D5A1D2FA3}"/>
-                </a:ext>
-              </a:extLst>
-            </p:cNvPr>
-            <p:cNvPicPr>
-              <a:picLocks noChangeAspect="1"/>
-            </p:cNvPicPr>
-            <p:nvPr/>
-          </p:nvPicPr>
-          <p:blipFill>
-            <a:blip r:embed="rId3" cstate="print">
-              <a:extLst>
-                <a:ext uri="{28A0092B-C50C-407E-A947-70E740481C1C}">
-                  <a14:useLocalDpi xmlns:a14="http://schemas.microsoft.com/office/drawing/2010/main" val="0"/>
-                </a:ext>
-              </a:extLst>
-            </a:blip>
-            <a:srcRect/>
-            <a:stretch>
-              <a:fillRect/>
-            </a:stretch>
-          </p:blipFill>
-          <p:spPr bwMode="auto">
-            <a:xfrm>
-              <a:off x="8990330" y="5808980"/>
-              <a:ext cx="942340" cy="558800"/>
-            </a:xfrm>
-            <a:prstGeom prst="rect">
-              <a:avLst/>
-            </a:prstGeom>
-            <a:noFill/>
-            <a:ln>
-              <a:noFill/>
-            </a:ln>
-          </p:spPr>
-        </p:pic>
-        <p:sp>
-          <p:nvSpPr>
-            <p:cNvPr id="7" name="Text Box 11">
-              <a:extLst>
-                <a:ext uri="{FF2B5EF4-FFF2-40B4-BE49-F238E27FC236}">
-                  <a16:creationId xmlns:a16="http://schemas.microsoft.com/office/drawing/2014/main" id="{D3B6ED79-9CCE-4997-8EDA-DFDF7934B22B}"/>
-                </a:ext>
-              </a:extLst>
-            </p:cNvPr>
-            <p:cNvSpPr txBox="1"/>
-            <p:nvPr/>
-          </p:nvSpPr>
-          <p:spPr>
-            <a:xfrm>
-              <a:off x="9999980" y="5923280"/>
-              <a:ext cx="2764790" cy="650240"/>
-            </a:xfrm>
-            <a:prstGeom prst="rect">
-              <a:avLst/>
-            </a:prstGeom>
-            <a:noFill/>
-            <a:ln w="6350">
-              <a:noFill/>
-            </a:ln>
-          </p:spPr>
-          <p:txBody>
-            <a:bodyPr rot="0" spcFirstLastPara="0" vert="horz" wrap="square" lIns="91440" tIns="45720" rIns="91440" bIns="45720" numCol="1" spcCol="0" rtlCol="0" fromWordArt="0" anchor="t" anchorCtr="0" forceAA="0" compatLnSpc="1">
-              <a:prstTxWarp prst="textNoShape">
-                <a:avLst/>
-              </a:prstTxWarp>
-              <a:noAutofit/>
-            </a:bodyPr>
-            <a:lstStyle/>
-            <a:p>
-              <a:pPr>
-                <a:lnSpc>
-                  <a:spcPct val="115000"/>
-                </a:lnSpc>
-              </a:pPr>
-              <a:r>
-                <a:rPr lang="en-US" sz="900" b="1">
-                  <a:solidFill>
-                    <a:srgbClr val="44546A"/>
-                  </a:solidFill>
-                  <a:effectLst/>
-                  <a:latin typeface="Calibri" panose="020F0502020204030204" pitchFamily="34" charset="0"/>
-                  <a:ea typeface="Times New Roman" panose="02020603050405020304" pitchFamily="18" charset="0"/>
-                  <a:cs typeface="Times New Roman" panose="02020603050405020304" pitchFamily="18" charset="0"/>
-                </a:rPr>
-                <a:t>Fachhochschule Nordwestschweiz</a:t>
-              </a:r>
-              <a:endParaRPr lang="en-CH" sz="1400" b="1">
-                <a:solidFill>
-                  <a:srgbClr val="44546A"/>
-                </a:solidFill>
-                <a:effectLst/>
-                <a:latin typeface="Calibri" panose="020F0502020204030204" pitchFamily="34" charset="0"/>
-                <a:ea typeface="Times New Roman" panose="02020603050405020304" pitchFamily="18" charset="0"/>
-                <a:cs typeface="Times New Roman" panose="02020603050405020304" pitchFamily="18" charset="0"/>
-              </a:endParaRPr>
-            </a:p>
-            <a:p>
-              <a:pPr>
-                <a:lnSpc>
-                  <a:spcPct val="115000"/>
-                </a:lnSpc>
-              </a:pPr>
-              <a:r>
-                <a:rPr lang="en-US" sz="900" b="1">
-                  <a:solidFill>
-                    <a:srgbClr val="44546A"/>
-                  </a:solidFill>
-                  <a:effectLst/>
-                  <a:latin typeface="Calibri" panose="020F0502020204030204" pitchFamily="34" charset="0"/>
-                  <a:ea typeface="Times New Roman" panose="02020603050405020304" pitchFamily="18" charset="0"/>
-                  <a:cs typeface="Times New Roman" panose="02020603050405020304" pitchFamily="18" charset="0"/>
-                </a:rPr>
-                <a:t>Hochschule für Technik</a:t>
-              </a:r>
-              <a:endParaRPr lang="en-CH" sz="1400" b="1">
-                <a:solidFill>
-                  <a:srgbClr val="44546A"/>
-                </a:solidFill>
-                <a:effectLst/>
-                <a:latin typeface="Calibri" panose="020F0502020204030204" pitchFamily="34" charset="0"/>
-                <a:ea typeface="Times New Roman" panose="02020603050405020304" pitchFamily="18" charset="0"/>
-                <a:cs typeface="Times New Roman" panose="02020603050405020304" pitchFamily="18" charset="0"/>
-              </a:endParaRPr>
-            </a:p>
-          </p:txBody>
-        </p:sp>
-      </p:grpSp>
-    </p:spTree>
-    <p:extLst>
-      <p:ext uri="{BB962C8B-B14F-4D97-AF65-F5344CB8AC3E}">
-        <p14:creationId xmlns:p14="http://schemas.microsoft.com/office/powerpoint/2010/main" val="1677253772"/>
-      </p:ext>
-    </p:extLst>
-  </p:cSld>
-  <p:clrMapOvr>
-    <a:masterClrMapping/>
-  </p:clrMapOvr>
-  <mc:AlternateContent xmlns:mc="http://schemas.openxmlformats.org/markup-compatibility/2006" xmlns:p14="http://schemas.microsoft.com/office/powerpoint/2010/main">
-    <mc:Choice Requires="p14">
-      <p:transition spd="med" p14:dur="700">
-        <p:fade/>
-      </p:transition>
-    </mc:Choice>
-    <mc:Fallback xmlns="">
-      <p:transition spd="med">
-        <p:fade/>
-      </p:transition>
-    </mc:Fallback>
-  </mc:AlternateContent>
-</p:sld>
-</file>
-
-<file path=ppt/slides/slide40.xml><?xml version="1.0" encoding="utf-8"?>
-<p:sld xmlns:a="http://schemas.openxmlformats.org/drawingml/2006/main" xmlns:r="http://schemas.openxmlformats.org/officeDocument/2006/relationships" xmlns:p="http://schemas.openxmlformats.org/presentationml/2006/main">
-  <p:cSld>
-    <p:spTree>
-      <p:nvGrpSpPr>
-        <p:cNvPr id="1" name=""/>
-        <p:cNvGrpSpPr/>
-        <p:nvPr/>
-      </p:nvGrpSpPr>
-      <p:grpSpPr>
-        <a:xfrm>
-          <a:off x="0" y="0"/>
-          <a:ext cx="0" cy="0"/>
-          <a:chOff x="0" y="0"/>
-          <a:chExt cx="0" cy="0"/>
-        </a:xfrm>
-      </p:grpSpPr>
-      <p:sp>
-        <p:nvSpPr>
-          <p:cNvPr id="2" name="Title 1">
-            <a:extLst>
-              <a:ext uri="{FF2B5EF4-FFF2-40B4-BE49-F238E27FC236}">
-                <a16:creationId xmlns:a16="http://schemas.microsoft.com/office/drawing/2014/main" id="{4808087A-40EC-41E6-A246-BC46343A4BFC}"/>
-              </a:ext>
-            </a:extLst>
-          </p:cNvPr>
-          <p:cNvSpPr>
-            <a:spLocks noGrp="1"/>
-          </p:cNvSpPr>
-          <p:nvPr>
-            <p:ph type="title"/>
-          </p:nvPr>
-        </p:nvSpPr>
-        <p:spPr/>
-        <p:txBody>
-          <a:bodyPr>
-            <a:normAutofit/>
-          </a:bodyPr>
-          <a:lstStyle/>
-          <a:p>
-            <a:r>
-              <a:rPr lang="en-US" b="1" dirty="0" err="1">
-                <a:latin typeface="Arial" panose="020B0604020202020204" pitchFamily="34" charset="0"/>
-                <a:cs typeface="Arial" panose="020B0604020202020204" pitchFamily="34" charset="0"/>
-              </a:rPr>
-              <a:t>Endresultat</a:t>
-            </a:r>
-            <a:br>
-              <a:rPr lang="en-US" b="1" dirty="0">
-                <a:latin typeface="Arial" panose="020B0604020202020204" pitchFamily="34" charset="0"/>
-                <a:cs typeface="Arial" panose="020B0604020202020204" pitchFamily="34" charset="0"/>
-              </a:rPr>
-            </a:br>
-            <a:r>
-              <a:rPr lang="en-US" sz="3600" i="1" dirty="0">
-                <a:latin typeface="Arial" panose="020B0604020202020204" pitchFamily="34" charset="0"/>
-                <a:cs typeface="Arial" panose="020B0604020202020204" pitchFamily="34" charset="0"/>
-              </a:rPr>
-              <a:t>Life am HMI</a:t>
-            </a:r>
-            <a:endParaRPr lang="en-CH" dirty="0"/>
-          </a:p>
-        </p:txBody>
-      </p:sp>
-      <p:sp>
-        <p:nvSpPr>
-          <p:cNvPr id="4" name="Slide Number Placeholder 3">
-            <a:extLst>
-              <a:ext uri="{FF2B5EF4-FFF2-40B4-BE49-F238E27FC236}">
-                <a16:creationId xmlns:a16="http://schemas.microsoft.com/office/drawing/2014/main" id="{25E7D99B-055F-46C1-9ED3-2255A4486B53}"/>
-              </a:ext>
-            </a:extLst>
-          </p:cNvPr>
-          <p:cNvSpPr>
-            <a:spLocks noGrp="1"/>
-          </p:cNvSpPr>
-          <p:nvPr>
-            <p:ph type="sldNum" sz="quarter" idx="12"/>
-          </p:nvPr>
-        </p:nvSpPr>
-        <p:spPr/>
-        <p:txBody>
-          <a:bodyPr/>
-          <a:lstStyle/>
-          <a:p>
-            <a:fld id="{0F00D740-55B1-4DC8-A3B5-4535950A93D0}" type="slidenum">
-              <a:rPr lang="en-CH" smtClean="0"/>
-              <a:t>40</a:t>
+              <a:t>39</a:t>
             </a:fld>
             <a:endParaRPr lang="en-CH"/>
           </a:p>
@@ -30953,7 +31691,418 @@
 </p:sld>
 </file>
 
-<file path=ppt/slides/slide41.xml><?xml version="1.0" encoding="utf-8"?>
+<file path=ppt/slides/slide4.xml><?xml version="1.0" encoding="utf-8"?>
+<p:sld xmlns:a="http://schemas.openxmlformats.org/drawingml/2006/main" xmlns:r="http://schemas.openxmlformats.org/officeDocument/2006/relationships" xmlns:p="http://schemas.openxmlformats.org/presentationml/2006/main">
+  <p:cSld>
+    <p:spTree>
+      <p:nvGrpSpPr>
+        <p:cNvPr id="1" name=""/>
+        <p:cNvGrpSpPr/>
+        <p:nvPr/>
+      </p:nvGrpSpPr>
+      <p:grpSpPr>
+        <a:xfrm>
+          <a:off x="0" y="0"/>
+          <a:ext cx="0" cy="0"/>
+          <a:chOff x="0" y="0"/>
+          <a:chExt cx="0" cy="0"/>
+        </a:xfrm>
+      </p:grpSpPr>
+      <p:sp>
+        <p:nvSpPr>
+          <p:cNvPr id="2" name="Title 1">
+            <a:extLst>
+              <a:ext uri="{FF2B5EF4-FFF2-40B4-BE49-F238E27FC236}">
+                <a16:creationId xmlns:a16="http://schemas.microsoft.com/office/drawing/2014/main" id="{4808087A-40EC-41E6-A246-BC46343A4BFC}"/>
+              </a:ext>
+            </a:extLst>
+          </p:cNvPr>
+          <p:cNvSpPr>
+            <a:spLocks noGrp="1"/>
+          </p:cNvSpPr>
+          <p:nvPr>
+            <p:ph type="title"/>
+          </p:nvPr>
+        </p:nvSpPr>
+        <p:spPr/>
+        <p:txBody>
+          <a:bodyPr>
+            <a:normAutofit/>
+          </a:bodyPr>
+          <a:lstStyle/>
+          <a:p>
+            <a:r>
+              <a:rPr lang="en-US" b="1" dirty="0" err="1">
+                <a:latin typeface="Arial" panose="020B0604020202020204" pitchFamily="34" charset="0"/>
+                <a:cs typeface="Arial" panose="020B0604020202020204" pitchFamily="34" charset="0"/>
+              </a:rPr>
+              <a:t>Auftrag</a:t>
+            </a:r>
+            <a:br>
+              <a:rPr lang="en-US" b="1" dirty="0">
+                <a:latin typeface="Arial" panose="020B0604020202020204" pitchFamily="34" charset="0"/>
+                <a:cs typeface="Arial" panose="020B0604020202020204" pitchFamily="34" charset="0"/>
+              </a:rPr>
+            </a:br>
+            <a:r>
+              <a:rPr lang="en-US" sz="3600" i="1" dirty="0">
+                <a:latin typeface="Arial" panose="020B0604020202020204" pitchFamily="34" charset="0"/>
+                <a:cs typeface="Arial" panose="020B0604020202020204" pitchFamily="34" charset="0"/>
+              </a:rPr>
+              <a:t>Challenge </a:t>
+            </a:r>
+            <a:r>
+              <a:rPr lang="en-US" sz="3600" i="1" dirty="0" err="1">
+                <a:latin typeface="Arial" panose="020B0604020202020204" pitchFamily="34" charset="0"/>
+                <a:cs typeface="Arial" panose="020B0604020202020204" pitchFamily="34" charset="0"/>
+              </a:rPr>
+              <a:t>Wettermonitor</a:t>
+            </a:r>
+            <a:endParaRPr lang="en-CH" dirty="0"/>
+          </a:p>
+        </p:txBody>
+      </p:sp>
+      <p:sp>
+        <p:nvSpPr>
+          <p:cNvPr id="3" name="Content Placeholder 2">
+            <a:extLst>
+              <a:ext uri="{FF2B5EF4-FFF2-40B4-BE49-F238E27FC236}">
+                <a16:creationId xmlns:a16="http://schemas.microsoft.com/office/drawing/2014/main" id="{F99C80A8-FCE8-4022-B4EC-046CA3785167}"/>
+              </a:ext>
+            </a:extLst>
+          </p:cNvPr>
+          <p:cNvSpPr>
+            <a:spLocks noGrp="1"/>
+          </p:cNvSpPr>
+          <p:nvPr>
+            <p:ph idx="1"/>
+          </p:nvPr>
+        </p:nvSpPr>
+        <p:spPr/>
+        <p:txBody>
+          <a:bodyPr>
+            <a:normAutofit/>
+          </a:bodyPr>
+          <a:lstStyle/>
+          <a:p>
+            <a:r>
+              <a:rPr lang="en-US" dirty="0" err="1"/>
+              <a:t>Wettermonitor</a:t>
+            </a:r>
+            <a:r>
+              <a:rPr lang="en-US" dirty="0"/>
+              <a:t> </a:t>
+            </a:r>
+            <a:r>
+              <a:rPr lang="en-US" dirty="0" err="1"/>
+              <a:t>Seegelclub</a:t>
+            </a:r>
+            <a:r>
+              <a:rPr lang="en-US" dirty="0"/>
+              <a:t> </a:t>
+            </a:r>
+            <a:r>
+              <a:rPr lang="en-US" dirty="0" err="1"/>
+              <a:t>Zürichsee</a:t>
+            </a:r>
+            <a:r>
+              <a:rPr lang="en-US" dirty="0"/>
+              <a:t> </a:t>
+            </a:r>
+          </a:p>
+          <a:p>
+            <a:r>
+              <a:rPr lang="en-US" dirty="0" err="1"/>
+              <a:t>Segeltörns</a:t>
+            </a:r>
+            <a:r>
+              <a:rPr lang="en-US" dirty="0"/>
+              <a:t> </a:t>
+            </a:r>
+            <a:r>
+              <a:rPr lang="en-US" dirty="0" err="1"/>
+              <a:t>sollen</a:t>
+            </a:r>
+            <a:r>
+              <a:rPr lang="en-US" dirty="0"/>
+              <a:t> </a:t>
+            </a:r>
+            <a:r>
+              <a:rPr lang="en-US" dirty="0" err="1"/>
+              <a:t>geplant</a:t>
+            </a:r>
+            <a:r>
+              <a:rPr lang="en-US" dirty="0"/>
+              <a:t> </a:t>
+            </a:r>
+            <a:r>
+              <a:rPr lang="en-US" dirty="0" err="1"/>
+              <a:t>werden</a:t>
+            </a:r>
+            <a:r>
+              <a:rPr lang="en-US" dirty="0"/>
+              <a:t> </a:t>
+            </a:r>
+            <a:r>
+              <a:rPr lang="en-US" dirty="0" err="1"/>
+              <a:t>können</a:t>
+            </a:r>
+            <a:endParaRPr lang="en-US" dirty="0"/>
+          </a:p>
+          <a:p>
+            <a:r>
+              <a:rPr lang="en-US" dirty="0" err="1"/>
+              <a:t>Wettervorhersage</a:t>
+            </a:r>
+            <a:endParaRPr lang="en-US" dirty="0"/>
+          </a:p>
+          <a:p>
+            <a:r>
+              <a:rPr lang="en-US" dirty="0"/>
+              <a:t>Hardware: Raspberry Pi &amp; HMI</a:t>
+            </a:r>
+          </a:p>
+          <a:p>
+            <a:r>
+              <a:rPr lang="en-US" dirty="0"/>
+              <a:t>API </a:t>
+            </a:r>
+            <a:r>
+              <a:rPr lang="en-US" dirty="0" err="1"/>
+              <a:t>Seepolizei</a:t>
+            </a:r>
+            <a:r>
+              <a:rPr lang="en-US" dirty="0"/>
+              <a:t> Zürich</a:t>
+            </a:r>
+          </a:p>
+          <a:p>
+            <a:r>
+              <a:rPr lang="en-US" dirty="0" err="1"/>
+              <a:t>Programmierung</a:t>
+            </a:r>
+            <a:r>
+              <a:rPr lang="en-US" dirty="0"/>
+              <a:t> in Python</a:t>
+            </a:r>
+          </a:p>
+          <a:p>
+            <a:r>
+              <a:rPr lang="en-US" dirty="0" err="1"/>
+              <a:t>Dokumentation</a:t>
+            </a:r>
+            <a:endParaRPr lang="en-CH" dirty="0"/>
+          </a:p>
+        </p:txBody>
+      </p:sp>
+      <p:sp>
+        <p:nvSpPr>
+          <p:cNvPr id="4" name="Slide Number Placeholder 3">
+            <a:extLst>
+              <a:ext uri="{FF2B5EF4-FFF2-40B4-BE49-F238E27FC236}">
+                <a16:creationId xmlns:a16="http://schemas.microsoft.com/office/drawing/2014/main" id="{25E7D99B-055F-46C1-9ED3-2255A4486B53}"/>
+              </a:ext>
+            </a:extLst>
+          </p:cNvPr>
+          <p:cNvSpPr>
+            <a:spLocks noGrp="1"/>
+          </p:cNvSpPr>
+          <p:nvPr>
+            <p:ph type="sldNum" sz="quarter" idx="12"/>
+          </p:nvPr>
+        </p:nvSpPr>
+        <p:spPr/>
+        <p:txBody>
+          <a:bodyPr/>
+          <a:lstStyle/>
+          <a:p>
+            <a:fld id="{0F00D740-55B1-4DC8-A3B5-4535950A93D0}" type="slidenum">
+              <a:rPr lang="en-CH" smtClean="0"/>
+              <a:t>4</a:t>
+            </a:fld>
+            <a:endParaRPr lang="en-CH"/>
+          </a:p>
+        </p:txBody>
+      </p:sp>
+      <p:grpSp>
+        <p:nvGrpSpPr>
+          <p:cNvPr id="5" name="Group 4">
+            <a:extLst>
+              <a:ext uri="{FF2B5EF4-FFF2-40B4-BE49-F238E27FC236}">
+                <a16:creationId xmlns:a16="http://schemas.microsoft.com/office/drawing/2014/main" id="{4EC58CAD-48B2-4835-9E3B-91425F5E9895}"/>
+              </a:ext>
+            </a:extLst>
+          </p:cNvPr>
+          <p:cNvGrpSpPr/>
+          <p:nvPr/>
+        </p:nvGrpSpPr>
+        <p:grpSpPr>
+          <a:xfrm>
+            <a:off x="8990330" y="5808980"/>
+            <a:ext cx="3774440" cy="764540"/>
+            <a:chOff x="8990330" y="5808980"/>
+            <a:chExt cx="3774440" cy="764540"/>
+          </a:xfrm>
+        </p:grpSpPr>
+        <p:pic>
+          <p:nvPicPr>
+            <p:cNvPr id="6" name="Picture 5">
+              <a:extLst>
+                <a:ext uri="{FF2B5EF4-FFF2-40B4-BE49-F238E27FC236}">
+                  <a16:creationId xmlns:a16="http://schemas.microsoft.com/office/drawing/2014/main" id="{022721ED-DE7C-4BE7-8FB8-448D5A1D2FA3}"/>
+                </a:ext>
+              </a:extLst>
+            </p:cNvPr>
+            <p:cNvPicPr>
+              <a:picLocks noChangeAspect="1"/>
+            </p:cNvPicPr>
+            <p:nvPr/>
+          </p:nvPicPr>
+          <p:blipFill>
+            <a:blip r:embed="rId3" cstate="print">
+              <a:extLst>
+                <a:ext uri="{28A0092B-C50C-407E-A947-70E740481C1C}">
+                  <a14:useLocalDpi xmlns:a14="http://schemas.microsoft.com/office/drawing/2010/main" val="0"/>
+                </a:ext>
+              </a:extLst>
+            </a:blip>
+            <a:srcRect/>
+            <a:stretch>
+              <a:fillRect/>
+            </a:stretch>
+          </p:blipFill>
+          <p:spPr bwMode="auto">
+            <a:xfrm>
+              <a:off x="8990330" y="5808980"/>
+              <a:ext cx="942340" cy="558800"/>
+            </a:xfrm>
+            <a:prstGeom prst="rect">
+              <a:avLst/>
+            </a:prstGeom>
+            <a:noFill/>
+            <a:ln>
+              <a:noFill/>
+            </a:ln>
+          </p:spPr>
+        </p:pic>
+        <p:sp>
+          <p:nvSpPr>
+            <p:cNvPr id="7" name="Text Box 11">
+              <a:extLst>
+                <a:ext uri="{FF2B5EF4-FFF2-40B4-BE49-F238E27FC236}">
+                  <a16:creationId xmlns:a16="http://schemas.microsoft.com/office/drawing/2014/main" id="{D3B6ED79-9CCE-4997-8EDA-DFDF7934B22B}"/>
+                </a:ext>
+              </a:extLst>
+            </p:cNvPr>
+            <p:cNvSpPr txBox="1"/>
+            <p:nvPr/>
+          </p:nvSpPr>
+          <p:spPr>
+            <a:xfrm>
+              <a:off x="9999980" y="5923280"/>
+              <a:ext cx="2764790" cy="650240"/>
+            </a:xfrm>
+            <a:prstGeom prst="rect">
+              <a:avLst/>
+            </a:prstGeom>
+            <a:noFill/>
+            <a:ln w="6350">
+              <a:noFill/>
+            </a:ln>
+          </p:spPr>
+          <p:txBody>
+            <a:bodyPr rot="0" spcFirstLastPara="0" vert="horz" wrap="square" lIns="91440" tIns="45720" rIns="91440" bIns="45720" numCol="1" spcCol="0" rtlCol="0" fromWordArt="0" anchor="t" anchorCtr="0" forceAA="0" compatLnSpc="1">
+              <a:prstTxWarp prst="textNoShape">
+                <a:avLst/>
+              </a:prstTxWarp>
+              <a:noAutofit/>
+            </a:bodyPr>
+            <a:lstStyle/>
+            <a:p>
+              <a:pPr>
+                <a:lnSpc>
+                  <a:spcPct val="115000"/>
+                </a:lnSpc>
+              </a:pPr>
+              <a:r>
+                <a:rPr lang="en-US" sz="900" b="1">
+                  <a:solidFill>
+                    <a:srgbClr val="44546A"/>
+                  </a:solidFill>
+                  <a:effectLst/>
+                  <a:latin typeface="Calibri" panose="020F0502020204030204" pitchFamily="34" charset="0"/>
+                  <a:ea typeface="Times New Roman" panose="02020603050405020304" pitchFamily="18" charset="0"/>
+                  <a:cs typeface="Times New Roman" panose="02020603050405020304" pitchFamily="18" charset="0"/>
+                </a:rPr>
+                <a:t>Fachhochschule Nordwestschweiz</a:t>
+              </a:r>
+              <a:endParaRPr lang="en-CH" sz="1400" b="1">
+                <a:solidFill>
+                  <a:srgbClr val="44546A"/>
+                </a:solidFill>
+                <a:effectLst/>
+                <a:latin typeface="Calibri" panose="020F0502020204030204" pitchFamily="34" charset="0"/>
+                <a:ea typeface="Times New Roman" panose="02020603050405020304" pitchFamily="18" charset="0"/>
+                <a:cs typeface="Times New Roman" panose="02020603050405020304" pitchFamily="18" charset="0"/>
+              </a:endParaRPr>
+            </a:p>
+            <a:p>
+              <a:pPr>
+                <a:lnSpc>
+                  <a:spcPct val="115000"/>
+                </a:lnSpc>
+              </a:pPr>
+              <a:r>
+                <a:rPr lang="en-US" sz="900" b="1">
+                  <a:solidFill>
+                    <a:srgbClr val="44546A"/>
+                  </a:solidFill>
+                  <a:effectLst/>
+                  <a:latin typeface="Calibri" panose="020F0502020204030204" pitchFamily="34" charset="0"/>
+                  <a:ea typeface="Times New Roman" panose="02020603050405020304" pitchFamily="18" charset="0"/>
+                  <a:cs typeface="Times New Roman" panose="02020603050405020304" pitchFamily="18" charset="0"/>
+                </a:rPr>
+                <a:t>Hochschule für Technik</a:t>
+              </a:r>
+              <a:endParaRPr lang="en-CH" sz="1400" b="1">
+                <a:solidFill>
+                  <a:srgbClr val="44546A"/>
+                </a:solidFill>
+                <a:effectLst/>
+                <a:latin typeface="Calibri" panose="020F0502020204030204" pitchFamily="34" charset="0"/>
+                <a:ea typeface="Times New Roman" panose="02020603050405020304" pitchFamily="18" charset="0"/>
+                <a:cs typeface="Times New Roman" panose="02020603050405020304" pitchFamily="18" charset="0"/>
+              </a:endParaRPr>
+            </a:p>
+          </p:txBody>
+        </p:sp>
+      </p:grpSp>
+    </p:spTree>
+    <p:extLst>
+      <p:ext uri="{BB962C8B-B14F-4D97-AF65-F5344CB8AC3E}">
+        <p14:creationId xmlns:p14="http://schemas.microsoft.com/office/powerpoint/2010/main" val="1677253772"/>
+      </p:ext>
+    </p:extLst>
+  </p:cSld>
+  <p:clrMapOvr>
+    <a:masterClrMapping/>
+  </p:clrMapOvr>
+  <mc:AlternateContent xmlns:mc="http://schemas.openxmlformats.org/markup-compatibility/2006" xmlns:p14="http://schemas.microsoft.com/office/powerpoint/2010/main">
+    <mc:Choice Requires="p14">
+      <p:transition spd="med" p14:dur="700">
+        <p:fade/>
+      </p:transition>
+    </mc:Choice>
+    <mc:Fallback xmlns="">
+      <p:transition spd="med">
+        <p:fade/>
+      </p:transition>
+    </mc:Fallback>
+  </mc:AlternateContent>
+</p:sld>
+</file>
+
+<file path=ppt/slides/slide40.xml><?xml version="1.0" encoding="utf-8"?>
 <p:sld xmlns:a="http://schemas.openxmlformats.org/drawingml/2006/main" xmlns:r="http://schemas.openxmlformats.org/officeDocument/2006/relationships" xmlns:p="http://schemas.openxmlformats.org/presentationml/2006/main">
   <p:cSld>
     <p:spTree>
@@ -31147,7 +32296,7 @@
           <a:p>
             <a:fld id="{0F00D740-55B1-4DC8-A3B5-4535950A93D0}" type="slidenum">
               <a:rPr lang="en-CH" smtClean="0"/>
-              <a:t>41</a:t>
+              <a:t>40</a:t>
             </a:fld>
             <a:endParaRPr lang="en-CH"/>
           </a:p>
@@ -31178,7 +32327,7 @@
 </p:sld>
 </file>
 
-<file path=ppt/slides/slide42.xml><?xml version="1.0" encoding="utf-8"?>
+<file path=ppt/slides/slide41.xml><?xml version="1.0" encoding="utf-8"?>
 <p:sld xmlns:a="http://schemas.openxmlformats.org/drawingml/2006/main" xmlns:r="http://schemas.openxmlformats.org/officeDocument/2006/relationships" xmlns:p="http://schemas.openxmlformats.org/presentationml/2006/main">
   <p:cSld>
     <p:spTree>
@@ -31264,107 +32413,47 @@
           <a:lstStyle/>
           <a:p>
             <a:r>
-              <a:rPr lang="en-US" dirty="0" err="1"/>
-              <a:t>Zusätzliche</a:t>
-            </a:r>
-            <a:r>
-              <a:rPr lang="en-US" dirty="0"/>
-              <a:t> </a:t>
-            </a:r>
-            <a:r>
-              <a:rPr lang="en-US" dirty="0" err="1"/>
-              <a:t>Messungen</a:t>
-            </a:r>
-            <a:r>
-              <a:rPr lang="en-US" dirty="0"/>
-              <a:t> für </a:t>
-            </a:r>
-            <a:r>
-              <a:rPr lang="en-US" dirty="0" err="1"/>
-              <a:t>Mythenquai</a:t>
-            </a:r>
-            <a:endParaRPr lang="en-US" dirty="0"/>
-          </a:p>
-          <a:p>
-            <a:r>
-              <a:rPr lang="en-US" dirty="0" err="1"/>
+              <a:rPr lang="de-CH" dirty="0"/>
+              <a:t>Zusätzliche Messungen für Mythenquai</a:t>
+            </a:r>
+          </a:p>
+          <a:p>
+            <a:r>
+              <a:rPr lang="de-CH" dirty="0" err="1"/>
               <a:t>Meteomeldungen</a:t>
             </a:r>
-            <a:r>
-              <a:rPr lang="en-US" dirty="0"/>
-              <a:t> </a:t>
-            </a:r>
-            <a:r>
-              <a:rPr lang="en-US" dirty="0" err="1"/>
-              <a:t>miteinbingen</a:t>
-            </a:r>
-            <a:endParaRPr lang="en-US" dirty="0"/>
-          </a:p>
-          <a:p>
-            <a:r>
-              <a:rPr lang="en-US" dirty="0"/>
-              <a:t>SMS/Email </a:t>
-            </a:r>
-            <a:r>
-              <a:rPr lang="en-US" dirty="0" err="1"/>
-              <a:t>Benachrichtigungen</a:t>
-            </a:r>
-            <a:r>
-              <a:rPr lang="en-US" dirty="0"/>
-              <a:t> für </a:t>
-            </a:r>
-            <a:r>
-              <a:rPr lang="en-US" dirty="0" err="1"/>
-              <a:t>Segler</a:t>
-            </a:r>
-            <a:endParaRPr lang="en-US" dirty="0"/>
-          </a:p>
-          <a:p>
-            <a:r>
-              <a:rPr lang="en-US" dirty="0" err="1"/>
-              <a:t>Satelitenkarte</a:t>
-            </a:r>
-            <a:r>
-              <a:rPr lang="en-US" dirty="0"/>
-              <a:t> </a:t>
-            </a:r>
-            <a:r>
-              <a:rPr lang="en-US" dirty="0" err="1"/>
-              <a:t>mit</a:t>
-            </a:r>
-            <a:r>
-              <a:rPr lang="en-US" dirty="0"/>
-              <a:t> Wind / Wetter</a:t>
-            </a:r>
-          </a:p>
-          <a:p>
-            <a:r>
-              <a:rPr lang="en-US" dirty="0" err="1"/>
-              <a:t>Graphen</a:t>
-            </a:r>
-            <a:r>
-              <a:rPr lang="en-US" dirty="0"/>
-              <a:t> </a:t>
-            </a:r>
-            <a:r>
-              <a:rPr lang="en-US" dirty="0" err="1"/>
-              <a:t>vereinheitlichen</a:t>
-            </a:r>
-            <a:r>
-              <a:rPr lang="en-US" dirty="0"/>
-              <a:t> </a:t>
-            </a:r>
-            <a:r>
-              <a:rPr lang="en-US" dirty="0" err="1"/>
-              <a:t>vom</a:t>
-            </a:r>
-            <a:r>
-              <a:rPr lang="en-US" dirty="0"/>
-              <a:t> Layout</a:t>
-            </a:r>
-          </a:p>
-          <a:p>
-            <a:endParaRPr lang="en-CH" dirty="0"/>
+            <a:endParaRPr lang="de-CH" dirty="0"/>
+          </a:p>
+          <a:p>
+            <a:r>
+              <a:rPr lang="de-CH" dirty="0" err="1"/>
+              <a:t>Sonnenauf</a:t>
+            </a:r>
+            <a:r>
+              <a:rPr lang="de-CH" dirty="0"/>
+              <a:t>/-untergang</a:t>
+            </a:r>
+          </a:p>
+          <a:p>
+            <a:r>
+              <a:rPr lang="de-CH" dirty="0"/>
+              <a:t>SMS/Email Benachrichtigungen für Segler</a:t>
+            </a:r>
+          </a:p>
+          <a:p>
+            <a:r>
+              <a:rPr lang="de-CH" dirty="0"/>
+              <a:t>Satellitenkarten</a:t>
+            </a:r>
+          </a:p>
+          <a:p>
+            <a:r>
+              <a:rPr lang="de-CH" dirty="0"/>
+              <a:t>Graphen vereinheitlichen vom Layout</a:t>
+            </a:r>
+          </a:p>
+          <a:p>
+            <a:endParaRPr lang="de-CH" dirty="0"/>
           </a:p>
         </p:txBody>
       </p:sp>
@@ -31391,7 +32480,7 @@
           <a:p>
             <a:fld id="{0F00D740-55B1-4DC8-A3B5-4535950A93D0}" type="slidenum">
               <a:rPr lang="en-CH" smtClean="0"/>
-              <a:t>42</a:t>
+              <a:t>41</a:t>
             </a:fld>
             <a:endParaRPr lang="en-CH"/>
           </a:p>
@@ -31575,7 +32664,7 @@
 </p:sld>
 </file>
 
-<file path=ppt/slides/slide43.xml><?xml version="1.0" encoding="utf-8"?>
+<file path=ppt/slides/slide42.xml><?xml version="1.0" encoding="utf-8"?>
 <p:sld xmlns:a="http://schemas.openxmlformats.org/drawingml/2006/main" xmlns:r="http://schemas.openxmlformats.org/officeDocument/2006/relationships" xmlns:p="http://schemas.openxmlformats.org/presentationml/2006/main">
   <p:cSld>
     <p:spTree>

--- a/Powerpoint v3.pptx
+++ b/Powerpoint v3.pptx
@@ -642,7 +642,7 @@
           <a:p>
             <a:fld id="{6653C7EC-378C-496A-9946-B9D0B56795BD}" type="datetimeFigureOut">
               <a:rPr lang="en-CH" smtClean="0"/>
-              <a:t>27/01/2022</a:t>
+              <a:t>01/27/2022</a:t>
             </a:fld>
             <a:endParaRPr lang="en-CH"/>
           </a:p>
@@ -801,7 +801,7 @@
           <a:p>
             <a:fld id="{D4CE1BAB-7B68-4C87-8549-54F078DDFB49}" type="slidenum">
               <a:rPr lang="en-CH" smtClean="0"/>
-              <a:t>‹#›</a:t>
+              <a:t>‹Nr.›</a:t>
             </a:fld>
             <a:endParaRPr lang="en-CH"/>
           </a:p>
@@ -1685,263 +1685,356 @@
           <a:p>
             <a:r>
               <a:rPr lang="en-US" dirty="0"/>
+              <a:t>Unser </a:t>
+            </a:r>
+            <a:r>
+              <a:rPr lang="en-US" dirty="0" err="1"/>
+              <a:t>Ziel</a:t>
+            </a:r>
+            <a:r>
+              <a:rPr lang="en-US" dirty="0"/>
+              <a:t> war das Wetter des </a:t>
+            </a:r>
+            <a:r>
+              <a:rPr lang="en-US" dirty="0" err="1"/>
+              <a:t>jeweiligen</a:t>
+            </a:r>
+            <a:r>
+              <a:rPr lang="en-US" dirty="0"/>
+              <a:t> </a:t>
+            </a:r>
+            <a:r>
+              <a:rPr lang="en-US" dirty="0" err="1"/>
+              <a:t>nächsten</a:t>
+            </a:r>
+            <a:r>
+              <a:rPr lang="en-US" dirty="0"/>
+              <a:t> Tages </a:t>
+            </a:r>
+            <a:r>
+              <a:rPr lang="en-US" dirty="0" err="1"/>
+              <a:t>vorher</a:t>
+            </a:r>
+            <a:r>
+              <a:rPr lang="en-US" dirty="0"/>
+              <a:t> </a:t>
+            </a:r>
+            <a:r>
+              <a:rPr lang="en-US" dirty="0" err="1"/>
+              <a:t>zu</a:t>
+            </a:r>
+            <a:r>
+              <a:rPr lang="en-US" dirty="0"/>
+              <a:t> </a:t>
+            </a:r>
+            <a:r>
+              <a:rPr lang="en-US" dirty="0" err="1"/>
+              <a:t>sagen</a:t>
+            </a:r>
+            <a:r>
+              <a:rPr lang="en-US" dirty="0"/>
+              <a:t>.</a:t>
+            </a:r>
+          </a:p>
+          <a:p>
+            <a:endParaRPr lang="en-US" dirty="0"/>
+          </a:p>
+          <a:p>
+            <a:r>
+              <a:rPr lang="en-US" dirty="0" err="1"/>
+              <a:t>Hierbei</a:t>
+            </a:r>
+            <a:r>
+              <a:rPr lang="en-US" dirty="0"/>
+              <a:t> </a:t>
+            </a:r>
+            <a:r>
+              <a:rPr lang="en-US" dirty="0" err="1"/>
+              <a:t>nutzen</a:t>
+            </a:r>
+            <a:r>
+              <a:rPr lang="en-US" dirty="0"/>
+              <a:t> </a:t>
+            </a:r>
+            <a:r>
+              <a:rPr lang="en-US" dirty="0" err="1"/>
+              <a:t>wir</a:t>
+            </a:r>
+            <a:r>
+              <a:rPr lang="en-US" dirty="0"/>
+              <a:t> </a:t>
+            </a:r>
+            <a:r>
+              <a:rPr lang="en-US" dirty="0" err="1"/>
+              <a:t>einen</a:t>
+            </a:r>
+            <a:r>
+              <a:rPr lang="en-US" dirty="0"/>
+              <a:t> </a:t>
+            </a:r>
+            <a:r>
+              <a:rPr lang="en-US" dirty="0" err="1"/>
+              <a:t>selbst</a:t>
+            </a:r>
+            <a:r>
+              <a:rPr lang="en-US" dirty="0"/>
+              <a:t> </a:t>
+            </a:r>
+            <a:r>
+              <a:rPr lang="en-US" dirty="0" err="1"/>
+              <a:t>entwickelten</a:t>
+            </a:r>
+            <a:r>
+              <a:rPr lang="en-US" dirty="0"/>
+              <a:t> </a:t>
+            </a:r>
+            <a:r>
+              <a:rPr lang="en-US" dirty="0" err="1"/>
+              <a:t>Algorithmus</a:t>
+            </a:r>
+            <a:r>
+              <a:rPr lang="en-US" dirty="0"/>
+              <a:t>, </a:t>
+            </a:r>
+            <a:r>
+              <a:rPr lang="en-US" dirty="0" err="1"/>
+              <a:t>welcher</a:t>
+            </a:r>
+            <a:r>
+              <a:rPr lang="en-US" dirty="0"/>
+              <a:t> auf dem </a:t>
+            </a:r>
+            <a:r>
+              <a:rPr lang="en-US" dirty="0" err="1"/>
+              <a:t>Prinzip</a:t>
+            </a:r>
+            <a:r>
+              <a:rPr lang="en-US" dirty="0"/>
+              <a:t> des nearest </a:t>
+            </a:r>
+            <a:r>
+              <a:rPr lang="en-US" dirty="0" err="1"/>
+              <a:t>neighbour</a:t>
+            </a:r>
+            <a:r>
+              <a:rPr lang="en-US" dirty="0"/>
+              <a:t> </a:t>
+            </a:r>
+            <a:r>
+              <a:rPr lang="en-US" dirty="0" err="1"/>
+              <a:t>basiert</a:t>
+            </a:r>
+            <a:r>
+              <a:rPr lang="en-US" dirty="0"/>
+              <a:t>..</a:t>
+            </a:r>
+          </a:p>
+          <a:p>
+            <a:r>
+              <a:rPr lang="en-US" dirty="0" err="1"/>
+              <a:t>Mit</a:t>
+            </a:r>
+            <a:r>
+              <a:rPr lang="en-US" dirty="0"/>
+              <a:t> dem nearest </a:t>
+            </a:r>
+            <a:r>
+              <a:rPr lang="en-US" dirty="0" err="1"/>
+              <a:t>neighbour</a:t>
+            </a:r>
+            <a:r>
+              <a:rPr lang="en-US" dirty="0"/>
+              <a:t> </a:t>
+            </a:r>
+            <a:r>
+              <a:rPr lang="en-US" dirty="0" err="1"/>
+              <a:t>können</a:t>
+            </a:r>
+            <a:r>
+              <a:rPr lang="en-US" dirty="0"/>
+              <a:t> </a:t>
+            </a:r>
+            <a:r>
+              <a:rPr lang="en-US" dirty="0" err="1"/>
+              <a:t>wir</a:t>
+            </a:r>
+            <a:r>
+              <a:rPr lang="en-US" dirty="0"/>
+              <a:t> </a:t>
+            </a:r>
+            <a:r>
+              <a:rPr lang="en-US" dirty="0" err="1"/>
+              <a:t>einen</a:t>
+            </a:r>
+            <a:r>
+              <a:rPr lang="en-US" dirty="0"/>
+              <a:t> Tag in der </a:t>
+            </a:r>
+            <a:r>
+              <a:rPr lang="en-US" dirty="0" err="1"/>
+              <a:t>Vergangenheit</a:t>
+            </a:r>
+            <a:r>
+              <a:rPr lang="en-US" dirty="0"/>
+              <a:t> </a:t>
+            </a:r>
+            <a:r>
+              <a:rPr lang="en-US" dirty="0" err="1"/>
+              <a:t>finden</a:t>
+            </a:r>
+            <a:r>
+              <a:rPr lang="en-US" dirty="0"/>
+              <a:t>, </a:t>
+            </a:r>
+            <a:r>
+              <a:rPr lang="en-US" dirty="0" err="1"/>
+              <a:t>welcher</a:t>
+            </a:r>
+            <a:r>
+              <a:rPr lang="en-US" dirty="0"/>
+              <a:t> </a:t>
+            </a:r>
+            <a:r>
+              <a:rPr lang="en-US" dirty="0" err="1"/>
+              <a:t>mit</a:t>
+            </a:r>
+            <a:r>
+              <a:rPr lang="en-US" dirty="0"/>
+              <a:t> dem </a:t>
+            </a:r>
+            <a:r>
+              <a:rPr lang="en-US" dirty="0" err="1"/>
+              <a:t>Heutigen</a:t>
+            </a:r>
+            <a:r>
+              <a:rPr lang="en-US" dirty="0"/>
+              <a:t> am </a:t>
+            </a:r>
+            <a:r>
+              <a:rPr lang="en-US" dirty="0" err="1"/>
+              <a:t>besten</a:t>
+            </a:r>
+            <a:r>
+              <a:rPr lang="en-US" dirty="0"/>
+              <a:t> </a:t>
+            </a:r>
+            <a:r>
+              <a:rPr lang="en-US" dirty="0" err="1"/>
+              <a:t>überein</a:t>
+            </a:r>
+            <a:r>
+              <a:rPr lang="en-US" dirty="0"/>
+              <a:t> </a:t>
+            </a:r>
+            <a:r>
+              <a:rPr lang="en-US" dirty="0" err="1"/>
+              <a:t>stimmt</a:t>
+            </a:r>
+            <a:r>
+              <a:rPr lang="en-US" dirty="0"/>
+              <a:t>. </a:t>
+            </a:r>
+            <a:br>
+              <a:rPr lang="en-US" dirty="0"/>
+            </a:br>
+            <a:r>
+              <a:rPr lang="en-US" dirty="0" err="1"/>
+              <a:t>Anschliesend</a:t>
+            </a:r>
+            <a:r>
+              <a:rPr lang="en-US" dirty="0"/>
+              <a:t> </a:t>
+            </a:r>
+            <a:r>
+              <a:rPr lang="en-US" dirty="0" err="1"/>
+              <a:t>nehmen</a:t>
+            </a:r>
+            <a:r>
+              <a:rPr lang="en-US" dirty="0"/>
+              <a:t> </a:t>
+            </a:r>
+            <a:r>
+              <a:rPr lang="en-US" dirty="0" err="1"/>
+              <a:t>wir</a:t>
+            </a:r>
+            <a:r>
+              <a:rPr lang="en-US" dirty="0"/>
+              <a:t> an, </a:t>
+            </a:r>
+            <a:r>
+              <a:rPr lang="en-US" dirty="0" err="1"/>
+              <a:t>dass</a:t>
+            </a:r>
+            <a:r>
+              <a:rPr lang="en-US" dirty="0"/>
+              <a:t> der </a:t>
+            </a:r>
+            <a:r>
+              <a:rPr lang="en-US" dirty="0" err="1"/>
+              <a:t>darauffolgende</a:t>
+            </a:r>
+            <a:r>
+              <a:rPr lang="en-US" dirty="0"/>
+              <a:t> Tag dem </a:t>
+            </a:r>
+            <a:r>
+              <a:rPr lang="en-US" dirty="0" err="1"/>
+              <a:t>morgigen</a:t>
+            </a:r>
+            <a:r>
+              <a:rPr lang="en-US" dirty="0"/>
+              <a:t> </a:t>
+            </a:r>
+            <a:r>
+              <a:rPr lang="en-US" dirty="0" err="1"/>
+              <a:t>ähnich</a:t>
+            </a:r>
+            <a:r>
+              <a:rPr lang="en-US" dirty="0"/>
+              <a:t> sein muss.</a:t>
+            </a:r>
+          </a:p>
+          <a:p>
+            <a:endParaRPr lang="en-US" dirty="0"/>
+          </a:p>
+          <a:p>
+            <a:r>
+              <a:rPr lang="en-US" dirty="0"/>
               <a:t>Die </a:t>
             </a:r>
             <a:r>
               <a:rPr lang="en-US" dirty="0" err="1"/>
-              <a:t>Wettervorhersage</a:t>
-            </a:r>
-            <a:r>
-              <a:rPr lang="en-US" dirty="0"/>
-              <a:t> </a:t>
-            </a:r>
-            <a:r>
-              <a:rPr lang="en-US" dirty="0" err="1"/>
-              <a:t>haben</a:t>
-            </a:r>
-            <a:r>
-              <a:rPr lang="en-US" dirty="0"/>
-              <a:t> </a:t>
-            </a:r>
-            <a:r>
-              <a:rPr lang="en-US" dirty="0" err="1"/>
-              <a:t>wir</a:t>
-            </a:r>
-            <a:r>
-              <a:rPr lang="en-US" dirty="0"/>
-              <a:t> </a:t>
-            </a:r>
-            <a:r>
-              <a:rPr lang="en-US" dirty="0" err="1"/>
-              <a:t>selbst</a:t>
-            </a:r>
-            <a:r>
-              <a:rPr lang="en-US" dirty="0"/>
-              <a:t> </a:t>
-            </a:r>
-            <a:r>
-              <a:rPr lang="en-US" dirty="0" err="1"/>
-              <a:t>entwickelt</a:t>
-            </a:r>
-            <a:r>
-              <a:rPr lang="en-US" dirty="0"/>
-              <a:t>.</a:t>
-            </a:r>
-          </a:p>
-          <a:p>
-            <a:r>
-              <a:rPr lang="en-US" dirty="0"/>
-              <a:t>Der </a:t>
-            </a:r>
-            <a:r>
-              <a:rPr lang="en-US" dirty="0" err="1"/>
-              <a:t>Algorithmus</a:t>
-            </a:r>
-            <a:r>
-              <a:rPr lang="en-US" dirty="0"/>
-              <a:t> </a:t>
-            </a:r>
-            <a:r>
-              <a:rPr lang="en-US" dirty="0" err="1"/>
-              <a:t>kann</a:t>
-            </a:r>
-            <a:r>
-              <a:rPr lang="en-US" dirty="0"/>
-              <a:t> </a:t>
-            </a:r>
-            <a:r>
-              <a:rPr lang="en-US" dirty="0" err="1"/>
-              <a:t>einen</a:t>
-            </a:r>
-            <a:r>
-              <a:rPr lang="en-US" dirty="0"/>
-              <a:t> Tag </a:t>
-            </a:r>
-            <a:r>
-              <a:rPr lang="en-US" dirty="0" err="1"/>
-              <a:t>vorhersagen</a:t>
-            </a:r>
-            <a:r>
-              <a:rPr lang="en-US" dirty="0"/>
-              <a:t>.</a:t>
-            </a:r>
-            <a:br>
-              <a:rPr lang="en-US" dirty="0"/>
-            </a:br>
-            <a:r>
-              <a:rPr lang="en-US" dirty="0"/>
-              <a:t>Für die </a:t>
-            </a:r>
-            <a:r>
-              <a:rPr lang="en-US" dirty="0" err="1"/>
-              <a:t>Vorhersage</a:t>
-            </a:r>
-            <a:r>
-              <a:rPr lang="en-US" dirty="0"/>
-              <a:t> </a:t>
-            </a:r>
-            <a:r>
-              <a:rPr lang="en-US" dirty="0" err="1"/>
-              <a:t>haben</a:t>
-            </a:r>
-            <a:r>
-              <a:rPr lang="en-US" dirty="0"/>
-              <a:t> </a:t>
-            </a:r>
-            <a:r>
-              <a:rPr lang="en-US" dirty="0" err="1"/>
-              <a:t>wir</a:t>
-            </a:r>
-            <a:r>
-              <a:rPr lang="en-US" dirty="0"/>
-              <a:t> </a:t>
-            </a:r>
-            <a:r>
-              <a:rPr lang="en-US" dirty="0" err="1"/>
-              <a:t>uns</a:t>
-            </a:r>
-            <a:r>
-              <a:rPr lang="en-US" dirty="0"/>
-              <a:t> für </a:t>
-            </a:r>
-            <a:r>
-              <a:rPr lang="en-US" dirty="0" err="1"/>
-              <a:t>einen</a:t>
-            </a:r>
-            <a:r>
-              <a:rPr lang="en-US" dirty="0"/>
-              <a:t> nearest </a:t>
-            </a:r>
-            <a:r>
-              <a:rPr lang="en-US" dirty="0" err="1"/>
-              <a:t>neighbour</a:t>
-            </a:r>
-            <a:r>
-              <a:rPr lang="en-US" dirty="0"/>
-              <a:t> </a:t>
-            </a:r>
-            <a:r>
-              <a:rPr lang="en-US" dirty="0" err="1"/>
-              <a:t>Algorithmis</a:t>
-            </a:r>
-            <a:r>
-              <a:rPr lang="en-US" dirty="0"/>
-              <a:t> </a:t>
-            </a:r>
-            <a:r>
-              <a:rPr lang="en-US" dirty="0" err="1"/>
-              <a:t>entschieden</a:t>
-            </a:r>
-            <a:r>
-              <a:rPr lang="en-US" dirty="0"/>
-              <a:t>.</a:t>
-            </a:r>
-          </a:p>
-          <a:p>
-            <a:r>
-              <a:rPr lang="en-US" dirty="0" err="1"/>
-              <a:t>Mit</a:t>
-            </a:r>
-            <a:r>
-              <a:rPr lang="en-US" dirty="0"/>
-              <a:t> dem nearest </a:t>
-            </a:r>
-            <a:r>
-              <a:rPr lang="en-US" dirty="0" err="1"/>
-              <a:t>neighbour</a:t>
-            </a:r>
-            <a:r>
-              <a:rPr lang="en-US" dirty="0"/>
-              <a:t> </a:t>
-            </a:r>
-            <a:r>
-              <a:rPr lang="en-US" dirty="0" err="1"/>
-              <a:t>können</a:t>
-            </a:r>
-            <a:r>
-              <a:rPr lang="en-US" dirty="0"/>
-              <a:t> </a:t>
-            </a:r>
-            <a:r>
-              <a:rPr lang="en-US" dirty="0" err="1"/>
-              <a:t>wir</a:t>
-            </a:r>
-            <a:r>
-              <a:rPr lang="en-US" dirty="0"/>
-              <a:t> </a:t>
-            </a:r>
-            <a:r>
-              <a:rPr lang="en-US" dirty="0" err="1"/>
-              <a:t>einen</a:t>
-            </a:r>
-            <a:r>
-              <a:rPr lang="en-US" dirty="0"/>
-              <a:t> Tag in der </a:t>
-            </a:r>
-            <a:r>
-              <a:rPr lang="en-US" dirty="0" err="1"/>
-              <a:t>Vergangenheit</a:t>
-            </a:r>
-            <a:r>
-              <a:rPr lang="en-US" dirty="0"/>
-              <a:t> </a:t>
-            </a:r>
-            <a:r>
-              <a:rPr lang="en-US" dirty="0" err="1"/>
-              <a:t>finden</a:t>
-            </a:r>
-            <a:r>
-              <a:rPr lang="en-US" dirty="0"/>
-              <a:t>, </a:t>
-            </a:r>
-            <a:r>
-              <a:rPr lang="en-US" dirty="0" err="1"/>
-              <a:t>welcher</a:t>
-            </a:r>
-            <a:r>
-              <a:rPr lang="en-US" dirty="0"/>
-              <a:t> </a:t>
-            </a:r>
-            <a:r>
-              <a:rPr lang="en-US" dirty="0" err="1"/>
-              <a:t>mit</a:t>
-            </a:r>
-            <a:r>
-              <a:rPr lang="en-US" dirty="0"/>
-              <a:t> dem </a:t>
-            </a:r>
-            <a:r>
-              <a:rPr lang="en-US" dirty="0" err="1"/>
-              <a:t>Heutigen</a:t>
-            </a:r>
-            <a:r>
-              <a:rPr lang="en-US" dirty="0"/>
-              <a:t> am </a:t>
-            </a:r>
-            <a:r>
-              <a:rPr lang="en-US" dirty="0" err="1"/>
-              <a:t>meissten</a:t>
-            </a:r>
-            <a:r>
-              <a:rPr lang="en-US" dirty="0"/>
-              <a:t> </a:t>
-            </a:r>
-            <a:r>
-              <a:rPr lang="en-US" dirty="0" err="1"/>
-              <a:t>überein</a:t>
-            </a:r>
-            <a:r>
-              <a:rPr lang="en-US" dirty="0"/>
-              <a:t> </a:t>
-            </a:r>
-            <a:r>
-              <a:rPr lang="en-US" dirty="0" err="1"/>
-              <a:t>stimmt</a:t>
-            </a:r>
-            <a:r>
-              <a:rPr lang="en-US" dirty="0"/>
-              <a:t>. </a:t>
-            </a:r>
+              <a:t>Berechnung</a:t>
+            </a:r>
+            <a:r>
+              <a:rPr lang="en-US" dirty="0"/>
+              <a:t> </a:t>
+            </a:r>
+            <a:r>
+              <a:rPr lang="en-US" dirty="0" err="1"/>
+              <a:t>erfolgt</a:t>
+            </a:r>
+            <a:r>
+              <a:rPr lang="en-US" dirty="0"/>
+              <a:t> in </a:t>
+            </a:r>
+            <a:r>
+              <a:rPr lang="en-US" dirty="0" err="1"/>
+              <a:t>zwei</a:t>
+            </a:r>
+            <a:r>
+              <a:rPr lang="en-US" dirty="0"/>
+              <a:t> </a:t>
+            </a:r>
+            <a:r>
+              <a:rPr lang="en-US" dirty="0" err="1"/>
+              <a:t>Stufen</a:t>
+            </a:r>
+            <a:r>
+              <a:rPr lang="en-US"/>
+              <a:t>:</a:t>
+            </a:r>
+            <a:endParaRPr lang="en-US" dirty="0"/>
           </a:p>
         </p:txBody>
       </p:sp>
@@ -11372,7 +11465,7 @@
           <a:p>
             <a:fld id="{D71E13D6-B070-45C8-AC42-90F25AD4976F}" type="datetime8">
               <a:rPr lang="en-CH" smtClean="0"/>
-              <a:t>27/01/2022 09:39</a:t>
+              <a:t>01/27/2022 12:31</a:t>
             </a:fld>
             <a:endParaRPr lang="en-CH"/>
           </a:p>
@@ -11426,7 +11519,7 @@
           <a:p>
             <a:fld id="{0F00D740-55B1-4DC8-A3B5-4535950A93D0}" type="slidenum">
               <a:rPr lang="en-CH" smtClean="0"/>
-              <a:t>‹#›</a:t>
+              <a:t>‹Nr.›</a:t>
             </a:fld>
             <a:endParaRPr lang="en-CH"/>
           </a:p>
@@ -11572,7 +11665,7 @@
           <a:p>
             <a:fld id="{34C1AEE4-2DCF-4A66-9927-6F783BB52BE0}" type="datetime8">
               <a:rPr lang="en-CH" smtClean="0"/>
-              <a:t>27/01/2022 09:39</a:t>
+              <a:t>01/27/2022 12:31</a:t>
             </a:fld>
             <a:endParaRPr lang="en-CH"/>
           </a:p>
@@ -11626,7 +11719,7 @@
           <a:p>
             <a:fld id="{0F00D740-55B1-4DC8-A3B5-4535950A93D0}" type="slidenum">
               <a:rPr lang="en-CH" smtClean="0"/>
-              <a:t>‹#›</a:t>
+              <a:t>‹Nr.›</a:t>
             </a:fld>
             <a:endParaRPr lang="en-CH"/>
           </a:p>
@@ -11782,7 +11875,7 @@
           <a:p>
             <a:fld id="{C4C13A0D-7035-4256-BB1C-652F6CDC1D82}" type="datetime8">
               <a:rPr lang="en-CH" smtClean="0"/>
-              <a:t>27/01/2022 09:39</a:t>
+              <a:t>01/27/2022 12:31</a:t>
             </a:fld>
             <a:endParaRPr lang="en-CH"/>
           </a:p>
@@ -11836,7 +11929,7 @@
           <a:p>
             <a:fld id="{0F00D740-55B1-4DC8-A3B5-4535950A93D0}" type="slidenum">
               <a:rPr lang="en-CH" smtClean="0"/>
-              <a:t>‹#›</a:t>
+              <a:t>‹Nr.›</a:t>
             </a:fld>
             <a:endParaRPr lang="en-CH"/>
           </a:p>
@@ -11982,7 +12075,7 @@
           <a:p>
             <a:fld id="{A720F8AA-53F4-4181-BD2C-7354613DB587}" type="datetime8">
               <a:rPr lang="en-CH" smtClean="0"/>
-              <a:t>27/01/2022 09:39</a:t>
+              <a:t>01/27/2022 12:31</a:t>
             </a:fld>
             <a:endParaRPr lang="en-CH"/>
           </a:p>
@@ -12036,7 +12129,7 @@
           <a:p>
             <a:fld id="{0F00D740-55B1-4DC8-A3B5-4535950A93D0}" type="slidenum">
               <a:rPr lang="en-CH" smtClean="0"/>
-              <a:t>‹#›</a:t>
+              <a:t>‹Nr.›</a:t>
             </a:fld>
             <a:endParaRPr lang="en-CH"/>
           </a:p>
@@ -12258,7 +12351,7 @@
           <a:p>
             <a:fld id="{18ED5C57-181E-4E8A-8032-E5587C441532}" type="datetime8">
               <a:rPr lang="en-CH" smtClean="0"/>
-              <a:t>27/01/2022 09:39</a:t>
+              <a:t>01/27/2022 12:31</a:t>
             </a:fld>
             <a:endParaRPr lang="en-CH"/>
           </a:p>
@@ -12312,7 +12405,7 @@
           <a:p>
             <a:fld id="{0F00D740-55B1-4DC8-A3B5-4535950A93D0}" type="slidenum">
               <a:rPr lang="en-CH" smtClean="0"/>
-              <a:t>‹#›</a:t>
+              <a:t>‹Nr.›</a:t>
             </a:fld>
             <a:endParaRPr lang="en-CH"/>
           </a:p>
@@ -12526,7 +12619,7 @@
           <a:p>
             <a:fld id="{2711B6E1-EBCF-4960-9E94-A2CE4CEDA9CF}" type="datetime8">
               <a:rPr lang="en-CH" smtClean="0"/>
-              <a:t>27/01/2022 09:39</a:t>
+              <a:t>01/27/2022 12:31</a:t>
             </a:fld>
             <a:endParaRPr lang="en-CH"/>
           </a:p>
@@ -12580,7 +12673,7 @@
           <a:p>
             <a:fld id="{0F00D740-55B1-4DC8-A3B5-4535950A93D0}" type="slidenum">
               <a:rPr lang="en-CH" smtClean="0"/>
-              <a:t>‹#›</a:t>
+              <a:t>‹Nr.›</a:t>
             </a:fld>
             <a:endParaRPr lang="en-CH"/>
           </a:p>
@@ -12941,7 +13034,7 @@
           <a:p>
             <a:fld id="{60888D22-8975-4143-BBCD-F78A0E3504A0}" type="datetime8">
               <a:rPr lang="en-CH" smtClean="0"/>
-              <a:t>27/01/2022 09:39</a:t>
+              <a:t>01/27/2022 12:31</a:t>
             </a:fld>
             <a:endParaRPr lang="en-CH"/>
           </a:p>
@@ -12995,7 +13088,7 @@
           <a:p>
             <a:fld id="{0F00D740-55B1-4DC8-A3B5-4535950A93D0}" type="slidenum">
               <a:rPr lang="en-CH" smtClean="0"/>
-              <a:t>‹#›</a:t>
+              <a:t>‹Nr.›</a:t>
             </a:fld>
             <a:endParaRPr lang="en-CH"/>
           </a:p>
@@ -13083,7 +13176,7 @@
           <a:p>
             <a:fld id="{CB62F5ED-9834-4FF8-A8E6-FE85BE4A88B6}" type="datetime8">
               <a:rPr lang="en-CH" smtClean="0"/>
-              <a:t>27/01/2022 09:39</a:t>
+              <a:t>01/27/2022 12:31</a:t>
             </a:fld>
             <a:endParaRPr lang="en-CH"/>
           </a:p>
@@ -13137,7 +13230,7 @@
           <a:p>
             <a:fld id="{0F00D740-55B1-4DC8-A3B5-4535950A93D0}" type="slidenum">
               <a:rPr lang="en-CH" smtClean="0"/>
-              <a:t>‹#›</a:t>
+              <a:t>‹Nr.›</a:t>
             </a:fld>
             <a:endParaRPr lang="en-CH"/>
           </a:p>
@@ -13196,7 +13289,7 @@
           <a:p>
             <a:fld id="{91C4E595-669A-4DA7-8755-75BCB1DD65E9}" type="datetime8">
               <a:rPr lang="en-CH" smtClean="0"/>
-              <a:t>27/01/2022 09:39</a:t>
+              <a:t>01/27/2022 12:31</a:t>
             </a:fld>
             <a:endParaRPr lang="en-CH"/>
           </a:p>
@@ -13250,7 +13343,7 @@
           <a:p>
             <a:fld id="{0F00D740-55B1-4DC8-A3B5-4535950A93D0}" type="slidenum">
               <a:rPr lang="en-CH" smtClean="0"/>
-              <a:t>‹#›</a:t>
+              <a:t>‹Nr.›</a:t>
             </a:fld>
             <a:endParaRPr lang="en-CH"/>
           </a:p>
@@ -13509,7 +13602,7 @@
           <a:p>
             <a:fld id="{1D3E9293-092D-4F3B-852B-B7B73C73F1F9}" type="datetime8">
               <a:rPr lang="en-CH" smtClean="0"/>
-              <a:t>27/01/2022 09:39</a:t>
+              <a:t>01/27/2022 12:31</a:t>
             </a:fld>
             <a:endParaRPr lang="en-CH"/>
           </a:p>
@@ -13563,7 +13656,7 @@
           <a:p>
             <a:fld id="{0F00D740-55B1-4DC8-A3B5-4535950A93D0}" type="slidenum">
               <a:rPr lang="en-CH" smtClean="0"/>
-              <a:t>‹#›</a:t>
+              <a:t>‹Nr.›</a:t>
             </a:fld>
             <a:endParaRPr lang="en-CH"/>
           </a:p>
@@ -13798,7 +13891,7 @@
           <a:p>
             <a:fld id="{72DA9548-12AA-4712-AB6D-8087536C3BD4}" type="datetime8">
               <a:rPr lang="en-CH" smtClean="0"/>
-              <a:t>27/01/2022 09:39</a:t>
+              <a:t>01/27/2022 12:31</a:t>
             </a:fld>
             <a:endParaRPr lang="en-CH"/>
           </a:p>
@@ -13852,7 +13945,7 @@
           <a:p>
             <a:fld id="{0F00D740-55B1-4DC8-A3B5-4535950A93D0}" type="slidenum">
               <a:rPr lang="en-CH" smtClean="0"/>
-              <a:t>‹#›</a:t>
+              <a:t>‹Nr.›</a:t>
             </a:fld>
             <a:endParaRPr lang="en-CH"/>
           </a:p>
@@ -14041,7 +14134,7 @@
           <a:p>
             <a:fld id="{361E5043-500B-4A06-A6BE-2D713F12E4A2}" type="datetime8">
               <a:rPr lang="en-CH" smtClean="0"/>
-              <a:t>27/01/2022 09:39</a:t>
+              <a:t>01/27/2022 12:31</a:t>
             </a:fld>
             <a:endParaRPr lang="en-CH"/>
           </a:p>
@@ -14131,7 +14224,7 @@
           <a:p>
             <a:fld id="{0F00D740-55B1-4DC8-A3B5-4535950A93D0}" type="slidenum">
               <a:rPr lang="en-CH" smtClean="0"/>
-              <a:t>‹#›</a:t>
+              <a:t>‹Nr.›</a:t>
             </a:fld>
             <a:endParaRPr lang="en-CH"/>
           </a:p>

--- a/Powerpoint v3.pptx
+++ b/Powerpoint v3.pptx
@@ -640,7 +640,7 @@
           <a:p>
             <a:fld id="{6653C7EC-378C-496A-9946-B9D0B56795BD}" type="datetimeFigureOut">
               <a:rPr lang="en-CH" smtClean="0"/>
-              <a:t>01/27/2022</a:t>
+              <a:t>27/01/2022</a:t>
             </a:fld>
             <a:endParaRPr lang="en-CH"/>
           </a:p>
@@ -799,7 +799,7 @@
           <a:p>
             <a:fld id="{D4CE1BAB-7B68-4C87-8549-54F078DDFB49}" type="slidenum">
               <a:rPr lang="en-CH" smtClean="0"/>
-              <a:t>‹Nr.›</a:t>
+              <a:t>‹#›</a:t>
             </a:fld>
             <a:endParaRPr lang="en-CH"/>
           </a:p>
@@ -11338,7 +11338,7 @@
           <a:p>
             <a:fld id="{D71E13D6-B070-45C8-AC42-90F25AD4976F}" type="datetime8">
               <a:rPr lang="en-CH" smtClean="0"/>
-              <a:t>01/27/2022 12:32</a:t>
+              <a:t>27/01/2022 15:51</a:t>
             </a:fld>
             <a:endParaRPr lang="en-CH"/>
           </a:p>
@@ -11392,7 +11392,7 @@
           <a:p>
             <a:fld id="{0F00D740-55B1-4DC8-A3B5-4535950A93D0}" type="slidenum">
               <a:rPr lang="en-CH" smtClean="0"/>
-              <a:t>‹Nr.›</a:t>
+              <a:t>‹#›</a:t>
             </a:fld>
             <a:endParaRPr lang="en-CH"/>
           </a:p>
@@ -11538,7 +11538,7 @@
           <a:p>
             <a:fld id="{34C1AEE4-2DCF-4A66-9927-6F783BB52BE0}" type="datetime8">
               <a:rPr lang="en-CH" smtClean="0"/>
-              <a:t>01/27/2022 12:32</a:t>
+              <a:t>27/01/2022 15:51</a:t>
             </a:fld>
             <a:endParaRPr lang="en-CH"/>
           </a:p>
@@ -11592,7 +11592,7 @@
           <a:p>
             <a:fld id="{0F00D740-55B1-4DC8-A3B5-4535950A93D0}" type="slidenum">
               <a:rPr lang="en-CH" smtClean="0"/>
-              <a:t>‹Nr.›</a:t>
+              <a:t>‹#›</a:t>
             </a:fld>
             <a:endParaRPr lang="en-CH"/>
           </a:p>
@@ -11748,7 +11748,7 @@
           <a:p>
             <a:fld id="{C4C13A0D-7035-4256-BB1C-652F6CDC1D82}" type="datetime8">
               <a:rPr lang="en-CH" smtClean="0"/>
-              <a:t>01/27/2022 12:32</a:t>
+              <a:t>27/01/2022 15:51</a:t>
             </a:fld>
             <a:endParaRPr lang="en-CH"/>
           </a:p>
@@ -11802,7 +11802,7 @@
           <a:p>
             <a:fld id="{0F00D740-55B1-4DC8-A3B5-4535950A93D0}" type="slidenum">
               <a:rPr lang="en-CH" smtClean="0"/>
-              <a:t>‹Nr.›</a:t>
+              <a:t>‹#›</a:t>
             </a:fld>
             <a:endParaRPr lang="en-CH"/>
           </a:p>
@@ -11948,7 +11948,7 @@
           <a:p>
             <a:fld id="{A720F8AA-53F4-4181-BD2C-7354613DB587}" type="datetime8">
               <a:rPr lang="en-CH" smtClean="0"/>
-              <a:t>01/27/2022 12:32</a:t>
+              <a:t>27/01/2022 15:51</a:t>
             </a:fld>
             <a:endParaRPr lang="en-CH"/>
           </a:p>
@@ -12002,7 +12002,7 @@
           <a:p>
             <a:fld id="{0F00D740-55B1-4DC8-A3B5-4535950A93D0}" type="slidenum">
               <a:rPr lang="en-CH" smtClean="0"/>
-              <a:t>‹Nr.›</a:t>
+              <a:t>‹#›</a:t>
             </a:fld>
             <a:endParaRPr lang="en-CH"/>
           </a:p>
@@ -12224,7 +12224,7 @@
           <a:p>
             <a:fld id="{18ED5C57-181E-4E8A-8032-E5587C441532}" type="datetime8">
               <a:rPr lang="en-CH" smtClean="0"/>
-              <a:t>01/27/2022 12:32</a:t>
+              <a:t>27/01/2022 15:51</a:t>
             </a:fld>
             <a:endParaRPr lang="en-CH"/>
           </a:p>
@@ -12278,7 +12278,7 @@
           <a:p>
             <a:fld id="{0F00D740-55B1-4DC8-A3B5-4535950A93D0}" type="slidenum">
               <a:rPr lang="en-CH" smtClean="0"/>
-              <a:t>‹Nr.›</a:t>
+              <a:t>‹#›</a:t>
             </a:fld>
             <a:endParaRPr lang="en-CH"/>
           </a:p>
@@ -12492,7 +12492,7 @@
           <a:p>
             <a:fld id="{2711B6E1-EBCF-4960-9E94-A2CE4CEDA9CF}" type="datetime8">
               <a:rPr lang="en-CH" smtClean="0"/>
-              <a:t>01/27/2022 12:32</a:t>
+              <a:t>27/01/2022 15:51</a:t>
             </a:fld>
             <a:endParaRPr lang="en-CH"/>
           </a:p>
@@ -12546,7 +12546,7 @@
           <a:p>
             <a:fld id="{0F00D740-55B1-4DC8-A3B5-4535950A93D0}" type="slidenum">
               <a:rPr lang="en-CH" smtClean="0"/>
-              <a:t>‹Nr.›</a:t>
+              <a:t>‹#›</a:t>
             </a:fld>
             <a:endParaRPr lang="en-CH"/>
           </a:p>
@@ -12907,7 +12907,7 @@
           <a:p>
             <a:fld id="{60888D22-8975-4143-BBCD-F78A0E3504A0}" type="datetime8">
               <a:rPr lang="en-CH" smtClean="0"/>
-              <a:t>01/27/2022 12:32</a:t>
+              <a:t>27/01/2022 15:51</a:t>
             </a:fld>
             <a:endParaRPr lang="en-CH"/>
           </a:p>
@@ -12961,7 +12961,7 @@
           <a:p>
             <a:fld id="{0F00D740-55B1-4DC8-A3B5-4535950A93D0}" type="slidenum">
               <a:rPr lang="en-CH" smtClean="0"/>
-              <a:t>‹Nr.›</a:t>
+              <a:t>‹#›</a:t>
             </a:fld>
             <a:endParaRPr lang="en-CH"/>
           </a:p>
@@ -13049,7 +13049,7 @@
           <a:p>
             <a:fld id="{CB62F5ED-9834-4FF8-A8E6-FE85BE4A88B6}" type="datetime8">
               <a:rPr lang="en-CH" smtClean="0"/>
-              <a:t>01/27/2022 12:32</a:t>
+              <a:t>27/01/2022 15:51</a:t>
             </a:fld>
             <a:endParaRPr lang="en-CH"/>
           </a:p>
@@ -13103,7 +13103,7 @@
           <a:p>
             <a:fld id="{0F00D740-55B1-4DC8-A3B5-4535950A93D0}" type="slidenum">
               <a:rPr lang="en-CH" smtClean="0"/>
-              <a:t>‹Nr.›</a:t>
+              <a:t>‹#›</a:t>
             </a:fld>
             <a:endParaRPr lang="en-CH"/>
           </a:p>
@@ -13162,7 +13162,7 @@
           <a:p>
             <a:fld id="{91C4E595-669A-4DA7-8755-75BCB1DD65E9}" type="datetime8">
               <a:rPr lang="en-CH" smtClean="0"/>
-              <a:t>01/27/2022 12:32</a:t>
+              <a:t>27/01/2022 15:51</a:t>
             </a:fld>
             <a:endParaRPr lang="en-CH"/>
           </a:p>
@@ -13216,7 +13216,7 @@
           <a:p>
             <a:fld id="{0F00D740-55B1-4DC8-A3B5-4535950A93D0}" type="slidenum">
               <a:rPr lang="en-CH" smtClean="0"/>
-              <a:t>‹Nr.›</a:t>
+              <a:t>‹#›</a:t>
             </a:fld>
             <a:endParaRPr lang="en-CH"/>
           </a:p>
@@ -13475,7 +13475,7 @@
           <a:p>
             <a:fld id="{1D3E9293-092D-4F3B-852B-B7B73C73F1F9}" type="datetime8">
               <a:rPr lang="en-CH" smtClean="0"/>
-              <a:t>01/27/2022 12:32</a:t>
+              <a:t>27/01/2022 15:51</a:t>
             </a:fld>
             <a:endParaRPr lang="en-CH"/>
           </a:p>
@@ -13529,7 +13529,7 @@
           <a:p>
             <a:fld id="{0F00D740-55B1-4DC8-A3B5-4535950A93D0}" type="slidenum">
               <a:rPr lang="en-CH" smtClean="0"/>
-              <a:t>‹Nr.›</a:t>
+              <a:t>‹#›</a:t>
             </a:fld>
             <a:endParaRPr lang="en-CH"/>
           </a:p>
@@ -13764,7 +13764,7 @@
           <a:p>
             <a:fld id="{72DA9548-12AA-4712-AB6D-8087536C3BD4}" type="datetime8">
               <a:rPr lang="en-CH" smtClean="0"/>
-              <a:t>01/27/2022 12:32</a:t>
+              <a:t>27/01/2022 15:51</a:t>
             </a:fld>
             <a:endParaRPr lang="en-CH"/>
           </a:p>
@@ -13818,7 +13818,7 @@
           <a:p>
             <a:fld id="{0F00D740-55B1-4DC8-A3B5-4535950A93D0}" type="slidenum">
               <a:rPr lang="en-CH" smtClean="0"/>
-              <a:t>‹Nr.›</a:t>
+              <a:t>‹#›</a:t>
             </a:fld>
             <a:endParaRPr lang="en-CH"/>
           </a:p>
@@ -14007,7 +14007,7 @@
           <a:p>
             <a:fld id="{361E5043-500B-4A06-A6BE-2D713F12E4A2}" type="datetime8">
               <a:rPr lang="en-CH" smtClean="0"/>
-              <a:t>01/27/2022 12:32</a:t>
+              <a:t>27/01/2022 15:51</a:t>
             </a:fld>
             <a:endParaRPr lang="en-CH"/>
           </a:p>
@@ -14097,7 +14097,7 @@
           <a:p>
             <a:fld id="{0F00D740-55B1-4DC8-A3B5-4535950A93D0}" type="slidenum">
               <a:rPr lang="en-CH" smtClean="0"/>
-              <a:t>‹Nr.›</a:t>
+              <a:t>‹#›</a:t>
             </a:fld>
             <a:endParaRPr lang="en-CH"/>
           </a:p>
@@ -24796,9 +24796,12 @@
               <a:rPr lang="en-US" dirty="0" err="1"/>
               <a:t>geloggt</a:t>
             </a:r>
-            <a:r>
-              <a:rPr lang="en-US" dirty="0"/>
-              <a:t> “</a:t>
+            <a:endParaRPr lang="en-US" dirty="0"/>
+          </a:p>
+          <a:p>
+            <a:r>
+              <a:rPr lang="en-US" dirty="0"/>
+              <a:t>“</a:t>
             </a:r>
             <a:r>
               <a:rPr lang="en-US" dirty="0" err="1"/>
@@ -25461,143 +25464,29 @@
             </a:r>
           </a:p>
           <a:p>
-            <a:r>
-              <a:rPr lang="en-US" dirty="0" err="1"/>
-              <a:t>Wartet</a:t>
-            </a:r>
-            <a:r>
-              <a:rPr lang="en-US" dirty="0"/>
-              <a:t> </a:t>
-            </a:r>
-            <a:r>
-              <a:rPr lang="en-US" dirty="0" err="1"/>
-              <a:t>nicht</a:t>
-            </a:r>
-            <a:r>
-              <a:rPr lang="en-US" dirty="0"/>
-              <a:t> auf Influx service, da </a:t>
-            </a:r>
-            <a:r>
-              <a:rPr lang="en-US" dirty="0" err="1"/>
-              <a:t>dieser</a:t>
-            </a:r>
-            <a:r>
-              <a:rPr lang="en-US" dirty="0"/>
-              <a:t> </a:t>
-            </a:r>
-            <a:r>
-              <a:rPr lang="en-US" dirty="0" err="1"/>
-              <a:t>zu</a:t>
-            </a:r>
-            <a:r>
-              <a:rPr lang="en-US" dirty="0"/>
-              <a:t> </a:t>
-            </a:r>
-            <a:r>
-              <a:rPr lang="en-US" dirty="0" err="1"/>
-              <a:t>früh</a:t>
-            </a:r>
-            <a:r>
-              <a:rPr lang="en-US" dirty="0"/>
-              <a:t> </a:t>
-            </a:r>
-            <a:r>
-              <a:rPr lang="en-US" dirty="0" err="1"/>
-              <a:t>bescheid</a:t>
-            </a:r>
-            <a:r>
-              <a:rPr lang="en-US" dirty="0"/>
-              <a:t> </a:t>
-            </a:r>
-            <a:r>
-              <a:rPr lang="en-US" dirty="0" err="1"/>
-              <a:t>gibt</a:t>
-            </a:r>
-            <a:r>
-              <a:rPr lang="en-US" dirty="0"/>
-              <a:t>. </a:t>
-            </a:r>
-            <a:r>
-              <a:rPr lang="en-US" dirty="0" err="1"/>
-              <a:t>Macht</a:t>
-            </a:r>
-            <a:r>
-              <a:rPr lang="en-US" dirty="0"/>
-              <a:t> Python</a:t>
-            </a:r>
-          </a:p>
-          <a:p>
-            <a:r>
-              <a:rPr lang="en-US" dirty="0"/>
-              <a:t>Service </a:t>
-            </a:r>
-            <a:r>
-              <a:rPr lang="en-US" dirty="0" err="1"/>
-              <a:t>startet</a:t>
-            </a:r>
-            <a:r>
-              <a:rPr lang="en-US" dirty="0"/>
-              <a:t> </a:t>
-            </a:r>
-            <a:r>
-              <a:rPr lang="en-US" dirty="0" err="1"/>
-              <a:t>sobald</a:t>
-            </a:r>
-            <a:r>
-              <a:rPr lang="en-US" dirty="0"/>
-              <a:t> </a:t>
-            </a:r>
-            <a:r>
-              <a:rPr lang="en-US" dirty="0" err="1"/>
-              <a:t>dieser</a:t>
-            </a:r>
-            <a:r>
-              <a:rPr lang="en-US" dirty="0"/>
-              <a:t> user context hat, </a:t>
-            </a:r>
-            <a:r>
-              <a:rPr lang="en-US" dirty="0" err="1"/>
-              <a:t>dazu</a:t>
-            </a:r>
-            <a:r>
-              <a:rPr lang="en-US" dirty="0"/>
-              <a:t> muss der </a:t>
-            </a:r>
-            <a:r>
-              <a:rPr lang="en-US" dirty="0" err="1"/>
-              <a:t>Benutzer</a:t>
-            </a:r>
-            <a:r>
-              <a:rPr lang="en-US" dirty="0"/>
-              <a:t> </a:t>
-            </a:r>
-            <a:r>
-              <a:rPr lang="en-US" dirty="0" err="1"/>
-              <a:t>beim</a:t>
-            </a:r>
-            <a:r>
-              <a:rPr lang="en-US" dirty="0"/>
-              <a:t> start </a:t>
-            </a:r>
-            <a:r>
-              <a:rPr lang="en-US" dirty="0" err="1"/>
-              <a:t>automatisch</a:t>
-            </a:r>
-            <a:r>
-              <a:rPr lang="en-US" dirty="0"/>
-              <a:t> </a:t>
-            </a:r>
-            <a:r>
-              <a:rPr lang="en-US" dirty="0" err="1"/>
-              <a:t>angemeldet</a:t>
-            </a:r>
-            <a:r>
-              <a:rPr lang="en-US" dirty="0"/>
-              <a:t> </a:t>
-            </a:r>
-            <a:r>
-              <a:rPr lang="en-US" dirty="0" err="1"/>
-              <a:t>werden</a:t>
+            <a:pPr lvl="1"/>
+            <a:r>
+              <a:rPr lang="en-US" dirty="0" err="1"/>
+              <a:t>Warten</a:t>
+            </a:r>
+            <a:r>
+              <a:rPr lang="en-US" dirty="0"/>
+              <a:t> auf Influx service</a:t>
+            </a:r>
+          </a:p>
+          <a:p>
+            <a:pPr lvl="1"/>
+            <a:r>
+              <a:rPr lang="en-US" dirty="0" err="1"/>
+              <a:t>Warten</a:t>
+            </a:r>
+            <a:r>
+              <a:rPr lang="en-US" dirty="0"/>
+              <a:t> auf </a:t>
+            </a:r>
+            <a:r>
+              <a:rPr lang="en-US" dirty="0" err="1"/>
+              <a:t>Desktopumgebung</a:t>
             </a:r>
             <a:r>
               <a:rPr lang="en-US" dirty="0"/>
@@ -27691,7 +27580,7 @@
 </file>
 
 <file path=ppt/slides/slide30.xml><?xml version="1.0" encoding="utf-8"?>
-<p:sld xmlns:a="http://schemas.openxmlformats.org/drawingml/2006/main" xmlns:r="http://schemas.openxmlformats.org/officeDocument/2006/relationships" xmlns:p="http://schemas.openxmlformats.org/presentationml/2006/main">
+<p:sld xmlns:a="http://schemas.openxmlformats.org/drawingml/2006/main" xmlns:r="http://schemas.openxmlformats.org/officeDocument/2006/relationships" xmlns:p="http://schemas.openxmlformats.org/presentationml/2006/main" show="0">
   <p:cSld>
     <p:spTree>
       <p:nvGrpSpPr>
@@ -28396,13 +28285,13 @@
   <p:clrMapOvr>
     <a:masterClrMapping/>
   </p:clrMapOvr>
-  <mc:AlternateContent xmlns:mc="http://schemas.openxmlformats.org/markup-compatibility/2006" xmlns:p14="http://schemas.microsoft.com/office/powerpoint/2010/main">
-    <mc:Choice Requires="p14">
+  <mc:AlternateContent xmlns:mc="http://schemas.openxmlformats.org/markup-compatibility/2006">
+    <mc:Choice xmlns:p14="http://schemas.microsoft.com/office/powerpoint/2010/main" Requires="p14">
       <p:transition spd="med" p14:dur="700">
         <p:fade/>
       </p:transition>
     </mc:Choice>
-    <mc:Fallback xmlns="">
+    <mc:Fallback>
       <p:transition spd="med">
         <p:fade/>
       </p:transition>

--- a/Powerpoint v3.pptx
+++ b/Powerpoint v3.pptx
@@ -5,7 +5,7 @@
     <p:sldMasterId id="2147483648" r:id="rId1"/>
   </p:sldMasterIdLst>
   <p:notesMasterIdLst>
-    <p:notesMasterId r:id="rId43"/>
+    <p:notesMasterId r:id="rId42"/>
   </p:notesMasterIdLst>
   <p:sldIdLst>
     <p:sldId id="256" r:id="rId2"/>
@@ -37,18 +37,17 @@
     <p:sldId id="302" r:id="rId28"/>
     <p:sldId id="291" r:id="rId29"/>
     <p:sldId id="267" r:id="rId30"/>
-    <p:sldId id="282" r:id="rId31"/>
-    <p:sldId id="304" r:id="rId32"/>
-    <p:sldId id="281" r:id="rId33"/>
-    <p:sldId id="292" r:id="rId34"/>
-    <p:sldId id="269" r:id="rId35"/>
-    <p:sldId id="284" r:id="rId36"/>
-    <p:sldId id="285" r:id="rId37"/>
-    <p:sldId id="293" r:id="rId38"/>
-    <p:sldId id="271" r:id="rId39"/>
-    <p:sldId id="294" r:id="rId40"/>
-    <p:sldId id="283" r:id="rId41"/>
-    <p:sldId id="286" r:id="rId42"/>
+    <p:sldId id="304" r:id="rId31"/>
+    <p:sldId id="281" r:id="rId32"/>
+    <p:sldId id="292" r:id="rId33"/>
+    <p:sldId id="269" r:id="rId34"/>
+    <p:sldId id="284" r:id="rId35"/>
+    <p:sldId id="285" r:id="rId36"/>
+    <p:sldId id="293" r:id="rId37"/>
+    <p:sldId id="271" r:id="rId38"/>
+    <p:sldId id="294" r:id="rId39"/>
+    <p:sldId id="283" r:id="rId40"/>
+    <p:sldId id="286" r:id="rId41"/>
   </p:sldIdLst>
   <p:sldSz cx="12192000" cy="6858000"/>
   <p:notesSz cx="6858000" cy="9144000"/>
@@ -205,7 +204,6 @@
           <p14:sldIdLst>
             <p14:sldId id="291"/>
             <p14:sldId id="267"/>
-            <p14:sldId id="282"/>
             <p14:sldId id="304"/>
             <p14:sldId id="281"/>
           </p14:sldIdLst>
@@ -640,7 +638,7 @@
           <a:p>
             <a:fld id="{6653C7EC-378C-496A-9946-B9D0B56795BD}" type="datetimeFigureOut">
               <a:rPr lang="en-CH" smtClean="0"/>
-              <a:t>01/27/2022</a:t>
+              <a:t>27/01/2022</a:t>
             </a:fld>
             <a:endParaRPr lang="en-CH"/>
           </a:p>
@@ -799,7 +797,7 @@
           <a:p>
             <a:fld id="{D4CE1BAB-7B68-4C87-8549-54F078DDFB49}" type="slidenum">
               <a:rPr lang="en-CH" smtClean="0"/>
-              <a:t>‹Nr.›</a:t>
+              <a:t>‹#›</a:t>
             </a:fld>
             <a:endParaRPr lang="en-CH"/>
           </a:p>
@@ -6944,310 +6942,28 @@
           <a:lstStyle/>
           <a:p>
             <a:r>
-              <a:rPr lang="en-US" dirty="0" err="1"/>
-              <a:t>Isch</a:t>
-            </a:r>
-            <a:r>
-              <a:rPr lang="en-US" dirty="0"/>
-              <a:t> die Folie </a:t>
-            </a:r>
-            <a:r>
-              <a:rPr lang="en-US" dirty="0" err="1"/>
-              <a:t>würklich</a:t>
-            </a:r>
-            <a:r>
-              <a:rPr lang="en-US" dirty="0"/>
-              <a:t> </a:t>
-            </a:r>
-            <a:r>
-              <a:rPr lang="en-US" dirty="0" err="1"/>
-              <a:t>notwendig</a:t>
-            </a:r>
-            <a:r>
-              <a:rPr lang="en-US" dirty="0"/>
-              <a:t> </a:t>
-            </a:r>
-            <a:r>
-              <a:rPr lang="en-US" dirty="0" err="1"/>
-              <a:t>wenns</a:t>
-            </a:r>
-            <a:r>
-              <a:rPr lang="en-US" dirty="0"/>
-              <a:t> de Florin eh no </a:t>
-            </a:r>
-            <a:r>
-              <a:rPr lang="en-US" dirty="0" err="1"/>
-              <a:t>vorstellt</a:t>
-            </a:r>
-            <a:r>
-              <a:rPr lang="en-US" dirty="0"/>
-              <a:t> ??????</a:t>
-            </a:r>
-          </a:p>
-          <a:p>
-            <a:endParaRPr lang="en-US" dirty="0"/>
-          </a:p>
-          <a:p>
-            <a:endParaRPr lang="en-US" dirty="0"/>
-          </a:p>
-          <a:p>
-            <a:r>
-              <a:rPr lang="en-US" dirty="0"/>
-              <a:t>Etienne: Das </a:t>
-            </a:r>
-            <a:r>
-              <a:rPr lang="en-US" dirty="0" err="1"/>
-              <a:t>Webrouting</a:t>
-            </a:r>
-            <a:r>
-              <a:rPr lang="en-US" dirty="0"/>
-              <a:t> </a:t>
-            </a:r>
-            <a:r>
-              <a:rPr lang="en-US" dirty="0" err="1"/>
-              <a:t>wurde</a:t>
-            </a:r>
-            <a:r>
-              <a:rPr lang="en-US" dirty="0"/>
-              <a:t> </a:t>
-            </a:r>
-            <a:r>
-              <a:rPr lang="en-US" dirty="0" err="1"/>
-              <a:t>wie</a:t>
-            </a:r>
-            <a:r>
-              <a:rPr lang="en-US" dirty="0"/>
-              <a:t> </a:t>
-            </a:r>
-            <a:r>
-              <a:rPr lang="en-US" dirty="0" err="1"/>
-              <a:t>folgt</a:t>
-            </a:r>
-            <a:r>
-              <a:rPr lang="en-US" dirty="0"/>
-              <a:t> auf </a:t>
-            </a:r>
-            <a:r>
-              <a:rPr lang="en-US" dirty="0" err="1"/>
-              <a:t>geteil</a:t>
-            </a:r>
-            <a:r>
-              <a:rPr lang="en-US" dirty="0"/>
-              <a:t> </a:t>
-            </a:r>
-            <a:r>
-              <a:rPr lang="en-US" dirty="0" err="1"/>
-              <a:t>wir</a:t>
-            </a:r>
-            <a:r>
-              <a:rPr lang="en-US" dirty="0"/>
-              <a:t> </a:t>
-            </a:r>
-            <a:r>
-              <a:rPr lang="en-US" dirty="0" err="1"/>
-              <a:t>haben</a:t>
-            </a:r>
-            <a:r>
-              <a:rPr lang="en-US" dirty="0"/>
-              <a:t> </a:t>
-            </a:r>
-            <a:r>
-              <a:rPr lang="en-US" dirty="0" err="1"/>
-              <a:t>einmal</a:t>
-            </a:r>
-            <a:r>
-              <a:rPr lang="en-US" dirty="0"/>
-              <a:t> den Home Screen </a:t>
-            </a:r>
-            <a:r>
-              <a:rPr lang="en-US" dirty="0" err="1"/>
-              <a:t>mit</a:t>
-            </a:r>
-            <a:r>
-              <a:rPr lang="en-US" dirty="0"/>
-              <a:t> den </a:t>
-            </a:r>
-            <a:r>
-              <a:rPr lang="en-US" dirty="0" err="1"/>
-              <a:t>zwei</a:t>
-            </a:r>
-            <a:r>
-              <a:rPr lang="en-US" dirty="0"/>
-              <a:t> </a:t>
-            </a:r>
-            <a:r>
-              <a:rPr lang="en-US" dirty="0" err="1"/>
-              <a:t>Messstationen</a:t>
-            </a:r>
-            <a:r>
-              <a:rPr lang="en-US" dirty="0"/>
-              <a:t>. Die man </a:t>
-            </a:r>
-            <a:r>
-              <a:rPr lang="en-US" dirty="0" err="1"/>
-              <a:t>mit</a:t>
-            </a:r>
-            <a:r>
-              <a:rPr lang="en-US" dirty="0"/>
-              <a:t> </a:t>
-            </a:r>
-            <a:r>
-              <a:rPr lang="en-US" dirty="0" err="1"/>
-              <a:t>nur</a:t>
-            </a:r>
-            <a:r>
-              <a:rPr lang="en-US" dirty="0"/>
-              <a:t> </a:t>
-            </a:r>
-            <a:r>
-              <a:rPr lang="en-US" dirty="0" err="1"/>
-              <a:t>einem</a:t>
-            </a:r>
-            <a:r>
-              <a:rPr lang="en-US" dirty="0"/>
-              <a:t> Touch auf den </a:t>
-            </a:r>
-            <a:r>
-              <a:rPr lang="en-US" dirty="0" err="1"/>
-              <a:t>Jeweiligen</a:t>
-            </a:r>
-            <a:r>
-              <a:rPr lang="en-US" dirty="0"/>
-              <a:t> Button </a:t>
-            </a:r>
-            <a:r>
-              <a:rPr lang="en-US" dirty="0" err="1"/>
-              <a:t>switchen</a:t>
-            </a:r>
-            <a:r>
-              <a:rPr lang="en-US" dirty="0"/>
-              <a:t> </a:t>
-            </a:r>
-            <a:r>
-              <a:rPr lang="en-US" dirty="0" err="1"/>
-              <a:t>kann</a:t>
-            </a:r>
-            <a:r>
-              <a:rPr lang="en-US" dirty="0"/>
-              <a:t>.</a:t>
-            </a:r>
-          </a:p>
-          <a:p>
-            <a:r>
-              <a:rPr lang="en-US" dirty="0" err="1"/>
-              <a:t>Dabei</a:t>
-            </a:r>
-            <a:r>
-              <a:rPr lang="en-US" dirty="0"/>
-              <a:t> </a:t>
-            </a:r>
-            <a:r>
-              <a:rPr lang="en-US" dirty="0" err="1"/>
-              <a:t>haben</a:t>
-            </a:r>
-            <a:r>
-              <a:rPr lang="en-US" dirty="0"/>
-              <a:t> </a:t>
-            </a:r>
-            <a:r>
-              <a:rPr lang="en-US" dirty="0" err="1"/>
-              <a:t>wir</a:t>
-            </a:r>
-            <a:r>
-              <a:rPr lang="en-US" dirty="0"/>
-              <a:t> </a:t>
-            </a:r>
-            <a:r>
-              <a:rPr lang="en-US" dirty="0" err="1"/>
-              <a:t>jeweils</a:t>
-            </a:r>
-            <a:r>
-              <a:rPr lang="en-US" dirty="0"/>
-              <a:t> </a:t>
-            </a:r>
-            <a:r>
-              <a:rPr lang="en-US" dirty="0" err="1"/>
-              <a:t>vier</a:t>
-            </a:r>
-            <a:r>
-              <a:rPr lang="en-US" dirty="0"/>
-              <a:t> </a:t>
-            </a:r>
-            <a:r>
-              <a:rPr lang="en-US" dirty="0" err="1"/>
-              <a:t>übersichtsseiten</a:t>
-            </a:r>
-            <a:r>
-              <a:rPr lang="en-US" dirty="0"/>
-              <a:t> der </a:t>
-            </a:r>
-            <a:r>
-              <a:rPr lang="en-US" dirty="0" err="1"/>
-              <a:t>Messtationen</a:t>
-            </a:r>
-            <a:r>
-              <a:rPr lang="en-US" dirty="0"/>
-              <a:t> </a:t>
-            </a:r>
-            <a:r>
-              <a:rPr lang="en-US" dirty="0" err="1"/>
-              <a:t>aufgeteilt</a:t>
-            </a:r>
-            <a:r>
-              <a:rPr lang="en-US" dirty="0"/>
-              <a:t> in Wind </a:t>
-            </a:r>
-            <a:r>
-              <a:rPr lang="en-US" dirty="0" err="1"/>
-              <a:t>Tempeatur</a:t>
-            </a:r>
-            <a:r>
-              <a:rPr lang="en-US" dirty="0"/>
-              <a:t> Wass und </a:t>
-            </a:r>
-            <a:r>
-              <a:rPr lang="en-US" dirty="0" err="1"/>
-              <a:t>Warnungen</a:t>
-            </a:r>
-            <a:r>
-              <a:rPr lang="en-US" dirty="0"/>
-              <a:t>. </a:t>
-            </a:r>
-            <a:r>
-              <a:rPr lang="en-US" dirty="0" err="1"/>
-              <a:t>Mit</a:t>
-            </a:r>
-            <a:r>
-              <a:rPr lang="en-US" dirty="0"/>
-              <a:t> dem Klick auf den </a:t>
-            </a:r>
-            <a:r>
-              <a:rPr lang="en-US" dirty="0" err="1"/>
-              <a:t>Jeweiligen</a:t>
-            </a:r>
-            <a:r>
-              <a:rPr lang="en-US" dirty="0"/>
-              <a:t> link </a:t>
-            </a:r>
-            <a:r>
-              <a:rPr lang="en-US" dirty="0" err="1"/>
-              <a:t>öffnet</a:t>
-            </a:r>
-            <a:r>
-              <a:rPr lang="en-US" dirty="0"/>
-              <a:t> </a:t>
-            </a:r>
-            <a:r>
-              <a:rPr lang="en-US" dirty="0" err="1"/>
-              <a:t>sich</a:t>
-            </a:r>
-            <a:r>
-              <a:rPr lang="en-US" dirty="0"/>
-              <a:t> </a:t>
-            </a:r>
-            <a:r>
-              <a:rPr lang="en-US" dirty="0" err="1"/>
-              <a:t>dann</a:t>
+              <a:rPr lang="en-US" dirty="0"/>
+              <a:t>Etienne: </a:t>
+            </a:r>
+            <a:r>
+              <a:rPr lang="en-US" dirty="0" err="1"/>
+              <a:t>Hier</a:t>
+            </a:r>
+            <a:r>
+              <a:rPr lang="en-US" dirty="0"/>
+              <a:t> </a:t>
+            </a:r>
+            <a:r>
+              <a:rPr lang="en-US" dirty="0" err="1"/>
+              <a:t>nochmal</a:t>
+            </a:r>
+            <a:r>
+              <a:rPr lang="en-US" dirty="0"/>
+              <a:t> </a:t>
+            </a:r>
+            <a:r>
+              <a:rPr lang="en-US" dirty="0" err="1"/>
+              <a:t>abgelistet</a:t>
             </a:r>
             <a:r>
               <a:rPr lang="en-US" dirty="0"/>
@@ -7255,221 +6971,12 @@
             </a:r>
             <a:r>
               <a:rPr lang="en-US" dirty="0" err="1"/>
-              <a:t>jeweilige</a:t>
-            </a:r>
-            <a:r>
-              <a:rPr lang="en-US" dirty="0"/>
-              <a:t> </a:t>
-            </a:r>
-            <a:r>
-              <a:rPr lang="en-US" dirty="0" err="1"/>
-              <a:t>Seite</a:t>
-            </a:r>
-            <a:r>
-              <a:rPr lang="en-US" dirty="0"/>
-              <a:t>.</a:t>
-            </a:r>
-          </a:p>
-          <a:p>
-            <a:r>
-              <a:rPr lang="en-US" dirty="0"/>
-              <a:t>Die </a:t>
-            </a:r>
-            <a:r>
-              <a:rPr lang="en-US" dirty="0" err="1"/>
-              <a:t>dann</a:t>
-            </a:r>
-            <a:r>
-              <a:rPr lang="en-US" dirty="0"/>
-              <a:t> den </a:t>
-            </a:r>
-            <a:r>
-              <a:rPr lang="en-US" dirty="0" err="1"/>
-              <a:t>letzten</a:t>
-            </a:r>
-            <a:r>
-              <a:rPr lang="en-US" dirty="0"/>
-              <a:t> Screen </a:t>
-            </a:r>
-            <a:r>
-              <a:rPr lang="en-US" dirty="0" err="1"/>
-              <a:t>öffnet</a:t>
-            </a:r>
-            <a:r>
-              <a:rPr lang="en-US" dirty="0"/>
-              <a:t> die </a:t>
-            </a:r>
-            <a:r>
-              <a:rPr lang="en-US" dirty="0" err="1"/>
-              <a:t>Grafikten</a:t>
-            </a:r>
-            <a:r>
-              <a:rPr lang="en-US" dirty="0"/>
-              <a:t> und Plots </a:t>
-            </a:r>
-            <a:r>
-              <a:rPr lang="en-US" dirty="0" err="1"/>
-              <a:t>zu</a:t>
-            </a:r>
-            <a:r>
-              <a:rPr lang="en-US" dirty="0"/>
-              <a:t> den </a:t>
-            </a:r>
-            <a:r>
-              <a:rPr lang="en-US" dirty="0" err="1"/>
-              <a:t>jeweiligen</a:t>
-            </a:r>
-            <a:r>
-              <a:rPr lang="en-US" dirty="0"/>
-              <a:t> </a:t>
-            </a:r>
-            <a:r>
-              <a:rPr lang="en-US" dirty="0" err="1"/>
-              <a:t>Unterpunkten</a:t>
-            </a:r>
-            <a:r>
-              <a:rPr lang="en-US" dirty="0"/>
-              <a:t>:</a:t>
-            </a:r>
-          </a:p>
-          <a:p>
-            <a:r>
-              <a:rPr lang="en-US" dirty="0"/>
-              <a:t>Wind </a:t>
-            </a:r>
-            <a:r>
-              <a:rPr lang="en-US" dirty="0" err="1"/>
-              <a:t>Lufttemperutr</a:t>
-            </a:r>
-            <a:r>
-              <a:rPr lang="en-US" dirty="0"/>
-              <a:t> </a:t>
-            </a:r>
-            <a:r>
-              <a:rPr lang="en-US" dirty="0" err="1"/>
-              <a:t>Wassertemperatur</a:t>
-            </a:r>
-            <a:r>
-              <a:rPr lang="en-US" dirty="0"/>
-              <a:t> </a:t>
-            </a:r>
-            <a:r>
-              <a:rPr lang="en-US" dirty="0" err="1"/>
-              <a:t>Taupunkt</a:t>
-            </a:r>
-            <a:r>
-              <a:rPr lang="en-US" dirty="0"/>
-              <a:t> </a:t>
-            </a:r>
-            <a:r>
-              <a:rPr lang="en-US" dirty="0" err="1"/>
-              <a:t>Wasserstand</a:t>
-            </a:r>
-            <a:r>
-              <a:rPr lang="en-US" dirty="0"/>
-              <a:t> und </a:t>
-            </a:r>
-            <a:r>
-              <a:rPr lang="en-US" dirty="0" err="1"/>
-              <a:t>Druck</a:t>
-            </a:r>
-            <a:r>
-              <a:rPr lang="en-US" dirty="0"/>
-              <a:t>.</a:t>
-            </a:r>
-          </a:p>
-          <a:p>
-            <a:r>
-              <a:rPr lang="en-US" dirty="0" err="1"/>
-              <a:t>Mit</a:t>
-            </a:r>
-            <a:r>
-              <a:rPr lang="en-US" dirty="0"/>
-              <a:t> dem </a:t>
-            </a:r>
-            <a:r>
-              <a:rPr lang="en-US" dirty="0" err="1"/>
-              <a:t>jeweilgen</a:t>
-            </a:r>
-            <a:r>
-              <a:rPr lang="en-US" dirty="0"/>
-              <a:t> Button </a:t>
-            </a:r>
-            <a:r>
-              <a:rPr lang="en-US" dirty="0" err="1"/>
-              <a:t>unterhalb</a:t>
-            </a:r>
-            <a:r>
-              <a:rPr lang="en-US" dirty="0"/>
-              <a:t> </a:t>
-            </a:r>
-            <a:r>
-              <a:rPr lang="en-US" dirty="0" err="1"/>
-              <a:t>kann</a:t>
-            </a:r>
-            <a:r>
-              <a:rPr lang="en-US" dirty="0"/>
-              <a:t> </a:t>
-            </a:r>
-            <a:r>
-              <a:rPr lang="en-US" dirty="0" err="1"/>
-              <a:t>zwischen</a:t>
-            </a:r>
-            <a:r>
-              <a:rPr lang="en-US" dirty="0"/>
-              <a:t> den </a:t>
-            </a:r>
-            <a:r>
-              <a:rPr lang="en-US" dirty="0" err="1"/>
-              <a:t>Historischen</a:t>
-            </a:r>
-            <a:r>
-              <a:rPr lang="en-US" dirty="0"/>
-              <a:t> </a:t>
-            </a:r>
-            <a:r>
-              <a:rPr lang="en-US" dirty="0" err="1"/>
-              <a:t>Daten</a:t>
-            </a:r>
-            <a:r>
-              <a:rPr lang="en-US" dirty="0"/>
-              <a:t> dem </a:t>
-            </a:r>
-            <a:r>
-              <a:rPr lang="en-US" dirty="0" err="1"/>
-              <a:t>Aktuellen</a:t>
-            </a:r>
-            <a:r>
-              <a:rPr lang="en-US" dirty="0"/>
-              <a:t> </a:t>
-            </a:r>
-            <a:r>
-              <a:rPr lang="en-US" dirty="0" err="1"/>
-              <a:t>Messtaand</a:t>
-            </a:r>
-            <a:r>
-              <a:rPr lang="en-US" dirty="0"/>
-              <a:t> und der </a:t>
-            </a:r>
-            <a:r>
-              <a:rPr lang="en-US" dirty="0" err="1"/>
-              <a:t>Vorraussage</a:t>
-            </a:r>
-            <a:r>
-              <a:rPr lang="en-US" dirty="0"/>
-              <a:t> </a:t>
-            </a:r>
-            <a:r>
-              <a:rPr lang="en-US" dirty="0" err="1"/>
-              <a:t>umgeschalten</a:t>
-            </a:r>
-            <a:r>
-              <a:rPr lang="en-US" dirty="0"/>
-              <a:t> warden.</a:t>
-            </a:r>
-          </a:p>
-          <a:p>
-            <a:endParaRPr lang="en-US" dirty="0"/>
+              <a:t>Programmatischen</a:t>
+            </a:r>
+            <a:r>
+              <a:rPr lang="en-US" dirty="0"/>
+              <a:t> HTML endpoints </a:t>
+            </a:r>
           </a:p>
         </p:txBody>
       </p:sp>
@@ -7499,7 +7006,7 @@
     </p:spTree>
     <p:extLst>
       <p:ext uri="{BB962C8B-B14F-4D97-AF65-F5344CB8AC3E}">
-        <p14:creationId xmlns:p14="http://schemas.microsoft.com/office/powerpoint/2010/main" val="1204525051"/>
+        <p14:creationId xmlns:p14="http://schemas.microsoft.com/office/powerpoint/2010/main" val="3552269098"/>
       </p:ext>
     </p:extLst>
   </p:cSld>
@@ -7555,39 +7062,218 @@
           <a:p>
             <a:r>
               <a:rPr lang="en-US" dirty="0"/>
-              <a:t>Etienne: </a:t>
-            </a:r>
-            <a:r>
-              <a:rPr lang="en-US" dirty="0" err="1"/>
-              <a:t>Hier</a:t>
-            </a:r>
-            <a:r>
-              <a:rPr lang="en-US" dirty="0"/>
-              <a:t> </a:t>
-            </a:r>
-            <a:r>
-              <a:rPr lang="en-US" dirty="0" err="1"/>
-              <a:t>nochmal</a:t>
-            </a:r>
-            <a:r>
-              <a:rPr lang="en-US" dirty="0"/>
-              <a:t> </a:t>
-            </a:r>
-            <a:r>
-              <a:rPr lang="en-US" dirty="0" err="1"/>
-              <a:t>abgelistet</a:t>
-            </a:r>
-            <a:r>
-              <a:rPr lang="en-US" dirty="0"/>
-              <a:t> die </a:t>
-            </a:r>
-            <a:r>
-              <a:rPr lang="en-US" dirty="0" err="1"/>
-              <a:t>Programmatischen</a:t>
-            </a:r>
-            <a:r>
-              <a:rPr lang="en-US" dirty="0"/>
-              <a:t> HTML endpoints </a:t>
+              <a:t>Etienne: Für </a:t>
+            </a:r>
+            <a:r>
+              <a:rPr lang="en-US" dirty="0" err="1"/>
+              <a:t>jeden</a:t>
+            </a:r>
+            <a:r>
+              <a:rPr lang="en-US" dirty="0"/>
+              <a:t> Endpoint </a:t>
+            </a:r>
+            <a:r>
+              <a:rPr lang="en-US" dirty="0" err="1"/>
+              <a:t>im</a:t>
+            </a:r>
+            <a:r>
+              <a:rPr lang="en-US" dirty="0"/>
+              <a:t> Routing </a:t>
+            </a:r>
+            <a:r>
+              <a:rPr lang="en-US" dirty="0" err="1"/>
+              <a:t>hanben</a:t>
+            </a:r>
+            <a:r>
+              <a:rPr lang="en-US" dirty="0"/>
+              <a:t> </a:t>
+            </a:r>
+            <a:r>
+              <a:rPr lang="en-US" dirty="0" err="1"/>
+              <a:t>wir</a:t>
+            </a:r>
+            <a:r>
+              <a:rPr lang="en-US" dirty="0"/>
+              <a:t> </a:t>
+            </a:r>
+            <a:r>
+              <a:rPr lang="en-US" dirty="0" err="1"/>
+              <a:t>jeweils</a:t>
+            </a:r>
+            <a:r>
+              <a:rPr lang="en-US" dirty="0"/>
+              <a:t> </a:t>
+            </a:r>
+            <a:r>
+              <a:rPr lang="en-US" dirty="0" err="1"/>
+              <a:t>ein</a:t>
+            </a:r>
+            <a:r>
+              <a:rPr lang="en-US" dirty="0"/>
+              <a:t> </a:t>
+            </a:r>
+            <a:r>
+              <a:rPr lang="en-US" dirty="0" err="1"/>
+              <a:t>statisches</a:t>
+            </a:r>
+            <a:r>
+              <a:rPr lang="en-US" dirty="0"/>
+              <a:t> HTML File das </a:t>
+            </a:r>
+            <a:r>
+              <a:rPr lang="en-US" dirty="0" err="1"/>
+              <a:t>wir</a:t>
+            </a:r>
+            <a:r>
+              <a:rPr lang="en-US" dirty="0"/>
+              <a:t> </a:t>
+            </a:r>
+            <a:r>
+              <a:rPr lang="en-US" dirty="0" err="1"/>
+              <a:t>mit</a:t>
+            </a:r>
+            <a:r>
+              <a:rPr lang="en-US" dirty="0"/>
+              <a:t> </a:t>
+            </a:r>
+            <a:r>
+              <a:rPr lang="en-US" dirty="0" err="1"/>
+              <a:t>unseren</a:t>
+            </a:r>
+            <a:r>
+              <a:rPr lang="en-US" dirty="0"/>
+              <a:t> Python </a:t>
+            </a:r>
+            <a:r>
+              <a:rPr lang="en-US" dirty="0" err="1"/>
+              <a:t>Variablen</a:t>
+            </a:r>
+            <a:r>
+              <a:rPr lang="en-US" dirty="0"/>
+              <a:t> </a:t>
+            </a:r>
+            <a:r>
+              <a:rPr lang="en-US" dirty="0" err="1"/>
+              <a:t>füllen</a:t>
+            </a:r>
+            <a:r>
+              <a:rPr lang="en-US" dirty="0"/>
+              <a:t>.</a:t>
+            </a:r>
+          </a:p>
+          <a:p>
+            <a:r>
+              <a:rPr lang="en-US" dirty="0"/>
+              <a:t>Index.html für den Home Screen und die Navigation.</a:t>
+            </a:r>
+          </a:p>
+          <a:p>
+            <a:r>
+              <a:rPr lang="en-US" dirty="0"/>
+              <a:t>Load_data.html für den </a:t>
+            </a:r>
+            <a:r>
+              <a:rPr lang="en-US" dirty="0" err="1"/>
+              <a:t>Splashscreen</a:t>
+            </a:r>
+            <a:r>
+              <a:rPr lang="en-US" dirty="0"/>
+              <a:t>.</a:t>
+            </a:r>
+          </a:p>
+          <a:p>
+            <a:r>
+              <a:rPr lang="en-US" dirty="0"/>
+              <a:t>Main.html für </a:t>
+            </a:r>
+            <a:r>
+              <a:rPr lang="en-US" dirty="0" err="1"/>
+              <a:t>Ansichten</a:t>
+            </a:r>
+            <a:r>
+              <a:rPr lang="en-US" dirty="0"/>
+              <a:t> der </a:t>
+            </a:r>
+            <a:r>
+              <a:rPr lang="en-US" dirty="0" err="1"/>
+              <a:t>Wetterstationen</a:t>
+            </a:r>
+            <a:endParaRPr lang="en-US" dirty="0"/>
+          </a:p>
+          <a:p>
+            <a:r>
+              <a:rPr lang="en-US" dirty="0"/>
+              <a:t>Und Graph.html für die Detail </a:t>
+            </a:r>
+            <a:r>
+              <a:rPr lang="en-US" dirty="0" err="1"/>
+              <a:t>ansicht</a:t>
+            </a:r>
+            <a:r>
+              <a:rPr lang="en-US" dirty="0"/>
+              <a:t> der </a:t>
+            </a:r>
+            <a:r>
+              <a:rPr lang="en-US" dirty="0" err="1"/>
+              <a:t>einzelnen</a:t>
+            </a:r>
+            <a:r>
+              <a:rPr lang="en-US" dirty="0"/>
+              <a:t> </a:t>
+            </a:r>
+            <a:r>
+              <a:rPr lang="en-US" dirty="0" err="1"/>
+              <a:t>Messwerte</a:t>
+            </a:r>
+            <a:r>
+              <a:rPr lang="en-US" dirty="0"/>
+              <a:t> und der Plots.</a:t>
+            </a:r>
+          </a:p>
+          <a:p>
+            <a:r>
+              <a:rPr lang="en-US" dirty="0"/>
+              <a:t>Ich </a:t>
+            </a:r>
+            <a:r>
+              <a:rPr lang="en-US" dirty="0" err="1"/>
+              <a:t>freue</a:t>
+            </a:r>
+            <a:r>
+              <a:rPr lang="en-US" dirty="0"/>
+              <a:t> </a:t>
+            </a:r>
+            <a:r>
+              <a:rPr lang="en-US" dirty="0" err="1"/>
+              <a:t>mich</a:t>
+            </a:r>
+            <a:r>
+              <a:rPr lang="en-US" dirty="0"/>
+              <a:t> nun </a:t>
+            </a:r>
+            <a:r>
+              <a:rPr lang="en-US" dirty="0" err="1"/>
+              <a:t>mein</a:t>
+            </a:r>
+            <a:r>
+              <a:rPr lang="en-US" dirty="0"/>
+              <a:t> Wort an Florin </a:t>
+            </a:r>
+            <a:r>
+              <a:rPr lang="en-US" dirty="0" err="1"/>
+              <a:t>weiter</a:t>
+            </a:r>
+            <a:r>
+              <a:rPr lang="en-US" dirty="0"/>
+              <a:t> </a:t>
+            </a:r>
+            <a:r>
+              <a:rPr lang="en-US" dirty="0" err="1"/>
+              <a:t>zugeben</a:t>
+            </a:r>
+            <a:r>
+              <a:rPr lang="en-US" dirty="0"/>
+              <a:t>.</a:t>
             </a:r>
           </a:p>
         </p:txBody>
@@ -7618,7 +7304,7 @@
     </p:spTree>
     <p:extLst>
       <p:ext uri="{BB962C8B-B14F-4D97-AF65-F5344CB8AC3E}">
-        <p14:creationId xmlns:p14="http://schemas.microsoft.com/office/powerpoint/2010/main" val="3552269098"/>
+        <p14:creationId xmlns:p14="http://schemas.microsoft.com/office/powerpoint/2010/main" val="3865265295"/>
       </p:ext>
     </p:extLst>
   </p:cSld>
@@ -7674,218 +7360,7 @@
           <a:p>
             <a:r>
               <a:rPr lang="en-US" dirty="0"/>
-              <a:t>Etienne: Für </a:t>
-            </a:r>
-            <a:r>
-              <a:rPr lang="en-US" dirty="0" err="1"/>
-              <a:t>jeden</a:t>
-            </a:r>
-            <a:r>
-              <a:rPr lang="en-US" dirty="0"/>
-              <a:t> Endpoint </a:t>
-            </a:r>
-            <a:r>
-              <a:rPr lang="en-US" dirty="0" err="1"/>
-              <a:t>im</a:t>
-            </a:r>
-            <a:r>
-              <a:rPr lang="en-US" dirty="0"/>
-              <a:t> Routing </a:t>
-            </a:r>
-            <a:r>
-              <a:rPr lang="en-US" dirty="0" err="1"/>
-              <a:t>hanben</a:t>
-            </a:r>
-            <a:r>
-              <a:rPr lang="en-US" dirty="0"/>
-              <a:t> </a:t>
-            </a:r>
-            <a:r>
-              <a:rPr lang="en-US" dirty="0" err="1"/>
-              <a:t>wir</a:t>
-            </a:r>
-            <a:r>
-              <a:rPr lang="en-US" dirty="0"/>
-              <a:t> </a:t>
-            </a:r>
-            <a:r>
-              <a:rPr lang="en-US" dirty="0" err="1"/>
-              <a:t>jeweils</a:t>
-            </a:r>
-            <a:r>
-              <a:rPr lang="en-US" dirty="0"/>
-              <a:t> </a:t>
-            </a:r>
-            <a:r>
-              <a:rPr lang="en-US" dirty="0" err="1"/>
-              <a:t>ein</a:t>
-            </a:r>
-            <a:r>
-              <a:rPr lang="en-US" dirty="0"/>
-              <a:t> </a:t>
-            </a:r>
-            <a:r>
-              <a:rPr lang="en-US" dirty="0" err="1"/>
-              <a:t>statisches</a:t>
-            </a:r>
-            <a:r>
-              <a:rPr lang="en-US" dirty="0"/>
-              <a:t> HTML File das </a:t>
-            </a:r>
-            <a:r>
-              <a:rPr lang="en-US" dirty="0" err="1"/>
-              <a:t>wir</a:t>
-            </a:r>
-            <a:r>
-              <a:rPr lang="en-US" dirty="0"/>
-              <a:t> </a:t>
-            </a:r>
-            <a:r>
-              <a:rPr lang="en-US" dirty="0" err="1"/>
-              <a:t>mit</a:t>
-            </a:r>
-            <a:r>
-              <a:rPr lang="en-US" dirty="0"/>
-              <a:t> </a:t>
-            </a:r>
-            <a:r>
-              <a:rPr lang="en-US" dirty="0" err="1"/>
-              <a:t>unseren</a:t>
-            </a:r>
-            <a:r>
-              <a:rPr lang="en-US" dirty="0"/>
-              <a:t> Python </a:t>
-            </a:r>
-            <a:r>
-              <a:rPr lang="en-US" dirty="0" err="1"/>
-              <a:t>Variablen</a:t>
-            </a:r>
-            <a:r>
-              <a:rPr lang="en-US" dirty="0"/>
-              <a:t> </a:t>
-            </a:r>
-            <a:r>
-              <a:rPr lang="en-US" dirty="0" err="1"/>
-              <a:t>füllen</a:t>
-            </a:r>
-            <a:r>
-              <a:rPr lang="en-US" dirty="0"/>
-              <a:t>.</a:t>
-            </a:r>
-          </a:p>
-          <a:p>
-            <a:r>
-              <a:rPr lang="en-US" dirty="0"/>
-              <a:t>Index.html für den Home Screen und die Navigation.</a:t>
-            </a:r>
-          </a:p>
-          <a:p>
-            <a:r>
-              <a:rPr lang="en-US" dirty="0"/>
-              <a:t>Load_data.html für den </a:t>
-            </a:r>
-            <a:r>
-              <a:rPr lang="en-US" dirty="0" err="1"/>
-              <a:t>Splashscreen</a:t>
-            </a:r>
-            <a:r>
-              <a:rPr lang="en-US" dirty="0"/>
-              <a:t>.</a:t>
-            </a:r>
-          </a:p>
-          <a:p>
-            <a:r>
-              <a:rPr lang="en-US" dirty="0"/>
-              <a:t>Main.html für </a:t>
-            </a:r>
-            <a:r>
-              <a:rPr lang="en-US" dirty="0" err="1"/>
-              <a:t>Ansichten</a:t>
-            </a:r>
-            <a:r>
-              <a:rPr lang="en-US" dirty="0"/>
-              <a:t> der </a:t>
-            </a:r>
-            <a:r>
-              <a:rPr lang="en-US" dirty="0" err="1"/>
-              <a:t>Wetterstationen</a:t>
-            </a:r>
-            <a:endParaRPr lang="en-US" dirty="0"/>
-          </a:p>
-          <a:p>
-            <a:r>
-              <a:rPr lang="en-US" dirty="0"/>
-              <a:t>Und Graph.html für die Detail </a:t>
-            </a:r>
-            <a:r>
-              <a:rPr lang="en-US" dirty="0" err="1"/>
-              <a:t>ansicht</a:t>
-            </a:r>
-            <a:r>
-              <a:rPr lang="en-US" dirty="0"/>
-              <a:t> der </a:t>
-            </a:r>
-            <a:r>
-              <a:rPr lang="en-US" dirty="0" err="1"/>
-              <a:t>einzelnen</a:t>
-            </a:r>
-            <a:r>
-              <a:rPr lang="en-US" dirty="0"/>
-              <a:t> </a:t>
-            </a:r>
-            <a:r>
-              <a:rPr lang="en-US" dirty="0" err="1"/>
-              <a:t>Messwerte</a:t>
-            </a:r>
-            <a:r>
-              <a:rPr lang="en-US" dirty="0"/>
-              <a:t> und der Plots.</a:t>
-            </a:r>
-          </a:p>
-          <a:p>
-            <a:r>
-              <a:rPr lang="en-US" dirty="0"/>
-              <a:t>Ich </a:t>
-            </a:r>
-            <a:r>
-              <a:rPr lang="en-US" dirty="0" err="1"/>
-              <a:t>freue</a:t>
-            </a:r>
-            <a:r>
-              <a:rPr lang="en-US" dirty="0"/>
-              <a:t> </a:t>
-            </a:r>
-            <a:r>
-              <a:rPr lang="en-US" dirty="0" err="1"/>
-              <a:t>mich</a:t>
-            </a:r>
-            <a:r>
-              <a:rPr lang="en-US" dirty="0"/>
-              <a:t> nun </a:t>
-            </a:r>
-            <a:r>
-              <a:rPr lang="en-US" dirty="0" err="1"/>
-              <a:t>mein</a:t>
-            </a:r>
-            <a:r>
-              <a:rPr lang="en-US" dirty="0"/>
-              <a:t> Wort an Florin </a:t>
-            </a:r>
-            <a:r>
-              <a:rPr lang="en-US" dirty="0" err="1"/>
-              <a:t>weiter</a:t>
-            </a:r>
-            <a:r>
-              <a:rPr lang="en-US" dirty="0"/>
-              <a:t> </a:t>
-            </a:r>
-            <a:r>
-              <a:rPr lang="en-US" dirty="0" err="1"/>
-              <a:t>zugeben</a:t>
-            </a:r>
-            <a:r>
-              <a:rPr lang="en-US" dirty="0"/>
-              <a:t>.</a:t>
+              <a:t>Florin:</a:t>
             </a:r>
           </a:p>
         </p:txBody>
@@ -7916,7 +7391,7 @@
     </p:spTree>
     <p:extLst>
       <p:ext uri="{BB962C8B-B14F-4D97-AF65-F5344CB8AC3E}">
-        <p14:creationId xmlns:p14="http://schemas.microsoft.com/office/powerpoint/2010/main" val="3865265295"/>
+        <p14:creationId xmlns:p14="http://schemas.microsoft.com/office/powerpoint/2010/main" val="2214953838"/>
       </p:ext>
     </p:extLst>
   </p:cSld>
@@ -7975,6 +7450,479 @@
               <a:t>Florin:</a:t>
             </a:r>
           </a:p>
+          <a:p>
+            <a:endParaRPr lang="en-US" dirty="0"/>
+          </a:p>
+          <a:p>
+            <a:r>
+              <a:rPr lang="en-US" dirty="0" err="1"/>
+              <a:t>Hier</a:t>
+            </a:r>
+            <a:r>
+              <a:rPr lang="en-US" dirty="0"/>
+              <a:t> </a:t>
+            </a:r>
+            <a:r>
+              <a:rPr lang="en-US" dirty="0" err="1"/>
+              <a:t>ist</a:t>
+            </a:r>
+            <a:r>
+              <a:rPr lang="en-US" dirty="0"/>
+              <a:t> der </a:t>
+            </a:r>
+            <a:r>
+              <a:rPr lang="en-US" dirty="0" err="1"/>
+              <a:t>Entwurf</a:t>
+            </a:r>
+            <a:r>
+              <a:rPr lang="en-US" dirty="0"/>
+              <a:t> der </a:t>
+            </a:r>
+            <a:r>
+              <a:rPr lang="en-US" dirty="0" err="1"/>
+              <a:t>Startseite</a:t>
+            </a:r>
+            <a:r>
+              <a:rPr lang="en-US" dirty="0"/>
+              <a:t>. </a:t>
+            </a:r>
+          </a:p>
+          <a:p>
+            <a:r>
+              <a:rPr lang="en-US" dirty="0" err="1"/>
+              <a:t>Oben</a:t>
+            </a:r>
+            <a:r>
+              <a:rPr lang="en-US" dirty="0"/>
+              <a:t> </a:t>
+            </a:r>
+            <a:r>
+              <a:rPr lang="en-US" dirty="0" err="1"/>
+              <a:t>kann</a:t>
+            </a:r>
+            <a:r>
+              <a:rPr lang="en-US" dirty="0"/>
+              <a:t> </a:t>
+            </a:r>
+            <a:r>
+              <a:rPr lang="en-US" dirty="0" err="1"/>
+              <a:t>zwischen</a:t>
+            </a:r>
+            <a:r>
+              <a:rPr lang="en-US" dirty="0"/>
+              <a:t> den </a:t>
+            </a:r>
+            <a:r>
+              <a:rPr lang="en-US" dirty="0" err="1"/>
+              <a:t>beiden</a:t>
+            </a:r>
+            <a:r>
+              <a:rPr lang="en-US" dirty="0"/>
+              <a:t> </a:t>
+            </a:r>
+            <a:r>
+              <a:rPr lang="en-US" dirty="0" err="1"/>
+              <a:t>Wetterstationen</a:t>
+            </a:r>
+            <a:r>
+              <a:rPr lang="en-US" dirty="0"/>
+              <a:t> </a:t>
+            </a:r>
+            <a:r>
+              <a:rPr lang="en-US" dirty="0" err="1"/>
+              <a:t>hin</a:t>
+            </a:r>
+            <a:r>
+              <a:rPr lang="en-US" dirty="0"/>
+              <a:t> und her </a:t>
+            </a:r>
+            <a:r>
+              <a:rPr lang="en-US" dirty="0" err="1"/>
+              <a:t>gewechselt</a:t>
+            </a:r>
+            <a:r>
+              <a:rPr lang="en-US" dirty="0"/>
+              <a:t> </a:t>
+            </a:r>
+            <a:r>
+              <a:rPr lang="en-US" dirty="0" err="1"/>
+              <a:t>werden</a:t>
+            </a:r>
+            <a:r>
+              <a:rPr lang="en-US" dirty="0"/>
+              <a:t>. </a:t>
+            </a:r>
+            <a:r>
+              <a:rPr lang="en-US" dirty="0" err="1"/>
+              <a:t>Wir</a:t>
+            </a:r>
+            <a:r>
+              <a:rPr lang="en-US" dirty="0"/>
+              <a:t> </a:t>
+            </a:r>
+            <a:r>
+              <a:rPr lang="en-US" dirty="0" err="1"/>
+              <a:t>haben</a:t>
+            </a:r>
+            <a:r>
+              <a:rPr lang="en-US" dirty="0"/>
+              <a:t> die </a:t>
+            </a:r>
+            <a:r>
+              <a:rPr lang="en-US" dirty="0" err="1"/>
+              <a:t>Messungen</a:t>
+            </a:r>
+            <a:r>
+              <a:rPr lang="en-US" dirty="0"/>
+              <a:t> in 4 Gruppen </a:t>
+            </a:r>
+            <a:r>
+              <a:rPr lang="en-US" dirty="0" err="1"/>
+              <a:t>aufgeteilt</a:t>
+            </a:r>
+            <a:r>
+              <a:rPr lang="en-US" dirty="0"/>
+              <a:t>: Wind, </a:t>
+            </a:r>
+            <a:r>
+              <a:rPr lang="en-US" dirty="0" err="1"/>
+              <a:t>Temperaturen</a:t>
+            </a:r>
+            <a:r>
+              <a:rPr lang="en-US" dirty="0"/>
+              <a:t>, Wasser und </a:t>
+            </a:r>
+            <a:r>
+              <a:rPr lang="en-US" dirty="0" err="1"/>
+              <a:t>Warnungen</a:t>
+            </a:r>
+            <a:r>
+              <a:rPr lang="en-US" dirty="0"/>
+              <a:t>.</a:t>
+            </a:r>
+          </a:p>
+          <a:p>
+            <a:endParaRPr lang="en-US" dirty="0"/>
+          </a:p>
+          <a:p>
+            <a:r>
+              <a:rPr lang="en-US" dirty="0" err="1"/>
+              <a:t>Oben</a:t>
+            </a:r>
+            <a:r>
+              <a:rPr lang="en-US" dirty="0"/>
+              <a:t> </a:t>
+            </a:r>
+            <a:r>
+              <a:rPr lang="en-US" dirty="0" err="1"/>
+              <a:t>rechts</a:t>
+            </a:r>
+            <a:r>
+              <a:rPr lang="en-US" dirty="0"/>
+              <a:t> </a:t>
+            </a:r>
+            <a:r>
+              <a:rPr lang="en-US" dirty="0" err="1"/>
+              <a:t>wird</a:t>
+            </a:r>
+            <a:r>
+              <a:rPr lang="en-US" dirty="0"/>
+              <a:t> die </a:t>
+            </a:r>
+            <a:r>
+              <a:rPr lang="en-US" dirty="0" err="1"/>
+              <a:t>Windrichtung</a:t>
+            </a:r>
+            <a:r>
+              <a:rPr lang="en-US" dirty="0"/>
+              <a:t> </a:t>
+            </a:r>
+            <a:r>
+              <a:rPr lang="en-US" dirty="0" err="1"/>
+              <a:t>mithilfe</a:t>
+            </a:r>
+            <a:r>
+              <a:rPr lang="en-US" dirty="0"/>
+              <a:t> </a:t>
+            </a:r>
+            <a:r>
+              <a:rPr lang="en-US" dirty="0" err="1"/>
+              <a:t>einer</a:t>
+            </a:r>
+            <a:r>
+              <a:rPr lang="en-US" dirty="0"/>
+              <a:t> Windrose </a:t>
+            </a:r>
+            <a:r>
+              <a:rPr lang="en-US" dirty="0" err="1"/>
+              <a:t>dargestellt</a:t>
+            </a:r>
+            <a:r>
+              <a:rPr lang="en-US" dirty="0"/>
+              <a:t>. Bei den </a:t>
+            </a:r>
+            <a:r>
+              <a:rPr lang="en-US" dirty="0" err="1"/>
+              <a:t>Warnungen</a:t>
+            </a:r>
+            <a:r>
+              <a:rPr lang="en-US" dirty="0"/>
+              <a:t> </a:t>
+            </a:r>
+            <a:r>
+              <a:rPr lang="en-US" dirty="0" err="1"/>
+              <a:t>werden</a:t>
+            </a:r>
+            <a:r>
+              <a:rPr lang="en-US" dirty="0"/>
+              <a:t> </a:t>
+            </a:r>
+            <a:r>
+              <a:rPr lang="en-US" dirty="0" err="1"/>
+              <a:t>Wetterwarnungen</a:t>
+            </a:r>
+            <a:r>
+              <a:rPr lang="en-US" dirty="0"/>
+              <a:t> von </a:t>
+            </a:r>
+            <a:r>
+              <a:rPr lang="en-US" dirty="0" err="1"/>
+              <a:t>MeteoSwiss</a:t>
+            </a:r>
+            <a:r>
+              <a:rPr lang="en-US" dirty="0"/>
+              <a:t> </a:t>
+            </a:r>
+            <a:r>
+              <a:rPr lang="en-US" dirty="0" err="1"/>
+              <a:t>dargestellt</a:t>
+            </a:r>
+            <a:r>
+              <a:rPr lang="en-US" dirty="0"/>
+              <a:t>, </a:t>
+            </a:r>
+            <a:r>
+              <a:rPr lang="en-US" dirty="0" err="1"/>
+              <a:t>sowie</a:t>
+            </a:r>
+            <a:r>
+              <a:rPr lang="en-US" dirty="0"/>
+              <a:t> der </a:t>
+            </a:r>
+            <a:r>
+              <a:rPr lang="en-US" dirty="0" err="1"/>
+              <a:t>Sonnenauf</a:t>
+            </a:r>
+            <a:r>
+              <a:rPr lang="en-US" dirty="0"/>
+              <a:t>-/</a:t>
+            </a:r>
+            <a:r>
+              <a:rPr lang="en-US" dirty="0" err="1"/>
+              <a:t>untergang</a:t>
+            </a:r>
+            <a:r>
+              <a:rPr lang="en-US" dirty="0"/>
+              <a:t> und die </a:t>
+            </a:r>
+            <a:r>
+              <a:rPr lang="en-US" dirty="0" err="1"/>
+              <a:t>Strahlung</a:t>
+            </a:r>
+            <a:r>
+              <a:rPr lang="en-US" dirty="0"/>
+              <a:t>. Dazu </a:t>
+            </a:r>
+            <a:r>
+              <a:rPr lang="en-US" dirty="0" err="1"/>
+              <a:t>kommt</a:t>
+            </a:r>
+            <a:r>
+              <a:rPr lang="en-US" dirty="0"/>
+              <a:t> </a:t>
+            </a:r>
+            <a:r>
+              <a:rPr lang="en-US" dirty="0" err="1"/>
+              <a:t>noch</a:t>
+            </a:r>
+            <a:r>
+              <a:rPr lang="en-US" dirty="0"/>
+              <a:t> </a:t>
+            </a:r>
+            <a:r>
+              <a:rPr lang="en-US" dirty="0" err="1"/>
+              <a:t>ein</a:t>
+            </a:r>
+            <a:r>
+              <a:rPr lang="en-US" dirty="0"/>
+              <a:t> Online-Status, </a:t>
+            </a:r>
+            <a:r>
+              <a:rPr lang="en-US" dirty="0" err="1"/>
+              <a:t>damit</a:t>
+            </a:r>
+            <a:r>
+              <a:rPr lang="en-US" dirty="0"/>
+              <a:t> </a:t>
+            </a:r>
+            <a:r>
+              <a:rPr lang="en-US" dirty="0" err="1"/>
+              <a:t>weiss</a:t>
+            </a:r>
+            <a:r>
+              <a:rPr lang="en-US" dirty="0"/>
+              <a:t> der </a:t>
+            </a:r>
+            <a:r>
+              <a:rPr lang="en-US" dirty="0" err="1"/>
+              <a:t>Benutzer</a:t>
+            </a:r>
+            <a:r>
+              <a:rPr lang="en-US" dirty="0"/>
+              <a:t> </a:t>
+            </a:r>
+            <a:r>
+              <a:rPr lang="en-US" dirty="0" err="1"/>
+              <a:t>wie</a:t>
+            </a:r>
+            <a:r>
+              <a:rPr lang="en-US" dirty="0"/>
+              <a:t> </a:t>
+            </a:r>
+            <a:r>
+              <a:rPr lang="en-US" dirty="0" err="1"/>
+              <a:t>aktuell</a:t>
+            </a:r>
+            <a:r>
+              <a:rPr lang="en-US" dirty="0"/>
+              <a:t> die </a:t>
+            </a:r>
+            <a:r>
+              <a:rPr lang="en-US" dirty="0" err="1"/>
+              <a:t>Wetterdaten</a:t>
+            </a:r>
+            <a:r>
+              <a:rPr lang="en-US" dirty="0"/>
+              <a:t> </a:t>
+            </a:r>
+            <a:r>
+              <a:rPr lang="en-US" dirty="0" err="1"/>
+              <a:t>sind</a:t>
+            </a:r>
+            <a:r>
+              <a:rPr lang="en-US" dirty="0"/>
+              <a:t>.</a:t>
+            </a:r>
+          </a:p>
+          <a:p>
+            <a:endParaRPr lang="en-US" dirty="0"/>
+          </a:p>
+          <a:p>
+            <a:r>
+              <a:rPr lang="en-US" dirty="0" err="1"/>
+              <a:t>Wenn</a:t>
+            </a:r>
+            <a:r>
+              <a:rPr lang="en-US" dirty="0"/>
+              <a:t> man auf </a:t>
+            </a:r>
+            <a:r>
+              <a:rPr lang="en-US" dirty="0" err="1"/>
+              <a:t>eine</a:t>
+            </a:r>
+            <a:r>
+              <a:rPr lang="en-US" dirty="0"/>
+              <a:t> der </a:t>
+            </a:r>
+            <a:r>
+              <a:rPr lang="en-US" dirty="0" err="1"/>
+              <a:t>vier</a:t>
+            </a:r>
+            <a:r>
+              <a:rPr lang="en-US" dirty="0"/>
+              <a:t> </a:t>
+            </a:r>
+            <a:r>
+              <a:rPr lang="en-US" dirty="0" err="1"/>
+              <a:t>Kategorien</a:t>
+            </a:r>
+            <a:r>
+              <a:rPr lang="en-US" dirty="0"/>
+              <a:t> </a:t>
+            </a:r>
+            <a:r>
+              <a:rPr lang="en-US" dirty="0" err="1"/>
+              <a:t>klickt</a:t>
+            </a:r>
+            <a:r>
+              <a:rPr lang="en-US" dirty="0"/>
+              <a:t>, </a:t>
+            </a:r>
+            <a:r>
+              <a:rPr lang="en-US" dirty="0" err="1"/>
+              <a:t>kommt</a:t>
+            </a:r>
+            <a:r>
+              <a:rPr lang="en-US" dirty="0"/>
+              <a:t> </a:t>
+            </a:r>
+            <a:r>
+              <a:rPr lang="en-US" dirty="0" err="1"/>
+              <a:t>eine</a:t>
+            </a:r>
+            <a:r>
+              <a:rPr lang="en-US" dirty="0"/>
+              <a:t> </a:t>
+            </a:r>
+            <a:r>
+              <a:rPr lang="en-US" dirty="0" err="1"/>
+              <a:t>Detailansicht</a:t>
+            </a:r>
+            <a:r>
+              <a:rPr lang="en-US" dirty="0"/>
+              <a:t> </a:t>
+            </a:r>
+            <a:r>
+              <a:rPr lang="en-US" dirty="0" err="1"/>
+              <a:t>mit</a:t>
+            </a:r>
+            <a:r>
+              <a:rPr lang="en-US" dirty="0"/>
+              <a:t> </a:t>
+            </a:r>
+            <a:r>
+              <a:rPr lang="en-US" dirty="0" err="1"/>
+              <a:t>Visualisierungen</a:t>
+            </a:r>
+            <a:r>
+              <a:rPr lang="en-US" dirty="0"/>
+              <a:t> </a:t>
+            </a:r>
+            <a:r>
+              <a:rPr lang="en-US" dirty="0" err="1"/>
+              <a:t>zu</a:t>
+            </a:r>
+            <a:r>
+              <a:rPr lang="en-US" dirty="0"/>
+              <a:t> </a:t>
+            </a:r>
+            <a:r>
+              <a:rPr lang="en-US" dirty="0" err="1"/>
+              <a:t>diesen</a:t>
+            </a:r>
+            <a:r>
+              <a:rPr lang="en-US" dirty="0"/>
+              <a:t> </a:t>
+            </a:r>
+            <a:r>
+              <a:rPr lang="en-US" dirty="0" err="1"/>
+              <a:t>Messwerten</a:t>
+            </a:r>
+            <a:r>
+              <a:rPr lang="en-US" dirty="0"/>
+              <a:t>.</a:t>
+            </a:r>
+          </a:p>
         </p:txBody>
       </p:sp>
       <p:sp>
@@ -8003,7 +7951,7 @@
     </p:spTree>
     <p:extLst>
       <p:ext uri="{BB962C8B-B14F-4D97-AF65-F5344CB8AC3E}">
-        <p14:creationId xmlns:p14="http://schemas.microsoft.com/office/powerpoint/2010/main" val="2214953838"/>
+        <p14:creationId xmlns:p14="http://schemas.microsoft.com/office/powerpoint/2010/main" val="1192728714"/>
       </p:ext>
     </p:extLst>
   </p:cSld>
@@ -8067,42 +8015,236 @@
           </a:p>
           <a:p>
             <a:r>
-              <a:rPr lang="en-US" dirty="0" err="1"/>
-              <a:t>Hier</a:t>
-            </a:r>
-            <a:r>
-              <a:rPr lang="en-US" dirty="0"/>
-              <a:t> </a:t>
-            </a:r>
-            <a:r>
-              <a:rPr lang="en-US" dirty="0" err="1"/>
-              <a:t>ist</a:t>
-            </a:r>
-            <a:r>
-              <a:rPr lang="en-US" dirty="0"/>
-              <a:t> der </a:t>
-            </a:r>
-            <a:r>
-              <a:rPr lang="en-US" dirty="0" err="1"/>
-              <a:t>Entwurf</a:t>
-            </a:r>
-            <a:r>
-              <a:rPr lang="en-US" dirty="0"/>
-              <a:t> der </a:t>
-            </a:r>
-            <a:r>
-              <a:rPr lang="en-US" dirty="0" err="1"/>
-              <a:t>Startseite</a:t>
+              <a:rPr lang="en-US" dirty="0"/>
+              <a:t>Dies </a:t>
+            </a:r>
+            <a:r>
+              <a:rPr lang="en-US" dirty="0" err="1"/>
+              <a:t>bringt</a:t>
+            </a:r>
+            <a:r>
+              <a:rPr lang="en-US" dirty="0"/>
+              <a:t> </a:t>
+            </a:r>
+            <a:r>
+              <a:rPr lang="en-US" dirty="0" err="1"/>
+              <a:t>uns</a:t>
+            </a:r>
+            <a:r>
+              <a:rPr lang="en-US" dirty="0"/>
+              <a:t> </a:t>
+            </a:r>
+            <a:r>
+              <a:rPr lang="en-US" dirty="0" err="1"/>
+              <a:t>schon</a:t>
+            </a:r>
+            <a:r>
+              <a:rPr lang="en-US" dirty="0"/>
+              <a:t> auf die </a:t>
+            </a:r>
+            <a:r>
+              <a:rPr lang="en-US" dirty="0" err="1"/>
+              <a:t>nächste</a:t>
+            </a:r>
+            <a:r>
+              <a:rPr lang="en-US" dirty="0"/>
+              <a:t> </a:t>
+            </a:r>
+            <a:r>
+              <a:rPr lang="en-US" dirty="0" err="1"/>
+              <a:t>Seite</a:t>
             </a:r>
             <a:r>
               <a:rPr lang="en-US" dirty="0"/>
               <a:t>. </a:t>
             </a:r>
-          </a:p>
-          <a:p>
-            <a:r>
-              <a:rPr lang="en-US" dirty="0" err="1"/>
-              <a:t>Oben</a:t>
+            <a:r>
+              <a:rPr lang="en-US" dirty="0" err="1"/>
+              <a:t>Wir</a:t>
+            </a:r>
+            <a:r>
+              <a:rPr lang="en-US" dirty="0"/>
+              <a:t> </a:t>
+            </a:r>
+            <a:r>
+              <a:rPr lang="en-US" dirty="0" err="1"/>
+              <a:t>haben</a:t>
+            </a:r>
+            <a:r>
+              <a:rPr lang="en-US" dirty="0"/>
+              <a:t> </a:t>
+            </a:r>
+            <a:r>
+              <a:rPr lang="en-US" dirty="0" err="1"/>
+              <a:t>hier</a:t>
+            </a:r>
+            <a:r>
+              <a:rPr lang="en-US" dirty="0"/>
+              <a:t> mal die </a:t>
+            </a:r>
+            <a:r>
+              <a:rPr lang="en-US" dirty="0" err="1"/>
+              <a:t>Detailansicht</a:t>
+            </a:r>
+            <a:r>
+              <a:rPr lang="en-US" dirty="0"/>
+              <a:t> für den Wind </a:t>
+            </a:r>
+            <a:r>
+              <a:rPr lang="en-US" dirty="0" err="1"/>
+              <a:t>skiziert</a:t>
+            </a:r>
+            <a:r>
+              <a:rPr lang="en-US" dirty="0"/>
+              <a:t>. Auf dem Plot </a:t>
+            </a:r>
+            <a:r>
+              <a:rPr lang="en-US" dirty="0" err="1"/>
+              <a:t>wird</a:t>
+            </a:r>
+            <a:r>
+              <a:rPr lang="en-US" dirty="0"/>
+              <a:t> die </a:t>
+            </a:r>
+            <a:r>
+              <a:rPr lang="en-US" dirty="0" err="1"/>
+              <a:t>Windrichtung</a:t>
+            </a:r>
+            <a:r>
+              <a:rPr lang="en-US" dirty="0"/>
+              <a:t>, </a:t>
+            </a:r>
+            <a:r>
+              <a:rPr lang="en-US" dirty="0" err="1"/>
+              <a:t>sowie</a:t>
+            </a:r>
+            <a:r>
+              <a:rPr lang="en-US" dirty="0"/>
+              <a:t> die </a:t>
+            </a:r>
+            <a:r>
+              <a:rPr lang="en-US" dirty="0" err="1"/>
+              <a:t>Windgeschwindigkeit</a:t>
+            </a:r>
+            <a:r>
+              <a:rPr lang="en-US" dirty="0"/>
+              <a:t>, </a:t>
+            </a:r>
+            <a:r>
+              <a:rPr lang="en-US" dirty="0" err="1"/>
+              <a:t>Windstärke</a:t>
+            </a:r>
+            <a:r>
+              <a:rPr lang="en-US" dirty="0"/>
+              <a:t> und </a:t>
+            </a:r>
+            <a:r>
+              <a:rPr lang="en-US" dirty="0" err="1"/>
+              <a:t>Windböen</a:t>
+            </a:r>
+            <a:r>
+              <a:rPr lang="en-US" dirty="0"/>
+              <a:t> </a:t>
+            </a:r>
+            <a:r>
+              <a:rPr lang="en-US" dirty="0" err="1"/>
+              <a:t>dargestellt</a:t>
+            </a:r>
+            <a:r>
+              <a:rPr lang="en-US" dirty="0"/>
+              <a:t>. </a:t>
+            </a:r>
+            <a:r>
+              <a:rPr lang="en-US" dirty="0" err="1"/>
+              <a:t>Durch</a:t>
+            </a:r>
+            <a:r>
+              <a:rPr lang="en-US" dirty="0"/>
+              <a:t> </a:t>
+            </a:r>
+            <a:r>
+              <a:rPr lang="en-US" dirty="0" err="1"/>
+              <a:t>einfaches</a:t>
+            </a:r>
+            <a:r>
+              <a:rPr lang="en-US" dirty="0"/>
+              <a:t> </a:t>
+            </a:r>
+            <a:r>
+              <a:rPr lang="en-US" dirty="0" err="1"/>
+              <a:t>tippen</a:t>
+            </a:r>
+            <a:r>
+              <a:rPr lang="en-US" dirty="0"/>
+              <a:t> </a:t>
+            </a:r>
+            <a:r>
+              <a:rPr lang="en-US" dirty="0" err="1"/>
+              <a:t>gelangt</a:t>
+            </a:r>
+            <a:r>
+              <a:rPr lang="en-US" dirty="0"/>
+              <a:t> man </a:t>
+            </a:r>
+            <a:r>
+              <a:rPr lang="en-US" dirty="0" err="1"/>
+              <a:t>wieder</a:t>
+            </a:r>
+            <a:r>
+              <a:rPr lang="en-US" dirty="0"/>
+              <a:t> auf die </a:t>
+            </a:r>
+            <a:r>
+              <a:rPr lang="en-US" dirty="0" err="1"/>
+              <a:t>vorherige</a:t>
+            </a:r>
+            <a:r>
+              <a:rPr lang="en-US" dirty="0"/>
+              <a:t> </a:t>
+            </a:r>
+            <a:r>
+              <a:rPr lang="en-US" dirty="0" err="1"/>
+              <a:t>Seite</a:t>
+            </a:r>
+            <a:r>
+              <a:rPr lang="en-US" dirty="0"/>
+              <a:t> </a:t>
+            </a:r>
+            <a:r>
+              <a:rPr lang="en-US" dirty="0" err="1"/>
+              <a:t>zurück</a:t>
+            </a:r>
+            <a:r>
+              <a:rPr lang="en-US" dirty="0"/>
+              <a:t>. Und </a:t>
+            </a:r>
+            <a:r>
+              <a:rPr lang="en-US" dirty="0" err="1"/>
+              <a:t>durch</a:t>
+            </a:r>
+            <a:r>
+              <a:rPr lang="en-US" dirty="0"/>
+              <a:t> </a:t>
+            </a:r>
+            <a:r>
+              <a:rPr lang="en-US" dirty="0" err="1"/>
+              <a:t>scrollen</a:t>
+            </a:r>
+            <a:r>
+              <a:rPr lang="en-US" dirty="0"/>
+              <a:t> </a:t>
+            </a:r>
+            <a:r>
+              <a:rPr lang="en-US" dirty="0" err="1"/>
+              <a:t>nach</a:t>
+            </a:r>
+            <a:r>
+              <a:rPr lang="en-US" dirty="0"/>
+              <a:t> links/</a:t>
+            </a:r>
+            <a:r>
+              <a:rPr lang="en-US" dirty="0" err="1"/>
+              <a:t>rechts</a:t>
             </a:r>
             <a:r>
               <a:rPr lang="en-US" dirty="0"/>
@@ -8118,39 +8260,23 @@
             </a:r>
             <a:r>
               <a:rPr lang="en-US" dirty="0" err="1"/>
-              <a:t>zwischen</a:t>
-            </a:r>
-            <a:r>
-              <a:rPr lang="en-US" dirty="0"/>
-              <a:t> den </a:t>
-            </a:r>
-            <a:r>
-              <a:rPr lang="en-US" dirty="0" err="1"/>
-              <a:t>beiden</a:t>
-            </a:r>
-            <a:r>
-              <a:rPr lang="en-US" dirty="0"/>
-              <a:t> </a:t>
-            </a:r>
-            <a:r>
-              <a:rPr lang="en-US" dirty="0" err="1"/>
-              <a:t>Wetterstationen</a:t>
-            </a:r>
-            <a:r>
-              <a:rPr lang="en-US" dirty="0"/>
-              <a:t> </a:t>
-            </a:r>
-            <a:r>
-              <a:rPr lang="en-US" dirty="0" err="1"/>
-              <a:t>hin</a:t>
-            </a:r>
-            <a:r>
-              <a:rPr lang="en-US" dirty="0"/>
-              <a:t> und her </a:t>
-            </a:r>
-            <a:r>
-              <a:rPr lang="en-US" dirty="0" err="1"/>
-              <a:t>gewechselt</a:t>
+              <a:t>weiter</a:t>
+            </a:r>
+            <a:r>
+              <a:rPr lang="en-US" dirty="0"/>
+              <a:t> in die </a:t>
+            </a:r>
+            <a:r>
+              <a:rPr lang="en-US" dirty="0" err="1"/>
+              <a:t>Vergangenheit</a:t>
+            </a:r>
+            <a:r>
+              <a:rPr lang="en-US" dirty="0"/>
+              <a:t> </a:t>
+            </a:r>
+            <a:r>
+              <a:rPr lang="en-US" dirty="0" err="1"/>
+              <a:t>geschaut</a:t>
             </a:r>
             <a:r>
               <a:rPr lang="en-US" dirty="0"/>
@@ -8162,51 +8288,60 @@
             </a:r>
             <a:r>
               <a:rPr lang="en-US" dirty="0"/>
-              <a:t>. </a:t>
-            </a:r>
-            <a:r>
-              <a:rPr lang="en-US" dirty="0" err="1"/>
-              <a:t>Wir</a:t>
-            </a:r>
-            <a:r>
-              <a:rPr lang="en-US" dirty="0"/>
-              <a:t> </a:t>
-            </a:r>
-            <a:r>
-              <a:rPr lang="en-US" dirty="0" err="1"/>
-              <a:t>haben</a:t>
-            </a:r>
-            <a:r>
-              <a:rPr lang="en-US" dirty="0"/>
-              <a:t> die </a:t>
-            </a:r>
-            <a:r>
-              <a:rPr lang="en-US" dirty="0" err="1"/>
-              <a:t>Messungen</a:t>
-            </a:r>
-            <a:r>
-              <a:rPr lang="en-US" dirty="0"/>
-              <a:t> in 4 Gruppen </a:t>
-            </a:r>
-            <a:r>
-              <a:rPr lang="en-US" dirty="0" err="1"/>
-              <a:t>aufgeteilt</a:t>
-            </a:r>
-            <a:r>
-              <a:rPr lang="en-US" dirty="0"/>
-              <a:t>: Wind, </a:t>
-            </a:r>
-            <a:r>
-              <a:rPr lang="en-US" dirty="0" err="1"/>
-              <a:t>Temperaturen</a:t>
-            </a:r>
-            <a:r>
-              <a:rPr lang="en-US" dirty="0"/>
-              <a:t>, Wasser und </a:t>
-            </a:r>
-            <a:r>
-              <a:rPr lang="en-US" dirty="0" err="1"/>
-              <a:t>Warnungen</a:t>
+              <a:t>, </a:t>
+            </a:r>
+            <a:r>
+              <a:rPr lang="en-US" dirty="0" err="1"/>
+              <a:t>respektive</a:t>
+            </a:r>
+            <a:r>
+              <a:rPr lang="en-US" dirty="0"/>
+              <a:t> </a:t>
+            </a:r>
+            <a:r>
+              <a:rPr lang="en-US" dirty="0" err="1"/>
+              <a:t>sogar</a:t>
+            </a:r>
+            <a:r>
+              <a:rPr lang="en-US" dirty="0"/>
+              <a:t> in die Zukunft.</a:t>
+            </a:r>
+          </a:p>
+          <a:p>
+            <a:endParaRPr lang="en-US" dirty="0"/>
+          </a:p>
+          <a:p>
+            <a:r>
+              <a:rPr lang="en-US" dirty="0"/>
+              <a:t>Die Plots </a:t>
+            </a:r>
+            <a:r>
+              <a:rPr lang="en-US" dirty="0" err="1"/>
+              <a:t>sollen</a:t>
+            </a:r>
+            <a:r>
+              <a:rPr lang="en-US" dirty="0"/>
+              <a:t> </a:t>
+            </a:r>
+            <a:r>
+              <a:rPr lang="en-US" dirty="0" err="1"/>
+              <a:t>ähnlich</a:t>
+            </a:r>
+            <a:r>
+              <a:rPr lang="en-US" dirty="0"/>
+              <a:t> für Wasser und </a:t>
+            </a:r>
+            <a:r>
+              <a:rPr lang="en-US" dirty="0" err="1"/>
+              <a:t>Temperatur</a:t>
+            </a:r>
+            <a:r>
+              <a:rPr lang="en-US" dirty="0"/>
+              <a:t> </a:t>
+            </a:r>
+            <a:r>
+              <a:rPr lang="en-US" dirty="0" err="1"/>
+              <a:t>aussehen</a:t>
             </a:r>
             <a:r>
               <a:rPr lang="en-US" dirty="0"/>
@@ -8217,323 +8352,7 @@
             <a:endParaRPr lang="en-US" dirty="0"/>
           </a:p>
           <a:p>
-            <a:r>
-              <a:rPr lang="en-US" dirty="0" err="1"/>
-              <a:t>Oben</a:t>
-            </a:r>
-            <a:r>
-              <a:rPr lang="en-US" dirty="0"/>
-              <a:t> </a:t>
-            </a:r>
-            <a:r>
-              <a:rPr lang="en-US" dirty="0" err="1"/>
-              <a:t>rechts</a:t>
-            </a:r>
-            <a:r>
-              <a:rPr lang="en-US" dirty="0"/>
-              <a:t> </a:t>
-            </a:r>
-            <a:r>
-              <a:rPr lang="en-US" dirty="0" err="1"/>
-              <a:t>wird</a:t>
-            </a:r>
-            <a:r>
-              <a:rPr lang="en-US" dirty="0"/>
-              <a:t> die </a:t>
-            </a:r>
-            <a:r>
-              <a:rPr lang="en-US" dirty="0" err="1"/>
-              <a:t>Windrichtung</a:t>
-            </a:r>
-            <a:r>
-              <a:rPr lang="en-US" dirty="0"/>
-              <a:t> </a:t>
-            </a:r>
-            <a:r>
-              <a:rPr lang="en-US" dirty="0" err="1"/>
-              <a:t>mithilfe</a:t>
-            </a:r>
-            <a:r>
-              <a:rPr lang="en-US" dirty="0"/>
-              <a:t> </a:t>
-            </a:r>
-            <a:r>
-              <a:rPr lang="en-US" dirty="0" err="1"/>
-              <a:t>einer</a:t>
-            </a:r>
-            <a:r>
-              <a:rPr lang="en-US" dirty="0"/>
-              <a:t> Windrose </a:t>
-            </a:r>
-            <a:r>
-              <a:rPr lang="en-US" dirty="0" err="1"/>
-              <a:t>dargestellt</a:t>
-            </a:r>
-            <a:r>
-              <a:rPr lang="en-US" dirty="0"/>
-              <a:t>. Bei den </a:t>
-            </a:r>
-            <a:r>
-              <a:rPr lang="en-US" dirty="0" err="1"/>
-              <a:t>Warnungen</a:t>
-            </a:r>
-            <a:r>
-              <a:rPr lang="en-US" dirty="0"/>
-              <a:t> </a:t>
-            </a:r>
-            <a:r>
-              <a:rPr lang="en-US" dirty="0" err="1"/>
-              <a:t>werden</a:t>
-            </a:r>
-            <a:r>
-              <a:rPr lang="en-US" dirty="0"/>
-              <a:t> </a:t>
-            </a:r>
-            <a:r>
-              <a:rPr lang="en-US" dirty="0" err="1"/>
-              <a:t>Wetterwarnungen</a:t>
-            </a:r>
-            <a:r>
-              <a:rPr lang="en-US" dirty="0"/>
-              <a:t> von </a:t>
-            </a:r>
-            <a:r>
-              <a:rPr lang="en-US" dirty="0" err="1"/>
-              <a:t>MeteoSwiss</a:t>
-            </a:r>
-            <a:r>
-              <a:rPr lang="en-US" dirty="0"/>
-              <a:t> </a:t>
-            </a:r>
-            <a:r>
-              <a:rPr lang="en-US" dirty="0" err="1"/>
-              <a:t>dargestellt</a:t>
-            </a:r>
-            <a:r>
-              <a:rPr lang="en-US" dirty="0"/>
-              <a:t>, </a:t>
-            </a:r>
-            <a:r>
-              <a:rPr lang="en-US" dirty="0" err="1"/>
-              <a:t>sowie</a:t>
-            </a:r>
-            <a:r>
-              <a:rPr lang="en-US" dirty="0"/>
-              <a:t> der </a:t>
-            </a:r>
-            <a:r>
-              <a:rPr lang="en-US" dirty="0" err="1"/>
-              <a:t>Sonnenauf</a:t>
-            </a:r>
-            <a:r>
-              <a:rPr lang="en-US" dirty="0"/>
-              <a:t>-/</a:t>
-            </a:r>
-            <a:r>
-              <a:rPr lang="en-US" dirty="0" err="1"/>
-              <a:t>untergang</a:t>
-            </a:r>
-            <a:r>
-              <a:rPr lang="en-US" dirty="0"/>
-              <a:t> und die </a:t>
-            </a:r>
-            <a:r>
-              <a:rPr lang="en-US" dirty="0" err="1"/>
-              <a:t>Strahlung</a:t>
-            </a:r>
-            <a:r>
-              <a:rPr lang="en-US" dirty="0"/>
-              <a:t>. Dazu </a:t>
-            </a:r>
-            <a:r>
-              <a:rPr lang="en-US" dirty="0" err="1"/>
-              <a:t>kommt</a:t>
-            </a:r>
-            <a:r>
-              <a:rPr lang="en-US" dirty="0"/>
-              <a:t> </a:t>
-            </a:r>
-            <a:r>
-              <a:rPr lang="en-US" dirty="0" err="1"/>
-              <a:t>noch</a:t>
-            </a:r>
-            <a:r>
-              <a:rPr lang="en-US" dirty="0"/>
-              <a:t> </a:t>
-            </a:r>
-            <a:r>
-              <a:rPr lang="en-US" dirty="0" err="1"/>
-              <a:t>ein</a:t>
-            </a:r>
-            <a:r>
-              <a:rPr lang="en-US" dirty="0"/>
-              <a:t> Online-Status, </a:t>
-            </a:r>
-            <a:r>
-              <a:rPr lang="en-US" dirty="0" err="1"/>
-              <a:t>damit</a:t>
-            </a:r>
-            <a:r>
-              <a:rPr lang="en-US" dirty="0"/>
-              <a:t> </a:t>
-            </a:r>
-            <a:r>
-              <a:rPr lang="en-US" dirty="0" err="1"/>
-              <a:t>weiss</a:t>
-            </a:r>
-            <a:r>
-              <a:rPr lang="en-US" dirty="0"/>
-              <a:t> der </a:t>
-            </a:r>
-            <a:r>
-              <a:rPr lang="en-US" dirty="0" err="1"/>
-              <a:t>Benutzer</a:t>
-            </a:r>
-            <a:r>
-              <a:rPr lang="en-US" dirty="0"/>
-              <a:t> </a:t>
-            </a:r>
-            <a:r>
-              <a:rPr lang="en-US" dirty="0" err="1"/>
-              <a:t>wie</a:t>
-            </a:r>
-            <a:r>
-              <a:rPr lang="en-US" dirty="0"/>
-              <a:t> </a:t>
-            </a:r>
-            <a:r>
-              <a:rPr lang="en-US" dirty="0" err="1"/>
-              <a:t>aktuell</a:t>
-            </a:r>
-            <a:r>
-              <a:rPr lang="en-US" dirty="0"/>
-              <a:t> die </a:t>
-            </a:r>
-            <a:r>
-              <a:rPr lang="en-US" dirty="0" err="1"/>
-              <a:t>Wetterdaten</a:t>
-            </a:r>
-            <a:r>
-              <a:rPr lang="en-US" dirty="0"/>
-              <a:t> </a:t>
-            </a:r>
-            <a:r>
-              <a:rPr lang="en-US" dirty="0" err="1"/>
-              <a:t>sind</a:t>
-            </a:r>
-            <a:r>
-              <a:rPr lang="en-US" dirty="0"/>
-              <a:t>.</a:t>
-            </a:r>
-          </a:p>
-          <a:p>
             <a:endParaRPr lang="en-US" dirty="0"/>
-          </a:p>
-          <a:p>
-            <a:r>
-              <a:rPr lang="en-US" dirty="0" err="1"/>
-              <a:t>Wenn</a:t>
-            </a:r>
-            <a:r>
-              <a:rPr lang="en-US" dirty="0"/>
-              <a:t> man auf </a:t>
-            </a:r>
-            <a:r>
-              <a:rPr lang="en-US" dirty="0" err="1"/>
-              <a:t>eine</a:t>
-            </a:r>
-            <a:r>
-              <a:rPr lang="en-US" dirty="0"/>
-              <a:t> der </a:t>
-            </a:r>
-            <a:r>
-              <a:rPr lang="en-US" dirty="0" err="1"/>
-              <a:t>vier</a:t>
-            </a:r>
-            <a:r>
-              <a:rPr lang="en-US" dirty="0"/>
-              <a:t> </a:t>
-            </a:r>
-            <a:r>
-              <a:rPr lang="en-US" dirty="0" err="1"/>
-              <a:t>Kategorien</a:t>
-            </a:r>
-            <a:r>
-              <a:rPr lang="en-US" dirty="0"/>
-              <a:t> </a:t>
-            </a:r>
-            <a:r>
-              <a:rPr lang="en-US" dirty="0" err="1"/>
-              <a:t>klickt</a:t>
-            </a:r>
-            <a:r>
-              <a:rPr lang="en-US" dirty="0"/>
-              <a:t>, </a:t>
-            </a:r>
-            <a:r>
-              <a:rPr lang="en-US" dirty="0" err="1"/>
-              <a:t>kommt</a:t>
-            </a:r>
-            <a:r>
-              <a:rPr lang="en-US" dirty="0"/>
-              <a:t> </a:t>
-            </a:r>
-            <a:r>
-              <a:rPr lang="en-US" dirty="0" err="1"/>
-              <a:t>eine</a:t>
-            </a:r>
-            <a:r>
-              <a:rPr lang="en-US" dirty="0"/>
-              <a:t> </a:t>
-            </a:r>
-            <a:r>
-              <a:rPr lang="en-US" dirty="0" err="1"/>
-              <a:t>Detailansicht</a:t>
-            </a:r>
-            <a:r>
-              <a:rPr lang="en-US" dirty="0"/>
-              <a:t> </a:t>
-            </a:r>
-            <a:r>
-              <a:rPr lang="en-US" dirty="0" err="1"/>
-              <a:t>mit</a:t>
-            </a:r>
-            <a:r>
-              <a:rPr lang="en-US" dirty="0"/>
-              <a:t> </a:t>
-            </a:r>
-            <a:r>
-              <a:rPr lang="en-US" dirty="0" err="1"/>
-              <a:t>Visualisierungen</a:t>
-            </a:r>
-            <a:r>
-              <a:rPr lang="en-US" dirty="0"/>
-              <a:t> </a:t>
-            </a:r>
-            <a:r>
-              <a:rPr lang="en-US" dirty="0" err="1"/>
-              <a:t>zu</a:t>
-            </a:r>
-            <a:r>
-              <a:rPr lang="en-US" dirty="0"/>
-              <a:t> </a:t>
-            </a:r>
-            <a:r>
-              <a:rPr lang="en-US" dirty="0" err="1"/>
-              <a:t>diesen</a:t>
-            </a:r>
-            <a:r>
-              <a:rPr lang="en-US" dirty="0"/>
-              <a:t> </a:t>
-            </a:r>
-            <a:r>
-              <a:rPr lang="en-US" dirty="0" err="1"/>
-              <a:t>Messwerten</a:t>
-            </a:r>
-            <a:r>
-              <a:rPr lang="en-US" dirty="0"/>
-              <a:t>.</a:t>
-            </a:r>
           </a:p>
         </p:txBody>
       </p:sp>
@@ -8563,7 +8382,7 @@
     </p:spTree>
     <p:extLst>
       <p:ext uri="{BB962C8B-B14F-4D97-AF65-F5344CB8AC3E}">
-        <p14:creationId xmlns:p14="http://schemas.microsoft.com/office/powerpoint/2010/main" val="1192728714"/>
+        <p14:creationId xmlns:p14="http://schemas.microsoft.com/office/powerpoint/2010/main" val="1563682470"/>
       </p:ext>
     </p:extLst>
   </p:cSld>
@@ -8628,59 +8447,131 @@
           <a:p>
             <a:r>
               <a:rPr lang="en-US" dirty="0"/>
-              <a:t>Dies </a:t>
-            </a:r>
-            <a:r>
-              <a:rPr lang="en-US" dirty="0" err="1"/>
-              <a:t>bringt</a:t>
-            </a:r>
-            <a:r>
-              <a:rPr lang="en-US" dirty="0"/>
-              <a:t> </a:t>
-            </a:r>
-            <a:r>
-              <a:rPr lang="en-US" dirty="0" err="1"/>
-              <a:t>uns</a:t>
-            </a:r>
-            <a:r>
-              <a:rPr lang="en-US" dirty="0"/>
-              <a:t> </a:t>
-            </a:r>
-            <a:r>
-              <a:rPr lang="en-US" dirty="0" err="1"/>
-              <a:t>schon</a:t>
-            </a:r>
-            <a:r>
-              <a:rPr lang="en-US" dirty="0"/>
-              <a:t> auf die </a:t>
-            </a:r>
-            <a:r>
-              <a:rPr lang="en-US" dirty="0" err="1"/>
-              <a:t>nächste</a:t>
-            </a:r>
-            <a:r>
-              <a:rPr lang="en-US" dirty="0"/>
-              <a:t> </a:t>
-            </a:r>
-            <a:r>
-              <a:rPr lang="en-US" dirty="0" err="1"/>
-              <a:t>Seite</a:t>
-            </a:r>
-            <a:r>
-              <a:rPr lang="en-US" dirty="0"/>
-              <a:t>. </a:t>
-            </a:r>
-            <a:r>
-              <a:rPr lang="en-US" dirty="0" err="1"/>
-              <a:t>Wir</a:t>
-            </a:r>
-            <a:r>
-              <a:rPr lang="en-US" dirty="0"/>
-              <a:t> </a:t>
-            </a:r>
-            <a:r>
-              <a:rPr lang="en-US" dirty="0" err="1"/>
-              <a:t>haben</a:t>
+              <a:t>Die </a:t>
+            </a:r>
+            <a:r>
+              <a:rPr lang="en-US" dirty="0" err="1"/>
+              <a:t>Detailansicht</a:t>
+            </a:r>
+            <a:r>
+              <a:rPr lang="en-US" dirty="0"/>
+              <a:t> für die </a:t>
+            </a:r>
+            <a:r>
+              <a:rPr lang="en-US" dirty="0" err="1"/>
+              <a:t>Warnungen</a:t>
+            </a:r>
+            <a:r>
+              <a:rPr lang="en-US" dirty="0"/>
+              <a:t> </a:t>
+            </a:r>
+            <a:r>
+              <a:rPr lang="en-US" dirty="0" err="1"/>
+              <a:t>sieht</a:t>
+            </a:r>
+            <a:r>
+              <a:rPr lang="en-US" dirty="0"/>
+              <a:t> </a:t>
+            </a:r>
+            <a:r>
+              <a:rPr lang="en-US" dirty="0" err="1"/>
+              <a:t>ein</a:t>
+            </a:r>
+            <a:r>
+              <a:rPr lang="en-US" dirty="0"/>
+              <a:t> </a:t>
+            </a:r>
+            <a:r>
+              <a:rPr lang="en-US" dirty="0" err="1"/>
+              <a:t>bisschen</a:t>
+            </a:r>
+            <a:r>
+              <a:rPr lang="en-US" dirty="0"/>
+              <a:t> </a:t>
+            </a:r>
+            <a:r>
+              <a:rPr lang="en-US" dirty="0" err="1"/>
+              <a:t>anders</a:t>
+            </a:r>
+            <a:r>
+              <a:rPr lang="en-US" dirty="0"/>
+              <a:t> </a:t>
+            </a:r>
+            <a:r>
+              <a:rPr lang="en-US" dirty="0" err="1"/>
+              <a:t>aus.</a:t>
+            </a:r>
+            <a:r>
+              <a:rPr lang="en-US" dirty="0"/>
+              <a:t> </a:t>
+            </a:r>
+            <a:r>
+              <a:rPr lang="en-US" dirty="0" err="1"/>
+              <a:t>Hier</a:t>
+            </a:r>
+            <a:r>
+              <a:rPr lang="en-US" dirty="0"/>
+              <a:t> </a:t>
+            </a:r>
+            <a:r>
+              <a:rPr lang="en-US" dirty="0" err="1"/>
+              <a:t>sollen</a:t>
+            </a:r>
+            <a:r>
+              <a:rPr lang="en-US" dirty="0"/>
+              <a:t> die </a:t>
+            </a:r>
+            <a:r>
+              <a:rPr lang="en-US" dirty="0" err="1"/>
+              <a:t>aktuellen</a:t>
+            </a:r>
+            <a:r>
+              <a:rPr lang="en-US" dirty="0"/>
+              <a:t> </a:t>
+            </a:r>
+            <a:r>
+              <a:rPr lang="en-US" dirty="0" err="1"/>
+              <a:t>Warnungen</a:t>
+            </a:r>
+            <a:r>
+              <a:rPr lang="en-US" dirty="0"/>
+              <a:t> und die der </a:t>
+            </a:r>
+            <a:r>
+              <a:rPr lang="en-US" dirty="0" err="1"/>
+              <a:t>letzten</a:t>
+            </a:r>
+            <a:r>
+              <a:rPr lang="en-US" dirty="0"/>
+              <a:t> Sieben </a:t>
+            </a:r>
+            <a:r>
+              <a:rPr lang="en-US" dirty="0" err="1"/>
+              <a:t>Tage</a:t>
+            </a:r>
+            <a:r>
+              <a:rPr lang="en-US" dirty="0"/>
+              <a:t> </a:t>
+            </a:r>
+            <a:r>
+              <a:rPr lang="en-US" dirty="0" err="1"/>
+              <a:t>dargestellt</a:t>
+            </a:r>
+            <a:r>
+              <a:rPr lang="en-US" dirty="0"/>
+              <a:t> </a:t>
+            </a:r>
+            <a:r>
+              <a:rPr lang="en-US" dirty="0" err="1"/>
+              <a:t>werden</a:t>
+            </a:r>
+            <a:r>
+              <a:rPr lang="en-US" dirty="0"/>
+              <a:t>. Auch </a:t>
+            </a:r>
+            <a:r>
+              <a:rPr lang="en-US" dirty="0" err="1"/>
+              <a:t>sind</a:t>
             </a:r>
             <a:r>
               <a:rPr lang="en-US" dirty="0"/>
@@ -8692,39 +8583,31 @@
             </a:r>
             <a:r>
               <a:rPr lang="en-US" dirty="0"/>
-              <a:t> mal die </a:t>
-            </a:r>
-            <a:r>
-              <a:rPr lang="en-US" dirty="0" err="1"/>
-              <a:t>Detailansicht</a:t>
-            </a:r>
-            <a:r>
-              <a:rPr lang="en-US" dirty="0"/>
-              <a:t> für den Wind </a:t>
-            </a:r>
-            <a:r>
-              <a:rPr lang="en-US" dirty="0" err="1"/>
-              <a:t>skiziert</a:t>
-            </a:r>
-            <a:r>
-              <a:rPr lang="en-US" dirty="0"/>
-              <a:t>. Auf dem Plot </a:t>
-            </a:r>
-            <a:r>
-              <a:rPr lang="en-US" dirty="0" err="1"/>
-              <a:t>wird</a:t>
-            </a:r>
-            <a:r>
-              <a:rPr lang="en-US" dirty="0"/>
-              <a:t> die </a:t>
-            </a:r>
-            <a:r>
-              <a:rPr lang="en-US" dirty="0" err="1"/>
-              <a:t>Windrichtung</a:t>
-            </a:r>
-            <a:r>
-              <a:rPr lang="en-US" dirty="0"/>
-              <a:t>, </a:t>
+              <a:t> </a:t>
+            </a:r>
+            <a:r>
+              <a:rPr lang="en-US" dirty="0" err="1"/>
+              <a:t>wieder</a:t>
+            </a:r>
+            <a:r>
+              <a:rPr lang="en-US" dirty="0"/>
+              <a:t> </a:t>
+            </a:r>
+            <a:r>
+              <a:rPr lang="en-US" dirty="0" err="1"/>
+              <a:t>Sonnenauf</a:t>
+            </a:r>
+            <a:r>
+              <a:rPr lang="en-US" dirty="0"/>
+              <a:t> und </a:t>
+            </a:r>
+            <a:r>
+              <a:rPr lang="en-US" dirty="0" err="1"/>
+              <a:t>Untergang</a:t>
+            </a:r>
+            <a:r>
+              <a:rPr lang="en-US" dirty="0"/>
+              <a:t> </a:t>
             </a:r>
             <a:r>
               <a:rPr lang="en-US" dirty="0" err="1"/>
@@ -8732,31 +8615,63 @@
             </a:r>
             <a:r>
               <a:rPr lang="en-US" dirty="0"/>
-              <a:t> die </a:t>
-            </a:r>
-            <a:r>
-              <a:rPr lang="en-US" dirty="0" err="1"/>
-              <a:t>Windgeschwindigkeit</a:t>
-            </a:r>
-            <a:r>
-              <a:rPr lang="en-US" dirty="0"/>
-              <a:t>, </a:t>
-            </a:r>
-            <a:r>
-              <a:rPr lang="en-US" dirty="0" err="1"/>
-              <a:t>Windstärke</a:t>
-            </a:r>
-            <a:r>
-              <a:rPr lang="en-US" dirty="0"/>
-              <a:t> und </a:t>
-            </a:r>
-            <a:r>
-              <a:rPr lang="en-US" dirty="0" err="1"/>
-              <a:t>Windböen</a:t>
-            </a:r>
-            <a:r>
-              <a:rPr lang="en-US" dirty="0"/>
-              <a:t> </a:t>
+              <a:t> der </a:t>
+            </a:r>
+            <a:r>
+              <a:rPr lang="en-US" dirty="0" err="1"/>
+              <a:t>Onlinestatus</a:t>
+            </a:r>
+            <a:r>
+              <a:rPr lang="en-US" dirty="0"/>
+              <a:t> </a:t>
+            </a:r>
+            <a:r>
+              <a:rPr lang="en-US" dirty="0" err="1"/>
+              <a:t>zu</a:t>
+            </a:r>
+            <a:r>
+              <a:rPr lang="en-US" dirty="0"/>
+              <a:t> </a:t>
+            </a:r>
+            <a:r>
+              <a:rPr lang="en-US" dirty="0" err="1"/>
+              <a:t>finden</a:t>
+            </a:r>
+            <a:r>
+              <a:rPr lang="en-US" dirty="0"/>
+              <a:t>. Bei der </a:t>
+            </a:r>
+            <a:r>
+              <a:rPr lang="en-US" dirty="0" err="1"/>
+              <a:t>Strahlung</a:t>
+            </a:r>
+            <a:r>
+              <a:rPr lang="en-US" dirty="0"/>
+              <a:t> </a:t>
+            </a:r>
+            <a:r>
+              <a:rPr lang="en-US" dirty="0" err="1"/>
+              <a:t>soll</a:t>
+            </a:r>
+            <a:r>
+              <a:rPr lang="en-US" dirty="0"/>
+              <a:t> </a:t>
+            </a:r>
+            <a:r>
+              <a:rPr lang="en-US" dirty="0" err="1"/>
+              <a:t>zusätzlich</a:t>
+            </a:r>
+            <a:r>
+              <a:rPr lang="en-US" dirty="0"/>
+              <a:t> das 7-Tage minimum </a:t>
+            </a:r>
+            <a:r>
+              <a:rPr lang="en-US" dirty="0" err="1"/>
+              <a:t>sowie</a:t>
+            </a:r>
+            <a:r>
+              <a:rPr lang="en-US" dirty="0"/>
+              <a:t> das 7-Tage maximum </a:t>
             </a:r>
             <a:r>
               <a:rPr lang="en-US" dirty="0" err="1"/>
@@ -8764,134 +8679,6 @@
             </a:r>
             <a:r>
               <a:rPr lang="en-US" dirty="0"/>
-              <a:t>. </a:t>
-            </a:r>
-            <a:r>
-              <a:rPr lang="en-US" dirty="0" err="1"/>
-              <a:t>Durch</a:t>
-            </a:r>
-            <a:r>
-              <a:rPr lang="en-US" dirty="0"/>
-              <a:t> </a:t>
-            </a:r>
-            <a:r>
-              <a:rPr lang="en-US" dirty="0" err="1"/>
-              <a:t>einfaches</a:t>
-            </a:r>
-            <a:r>
-              <a:rPr lang="en-US" dirty="0"/>
-              <a:t> </a:t>
-            </a:r>
-            <a:r>
-              <a:rPr lang="en-US" dirty="0" err="1"/>
-              <a:t>tippen</a:t>
-            </a:r>
-            <a:r>
-              <a:rPr lang="en-US" dirty="0"/>
-              <a:t> </a:t>
-            </a:r>
-            <a:r>
-              <a:rPr lang="en-US" dirty="0" err="1"/>
-              <a:t>gelangt</a:t>
-            </a:r>
-            <a:r>
-              <a:rPr lang="en-US" dirty="0"/>
-              <a:t> man </a:t>
-            </a:r>
-            <a:r>
-              <a:rPr lang="en-US" dirty="0" err="1"/>
-              <a:t>wieder</a:t>
-            </a:r>
-            <a:r>
-              <a:rPr lang="en-US" dirty="0"/>
-              <a:t> auf die </a:t>
-            </a:r>
-            <a:r>
-              <a:rPr lang="en-US" dirty="0" err="1"/>
-              <a:t>vorherige</a:t>
-            </a:r>
-            <a:r>
-              <a:rPr lang="en-US" dirty="0"/>
-              <a:t> </a:t>
-            </a:r>
-            <a:r>
-              <a:rPr lang="en-US" dirty="0" err="1"/>
-              <a:t>Seite</a:t>
-            </a:r>
-            <a:r>
-              <a:rPr lang="en-US" dirty="0"/>
-              <a:t> </a:t>
-            </a:r>
-            <a:r>
-              <a:rPr lang="en-US" dirty="0" err="1"/>
-              <a:t>zurück</a:t>
-            </a:r>
-            <a:r>
-              <a:rPr lang="en-US" dirty="0"/>
-              <a:t>. Und </a:t>
-            </a:r>
-            <a:r>
-              <a:rPr lang="en-US" dirty="0" err="1"/>
-              <a:t>durch</a:t>
-            </a:r>
-            <a:r>
-              <a:rPr lang="en-US" dirty="0"/>
-              <a:t> </a:t>
-            </a:r>
-            <a:r>
-              <a:rPr lang="en-US" dirty="0" err="1"/>
-              <a:t>scrollen</a:t>
-            </a:r>
-            <a:r>
-              <a:rPr lang="en-US" dirty="0"/>
-              <a:t> </a:t>
-            </a:r>
-            <a:r>
-              <a:rPr lang="en-US" dirty="0" err="1"/>
-              <a:t>nach</a:t>
-            </a:r>
-            <a:r>
-              <a:rPr lang="en-US" dirty="0"/>
-              <a:t> links/</a:t>
-            </a:r>
-            <a:r>
-              <a:rPr lang="en-US" dirty="0" err="1"/>
-              <a:t>rechts</a:t>
-            </a:r>
-            <a:r>
-              <a:rPr lang="en-US" dirty="0"/>
-              <a:t> </a:t>
-            </a:r>
-            <a:r>
-              <a:rPr lang="en-US" dirty="0" err="1"/>
-              <a:t>kann</a:t>
-            </a:r>
-            <a:r>
-              <a:rPr lang="en-US" dirty="0"/>
-              <a:t> </a:t>
-            </a:r>
-            <a:r>
-              <a:rPr lang="en-US" dirty="0" err="1"/>
-              <a:t>weiter</a:t>
-            </a:r>
-            <a:r>
-              <a:rPr lang="en-US" dirty="0"/>
-              <a:t> in die </a:t>
-            </a:r>
-            <a:r>
-              <a:rPr lang="en-US" dirty="0" err="1"/>
-              <a:t>Vergangenheit</a:t>
-            </a:r>
-            <a:r>
-              <a:rPr lang="en-US" dirty="0"/>
-              <a:t> </a:t>
-            </a:r>
-            <a:r>
-              <a:rPr lang="en-US" dirty="0" err="1"/>
-              <a:t>geschaut</a:t>
-            </a:r>
-            <a:r>
-              <a:rPr lang="en-US" dirty="0"/>
               <a:t> </a:t>
             </a:r>
             <a:r>
@@ -8900,71 +8687,8 @@
             </a:r>
             <a:r>
               <a:rPr lang="en-US" dirty="0"/>
-              <a:t>, </a:t>
-            </a:r>
-            <a:r>
-              <a:rPr lang="en-US" dirty="0" err="1"/>
-              <a:t>respektive</a:t>
-            </a:r>
-            <a:r>
-              <a:rPr lang="en-US" dirty="0"/>
-              <a:t> </a:t>
-            </a:r>
-            <a:r>
-              <a:rPr lang="en-US" dirty="0" err="1"/>
-              <a:t>sogar</a:t>
-            </a:r>
-            <a:r>
-              <a:rPr lang="en-US" dirty="0"/>
-              <a:t> in die Zukunft.</a:t>
-            </a:r>
-          </a:p>
-          <a:p>
-            <a:endParaRPr lang="en-US" dirty="0"/>
-          </a:p>
-          <a:p>
-            <a:r>
-              <a:rPr lang="en-US" dirty="0"/>
-              <a:t>Die Plots </a:t>
-            </a:r>
-            <a:r>
-              <a:rPr lang="en-US" dirty="0" err="1"/>
-              <a:t>sollen</a:t>
-            </a:r>
-            <a:r>
-              <a:rPr lang="en-US" dirty="0"/>
-              <a:t> </a:t>
-            </a:r>
-            <a:r>
-              <a:rPr lang="en-US" dirty="0" err="1"/>
-              <a:t>ähnlich</a:t>
-            </a:r>
-            <a:r>
-              <a:rPr lang="en-US" dirty="0"/>
-              <a:t> für Wasser und </a:t>
-            </a:r>
-            <a:r>
-              <a:rPr lang="en-US" dirty="0" err="1"/>
-              <a:t>Temperatur</a:t>
-            </a:r>
-            <a:r>
-              <a:rPr lang="en-US" dirty="0"/>
-              <a:t> </a:t>
-            </a:r>
-            <a:r>
-              <a:rPr lang="en-US" dirty="0" err="1"/>
-              <a:t>aussehen</a:t>
-            </a:r>
-            <a:r>
-              <a:rPr lang="en-US" dirty="0"/>
               <a:t>.</a:t>
             </a:r>
-          </a:p>
-          <a:p>
-            <a:endParaRPr lang="en-US" dirty="0"/>
-          </a:p>
-          <a:p>
-            <a:endParaRPr lang="en-US" dirty="0"/>
           </a:p>
         </p:txBody>
       </p:sp>
@@ -8994,7 +8718,7 @@
     </p:spTree>
     <p:extLst>
       <p:ext uri="{BB962C8B-B14F-4D97-AF65-F5344CB8AC3E}">
-        <p14:creationId xmlns:p14="http://schemas.microsoft.com/office/powerpoint/2010/main" val="1563682470"/>
+        <p14:creationId xmlns:p14="http://schemas.microsoft.com/office/powerpoint/2010/main" val="3838138806"/>
       </p:ext>
     </p:extLst>
   </p:cSld>
@@ -9053,255 +8777,6 @@
               <a:t>Florin:</a:t>
             </a:r>
           </a:p>
-          <a:p>
-            <a:endParaRPr lang="en-US" dirty="0"/>
-          </a:p>
-          <a:p>
-            <a:r>
-              <a:rPr lang="en-US" dirty="0"/>
-              <a:t>Die </a:t>
-            </a:r>
-            <a:r>
-              <a:rPr lang="en-US" dirty="0" err="1"/>
-              <a:t>Detailansicht</a:t>
-            </a:r>
-            <a:r>
-              <a:rPr lang="en-US" dirty="0"/>
-              <a:t> für die </a:t>
-            </a:r>
-            <a:r>
-              <a:rPr lang="en-US" dirty="0" err="1"/>
-              <a:t>Warnungen</a:t>
-            </a:r>
-            <a:r>
-              <a:rPr lang="en-US" dirty="0"/>
-              <a:t> </a:t>
-            </a:r>
-            <a:r>
-              <a:rPr lang="en-US" dirty="0" err="1"/>
-              <a:t>sieht</a:t>
-            </a:r>
-            <a:r>
-              <a:rPr lang="en-US" dirty="0"/>
-              <a:t> </a:t>
-            </a:r>
-            <a:r>
-              <a:rPr lang="en-US" dirty="0" err="1"/>
-              <a:t>ein</a:t>
-            </a:r>
-            <a:r>
-              <a:rPr lang="en-US" dirty="0"/>
-              <a:t> </a:t>
-            </a:r>
-            <a:r>
-              <a:rPr lang="en-US" dirty="0" err="1"/>
-              <a:t>bisschen</a:t>
-            </a:r>
-            <a:r>
-              <a:rPr lang="en-US" dirty="0"/>
-              <a:t> </a:t>
-            </a:r>
-            <a:r>
-              <a:rPr lang="en-US" dirty="0" err="1"/>
-              <a:t>anders</a:t>
-            </a:r>
-            <a:r>
-              <a:rPr lang="en-US" dirty="0"/>
-              <a:t> </a:t>
-            </a:r>
-            <a:r>
-              <a:rPr lang="en-US" dirty="0" err="1"/>
-              <a:t>aus.</a:t>
-            </a:r>
-            <a:r>
-              <a:rPr lang="en-US" dirty="0"/>
-              <a:t> </a:t>
-            </a:r>
-            <a:r>
-              <a:rPr lang="en-US" dirty="0" err="1"/>
-              <a:t>Hier</a:t>
-            </a:r>
-            <a:r>
-              <a:rPr lang="en-US" dirty="0"/>
-              <a:t> </a:t>
-            </a:r>
-            <a:r>
-              <a:rPr lang="en-US" dirty="0" err="1"/>
-              <a:t>sollen</a:t>
-            </a:r>
-            <a:r>
-              <a:rPr lang="en-US" dirty="0"/>
-              <a:t> die </a:t>
-            </a:r>
-            <a:r>
-              <a:rPr lang="en-US" dirty="0" err="1"/>
-              <a:t>aktuellen</a:t>
-            </a:r>
-            <a:r>
-              <a:rPr lang="en-US" dirty="0"/>
-              <a:t> </a:t>
-            </a:r>
-            <a:r>
-              <a:rPr lang="en-US" dirty="0" err="1"/>
-              <a:t>Warnungen</a:t>
-            </a:r>
-            <a:r>
-              <a:rPr lang="en-US" dirty="0"/>
-              <a:t> und die der </a:t>
-            </a:r>
-            <a:r>
-              <a:rPr lang="en-US" dirty="0" err="1"/>
-              <a:t>letzten</a:t>
-            </a:r>
-            <a:r>
-              <a:rPr lang="en-US" dirty="0"/>
-              <a:t> Sieben </a:t>
-            </a:r>
-            <a:r>
-              <a:rPr lang="en-US" dirty="0" err="1"/>
-              <a:t>Tage</a:t>
-            </a:r>
-            <a:r>
-              <a:rPr lang="en-US" dirty="0"/>
-              <a:t> </a:t>
-            </a:r>
-            <a:r>
-              <a:rPr lang="en-US" dirty="0" err="1"/>
-              <a:t>dargestellt</a:t>
-            </a:r>
-            <a:r>
-              <a:rPr lang="en-US" dirty="0"/>
-              <a:t> </a:t>
-            </a:r>
-            <a:r>
-              <a:rPr lang="en-US" dirty="0" err="1"/>
-              <a:t>werden</a:t>
-            </a:r>
-            <a:r>
-              <a:rPr lang="en-US" dirty="0"/>
-              <a:t>. Auch </a:t>
-            </a:r>
-            <a:r>
-              <a:rPr lang="en-US" dirty="0" err="1"/>
-              <a:t>sind</a:t>
-            </a:r>
-            <a:r>
-              <a:rPr lang="en-US" dirty="0"/>
-              <a:t> </a:t>
-            </a:r>
-            <a:r>
-              <a:rPr lang="en-US" dirty="0" err="1"/>
-              <a:t>hier</a:t>
-            </a:r>
-            <a:r>
-              <a:rPr lang="en-US" dirty="0"/>
-              <a:t> </a:t>
-            </a:r>
-            <a:r>
-              <a:rPr lang="en-US" dirty="0" err="1"/>
-              <a:t>wieder</a:t>
-            </a:r>
-            <a:r>
-              <a:rPr lang="en-US" dirty="0"/>
-              <a:t> </a:t>
-            </a:r>
-            <a:r>
-              <a:rPr lang="en-US" dirty="0" err="1"/>
-              <a:t>Sonnenauf</a:t>
-            </a:r>
-            <a:r>
-              <a:rPr lang="en-US" dirty="0"/>
-              <a:t> und </a:t>
-            </a:r>
-            <a:r>
-              <a:rPr lang="en-US" dirty="0" err="1"/>
-              <a:t>Untergang</a:t>
-            </a:r>
-            <a:r>
-              <a:rPr lang="en-US" dirty="0"/>
-              <a:t> </a:t>
-            </a:r>
-            <a:r>
-              <a:rPr lang="en-US" dirty="0" err="1"/>
-              <a:t>sowie</a:t>
-            </a:r>
-            <a:r>
-              <a:rPr lang="en-US" dirty="0"/>
-              <a:t> der </a:t>
-            </a:r>
-            <a:r>
-              <a:rPr lang="en-US" dirty="0" err="1"/>
-              <a:t>Onlinestatus</a:t>
-            </a:r>
-            <a:r>
-              <a:rPr lang="en-US" dirty="0"/>
-              <a:t> </a:t>
-            </a:r>
-            <a:r>
-              <a:rPr lang="en-US" dirty="0" err="1"/>
-              <a:t>zu</a:t>
-            </a:r>
-            <a:r>
-              <a:rPr lang="en-US" dirty="0"/>
-              <a:t> </a:t>
-            </a:r>
-            <a:r>
-              <a:rPr lang="en-US" dirty="0" err="1"/>
-              <a:t>finden</a:t>
-            </a:r>
-            <a:r>
-              <a:rPr lang="en-US" dirty="0"/>
-              <a:t>. Bei der </a:t>
-            </a:r>
-            <a:r>
-              <a:rPr lang="en-US" dirty="0" err="1"/>
-              <a:t>Strahlung</a:t>
-            </a:r>
-            <a:r>
-              <a:rPr lang="en-US" dirty="0"/>
-              <a:t> </a:t>
-            </a:r>
-            <a:r>
-              <a:rPr lang="en-US" dirty="0" err="1"/>
-              <a:t>soll</a:t>
-            </a:r>
-            <a:r>
-              <a:rPr lang="en-US" dirty="0"/>
-              <a:t> </a:t>
-            </a:r>
-            <a:r>
-              <a:rPr lang="en-US" dirty="0" err="1"/>
-              <a:t>zusätzlich</a:t>
-            </a:r>
-            <a:r>
-              <a:rPr lang="en-US" dirty="0"/>
-              <a:t> das 7-Tage minimum </a:t>
-            </a:r>
-            <a:r>
-              <a:rPr lang="en-US" dirty="0" err="1"/>
-              <a:t>sowie</a:t>
-            </a:r>
-            <a:r>
-              <a:rPr lang="en-US" dirty="0"/>
-              <a:t> das 7-Tage maximum </a:t>
-            </a:r>
-            <a:r>
-              <a:rPr lang="en-US" dirty="0" err="1"/>
-              <a:t>dargestellt</a:t>
-            </a:r>
-            <a:r>
-              <a:rPr lang="en-US" dirty="0"/>
-              <a:t> </a:t>
-            </a:r>
-            <a:r>
-              <a:rPr lang="en-US" dirty="0" err="1"/>
-              <a:t>werden</a:t>
-            </a:r>
-            <a:r>
-              <a:rPr lang="en-US" dirty="0"/>
-              <a:t>.</a:t>
-            </a:r>
-          </a:p>
         </p:txBody>
       </p:sp>
       <p:sp>
@@ -9330,7 +8805,7 @@
     </p:spTree>
     <p:extLst>
       <p:ext uri="{BB962C8B-B14F-4D97-AF65-F5344CB8AC3E}">
-        <p14:creationId xmlns:p14="http://schemas.microsoft.com/office/powerpoint/2010/main" val="3838138806"/>
+        <p14:creationId xmlns:p14="http://schemas.microsoft.com/office/powerpoint/2010/main" val="2860594885"/>
       </p:ext>
     </p:extLst>
   </p:cSld>
@@ -9389,6 +8864,55 @@
               <a:t>Florin:</a:t>
             </a:r>
           </a:p>
+          <a:p>
+            <a:endParaRPr lang="en-US" dirty="0"/>
+          </a:p>
+          <a:p>
+            <a:r>
+              <a:rPr lang="en-US" dirty="0"/>
+              <a:t>Nun </a:t>
+            </a:r>
+            <a:r>
+              <a:rPr lang="en-US" dirty="0" err="1"/>
+              <a:t>werde</a:t>
+            </a:r>
+            <a:r>
+              <a:rPr lang="en-US" dirty="0"/>
+              <a:t> ich </a:t>
+            </a:r>
+            <a:r>
+              <a:rPr lang="en-US" dirty="0" err="1"/>
+              <a:t>euch</a:t>
+            </a:r>
+            <a:r>
+              <a:rPr lang="en-US" dirty="0"/>
+              <a:t> </a:t>
+            </a:r>
+            <a:r>
+              <a:rPr lang="en-US" dirty="0" err="1"/>
+              <a:t>noch</a:t>
+            </a:r>
+            <a:r>
+              <a:rPr lang="en-US" dirty="0"/>
+              <a:t> das </a:t>
+            </a:r>
+            <a:r>
+              <a:rPr lang="en-US" dirty="0" err="1"/>
+              <a:t>Endresultat</a:t>
+            </a:r>
+            <a:r>
+              <a:rPr lang="en-US" dirty="0"/>
+              <a:t> live </a:t>
+            </a:r>
+            <a:r>
+              <a:rPr lang="en-US" dirty="0" err="1"/>
+              <a:t>zeigen</a:t>
+            </a:r>
+            <a:r>
+              <a:rPr lang="en-US" dirty="0"/>
+              <a:t>.</a:t>
+            </a:r>
+          </a:p>
         </p:txBody>
       </p:sp>
       <p:sp>
@@ -9417,7 +8941,7 @@
     </p:spTree>
     <p:extLst>
       <p:ext uri="{BB962C8B-B14F-4D97-AF65-F5344CB8AC3E}">
-        <p14:creationId xmlns:p14="http://schemas.microsoft.com/office/powerpoint/2010/main" val="2860594885"/>
+        <p14:creationId xmlns:p14="http://schemas.microsoft.com/office/powerpoint/2010/main" val="2329928541"/>
       </p:ext>
     </p:extLst>
   </p:cSld>
@@ -9476,55 +9000,6 @@
               <a:t>Florin:</a:t>
             </a:r>
           </a:p>
-          <a:p>
-            <a:endParaRPr lang="en-US" dirty="0"/>
-          </a:p>
-          <a:p>
-            <a:r>
-              <a:rPr lang="en-US" dirty="0"/>
-              <a:t>Nun </a:t>
-            </a:r>
-            <a:r>
-              <a:rPr lang="en-US" dirty="0" err="1"/>
-              <a:t>werde</a:t>
-            </a:r>
-            <a:r>
-              <a:rPr lang="en-US" dirty="0"/>
-              <a:t> ich </a:t>
-            </a:r>
-            <a:r>
-              <a:rPr lang="en-US" dirty="0" err="1"/>
-              <a:t>euch</a:t>
-            </a:r>
-            <a:r>
-              <a:rPr lang="en-US" dirty="0"/>
-              <a:t> </a:t>
-            </a:r>
-            <a:r>
-              <a:rPr lang="en-US" dirty="0" err="1"/>
-              <a:t>noch</a:t>
-            </a:r>
-            <a:r>
-              <a:rPr lang="en-US" dirty="0"/>
-              <a:t> das </a:t>
-            </a:r>
-            <a:r>
-              <a:rPr lang="en-US" dirty="0" err="1"/>
-              <a:t>Endresultat</a:t>
-            </a:r>
-            <a:r>
-              <a:rPr lang="en-US" dirty="0"/>
-              <a:t> live </a:t>
-            </a:r>
-            <a:r>
-              <a:rPr lang="en-US" dirty="0" err="1"/>
-              <a:t>zeigen</a:t>
-            </a:r>
-            <a:r>
-              <a:rPr lang="en-US" dirty="0"/>
-              <a:t>.</a:t>
-            </a:r>
-          </a:p>
         </p:txBody>
       </p:sp>
       <p:sp>
@@ -9553,7 +9028,7 @@
     </p:spTree>
     <p:extLst>
       <p:ext uri="{BB962C8B-B14F-4D97-AF65-F5344CB8AC3E}">
-        <p14:creationId xmlns:p14="http://schemas.microsoft.com/office/powerpoint/2010/main" val="2329928541"/>
+        <p14:creationId xmlns:p14="http://schemas.microsoft.com/office/powerpoint/2010/main" val="1078218927"/>
       </p:ext>
     </p:extLst>
   </p:cSld>
@@ -9608,8 +9083,74 @@
           <a:lstStyle/>
           <a:p>
             <a:r>
-              <a:rPr lang="en-US" dirty="0"/>
+              <a:rPr lang="de-CH" noProof="0" dirty="0"/>
               <a:t>Florin:</a:t>
+            </a:r>
+          </a:p>
+          <a:p>
+            <a:endParaRPr lang="de-CH" noProof="0" dirty="0"/>
+          </a:p>
+          <a:p>
+            <a:r>
+              <a:rPr lang="de-CH" noProof="0" dirty="0"/>
+              <a:t>Wie schon in den GUI </a:t>
+            </a:r>
+            <a:r>
+              <a:rPr lang="de-CH" noProof="0" dirty="0" err="1"/>
+              <a:t>sketches</a:t>
+            </a:r>
+            <a:r>
+              <a:rPr lang="de-CH" noProof="0" dirty="0"/>
+              <a:t> erwähnt, gibt es noch Weiterentwicklungsmöglichkeiten. </a:t>
+            </a:r>
+          </a:p>
+          <a:p>
+            <a:endParaRPr lang="de-CH" noProof="0" dirty="0"/>
+          </a:p>
+          <a:p>
+            <a:r>
+              <a:rPr lang="de-CH" noProof="0" dirty="0"/>
+              <a:t>Unten links bei den Warnungen, möchten wir die Warnungen von </a:t>
+            </a:r>
+            <a:r>
+              <a:rPr lang="de-CH" noProof="0" dirty="0" err="1"/>
+              <a:t>Meteoswiss</a:t>
+            </a:r>
+            <a:r>
+              <a:rPr lang="de-CH" noProof="0" dirty="0"/>
+              <a:t> und den </a:t>
+            </a:r>
+            <a:r>
+              <a:rPr lang="de-CH" noProof="0" dirty="0" err="1"/>
+              <a:t>Sonnenauf</a:t>
+            </a:r>
+            <a:r>
+              <a:rPr lang="de-CH" noProof="0" dirty="0"/>
+              <a:t>/-untergang anzeigen.</a:t>
+            </a:r>
+          </a:p>
+          <a:p>
+            <a:r>
+              <a:rPr lang="de-CH" noProof="0" dirty="0"/>
+              <a:t>Die Warnungen sollen Segler von einem aufkommenden Gewitter warnen. Und für die Segler ist es auch gut zu Wissen, ab wann sie nicht mehr viel auf dem See sehen werden.</a:t>
+            </a:r>
+          </a:p>
+          <a:p>
+            <a:endParaRPr lang="de-CH" noProof="0" dirty="0"/>
+          </a:p>
+          <a:p>
+            <a:r>
+              <a:rPr lang="de-CH" noProof="0" dirty="0"/>
+              <a:t>Ein weiteres Feature wäre, zu im Wettermonitor anzuzeigen ob gesegelt werden soll. Diese Information sollten die Segler via SMS oder E-Mail erhalten, bevor sie das Haus verlassen. </a:t>
+            </a:r>
+          </a:p>
+          <a:p>
+            <a:endParaRPr lang="de-CH" noProof="0" dirty="0"/>
+          </a:p>
+          <a:p>
+            <a:r>
+              <a:rPr lang="de-CH" noProof="0" dirty="0"/>
+              <a:t>Wir würden gerne noch die Satellitenkarte letzten paar Stunden darstellen. Dann können die Segler die Entwicklung der Bewölkung abschätzen.</a:t>
             </a:r>
           </a:p>
         </p:txBody>
@@ -9640,7 +9181,7 @@
     </p:spTree>
     <p:extLst>
       <p:ext uri="{BB962C8B-B14F-4D97-AF65-F5344CB8AC3E}">
-        <p14:creationId xmlns:p14="http://schemas.microsoft.com/office/powerpoint/2010/main" val="1078218927"/>
+        <p14:creationId xmlns:p14="http://schemas.microsoft.com/office/powerpoint/2010/main" val="612389631"/>
       </p:ext>
     </p:extLst>
   </p:cSld>
@@ -9911,74 +9452,8 @@
           <a:lstStyle/>
           <a:p>
             <a:r>
-              <a:rPr lang="de-CH" noProof="0" dirty="0"/>
+              <a:rPr lang="en-US" dirty="0"/>
               <a:t>Florin:</a:t>
-            </a:r>
-          </a:p>
-          <a:p>
-            <a:endParaRPr lang="de-CH" noProof="0" dirty="0"/>
-          </a:p>
-          <a:p>
-            <a:r>
-              <a:rPr lang="de-CH" noProof="0" dirty="0"/>
-              <a:t>Wie schon in den GUI </a:t>
-            </a:r>
-            <a:r>
-              <a:rPr lang="de-CH" noProof="0" dirty="0" err="1"/>
-              <a:t>sketches</a:t>
-            </a:r>
-            <a:r>
-              <a:rPr lang="de-CH" noProof="0" dirty="0"/>
-              <a:t> erwähnt, gibt es noch Weiterentwicklungsmöglichkeiten. </a:t>
-            </a:r>
-          </a:p>
-          <a:p>
-            <a:endParaRPr lang="de-CH" noProof="0" dirty="0"/>
-          </a:p>
-          <a:p>
-            <a:r>
-              <a:rPr lang="de-CH" noProof="0" dirty="0"/>
-              <a:t>Unten links bei den Warnungen, möchten wir die Warnungen von </a:t>
-            </a:r>
-            <a:r>
-              <a:rPr lang="de-CH" noProof="0" dirty="0" err="1"/>
-              <a:t>Meteoswiss</a:t>
-            </a:r>
-            <a:r>
-              <a:rPr lang="de-CH" noProof="0" dirty="0"/>
-              <a:t> und den </a:t>
-            </a:r>
-            <a:r>
-              <a:rPr lang="de-CH" noProof="0" dirty="0" err="1"/>
-              <a:t>Sonnenauf</a:t>
-            </a:r>
-            <a:r>
-              <a:rPr lang="de-CH" noProof="0" dirty="0"/>
-              <a:t>/-untergang anzeigen.</a:t>
-            </a:r>
-          </a:p>
-          <a:p>
-            <a:r>
-              <a:rPr lang="de-CH" noProof="0" dirty="0"/>
-              <a:t>Die Warnungen sollen Segler von einem aufkommenden Gewitter warnen. Und für die Segler ist es auch gut zu Wissen, ab wann sie nicht mehr viel auf dem See sehen werden.</a:t>
-            </a:r>
-          </a:p>
-          <a:p>
-            <a:endParaRPr lang="de-CH" noProof="0" dirty="0"/>
-          </a:p>
-          <a:p>
-            <a:r>
-              <a:rPr lang="de-CH" noProof="0" dirty="0"/>
-              <a:t>Ein weiteres Feature wäre, zu im Wettermonitor anzuzeigen ob gesegelt werden soll. Diese Information sollten die Segler via SMS oder E-Mail erhalten, bevor sie das Haus verlassen. </a:t>
-            </a:r>
-          </a:p>
-          <a:p>
-            <a:endParaRPr lang="de-CH" noProof="0" dirty="0"/>
-          </a:p>
-          <a:p>
-            <a:r>
-              <a:rPr lang="de-CH" noProof="0" dirty="0"/>
-              <a:t>Wir würden gerne noch die Satellitenkarte letzten paar Stunden darstellen. Dann können die Segler die Entwicklung der Bewölkung abschätzen.</a:t>
             </a:r>
           </a:p>
         </p:txBody>
@@ -10001,93 +9476,6 @@
             <a:fld id="{D4CE1BAB-7B68-4C87-8549-54F078DDFB49}" type="slidenum">
               <a:rPr lang="en-CH" smtClean="0"/>
               <a:t>40</a:t>
-            </a:fld>
-            <a:endParaRPr lang="en-CH"/>
-          </a:p>
-        </p:txBody>
-      </p:sp>
-    </p:spTree>
-    <p:extLst>
-      <p:ext uri="{BB962C8B-B14F-4D97-AF65-F5344CB8AC3E}">
-        <p14:creationId xmlns:p14="http://schemas.microsoft.com/office/powerpoint/2010/main" val="612389631"/>
-      </p:ext>
-    </p:extLst>
-  </p:cSld>
-  <p:clrMapOvr>
-    <a:masterClrMapping/>
-  </p:clrMapOvr>
-</p:notes>
-</file>
-
-<file path=ppt/notesSlides/notesSlide41.xml><?xml version="1.0" encoding="utf-8"?>
-<p:notes xmlns:a="http://schemas.openxmlformats.org/drawingml/2006/main" xmlns:r="http://schemas.openxmlformats.org/officeDocument/2006/relationships" xmlns:p="http://schemas.openxmlformats.org/presentationml/2006/main">
-  <p:cSld>
-    <p:spTree>
-      <p:nvGrpSpPr>
-        <p:cNvPr id="1" name=""/>
-        <p:cNvGrpSpPr/>
-        <p:nvPr/>
-      </p:nvGrpSpPr>
-      <p:grpSpPr>
-        <a:xfrm>
-          <a:off x="0" y="0"/>
-          <a:ext cx="0" cy="0"/>
-          <a:chOff x="0" y="0"/>
-          <a:chExt cx="0" cy="0"/>
-        </a:xfrm>
-      </p:grpSpPr>
-      <p:sp>
-        <p:nvSpPr>
-          <p:cNvPr id="2" name="Folienbildplatzhalter 1"/>
-          <p:cNvSpPr>
-            <a:spLocks noGrp="1" noRot="1" noChangeAspect="1"/>
-          </p:cNvSpPr>
-          <p:nvPr>
-            <p:ph type="sldImg"/>
-          </p:nvPr>
-        </p:nvSpPr>
-        <p:spPr/>
-      </p:sp>
-      <p:sp>
-        <p:nvSpPr>
-          <p:cNvPr id="3" name="Notizenplatzhalter 2"/>
-          <p:cNvSpPr>
-            <a:spLocks noGrp="1"/>
-          </p:cNvSpPr>
-          <p:nvPr>
-            <p:ph type="body" idx="1"/>
-          </p:nvPr>
-        </p:nvSpPr>
-        <p:spPr/>
-        <p:txBody>
-          <a:bodyPr/>
-          <a:lstStyle/>
-          <a:p>
-            <a:r>
-              <a:rPr lang="en-US" dirty="0"/>
-              <a:t>Florin:</a:t>
-            </a:r>
-          </a:p>
-        </p:txBody>
-      </p:sp>
-      <p:sp>
-        <p:nvSpPr>
-          <p:cNvPr id="4" name="Foliennummernplatzhalter 3"/>
-          <p:cNvSpPr>
-            <a:spLocks noGrp="1"/>
-          </p:cNvSpPr>
-          <p:nvPr>
-            <p:ph type="sldNum" sz="quarter" idx="5"/>
-          </p:nvPr>
-        </p:nvSpPr>
-        <p:spPr/>
-        <p:txBody>
-          <a:bodyPr/>
-          <a:lstStyle/>
-          <a:p>
-            <a:fld id="{D4CE1BAB-7B68-4C87-8549-54F078DDFB49}" type="slidenum">
-              <a:rPr lang="en-CH" smtClean="0"/>
-              <a:t>41</a:t>
             </a:fld>
             <a:endParaRPr lang="en-CH"/>
           </a:p>
@@ -11338,7 +10726,7 @@
           <a:p>
             <a:fld id="{D71E13D6-B070-45C8-AC42-90F25AD4976F}" type="datetime8">
               <a:rPr lang="en-CH" smtClean="0"/>
-              <a:t>01/27/2022 12:32</a:t>
+              <a:t>27/01/2022 17:48</a:t>
             </a:fld>
             <a:endParaRPr lang="en-CH"/>
           </a:p>
@@ -11392,7 +10780,7 @@
           <a:p>
             <a:fld id="{0F00D740-55B1-4DC8-A3B5-4535950A93D0}" type="slidenum">
               <a:rPr lang="en-CH" smtClean="0"/>
-              <a:t>‹Nr.›</a:t>
+              <a:t>‹#›</a:t>
             </a:fld>
             <a:endParaRPr lang="en-CH"/>
           </a:p>
@@ -11538,7 +10926,7 @@
           <a:p>
             <a:fld id="{34C1AEE4-2DCF-4A66-9927-6F783BB52BE0}" type="datetime8">
               <a:rPr lang="en-CH" smtClean="0"/>
-              <a:t>01/27/2022 12:32</a:t>
+              <a:t>27/01/2022 17:48</a:t>
             </a:fld>
             <a:endParaRPr lang="en-CH"/>
           </a:p>
@@ -11592,7 +10980,7 @@
           <a:p>
             <a:fld id="{0F00D740-55B1-4DC8-A3B5-4535950A93D0}" type="slidenum">
               <a:rPr lang="en-CH" smtClean="0"/>
-              <a:t>‹Nr.›</a:t>
+              <a:t>‹#›</a:t>
             </a:fld>
             <a:endParaRPr lang="en-CH"/>
           </a:p>
@@ -11748,7 +11136,7 @@
           <a:p>
             <a:fld id="{C4C13A0D-7035-4256-BB1C-652F6CDC1D82}" type="datetime8">
               <a:rPr lang="en-CH" smtClean="0"/>
-              <a:t>01/27/2022 12:32</a:t>
+              <a:t>27/01/2022 17:48</a:t>
             </a:fld>
             <a:endParaRPr lang="en-CH"/>
           </a:p>
@@ -11802,7 +11190,7 @@
           <a:p>
             <a:fld id="{0F00D740-55B1-4DC8-A3B5-4535950A93D0}" type="slidenum">
               <a:rPr lang="en-CH" smtClean="0"/>
-              <a:t>‹Nr.›</a:t>
+              <a:t>‹#›</a:t>
             </a:fld>
             <a:endParaRPr lang="en-CH"/>
           </a:p>
@@ -11948,7 +11336,7 @@
           <a:p>
             <a:fld id="{A720F8AA-53F4-4181-BD2C-7354613DB587}" type="datetime8">
               <a:rPr lang="en-CH" smtClean="0"/>
-              <a:t>01/27/2022 12:32</a:t>
+              <a:t>27/01/2022 17:48</a:t>
             </a:fld>
             <a:endParaRPr lang="en-CH"/>
           </a:p>
@@ -12002,7 +11390,7 @@
           <a:p>
             <a:fld id="{0F00D740-55B1-4DC8-A3B5-4535950A93D0}" type="slidenum">
               <a:rPr lang="en-CH" smtClean="0"/>
-              <a:t>‹Nr.›</a:t>
+              <a:t>‹#›</a:t>
             </a:fld>
             <a:endParaRPr lang="en-CH"/>
           </a:p>
@@ -12224,7 +11612,7 @@
           <a:p>
             <a:fld id="{18ED5C57-181E-4E8A-8032-E5587C441532}" type="datetime8">
               <a:rPr lang="en-CH" smtClean="0"/>
-              <a:t>01/27/2022 12:32</a:t>
+              <a:t>27/01/2022 17:48</a:t>
             </a:fld>
             <a:endParaRPr lang="en-CH"/>
           </a:p>
@@ -12278,7 +11666,7 @@
           <a:p>
             <a:fld id="{0F00D740-55B1-4DC8-A3B5-4535950A93D0}" type="slidenum">
               <a:rPr lang="en-CH" smtClean="0"/>
-              <a:t>‹Nr.›</a:t>
+              <a:t>‹#›</a:t>
             </a:fld>
             <a:endParaRPr lang="en-CH"/>
           </a:p>
@@ -12492,7 +11880,7 @@
           <a:p>
             <a:fld id="{2711B6E1-EBCF-4960-9E94-A2CE4CEDA9CF}" type="datetime8">
               <a:rPr lang="en-CH" smtClean="0"/>
-              <a:t>01/27/2022 12:32</a:t>
+              <a:t>27/01/2022 17:48</a:t>
             </a:fld>
             <a:endParaRPr lang="en-CH"/>
           </a:p>
@@ -12546,7 +11934,7 @@
           <a:p>
             <a:fld id="{0F00D740-55B1-4DC8-A3B5-4535950A93D0}" type="slidenum">
               <a:rPr lang="en-CH" smtClean="0"/>
-              <a:t>‹Nr.›</a:t>
+              <a:t>‹#›</a:t>
             </a:fld>
             <a:endParaRPr lang="en-CH"/>
           </a:p>
@@ -12907,7 +12295,7 @@
           <a:p>
             <a:fld id="{60888D22-8975-4143-BBCD-F78A0E3504A0}" type="datetime8">
               <a:rPr lang="en-CH" smtClean="0"/>
-              <a:t>01/27/2022 12:32</a:t>
+              <a:t>27/01/2022 17:48</a:t>
             </a:fld>
             <a:endParaRPr lang="en-CH"/>
           </a:p>
@@ -12961,7 +12349,7 @@
           <a:p>
             <a:fld id="{0F00D740-55B1-4DC8-A3B5-4535950A93D0}" type="slidenum">
               <a:rPr lang="en-CH" smtClean="0"/>
-              <a:t>‹Nr.›</a:t>
+              <a:t>‹#›</a:t>
             </a:fld>
             <a:endParaRPr lang="en-CH"/>
           </a:p>
@@ -13049,7 +12437,7 @@
           <a:p>
             <a:fld id="{CB62F5ED-9834-4FF8-A8E6-FE85BE4A88B6}" type="datetime8">
               <a:rPr lang="en-CH" smtClean="0"/>
-              <a:t>01/27/2022 12:32</a:t>
+              <a:t>27/01/2022 17:48</a:t>
             </a:fld>
             <a:endParaRPr lang="en-CH"/>
           </a:p>
@@ -13103,7 +12491,7 @@
           <a:p>
             <a:fld id="{0F00D740-55B1-4DC8-A3B5-4535950A93D0}" type="slidenum">
               <a:rPr lang="en-CH" smtClean="0"/>
-              <a:t>‹Nr.›</a:t>
+              <a:t>‹#›</a:t>
             </a:fld>
             <a:endParaRPr lang="en-CH"/>
           </a:p>
@@ -13162,7 +12550,7 @@
           <a:p>
             <a:fld id="{91C4E595-669A-4DA7-8755-75BCB1DD65E9}" type="datetime8">
               <a:rPr lang="en-CH" smtClean="0"/>
-              <a:t>01/27/2022 12:32</a:t>
+              <a:t>27/01/2022 17:48</a:t>
             </a:fld>
             <a:endParaRPr lang="en-CH"/>
           </a:p>
@@ -13216,7 +12604,7 @@
           <a:p>
             <a:fld id="{0F00D740-55B1-4DC8-A3B5-4535950A93D0}" type="slidenum">
               <a:rPr lang="en-CH" smtClean="0"/>
-              <a:t>‹Nr.›</a:t>
+              <a:t>‹#›</a:t>
             </a:fld>
             <a:endParaRPr lang="en-CH"/>
           </a:p>
@@ -13475,7 +12863,7 @@
           <a:p>
             <a:fld id="{1D3E9293-092D-4F3B-852B-B7B73C73F1F9}" type="datetime8">
               <a:rPr lang="en-CH" smtClean="0"/>
-              <a:t>01/27/2022 12:32</a:t>
+              <a:t>27/01/2022 17:48</a:t>
             </a:fld>
             <a:endParaRPr lang="en-CH"/>
           </a:p>
@@ -13529,7 +12917,7 @@
           <a:p>
             <a:fld id="{0F00D740-55B1-4DC8-A3B5-4535950A93D0}" type="slidenum">
               <a:rPr lang="en-CH" smtClean="0"/>
-              <a:t>‹Nr.›</a:t>
+              <a:t>‹#›</a:t>
             </a:fld>
             <a:endParaRPr lang="en-CH"/>
           </a:p>
@@ -13764,7 +13152,7 @@
           <a:p>
             <a:fld id="{72DA9548-12AA-4712-AB6D-8087536C3BD4}" type="datetime8">
               <a:rPr lang="en-CH" smtClean="0"/>
-              <a:t>01/27/2022 12:32</a:t>
+              <a:t>27/01/2022 17:48</a:t>
             </a:fld>
             <a:endParaRPr lang="en-CH"/>
           </a:p>
@@ -13818,7 +13206,7 @@
           <a:p>
             <a:fld id="{0F00D740-55B1-4DC8-A3B5-4535950A93D0}" type="slidenum">
               <a:rPr lang="en-CH" smtClean="0"/>
-              <a:t>‹Nr.›</a:t>
+              <a:t>‹#›</a:t>
             </a:fld>
             <a:endParaRPr lang="en-CH"/>
           </a:p>
@@ -14007,7 +13395,7 @@
           <a:p>
             <a:fld id="{361E5043-500B-4A06-A6BE-2D713F12E4A2}" type="datetime8">
               <a:rPr lang="en-CH" smtClean="0"/>
-              <a:t>01/27/2022 12:32</a:t>
+              <a:t>27/01/2022 17:48</a:t>
             </a:fld>
             <a:endParaRPr lang="en-CH"/>
           </a:p>
@@ -14097,7 +13485,7 @@
           <a:p>
             <a:fld id="{0F00D740-55B1-4DC8-A3B5-4535950A93D0}" type="slidenum">
               <a:rPr lang="en-CH" smtClean="0"/>
-              <a:t>‹Nr.›</a:t>
+              <a:t>‹#›</a:t>
             </a:fld>
             <a:endParaRPr lang="en-CH"/>
           </a:p>
@@ -26412,41 +25800,6 @@
           </p:txBody>
         </p:sp>
       </p:grpSp>
-      <p:pic>
-        <p:nvPicPr>
-          <p:cNvPr id="11" name="Picture 10">
-            <a:extLst>
-              <a:ext uri="{FF2B5EF4-FFF2-40B4-BE49-F238E27FC236}">
-                <a16:creationId xmlns:a16="http://schemas.microsoft.com/office/drawing/2014/main" id="{DF4C3850-6F29-45D9-9745-0B296A1DA299}"/>
-              </a:ext>
-            </a:extLst>
-          </p:cNvPr>
-          <p:cNvPicPr>
-            <a:picLocks noChangeAspect="1"/>
-          </p:cNvPicPr>
-          <p:nvPr/>
-        </p:nvPicPr>
-        <p:blipFill rotWithShape="1">
-          <a:blip r:embed="rId5">
-            <a:extLst>
-              <a:ext uri="{28A0092B-C50C-407E-A947-70E740481C1C}">
-                <a14:useLocalDpi xmlns:a14="http://schemas.microsoft.com/office/drawing/2010/main" val="0"/>
-              </a:ext>
-            </a:extLst>
-          </a:blip>
-          <a:srcRect l="1710" t="19648" r="1993"/>
-          <a:stretch/>
-        </p:blipFill>
-        <p:spPr>
-          <a:xfrm>
-            <a:off x="7000875" y="3098375"/>
-            <a:ext cx="4536281" cy="2492401"/>
-          </a:xfrm>
-          <a:prstGeom prst="rect">
-            <a:avLst/>
-          </a:prstGeom>
-        </p:spPr>
-      </p:pic>
       <p:sp>
         <p:nvSpPr>
           <p:cNvPr id="12" name="Content Placeholder 2">
@@ -26463,7 +25816,7 @@
         </p:nvSpPr>
         <p:spPr>
           <a:xfrm>
-            <a:off x="838200" y="1825625"/>
+            <a:off x="838200" y="1828673"/>
             <a:ext cx="10515600" cy="4351338"/>
           </a:xfrm>
           <a:prstGeom prst="rect">
@@ -26810,6 +26163,42 @@
           </a:p>
         </p:txBody>
       </p:sp>
+      <p:pic>
+        <p:nvPicPr>
+          <p:cNvPr id="13" name="Picture 12">
+            <a:extLst>
+              <a:ext uri="{FF2B5EF4-FFF2-40B4-BE49-F238E27FC236}">
+                <a16:creationId xmlns:a16="http://schemas.microsoft.com/office/drawing/2014/main" id="{AD86911E-3BBE-414E-984D-F9F4F31AC174}"/>
+              </a:ext>
+            </a:extLst>
+          </p:cNvPr>
+          <p:cNvPicPr>
+            <a:picLocks noChangeAspect="1"/>
+          </p:cNvPicPr>
+          <p:nvPr/>
+        </p:nvPicPr>
+        <p:blipFill>
+          <a:blip r:embed="rId5">
+            <a:extLst>
+              <a:ext uri="{28A0092B-C50C-407E-A947-70E740481C1C}">
+                <a14:useLocalDpi xmlns:a14="http://schemas.microsoft.com/office/drawing/2010/main" val="0"/>
+              </a:ext>
+            </a:extLst>
+          </a:blip>
+          <a:stretch>
+            <a:fillRect/>
+          </a:stretch>
+        </p:blipFill>
+        <p:spPr>
+          <a:xfrm>
+            <a:off x="6646580" y="3092055"/>
+            <a:ext cx="5048596" cy="2233135"/>
+          </a:xfrm>
+          <a:prstGeom prst="rect">
+            <a:avLst/>
+          </a:prstGeom>
+        </p:spPr>
+      </p:pic>
     </p:spTree>
     <p:extLst>
       <p:ext uri="{BB962C8B-B14F-4D97-AF65-F5344CB8AC3E}">
@@ -27936,460 +27325,163 @@
           </p:txBody>
         </p:sp>
       </p:grpSp>
-      <p:grpSp>
-        <p:nvGrpSpPr>
-          <p:cNvPr id="17" name="Group 16">
+      <p:sp>
+        <p:nvSpPr>
+          <p:cNvPr id="23" name="Content Placeholder 2">
             <a:extLst>
               <a:ext uri="{FF2B5EF4-FFF2-40B4-BE49-F238E27FC236}">
-                <a16:creationId xmlns:a16="http://schemas.microsoft.com/office/drawing/2014/main" id="{C8B2C624-C5A1-46C2-BFD8-CF1B3D6EA4E1}"/>
+                <a16:creationId xmlns:a16="http://schemas.microsoft.com/office/drawing/2014/main" id="{075865A9-A72A-4315-A8EE-F069188AD505}"/>
               </a:ext>
             </a:extLst>
           </p:cNvPr>
-          <p:cNvGrpSpPr/>
-          <p:nvPr/>
-        </p:nvGrpSpPr>
-        <p:grpSpPr>
-          <a:xfrm>
-            <a:off x="1357639" y="3095171"/>
-            <a:ext cx="2672393" cy="1951949"/>
-            <a:chOff x="817401" y="2381249"/>
-            <a:chExt cx="3526631" cy="2575895"/>
-          </a:xfrm>
-        </p:grpSpPr>
-        <p:pic>
-          <p:nvPicPr>
-            <p:cNvPr id="18" name="Picture 17">
-              <a:extLst>
-                <a:ext uri="{FF2B5EF4-FFF2-40B4-BE49-F238E27FC236}">
-                  <a16:creationId xmlns:a16="http://schemas.microsoft.com/office/drawing/2014/main" id="{4451AE5D-A9C5-4BC6-81AD-74C324AD4CF6}"/>
-                </a:ext>
-              </a:extLst>
-            </p:cNvPr>
-            <p:cNvPicPr>
-              <a:picLocks noChangeAspect="1"/>
-            </p:cNvPicPr>
-            <p:nvPr/>
-          </p:nvPicPr>
-          <p:blipFill>
-            <a:blip r:embed="rId4">
-              <a:extLst>
-                <a:ext uri="{28A0092B-C50C-407E-A947-70E740481C1C}">
-                  <a14:useLocalDpi xmlns:a14="http://schemas.microsoft.com/office/drawing/2010/main" val="0"/>
-                </a:ext>
-              </a:extLst>
-            </a:blip>
-            <a:stretch>
-              <a:fillRect/>
-            </a:stretch>
-          </p:blipFill>
-          <p:spPr>
-            <a:xfrm>
-              <a:off x="838200" y="2428223"/>
-              <a:ext cx="3505832" cy="2528921"/>
-            </a:xfrm>
-            <a:prstGeom prst="rect">
-              <a:avLst/>
-            </a:prstGeom>
-          </p:spPr>
-        </p:pic>
-        <p:sp>
-          <p:nvSpPr>
-            <p:cNvPr id="19" name="Rectangle 18">
-              <a:extLst>
-                <a:ext uri="{FF2B5EF4-FFF2-40B4-BE49-F238E27FC236}">
-                  <a16:creationId xmlns:a16="http://schemas.microsoft.com/office/drawing/2014/main" id="{A9E090F3-B1D9-4303-AF4B-5D2C6402F685}"/>
-                </a:ext>
-              </a:extLst>
-            </p:cNvPr>
-            <p:cNvSpPr/>
-            <p:nvPr/>
-          </p:nvSpPr>
-          <p:spPr>
-            <a:xfrm>
-              <a:off x="817401" y="2381249"/>
-              <a:ext cx="3526631" cy="2383603"/>
-            </a:xfrm>
-            <a:prstGeom prst="rect">
-              <a:avLst/>
-            </a:prstGeom>
-            <a:noFill/>
-            <a:ln>
-              <a:solidFill>
-                <a:schemeClr val="tx1"/>
-              </a:solidFill>
-            </a:ln>
-          </p:spPr>
-          <p:style>
-            <a:lnRef idx="2">
-              <a:schemeClr val="accent1">
-                <a:shade val="50000"/>
-              </a:schemeClr>
-            </a:lnRef>
-            <a:fillRef idx="1">
-              <a:schemeClr val="accent1"/>
-            </a:fillRef>
-            <a:effectRef idx="0">
-              <a:schemeClr val="accent1"/>
-            </a:effectRef>
-            <a:fontRef idx="minor">
-              <a:schemeClr val="lt1"/>
-            </a:fontRef>
-          </p:style>
-          <p:txBody>
-            <a:bodyPr rtlCol="0" anchor="ctr"/>
-            <a:lstStyle/>
-            <a:p>
-              <a:pPr algn="ctr"/>
-              <a:endParaRPr lang="en-CH"/>
-            </a:p>
-          </p:txBody>
-        </p:sp>
-      </p:grpSp>
-      <p:grpSp>
-        <p:nvGrpSpPr>
-          <p:cNvPr id="20" name="Group 19">
-            <a:extLst>
-              <a:ext uri="{FF2B5EF4-FFF2-40B4-BE49-F238E27FC236}">
-                <a16:creationId xmlns:a16="http://schemas.microsoft.com/office/drawing/2014/main" id="{C9500C4C-3AC6-4682-9C3F-ABFD3450639E}"/>
-              </a:ext>
-            </a:extLst>
-          </p:cNvPr>
-          <p:cNvGrpSpPr/>
-          <p:nvPr/>
-        </p:nvGrpSpPr>
-        <p:grpSpPr>
-          <a:xfrm>
-            <a:off x="7917505" y="3096276"/>
-            <a:ext cx="2672393" cy="1818046"/>
-            <a:chOff x="4513820" y="2381249"/>
-            <a:chExt cx="3526631" cy="2399190"/>
-          </a:xfrm>
-        </p:grpSpPr>
-        <p:pic>
-          <p:nvPicPr>
-            <p:cNvPr id="21" name="Picture 20">
-              <a:extLst>
-                <a:ext uri="{FF2B5EF4-FFF2-40B4-BE49-F238E27FC236}">
-                  <a16:creationId xmlns:a16="http://schemas.microsoft.com/office/drawing/2014/main" id="{D3848840-FEC3-4F7C-8073-B549CB76DFE6}"/>
-                </a:ext>
-              </a:extLst>
-            </p:cNvPr>
-            <p:cNvPicPr>
-              <a:picLocks noChangeAspect="1"/>
-            </p:cNvPicPr>
-            <p:nvPr/>
-          </p:nvPicPr>
-          <p:blipFill>
-            <a:blip r:embed="rId5">
-              <a:extLst>
-                <a:ext uri="{28A0092B-C50C-407E-A947-70E740481C1C}">
-                  <a14:useLocalDpi xmlns:a14="http://schemas.microsoft.com/office/drawing/2010/main" val="0"/>
-                </a:ext>
-              </a:extLst>
-            </a:blip>
-            <a:stretch>
-              <a:fillRect/>
-            </a:stretch>
-          </p:blipFill>
-          <p:spPr>
-            <a:xfrm>
-              <a:off x="4519215" y="2396835"/>
-              <a:ext cx="3441859" cy="2383604"/>
-            </a:xfrm>
-            <a:prstGeom prst="rect">
-              <a:avLst/>
-            </a:prstGeom>
-          </p:spPr>
-        </p:pic>
-        <p:sp>
-          <p:nvSpPr>
-            <p:cNvPr id="22" name="Rectangle 21">
-              <a:extLst>
-                <a:ext uri="{FF2B5EF4-FFF2-40B4-BE49-F238E27FC236}">
-                  <a16:creationId xmlns:a16="http://schemas.microsoft.com/office/drawing/2014/main" id="{DBB77268-EF8C-4F8D-99A3-C466CD5412E5}"/>
-                </a:ext>
-              </a:extLst>
-            </p:cNvPr>
-            <p:cNvSpPr/>
-            <p:nvPr/>
-          </p:nvSpPr>
-          <p:spPr>
-            <a:xfrm>
-              <a:off x="4513820" y="2381249"/>
-              <a:ext cx="3526631" cy="2383603"/>
-            </a:xfrm>
-            <a:prstGeom prst="rect">
-              <a:avLst/>
-            </a:prstGeom>
-            <a:noFill/>
-            <a:ln>
-              <a:solidFill>
-                <a:schemeClr val="tx1"/>
-              </a:solidFill>
-            </a:ln>
-          </p:spPr>
-          <p:style>
-            <a:lnRef idx="2">
-              <a:schemeClr val="accent1">
-                <a:shade val="50000"/>
-              </a:schemeClr>
-            </a:lnRef>
-            <a:fillRef idx="1">
-              <a:schemeClr val="accent1"/>
-            </a:fillRef>
-            <a:effectRef idx="0">
-              <a:schemeClr val="accent1"/>
-            </a:effectRef>
-            <a:fontRef idx="minor">
-              <a:schemeClr val="lt1"/>
-            </a:fontRef>
-          </p:style>
-          <p:txBody>
-            <a:bodyPr rtlCol="0" anchor="ctr"/>
-            <a:lstStyle/>
-            <a:p>
-              <a:pPr algn="ctr"/>
-              <a:endParaRPr lang="en-CH"/>
-            </a:p>
-          </p:txBody>
-        </p:sp>
-      </p:grpSp>
-      <p:sp>
-        <p:nvSpPr>
-          <p:cNvPr id="26" name="TextBox 25">
-            <a:extLst>
-              <a:ext uri="{FF2B5EF4-FFF2-40B4-BE49-F238E27FC236}">
-                <a16:creationId xmlns:a16="http://schemas.microsoft.com/office/drawing/2014/main" id="{B5775604-C840-4199-928D-34126F9A7330}"/>
-              </a:ext>
-            </a:extLst>
-          </p:cNvPr>
-          <p:cNvSpPr txBox="1"/>
-          <p:nvPr/>
+          <p:cNvSpPr>
+            <a:spLocks noGrp="1"/>
+          </p:cNvSpPr>
+          <p:nvPr>
+            <p:ph idx="1"/>
+          </p:nvPr>
         </p:nvSpPr>
         <p:spPr>
           <a:xfrm>
-            <a:off x="1636560" y="2536634"/>
-            <a:ext cx="2114550" cy="369332"/>
+            <a:off x="838200" y="1825625"/>
+            <a:ext cx="10515600" cy="4351338"/>
           </a:xfrm>
-          <a:prstGeom prst="rect">
-            <a:avLst/>
-          </a:prstGeom>
-          <a:noFill/>
         </p:spPr>
         <p:txBody>
-          <a:bodyPr wrap="square" rtlCol="0">
-            <a:spAutoFit/>
-          </a:bodyPr>
+          <a:bodyPr/>
           <a:lstStyle/>
           <a:p>
-            <a:pPr algn="ctr"/>
-            <a:r>
-              <a:rPr lang="en-US" dirty="0"/>
-              <a:t>Home</a:t>
-            </a:r>
+            <a:r>
+              <a:rPr lang="en-US" dirty="0"/>
+              <a:t>/</a:t>
+            </a:r>
+          </a:p>
+          <a:p>
+            <a:pPr lvl="1"/>
+            <a:r>
+              <a:rPr lang="en-US" dirty="0"/>
+              <a:t>Redirect to /</a:t>
+            </a:r>
+            <a:r>
+              <a:rPr lang="en-US" dirty="0" err="1"/>
+              <a:t>wetterstation</a:t>
+            </a:r>
+            <a:r>
+              <a:rPr lang="en-US" dirty="0"/>
+              <a:t>/</a:t>
+            </a:r>
+            <a:r>
+              <a:rPr lang="en-US" dirty="0" err="1"/>
+              <a:t>tiefenbrunnen</a:t>
+            </a:r>
+            <a:endParaRPr lang="en-US" dirty="0"/>
+          </a:p>
+          <a:p>
+            <a:r>
+              <a:rPr lang="en-US" dirty="0"/>
+              <a:t>/</a:t>
+            </a:r>
+            <a:r>
+              <a:rPr lang="en-US" dirty="0" err="1"/>
+              <a:t>wetterstation</a:t>
+            </a:r>
+            <a:r>
+              <a:rPr lang="en-US" dirty="0"/>
+              <a:t>/&lt;station&gt;</a:t>
+            </a:r>
+          </a:p>
+          <a:p>
+            <a:pPr lvl="1"/>
+            <a:r>
+              <a:rPr lang="en-US" dirty="0" err="1"/>
+              <a:t>Übersichtsseite</a:t>
+            </a:r>
+            <a:r>
+              <a:rPr lang="en-US" dirty="0"/>
+              <a:t> </a:t>
+            </a:r>
+            <a:r>
+              <a:rPr lang="en-US" dirty="0" err="1"/>
+              <a:t>Messstation</a:t>
+            </a:r>
+            <a:endParaRPr lang="en-US" dirty="0"/>
+          </a:p>
+          <a:p>
+            <a:endParaRPr lang="en-US" dirty="0"/>
+          </a:p>
+          <a:p>
+            <a:r>
+              <a:rPr lang="en-US" dirty="0"/>
+              <a:t>/</a:t>
+            </a:r>
+            <a:r>
+              <a:rPr lang="en-US" dirty="0" err="1"/>
+              <a:t>wetterstation</a:t>
+            </a:r>
+            <a:r>
+              <a:rPr lang="en-US" dirty="0"/>
+              <a:t>/&lt;station&gt;/&lt;category&gt;</a:t>
+            </a:r>
+          </a:p>
+          <a:p>
+            <a:pPr lvl="1"/>
+            <a:r>
+              <a:rPr lang="en-US" dirty="0" err="1"/>
+              <a:t>Leitet</a:t>
+            </a:r>
+            <a:r>
+              <a:rPr lang="en-US" dirty="0"/>
+              <a:t> </a:t>
+            </a:r>
+            <a:r>
+              <a:rPr lang="en-US" dirty="0" err="1"/>
+              <a:t>weiter</a:t>
+            </a:r>
+            <a:r>
+              <a:rPr lang="en-US" dirty="0"/>
+              <a:t> auf /</a:t>
+            </a:r>
+            <a:r>
+              <a:rPr lang="en-US" dirty="0" err="1"/>
+              <a:t>wetterstation</a:t>
+            </a:r>
+            <a:r>
+              <a:rPr lang="en-US" dirty="0"/>
+              <a:t>/&lt;station&gt;/&lt;category&gt;/history</a:t>
+            </a:r>
+          </a:p>
+          <a:p>
+            <a:r>
+              <a:rPr lang="en-US" dirty="0"/>
+              <a:t>/</a:t>
+            </a:r>
+            <a:r>
+              <a:rPr lang="en-US" dirty="0" err="1"/>
+              <a:t>wetterstation</a:t>
+            </a:r>
+            <a:r>
+              <a:rPr lang="en-US" dirty="0"/>
+              <a:t>/&lt;station&gt;/&lt;category&gt;/&lt;type&gt;</a:t>
+            </a:r>
+          </a:p>
+          <a:p>
+            <a:pPr lvl="1"/>
+            <a:r>
+              <a:rPr lang="en-US" dirty="0" err="1"/>
+              <a:t>Grafik</a:t>
+            </a:r>
+            <a:endParaRPr lang="en-US" dirty="0"/>
+          </a:p>
+          <a:p>
+            <a:pPr lvl="1"/>
             <a:endParaRPr lang="en-CH" dirty="0"/>
           </a:p>
         </p:txBody>
       </p:sp>
-      <p:sp>
-        <p:nvSpPr>
-          <p:cNvPr id="27" name="TextBox 26">
-            <a:extLst>
-              <a:ext uri="{FF2B5EF4-FFF2-40B4-BE49-F238E27FC236}">
-                <a16:creationId xmlns:a16="http://schemas.microsoft.com/office/drawing/2014/main" id="{AAD8A890-5C81-406B-8136-EC437A6B1C50}"/>
-              </a:ext>
-            </a:extLst>
-          </p:cNvPr>
-          <p:cNvSpPr txBox="1"/>
-          <p:nvPr/>
-        </p:nvSpPr>
-        <p:spPr>
-          <a:xfrm>
-            <a:off x="4747724" y="2375719"/>
-            <a:ext cx="2114550" cy="923330"/>
-          </a:xfrm>
-          <a:prstGeom prst="rect">
-            <a:avLst/>
-          </a:prstGeom>
-          <a:noFill/>
-        </p:spPr>
-        <p:txBody>
-          <a:bodyPr wrap="square" rtlCol="0">
-            <a:spAutoFit/>
-          </a:bodyPr>
-          <a:lstStyle/>
-          <a:p>
-            <a:pPr algn="ctr"/>
-            <a:r>
-              <a:rPr lang="en-US" dirty="0" err="1"/>
-              <a:t>Übersichtsseite</a:t>
-            </a:r>
-            <a:r>
-              <a:rPr lang="en-US" dirty="0"/>
-              <a:t> </a:t>
-            </a:r>
-            <a:r>
-              <a:rPr lang="en-US" dirty="0" err="1"/>
-              <a:t>Messstation</a:t>
-            </a:r>
-            <a:endParaRPr lang="en-US" dirty="0"/>
-          </a:p>
-          <a:p>
-            <a:pPr algn="ctr"/>
-            <a:endParaRPr lang="en-CH" dirty="0"/>
-          </a:p>
-        </p:txBody>
-      </p:sp>
-      <p:sp>
-        <p:nvSpPr>
-          <p:cNvPr id="28" name="TextBox 27">
-            <a:extLst>
-              <a:ext uri="{FF2B5EF4-FFF2-40B4-BE49-F238E27FC236}">
-                <a16:creationId xmlns:a16="http://schemas.microsoft.com/office/drawing/2014/main" id="{CA3AAD50-9B6F-4DB4-861B-BBC6FFD45F68}"/>
-              </a:ext>
-            </a:extLst>
-          </p:cNvPr>
-          <p:cNvSpPr txBox="1"/>
-          <p:nvPr/>
-        </p:nvSpPr>
-        <p:spPr>
-          <a:xfrm>
-            <a:off x="8164576" y="2506080"/>
-            <a:ext cx="2114550" cy="369332"/>
-          </a:xfrm>
-          <a:prstGeom prst="rect">
-            <a:avLst/>
-          </a:prstGeom>
-          <a:noFill/>
-        </p:spPr>
-        <p:txBody>
-          <a:bodyPr wrap="square" rtlCol="0">
-            <a:spAutoFit/>
-          </a:bodyPr>
-          <a:lstStyle/>
-          <a:p>
-            <a:pPr algn="ctr"/>
-            <a:r>
-              <a:rPr lang="en-US" dirty="0" err="1"/>
-              <a:t>Grafiken</a:t>
-            </a:r>
-            <a:endParaRPr lang="en-CH" dirty="0"/>
-          </a:p>
-        </p:txBody>
-      </p:sp>
-      <p:grpSp>
-        <p:nvGrpSpPr>
-          <p:cNvPr id="29" name="Group 28">
-            <a:extLst>
-              <a:ext uri="{FF2B5EF4-FFF2-40B4-BE49-F238E27FC236}">
-                <a16:creationId xmlns:a16="http://schemas.microsoft.com/office/drawing/2014/main" id="{75C58FE6-1973-49D8-921A-115CB07A5A80}"/>
-              </a:ext>
-            </a:extLst>
-          </p:cNvPr>
-          <p:cNvGrpSpPr/>
-          <p:nvPr/>
-        </p:nvGrpSpPr>
-        <p:grpSpPr>
-          <a:xfrm>
-            <a:off x="4639616" y="3096276"/>
-            <a:ext cx="2672393" cy="1951949"/>
-            <a:chOff x="817401" y="2381249"/>
-            <a:chExt cx="3526631" cy="2575895"/>
-          </a:xfrm>
-        </p:grpSpPr>
-        <p:pic>
-          <p:nvPicPr>
-            <p:cNvPr id="30" name="Picture 29">
-              <a:extLst>
-                <a:ext uri="{FF2B5EF4-FFF2-40B4-BE49-F238E27FC236}">
-                  <a16:creationId xmlns:a16="http://schemas.microsoft.com/office/drawing/2014/main" id="{A39D2808-DFA2-4457-9610-05D694F1D32D}"/>
-                </a:ext>
-              </a:extLst>
-            </p:cNvPr>
-            <p:cNvPicPr>
-              <a:picLocks noChangeAspect="1"/>
-            </p:cNvPicPr>
-            <p:nvPr/>
-          </p:nvPicPr>
-          <p:blipFill>
-            <a:blip r:embed="rId4">
-              <a:extLst>
-                <a:ext uri="{28A0092B-C50C-407E-A947-70E740481C1C}">
-                  <a14:useLocalDpi xmlns:a14="http://schemas.microsoft.com/office/drawing/2010/main" val="0"/>
-                </a:ext>
-              </a:extLst>
-            </a:blip>
-            <a:stretch>
-              <a:fillRect/>
-            </a:stretch>
-          </p:blipFill>
-          <p:spPr>
-            <a:xfrm>
-              <a:off x="838200" y="2428223"/>
-              <a:ext cx="3505832" cy="2528921"/>
-            </a:xfrm>
-            <a:prstGeom prst="rect">
-              <a:avLst/>
-            </a:prstGeom>
-          </p:spPr>
-        </p:pic>
-        <p:sp>
-          <p:nvSpPr>
-            <p:cNvPr id="31" name="Rectangle 30">
-              <a:extLst>
-                <a:ext uri="{FF2B5EF4-FFF2-40B4-BE49-F238E27FC236}">
-                  <a16:creationId xmlns:a16="http://schemas.microsoft.com/office/drawing/2014/main" id="{863F99BD-19FB-4C5B-B880-43C69988EACF}"/>
-                </a:ext>
-              </a:extLst>
-            </p:cNvPr>
-            <p:cNvSpPr/>
-            <p:nvPr/>
-          </p:nvSpPr>
-          <p:spPr>
-            <a:xfrm>
-              <a:off x="817401" y="2381249"/>
-              <a:ext cx="3526631" cy="2383603"/>
-            </a:xfrm>
-            <a:prstGeom prst="rect">
-              <a:avLst/>
-            </a:prstGeom>
-            <a:noFill/>
-            <a:ln>
-              <a:solidFill>
-                <a:schemeClr val="tx1"/>
-              </a:solidFill>
-            </a:ln>
-          </p:spPr>
-          <p:style>
-            <a:lnRef idx="2">
-              <a:schemeClr val="accent1">
-                <a:shade val="50000"/>
-              </a:schemeClr>
-            </a:lnRef>
-            <a:fillRef idx="1">
-              <a:schemeClr val="accent1"/>
-            </a:fillRef>
-            <a:effectRef idx="0">
-              <a:schemeClr val="accent1"/>
-            </a:effectRef>
-            <a:fontRef idx="minor">
-              <a:schemeClr val="lt1"/>
-            </a:fontRef>
-          </p:style>
-          <p:txBody>
-            <a:bodyPr rtlCol="0" anchor="ctr"/>
-            <a:lstStyle/>
-            <a:p>
-              <a:pPr algn="ctr"/>
-              <a:endParaRPr lang="en-CH"/>
-            </a:p>
-          </p:txBody>
-        </p:sp>
-      </p:grpSp>
     </p:spTree>
     <p:extLst>
       <p:ext uri="{BB962C8B-B14F-4D97-AF65-F5344CB8AC3E}">
-        <p14:creationId xmlns:p14="http://schemas.microsoft.com/office/powerpoint/2010/main" val="2680526745"/>
+        <p14:creationId xmlns:p14="http://schemas.microsoft.com/office/powerpoint/2010/main" val="2477391125"/>
       </p:ext>
     </p:extLst>
   </p:cSld>
@@ -28469,9 +27561,232 @@
                 <a:latin typeface="Arial" panose="020B0604020202020204" pitchFamily="34" charset="0"/>
                 <a:cs typeface="Arial" panose="020B0604020202020204" pitchFamily="34" charset="0"/>
               </a:rPr>
-              <a:t>routing in main.py</a:t>
+              <a:t>html files</a:t>
             </a:r>
             <a:endParaRPr lang="en-CH" dirty="0"/>
+          </a:p>
+        </p:txBody>
+      </p:sp>
+      <p:sp>
+        <p:nvSpPr>
+          <p:cNvPr id="3" name="Content Placeholder 2">
+            <a:extLst>
+              <a:ext uri="{FF2B5EF4-FFF2-40B4-BE49-F238E27FC236}">
+                <a16:creationId xmlns:a16="http://schemas.microsoft.com/office/drawing/2014/main" id="{F99C80A8-FCE8-4022-B4EC-046CA3785167}"/>
+              </a:ext>
+            </a:extLst>
+          </p:cNvPr>
+          <p:cNvSpPr>
+            <a:spLocks noGrp="1"/>
+          </p:cNvSpPr>
+          <p:nvPr>
+            <p:ph idx="1"/>
+          </p:nvPr>
+        </p:nvSpPr>
+        <p:spPr/>
+        <p:txBody>
+          <a:bodyPr/>
+          <a:lstStyle/>
+          <a:p>
+            <a:r>
+              <a:rPr lang="en-US" dirty="0"/>
+              <a:t>Index.html</a:t>
+            </a:r>
+          </a:p>
+          <a:p>
+            <a:pPr lvl="1"/>
+            <a:r>
+              <a:rPr lang="en-US" dirty="0"/>
+              <a:t>Navigation </a:t>
+            </a:r>
+            <a:r>
+              <a:rPr lang="en-US" dirty="0" err="1"/>
+              <a:t>zwischen</a:t>
+            </a:r>
+            <a:r>
+              <a:rPr lang="en-US" dirty="0"/>
+              <a:t> </a:t>
+            </a:r>
+            <a:r>
+              <a:rPr lang="en-US" dirty="0" err="1"/>
+              <a:t>Wetterstationen</a:t>
+            </a:r>
+            <a:endParaRPr lang="en-US" dirty="0"/>
+          </a:p>
+          <a:p>
+            <a:r>
+              <a:rPr lang="en-US" dirty="0"/>
+              <a:t>Load_data.html</a:t>
+            </a:r>
+          </a:p>
+          <a:p>
+            <a:pPr lvl="1"/>
+            <a:r>
+              <a:rPr lang="en-US" dirty="0" err="1"/>
+              <a:t>Startansicht</a:t>
+            </a:r>
+            <a:r>
+              <a:rPr lang="en-US" dirty="0"/>
+              <a:t> Loading Data bis </a:t>
+            </a:r>
+            <a:r>
+              <a:rPr lang="en-US" dirty="0" err="1"/>
+              <a:t>Daten</a:t>
+            </a:r>
+            <a:r>
+              <a:rPr lang="en-US" dirty="0"/>
+              <a:t> </a:t>
+            </a:r>
+            <a:r>
+              <a:rPr lang="en-US" dirty="0" err="1"/>
+              <a:t>geladen</a:t>
+            </a:r>
+            <a:r>
+              <a:rPr lang="en-US" dirty="0"/>
+              <a:t> </a:t>
+            </a:r>
+            <a:r>
+              <a:rPr lang="en-US" dirty="0" err="1"/>
+              <a:t>sind</a:t>
+            </a:r>
+            <a:r>
+              <a:rPr lang="en-US" dirty="0"/>
+              <a:t> </a:t>
+            </a:r>
+          </a:p>
+          <a:p>
+            <a:r>
+              <a:rPr lang="en-US" dirty="0"/>
+              <a:t>Main.html</a:t>
+            </a:r>
+          </a:p>
+          <a:p>
+            <a:pPr lvl="1"/>
+            <a:r>
+              <a:rPr lang="en-US" dirty="0" err="1"/>
+              <a:t>Anischt</a:t>
+            </a:r>
+            <a:r>
+              <a:rPr lang="en-US" dirty="0"/>
+              <a:t> </a:t>
+            </a:r>
+            <a:r>
+              <a:rPr lang="en-US" dirty="0" err="1"/>
+              <a:t>Wetterstation</a:t>
+            </a:r>
+            <a:endParaRPr lang="en-US" dirty="0"/>
+          </a:p>
+          <a:p>
+            <a:r>
+              <a:rPr lang="en-US" dirty="0"/>
+              <a:t>Graph.html</a:t>
+            </a:r>
+          </a:p>
+          <a:p>
+            <a:pPr lvl="1"/>
+            <a:r>
+              <a:rPr lang="en-US" dirty="0"/>
+              <a:t>Navigation </a:t>
+            </a:r>
+            <a:r>
+              <a:rPr lang="en-US" dirty="0" err="1"/>
+              <a:t>zwischen</a:t>
+            </a:r>
+            <a:r>
+              <a:rPr lang="en-US" dirty="0"/>
+              <a:t> </a:t>
+            </a:r>
+            <a:r>
+              <a:rPr lang="en-US" dirty="0" err="1"/>
+              <a:t>Graphen</a:t>
+            </a:r>
+            <a:r>
+              <a:rPr lang="en-US" dirty="0"/>
+              <a:t> </a:t>
+            </a:r>
+            <a:r>
+              <a:rPr lang="en-US" dirty="0" err="1"/>
+              <a:t>bei</a:t>
+            </a:r>
+            <a:r>
+              <a:rPr lang="en-US" dirty="0"/>
+              <a:t> </a:t>
+            </a:r>
+            <a:r>
+              <a:rPr lang="en-US" dirty="0" err="1"/>
+              <a:t>Ansicht</a:t>
+            </a:r>
+            <a:r>
+              <a:rPr lang="en-US" dirty="0"/>
+              <a:t> </a:t>
+            </a:r>
+            <a:r>
+              <a:rPr lang="en-US" dirty="0" err="1"/>
+              <a:t>Wetterstation</a:t>
+            </a:r>
+            <a:r>
+              <a:rPr lang="en-US" dirty="0"/>
+              <a:t> </a:t>
+            </a:r>
+            <a:r>
+              <a:rPr lang="en-US" dirty="0" err="1"/>
+              <a:t>Graphen</a:t>
+            </a:r>
+            <a:endParaRPr lang="en-US" dirty="0"/>
+          </a:p>
+          <a:p>
+            <a:pPr lvl="1"/>
+            <a:r>
+              <a:rPr lang="en-US" dirty="0" err="1"/>
+              <a:t>Einlesen</a:t>
+            </a:r>
+            <a:r>
+              <a:rPr lang="en-US" dirty="0"/>
+              <a:t> von </a:t>
+            </a:r>
+            <a:r>
+              <a:rPr lang="en-US" dirty="0" err="1"/>
+              <a:t>Graphen</a:t>
+            </a:r>
+            <a:r>
+              <a:rPr lang="en-US" dirty="0"/>
+              <a:t> </a:t>
+            </a:r>
+            <a:r>
+              <a:rPr lang="en-US" dirty="0" err="1"/>
+              <a:t>bei</a:t>
+            </a:r>
+            <a:r>
+              <a:rPr lang="en-US" dirty="0"/>
+              <a:t> </a:t>
+            </a:r>
+            <a:r>
+              <a:rPr lang="en-US" dirty="0" err="1"/>
+              <a:t>Ansicht</a:t>
+            </a:r>
+            <a:r>
+              <a:rPr lang="en-US" dirty="0"/>
+              <a:t> </a:t>
+            </a:r>
+            <a:r>
+              <a:rPr lang="en-US" dirty="0" err="1"/>
+              <a:t>Wetterstation</a:t>
+            </a:r>
+            <a:r>
+              <a:rPr lang="en-US" dirty="0"/>
+              <a:t> </a:t>
+            </a:r>
+            <a:r>
+              <a:rPr lang="en-US" dirty="0" err="1"/>
+              <a:t>Graphen</a:t>
+            </a:r>
+            <a:endParaRPr lang="en-US" dirty="0"/>
+          </a:p>
+          <a:p>
+            <a:pPr marL="0" indent="0">
+              <a:buNone/>
+            </a:pPr>
+            <a:endParaRPr lang="en-US" dirty="0"/>
           </a:p>
         </p:txBody>
       </p:sp>
@@ -28499,653 +27814,6 @@
             <a:fld id="{0F00D740-55B1-4DC8-A3B5-4535950A93D0}" type="slidenum">
               <a:rPr lang="en-CH" smtClean="0"/>
               <a:t>31</a:t>
-            </a:fld>
-            <a:endParaRPr lang="en-CH"/>
-          </a:p>
-        </p:txBody>
-      </p:sp>
-      <p:grpSp>
-        <p:nvGrpSpPr>
-          <p:cNvPr id="5" name="Group 4">
-            <a:extLst>
-              <a:ext uri="{FF2B5EF4-FFF2-40B4-BE49-F238E27FC236}">
-                <a16:creationId xmlns:a16="http://schemas.microsoft.com/office/drawing/2014/main" id="{4EC58CAD-48B2-4835-9E3B-91425F5E9895}"/>
-              </a:ext>
-            </a:extLst>
-          </p:cNvPr>
-          <p:cNvGrpSpPr/>
-          <p:nvPr/>
-        </p:nvGrpSpPr>
-        <p:grpSpPr>
-          <a:xfrm>
-            <a:off x="8990330" y="5808980"/>
-            <a:ext cx="3774440" cy="764540"/>
-            <a:chOff x="8990330" y="5808980"/>
-            <a:chExt cx="3774440" cy="764540"/>
-          </a:xfrm>
-        </p:grpSpPr>
-        <p:pic>
-          <p:nvPicPr>
-            <p:cNvPr id="6" name="Picture 5">
-              <a:extLst>
-                <a:ext uri="{FF2B5EF4-FFF2-40B4-BE49-F238E27FC236}">
-                  <a16:creationId xmlns:a16="http://schemas.microsoft.com/office/drawing/2014/main" id="{022721ED-DE7C-4BE7-8FB8-448D5A1D2FA3}"/>
-                </a:ext>
-              </a:extLst>
-            </p:cNvPr>
-            <p:cNvPicPr>
-              <a:picLocks noChangeAspect="1"/>
-            </p:cNvPicPr>
-            <p:nvPr/>
-          </p:nvPicPr>
-          <p:blipFill>
-            <a:blip r:embed="rId3" cstate="print">
-              <a:extLst>
-                <a:ext uri="{28A0092B-C50C-407E-A947-70E740481C1C}">
-                  <a14:useLocalDpi xmlns:a14="http://schemas.microsoft.com/office/drawing/2010/main" val="0"/>
-                </a:ext>
-              </a:extLst>
-            </a:blip>
-            <a:srcRect/>
-            <a:stretch>
-              <a:fillRect/>
-            </a:stretch>
-          </p:blipFill>
-          <p:spPr bwMode="auto">
-            <a:xfrm>
-              <a:off x="8990330" y="5808980"/>
-              <a:ext cx="942340" cy="558800"/>
-            </a:xfrm>
-            <a:prstGeom prst="rect">
-              <a:avLst/>
-            </a:prstGeom>
-            <a:noFill/>
-            <a:ln>
-              <a:noFill/>
-            </a:ln>
-          </p:spPr>
-        </p:pic>
-        <p:sp>
-          <p:nvSpPr>
-            <p:cNvPr id="7" name="Text Box 11">
-              <a:extLst>
-                <a:ext uri="{FF2B5EF4-FFF2-40B4-BE49-F238E27FC236}">
-                  <a16:creationId xmlns:a16="http://schemas.microsoft.com/office/drawing/2014/main" id="{D3B6ED79-9CCE-4997-8EDA-DFDF7934B22B}"/>
-                </a:ext>
-              </a:extLst>
-            </p:cNvPr>
-            <p:cNvSpPr txBox="1"/>
-            <p:nvPr/>
-          </p:nvSpPr>
-          <p:spPr>
-            <a:xfrm>
-              <a:off x="9999980" y="5923280"/>
-              <a:ext cx="2764790" cy="650240"/>
-            </a:xfrm>
-            <a:prstGeom prst="rect">
-              <a:avLst/>
-            </a:prstGeom>
-            <a:noFill/>
-            <a:ln w="6350">
-              <a:noFill/>
-            </a:ln>
-          </p:spPr>
-          <p:txBody>
-            <a:bodyPr rot="0" spcFirstLastPara="0" vert="horz" wrap="square" lIns="91440" tIns="45720" rIns="91440" bIns="45720" numCol="1" spcCol="0" rtlCol="0" fromWordArt="0" anchor="t" anchorCtr="0" forceAA="0" compatLnSpc="1">
-              <a:prstTxWarp prst="textNoShape">
-                <a:avLst/>
-              </a:prstTxWarp>
-              <a:noAutofit/>
-            </a:bodyPr>
-            <a:lstStyle/>
-            <a:p>
-              <a:pPr>
-                <a:lnSpc>
-                  <a:spcPct val="115000"/>
-                </a:lnSpc>
-              </a:pPr>
-              <a:r>
-                <a:rPr lang="en-US" sz="900" b="1">
-                  <a:solidFill>
-                    <a:srgbClr val="44546A"/>
-                  </a:solidFill>
-                  <a:effectLst/>
-                  <a:latin typeface="Calibri" panose="020F0502020204030204" pitchFamily="34" charset="0"/>
-                  <a:ea typeface="Times New Roman" panose="02020603050405020304" pitchFamily="18" charset="0"/>
-                  <a:cs typeface="Times New Roman" panose="02020603050405020304" pitchFamily="18" charset="0"/>
-                </a:rPr>
-                <a:t>Fachhochschule Nordwestschweiz</a:t>
-              </a:r>
-              <a:endParaRPr lang="en-CH" sz="1400" b="1">
-                <a:solidFill>
-                  <a:srgbClr val="44546A"/>
-                </a:solidFill>
-                <a:effectLst/>
-                <a:latin typeface="Calibri" panose="020F0502020204030204" pitchFamily="34" charset="0"/>
-                <a:ea typeface="Times New Roman" panose="02020603050405020304" pitchFamily="18" charset="0"/>
-                <a:cs typeface="Times New Roman" panose="02020603050405020304" pitchFamily="18" charset="0"/>
-              </a:endParaRPr>
-            </a:p>
-            <a:p>
-              <a:pPr>
-                <a:lnSpc>
-                  <a:spcPct val="115000"/>
-                </a:lnSpc>
-              </a:pPr>
-              <a:r>
-                <a:rPr lang="en-US" sz="900" b="1">
-                  <a:solidFill>
-                    <a:srgbClr val="44546A"/>
-                  </a:solidFill>
-                  <a:effectLst/>
-                  <a:latin typeface="Calibri" panose="020F0502020204030204" pitchFamily="34" charset="0"/>
-                  <a:ea typeface="Times New Roman" panose="02020603050405020304" pitchFamily="18" charset="0"/>
-                  <a:cs typeface="Times New Roman" panose="02020603050405020304" pitchFamily="18" charset="0"/>
-                </a:rPr>
-                <a:t>Hochschule für Technik</a:t>
-              </a:r>
-              <a:endParaRPr lang="en-CH" sz="1400" b="1">
-                <a:solidFill>
-                  <a:srgbClr val="44546A"/>
-                </a:solidFill>
-                <a:effectLst/>
-                <a:latin typeface="Calibri" panose="020F0502020204030204" pitchFamily="34" charset="0"/>
-                <a:ea typeface="Times New Roman" panose="02020603050405020304" pitchFamily="18" charset="0"/>
-                <a:cs typeface="Times New Roman" panose="02020603050405020304" pitchFamily="18" charset="0"/>
-              </a:endParaRPr>
-            </a:p>
-          </p:txBody>
-        </p:sp>
-      </p:grpSp>
-      <p:sp>
-        <p:nvSpPr>
-          <p:cNvPr id="23" name="Content Placeholder 2">
-            <a:extLst>
-              <a:ext uri="{FF2B5EF4-FFF2-40B4-BE49-F238E27FC236}">
-                <a16:creationId xmlns:a16="http://schemas.microsoft.com/office/drawing/2014/main" id="{075865A9-A72A-4315-A8EE-F069188AD505}"/>
-              </a:ext>
-            </a:extLst>
-          </p:cNvPr>
-          <p:cNvSpPr>
-            <a:spLocks noGrp="1"/>
-          </p:cNvSpPr>
-          <p:nvPr>
-            <p:ph idx="1"/>
-          </p:nvPr>
-        </p:nvSpPr>
-        <p:spPr>
-          <a:xfrm>
-            <a:off x="838200" y="1825625"/>
-            <a:ext cx="10515600" cy="4351338"/>
-          </a:xfrm>
-        </p:spPr>
-        <p:txBody>
-          <a:bodyPr/>
-          <a:lstStyle/>
-          <a:p>
-            <a:r>
-              <a:rPr lang="en-US" dirty="0"/>
-              <a:t>/</a:t>
-            </a:r>
-          </a:p>
-          <a:p>
-            <a:pPr lvl="1"/>
-            <a:r>
-              <a:rPr lang="en-US" dirty="0"/>
-              <a:t>Redirect to /</a:t>
-            </a:r>
-            <a:r>
-              <a:rPr lang="en-US" dirty="0" err="1"/>
-              <a:t>wetterstation</a:t>
-            </a:r>
-            <a:r>
-              <a:rPr lang="en-US" dirty="0"/>
-              <a:t>/</a:t>
-            </a:r>
-            <a:r>
-              <a:rPr lang="en-US" dirty="0" err="1"/>
-              <a:t>tiefenbrunnen</a:t>
-            </a:r>
-            <a:endParaRPr lang="en-US" dirty="0"/>
-          </a:p>
-          <a:p>
-            <a:r>
-              <a:rPr lang="en-US" dirty="0"/>
-              <a:t>/</a:t>
-            </a:r>
-            <a:r>
-              <a:rPr lang="en-US" dirty="0" err="1"/>
-              <a:t>wetterstation</a:t>
-            </a:r>
-            <a:r>
-              <a:rPr lang="en-US" dirty="0"/>
-              <a:t>/&lt;station&gt;</a:t>
-            </a:r>
-          </a:p>
-          <a:p>
-            <a:pPr lvl="1"/>
-            <a:r>
-              <a:rPr lang="en-US" dirty="0" err="1"/>
-              <a:t>Übersichtsseite</a:t>
-            </a:r>
-            <a:r>
-              <a:rPr lang="en-US" dirty="0"/>
-              <a:t> </a:t>
-            </a:r>
-            <a:r>
-              <a:rPr lang="en-US" dirty="0" err="1"/>
-              <a:t>Messstation</a:t>
-            </a:r>
-            <a:endParaRPr lang="en-US" dirty="0"/>
-          </a:p>
-          <a:p>
-            <a:endParaRPr lang="en-US" dirty="0"/>
-          </a:p>
-          <a:p>
-            <a:r>
-              <a:rPr lang="en-US" dirty="0"/>
-              <a:t>/</a:t>
-            </a:r>
-            <a:r>
-              <a:rPr lang="en-US" dirty="0" err="1"/>
-              <a:t>wetterstation</a:t>
-            </a:r>
-            <a:r>
-              <a:rPr lang="en-US" dirty="0"/>
-              <a:t>/&lt;station&gt;/&lt;category&gt;</a:t>
-            </a:r>
-          </a:p>
-          <a:p>
-            <a:pPr lvl="1"/>
-            <a:r>
-              <a:rPr lang="en-US" dirty="0" err="1"/>
-              <a:t>Leitet</a:t>
-            </a:r>
-            <a:r>
-              <a:rPr lang="en-US" dirty="0"/>
-              <a:t> </a:t>
-            </a:r>
-            <a:r>
-              <a:rPr lang="en-US" dirty="0" err="1"/>
-              <a:t>weiter</a:t>
-            </a:r>
-            <a:r>
-              <a:rPr lang="en-US" dirty="0"/>
-              <a:t> auf /</a:t>
-            </a:r>
-            <a:r>
-              <a:rPr lang="en-US" dirty="0" err="1"/>
-              <a:t>wetterstation</a:t>
-            </a:r>
-            <a:r>
-              <a:rPr lang="en-US" dirty="0"/>
-              <a:t>/&lt;station&gt;/&lt;category&gt;/history</a:t>
-            </a:r>
-          </a:p>
-          <a:p>
-            <a:r>
-              <a:rPr lang="en-US" dirty="0"/>
-              <a:t>/</a:t>
-            </a:r>
-            <a:r>
-              <a:rPr lang="en-US" dirty="0" err="1"/>
-              <a:t>wetterstation</a:t>
-            </a:r>
-            <a:r>
-              <a:rPr lang="en-US" dirty="0"/>
-              <a:t>/&lt;station&gt;/&lt;category&gt;/&lt;type&gt;</a:t>
-            </a:r>
-          </a:p>
-          <a:p>
-            <a:pPr lvl="1"/>
-            <a:r>
-              <a:rPr lang="en-US" dirty="0" err="1"/>
-              <a:t>Grafik</a:t>
-            </a:r>
-            <a:endParaRPr lang="en-US" dirty="0"/>
-          </a:p>
-          <a:p>
-            <a:pPr lvl="1"/>
-            <a:endParaRPr lang="en-CH" dirty="0"/>
-          </a:p>
-        </p:txBody>
-      </p:sp>
-    </p:spTree>
-    <p:extLst>
-      <p:ext uri="{BB962C8B-B14F-4D97-AF65-F5344CB8AC3E}">
-        <p14:creationId xmlns:p14="http://schemas.microsoft.com/office/powerpoint/2010/main" val="2477391125"/>
-      </p:ext>
-    </p:extLst>
-  </p:cSld>
-  <p:clrMapOvr>
-    <a:masterClrMapping/>
-  </p:clrMapOvr>
-  <mc:AlternateContent xmlns:mc="http://schemas.openxmlformats.org/markup-compatibility/2006" xmlns:p14="http://schemas.microsoft.com/office/powerpoint/2010/main">
-    <mc:Choice Requires="p14">
-      <p:transition spd="med" p14:dur="700">
-        <p:fade/>
-      </p:transition>
-    </mc:Choice>
-    <mc:Fallback xmlns="">
-      <p:transition spd="med">
-        <p:fade/>
-      </p:transition>
-    </mc:Fallback>
-  </mc:AlternateContent>
-</p:sld>
-</file>
-
-<file path=ppt/slides/slide32.xml><?xml version="1.0" encoding="utf-8"?>
-<p:sld xmlns:a="http://schemas.openxmlformats.org/drawingml/2006/main" xmlns:r="http://schemas.openxmlformats.org/officeDocument/2006/relationships" xmlns:p="http://schemas.openxmlformats.org/presentationml/2006/main">
-  <p:cSld>
-    <p:spTree>
-      <p:nvGrpSpPr>
-        <p:cNvPr id="1" name=""/>
-        <p:cNvGrpSpPr/>
-        <p:nvPr/>
-      </p:nvGrpSpPr>
-      <p:grpSpPr>
-        <a:xfrm>
-          <a:off x="0" y="0"/>
-          <a:ext cx="0" cy="0"/>
-          <a:chOff x="0" y="0"/>
-          <a:chExt cx="0" cy="0"/>
-        </a:xfrm>
-      </p:grpSpPr>
-      <p:sp>
-        <p:nvSpPr>
-          <p:cNvPr id="2" name="Title 1">
-            <a:extLst>
-              <a:ext uri="{FF2B5EF4-FFF2-40B4-BE49-F238E27FC236}">
-                <a16:creationId xmlns:a16="http://schemas.microsoft.com/office/drawing/2014/main" id="{4808087A-40EC-41E6-A246-BC46343A4BFC}"/>
-              </a:ext>
-            </a:extLst>
-          </p:cNvPr>
-          <p:cNvSpPr>
-            <a:spLocks noGrp="1"/>
-          </p:cNvSpPr>
-          <p:nvPr>
-            <p:ph type="title"/>
-          </p:nvPr>
-        </p:nvSpPr>
-        <p:spPr/>
-        <p:txBody>
-          <a:bodyPr>
-            <a:normAutofit/>
-          </a:bodyPr>
-          <a:lstStyle/>
-          <a:p>
-            <a:r>
-              <a:rPr lang="en-US" b="1" dirty="0">
-                <a:latin typeface="Arial" panose="020B0604020202020204" pitchFamily="34" charset="0"/>
-                <a:cs typeface="Arial" panose="020B0604020202020204" pitchFamily="34" charset="0"/>
-              </a:rPr>
-              <a:t>Flask Webserver</a:t>
-            </a:r>
-            <a:br>
-              <a:rPr lang="en-US" b="1" dirty="0">
-                <a:latin typeface="Arial" panose="020B0604020202020204" pitchFamily="34" charset="0"/>
-                <a:cs typeface="Arial" panose="020B0604020202020204" pitchFamily="34" charset="0"/>
-              </a:rPr>
-            </a:br>
-            <a:r>
-              <a:rPr lang="en-US" sz="3600" i="1" dirty="0">
-                <a:latin typeface="Arial" panose="020B0604020202020204" pitchFamily="34" charset="0"/>
-                <a:cs typeface="Arial" panose="020B0604020202020204" pitchFamily="34" charset="0"/>
-              </a:rPr>
-              <a:t>html files</a:t>
-            </a:r>
-            <a:endParaRPr lang="en-CH" dirty="0"/>
-          </a:p>
-        </p:txBody>
-      </p:sp>
-      <p:sp>
-        <p:nvSpPr>
-          <p:cNvPr id="3" name="Content Placeholder 2">
-            <a:extLst>
-              <a:ext uri="{FF2B5EF4-FFF2-40B4-BE49-F238E27FC236}">
-                <a16:creationId xmlns:a16="http://schemas.microsoft.com/office/drawing/2014/main" id="{F99C80A8-FCE8-4022-B4EC-046CA3785167}"/>
-              </a:ext>
-            </a:extLst>
-          </p:cNvPr>
-          <p:cNvSpPr>
-            <a:spLocks noGrp="1"/>
-          </p:cNvSpPr>
-          <p:nvPr>
-            <p:ph idx="1"/>
-          </p:nvPr>
-        </p:nvSpPr>
-        <p:spPr/>
-        <p:txBody>
-          <a:bodyPr/>
-          <a:lstStyle/>
-          <a:p>
-            <a:r>
-              <a:rPr lang="en-US" dirty="0"/>
-              <a:t>Index.html</a:t>
-            </a:r>
-          </a:p>
-          <a:p>
-            <a:pPr lvl="1"/>
-            <a:r>
-              <a:rPr lang="en-US" dirty="0"/>
-              <a:t>Navigation </a:t>
-            </a:r>
-            <a:r>
-              <a:rPr lang="en-US" dirty="0" err="1"/>
-              <a:t>zwischen</a:t>
-            </a:r>
-            <a:r>
-              <a:rPr lang="en-US" dirty="0"/>
-              <a:t> </a:t>
-            </a:r>
-            <a:r>
-              <a:rPr lang="en-US" dirty="0" err="1"/>
-              <a:t>Wetterstationen</a:t>
-            </a:r>
-            <a:endParaRPr lang="en-US" dirty="0"/>
-          </a:p>
-          <a:p>
-            <a:r>
-              <a:rPr lang="en-US" dirty="0"/>
-              <a:t>Load_data.html</a:t>
-            </a:r>
-          </a:p>
-          <a:p>
-            <a:pPr lvl="1"/>
-            <a:r>
-              <a:rPr lang="en-US" dirty="0" err="1"/>
-              <a:t>Startansicht</a:t>
-            </a:r>
-            <a:r>
-              <a:rPr lang="en-US" dirty="0"/>
-              <a:t> Loading Data bis </a:t>
-            </a:r>
-            <a:r>
-              <a:rPr lang="en-US" dirty="0" err="1"/>
-              <a:t>Daten</a:t>
-            </a:r>
-            <a:r>
-              <a:rPr lang="en-US" dirty="0"/>
-              <a:t> </a:t>
-            </a:r>
-            <a:r>
-              <a:rPr lang="en-US" dirty="0" err="1"/>
-              <a:t>geladen</a:t>
-            </a:r>
-            <a:r>
-              <a:rPr lang="en-US" dirty="0"/>
-              <a:t> </a:t>
-            </a:r>
-            <a:r>
-              <a:rPr lang="en-US" dirty="0" err="1"/>
-              <a:t>sind</a:t>
-            </a:r>
-            <a:r>
-              <a:rPr lang="en-US" dirty="0"/>
-              <a:t> </a:t>
-            </a:r>
-          </a:p>
-          <a:p>
-            <a:r>
-              <a:rPr lang="en-US" dirty="0"/>
-              <a:t>Main.html</a:t>
-            </a:r>
-          </a:p>
-          <a:p>
-            <a:pPr lvl="1"/>
-            <a:r>
-              <a:rPr lang="en-US" dirty="0" err="1"/>
-              <a:t>Anischt</a:t>
-            </a:r>
-            <a:r>
-              <a:rPr lang="en-US" dirty="0"/>
-              <a:t> </a:t>
-            </a:r>
-            <a:r>
-              <a:rPr lang="en-US" dirty="0" err="1"/>
-              <a:t>Wetterstation</a:t>
-            </a:r>
-            <a:endParaRPr lang="en-US" dirty="0"/>
-          </a:p>
-          <a:p>
-            <a:r>
-              <a:rPr lang="en-US" dirty="0"/>
-              <a:t>Graph.html</a:t>
-            </a:r>
-          </a:p>
-          <a:p>
-            <a:pPr lvl="1"/>
-            <a:r>
-              <a:rPr lang="en-US" dirty="0"/>
-              <a:t>Navigation </a:t>
-            </a:r>
-            <a:r>
-              <a:rPr lang="en-US" dirty="0" err="1"/>
-              <a:t>zwischen</a:t>
-            </a:r>
-            <a:r>
-              <a:rPr lang="en-US" dirty="0"/>
-              <a:t> </a:t>
-            </a:r>
-            <a:r>
-              <a:rPr lang="en-US" dirty="0" err="1"/>
-              <a:t>Graphen</a:t>
-            </a:r>
-            <a:r>
-              <a:rPr lang="en-US" dirty="0"/>
-              <a:t> </a:t>
-            </a:r>
-            <a:r>
-              <a:rPr lang="en-US" dirty="0" err="1"/>
-              <a:t>bei</a:t>
-            </a:r>
-            <a:r>
-              <a:rPr lang="en-US" dirty="0"/>
-              <a:t> </a:t>
-            </a:r>
-            <a:r>
-              <a:rPr lang="en-US" dirty="0" err="1"/>
-              <a:t>Ansicht</a:t>
-            </a:r>
-            <a:r>
-              <a:rPr lang="en-US" dirty="0"/>
-              <a:t> </a:t>
-            </a:r>
-            <a:r>
-              <a:rPr lang="en-US" dirty="0" err="1"/>
-              <a:t>Wetterstation</a:t>
-            </a:r>
-            <a:r>
-              <a:rPr lang="en-US" dirty="0"/>
-              <a:t> </a:t>
-            </a:r>
-            <a:r>
-              <a:rPr lang="en-US" dirty="0" err="1"/>
-              <a:t>Graphen</a:t>
-            </a:r>
-            <a:endParaRPr lang="en-US" dirty="0"/>
-          </a:p>
-          <a:p>
-            <a:pPr lvl="1"/>
-            <a:r>
-              <a:rPr lang="en-US" dirty="0" err="1"/>
-              <a:t>Einlesen</a:t>
-            </a:r>
-            <a:r>
-              <a:rPr lang="en-US" dirty="0"/>
-              <a:t> von </a:t>
-            </a:r>
-            <a:r>
-              <a:rPr lang="en-US" dirty="0" err="1"/>
-              <a:t>Graphen</a:t>
-            </a:r>
-            <a:r>
-              <a:rPr lang="en-US" dirty="0"/>
-              <a:t> </a:t>
-            </a:r>
-            <a:r>
-              <a:rPr lang="en-US" dirty="0" err="1"/>
-              <a:t>bei</a:t>
-            </a:r>
-            <a:r>
-              <a:rPr lang="en-US" dirty="0"/>
-              <a:t> </a:t>
-            </a:r>
-            <a:r>
-              <a:rPr lang="en-US" dirty="0" err="1"/>
-              <a:t>Ansicht</a:t>
-            </a:r>
-            <a:r>
-              <a:rPr lang="en-US" dirty="0"/>
-              <a:t> </a:t>
-            </a:r>
-            <a:r>
-              <a:rPr lang="en-US" dirty="0" err="1"/>
-              <a:t>Wetterstation</a:t>
-            </a:r>
-            <a:r>
-              <a:rPr lang="en-US" dirty="0"/>
-              <a:t> </a:t>
-            </a:r>
-            <a:r>
-              <a:rPr lang="en-US" dirty="0" err="1"/>
-              <a:t>Graphen</a:t>
-            </a:r>
-            <a:endParaRPr lang="en-US" dirty="0"/>
-          </a:p>
-          <a:p>
-            <a:pPr marL="0" indent="0">
-              <a:buNone/>
-            </a:pPr>
-            <a:endParaRPr lang="en-US" dirty="0"/>
-          </a:p>
-        </p:txBody>
-      </p:sp>
-      <p:sp>
-        <p:nvSpPr>
-          <p:cNvPr id="4" name="Slide Number Placeholder 3">
-            <a:extLst>
-              <a:ext uri="{FF2B5EF4-FFF2-40B4-BE49-F238E27FC236}">
-                <a16:creationId xmlns:a16="http://schemas.microsoft.com/office/drawing/2014/main" id="{25E7D99B-055F-46C1-9ED3-2255A4486B53}"/>
-              </a:ext>
-            </a:extLst>
-          </p:cNvPr>
-          <p:cNvSpPr>
-            <a:spLocks noGrp="1"/>
-          </p:cNvSpPr>
-          <p:nvPr>
-            <p:ph type="sldNum" sz="quarter" idx="12"/>
-          </p:nvPr>
-        </p:nvSpPr>
-        <p:spPr/>
-        <p:txBody>
-          <a:bodyPr/>
-          <a:lstStyle/>
-          <a:p>
-            <a:fld id="{0F00D740-55B1-4DC8-A3B5-4535950A93D0}" type="slidenum">
-              <a:rPr lang="en-CH" smtClean="0"/>
-              <a:t>32</a:t>
             </a:fld>
             <a:endParaRPr lang="en-CH"/>
           </a:p>
@@ -29329,7 +27997,7 @@
 </p:sld>
 </file>
 
-<file path=ppt/slides/slide33.xml><?xml version="1.0" encoding="utf-8"?>
+<file path=ppt/slides/slide32.xml><?xml version="1.0" encoding="utf-8"?>
 <p:sld xmlns:a="http://schemas.openxmlformats.org/drawingml/2006/main" xmlns:r="http://schemas.openxmlformats.org/officeDocument/2006/relationships" xmlns:p="http://schemas.openxmlformats.org/presentationml/2006/main">
   <p:cSld>
     <p:spTree>
@@ -29520,7 +28188,7 @@
           <a:p>
             <a:fld id="{0F00D740-55B1-4DC8-A3B5-4535950A93D0}" type="slidenum">
               <a:rPr lang="en-CH" smtClean="0"/>
-              <a:t>33</a:t>
+              <a:t>32</a:t>
             </a:fld>
             <a:endParaRPr lang="en-CH"/>
           </a:p>
@@ -29551,7 +28219,7 @@
 </p:sld>
 </file>
 
-<file path=ppt/slides/slide34.xml><?xml version="1.0" encoding="utf-8"?>
+<file path=ppt/slides/slide33.xml><?xml version="1.0" encoding="utf-8"?>
 <p:sld xmlns:a="http://schemas.openxmlformats.org/drawingml/2006/main" xmlns:r="http://schemas.openxmlformats.org/officeDocument/2006/relationships" xmlns:p="http://schemas.openxmlformats.org/presentationml/2006/main">
   <p:cSld>
     <p:spTree>
@@ -29680,7 +28348,7 @@
           <a:p>
             <a:fld id="{0F00D740-55B1-4DC8-A3B5-4535950A93D0}" type="slidenum">
               <a:rPr lang="en-CH" smtClean="0"/>
-              <a:t>34</a:t>
+              <a:t>33</a:t>
             </a:fld>
             <a:endParaRPr lang="en-CH"/>
           </a:p>
@@ -29864,7 +28532,7 @@
 </p:sld>
 </file>
 
-<file path=ppt/slides/slide35.xml><?xml version="1.0" encoding="utf-8"?>
+<file path=ppt/slides/slide34.xml><?xml version="1.0" encoding="utf-8"?>
 <p:sld xmlns:a="http://schemas.openxmlformats.org/drawingml/2006/main" xmlns:r="http://schemas.openxmlformats.org/officeDocument/2006/relationships" xmlns:p="http://schemas.openxmlformats.org/presentationml/2006/main">
   <p:cSld>
     <p:spTree>
@@ -29993,7 +28661,7 @@
           <a:p>
             <a:fld id="{0F00D740-55B1-4DC8-A3B5-4535950A93D0}" type="slidenum">
               <a:rPr lang="en-CH" smtClean="0"/>
-              <a:t>35</a:t>
+              <a:t>34</a:t>
             </a:fld>
             <a:endParaRPr lang="en-CH"/>
           </a:p>
@@ -30177,7 +28845,7 @@
 </p:sld>
 </file>
 
-<file path=ppt/slides/slide36.xml><?xml version="1.0" encoding="utf-8"?>
+<file path=ppt/slides/slide35.xml><?xml version="1.0" encoding="utf-8"?>
 <p:sld xmlns:a="http://schemas.openxmlformats.org/drawingml/2006/main" xmlns:r="http://schemas.openxmlformats.org/officeDocument/2006/relationships" xmlns:p="http://schemas.openxmlformats.org/presentationml/2006/main">
   <p:cSld>
     <p:spTree>
@@ -30306,7 +28974,7 @@
           <a:p>
             <a:fld id="{0F00D740-55B1-4DC8-A3B5-4535950A93D0}" type="slidenum">
               <a:rPr lang="en-CH" smtClean="0"/>
-              <a:t>36</a:t>
+              <a:t>35</a:t>
             </a:fld>
             <a:endParaRPr lang="en-CH"/>
           </a:p>
@@ -30490,7 +29158,7 @@
 </p:sld>
 </file>
 
-<file path=ppt/slides/slide37.xml><?xml version="1.0" encoding="utf-8"?>
+<file path=ppt/slides/slide36.xml><?xml version="1.0" encoding="utf-8"?>
 <p:sld xmlns:a="http://schemas.openxmlformats.org/drawingml/2006/main" xmlns:r="http://schemas.openxmlformats.org/officeDocument/2006/relationships" xmlns:p="http://schemas.openxmlformats.org/presentationml/2006/main">
   <p:cSld>
     <p:spTree>
@@ -30681,7 +29349,7 @@
           <a:p>
             <a:fld id="{0F00D740-55B1-4DC8-A3B5-4535950A93D0}" type="slidenum">
               <a:rPr lang="en-CH" smtClean="0"/>
-              <a:t>37</a:t>
+              <a:t>36</a:t>
             </a:fld>
             <a:endParaRPr lang="en-CH"/>
           </a:p>
@@ -30712,7 +29380,7 @@
 </p:sld>
 </file>
 
-<file path=ppt/slides/slide38.xml><?xml version="1.0" encoding="utf-8"?>
+<file path=ppt/slides/slide37.xml><?xml version="1.0" encoding="utf-8"?>
 <p:sld xmlns:a="http://schemas.openxmlformats.org/drawingml/2006/main" xmlns:r="http://schemas.openxmlformats.org/officeDocument/2006/relationships" xmlns:p="http://schemas.openxmlformats.org/presentationml/2006/main">
   <p:cSld>
     <p:spTree>
@@ -30799,7 +29467,7 @@
           <a:p>
             <a:fld id="{0F00D740-55B1-4DC8-A3B5-4535950A93D0}" type="slidenum">
               <a:rPr lang="en-CH" smtClean="0"/>
-              <a:t>38</a:t>
+              <a:t>37</a:t>
             </a:fld>
             <a:endParaRPr lang="en-CH"/>
           </a:p>
@@ -31309,7 +29977,7 @@
 </p:sld>
 </file>
 
-<file path=ppt/slides/slide39.xml><?xml version="1.0" encoding="utf-8"?>
+<file path=ppt/slides/slide38.xml><?xml version="1.0" encoding="utf-8"?>
 <p:sld xmlns:a="http://schemas.openxmlformats.org/drawingml/2006/main" xmlns:r="http://schemas.openxmlformats.org/officeDocument/2006/relationships" xmlns:p="http://schemas.openxmlformats.org/presentationml/2006/main">
   <p:cSld>
     <p:spTree>
@@ -31503,7 +30171,7 @@
           <a:p>
             <a:fld id="{0F00D740-55B1-4DC8-A3B5-4535950A93D0}" type="slidenum">
               <a:rPr lang="en-CH" smtClean="0"/>
-              <a:t>39</a:t>
+              <a:t>38</a:t>
             </a:fld>
             <a:endParaRPr lang="en-CH"/>
           </a:p>
@@ -31513,6 +30181,343 @@
     <p:extLst>
       <p:ext uri="{BB962C8B-B14F-4D97-AF65-F5344CB8AC3E}">
         <p14:creationId xmlns:p14="http://schemas.microsoft.com/office/powerpoint/2010/main" val="1432282549"/>
+      </p:ext>
+    </p:extLst>
+  </p:cSld>
+  <p:clrMapOvr>
+    <a:masterClrMapping/>
+  </p:clrMapOvr>
+  <mc:AlternateContent xmlns:mc="http://schemas.openxmlformats.org/markup-compatibility/2006" xmlns:p14="http://schemas.microsoft.com/office/powerpoint/2010/main">
+    <mc:Choice Requires="p14">
+      <p:transition spd="med" p14:dur="700">
+        <p:fade/>
+      </p:transition>
+    </mc:Choice>
+    <mc:Fallback xmlns="">
+      <p:transition spd="med">
+        <p:fade/>
+      </p:transition>
+    </mc:Fallback>
+  </mc:AlternateContent>
+</p:sld>
+</file>
+
+<file path=ppt/slides/slide39.xml><?xml version="1.0" encoding="utf-8"?>
+<p:sld xmlns:a="http://schemas.openxmlformats.org/drawingml/2006/main" xmlns:r="http://schemas.openxmlformats.org/officeDocument/2006/relationships" xmlns:p="http://schemas.openxmlformats.org/presentationml/2006/main">
+  <p:cSld>
+    <p:spTree>
+      <p:nvGrpSpPr>
+        <p:cNvPr id="1" name=""/>
+        <p:cNvGrpSpPr/>
+        <p:nvPr/>
+      </p:nvGrpSpPr>
+      <p:grpSpPr>
+        <a:xfrm>
+          <a:off x="0" y="0"/>
+          <a:ext cx="0" cy="0"/>
+          <a:chOff x="0" y="0"/>
+          <a:chExt cx="0" cy="0"/>
+        </a:xfrm>
+      </p:grpSpPr>
+      <p:sp>
+        <p:nvSpPr>
+          <p:cNvPr id="2" name="Title 1">
+            <a:extLst>
+              <a:ext uri="{FF2B5EF4-FFF2-40B4-BE49-F238E27FC236}">
+                <a16:creationId xmlns:a16="http://schemas.microsoft.com/office/drawing/2014/main" id="{4808087A-40EC-41E6-A246-BC46343A4BFC}"/>
+              </a:ext>
+            </a:extLst>
+          </p:cNvPr>
+          <p:cNvSpPr>
+            <a:spLocks noGrp="1"/>
+          </p:cNvSpPr>
+          <p:nvPr>
+            <p:ph type="title"/>
+          </p:nvPr>
+        </p:nvSpPr>
+        <p:spPr/>
+        <p:txBody>
+          <a:bodyPr>
+            <a:normAutofit/>
+          </a:bodyPr>
+          <a:lstStyle/>
+          <a:p>
+            <a:r>
+              <a:rPr lang="en-US" b="1" dirty="0" err="1">
+                <a:latin typeface="Arial" panose="020B0604020202020204" pitchFamily="34" charset="0"/>
+                <a:cs typeface="Arial" panose="020B0604020202020204" pitchFamily="34" charset="0"/>
+              </a:rPr>
+              <a:t>Weiterentwicklung</a:t>
+            </a:r>
+            <a:br>
+              <a:rPr lang="en-US" b="1" dirty="0">
+                <a:latin typeface="Arial" panose="020B0604020202020204" pitchFamily="34" charset="0"/>
+                <a:cs typeface="Arial" panose="020B0604020202020204" pitchFamily="34" charset="0"/>
+              </a:rPr>
+            </a:br>
+            <a:r>
+              <a:rPr lang="en-US" sz="3600" i="1" dirty="0" err="1">
+                <a:latin typeface="Arial" panose="020B0604020202020204" pitchFamily="34" charset="0"/>
+                <a:cs typeface="Arial" panose="020B0604020202020204" pitchFamily="34" charset="0"/>
+              </a:rPr>
+              <a:t>Weiterentwicklungsmöglichkeiten</a:t>
+            </a:r>
+            <a:endParaRPr lang="en-CH" dirty="0"/>
+          </a:p>
+        </p:txBody>
+      </p:sp>
+      <p:sp>
+        <p:nvSpPr>
+          <p:cNvPr id="3" name="Content Placeholder 2">
+            <a:extLst>
+              <a:ext uri="{FF2B5EF4-FFF2-40B4-BE49-F238E27FC236}">
+                <a16:creationId xmlns:a16="http://schemas.microsoft.com/office/drawing/2014/main" id="{F99C80A8-FCE8-4022-B4EC-046CA3785167}"/>
+              </a:ext>
+            </a:extLst>
+          </p:cNvPr>
+          <p:cNvSpPr>
+            <a:spLocks noGrp="1"/>
+          </p:cNvSpPr>
+          <p:nvPr>
+            <p:ph idx="1"/>
+          </p:nvPr>
+        </p:nvSpPr>
+        <p:spPr/>
+        <p:txBody>
+          <a:bodyPr/>
+          <a:lstStyle/>
+          <a:p>
+            <a:r>
+              <a:rPr lang="de-CH" dirty="0"/>
+              <a:t>Zusätzliche Messungen für Mythenquai</a:t>
+            </a:r>
+          </a:p>
+          <a:p>
+            <a:r>
+              <a:rPr lang="de-CH" dirty="0" err="1"/>
+              <a:t>Meteomeldungen</a:t>
+            </a:r>
+            <a:endParaRPr lang="de-CH" dirty="0"/>
+          </a:p>
+          <a:p>
+            <a:r>
+              <a:rPr lang="de-CH" dirty="0" err="1"/>
+              <a:t>Sonnenauf</a:t>
+            </a:r>
+            <a:r>
+              <a:rPr lang="de-CH" dirty="0"/>
+              <a:t>/-untergang</a:t>
+            </a:r>
+          </a:p>
+          <a:p>
+            <a:r>
+              <a:rPr lang="de-CH" dirty="0"/>
+              <a:t>SMS/Email Benachrichtigungen für Segler</a:t>
+            </a:r>
+          </a:p>
+          <a:p>
+            <a:r>
+              <a:rPr lang="de-CH" dirty="0"/>
+              <a:t>Satellitenkarten</a:t>
+            </a:r>
+          </a:p>
+          <a:p>
+            <a:r>
+              <a:rPr lang="de-CH" dirty="0"/>
+              <a:t>Graphen vereinheitlichen vom Layout</a:t>
+            </a:r>
+          </a:p>
+          <a:p>
+            <a:endParaRPr lang="de-CH" dirty="0"/>
+          </a:p>
+        </p:txBody>
+      </p:sp>
+      <p:sp>
+        <p:nvSpPr>
+          <p:cNvPr id="4" name="Slide Number Placeholder 3">
+            <a:extLst>
+              <a:ext uri="{FF2B5EF4-FFF2-40B4-BE49-F238E27FC236}">
+                <a16:creationId xmlns:a16="http://schemas.microsoft.com/office/drawing/2014/main" id="{25E7D99B-055F-46C1-9ED3-2255A4486B53}"/>
+              </a:ext>
+            </a:extLst>
+          </p:cNvPr>
+          <p:cNvSpPr>
+            <a:spLocks noGrp="1"/>
+          </p:cNvSpPr>
+          <p:nvPr>
+            <p:ph type="sldNum" sz="quarter" idx="12"/>
+          </p:nvPr>
+        </p:nvSpPr>
+        <p:spPr/>
+        <p:txBody>
+          <a:bodyPr/>
+          <a:lstStyle/>
+          <a:p>
+            <a:fld id="{0F00D740-55B1-4DC8-A3B5-4535950A93D0}" type="slidenum">
+              <a:rPr lang="en-CH" smtClean="0"/>
+              <a:t>39</a:t>
+            </a:fld>
+            <a:endParaRPr lang="en-CH"/>
+          </a:p>
+        </p:txBody>
+      </p:sp>
+      <p:grpSp>
+        <p:nvGrpSpPr>
+          <p:cNvPr id="5" name="Group 4">
+            <a:extLst>
+              <a:ext uri="{FF2B5EF4-FFF2-40B4-BE49-F238E27FC236}">
+                <a16:creationId xmlns:a16="http://schemas.microsoft.com/office/drawing/2014/main" id="{4EC58CAD-48B2-4835-9E3B-91425F5E9895}"/>
+              </a:ext>
+            </a:extLst>
+          </p:cNvPr>
+          <p:cNvGrpSpPr/>
+          <p:nvPr/>
+        </p:nvGrpSpPr>
+        <p:grpSpPr>
+          <a:xfrm>
+            <a:off x="8990330" y="5808980"/>
+            <a:ext cx="3774440" cy="764540"/>
+            <a:chOff x="8990330" y="5808980"/>
+            <a:chExt cx="3774440" cy="764540"/>
+          </a:xfrm>
+        </p:grpSpPr>
+        <p:pic>
+          <p:nvPicPr>
+            <p:cNvPr id="6" name="Picture 5">
+              <a:extLst>
+                <a:ext uri="{FF2B5EF4-FFF2-40B4-BE49-F238E27FC236}">
+                  <a16:creationId xmlns:a16="http://schemas.microsoft.com/office/drawing/2014/main" id="{022721ED-DE7C-4BE7-8FB8-448D5A1D2FA3}"/>
+                </a:ext>
+              </a:extLst>
+            </p:cNvPr>
+            <p:cNvPicPr>
+              <a:picLocks noChangeAspect="1"/>
+            </p:cNvPicPr>
+            <p:nvPr/>
+          </p:nvPicPr>
+          <p:blipFill>
+            <a:blip r:embed="rId3" cstate="print">
+              <a:extLst>
+                <a:ext uri="{28A0092B-C50C-407E-A947-70E740481C1C}">
+                  <a14:useLocalDpi xmlns:a14="http://schemas.microsoft.com/office/drawing/2010/main" val="0"/>
+                </a:ext>
+              </a:extLst>
+            </a:blip>
+            <a:srcRect/>
+            <a:stretch>
+              <a:fillRect/>
+            </a:stretch>
+          </p:blipFill>
+          <p:spPr bwMode="auto">
+            <a:xfrm>
+              <a:off x="8990330" y="5808980"/>
+              <a:ext cx="942340" cy="558800"/>
+            </a:xfrm>
+            <a:prstGeom prst="rect">
+              <a:avLst/>
+            </a:prstGeom>
+            <a:noFill/>
+            <a:ln>
+              <a:noFill/>
+            </a:ln>
+          </p:spPr>
+        </p:pic>
+        <p:sp>
+          <p:nvSpPr>
+            <p:cNvPr id="7" name="Text Box 11">
+              <a:extLst>
+                <a:ext uri="{FF2B5EF4-FFF2-40B4-BE49-F238E27FC236}">
+                  <a16:creationId xmlns:a16="http://schemas.microsoft.com/office/drawing/2014/main" id="{D3B6ED79-9CCE-4997-8EDA-DFDF7934B22B}"/>
+                </a:ext>
+              </a:extLst>
+            </p:cNvPr>
+            <p:cNvSpPr txBox="1"/>
+            <p:nvPr/>
+          </p:nvSpPr>
+          <p:spPr>
+            <a:xfrm>
+              <a:off x="9999980" y="5923280"/>
+              <a:ext cx="2764790" cy="650240"/>
+            </a:xfrm>
+            <a:prstGeom prst="rect">
+              <a:avLst/>
+            </a:prstGeom>
+            <a:noFill/>
+            <a:ln w="6350">
+              <a:noFill/>
+            </a:ln>
+          </p:spPr>
+          <p:txBody>
+            <a:bodyPr rot="0" spcFirstLastPara="0" vert="horz" wrap="square" lIns="91440" tIns="45720" rIns="91440" bIns="45720" numCol="1" spcCol="0" rtlCol="0" fromWordArt="0" anchor="t" anchorCtr="0" forceAA="0" compatLnSpc="1">
+              <a:prstTxWarp prst="textNoShape">
+                <a:avLst/>
+              </a:prstTxWarp>
+              <a:noAutofit/>
+            </a:bodyPr>
+            <a:lstStyle/>
+            <a:p>
+              <a:pPr>
+                <a:lnSpc>
+                  <a:spcPct val="115000"/>
+                </a:lnSpc>
+              </a:pPr>
+              <a:r>
+                <a:rPr lang="en-US" sz="900" b="1">
+                  <a:solidFill>
+                    <a:srgbClr val="44546A"/>
+                  </a:solidFill>
+                  <a:effectLst/>
+                  <a:latin typeface="Calibri" panose="020F0502020204030204" pitchFamily="34" charset="0"/>
+                  <a:ea typeface="Times New Roman" panose="02020603050405020304" pitchFamily="18" charset="0"/>
+                  <a:cs typeface="Times New Roman" panose="02020603050405020304" pitchFamily="18" charset="0"/>
+                </a:rPr>
+                <a:t>Fachhochschule Nordwestschweiz</a:t>
+              </a:r>
+              <a:endParaRPr lang="en-CH" sz="1400" b="1">
+                <a:solidFill>
+                  <a:srgbClr val="44546A"/>
+                </a:solidFill>
+                <a:effectLst/>
+                <a:latin typeface="Calibri" panose="020F0502020204030204" pitchFamily="34" charset="0"/>
+                <a:ea typeface="Times New Roman" panose="02020603050405020304" pitchFamily="18" charset="0"/>
+                <a:cs typeface="Times New Roman" panose="02020603050405020304" pitchFamily="18" charset="0"/>
+              </a:endParaRPr>
+            </a:p>
+            <a:p>
+              <a:pPr>
+                <a:lnSpc>
+                  <a:spcPct val="115000"/>
+                </a:lnSpc>
+              </a:pPr>
+              <a:r>
+                <a:rPr lang="en-US" sz="900" b="1">
+                  <a:solidFill>
+                    <a:srgbClr val="44546A"/>
+                  </a:solidFill>
+                  <a:effectLst/>
+                  <a:latin typeface="Calibri" panose="020F0502020204030204" pitchFamily="34" charset="0"/>
+                  <a:ea typeface="Times New Roman" panose="02020603050405020304" pitchFamily="18" charset="0"/>
+                  <a:cs typeface="Times New Roman" panose="02020603050405020304" pitchFamily="18" charset="0"/>
+                </a:rPr>
+                <a:t>Hochschule für Technik</a:t>
+              </a:r>
+              <a:endParaRPr lang="en-CH" sz="1400" b="1">
+                <a:solidFill>
+                  <a:srgbClr val="44546A"/>
+                </a:solidFill>
+                <a:effectLst/>
+                <a:latin typeface="Calibri" panose="020F0502020204030204" pitchFamily="34" charset="0"/>
+                <a:ea typeface="Times New Roman" panose="02020603050405020304" pitchFamily="18" charset="0"/>
+                <a:cs typeface="Times New Roman" panose="02020603050405020304" pitchFamily="18" charset="0"/>
+              </a:endParaRPr>
+            </a:p>
+          </p:txBody>
+        </p:sp>
+      </p:grpSp>
+    </p:spTree>
+    <p:extLst>
+      <p:ext uri="{BB962C8B-B14F-4D97-AF65-F5344CB8AC3E}">
+        <p14:creationId xmlns:p14="http://schemas.microsoft.com/office/powerpoint/2010/main" val="2059050790"/>
       </p:ext>
     </p:extLst>
   </p:cSld>
@@ -31946,343 +30951,6 @@
 </file>
 
 <file path=ppt/slides/slide40.xml><?xml version="1.0" encoding="utf-8"?>
-<p:sld xmlns:a="http://schemas.openxmlformats.org/drawingml/2006/main" xmlns:r="http://schemas.openxmlformats.org/officeDocument/2006/relationships" xmlns:p="http://schemas.openxmlformats.org/presentationml/2006/main">
-  <p:cSld>
-    <p:spTree>
-      <p:nvGrpSpPr>
-        <p:cNvPr id="1" name=""/>
-        <p:cNvGrpSpPr/>
-        <p:nvPr/>
-      </p:nvGrpSpPr>
-      <p:grpSpPr>
-        <a:xfrm>
-          <a:off x="0" y="0"/>
-          <a:ext cx="0" cy="0"/>
-          <a:chOff x="0" y="0"/>
-          <a:chExt cx="0" cy="0"/>
-        </a:xfrm>
-      </p:grpSpPr>
-      <p:sp>
-        <p:nvSpPr>
-          <p:cNvPr id="2" name="Title 1">
-            <a:extLst>
-              <a:ext uri="{FF2B5EF4-FFF2-40B4-BE49-F238E27FC236}">
-                <a16:creationId xmlns:a16="http://schemas.microsoft.com/office/drawing/2014/main" id="{4808087A-40EC-41E6-A246-BC46343A4BFC}"/>
-              </a:ext>
-            </a:extLst>
-          </p:cNvPr>
-          <p:cNvSpPr>
-            <a:spLocks noGrp="1"/>
-          </p:cNvSpPr>
-          <p:nvPr>
-            <p:ph type="title"/>
-          </p:nvPr>
-        </p:nvSpPr>
-        <p:spPr/>
-        <p:txBody>
-          <a:bodyPr>
-            <a:normAutofit/>
-          </a:bodyPr>
-          <a:lstStyle/>
-          <a:p>
-            <a:r>
-              <a:rPr lang="en-US" b="1" dirty="0" err="1">
-                <a:latin typeface="Arial" panose="020B0604020202020204" pitchFamily="34" charset="0"/>
-                <a:cs typeface="Arial" panose="020B0604020202020204" pitchFamily="34" charset="0"/>
-              </a:rPr>
-              <a:t>Weiterentwicklung</a:t>
-            </a:r>
-            <a:br>
-              <a:rPr lang="en-US" b="1" dirty="0">
-                <a:latin typeface="Arial" panose="020B0604020202020204" pitchFamily="34" charset="0"/>
-                <a:cs typeface="Arial" panose="020B0604020202020204" pitchFamily="34" charset="0"/>
-              </a:rPr>
-            </a:br>
-            <a:r>
-              <a:rPr lang="en-US" sz="3600" i="1" dirty="0" err="1">
-                <a:latin typeface="Arial" panose="020B0604020202020204" pitchFamily="34" charset="0"/>
-                <a:cs typeface="Arial" panose="020B0604020202020204" pitchFamily="34" charset="0"/>
-              </a:rPr>
-              <a:t>Weiterentwicklungsmöglichkeiten</a:t>
-            </a:r>
-            <a:endParaRPr lang="en-CH" dirty="0"/>
-          </a:p>
-        </p:txBody>
-      </p:sp>
-      <p:sp>
-        <p:nvSpPr>
-          <p:cNvPr id="3" name="Content Placeholder 2">
-            <a:extLst>
-              <a:ext uri="{FF2B5EF4-FFF2-40B4-BE49-F238E27FC236}">
-                <a16:creationId xmlns:a16="http://schemas.microsoft.com/office/drawing/2014/main" id="{F99C80A8-FCE8-4022-B4EC-046CA3785167}"/>
-              </a:ext>
-            </a:extLst>
-          </p:cNvPr>
-          <p:cNvSpPr>
-            <a:spLocks noGrp="1"/>
-          </p:cNvSpPr>
-          <p:nvPr>
-            <p:ph idx="1"/>
-          </p:nvPr>
-        </p:nvSpPr>
-        <p:spPr/>
-        <p:txBody>
-          <a:bodyPr/>
-          <a:lstStyle/>
-          <a:p>
-            <a:r>
-              <a:rPr lang="de-CH" dirty="0"/>
-              <a:t>Zusätzliche Messungen für Mythenquai</a:t>
-            </a:r>
-          </a:p>
-          <a:p>
-            <a:r>
-              <a:rPr lang="de-CH" dirty="0" err="1"/>
-              <a:t>Meteomeldungen</a:t>
-            </a:r>
-            <a:endParaRPr lang="de-CH" dirty="0"/>
-          </a:p>
-          <a:p>
-            <a:r>
-              <a:rPr lang="de-CH" dirty="0" err="1"/>
-              <a:t>Sonnenauf</a:t>
-            </a:r>
-            <a:r>
-              <a:rPr lang="de-CH" dirty="0"/>
-              <a:t>/-untergang</a:t>
-            </a:r>
-          </a:p>
-          <a:p>
-            <a:r>
-              <a:rPr lang="de-CH" dirty="0"/>
-              <a:t>SMS/Email Benachrichtigungen für Segler</a:t>
-            </a:r>
-          </a:p>
-          <a:p>
-            <a:r>
-              <a:rPr lang="de-CH" dirty="0"/>
-              <a:t>Satellitenkarten</a:t>
-            </a:r>
-          </a:p>
-          <a:p>
-            <a:r>
-              <a:rPr lang="de-CH" dirty="0"/>
-              <a:t>Graphen vereinheitlichen vom Layout</a:t>
-            </a:r>
-          </a:p>
-          <a:p>
-            <a:endParaRPr lang="de-CH" dirty="0"/>
-          </a:p>
-        </p:txBody>
-      </p:sp>
-      <p:sp>
-        <p:nvSpPr>
-          <p:cNvPr id="4" name="Slide Number Placeholder 3">
-            <a:extLst>
-              <a:ext uri="{FF2B5EF4-FFF2-40B4-BE49-F238E27FC236}">
-                <a16:creationId xmlns:a16="http://schemas.microsoft.com/office/drawing/2014/main" id="{25E7D99B-055F-46C1-9ED3-2255A4486B53}"/>
-              </a:ext>
-            </a:extLst>
-          </p:cNvPr>
-          <p:cNvSpPr>
-            <a:spLocks noGrp="1"/>
-          </p:cNvSpPr>
-          <p:nvPr>
-            <p:ph type="sldNum" sz="quarter" idx="12"/>
-          </p:nvPr>
-        </p:nvSpPr>
-        <p:spPr/>
-        <p:txBody>
-          <a:bodyPr/>
-          <a:lstStyle/>
-          <a:p>
-            <a:fld id="{0F00D740-55B1-4DC8-A3B5-4535950A93D0}" type="slidenum">
-              <a:rPr lang="en-CH" smtClean="0"/>
-              <a:t>40</a:t>
-            </a:fld>
-            <a:endParaRPr lang="en-CH"/>
-          </a:p>
-        </p:txBody>
-      </p:sp>
-      <p:grpSp>
-        <p:nvGrpSpPr>
-          <p:cNvPr id="5" name="Group 4">
-            <a:extLst>
-              <a:ext uri="{FF2B5EF4-FFF2-40B4-BE49-F238E27FC236}">
-                <a16:creationId xmlns:a16="http://schemas.microsoft.com/office/drawing/2014/main" id="{4EC58CAD-48B2-4835-9E3B-91425F5E9895}"/>
-              </a:ext>
-            </a:extLst>
-          </p:cNvPr>
-          <p:cNvGrpSpPr/>
-          <p:nvPr/>
-        </p:nvGrpSpPr>
-        <p:grpSpPr>
-          <a:xfrm>
-            <a:off x="8990330" y="5808980"/>
-            <a:ext cx="3774440" cy="764540"/>
-            <a:chOff x="8990330" y="5808980"/>
-            <a:chExt cx="3774440" cy="764540"/>
-          </a:xfrm>
-        </p:grpSpPr>
-        <p:pic>
-          <p:nvPicPr>
-            <p:cNvPr id="6" name="Picture 5">
-              <a:extLst>
-                <a:ext uri="{FF2B5EF4-FFF2-40B4-BE49-F238E27FC236}">
-                  <a16:creationId xmlns:a16="http://schemas.microsoft.com/office/drawing/2014/main" id="{022721ED-DE7C-4BE7-8FB8-448D5A1D2FA3}"/>
-                </a:ext>
-              </a:extLst>
-            </p:cNvPr>
-            <p:cNvPicPr>
-              <a:picLocks noChangeAspect="1"/>
-            </p:cNvPicPr>
-            <p:nvPr/>
-          </p:nvPicPr>
-          <p:blipFill>
-            <a:blip r:embed="rId3" cstate="print">
-              <a:extLst>
-                <a:ext uri="{28A0092B-C50C-407E-A947-70E740481C1C}">
-                  <a14:useLocalDpi xmlns:a14="http://schemas.microsoft.com/office/drawing/2010/main" val="0"/>
-                </a:ext>
-              </a:extLst>
-            </a:blip>
-            <a:srcRect/>
-            <a:stretch>
-              <a:fillRect/>
-            </a:stretch>
-          </p:blipFill>
-          <p:spPr bwMode="auto">
-            <a:xfrm>
-              <a:off x="8990330" y="5808980"/>
-              <a:ext cx="942340" cy="558800"/>
-            </a:xfrm>
-            <a:prstGeom prst="rect">
-              <a:avLst/>
-            </a:prstGeom>
-            <a:noFill/>
-            <a:ln>
-              <a:noFill/>
-            </a:ln>
-          </p:spPr>
-        </p:pic>
-        <p:sp>
-          <p:nvSpPr>
-            <p:cNvPr id="7" name="Text Box 11">
-              <a:extLst>
-                <a:ext uri="{FF2B5EF4-FFF2-40B4-BE49-F238E27FC236}">
-                  <a16:creationId xmlns:a16="http://schemas.microsoft.com/office/drawing/2014/main" id="{D3B6ED79-9CCE-4997-8EDA-DFDF7934B22B}"/>
-                </a:ext>
-              </a:extLst>
-            </p:cNvPr>
-            <p:cNvSpPr txBox="1"/>
-            <p:nvPr/>
-          </p:nvSpPr>
-          <p:spPr>
-            <a:xfrm>
-              <a:off x="9999980" y="5923280"/>
-              <a:ext cx="2764790" cy="650240"/>
-            </a:xfrm>
-            <a:prstGeom prst="rect">
-              <a:avLst/>
-            </a:prstGeom>
-            <a:noFill/>
-            <a:ln w="6350">
-              <a:noFill/>
-            </a:ln>
-          </p:spPr>
-          <p:txBody>
-            <a:bodyPr rot="0" spcFirstLastPara="0" vert="horz" wrap="square" lIns="91440" tIns="45720" rIns="91440" bIns="45720" numCol="1" spcCol="0" rtlCol="0" fromWordArt="0" anchor="t" anchorCtr="0" forceAA="0" compatLnSpc="1">
-              <a:prstTxWarp prst="textNoShape">
-                <a:avLst/>
-              </a:prstTxWarp>
-              <a:noAutofit/>
-            </a:bodyPr>
-            <a:lstStyle/>
-            <a:p>
-              <a:pPr>
-                <a:lnSpc>
-                  <a:spcPct val="115000"/>
-                </a:lnSpc>
-              </a:pPr>
-              <a:r>
-                <a:rPr lang="en-US" sz="900" b="1">
-                  <a:solidFill>
-                    <a:srgbClr val="44546A"/>
-                  </a:solidFill>
-                  <a:effectLst/>
-                  <a:latin typeface="Calibri" panose="020F0502020204030204" pitchFamily="34" charset="0"/>
-                  <a:ea typeface="Times New Roman" panose="02020603050405020304" pitchFamily="18" charset="0"/>
-                  <a:cs typeface="Times New Roman" panose="02020603050405020304" pitchFamily="18" charset="0"/>
-                </a:rPr>
-                <a:t>Fachhochschule Nordwestschweiz</a:t>
-              </a:r>
-              <a:endParaRPr lang="en-CH" sz="1400" b="1">
-                <a:solidFill>
-                  <a:srgbClr val="44546A"/>
-                </a:solidFill>
-                <a:effectLst/>
-                <a:latin typeface="Calibri" panose="020F0502020204030204" pitchFamily="34" charset="0"/>
-                <a:ea typeface="Times New Roman" panose="02020603050405020304" pitchFamily="18" charset="0"/>
-                <a:cs typeface="Times New Roman" panose="02020603050405020304" pitchFamily="18" charset="0"/>
-              </a:endParaRPr>
-            </a:p>
-            <a:p>
-              <a:pPr>
-                <a:lnSpc>
-                  <a:spcPct val="115000"/>
-                </a:lnSpc>
-              </a:pPr>
-              <a:r>
-                <a:rPr lang="en-US" sz="900" b="1">
-                  <a:solidFill>
-                    <a:srgbClr val="44546A"/>
-                  </a:solidFill>
-                  <a:effectLst/>
-                  <a:latin typeface="Calibri" panose="020F0502020204030204" pitchFamily="34" charset="0"/>
-                  <a:ea typeface="Times New Roman" panose="02020603050405020304" pitchFamily="18" charset="0"/>
-                  <a:cs typeface="Times New Roman" panose="02020603050405020304" pitchFamily="18" charset="0"/>
-                </a:rPr>
-                <a:t>Hochschule für Technik</a:t>
-              </a:r>
-              <a:endParaRPr lang="en-CH" sz="1400" b="1">
-                <a:solidFill>
-                  <a:srgbClr val="44546A"/>
-                </a:solidFill>
-                <a:effectLst/>
-                <a:latin typeface="Calibri" panose="020F0502020204030204" pitchFamily="34" charset="0"/>
-                <a:ea typeface="Times New Roman" panose="02020603050405020304" pitchFamily="18" charset="0"/>
-                <a:cs typeface="Times New Roman" panose="02020603050405020304" pitchFamily="18" charset="0"/>
-              </a:endParaRPr>
-            </a:p>
-          </p:txBody>
-        </p:sp>
-      </p:grpSp>
-    </p:spTree>
-    <p:extLst>
-      <p:ext uri="{BB962C8B-B14F-4D97-AF65-F5344CB8AC3E}">
-        <p14:creationId xmlns:p14="http://schemas.microsoft.com/office/powerpoint/2010/main" val="2059050790"/>
-      </p:ext>
-    </p:extLst>
-  </p:cSld>
-  <p:clrMapOvr>
-    <a:masterClrMapping/>
-  </p:clrMapOvr>
-  <mc:AlternateContent xmlns:mc="http://schemas.openxmlformats.org/markup-compatibility/2006" xmlns:p14="http://schemas.microsoft.com/office/powerpoint/2010/main">
-    <mc:Choice Requires="p14">
-      <p:transition spd="med" p14:dur="700">
-        <p:fade/>
-      </p:transition>
-    </mc:Choice>
-    <mc:Fallback xmlns="">
-      <p:transition spd="med">
-        <p:fade/>
-      </p:transition>
-    </mc:Fallback>
-  </mc:AlternateContent>
-</p:sld>
-</file>
-
-<file path=ppt/slides/slide41.xml><?xml version="1.0" encoding="utf-8"?>
 <p:sld xmlns:a="http://schemas.openxmlformats.org/drawingml/2006/main" xmlns:r="http://schemas.openxmlformats.org/officeDocument/2006/relationships" xmlns:p="http://schemas.openxmlformats.org/presentationml/2006/main">
   <p:cSld>
     <p:spTree>
@@ -34120,18 +32788,14 @@
           <a:p>
             <a:r>
               <a:rPr lang="en-US" dirty="0" err="1"/>
-              <a:t>FluxQL</a:t>
+              <a:t>InfluxQL</a:t>
             </a:r>
             <a:endParaRPr lang="en-US" dirty="0"/>
           </a:p>
           <a:p>
             <a:r>
-              <a:rPr lang="en-US" dirty="0" err="1"/>
-              <a:t>Telegraf</a:t>
-            </a:r>
-            <a:r>
-              <a:rPr lang="en-US" dirty="0"/>
-              <a:t> / Grafana</a:t>
+              <a:rPr lang="en-US" dirty="0"/>
+              <a:t>Grafana</a:t>
             </a:r>
           </a:p>
           <a:p>

--- a/Powerpoint v3.pptx
+++ b/Powerpoint v3.pptx
@@ -11338,7 +11338,7 @@
           <a:p>
             <a:fld id="{D71E13D6-B070-45C8-AC42-90F25AD4976F}" type="datetime8">
               <a:rPr lang="en-CH" smtClean="0"/>
-              <a:t>27/01/2022 15:51</a:t>
+              <a:t>27/01/2022 17:49</a:t>
             </a:fld>
             <a:endParaRPr lang="en-CH"/>
           </a:p>
@@ -11538,7 +11538,7 @@
           <a:p>
             <a:fld id="{34C1AEE4-2DCF-4A66-9927-6F783BB52BE0}" type="datetime8">
               <a:rPr lang="en-CH" smtClean="0"/>
-              <a:t>27/01/2022 15:51</a:t>
+              <a:t>27/01/2022 17:49</a:t>
             </a:fld>
             <a:endParaRPr lang="en-CH"/>
           </a:p>
@@ -11748,7 +11748,7 @@
           <a:p>
             <a:fld id="{C4C13A0D-7035-4256-BB1C-652F6CDC1D82}" type="datetime8">
               <a:rPr lang="en-CH" smtClean="0"/>
-              <a:t>27/01/2022 15:51</a:t>
+              <a:t>27/01/2022 17:49</a:t>
             </a:fld>
             <a:endParaRPr lang="en-CH"/>
           </a:p>
@@ -11948,7 +11948,7 @@
           <a:p>
             <a:fld id="{A720F8AA-53F4-4181-BD2C-7354613DB587}" type="datetime8">
               <a:rPr lang="en-CH" smtClean="0"/>
-              <a:t>27/01/2022 15:51</a:t>
+              <a:t>27/01/2022 17:49</a:t>
             </a:fld>
             <a:endParaRPr lang="en-CH"/>
           </a:p>
@@ -12224,7 +12224,7 @@
           <a:p>
             <a:fld id="{18ED5C57-181E-4E8A-8032-E5587C441532}" type="datetime8">
               <a:rPr lang="en-CH" smtClean="0"/>
-              <a:t>27/01/2022 15:51</a:t>
+              <a:t>27/01/2022 17:49</a:t>
             </a:fld>
             <a:endParaRPr lang="en-CH"/>
           </a:p>
@@ -12492,7 +12492,7 @@
           <a:p>
             <a:fld id="{2711B6E1-EBCF-4960-9E94-A2CE4CEDA9CF}" type="datetime8">
               <a:rPr lang="en-CH" smtClean="0"/>
-              <a:t>27/01/2022 15:51</a:t>
+              <a:t>27/01/2022 17:49</a:t>
             </a:fld>
             <a:endParaRPr lang="en-CH"/>
           </a:p>
@@ -12907,7 +12907,7 @@
           <a:p>
             <a:fld id="{60888D22-8975-4143-BBCD-F78A0E3504A0}" type="datetime8">
               <a:rPr lang="en-CH" smtClean="0"/>
-              <a:t>27/01/2022 15:51</a:t>
+              <a:t>27/01/2022 17:49</a:t>
             </a:fld>
             <a:endParaRPr lang="en-CH"/>
           </a:p>
@@ -13049,7 +13049,7 @@
           <a:p>
             <a:fld id="{CB62F5ED-9834-4FF8-A8E6-FE85BE4A88B6}" type="datetime8">
               <a:rPr lang="en-CH" smtClean="0"/>
-              <a:t>27/01/2022 15:51</a:t>
+              <a:t>27/01/2022 17:49</a:t>
             </a:fld>
             <a:endParaRPr lang="en-CH"/>
           </a:p>
@@ -13162,7 +13162,7 @@
           <a:p>
             <a:fld id="{91C4E595-669A-4DA7-8755-75BCB1DD65E9}" type="datetime8">
               <a:rPr lang="en-CH" smtClean="0"/>
-              <a:t>27/01/2022 15:51</a:t>
+              <a:t>27/01/2022 17:49</a:t>
             </a:fld>
             <a:endParaRPr lang="en-CH"/>
           </a:p>
@@ -13475,7 +13475,7 @@
           <a:p>
             <a:fld id="{1D3E9293-092D-4F3B-852B-B7B73C73F1F9}" type="datetime8">
               <a:rPr lang="en-CH" smtClean="0"/>
-              <a:t>27/01/2022 15:51</a:t>
+              <a:t>27/01/2022 17:49</a:t>
             </a:fld>
             <a:endParaRPr lang="en-CH"/>
           </a:p>
@@ -13764,7 +13764,7 @@
           <a:p>
             <a:fld id="{72DA9548-12AA-4712-AB6D-8087536C3BD4}" type="datetime8">
               <a:rPr lang="en-CH" smtClean="0"/>
-              <a:t>27/01/2022 15:51</a:t>
+              <a:t>27/01/2022 17:49</a:t>
             </a:fld>
             <a:endParaRPr lang="en-CH"/>
           </a:p>
@@ -14007,7 +14007,7 @@
           <a:p>
             <a:fld id="{361E5043-500B-4A06-A6BE-2D713F12E4A2}" type="datetime8">
               <a:rPr lang="en-CH" smtClean="0"/>
-              <a:t>27/01/2022 15:51</a:t>
+              <a:t>27/01/2022 17:49</a:t>
             </a:fld>
             <a:endParaRPr lang="en-CH"/>
           </a:p>
@@ -26301,41 +26301,6 @@
           </p:txBody>
         </p:sp>
       </p:grpSp>
-      <p:pic>
-        <p:nvPicPr>
-          <p:cNvPr id="11" name="Picture 10">
-            <a:extLst>
-              <a:ext uri="{FF2B5EF4-FFF2-40B4-BE49-F238E27FC236}">
-                <a16:creationId xmlns:a16="http://schemas.microsoft.com/office/drawing/2014/main" id="{DF4C3850-6F29-45D9-9745-0B296A1DA299}"/>
-              </a:ext>
-            </a:extLst>
-          </p:cNvPr>
-          <p:cNvPicPr>
-            <a:picLocks noChangeAspect="1"/>
-          </p:cNvPicPr>
-          <p:nvPr/>
-        </p:nvPicPr>
-        <p:blipFill rotWithShape="1">
-          <a:blip r:embed="rId5">
-            <a:extLst>
-              <a:ext uri="{28A0092B-C50C-407E-A947-70E740481C1C}">
-                <a14:useLocalDpi xmlns:a14="http://schemas.microsoft.com/office/drawing/2010/main" val="0"/>
-              </a:ext>
-            </a:extLst>
-          </a:blip>
-          <a:srcRect l="1710" t="19648" r="1993"/>
-          <a:stretch/>
-        </p:blipFill>
-        <p:spPr>
-          <a:xfrm>
-            <a:off x="7000875" y="3098375"/>
-            <a:ext cx="4536281" cy="2492401"/>
-          </a:xfrm>
-          <a:prstGeom prst="rect">
-            <a:avLst/>
-          </a:prstGeom>
-        </p:spPr>
-      </p:pic>
       <p:sp>
         <p:nvSpPr>
           <p:cNvPr id="12" name="Content Placeholder 2">
@@ -26699,6 +26664,42 @@
           </a:p>
         </p:txBody>
       </p:sp>
+      <p:pic>
+        <p:nvPicPr>
+          <p:cNvPr id="8" name="Picture 7">
+            <a:extLst>
+              <a:ext uri="{FF2B5EF4-FFF2-40B4-BE49-F238E27FC236}">
+                <a16:creationId xmlns:a16="http://schemas.microsoft.com/office/drawing/2014/main" id="{BCD7AE7F-F76F-4771-8C7F-3F083BF0CEEF}"/>
+              </a:ext>
+            </a:extLst>
+          </p:cNvPr>
+          <p:cNvPicPr>
+            <a:picLocks noChangeAspect="1"/>
+          </p:cNvPicPr>
+          <p:nvPr/>
+        </p:nvPicPr>
+        <p:blipFill>
+          <a:blip r:embed="rId5">
+            <a:extLst>
+              <a:ext uri="{28A0092B-C50C-407E-A947-70E740481C1C}">
+                <a14:useLocalDpi xmlns:a14="http://schemas.microsoft.com/office/drawing/2010/main" val="0"/>
+              </a:ext>
+            </a:extLst>
+          </a:blip>
+          <a:stretch>
+            <a:fillRect/>
+          </a:stretch>
+        </p:blipFill>
+        <p:spPr>
+          <a:xfrm>
+            <a:off x="6861907" y="3076609"/>
+            <a:ext cx="4939323" cy="2184801"/>
+          </a:xfrm>
+          <a:prstGeom prst="rect">
+            <a:avLst/>
+          </a:prstGeom>
+        </p:spPr>
+      </p:pic>
     </p:spTree>
     <p:extLst>
       <p:ext uri="{BB962C8B-B14F-4D97-AF65-F5344CB8AC3E}">
@@ -28285,13 +28286,13 @@
   <p:clrMapOvr>
     <a:masterClrMapping/>
   </p:clrMapOvr>
-  <mc:AlternateContent xmlns:mc="http://schemas.openxmlformats.org/markup-compatibility/2006">
-    <mc:Choice xmlns:p14="http://schemas.microsoft.com/office/powerpoint/2010/main" Requires="p14">
+  <mc:AlternateContent xmlns:mc="http://schemas.openxmlformats.org/markup-compatibility/2006" xmlns:p14="http://schemas.microsoft.com/office/powerpoint/2010/main">
+    <mc:Choice Requires="p14">
       <p:transition spd="med" p14:dur="700">
         <p:fade/>
       </p:transition>
     </mc:Choice>
-    <mc:Fallback>
+    <mc:Fallback xmlns="">
       <p:transition spd="med">
         <p:fade/>
       </p:transition>
@@ -34009,18 +34010,14 @@
           <a:p>
             <a:r>
               <a:rPr lang="en-US" dirty="0" err="1"/>
-              <a:t>FluxQL</a:t>
+              <a:t>InfluxQL</a:t>
             </a:r>
             <a:endParaRPr lang="en-US" dirty="0"/>
           </a:p>
           <a:p>
             <a:r>
-              <a:rPr lang="en-US" dirty="0" err="1"/>
-              <a:t>Telegraf</a:t>
-            </a:r>
-            <a:r>
-              <a:rPr lang="en-US" dirty="0"/>
-              <a:t> / Grafana</a:t>
+              <a:rPr lang="en-US" dirty="0"/>
+              <a:t>Grafana</a:t>
             </a:r>
           </a:p>
           <a:p>

--- a/Powerpoint v3.pptx
+++ b/Powerpoint v3.pptx
@@ -11338,7 +11338,7 @@
           <a:p>
             <a:fld id="{D71E13D6-B070-45C8-AC42-90F25AD4976F}" type="datetime8">
               <a:rPr lang="en-CH" smtClean="0"/>
-              <a:t>27/01/2022 17:49</a:t>
+              <a:t>27/01/2022 19:19</a:t>
             </a:fld>
             <a:endParaRPr lang="en-CH"/>
           </a:p>
@@ -11538,7 +11538,7 @@
           <a:p>
             <a:fld id="{34C1AEE4-2DCF-4A66-9927-6F783BB52BE0}" type="datetime8">
               <a:rPr lang="en-CH" smtClean="0"/>
-              <a:t>27/01/2022 17:49</a:t>
+              <a:t>27/01/2022 19:19</a:t>
             </a:fld>
             <a:endParaRPr lang="en-CH"/>
           </a:p>
@@ -11748,7 +11748,7 @@
           <a:p>
             <a:fld id="{C4C13A0D-7035-4256-BB1C-652F6CDC1D82}" type="datetime8">
               <a:rPr lang="en-CH" smtClean="0"/>
-              <a:t>27/01/2022 17:49</a:t>
+              <a:t>27/01/2022 19:19</a:t>
             </a:fld>
             <a:endParaRPr lang="en-CH"/>
           </a:p>
@@ -11948,7 +11948,7 @@
           <a:p>
             <a:fld id="{A720F8AA-53F4-4181-BD2C-7354613DB587}" type="datetime8">
               <a:rPr lang="en-CH" smtClean="0"/>
-              <a:t>27/01/2022 17:49</a:t>
+              <a:t>27/01/2022 19:19</a:t>
             </a:fld>
             <a:endParaRPr lang="en-CH"/>
           </a:p>
@@ -12224,7 +12224,7 @@
           <a:p>
             <a:fld id="{18ED5C57-181E-4E8A-8032-E5587C441532}" type="datetime8">
               <a:rPr lang="en-CH" smtClean="0"/>
-              <a:t>27/01/2022 17:49</a:t>
+              <a:t>27/01/2022 19:19</a:t>
             </a:fld>
             <a:endParaRPr lang="en-CH"/>
           </a:p>
@@ -12492,7 +12492,7 @@
           <a:p>
             <a:fld id="{2711B6E1-EBCF-4960-9E94-A2CE4CEDA9CF}" type="datetime8">
               <a:rPr lang="en-CH" smtClean="0"/>
-              <a:t>27/01/2022 17:49</a:t>
+              <a:t>27/01/2022 19:19</a:t>
             </a:fld>
             <a:endParaRPr lang="en-CH"/>
           </a:p>
@@ -12907,7 +12907,7 @@
           <a:p>
             <a:fld id="{60888D22-8975-4143-BBCD-F78A0E3504A0}" type="datetime8">
               <a:rPr lang="en-CH" smtClean="0"/>
-              <a:t>27/01/2022 17:49</a:t>
+              <a:t>27/01/2022 19:19</a:t>
             </a:fld>
             <a:endParaRPr lang="en-CH"/>
           </a:p>
@@ -13049,7 +13049,7 @@
           <a:p>
             <a:fld id="{CB62F5ED-9834-4FF8-A8E6-FE85BE4A88B6}" type="datetime8">
               <a:rPr lang="en-CH" smtClean="0"/>
-              <a:t>27/01/2022 17:49</a:t>
+              <a:t>27/01/2022 19:19</a:t>
             </a:fld>
             <a:endParaRPr lang="en-CH"/>
           </a:p>
@@ -13162,7 +13162,7 @@
           <a:p>
             <a:fld id="{91C4E595-669A-4DA7-8755-75BCB1DD65E9}" type="datetime8">
               <a:rPr lang="en-CH" smtClean="0"/>
-              <a:t>27/01/2022 17:49</a:t>
+              <a:t>27/01/2022 19:19</a:t>
             </a:fld>
             <a:endParaRPr lang="en-CH"/>
           </a:p>
@@ -13475,7 +13475,7 @@
           <a:p>
             <a:fld id="{1D3E9293-092D-4F3B-852B-B7B73C73F1F9}" type="datetime8">
               <a:rPr lang="en-CH" smtClean="0"/>
-              <a:t>27/01/2022 17:49</a:t>
+              <a:t>27/01/2022 19:19</a:t>
             </a:fld>
             <a:endParaRPr lang="en-CH"/>
           </a:p>
@@ -13764,7 +13764,7 @@
           <a:p>
             <a:fld id="{72DA9548-12AA-4712-AB6D-8087536C3BD4}" type="datetime8">
               <a:rPr lang="en-CH" smtClean="0"/>
-              <a:t>27/01/2022 17:49</a:t>
+              <a:t>27/01/2022 19:19</a:t>
             </a:fld>
             <a:endParaRPr lang="en-CH"/>
           </a:p>
@@ -14007,7 +14007,7 @@
           <a:p>
             <a:fld id="{361E5043-500B-4A06-A6BE-2D713F12E4A2}" type="datetime8">
               <a:rPr lang="en-CH" smtClean="0"/>
-              <a:t>27/01/2022 17:49</a:t>
+              <a:t>27/01/2022 19:19</a:t>
             </a:fld>
             <a:endParaRPr lang="en-CH"/>
           </a:p>
@@ -16617,22 +16617,6 @@
             <a:r>
               <a:rPr lang="en-US" dirty="0" err="1"/>
               <a:t>Initialisierung</a:t>
-            </a:r>
-            <a:endParaRPr lang="en-US" dirty="0"/>
-          </a:p>
-          <a:p>
-            <a:pPr lvl="1"/>
-            <a:r>
-              <a:rPr lang="en-US" dirty="0" err="1"/>
-              <a:t>Daten</a:t>
-            </a:r>
-            <a:r>
-              <a:rPr lang="en-US" dirty="0"/>
-              <a:t> in DB </a:t>
-            </a:r>
-            <a:r>
-              <a:rPr lang="en-US" dirty="0" err="1"/>
-              <a:t>schreiben</a:t>
             </a:r>
             <a:endParaRPr lang="en-US" dirty="0"/>
           </a:p>
